--- a/ntp/ntp-service.pptx
+++ b/ntp/ntp-service.pptx
@@ -5,7 +5,7 @@
     <p:sldMasterId id="2147483648" r:id="rId1"/>
   </p:sldMasterIdLst>
   <p:notesMasterIdLst>
-    <p:notesMasterId r:id="rId18"/>
+    <p:notesMasterId r:id="rId19"/>
   </p:notesMasterIdLst>
   <p:sldIdLst>
     <p:sldId id="256" r:id="rId2"/>
@@ -20,10 +20,11 @@
     <p:sldId id="278" r:id="rId11"/>
     <p:sldId id="265" r:id="rId12"/>
     <p:sldId id="279" r:id="rId13"/>
-    <p:sldId id="280" r:id="rId14"/>
-    <p:sldId id="262" r:id="rId15"/>
-    <p:sldId id="270" r:id="rId16"/>
-    <p:sldId id="272" r:id="rId17"/>
+    <p:sldId id="281" r:id="rId14"/>
+    <p:sldId id="280" r:id="rId15"/>
+    <p:sldId id="262" r:id="rId16"/>
+    <p:sldId id="270" r:id="rId17"/>
+    <p:sldId id="272" r:id="rId18"/>
   </p:sldIdLst>
   <p:sldSz cx="10080625" cy="7559675"/>
   <p:notesSz cx="7772400" cy="10058400"/>
@@ -4156,6 +4157,562 @@
     </p:spTree>
     <p:extLst>
       <p:ext uri="{BB962C8B-B14F-4D97-AF65-F5344CB8AC3E}">
+        <p14:creationId xmlns:p14="http://schemas.microsoft.com/office/powerpoint/2010/main" val="441587734"/>
+      </p:ext>
+    </p:extLst>
+  </p:cSld>
+  <p:clrMapOvr>
+    <a:masterClrMapping/>
+  </p:clrMapOvr>
+</p:notes>
+</file>
+
+<file path=ppt/notesSlides/notesSlide14.xml><?xml version="1.0" encoding="utf-8"?>
+<p:notes xmlns:a="http://schemas.openxmlformats.org/drawingml/2006/main" xmlns:r="http://schemas.openxmlformats.org/officeDocument/2006/relationships" xmlns:p="http://schemas.openxmlformats.org/presentationml/2006/main">
+  <p:cSld>
+    <p:bg>
+      <p:bgPr>
+        <a:solidFill>
+          <a:srgbClr val="FFFFFF"/>
+        </a:solidFill>
+        <a:effectLst/>
+      </p:bgPr>
+    </p:bg>
+    <p:spTree>
+      <p:nvGrpSpPr>
+        <p:cNvPr id="1" name=""/>
+        <p:cNvGrpSpPr/>
+        <p:nvPr/>
+      </p:nvGrpSpPr>
+      <p:grpSpPr>
+        <a:xfrm>
+          <a:off x="0" y="0"/>
+          <a:ext cx="0" cy="0"/>
+          <a:chOff x="0" y="0"/>
+          <a:chExt cx="0" cy="0"/>
+        </a:xfrm>
+      </p:grpSpPr>
+      <p:sp>
+        <p:nvSpPr>
+          <p:cNvPr id="4" name="Rectangle 8"/>
+          <p:cNvSpPr>
+            <a:spLocks noGrp="1" noChangeArrowheads="1"/>
+          </p:cNvSpPr>
+          <p:nvPr>
+            <p:ph type="sldNum" sz="quarter"/>
+          </p:nvPr>
+        </p:nvSpPr>
+        <p:spPr>
+          <a:extLst>
+            <a:ext uri="{909E8E84-426E-40dd-AFC4-6F175D3DCCD1}">
+              <a14:hiddenFill xmlns:a14="http://schemas.microsoft.com/office/drawing/2010/main" xmlns="">
+                <a:solidFill>
+                  <a:srgbClr val="FFFFFF"/>
+                </a:solidFill>
+              </a14:hiddenFill>
+            </a:ext>
+            <a:ext uri="{91240B29-F687-4f45-9708-019B960494DF}">
+              <a14:hiddenLine xmlns:a14="http://schemas.microsoft.com/office/drawing/2010/main" xmlns="" w="9525" cap="flat">
+                <a:solidFill>
+                  <a:srgbClr val="3465A4"/>
+                </a:solidFill>
+                <a:round/>
+                <a:headEnd/>
+                <a:tailEnd/>
+              </a14:hiddenLine>
+            </a:ext>
+            <a:ext uri="{AF507438-7753-43e0-B8FC-AC1667EBCBE1}">
+              <a14:hiddenEffects xmlns:a14="http://schemas.microsoft.com/office/drawing/2010/main" xmlns="">
+                <a:effectLst>
+                  <a:outerShdw blurRad="63500" dist="38099" dir="2700000" algn="ctr" rotWithShape="0">
+                    <a:schemeClr val="bg2">
+                      <a:alpha val="74998"/>
+                    </a:schemeClr>
+                  </a:outerShdw>
+                </a:effectLst>
+              </a14:hiddenEffects>
+            </a:ext>
+          </a:extLst>
+        </p:spPr>
+        <p:txBody>
+          <a:bodyPr/>
+          <a:lstStyle>
+            <a:lvl1pPr eaLnBrk="0">
+              <a:tabLst>
+                <a:tab pos="0" algn="l"/>
+                <a:tab pos="457200" algn="l"/>
+                <a:tab pos="914400" algn="l"/>
+                <a:tab pos="1371600" algn="l"/>
+                <a:tab pos="1828800" algn="l"/>
+                <a:tab pos="2286000" algn="l"/>
+                <a:tab pos="2743200" algn="l"/>
+                <a:tab pos="3200400" algn="l"/>
+                <a:tab pos="3657600" algn="l"/>
+                <a:tab pos="4114800" algn="l"/>
+                <a:tab pos="4572000" algn="l"/>
+                <a:tab pos="5029200" algn="l"/>
+                <a:tab pos="5486400" algn="l"/>
+                <a:tab pos="5943600" algn="l"/>
+                <a:tab pos="6400800" algn="l"/>
+                <a:tab pos="6858000" algn="l"/>
+                <a:tab pos="7315200" algn="l"/>
+                <a:tab pos="7772400" algn="l"/>
+                <a:tab pos="8229600" algn="l"/>
+                <a:tab pos="8686800" algn="l"/>
+                <a:tab pos="9144000" algn="l"/>
+              </a:tabLst>
+              <a:defRPr sz="2400">
+                <a:solidFill>
+                  <a:schemeClr val="bg1"/>
+                </a:solidFill>
+                <a:latin typeface="Arial" charset="0"/>
+                <a:ea typeface="ＭＳ Ｐゴシック" charset="-128"/>
+              </a:defRPr>
+            </a:lvl1pPr>
+            <a:lvl2pPr eaLnBrk="0">
+              <a:tabLst>
+                <a:tab pos="0" algn="l"/>
+                <a:tab pos="457200" algn="l"/>
+                <a:tab pos="914400" algn="l"/>
+                <a:tab pos="1371600" algn="l"/>
+                <a:tab pos="1828800" algn="l"/>
+                <a:tab pos="2286000" algn="l"/>
+                <a:tab pos="2743200" algn="l"/>
+                <a:tab pos="3200400" algn="l"/>
+                <a:tab pos="3657600" algn="l"/>
+                <a:tab pos="4114800" algn="l"/>
+                <a:tab pos="4572000" algn="l"/>
+                <a:tab pos="5029200" algn="l"/>
+                <a:tab pos="5486400" algn="l"/>
+                <a:tab pos="5943600" algn="l"/>
+                <a:tab pos="6400800" algn="l"/>
+                <a:tab pos="6858000" algn="l"/>
+                <a:tab pos="7315200" algn="l"/>
+                <a:tab pos="7772400" algn="l"/>
+                <a:tab pos="8229600" algn="l"/>
+                <a:tab pos="8686800" algn="l"/>
+                <a:tab pos="9144000" algn="l"/>
+              </a:tabLst>
+              <a:defRPr sz="2400">
+                <a:solidFill>
+                  <a:schemeClr val="bg1"/>
+                </a:solidFill>
+                <a:latin typeface="Arial" charset="0"/>
+                <a:ea typeface="ＭＳ Ｐゴシック" charset="-128"/>
+              </a:defRPr>
+            </a:lvl2pPr>
+            <a:lvl3pPr eaLnBrk="0">
+              <a:tabLst>
+                <a:tab pos="0" algn="l"/>
+                <a:tab pos="457200" algn="l"/>
+                <a:tab pos="914400" algn="l"/>
+                <a:tab pos="1371600" algn="l"/>
+                <a:tab pos="1828800" algn="l"/>
+                <a:tab pos="2286000" algn="l"/>
+                <a:tab pos="2743200" algn="l"/>
+                <a:tab pos="3200400" algn="l"/>
+                <a:tab pos="3657600" algn="l"/>
+                <a:tab pos="4114800" algn="l"/>
+                <a:tab pos="4572000" algn="l"/>
+                <a:tab pos="5029200" algn="l"/>
+                <a:tab pos="5486400" algn="l"/>
+                <a:tab pos="5943600" algn="l"/>
+                <a:tab pos="6400800" algn="l"/>
+                <a:tab pos="6858000" algn="l"/>
+                <a:tab pos="7315200" algn="l"/>
+                <a:tab pos="7772400" algn="l"/>
+                <a:tab pos="8229600" algn="l"/>
+                <a:tab pos="8686800" algn="l"/>
+                <a:tab pos="9144000" algn="l"/>
+              </a:tabLst>
+              <a:defRPr sz="2400">
+                <a:solidFill>
+                  <a:schemeClr val="bg1"/>
+                </a:solidFill>
+                <a:latin typeface="Arial" charset="0"/>
+                <a:ea typeface="ＭＳ Ｐゴシック" charset="-128"/>
+              </a:defRPr>
+            </a:lvl3pPr>
+            <a:lvl4pPr eaLnBrk="0">
+              <a:tabLst>
+                <a:tab pos="0" algn="l"/>
+                <a:tab pos="457200" algn="l"/>
+                <a:tab pos="914400" algn="l"/>
+                <a:tab pos="1371600" algn="l"/>
+                <a:tab pos="1828800" algn="l"/>
+                <a:tab pos="2286000" algn="l"/>
+                <a:tab pos="2743200" algn="l"/>
+                <a:tab pos="3200400" algn="l"/>
+                <a:tab pos="3657600" algn="l"/>
+                <a:tab pos="4114800" algn="l"/>
+                <a:tab pos="4572000" algn="l"/>
+                <a:tab pos="5029200" algn="l"/>
+                <a:tab pos="5486400" algn="l"/>
+                <a:tab pos="5943600" algn="l"/>
+                <a:tab pos="6400800" algn="l"/>
+                <a:tab pos="6858000" algn="l"/>
+                <a:tab pos="7315200" algn="l"/>
+                <a:tab pos="7772400" algn="l"/>
+                <a:tab pos="8229600" algn="l"/>
+                <a:tab pos="8686800" algn="l"/>
+                <a:tab pos="9144000" algn="l"/>
+              </a:tabLst>
+              <a:defRPr sz="2400">
+                <a:solidFill>
+                  <a:schemeClr val="bg1"/>
+                </a:solidFill>
+                <a:latin typeface="Arial" charset="0"/>
+                <a:ea typeface="ＭＳ Ｐゴシック" charset="-128"/>
+              </a:defRPr>
+            </a:lvl4pPr>
+            <a:lvl5pPr eaLnBrk="0">
+              <a:tabLst>
+                <a:tab pos="0" algn="l"/>
+                <a:tab pos="457200" algn="l"/>
+                <a:tab pos="914400" algn="l"/>
+                <a:tab pos="1371600" algn="l"/>
+                <a:tab pos="1828800" algn="l"/>
+                <a:tab pos="2286000" algn="l"/>
+                <a:tab pos="2743200" algn="l"/>
+                <a:tab pos="3200400" algn="l"/>
+                <a:tab pos="3657600" algn="l"/>
+                <a:tab pos="4114800" algn="l"/>
+                <a:tab pos="4572000" algn="l"/>
+                <a:tab pos="5029200" algn="l"/>
+                <a:tab pos="5486400" algn="l"/>
+                <a:tab pos="5943600" algn="l"/>
+                <a:tab pos="6400800" algn="l"/>
+                <a:tab pos="6858000" algn="l"/>
+                <a:tab pos="7315200" algn="l"/>
+                <a:tab pos="7772400" algn="l"/>
+                <a:tab pos="8229600" algn="l"/>
+                <a:tab pos="8686800" algn="l"/>
+                <a:tab pos="9144000" algn="l"/>
+              </a:tabLst>
+              <a:defRPr sz="2400">
+                <a:solidFill>
+                  <a:schemeClr val="bg1"/>
+                </a:solidFill>
+                <a:latin typeface="Arial" charset="0"/>
+                <a:ea typeface="ＭＳ Ｐゴシック" charset="-128"/>
+              </a:defRPr>
+            </a:lvl5pPr>
+            <a:lvl6pPr marL="2514600" indent="-228600" defTabSz="457200" eaLnBrk="0" fontAlgn="base" hangingPunct="0">
+              <a:lnSpc>
+                <a:spcPct val="96000"/>
+              </a:lnSpc>
+              <a:spcBef>
+                <a:spcPct val="0"/>
+              </a:spcBef>
+              <a:spcAft>
+                <a:spcPct val="0"/>
+              </a:spcAft>
+              <a:buClr>
+                <a:srgbClr val="000000"/>
+              </a:buClr>
+              <a:buSzPct val="100000"/>
+              <a:buFont typeface="Times New Roman" charset="0"/>
+              <a:tabLst>
+                <a:tab pos="0" algn="l"/>
+                <a:tab pos="457200" algn="l"/>
+                <a:tab pos="914400" algn="l"/>
+                <a:tab pos="1371600" algn="l"/>
+                <a:tab pos="1828800" algn="l"/>
+                <a:tab pos="2286000" algn="l"/>
+                <a:tab pos="2743200" algn="l"/>
+                <a:tab pos="3200400" algn="l"/>
+                <a:tab pos="3657600" algn="l"/>
+                <a:tab pos="4114800" algn="l"/>
+                <a:tab pos="4572000" algn="l"/>
+                <a:tab pos="5029200" algn="l"/>
+                <a:tab pos="5486400" algn="l"/>
+                <a:tab pos="5943600" algn="l"/>
+                <a:tab pos="6400800" algn="l"/>
+                <a:tab pos="6858000" algn="l"/>
+                <a:tab pos="7315200" algn="l"/>
+                <a:tab pos="7772400" algn="l"/>
+                <a:tab pos="8229600" algn="l"/>
+                <a:tab pos="8686800" algn="l"/>
+                <a:tab pos="9144000" algn="l"/>
+              </a:tabLst>
+              <a:defRPr sz="2400">
+                <a:solidFill>
+                  <a:schemeClr val="bg1"/>
+                </a:solidFill>
+                <a:latin typeface="Arial" charset="0"/>
+                <a:ea typeface="ＭＳ Ｐゴシック" charset="-128"/>
+              </a:defRPr>
+            </a:lvl6pPr>
+            <a:lvl7pPr marL="2971800" indent="-228600" defTabSz="457200" eaLnBrk="0" fontAlgn="base" hangingPunct="0">
+              <a:lnSpc>
+                <a:spcPct val="96000"/>
+              </a:lnSpc>
+              <a:spcBef>
+                <a:spcPct val="0"/>
+              </a:spcBef>
+              <a:spcAft>
+                <a:spcPct val="0"/>
+              </a:spcAft>
+              <a:buClr>
+                <a:srgbClr val="000000"/>
+              </a:buClr>
+              <a:buSzPct val="100000"/>
+              <a:buFont typeface="Times New Roman" charset="0"/>
+              <a:tabLst>
+                <a:tab pos="0" algn="l"/>
+                <a:tab pos="457200" algn="l"/>
+                <a:tab pos="914400" algn="l"/>
+                <a:tab pos="1371600" algn="l"/>
+                <a:tab pos="1828800" algn="l"/>
+                <a:tab pos="2286000" algn="l"/>
+                <a:tab pos="2743200" algn="l"/>
+                <a:tab pos="3200400" algn="l"/>
+                <a:tab pos="3657600" algn="l"/>
+                <a:tab pos="4114800" algn="l"/>
+                <a:tab pos="4572000" algn="l"/>
+                <a:tab pos="5029200" algn="l"/>
+                <a:tab pos="5486400" algn="l"/>
+                <a:tab pos="5943600" algn="l"/>
+                <a:tab pos="6400800" algn="l"/>
+                <a:tab pos="6858000" algn="l"/>
+                <a:tab pos="7315200" algn="l"/>
+                <a:tab pos="7772400" algn="l"/>
+                <a:tab pos="8229600" algn="l"/>
+                <a:tab pos="8686800" algn="l"/>
+                <a:tab pos="9144000" algn="l"/>
+              </a:tabLst>
+              <a:defRPr sz="2400">
+                <a:solidFill>
+                  <a:schemeClr val="bg1"/>
+                </a:solidFill>
+                <a:latin typeface="Arial" charset="0"/>
+                <a:ea typeface="ＭＳ Ｐゴシック" charset="-128"/>
+              </a:defRPr>
+            </a:lvl7pPr>
+            <a:lvl8pPr marL="3429000" indent="-228600" defTabSz="457200" eaLnBrk="0" fontAlgn="base" hangingPunct="0">
+              <a:lnSpc>
+                <a:spcPct val="96000"/>
+              </a:lnSpc>
+              <a:spcBef>
+                <a:spcPct val="0"/>
+              </a:spcBef>
+              <a:spcAft>
+                <a:spcPct val="0"/>
+              </a:spcAft>
+              <a:buClr>
+                <a:srgbClr val="000000"/>
+              </a:buClr>
+              <a:buSzPct val="100000"/>
+              <a:buFont typeface="Times New Roman" charset="0"/>
+              <a:tabLst>
+                <a:tab pos="0" algn="l"/>
+                <a:tab pos="457200" algn="l"/>
+                <a:tab pos="914400" algn="l"/>
+                <a:tab pos="1371600" algn="l"/>
+                <a:tab pos="1828800" algn="l"/>
+                <a:tab pos="2286000" algn="l"/>
+                <a:tab pos="2743200" algn="l"/>
+                <a:tab pos="3200400" algn="l"/>
+                <a:tab pos="3657600" algn="l"/>
+                <a:tab pos="4114800" algn="l"/>
+                <a:tab pos="4572000" algn="l"/>
+                <a:tab pos="5029200" algn="l"/>
+                <a:tab pos="5486400" algn="l"/>
+                <a:tab pos="5943600" algn="l"/>
+                <a:tab pos="6400800" algn="l"/>
+                <a:tab pos="6858000" algn="l"/>
+                <a:tab pos="7315200" algn="l"/>
+                <a:tab pos="7772400" algn="l"/>
+                <a:tab pos="8229600" algn="l"/>
+                <a:tab pos="8686800" algn="l"/>
+                <a:tab pos="9144000" algn="l"/>
+              </a:tabLst>
+              <a:defRPr sz="2400">
+                <a:solidFill>
+                  <a:schemeClr val="bg1"/>
+                </a:solidFill>
+                <a:latin typeface="Arial" charset="0"/>
+                <a:ea typeface="ＭＳ Ｐゴシック" charset="-128"/>
+              </a:defRPr>
+            </a:lvl8pPr>
+            <a:lvl9pPr marL="3886200" indent="-228600" defTabSz="457200" eaLnBrk="0" fontAlgn="base" hangingPunct="0">
+              <a:lnSpc>
+                <a:spcPct val="96000"/>
+              </a:lnSpc>
+              <a:spcBef>
+                <a:spcPct val="0"/>
+              </a:spcBef>
+              <a:spcAft>
+                <a:spcPct val="0"/>
+              </a:spcAft>
+              <a:buClr>
+                <a:srgbClr val="000000"/>
+              </a:buClr>
+              <a:buSzPct val="100000"/>
+              <a:buFont typeface="Times New Roman" charset="0"/>
+              <a:tabLst>
+                <a:tab pos="0" algn="l"/>
+                <a:tab pos="457200" algn="l"/>
+                <a:tab pos="914400" algn="l"/>
+                <a:tab pos="1371600" algn="l"/>
+                <a:tab pos="1828800" algn="l"/>
+                <a:tab pos="2286000" algn="l"/>
+                <a:tab pos="2743200" algn="l"/>
+                <a:tab pos="3200400" algn="l"/>
+                <a:tab pos="3657600" algn="l"/>
+                <a:tab pos="4114800" algn="l"/>
+                <a:tab pos="4572000" algn="l"/>
+                <a:tab pos="5029200" algn="l"/>
+                <a:tab pos="5486400" algn="l"/>
+                <a:tab pos="5943600" algn="l"/>
+                <a:tab pos="6400800" algn="l"/>
+                <a:tab pos="6858000" algn="l"/>
+                <a:tab pos="7315200" algn="l"/>
+                <a:tab pos="7772400" algn="l"/>
+                <a:tab pos="8229600" algn="l"/>
+                <a:tab pos="8686800" algn="l"/>
+                <a:tab pos="9144000" algn="l"/>
+              </a:tabLst>
+              <a:defRPr sz="2400">
+                <a:solidFill>
+                  <a:schemeClr val="bg1"/>
+                </a:solidFill>
+                <a:latin typeface="Arial" charset="0"/>
+                <a:ea typeface="ＭＳ Ｐゴシック" charset="-128"/>
+              </a:defRPr>
+            </a:lvl9pPr>
+          </a:lstStyle>
+          <a:p>
+            <a:pPr eaLnBrk="1"/>
+            <a:fld id="{AF151737-B980-9E47-B951-95A3861A1A5F}" type="slidenum">
+              <a:rPr lang="en-GB" altLang="x-none" sz="1400">
+                <a:solidFill>
+                  <a:srgbClr val="000000"/>
+                </a:solidFill>
+                <a:latin typeface="Times New Roman" charset="0"/>
+              </a:rPr>
+              <a:pPr eaLnBrk="1"/>
+              <a:t>14</a:t>
+            </a:fld>
+            <a:endParaRPr lang="en-GB" altLang="x-none" sz="1400">
+              <a:solidFill>
+                <a:srgbClr val="000000"/>
+              </a:solidFill>
+              <a:latin typeface="Times New Roman" charset="0"/>
+            </a:endParaRPr>
+          </a:p>
+        </p:txBody>
+      </p:sp>
+      <p:sp>
+        <p:nvSpPr>
+          <p:cNvPr id="29697" name="Text Box 1"/>
+          <p:cNvSpPr txBox="1">
+            <a:spLocks noGrp="1" noRot="1" noChangeAspect="1" noChangeArrowheads="1"/>
+          </p:cNvSpPr>
+          <p:nvPr>
+            <p:ph type="sldImg"/>
+          </p:nvPr>
+        </p:nvSpPr>
+        <p:spPr>
+          <a:xfrm>
+            <a:off x="1371600" y="763588"/>
+            <a:ext cx="5027613" cy="3770312"/>
+          </a:xfrm>
+          <a:solidFill>
+            <a:srgbClr val="FFFFFF"/>
+          </a:solidFill>
+          <a:ln>
+            <a:solidFill>
+              <a:srgbClr val="000000"/>
+            </a:solidFill>
+            <a:miter lim="800000"/>
+            <a:headEnd/>
+            <a:tailEnd/>
+          </a:ln>
+          <a:extLst>
+            <a:ext uri="{AF507438-7753-43e0-B8FC-AC1667EBCBE1}">
+              <a14:hiddenEffects xmlns:a14="http://schemas.microsoft.com/office/drawing/2010/main" xmlns="">
+                <a:effectLst>
+                  <a:outerShdw blurRad="63500" dist="38099" dir="2700000" algn="ctr" rotWithShape="0">
+                    <a:srgbClr val="000000">
+                      <a:alpha val="74998"/>
+                    </a:srgbClr>
+                  </a:outerShdw>
+                </a:effectLst>
+              </a14:hiddenEffects>
+            </a:ext>
+          </a:extLst>
+        </p:spPr>
+      </p:sp>
+      <p:sp>
+        <p:nvSpPr>
+          <p:cNvPr id="29698" name="Text Box 2"/>
+          <p:cNvSpPr txBox="1">
+            <a:spLocks noChangeArrowheads="1"/>
+          </p:cNvSpPr>
+          <p:nvPr/>
+        </p:nvSpPr>
+        <p:spPr bwMode="auto">
+          <a:xfrm>
+            <a:off x="777875" y="4776788"/>
+            <a:ext cx="6216650" cy="4524375"/>
+          </a:xfrm>
+          <a:prstGeom prst="rect">
+            <a:avLst/>
+          </a:prstGeom>
+          <a:noFill/>
+          <a:ln>
+            <a:noFill/>
+          </a:ln>
+          <a:effectLst/>
+          <a:extLst>
+            <a:ext uri="{909E8E84-426E-40dd-AFC4-6F175D3DCCD1}">
+              <a14:hiddenFill xmlns:a14="http://schemas.microsoft.com/office/drawing/2010/main" xmlns="">
+                <a:solidFill>
+                  <a:srgbClr val="FFFFFF"/>
+                </a:solidFill>
+              </a14:hiddenFill>
+            </a:ext>
+            <a:ext uri="{91240B29-F687-4f45-9708-019B960494DF}">
+              <a14:hiddenLine xmlns:a14="http://schemas.microsoft.com/office/drawing/2010/main" xmlns="" w="9525" cap="flat">
+                <a:solidFill>
+                  <a:srgbClr val="3465A4"/>
+                </a:solidFill>
+                <a:round/>
+                <a:headEnd/>
+                <a:tailEnd/>
+              </a14:hiddenLine>
+            </a:ext>
+            <a:ext uri="{AF507438-7753-43e0-B8FC-AC1667EBCBE1}">
+              <a14:hiddenEffects xmlns:a14="http://schemas.microsoft.com/office/drawing/2010/main" xmlns="">
+                <a:effectLst>
+                  <a:outerShdw blurRad="63500" dist="38099" dir="2700000" algn="ctr" rotWithShape="0">
+                    <a:srgbClr val="000000">
+                      <a:alpha val="74998"/>
+                    </a:srgbClr>
+                  </a:outerShdw>
+                </a:effectLst>
+              </a14:hiddenEffects>
+            </a:ext>
+          </a:extLst>
+        </p:spPr>
+        <p:txBody>
+          <a:bodyPr wrap="none" anchor="ctr"/>
+          <a:lstStyle/>
+          <a:p>
+            <a:pPr>
+              <a:defRPr/>
+            </a:pPr>
+            <a:endParaRPr lang="en-US">
+              <a:ea typeface="ＭＳ Ｐゴシック" charset="0"/>
+              <a:cs typeface="DejaVu Sans" charset="0"/>
+            </a:endParaRPr>
+          </a:p>
+        </p:txBody>
+      </p:sp>
+    </p:spTree>
+    <p:extLst>
+      <p:ext uri="{BB962C8B-B14F-4D97-AF65-F5344CB8AC3E}">
         <p14:creationId xmlns:p14="http://schemas.microsoft.com/office/powerpoint/2010/main" val="434389555"/>
       </p:ext>
     </p:extLst>
@@ -4166,7 +4723,7 @@
 </p:notes>
 </file>
 
-<file path=ppt/notesSlides/notesSlide14.xml><?xml version="1.0" encoding="utf-8"?>
+<file path=ppt/notesSlides/notesSlide15.xml><?xml version="1.0" encoding="utf-8"?>
 <p:notes xmlns:a="http://schemas.openxmlformats.org/drawingml/2006/main" xmlns:r="http://schemas.openxmlformats.org/officeDocument/2006/relationships" xmlns:p="http://schemas.openxmlformats.org/presentationml/2006/main">
   <p:cSld>
     <p:bg>
@@ -4591,7 +5148,7 @@
                 <a:latin typeface="Times New Roman" charset="0"/>
               </a:rPr>
               <a:pPr eaLnBrk="1"/>
-              <a:t>14</a:t>
+              <a:t>15</a:t>
             </a:fld>
             <a:endParaRPr lang="en-GB" altLang="x-none" sz="1400">
               <a:solidFill>
@@ -5022,7 +5579,7 @@
                 <a:buFontTx/>
                 <a:buNone/>
               </a:pPr>
-              <a:t>14</a:t>
+              <a:t>15</a:t>
             </a:fld>
             <a:endParaRPr lang="en-GB" altLang="x-none" sz="1400">
               <a:solidFill>
@@ -5148,7 +5705,7 @@
 </p:notes>
 </file>
 
-<file path=ppt/notesSlides/notesSlide15.xml><?xml version="1.0" encoding="utf-8"?>
+<file path=ppt/notesSlides/notesSlide16.xml><?xml version="1.0" encoding="utf-8"?>
 <p:notes xmlns:a="http://schemas.openxmlformats.org/drawingml/2006/main" xmlns:r="http://schemas.openxmlformats.org/officeDocument/2006/relationships" xmlns:p="http://schemas.openxmlformats.org/presentationml/2006/main">
   <p:cSld>
     <p:bg>
@@ -5573,7 +6130,7 @@
                 <a:latin typeface="Times New Roman" charset="0"/>
               </a:rPr>
               <a:pPr eaLnBrk="1"/>
-              <a:t>15</a:t>
+              <a:t>16</a:t>
             </a:fld>
             <a:endParaRPr lang="en-GB" altLang="x-none" sz="1400">
               <a:solidFill>
@@ -6004,7 +6561,7 @@
                 <a:buFontTx/>
                 <a:buNone/>
               </a:pPr>
-              <a:t>15</a:t>
+              <a:t>16</a:t>
             </a:fld>
             <a:endParaRPr lang="en-GB" altLang="x-none" sz="1400">
               <a:solidFill>
@@ -6130,7 +6687,7 @@
 </p:notes>
 </file>
 
-<file path=ppt/notesSlides/notesSlide16.xml><?xml version="1.0" encoding="utf-8"?>
+<file path=ppt/notesSlides/notesSlide17.xml><?xml version="1.0" encoding="utf-8"?>
 <p:notes xmlns:a="http://schemas.openxmlformats.org/drawingml/2006/main" xmlns:r="http://schemas.openxmlformats.org/officeDocument/2006/relationships" xmlns:p="http://schemas.openxmlformats.org/presentationml/2006/main">
   <p:cSld>
     <p:bg>
@@ -6555,7 +7112,7 @@
                 <a:latin typeface="Times New Roman" charset="0"/>
               </a:rPr>
               <a:pPr eaLnBrk="1"/>
-              <a:t>16</a:t>
+              <a:t>17</a:t>
             </a:fld>
             <a:endParaRPr lang="en-GB" altLang="x-none" sz="1400">
               <a:solidFill>
@@ -16774,7 +17331,7 @@
         </p:nvSpPr>
         <p:spPr>
           <a:xfrm>
-            <a:off x="1154112" y="2179637"/>
+            <a:off x="1154112" y="2103437"/>
             <a:ext cx="7924800" cy="1510670"/>
           </a:xfrm>
           <a:prstGeom prst="rect">
@@ -16927,7 +17484,7 @@
         </p:nvSpPr>
         <p:spPr>
           <a:xfrm>
-            <a:off x="1146174" y="4230119"/>
+            <a:off x="1146174" y="4160837"/>
             <a:ext cx="7932738" cy="1510670"/>
           </a:xfrm>
           <a:prstGeom prst="rect">
@@ -18150,8 +18707,8 @@
         </p:nvSpPr>
         <p:spPr>
           <a:xfrm>
-            <a:off x="925512" y="4262437"/>
-            <a:ext cx="8648701" cy="978729"/>
+            <a:off x="925512" y="4084637"/>
+            <a:ext cx="8648701" cy="1274195"/>
           </a:xfrm>
           <a:prstGeom prst="rect">
             <a:avLst/>
@@ -18167,95 +18724,302 @@
           <a:lstStyle/>
           <a:p>
             <a:r>
-              <a:rPr lang="en-US" sz="2000" dirty="0"/>
-              <a:t># By default, exchange time with everybody, but don't allow configuration.</a:t>
+              <a:rPr lang="en-US" sz="2000" dirty="0">
+                <a:solidFill>
+                  <a:schemeClr val="tx1"/>
+                </a:solidFill>
+                <a:latin typeface="Courier" charset="0"/>
+                <a:ea typeface="Courier" charset="0"/>
+                <a:cs typeface="Courier" charset="0"/>
+              </a:rPr>
+              <a:t># By default, exchange time with everybody, but </a:t>
+            </a:r>
+            <a:r>
+              <a:rPr lang="en-US" sz="2000" dirty="0" smtClean="0">
+                <a:solidFill>
+                  <a:schemeClr val="tx1"/>
+                </a:solidFill>
+                <a:latin typeface="Courier" charset="0"/>
+                <a:ea typeface="Courier" charset="0"/>
+                <a:cs typeface="Courier" charset="0"/>
+              </a:rPr>
+              <a:t>don't</a:t>
             </a:r>
           </a:p>
           <a:p>
             <a:r>
-              <a:rPr lang="en-US" sz="2000" dirty="0"/>
-              <a:t>restrict -4 default </a:t>
-            </a:r>
-            <a:r>
-              <a:rPr lang="en-US" sz="2000" dirty="0" err="1"/>
-              <a:t>kod</a:t>
-            </a:r>
-            <a:r>
-              <a:rPr lang="en-US" sz="2000" dirty="0"/>
+              <a:rPr lang="en-US" sz="2000" dirty="0">
+                <a:solidFill>
+                  <a:schemeClr val="tx1"/>
+                </a:solidFill>
+                <a:latin typeface="Courier" charset="0"/>
+                <a:ea typeface="Courier" charset="0"/>
+                <a:cs typeface="Courier" charset="0"/>
+              </a:rPr>
+              <a:t>#</a:t>
+            </a:r>
+            <a:r>
+              <a:rPr lang="en-US" sz="2000" dirty="0" smtClean="0">
+                <a:solidFill>
+                  <a:schemeClr val="tx1"/>
+                </a:solidFill>
+                <a:latin typeface="Courier" charset="0"/>
+                <a:ea typeface="Courier" charset="0"/>
+                <a:cs typeface="Courier" charset="0"/>
+              </a:rPr>
               <a:t> </a:t>
             </a:r>
             <a:r>
-              <a:rPr lang="en-US" sz="2000" dirty="0" err="1"/>
-              <a:t>notrap</a:t>
-            </a:r>
-            <a:r>
-              <a:rPr lang="en-US" sz="2000" dirty="0"/>
-              <a:t> </a:t>
-            </a:r>
-            <a:r>
-              <a:rPr lang="en-US" sz="2000" dirty="0" err="1"/>
-              <a:t>nomodify</a:t>
-            </a:r>
-            <a:r>
-              <a:rPr lang="en-US" sz="2000" dirty="0"/>
-              <a:t> </a:t>
-            </a:r>
-            <a:r>
-              <a:rPr lang="en-US" sz="2000" dirty="0" err="1"/>
-              <a:t>nopeer</a:t>
-            </a:r>
-            <a:r>
-              <a:rPr lang="en-US" sz="2000" dirty="0"/>
-              <a:t> </a:t>
-            </a:r>
-            <a:r>
-              <a:rPr lang="en-US" sz="2000" dirty="0" err="1"/>
-              <a:t>noquery</a:t>
-            </a:r>
-            <a:endParaRPr lang="en-US" sz="2000" dirty="0"/>
+              <a:rPr lang="en-US" sz="2000" dirty="0">
+                <a:solidFill>
+                  <a:schemeClr val="tx1"/>
+                </a:solidFill>
+                <a:latin typeface="Courier" charset="0"/>
+                <a:ea typeface="Courier" charset="0"/>
+                <a:cs typeface="Courier" charset="0"/>
+              </a:rPr>
+              <a:t>allow configuration.</a:t>
+            </a:r>
           </a:p>
           <a:p>
             <a:r>
-              <a:rPr lang="en-US" sz="2000" dirty="0"/>
+              <a:rPr lang="en-US" sz="2000" dirty="0">
+                <a:solidFill>
+                  <a:schemeClr val="tx1"/>
+                </a:solidFill>
+                <a:latin typeface="Courier" charset="0"/>
+                <a:ea typeface="Courier" charset="0"/>
+                <a:cs typeface="Courier" charset="0"/>
+              </a:rPr>
+              <a:t>restrict -4 default </a:t>
+            </a:r>
+            <a:r>
+              <a:rPr lang="en-US" sz="2000" dirty="0" err="1">
+                <a:solidFill>
+                  <a:schemeClr val="tx1"/>
+                </a:solidFill>
+                <a:latin typeface="Courier" charset="0"/>
+                <a:ea typeface="Courier" charset="0"/>
+                <a:cs typeface="Courier" charset="0"/>
+              </a:rPr>
+              <a:t>kod</a:t>
+            </a:r>
+            <a:r>
+              <a:rPr lang="en-US" sz="2000" dirty="0">
+                <a:solidFill>
+                  <a:schemeClr val="tx1"/>
+                </a:solidFill>
+                <a:latin typeface="Courier" charset="0"/>
+                <a:ea typeface="Courier" charset="0"/>
+                <a:cs typeface="Courier" charset="0"/>
+              </a:rPr>
+              <a:t> </a:t>
+            </a:r>
+            <a:r>
+              <a:rPr lang="en-US" sz="2000" dirty="0" err="1">
+                <a:solidFill>
+                  <a:schemeClr val="tx1"/>
+                </a:solidFill>
+                <a:latin typeface="Courier" charset="0"/>
+                <a:ea typeface="Courier" charset="0"/>
+                <a:cs typeface="Courier" charset="0"/>
+              </a:rPr>
+              <a:t>notrap</a:t>
+            </a:r>
+            <a:r>
+              <a:rPr lang="en-US" sz="2000" dirty="0">
+                <a:solidFill>
+                  <a:schemeClr val="tx1"/>
+                </a:solidFill>
+                <a:latin typeface="Courier" charset="0"/>
+                <a:ea typeface="Courier" charset="0"/>
+                <a:cs typeface="Courier" charset="0"/>
+              </a:rPr>
+              <a:t> </a:t>
+            </a:r>
+            <a:r>
+              <a:rPr lang="en-US" sz="2000" dirty="0" err="1">
+                <a:solidFill>
+                  <a:schemeClr val="tx1"/>
+                </a:solidFill>
+                <a:latin typeface="Courier" charset="0"/>
+                <a:ea typeface="Courier" charset="0"/>
+                <a:cs typeface="Courier" charset="0"/>
+              </a:rPr>
+              <a:t>nomodify</a:t>
+            </a:r>
+            <a:r>
+              <a:rPr lang="en-US" sz="2000" dirty="0">
+                <a:solidFill>
+                  <a:schemeClr val="tx1"/>
+                </a:solidFill>
+                <a:latin typeface="Courier" charset="0"/>
+                <a:ea typeface="Courier" charset="0"/>
+                <a:cs typeface="Courier" charset="0"/>
+              </a:rPr>
+              <a:t> </a:t>
+            </a:r>
+            <a:r>
+              <a:rPr lang="en-US" sz="2000" dirty="0" err="1">
+                <a:solidFill>
+                  <a:schemeClr val="tx1"/>
+                </a:solidFill>
+                <a:latin typeface="Courier" charset="0"/>
+                <a:ea typeface="Courier" charset="0"/>
+                <a:cs typeface="Courier" charset="0"/>
+              </a:rPr>
+              <a:t>nopeer</a:t>
+            </a:r>
+            <a:r>
+              <a:rPr lang="en-US" sz="2000" dirty="0">
+                <a:solidFill>
+                  <a:schemeClr val="tx1"/>
+                </a:solidFill>
+                <a:latin typeface="Courier" charset="0"/>
+                <a:ea typeface="Courier" charset="0"/>
+                <a:cs typeface="Courier" charset="0"/>
+              </a:rPr>
+              <a:t> </a:t>
+            </a:r>
+            <a:r>
+              <a:rPr lang="en-US" sz="2000" dirty="0" err="1">
+                <a:solidFill>
+                  <a:schemeClr val="tx1"/>
+                </a:solidFill>
+                <a:latin typeface="Courier" charset="0"/>
+                <a:ea typeface="Courier" charset="0"/>
+                <a:cs typeface="Courier" charset="0"/>
+              </a:rPr>
+              <a:t>noquery</a:t>
+            </a:r>
+            <a:endParaRPr lang="en-US" sz="2000" dirty="0">
+              <a:solidFill>
+                <a:schemeClr val="tx1"/>
+              </a:solidFill>
+              <a:latin typeface="Courier" charset="0"/>
+              <a:ea typeface="Courier" charset="0"/>
+              <a:cs typeface="Courier" charset="0"/>
+            </a:endParaRPr>
+          </a:p>
+          <a:p>
+            <a:r>
+              <a:rPr lang="en-US" sz="2000" dirty="0">
+                <a:solidFill>
+                  <a:schemeClr val="tx1"/>
+                </a:solidFill>
+                <a:latin typeface="Courier" charset="0"/>
+                <a:ea typeface="Courier" charset="0"/>
+                <a:cs typeface="Courier" charset="0"/>
+              </a:rPr>
               <a:t>restrict -6 default </a:t>
             </a:r>
             <a:r>
-              <a:rPr lang="en-US" sz="2000" dirty="0" err="1"/>
+              <a:rPr lang="en-US" sz="2000" dirty="0" err="1">
+                <a:solidFill>
+                  <a:schemeClr val="tx1"/>
+                </a:solidFill>
+                <a:latin typeface="Courier" charset="0"/>
+                <a:ea typeface="Courier" charset="0"/>
+                <a:cs typeface="Courier" charset="0"/>
+              </a:rPr>
               <a:t>kod</a:t>
             </a:r>
             <a:r>
-              <a:rPr lang="en-US" sz="2000" dirty="0"/>
+              <a:rPr lang="en-US" sz="2000" dirty="0">
+                <a:solidFill>
+                  <a:schemeClr val="tx1"/>
+                </a:solidFill>
+                <a:latin typeface="Courier" charset="0"/>
+                <a:ea typeface="Courier" charset="0"/>
+                <a:cs typeface="Courier" charset="0"/>
+              </a:rPr>
               <a:t> </a:t>
             </a:r>
             <a:r>
-              <a:rPr lang="en-US" sz="2000" dirty="0" err="1"/>
+              <a:rPr lang="en-US" sz="2000" dirty="0" err="1">
+                <a:solidFill>
+                  <a:schemeClr val="tx1"/>
+                </a:solidFill>
+                <a:latin typeface="Courier" charset="0"/>
+                <a:ea typeface="Courier" charset="0"/>
+                <a:cs typeface="Courier" charset="0"/>
+              </a:rPr>
               <a:t>notrap</a:t>
             </a:r>
             <a:r>
-              <a:rPr lang="en-US" sz="2000" dirty="0"/>
+              <a:rPr lang="en-US" sz="2000" dirty="0">
+                <a:solidFill>
+                  <a:schemeClr val="tx1"/>
+                </a:solidFill>
+                <a:latin typeface="Courier" charset="0"/>
+                <a:ea typeface="Courier" charset="0"/>
+                <a:cs typeface="Courier" charset="0"/>
+              </a:rPr>
               <a:t> </a:t>
             </a:r>
             <a:r>
-              <a:rPr lang="en-US" sz="2000" dirty="0" err="1"/>
+              <a:rPr lang="en-US" sz="2000" dirty="0" err="1">
+                <a:solidFill>
+                  <a:schemeClr val="tx1"/>
+                </a:solidFill>
+                <a:latin typeface="Courier" charset="0"/>
+                <a:ea typeface="Courier" charset="0"/>
+                <a:cs typeface="Courier" charset="0"/>
+              </a:rPr>
               <a:t>nomodify</a:t>
             </a:r>
             <a:r>
-              <a:rPr lang="en-US" sz="2000" dirty="0"/>
+              <a:rPr lang="en-US" sz="2000" dirty="0">
+                <a:solidFill>
+                  <a:schemeClr val="tx1"/>
+                </a:solidFill>
+                <a:latin typeface="Courier" charset="0"/>
+                <a:ea typeface="Courier" charset="0"/>
+                <a:cs typeface="Courier" charset="0"/>
+              </a:rPr>
               <a:t> </a:t>
             </a:r>
             <a:r>
-              <a:rPr lang="en-US" sz="2000" dirty="0" err="1"/>
+              <a:rPr lang="en-US" sz="2000" dirty="0" err="1">
+                <a:solidFill>
+                  <a:schemeClr val="tx1"/>
+                </a:solidFill>
+                <a:latin typeface="Courier" charset="0"/>
+                <a:ea typeface="Courier" charset="0"/>
+                <a:cs typeface="Courier" charset="0"/>
+              </a:rPr>
               <a:t>nopeer</a:t>
             </a:r>
             <a:r>
-              <a:rPr lang="en-US" sz="2000" dirty="0"/>
+              <a:rPr lang="en-US" sz="2000" dirty="0">
+                <a:solidFill>
+                  <a:schemeClr val="tx1"/>
+                </a:solidFill>
+                <a:latin typeface="Courier" charset="0"/>
+                <a:ea typeface="Courier" charset="0"/>
+                <a:cs typeface="Courier" charset="0"/>
+              </a:rPr>
               <a:t> </a:t>
             </a:r>
             <a:r>
-              <a:rPr lang="en-US" sz="2000" dirty="0" err="1"/>
+              <a:rPr lang="en-US" sz="2000" dirty="0" err="1">
+                <a:solidFill>
+                  <a:schemeClr val="tx1"/>
+                </a:solidFill>
+                <a:latin typeface="Courier" charset="0"/>
+                <a:ea typeface="Courier" charset="0"/>
+                <a:cs typeface="Courier" charset="0"/>
+              </a:rPr>
               <a:t>noquer</a:t>
             </a:r>
-            <a:endParaRPr lang="en-US" sz="2000" dirty="0"/>
+            <a:endParaRPr lang="en-US" sz="2000" dirty="0">
+              <a:solidFill>
+                <a:schemeClr val="tx1"/>
+              </a:solidFill>
+              <a:latin typeface="Courier" charset="0"/>
+              <a:ea typeface="Courier" charset="0"/>
+              <a:cs typeface="Courier" charset="0"/>
+            </a:endParaRPr>
           </a:p>
         </p:txBody>
       </p:sp>
@@ -19219,6 +19983,107 @@
               <a:buChar char=""/>
               <a:defRPr/>
             </a:pPr>
+            <a:endParaRPr lang="en-US" sz="2800" dirty="0">
+              <a:ea typeface="Arial" charset="0"/>
+              <a:cs typeface="Arial" charset="0"/>
+            </a:endParaRPr>
+          </a:p>
+          <a:p>
+            <a:pPr>
+              <a:lnSpc>
+                <a:spcPct val="97000"/>
+              </a:lnSpc>
+              <a:spcAft>
+                <a:spcPts val="1413"/>
+              </a:spcAft>
+              <a:buClr>
+                <a:srgbClr val="FF6309"/>
+              </a:buClr>
+              <a:buSzPct val="45000"/>
+              <a:buFont typeface="Wingdings" charset="0"/>
+              <a:buChar char=""/>
+              <a:defRPr/>
+            </a:pPr>
+            <a:endParaRPr lang="en-US" sz="2800" dirty="0" smtClean="0">
+              <a:ea typeface="Arial" charset="0"/>
+              <a:cs typeface="Arial" charset="0"/>
+            </a:endParaRPr>
+          </a:p>
+          <a:p>
+            <a:pPr>
+              <a:lnSpc>
+                <a:spcPct val="97000"/>
+              </a:lnSpc>
+              <a:spcAft>
+                <a:spcPts val="1413"/>
+              </a:spcAft>
+              <a:buClr>
+                <a:srgbClr val="FF6309"/>
+              </a:buClr>
+              <a:buSzPct val="45000"/>
+              <a:buFont typeface="Wingdings" charset="0"/>
+              <a:buChar char=""/>
+              <a:defRPr/>
+            </a:pPr>
+            <a:endParaRPr lang="en-US" sz="2800" dirty="0">
+              <a:ea typeface="Arial" charset="0"/>
+              <a:cs typeface="Arial" charset="0"/>
+            </a:endParaRPr>
+          </a:p>
+          <a:p>
+            <a:pPr>
+              <a:lnSpc>
+                <a:spcPct val="97000"/>
+              </a:lnSpc>
+              <a:spcAft>
+                <a:spcPts val="1413"/>
+              </a:spcAft>
+              <a:buClr>
+                <a:srgbClr val="FF6309"/>
+              </a:buClr>
+              <a:buSzPct val="45000"/>
+              <a:buFont typeface="Wingdings" charset="0"/>
+              <a:buChar char=""/>
+              <a:defRPr/>
+            </a:pPr>
+            <a:r>
+              <a:rPr lang="en-US" sz="2800" dirty="0" smtClean="0">
+                <a:ea typeface="Arial" charset="0"/>
+                <a:cs typeface="Arial" charset="0"/>
+              </a:rPr>
+              <a:t>We can also restrict the server from answering </a:t>
+            </a:r>
+            <a:r>
+              <a:rPr lang="en-US" sz="2800" dirty="0" err="1" smtClean="0">
+                <a:ea typeface="Arial" charset="0"/>
+                <a:cs typeface="Arial" charset="0"/>
+              </a:rPr>
+              <a:t>ntp</a:t>
+            </a:r>
+            <a:r>
+              <a:rPr lang="en-US" sz="2800" dirty="0" smtClean="0">
+                <a:ea typeface="Arial" charset="0"/>
+                <a:cs typeface="Arial" charset="0"/>
+              </a:rPr>
+              <a:t> queries</a:t>
+            </a:r>
+          </a:p>
+          <a:p>
+            <a:pPr>
+              <a:lnSpc>
+                <a:spcPct val="97000"/>
+              </a:lnSpc>
+              <a:spcAft>
+                <a:spcPts val="1413"/>
+              </a:spcAft>
+              <a:buClr>
+                <a:srgbClr val="FF6309"/>
+              </a:buClr>
+              <a:buSzPct val="45000"/>
+              <a:buFont typeface="Wingdings" charset="0"/>
+              <a:buChar char=""/>
+              <a:defRPr/>
+            </a:pPr>
             <a:endParaRPr lang="en-US" sz="2800" dirty="0" smtClean="0">
               <a:ea typeface="Arial" charset="0"/>
               <a:cs typeface="Arial" charset="0"/>
@@ -19255,8 +20120,8 @@
         </p:nvSpPr>
         <p:spPr>
           <a:xfrm>
-            <a:off x="863599" y="3170237"/>
-            <a:ext cx="8648701" cy="1569660"/>
+            <a:off x="503237" y="3170237"/>
+            <a:ext cx="9185275" cy="1628779"/>
           </a:xfrm>
           <a:prstGeom prst="rect">
             <a:avLst/>
@@ -19272,108 +20137,369 @@
           <a:lstStyle/>
           <a:p>
             <a:r>
-              <a:rPr lang="en-US" sz="2000" dirty="0" smtClean="0"/>
+              <a:rPr lang="en-US" sz="2000" dirty="0" smtClean="0">
+                <a:solidFill>
+                  <a:schemeClr val="tx1"/>
+                </a:solidFill>
+                <a:latin typeface="Courier" charset="0"/>
+                <a:ea typeface="Courier" charset="0"/>
+                <a:cs typeface="Courier" charset="0"/>
+              </a:rPr>
               <a:t>restrict 196.200.219.0 mask 255.255.255.0 limited </a:t>
             </a:r>
             <a:r>
-              <a:rPr lang="en-US" sz="2000" dirty="0" err="1" smtClean="0"/>
+              <a:rPr lang="en-US" sz="2000" dirty="0" err="1" smtClean="0">
+                <a:solidFill>
+                  <a:schemeClr val="tx1"/>
+                </a:solidFill>
+                <a:latin typeface="Courier" charset="0"/>
+                <a:ea typeface="Courier" charset="0"/>
+                <a:cs typeface="Courier" charset="0"/>
+              </a:rPr>
               <a:t>kod</a:t>
             </a:r>
             <a:r>
-              <a:rPr lang="en-US" sz="2000" dirty="0" smtClean="0"/>
+              <a:rPr lang="en-US" sz="2000" dirty="0" smtClean="0">
+                <a:solidFill>
+                  <a:schemeClr val="tx1"/>
+                </a:solidFill>
+                <a:latin typeface="Courier" charset="0"/>
+                <a:ea typeface="Courier" charset="0"/>
+                <a:cs typeface="Courier" charset="0"/>
+              </a:rPr>
               <a:t> </a:t>
             </a:r>
             <a:r>
-              <a:rPr lang="en-US" sz="2000" dirty="0" err="1"/>
+              <a:rPr lang="en-US" sz="2000" dirty="0" err="1">
+                <a:solidFill>
+                  <a:schemeClr val="tx1"/>
+                </a:solidFill>
+                <a:latin typeface="Courier" charset="0"/>
+                <a:ea typeface="Courier" charset="0"/>
+                <a:cs typeface="Courier" charset="0"/>
+              </a:rPr>
               <a:t>notrap</a:t>
             </a:r>
             <a:r>
-              <a:rPr lang="en-US" sz="2000" dirty="0"/>
+              <a:rPr lang="en-US" sz="2000" dirty="0">
+                <a:solidFill>
+                  <a:schemeClr val="tx1"/>
+                </a:solidFill>
+                <a:latin typeface="Courier" charset="0"/>
+                <a:ea typeface="Courier" charset="0"/>
+                <a:cs typeface="Courier" charset="0"/>
+              </a:rPr>
               <a:t> </a:t>
             </a:r>
             <a:r>
-              <a:rPr lang="en-US" sz="2000" dirty="0" err="1"/>
+              <a:rPr lang="en-US" sz="2000" dirty="0" err="1">
+                <a:solidFill>
+                  <a:schemeClr val="tx1"/>
+                </a:solidFill>
+                <a:latin typeface="Courier" charset="0"/>
+                <a:ea typeface="Courier" charset="0"/>
+                <a:cs typeface="Courier" charset="0"/>
+              </a:rPr>
               <a:t>nomodify</a:t>
             </a:r>
             <a:r>
-              <a:rPr lang="en-US" sz="2000" dirty="0"/>
+              <a:rPr lang="en-US" sz="2000" dirty="0">
+                <a:solidFill>
+                  <a:schemeClr val="tx1"/>
+                </a:solidFill>
+                <a:latin typeface="Courier" charset="0"/>
+                <a:ea typeface="Courier" charset="0"/>
+                <a:cs typeface="Courier" charset="0"/>
+              </a:rPr>
               <a:t> </a:t>
             </a:r>
             <a:r>
-              <a:rPr lang="en-US" sz="2000" dirty="0" err="1"/>
+              <a:rPr lang="en-US" sz="2000" dirty="0" err="1">
+                <a:solidFill>
+                  <a:schemeClr val="tx1"/>
+                </a:solidFill>
+                <a:latin typeface="Courier" charset="0"/>
+                <a:ea typeface="Courier" charset="0"/>
+                <a:cs typeface="Courier" charset="0"/>
+              </a:rPr>
               <a:t>nopeer</a:t>
             </a:r>
             <a:r>
-              <a:rPr lang="en-US" sz="2000" dirty="0"/>
+              <a:rPr lang="en-US" sz="2000" dirty="0">
+                <a:solidFill>
+                  <a:schemeClr val="tx1"/>
+                </a:solidFill>
+                <a:latin typeface="Courier" charset="0"/>
+                <a:ea typeface="Courier" charset="0"/>
+                <a:cs typeface="Courier" charset="0"/>
+              </a:rPr>
               <a:t> </a:t>
             </a:r>
             <a:r>
-              <a:rPr lang="en-US" sz="2000" dirty="0" err="1" smtClean="0"/>
+              <a:rPr lang="en-US" sz="2000" dirty="0" err="1" smtClean="0">
+                <a:solidFill>
+                  <a:schemeClr val="tx1"/>
+                </a:solidFill>
+                <a:latin typeface="Courier" charset="0"/>
+                <a:ea typeface="Courier" charset="0"/>
+                <a:cs typeface="Courier" charset="0"/>
+              </a:rPr>
               <a:t>noquery</a:t>
             </a:r>
-            <a:endParaRPr lang="en-US" sz="2000" dirty="0" smtClean="0"/>
+            <a:endParaRPr lang="en-US" sz="2000" dirty="0" smtClean="0">
+              <a:solidFill>
+                <a:schemeClr val="tx1"/>
+              </a:solidFill>
+              <a:latin typeface="Courier" charset="0"/>
+              <a:ea typeface="Courier" charset="0"/>
+              <a:cs typeface="Courier" charset="0"/>
+            </a:endParaRPr>
           </a:p>
           <a:p>
             <a:r>
-              <a:rPr lang="en-US" sz="2000" dirty="0"/>
+              <a:rPr lang="en-US" sz="2000" dirty="0">
+                <a:solidFill>
+                  <a:schemeClr val="tx1"/>
+                </a:solidFill>
+                <a:latin typeface="Courier" charset="0"/>
+                <a:ea typeface="Courier" charset="0"/>
+                <a:cs typeface="Courier" charset="0"/>
+              </a:rPr>
               <a:t>restrict </a:t>
             </a:r>
             <a:r>
-              <a:rPr lang="en-US" sz="2000" dirty="0" smtClean="0"/>
+              <a:rPr lang="en-US" sz="2000" dirty="0" smtClean="0">
+                <a:solidFill>
+                  <a:schemeClr val="tx1"/>
+                </a:solidFill>
+                <a:latin typeface="Courier" charset="0"/>
+                <a:ea typeface="Courier" charset="0"/>
+                <a:cs typeface="Courier" charset="0"/>
+              </a:rPr>
               <a:t>2001:43f8:0220:219:: </a:t>
             </a:r>
             <a:r>
-              <a:rPr lang="en-US" sz="2000" dirty="0"/>
+              <a:rPr lang="en-US" sz="2000" dirty="0">
+                <a:solidFill>
+                  <a:schemeClr val="tx1"/>
+                </a:solidFill>
+                <a:latin typeface="Courier" charset="0"/>
+                <a:ea typeface="Courier" charset="0"/>
+                <a:cs typeface="Courier" charset="0"/>
+              </a:rPr>
               <a:t>mask </a:t>
             </a:r>
             <a:r>
-              <a:rPr lang="en-US" sz="2000" dirty="0" err="1" smtClean="0"/>
+              <a:rPr lang="en-US" sz="2000" dirty="0" err="1" smtClean="0">
+                <a:solidFill>
+                  <a:schemeClr val="tx1"/>
+                </a:solidFill>
+                <a:latin typeface="Courier" charset="0"/>
+                <a:ea typeface="Courier" charset="0"/>
+                <a:cs typeface="Courier" charset="0"/>
+              </a:rPr>
               <a:t>ffff:ffff:ffff:ffff</a:t>
             </a:r>
             <a:r>
-              <a:rPr lang="en-US" sz="2000" dirty="0" smtClean="0"/>
+              <a:rPr lang="en-US" sz="2000" dirty="0" smtClean="0">
+                <a:solidFill>
+                  <a:schemeClr val="tx1"/>
+                </a:solidFill>
+                <a:latin typeface="Courier" charset="0"/>
+                <a:ea typeface="Courier" charset="0"/>
+                <a:cs typeface="Courier" charset="0"/>
+              </a:rPr>
               <a:t>:: limited </a:t>
             </a:r>
             <a:r>
-              <a:rPr lang="en-US" sz="2000" dirty="0" err="1" smtClean="0"/>
+              <a:rPr lang="en-US" sz="2000" dirty="0" err="1" smtClean="0">
+                <a:solidFill>
+                  <a:schemeClr val="tx1"/>
+                </a:solidFill>
+                <a:latin typeface="Courier" charset="0"/>
+                <a:ea typeface="Courier" charset="0"/>
+                <a:cs typeface="Courier" charset="0"/>
+              </a:rPr>
               <a:t>kod</a:t>
             </a:r>
             <a:r>
-              <a:rPr lang="en-US" sz="2000" dirty="0" smtClean="0"/>
+              <a:rPr lang="en-US" sz="2000" dirty="0" smtClean="0">
+                <a:solidFill>
+                  <a:schemeClr val="tx1"/>
+                </a:solidFill>
+                <a:latin typeface="Courier" charset="0"/>
+                <a:ea typeface="Courier" charset="0"/>
+                <a:cs typeface="Courier" charset="0"/>
+              </a:rPr>
               <a:t> </a:t>
             </a:r>
             <a:r>
-              <a:rPr lang="en-US" sz="2000" dirty="0" err="1" smtClean="0"/>
+              <a:rPr lang="en-US" sz="2000" dirty="0" err="1" smtClean="0">
+                <a:solidFill>
+                  <a:schemeClr val="tx1"/>
+                </a:solidFill>
+                <a:latin typeface="Courier" charset="0"/>
+                <a:ea typeface="Courier" charset="0"/>
+                <a:cs typeface="Courier" charset="0"/>
+              </a:rPr>
               <a:t>notrap</a:t>
             </a:r>
             <a:r>
-              <a:rPr lang="en-US" sz="2000" dirty="0" smtClean="0"/>
+              <a:rPr lang="en-US" sz="2000" dirty="0" smtClean="0">
+                <a:solidFill>
+                  <a:schemeClr val="tx1"/>
+                </a:solidFill>
+                <a:latin typeface="Courier" charset="0"/>
+                <a:ea typeface="Courier" charset="0"/>
+                <a:cs typeface="Courier" charset="0"/>
+              </a:rPr>
               <a:t> </a:t>
             </a:r>
             <a:r>
-              <a:rPr lang="en-US" sz="2000" dirty="0" err="1" smtClean="0"/>
+              <a:rPr lang="en-US" sz="2000" dirty="0" err="1" smtClean="0">
+                <a:solidFill>
+                  <a:schemeClr val="tx1"/>
+                </a:solidFill>
+                <a:latin typeface="Courier" charset="0"/>
+                <a:ea typeface="Courier" charset="0"/>
+                <a:cs typeface="Courier" charset="0"/>
+              </a:rPr>
               <a:t>nomodify</a:t>
             </a:r>
             <a:r>
-              <a:rPr lang="en-US" sz="2000" dirty="0" smtClean="0"/>
+              <a:rPr lang="en-US" sz="2000" dirty="0" smtClean="0">
+                <a:solidFill>
+                  <a:schemeClr val="tx1"/>
+                </a:solidFill>
+                <a:latin typeface="Courier" charset="0"/>
+                <a:ea typeface="Courier" charset="0"/>
+                <a:cs typeface="Courier" charset="0"/>
+              </a:rPr>
               <a:t> </a:t>
             </a:r>
             <a:r>
-              <a:rPr lang="en-US" sz="2000" dirty="0" err="1" smtClean="0"/>
+              <a:rPr lang="en-US" sz="2000" dirty="0" err="1" smtClean="0">
+                <a:solidFill>
+                  <a:schemeClr val="tx1"/>
+                </a:solidFill>
+                <a:latin typeface="Courier" charset="0"/>
+                <a:ea typeface="Courier" charset="0"/>
+                <a:cs typeface="Courier" charset="0"/>
+              </a:rPr>
               <a:t>nopeer</a:t>
             </a:r>
             <a:r>
-              <a:rPr lang="en-US" sz="2000" dirty="0" smtClean="0"/>
+              <a:rPr lang="en-US" sz="2000" dirty="0" smtClean="0">
+                <a:solidFill>
+                  <a:schemeClr val="tx1"/>
+                </a:solidFill>
+                <a:latin typeface="Courier" charset="0"/>
+                <a:ea typeface="Courier" charset="0"/>
+                <a:cs typeface="Courier" charset="0"/>
+              </a:rPr>
               <a:t> </a:t>
             </a:r>
             <a:r>
-              <a:rPr lang="en-US" sz="2000" dirty="0" err="1" smtClean="0"/>
+              <a:rPr lang="en-US" sz="2000" dirty="0" err="1" smtClean="0">
+                <a:solidFill>
+                  <a:schemeClr val="tx1"/>
+                </a:solidFill>
+                <a:latin typeface="Courier" charset="0"/>
+                <a:ea typeface="Courier" charset="0"/>
+                <a:cs typeface="Courier" charset="0"/>
+              </a:rPr>
               <a:t>noquery</a:t>
             </a:r>
-            <a:endParaRPr lang="en-US" sz="2000" dirty="0"/>
+            <a:endParaRPr lang="en-US" sz="2000" dirty="0">
+              <a:solidFill>
+                <a:schemeClr val="tx1"/>
+              </a:solidFill>
+              <a:latin typeface="Courier" charset="0"/>
+              <a:ea typeface="Courier" charset="0"/>
+              <a:cs typeface="Courier" charset="0"/>
+            </a:endParaRPr>
           </a:p>
           <a:p>
-            <a:endParaRPr lang="en-US" sz="2000" dirty="0"/>
+            <a:endParaRPr lang="en-US" dirty="0">
+              <a:solidFill>
+                <a:schemeClr val="tx1"/>
+              </a:solidFill>
+              <a:latin typeface="Courier" charset="0"/>
+              <a:ea typeface="Courier" charset="0"/>
+              <a:cs typeface="Courier" charset="0"/>
+            </a:endParaRPr>
+          </a:p>
+        </p:txBody>
+      </p:sp>
+      <p:sp>
+        <p:nvSpPr>
+          <p:cNvPr id="6" name="TextBox 5"/>
+          <p:cNvSpPr txBox="1"/>
+          <p:nvPr/>
+        </p:nvSpPr>
+        <p:spPr>
+          <a:xfrm>
+            <a:off x="863599" y="5947760"/>
+            <a:ext cx="8648701" cy="978729"/>
+          </a:xfrm>
+          <a:prstGeom prst="rect">
+            <a:avLst/>
+          </a:prstGeom>
+          <a:solidFill>
+            <a:schemeClr val="bg2"/>
+          </a:solidFill>
+        </p:spPr>
+        <p:txBody>
+          <a:bodyPr wrap="square" rtlCol="0">
+            <a:spAutoFit/>
+          </a:bodyPr>
+          <a:lstStyle/>
+          <a:p>
+            <a:r>
+              <a:rPr lang="en-US" sz="2000" dirty="0" smtClean="0">
+                <a:solidFill>
+                  <a:schemeClr val="tx1"/>
+                </a:solidFill>
+                <a:latin typeface="Courier" charset="0"/>
+                <a:ea typeface="Courier" charset="0"/>
+                <a:cs typeface="Courier" charset="0"/>
+              </a:rPr>
+              <a:t># By default don’t answer anything</a:t>
+            </a:r>
+          </a:p>
+          <a:p>
+            <a:r>
+              <a:rPr lang="en-US" sz="2000" dirty="0" smtClean="0">
+                <a:solidFill>
+                  <a:schemeClr val="tx1"/>
+                </a:solidFill>
+                <a:latin typeface="Courier" charset="0"/>
+                <a:ea typeface="Courier" charset="0"/>
+                <a:cs typeface="Courier" charset="0"/>
+              </a:rPr>
+              <a:t>restrict default ignore</a:t>
+            </a:r>
+          </a:p>
+          <a:p>
+            <a:r>
+              <a:rPr lang="en-US" sz="2000" dirty="0" smtClean="0">
+                <a:solidFill>
+                  <a:schemeClr val="tx1"/>
+                </a:solidFill>
+                <a:latin typeface="Courier" charset="0"/>
+                <a:ea typeface="Courier" charset="0"/>
+                <a:cs typeface="Courier" charset="0"/>
+              </a:rPr>
+              <a:t>restrict -6 default ignore </a:t>
+            </a:r>
+            <a:endParaRPr lang="en-US" sz="2000" dirty="0">
+              <a:solidFill>
+                <a:schemeClr val="tx1"/>
+              </a:solidFill>
+              <a:latin typeface="Courier" charset="0"/>
+              <a:ea typeface="Courier" charset="0"/>
+              <a:cs typeface="Courier" charset="0"/>
+            </a:endParaRPr>
           </a:p>
         </p:txBody>
       </p:sp>
@@ -20312,20 +21438,11 @@
               <a:defRPr/>
             </a:pPr>
             <a:r>
-              <a:rPr lang="en-US" sz="2000" b="1" dirty="0"/>
-              <a:t>l</a:t>
-            </a:r>
-            <a:r>
-              <a:rPr lang="en-US" sz="2000" b="1" dirty="0" smtClean="0"/>
-              <a:t>imited</a:t>
-            </a:r>
-            <a:r>
-              <a:rPr lang="en-US" sz="2000" b="1" dirty="0"/>
-              <a:t>: </a:t>
-            </a:r>
-            <a:r>
-              <a:rPr lang="en-US" sz="2000" dirty="0"/>
-              <a:t>Indicates that if a client should abuse the number of packets rate control, the packets will be discarded by the sever. If the Kiss of Death packet is enabled, it will be sent back to the abusive host. The rates are configurable by an admin but the defaults are assumed here.</a:t>
+              <a:rPr lang="en-US" sz="2800" dirty="0" smtClean="0">
+                <a:ea typeface="Arial" charset="0"/>
+                <a:cs typeface="Arial" charset="0"/>
+              </a:rPr>
+              <a:t>Configure the server to unrestricted access to local users</a:t>
             </a:r>
           </a:p>
           <a:p>
@@ -20344,26 +21461,10 @@
               <a:buChar char=""/>
               <a:defRPr/>
             </a:pPr>
-            <a:r>
-              <a:rPr lang="en-US" sz="2000" b="1" dirty="0" err="1" smtClean="0"/>
-              <a:t>kod</a:t>
-            </a:r>
-            <a:r>
-              <a:rPr lang="en-US" sz="2000" b="1" dirty="0" smtClean="0"/>
-              <a:t>: </a:t>
-            </a:r>
-            <a:r>
-              <a:rPr lang="en-US" sz="2000" dirty="0"/>
-              <a:t>Kiss of Death. If a host violates the limit of packets to the server, the server will respond with s </a:t>
-            </a:r>
-            <a:r>
-              <a:rPr lang="en-US" sz="2000" dirty="0" err="1"/>
-              <a:t>KoD</a:t>
-            </a:r>
-            <a:r>
-              <a:rPr lang="en-US" sz="2000" dirty="0"/>
-              <a:t> packet to the violating host.</a:t>
-            </a:r>
+            <a:endParaRPr lang="en-US" sz="2800" dirty="0">
+              <a:ea typeface="Arial" charset="0"/>
+              <a:cs typeface="Arial" charset="0"/>
+            </a:endParaRPr>
           </a:p>
           <a:p>
             <a:pPr>
@@ -20381,18 +21482,10 @@
               <a:buChar char=""/>
               <a:defRPr/>
             </a:pPr>
-            <a:r>
-              <a:rPr lang="en-US" sz="2000" b="1" dirty="0" err="1" smtClean="0"/>
-              <a:t>notrap</a:t>
-            </a:r>
-            <a:r>
-              <a:rPr lang="en-US" sz="2000" b="1" dirty="0"/>
-              <a:t>: </a:t>
-            </a:r>
-            <a:r>
-              <a:rPr lang="en-US" sz="2000" dirty="0"/>
-              <a:t>Decline mode 6 control messages. These control messages are used for remote logging programs.</a:t>
-            </a:r>
+            <a:endParaRPr lang="en-US" sz="2800" dirty="0" smtClean="0">
+              <a:ea typeface="Arial" charset="0"/>
+              <a:cs typeface="Arial" charset="0"/>
+            </a:endParaRPr>
           </a:p>
           <a:p>
             <a:pPr>
@@ -20410,34 +21503,10 @@
               <a:buChar char=""/>
               <a:defRPr/>
             </a:pPr>
-            <a:r>
-              <a:rPr lang="en-US" sz="2000" b="1" dirty="0" err="1" smtClean="0"/>
-              <a:t>nomodify</a:t>
-            </a:r>
-            <a:r>
-              <a:rPr lang="en-US" sz="2000" b="1" dirty="0"/>
-              <a:t>: </a:t>
-            </a:r>
-            <a:r>
-              <a:rPr lang="en-US" sz="2000" dirty="0"/>
-              <a:t>Prevents </a:t>
-            </a:r>
-            <a:r>
-              <a:rPr lang="en-US" sz="2000" dirty="0" err="1"/>
-              <a:t>ntpq</a:t>
-            </a:r>
-            <a:r>
-              <a:rPr lang="en-US" sz="2000" dirty="0"/>
-              <a:t> and </a:t>
-            </a:r>
-            <a:r>
-              <a:rPr lang="en-US" sz="2000" dirty="0" err="1"/>
-              <a:t>ntpdc</a:t>
-            </a:r>
-            <a:r>
-              <a:rPr lang="en-US" sz="2000" dirty="0"/>
-              <a:t> queries that would modify the server’s configuration but informational queries are still permitted.</a:t>
-            </a:r>
+            <a:endParaRPr lang="en-US" sz="2800" dirty="0">
+              <a:ea typeface="Arial" charset="0"/>
+              <a:cs typeface="Arial" charset="0"/>
+            </a:endParaRPr>
           </a:p>
           <a:p>
             <a:pPr>
@@ -20456,7 +21525,1566 @@
               <a:defRPr/>
             </a:pPr>
             <a:r>
-              <a:rPr lang="en-US" sz="2000" b="1" dirty="0" err="1" smtClean="0"/>
+              <a:rPr lang="en-US" sz="2800" dirty="0" smtClean="0">
+                <a:ea typeface="Arial" charset="0"/>
+                <a:cs typeface="Arial" charset="0"/>
+              </a:rPr>
+              <a:t>We can also restrict the server from answering </a:t>
+            </a:r>
+            <a:r>
+              <a:rPr lang="en-US" sz="2800" dirty="0" err="1" smtClean="0">
+                <a:ea typeface="Arial" charset="0"/>
+                <a:cs typeface="Arial" charset="0"/>
+              </a:rPr>
+              <a:t>ntp</a:t>
+            </a:r>
+            <a:r>
+              <a:rPr lang="en-US" sz="2800" dirty="0" smtClean="0">
+                <a:ea typeface="Arial" charset="0"/>
+                <a:cs typeface="Arial" charset="0"/>
+              </a:rPr>
+              <a:t> queries</a:t>
+            </a:r>
+          </a:p>
+          <a:p>
+            <a:pPr>
+              <a:lnSpc>
+                <a:spcPct val="97000"/>
+              </a:lnSpc>
+              <a:spcAft>
+                <a:spcPts val="1413"/>
+              </a:spcAft>
+              <a:buClr>
+                <a:srgbClr val="FF6309"/>
+              </a:buClr>
+              <a:buSzPct val="45000"/>
+              <a:buFont typeface="Wingdings" charset="0"/>
+              <a:buChar char=""/>
+              <a:defRPr/>
+            </a:pPr>
+            <a:endParaRPr lang="en-US" sz="2800" dirty="0" smtClean="0">
+              <a:ea typeface="Arial" charset="0"/>
+              <a:cs typeface="Arial" charset="0"/>
+            </a:endParaRPr>
+          </a:p>
+          <a:p>
+            <a:pPr>
+              <a:lnSpc>
+                <a:spcPct val="97000"/>
+              </a:lnSpc>
+              <a:spcAft>
+                <a:spcPts val="1413"/>
+              </a:spcAft>
+              <a:buClr>
+                <a:srgbClr val="FF6309"/>
+              </a:buClr>
+              <a:buSzPct val="45000"/>
+              <a:buFont typeface="Wingdings" charset="0"/>
+              <a:buChar char=""/>
+              <a:defRPr/>
+            </a:pPr>
+            <a:endParaRPr lang="en-US" sz="2800" dirty="0">
+              <a:ea typeface="Arial" charset="0"/>
+              <a:cs typeface="Arial" charset="0"/>
+            </a:endParaRPr>
+          </a:p>
+        </p:txBody>
+      </p:sp>
+      <p:sp>
+        <p:nvSpPr>
+          <p:cNvPr id="4" name="TextBox 3"/>
+          <p:cNvSpPr txBox="1"/>
+          <p:nvPr/>
+        </p:nvSpPr>
+        <p:spPr>
+          <a:xfrm>
+            <a:off x="863599" y="2636837"/>
+            <a:ext cx="8648701" cy="1865126"/>
+          </a:xfrm>
+          <a:prstGeom prst="rect">
+            <a:avLst/>
+          </a:prstGeom>
+          <a:solidFill>
+            <a:schemeClr val="bg2"/>
+          </a:solidFill>
+        </p:spPr>
+        <p:txBody>
+          <a:bodyPr wrap="square" rtlCol="0">
+            <a:spAutoFit/>
+          </a:bodyPr>
+          <a:lstStyle/>
+          <a:p>
+            <a:r>
+              <a:rPr lang="en-US" sz="2000" dirty="0" smtClean="0">
+                <a:solidFill>
+                  <a:schemeClr val="tx1"/>
+                </a:solidFill>
+                <a:latin typeface="Courier" charset="0"/>
+                <a:ea typeface="Courier" charset="0"/>
+                <a:cs typeface="Courier" charset="0"/>
+              </a:rPr>
+              <a:t>restrict 196.200.219.0 mask 255.255.255.0 limited </a:t>
+            </a:r>
+            <a:r>
+              <a:rPr lang="en-US" sz="2000" dirty="0" err="1" smtClean="0">
+                <a:solidFill>
+                  <a:schemeClr val="tx1"/>
+                </a:solidFill>
+                <a:latin typeface="Courier" charset="0"/>
+                <a:ea typeface="Courier" charset="0"/>
+                <a:cs typeface="Courier" charset="0"/>
+              </a:rPr>
+              <a:t>kod</a:t>
+            </a:r>
+            <a:r>
+              <a:rPr lang="en-US" sz="2000" dirty="0" smtClean="0">
+                <a:solidFill>
+                  <a:schemeClr val="tx1"/>
+                </a:solidFill>
+                <a:latin typeface="Courier" charset="0"/>
+                <a:ea typeface="Courier" charset="0"/>
+                <a:cs typeface="Courier" charset="0"/>
+              </a:rPr>
+              <a:t> </a:t>
+            </a:r>
+            <a:r>
+              <a:rPr lang="en-US" sz="2000" dirty="0" err="1">
+                <a:solidFill>
+                  <a:schemeClr val="tx1"/>
+                </a:solidFill>
+                <a:latin typeface="Courier" charset="0"/>
+                <a:ea typeface="Courier" charset="0"/>
+                <a:cs typeface="Courier" charset="0"/>
+              </a:rPr>
+              <a:t>notrap</a:t>
+            </a:r>
+            <a:r>
+              <a:rPr lang="en-US" sz="2000" dirty="0">
+                <a:solidFill>
+                  <a:schemeClr val="tx1"/>
+                </a:solidFill>
+                <a:latin typeface="Courier" charset="0"/>
+                <a:ea typeface="Courier" charset="0"/>
+                <a:cs typeface="Courier" charset="0"/>
+              </a:rPr>
+              <a:t> </a:t>
+            </a:r>
+            <a:r>
+              <a:rPr lang="en-US" sz="2000" dirty="0" err="1">
+                <a:solidFill>
+                  <a:schemeClr val="tx1"/>
+                </a:solidFill>
+                <a:latin typeface="Courier" charset="0"/>
+                <a:ea typeface="Courier" charset="0"/>
+                <a:cs typeface="Courier" charset="0"/>
+              </a:rPr>
+              <a:t>nomodify</a:t>
+            </a:r>
+            <a:r>
+              <a:rPr lang="en-US" sz="2000" dirty="0">
+                <a:solidFill>
+                  <a:schemeClr val="tx1"/>
+                </a:solidFill>
+                <a:latin typeface="Courier" charset="0"/>
+                <a:ea typeface="Courier" charset="0"/>
+                <a:cs typeface="Courier" charset="0"/>
+              </a:rPr>
+              <a:t> </a:t>
+            </a:r>
+            <a:r>
+              <a:rPr lang="en-US" sz="2000" dirty="0" err="1">
+                <a:solidFill>
+                  <a:schemeClr val="tx1"/>
+                </a:solidFill>
+                <a:latin typeface="Courier" charset="0"/>
+                <a:ea typeface="Courier" charset="0"/>
+                <a:cs typeface="Courier" charset="0"/>
+              </a:rPr>
+              <a:t>nopeer</a:t>
+            </a:r>
+            <a:r>
+              <a:rPr lang="en-US" sz="2000" dirty="0">
+                <a:solidFill>
+                  <a:schemeClr val="tx1"/>
+                </a:solidFill>
+                <a:latin typeface="Courier" charset="0"/>
+                <a:ea typeface="Courier" charset="0"/>
+                <a:cs typeface="Courier" charset="0"/>
+              </a:rPr>
+              <a:t> </a:t>
+            </a:r>
+            <a:r>
+              <a:rPr lang="en-US" sz="2000" dirty="0" err="1" smtClean="0">
+                <a:solidFill>
+                  <a:schemeClr val="tx1"/>
+                </a:solidFill>
+                <a:latin typeface="Courier" charset="0"/>
+                <a:ea typeface="Courier" charset="0"/>
+                <a:cs typeface="Courier" charset="0"/>
+              </a:rPr>
+              <a:t>noquery</a:t>
+            </a:r>
+            <a:endParaRPr lang="en-US" sz="2000" dirty="0" smtClean="0">
+              <a:solidFill>
+                <a:schemeClr val="tx1"/>
+              </a:solidFill>
+              <a:latin typeface="Courier" charset="0"/>
+              <a:ea typeface="Courier" charset="0"/>
+              <a:cs typeface="Courier" charset="0"/>
+            </a:endParaRPr>
+          </a:p>
+          <a:p>
+            <a:r>
+              <a:rPr lang="en-US" sz="2000" dirty="0">
+                <a:solidFill>
+                  <a:schemeClr val="tx1"/>
+                </a:solidFill>
+                <a:latin typeface="Courier" charset="0"/>
+                <a:ea typeface="Courier" charset="0"/>
+                <a:cs typeface="Courier" charset="0"/>
+              </a:rPr>
+              <a:t>restrict </a:t>
+            </a:r>
+            <a:r>
+              <a:rPr lang="en-US" sz="2000" dirty="0" smtClean="0">
+                <a:solidFill>
+                  <a:schemeClr val="tx1"/>
+                </a:solidFill>
+                <a:latin typeface="Courier" charset="0"/>
+                <a:ea typeface="Courier" charset="0"/>
+                <a:cs typeface="Courier" charset="0"/>
+              </a:rPr>
+              <a:t>2001:43f8:0220:219:: </a:t>
+            </a:r>
+            <a:r>
+              <a:rPr lang="en-US" sz="2000" dirty="0">
+                <a:solidFill>
+                  <a:schemeClr val="tx1"/>
+                </a:solidFill>
+                <a:latin typeface="Courier" charset="0"/>
+                <a:ea typeface="Courier" charset="0"/>
+                <a:cs typeface="Courier" charset="0"/>
+              </a:rPr>
+              <a:t>mask </a:t>
+            </a:r>
+            <a:r>
+              <a:rPr lang="en-US" sz="2000" dirty="0" err="1" smtClean="0">
+                <a:solidFill>
+                  <a:schemeClr val="tx1"/>
+                </a:solidFill>
+                <a:latin typeface="Courier" charset="0"/>
+                <a:ea typeface="Courier" charset="0"/>
+                <a:cs typeface="Courier" charset="0"/>
+              </a:rPr>
+              <a:t>ffff:ffff:ffff:ffff</a:t>
+            </a:r>
+            <a:r>
+              <a:rPr lang="en-US" sz="2000" dirty="0" smtClean="0">
+                <a:solidFill>
+                  <a:schemeClr val="tx1"/>
+                </a:solidFill>
+                <a:latin typeface="Courier" charset="0"/>
+                <a:ea typeface="Courier" charset="0"/>
+                <a:cs typeface="Courier" charset="0"/>
+              </a:rPr>
+              <a:t>:: limited </a:t>
+            </a:r>
+            <a:r>
+              <a:rPr lang="en-US" sz="2000" dirty="0" err="1" smtClean="0">
+                <a:solidFill>
+                  <a:schemeClr val="tx1"/>
+                </a:solidFill>
+                <a:latin typeface="Courier" charset="0"/>
+                <a:ea typeface="Courier" charset="0"/>
+                <a:cs typeface="Courier" charset="0"/>
+              </a:rPr>
+              <a:t>kod</a:t>
+            </a:r>
+            <a:r>
+              <a:rPr lang="en-US" sz="2000" dirty="0" smtClean="0">
+                <a:solidFill>
+                  <a:schemeClr val="tx1"/>
+                </a:solidFill>
+                <a:latin typeface="Courier" charset="0"/>
+                <a:ea typeface="Courier" charset="0"/>
+                <a:cs typeface="Courier" charset="0"/>
+              </a:rPr>
+              <a:t> </a:t>
+            </a:r>
+            <a:r>
+              <a:rPr lang="en-US" sz="2000" dirty="0" err="1" smtClean="0">
+                <a:solidFill>
+                  <a:schemeClr val="tx1"/>
+                </a:solidFill>
+                <a:latin typeface="Courier" charset="0"/>
+                <a:ea typeface="Courier" charset="0"/>
+                <a:cs typeface="Courier" charset="0"/>
+              </a:rPr>
+              <a:t>notrap</a:t>
+            </a:r>
+            <a:r>
+              <a:rPr lang="en-US" sz="2000" dirty="0" smtClean="0">
+                <a:solidFill>
+                  <a:schemeClr val="tx1"/>
+                </a:solidFill>
+                <a:latin typeface="Courier" charset="0"/>
+                <a:ea typeface="Courier" charset="0"/>
+                <a:cs typeface="Courier" charset="0"/>
+              </a:rPr>
+              <a:t> </a:t>
+            </a:r>
+            <a:r>
+              <a:rPr lang="en-US" sz="2000" dirty="0" err="1" smtClean="0">
+                <a:solidFill>
+                  <a:schemeClr val="tx1"/>
+                </a:solidFill>
+                <a:latin typeface="Courier" charset="0"/>
+                <a:ea typeface="Courier" charset="0"/>
+                <a:cs typeface="Courier" charset="0"/>
+              </a:rPr>
+              <a:t>nomodify</a:t>
+            </a:r>
+            <a:r>
+              <a:rPr lang="en-US" sz="2000" dirty="0" smtClean="0">
+                <a:solidFill>
+                  <a:schemeClr val="tx1"/>
+                </a:solidFill>
+                <a:latin typeface="Courier" charset="0"/>
+                <a:ea typeface="Courier" charset="0"/>
+                <a:cs typeface="Courier" charset="0"/>
+              </a:rPr>
+              <a:t> </a:t>
+            </a:r>
+            <a:r>
+              <a:rPr lang="en-US" sz="2000" dirty="0" err="1" smtClean="0">
+                <a:solidFill>
+                  <a:schemeClr val="tx1"/>
+                </a:solidFill>
+                <a:latin typeface="Courier" charset="0"/>
+                <a:ea typeface="Courier" charset="0"/>
+                <a:cs typeface="Courier" charset="0"/>
+              </a:rPr>
+              <a:t>nopeer</a:t>
+            </a:r>
+            <a:r>
+              <a:rPr lang="en-US" sz="2000" dirty="0" smtClean="0">
+                <a:solidFill>
+                  <a:schemeClr val="tx1"/>
+                </a:solidFill>
+                <a:latin typeface="Courier" charset="0"/>
+                <a:ea typeface="Courier" charset="0"/>
+                <a:cs typeface="Courier" charset="0"/>
+              </a:rPr>
+              <a:t> </a:t>
+            </a:r>
+            <a:r>
+              <a:rPr lang="en-US" sz="2000" dirty="0" err="1" smtClean="0">
+                <a:solidFill>
+                  <a:schemeClr val="tx1"/>
+                </a:solidFill>
+                <a:latin typeface="Courier" charset="0"/>
+                <a:ea typeface="Courier" charset="0"/>
+                <a:cs typeface="Courier" charset="0"/>
+              </a:rPr>
+              <a:t>noquery</a:t>
+            </a:r>
+            <a:endParaRPr lang="en-US" sz="2000" dirty="0">
+              <a:solidFill>
+                <a:schemeClr val="tx1"/>
+              </a:solidFill>
+              <a:latin typeface="Courier" charset="0"/>
+              <a:ea typeface="Courier" charset="0"/>
+              <a:cs typeface="Courier" charset="0"/>
+            </a:endParaRPr>
+          </a:p>
+          <a:p>
+            <a:endParaRPr lang="en-US" sz="2000" dirty="0">
+              <a:solidFill>
+                <a:schemeClr val="tx1"/>
+              </a:solidFill>
+              <a:latin typeface="Courier" charset="0"/>
+              <a:ea typeface="Courier" charset="0"/>
+              <a:cs typeface="Courier" charset="0"/>
+            </a:endParaRPr>
+          </a:p>
+        </p:txBody>
+      </p:sp>
+      <p:sp>
+        <p:nvSpPr>
+          <p:cNvPr id="6" name="TextBox 5"/>
+          <p:cNvSpPr txBox="1"/>
+          <p:nvPr/>
+        </p:nvSpPr>
+        <p:spPr>
+          <a:xfrm>
+            <a:off x="887411" y="5608637"/>
+            <a:ext cx="8648701" cy="978729"/>
+          </a:xfrm>
+          <a:prstGeom prst="rect">
+            <a:avLst/>
+          </a:prstGeom>
+          <a:solidFill>
+            <a:schemeClr val="bg2"/>
+          </a:solidFill>
+        </p:spPr>
+        <p:txBody>
+          <a:bodyPr wrap="square" rtlCol="0">
+            <a:spAutoFit/>
+          </a:bodyPr>
+          <a:lstStyle/>
+          <a:p>
+            <a:r>
+              <a:rPr lang="en-US" sz="2000" dirty="0" smtClean="0">
+                <a:solidFill>
+                  <a:schemeClr val="tx1"/>
+                </a:solidFill>
+                <a:latin typeface="Courier" charset="0"/>
+                <a:ea typeface="Courier" charset="0"/>
+                <a:cs typeface="Courier" charset="0"/>
+              </a:rPr>
+              <a:t># By default don’t answer anything</a:t>
+            </a:r>
+          </a:p>
+          <a:p>
+            <a:r>
+              <a:rPr lang="en-US" sz="2000" dirty="0" smtClean="0">
+                <a:solidFill>
+                  <a:schemeClr val="tx1"/>
+                </a:solidFill>
+                <a:latin typeface="Courier" charset="0"/>
+                <a:ea typeface="Courier" charset="0"/>
+                <a:cs typeface="Courier" charset="0"/>
+              </a:rPr>
+              <a:t>restrict default ignore</a:t>
+            </a:r>
+          </a:p>
+          <a:p>
+            <a:r>
+              <a:rPr lang="en-US" sz="2000" dirty="0" smtClean="0">
+                <a:solidFill>
+                  <a:schemeClr val="tx1"/>
+                </a:solidFill>
+                <a:latin typeface="Courier" charset="0"/>
+                <a:ea typeface="Courier" charset="0"/>
+                <a:cs typeface="Courier" charset="0"/>
+              </a:rPr>
+              <a:t>restrict -6 default ignore </a:t>
+            </a:r>
+            <a:endParaRPr lang="en-US" sz="2000" dirty="0">
+              <a:solidFill>
+                <a:schemeClr val="tx1"/>
+              </a:solidFill>
+              <a:latin typeface="Courier" charset="0"/>
+              <a:ea typeface="Courier" charset="0"/>
+              <a:cs typeface="Courier" charset="0"/>
+            </a:endParaRPr>
+          </a:p>
+        </p:txBody>
+      </p:sp>
+    </p:spTree>
+    <p:extLst>
+      <p:ext uri="{BB962C8B-B14F-4D97-AF65-F5344CB8AC3E}">
+        <p14:creationId xmlns:p14="http://schemas.microsoft.com/office/powerpoint/2010/main" val="1693148533"/>
+      </p:ext>
+    </p:extLst>
+  </p:cSld>
+  <p:clrMapOvr>
+    <a:masterClrMapping/>
+  </p:clrMapOvr>
+  <p:transition spd="med"/>
+  <p:timing>
+    <p:tnLst>
+      <p:par>
+        <p:cTn id="1" dur="indefinite" nodeType="tmRoot">
+          <p:childTnLst>
+            <p:seq concurrent="1" nextAc="seek">
+              <p:cTn id="2" dur="0" nodeType="mainSeq"/>
+              <p:prevCondLst>
+                <p:cond evt="onPrev" delay="0">
+                  <p:tgtEl>
+                    <p:sldTgt/>
+                  </p:tgtEl>
+                </p:cond>
+              </p:prevCondLst>
+              <p:nextCondLst>
+                <p:cond evt="onNext" delay="0">
+                  <p:tgtEl>
+                    <p:sldTgt/>
+                  </p:tgtEl>
+                </p:cond>
+              </p:nextCondLst>
+            </p:seq>
+          </p:childTnLst>
+        </p:cTn>
+      </p:par>
+    </p:tnLst>
+  </p:timing>
+</p:sld>
+</file>
+
+<file path=ppt/slides/slide14.xml><?xml version="1.0" encoding="utf-8"?>
+<p:sld xmlns:a="http://schemas.openxmlformats.org/drawingml/2006/main" xmlns:r="http://schemas.openxmlformats.org/officeDocument/2006/relationships" xmlns:p="http://schemas.openxmlformats.org/presentationml/2006/main">
+  <p:cSld>
+    <p:bg>
+      <p:bgPr>
+        <a:blipFill dpi="0" rotWithShape="0">
+          <a:blip r:embed="rId3"/>
+          <a:srcRect/>
+          <a:tile tx="0" ty="0" sx="100000" sy="100000" flip="none" algn="tl"/>
+        </a:blipFill>
+        <a:effectLst/>
+      </p:bgPr>
+    </p:bg>
+    <p:spTree>
+      <p:nvGrpSpPr>
+        <p:cNvPr id="1" name=""/>
+        <p:cNvGrpSpPr/>
+        <p:nvPr/>
+      </p:nvGrpSpPr>
+      <p:grpSpPr>
+        <a:xfrm>
+          <a:off x="0" y="0"/>
+          <a:ext cx="0" cy="0"/>
+          <a:chOff x="0" y="0"/>
+          <a:chExt cx="0" cy="0"/>
+        </a:xfrm>
+      </p:grpSpPr>
+      <p:sp>
+        <p:nvSpPr>
+          <p:cNvPr id="12289" name="Text Box 1"/>
+          <p:cNvSpPr txBox="1">
+            <a:spLocks noChangeArrowheads="1"/>
+          </p:cNvSpPr>
+          <p:nvPr/>
+        </p:nvSpPr>
+        <p:spPr bwMode="auto">
+          <a:xfrm>
+            <a:off x="468313" y="0"/>
+            <a:ext cx="9070975" cy="1260475"/>
+          </a:xfrm>
+          <a:prstGeom prst="rect">
+            <a:avLst/>
+          </a:prstGeom>
+          <a:noFill/>
+          <a:ln>
+            <a:noFill/>
+          </a:ln>
+          <a:effectLst/>
+          <a:extLst>
+            <a:ext uri="{909E8E84-426E-40dd-AFC4-6F175D3DCCD1}">
+              <a14:hiddenFill xmlns:a14="http://schemas.microsoft.com/office/drawing/2010/main" xmlns="">
+                <a:solidFill>
+                  <a:srgbClr val="FFFFFF"/>
+                </a:solidFill>
+              </a14:hiddenFill>
+            </a:ext>
+            <a:ext uri="{91240B29-F687-4f45-9708-019B960494DF}">
+              <a14:hiddenLine xmlns:a14="http://schemas.microsoft.com/office/drawing/2010/main" xmlns="" w="9525" cap="flat">
+                <a:solidFill>
+                  <a:srgbClr val="3465A4"/>
+                </a:solidFill>
+                <a:round/>
+                <a:headEnd/>
+                <a:tailEnd/>
+              </a14:hiddenLine>
+            </a:ext>
+            <a:ext uri="{AF507438-7753-43e0-B8FC-AC1667EBCBE1}">
+              <a14:hiddenEffects xmlns:a14="http://schemas.microsoft.com/office/drawing/2010/main" xmlns="">
+                <a:effectLst>
+                  <a:outerShdw blurRad="63500" dist="38099" dir="2700000" algn="ctr" rotWithShape="0">
+                    <a:srgbClr val="000000">
+                      <a:alpha val="74998"/>
+                    </a:srgbClr>
+                  </a:outerShdw>
+                </a:effectLst>
+              </a14:hiddenEffects>
+            </a:ext>
+          </a:extLst>
+        </p:spPr>
+        <p:txBody>
+          <a:bodyPr lIns="0" tIns="0" rIns="0" bIns="0" anchor="ctr"/>
+          <a:lstStyle>
+            <a:lvl1pPr>
+              <a:tabLst>
+                <a:tab pos="0" algn="l"/>
+                <a:tab pos="457200" algn="l"/>
+                <a:tab pos="914400" algn="l"/>
+                <a:tab pos="1371600" algn="l"/>
+                <a:tab pos="1828800" algn="l"/>
+                <a:tab pos="2286000" algn="l"/>
+                <a:tab pos="2743200" algn="l"/>
+                <a:tab pos="3200400" algn="l"/>
+                <a:tab pos="3657600" algn="l"/>
+                <a:tab pos="4114800" algn="l"/>
+                <a:tab pos="4572000" algn="l"/>
+                <a:tab pos="5029200" algn="l"/>
+                <a:tab pos="5486400" algn="l"/>
+                <a:tab pos="5943600" algn="l"/>
+                <a:tab pos="6400800" algn="l"/>
+                <a:tab pos="6858000" algn="l"/>
+                <a:tab pos="7315200" algn="l"/>
+                <a:tab pos="7772400" algn="l"/>
+                <a:tab pos="8229600" algn="l"/>
+                <a:tab pos="8686800" algn="l"/>
+                <a:tab pos="9144000" algn="l"/>
+              </a:tabLst>
+              <a:defRPr sz="2400">
+                <a:solidFill>
+                  <a:srgbClr val="000000"/>
+                </a:solidFill>
+                <a:latin typeface="Arial" charset="0"/>
+                <a:ea typeface="ＭＳ Ｐゴシック" charset="0"/>
+                <a:cs typeface="DejaVu Sans" charset="0"/>
+              </a:defRPr>
+            </a:lvl1pPr>
+            <a:lvl2pPr>
+              <a:tabLst>
+                <a:tab pos="0" algn="l"/>
+                <a:tab pos="457200" algn="l"/>
+                <a:tab pos="914400" algn="l"/>
+                <a:tab pos="1371600" algn="l"/>
+                <a:tab pos="1828800" algn="l"/>
+                <a:tab pos="2286000" algn="l"/>
+                <a:tab pos="2743200" algn="l"/>
+                <a:tab pos="3200400" algn="l"/>
+                <a:tab pos="3657600" algn="l"/>
+                <a:tab pos="4114800" algn="l"/>
+                <a:tab pos="4572000" algn="l"/>
+                <a:tab pos="5029200" algn="l"/>
+                <a:tab pos="5486400" algn="l"/>
+                <a:tab pos="5943600" algn="l"/>
+                <a:tab pos="6400800" algn="l"/>
+                <a:tab pos="6858000" algn="l"/>
+                <a:tab pos="7315200" algn="l"/>
+                <a:tab pos="7772400" algn="l"/>
+                <a:tab pos="8229600" algn="l"/>
+                <a:tab pos="8686800" algn="l"/>
+                <a:tab pos="9144000" algn="l"/>
+              </a:tabLst>
+              <a:defRPr sz="2400">
+                <a:solidFill>
+                  <a:srgbClr val="000000"/>
+                </a:solidFill>
+                <a:latin typeface="Arial" charset="0"/>
+                <a:ea typeface="ＭＳ Ｐゴシック" charset="0"/>
+                <a:cs typeface="DejaVu Sans" charset="0"/>
+              </a:defRPr>
+            </a:lvl2pPr>
+            <a:lvl3pPr>
+              <a:tabLst>
+                <a:tab pos="0" algn="l"/>
+                <a:tab pos="457200" algn="l"/>
+                <a:tab pos="914400" algn="l"/>
+                <a:tab pos="1371600" algn="l"/>
+                <a:tab pos="1828800" algn="l"/>
+                <a:tab pos="2286000" algn="l"/>
+                <a:tab pos="2743200" algn="l"/>
+                <a:tab pos="3200400" algn="l"/>
+                <a:tab pos="3657600" algn="l"/>
+                <a:tab pos="4114800" algn="l"/>
+                <a:tab pos="4572000" algn="l"/>
+                <a:tab pos="5029200" algn="l"/>
+                <a:tab pos="5486400" algn="l"/>
+                <a:tab pos="5943600" algn="l"/>
+                <a:tab pos="6400800" algn="l"/>
+                <a:tab pos="6858000" algn="l"/>
+                <a:tab pos="7315200" algn="l"/>
+                <a:tab pos="7772400" algn="l"/>
+                <a:tab pos="8229600" algn="l"/>
+                <a:tab pos="8686800" algn="l"/>
+                <a:tab pos="9144000" algn="l"/>
+              </a:tabLst>
+              <a:defRPr sz="2400">
+                <a:solidFill>
+                  <a:srgbClr val="000000"/>
+                </a:solidFill>
+                <a:latin typeface="Arial" charset="0"/>
+                <a:ea typeface="ＭＳ Ｐゴシック" charset="0"/>
+                <a:cs typeface="DejaVu Sans" charset="0"/>
+              </a:defRPr>
+            </a:lvl3pPr>
+            <a:lvl4pPr>
+              <a:tabLst>
+                <a:tab pos="0" algn="l"/>
+                <a:tab pos="457200" algn="l"/>
+                <a:tab pos="914400" algn="l"/>
+                <a:tab pos="1371600" algn="l"/>
+                <a:tab pos="1828800" algn="l"/>
+                <a:tab pos="2286000" algn="l"/>
+                <a:tab pos="2743200" algn="l"/>
+                <a:tab pos="3200400" algn="l"/>
+                <a:tab pos="3657600" algn="l"/>
+                <a:tab pos="4114800" algn="l"/>
+                <a:tab pos="4572000" algn="l"/>
+                <a:tab pos="5029200" algn="l"/>
+                <a:tab pos="5486400" algn="l"/>
+                <a:tab pos="5943600" algn="l"/>
+                <a:tab pos="6400800" algn="l"/>
+                <a:tab pos="6858000" algn="l"/>
+                <a:tab pos="7315200" algn="l"/>
+                <a:tab pos="7772400" algn="l"/>
+                <a:tab pos="8229600" algn="l"/>
+                <a:tab pos="8686800" algn="l"/>
+                <a:tab pos="9144000" algn="l"/>
+              </a:tabLst>
+              <a:defRPr sz="2400">
+                <a:solidFill>
+                  <a:srgbClr val="000000"/>
+                </a:solidFill>
+                <a:latin typeface="Arial" charset="0"/>
+                <a:ea typeface="ＭＳ Ｐゴシック" charset="0"/>
+                <a:cs typeface="DejaVu Sans" charset="0"/>
+              </a:defRPr>
+            </a:lvl4pPr>
+            <a:lvl5pPr>
+              <a:tabLst>
+                <a:tab pos="0" algn="l"/>
+                <a:tab pos="457200" algn="l"/>
+                <a:tab pos="914400" algn="l"/>
+                <a:tab pos="1371600" algn="l"/>
+                <a:tab pos="1828800" algn="l"/>
+                <a:tab pos="2286000" algn="l"/>
+                <a:tab pos="2743200" algn="l"/>
+                <a:tab pos="3200400" algn="l"/>
+                <a:tab pos="3657600" algn="l"/>
+                <a:tab pos="4114800" algn="l"/>
+                <a:tab pos="4572000" algn="l"/>
+                <a:tab pos="5029200" algn="l"/>
+                <a:tab pos="5486400" algn="l"/>
+                <a:tab pos="5943600" algn="l"/>
+                <a:tab pos="6400800" algn="l"/>
+                <a:tab pos="6858000" algn="l"/>
+                <a:tab pos="7315200" algn="l"/>
+                <a:tab pos="7772400" algn="l"/>
+                <a:tab pos="8229600" algn="l"/>
+                <a:tab pos="8686800" algn="l"/>
+                <a:tab pos="9144000" algn="l"/>
+              </a:tabLst>
+              <a:defRPr sz="2400">
+                <a:solidFill>
+                  <a:srgbClr val="000000"/>
+                </a:solidFill>
+                <a:latin typeface="Arial" charset="0"/>
+                <a:ea typeface="ＭＳ Ｐゴシック" charset="0"/>
+                <a:cs typeface="DejaVu Sans" charset="0"/>
+              </a:defRPr>
+            </a:lvl5pPr>
+            <a:lvl6pPr marL="2514600" indent="-228600" fontAlgn="base" hangingPunct="0">
+              <a:lnSpc>
+                <a:spcPct val="96000"/>
+              </a:lnSpc>
+              <a:spcBef>
+                <a:spcPct val="0"/>
+              </a:spcBef>
+              <a:spcAft>
+                <a:spcPct val="0"/>
+              </a:spcAft>
+              <a:buClr>
+                <a:srgbClr val="000000"/>
+              </a:buClr>
+              <a:buSzPct val="100000"/>
+              <a:buFont typeface="Times New Roman" charset="0"/>
+              <a:tabLst>
+                <a:tab pos="0" algn="l"/>
+                <a:tab pos="457200" algn="l"/>
+                <a:tab pos="914400" algn="l"/>
+                <a:tab pos="1371600" algn="l"/>
+                <a:tab pos="1828800" algn="l"/>
+                <a:tab pos="2286000" algn="l"/>
+                <a:tab pos="2743200" algn="l"/>
+                <a:tab pos="3200400" algn="l"/>
+                <a:tab pos="3657600" algn="l"/>
+                <a:tab pos="4114800" algn="l"/>
+                <a:tab pos="4572000" algn="l"/>
+                <a:tab pos="5029200" algn="l"/>
+                <a:tab pos="5486400" algn="l"/>
+                <a:tab pos="5943600" algn="l"/>
+                <a:tab pos="6400800" algn="l"/>
+                <a:tab pos="6858000" algn="l"/>
+                <a:tab pos="7315200" algn="l"/>
+                <a:tab pos="7772400" algn="l"/>
+                <a:tab pos="8229600" algn="l"/>
+                <a:tab pos="8686800" algn="l"/>
+                <a:tab pos="9144000" algn="l"/>
+              </a:tabLst>
+              <a:defRPr sz="2400">
+                <a:solidFill>
+                  <a:srgbClr val="000000"/>
+                </a:solidFill>
+                <a:latin typeface="Arial" charset="0"/>
+                <a:ea typeface="ＭＳ Ｐゴシック" charset="0"/>
+                <a:cs typeface="DejaVu Sans" charset="0"/>
+              </a:defRPr>
+            </a:lvl6pPr>
+            <a:lvl7pPr marL="2971800" indent="-228600" fontAlgn="base" hangingPunct="0">
+              <a:lnSpc>
+                <a:spcPct val="96000"/>
+              </a:lnSpc>
+              <a:spcBef>
+                <a:spcPct val="0"/>
+              </a:spcBef>
+              <a:spcAft>
+                <a:spcPct val="0"/>
+              </a:spcAft>
+              <a:buClr>
+                <a:srgbClr val="000000"/>
+              </a:buClr>
+              <a:buSzPct val="100000"/>
+              <a:buFont typeface="Times New Roman" charset="0"/>
+              <a:tabLst>
+                <a:tab pos="0" algn="l"/>
+                <a:tab pos="457200" algn="l"/>
+                <a:tab pos="914400" algn="l"/>
+                <a:tab pos="1371600" algn="l"/>
+                <a:tab pos="1828800" algn="l"/>
+                <a:tab pos="2286000" algn="l"/>
+                <a:tab pos="2743200" algn="l"/>
+                <a:tab pos="3200400" algn="l"/>
+                <a:tab pos="3657600" algn="l"/>
+                <a:tab pos="4114800" algn="l"/>
+                <a:tab pos="4572000" algn="l"/>
+                <a:tab pos="5029200" algn="l"/>
+                <a:tab pos="5486400" algn="l"/>
+                <a:tab pos="5943600" algn="l"/>
+                <a:tab pos="6400800" algn="l"/>
+                <a:tab pos="6858000" algn="l"/>
+                <a:tab pos="7315200" algn="l"/>
+                <a:tab pos="7772400" algn="l"/>
+                <a:tab pos="8229600" algn="l"/>
+                <a:tab pos="8686800" algn="l"/>
+                <a:tab pos="9144000" algn="l"/>
+              </a:tabLst>
+              <a:defRPr sz="2400">
+                <a:solidFill>
+                  <a:srgbClr val="000000"/>
+                </a:solidFill>
+                <a:latin typeface="Arial" charset="0"/>
+                <a:ea typeface="ＭＳ Ｐゴシック" charset="0"/>
+                <a:cs typeface="DejaVu Sans" charset="0"/>
+              </a:defRPr>
+            </a:lvl7pPr>
+            <a:lvl8pPr marL="3429000" indent="-228600" fontAlgn="base" hangingPunct="0">
+              <a:lnSpc>
+                <a:spcPct val="96000"/>
+              </a:lnSpc>
+              <a:spcBef>
+                <a:spcPct val="0"/>
+              </a:spcBef>
+              <a:spcAft>
+                <a:spcPct val="0"/>
+              </a:spcAft>
+              <a:buClr>
+                <a:srgbClr val="000000"/>
+              </a:buClr>
+              <a:buSzPct val="100000"/>
+              <a:buFont typeface="Times New Roman" charset="0"/>
+              <a:tabLst>
+                <a:tab pos="0" algn="l"/>
+                <a:tab pos="457200" algn="l"/>
+                <a:tab pos="914400" algn="l"/>
+                <a:tab pos="1371600" algn="l"/>
+                <a:tab pos="1828800" algn="l"/>
+                <a:tab pos="2286000" algn="l"/>
+                <a:tab pos="2743200" algn="l"/>
+                <a:tab pos="3200400" algn="l"/>
+                <a:tab pos="3657600" algn="l"/>
+                <a:tab pos="4114800" algn="l"/>
+                <a:tab pos="4572000" algn="l"/>
+                <a:tab pos="5029200" algn="l"/>
+                <a:tab pos="5486400" algn="l"/>
+                <a:tab pos="5943600" algn="l"/>
+                <a:tab pos="6400800" algn="l"/>
+                <a:tab pos="6858000" algn="l"/>
+                <a:tab pos="7315200" algn="l"/>
+                <a:tab pos="7772400" algn="l"/>
+                <a:tab pos="8229600" algn="l"/>
+                <a:tab pos="8686800" algn="l"/>
+                <a:tab pos="9144000" algn="l"/>
+              </a:tabLst>
+              <a:defRPr sz="2400">
+                <a:solidFill>
+                  <a:srgbClr val="000000"/>
+                </a:solidFill>
+                <a:latin typeface="Arial" charset="0"/>
+                <a:ea typeface="ＭＳ Ｐゴシック" charset="0"/>
+                <a:cs typeface="DejaVu Sans" charset="0"/>
+              </a:defRPr>
+            </a:lvl8pPr>
+            <a:lvl9pPr marL="3886200" indent="-228600" fontAlgn="base" hangingPunct="0">
+              <a:lnSpc>
+                <a:spcPct val="96000"/>
+              </a:lnSpc>
+              <a:spcBef>
+                <a:spcPct val="0"/>
+              </a:spcBef>
+              <a:spcAft>
+                <a:spcPct val="0"/>
+              </a:spcAft>
+              <a:buClr>
+                <a:srgbClr val="000000"/>
+              </a:buClr>
+              <a:buSzPct val="100000"/>
+              <a:buFont typeface="Times New Roman" charset="0"/>
+              <a:tabLst>
+                <a:tab pos="0" algn="l"/>
+                <a:tab pos="457200" algn="l"/>
+                <a:tab pos="914400" algn="l"/>
+                <a:tab pos="1371600" algn="l"/>
+                <a:tab pos="1828800" algn="l"/>
+                <a:tab pos="2286000" algn="l"/>
+                <a:tab pos="2743200" algn="l"/>
+                <a:tab pos="3200400" algn="l"/>
+                <a:tab pos="3657600" algn="l"/>
+                <a:tab pos="4114800" algn="l"/>
+                <a:tab pos="4572000" algn="l"/>
+                <a:tab pos="5029200" algn="l"/>
+                <a:tab pos="5486400" algn="l"/>
+                <a:tab pos="5943600" algn="l"/>
+                <a:tab pos="6400800" algn="l"/>
+                <a:tab pos="6858000" algn="l"/>
+                <a:tab pos="7315200" algn="l"/>
+                <a:tab pos="7772400" algn="l"/>
+                <a:tab pos="8229600" algn="l"/>
+                <a:tab pos="8686800" algn="l"/>
+                <a:tab pos="9144000" algn="l"/>
+              </a:tabLst>
+              <a:defRPr sz="2400">
+                <a:solidFill>
+                  <a:srgbClr val="000000"/>
+                </a:solidFill>
+                <a:latin typeface="Arial" charset="0"/>
+                <a:ea typeface="ＭＳ Ｐゴシック" charset="0"/>
+                <a:cs typeface="DejaVu Sans" charset="0"/>
+              </a:defRPr>
+            </a:lvl9pPr>
+          </a:lstStyle>
+          <a:p>
+            <a:pPr>
+              <a:lnSpc>
+                <a:spcPct val="97000"/>
+              </a:lnSpc>
+              <a:buClrTx/>
+              <a:buSzPct val="45000"/>
+              <a:buFontTx/>
+              <a:buNone/>
+              <a:defRPr/>
+            </a:pPr>
+            <a:r>
+              <a:rPr lang="en-US" sz="4400" b="1" dirty="0">
+                <a:latin typeface="Trebuchet MS" charset="0"/>
+              </a:rPr>
+              <a:t>Step 3: </a:t>
+            </a:r>
+            <a:r>
+              <a:rPr lang="en-US" sz="4400" b="1" dirty="0" smtClean="0">
+                <a:latin typeface="Trebuchet MS" charset="0"/>
+              </a:rPr>
+              <a:t>Configure NTP </a:t>
+            </a:r>
+            <a:r>
+              <a:rPr lang="en-US" sz="4400" b="1" dirty="0">
+                <a:latin typeface="Trebuchet MS" charset="0"/>
+              </a:rPr>
+              <a:t>Restrictions</a:t>
+            </a:r>
+          </a:p>
+        </p:txBody>
+      </p:sp>
+      <p:sp>
+        <p:nvSpPr>
+          <p:cNvPr id="12290" name="Text Box 2"/>
+          <p:cNvSpPr txBox="1">
+            <a:spLocks noChangeArrowheads="1"/>
+          </p:cNvSpPr>
+          <p:nvPr/>
+        </p:nvSpPr>
+        <p:spPr bwMode="auto">
+          <a:xfrm>
+            <a:off x="503238" y="1768475"/>
+            <a:ext cx="9070975" cy="4987925"/>
+          </a:xfrm>
+          <a:prstGeom prst="rect">
+            <a:avLst/>
+          </a:prstGeom>
+          <a:noFill/>
+          <a:ln>
+            <a:noFill/>
+          </a:ln>
+          <a:effectLst/>
+          <a:extLst>
+            <a:ext uri="{909E8E84-426E-40dd-AFC4-6F175D3DCCD1}">
+              <a14:hiddenFill xmlns:a14="http://schemas.microsoft.com/office/drawing/2010/main" xmlns="">
+                <a:solidFill>
+                  <a:srgbClr val="FFFFFF"/>
+                </a:solidFill>
+              </a14:hiddenFill>
+            </a:ext>
+            <a:ext uri="{91240B29-F687-4f45-9708-019B960494DF}">
+              <a14:hiddenLine xmlns:a14="http://schemas.microsoft.com/office/drawing/2010/main" xmlns="" w="9525" cap="flat">
+                <a:solidFill>
+                  <a:srgbClr val="3465A4"/>
+                </a:solidFill>
+                <a:round/>
+                <a:headEnd/>
+                <a:tailEnd/>
+              </a14:hiddenLine>
+            </a:ext>
+            <a:ext uri="{AF507438-7753-43e0-B8FC-AC1667EBCBE1}">
+              <a14:hiddenEffects xmlns:a14="http://schemas.microsoft.com/office/drawing/2010/main" xmlns="">
+                <a:effectLst>
+                  <a:outerShdw blurRad="63500" dist="38099" dir="2700000" algn="ctr" rotWithShape="0">
+                    <a:srgbClr val="000000">
+                      <a:alpha val="74998"/>
+                    </a:srgbClr>
+                  </a:outerShdw>
+                </a:effectLst>
+              </a14:hiddenEffects>
+            </a:ext>
+          </a:extLst>
+        </p:spPr>
+        <p:txBody>
+          <a:bodyPr lIns="0" tIns="0" rIns="0" bIns="0"/>
+          <a:lstStyle>
+            <a:lvl1pPr marL="428625" indent="-323850">
+              <a:tabLst>
+                <a:tab pos="428625" algn="l"/>
+                <a:tab pos="885825" algn="l"/>
+                <a:tab pos="1343025" algn="l"/>
+                <a:tab pos="1800225" algn="l"/>
+                <a:tab pos="2257425" algn="l"/>
+                <a:tab pos="2714625" algn="l"/>
+                <a:tab pos="3171825" algn="l"/>
+                <a:tab pos="3629025" algn="l"/>
+                <a:tab pos="4086225" algn="l"/>
+                <a:tab pos="4543425" algn="l"/>
+                <a:tab pos="5000625" algn="l"/>
+                <a:tab pos="5457825" algn="l"/>
+                <a:tab pos="5915025" algn="l"/>
+                <a:tab pos="6372225" algn="l"/>
+                <a:tab pos="6829425" algn="l"/>
+                <a:tab pos="7286625" algn="l"/>
+                <a:tab pos="7743825" algn="l"/>
+                <a:tab pos="8201025" algn="l"/>
+                <a:tab pos="8658225" algn="l"/>
+                <a:tab pos="9115425" algn="l"/>
+                <a:tab pos="9572625" algn="l"/>
+              </a:tabLst>
+              <a:defRPr sz="2400">
+                <a:solidFill>
+                  <a:srgbClr val="000000"/>
+                </a:solidFill>
+                <a:latin typeface="Arial" charset="0"/>
+                <a:ea typeface="ＭＳ Ｐゴシック" charset="0"/>
+                <a:cs typeface="DejaVu Sans" charset="0"/>
+              </a:defRPr>
+            </a:lvl1pPr>
+            <a:lvl2pPr>
+              <a:tabLst>
+                <a:tab pos="428625" algn="l"/>
+                <a:tab pos="885825" algn="l"/>
+                <a:tab pos="1343025" algn="l"/>
+                <a:tab pos="1800225" algn="l"/>
+                <a:tab pos="2257425" algn="l"/>
+                <a:tab pos="2714625" algn="l"/>
+                <a:tab pos="3171825" algn="l"/>
+                <a:tab pos="3629025" algn="l"/>
+                <a:tab pos="4086225" algn="l"/>
+                <a:tab pos="4543425" algn="l"/>
+                <a:tab pos="5000625" algn="l"/>
+                <a:tab pos="5457825" algn="l"/>
+                <a:tab pos="5915025" algn="l"/>
+                <a:tab pos="6372225" algn="l"/>
+                <a:tab pos="6829425" algn="l"/>
+                <a:tab pos="7286625" algn="l"/>
+                <a:tab pos="7743825" algn="l"/>
+                <a:tab pos="8201025" algn="l"/>
+                <a:tab pos="8658225" algn="l"/>
+                <a:tab pos="9115425" algn="l"/>
+                <a:tab pos="9572625" algn="l"/>
+              </a:tabLst>
+              <a:defRPr sz="2400">
+                <a:solidFill>
+                  <a:srgbClr val="000000"/>
+                </a:solidFill>
+                <a:latin typeface="Arial" charset="0"/>
+                <a:ea typeface="ＭＳ Ｐゴシック" charset="0"/>
+                <a:cs typeface="DejaVu Sans" charset="0"/>
+              </a:defRPr>
+            </a:lvl2pPr>
+            <a:lvl3pPr>
+              <a:tabLst>
+                <a:tab pos="428625" algn="l"/>
+                <a:tab pos="885825" algn="l"/>
+                <a:tab pos="1343025" algn="l"/>
+                <a:tab pos="1800225" algn="l"/>
+                <a:tab pos="2257425" algn="l"/>
+                <a:tab pos="2714625" algn="l"/>
+                <a:tab pos="3171825" algn="l"/>
+                <a:tab pos="3629025" algn="l"/>
+                <a:tab pos="4086225" algn="l"/>
+                <a:tab pos="4543425" algn="l"/>
+                <a:tab pos="5000625" algn="l"/>
+                <a:tab pos="5457825" algn="l"/>
+                <a:tab pos="5915025" algn="l"/>
+                <a:tab pos="6372225" algn="l"/>
+                <a:tab pos="6829425" algn="l"/>
+                <a:tab pos="7286625" algn="l"/>
+                <a:tab pos="7743825" algn="l"/>
+                <a:tab pos="8201025" algn="l"/>
+                <a:tab pos="8658225" algn="l"/>
+                <a:tab pos="9115425" algn="l"/>
+                <a:tab pos="9572625" algn="l"/>
+              </a:tabLst>
+              <a:defRPr sz="2400">
+                <a:solidFill>
+                  <a:srgbClr val="000000"/>
+                </a:solidFill>
+                <a:latin typeface="Arial" charset="0"/>
+                <a:ea typeface="ＭＳ Ｐゴシック" charset="0"/>
+                <a:cs typeface="DejaVu Sans" charset="0"/>
+              </a:defRPr>
+            </a:lvl3pPr>
+            <a:lvl4pPr>
+              <a:tabLst>
+                <a:tab pos="428625" algn="l"/>
+                <a:tab pos="885825" algn="l"/>
+                <a:tab pos="1343025" algn="l"/>
+                <a:tab pos="1800225" algn="l"/>
+                <a:tab pos="2257425" algn="l"/>
+                <a:tab pos="2714625" algn="l"/>
+                <a:tab pos="3171825" algn="l"/>
+                <a:tab pos="3629025" algn="l"/>
+                <a:tab pos="4086225" algn="l"/>
+                <a:tab pos="4543425" algn="l"/>
+                <a:tab pos="5000625" algn="l"/>
+                <a:tab pos="5457825" algn="l"/>
+                <a:tab pos="5915025" algn="l"/>
+                <a:tab pos="6372225" algn="l"/>
+                <a:tab pos="6829425" algn="l"/>
+                <a:tab pos="7286625" algn="l"/>
+                <a:tab pos="7743825" algn="l"/>
+                <a:tab pos="8201025" algn="l"/>
+                <a:tab pos="8658225" algn="l"/>
+                <a:tab pos="9115425" algn="l"/>
+                <a:tab pos="9572625" algn="l"/>
+              </a:tabLst>
+              <a:defRPr sz="2400">
+                <a:solidFill>
+                  <a:srgbClr val="000000"/>
+                </a:solidFill>
+                <a:latin typeface="Arial" charset="0"/>
+                <a:ea typeface="ＭＳ Ｐゴシック" charset="0"/>
+                <a:cs typeface="DejaVu Sans" charset="0"/>
+              </a:defRPr>
+            </a:lvl4pPr>
+            <a:lvl5pPr>
+              <a:tabLst>
+                <a:tab pos="428625" algn="l"/>
+                <a:tab pos="885825" algn="l"/>
+                <a:tab pos="1343025" algn="l"/>
+                <a:tab pos="1800225" algn="l"/>
+                <a:tab pos="2257425" algn="l"/>
+                <a:tab pos="2714625" algn="l"/>
+                <a:tab pos="3171825" algn="l"/>
+                <a:tab pos="3629025" algn="l"/>
+                <a:tab pos="4086225" algn="l"/>
+                <a:tab pos="4543425" algn="l"/>
+                <a:tab pos="5000625" algn="l"/>
+                <a:tab pos="5457825" algn="l"/>
+                <a:tab pos="5915025" algn="l"/>
+                <a:tab pos="6372225" algn="l"/>
+                <a:tab pos="6829425" algn="l"/>
+                <a:tab pos="7286625" algn="l"/>
+                <a:tab pos="7743825" algn="l"/>
+                <a:tab pos="8201025" algn="l"/>
+                <a:tab pos="8658225" algn="l"/>
+                <a:tab pos="9115425" algn="l"/>
+                <a:tab pos="9572625" algn="l"/>
+              </a:tabLst>
+              <a:defRPr sz="2400">
+                <a:solidFill>
+                  <a:srgbClr val="000000"/>
+                </a:solidFill>
+                <a:latin typeface="Arial" charset="0"/>
+                <a:ea typeface="ＭＳ Ｐゴシック" charset="0"/>
+                <a:cs typeface="DejaVu Sans" charset="0"/>
+              </a:defRPr>
+            </a:lvl5pPr>
+            <a:lvl6pPr marL="2514600" indent="-228600" fontAlgn="base" hangingPunct="0">
+              <a:lnSpc>
+                <a:spcPct val="96000"/>
+              </a:lnSpc>
+              <a:spcBef>
+                <a:spcPct val="0"/>
+              </a:spcBef>
+              <a:spcAft>
+                <a:spcPct val="0"/>
+              </a:spcAft>
+              <a:buClr>
+                <a:srgbClr val="000000"/>
+              </a:buClr>
+              <a:buSzPct val="100000"/>
+              <a:buFont typeface="Times New Roman" charset="0"/>
+              <a:tabLst>
+                <a:tab pos="428625" algn="l"/>
+                <a:tab pos="885825" algn="l"/>
+                <a:tab pos="1343025" algn="l"/>
+                <a:tab pos="1800225" algn="l"/>
+                <a:tab pos="2257425" algn="l"/>
+                <a:tab pos="2714625" algn="l"/>
+                <a:tab pos="3171825" algn="l"/>
+                <a:tab pos="3629025" algn="l"/>
+                <a:tab pos="4086225" algn="l"/>
+                <a:tab pos="4543425" algn="l"/>
+                <a:tab pos="5000625" algn="l"/>
+                <a:tab pos="5457825" algn="l"/>
+                <a:tab pos="5915025" algn="l"/>
+                <a:tab pos="6372225" algn="l"/>
+                <a:tab pos="6829425" algn="l"/>
+                <a:tab pos="7286625" algn="l"/>
+                <a:tab pos="7743825" algn="l"/>
+                <a:tab pos="8201025" algn="l"/>
+                <a:tab pos="8658225" algn="l"/>
+                <a:tab pos="9115425" algn="l"/>
+                <a:tab pos="9572625" algn="l"/>
+              </a:tabLst>
+              <a:defRPr sz="2400">
+                <a:solidFill>
+                  <a:srgbClr val="000000"/>
+                </a:solidFill>
+                <a:latin typeface="Arial" charset="0"/>
+                <a:ea typeface="ＭＳ Ｐゴシック" charset="0"/>
+                <a:cs typeface="DejaVu Sans" charset="0"/>
+              </a:defRPr>
+            </a:lvl6pPr>
+            <a:lvl7pPr marL="2971800" indent="-228600" fontAlgn="base" hangingPunct="0">
+              <a:lnSpc>
+                <a:spcPct val="96000"/>
+              </a:lnSpc>
+              <a:spcBef>
+                <a:spcPct val="0"/>
+              </a:spcBef>
+              <a:spcAft>
+                <a:spcPct val="0"/>
+              </a:spcAft>
+              <a:buClr>
+                <a:srgbClr val="000000"/>
+              </a:buClr>
+              <a:buSzPct val="100000"/>
+              <a:buFont typeface="Times New Roman" charset="0"/>
+              <a:tabLst>
+                <a:tab pos="428625" algn="l"/>
+                <a:tab pos="885825" algn="l"/>
+                <a:tab pos="1343025" algn="l"/>
+                <a:tab pos="1800225" algn="l"/>
+                <a:tab pos="2257425" algn="l"/>
+                <a:tab pos="2714625" algn="l"/>
+                <a:tab pos="3171825" algn="l"/>
+                <a:tab pos="3629025" algn="l"/>
+                <a:tab pos="4086225" algn="l"/>
+                <a:tab pos="4543425" algn="l"/>
+                <a:tab pos="5000625" algn="l"/>
+                <a:tab pos="5457825" algn="l"/>
+                <a:tab pos="5915025" algn="l"/>
+                <a:tab pos="6372225" algn="l"/>
+                <a:tab pos="6829425" algn="l"/>
+                <a:tab pos="7286625" algn="l"/>
+                <a:tab pos="7743825" algn="l"/>
+                <a:tab pos="8201025" algn="l"/>
+                <a:tab pos="8658225" algn="l"/>
+                <a:tab pos="9115425" algn="l"/>
+                <a:tab pos="9572625" algn="l"/>
+              </a:tabLst>
+              <a:defRPr sz="2400">
+                <a:solidFill>
+                  <a:srgbClr val="000000"/>
+                </a:solidFill>
+                <a:latin typeface="Arial" charset="0"/>
+                <a:ea typeface="ＭＳ Ｐゴシック" charset="0"/>
+                <a:cs typeface="DejaVu Sans" charset="0"/>
+              </a:defRPr>
+            </a:lvl7pPr>
+            <a:lvl8pPr marL="3429000" indent="-228600" fontAlgn="base" hangingPunct="0">
+              <a:lnSpc>
+                <a:spcPct val="96000"/>
+              </a:lnSpc>
+              <a:spcBef>
+                <a:spcPct val="0"/>
+              </a:spcBef>
+              <a:spcAft>
+                <a:spcPct val="0"/>
+              </a:spcAft>
+              <a:buClr>
+                <a:srgbClr val="000000"/>
+              </a:buClr>
+              <a:buSzPct val="100000"/>
+              <a:buFont typeface="Times New Roman" charset="0"/>
+              <a:tabLst>
+                <a:tab pos="428625" algn="l"/>
+                <a:tab pos="885825" algn="l"/>
+                <a:tab pos="1343025" algn="l"/>
+                <a:tab pos="1800225" algn="l"/>
+                <a:tab pos="2257425" algn="l"/>
+                <a:tab pos="2714625" algn="l"/>
+                <a:tab pos="3171825" algn="l"/>
+                <a:tab pos="3629025" algn="l"/>
+                <a:tab pos="4086225" algn="l"/>
+                <a:tab pos="4543425" algn="l"/>
+                <a:tab pos="5000625" algn="l"/>
+                <a:tab pos="5457825" algn="l"/>
+                <a:tab pos="5915025" algn="l"/>
+                <a:tab pos="6372225" algn="l"/>
+                <a:tab pos="6829425" algn="l"/>
+                <a:tab pos="7286625" algn="l"/>
+                <a:tab pos="7743825" algn="l"/>
+                <a:tab pos="8201025" algn="l"/>
+                <a:tab pos="8658225" algn="l"/>
+                <a:tab pos="9115425" algn="l"/>
+                <a:tab pos="9572625" algn="l"/>
+              </a:tabLst>
+              <a:defRPr sz="2400">
+                <a:solidFill>
+                  <a:srgbClr val="000000"/>
+                </a:solidFill>
+                <a:latin typeface="Arial" charset="0"/>
+                <a:ea typeface="ＭＳ Ｐゴシック" charset="0"/>
+                <a:cs typeface="DejaVu Sans" charset="0"/>
+              </a:defRPr>
+            </a:lvl8pPr>
+            <a:lvl9pPr marL="3886200" indent="-228600" fontAlgn="base" hangingPunct="0">
+              <a:lnSpc>
+                <a:spcPct val="96000"/>
+              </a:lnSpc>
+              <a:spcBef>
+                <a:spcPct val="0"/>
+              </a:spcBef>
+              <a:spcAft>
+                <a:spcPct val="0"/>
+              </a:spcAft>
+              <a:buClr>
+                <a:srgbClr val="000000"/>
+              </a:buClr>
+              <a:buSzPct val="100000"/>
+              <a:buFont typeface="Times New Roman" charset="0"/>
+              <a:tabLst>
+                <a:tab pos="428625" algn="l"/>
+                <a:tab pos="885825" algn="l"/>
+                <a:tab pos="1343025" algn="l"/>
+                <a:tab pos="1800225" algn="l"/>
+                <a:tab pos="2257425" algn="l"/>
+                <a:tab pos="2714625" algn="l"/>
+                <a:tab pos="3171825" algn="l"/>
+                <a:tab pos="3629025" algn="l"/>
+                <a:tab pos="4086225" algn="l"/>
+                <a:tab pos="4543425" algn="l"/>
+                <a:tab pos="5000625" algn="l"/>
+                <a:tab pos="5457825" algn="l"/>
+                <a:tab pos="5915025" algn="l"/>
+                <a:tab pos="6372225" algn="l"/>
+                <a:tab pos="6829425" algn="l"/>
+                <a:tab pos="7286625" algn="l"/>
+                <a:tab pos="7743825" algn="l"/>
+                <a:tab pos="8201025" algn="l"/>
+                <a:tab pos="8658225" algn="l"/>
+                <a:tab pos="9115425" algn="l"/>
+                <a:tab pos="9572625" algn="l"/>
+              </a:tabLst>
+              <a:defRPr sz="2400">
+                <a:solidFill>
+                  <a:srgbClr val="000000"/>
+                </a:solidFill>
+                <a:latin typeface="Arial" charset="0"/>
+                <a:ea typeface="ＭＳ Ｐゴシック" charset="0"/>
+                <a:cs typeface="DejaVu Sans" charset="0"/>
+              </a:defRPr>
+            </a:lvl9pPr>
+          </a:lstStyle>
+          <a:p>
+            <a:pPr>
+              <a:lnSpc>
+                <a:spcPct val="97000"/>
+              </a:lnSpc>
+              <a:spcAft>
+                <a:spcPts val="1413"/>
+              </a:spcAft>
+              <a:buClr>
+                <a:srgbClr val="FF6309"/>
+              </a:buClr>
+              <a:buSzPct val="45000"/>
+              <a:buFont typeface="Wingdings" charset="0"/>
+              <a:buChar char=""/>
+              <a:defRPr/>
+            </a:pPr>
+            <a:r>
+              <a:rPr lang="en-US" sz="2000" b="1" dirty="0">
+                <a:latin typeface="Courier" charset="0"/>
+                <a:ea typeface="Courier" charset="0"/>
+                <a:cs typeface="Courier" charset="0"/>
+              </a:rPr>
+              <a:t>l</a:t>
+            </a:r>
+            <a:r>
+              <a:rPr lang="en-US" sz="2000" b="1" dirty="0" smtClean="0">
+                <a:latin typeface="Courier" charset="0"/>
+                <a:ea typeface="Courier" charset="0"/>
+                <a:cs typeface="Courier" charset="0"/>
+              </a:rPr>
+              <a:t>imited</a:t>
+            </a:r>
+            <a:r>
+              <a:rPr lang="en-US" sz="2000" b="1" dirty="0"/>
+              <a:t>: </a:t>
+            </a:r>
+            <a:r>
+              <a:rPr lang="en-US" sz="2000" dirty="0"/>
+              <a:t>Indicates that if a client should abuse the number of packets rate control, the packets will be discarded by the sever. If the Kiss of Death packet is enabled, it will be sent back to the abusive host. The rates are configurable by an admin but the defaults are assumed here.</a:t>
+            </a:r>
+          </a:p>
+          <a:p>
+            <a:pPr>
+              <a:lnSpc>
+                <a:spcPct val="97000"/>
+              </a:lnSpc>
+              <a:spcAft>
+                <a:spcPts val="1413"/>
+              </a:spcAft>
+              <a:buClr>
+                <a:srgbClr val="FF6309"/>
+              </a:buClr>
+              <a:buSzPct val="45000"/>
+              <a:buFont typeface="Wingdings" charset="0"/>
+              <a:buChar char=""/>
+              <a:defRPr/>
+            </a:pPr>
+            <a:r>
+              <a:rPr lang="en-US" sz="2000" b="1" dirty="0" err="1" smtClean="0">
+                <a:latin typeface="Courier" charset="0"/>
+                <a:ea typeface="Courier" charset="0"/>
+                <a:cs typeface="Courier" charset="0"/>
+              </a:rPr>
+              <a:t>kod</a:t>
+            </a:r>
+            <a:r>
+              <a:rPr lang="en-US" sz="2000" b="1" dirty="0" smtClean="0"/>
+              <a:t>: </a:t>
+            </a:r>
+            <a:r>
+              <a:rPr lang="en-US" sz="2000" dirty="0"/>
+              <a:t>Kiss of Death. If a host violates the limit of packets to the server, the server will respond with s </a:t>
+            </a:r>
+            <a:r>
+              <a:rPr lang="en-US" sz="2000" dirty="0" err="1"/>
+              <a:t>KoD</a:t>
+            </a:r>
+            <a:r>
+              <a:rPr lang="en-US" sz="2000" dirty="0"/>
+              <a:t> packet to the violating host.</a:t>
+            </a:r>
+          </a:p>
+          <a:p>
+            <a:pPr>
+              <a:lnSpc>
+                <a:spcPct val="97000"/>
+              </a:lnSpc>
+              <a:spcAft>
+                <a:spcPts val="1413"/>
+              </a:spcAft>
+              <a:buClr>
+                <a:srgbClr val="FF6309"/>
+              </a:buClr>
+              <a:buSzPct val="45000"/>
+              <a:buFont typeface="Wingdings" charset="0"/>
+              <a:buChar char=""/>
+              <a:defRPr/>
+            </a:pPr>
+            <a:r>
+              <a:rPr lang="en-US" sz="2000" b="1" dirty="0" err="1" smtClean="0">
+                <a:latin typeface="Courier" charset="0"/>
+                <a:ea typeface="Courier" charset="0"/>
+                <a:cs typeface="Courier" charset="0"/>
+              </a:rPr>
+              <a:t>notrap</a:t>
+            </a:r>
+            <a:r>
+              <a:rPr lang="en-US" sz="2000" b="1" dirty="0"/>
+              <a:t>: </a:t>
+            </a:r>
+            <a:r>
+              <a:rPr lang="en-US" sz="2000" dirty="0"/>
+              <a:t>Decline mode 6 control messages. These control messages are used for remote logging programs.</a:t>
+            </a:r>
+          </a:p>
+          <a:p>
+            <a:pPr>
+              <a:lnSpc>
+                <a:spcPct val="97000"/>
+              </a:lnSpc>
+              <a:spcAft>
+                <a:spcPts val="1413"/>
+              </a:spcAft>
+              <a:buClr>
+                <a:srgbClr val="FF6309"/>
+              </a:buClr>
+              <a:buSzPct val="45000"/>
+              <a:buFont typeface="Wingdings" charset="0"/>
+              <a:buChar char=""/>
+              <a:defRPr/>
+            </a:pPr>
+            <a:r>
+              <a:rPr lang="en-US" sz="2000" b="1" dirty="0" err="1" smtClean="0">
+                <a:latin typeface="Courier" charset="0"/>
+                <a:ea typeface="Courier" charset="0"/>
+                <a:cs typeface="Courier" charset="0"/>
+              </a:rPr>
+              <a:t>nomodify</a:t>
+            </a:r>
+            <a:r>
+              <a:rPr lang="en-US" sz="2000" b="1" dirty="0"/>
+              <a:t>: </a:t>
+            </a:r>
+            <a:r>
+              <a:rPr lang="en-US" sz="2000" dirty="0"/>
+              <a:t>Prevents </a:t>
+            </a:r>
+            <a:r>
+              <a:rPr lang="en-US" sz="2000" dirty="0" err="1"/>
+              <a:t>ntpq</a:t>
+            </a:r>
+            <a:r>
+              <a:rPr lang="en-US" sz="2000" dirty="0"/>
+              <a:t> and </a:t>
+            </a:r>
+            <a:r>
+              <a:rPr lang="en-US" sz="2000" dirty="0" err="1"/>
+              <a:t>ntpdc</a:t>
+            </a:r>
+            <a:r>
+              <a:rPr lang="en-US" sz="2000" dirty="0"/>
+              <a:t> queries that would modify the server’s configuration but informational queries are still permitted.</a:t>
+            </a:r>
+          </a:p>
+          <a:p>
+            <a:pPr>
+              <a:lnSpc>
+                <a:spcPct val="97000"/>
+              </a:lnSpc>
+              <a:spcAft>
+                <a:spcPts val="1413"/>
+              </a:spcAft>
+              <a:buClr>
+                <a:srgbClr val="FF6309"/>
+              </a:buClr>
+              <a:buSzPct val="45000"/>
+              <a:buFont typeface="Wingdings" charset="0"/>
+              <a:buChar char=""/>
+              <a:defRPr/>
+            </a:pPr>
+            <a:r>
+              <a:rPr lang="en-US" sz="2000" b="1" dirty="0" err="1" smtClean="0">
+                <a:latin typeface="Courier" charset="0"/>
+                <a:ea typeface="Courier" charset="0"/>
+                <a:cs typeface="Courier" charset="0"/>
+              </a:rPr>
               <a:t>noquery</a:t>
             </a:r>
             <a:r>
@@ -20565,7 +23193,7 @@
 </p:sld>
 </file>
 
-<file path=ppt/slides/slide14.xml><?xml version="1.0" encoding="utf-8"?>
+<file path=ppt/slides/slide15.xml><?xml version="1.0" encoding="utf-8"?>
 <p:sld xmlns:a="http://schemas.openxmlformats.org/drawingml/2006/main" xmlns:r="http://schemas.openxmlformats.org/officeDocument/2006/relationships" xmlns:p="http://schemas.openxmlformats.org/presentationml/2006/main">
   <p:cSld>
     <p:bg>
@@ -22100,7 +24728,7 @@
 </p:sld>
 </file>
 
-<file path=ppt/slides/slide15.xml><?xml version="1.0" encoding="utf-8"?>
+<file path=ppt/slides/slide16.xml><?xml version="1.0" encoding="utf-8"?>
 <p:sld xmlns:a="http://schemas.openxmlformats.org/drawingml/2006/main" xmlns:r="http://schemas.openxmlformats.org/officeDocument/2006/relationships" xmlns:p="http://schemas.openxmlformats.org/presentationml/2006/main">
   <p:cSld>
     <p:bg>
@@ -22986,52 +25614,163 @@
             </a:pPr>
             <a:r>
               <a:rPr lang="en-GB" sz="3200" dirty="0" smtClean="0">
-                <a:latin typeface="Courier New" charset="0"/>
+                <a:latin typeface="Courier" charset="0"/>
+                <a:ea typeface="Courier" charset="0"/>
+                <a:cs typeface="Courier" charset="0"/>
+              </a:rPr>
+              <a:t>$ </a:t>
+            </a:r>
+            <a:r>
+              <a:rPr lang="en-GB" sz="3200" dirty="0" err="1" smtClean="0">
+                <a:latin typeface="Courier" charset="0"/>
+                <a:ea typeface="Courier" charset="0"/>
+                <a:cs typeface="Courier" charset="0"/>
+              </a:rPr>
+              <a:t>sudo</a:t>
+            </a:r>
+            <a:r>
+              <a:rPr lang="en-GB" sz="3200" dirty="0" smtClean="0">
+                <a:latin typeface="Courier" charset="0"/>
+                <a:ea typeface="Courier" charset="0"/>
+                <a:cs typeface="Courier" charset="0"/>
+              </a:rPr>
+              <a:t> /</a:t>
+            </a:r>
+            <a:r>
+              <a:rPr lang="en-GB" sz="3200" dirty="0" err="1" smtClean="0">
+                <a:latin typeface="Courier" charset="0"/>
+                <a:ea typeface="Courier" charset="0"/>
+                <a:cs typeface="Courier" charset="0"/>
+              </a:rPr>
+              <a:t>etc</a:t>
+            </a:r>
+            <a:r>
+              <a:rPr lang="en-GB" sz="3200" dirty="0" smtClean="0">
+                <a:latin typeface="Courier" charset="0"/>
+                <a:ea typeface="Courier" charset="0"/>
+                <a:cs typeface="Courier" charset="0"/>
               </a:rPr>
               <a:t>/</a:t>
             </a:r>
             <a:r>
               <a:rPr lang="en-GB" sz="3200" dirty="0" err="1" smtClean="0">
-                <a:latin typeface="Courier New" charset="0"/>
+                <a:latin typeface="Courier" charset="0"/>
+                <a:ea typeface="Courier" charset="0"/>
+                <a:cs typeface="Courier" charset="0"/>
               </a:rPr>
-              <a:t>etc</a:t>
+              <a:t>init.d</a:t>
             </a:r>
             <a:r>
               <a:rPr lang="en-GB" sz="3200" dirty="0" smtClean="0">
-                <a:latin typeface="Courier New" charset="0"/>
+                <a:latin typeface="Courier" charset="0"/>
+                <a:ea typeface="Courier" charset="0"/>
+                <a:cs typeface="Courier" charset="0"/>
               </a:rPr>
               <a:t>/</a:t>
             </a:r>
             <a:r>
               <a:rPr lang="en-GB" sz="3200" dirty="0" err="1" smtClean="0">
-                <a:latin typeface="Courier New" charset="0"/>
-              </a:rPr>
-              <a:t>init.d</a:t>
-            </a:r>
-            <a:r>
-              <a:rPr lang="en-GB" sz="3200" dirty="0" smtClean="0">
-                <a:latin typeface="Courier New" charset="0"/>
-              </a:rPr>
-              <a:t>/</a:t>
-            </a:r>
-            <a:r>
-              <a:rPr lang="en-GB" sz="3200" dirty="0" err="1" smtClean="0">
-                <a:latin typeface="Courier New" charset="0"/>
+                <a:latin typeface="Courier" charset="0"/>
+                <a:ea typeface="Courier" charset="0"/>
+                <a:cs typeface="Courier" charset="0"/>
               </a:rPr>
               <a:t>ntp</a:t>
             </a:r>
             <a:r>
               <a:rPr lang="en-GB" sz="3200" dirty="0" smtClean="0">
-                <a:latin typeface="Courier New" charset="0"/>
+                <a:latin typeface="Courier" charset="0"/>
+                <a:ea typeface="Courier" charset="0"/>
+                <a:cs typeface="Courier" charset="0"/>
               </a:rPr>
-              <a:t> </a:t>
-            </a:r>
+              <a:t> start</a:t>
+            </a:r>
+          </a:p>
+          <a:p>
+            <a:pPr>
+              <a:lnSpc>
+                <a:spcPct val="83000"/>
+              </a:lnSpc>
+              <a:spcAft>
+                <a:spcPts val="1413"/>
+              </a:spcAft>
+              <a:buClr>
+                <a:srgbClr val="FF6309"/>
+              </a:buClr>
+              <a:buSzPct val="45000"/>
+              <a:buFont typeface="Wingdings" charset="0"/>
+              <a:buChar char=""/>
+              <a:defRPr/>
+            </a:pPr>
             <a:r>
               <a:rPr lang="en-GB" sz="3200" dirty="0" smtClean="0">
-                <a:latin typeface="Courier New" charset="0"/>
+                <a:latin typeface="Courier" charset="0"/>
+                <a:ea typeface="Courier" charset="0"/>
+                <a:cs typeface="Courier" charset="0"/>
               </a:rPr>
-              <a:t>start</a:t>
-            </a:r>
+              <a:t>Or</a:t>
+            </a:r>
+          </a:p>
+          <a:p>
+            <a:pPr>
+              <a:lnSpc>
+                <a:spcPct val="83000"/>
+              </a:lnSpc>
+              <a:spcAft>
+                <a:spcPts val="1413"/>
+              </a:spcAft>
+              <a:buClr>
+                <a:srgbClr val="FF6309"/>
+              </a:buClr>
+              <a:buSzPct val="45000"/>
+              <a:buFont typeface="Wingdings" charset="0"/>
+              <a:buChar char=""/>
+              <a:defRPr/>
+            </a:pPr>
+            <a:r>
+              <a:rPr lang="en-GB" sz="3200" dirty="0" smtClean="0">
+                <a:latin typeface="Courier" charset="0"/>
+                <a:ea typeface="Courier" charset="0"/>
+                <a:cs typeface="Courier" charset="0"/>
+              </a:rPr>
+              <a:t>$ </a:t>
+            </a:r>
+            <a:r>
+              <a:rPr lang="en-GB" sz="3200" dirty="0" err="1" smtClean="0">
+                <a:latin typeface="Courier" charset="0"/>
+                <a:ea typeface="Courier" charset="0"/>
+                <a:cs typeface="Courier" charset="0"/>
+              </a:rPr>
+              <a:t>sudo</a:t>
+            </a:r>
+            <a:r>
+              <a:rPr lang="en-GB" sz="3200" dirty="0" smtClean="0">
+                <a:latin typeface="Courier" charset="0"/>
+                <a:ea typeface="Courier" charset="0"/>
+                <a:cs typeface="Courier" charset="0"/>
+              </a:rPr>
+              <a:t> service </a:t>
+            </a:r>
+            <a:r>
+              <a:rPr lang="en-GB" sz="3200" dirty="0" err="1" smtClean="0">
+                <a:latin typeface="Courier" charset="0"/>
+                <a:ea typeface="Courier" charset="0"/>
+                <a:cs typeface="Courier" charset="0"/>
+              </a:rPr>
+              <a:t>ntp</a:t>
+            </a:r>
+            <a:r>
+              <a:rPr lang="en-GB" sz="3200" dirty="0" smtClean="0">
+                <a:latin typeface="Courier" charset="0"/>
+                <a:ea typeface="Courier" charset="0"/>
+                <a:cs typeface="Courier" charset="0"/>
+              </a:rPr>
+              <a:t> start</a:t>
+            </a:r>
+            <a:endParaRPr lang="en-GB" sz="3200" dirty="0" smtClean="0">
+              <a:latin typeface="Courier" charset="0"/>
+              <a:ea typeface="Courier" charset="0"/>
+              <a:cs typeface="Courier" charset="0"/>
+            </a:endParaRPr>
           </a:p>
           <a:p>
             <a:pPr>
@@ -23095,6 +25834,76 @@
               <a:latin typeface="Trebuchet MS" charset="0"/>
             </a:endParaRPr>
           </a:p>
+          <a:p>
+            <a:pPr>
+              <a:lnSpc>
+                <a:spcPct val="97000"/>
+              </a:lnSpc>
+              <a:spcAft>
+                <a:spcPts val="1413"/>
+              </a:spcAft>
+              <a:buClr>
+                <a:srgbClr val="FF6309"/>
+              </a:buClr>
+              <a:buSzPct val="45000"/>
+              <a:buFont typeface="Wingdings" charset="0"/>
+              <a:buChar char=""/>
+              <a:defRPr/>
+            </a:pPr>
+            <a:r>
+              <a:rPr lang="en-GB" sz="3200" dirty="0" smtClean="0">
+                <a:latin typeface="Courier" charset="0"/>
+                <a:ea typeface="Courier" charset="0"/>
+                <a:cs typeface="Courier" charset="0"/>
+              </a:rPr>
+              <a:t>$ </a:t>
+            </a:r>
+            <a:r>
+              <a:rPr lang="en-GB" sz="3200" dirty="0" err="1" smtClean="0">
+                <a:latin typeface="Courier" charset="0"/>
+                <a:ea typeface="Courier" charset="0"/>
+                <a:cs typeface="Courier" charset="0"/>
+              </a:rPr>
+              <a:t>sudo</a:t>
+            </a:r>
+            <a:r>
+              <a:rPr lang="en-GB" sz="3200" dirty="0" smtClean="0">
+                <a:latin typeface="Courier" charset="0"/>
+                <a:ea typeface="Courier" charset="0"/>
+                <a:cs typeface="Courier" charset="0"/>
+              </a:rPr>
+              <a:t> </a:t>
+            </a:r>
+            <a:r>
+              <a:rPr lang="en-GB" sz="3200" dirty="0" err="1" smtClean="0">
+                <a:latin typeface="Courier" charset="0"/>
+                <a:ea typeface="Courier" charset="0"/>
+                <a:cs typeface="Courier" charset="0"/>
+              </a:rPr>
+              <a:t>ntpq</a:t>
+            </a:r>
+            <a:r>
+              <a:rPr lang="en-GB" sz="3200" dirty="0" smtClean="0">
+                <a:latin typeface="Courier" charset="0"/>
+                <a:ea typeface="Courier" charset="0"/>
+                <a:cs typeface="Courier" charset="0"/>
+              </a:rPr>
+              <a:t> -</a:t>
+            </a:r>
+            <a:r>
+              <a:rPr lang="en-GB" sz="3200" dirty="0" err="1" smtClean="0">
+                <a:latin typeface="Courier" charset="0"/>
+                <a:ea typeface="Courier" charset="0"/>
+                <a:cs typeface="Courier" charset="0"/>
+              </a:rPr>
+              <a:t>pn</a:t>
+            </a:r>
+            <a:endParaRPr lang="en-GB" sz="3200" dirty="0">
+              <a:latin typeface="Courier" charset="0"/>
+              <a:ea typeface="Courier" charset="0"/>
+              <a:cs typeface="Courier" charset="0"/>
+            </a:endParaRPr>
+          </a:p>
         </p:txBody>
       </p:sp>
       <p:sp>
@@ -23105,8 +25914,8 @@
         </p:nvSpPr>
         <p:spPr>
           <a:xfrm>
-            <a:off x="632617" y="3551237"/>
-            <a:ext cx="8973345" cy="2751522"/>
+            <a:off x="1" y="5227637"/>
+            <a:ext cx="10080624" cy="1983107"/>
           </a:xfrm>
           <a:prstGeom prst="rect">
             <a:avLst/>
@@ -23122,49 +25931,89 @@
           <a:lstStyle/>
           <a:p>
             <a:r>
-              <a:rPr lang="is-IS" sz="2000" dirty="0"/>
-              <a:t>ntpq -p</a:t>
+              <a:rPr lang="is-IS" sz="1600" smtClean="0">
+                <a:latin typeface="Courier" charset="0"/>
+                <a:ea typeface="Courier" charset="0"/>
+                <a:cs typeface="Courier" charset="0"/>
+              </a:rPr>
+              <a:t>$ sudo ntpq </a:t>
+            </a:r>
+            <a:r>
+              <a:rPr lang="is-IS" sz="1600" dirty="0">
+                <a:latin typeface="Courier" charset="0"/>
+                <a:ea typeface="Courier" charset="0"/>
+                <a:cs typeface="Courier" charset="0"/>
+              </a:rPr>
+              <a:t>-p</a:t>
             </a:r>
           </a:p>
           <a:p>
             <a:r>
-              <a:rPr lang="is-IS" sz="2000" dirty="0"/>
+              <a:rPr lang="is-IS" sz="1600" dirty="0">
+                <a:latin typeface="Courier" charset="0"/>
+                <a:ea typeface="Courier" charset="0"/>
+                <a:cs typeface="Courier" charset="0"/>
+              </a:rPr>
               <a:t>     remote           refid      st t when poll reach   delay   offset  jitter</a:t>
             </a:r>
           </a:p>
           <a:p>
             <a:r>
-              <a:rPr lang="is-IS" sz="2000" dirty="0"/>
+              <a:rPr lang="is-IS" sz="1600" dirty="0">
+                <a:latin typeface="Courier" charset="0"/>
+                <a:ea typeface="Courier" charset="0"/>
+                <a:cs typeface="Courier" charset="0"/>
+              </a:rPr>
               <a:t>==============================================================================</a:t>
             </a:r>
           </a:p>
           <a:p>
             <a:r>
-              <a:rPr lang="is-IS" sz="2000" dirty="0"/>
+              <a:rPr lang="is-IS" sz="1600" dirty="0">
+                <a:latin typeface="Courier" charset="0"/>
+                <a:ea typeface="Courier" charset="0"/>
+                <a:cs typeface="Courier" charset="0"/>
+              </a:rPr>
               <a:t>*riditt.de       131.188.3.221    2 u   27   64    1  183.792    0.439   0.079</a:t>
             </a:r>
           </a:p>
           <a:p>
             <a:r>
-              <a:rPr lang="is-IS" sz="2000" dirty="0"/>
+              <a:rPr lang="is-IS" sz="1600" dirty="0">
+                <a:latin typeface="Courier" charset="0"/>
+                <a:ea typeface="Courier" charset="0"/>
+                <a:cs typeface="Courier" charset="0"/>
+              </a:rPr>
               <a:t> lofn.fancube.co .INIT.          16 u    -   64    0    0.000    0.000   0.000</a:t>
             </a:r>
           </a:p>
           <a:p>
             <a:r>
-              <a:rPr lang="is-IS" sz="2000" dirty="0"/>
+              <a:rPr lang="is-IS" sz="1600" dirty="0">
+                <a:latin typeface="Courier" charset="0"/>
+                <a:ea typeface="Courier" charset="0"/>
+                <a:cs typeface="Courier" charset="0"/>
+              </a:rPr>
               <a:t> service1-eth3.d 228.143.95.23    2 u   28   64    1  200.457   -1.965   0.035</a:t>
             </a:r>
           </a:p>
           <a:p>
             <a:r>
-              <a:rPr lang="is-IS" sz="2000" dirty="0"/>
+              <a:rPr lang="is-IS" sz="1600" dirty="0">
+                <a:latin typeface="Courier" charset="0"/>
+                <a:ea typeface="Courier" charset="0"/>
+                <a:cs typeface="Courier" charset="0"/>
+              </a:rPr>
               <a:t> makaki.miuku.ne 218.186.3.36     2 u   28   64    1  377.207   -7.893   0.169</a:t>
             </a:r>
           </a:p>
           <a:p>
             <a:r>
-              <a:rPr lang="is-IS" sz="2000" dirty="0"/>
+              <a:rPr lang="is-IS" sz="1600" dirty="0">
+                <a:latin typeface="Courier" charset="0"/>
+                <a:ea typeface="Courier" charset="0"/>
+                <a:cs typeface="Courier" charset="0"/>
+              </a:rPr>
               <a:t> noc.mtg.afnog.o 45.222.43.250    3 u   27   64    1    0.284    1.810   0.040</a:t>
             </a:r>
           </a:p>
@@ -23206,7 +26055,7 @@
 </p:sld>
 </file>
 
-<file path=ppt/slides/slide16.xml><?xml version="1.0" encoding="utf-8"?>
+<file path=ppt/slides/slide17.xml><?xml version="1.0" encoding="utf-8"?>
 <p:sld xmlns:a="http://schemas.openxmlformats.org/drawingml/2006/main" xmlns:r="http://schemas.openxmlformats.org/officeDocument/2006/relationships" xmlns:p="http://schemas.openxmlformats.org/presentationml/2006/main">
   <p:cSld>
     <p:bg>
@@ -35589,15 +38438,27 @@
                 <a:ea typeface="Arial" charset="0"/>
                 <a:cs typeface="Arial" charset="0"/>
               </a:rPr>
-              <a:t>The configuration file for NTP is stored at ‘/</a:t>
+              <a:t>The configuration file for NTP is stored at </a:t>
+            </a:r>
+            <a:r>
+              <a:rPr lang="en-US" altLang="x-none" sz="2800" dirty="0" smtClean="0">
+                <a:solidFill>
+                  <a:srgbClr val="000000"/>
+                </a:solidFill>
+                <a:latin typeface="Courier" charset="0"/>
+                <a:ea typeface="Courier" charset="0"/>
+                <a:cs typeface="Courier" charset="0"/>
+              </a:rPr>
+              <a:t>‘/</a:t>
             </a:r>
             <a:r>
               <a:rPr lang="en-US" altLang="x-none" sz="2800" dirty="0" err="1" smtClean="0">
                 <a:solidFill>
                   <a:srgbClr val="000000"/>
                 </a:solidFill>
-                <a:ea typeface="Arial" charset="0"/>
-                <a:cs typeface="Arial" charset="0"/>
+                <a:latin typeface="Courier" charset="0"/>
+                <a:ea typeface="Courier" charset="0"/>
+                <a:cs typeface="Courier" charset="0"/>
               </a:rPr>
               <a:t>etc</a:t>
             </a:r>
@@ -35606,8 +38467,9 @@
                 <a:solidFill>
                   <a:srgbClr val="000000"/>
                 </a:solidFill>
-                <a:ea typeface="Arial" charset="0"/>
-                <a:cs typeface="Arial" charset="0"/>
+                <a:latin typeface="Courier" charset="0"/>
+                <a:ea typeface="Courier" charset="0"/>
+                <a:cs typeface="Courier" charset="0"/>
               </a:rPr>
               <a:t>/</a:t>
             </a:r>
@@ -35616,8 +38478,9 @@
                 <a:solidFill>
                   <a:srgbClr val="000000"/>
                 </a:solidFill>
-                <a:ea typeface="Arial" charset="0"/>
-                <a:cs typeface="Arial" charset="0"/>
+                <a:latin typeface="Courier" charset="0"/>
+                <a:ea typeface="Courier" charset="0"/>
+                <a:cs typeface="Courier" charset="0"/>
               </a:rPr>
               <a:t>ntp.conf</a:t>
             </a:r>

--- a/ntp/ntp-service.pptx
+++ b/ntp/ntp-service.pptx
@@ -278,7 +278,7 @@
           <a:effectLst/>
           <a:extLst>
             <a:ext uri="{91240B29-F687-4f45-9708-019B960494DF}">
-              <a14:hiddenLine xmlns:a14="http://schemas.microsoft.com/office/drawing/2010/main" xmlns="" w="9360" cap="sq">
+              <a14:hiddenLine xmlns="" xmlns:a14="http://schemas.microsoft.com/office/drawing/2010/main" w="9360" cap="sq">
                 <a:solidFill>
                   <a:srgbClr val="000000"/>
                 </a:solidFill>
@@ -288,7 +288,7 @@
               </a14:hiddenLine>
             </a:ext>
             <a:ext uri="{AF507438-7753-43e0-B8FC-AC1667EBCBE1}">
-              <a14:hiddenEffects xmlns:a14="http://schemas.microsoft.com/office/drawing/2010/main" xmlns="">
+              <a14:hiddenEffects xmlns="" xmlns:a14="http://schemas.microsoft.com/office/drawing/2010/main">
                 <a:effectLst>
                   <a:outerShdw blurRad="63500" dist="38099" dir="2700000" algn="ctr" rotWithShape="0">
                     <a:srgbClr val="000000">
@@ -341,7 +341,7 @@
           <a:effectLst/>
           <a:extLst>
             <a:ext uri="{91240B29-F687-4f45-9708-019B960494DF}">
-              <a14:hiddenLine xmlns:a14="http://schemas.microsoft.com/office/drawing/2010/main" xmlns="" w="9525" cap="flat">
+              <a14:hiddenLine xmlns="" xmlns:a14="http://schemas.microsoft.com/office/drawing/2010/main" w="9525" cap="flat">
                 <a:solidFill>
                   <a:srgbClr val="3465A4"/>
                 </a:solidFill>
@@ -351,7 +351,7 @@
               </a14:hiddenLine>
             </a:ext>
             <a:ext uri="{AF507438-7753-43e0-B8FC-AC1667EBCBE1}">
-              <a14:hiddenEffects xmlns:a14="http://schemas.microsoft.com/office/drawing/2010/main" xmlns="">
+              <a14:hiddenEffects xmlns="" xmlns:a14="http://schemas.microsoft.com/office/drawing/2010/main">
                 <a:effectLst>
                   <a:outerShdw blurRad="63500" dist="38099" dir="2700000" algn="ctr" rotWithShape="0">
                     <a:srgbClr val="000000">
@@ -405,14 +405,14 @@
               <ma14:placeholderFlag xmlns:ma14="http://schemas.microsoft.com/office/mac/drawingml/2011/main" val="1"/>
             </a:ext>
             <a:ext uri="{909E8E84-426E-40dd-AFC4-6F175D3DCCD1}">
-              <a14:hiddenFill xmlns:a14="http://schemas.microsoft.com/office/drawing/2010/main" xmlns="">
+              <a14:hiddenFill xmlns="" xmlns:a14="http://schemas.microsoft.com/office/drawing/2010/main">
                 <a:solidFill>
                   <a:srgbClr val="FFFFFF"/>
                 </a:solidFill>
               </a14:hiddenFill>
             </a:ext>
             <a:ext uri="{91240B29-F687-4f45-9708-019B960494DF}">
-              <a14:hiddenLine xmlns:a14="http://schemas.microsoft.com/office/drawing/2010/main" xmlns="" w="9525" cap="flat">
+              <a14:hiddenLine xmlns="" xmlns:a14="http://schemas.microsoft.com/office/drawing/2010/main" w="9525" cap="flat">
                 <a:solidFill>
                   <a:srgbClr val="3465A4"/>
                 </a:solidFill>
@@ -422,7 +422,7 @@
               </a14:hiddenLine>
             </a:ext>
             <a:ext uri="{AF507438-7753-43e0-B8FC-AC1667EBCBE1}">
-              <a14:hiddenEffects xmlns:a14="http://schemas.microsoft.com/office/drawing/2010/main" xmlns="">
+              <a14:hiddenEffects xmlns="" xmlns:a14="http://schemas.microsoft.com/office/drawing/2010/main">
                 <a:effectLst>
                   <a:outerShdw blurRad="63500" dist="38099" dir="2700000" algn="ctr" rotWithShape="0">
                     <a:schemeClr val="bg2">
@@ -463,14 +463,14 @@
               <ma14:placeholderFlag xmlns:ma14="http://schemas.microsoft.com/office/mac/drawingml/2011/main" val="1"/>
             </a:ext>
             <a:ext uri="{909E8E84-426E-40dd-AFC4-6F175D3DCCD1}">
-              <a14:hiddenFill xmlns:a14="http://schemas.microsoft.com/office/drawing/2010/main" xmlns="">
+              <a14:hiddenFill xmlns="" xmlns:a14="http://schemas.microsoft.com/office/drawing/2010/main">
                 <a:solidFill>
                   <a:srgbClr val="FFFFFF"/>
                 </a:solidFill>
               </a14:hiddenFill>
             </a:ext>
             <a:ext uri="{91240B29-F687-4f45-9708-019B960494DF}">
-              <a14:hiddenLine xmlns:a14="http://schemas.microsoft.com/office/drawing/2010/main" xmlns="" w="9525" cap="flat">
+              <a14:hiddenLine xmlns="" xmlns:a14="http://schemas.microsoft.com/office/drawing/2010/main" w="9525" cap="flat">
                 <a:solidFill>
                   <a:srgbClr val="3465A4"/>
                 </a:solidFill>
@@ -480,7 +480,7 @@
               </a14:hiddenLine>
             </a:ext>
             <a:ext uri="{AF507438-7753-43e0-B8FC-AC1667EBCBE1}">
-              <a14:hiddenEffects xmlns:a14="http://schemas.microsoft.com/office/drawing/2010/main" xmlns="">
+              <a14:hiddenEffects xmlns="" xmlns:a14="http://schemas.microsoft.com/office/drawing/2010/main">
                 <a:effectLst>
                   <a:outerShdw blurRad="63500" dist="38099" dir="2700000" algn="ctr" rotWithShape="0">
                     <a:schemeClr val="bg2">
@@ -528,14 +528,14 @@
           <a:effectLst/>
           <a:extLst>
             <a:ext uri="{909E8E84-426E-40dd-AFC4-6F175D3DCCD1}">
-              <a14:hiddenFill xmlns:a14="http://schemas.microsoft.com/office/drawing/2010/main" xmlns="">
+              <a14:hiddenFill xmlns="" xmlns:a14="http://schemas.microsoft.com/office/drawing/2010/main">
                 <a:solidFill>
                   <a:srgbClr val="FFFFFF"/>
                 </a:solidFill>
               </a14:hiddenFill>
             </a:ext>
             <a:ext uri="{91240B29-F687-4f45-9708-019B960494DF}">
-              <a14:hiddenLine xmlns:a14="http://schemas.microsoft.com/office/drawing/2010/main" xmlns="" w="9525" cap="flat">
+              <a14:hiddenLine xmlns="" xmlns:a14="http://schemas.microsoft.com/office/drawing/2010/main" w="9525" cap="flat">
                 <a:solidFill>
                   <a:srgbClr val="3465A4"/>
                 </a:solidFill>
@@ -545,7 +545,7 @@
               </a14:hiddenLine>
             </a:ext>
             <a:ext uri="{AF507438-7753-43e0-B8FC-AC1667EBCBE1}">
-              <a14:hiddenEffects xmlns:a14="http://schemas.microsoft.com/office/drawing/2010/main" xmlns="">
+              <a14:hiddenEffects xmlns="" xmlns:a14="http://schemas.microsoft.com/office/drawing/2010/main">
                 <a:effectLst>
                   <a:outerShdw blurRad="63500" dist="38099" dir="2700000" algn="ctr" rotWithShape="0">
                     <a:srgbClr val="000000">
@@ -594,14 +594,14 @@
           <a:effectLst/>
           <a:extLst>
             <a:ext uri="{909E8E84-426E-40dd-AFC4-6F175D3DCCD1}">
-              <a14:hiddenFill xmlns:a14="http://schemas.microsoft.com/office/drawing/2010/main" xmlns="">
+              <a14:hiddenFill xmlns="" xmlns:a14="http://schemas.microsoft.com/office/drawing/2010/main">
                 <a:solidFill>
                   <a:srgbClr val="FFFFFF"/>
                 </a:solidFill>
               </a14:hiddenFill>
             </a:ext>
             <a:ext uri="{91240B29-F687-4f45-9708-019B960494DF}">
-              <a14:hiddenLine xmlns:a14="http://schemas.microsoft.com/office/drawing/2010/main" xmlns="" w="9525" cap="flat">
+              <a14:hiddenLine xmlns="" xmlns:a14="http://schemas.microsoft.com/office/drawing/2010/main" w="9525" cap="flat">
                 <a:solidFill>
                   <a:srgbClr val="3465A4"/>
                 </a:solidFill>
@@ -611,7 +611,7 @@
               </a14:hiddenLine>
             </a:ext>
             <a:ext uri="{AF507438-7753-43e0-B8FC-AC1667EBCBE1}">
-              <a14:hiddenEffects xmlns:a14="http://schemas.microsoft.com/office/drawing/2010/main" xmlns="">
+              <a14:hiddenEffects xmlns="" xmlns:a14="http://schemas.microsoft.com/office/drawing/2010/main">
                 <a:effectLst>
                   <a:outerShdw blurRad="63500" dist="38099" dir="2700000" algn="ctr" rotWithShape="0">
                     <a:srgbClr val="000000">
@@ -660,14 +660,14 @@
           <a:effectLst/>
           <a:extLst>
             <a:ext uri="{909E8E84-426E-40dd-AFC4-6F175D3DCCD1}">
-              <a14:hiddenFill xmlns:a14="http://schemas.microsoft.com/office/drawing/2010/main" xmlns="">
+              <a14:hiddenFill xmlns="" xmlns:a14="http://schemas.microsoft.com/office/drawing/2010/main">
                 <a:solidFill>
                   <a:srgbClr val="FFFFFF"/>
                 </a:solidFill>
               </a14:hiddenFill>
             </a:ext>
             <a:ext uri="{91240B29-F687-4f45-9708-019B960494DF}">
-              <a14:hiddenLine xmlns:a14="http://schemas.microsoft.com/office/drawing/2010/main" xmlns="" w="9525" cap="flat">
+              <a14:hiddenLine xmlns="" xmlns:a14="http://schemas.microsoft.com/office/drawing/2010/main" w="9525" cap="flat">
                 <a:solidFill>
                   <a:srgbClr val="3465A4"/>
                 </a:solidFill>
@@ -677,7 +677,7 @@
               </a14:hiddenLine>
             </a:ext>
             <a:ext uri="{AF507438-7753-43e0-B8FC-AC1667EBCBE1}">
-              <a14:hiddenEffects xmlns:a14="http://schemas.microsoft.com/office/drawing/2010/main" xmlns="">
+              <a14:hiddenEffects xmlns="" xmlns:a14="http://schemas.microsoft.com/office/drawing/2010/main">
                 <a:effectLst>
                   <a:outerShdw blurRad="63500" dist="38099" dir="2700000" algn="ctr" rotWithShape="0">
                     <a:srgbClr val="000000">
@@ -731,14 +731,14 @@
               <ma14:placeholderFlag xmlns:ma14="http://schemas.microsoft.com/office/mac/drawingml/2011/main" val="1"/>
             </a:ext>
             <a:ext uri="{909E8E84-426E-40dd-AFC4-6F175D3DCCD1}">
-              <a14:hiddenFill xmlns:a14="http://schemas.microsoft.com/office/drawing/2010/main" xmlns="">
+              <a14:hiddenFill xmlns="" xmlns:a14="http://schemas.microsoft.com/office/drawing/2010/main">
                 <a:solidFill>
                   <a:srgbClr val="FFFFFF"/>
                 </a:solidFill>
               </a14:hiddenFill>
             </a:ext>
             <a:ext uri="{91240B29-F687-4f45-9708-019B960494DF}">
-              <a14:hiddenLine xmlns:a14="http://schemas.microsoft.com/office/drawing/2010/main" xmlns="" w="9525" cap="flat">
+              <a14:hiddenLine xmlns="" xmlns:a14="http://schemas.microsoft.com/office/drawing/2010/main" w="9525" cap="flat">
                 <a:solidFill>
                   <a:srgbClr val="3465A4"/>
                 </a:solidFill>
@@ -748,7 +748,7 @@
               </a14:hiddenLine>
             </a:ext>
             <a:ext uri="{AF507438-7753-43e0-B8FC-AC1667EBCBE1}">
-              <a14:hiddenEffects xmlns:a14="http://schemas.microsoft.com/office/drawing/2010/main" xmlns="">
+              <a14:hiddenEffects xmlns="" xmlns:a14="http://schemas.microsoft.com/office/drawing/2010/main">
                 <a:effectLst>
                   <a:outerShdw blurRad="63500" dist="38099" dir="2700000" algn="ctr" rotWithShape="0">
                     <a:schemeClr val="bg2">
@@ -1004,14 +1004,14 @@
         <p:spPr>
           <a:extLst>
             <a:ext uri="{909E8E84-426E-40dd-AFC4-6F175D3DCCD1}">
-              <a14:hiddenFill xmlns:a14="http://schemas.microsoft.com/office/drawing/2010/main" xmlns="">
+              <a14:hiddenFill xmlns="" xmlns:a14="http://schemas.microsoft.com/office/drawing/2010/main">
                 <a:solidFill>
                   <a:srgbClr val="FFFFFF"/>
                 </a:solidFill>
               </a14:hiddenFill>
             </a:ext>
             <a:ext uri="{91240B29-F687-4f45-9708-019B960494DF}">
-              <a14:hiddenLine xmlns:a14="http://schemas.microsoft.com/office/drawing/2010/main" xmlns="" w="9525" cap="flat">
+              <a14:hiddenLine xmlns="" xmlns:a14="http://schemas.microsoft.com/office/drawing/2010/main" w="9525" cap="flat">
                 <a:solidFill>
                   <a:srgbClr val="3465A4"/>
                 </a:solidFill>
@@ -1021,7 +1021,7 @@
               </a14:hiddenLine>
             </a:ext>
             <a:ext uri="{AF507438-7753-43e0-B8FC-AC1667EBCBE1}">
-              <a14:hiddenEffects xmlns:a14="http://schemas.microsoft.com/office/drawing/2010/main" xmlns="">
+              <a14:hiddenEffects xmlns="" xmlns:a14="http://schemas.microsoft.com/office/drawing/2010/main">
                 <a:effectLst>
                   <a:outerShdw blurRad="63500" dist="38099" dir="2700000" algn="ctr" rotWithShape="0">
                     <a:schemeClr val="bg2">
@@ -1425,14 +1425,14 @@
           <a:effectLst/>
           <a:extLst>
             <a:ext uri="{909E8E84-426E-40dd-AFC4-6F175D3DCCD1}">
-              <a14:hiddenFill xmlns:a14="http://schemas.microsoft.com/office/drawing/2010/main" xmlns="">
+              <a14:hiddenFill xmlns="" xmlns:a14="http://schemas.microsoft.com/office/drawing/2010/main">
                 <a:solidFill>
                   <a:srgbClr val="FFFFFF"/>
                 </a:solidFill>
               </a14:hiddenFill>
             </a:ext>
             <a:ext uri="{91240B29-F687-4f45-9708-019B960494DF}">
-              <a14:hiddenLine xmlns:a14="http://schemas.microsoft.com/office/drawing/2010/main" xmlns="" w="9525" cap="flat">
+              <a14:hiddenLine xmlns="" xmlns:a14="http://schemas.microsoft.com/office/drawing/2010/main" w="9525" cap="flat">
                 <a:solidFill>
                   <a:srgbClr val="3465A4"/>
                 </a:solidFill>
@@ -1442,7 +1442,7 @@
               </a14:hiddenLine>
             </a:ext>
             <a:ext uri="{AF507438-7753-43e0-B8FC-AC1667EBCBE1}">
-              <a14:hiddenEffects xmlns:a14="http://schemas.microsoft.com/office/drawing/2010/main" xmlns="">
+              <a14:hiddenEffects xmlns="" xmlns:a14="http://schemas.microsoft.com/office/drawing/2010/main">
                 <a:effectLst>
                   <a:outerShdw blurRad="63500" dist="38099" dir="2700000" algn="ctr" rotWithShape="0">
                     <a:srgbClr val="000000">
@@ -1861,7 +1861,7 @@
           </a:ln>
           <a:extLst>
             <a:ext uri="{AF507438-7753-43e0-B8FC-AC1667EBCBE1}">
-              <a14:hiddenEffects xmlns:a14="http://schemas.microsoft.com/office/drawing/2010/main" xmlns="">
+              <a14:hiddenEffects xmlns="" xmlns:a14="http://schemas.microsoft.com/office/drawing/2010/main">
                 <a:effectLst>
                   <a:outerShdw blurRad="63500" dist="38099" dir="2700000" algn="ctr" rotWithShape="0">
                     <a:srgbClr val="000000">
@@ -1897,14 +1897,14 @@
           <a:effectLst/>
           <a:extLst>
             <a:ext uri="{909E8E84-426E-40dd-AFC4-6F175D3DCCD1}">
-              <a14:hiddenFill xmlns:a14="http://schemas.microsoft.com/office/drawing/2010/main" xmlns="">
+              <a14:hiddenFill xmlns="" xmlns:a14="http://schemas.microsoft.com/office/drawing/2010/main">
                 <a:solidFill>
                   <a:srgbClr val="FFFFFF"/>
                 </a:solidFill>
               </a14:hiddenFill>
             </a:ext>
             <a:ext uri="{91240B29-F687-4f45-9708-019B960494DF}">
-              <a14:hiddenLine xmlns:a14="http://schemas.microsoft.com/office/drawing/2010/main" xmlns="" w="9525" cap="flat">
+              <a14:hiddenLine xmlns="" xmlns:a14="http://schemas.microsoft.com/office/drawing/2010/main" w="9525" cap="flat">
                 <a:solidFill>
                   <a:srgbClr val="3465A4"/>
                 </a:solidFill>
@@ -1914,7 +1914,7 @@
               </a14:hiddenLine>
             </a:ext>
             <a:ext uri="{AF507438-7753-43e0-B8FC-AC1667EBCBE1}">
-              <a14:hiddenEffects xmlns:a14="http://schemas.microsoft.com/office/drawing/2010/main" xmlns="">
+              <a14:hiddenEffects xmlns="" xmlns:a14="http://schemas.microsoft.com/office/drawing/2010/main">
                 <a:effectLst>
                   <a:outerShdw blurRad="63500" dist="38099" dir="2700000" algn="ctr" rotWithShape="0">
                     <a:srgbClr val="000000">
@@ -1986,14 +1986,14 @@
         <p:spPr>
           <a:extLst>
             <a:ext uri="{909E8E84-426E-40dd-AFC4-6F175D3DCCD1}">
-              <a14:hiddenFill xmlns:a14="http://schemas.microsoft.com/office/drawing/2010/main" xmlns="">
+              <a14:hiddenFill xmlns="" xmlns:a14="http://schemas.microsoft.com/office/drawing/2010/main">
                 <a:solidFill>
                   <a:srgbClr val="FFFFFF"/>
                 </a:solidFill>
               </a14:hiddenFill>
             </a:ext>
             <a:ext uri="{91240B29-F687-4f45-9708-019B960494DF}">
-              <a14:hiddenLine xmlns:a14="http://schemas.microsoft.com/office/drawing/2010/main" xmlns="" w="9525" cap="flat">
+              <a14:hiddenLine xmlns="" xmlns:a14="http://schemas.microsoft.com/office/drawing/2010/main" w="9525" cap="flat">
                 <a:solidFill>
                   <a:srgbClr val="3465A4"/>
                 </a:solidFill>
@@ -2003,7 +2003,7 @@
               </a14:hiddenLine>
             </a:ext>
             <a:ext uri="{AF507438-7753-43e0-B8FC-AC1667EBCBE1}">
-              <a14:hiddenEffects xmlns:a14="http://schemas.microsoft.com/office/drawing/2010/main" xmlns="">
+              <a14:hiddenEffects xmlns="" xmlns:a14="http://schemas.microsoft.com/office/drawing/2010/main">
                 <a:effectLst>
                   <a:outerShdw blurRad="63500" dist="38099" dir="2700000" algn="ctr" rotWithShape="0">
                     <a:schemeClr val="bg2">
@@ -2412,7 +2412,7 @@
           </a:ln>
           <a:extLst>
             <a:ext uri="{AF507438-7753-43e0-B8FC-AC1667EBCBE1}">
-              <a14:hiddenEffects xmlns:a14="http://schemas.microsoft.com/office/drawing/2010/main" xmlns="">
+              <a14:hiddenEffects xmlns="" xmlns:a14="http://schemas.microsoft.com/office/drawing/2010/main">
                 <a:effectLst>
                   <a:outerShdw blurRad="63500" dist="38099" dir="2700000" algn="ctr" rotWithShape="0">
                     <a:srgbClr val="000000">
@@ -2448,14 +2448,14 @@
           <a:effectLst/>
           <a:extLst>
             <a:ext uri="{909E8E84-426E-40dd-AFC4-6F175D3DCCD1}">
-              <a14:hiddenFill xmlns:a14="http://schemas.microsoft.com/office/drawing/2010/main" xmlns="">
+              <a14:hiddenFill xmlns="" xmlns:a14="http://schemas.microsoft.com/office/drawing/2010/main">
                 <a:solidFill>
                   <a:srgbClr val="FFFFFF"/>
                 </a:solidFill>
               </a14:hiddenFill>
             </a:ext>
             <a:ext uri="{91240B29-F687-4f45-9708-019B960494DF}">
-              <a14:hiddenLine xmlns:a14="http://schemas.microsoft.com/office/drawing/2010/main" xmlns="" w="9525" cap="flat">
+              <a14:hiddenLine xmlns="" xmlns:a14="http://schemas.microsoft.com/office/drawing/2010/main" w="9525" cap="flat">
                 <a:solidFill>
                   <a:srgbClr val="3465A4"/>
                 </a:solidFill>
@@ -2465,7 +2465,7 @@
               </a14:hiddenLine>
             </a:ext>
             <a:ext uri="{AF507438-7753-43e0-B8FC-AC1667EBCBE1}">
-              <a14:hiddenEffects xmlns:a14="http://schemas.microsoft.com/office/drawing/2010/main" xmlns="">
+              <a14:hiddenEffects xmlns="" xmlns:a14="http://schemas.microsoft.com/office/drawing/2010/main">
                 <a:effectLst>
                   <a:outerShdw blurRad="63500" dist="38099" dir="2700000" algn="ctr" rotWithShape="0">
                     <a:srgbClr val="000000">
@@ -2542,14 +2542,14 @@
         <p:spPr>
           <a:extLst>
             <a:ext uri="{909E8E84-426E-40dd-AFC4-6F175D3DCCD1}">
-              <a14:hiddenFill xmlns:a14="http://schemas.microsoft.com/office/drawing/2010/main" xmlns="">
+              <a14:hiddenFill xmlns="" xmlns:a14="http://schemas.microsoft.com/office/drawing/2010/main">
                 <a:solidFill>
                   <a:srgbClr val="FFFFFF"/>
                 </a:solidFill>
               </a14:hiddenFill>
             </a:ext>
             <a:ext uri="{91240B29-F687-4f45-9708-019B960494DF}">
-              <a14:hiddenLine xmlns:a14="http://schemas.microsoft.com/office/drawing/2010/main" xmlns="" w="9525" cap="flat">
+              <a14:hiddenLine xmlns="" xmlns:a14="http://schemas.microsoft.com/office/drawing/2010/main" w="9525" cap="flat">
                 <a:solidFill>
                   <a:srgbClr val="3465A4"/>
                 </a:solidFill>
@@ -2559,7 +2559,7 @@
               </a14:hiddenLine>
             </a:ext>
             <a:ext uri="{AF507438-7753-43e0-B8FC-AC1667EBCBE1}">
-              <a14:hiddenEffects xmlns:a14="http://schemas.microsoft.com/office/drawing/2010/main" xmlns="">
+              <a14:hiddenEffects xmlns="" xmlns:a14="http://schemas.microsoft.com/office/drawing/2010/main">
                 <a:effectLst>
                   <a:outerShdw blurRad="63500" dist="38099" dir="2700000" algn="ctr" rotWithShape="0">
                     <a:schemeClr val="bg2">
@@ -2968,7 +2968,7 @@
           </a:ln>
           <a:extLst>
             <a:ext uri="{AF507438-7753-43e0-B8FC-AC1667EBCBE1}">
-              <a14:hiddenEffects xmlns:a14="http://schemas.microsoft.com/office/drawing/2010/main" xmlns="">
+              <a14:hiddenEffects xmlns="" xmlns:a14="http://schemas.microsoft.com/office/drawing/2010/main">
                 <a:effectLst>
                   <a:outerShdw blurRad="63500" dist="38099" dir="2700000" algn="ctr" rotWithShape="0">
                     <a:srgbClr val="000000">
@@ -3004,14 +3004,14 @@
           <a:effectLst/>
           <a:extLst>
             <a:ext uri="{909E8E84-426E-40dd-AFC4-6F175D3DCCD1}">
-              <a14:hiddenFill xmlns:a14="http://schemas.microsoft.com/office/drawing/2010/main" xmlns="">
+              <a14:hiddenFill xmlns="" xmlns:a14="http://schemas.microsoft.com/office/drawing/2010/main">
                 <a:solidFill>
                   <a:srgbClr val="FFFFFF"/>
                 </a:solidFill>
               </a14:hiddenFill>
             </a:ext>
             <a:ext uri="{91240B29-F687-4f45-9708-019B960494DF}">
-              <a14:hiddenLine xmlns:a14="http://schemas.microsoft.com/office/drawing/2010/main" xmlns="" w="9525" cap="flat">
+              <a14:hiddenLine xmlns="" xmlns:a14="http://schemas.microsoft.com/office/drawing/2010/main" w="9525" cap="flat">
                 <a:solidFill>
                   <a:srgbClr val="3465A4"/>
                 </a:solidFill>
@@ -3021,7 +3021,7 @@
               </a14:hiddenLine>
             </a:ext>
             <a:ext uri="{AF507438-7753-43e0-B8FC-AC1667EBCBE1}">
-              <a14:hiddenEffects xmlns:a14="http://schemas.microsoft.com/office/drawing/2010/main" xmlns="">
+              <a14:hiddenEffects xmlns="" xmlns:a14="http://schemas.microsoft.com/office/drawing/2010/main">
                 <a:effectLst>
                   <a:outerShdw blurRad="63500" dist="38099" dir="2700000" algn="ctr" rotWithShape="0">
                     <a:srgbClr val="000000">
@@ -3093,14 +3093,14 @@
         <p:spPr>
           <a:extLst>
             <a:ext uri="{909E8E84-426E-40dd-AFC4-6F175D3DCCD1}">
-              <a14:hiddenFill xmlns:a14="http://schemas.microsoft.com/office/drawing/2010/main" xmlns="">
+              <a14:hiddenFill xmlns="" xmlns:a14="http://schemas.microsoft.com/office/drawing/2010/main">
                 <a:solidFill>
                   <a:srgbClr val="FFFFFF"/>
                 </a:solidFill>
               </a14:hiddenFill>
             </a:ext>
             <a:ext uri="{91240B29-F687-4f45-9708-019B960494DF}">
-              <a14:hiddenLine xmlns:a14="http://schemas.microsoft.com/office/drawing/2010/main" xmlns="" w="9525" cap="flat">
+              <a14:hiddenLine xmlns="" xmlns:a14="http://schemas.microsoft.com/office/drawing/2010/main" w="9525" cap="flat">
                 <a:solidFill>
                   <a:srgbClr val="3465A4"/>
                 </a:solidFill>
@@ -3110,7 +3110,7 @@
               </a14:hiddenLine>
             </a:ext>
             <a:ext uri="{AF507438-7753-43e0-B8FC-AC1667EBCBE1}">
-              <a14:hiddenEffects xmlns:a14="http://schemas.microsoft.com/office/drawing/2010/main" xmlns="">
+              <a14:hiddenEffects xmlns="" xmlns:a14="http://schemas.microsoft.com/office/drawing/2010/main">
                 <a:effectLst>
                   <a:outerShdw blurRad="63500" dist="38099" dir="2700000" algn="ctr" rotWithShape="0">
                     <a:schemeClr val="bg2">
@@ -3519,7 +3519,7 @@
           </a:ln>
           <a:extLst>
             <a:ext uri="{AF507438-7753-43e0-B8FC-AC1667EBCBE1}">
-              <a14:hiddenEffects xmlns:a14="http://schemas.microsoft.com/office/drawing/2010/main" xmlns="">
+              <a14:hiddenEffects xmlns="" xmlns:a14="http://schemas.microsoft.com/office/drawing/2010/main">
                 <a:effectLst>
                   <a:outerShdw blurRad="63500" dist="38099" dir="2700000" algn="ctr" rotWithShape="0">
                     <a:srgbClr val="000000">
@@ -3555,14 +3555,14 @@
           <a:effectLst/>
           <a:extLst>
             <a:ext uri="{909E8E84-426E-40dd-AFC4-6F175D3DCCD1}">
-              <a14:hiddenFill xmlns:a14="http://schemas.microsoft.com/office/drawing/2010/main" xmlns="">
+              <a14:hiddenFill xmlns="" xmlns:a14="http://schemas.microsoft.com/office/drawing/2010/main">
                 <a:solidFill>
                   <a:srgbClr val="FFFFFF"/>
                 </a:solidFill>
               </a14:hiddenFill>
             </a:ext>
             <a:ext uri="{91240B29-F687-4f45-9708-019B960494DF}">
-              <a14:hiddenLine xmlns:a14="http://schemas.microsoft.com/office/drawing/2010/main" xmlns="" w="9525" cap="flat">
+              <a14:hiddenLine xmlns="" xmlns:a14="http://schemas.microsoft.com/office/drawing/2010/main" w="9525" cap="flat">
                 <a:solidFill>
                   <a:srgbClr val="3465A4"/>
                 </a:solidFill>
@@ -3572,7 +3572,7 @@
               </a14:hiddenLine>
             </a:ext>
             <a:ext uri="{AF507438-7753-43e0-B8FC-AC1667EBCBE1}">
-              <a14:hiddenEffects xmlns:a14="http://schemas.microsoft.com/office/drawing/2010/main" xmlns="">
+              <a14:hiddenEffects xmlns="" xmlns:a14="http://schemas.microsoft.com/office/drawing/2010/main">
                 <a:effectLst>
                   <a:outerShdw blurRad="63500" dist="38099" dir="2700000" algn="ctr" rotWithShape="0">
                     <a:srgbClr val="000000">
@@ -3649,14 +3649,14 @@
         <p:spPr>
           <a:extLst>
             <a:ext uri="{909E8E84-426E-40dd-AFC4-6F175D3DCCD1}">
-              <a14:hiddenFill xmlns:a14="http://schemas.microsoft.com/office/drawing/2010/main" xmlns="">
+              <a14:hiddenFill xmlns="" xmlns:a14="http://schemas.microsoft.com/office/drawing/2010/main">
                 <a:solidFill>
                   <a:srgbClr val="FFFFFF"/>
                 </a:solidFill>
               </a14:hiddenFill>
             </a:ext>
             <a:ext uri="{91240B29-F687-4f45-9708-019B960494DF}">
-              <a14:hiddenLine xmlns:a14="http://schemas.microsoft.com/office/drawing/2010/main" xmlns="" w="9525" cap="flat">
+              <a14:hiddenLine xmlns="" xmlns:a14="http://schemas.microsoft.com/office/drawing/2010/main" w="9525" cap="flat">
                 <a:solidFill>
                   <a:srgbClr val="3465A4"/>
                 </a:solidFill>
@@ -3666,7 +3666,7 @@
               </a14:hiddenLine>
             </a:ext>
             <a:ext uri="{AF507438-7753-43e0-B8FC-AC1667EBCBE1}">
-              <a14:hiddenEffects xmlns:a14="http://schemas.microsoft.com/office/drawing/2010/main" xmlns="">
+              <a14:hiddenEffects xmlns="" xmlns:a14="http://schemas.microsoft.com/office/drawing/2010/main">
                 <a:effectLst>
                   <a:outerShdw blurRad="63500" dist="38099" dir="2700000" algn="ctr" rotWithShape="0">
                     <a:schemeClr val="bg2">
@@ -4075,7 +4075,7 @@
           </a:ln>
           <a:extLst>
             <a:ext uri="{AF507438-7753-43e0-B8FC-AC1667EBCBE1}">
-              <a14:hiddenEffects xmlns:a14="http://schemas.microsoft.com/office/drawing/2010/main" xmlns="">
+              <a14:hiddenEffects xmlns="" xmlns:a14="http://schemas.microsoft.com/office/drawing/2010/main">
                 <a:effectLst>
                   <a:outerShdw blurRad="63500" dist="38099" dir="2700000" algn="ctr" rotWithShape="0">
                     <a:srgbClr val="000000">
@@ -4111,14 +4111,14 @@
           <a:effectLst/>
           <a:extLst>
             <a:ext uri="{909E8E84-426E-40dd-AFC4-6F175D3DCCD1}">
-              <a14:hiddenFill xmlns:a14="http://schemas.microsoft.com/office/drawing/2010/main" xmlns="">
+              <a14:hiddenFill xmlns="" xmlns:a14="http://schemas.microsoft.com/office/drawing/2010/main">
                 <a:solidFill>
                   <a:srgbClr val="FFFFFF"/>
                 </a:solidFill>
               </a14:hiddenFill>
             </a:ext>
             <a:ext uri="{91240B29-F687-4f45-9708-019B960494DF}">
-              <a14:hiddenLine xmlns:a14="http://schemas.microsoft.com/office/drawing/2010/main" xmlns="" w="9525" cap="flat">
+              <a14:hiddenLine xmlns="" xmlns:a14="http://schemas.microsoft.com/office/drawing/2010/main" w="9525" cap="flat">
                 <a:solidFill>
                   <a:srgbClr val="3465A4"/>
                 </a:solidFill>
@@ -4128,7 +4128,7 @@
               </a14:hiddenLine>
             </a:ext>
             <a:ext uri="{AF507438-7753-43e0-B8FC-AC1667EBCBE1}">
-              <a14:hiddenEffects xmlns:a14="http://schemas.microsoft.com/office/drawing/2010/main" xmlns="">
+              <a14:hiddenEffects xmlns="" xmlns:a14="http://schemas.microsoft.com/office/drawing/2010/main">
                 <a:effectLst>
                   <a:outerShdw blurRad="63500" dist="38099" dir="2700000" algn="ctr" rotWithShape="0">
                     <a:srgbClr val="000000">
@@ -4205,14 +4205,14 @@
         <p:spPr>
           <a:extLst>
             <a:ext uri="{909E8E84-426E-40dd-AFC4-6F175D3DCCD1}">
-              <a14:hiddenFill xmlns:a14="http://schemas.microsoft.com/office/drawing/2010/main" xmlns="">
+              <a14:hiddenFill xmlns="" xmlns:a14="http://schemas.microsoft.com/office/drawing/2010/main">
                 <a:solidFill>
                   <a:srgbClr val="FFFFFF"/>
                 </a:solidFill>
               </a14:hiddenFill>
             </a:ext>
             <a:ext uri="{91240B29-F687-4f45-9708-019B960494DF}">
-              <a14:hiddenLine xmlns:a14="http://schemas.microsoft.com/office/drawing/2010/main" xmlns="" w="9525" cap="flat">
+              <a14:hiddenLine xmlns="" xmlns:a14="http://schemas.microsoft.com/office/drawing/2010/main" w="9525" cap="flat">
                 <a:solidFill>
                   <a:srgbClr val="3465A4"/>
                 </a:solidFill>
@@ -4222,7 +4222,7 @@
               </a14:hiddenLine>
             </a:ext>
             <a:ext uri="{AF507438-7753-43e0-B8FC-AC1667EBCBE1}">
-              <a14:hiddenEffects xmlns:a14="http://schemas.microsoft.com/office/drawing/2010/main" xmlns="">
+              <a14:hiddenEffects xmlns="" xmlns:a14="http://schemas.microsoft.com/office/drawing/2010/main">
                 <a:effectLst>
                   <a:outerShdw blurRad="63500" dist="38099" dir="2700000" algn="ctr" rotWithShape="0">
                     <a:schemeClr val="bg2">
@@ -4631,7 +4631,7 @@
           </a:ln>
           <a:extLst>
             <a:ext uri="{AF507438-7753-43e0-B8FC-AC1667EBCBE1}">
-              <a14:hiddenEffects xmlns:a14="http://schemas.microsoft.com/office/drawing/2010/main" xmlns="">
+              <a14:hiddenEffects xmlns="" xmlns:a14="http://schemas.microsoft.com/office/drawing/2010/main">
                 <a:effectLst>
                   <a:outerShdw blurRad="63500" dist="38099" dir="2700000" algn="ctr" rotWithShape="0">
                     <a:srgbClr val="000000">
@@ -4667,14 +4667,14 @@
           <a:effectLst/>
           <a:extLst>
             <a:ext uri="{909E8E84-426E-40dd-AFC4-6F175D3DCCD1}">
-              <a14:hiddenFill xmlns:a14="http://schemas.microsoft.com/office/drawing/2010/main" xmlns="">
+              <a14:hiddenFill xmlns="" xmlns:a14="http://schemas.microsoft.com/office/drawing/2010/main">
                 <a:solidFill>
                   <a:srgbClr val="FFFFFF"/>
                 </a:solidFill>
               </a14:hiddenFill>
             </a:ext>
             <a:ext uri="{91240B29-F687-4f45-9708-019B960494DF}">
-              <a14:hiddenLine xmlns:a14="http://schemas.microsoft.com/office/drawing/2010/main" xmlns="" w="9525" cap="flat">
+              <a14:hiddenLine xmlns="" xmlns:a14="http://schemas.microsoft.com/office/drawing/2010/main" w="9525" cap="flat">
                 <a:solidFill>
                   <a:srgbClr val="3465A4"/>
                 </a:solidFill>
@@ -4684,7 +4684,7 @@
               </a14:hiddenLine>
             </a:ext>
             <a:ext uri="{AF507438-7753-43e0-B8FC-AC1667EBCBE1}">
-              <a14:hiddenEffects xmlns:a14="http://schemas.microsoft.com/office/drawing/2010/main" xmlns="">
+              <a14:hiddenEffects xmlns="" xmlns:a14="http://schemas.microsoft.com/office/drawing/2010/main">
                 <a:effectLst>
                   <a:outerShdw blurRad="63500" dist="38099" dir="2700000" algn="ctr" rotWithShape="0">
                     <a:srgbClr val="000000">
@@ -4761,14 +4761,14 @@
         <p:spPr>
           <a:extLst>
             <a:ext uri="{909E8E84-426E-40dd-AFC4-6F175D3DCCD1}">
-              <a14:hiddenFill xmlns:a14="http://schemas.microsoft.com/office/drawing/2010/main" xmlns="">
+              <a14:hiddenFill xmlns="" xmlns:a14="http://schemas.microsoft.com/office/drawing/2010/main">
                 <a:solidFill>
                   <a:srgbClr val="FFFFFF"/>
                 </a:solidFill>
               </a14:hiddenFill>
             </a:ext>
             <a:ext uri="{91240B29-F687-4f45-9708-019B960494DF}">
-              <a14:hiddenLine xmlns:a14="http://schemas.microsoft.com/office/drawing/2010/main" xmlns="" w="9525" cap="flat">
+              <a14:hiddenLine xmlns="" xmlns:a14="http://schemas.microsoft.com/office/drawing/2010/main" w="9525" cap="flat">
                 <a:solidFill>
                   <a:srgbClr val="3465A4"/>
                 </a:solidFill>
@@ -4778,7 +4778,7 @@
               </a14:hiddenLine>
             </a:ext>
             <a:ext uri="{AF507438-7753-43e0-B8FC-AC1667EBCBE1}">
-              <a14:hiddenEffects xmlns:a14="http://schemas.microsoft.com/office/drawing/2010/main" xmlns="">
+              <a14:hiddenEffects xmlns="" xmlns:a14="http://schemas.microsoft.com/office/drawing/2010/main">
                 <a:effectLst>
                   <a:outerShdw blurRad="63500" dist="38099" dir="2700000" algn="ctr" rotWithShape="0">
                     <a:schemeClr val="bg2">
@@ -5182,14 +5182,14 @@
           <a:effectLst/>
           <a:extLst>
             <a:ext uri="{909E8E84-426E-40dd-AFC4-6F175D3DCCD1}">
-              <a14:hiddenFill xmlns:a14="http://schemas.microsoft.com/office/drawing/2010/main" xmlns="">
+              <a14:hiddenFill xmlns="" xmlns:a14="http://schemas.microsoft.com/office/drawing/2010/main">
                 <a:solidFill>
                   <a:srgbClr val="FFFFFF"/>
                 </a:solidFill>
               </a14:hiddenFill>
             </a:ext>
             <a:ext uri="{91240B29-F687-4f45-9708-019B960494DF}">
-              <a14:hiddenLine xmlns:a14="http://schemas.microsoft.com/office/drawing/2010/main" xmlns="" w="9525" cap="flat">
+              <a14:hiddenLine xmlns="" xmlns:a14="http://schemas.microsoft.com/office/drawing/2010/main" w="9525" cap="flat">
                 <a:solidFill>
                   <a:srgbClr val="3465A4"/>
                 </a:solidFill>
@@ -5199,7 +5199,7 @@
               </a14:hiddenLine>
             </a:ext>
             <a:ext uri="{AF507438-7753-43e0-B8FC-AC1667EBCBE1}">
-              <a14:hiddenEffects xmlns:a14="http://schemas.microsoft.com/office/drawing/2010/main" xmlns="">
+              <a14:hiddenEffects xmlns="" xmlns:a14="http://schemas.microsoft.com/office/drawing/2010/main">
                 <a:effectLst>
                   <a:outerShdw blurRad="63500" dist="38099" dir="2700000" algn="ctr" rotWithShape="0">
                     <a:srgbClr val="000000">
@@ -5618,7 +5618,7 @@
           </a:ln>
           <a:extLst>
             <a:ext uri="{AF507438-7753-43e0-B8FC-AC1667EBCBE1}">
-              <a14:hiddenEffects xmlns:a14="http://schemas.microsoft.com/office/drawing/2010/main" xmlns="">
+              <a14:hiddenEffects xmlns="" xmlns:a14="http://schemas.microsoft.com/office/drawing/2010/main">
                 <a:effectLst>
                   <a:outerShdw blurRad="63500" dist="38099" dir="2700000" algn="ctr" rotWithShape="0">
                     <a:srgbClr val="000000">
@@ -5654,14 +5654,14 @@
           <a:effectLst/>
           <a:extLst>
             <a:ext uri="{909E8E84-426E-40dd-AFC4-6F175D3DCCD1}">
-              <a14:hiddenFill xmlns:a14="http://schemas.microsoft.com/office/drawing/2010/main" xmlns="">
+              <a14:hiddenFill xmlns="" xmlns:a14="http://schemas.microsoft.com/office/drawing/2010/main">
                 <a:solidFill>
                   <a:srgbClr val="FFFFFF"/>
                 </a:solidFill>
               </a14:hiddenFill>
             </a:ext>
             <a:ext uri="{91240B29-F687-4f45-9708-019B960494DF}">
-              <a14:hiddenLine xmlns:a14="http://schemas.microsoft.com/office/drawing/2010/main" xmlns="" w="9525" cap="flat">
+              <a14:hiddenLine xmlns="" xmlns:a14="http://schemas.microsoft.com/office/drawing/2010/main" w="9525" cap="flat">
                 <a:solidFill>
                   <a:srgbClr val="3465A4"/>
                 </a:solidFill>
@@ -5671,7 +5671,7 @@
               </a14:hiddenLine>
             </a:ext>
             <a:ext uri="{AF507438-7753-43e0-B8FC-AC1667EBCBE1}">
-              <a14:hiddenEffects xmlns:a14="http://schemas.microsoft.com/office/drawing/2010/main" xmlns="">
+              <a14:hiddenEffects xmlns="" xmlns:a14="http://schemas.microsoft.com/office/drawing/2010/main">
                 <a:effectLst>
                   <a:outerShdw blurRad="63500" dist="38099" dir="2700000" algn="ctr" rotWithShape="0">
                     <a:srgbClr val="000000">
@@ -5743,14 +5743,14 @@
         <p:spPr>
           <a:extLst>
             <a:ext uri="{909E8E84-426E-40dd-AFC4-6F175D3DCCD1}">
-              <a14:hiddenFill xmlns:a14="http://schemas.microsoft.com/office/drawing/2010/main" xmlns="">
+              <a14:hiddenFill xmlns="" xmlns:a14="http://schemas.microsoft.com/office/drawing/2010/main">
                 <a:solidFill>
                   <a:srgbClr val="FFFFFF"/>
                 </a:solidFill>
               </a14:hiddenFill>
             </a:ext>
             <a:ext uri="{91240B29-F687-4f45-9708-019B960494DF}">
-              <a14:hiddenLine xmlns:a14="http://schemas.microsoft.com/office/drawing/2010/main" xmlns="" w="9525" cap="flat">
+              <a14:hiddenLine xmlns="" xmlns:a14="http://schemas.microsoft.com/office/drawing/2010/main" w="9525" cap="flat">
                 <a:solidFill>
                   <a:srgbClr val="3465A4"/>
                 </a:solidFill>
@@ -5760,7 +5760,7 @@
               </a14:hiddenLine>
             </a:ext>
             <a:ext uri="{AF507438-7753-43e0-B8FC-AC1667EBCBE1}">
-              <a14:hiddenEffects xmlns:a14="http://schemas.microsoft.com/office/drawing/2010/main" xmlns="">
+              <a14:hiddenEffects xmlns="" xmlns:a14="http://schemas.microsoft.com/office/drawing/2010/main">
                 <a:effectLst>
                   <a:outerShdw blurRad="63500" dist="38099" dir="2700000" algn="ctr" rotWithShape="0">
                     <a:schemeClr val="bg2">
@@ -6164,14 +6164,14 @@
           <a:effectLst/>
           <a:extLst>
             <a:ext uri="{909E8E84-426E-40dd-AFC4-6F175D3DCCD1}">
-              <a14:hiddenFill xmlns:a14="http://schemas.microsoft.com/office/drawing/2010/main" xmlns="">
+              <a14:hiddenFill xmlns="" xmlns:a14="http://schemas.microsoft.com/office/drawing/2010/main">
                 <a:solidFill>
                   <a:srgbClr val="FFFFFF"/>
                 </a:solidFill>
               </a14:hiddenFill>
             </a:ext>
             <a:ext uri="{91240B29-F687-4f45-9708-019B960494DF}">
-              <a14:hiddenLine xmlns:a14="http://schemas.microsoft.com/office/drawing/2010/main" xmlns="" w="9525" cap="flat">
+              <a14:hiddenLine xmlns="" xmlns:a14="http://schemas.microsoft.com/office/drawing/2010/main" w="9525" cap="flat">
                 <a:solidFill>
                   <a:srgbClr val="3465A4"/>
                 </a:solidFill>
@@ -6181,7 +6181,7 @@
               </a14:hiddenLine>
             </a:ext>
             <a:ext uri="{AF507438-7753-43e0-B8FC-AC1667EBCBE1}">
-              <a14:hiddenEffects xmlns:a14="http://schemas.microsoft.com/office/drawing/2010/main" xmlns="">
+              <a14:hiddenEffects xmlns="" xmlns:a14="http://schemas.microsoft.com/office/drawing/2010/main">
                 <a:effectLst>
                   <a:outerShdw blurRad="63500" dist="38099" dir="2700000" algn="ctr" rotWithShape="0">
                     <a:srgbClr val="000000">
@@ -6600,7 +6600,7 @@
           </a:ln>
           <a:extLst>
             <a:ext uri="{AF507438-7753-43e0-B8FC-AC1667EBCBE1}">
-              <a14:hiddenEffects xmlns:a14="http://schemas.microsoft.com/office/drawing/2010/main" xmlns="">
+              <a14:hiddenEffects xmlns="" xmlns:a14="http://schemas.microsoft.com/office/drawing/2010/main">
                 <a:effectLst>
                   <a:outerShdw blurRad="63500" dist="38099" dir="2700000" algn="ctr" rotWithShape="0">
                     <a:srgbClr val="000000">
@@ -6636,14 +6636,14 @@
           <a:effectLst/>
           <a:extLst>
             <a:ext uri="{909E8E84-426E-40dd-AFC4-6F175D3DCCD1}">
-              <a14:hiddenFill xmlns:a14="http://schemas.microsoft.com/office/drawing/2010/main" xmlns="">
+              <a14:hiddenFill xmlns="" xmlns:a14="http://schemas.microsoft.com/office/drawing/2010/main">
                 <a:solidFill>
                   <a:srgbClr val="FFFFFF"/>
                 </a:solidFill>
               </a14:hiddenFill>
             </a:ext>
             <a:ext uri="{91240B29-F687-4f45-9708-019B960494DF}">
-              <a14:hiddenLine xmlns:a14="http://schemas.microsoft.com/office/drawing/2010/main" xmlns="" w="9525" cap="flat">
+              <a14:hiddenLine xmlns="" xmlns:a14="http://schemas.microsoft.com/office/drawing/2010/main" w="9525" cap="flat">
                 <a:solidFill>
                   <a:srgbClr val="3465A4"/>
                 </a:solidFill>
@@ -6653,7 +6653,7 @@
               </a14:hiddenLine>
             </a:ext>
             <a:ext uri="{AF507438-7753-43e0-B8FC-AC1667EBCBE1}">
-              <a14:hiddenEffects xmlns:a14="http://schemas.microsoft.com/office/drawing/2010/main" xmlns="">
+              <a14:hiddenEffects xmlns="" xmlns:a14="http://schemas.microsoft.com/office/drawing/2010/main">
                 <a:effectLst>
                   <a:outerShdw blurRad="63500" dist="38099" dir="2700000" algn="ctr" rotWithShape="0">
                     <a:srgbClr val="000000">
@@ -6725,14 +6725,14 @@
         <p:spPr>
           <a:extLst>
             <a:ext uri="{909E8E84-426E-40dd-AFC4-6F175D3DCCD1}">
-              <a14:hiddenFill xmlns:a14="http://schemas.microsoft.com/office/drawing/2010/main" xmlns="">
+              <a14:hiddenFill xmlns="" xmlns:a14="http://schemas.microsoft.com/office/drawing/2010/main">
                 <a:solidFill>
                   <a:srgbClr val="FFFFFF"/>
                 </a:solidFill>
               </a14:hiddenFill>
             </a:ext>
             <a:ext uri="{91240B29-F687-4f45-9708-019B960494DF}">
-              <a14:hiddenLine xmlns:a14="http://schemas.microsoft.com/office/drawing/2010/main" xmlns="" w="9525" cap="flat">
+              <a14:hiddenLine xmlns="" xmlns:a14="http://schemas.microsoft.com/office/drawing/2010/main" w="9525" cap="flat">
                 <a:solidFill>
                   <a:srgbClr val="3465A4"/>
                 </a:solidFill>
@@ -6742,7 +6742,7 @@
               </a14:hiddenLine>
             </a:ext>
             <a:ext uri="{AF507438-7753-43e0-B8FC-AC1667EBCBE1}">
-              <a14:hiddenEffects xmlns:a14="http://schemas.microsoft.com/office/drawing/2010/main" xmlns="">
+              <a14:hiddenEffects xmlns="" xmlns:a14="http://schemas.microsoft.com/office/drawing/2010/main">
                 <a:effectLst>
                   <a:outerShdw blurRad="63500" dist="38099" dir="2700000" algn="ctr" rotWithShape="0">
                     <a:schemeClr val="bg2">
@@ -7151,7 +7151,7 @@
           </a:ln>
           <a:extLst>
             <a:ext uri="{AF507438-7753-43e0-B8FC-AC1667EBCBE1}">
-              <a14:hiddenEffects xmlns:a14="http://schemas.microsoft.com/office/drawing/2010/main" xmlns="">
+              <a14:hiddenEffects xmlns="" xmlns:a14="http://schemas.microsoft.com/office/drawing/2010/main">
                 <a:effectLst>
                   <a:outerShdw blurRad="63500" dist="38099" dir="2700000" algn="ctr" rotWithShape="0">
                     <a:srgbClr val="000000">
@@ -7187,14 +7187,14 @@
           <a:effectLst/>
           <a:extLst>
             <a:ext uri="{909E8E84-426E-40dd-AFC4-6F175D3DCCD1}">
-              <a14:hiddenFill xmlns:a14="http://schemas.microsoft.com/office/drawing/2010/main" xmlns="">
+              <a14:hiddenFill xmlns="" xmlns:a14="http://schemas.microsoft.com/office/drawing/2010/main">
                 <a:solidFill>
                   <a:srgbClr val="FFFFFF"/>
                 </a:solidFill>
               </a14:hiddenFill>
             </a:ext>
             <a:ext uri="{91240B29-F687-4f45-9708-019B960494DF}">
-              <a14:hiddenLine xmlns:a14="http://schemas.microsoft.com/office/drawing/2010/main" xmlns="" w="9525" cap="flat">
+              <a14:hiddenLine xmlns="" xmlns:a14="http://schemas.microsoft.com/office/drawing/2010/main" w="9525" cap="flat">
                 <a:solidFill>
                   <a:srgbClr val="3465A4"/>
                 </a:solidFill>
@@ -7204,7 +7204,7 @@
               </a14:hiddenLine>
             </a:ext>
             <a:ext uri="{AF507438-7753-43e0-B8FC-AC1667EBCBE1}">
-              <a14:hiddenEffects xmlns:a14="http://schemas.microsoft.com/office/drawing/2010/main" xmlns="">
+              <a14:hiddenEffects xmlns="" xmlns:a14="http://schemas.microsoft.com/office/drawing/2010/main">
                 <a:effectLst>
                   <a:outerShdw blurRad="63500" dist="38099" dir="2700000" algn="ctr" rotWithShape="0">
                     <a:srgbClr val="000000">
@@ -7276,14 +7276,14 @@
         <p:spPr>
           <a:extLst>
             <a:ext uri="{909E8E84-426E-40dd-AFC4-6F175D3DCCD1}">
-              <a14:hiddenFill xmlns:a14="http://schemas.microsoft.com/office/drawing/2010/main" xmlns="">
+              <a14:hiddenFill xmlns="" xmlns:a14="http://schemas.microsoft.com/office/drawing/2010/main">
                 <a:solidFill>
                   <a:srgbClr val="FFFFFF"/>
                 </a:solidFill>
               </a14:hiddenFill>
             </a:ext>
             <a:ext uri="{91240B29-F687-4f45-9708-019B960494DF}">
-              <a14:hiddenLine xmlns:a14="http://schemas.microsoft.com/office/drawing/2010/main" xmlns="" w="9525" cap="flat">
+              <a14:hiddenLine xmlns="" xmlns:a14="http://schemas.microsoft.com/office/drawing/2010/main" w="9525" cap="flat">
                 <a:solidFill>
                   <a:srgbClr val="3465A4"/>
                 </a:solidFill>
@@ -7293,7 +7293,7 @@
               </a14:hiddenLine>
             </a:ext>
             <a:ext uri="{AF507438-7753-43e0-B8FC-AC1667EBCBE1}">
-              <a14:hiddenEffects xmlns:a14="http://schemas.microsoft.com/office/drawing/2010/main" xmlns="">
+              <a14:hiddenEffects xmlns="" xmlns:a14="http://schemas.microsoft.com/office/drawing/2010/main">
                 <a:effectLst>
                   <a:outerShdw blurRad="63500" dist="38099" dir="2700000" algn="ctr" rotWithShape="0">
                     <a:schemeClr val="bg2">
@@ -7697,14 +7697,14 @@
           <a:effectLst/>
           <a:extLst>
             <a:ext uri="{909E8E84-426E-40dd-AFC4-6F175D3DCCD1}">
-              <a14:hiddenFill xmlns:a14="http://schemas.microsoft.com/office/drawing/2010/main" xmlns="">
+              <a14:hiddenFill xmlns="" xmlns:a14="http://schemas.microsoft.com/office/drawing/2010/main">
                 <a:solidFill>
                   <a:srgbClr val="FFFFFF"/>
                 </a:solidFill>
               </a14:hiddenFill>
             </a:ext>
             <a:ext uri="{91240B29-F687-4f45-9708-019B960494DF}">
-              <a14:hiddenLine xmlns:a14="http://schemas.microsoft.com/office/drawing/2010/main" xmlns="" w="9525" cap="flat">
+              <a14:hiddenLine xmlns="" xmlns:a14="http://schemas.microsoft.com/office/drawing/2010/main" w="9525" cap="flat">
                 <a:solidFill>
                   <a:srgbClr val="3465A4"/>
                 </a:solidFill>
@@ -7714,7 +7714,7 @@
               </a14:hiddenLine>
             </a:ext>
             <a:ext uri="{AF507438-7753-43e0-B8FC-AC1667EBCBE1}">
-              <a14:hiddenEffects xmlns:a14="http://schemas.microsoft.com/office/drawing/2010/main" xmlns="">
+              <a14:hiddenEffects xmlns="" xmlns:a14="http://schemas.microsoft.com/office/drawing/2010/main">
                 <a:effectLst>
                   <a:outerShdw blurRad="63500" dist="38099" dir="2700000" algn="ctr" rotWithShape="0">
                     <a:srgbClr val="000000">
@@ -8133,7 +8133,7 @@
           </a:ln>
           <a:extLst>
             <a:ext uri="{AF507438-7753-43e0-B8FC-AC1667EBCBE1}">
-              <a14:hiddenEffects xmlns:a14="http://schemas.microsoft.com/office/drawing/2010/main" xmlns="">
+              <a14:hiddenEffects xmlns="" xmlns:a14="http://schemas.microsoft.com/office/drawing/2010/main">
                 <a:effectLst>
                   <a:outerShdw blurRad="63500" dist="38099" dir="2700000" algn="ctr" rotWithShape="0">
                     <a:srgbClr val="000000">
@@ -8169,14 +8169,14 @@
           <a:effectLst/>
           <a:extLst>
             <a:ext uri="{909E8E84-426E-40dd-AFC4-6F175D3DCCD1}">
-              <a14:hiddenFill xmlns:a14="http://schemas.microsoft.com/office/drawing/2010/main" xmlns="">
+              <a14:hiddenFill xmlns="" xmlns:a14="http://schemas.microsoft.com/office/drawing/2010/main">
                 <a:solidFill>
                   <a:srgbClr val="FFFFFF"/>
                 </a:solidFill>
               </a14:hiddenFill>
             </a:ext>
             <a:ext uri="{91240B29-F687-4f45-9708-019B960494DF}">
-              <a14:hiddenLine xmlns:a14="http://schemas.microsoft.com/office/drawing/2010/main" xmlns="" w="9525" cap="flat">
+              <a14:hiddenLine xmlns="" xmlns:a14="http://schemas.microsoft.com/office/drawing/2010/main" w="9525" cap="flat">
                 <a:solidFill>
                   <a:srgbClr val="3465A4"/>
                 </a:solidFill>
@@ -8186,7 +8186,7 @@
               </a14:hiddenLine>
             </a:ext>
             <a:ext uri="{AF507438-7753-43e0-B8FC-AC1667EBCBE1}">
-              <a14:hiddenEffects xmlns:a14="http://schemas.microsoft.com/office/drawing/2010/main" xmlns="">
+              <a14:hiddenEffects xmlns="" xmlns:a14="http://schemas.microsoft.com/office/drawing/2010/main">
                 <a:effectLst>
                   <a:outerShdw blurRad="63500" dist="38099" dir="2700000" algn="ctr" rotWithShape="0">
                     <a:srgbClr val="000000">
@@ -8258,14 +8258,14 @@
         <p:spPr>
           <a:extLst>
             <a:ext uri="{909E8E84-426E-40dd-AFC4-6F175D3DCCD1}">
-              <a14:hiddenFill xmlns:a14="http://schemas.microsoft.com/office/drawing/2010/main" xmlns="">
+              <a14:hiddenFill xmlns="" xmlns:a14="http://schemas.microsoft.com/office/drawing/2010/main">
                 <a:solidFill>
                   <a:srgbClr val="FFFFFF"/>
                 </a:solidFill>
               </a14:hiddenFill>
             </a:ext>
             <a:ext uri="{91240B29-F687-4f45-9708-019B960494DF}">
-              <a14:hiddenLine xmlns:a14="http://schemas.microsoft.com/office/drawing/2010/main" xmlns="" w="9525" cap="flat">
+              <a14:hiddenLine xmlns="" xmlns:a14="http://schemas.microsoft.com/office/drawing/2010/main" w="9525" cap="flat">
                 <a:solidFill>
                   <a:srgbClr val="3465A4"/>
                 </a:solidFill>
@@ -8275,7 +8275,7 @@
               </a14:hiddenLine>
             </a:ext>
             <a:ext uri="{AF507438-7753-43e0-B8FC-AC1667EBCBE1}">
-              <a14:hiddenEffects xmlns:a14="http://schemas.microsoft.com/office/drawing/2010/main" xmlns="">
+              <a14:hiddenEffects xmlns="" xmlns:a14="http://schemas.microsoft.com/office/drawing/2010/main">
                 <a:effectLst>
                   <a:outerShdw blurRad="63500" dist="38099" dir="2700000" algn="ctr" rotWithShape="0">
                     <a:schemeClr val="bg2">
@@ -8679,14 +8679,14 @@
           <a:effectLst/>
           <a:extLst>
             <a:ext uri="{909E8E84-426E-40dd-AFC4-6F175D3DCCD1}">
-              <a14:hiddenFill xmlns:a14="http://schemas.microsoft.com/office/drawing/2010/main" xmlns="">
+              <a14:hiddenFill xmlns="" xmlns:a14="http://schemas.microsoft.com/office/drawing/2010/main">
                 <a:solidFill>
                   <a:srgbClr val="FFFFFF"/>
                 </a:solidFill>
               </a14:hiddenFill>
             </a:ext>
             <a:ext uri="{91240B29-F687-4f45-9708-019B960494DF}">
-              <a14:hiddenLine xmlns:a14="http://schemas.microsoft.com/office/drawing/2010/main" xmlns="" w="9525" cap="flat">
+              <a14:hiddenLine xmlns="" xmlns:a14="http://schemas.microsoft.com/office/drawing/2010/main" w="9525" cap="flat">
                 <a:solidFill>
                   <a:srgbClr val="3465A4"/>
                 </a:solidFill>
@@ -8696,7 +8696,7 @@
               </a14:hiddenLine>
             </a:ext>
             <a:ext uri="{AF507438-7753-43e0-B8FC-AC1667EBCBE1}">
-              <a14:hiddenEffects xmlns:a14="http://schemas.microsoft.com/office/drawing/2010/main" xmlns="">
+              <a14:hiddenEffects xmlns="" xmlns:a14="http://schemas.microsoft.com/office/drawing/2010/main">
                 <a:effectLst>
                   <a:outerShdw blurRad="63500" dist="38099" dir="2700000" algn="ctr" rotWithShape="0">
                     <a:srgbClr val="000000">
@@ -9115,7 +9115,7 @@
           </a:ln>
           <a:extLst>
             <a:ext uri="{AF507438-7753-43e0-B8FC-AC1667EBCBE1}">
-              <a14:hiddenEffects xmlns:a14="http://schemas.microsoft.com/office/drawing/2010/main" xmlns="">
+              <a14:hiddenEffects xmlns="" xmlns:a14="http://schemas.microsoft.com/office/drawing/2010/main">
                 <a:effectLst>
                   <a:outerShdw blurRad="63500" dist="38099" dir="2700000" algn="ctr" rotWithShape="0">
                     <a:srgbClr val="000000">
@@ -9151,14 +9151,14 @@
           <a:effectLst/>
           <a:extLst>
             <a:ext uri="{909E8E84-426E-40dd-AFC4-6F175D3DCCD1}">
-              <a14:hiddenFill xmlns:a14="http://schemas.microsoft.com/office/drawing/2010/main" xmlns="">
+              <a14:hiddenFill xmlns="" xmlns:a14="http://schemas.microsoft.com/office/drawing/2010/main">
                 <a:solidFill>
                   <a:srgbClr val="FFFFFF"/>
                 </a:solidFill>
               </a14:hiddenFill>
             </a:ext>
             <a:ext uri="{91240B29-F687-4f45-9708-019B960494DF}">
-              <a14:hiddenLine xmlns:a14="http://schemas.microsoft.com/office/drawing/2010/main" xmlns="" w="9525" cap="flat">
+              <a14:hiddenLine xmlns="" xmlns:a14="http://schemas.microsoft.com/office/drawing/2010/main" w="9525" cap="flat">
                 <a:solidFill>
                   <a:srgbClr val="3465A4"/>
                 </a:solidFill>
@@ -9168,7 +9168,7 @@
               </a14:hiddenLine>
             </a:ext>
             <a:ext uri="{AF507438-7753-43e0-B8FC-AC1667EBCBE1}">
-              <a14:hiddenEffects xmlns:a14="http://schemas.microsoft.com/office/drawing/2010/main" xmlns="">
+              <a14:hiddenEffects xmlns="" xmlns:a14="http://schemas.microsoft.com/office/drawing/2010/main">
                 <a:effectLst>
                   <a:outerShdw blurRad="63500" dist="38099" dir="2700000" algn="ctr" rotWithShape="0">
                     <a:srgbClr val="000000">
@@ -9245,14 +9245,14 @@
         <p:spPr>
           <a:extLst>
             <a:ext uri="{909E8E84-426E-40dd-AFC4-6F175D3DCCD1}">
-              <a14:hiddenFill xmlns:a14="http://schemas.microsoft.com/office/drawing/2010/main" xmlns="">
+              <a14:hiddenFill xmlns="" xmlns:a14="http://schemas.microsoft.com/office/drawing/2010/main">
                 <a:solidFill>
                   <a:srgbClr val="FFFFFF"/>
                 </a:solidFill>
               </a14:hiddenFill>
             </a:ext>
             <a:ext uri="{91240B29-F687-4f45-9708-019B960494DF}">
-              <a14:hiddenLine xmlns:a14="http://schemas.microsoft.com/office/drawing/2010/main" xmlns="" w="9525" cap="flat">
+              <a14:hiddenLine xmlns="" xmlns:a14="http://schemas.microsoft.com/office/drawing/2010/main" w="9525" cap="flat">
                 <a:solidFill>
                   <a:srgbClr val="3465A4"/>
                 </a:solidFill>
@@ -9262,7 +9262,7 @@
               </a14:hiddenLine>
             </a:ext>
             <a:ext uri="{AF507438-7753-43e0-B8FC-AC1667EBCBE1}">
-              <a14:hiddenEffects xmlns:a14="http://schemas.microsoft.com/office/drawing/2010/main" xmlns="">
+              <a14:hiddenEffects xmlns="" xmlns:a14="http://schemas.microsoft.com/office/drawing/2010/main">
                 <a:effectLst>
                   <a:outerShdw blurRad="63500" dist="38099" dir="2700000" algn="ctr" rotWithShape="0">
                     <a:schemeClr val="bg2">
@@ -9671,7 +9671,7 @@
           </a:ln>
           <a:extLst>
             <a:ext uri="{AF507438-7753-43e0-B8FC-AC1667EBCBE1}">
-              <a14:hiddenEffects xmlns:a14="http://schemas.microsoft.com/office/drawing/2010/main" xmlns="">
+              <a14:hiddenEffects xmlns="" xmlns:a14="http://schemas.microsoft.com/office/drawing/2010/main">
                 <a:effectLst>
                   <a:outerShdw blurRad="63500" dist="38099" dir="2700000" algn="ctr" rotWithShape="0">
                     <a:srgbClr val="000000">
@@ -9707,14 +9707,14 @@
           <a:effectLst/>
           <a:extLst>
             <a:ext uri="{909E8E84-426E-40dd-AFC4-6F175D3DCCD1}">
-              <a14:hiddenFill xmlns:a14="http://schemas.microsoft.com/office/drawing/2010/main" xmlns="">
+              <a14:hiddenFill xmlns="" xmlns:a14="http://schemas.microsoft.com/office/drawing/2010/main">
                 <a:solidFill>
                   <a:srgbClr val="FFFFFF"/>
                 </a:solidFill>
               </a14:hiddenFill>
             </a:ext>
             <a:ext uri="{91240B29-F687-4f45-9708-019B960494DF}">
-              <a14:hiddenLine xmlns:a14="http://schemas.microsoft.com/office/drawing/2010/main" xmlns="" w="9525" cap="flat">
+              <a14:hiddenLine xmlns="" xmlns:a14="http://schemas.microsoft.com/office/drawing/2010/main" w="9525" cap="flat">
                 <a:solidFill>
                   <a:srgbClr val="3465A4"/>
                 </a:solidFill>
@@ -9724,7 +9724,7 @@
               </a14:hiddenLine>
             </a:ext>
             <a:ext uri="{AF507438-7753-43e0-B8FC-AC1667EBCBE1}">
-              <a14:hiddenEffects xmlns:a14="http://schemas.microsoft.com/office/drawing/2010/main" xmlns="">
+              <a14:hiddenEffects xmlns="" xmlns:a14="http://schemas.microsoft.com/office/drawing/2010/main">
                 <a:effectLst>
                   <a:outerShdw blurRad="63500" dist="38099" dir="2700000" algn="ctr" rotWithShape="0">
                     <a:srgbClr val="000000">
@@ -9796,14 +9796,14 @@
         <p:spPr>
           <a:extLst>
             <a:ext uri="{909E8E84-426E-40dd-AFC4-6F175D3DCCD1}">
-              <a14:hiddenFill xmlns:a14="http://schemas.microsoft.com/office/drawing/2010/main" xmlns="">
+              <a14:hiddenFill xmlns="" xmlns:a14="http://schemas.microsoft.com/office/drawing/2010/main">
                 <a:solidFill>
                   <a:srgbClr val="FFFFFF"/>
                 </a:solidFill>
               </a14:hiddenFill>
             </a:ext>
             <a:ext uri="{91240B29-F687-4f45-9708-019B960494DF}">
-              <a14:hiddenLine xmlns:a14="http://schemas.microsoft.com/office/drawing/2010/main" xmlns="" w="9525" cap="flat">
+              <a14:hiddenLine xmlns="" xmlns:a14="http://schemas.microsoft.com/office/drawing/2010/main" w="9525" cap="flat">
                 <a:solidFill>
                   <a:srgbClr val="3465A4"/>
                 </a:solidFill>
@@ -9813,7 +9813,7 @@
               </a14:hiddenLine>
             </a:ext>
             <a:ext uri="{AF507438-7753-43e0-B8FC-AC1667EBCBE1}">
-              <a14:hiddenEffects xmlns:a14="http://schemas.microsoft.com/office/drawing/2010/main" xmlns="">
+              <a14:hiddenEffects xmlns="" xmlns:a14="http://schemas.microsoft.com/office/drawing/2010/main">
                 <a:effectLst>
                   <a:outerShdw blurRad="63500" dist="38099" dir="2700000" algn="ctr" rotWithShape="0">
                     <a:schemeClr val="bg2">
@@ -10222,7 +10222,7 @@
           </a:ln>
           <a:extLst>
             <a:ext uri="{AF507438-7753-43e0-B8FC-AC1667EBCBE1}">
-              <a14:hiddenEffects xmlns:a14="http://schemas.microsoft.com/office/drawing/2010/main" xmlns="">
+              <a14:hiddenEffects xmlns="" xmlns:a14="http://schemas.microsoft.com/office/drawing/2010/main">
                 <a:effectLst>
                   <a:outerShdw blurRad="63500" dist="38099" dir="2700000" algn="ctr" rotWithShape="0">
                     <a:srgbClr val="000000">
@@ -10258,14 +10258,14 @@
           <a:effectLst/>
           <a:extLst>
             <a:ext uri="{909E8E84-426E-40dd-AFC4-6F175D3DCCD1}">
-              <a14:hiddenFill xmlns:a14="http://schemas.microsoft.com/office/drawing/2010/main" xmlns="">
+              <a14:hiddenFill xmlns="" xmlns:a14="http://schemas.microsoft.com/office/drawing/2010/main">
                 <a:solidFill>
                   <a:srgbClr val="FFFFFF"/>
                 </a:solidFill>
               </a14:hiddenFill>
             </a:ext>
             <a:ext uri="{91240B29-F687-4f45-9708-019B960494DF}">
-              <a14:hiddenLine xmlns:a14="http://schemas.microsoft.com/office/drawing/2010/main" xmlns="" w="9525" cap="flat">
+              <a14:hiddenLine xmlns="" xmlns:a14="http://schemas.microsoft.com/office/drawing/2010/main" w="9525" cap="flat">
                 <a:solidFill>
                   <a:srgbClr val="3465A4"/>
                 </a:solidFill>
@@ -10275,7 +10275,7 @@
               </a14:hiddenLine>
             </a:ext>
             <a:ext uri="{AF507438-7753-43e0-B8FC-AC1667EBCBE1}">
-              <a14:hiddenEffects xmlns:a14="http://schemas.microsoft.com/office/drawing/2010/main" xmlns="">
+              <a14:hiddenEffects xmlns="" xmlns:a14="http://schemas.microsoft.com/office/drawing/2010/main">
                 <a:effectLst>
                   <a:outerShdw blurRad="63500" dist="38099" dir="2700000" algn="ctr" rotWithShape="0">
                     <a:srgbClr val="000000">
@@ -10347,14 +10347,14 @@
         <p:spPr>
           <a:extLst>
             <a:ext uri="{909E8E84-426E-40dd-AFC4-6F175D3DCCD1}">
-              <a14:hiddenFill xmlns:a14="http://schemas.microsoft.com/office/drawing/2010/main" xmlns="">
+              <a14:hiddenFill xmlns="" xmlns:a14="http://schemas.microsoft.com/office/drawing/2010/main">
                 <a:solidFill>
                   <a:srgbClr val="FFFFFF"/>
                 </a:solidFill>
               </a14:hiddenFill>
             </a:ext>
             <a:ext uri="{91240B29-F687-4f45-9708-019B960494DF}">
-              <a14:hiddenLine xmlns:a14="http://schemas.microsoft.com/office/drawing/2010/main" xmlns="" w="9525" cap="flat">
+              <a14:hiddenLine xmlns="" xmlns:a14="http://schemas.microsoft.com/office/drawing/2010/main" w="9525" cap="flat">
                 <a:solidFill>
                   <a:srgbClr val="3465A4"/>
                 </a:solidFill>
@@ -10364,7 +10364,7 @@
               </a14:hiddenLine>
             </a:ext>
             <a:ext uri="{AF507438-7753-43e0-B8FC-AC1667EBCBE1}">
-              <a14:hiddenEffects xmlns:a14="http://schemas.microsoft.com/office/drawing/2010/main" xmlns="">
+              <a14:hiddenEffects xmlns="" xmlns:a14="http://schemas.microsoft.com/office/drawing/2010/main">
                 <a:effectLst>
                   <a:outerShdw blurRad="63500" dist="38099" dir="2700000" algn="ctr" rotWithShape="0">
                     <a:schemeClr val="bg2">
@@ -10773,7 +10773,7 @@
           </a:ln>
           <a:extLst>
             <a:ext uri="{AF507438-7753-43e0-B8FC-AC1667EBCBE1}">
-              <a14:hiddenEffects xmlns:a14="http://schemas.microsoft.com/office/drawing/2010/main" xmlns="">
+              <a14:hiddenEffects xmlns="" xmlns:a14="http://schemas.microsoft.com/office/drawing/2010/main">
                 <a:effectLst>
                   <a:outerShdw blurRad="63500" dist="38099" dir="2700000" algn="ctr" rotWithShape="0">
                     <a:srgbClr val="000000">
@@ -10809,14 +10809,14 @@
           <a:effectLst/>
           <a:extLst>
             <a:ext uri="{909E8E84-426E-40dd-AFC4-6F175D3DCCD1}">
-              <a14:hiddenFill xmlns:a14="http://schemas.microsoft.com/office/drawing/2010/main" xmlns="">
+              <a14:hiddenFill xmlns="" xmlns:a14="http://schemas.microsoft.com/office/drawing/2010/main">
                 <a:solidFill>
                   <a:srgbClr val="FFFFFF"/>
                 </a:solidFill>
               </a14:hiddenFill>
             </a:ext>
             <a:ext uri="{91240B29-F687-4f45-9708-019B960494DF}">
-              <a14:hiddenLine xmlns:a14="http://schemas.microsoft.com/office/drawing/2010/main" xmlns="" w="9525" cap="flat">
+              <a14:hiddenLine xmlns="" xmlns:a14="http://schemas.microsoft.com/office/drawing/2010/main" w="9525" cap="flat">
                 <a:solidFill>
                   <a:srgbClr val="3465A4"/>
                 </a:solidFill>
@@ -10826,7 +10826,7 @@
               </a14:hiddenLine>
             </a:ext>
             <a:ext uri="{AF507438-7753-43e0-B8FC-AC1667EBCBE1}">
-              <a14:hiddenEffects xmlns:a14="http://schemas.microsoft.com/office/drawing/2010/main" xmlns="">
+              <a14:hiddenEffects xmlns="" xmlns:a14="http://schemas.microsoft.com/office/drawing/2010/main">
                 <a:effectLst>
                   <a:outerShdw blurRad="63500" dist="38099" dir="2700000" algn="ctr" rotWithShape="0">
                     <a:srgbClr val="000000">
@@ -10903,14 +10903,14 @@
         <p:spPr>
           <a:extLst>
             <a:ext uri="{909E8E84-426E-40dd-AFC4-6F175D3DCCD1}">
-              <a14:hiddenFill xmlns:a14="http://schemas.microsoft.com/office/drawing/2010/main" xmlns="">
+              <a14:hiddenFill xmlns="" xmlns:a14="http://schemas.microsoft.com/office/drawing/2010/main">
                 <a:solidFill>
                   <a:srgbClr val="FFFFFF"/>
                 </a:solidFill>
               </a14:hiddenFill>
             </a:ext>
             <a:ext uri="{91240B29-F687-4f45-9708-019B960494DF}">
-              <a14:hiddenLine xmlns:a14="http://schemas.microsoft.com/office/drawing/2010/main" xmlns="" w="9525" cap="flat">
+              <a14:hiddenLine xmlns="" xmlns:a14="http://schemas.microsoft.com/office/drawing/2010/main" w="9525" cap="flat">
                 <a:solidFill>
                   <a:srgbClr val="3465A4"/>
                 </a:solidFill>
@@ -10920,7 +10920,7 @@
               </a14:hiddenLine>
             </a:ext>
             <a:ext uri="{AF507438-7753-43e0-B8FC-AC1667EBCBE1}">
-              <a14:hiddenEffects xmlns:a14="http://schemas.microsoft.com/office/drawing/2010/main" xmlns="">
+              <a14:hiddenEffects xmlns="" xmlns:a14="http://schemas.microsoft.com/office/drawing/2010/main">
                 <a:effectLst>
                   <a:outerShdw blurRad="63500" dist="38099" dir="2700000" algn="ctr" rotWithShape="0">
                     <a:schemeClr val="bg2">
@@ -11329,7 +11329,7 @@
           </a:ln>
           <a:extLst>
             <a:ext uri="{AF507438-7753-43e0-B8FC-AC1667EBCBE1}">
-              <a14:hiddenEffects xmlns:a14="http://schemas.microsoft.com/office/drawing/2010/main" xmlns="">
+              <a14:hiddenEffects xmlns="" xmlns:a14="http://schemas.microsoft.com/office/drawing/2010/main">
                 <a:effectLst>
                   <a:outerShdw blurRad="63500" dist="38099" dir="2700000" algn="ctr" rotWithShape="0">
                     <a:srgbClr val="000000">
@@ -11365,14 +11365,14 @@
           <a:effectLst/>
           <a:extLst>
             <a:ext uri="{909E8E84-426E-40dd-AFC4-6F175D3DCCD1}">
-              <a14:hiddenFill xmlns:a14="http://schemas.microsoft.com/office/drawing/2010/main" xmlns="">
+              <a14:hiddenFill xmlns="" xmlns:a14="http://schemas.microsoft.com/office/drawing/2010/main">
                 <a:solidFill>
                   <a:srgbClr val="FFFFFF"/>
                 </a:solidFill>
               </a14:hiddenFill>
             </a:ext>
             <a:ext uri="{91240B29-F687-4f45-9708-019B960494DF}">
-              <a14:hiddenLine xmlns:a14="http://schemas.microsoft.com/office/drawing/2010/main" xmlns="" w="9525" cap="flat">
+              <a14:hiddenLine xmlns="" xmlns:a14="http://schemas.microsoft.com/office/drawing/2010/main" w="9525" cap="flat">
                 <a:solidFill>
                   <a:srgbClr val="3465A4"/>
                 </a:solidFill>
@@ -11382,7 +11382,7 @@
               </a14:hiddenLine>
             </a:ext>
             <a:ext uri="{AF507438-7753-43e0-B8FC-AC1667EBCBE1}">
-              <a14:hiddenEffects xmlns:a14="http://schemas.microsoft.com/office/drawing/2010/main" xmlns="">
+              <a14:hiddenEffects xmlns="" xmlns:a14="http://schemas.microsoft.com/office/drawing/2010/main">
                 <a:effectLst>
                   <a:outerShdw blurRad="63500" dist="38099" dir="2700000" algn="ctr" rotWithShape="0">
                     <a:srgbClr val="000000">
@@ -11454,14 +11454,14 @@
         <p:spPr>
           <a:extLst>
             <a:ext uri="{909E8E84-426E-40dd-AFC4-6F175D3DCCD1}">
-              <a14:hiddenFill xmlns:a14="http://schemas.microsoft.com/office/drawing/2010/main" xmlns="">
+              <a14:hiddenFill xmlns="" xmlns:a14="http://schemas.microsoft.com/office/drawing/2010/main">
                 <a:solidFill>
                   <a:srgbClr val="FFFFFF"/>
                 </a:solidFill>
               </a14:hiddenFill>
             </a:ext>
             <a:ext uri="{91240B29-F687-4f45-9708-019B960494DF}">
-              <a14:hiddenLine xmlns:a14="http://schemas.microsoft.com/office/drawing/2010/main" xmlns="" w="9525" cap="flat">
+              <a14:hiddenLine xmlns="" xmlns:a14="http://schemas.microsoft.com/office/drawing/2010/main" w="9525" cap="flat">
                 <a:solidFill>
                   <a:srgbClr val="3465A4"/>
                 </a:solidFill>
@@ -11471,7 +11471,7 @@
               </a14:hiddenLine>
             </a:ext>
             <a:ext uri="{AF507438-7753-43e0-B8FC-AC1667EBCBE1}">
-              <a14:hiddenEffects xmlns:a14="http://schemas.microsoft.com/office/drawing/2010/main" xmlns="">
+              <a14:hiddenEffects xmlns="" xmlns:a14="http://schemas.microsoft.com/office/drawing/2010/main">
                 <a:effectLst>
                   <a:outerShdw blurRad="63500" dist="38099" dir="2700000" algn="ctr" rotWithShape="0">
                     <a:schemeClr val="bg2">
@@ -11880,7 +11880,7 @@
           </a:ln>
           <a:extLst>
             <a:ext uri="{AF507438-7753-43e0-B8FC-AC1667EBCBE1}">
-              <a14:hiddenEffects xmlns:a14="http://schemas.microsoft.com/office/drawing/2010/main" xmlns="">
+              <a14:hiddenEffects xmlns="" xmlns:a14="http://schemas.microsoft.com/office/drawing/2010/main">
                 <a:effectLst>
                   <a:outerShdw blurRad="63500" dist="38099" dir="2700000" algn="ctr" rotWithShape="0">
                     <a:srgbClr val="000000">
@@ -11916,14 +11916,14 @@
           <a:effectLst/>
           <a:extLst>
             <a:ext uri="{909E8E84-426E-40dd-AFC4-6F175D3DCCD1}">
-              <a14:hiddenFill xmlns:a14="http://schemas.microsoft.com/office/drawing/2010/main" xmlns="">
+              <a14:hiddenFill xmlns="" xmlns:a14="http://schemas.microsoft.com/office/drawing/2010/main">
                 <a:solidFill>
                   <a:srgbClr val="FFFFFF"/>
                 </a:solidFill>
               </a14:hiddenFill>
             </a:ext>
             <a:ext uri="{91240B29-F687-4f45-9708-019B960494DF}">
-              <a14:hiddenLine xmlns:a14="http://schemas.microsoft.com/office/drawing/2010/main" xmlns="" w="9525" cap="flat">
+              <a14:hiddenLine xmlns="" xmlns:a14="http://schemas.microsoft.com/office/drawing/2010/main" w="9525" cap="flat">
                 <a:solidFill>
                   <a:srgbClr val="3465A4"/>
                 </a:solidFill>
@@ -11933,7 +11933,7 @@
               </a14:hiddenLine>
             </a:ext>
             <a:ext uri="{AF507438-7753-43e0-B8FC-AC1667EBCBE1}">
-              <a14:hiddenEffects xmlns:a14="http://schemas.microsoft.com/office/drawing/2010/main" xmlns="">
+              <a14:hiddenEffects xmlns="" xmlns:a14="http://schemas.microsoft.com/office/drawing/2010/main">
                 <a:effectLst>
                   <a:outerShdw blurRad="63500" dist="38099" dir="2700000" algn="ctr" rotWithShape="0">
                     <a:srgbClr val="000000">
@@ -12005,14 +12005,14 @@
         <p:spPr>
           <a:extLst>
             <a:ext uri="{909E8E84-426E-40dd-AFC4-6F175D3DCCD1}">
-              <a14:hiddenFill xmlns:a14="http://schemas.microsoft.com/office/drawing/2010/main" xmlns="">
+              <a14:hiddenFill xmlns="" xmlns:a14="http://schemas.microsoft.com/office/drawing/2010/main">
                 <a:solidFill>
                   <a:srgbClr val="FFFFFF"/>
                 </a:solidFill>
               </a14:hiddenFill>
             </a:ext>
             <a:ext uri="{91240B29-F687-4f45-9708-019B960494DF}">
-              <a14:hiddenLine xmlns:a14="http://schemas.microsoft.com/office/drawing/2010/main" xmlns="" w="9525" cap="flat">
+              <a14:hiddenLine xmlns="" xmlns:a14="http://schemas.microsoft.com/office/drawing/2010/main" w="9525" cap="flat">
                 <a:solidFill>
                   <a:srgbClr val="3465A4"/>
                 </a:solidFill>
@@ -12022,7 +12022,7 @@
               </a14:hiddenLine>
             </a:ext>
             <a:ext uri="{AF507438-7753-43e0-B8FC-AC1667EBCBE1}">
-              <a14:hiddenEffects xmlns:a14="http://schemas.microsoft.com/office/drawing/2010/main" xmlns="">
+              <a14:hiddenEffects xmlns="" xmlns:a14="http://schemas.microsoft.com/office/drawing/2010/main">
                 <a:effectLst>
                   <a:outerShdw blurRad="63500" dist="38099" dir="2700000" algn="ctr" rotWithShape="0">
                     <a:schemeClr val="bg2">
@@ -12431,7 +12431,7 @@
           </a:ln>
           <a:extLst>
             <a:ext uri="{AF507438-7753-43e0-B8FC-AC1667EBCBE1}">
-              <a14:hiddenEffects xmlns:a14="http://schemas.microsoft.com/office/drawing/2010/main" xmlns="">
+              <a14:hiddenEffects xmlns="" xmlns:a14="http://schemas.microsoft.com/office/drawing/2010/main">
                 <a:effectLst>
                   <a:outerShdw blurRad="63500" dist="38099" dir="2700000" algn="ctr" rotWithShape="0">
                     <a:srgbClr val="000000">
@@ -12467,14 +12467,14 @@
           <a:effectLst/>
           <a:extLst>
             <a:ext uri="{909E8E84-426E-40dd-AFC4-6F175D3DCCD1}">
-              <a14:hiddenFill xmlns:a14="http://schemas.microsoft.com/office/drawing/2010/main" xmlns="">
+              <a14:hiddenFill xmlns="" xmlns:a14="http://schemas.microsoft.com/office/drawing/2010/main">
                 <a:solidFill>
                   <a:srgbClr val="FFFFFF"/>
                 </a:solidFill>
               </a14:hiddenFill>
             </a:ext>
             <a:ext uri="{91240B29-F687-4f45-9708-019B960494DF}">
-              <a14:hiddenLine xmlns:a14="http://schemas.microsoft.com/office/drawing/2010/main" xmlns="" w="9525" cap="flat">
+              <a14:hiddenLine xmlns="" xmlns:a14="http://schemas.microsoft.com/office/drawing/2010/main" w="9525" cap="flat">
                 <a:solidFill>
                   <a:srgbClr val="3465A4"/>
                 </a:solidFill>
@@ -12484,7 +12484,7 @@
               </a14:hiddenLine>
             </a:ext>
             <a:ext uri="{AF507438-7753-43e0-B8FC-AC1667EBCBE1}">
-              <a14:hiddenEffects xmlns:a14="http://schemas.microsoft.com/office/drawing/2010/main" xmlns="">
+              <a14:hiddenEffects xmlns="" xmlns:a14="http://schemas.microsoft.com/office/drawing/2010/main">
                 <a:effectLst>
                   <a:outerShdw blurRad="63500" dist="38099" dir="2700000" algn="ctr" rotWithShape="0">
                     <a:srgbClr val="000000">
@@ -14637,7 +14637,7 @@
           <a:effectLst/>
           <a:extLst>
             <a:ext uri="{AF507438-7753-43e0-B8FC-AC1667EBCBE1}">
-              <a14:hiddenEffects xmlns:a14="http://schemas.microsoft.com/office/drawing/2010/main" xmlns="">
+              <a14:hiddenEffects xmlns="" xmlns:a14="http://schemas.microsoft.com/office/drawing/2010/main">
                 <a:effectLst>
                   <a:outerShdw blurRad="63500" dist="38099" dir="2700000" algn="ctr" rotWithShape="0">
                     <a:srgbClr val="000000">
@@ -14690,14 +14690,14 @@
               <ma14:placeholderFlag xmlns:ma14="http://schemas.microsoft.com/office/mac/drawingml/2011/main" val="1"/>
             </a:ext>
             <a:ext uri="{909E8E84-426E-40dd-AFC4-6F175D3DCCD1}">
-              <a14:hiddenFill xmlns:a14="http://schemas.microsoft.com/office/drawing/2010/main" xmlns="">
+              <a14:hiddenFill xmlns="" xmlns:a14="http://schemas.microsoft.com/office/drawing/2010/main">
                 <a:solidFill>
                   <a:srgbClr val="FFFFFF"/>
                 </a:solidFill>
               </a14:hiddenFill>
             </a:ext>
             <a:ext uri="{91240B29-F687-4f45-9708-019B960494DF}">
-              <a14:hiddenLine xmlns:a14="http://schemas.microsoft.com/office/drawing/2010/main" xmlns="" w="9525" cap="flat">
+              <a14:hiddenLine xmlns="" xmlns:a14="http://schemas.microsoft.com/office/drawing/2010/main" w="9525" cap="flat">
                 <a:solidFill>
                   <a:srgbClr val="3465A4"/>
                 </a:solidFill>
@@ -14707,7 +14707,7 @@
               </a14:hiddenLine>
             </a:ext>
             <a:ext uri="{AF507438-7753-43e0-B8FC-AC1667EBCBE1}">
-              <a14:hiddenEffects xmlns:a14="http://schemas.microsoft.com/office/drawing/2010/main" xmlns="">
+              <a14:hiddenEffects xmlns="" xmlns:a14="http://schemas.microsoft.com/office/drawing/2010/main">
                 <a:effectLst>
                   <a:outerShdw blurRad="63500" dist="38099" dir="2700000" algn="ctr" rotWithShape="0">
                     <a:schemeClr val="bg2">
@@ -14763,14 +14763,14 @@
               <ma14:placeholderFlag xmlns:ma14="http://schemas.microsoft.com/office/mac/drawingml/2011/main" val="1"/>
             </a:ext>
             <a:ext uri="{909E8E84-426E-40dd-AFC4-6F175D3DCCD1}">
-              <a14:hiddenFill xmlns:a14="http://schemas.microsoft.com/office/drawing/2010/main" xmlns="">
+              <a14:hiddenFill xmlns="" xmlns:a14="http://schemas.microsoft.com/office/drawing/2010/main">
                 <a:solidFill>
                   <a:srgbClr val="FFFFFF"/>
                 </a:solidFill>
               </a14:hiddenFill>
             </a:ext>
             <a:ext uri="{91240B29-F687-4f45-9708-019B960494DF}">
-              <a14:hiddenLine xmlns:a14="http://schemas.microsoft.com/office/drawing/2010/main" xmlns="" w="9525" cap="flat">
+              <a14:hiddenLine xmlns="" xmlns:a14="http://schemas.microsoft.com/office/drawing/2010/main" w="9525" cap="flat">
                 <a:solidFill>
                   <a:srgbClr val="3465A4"/>
                 </a:solidFill>
@@ -14780,7 +14780,7 @@
               </a14:hiddenLine>
             </a:ext>
             <a:ext uri="{AF507438-7753-43e0-B8FC-AC1667EBCBE1}">
-              <a14:hiddenEffects xmlns:a14="http://schemas.microsoft.com/office/drawing/2010/main" xmlns="">
+              <a14:hiddenEffects xmlns="" xmlns:a14="http://schemas.microsoft.com/office/drawing/2010/main">
                 <a:effectLst>
                   <a:outerShdw blurRad="63500" dist="38099" dir="2700000" algn="ctr" rotWithShape="0">
                     <a:schemeClr val="bg2">
@@ -14873,14 +14873,14 @@
           <a:effectLst/>
           <a:extLst>
             <a:ext uri="{909E8E84-426E-40dd-AFC4-6F175D3DCCD1}">
-              <a14:hiddenFill xmlns:a14="http://schemas.microsoft.com/office/drawing/2010/main" xmlns="">
+              <a14:hiddenFill xmlns="" xmlns:a14="http://schemas.microsoft.com/office/drawing/2010/main">
                 <a:solidFill>
                   <a:srgbClr val="FFFFFF"/>
                 </a:solidFill>
               </a14:hiddenFill>
             </a:ext>
             <a:ext uri="{91240B29-F687-4f45-9708-019B960494DF}">
-              <a14:hiddenLine xmlns:a14="http://schemas.microsoft.com/office/drawing/2010/main" xmlns="" w="9525" cap="flat">
+              <a14:hiddenLine xmlns="" xmlns:a14="http://schemas.microsoft.com/office/drawing/2010/main" w="9525" cap="flat">
                 <a:solidFill>
                   <a:srgbClr val="3465A4"/>
                 </a:solidFill>
@@ -14890,7 +14890,7 @@
               </a14:hiddenLine>
             </a:ext>
             <a:ext uri="{AF507438-7753-43e0-B8FC-AC1667EBCBE1}">
-              <a14:hiddenEffects xmlns:a14="http://schemas.microsoft.com/office/drawing/2010/main" xmlns="">
+              <a14:hiddenEffects xmlns="" xmlns:a14="http://schemas.microsoft.com/office/drawing/2010/main">
                 <a:effectLst>
                   <a:outerShdw blurRad="63500" dist="38099" dir="2700000" algn="ctr" rotWithShape="0">
                     <a:srgbClr val="000000">
@@ -14943,14 +14943,14 @@
               <ma14:placeholderFlag xmlns:ma14="http://schemas.microsoft.com/office/mac/drawingml/2011/main" val="1"/>
             </a:ext>
             <a:ext uri="{909E8E84-426E-40dd-AFC4-6F175D3DCCD1}">
-              <a14:hiddenFill xmlns:a14="http://schemas.microsoft.com/office/drawing/2010/main" xmlns="">
+              <a14:hiddenFill xmlns="" xmlns:a14="http://schemas.microsoft.com/office/drawing/2010/main">
                 <a:solidFill>
                   <a:srgbClr val="FFFFFF"/>
                 </a:solidFill>
               </a14:hiddenFill>
             </a:ext>
             <a:ext uri="{91240B29-F687-4f45-9708-019B960494DF}">
-              <a14:hiddenLine xmlns:a14="http://schemas.microsoft.com/office/drawing/2010/main" xmlns="" w="9525" cap="flat">
+              <a14:hiddenLine xmlns="" xmlns:a14="http://schemas.microsoft.com/office/drawing/2010/main" w="9525" cap="flat">
                 <a:solidFill>
                   <a:srgbClr val="3465A4"/>
                 </a:solidFill>
@@ -14960,7 +14960,7 @@
               </a14:hiddenLine>
             </a:ext>
             <a:ext uri="{AF507438-7753-43e0-B8FC-AC1667EBCBE1}">
-              <a14:hiddenEffects xmlns:a14="http://schemas.microsoft.com/office/drawing/2010/main" xmlns="">
+              <a14:hiddenEffects xmlns="" xmlns:a14="http://schemas.microsoft.com/office/drawing/2010/main">
                 <a:effectLst>
                   <a:outerShdw blurRad="63500" dist="38099" dir="2700000" algn="ctr" rotWithShape="0">
                     <a:schemeClr val="bg2">
@@ -15059,7 +15059,7 @@
           <a:effectLst/>
           <a:extLst>
             <a:ext uri="{909E8E84-426E-40dd-AFC4-6F175D3DCCD1}">
-              <a14:hiddenFill xmlns:a14="http://schemas.microsoft.com/office/drawing/2010/main" xmlns="">
+              <a14:hiddenFill xmlns="" xmlns:a14="http://schemas.microsoft.com/office/drawing/2010/main">
                 <a:blipFill dpi="0" rotWithShape="0">
                   <a:blip xmlns:r="http://schemas.openxmlformats.org/officeDocument/2006/relationships"/>
                   <a:srcRect/>
@@ -15070,7 +15070,7 @@
               </a14:hiddenFill>
             </a:ext>
             <a:ext uri="{91240B29-F687-4f45-9708-019B960494DF}">
-              <a14:hiddenLine xmlns:a14="http://schemas.microsoft.com/office/drawing/2010/main" xmlns="" w="9525" cap="flat">
+              <a14:hiddenLine xmlns="" xmlns:a14="http://schemas.microsoft.com/office/drawing/2010/main" w="9525" cap="flat">
                 <a:solidFill>
                   <a:srgbClr val="3465A4"/>
                 </a:solidFill>
@@ -15080,7 +15080,7 @@
               </a14:hiddenLine>
             </a:ext>
             <a:ext uri="{AF507438-7753-43e0-B8FC-AC1667EBCBE1}">
-              <a14:hiddenEffects xmlns:a14="http://schemas.microsoft.com/office/drawing/2010/main" xmlns="">
+              <a14:hiddenEffects xmlns="" xmlns:a14="http://schemas.microsoft.com/office/drawing/2010/main">
                 <a:effectLst>
                   <a:outerShdw blurRad="63500" dist="38099" dir="2700000" algn="ctr" rotWithShape="0">
                     <a:srgbClr val="000000">
@@ -15116,14 +15116,14 @@
           <a:effectLst/>
           <a:extLst>
             <a:ext uri="{909E8E84-426E-40dd-AFC4-6F175D3DCCD1}">
-              <a14:hiddenFill xmlns:a14="http://schemas.microsoft.com/office/drawing/2010/main" xmlns="">
+              <a14:hiddenFill xmlns="" xmlns:a14="http://schemas.microsoft.com/office/drawing/2010/main">
                 <a:solidFill>
                   <a:srgbClr val="FFFFFF"/>
                 </a:solidFill>
               </a14:hiddenFill>
             </a:ext>
             <a:ext uri="{91240B29-F687-4f45-9708-019B960494DF}">
-              <a14:hiddenLine xmlns:a14="http://schemas.microsoft.com/office/drawing/2010/main" xmlns="" w="9525" cap="flat">
+              <a14:hiddenLine xmlns="" xmlns:a14="http://schemas.microsoft.com/office/drawing/2010/main" w="9525" cap="flat">
                 <a:solidFill>
                   <a:srgbClr val="3465A4"/>
                 </a:solidFill>
@@ -15133,7 +15133,7 @@
               </a14:hiddenLine>
             </a:ext>
             <a:ext uri="{AF507438-7753-43e0-B8FC-AC1667EBCBE1}">
-              <a14:hiddenEffects xmlns:a14="http://schemas.microsoft.com/office/drawing/2010/main" xmlns="">
+              <a14:hiddenEffects xmlns="" xmlns:a14="http://schemas.microsoft.com/office/drawing/2010/main">
                 <a:effectLst>
                   <a:outerShdw blurRad="63500" dist="38099" dir="2700000" algn="ctr" rotWithShape="0">
                     <a:srgbClr val="000000">
@@ -15792,7 +15792,6 @@
               <a:rPr lang="en-GB" dirty="0" smtClean="0"/>
               <a:t>Network Time Protocol (NTP)</a:t>
             </a:r>
-            <a:endParaRPr lang="en-GB" dirty="0" smtClean="0"/>
           </a:p>
         </p:txBody>
       </p:sp>
@@ -16108,7 +16107,7 @@
   <p:timing>
     <p:tnLst>
       <p:par>
-        <p:cTn id="1" dur="indefinite" nodeType="tmRoot">
+        <p:cTn id="1" dur="indefinite" restart="never" nodeType="tmRoot">
           <p:childTnLst>
             <p:seq concurrent="1" nextAc="seek">
               <p:cTn id="2" dur="0" nodeType="mainSeq"/>
@@ -16185,14 +16184,14 @@
           <a:effectLst/>
           <a:extLst>
             <a:ext uri="{909E8E84-426E-40dd-AFC4-6F175D3DCCD1}">
-              <a14:hiddenFill xmlns:a14="http://schemas.microsoft.com/office/drawing/2010/main" xmlns="">
+              <a14:hiddenFill xmlns="" xmlns:a14="http://schemas.microsoft.com/office/drawing/2010/main">
                 <a:solidFill>
                   <a:srgbClr val="FFFFFF"/>
                 </a:solidFill>
               </a14:hiddenFill>
             </a:ext>
             <a:ext uri="{91240B29-F687-4f45-9708-019B960494DF}">
-              <a14:hiddenLine xmlns:a14="http://schemas.microsoft.com/office/drawing/2010/main" xmlns="" w="9525" cap="flat">
+              <a14:hiddenLine xmlns="" xmlns:a14="http://schemas.microsoft.com/office/drawing/2010/main" w="9525" cap="flat">
                 <a:solidFill>
                   <a:srgbClr val="3465A4"/>
                 </a:solidFill>
@@ -16202,7 +16201,7 @@
               </a14:hiddenLine>
             </a:ext>
             <a:ext uri="{AF507438-7753-43e0-B8FC-AC1667EBCBE1}">
-              <a14:hiddenEffects xmlns:a14="http://schemas.microsoft.com/office/drawing/2010/main" xmlns="">
+              <a14:hiddenEffects xmlns="" xmlns:a14="http://schemas.microsoft.com/office/drawing/2010/main">
                 <a:effectLst>
                   <a:outerShdw blurRad="63500" dist="38099" dir="2700000" algn="ctr" rotWithShape="0">
                     <a:srgbClr val="000000">
@@ -16588,9 +16587,6 @@
               </a:rPr>
               <a:t>Step 2: NTP Server Configuration </a:t>
             </a:r>
-            <a:endParaRPr lang="en-US" sz="4400" b="1" dirty="0" smtClean="0">
-              <a:latin typeface="Trebuchet MS" charset="0"/>
-            </a:endParaRPr>
           </a:p>
         </p:txBody>
       </p:sp>
@@ -16617,14 +16613,14 @@
           <a:effectLst/>
           <a:extLst>
             <a:ext uri="{909E8E84-426E-40dd-AFC4-6F175D3DCCD1}">
-              <a14:hiddenFill xmlns:a14="http://schemas.microsoft.com/office/drawing/2010/main" xmlns="">
+              <a14:hiddenFill xmlns="" xmlns:a14="http://schemas.microsoft.com/office/drawing/2010/main">
                 <a:solidFill>
                   <a:srgbClr val="FFFFFF"/>
                 </a:solidFill>
               </a14:hiddenFill>
             </a:ext>
             <a:ext uri="{91240B29-F687-4f45-9708-019B960494DF}">
-              <a14:hiddenLine xmlns:a14="http://schemas.microsoft.com/office/drawing/2010/main" xmlns="" w="9525" cap="flat">
+              <a14:hiddenLine xmlns="" xmlns:a14="http://schemas.microsoft.com/office/drawing/2010/main" w="9525" cap="flat">
                 <a:solidFill>
                   <a:srgbClr val="3465A4"/>
                 </a:solidFill>
@@ -16634,7 +16630,7 @@
               </a14:hiddenLine>
             </a:ext>
             <a:ext uri="{AF507438-7753-43e0-B8FC-AC1667EBCBE1}">
-              <a14:hiddenEffects xmlns:a14="http://schemas.microsoft.com/office/drawing/2010/main" xmlns="">
+              <a14:hiddenEffects xmlns="" xmlns:a14="http://schemas.microsoft.com/office/drawing/2010/main">
                 <a:effectLst>
                   <a:outerShdw blurRad="63500" dist="38099" dir="2700000" algn="ctr" rotWithShape="0">
                     <a:srgbClr val="000000">
@@ -17643,7 +17639,7 @@
   <p:timing>
     <p:tnLst>
       <p:par>
-        <p:cTn id="1" dur="indefinite" nodeType="tmRoot">
+        <p:cTn id="1" dur="indefinite" restart="never" nodeType="tmRoot">
           <p:childTnLst>
             <p:seq concurrent="1" nextAc="seek">
               <p:cTn id="2" dur="0" nodeType="mainSeq"/>
@@ -17720,14 +17716,14 @@
           <a:effectLst/>
           <a:extLst>
             <a:ext uri="{909E8E84-426E-40dd-AFC4-6F175D3DCCD1}">
-              <a14:hiddenFill xmlns:a14="http://schemas.microsoft.com/office/drawing/2010/main" xmlns="">
+              <a14:hiddenFill xmlns="" xmlns:a14="http://schemas.microsoft.com/office/drawing/2010/main">
                 <a:solidFill>
                   <a:srgbClr val="FFFFFF"/>
                 </a:solidFill>
               </a14:hiddenFill>
             </a:ext>
             <a:ext uri="{91240B29-F687-4f45-9708-019B960494DF}">
-              <a14:hiddenLine xmlns:a14="http://schemas.microsoft.com/office/drawing/2010/main" xmlns="" w="9525" cap="flat">
+              <a14:hiddenLine xmlns="" xmlns:a14="http://schemas.microsoft.com/office/drawing/2010/main" w="9525" cap="flat">
                 <a:solidFill>
                   <a:srgbClr val="3465A4"/>
                 </a:solidFill>
@@ -17737,7 +17733,7 @@
               </a14:hiddenLine>
             </a:ext>
             <a:ext uri="{AF507438-7753-43e0-B8FC-AC1667EBCBE1}">
-              <a14:hiddenEffects xmlns:a14="http://schemas.microsoft.com/office/drawing/2010/main" xmlns="">
+              <a14:hiddenEffects xmlns="" xmlns:a14="http://schemas.microsoft.com/office/drawing/2010/main">
                 <a:effectLst>
                   <a:outerShdw blurRad="63500" dist="38099" dir="2700000" algn="ctr" rotWithShape="0">
                     <a:srgbClr val="000000">
@@ -18161,14 +18157,14 @@
           <a:effectLst/>
           <a:extLst>
             <a:ext uri="{909E8E84-426E-40dd-AFC4-6F175D3DCCD1}">
-              <a14:hiddenFill xmlns:a14="http://schemas.microsoft.com/office/drawing/2010/main" xmlns="">
+              <a14:hiddenFill xmlns="" xmlns:a14="http://schemas.microsoft.com/office/drawing/2010/main">
                 <a:solidFill>
                   <a:srgbClr val="FFFFFF"/>
                 </a:solidFill>
               </a14:hiddenFill>
             </a:ext>
             <a:ext uri="{91240B29-F687-4f45-9708-019B960494DF}">
-              <a14:hiddenLine xmlns:a14="http://schemas.microsoft.com/office/drawing/2010/main" xmlns="" w="9525" cap="flat">
+              <a14:hiddenLine xmlns="" xmlns:a14="http://schemas.microsoft.com/office/drawing/2010/main" w="9525" cap="flat">
                 <a:solidFill>
                   <a:srgbClr val="3465A4"/>
                 </a:solidFill>
@@ -18178,7 +18174,7 @@
               </a14:hiddenLine>
             </a:ext>
             <a:ext uri="{AF507438-7753-43e0-B8FC-AC1667EBCBE1}">
-              <a14:hiddenEffects xmlns:a14="http://schemas.microsoft.com/office/drawing/2010/main" xmlns="">
+              <a14:hiddenEffects xmlns="" xmlns:a14="http://schemas.microsoft.com/office/drawing/2010/main">
                 <a:effectLst>
                   <a:outerShdw blurRad="63500" dist="38099" dir="2700000" algn="ctr" rotWithShape="0">
                     <a:srgbClr val="000000">
@@ -18678,20 +18674,6 @@
               <a:buChar char=""/>
               <a:defRPr/>
             </a:pPr>
-            <a:r>
-              <a:rPr lang="en-US" sz="2800" dirty="0" smtClean="0">
-                <a:ea typeface="Arial" charset="0"/>
-                <a:cs typeface="Arial" charset="0"/>
-              </a:rPr>
-              <a:t>Now restrict who is allowed to query the server for time </a:t>
-            </a:r>
-            <a:r>
-              <a:rPr lang="en-US" sz="2800" dirty="0">
-                <a:ea typeface="Arial" charset="0"/>
-                <a:cs typeface="Arial" charset="0"/>
-              </a:rPr>
-              <a:t>and what else they are allowed to do with the NTP server</a:t>
-            </a:r>
             <a:endParaRPr lang="en-US" sz="2800" dirty="0" smtClean="0">
               <a:ea typeface="Arial" charset="0"/>
               <a:cs typeface="Arial" charset="0"/>
@@ -19032,7 +19014,7 @@
   <p:timing>
     <p:tnLst>
       <p:par>
-        <p:cTn id="1" dur="indefinite" nodeType="tmRoot">
+        <p:cTn id="1" dur="indefinite" restart="never" nodeType="tmRoot">
           <p:childTnLst>
             <p:seq concurrent="1" nextAc="seek">
               <p:cTn id="2" dur="0" nodeType="mainSeq"/>
@@ -19109,14 +19091,14 @@
           <a:effectLst/>
           <a:extLst>
             <a:ext uri="{909E8E84-426E-40dd-AFC4-6F175D3DCCD1}">
-              <a14:hiddenFill xmlns:a14="http://schemas.microsoft.com/office/drawing/2010/main" xmlns="">
+              <a14:hiddenFill xmlns="" xmlns:a14="http://schemas.microsoft.com/office/drawing/2010/main">
                 <a:solidFill>
                   <a:srgbClr val="FFFFFF"/>
                 </a:solidFill>
               </a14:hiddenFill>
             </a:ext>
             <a:ext uri="{91240B29-F687-4f45-9708-019B960494DF}">
-              <a14:hiddenLine xmlns:a14="http://schemas.microsoft.com/office/drawing/2010/main" xmlns="" w="9525" cap="flat">
+              <a14:hiddenLine xmlns="" xmlns:a14="http://schemas.microsoft.com/office/drawing/2010/main" w="9525" cap="flat">
                 <a:solidFill>
                   <a:srgbClr val="3465A4"/>
                 </a:solidFill>
@@ -19126,7 +19108,7 @@
               </a14:hiddenLine>
             </a:ext>
             <a:ext uri="{AF507438-7753-43e0-B8FC-AC1667EBCBE1}">
-              <a14:hiddenEffects xmlns:a14="http://schemas.microsoft.com/office/drawing/2010/main" xmlns="">
+              <a14:hiddenEffects xmlns="" xmlns:a14="http://schemas.microsoft.com/office/drawing/2010/main">
                 <a:effectLst>
                   <a:outerShdw blurRad="63500" dist="38099" dir="2700000" algn="ctr" rotWithShape="0">
                     <a:srgbClr val="000000">
@@ -19550,14 +19532,14 @@
           <a:effectLst/>
           <a:extLst>
             <a:ext uri="{909E8E84-426E-40dd-AFC4-6F175D3DCCD1}">
-              <a14:hiddenFill xmlns:a14="http://schemas.microsoft.com/office/drawing/2010/main" xmlns="">
+              <a14:hiddenFill xmlns="" xmlns:a14="http://schemas.microsoft.com/office/drawing/2010/main">
                 <a:solidFill>
                   <a:srgbClr val="FFFFFF"/>
                 </a:solidFill>
               </a14:hiddenFill>
             </a:ext>
             <a:ext uri="{91240B29-F687-4f45-9708-019B960494DF}">
-              <a14:hiddenLine xmlns:a14="http://schemas.microsoft.com/office/drawing/2010/main" xmlns="" w="9525" cap="flat">
+              <a14:hiddenLine xmlns="" xmlns:a14="http://schemas.microsoft.com/office/drawing/2010/main" w="9525" cap="flat">
                 <a:solidFill>
                   <a:srgbClr val="3465A4"/>
                 </a:solidFill>
@@ -19567,7 +19549,7 @@
               </a14:hiddenLine>
             </a:ext>
             <a:ext uri="{AF507438-7753-43e0-B8FC-AC1667EBCBE1}">
-              <a14:hiddenEffects xmlns:a14="http://schemas.microsoft.com/office/drawing/2010/main" xmlns="">
+              <a14:hiddenEffects xmlns="" xmlns:a14="http://schemas.microsoft.com/office/drawing/2010/main">
                 <a:effectLst>
                   <a:outerShdw blurRad="63500" dist="38099" dir="2700000" algn="ctr" rotWithShape="0">
                     <a:srgbClr val="000000">
@@ -20517,7 +20499,7 @@
   <p:timing>
     <p:tnLst>
       <p:par>
-        <p:cTn id="1" dur="indefinite" nodeType="tmRoot">
+        <p:cTn id="1" dur="indefinite" restart="never" nodeType="tmRoot">
           <p:childTnLst>
             <p:seq concurrent="1" nextAc="seek">
               <p:cTn id="2" dur="0" nodeType="mainSeq"/>
@@ -20594,14 +20576,14 @@
           <a:effectLst/>
           <a:extLst>
             <a:ext uri="{909E8E84-426E-40dd-AFC4-6F175D3DCCD1}">
-              <a14:hiddenFill xmlns:a14="http://schemas.microsoft.com/office/drawing/2010/main" xmlns="">
+              <a14:hiddenFill xmlns="" xmlns:a14="http://schemas.microsoft.com/office/drawing/2010/main">
                 <a:solidFill>
                   <a:srgbClr val="FFFFFF"/>
                 </a:solidFill>
               </a14:hiddenFill>
             </a:ext>
             <a:ext uri="{91240B29-F687-4f45-9708-019B960494DF}">
-              <a14:hiddenLine xmlns:a14="http://schemas.microsoft.com/office/drawing/2010/main" xmlns="" w="9525" cap="flat">
+              <a14:hiddenLine xmlns="" xmlns:a14="http://schemas.microsoft.com/office/drawing/2010/main" w="9525" cap="flat">
                 <a:solidFill>
                   <a:srgbClr val="3465A4"/>
                 </a:solidFill>
@@ -20611,7 +20593,7 @@
               </a14:hiddenLine>
             </a:ext>
             <a:ext uri="{AF507438-7753-43e0-B8FC-AC1667EBCBE1}">
-              <a14:hiddenEffects xmlns:a14="http://schemas.microsoft.com/office/drawing/2010/main" xmlns="">
+              <a14:hiddenEffects xmlns="" xmlns:a14="http://schemas.microsoft.com/office/drawing/2010/main">
                 <a:effectLst>
                   <a:outerShdw blurRad="63500" dist="38099" dir="2700000" algn="ctr" rotWithShape="0">
                     <a:srgbClr val="000000">
@@ -21035,14 +21017,14 @@
           <a:effectLst/>
           <a:extLst>
             <a:ext uri="{909E8E84-426E-40dd-AFC4-6F175D3DCCD1}">
-              <a14:hiddenFill xmlns:a14="http://schemas.microsoft.com/office/drawing/2010/main" xmlns="">
+              <a14:hiddenFill xmlns="" xmlns:a14="http://schemas.microsoft.com/office/drawing/2010/main">
                 <a:solidFill>
                   <a:srgbClr val="FFFFFF"/>
                 </a:solidFill>
               </a14:hiddenFill>
             </a:ext>
             <a:ext uri="{91240B29-F687-4f45-9708-019B960494DF}">
-              <a14:hiddenLine xmlns:a14="http://schemas.microsoft.com/office/drawing/2010/main" xmlns="" w="9525" cap="flat">
+              <a14:hiddenLine xmlns="" xmlns:a14="http://schemas.microsoft.com/office/drawing/2010/main" w="9525" cap="flat">
                 <a:solidFill>
                   <a:srgbClr val="3465A4"/>
                 </a:solidFill>
@@ -21052,7 +21034,7 @@
               </a14:hiddenLine>
             </a:ext>
             <a:ext uri="{AF507438-7753-43e0-B8FC-AC1667EBCBE1}">
-              <a14:hiddenEffects xmlns:a14="http://schemas.microsoft.com/office/drawing/2010/main" xmlns="">
+              <a14:hiddenEffects xmlns="" xmlns:a14="http://schemas.microsoft.com/office/drawing/2010/main">
                 <a:effectLst>
                   <a:outerShdw blurRad="63500" dist="38099" dir="2700000" algn="ctr" rotWithShape="0">
                     <a:srgbClr val="000000">
@@ -21995,7 +21977,7 @@
   <p:timing>
     <p:tnLst>
       <p:par>
-        <p:cTn id="1" dur="indefinite" nodeType="tmRoot">
+        <p:cTn id="1" dur="indefinite" restart="never" nodeType="tmRoot">
           <p:childTnLst>
             <p:seq concurrent="1" nextAc="seek">
               <p:cTn id="2" dur="0" nodeType="mainSeq"/>
@@ -22072,14 +22054,14 @@
           <a:effectLst/>
           <a:extLst>
             <a:ext uri="{909E8E84-426E-40dd-AFC4-6F175D3DCCD1}">
-              <a14:hiddenFill xmlns:a14="http://schemas.microsoft.com/office/drawing/2010/main" xmlns="">
+              <a14:hiddenFill xmlns="" xmlns:a14="http://schemas.microsoft.com/office/drawing/2010/main">
                 <a:solidFill>
                   <a:srgbClr val="FFFFFF"/>
                 </a:solidFill>
               </a14:hiddenFill>
             </a:ext>
             <a:ext uri="{91240B29-F687-4f45-9708-019B960494DF}">
-              <a14:hiddenLine xmlns:a14="http://schemas.microsoft.com/office/drawing/2010/main" xmlns="" w="9525" cap="flat">
+              <a14:hiddenLine xmlns="" xmlns:a14="http://schemas.microsoft.com/office/drawing/2010/main" w="9525" cap="flat">
                 <a:solidFill>
                   <a:srgbClr val="3465A4"/>
                 </a:solidFill>
@@ -22089,7 +22071,7 @@
               </a14:hiddenLine>
             </a:ext>
             <a:ext uri="{AF507438-7753-43e0-B8FC-AC1667EBCBE1}">
-              <a14:hiddenEffects xmlns:a14="http://schemas.microsoft.com/office/drawing/2010/main" xmlns="">
+              <a14:hiddenEffects xmlns="" xmlns:a14="http://schemas.microsoft.com/office/drawing/2010/main">
                 <a:effectLst>
                   <a:outerShdw blurRad="63500" dist="38099" dir="2700000" algn="ctr" rotWithShape="0">
                     <a:srgbClr val="000000">
@@ -22513,14 +22495,14 @@
           <a:effectLst/>
           <a:extLst>
             <a:ext uri="{909E8E84-426E-40dd-AFC4-6F175D3DCCD1}">
-              <a14:hiddenFill xmlns:a14="http://schemas.microsoft.com/office/drawing/2010/main" xmlns="">
+              <a14:hiddenFill xmlns="" xmlns:a14="http://schemas.microsoft.com/office/drawing/2010/main">
                 <a:solidFill>
                   <a:srgbClr val="FFFFFF"/>
                 </a:solidFill>
               </a14:hiddenFill>
             </a:ext>
             <a:ext uri="{91240B29-F687-4f45-9708-019B960494DF}">
-              <a14:hiddenLine xmlns:a14="http://schemas.microsoft.com/office/drawing/2010/main" xmlns="" w="9525" cap="flat">
+              <a14:hiddenLine xmlns="" xmlns:a14="http://schemas.microsoft.com/office/drawing/2010/main" w="9525" cap="flat">
                 <a:solidFill>
                   <a:srgbClr val="3465A4"/>
                 </a:solidFill>
@@ -22530,7 +22512,7 @@
               </a14:hiddenLine>
             </a:ext>
             <a:ext uri="{AF507438-7753-43e0-B8FC-AC1667EBCBE1}">
-              <a14:hiddenEffects xmlns:a14="http://schemas.microsoft.com/office/drawing/2010/main" xmlns="">
+              <a14:hiddenEffects xmlns="" xmlns:a14="http://schemas.microsoft.com/office/drawing/2010/main">
                 <a:effectLst>
                   <a:outerShdw blurRad="63500" dist="38099" dir="2700000" algn="ctr" rotWithShape="0">
                     <a:srgbClr val="000000">
@@ -23166,7 +23148,7 @@
   <p:timing>
     <p:tnLst>
       <p:par>
-        <p:cTn id="1" dur="indefinite" nodeType="tmRoot">
+        <p:cTn id="1" dur="indefinite" restart="never" nodeType="tmRoot">
           <p:childTnLst>
             <p:seq concurrent="1" nextAc="seek">
               <p:cTn id="2" dur="0" nodeType="mainSeq"/>
@@ -23243,14 +23225,14 @@
           <a:effectLst/>
           <a:extLst>
             <a:ext uri="{909E8E84-426E-40dd-AFC4-6F175D3DCCD1}">
-              <a14:hiddenFill xmlns:a14="http://schemas.microsoft.com/office/drawing/2010/main" xmlns="">
+              <a14:hiddenFill xmlns="" xmlns:a14="http://schemas.microsoft.com/office/drawing/2010/main">
                 <a:solidFill>
                   <a:srgbClr val="FFFFFF"/>
                 </a:solidFill>
               </a14:hiddenFill>
             </a:ext>
             <a:ext uri="{91240B29-F687-4f45-9708-019B960494DF}">
-              <a14:hiddenLine xmlns:a14="http://schemas.microsoft.com/office/drawing/2010/main" xmlns="" w="9525" cap="flat">
+              <a14:hiddenLine xmlns="" xmlns:a14="http://schemas.microsoft.com/office/drawing/2010/main" w="9525" cap="flat">
                 <a:solidFill>
                   <a:srgbClr val="3465A4"/>
                 </a:solidFill>
@@ -23260,7 +23242,7 @@
               </a14:hiddenLine>
             </a:ext>
             <a:ext uri="{AF507438-7753-43e0-B8FC-AC1667EBCBE1}">
-              <a14:hiddenEffects xmlns:a14="http://schemas.microsoft.com/office/drawing/2010/main" xmlns="">
+              <a14:hiddenEffects xmlns="" xmlns:a14="http://schemas.microsoft.com/office/drawing/2010/main">
                 <a:effectLst>
                   <a:outerShdw blurRad="63500" dist="38099" dir="2700000" algn="ctr" rotWithShape="0">
                     <a:srgbClr val="000000">
@@ -23646,9 +23628,6 @@
               </a:rPr>
               <a:t>Step 4: Starting NTP</a:t>
             </a:r>
-            <a:endParaRPr lang="en-GB" sz="4400" b="1" dirty="0" smtClean="0">
-              <a:latin typeface="Trebuchet MS" charset="0"/>
-            </a:endParaRPr>
           </a:p>
         </p:txBody>
       </p:sp>
@@ -23675,14 +23654,14 @@
           <a:effectLst/>
           <a:extLst>
             <a:ext uri="{909E8E84-426E-40dd-AFC4-6F175D3DCCD1}">
-              <a14:hiddenFill xmlns:a14="http://schemas.microsoft.com/office/drawing/2010/main" xmlns="">
+              <a14:hiddenFill xmlns="" xmlns:a14="http://schemas.microsoft.com/office/drawing/2010/main">
                 <a:solidFill>
                   <a:srgbClr val="FFFFFF"/>
                 </a:solidFill>
               </a14:hiddenFill>
             </a:ext>
             <a:ext uri="{91240B29-F687-4f45-9708-019B960494DF}">
-              <a14:hiddenLine xmlns:a14="http://schemas.microsoft.com/office/drawing/2010/main" xmlns="" w="9525" cap="flat">
+              <a14:hiddenLine xmlns="" xmlns:a14="http://schemas.microsoft.com/office/drawing/2010/main" w="9525" cap="flat">
                 <a:solidFill>
                   <a:srgbClr val="3465A4"/>
                 </a:solidFill>
@@ -23692,7 +23671,7 @@
               </a14:hiddenLine>
             </a:ext>
             <a:ext uri="{AF507438-7753-43e0-B8FC-AC1667EBCBE1}">
-              <a14:hiddenEffects xmlns:a14="http://schemas.microsoft.com/office/drawing/2010/main" xmlns="">
+              <a14:hiddenEffects xmlns="" xmlns:a14="http://schemas.microsoft.com/office/drawing/2010/main">
                 <a:effectLst>
                   <a:outerShdw blurRad="63500" dist="38099" dir="2700000" algn="ctr" rotWithShape="0">
                     <a:srgbClr val="000000">
@@ -24701,7 +24680,7 @@
   <p:timing>
     <p:tnLst>
       <p:par>
-        <p:cTn id="1" dur="indefinite" nodeType="tmRoot">
+        <p:cTn id="1" dur="indefinite" restart="never" nodeType="tmRoot">
           <p:childTnLst>
             <p:seq concurrent="1" nextAc="seek">
               <p:cTn id="2" dur="0" nodeType="mainSeq"/>
@@ -24778,14 +24757,14 @@
           <a:effectLst/>
           <a:extLst>
             <a:ext uri="{909E8E84-426E-40dd-AFC4-6F175D3DCCD1}">
-              <a14:hiddenFill xmlns:a14="http://schemas.microsoft.com/office/drawing/2010/main" xmlns="">
+              <a14:hiddenFill xmlns="" xmlns:a14="http://schemas.microsoft.com/office/drawing/2010/main">
                 <a:solidFill>
                   <a:srgbClr val="FFFFFF"/>
                 </a:solidFill>
               </a14:hiddenFill>
             </a:ext>
             <a:ext uri="{91240B29-F687-4f45-9708-019B960494DF}">
-              <a14:hiddenLine xmlns:a14="http://schemas.microsoft.com/office/drawing/2010/main" xmlns="" w="9525" cap="flat">
+              <a14:hiddenLine xmlns="" xmlns:a14="http://schemas.microsoft.com/office/drawing/2010/main" w="9525" cap="flat">
                 <a:solidFill>
                   <a:srgbClr val="3465A4"/>
                 </a:solidFill>
@@ -24795,7 +24774,7 @@
               </a14:hiddenLine>
             </a:ext>
             <a:ext uri="{AF507438-7753-43e0-B8FC-AC1667EBCBE1}">
-              <a14:hiddenEffects xmlns:a14="http://schemas.microsoft.com/office/drawing/2010/main" xmlns="">
+              <a14:hiddenEffects xmlns="" xmlns:a14="http://schemas.microsoft.com/office/drawing/2010/main">
                 <a:effectLst>
                   <a:outerShdw blurRad="63500" dist="38099" dir="2700000" algn="ctr" rotWithShape="0">
                     <a:srgbClr val="000000">
@@ -25181,9 +25160,6 @@
               </a:rPr>
               <a:t>Step 5: Start NTP!</a:t>
             </a:r>
-            <a:endParaRPr lang="en-GB" sz="4400" b="1" dirty="0" smtClean="0">
-              <a:latin typeface="Trebuchet MS" charset="0"/>
-            </a:endParaRPr>
           </a:p>
         </p:txBody>
       </p:sp>
@@ -25210,14 +25186,14 @@
           <a:effectLst/>
           <a:extLst>
             <a:ext uri="{909E8E84-426E-40dd-AFC4-6F175D3DCCD1}">
-              <a14:hiddenFill xmlns:a14="http://schemas.microsoft.com/office/drawing/2010/main" xmlns="">
+              <a14:hiddenFill xmlns="" xmlns:a14="http://schemas.microsoft.com/office/drawing/2010/main">
                 <a:solidFill>
                   <a:srgbClr val="FFFFFF"/>
                 </a:solidFill>
               </a14:hiddenFill>
             </a:ext>
             <a:ext uri="{91240B29-F687-4f45-9708-019B960494DF}">
-              <a14:hiddenLine xmlns:a14="http://schemas.microsoft.com/office/drawing/2010/main" xmlns="" w="9525" cap="flat">
+              <a14:hiddenLine xmlns="" xmlns:a14="http://schemas.microsoft.com/office/drawing/2010/main" w="9525" cap="flat">
                 <a:solidFill>
                   <a:srgbClr val="3465A4"/>
                 </a:solidFill>
@@ -25227,7 +25203,7 @@
               </a14:hiddenLine>
             </a:ext>
             <a:ext uri="{AF507438-7753-43e0-B8FC-AC1667EBCBE1}">
-              <a14:hiddenEffects xmlns:a14="http://schemas.microsoft.com/office/drawing/2010/main" xmlns="">
+              <a14:hiddenEffects xmlns="" xmlns:a14="http://schemas.microsoft.com/office/drawing/2010/main">
                 <a:effectLst>
                   <a:outerShdw blurRad="63500" dist="38099" dir="2700000" algn="ctr" rotWithShape="0">
                     <a:srgbClr val="000000">
@@ -25766,11 +25742,6 @@
               </a:rPr>
               <a:t> start</a:t>
             </a:r>
-            <a:endParaRPr lang="en-GB" sz="3200" dirty="0" smtClean="0">
-              <a:latin typeface="Courier" charset="0"/>
-              <a:ea typeface="Courier" charset="0"/>
-              <a:cs typeface="Courier" charset="0"/>
-            </a:endParaRPr>
           </a:p>
           <a:p>
             <a:pPr>
@@ -25792,13 +25763,7 @@
               <a:rPr lang="en-GB" sz="3200" dirty="0" smtClean="0">
                 <a:latin typeface="Trebuchet MS" charset="0"/>
               </a:rPr>
-              <a:t>Check that </a:t>
-            </a:r>
-            <a:r>
-              <a:rPr lang="en-GB" sz="3200" dirty="0" smtClean="0">
-                <a:latin typeface="Trebuchet MS" charset="0"/>
-              </a:rPr>
-              <a:t>your server is synchronized with the </a:t>
+              <a:t>Check that your server is synchronized with the </a:t>
             </a:r>
             <a:r>
               <a:rPr lang="en-GB" sz="3200" dirty="0" err="1" smtClean="0">
@@ -26028,7 +25993,7 @@
   <p:timing>
     <p:tnLst>
       <p:par>
-        <p:cTn id="1" dur="indefinite" nodeType="tmRoot">
+        <p:cTn id="1" dur="indefinite" restart="never" nodeType="tmRoot">
           <p:childTnLst>
             <p:seq concurrent="1" nextAc="seek">
               <p:cTn id="2" dur="0" nodeType="mainSeq"/>
@@ -26105,14 +26070,14 @@
           <a:effectLst/>
           <a:extLst>
             <a:ext uri="{909E8E84-426E-40dd-AFC4-6F175D3DCCD1}">
-              <a14:hiddenFill xmlns:a14="http://schemas.microsoft.com/office/drawing/2010/main" xmlns="">
+              <a14:hiddenFill xmlns="" xmlns:a14="http://schemas.microsoft.com/office/drawing/2010/main">
                 <a:solidFill>
                   <a:srgbClr val="FFFFFF"/>
                 </a:solidFill>
               </a14:hiddenFill>
             </a:ext>
             <a:ext uri="{91240B29-F687-4f45-9708-019B960494DF}">
-              <a14:hiddenLine xmlns:a14="http://schemas.microsoft.com/office/drawing/2010/main" xmlns="" w="9525" cap="flat">
+              <a14:hiddenLine xmlns="" xmlns:a14="http://schemas.microsoft.com/office/drawing/2010/main" w="9525" cap="flat">
                 <a:solidFill>
                   <a:srgbClr val="3465A4"/>
                 </a:solidFill>
@@ -26122,7 +26087,7 @@
               </a14:hiddenLine>
             </a:ext>
             <a:ext uri="{AF507438-7753-43e0-B8FC-AC1667EBCBE1}">
-              <a14:hiddenEffects xmlns:a14="http://schemas.microsoft.com/office/drawing/2010/main" xmlns="">
+              <a14:hiddenEffects xmlns="" xmlns:a14="http://schemas.microsoft.com/office/drawing/2010/main">
                 <a:effectLst>
                   <a:outerShdw blurRad="63500" dist="38099" dir="2700000" algn="ctr" rotWithShape="0">
                     <a:srgbClr val="000000">
@@ -26508,9 +26473,6 @@
               </a:rPr>
               <a:t>NTP Exercises</a:t>
             </a:r>
-            <a:endParaRPr lang="en-US" sz="4400" b="1" dirty="0" smtClean="0">
-              <a:latin typeface="Trebuchet MS" charset="0"/>
-            </a:endParaRPr>
           </a:p>
         </p:txBody>
       </p:sp>
@@ -26537,14 +26499,14 @@
           <a:effectLst/>
           <a:extLst>
             <a:ext uri="{909E8E84-426E-40dd-AFC4-6F175D3DCCD1}">
-              <a14:hiddenFill xmlns:a14="http://schemas.microsoft.com/office/drawing/2010/main" xmlns="">
+              <a14:hiddenFill xmlns="" xmlns:a14="http://schemas.microsoft.com/office/drawing/2010/main">
                 <a:solidFill>
                   <a:srgbClr val="FFFFFF"/>
                 </a:solidFill>
               </a14:hiddenFill>
             </a:ext>
             <a:ext uri="{91240B29-F687-4f45-9708-019B960494DF}">
-              <a14:hiddenLine xmlns:a14="http://schemas.microsoft.com/office/drawing/2010/main" xmlns="" w="9525" cap="flat">
+              <a14:hiddenLine xmlns="" xmlns:a14="http://schemas.microsoft.com/office/drawing/2010/main" w="9525" cap="flat">
                 <a:solidFill>
                   <a:srgbClr val="3465A4"/>
                 </a:solidFill>
@@ -26554,7 +26516,7 @@
               </a14:hiddenLine>
             </a:ext>
             <a:ext uri="{AF507438-7753-43e0-B8FC-AC1667EBCBE1}">
-              <a14:hiddenEffects xmlns:a14="http://schemas.microsoft.com/office/drawing/2010/main" xmlns="">
+              <a14:hiddenEffects xmlns="" xmlns:a14="http://schemas.microsoft.com/office/drawing/2010/main">
                 <a:effectLst>
                   <a:outerShdw blurRad="63500" dist="38099" dir="2700000" algn="ctr" rotWithShape="0">
                     <a:srgbClr val="000000">
@@ -26588,7 +26550,7 @@
   <p:timing>
     <p:tnLst>
       <p:par>
-        <p:cTn id="1" dur="indefinite" nodeType="tmRoot">
+        <p:cTn id="1" dur="indefinite" restart="never" nodeType="tmRoot">
           <p:childTnLst>
             <p:seq concurrent="1" nextAc="seek">
               <p:cTn id="2" dur="0" nodeType="mainSeq"/>
@@ -26665,14 +26627,14 @@
           <a:effectLst/>
           <a:extLst>
             <a:ext uri="{909E8E84-426E-40dd-AFC4-6F175D3DCCD1}">
-              <a14:hiddenFill xmlns:a14="http://schemas.microsoft.com/office/drawing/2010/main" xmlns="">
+              <a14:hiddenFill xmlns="" xmlns:a14="http://schemas.microsoft.com/office/drawing/2010/main">
                 <a:solidFill>
                   <a:srgbClr val="FFFFFF"/>
                 </a:solidFill>
               </a14:hiddenFill>
             </a:ext>
             <a:ext uri="{91240B29-F687-4f45-9708-019B960494DF}">
-              <a14:hiddenLine xmlns:a14="http://schemas.microsoft.com/office/drawing/2010/main" xmlns="" w="9525" cap="flat">
+              <a14:hiddenLine xmlns="" xmlns:a14="http://schemas.microsoft.com/office/drawing/2010/main" w="9525" cap="flat">
                 <a:solidFill>
                   <a:srgbClr val="3465A4"/>
                 </a:solidFill>
@@ -26682,7 +26644,7 @@
               </a14:hiddenLine>
             </a:ext>
             <a:ext uri="{AF507438-7753-43e0-B8FC-AC1667EBCBE1}">
-              <a14:hiddenEffects xmlns:a14="http://schemas.microsoft.com/office/drawing/2010/main" xmlns="">
+              <a14:hiddenEffects xmlns="" xmlns:a14="http://schemas.microsoft.com/office/drawing/2010/main">
                 <a:effectLst>
                   <a:outerShdw blurRad="63500" dist="38099" dir="2700000" algn="ctr" rotWithShape="0">
                     <a:srgbClr val="000000">
@@ -27066,17 +27028,8 @@
               <a:rPr lang="en-GB" sz="4400" b="1" dirty="0" smtClean="0">
                 <a:latin typeface="Trebuchet MS" charset="0"/>
               </a:rPr>
-              <a:t>About </a:t>
-            </a:r>
-            <a:r>
-              <a:rPr lang="en-GB" sz="4400" b="1" dirty="0" smtClean="0">
-                <a:latin typeface="Trebuchet MS" charset="0"/>
-              </a:rPr>
-              <a:t>NTP</a:t>
-            </a:r>
-            <a:endParaRPr lang="en-GB" sz="4400" b="1" dirty="0" smtClean="0">
-              <a:latin typeface="Trebuchet MS" charset="0"/>
-            </a:endParaRPr>
+              <a:t>About NTP</a:t>
+            </a:r>
           </a:p>
         </p:txBody>
       </p:sp>
@@ -27103,14 +27056,14 @@
           <a:effectLst/>
           <a:extLst>
             <a:ext uri="{909E8E84-426E-40dd-AFC4-6F175D3DCCD1}">
-              <a14:hiddenFill xmlns:a14="http://schemas.microsoft.com/office/drawing/2010/main" xmlns="">
+              <a14:hiddenFill xmlns="" xmlns:a14="http://schemas.microsoft.com/office/drawing/2010/main">
                 <a:solidFill>
                   <a:srgbClr val="FFFFFF"/>
                 </a:solidFill>
               </a14:hiddenFill>
             </a:ext>
             <a:ext uri="{91240B29-F687-4f45-9708-019B960494DF}">
-              <a14:hiddenLine xmlns:a14="http://schemas.microsoft.com/office/drawing/2010/main" xmlns="" w="9525" cap="flat">
+              <a14:hiddenLine xmlns="" xmlns:a14="http://schemas.microsoft.com/office/drawing/2010/main" w="9525" cap="flat">
                 <a:solidFill>
                   <a:srgbClr val="3465A4"/>
                 </a:solidFill>
@@ -27120,7 +27073,7 @@
               </a14:hiddenLine>
             </a:ext>
             <a:ext uri="{AF507438-7753-43e0-B8FC-AC1667EBCBE1}">
-              <a14:hiddenEffects xmlns:a14="http://schemas.microsoft.com/office/drawing/2010/main" xmlns="">
+              <a14:hiddenEffects xmlns="" xmlns:a14="http://schemas.microsoft.com/office/drawing/2010/main">
                 <a:effectLst>
                   <a:outerShdw blurRad="63500" dist="38099" dir="2700000" algn="ctr" rotWithShape="0">
                     <a:srgbClr val="000000">
@@ -27511,6 +27464,35 @@
               </a:rPr>
               <a:t>Network Time Protocol project</a:t>
             </a:r>
+          </a:p>
+          <a:p>
+            <a:pPr>
+              <a:lnSpc>
+                <a:spcPct val="97000"/>
+              </a:lnSpc>
+              <a:spcAft>
+                <a:spcPts val="1413"/>
+              </a:spcAft>
+              <a:buClr>
+                <a:srgbClr val="FF6309"/>
+              </a:buClr>
+              <a:buSzPct val="45000"/>
+              <a:buFont typeface="Wingdings" charset="0"/>
+              <a:buChar char=""/>
+              <a:defRPr/>
+            </a:pPr>
+            <a:r>
+              <a:rPr lang="en-GB" sz="3200" dirty="0" smtClean="0">
+                <a:latin typeface="Trebuchet MS" charset="0"/>
+              </a:rPr>
+              <a:t>http://</a:t>
+            </a:r>
+            <a:r>
+              <a:rPr lang="en-GB" sz="3200" dirty="0" err="1" smtClean="0">
+                <a:latin typeface="Trebuchet MS" charset="0"/>
+              </a:rPr>
+              <a:t>ntp.org</a:t>
+            </a:r>
             <a:endParaRPr lang="en-GB" sz="3200" dirty="0" smtClean="0">
               <a:latin typeface="Trebuchet MS" charset="0"/>
             </a:endParaRPr>
@@ -27532,44 +27514,6 @@
               <a:defRPr/>
             </a:pPr>
             <a:r>
-              <a:rPr lang="en-GB" sz="3200" dirty="0" smtClean="0">
-                <a:latin typeface="Trebuchet MS" charset="0"/>
-              </a:rPr>
-              <a:t>http</a:t>
-            </a:r>
-            <a:r>
-              <a:rPr lang="en-GB" sz="3200" dirty="0" smtClean="0">
-                <a:latin typeface="Trebuchet MS" charset="0"/>
-              </a:rPr>
-              <a:t>://</a:t>
-            </a:r>
-            <a:r>
-              <a:rPr lang="en-GB" sz="3200" dirty="0" err="1" smtClean="0">
-                <a:latin typeface="Trebuchet MS" charset="0"/>
-              </a:rPr>
-              <a:t>ntp.org</a:t>
-            </a:r>
-            <a:endParaRPr lang="en-GB" sz="3200" dirty="0" smtClean="0">
-              <a:latin typeface="Trebuchet MS" charset="0"/>
-            </a:endParaRPr>
-          </a:p>
-          <a:p>
-            <a:pPr>
-              <a:lnSpc>
-                <a:spcPct val="97000"/>
-              </a:lnSpc>
-              <a:spcAft>
-                <a:spcPts val="1413"/>
-              </a:spcAft>
-              <a:buClr>
-                <a:srgbClr val="FF6309"/>
-              </a:buClr>
-              <a:buSzPct val="45000"/>
-              <a:buFont typeface="Wingdings" charset="0"/>
-              <a:buChar char=""/>
-              <a:defRPr/>
-            </a:pPr>
-            <a:r>
               <a:rPr lang="en-GB" sz="3200" dirty="0">
                 <a:latin typeface="Trebuchet MS" charset="0"/>
               </a:rPr>
@@ -27593,7 +27537,7 @@
   <p:timing>
     <p:tnLst>
       <p:par>
-        <p:cTn id="1" dur="indefinite" nodeType="tmRoot">
+        <p:cTn id="1" dur="indefinite" restart="never" nodeType="tmRoot">
           <p:childTnLst>
             <p:seq concurrent="1" nextAc="seek">
               <p:cTn id="2" dur="0" nodeType="mainSeq"/>
@@ -27670,14 +27614,14 @@
           <a:effectLst/>
           <a:extLst>
             <a:ext uri="{909E8E84-426E-40dd-AFC4-6F175D3DCCD1}">
-              <a14:hiddenFill xmlns:a14="http://schemas.microsoft.com/office/drawing/2010/main" xmlns="">
+              <a14:hiddenFill xmlns="" xmlns:a14="http://schemas.microsoft.com/office/drawing/2010/main">
                 <a:solidFill>
                   <a:srgbClr val="FFFFFF"/>
                 </a:solidFill>
               </a14:hiddenFill>
             </a:ext>
             <a:ext uri="{91240B29-F687-4f45-9708-019B960494DF}">
-              <a14:hiddenLine xmlns:a14="http://schemas.microsoft.com/office/drawing/2010/main" xmlns="" w="9525" cap="flat">
+              <a14:hiddenLine xmlns="" xmlns:a14="http://schemas.microsoft.com/office/drawing/2010/main" w="9525" cap="flat">
                 <a:solidFill>
                   <a:srgbClr val="3465A4"/>
                 </a:solidFill>
@@ -27687,7 +27631,7 @@
               </a14:hiddenLine>
             </a:ext>
             <a:ext uri="{AF507438-7753-43e0-B8FC-AC1667EBCBE1}">
-              <a14:hiddenEffects xmlns:a14="http://schemas.microsoft.com/office/drawing/2010/main" xmlns="">
+              <a14:hiddenEffects xmlns="" xmlns:a14="http://schemas.microsoft.com/office/drawing/2010/main">
                 <a:effectLst>
                   <a:outerShdw blurRad="63500" dist="38099" dir="2700000" algn="ctr" rotWithShape="0">
                     <a:srgbClr val="000000">
@@ -28071,17 +28015,8 @@
               <a:rPr lang="en-GB" sz="4400" b="1" dirty="0" smtClean="0">
                 <a:latin typeface="Trebuchet MS" charset="0"/>
               </a:rPr>
-              <a:t>About </a:t>
-            </a:r>
-            <a:r>
-              <a:rPr lang="en-GB" sz="4400" b="1" dirty="0" smtClean="0">
-                <a:latin typeface="Trebuchet MS" charset="0"/>
-              </a:rPr>
-              <a:t>NTP</a:t>
-            </a:r>
-            <a:endParaRPr lang="en-GB" sz="4400" b="1" dirty="0" smtClean="0">
-              <a:latin typeface="Trebuchet MS" charset="0"/>
-            </a:endParaRPr>
+              <a:t>About NTP</a:t>
+            </a:r>
           </a:p>
         </p:txBody>
       </p:sp>
@@ -28108,14 +28043,14 @@
           <a:effectLst/>
           <a:extLst>
             <a:ext uri="{909E8E84-426E-40dd-AFC4-6F175D3DCCD1}">
-              <a14:hiddenFill xmlns:a14="http://schemas.microsoft.com/office/drawing/2010/main" xmlns="">
+              <a14:hiddenFill xmlns="" xmlns:a14="http://schemas.microsoft.com/office/drawing/2010/main">
                 <a:solidFill>
                   <a:srgbClr val="FFFFFF"/>
                 </a:solidFill>
               </a14:hiddenFill>
             </a:ext>
             <a:ext uri="{91240B29-F687-4f45-9708-019B960494DF}">
-              <a14:hiddenLine xmlns:a14="http://schemas.microsoft.com/office/drawing/2010/main" xmlns="" w="9525" cap="flat">
+              <a14:hiddenLine xmlns="" xmlns:a14="http://schemas.microsoft.com/office/drawing/2010/main" w="9525" cap="flat">
                 <a:solidFill>
                   <a:srgbClr val="3465A4"/>
                 </a:solidFill>
@@ -28125,7 +28060,7 @@
               </a14:hiddenLine>
             </a:ext>
             <a:ext uri="{AF507438-7753-43e0-B8FC-AC1667EBCBE1}">
-              <a14:hiddenEffects xmlns:a14="http://schemas.microsoft.com/office/drawing/2010/main" xmlns="">
+              <a14:hiddenEffects xmlns="" xmlns:a14="http://schemas.microsoft.com/office/drawing/2010/main">
                 <a:effectLst>
                   <a:outerShdw blurRad="63500" dist="38099" dir="2700000" algn="ctr" rotWithShape="0">
                     <a:srgbClr val="000000">
@@ -28516,11 +28451,7 @@
             </a:r>
             <a:r>
               <a:rPr lang="en-GB" sz="3200" dirty="0"/>
-              <a:t>version 4, a significant revision of the previous NTP standard, </a:t>
-            </a:r>
-            <a:r>
-              <a:rPr lang="en-GB" sz="3200" dirty="0"/>
-              <a:t>is the current development version. </a:t>
+              <a:t>version 4, a significant revision of the previous NTP standard, is the current development version. </a:t>
             </a:r>
             <a:r>
               <a:rPr lang="en-GB" sz="3200" dirty="0" smtClean="0"/>
@@ -28674,7 +28605,7 @@
   <p:timing>
     <p:tnLst>
       <p:par>
-        <p:cTn id="1" dur="indefinite" nodeType="tmRoot">
+        <p:cTn id="1" dur="indefinite" restart="never" nodeType="tmRoot">
           <p:childTnLst>
             <p:seq concurrent="1" nextAc="seek">
               <p:cTn id="2" dur="0" nodeType="mainSeq"/>
@@ -28751,14 +28682,14 @@
           <a:effectLst/>
           <a:extLst>
             <a:ext uri="{909E8E84-426E-40dd-AFC4-6F175D3DCCD1}">
-              <a14:hiddenFill xmlns:a14="http://schemas.microsoft.com/office/drawing/2010/main" xmlns="">
+              <a14:hiddenFill xmlns="" xmlns:a14="http://schemas.microsoft.com/office/drawing/2010/main">
                 <a:solidFill>
                   <a:srgbClr val="FFFFFF"/>
                 </a:solidFill>
               </a14:hiddenFill>
             </a:ext>
             <a:ext uri="{91240B29-F687-4f45-9708-019B960494DF}">
-              <a14:hiddenLine xmlns:a14="http://schemas.microsoft.com/office/drawing/2010/main" xmlns="" w="9525" cap="flat">
+              <a14:hiddenLine xmlns="" xmlns:a14="http://schemas.microsoft.com/office/drawing/2010/main" w="9525" cap="flat">
                 <a:solidFill>
                   <a:srgbClr val="3465A4"/>
                 </a:solidFill>
@@ -28768,7 +28699,7 @@
               </a14:hiddenLine>
             </a:ext>
             <a:ext uri="{AF507438-7753-43e0-B8FC-AC1667EBCBE1}">
-              <a14:hiddenEffects xmlns:a14="http://schemas.microsoft.com/office/drawing/2010/main" xmlns="">
+              <a14:hiddenEffects xmlns="" xmlns:a14="http://schemas.microsoft.com/office/drawing/2010/main">
                 <a:effectLst>
                   <a:outerShdw blurRad="63500" dist="38099" dir="2700000" algn="ctr" rotWithShape="0">
                     <a:srgbClr val="000000">
@@ -29154,9 +29085,6 @@
               </a:rPr>
               <a:t>NTP and Time Synchronization</a:t>
             </a:r>
-            <a:endParaRPr lang="en-US" sz="4400" b="1" dirty="0" smtClean="0">
-              <a:latin typeface="Trebuchet MS" charset="0"/>
-            </a:endParaRPr>
           </a:p>
         </p:txBody>
       </p:sp>
@@ -29183,14 +29111,14 @@
           <a:effectLst/>
           <a:extLst>
             <a:ext uri="{909E8E84-426E-40dd-AFC4-6F175D3DCCD1}">
-              <a14:hiddenFill xmlns:a14="http://schemas.microsoft.com/office/drawing/2010/main" xmlns="">
+              <a14:hiddenFill xmlns="" xmlns:a14="http://schemas.microsoft.com/office/drawing/2010/main">
                 <a:solidFill>
                   <a:srgbClr val="FFFFFF"/>
                 </a:solidFill>
               </a14:hiddenFill>
             </a:ext>
             <a:ext uri="{91240B29-F687-4f45-9708-019B960494DF}">
-              <a14:hiddenLine xmlns:a14="http://schemas.microsoft.com/office/drawing/2010/main" xmlns="" w="9525" cap="flat">
+              <a14:hiddenLine xmlns="" xmlns:a14="http://schemas.microsoft.com/office/drawing/2010/main" w="9525" cap="flat">
                 <a:solidFill>
                   <a:srgbClr val="3465A4"/>
                 </a:solidFill>
@@ -29200,7 +29128,7 @@
               </a14:hiddenLine>
             </a:ext>
             <a:ext uri="{AF507438-7753-43e0-B8FC-AC1667EBCBE1}">
-              <a14:hiddenEffects xmlns:a14="http://schemas.microsoft.com/office/drawing/2010/main" xmlns="">
+              <a14:hiddenEffects xmlns="" xmlns:a14="http://schemas.microsoft.com/office/drawing/2010/main">
                 <a:effectLst>
                   <a:outerShdw blurRad="63500" dist="38099" dir="2700000" algn="ctr" rotWithShape="0">
                     <a:srgbClr val="000000">
@@ -29765,7 +29693,7 @@
   <p:timing>
     <p:tnLst>
       <p:par>
-        <p:cTn id="1" dur="indefinite" nodeType="tmRoot">
+        <p:cTn id="1" dur="indefinite" restart="never" nodeType="tmRoot">
           <p:childTnLst>
             <p:seq concurrent="1" nextAc="seek">
               <p:cTn id="2" dur="0" nodeType="mainSeq"/>
@@ -29842,14 +29770,14 @@
           <a:effectLst/>
           <a:extLst>
             <a:ext uri="{909E8E84-426E-40dd-AFC4-6F175D3DCCD1}">
-              <a14:hiddenFill xmlns:a14="http://schemas.microsoft.com/office/drawing/2010/main" xmlns="">
+              <a14:hiddenFill xmlns="" xmlns:a14="http://schemas.microsoft.com/office/drawing/2010/main">
                 <a:solidFill>
                   <a:srgbClr val="FFFFFF"/>
                 </a:solidFill>
               </a14:hiddenFill>
             </a:ext>
             <a:ext uri="{91240B29-F687-4f45-9708-019B960494DF}">
-              <a14:hiddenLine xmlns:a14="http://schemas.microsoft.com/office/drawing/2010/main" xmlns="" w="9525" cap="flat">
+              <a14:hiddenLine xmlns="" xmlns:a14="http://schemas.microsoft.com/office/drawing/2010/main" w="9525" cap="flat">
                 <a:solidFill>
                   <a:srgbClr val="3465A4"/>
                 </a:solidFill>
@@ -29859,7 +29787,7 @@
               </a14:hiddenLine>
             </a:ext>
             <a:ext uri="{AF507438-7753-43e0-B8FC-AC1667EBCBE1}">
-              <a14:hiddenEffects xmlns:a14="http://schemas.microsoft.com/office/drawing/2010/main" xmlns="">
+              <a14:hiddenEffects xmlns="" xmlns:a14="http://schemas.microsoft.com/office/drawing/2010/main">
                 <a:effectLst>
                   <a:outerShdw blurRad="63500" dist="38099" dir="2700000" algn="ctr" rotWithShape="0">
                     <a:srgbClr val="000000">
@@ -30245,9 +30173,6 @@
               </a:rPr>
               <a:t>How NTP Works</a:t>
             </a:r>
-            <a:endParaRPr lang="en-US" sz="4400" b="1" dirty="0" smtClean="0">
-              <a:latin typeface="Trebuchet MS" charset="0"/>
-            </a:endParaRPr>
           </a:p>
         </p:txBody>
       </p:sp>
@@ -30274,14 +30199,14 @@
           <a:effectLst/>
           <a:extLst>
             <a:ext uri="{909E8E84-426E-40dd-AFC4-6F175D3DCCD1}">
-              <a14:hiddenFill xmlns:a14="http://schemas.microsoft.com/office/drawing/2010/main" xmlns="">
+              <a14:hiddenFill xmlns="" xmlns:a14="http://schemas.microsoft.com/office/drawing/2010/main">
                 <a:solidFill>
                   <a:srgbClr val="FFFFFF"/>
                 </a:solidFill>
               </a14:hiddenFill>
             </a:ext>
             <a:ext uri="{91240B29-F687-4f45-9708-019B960494DF}">
-              <a14:hiddenLine xmlns:a14="http://schemas.microsoft.com/office/drawing/2010/main" xmlns="" w="9525" cap="flat">
+              <a14:hiddenLine xmlns="" xmlns:a14="http://schemas.microsoft.com/office/drawing/2010/main" w="9525" cap="flat">
                 <a:solidFill>
                   <a:srgbClr val="3465A4"/>
                 </a:solidFill>
@@ -30291,7 +30216,7 @@
               </a14:hiddenLine>
             </a:ext>
             <a:ext uri="{AF507438-7753-43e0-B8FC-AC1667EBCBE1}">
-              <a14:hiddenEffects xmlns:a14="http://schemas.microsoft.com/office/drawing/2010/main" xmlns="">
+              <a14:hiddenEffects xmlns="" xmlns:a14="http://schemas.microsoft.com/office/drawing/2010/main">
                 <a:effectLst>
                   <a:outerShdw blurRad="63500" dist="38099" dir="2700000" algn="ctr" rotWithShape="0">
                     <a:srgbClr val="000000">
@@ -30771,7 +30696,7 @@
   <p:timing>
     <p:tnLst>
       <p:par>
-        <p:cTn id="1" dur="indefinite" nodeType="tmRoot">
+        <p:cTn id="1" dur="indefinite" restart="never" nodeType="tmRoot">
           <p:childTnLst>
             <p:seq concurrent="1" nextAc="seek">
               <p:cTn id="2" dur="0" nodeType="mainSeq"/>
@@ -30848,14 +30773,14 @@
           <a:effectLst/>
           <a:extLst>
             <a:ext uri="{909E8E84-426E-40dd-AFC4-6F175D3DCCD1}">
-              <a14:hiddenFill xmlns:a14="http://schemas.microsoft.com/office/drawing/2010/main" xmlns="">
+              <a14:hiddenFill xmlns="" xmlns:a14="http://schemas.microsoft.com/office/drawing/2010/main">
                 <a:solidFill>
                   <a:srgbClr val="FFFFFF"/>
                 </a:solidFill>
               </a14:hiddenFill>
             </a:ext>
             <a:ext uri="{91240B29-F687-4f45-9708-019B960494DF}">
-              <a14:hiddenLine xmlns:a14="http://schemas.microsoft.com/office/drawing/2010/main" xmlns="" w="9525" cap="flat">
+              <a14:hiddenLine xmlns="" xmlns:a14="http://schemas.microsoft.com/office/drawing/2010/main" w="9525" cap="flat">
                 <a:solidFill>
                   <a:srgbClr val="3465A4"/>
                 </a:solidFill>
@@ -30865,7 +30790,7 @@
               </a14:hiddenLine>
             </a:ext>
             <a:ext uri="{AF507438-7753-43e0-B8FC-AC1667EBCBE1}">
-              <a14:hiddenEffects xmlns:a14="http://schemas.microsoft.com/office/drawing/2010/main" xmlns="">
+              <a14:hiddenEffects xmlns="" xmlns:a14="http://schemas.microsoft.com/office/drawing/2010/main">
                 <a:effectLst>
                   <a:outerShdw blurRad="63500" dist="38099" dir="2700000" algn="ctr" rotWithShape="0">
                     <a:srgbClr val="000000">
@@ -31251,9 +31176,6 @@
               </a:rPr>
               <a:t>How NTP Works</a:t>
             </a:r>
-            <a:endParaRPr lang="en-US" sz="4400" b="1" dirty="0" smtClean="0">
-              <a:latin typeface="Trebuchet MS" charset="0"/>
-            </a:endParaRPr>
           </a:p>
         </p:txBody>
       </p:sp>
@@ -31280,14 +31202,14 @@
           <a:effectLst/>
           <a:extLst>
             <a:ext uri="{909E8E84-426E-40dd-AFC4-6F175D3DCCD1}">
-              <a14:hiddenFill xmlns:a14="http://schemas.microsoft.com/office/drawing/2010/main" xmlns="">
+              <a14:hiddenFill xmlns="" xmlns:a14="http://schemas.microsoft.com/office/drawing/2010/main">
                 <a:solidFill>
                   <a:srgbClr val="FFFFFF"/>
                 </a:solidFill>
               </a14:hiddenFill>
             </a:ext>
             <a:ext uri="{91240B29-F687-4f45-9708-019B960494DF}">
-              <a14:hiddenLine xmlns:a14="http://schemas.microsoft.com/office/drawing/2010/main" xmlns="" w="9525" cap="flat">
+              <a14:hiddenLine xmlns="" xmlns:a14="http://schemas.microsoft.com/office/drawing/2010/main" w="9525" cap="flat">
                 <a:solidFill>
                   <a:srgbClr val="3465A4"/>
                 </a:solidFill>
@@ -31297,7 +31219,7 @@
               </a14:hiddenLine>
             </a:ext>
             <a:ext uri="{AF507438-7753-43e0-B8FC-AC1667EBCBE1}">
-              <a14:hiddenEffects xmlns:a14="http://schemas.microsoft.com/office/drawing/2010/main" xmlns="">
+              <a14:hiddenEffects xmlns="" xmlns:a14="http://schemas.microsoft.com/office/drawing/2010/main">
                 <a:effectLst>
                   <a:outerShdw blurRad="63500" dist="38099" dir="2700000" algn="ctr" rotWithShape="0">
                     <a:srgbClr val="000000">
@@ -31740,14 +31662,14 @@
           <a:effectLst/>
           <a:extLst>
             <a:ext uri="{909E8E84-426E-40dd-AFC4-6F175D3DCCD1}">
-              <a14:hiddenFill xmlns:a14="http://schemas.microsoft.com/office/drawing/2010/main" xmlns="">
+              <a14:hiddenFill xmlns="" xmlns:a14="http://schemas.microsoft.com/office/drawing/2010/main">
                 <a:solidFill>
                   <a:srgbClr val="FFFFFF"/>
                 </a:solidFill>
               </a14:hiddenFill>
             </a:ext>
             <a:ext uri="{91240B29-F687-4f45-9708-019B960494DF}">
-              <a14:hiddenLine xmlns:a14="http://schemas.microsoft.com/office/drawing/2010/main" xmlns="" w="9525" cap="flat">
+              <a14:hiddenLine xmlns="" xmlns:a14="http://schemas.microsoft.com/office/drawing/2010/main" w="9525" cap="flat">
                 <a:solidFill>
                   <a:srgbClr val="3465A4"/>
                 </a:solidFill>
@@ -31757,7 +31679,7 @@
               </a14:hiddenLine>
             </a:ext>
             <a:ext uri="{AF507438-7753-43e0-B8FC-AC1667EBCBE1}">
-              <a14:hiddenEffects xmlns:a14="http://schemas.microsoft.com/office/drawing/2010/main" xmlns="">
+              <a14:hiddenEffects xmlns="" xmlns:a14="http://schemas.microsoft.com/office/drawing/2010/main">
                 <a:effectLst>
                   <a:outerShdw blurRad="63500" dist="38099" dir="2700000" algn="ctr" rotWithShape="0">
                     <a:srgbClr val="000000">
@@ -32176,14 +32098,14 @@
           <a:effectLst/>
           <a:extLst>
             <a:ext uri="{909E8E84-426E-40dd-AFC4-6F175D3DCCD1}">
-              <a14:hiddenFill xmlns:a14="http://schemas.microsoft.com/office/drawing/2010/main" xmlns="">
+              <a14:hiddenFill xmlns="" xmlns:a14="http://schemas.microsoft.com/office/drawing/2010/main">
                 <a:solidFill>
                   <a:srgbClr val="FFFFFF"/>
                 </a:solidFill>
               </a14:hiddenFill>
             </a:ext>
             <a:ext uri="{91240B29-F687-4f45-9708-019B960494DF}">
-              <a14:hiddenLine xmlns:a14="http://schemas.microsoft.com/office/drawing/2010/main" xmlns="" w="9525" cap="flat">
+              <a14:hiddenLine xmlns="" xmlns:a14="http://schemas.microsoft.com/office/drawing/2010/main" w="9525" cap="flat">
                 <a:solidFill>
                   <a:srgbClr val="3465A4"/>
                 </a:solidFill>
@@ -32193,7 +32115,7 @@
               </a14:hiddenLine>
             </a:ext>
             <a:ext uri="{AF507438-7753-43e0-B8FC-AC1667EBCBE1}">
-              <a14:hiddenEffects xmlns:a14="http://schemas.microsoft.com/office/drawing/2010/main" xmlns="">
+              <a14:hiddenEffects xmlns="" xmlns:a14="http://schemas.microsoft.com/office/drawing/2010/main">
                 <a:effectLst>
                   <a:outerShdw blurRad="63500" dist="38099" dir="2700000" algn="ctr" rotWithShape="0">
                     <a:srgbClr val="000000">
@@ -32612,14 +32534,14 @@
           <a:effectLst/>
           <a:extLst>
             <a:ext uri="{909E8E84-426E-40dd-AFC4-6F175D3DCCD1}">
-              <a14:hiddenFill xmlns:a14="http://schemas.microsoft.com/office/drawing/2010/main" xmlns="">
+              <a14:hiddenFill xmlns="" xmlns:a14="http://schemas.microsoft.com/office/drawing/2010/main">
                 <a:solidFill>
                   <a:srgbClr val="FFFFFF"/>
                 </a:solidFill>
               </a14:hiddenFill>
             </a:ext>
             <a:ext uri="{91240B29-F687-4f45-9708-019B960494DF}">
-              <a14:hiddenLine xmlns:a14="http://schemas.microsoft.com/office/drawing/2010/main" xmlns="" w="9525" cap="flat">
+              <a14:hiddenLine xmlns="" xmlns:a14="http://schemas.microsoft.com/office/drawing/2010/main" w="9525" cap="flat">
                 <a:solidFill>
                   <a:srgbClr val="3465A4"/>
                 </a:solidFill>
@@ -32629,7 +32551,7 @@
               </a14:hiddenLine>
             </a:ext>
             <a:ext uri="{AF507438-7753-43e0-B8FC-AC1667EBCBE1}">
-              <a14:hiddenEffects xmlns:a14="http://schemas.microsoft.com/office/drawing/2010/main" xmlns="">
+              <a14:hiddenEffects xmlns="" xmlns:a14="http://schemas.microsoft.com/office/drawing/2010/main">
                 <a:effectLst>
                   <a:outerShdw blurRad="63500" dist="38099" dir="2700000" algn="ctr" rotWithShape="0">
                     <a:srgbClr val="000000">
@@ -33048,14 +32970,14 @@
           <a:effectLst/>
           <a:extLst>
             <a:ext uri="{909E8E84-426E-40dd-AFC4-6F175D3DCCD1}">
-              <a14:hiddenFill xmlns:a14="http://schemas.microsoft.com/office/drawing/2010/main" xmlns="">
+              <a14:hiddenFill xmlns="" xmlns:a14="http://schemas.microsoft.com/office/drawing/2010/main">
                 <a:solidFill>
                   <a:srgbClr val="FFFFFF"/>
                 </a:solidFill>
               </a14:hiddenFill>
             </a:ext>
             <a:ext uri="{91240B29-F687-4f45-9708-019B960494DF}">
-              <a14:hiddenLine xmlns:a14="http://schemas.microsoft.com/office/drawing/2010/main" xmlns="" w="9525" cap="flat">
+              <a14:hiddenLine xmlns="" xmlns:a14="http://schemas.microsoft.com/office/drawing/2010/main" w="9525" cap="flat">
                 <a:solidFill>
                   <a:srgbClr val="3465A4"/>
                 </a:solidFill>
@@ -33065,7 +32987,7 @@
               </a14:hiddenLine>
             </a:ext>
             <a:ext uri="{AF507438-7753-43e0-B8FC-AC1667EBCBE1}">
-              <a14:hiddenEffects xmlns:a14="http://schemas.microsoft.com/office/drawing/2010/main" xmlns="">
+              <a14:hiddenEffects xmlns="" xmlns:a14="http://schemas.microsoft.com/office/drawing/2010/main">
                 <a:effectLst>
                   <a:outerShdw blurRad="63500" dist="38099" dir="2700000" algn="ctr" rotWithShape="0">
                     <a:srgbClr val="000000">
@@ -33476,7 +33398,7 @@
   <p:timing>
     <p:tnLst>
       <p:par>
-        <p:cTn id="1" dur="indefinite" nodeType="tmRoot">
+        <p:cTn id="1" dur="indefinite" restart="never" nodeType="tmRoot">
           <p:childTnLst>
             <p:seq concurrent="1" nextAc="seek">
               <p:cTn id="2" dur="0" nodeType="mainSeq"/>
@@ -33559,7 +33481,7 @@
           <a:effectLst/>
           <a:extLst>
             <a:ext uri="{AF507438-7753-43e0-B8FC-AC1667EBCBE1}">
-              <a14:hiddenEffects xmlns:a14="http://schemas.microsoft.com/office/drawing/2010/main" xmlns="">
+              <a14:hiddenEffects xmlns="" xmlns:a14="http://schemas.microsoft.com/office/drawing/2010/main">
                 <a:effectLst>
                   <a:outerShdw blurRad="63500" dist="38099" dir="2700000" algn="ctr" rotWithShape="0">
                     <a:schemeClr val="bg2">
@@ -33635,14 +33557,14 @@
           <a:effectLst/>
           <a:extLst>
             <a:ext uri="{909E8E84-426E-40dd-AFC4-6F175D3DCCD1}">
-              <a14:hiddenFill xmlns:a14="http://schemas.microsoft.com/office/drawing/2010/main" xmlns="">
+              <a14:hiddenFill xmlns="" xmlns:a14="http://schemas.microsoft.com/office/drawing/2010/main">
                 <a:solidFill>
                   <a:srgbClr val="FFFFFF"/>
                 </a:solidFill>
               </a14:hiddenFill>
             </a:ext>
             <a:ext uri="{91240B29-F687-4f45-9708-019B960494DF}">
-              <a14:hiddenLine xmlns:a14="http://schemas.microsoft.com/office/drawing/2010/main" xmlns="" w="9525" cap="flat">
+              <a14:hiddenLine xmlns="" xmlns:a14="http://schemas.microsoft.com/office/drawing/2010/main" w="9525" cap="flat">
                 <a:solidFill>
                   <a:srgbClr val="3465A4"/>
                 </a:solidFill>
@@ -33652,7 +33574,7 @@
               </a14:hiddenLine>
             </a:ext>
             <a:ext uri="{AF507438-7753-43e0-B8FC-AC1667EBCBE1}">
-              <a14:hiddenEffects xmlns:a14="http://schemas.microsoft.com/office/drawing/2010/main" xmlns="">
+              <a14:hiddenEffects xmlns="" xmlns:a14="http://schemas.microsoft.com/office/drawing/2010/main">
                 <a:effectLst>
                   <a:outerShdw blurRad="63500" dist="38099" dir="2700000" algn="ctr" rotWithShape="0">
                     <a:srgbClr val="000000">
@@ -34038,9 +33960,6 @@
               </a:rPr>
               <a:t>Internal NTP Architecture</a:t>
             </a:r>
-            <a:endParaRPr lang="en-US" sz="4400" b="1" dirty="0" smtClean="0">
-              <a:latin typeface="Trebuchet MS" charset="0"/>
-            </a:endParaRPr>
           </a:p>
         </p:txBody>
       </p:sp>
@@ -34073,7 +33992,7 @@
           <a:effectLst/>
           <a:extLst>
             <a:ext uri="{AF507438-7753-43e0-B8FC-AC1667EBCBE1}">
-              <a14:hiddenEffects xmlns:a14="http://schemas.microsoft.com/office/drawing/2010/main" xmlns="">
+              <a14:hiddenEffects xmlns="" xmlns:a14="http://schemas.microsoft.com/office/drawing/2010/main">
                 <a:effectLst>
                   <a:outerShdw blurRad="63500" dist="38099" dir="2700000" algn="ctr" rotWithShape="0">
                     <a:schemeClr val="bg2">
@@ -34155,7 +34074,7 @@
           <a:effectLst/>
           <a:extLst>
             <a:ext uri="{AF507438-7753-43e0-B8FC-AC1667EBCBE1}">
-              <a14:hiddenEffects xmlns:a14="http://schemas.microsoft.com/office/drawing/2010/main" xmlns="">
+              <a14:hiddenEffects xmlns="" xmlns:a14="http://schemas.microsoft.com/office/drawing/2010/main">
                 <a:effectLst>
                   <a:outerShdw blurRad="63500" dist="38099" dir="2700000" algn="ctr" rotWithShape="0">
                     <a:schemeClr val="bg2">
@@ -34237,7 +34156,7 @@
           <a:effectLst/>
           <a:extLst>
             <a:ext uri="{AF507438-7753-43e0-B8FC-AC1667EBCBE1}">
-              <a14:hiddenEffects xmlns:a14="http://schemas.microsoft.com/office/drawing/2010/main" xmlns="">
+              <a14:hiddenEffects xmlns="" xmlns:a14="http://schemas.microsoft.com/office/drawing/2010/main">
                 <a:effectLst>
                   <a:outerShdw blurRad="63500" dist="38099" dir="2700000" algn="ctr" rotWithShape="0">
                     <a:schemeClr val="bg2">
@@ -34319,7 +34238,7 @@
           <a:effectLst/>
           <a:extLst>
             <a:ext uri="{AF507438-7753-43e0-B8FC-AC1667EBCBE1}">
-              <a14:hiddenEffects xmlns:a14="http://schemas.microsoft.com/office/drawing/2010/main" xmlns="">
+              <a14:hiddenEffects xmlns="" xmlns:a14="http://schemas.microsoft.com/office/drawing/2010/main">
                 <a:effectLst>
                   <a:outerShdw blurRad="63500" dist="38099" dir="2700000" algn="ctr" rotWithShape="0">
                     <a:schemeClr val="bg2">
@@ -34401,7 +34320,7 @@
           <a:effectLst/>
           <a:extLst>
             <a:ext uri="{AF507438-7753-43e0-B8FC-AC1667EBCBE1}">
-              <a14:hiddenEffects xmlns:a14="http://schemas.microsoft.com/office/drawing/2010/main" xmlns="">
+              <a14:hiddenEffects xmlns="" xmlns:a14="http://schemas.microsoft.com/office/drawing/2010/main">
                 <a:effectLst>
                   <a:outerShdw blurRad="63500" dist="38099" dir="2700000" algn="ctr" rotWithShape="0">
                     <a:schemeClr val="bg2">
@@ -34483,7 +34402,7 @@
           <a:effectLst/>
           <a:extLst>
             <a:ext uri="{AF507438-7753-43e0-B8FC-AC1667EBCBE1}">
-              <a14:hiddenEffects xmlns:a14="http://schemas.microsoft.com/office/drawing/2010/main" xmlns="">
+              <a14:hiddenEffects xmlns="" xmlns:a14="http://schemas.microsoft.com/office/drawing/2010/main">
                 <a:effectLst>
                   <a:outerShdw blurRad="63500" dist="38099" dir="2700000" algn="ctr" rotWithShape="0">
                     <a:schemeClr val="bg2">
@@ -34565,7 +34484,7 @@
           <a:effectLst/>
           <a:extLst>
             <a:ext uri="{AF507438-7753-43e0-B8FC-AC1667EBCBE1}">
-              <a14:hiddenEffects xmlns:a14="http://schemas.microsoft.com/office/drawing/2010/main" xmlns="">
+              <a14:hiddenEffects xmlns="" xmlns:a14="http://schemas.microsoft.com/office/drawing/2010/main">
                 <a:effectLst>
                   <a:outerShdw blurRad="63500" dist="38099" dir="2700000" algn="ctr" rotWithShape="0">
                     <a:schemeClr val="bg2">
@@ -34607,7 +34526,7 @@
           <a:effectLst/>
           <a:extLst>
             <a:ext uri="{AF507438-7753-43e0-B8FC-AC1667EBCBE1}">
-              <a14:hiddenEffects xmlns:a14="http://schemas.microsoft.com/office/drawing/2010/main" xmlns="">
+              <a14:hiddenEffects xmlns="" xmlns:a14="http://schemas.microsoft.com/office/drawing/2010/main">
                 <a:effectLst>
                   <a:outerShdw blurRad="63500" dist="38099" dir="2700000" algn="ctr" rotWithShape="0">
                     <a:schemeClr val="bg2">
@@ -34649,7 +34568,7 @@
           <a:effectLst/>
           <a:extLst>
             <a:ext uri="{AF507438-7753-43e0-B8FC-AC1667EBCBE1}">
-              <a14:hiddenEffects xmlns:a14="http://schemas.microsoft.com/office/drawing/2010/main" xmlns="">
+              <a14:hiddenEffects xmlns="" xmlns:a14="http://schemas.microsoft.com/office/drawing/2010/main">
                 <a:effectLst>
                   <a:outerShdw blurRad="63500" dist="38099" dir="2700000" algn="ctr" rotWithShape="0">
                     <a:schemeClr val="bg2">
@@ -34691,7 +34610,7 @@
           <a:effectLst/>
           <a:extLst>
             <a:ext uri="{AF507438-7753-43e0-B8FC-AC1667EBCBE1}">
-              <a14:hiddenEffects xmlns:a14="http://schemas.microsoft.com/office/drawing/2010/main" xmlns="">
+              <a14:hiddenEffects xmlns="" xmlns:a14="http://schemas.microsoft.com/office/drawing/2010/main">
                 <a:effectLst>
                   <a:outerShdw blurRad="63500" dist="38099" dir="2700000" algn="ctr" rotWithShape="0">
                     <a:schemeClr val="bg2">
@@ -34733,7 +34652,7 @@
           <a:effectLst/>
           <a:extLst>
             <a:ext uri="{AF507438-7753-43e0-B8FC-AC1667EBCBE1}">
-              <a14:hiddenEffects xmlns:a14="http://schemas.microsoft.com/office/drawing/2010/main" xmlns="">
+              <a14:hiddenEffects xmlns="" xmlns:a14="http://schemas.microsoft.com/office/drawing/2010/main">
                 <a:effectLst>
                   <a:outerShdw blurRad="63500" dist="38099" dir="2700000" algn="ctr" rotWithShape="0">
                     <a:schemeClr val="bg2">
@@ -34775,7 +34694,7 @@
           <a:effectLst/>
           <a:extLst>
             <a:ext uri="{AF507438-7753-43e0-B8FC-AC1667EBCBE1}">
-              <a14:hiddenEffects xmlns:a14="http://schemas.microsoft.com/office/drawing/2010/main" xmlns="">
+              <a14:hiddenEffects xmlns="" xmlns:a14="http://schemas.microsoft.com/office/drawing/2010/main">
                 <a:effectLst>
                   <a:outerShdw blurRad="63500" dist="38099" dir="2700000" algn="ctr" rotWithShape="0">
                     <a:schemeClr val="bg2">
@@ -34969,7 +34888,7 @@
           <a:effectLst/>
           <a:extLst>
             <a:ext uri="{AF507438-7753-43e0-B8FC-AC1667EBCBE1}">
-              <a14:hiddenEffects xmlns:a14="http://schemas.microsoft.com/office/drawing/2010/main" xmlns="">
+              <a14:hiddenEffects xmlns="" xmlns:a14="http://schemas.microsoft.com/office/drawing/2010/main">
                 <a:effectLst>
                   <a:outerShdw blurRad="63500" dist="38099" dir="2700000" algn="ctr" rotWithShape="0">
                     <a:schemeClr val="bg2">
@@ -35051,7 +34970,7 @@
           <a:effectLst/>
           <a:extLst>
             <a:ext uri="{AF507438-7753-43e0-B8FC-AC1667EBCBE1}">
-              <a14:hiddenEffects xmlns:a14="http://schemas.microsoft.com/office/drawing/2010/main" xmlns="">
+              <a14:hiddenEffects xmlns="" xmlns:a14="http://schemas.microsoft.com/office/drawing/2010/main">
                 <a:effectLst>
                   <a:outerShdw blurRad="63500" dist="38099" dir="2700000" algn="ctr" rotWithShape="0">
                     <a:schemeClr val="bg2">
@@ -35133,7 +35052,7 @@
           <a:effectLst/>
           <a:extLst>
             <a:ext uri="{AF507438-7753-43e0-B8FC-AC1667EBCBE1}">
-              <a14:hiddenEffects xmlns:a14="http://schemas.microsoft.com/office/drawing/2010/main" xmlns="">
+              <a14:hiddenEffects xmlns="" xmlns:a14="http://schemas.microsoft.com/office/drawing/2010/main">
                 <a:effectLst>
                   <a:outerShdw blurRad="63500" dist="38099" dir="2700000" algn="ctr" rotWithShape="0">
                     <a:schemeClr val="bg2">
@@ -35215,7 +35134,7 @@
           <a:effectLst/>
           <a:extLst>
             <a:ext uri="{AF507438-7753-43e0-B8FC-AC1667EBCBE1}">
-              <a14:hiddenEffects xmlns:a14="http://schemas.microsoft.com/office/drawing/2010/main" xmlns="">
+              <a14:hiddenEffects xmlns="" xmlns:a14="http://schemas.microsoft.com/office/drawing/2010/main">
                 <a:effectLst>
                   <a:outerShdw blurRad="63500" dist="38099" dir="2700000" algn="ctr" rotWithShape="0">
                     <a:schemeClr val="bg2">
@@ -35297,7 +35216,7 @@
           <a:effectLst/>
           <a:extLst>
             <a:ext uri="{AF507438-7753-43e0-B8FC-AC1667EBCBE1}">
-              <a14:hiddenEffects xmlns:a14="http://schemas.microsoft.com/office/drawing/2010/main" xmlns="">
+              <a14:hiddenEffects xmlns="" xmlns:a14="http://schemas.microsoft.com/office/drawing/2010/main">
                 <a:effectLst>
                   <a:outerShdw blurRad="63500" dist="38099" dir="2700000" algn="ctr" rotWithShape="0">
                     <a:schemeClr val="bg2">
@@ -35379,7 +35298,7 @@
           <a:effectLst/>
           <a:extLst>
             <a:ext uri="{AF507438-7753-43e0-B8FC-AC1667EBCBE1}">
-              <a14:hiddenEffects xmlns:a14="http://schemas.microsoft.com/office/drawing/2010/main" xmlns="">
+              <a14:hiddenEffects xmlns="" xmlns:a14="http://schemas.microsoft.com/office/drawing/2010/main">
                 <a:effectLst>
                   <a:outerShdw blurRad="63500" dist="38099" dir="2700000" algn="ctr" rotWithShape="0">
                     <a:schemeClr val="bg2">
@@ -35461,7 +35380,7 @@
           <a:effectLst/>
           <a:extLst>
             <a:ext uri="{AF507438-7753-43e0-B8FC-AC1667EBCBE1}">
-              <a14:hiddenEffects xmlns:a14="http://schemas.microsoft.com/office/drawing/2010/main" xmlns="">
+              <a14:hiddenEffects xmlns="" xmlns:a14="http://schemas.microsoft.com/office/drawing/2010/main">
                 <a:effectLst>
                   <a:outerShdw blurRad="63500" dist="38099" dir="2700000" algn="ctr" rotWithShape="0">
                     <a:schemeClr val="bg2">
@@ -35503,7 +35422,7 @@
           <a:effectLst/>
           <a:extLst>
             <a:ext uri="{AF507438-7753-43e0-B8FC-AC1667EBCBE1}">
-              <a14:hiddenEffects xmlns:a14="http://schemas.microsoft.com/office/drawing/2010/main" xmlns="">
+              <a14:hiddenEffects xmlns="" xmlns:a14="http://schemas.microsoft.com/office/drawing/2010/main">
                 <a:effectLst>
                   <a:outerShdw blurRad="63500" dist="38099" dir="2700000" algn="ctr" rotWithShape="0">
                     <a:schemeClr val="bg2">
@@ -35545,7 +35464,7 @@
           <a:effectLst/>
           <a:extLst>
             <a:ext uri="{AF507438-7753-43e0-B8FC-AC1667EBCBE1}">
-              <a14:hiddenEffects xmlns:a14="http://schemas.microsoft.com/office/drawing/2010/main" xmlns="">
+              <a14:hiddenEffects xmlns="" xmlns:a14="http://schemas.microsoft.com/office/drawing/2010/main">
                 <a:effectLst>
                   <a:outerShdw blurRad="63500" dist="38099" dir="2700000" algn="ctr" rotWithShape="0">
                     <a:schemeClr val="bg2">
@@ -35587,7 +35506,7 @@
           <a:effectLst/>
           <a:extLst>
             <a:ext uri="{AF507438-7753-43e0-B8FC-AC1667EBCBE1}">
-              <a14:hiddenEffects xmlns:a14="http://schemas.microsoft.com/office/drawing/2010/main" xmlns="">
+              <a14:hiddenEffects xmlns="" xmlns:a14="http://schemas.microsoft.com/office/drawing/2010/main">
                 <a:effectLst>
                   <a:outerShdw blurRad="63500" dist="38099" dir="2700000" algn="ctr" rotWithShape="0">
                     <a:schemeClr val="bg2">
@@ -35629,7 +35548,7 @@
           <a:effectLst/>
           <a:extLst>
             <a:ext uri="{AF507438-7753-43e0-B8FC-AC1667EBCBE1}">
-              <a14:hiddenEffects xmlns:a14="http://schemas.microsoft.com/office/drawing/2010/main" xmlns="">
+              <a14:hiddenEffects xmlns="" xmlns:a14="http://schemas.microsoft.com/office/drawing/2010/main">
                 <a:effectLst>
                   <a:outerShdw blurRad="63500" dist="38099" dir="2700000" algn="ctr" rotWithShape="0">
                     <a:schemeClr val="bg2">
@@ -35671,7 +35590,7 @@
           <a:effectLst/>
           <a:extLst>
             <a:ext uri="{AF507438-7753-43e0-B8FC-AC1667EBCBE1}">
-              <a14:hiddenEffects xmlns:a14="http://schemas.microsoft.com/office/drawing/2010/main" xmlns="">
+              <a14:hiddenEffects xmlns="" xmlns:a14="http://schemas.microsoft.com/office/drawing/2010/main">
                 <a:effectLst>
                   <a:outerShdw blurRad="63500" dist="38099" dir="2700000" algn="ctr" rotWithShape="0">
                     <a:schemeClr val="bg2">
@@ -35713,7 +35632,7 @@
           <a:effectLst/>
           <a:extLst>
             <a:ext uri="{AF507438-7753-43e0-B8FC-AC1667EBCBE1}">
-              <a14:hiddenEffects xmlns:a14="http://schemas.microsoft.com/office/drawing/2010/main" xmlns="">
+              <a14:hiddenEffects xmlns="" xmlns:a14="http://schemas.microsoft.com/office/drawing/2010/main">
                 <a:effectLst>
                   <a:outerShdw blurRad="63500" dist="38099" dir="2700000" algn="ctr" rotWithShape="0">
                     <a:schemeClr val="bg2">
@@ -35831,7 +35750,7 @@
           <a:effectLst/>
           <a:extLst>
             <a:ext uri="{AF507438-7753-43e0-B8FC-AC1667EBCBE1}">
-              <a14:hiddenEffects xmlns:a14="http://schemas.microsoft.com/office/drawing/2010/main" xmlns="">
+              <a14:hiddenEffects xmlns="" xmlns:a14="http://schemas.microsoft.com/office/drawing/2010/main">
                 <a:effectLst>
                   <a:outerShdw blurRad="63500" dist="38099" dir="2700000" algn="ctr" rotWithShape="0">
                     <a:schemeClr val="bg2">
@@ -35873,7 +35792,7 @@
           <a:effectLst/>
           <a:extLst>
             <a:ext uri="{AF507438-7753-43e0-B8FC-AC1667EBCBE1}">
-              <a14:hiddenEffects xmlns:a14="http://schemas.microsoft.com/office/drawing/2010/main" xmlns="">
+              <a14:hiddenEffects xmlns="" xmlns:a14="http://schemas.microsoft.com/office/drawing/2010/main">
                 <a:effectLst>
                   <a:outerShdw blurRad="63500" dist="38099" dir="2700000" algn="ctr" rotWithShape="0">
                     <a:schemeClr val="bg2">
@@ -35915,7 +35834,7 @@
           <a:effectLst/>
           <a:extLst>
             <a:ext uri="{AF507438-7753-43e0-B8FC-AC1667EBCBE1}">
-              <a14:hiddenEffects xmlns:a14="http://schemas.microsoft.com/office/drawing/2010/main" xmlns="">
+              <a14:hiddenEffects xmlns="" xmlns:a14="http://schemas.microsoft.com/office/drawing/2010/main">
                 <a:effectLst>
                   <a:outerShdw blurRad="63500" dist="38099" dir="2700000" algn="ctr" rotWithShape="0">
                     <a:schemeClr val="bg2">
@@ -35998,7 +35917,7 @@
           <a:effectLst/>
           <a:extLst>
             <a:ext uri="{AF507438-7753-43e0-B8FC-AC1667EBCBE1}">
-              <a14:hiddenEffects xmlns:a14="http://schemas.microsoft.com/office/drawing/2010/main" xmlns="">
+              <a14:hiddenEffects xmlns="" xmlns:a14="http://schemas.microsoft.com/office/drawing/2010/main">
                 <a:effectLst>
                   <a:outerShdw blurRad="63500" dist="38099" dir="2700000" algn="ctr" rotWithShape="0">
                     <a:schemeClr val="bg2">
@@ -36043,7 +35962,7 @@
           <a:effectLst/>
           <a:extLst>
             <a:ext uri="{AF507438-7753-43e0-B8FC-AC1667EBCBE1}">
-              <a14:hiddenEffects xmlns:a14="http://schemas.microsoft.com/office/drawing/2010/main" xmlns="">
+              <a14:hiddenEffects xmlns="" xmlns:a14="http://schemas.microsoft.com/office/drawing/2010/main">
                 <a:effectLst>
                   <a:outerShdw blurRad="63500" dist="38099" dir="2700000" algn="ctr" rotWithShape="0">
                     <a:schemeClr val="bg2">
@@ -36065,7 +35984,7 @@
   <p:timing>
     <p:tnLst>
       <p:par>
-        <p:cTn id="1" dur="indefinite" nodeType="tmRoot">
+        <p:cTn id="1" dur="indefinite" restart="never" nodeType="tmRoot">
           <p:childTnLst>
             <p:seq concurrent="1" nextAc="seek">
               <p:cTn id="2" dur="0" nodeType="mainSeq"/>
@@ -36142,14 +36061,14 @@
           <a:effectLst/>
           <a:extLst>
             <a:ext uri="{909E8E84-426E-40dd-AFC4-6F175D3DCCD1}">
-              <a14:hiddenFill xmlns:a14="http://schemas.microsoft.com/office/drawing/2010/main" xmlns="">
+              <a14:hiddenFill xmlns="" xmlns:a14="http://schemas.microsoft.com/office/drawing/2010/main">
                 <a:solidFill>
                   <a:srgbClr val="FFFFFF"/>
                 </a:solidFill>
               </a14:hiddenFill>
             </a:ext>
             <a:ext uri="{91240B29-F687-4f45-9708-019B960494DF}">
-              <a14:hiddenLine xmlns:a14="http://schemas.microsoft.com/office/drawing/2010/main" xmlns="" w="9525" cap="flat">
+              <a14:hiddenLine xmlns="" xmlns:a14="http://schemas.microsoft.com/office/drawing/2010/main" w="9525" cap="flat">
                 <a:solidFill>
                   <a:srgbClr val="3465A4"/>
                 </a:solidFill>
@@ -36159,7 +36078,7 @@
               </a14:hiddenLine>
             </a:ext>
             <a:ext uri="{AF507438-7753-43e0-B8FC-AC1667EBCBE1}">
-              <a14:hiddenEffects xmlns:a14="http://schemas.microsoft.com/office/drawing/2010/main" xmlns="">
+              <a14:hiddenEffects xmlns="" xmlns:a14="http://schemas.microsoft.com/office/drawing/2010/main">
                 <a:effectLst>
                   <a:outerShdw blurRad="63500" dist="38099" dir="2700000" algn="ctr" rotWithShape="0">
                     <a:srgbClr val="000000">
@@ -36545,9 +36464,6 @@
               </a:rPr>
               <a:t>Step 1: Installation of NTP Server</a:t>
             </a:r>
-            <a:endParaRPr lang="en-US" sz="4400" b="1" dirty="0" smtClean="0">
-              <a:latin typeface="Trebuchet MS" charset="0"/>
-            </a:endParaRPr>
           </a:p>
         </p:txBody>
       </p:sp>
@@ -36574,14 +36490,14 @@
           <a:effectLst/>
           <a:extLst>
             <a:ext uri="{909E8E84-426E-40dd-AFC4-6F175D3DCCD1}">
-              <a14:hiddenFill xmlns:a14="http://schemas.microsoft.com/office/drawing/2010/main" xmlns="">
+              <a14:hiddenFill xmlns="" xmlns:a14="http://schemas.microsoft.com/office/drawing/2010/main">
                 <a:solidFill>
                   <a:srgbClr val="FFFFFF"/>
                 </a:solidFill>
               </a14:hiddenFill>
             </a:ext>
             <a:ext uri="{91240B29-F687-4f45-9708-019B960494DF}">
-              <a14:hiddenLine xmlns:a14="http://schemas.microsoft.com/office/drawing/2010/main" xmlns="" w="9525" cap="flat">
+              <a14:hiddenLine xmlns="" xmlns:a14="http://schemas.microsoft.com/office/drawing/2010/main" w="9525" cap="flat">
                 <a:solidFill>
                   <a:srgbClr val="3465A4"/>
                 </a:solidFill>
@@ -36591,7 +36507,7 @@
               </a14:hiddenLine>
             </a:ext>
             <a:ext uri="{AF507438-7753-43e0-B8FC-AC1667EBCBE1}">
-              <a14:hiddenEffects xmlns:a14="http://schemas.microsoft.com/office/drawing/2010/main" xmlns="">
+              <a14:hiddenEffects xmlns="" xmlns:a14="http://schemas.microsoft.com/office/drawing/2010/main">
                 <a:effectLst>
                   <a:outerShdw blurRad="63500" dist="38099" dir="2700000" algn="ctr" rotWithShape="0">
                     <a:srgbClr val="000000">
@@ -37483,14 +37399,6 @@
               </a:rPr>
               <a:t> 0.pool.ntp.org</a:t>
             </a:r>
-            <a:endParaRPr lang="en-US" dirty="0" smtClean="0">
-              <a:solidFill>
-                <a:schemeClr val="tx1"/>
-              </a:solidFill>
-              <a:latin typeface="Courier" charset="0"/>
-              <a:ea typeface="Courier" charset="0"/>
-              <a:cs typeface="Courier" charset="0"/>
-            </a:endParaRPr>
           </a:p>
         </p:txBody>
       </p:sp>
@@ -37503,7 +37411,7 @@
   <p:timing>
     <p:tnLst>
       <p:par>
-        <p:cTn id="1" dur="indefinite" nodeType="tmRoot">
+        <p:cTn id="1" dur="indefinite" restart="never" nodeType="tmRoot">
           <p:childTnLst>
             <p:seq concurrent="1" nextAc="seek">
               <p:cTn id="2" dur="0" nodeType="mainSeq"/>
@@ -37580,14 +37488,14 @@
           <a:effectLst/>
           <a:extLst>
             <a:ext uri="{909E8E84-426E-40dd-AFC4-6F175D3DCCD1}">
-              <a14:hiddenFill xmlns:a14="http://schemas.microsoft.com/office/drawing/2010/main" xmlns="">
+              <a14:hiddenFill xmlns="" xmlns:a14="http://schemas.microsoft.com/office/drawing/2010/main">
                 <a:solidFill>
                   <a:srgbClr val="FFFFFF"/>
                 </a:solidFill>
               </a14:hiddenFill>
             </a:ext>
             <a:ext uri="{91240B29-F687-4f45-9708-019B960494DF}">
-              <a14:hiddenLine xmlns:a14="http://schemas.microsoft.com/office/drawing/2010/main" xmlns="" w="9525" cap="flat">
+              <a14:hiddenLine xmlns="" xmlns:a14="http://schemas.microsoft.com/office/drawing/2010/main" w="9525" cap="flat">
                 <a:solidFill>
                   <a:srgbClr val="3465A4"/>
                 </a:solidFill>
@@ -37597,7 +37505,7 @@
               </a14:hiddenLine>
             </a:ext>
             <a:ext uri="{AF507438-7753-43e0-B8FC-AC1667EBCBE1}">
-              <a14:hiddenEffects xmlns:a14="http://schemas.microsoft.com/office/drawing/2010/main" xmlns="">
+              <a14:hiddenEffects xmlns="" xmlns:a14="http://schemas.microsoft.com/office/drawing/2010/main">
                 <a:effectLst>
                   <a:outerShdw blurRad="63500" dist="38099" dir="2700000" algn="ctr" rotWithShape="0">
                     <a:srgbClr val="000000">
@@ -37983,9 +37891,6 @@
               </a:rPr>
               <a:t>Step 2: NTP Server Configuration </a:t>
             </a:r>
-            <a:endParaRPr lang="en-US" sz="4400" b="1" dirty="0" smtClean="0">
-              <a:latin typeface="Trebuchet MS" charset="0"/>
-            </a:endParaRPr>
           </a:p>
         </p:txBody>
       </p:sp>
@@ -38012,14 +37917,14 @@
           <a:effectLst/>
           <a:extLst>
             <a:ext uri="{909E8E84-426E-40dd-AFC4-6F175D3DCCD1}">
-              <a14:hiddenFill xmlns:a14="http://schemas.microsoft.com/office/drawing/2010/main" xmlns="">
+              <a14:hiddenFill xmlns="" xmlns:a14="http://schemas.microsoft.com/office/drawing/2010/main">
                 <a:solidFill>
                   <a:srgbClr val="FFFFFF"/>
                 </a:solidFill>
               </a14:hiddenFill>
             </a:ext>
             <a:ext uri="{91240B29-F687-4f45-9708-019B960494DF}">
-              <a14:hiddenLine xmlns:a14="http://schemas.microsoft.com/office/drawing/2010/main" xmlns="" w="9525" cap="flat">
+              <a14:hiddenLine xmlns="" xmlns:a14="http://schemas.microsoft.com/office/drawing/2010/main" w="9525" cap="flat">
                 <a:solidFill>
                   <a:srgbClr val="3465A4"/>
                 </a:solidFill>
@@ -38029,7 +37934,7 @@
               </a14:hiddenLine>
             </a:ext>
             <a:ext uri="{AF507438-7753-43e0-B8FC-AC1667EBCBE1}">
-              <a14:hiddenEffects xmlns:a14="http://schemas.microsoft.com/office/drawing/2010/main" xmlns="">
+              <a14:hiddenEffects xmlns="" xmlns:a14="http://schemas.microsoft.com/office/drawing/2010/main">
                 <a:effectLst>
                   <a:outerShdw blurRad="63500" dist="38099" dir="2700000" algn="ctr" rotWithShape="0">
                     <a:srgbClr val="000000">
@@ -38673,7 +38578,7 @@
   <p:timing>
     <p:tnLst>
       <p:par>
-        <p:cTn id="1" dur="indefinite" nodeType="tmRoot">
+        <p:cTn id="1" dur="indefinite" restart="never" nodeType="tmRoot">
           <p:childTnLst>
             <p:seq concurrent="1" nextAc="seek">
               <p:cTn id="2" dur="0" nodeType="mainSeq"/>
@@ -38946,7 +38851,7 @@
         <a:effectLst/>
         <a:extLst>
           <a:ext uri="{AF507438-7753-43e0-B8FC-AC1667EBCBE1}">
-            <a14:hiddenEffects xmlns:a14="http://schemas.microsoft.com/office/drawing/2010/main" xmlns="">
+            <a14:hiddenEffects xmlns="" xmlns:a14="http://schemas.microsoft.com/office/drawing/2010/main">
               <a:effectLst>
                 <a:outerShdw blurRad="63500" dist="38099" dir="2700000" algn="ctr" rotWithShape="0">
                   <a:schemeClr val="bg2">
@@ -39025,7 +38930,7 @@
         <a:effectLst/>
         <a:extLst>
           <a:ext uri="{AF507438-7753-43e0-B8FC-AC1667EBCBE1}">
-            <a14:hiddenEffects xmlns:a14="http://schemas.microsoft.com/office/drawing/2010/main" xmlns="">
+            <a14:hiddenEffects xmlns="" xmlns:a14="http://schemas.microsoft.com/office/drawing/2010/main">
               <a:effectLst>
                 <a:outerShdw blurRad="63500" dist="38099" dir="2700000" algn="ctr" rotWithShape="0">
                   <a:schemeClr val="bg2">

--- a/ntp/ntp-service.pptx
+++ b/ntp/ntp-service.pptx
@@ -278,7 +278,7 @@
           <a:effectLst/>
           <a:extLst>
             <a:ext uri="{91240B29-F687-4f45-9708-019B960494DF}">
-              <a14:hiddenLine xmlns="" xmlns:a14="http://schemas.microsoft.com/office/drawing/2010/main" w="9360" cap="sq">
+              <a14:hiddenLine xmlns:a14="http://schemas.microsoft.com/office/drawing/2010/main" xmlns="" w="9360" cap="sq">
                 <a:solidFill>
                   <a:srgbClr val="000000"/>
                 </a:solidFill>
@@ -288,7 +288,7 @@
               </a14:hiddenLine>
             </a:ext>
             <a:ext uri="{AF507438-7753-43e0-B8FC-AC1667EBCBE1}">
-              <a14:hiddenEffects xmlns="" xmlns:a14="http://schemas.microsoft.com/office/drawing/2010/main">
+              <a14:hiddenEffects xmlns:a14="http://schemas.microsoft.com/office/drawing/2010/main" xmlns="">
                 <a:effectLst>
                   <a:outerShdw blurRad="63500" dist="38099" dir="2700000" algn="ctr" rotWithShape="0">
                     <a:srgbClr val="000000">
@@ -341,7 +341,7 @@
           <a:effectLst/>
           <a:extLst>
             <a:ext uri="{91240B29-F687-4f45-9708-019B960494DF}">
-              <a14:hiddenLine xmlns="" xmlns:a14="http://schemas.microsoft.com/office/drawing/2010/main" w="9525" cap="flat">
+              <a14:hiddenLine xmlns:a14="http://schemas.microsoft.com/office/drawing/2010/main" xmlns="" w="9525" cap="flat">
                 <a:solidFill>
                   <a:srgbClr val="3465A4"/>
                 </a:solidFill>
@@ -351,7 +351,7 @@
               </a14:hiddenLine>
             </a:ext>
             <a:ext uri="{AF507438-7753-43e0-B8FC-AC1667EBCBE1}">
-              <a14:hiddenEffects xmlns="" xmlns:a14="http://schemas.microsoft.com/office/drawing/2010/main">
+              <a14:hiddenEffects xmlns:a14="http://schemas.microsoft.com/office/drawing/2010/main" xmlns="">
                 <a:effectLst>
                   <a:outerShdw blurRad="63500" dist="38099" dir="2700000" algn="ctr" rotWithShape="0">
                     <a:srgbClr val="000000">
@@ -402,17 +402,17 @@
           <a:effectLst/>
           <a:extLst>
             <a:ext uri="{FAA26D3D-D897-4be2-8F04-BA451C77F1D7}">
-              <ma14:placeholderFlag xmlns:ma14="http://schemas.microsoft.com/office/mac/drawingml/2011/main" val="1"/>
+              <ma14:placeholderFlag xmlns:ma14="http://schemas.microsoft.com/office/mac/drawingml/2011/main" xmlns="" val="1"/>
             </a:ext>
             <a:ext uri="{909E8E84-426E-40dd-AFC4-6F175D3DCCD1}">
-              <a14:hiddenFill xmlns="" xmlns:a14="http://schemas.microsoft.com/office/drawing/2010/main">
+              <a14:hiddenFill xmlns:a14="http://schemas.microsoft.com/office/drawing/2010/main" xmlns="">
                 <a:solidFill>
                   <a:srgbClr val="FFFFFF"/>
                 </a:solidFill>
               </a14:hiddenFill>
             </a:ext>
             <a:ext uri="{91240B29-F687-4f45-9708-019B960494DF}">
-              <a14:hiddenLine xmlns="" xmlns:a14="http://schemas.microsoft.com/office/drawing/2010/main" w="9525" cap="flat">
+              <a14:hiddenLine xmlns:a14="http://schemas.microsoft.com/office/drawing/2010/main" xmlns="" w="9525" cap="flat">
                 <a:solidFill>
                   <a:srgbClr val="3465A4"/>
                 </a:solidFill>
@@ -422,7 +422,7 @@
               </a14:hiddenLine>
             </a:ext>
             <a:ext uri="{AF507438-7753-43e0-B8FC-AC1667EBCBE1}">
-              <a14:hiddenEffects xmlns="" xmlns:a14="http://schemas.microsoft.com/office/drawing/2010/main">
+              <a14:hiddenEffects xmlns:a14="http://schemas.microsoft.com/office/drawing/2010/main" xmlns="">
                 <a:effectLst>
                   <a:outerShdw blurRad="63500" dist="38099" dir="2700000" algn="ctr" rotWithShape="0">
                     <a:schemeClr val="bg2">
@@ -460,17 +460,17 @@
           <a:effectLst/>
           <a:extLst>
             <a:ext uri="{FAA26D3D-D897-4be2-8F04-BA451C77F1D7}">
-              <ma14:placeholderFlag xmlns:ma14="http://schemas.microsoft.com/office/mac/drawingml/2011/main" val="1"/>
+              <ma14:placeholderFlag xmlns:ma14="http://schemas.microsoft.com/office/mac/drawingml/2011/main" xmlns="" val="1"/>
             </a:ext>
             <a:ext uri="{909E8E84-426E-40dd-AFC4-6F175D3DCCD1}">
-              <a14:hiddenFill xmlns="" xmlns:a14="http://schemas.microsoft.com/office/drawing/2010/main">
+              <a14:hiddenFill xmlns:a14="http://schemas.microsoft.com/office/drawing/2010/main" xmlns="">
                 <a:solidFill>
                   <a:srgbClr val="FFFFFF"/>
                 </a:solidFill>
               </a14:hiddenFill>
             </a:ext>
             <a:ext uri="{91240B29-F687-4f45-9708-019B960494DF}">
-              <a14:hiddenLine xmlns="" xmlns:a14="http://schemas.microsoft.com/office/drawing/2010/main" w="9525" cap="flat">
+              <a14:hiddenLine xmlns:a14="http://schemas.microsoft.com/office/drawing/2010/main" xmlns="" w="9525" cap="flat">
                 <a:solidFill>
                   <a:srgbClr val="3465A4"/>
                 </a:solidFill>
@@ -480,7 +480,7 @@
               </a14:hiddenLine>
             </a:ext>
             <a:ext uri="{AF507438-7753-43e0-B8FC-AC1667EBCBE1}">
-              <a14:hiddenEffects xmlns="" xmlns:a14="http://schemas.microsoft.com/office/drawing/2010/main">
+              <a14:hiddenEffects xmlns:a14="http://schemas.microsoft.com/office/drawing/2010/main" xmlns="">
                 <a:effectLst>
                   <a:outerShdw blurRad="63500" dist="38099" dir="2700000" algn="ctr" rotWithShape="0">
                     <a:schemeClr val="bg2">
@@ -501,7 +501,7 @@
           <a:lstStyle/>
           <a:p>
             <a:pPr lvl="0"/>
-            <a:endParaRPr lang="en-US" noProof="0" smtClean="0"/>
+            <a:endParaRPr lang="en-US" noProof="0"/>
           </a:p>
         </p:txBody>
       </p:sp>
@@ -528,14 +528,14 @@
           <a:effectLst/>
           <a:extLst>
             <a:ext uri="{909E8E84-426E-40dd-AFC4-6F175D3DCCD1}">
-              <a14:hiddenFill xmlns="" xmlns:a14="http://schemas.microsoft.com/office/drawing/2010/main">
+              <a14:hiddenFill xmlns:a14="http://schemas.microsoft.com/office/drawing/2010/main" xmlns="">
                 <a:solidFill>
                   <a:srgbClr val="FFFFFF"/>
                 </a:solidFill>
               </a14:hiddenFill>
             </a:ext>
             <a:ext uri="{91240B29-F687-4f45-9708-019B960494DF}">
-              <a14:hiddenLine xmlns="" xmlns:a14="http://schemas.microsoft.com/office/drawing/2010/main" w="9525" cap="flat">
+              <a14:hiddenLine xmlns:a14="http://schemas.microsoft.com/office/drawing/2010/main" xmlns="" w="9525" cap="flat">
                 <a:solidFill>
                   <a:srgbClr val="3465A4"/>
                 </a:solidFill>
@@ -545,7 +545,7 @@
               </a14:hiddenLine>
             </a:ext>
             <a:ext uri="{AF507438-7753-43e0-B8FC-AC1667EBCBE1}">
-              <a14:hiddenEffects xmlns="" xmlns:a14="http://schemas.microsoft.com/office/drawing/2010/main">
+              <a14:hiddenEffects xmlns:a14="http://schemas.microsoft.com/office/drawing/2010/main" xmlns="">
                 <a:effectLst>
                   <a:outerShdw blurRad="63500" dist="38099" dir="2700000" algn="ctr" rotWithShape="0">
                     <a:srgbClr val="000000">
@@ -594,14 +594,14 @@
           <a:effectLst/>
           <a:extLst>
             <a:ext uri="{909E8E84-426E-40dd-AFC4-6F175D3DCCD1}">
-              <a14:hiddenFill xmlns="" xmlns:a14="http://schemas.microsoft.com/office/drawing/2010/main">
+              <a14:hiddenFill xmlns:a14="http://schemas.microsoft.com/office/drawing/2010/main" xmlns="">
                 <a:solidFill>
                   <a:srgbClr val="FFFFFF"/>
                 </a:solidFill>
               </a14:hiddenFill>
             </a:ext>
             <a:ext uri="{91240B29-F687-4f45-9708-019B960494DF}">
-              <a14:hiddenLine xmlns="" xmlns:a14="http://schemas.microsoft.com/office/drawing/2010/main" w="9525" cap="flat">
+              <a14:hiddenLine xmlns:a14="http://schemas.microsoft.com/office/drawing/2010/main" xmlns="" w="9525" cap="flat">
                 <a:solidFill>
                   <a:srgbClr val="3465A4"/>
                 </a:solidFill>
@@ -611,7 +611,7 @@
               </a14:hiddenLine>
             </a:ext>
             <a:ext uri="{AF507438-7753-43e0-B8FC-AC1667EBCBE1}">
-              <a14:hiddenEffects xmlns="" xmlns:a14="http://schemas.microsoft.com/office/drawing/2010/main">
+              <a14:hiddenEffects xmlns:a14="http://schemas.microsoft.com/office/drawing/2010/main" xmlns="">
                 <a:effectLst>
                   <a:outerShdw blurRad="63500" dist="38099" dir="2700000" algn="ctr" rotWithShape="0">
                     <a:srgbClr val="000000">
@@ -660,14 +660,14 @@
           <a:effectLst/>
           <a:extLst>
             <a:ext uri="{909E8E84-426E-40dd-AFC4-6F175D3DCCD1}">
-              <a14:hiddenFill xmlns="" xmlns:a14="http://schemas.microsoft.com/office/drawing/2010/main">
+              <a14:hiddenFill xmlns:a14="http://schemas.microsoft.com/office/drawing/2010/main" xmlns="">
                 <a:solidFill>
                   <a:srgbClr val="FFFFFF"/>
                 </a:solidFill>
               </a14:hiddenFill>
             </a:ext>
             <a:ext uri="{91240B29-F687-4f45-9708-019B960494DF}">
-              <a14:hiddenLine xmlns="" xmlns:a14="http://schemas.microsoft.com/office/drawing/2010/main" w="9525" cap="flat">
+              <a14:hiddenLine xmlns:a14="http://schemas.microsoft.com/office/drawing/2010/main" xmlns="" w="9525" cap="flat">
                 <a:solidFill>
                   <a:srgbClr val="3465A4"/>
                 </a:solidFill>
@@ -677,7 +677,7 @@
               </a14:hiddenLine>
             </a:ext>
             <a:ext uri="{AF507438-7753-43e0-B8FC-AC1667EBCBE1}">
-              <a14:hiddenEffects xmlns="" xmlns:a14="http://schemas.microsoft.com/office/drawing/2010/main">
+              <a14:hiddenEffects xmlns:a14="http://schemas.microsoft.com/office/drawing/2010/main" xmlns="">
                 <a:effectLst>
                   <a:outerShdw blurRad="63500" dist="38099" dir="2700000" algn="ctr" rotWithShape="0">
                     <a:srgbClr val="000000">
@@ -728,17 +728,17 @@
           <a:effectLst/>
           <a:extLst>
             <a:ext uri="{FAA26D3D-D897-4be2-8F04-BA451C77F1D7}">
-              <ma14:placeholderFlag xmlns:ma14="http://schemas.microsoft.com/office/mac/drawingml/2011/main" val="1"/>
+              <ma14:placeholderFlag xmlns:ma14="http://schemas.microsoft.com/office/mac/drawingml/2011/main" xmlns="" val="1"/>
             </a:ext>
             <a:ext uri="{909E8E84-426E-40dd-AFC4-6F175D3DCCD1}">
-              <a14:hiddenFill xmlns="" xmlns:a14="http://schemas.microsoft.com/office/drawing/2010/main">
+              <a14:hiddenFill xmlns:a14="http://schemas.microsoft.com/office/drawing/2010/main" xmlns="">
                 <a:solidFill>
                   <a:srgbClr val="FFFFFF"/>
                 </a:solidFill>
               </a14:hiddenFill>
             </a:ext>
             <a:ext uri="{91240B29-F687-4f45-9708-019B960494DF}">
-              <a14:hiddenLine xmlns="" xmlns:a14="http://schemas.microsoft.com/office/drawing/2010/main" w="9525" cap="flat">
+              <a14:hiddenLine xmlns:a14="http://schemas.microsoft.com/office/drawing/2010/main" xmlns="" w="9525" cap="flat">
                 <a:solidFill>
                   <a:srgbClr val="3465A4"/>
                 </a:solidFill>
@@ -748,7 +748,7 @@
               </a14:hiddenLine>
             </a:ext>
             <a:ext uri="{AF507438-7753-43e0-B8FC-AC1667EBCBE1}">
-              <a14:hiddenEffects xmlns="" xmlns:a14="http://schemas.microsoft.com/office/drawing/2010/main">
+              <a14:hiddenEffects xmlns:a14="http://schemas.microsoft.com/office/drawing/2010/main" xmlns="">
                 <a:effectLst>
                   <a:outerShdw blurRad="63500" dist="38099" dir="2700000" algn="ctr" rotWithShape="0">
                     <a:schemeClr val="bg2">
@@ -1004,14 +1004,14 @@
         <p:spPr>
           <a:extLst>
             <a:ext uri="{909E8E84-426E-40dd-AFC4-6F175D3DCCD1}">
-              <a14:hiddenFill xmlns="" xmlns:a14="http://schemas.microsoft.com/office/drawing/2010/main">
+              <a14:hiddenFill xmlns:a14="http://schemas.microsoft.com/office/drawing/2010/main" xmlns="">
                 <a:solidFill>
                   <a:srgbClr val="FFFFFF"/>
                 </a:solidFill>
               </a14:hiddenFill>
             </a:ext>
             <a:ext uri="{91240B29-F687-4f45-9708-019B960494DF}">
-              <a14:hiddenLine xmlns="" xmlns:a14="http://schemas.microsoft.com/office/drawing/2010/main" w="9525" cap="flat">
+              <a14:hiddenLine xmlns:a14="http://schemas.microsoft.com/office/drawing/2010/main" xmlns="" w="9525" cap="flat">
                 <a:solidFill>
                   <a:srgbClr val="3465A4"/>
                 </a:solidFill>
@@ -1021,7 +1021,7 @@
               </a14:hiddenLine>
             </a:ext>
             <a:ext uri="{AF507438-7753-43e0-B8FC-AC1667EBCBE1}">
-              <a14:hiddenEffects xmlns="" xmlns:a14="http://schemas.microsoft.com/office/drawing/2010/main">
+              <a14:hiddenEffects xmlns:a14="http://schemas.microsoft.com/office/drawing/2010/main" xmlns="">
                 <a:effectLst>
                   <a:outerShdw blurRad="63500" dist="38099" dir="2700000" algn="ctr" rotWithShape="0">
                     <a:schemeClr val="bg2">
@@ -1425,14 +1425,14 @@
           <a:effectLst/>
           <a:extLst>
             <a:ext uri="{909E8E84-426E-40dd-AFC4-6F175D3DCCD1}">
-              <a14:hiddenFill xmlns="" xmlns:a14="http://schemas.microsoft.com/office/drawing/2010/main">
+              <a14:hiddenFill xmlns:a14="http://schemas.microsoft.com/office/drawing/2010/main" xmlns="">
                 <a:solidFill>
                   <a:srgbClr val="FFFFFF"/>
                 </a:solidFill>
               </a14:hiddenFill>
             </a:ext>
             <a:ext uri="{91240B29-F687-4f45-9708-019B960494DF}">
-              <a14:hiddenLine xmlns="" xmlns:a14="http://schemas.microsoft.com/office/drawing/2010/main" w="9525" cap="flat">
+              <a14:hiddenLine xmlns:a14="http://schemas.microsoft.com/office/drawing/2010/main" xmlns="" w="9525" cap="flat">
                 <a:solidFill>
                   <a:srgbClr val="3465A4"/>
                 </a:solidFill>
@@ -1442,7 +1442,7 @@
               </a14:hiddenLine>
             </a:ext>
             <a:ext uri="{AF507438-7753-43e0-B8FC-AC1667EBCBE1}">
-              <a14:hiddenEffects xmlns="" xmlns:a14="http://schemas.microsoft.com/office/drawing/2010/main">
+              <a14:hiddenEffects xmlns:a14="http://schemas.microsoft.com/office/drawing/2010/main" xmlns="">
                 <a:effectLst>
                   <a:outerShdw blurRad="63500" dist="38099" dir="2700000" algn="ctr" rotWithShape="0">
                     <a:srgbClr val="000000">
@@ -1861,7 +1861,7 @@
           </a:ln>
           <a:extLst>
             <a:ext uri="{AF507438-7753-43e0-B8FC-AC1667EBCBE1}">
-              <a14:hiddenEffects xmlns="" xmlns:a14="http://schemas.microsoft.com/office/drawing/2010/main">
+              <a14:hiddenEffects xmlns:a14="http://schemas.microsoft.com/office/drawing/2010/main" xmlns="">
                 <a:effectLst>
                   <a:outerShdw blurRad="63500" dist="38099" dir="2700000" algn="ctr" rotWithShape="0">
                     <a:srgbClr val="000000">
@@ -1897,14 +1897,14 @@
           <a:effectLst/>
           <a:extLst>
             <a:ext uri="{909E8E84-426E-40dd-AFC4-6F175D3DCCD1}">
-              <a14:hiddenFill xmlns="" xmlns:a14="http://schemas.microsoft.com/office/drawing/2010/main">
+              <a14:hiddenFill xmlns:a14="http://schemas.microsoft.com/office/drawing/2010/main" xmlns="">
                 <a:solidFill>
                   <a:srgbClr val="FFFFFF"/>
                 </a:solidFill>
               </a14:hiddenFill>
             </a:ext>
             <a:ext uri="{91240B29-F687-4f45-9708-019B960494DF}">
-              <a14:hiddenLine xmlns="" xmlns:a14="http://schemas.microsoft.com/office/drawing/2010/main" w="9525" cap="flat">
+              <a14:hiddenLine xmlns:a14="http://schemas.microsoft.com/office/drawing/2010/main" xmlns="" w="9525" cap="flat">
                 <a:solidFill>
                   <a:srgbClr val="3465A4"/>
                 </a:solidFill>
@@ -1914,7 +1914,7 @@
               </a14:hiddenLine>
             </a:ext>
             <a:ext uri="{AF507438-7753-43e0-B8FC-AC1667EBCBE1}">
-              <a14:hiddenEffects xmlns="" xmlns:a14="http://schemas.microsoft.com/office/drawing/2010/main">
+              <a14:hiddenEffects xmlns:a14="http://schemas.microsoft.com/office/drawing/2010/main" xmlns="">
                 <a:effectLst>
                   <a:outerShdw blurRad="63500" dist="38099" dir="2700000" algn="ctr" rotWithShape="0">
                     <a:srgbClr val="000000">
@@ -1986,14 +1986,14 @@
         <p:spPr>
           <a:extLst>
             <a:ext uri="{909E8E84-426E-40dd-AFC4-6F175D3DCCD1}">
-              <a14:hiddenFill xmlns="" xmlns:a14="http://schemas.microsoft.com/office/drawing/2010/main">
+              <a14:hiddenFill xmlns:a14="http://schemas.microsoft.com/office/drawing/2010/main" xmlns="">
                 <a:solidFill>
                   <a:srgbClr val="FFFFFF"/>
                 </a:solidFill>
               </a14:hiddenFill>
             </a:ext>
             <a:ext uri="{91240B29-F687-4f45-9708-019B960494DF}">
-              <a14:hiddenLine xmlns="" xmlns:a14="http://schemas.microsoft.com/office/drawing/2010/main" w="9525" cap="flat">
+              <a14:hiddenLine xmlns:a14="http://schemas.microsoft.com/office/drawing/2010/main" xmlns="" w="9525" cap="flat">
                 <a:solidFill>
                   <a:srgbClr val="3465A4"/>
                 </a:solidFill>
@@ -2003,7 +2003,7 @@
               </a14:hiddenLine>
             </a:ext>
             <a:ext uri="{AF507438-7753-43e0-B8FC-AC1667EBCBE1}">
-              <a14:hiddenEffects xmlns="" xmlns:a14="http://schemas.microsoft.com/office/drawing/2010/main">
+              <a14:hiddenEffects xmlns:a14="http://schemas.microsoft.com/office/drawing/2010/main" xmlns="">
                 <a:effectLst>
                   <a:outerShdw blurRad="63500" dist="38099" dir="2700000" algn="ctr" rotWithShape="0">
                     <a:schemeClr val="bg2">
@@ -2412,7 +2412,7 @@
           </a:ln>
           <a:extLst>
             <a:ext uri="{AF507438-7753-43e0-B8FC-AC1667EBCBE1}">
-              <a14:hiddenEffects xmlns="" xmlns:a14="http://schemas.microsoft.com/office/drawing/2010/main">
+              <a14:hiddenEffects xmlns:a14="http://schemas.microsoft.com/office/drawing/2010/main" xmlns="">
                 <a:effectLst>
                   <a:outerShdw blurRad="63500" dist="38099" dir="2700000" algn="ctr" rotWithShape="0">
                     <a:srgbClr val="000000">
@@ -2448,14 +2448,14 @@
           <a:effectLst/>
           <a:extLst>
             <a:ext uri="{909E8E84-426E-40dd-AFC4-6F175D3DCCD1}">
-              <a14:hiddenFill xmlns="" xmlns:a14="http://schemas.microsoft.com/office/drawing/2010/main">
+              <a14:hiddenFill xmlns:a14="http://schemas.microsoft.com/office/drawing/2010/main" xmlns="">
                 <a:solidFill>
                   <a:srgbClr val="FFFFFF"/>
                 </a:solidFill>
               </a14:hiddenFill>
             </a:ext>
             <a:ext uri="{91240B29-F687-4f45-9708-019B960494DF}">
-              <a14:hiddenLine xmlns="" xmlns:a14="http://schemas.microsoft.com/office/drawing/2010/main" w="9525" cap="flat">
+              <a14:hiddenLine xmlns:a14="http://schemas.microsoft.com/office/drawing/2010/main" xmlns="" w="9525" cap="flat">
                 <a:solidFill>
                   <a:srgbClr val="3465A4"/>
                 </a:solidFill>
@@ -2465,7 +2465,7 @@
               </a14:hiddenLine>
             </a:ext>
             <a:ext uri="{AF507438-7753-43e0-B8FC-AC1667EBCBE1}">
-              <a14:hiddenEffects xmlns="" xmlns:a14="http://schemas.microsoft.com/office/drawing/2010/main">
+              <a14:hiddenEffects xmlns:a14="http://schemas.microsoft.com/office/drawing/2010/main" xmlns="">
                 <a:effectLst>
                   <a:outerShdw blurRad="63500" dist="38099" dir="2700000" algn="ctr" rotWithShape="0">
                     <a:srgbClr val="000000">
@@ -2542,14 +2542,14 @@
         <p:spPr>
           <a:extLst>
             <a:ext uri="{909E8E84-426E-40dd-AFC4-6F175D3DCCD1}">
-              <a14:hiddenFill xmlns="" xmlns:a14="http://schemas.microsoft.com/office/drawing/2010/main">
+              <a14:hiddenFill xmlns:a14="http://schemas.microsoft.com/office/drawing/2010/main" xmlns="">
                 <a:solidFill>
                   <a:srgbClr val="FFFFFF"/>
                 </a:solidFill>
               </a14:hiddenFill>
             </a:ext>
             <a:ext uri="{91240B29-F687-4f45-9708-019B960494DF}">
-              <a14:hiddenLine xmlns="" xmlns:a14="http://schemas.microsoft.com/office/drawing/2010/main" w="9525" cap="flat">
+              <a14:hiddenLine xmlns:a14="http://schemas.microsoft.com/office/drawing/2010/main" xmlns="" w="9525" cap="flat">
                 <a:solidFill>
                   <a:srgbClr val="3465A4"/>
                 </a:solidFill>
@@ -2559,7 +2559,7 @@
               </a14:hiddenLine>
             </a:ext>
             <a:ext uri="{AF507438-7753-43e0-B8FC-AC1667EBCBE1}">
-              <a14:hiddenEffects xmlns="" xmlns:a14="http://schemas.microsoft.com/office/drawing/2010/main">
+              <a14:hiddenEffects xmlns:a14="http://schemas.microsoft.com/office/drawing/2010/main" xmlns="">
                 <a:effectLst>
                   <a:outerShdw blurRad="63500" dist="38099" dir="2700000" algn="ctr" rotWithShape="0">
                     <a:schemeClr val="bg2">
@@ -2968,7 +2968,7 @@
           </a:ln>
           <a:extLst>
             <a:ext uri="{AF507438-7753-43e0-B8FC-AC1667EBCBE1}">
-              <a14:hiddenEffects xmlns="" xmlns:a14="http://schemas.microsoft.com/office/drawing/2010/main">
+              <a14:hiddenEffects xmlns:a14="http://schemas.microsoft.com/office/drawing/2010/main" xmlns="">
                 <a:effectLst>
                   <a:outerShdw blurRad="63500" dist="38099" dir="2700000" algn="ctr" rotWithShape="0">
                     <a:srgbClr val="000000">
@@ -3004,14 +3004,14 @@
           <a:effectLst/>
           <a:extLst>
             <a:ext uri="{909E8E84-426E-40dd-AFC4-6F175D3DCCD1}">
-              <a14:hiddenFill xmlns="" xmlns:a14="http://schemas.microsoft.com/office/drawing/2010/main">
+              <a14:hiddenFill xmlns:a14="http://schemas.microsoft.com/office/drawing/2010/main" xmlns="">
                 <a:solidFill>
                   <a:srgbClr val="FFFFFF"/>
                 </a:solidFill>
               </a14:hiddenFill>
             </a:ext>
             <a:ext uri="{91240B29-F687-4f45-9708-019B960494DF}">
-              <a14:hiddenLine xmlns="" xmlns:a14="http://schemas.microsoft.com/office/drawing/2010/main" w="9525" cap="flat">
+              <a14:hiddenLine xmlns:a14="http://schemas.microsoft.com/office/drawing/2010/main" xmlns="" w="9525" cap="flat">
                 <a:solidFill>
                   <a:srgbClr val="3465A4"/>
                 </a:solidFill>
@@ -3021,7 +3021,7 @@
               </a14:hiddenLine>
             </a:ext>
             <a:ext uri="{AF507438-7753-43e0-B8FC-AC1667EBCBE1}">
-              <a14:hiddenEffects xmlns="" xmlns:a14="http://schemas.microsoft.com/office/drawing/2010/main">
+              <a14:hiddenEffects xmlns:a14="http://schemas.microsoft.com/office/drawing/2010/main" xmlns="">
                 <a:effectLst>
                   <a:outerShdw blurRad="63500" dist="38099" dir="2700000" algn="ctr" rotWithShape="0">
                     <a:srgbClr val="000000">
@@ -3093,14 +3093,14 @@
         <p:spPr>
           <a:extLst>
             <a:ext uri="{909E8E84-426E-40dd-AFC4-6F175D3DCCD1}">
-              <a14:hiddenFill xmlns="" xmlns:a14="http://schemas.microsoft.com/office/drawing/2010/main">
+              <a14:hiddenFill xmlns:a14="http://schemas.microsoft.com/office/drawing/2010/main" xmlns="">
                 <a:solidFill>
                   <a:srgbClr val="FFFFFF"/>
                 </a:solidFill>
               </a14:hiddenFill>
             </a:ext>
             <a:ext uri="{91240B29-F687-4f45-9708-019B960494DF}">
-              <a14:hiddenLine xmlns="" xmlns:a14="http://schemas.microsoft.com/office/drawing/2010/main" w="9525" cap="flat">
+              <a14:hiddenLine xmlns:a14="http://schemas.microsoft.com/office/drawing/2010/main" xmlns="" w="9525" cap="flat">
                 <a:solidFill>
                   <a:srgbClr val="3465A4"/>
                 </a:solidFill>
@@ -3110,7 +3110,7 @@
               </a14:hiddenLine>
             </a:ext>
             <a:ext uri="{AF507438-7753-43e0-B8FC-AC1667EBCBE1}">
-              <a14:hiddenEffects xmlns="" xmlns:a14="http://schemas.microsoft.com/office/drawing/2010/main">
+              <a14:hiddenEffects xmlns:a14="http://schemas.microsoft.com/office/drawing/2010/main" xmlns="">
                 <a:effectLst>
                   <a:outerShdw blurRad="63500" dist="38099" dir="2700000" algn="ctr" rotWithShape="0">
                     <a:schemeClr val="bg2">
@@ -3519,7 +3519,7 @@
           </a:ln>
           <a:extLst>
             <a:ext uri="{AF507438-7753-43e0-B8FC-AC1667EBCBE1}">
-              <a14:hiddenEffects xmlns="" xmlns:a14="http://schemas.microsoft.com/office/drawing/2010/main">
+              <a14:hiddenEffects xmlns:a14="http://schemas.microsoft.com/office/drawing/2010/main" xmlns="">
                 <a:effectLst>
                   <a:outerShdw blurRad="63500" dist="38099" dir="2700000" algn="ctr" rotWithShape="0">
                     <a:srgbClr val="000000">
@@ -3555,14 +3555,14 @@
           <a:effectLst/>
           <a:extLst>
             <a:ext uri="{909E8E84-426E-40dd-AFC4-6F175D3DCCD1}">
-              <a14:hiddenFill xmlns="" xmlns:a14="http://schemas.microsoft.com/office/drawing/2010/main">
+              <a14:hiddenFill xmlns:a14="http://schemas.microsoft.com/office/drawing/2010/main" xmlns="">
                 <a:solidFill>
                   <a:srgbClr val="FFFFFF"/>
                 </a:solidFill>
               </a14:hiddenFill>
             </a:ext>
             <a:ext uri="{91240B29-F687-4f45-9708-019B960494DF}">
-              <a14:hiddenLine xmlns="" xmlns:a14="http://schemas.microsoft.com/office/drawing/2010/main" w="9525" cap="flat">
+              <a14:hiddenLine xmlns:a14="http://schemas.microsoft.com/office/drawing/2010/main" xmlns="" w="9525" cap="flat">
                 <a:solidFill>
                   <a:srgbClr val="3465A4"/>
                 </a:solidFill>
@@ -3572,7 +3572,7 @@
               </a14:hiddenLine>
             </a:ext>
             <a:ext uri="{AF507438-7753-43e0-B8FC-AC1667EBCBE1}">
-              <a14:hiddenEffects xmlns="" xmlns:a14="http://schemas.microsoft.com/office/drawing/2010/main">
+              <a14:hiddenEffects xmlns:a14="http://schemas.microsoft.com/office/drawing/2010/main" xmlns="">
                 <a:effectLst>
                   <a:outerShdw blurRad="63500" dist="38099" dir="2700000" algn="ctr" rotWithShape="0">
                     <a:srgbClr val="000000">
@@ -3649,14 +3649,14 @@
         <p:spPr>
           <a:extLst>
             <a:ext uri="{909E8E84-426E-40dd-AFC4-6F175D3DCCD1}">
-              <a14:hiddenFill xmlns="" xmlns:a14="http://schemas.microsoft.com/office/drawing/2010/main">
+              <a14:hiddenFill xmlns:a14="http://schemas.microsoft.com/office/drawing/2010/main" xmlns="">
                 <a:solidFill>
                   <a:srgbClr val="FFFFFF"/>
                 </a:solidFill>
               </a14:hiddenFill>
             </a:ext>
             <a:ext uri="{91240B29-F687-4f45-9708-019B960494DF}">
-              <a14:hiddenLine xmlns="" xmlns:a14="http://schemas.microsoft.com/office/drawing/2010/main" w="9525" cap="flat">
+              <a14:hiddenLine xmlns:a14="http://schemas.microsoft.com/office/drawing/2010/main" xmlns="" w="9525" cap="flat">
                 <a:solidFill>
                   <a:srgbClr val="3465A4"/>
                 </a:solidFill>
@@ -3666,7 +3666,7 @@
               </a14:hiddenLine>
             </a:ext>
             <a:ext uri="{AF507438-7753-43e0-B8FC-AC1667EBCBE1}">
-              <a14:hiddenEffects xmlns="" xmlns:a14="http://schemas.microsoft.com/office/drawing/2010/main">
+              <a14:hiddenEffects xmlns:a14="http://schemas.microsoft.com/office/drawing/2010/main" xmlns="">
                 <a:effectLst>
                   <a:outerShdw blurRad="63500" dist="38099" dir="2700000" algn="ctr" rotWithShape="0">
                     <a:schemeClr val="bg2">
@@ -4075,7 +4075,7 @@
           </a:ln>
           <a:extLst>
             <a:ext uri="{AF507438-7753-43e0-B8FC-AC1667EBCBE1}">
-              <a14:hiddenEffects xmlns="" xmlns:a14="http://schemas.microsoft.com/office/drawing/2010/main">
+              <a14:hiddenEffects xmlns:a14="http://schemas.microsoft.com/office/drawing/2010/main" xmlns="">
                 <a:effectLst>
                   <a:outerShdw blurRad="63500" dist="38099" dir="2700000" algn="ctr" rotWithShape="0">
                     <a:srgbClr val="000000">
@@ -4111,14 +4111,14 @@
           <a:effectLst/>
           <a:extLst>
             <a:ext uri="{909E8E84-426E-40dd-AFC4-6F175D3DCCD1}">
-              <a14:hiddenFill xmlns="" xmlns:a14="http://schemas.microsoft.com/office/drawing/2010/main">
+              <a14:hiddenFill xmlns:a14="http://schemas.microsoft.com/office/drawing/2010/main" xmlns="">
                 <a:solidFill>
                   <a:srgbClr val="FFFFFF"/>
                 </a:solidFill>
               </a14:hiddenFill>
             </a:ext>
             <a:ext uri="{91240B29-F687-4f45-9708-019B960494DF}">
-              <a14:hiddenLine xmlns="" xmlns:a14="http://schemas.microsoft.com/office/drawing/2010/main" w="9525" cap="flat">
+              <a14:hiddenLine xmlns:a14="http://schemas.microsoft.com/office/drawing/2010/main" xmlns="" w="9525" cap="flat">
                 <a:solidFill>
                   <a:srgbClr val="3465A4"/>
                 </a:solidFill>
@@ -4128,7 +4128,7 @@
               </a14:hiddenLine>
             </a:ext>
             <a:ext uri="{AF507438-7753-43e0-B8FC-AC1667EBCBE1}">
-              <a14:hiddenEffects xmlns="" xmlns:a14="http://schemas.microsoft.com/office/drawing/2010/main">
+              <a14:hiddenEffects xmlns:a14="http://schemas.microsoft.com/office/drawing/2010/main" xmlns="">
                 <a:effectLst>
                   <a:outerShdw blurRad="63500" dist="38099" dir="2700000" algn="ctr" rotWithShape="0">
                     <a:srgbClr val="000000">
@@ -4205,14 +4205,14 @@
         <p:spPr>
           <a:extLst>
             <a:ext uri="{909E8E84-426E-40dd-AFC4-6F175D3DCCD1}">
-              <a14:hiddenFill xmlns="" xmlns:a14="http://schemas.microsoft.com/office/drawing/2010/main">
+              <a14:hiddenFill xmlns:a14="http://schemas.microsoft.com/office/drawing/2010/main" xmlns="">
                 <a:solidFill>
                   <a:srgbClr val="FFFFFF"/>
                 </a:solidFill>
               </a14:hiddenFill>
             </a:ext>
             <a:ext uri="{91240B29-F687-4f45-9708-019B960494DF}">
-              <a14:hiddenLine xmlns="" xmlns:a14="http://schemas.microsoft.com/office/drawing/2010/main" w="9525" cap="flat">
+              <a14:hiddenLine xmlns:a14="http://schemas.microsoft.com/office/drawing/2010/main" xmlns="" w="9525" cap="flat">
                 <a:solidFill>
                   <a:srgbClr val="3465A4"/>
                 </a:solidFill>
@@ -4222,7 +4222,7 @@
               </a14:hiddenLine>
             </a:ext>
             <a:ext uri="{AF507438-7753-43e0-B8FC-AC1667EBCBE1}">
-              <a14:hiddenEffects xmlns="" xmlns:a14="http://schemas.microsoft.com/office/drawing/2010/main">
+              <a14:hiddenEffects xmlns:a14="http://schemas.microsoft.com/office/drawing/2010/main" xmlns="">
                 <a:effectLst>
                   <a:outerShdw blurRad="63500" dist="38099" dir="2700000" algn="ctr" rotWithShape="0">
                     <a:schemeClr val="bg2">
@@ -4631,7 +4631,7 @@
           </a:ln>
           <a:extLst>
             <a:ext uri="{AF507438-7753-43e0-B8FC-AC1667EBCBE1}">
-              <a14:hiddenEffects xmlns="" xmlns:a14="http://schemas.microsoft.com/office/drawing/2010/main">
+              <a14:hiddenEffects xmlns:a14="http://schemas.microsoft.com/office/drawing/2010/main" xmlns="">
                 <a:effectLst>
                   <a:outerShdw blurRad="63500" dist="38099" dir="2700000" algn="ctr" rotWithShape="0">
                     <a:srgbClr val="000000">
@@ -4667,14 +4667,14 @@
           <a:effectLst/>
           <a:extLst>
             <a:ext uri="{909E8E84-426E-40dd-AFC4-6F175D3DCCD1}">
-              <a14:hiddenFill xmlns="" xmlns:a14="http://schemas.microsoft.com/office/drawing/2010/main">
+              <a14:hiddenFill xmlns:a14="http://schemas.microsoft.com/office/drawing/2010/main" xmlns="">
                 <a:solidFill>
                   <a:srgbClr val="FFFFFF"/>
                 </a:solidFill>
               </a14:hiddenFill>
             </a:ext>
             <a:ext uri="{91240B29-F687-4f45-9708-019B960494DF}">
-              <a14:hiddenLine xmlns="" xmlns:a14="http://schemas.microsoft.com/office/drawing/2010/main" w="9525" cap="flat">
+              <a14:hiddenLine xmlns:a14="http://schemas.microsoft.com/office/drawing/2010/main" xmlns="" w="9525" cap="flat">
                 <a:solidFill>
                   <a:srgbClr val="3465A4"/>
                 </a:solidFill>
@@ -4684,7 +4684,7 @@
               </a14:hiddenLine>
             </a:ext>
             <a:ext uri="{AF507438-7753-43e0-B8FC-AC1667EBCBE1}">
-              <a14:hiddenEffects xmlns="" xmlns:a14="http://schemas.microsoft.com/office/drawing/2010/main">
+              <a14:hiddenEffects xmlns:a14="http://schemas.microsoft.com/office/drawing/2010/main" xmlns="">
                 <a:effectLst>
                   <a:outerShdw blurRad="63500" dist="38099" dir="2700000" algn="ctr" rotWithShape="0">
                     <a:srgbClr val="000000">
@@ -4761,14 +4761,14 @@
         <p:spPr>
           <a:extLst>
             <a:ext uri="{909E8E84-426E-40dd-AFC4-6F175D3DCCD1}">
-              <a14:hiddenFill xmlns="" xmlns:a14="http://schemas.microsoft.com/office/drawing/2010/main">
+              <a14:hiddenFill xmlns:a14="http://schemas.microsoft.com/office/drawing/2010/main" xmlns="">
                 <a:solidFill>
                   <a:srgbClr val="FFFFFF"/>
                 </a:solidFill>
               </a14:hiddenFill>
             </a:ext>
             <a:ext uri="{91240B29-F687-4f45-9708-019B960494DF}">
-              <a14:hiddenLine xmlns="" xmlns:a14="http://schemas.microsoft.com/office/drawing/2010/main" w="9525" cap="flat">
+              <a14:hiddenLine xmlns:a14="http://schemas.microsoft.com/office/drawing/2010/main" xmlns="" w="9525" cap="flat">
                 <a:solidFill>
                   <a:srgbClr val="3465A4"/>
                 </a:solidFill>
@@ -4778,7 +4778,7 @@
               </a14:hiddenLine>
             </a:ext>
             <a:ext uri="{AF507438-7753-43e0-B8FC-AC1667EBCBE1}">
-              <a14:hiddenEffects xmlns="" xmlns:a14="http://schemas.microsoft.com/office/drawing/2010/main">
+              <a14:hiddenEffects xmlns:a14="http://schemas.microsoft.com/office/drawing/2010/main" xmlns="">
                 <a:effectLst>
                   <a:outerShdw blurRad="63500" dist="38099" dir="2700000" algn="ctr" rotWithShape="0">
                     <a:schemeClr val="bg2">
@@ -5182,14 +5182,14 @@
           <a:effectLst/>
           <a:extLst>
             <a:ext uri="{909E8E84-426E-40dd-AFC4-6F175D3DCCD1}">
-              <a14:hiddenFill xmlns="" xmlns:a14="http://schemas.microsoft.com/office/drawing/2010/main">
+              <a14:hiddenFill xmlns:a14="http://schemas.microsoft.com/office/drawing/2010/main" xmlns="">
                 <a:solidFill>
                   <a:srgbClr val="FFFFFF"/>
                 </a:solidFill>
               </a14:hiddenFill>
             </a:ext>
             <a:ext uri="{91240B29-F687-4f45-9708-019B960494DF}">
-              <a14:hiddenLine xmlns="" xmlns:a14="http://schemas.microsoft.com/office/drawing/2010/main" w="9525" cap="flat">
+              <a14:hiddenLine xmlns:a14="http://schemas.microsoft.com/office/drawing/2010/main" xmlns="" w="9525" cap="flat">
                 <a:solidFill>
                   <a:srgbClr val="3465A4"/>
                 </a:solidFill>
@@ -5199,7 +5199,7 @@
               </a14:hiddenLine>
             </a:ext>
             <a:ext uri="{AF507438-7753-43e0-B8FC-AC1667EBCBE1}">
-              <a14:hiddenEffects xmlns="" xmlns:a14="http://schemas.microsoft.com/office/drawing/2010/main">
+              <a14:hiddenEffects xmlns:a14="http://schemas.microsoft.com/office/drawing/2010/main" xmlns="">
                 <a:effectLst>
                   <a:outerShdw blurRad="63500" dist="38099" dir="2700000" algn="ctr" rotWithShape="0">
                     <a:srgbClr val="000000">
@@ -5618,7 +5618,7 @@
           </a:ln>
           <a:extLst>
             <a:ext uri="{AF507438-7753-43e0-B8FC-AC1667EBCBE1}">
-              <a14:hiddenEffects xmlns="" xmlns:a14="http://schemas.microsoft.com/office/drawing/2010/main">
+              <a14:hiddenEffects xmlns:a14="http://schemas.microsoft.com/office/drawing/2010/main" xmlns="">
                 <a:effectLst>
                   <a:outerShdw blurRad="63500" dist="38099" dir="2700000" algn="ctr" rotWithShape="0">
                     <a:srgbClr val="000000">
@@ -5654,14 +5654,14 @@
           <a:effectLst/>
           <a:extLst>
             <a:ext uri="{909E8E84-426E-40dd-AFC4-6F175D3DCCD1}">
-              <a14:hiddenFill xmlns="" xmlns:a14="http://schemas.microsoft.com/office/drawing/2010/main">
+              <a14:hiddenFill xmlns:a14="http://schemas.microsoft.com/office/drawing/2010/main" xmlns="">
                 <a:solidFill>
                   <a:srgbClr val="FFFFFF"/>
                 </a:solidFill>
               </a14:hiddenFill>
             </a:ext>
             <a:ext uri="{91240B29-F687-4f45-9708-019B960494DF}">
-              <a14:hiddenLine xmlns="" xmlns:a14="http://schemas.microsoft.com/office/drawing/2010/main" w="9525" cap="flat">
+              <a14:hiddenLine xmlns:a14="http://schemas.microsoft.com/office/drawing/2010/main" xmlns="" w="9525" cap="flat">
                 <a:solidFill>
                   <a:srgbClr val="3465A4"/>
                 </a:solidFill>
@@ -5671,7 +5671,7 @@
               </a14:hiddenLine>
             </a:ext>
             <a:ext uri="{AF507438-7753-43e0-B8FC-AC1667EBCBE1}">
-              <a14:hiddenEffects xmlns="" xmlns:a14="http://schemas.microsoft.com/office/drawing/2010/main">
+              <a14:hiddenEffects xmlns:a14="http://schemas.microsoft.com/office/drawing/2010/main" xmlns="">
                 <a:effectLst>
                   <a:outerShdw blurRad="63500" dist="38099" dir="2700000" algn="ctr" rotWithShape="0">
                     <a:srgbClr val="000000">
@@ -5743,14 +5743,14 @@
         <p:spPr>
           <a:extLst>
             <a:ext uri="{909E8E84-426E-40dd-AFC4-6F175D3DCCD1}">
-              <a14:hiddenFill xmlns="" xmlns:a14="http://schemas.microsoft.com/office/drawing/2010/main">
+              <a14:hiddenFill xmlns:a14="http://schemas.microsoft.com/office/drawing/2010/main" xmlns="">
                 <a:solidFill>
                   <a:srgbClr val="FFFFFF"/>
                 </a:solidFill>
               </a14:hiddenFill>
             </a:ext>
             <a:ext uri="{91240B29-F687-4f45-9708-019B960494DF}">
-              <a14:hiddenLine xmlns="" xmlns:a14="http://schemas.microsoft.com/office/drawing/2010/main" w="9525" cap="flat">
+              <a14:hiddenLine xmlns:a14="http://schemas.microsoft.com/office/drawing/2010/main" xmlns="" w="9525" cap="flat">
                 <a:solidFill>
                   <a:srgbClr val="3465A4"/>
                 </a:solidFill>
@@ -5760,7 +5760,7 @@
               </a14:hiddenLine>
             </a:ext>
             <a:ext uri="{AF507438-7753-43e0-B8FC-AC1667EBCBE1}">
-              <a14:hiddenEffects xmlns="" xmlns:a14="http://schemas.microsoft.com/office/drawing/2010/main">
+              <a14:hiddenEffects xmlns:a14="http://schemas.microsoft.com/office/drawing/2010/main" xmlns="">
                 <a:effectLst>
                   <a:outerShdw blurRad="63500" dist="38099" dir="2700000" algn="ctr" rotWithShape="0">
                     <a:schemeClr val="bg2">
@@ -6164,14 +6164,14 @@
           <a:effectLst/>
           <a:extLst>
             <a:ext uri="{909E8E84-426E-40dd-AFC4-6F175D3DCCD1}">
-              <a14:hiddenFill xmlns="" xmlns:a14="http://schemas.microsoft.com/office/drawing/2010/main">
+              <a14:hiddenFill xmlns:a14="http://schemas.microsoft.com/office/drawing/2010/main" xmlns="">
                 <a:solidFill>
                   <a:srgbClr val="FFFFFF"/>
                 </a:solidFill>
               </a14:hiddenFill>
             </a:ext>
             <a:ext uri="{91240B29-F687-4f45-9708-019B960494DF}">
-              <a14:hiddenLine xmlns="" xmlns:a14="http://schemas.microsoft.com/office/drawing/2010/main" w="9525" cap="flat">
+              <a14:hiddenLine xmlns:a14="http://schemas.microsoft.com/office/drawing/2010/main" xmlns="" w="9525" cap="flat">
                 <a:solidFill>
                   <a:srgbClr val="3465A4"/>
                 </a:solidFill>
@@ -6181,7 +6181,7 @@
               </a14:hiddenLine>
             </a:ext>
             <a:ext uri="{AF507438-7753-43e0-B8FC-AC1667EBCBE1}">
-              <a14:hiddenEffects xmlns="" xmlns:a14="http://schemas.microsoft.com/office/drawing/2010/main">
+              <a14:hiddenEffects xmlns:a14="http://schemas.microsoft.com/office/drawing/2010/main" xmlns="">
                 <a:effectLst>
                   <a:outerShdw blurRad="63500" dist="38099" dir="2700000" algn="ctr" rotWithShape="0">
                     <a:srgbClr val="000000">
@@ -6600,7 +6600,7 @@
           </a:ln>
           <a:extLst>
             <a:ext uri="{AF507438-7753-43e0-B8FC-AC1667EBCBE1}">
-              <a14:hiddenEffects xmlns="" xmlns:a14="http://schemas.microsoft.com/office/drawing/2010/main">
+              <a14:hiddenEffects xmlns:a14="http://schemas.microsoft.com/office/drawing/2010/main" xmlns="">
                 <a:effectLst>
                   <a:outerShdw blurRad="63500" dist="38099" dir="2700000" algn="ctr" rotWithShape="0">
                     <a:srgbClr val="000000">
@@ -6636,14 +6636,14 @@
           <a:effectLst/>
           <a:extLst>
             <a:ext uri="{909E8E84-426E-40dd-AFC4-6F175D3DCCD1}">
-              <a14:hiddenFill xmlns="" xmlns:a14="http://schemas.microsoft.com/office/drawing/2010/main">
+              <a14:hiddenFill xmlns:a14="http://schemas.microsoft.com/office/drawing/2010/main" xmlns="">
                 <a:solidFill>
                   <a:srgbClr val="FFFFFF"/>
                 </a:solidFill>
               </a14:hiddenFill>
             </a:ext>
             <a:ext uri="{91240B29-F687-4f45-9708-019B960494DF}">
-              <a14:hiddenLine xmlns="" xmlns:a14="http://schemas.microsoft.com/office/drawing/2010/main" w="9525" cap="flat">
+              <a14:hiddenLine xmlns:a14="http://schemas.microsoft.com/office/drawing/2010/main" xmlns="" w="9525" cap="flat">
                 <a:solidFill>
                   <a:srgbClr val="3465A4"/>
                 </a:solidFill>
@@ -6653,7 +6653,7 @@
               </a14:hiddenLine>
             </a:ext>
             <a:ext uri="{AF507438-7753-43e0-B8FC-AC1667EBCBE1}">
-              <a14:hiddenEffects xmlns="" xmlns:a14="http://schemas.microsoft.com/office/drawing/2010/main">
+              <a14:hiddenEffects xmlns:a14="http://schemas.microsoft.com/office/drawing/2010/main" xmlns="">
                 <a:effectLst>
                   <a:outerShdw blurRad="63500" dist="38099" dir="2700000" algn="ctr" rotWithShape="0">
                     <a:srgbClr val="000000">
@@ -6725,14 +6725,14 @@
         <p:spPr>
           <a:extLst>
             <a:ext uri="{909E8E84-426E-40dd-AFC4-6F175D3DCCD1}">
-              <a14:hiddenFill xmlns="" xmlns:a14="http://schemas.microsoft.com/office/drawing/2010/main">
+              <a14:hiddenFill xmlns:a14="http://schemas.microsoft.com/office/drawing/2010/main" xmlns="">
                 <a:solidFill>
                   <a:srgbClr val="FFFFFF"/>
                 </a:solidFill>
               </a14:hiddenFill>
             </a:ext>
             <a:ext uri="{91240B29-F687-4f45-9708-019B960494DF}">
-              <a14:hiddenLine xmlns="" xmlns:a14="http://schemas.microsoft.com/office/drawing/2010/main" w="9525" cap="flat">
+              <a14:hiddenLine xmlns:a14="http://schemas.microsoft.com/office/drawing/2010/main" xmlns="" w="9525" cap="flat">
                 <a:solidFill>
                   <a:srgbClr val="3465A4"/>
                 </a:solidFill>
@@ -6742,7 +6742,7 @@
               </a14:hiddenLine>
             </a:ext>
             <a:ext uri="{AF507438-7753-43e0-B8FC-AC1667EBCBE1}">
-              <a14:hiddenEffects xmlns="" xmlns:a14="http://schemas.microsoft.com/office/drawing/2010/main">
+              <a14:hiddenEffects xmlns:a14="http://schemas.microsoft.com/office/drawing/2010/main" xmlns="">
                 <a:effectLst>
                   <a:outerShdw blurRad="63500" dist="38099" dir="2700000" algn="ctr" rotWithShape="0">
                     <a:schemeClr val="bg2">
@@ -7151,7 +7151,7 @@
           </a:ln>
           <a:extLst>
             <a:ext uri="{AF507438-7753-43e0-B8FC-AC1667EBCBE1}">
-              <a14:hiddenEffects xmlns="" xmlns:a14="http://schemas.microsoft.com/office/drawing/2010/main">
+              <a14:hiddenEffects xmlns:a14="http://schemas.microsoft.com/office/drawing/2010/main" xmlns="">
                 <a:effectLst>
                   <a:outerShdw blurRad="63500" dist="38099" dir="2700000" algn="ctr" rotWithShape="0">
                     <a:srgbClr val="000000">
@@ -7187,14 +7187,14 @@
           <a:effectLst/>
           <a:extLst>
             <a:ext uri="{909E8E84-426E-40dd-AFC4-6F175D3DCCD1}">
-              <a14:hiddenFill xmlns="" xmlns:a14="http://schemas.microsoft.com/office/drawing/2010/main">
+              <a14:hiddenFill xmlns:a14="http://schemas.microsoft.com/office/drawing/2010/main" xmlns="">
                 <a:solidFill>
                   <a:srgbClr val="FFFFFF"/>
                 </a:solidFill>
               </a14:hiddenFill>
             </a:ext>
             <a:ext uri="{91240B29-F687-4f45-9708-019B960494DF}">
-              <a14:hiddenLine xmlns="" xmlns:a14="http://schemas.microsoft.com/office/drawing/2010/main" w="9525" cap="flat">
+              <a14:hiddenLine xmlns:a14="http://schemas.microsoft.com/office/drawing/2010/main" xmlns="" w="9525" cap="flat">
                 <a:solidFill>
                   <a:srgbClr val="3465A4"/>
                 </a:solidFill>
@@ -7204,7 +7204,7 @@
               </a14:hiddenLine>
             </a:ext>
             <a:ext uri="{AF507438-7753-43e0-B8FC-AC1667EBCBE1}">
-              <a14:hiddenEffects xmlns="" xmlns:a14="http://schemas.microsoft.com/office/drawing/2010/main">
+              <a14:hiddenEffects xmlns:a14="http://schemas.microsoft.com/office/drawing/2010/main" xmlns="">
                 <a:effectLst>
                   <a:outerShdw blurRad="63500" dist="38099" dir="2700000" algn="ctr" rotWithShape="0">
                     <a:srgbClr val="000000">
@@ -7276,14 +7276,14 @@
         <p:spPr>
           <a:extLst>
             <a:ext uri="{909E8E84-426E-40dd-AFC4-6F175D3DCCD1}">
-              <a14:hiddenFill xmlns="" xmlns:a14="http://schemas.microsoft.com/office/drawing/2010/main">
+              <a14:hiddenFill xmlns:a14="http://schemas.microsoft.com/office/drawing/2010/main" xmlns="">
                 <a:solidFill>
                   <a:srgbClr val="FFFFFF"/>
                 </a:solidFill>
               </a14:hiddenFill>
             </a:ext>
             <a:ext uri="{91240B29-F687-4f45-9708-019B960494DF}">
-              <a14:hiddenLine xmlns="" xmlns:a14="http://schemas.microsoft.com/office/drawing/2010/main" w="9525" cap="flat">
+              <a14:hiddenLine xmlns:a14="http://schemas.microsoft.com/office/drawing/2010/main" xmlns="" w="9525" cap="flat">
                 <a:solidFill>
                   <a:srgbClr val="3465A4"/>
                 </a:solidFill>
@@ -7293,7 +7293,7 @@
               </a14:hiddenLine>
             </a:ext>
             <a:ext uri="{AF507438-7753-43e0-B8FC-AC1667EBCBE1}">
-              <a14:hiddenEffects xmlns="" xmlns:a14="http://schemas.microsoft.com/office/drawing/2010/main">
+              <a14:hiddenEffects xmlns:a14="http://schemas.microsoft.com/office/drawing/2010/main" xmlns="">
                 <a:effectLst>
                   <a:outerShdw blurRad="63500" dist="38099" dir="2700000" algn="ctr" rotWithShape="0">
                     <a:schemeClr val="bg2">
@@ -7697,14 +7697,14 @@
           <a:effectLst/>
           <a:extLst>
             <a:ext uri="{909E8E84-426E-40dd-AFC4-6F175D3DCCD1}">
-              <a14:hiddenFill xmlns="" xmlns:a14="http://schemas.microsoft.com/office/drawing/2010/main">
+              <a14:hiddenFill xmlns:a14="http://schemas.microsoft.com/office/drawing/2010/main" xmlns="">
                 <a:solidFill>
                   <a:srgbClr val="FFFFFF"/>
                 </a:solidFill>
               </a14:hiddenFill>
             </a:ext>
             <a:ext uri="{91240B29-F687-4f45-9708-019B960494DF}">
-              <a14:hiddenLine xmlns="" xmlns:a14="http://schemas.microsoft.com/office/drawing/2010/main" w="9525" cap="flat">
+              <a14:hiddenLine xmlns:a14="http://schemas.microsoft.com/office/drawing/2010/main" xmlns="" w="9525" cap="flat">
                 <a:solidFill>
                   <a:srgbClr val="3465A4"/>
                 </a:solidFill>
@@ -7714,7 +7714,7 @@
               </a14:hiddenLine>
             </a:ext>
             <a:ext uri="{AF507438-7753-43e0-B8FC-AC1667EBCBE1}">
-              <a14:hiddenEffects xmlns="" xmlns:a14="http://schemas.microsoft.com/office/drawing/2010/main">
+              <a14:hiddenEffects xmlns:a14="http://schemas.microsoft.com/office/drawing/2010/main" xmlns="">
                 <a:effectLst>
                   <a:outerShdw blurRad="63500" dist="38099" dir="2700000" algn="ctr" rotWithShape="0">
                     <a:srgbClr val="000000">
@@ -8133,7 +8133,7 @@
           </a:ln>
           <a:extLst>
             <a:ext uri="{AF507438-7753-43e0-B8FC-AC1667EBCBE1}">
-              <a14:hiddenEffects xmlns="" xmlns:a14="http://schemas.microsoft.com/office/drawing/2010/main">
+              <a14:hiddenEffects xmlns:a14="http://schemas.microsoft.com/office/drawing/2010/main" xmlns="">
                 <a:effectLst>
                   <a:outerShdw blurRad="63500" dist="38099" dir="2700000" algn="ctr" rotWithShape="0">
                     <a:srgbClr val="000000">
@@ -8169,14 +8169,14 @@
           <a:effectLst/>
           <a:extLst>
             <a:ext uri="{909E8E84-426E-40dd-AFC4-6F175D3DCCD1}">
-              <a14:hiddenFill xmlns="" xmlns:a14="http://schemas.microsoft.com/office/drawing/2010/main">
+              <a14:hiddenFill xmlns:a14="http://schemas.microsoft.com/office/drawing/2010/main" xmlns="">
                 <a:solidFill>
                   <a:srgbClr val="FFFFFF"/>
                 </a:solidFill>
               </a14:hiddenFill>
             </a:ext>
             <a:ext uri="{91240B29-F687-4f45-9708-019B960494DF}">
-              <a14:hiddenLine xmlns="" xmlns:a14="http://schemas.microsoft.com/office/drawing/2010/main" w="9525" cap="flat">
+              <a14:hiddenLine xmlns:a14="http://schemas.microsoft.com/office/drawing/2010/main" xmlns="" w="9525" cap="flat">
                 <a:solidFill>
                   <a:srgbClr val="3465A4"/>
                 </a:solidFill>
@@ -8186,7 +8186,7 @@
               </a14:hiddenLine>
             </a:ext>
             <a:ext uri="{AF507438-7753-43e0-B8FC-AC1667EBCBE1}">
-              <a14:hiddenEffects xmlns="" xmlns:a14="http://schemas.microsoft.com/office/drawing/2010/main">
+              <a14:hiddenEffects xmlns:a14="http://schemas.microsoft.com/office/drawing/2010/main" xmlns="">
                 <a:effectLst>
                   <a:outerShdw blurRad="63500" dist="38099" dir="2700000" algn="ctr" rotWithShape="0">
                     <a:srgbClr val="000000">
@@ -8258,14 +8258,14 @@
         <p:spPr>
           <a:extLst>
             <a:ext uri="{909E8E84-426E-40dd-AFC4-6F175D3DCCD1}">
-              <a14:hiddenFill xmlns="" xmlns:a14="http://schemas.microsoft.com/office/drawing/2010/main">
+              <a14:hiddenFill xmlns:a14="http://schemas.microsoft.com/office/drawing/2010/main" xmlns="">
                 <a:solidFill>
                   <a:srgbClr val="FFFFFF"/>
                 </a:solidFill>
               </a14:hiddenFill>
             </a:ext>
             <a:ext uri="{91240B29-F687-4f45-9708-019B960494DF}">
-              <a14:hiddenLine xmlns="" xmlns:a14="http://schemas.microsoft.com/office/drawing/2010/main" w="9525" cap="flat">
+              <a14:hiddenLine xmlns:a14="http://schemas.microsoft.com/office/drawing/2010/main" xmlns="" w="9525" cap="flat">
                 <a:solidFill>
                   <a:srgbClr val="3465A4"/>
                 </a:solidFill>
@@ -8275,7 +8275,7 @@
               </a14:hiddenLine>
             </a:ext>
             <a:ext uri="{AF507438-7753-43e0-B8FC-AC1667EBCBE1}">
-              <a14:hiddenEffects xmlns="" xmlns:a14="http://schemas.microsoft.com/office/drawing/2010/main">
+              <a14:hiddenEffects xmlns:a14="http://schemas.microsoft.com/office/drawing/2010/main" xmlns="">
                 <a:effectLst>
                   <a:outerShdw blurRad="63500" dist="38099" dir="2700000" algn="ctr" rotWithShape="0">
                     <a:schemeClr val="bg2">
@@ -8679,14 +8679,14 @@
           <a:effectLst/>
           <a:extLst>
             <a:ext uri="{909E8E84-426E-40dd-AFC4-6F175D3DCCD1}">
-              <a14:hiddenFill xmlns="" xmlns:a14="http://schemas.microsoft.com/office/drawing/2010/main">
+              <a14:hiddenFill xmlns:a14="http://schemas.microsoft.com/office/drawing/2010/main" xmlns="">
                 <a:solidFill>
                   <a:srgbClr val="FFFFFF"/>
                 </a:solidFill>
               </a14:hiddenFill>
             </a:ext>
             <a:ext uri="{91240B29-F687-4f45-9708-019B960494DF}">
-              <a14:hiddenLine xmlns="" xmlns:a14="http://schemas.microsoft.com/office/drawing/2010/main" w="9525" cap="flat">
+              <a14:hiddenLine xmlns:a14="http://schemas.microsoft.com/office/drawing/2010/main" xmlns="" w="9525" cap="flat">
                 <a:solidFill>
                   <a:srgbClr val="3465A4"/>
                 </a:solidFill>
@@ -8696,7 +8696,7 @@
               </a14:hiddenLine>
             </a:ext>
             <a:ext uri="{AF507438-7753-43e0-B8FC-AC1667EBCBE1}">
-              <a14:hiddenEffects xmlns="" xmlns:a14="http://schemas.microsoft.com/office/drawing/2010/main">
+              <a14:hiddenEffects xmlns:a14="http://schemas.microsoft.com/office/drawing/2010/main" xmlns="">
                 <a:effectLst>
                   <a:outerShdw blurRad="63500" dist="38099" dir="2700000" algn="ctr" rotWithShape="0">
                     <a:srgbClr val="000000">
@@ -9115,7 +9115,7 @@
           </a:ln>
           <a:extLst>
             <a:ext uri="{AF507438-7753-43e0-B8FC-AC1667EBCBE1}">
-              <a14:hiddenEffects xmlns="" xmlns:a14="http://schemas.microsoft.com/office/drawing/2010/main">
+              <a14:hiddenEffects xmlns:a14="http://schemas.microsoft.com/office/drawing/2010/main" xmlns="">
                 <a:effectLst>
                   <a:outerShdw blurRad="63500" dist="38099" dir="2700000" algn="ctr" rotWithShape="0">
                     <a:srgbClr val="000000">
@@ -9151,14 +9151,14 @@
           <a:effectLst/>
           <a:extLst>
             <a:ext uri="{909E8E84-426E-40dd-AFC4-6F175D3DCCD1}">
-              <a14:hiddenFill xmlns="" xmlns:a14="http://schemas.microsoft.com/office/drawing/2010/main">
+              <a14:hiddenFill xmlns:a14="http://schemas.microsoft.com/office/drawing/2010/main" xmlns="">
                 <a:solidFill>
                   <a:srgbClr val="FFFFFF"/>
                 </a:solidFill>
               </a14:hiddenFill>
             </a:ext>
             <a:ext uri="{91240B29-F687-4f45-9708-019B960494DF}">
-              <a14:hiddenLine xmlns="" xmlns:a14="http://schemas.microsoft.com/office/drawing/2010/main" w="9525" cap="flat">
+              <a14:hiddenLine xmlns:a14="http://schemas.microsoft.com/office/drawing/2010/main" xmlns="" w="9525" cap="flat">
                 <a:solidFill>
                   <a:srgbClr val="3465A4"/>
                 </a:solidFill>
@@ -9168,7 +9168,7 @@
               </a14:hiddenLine>
             </a:ext>
             <a:ext uri="{AF507438-7753-43e0-B8FC-AC1667EBCBE1}">
-              <a14:hiddenEffects xmlns="" xmlns:a14="http://schemas.microsoft.com/office/drawing/2010/main">
+              <a14:hiddenEffects xmlns:a14="http://schemas.microsoft.com/office/drawing/2010/main" xmlns="">
                 <a:effectLst>
                   <a:outerShdw blurRad="63500" dist="38099" dir="2700000" algn="ctr" rotWithShape="0">
                     <a:srgbClr val="000000">
@@ -9245,14 +9245,14 @@
         <p:spPr>
           <a:extLst>
             <a:ext uri="{909E8E84-426E-40dd-AFC4-6F175D3DCCD1}">
-              <a14:hiddenFill xmlns="" xmlns:a14="http://schemas.microsoft.com/office/drawing/2010/main">
+              <a14:hiddenFill xmlns:a14="http://schemas.microsoft.com/office/drawing/2010/main" xmlns="">
                 <a:solidFill>
                   <a:srgbClr val="FFFFFF"/>
                 </a:solidFill>
               </a14:hiddenFill>
             </a:ext>
             <a:ext uri="{91240B29-F687-4f45-9708-019B960494DF}">
-              <a14:hiddenLine xmlns="" xmlns:a14="http://schemas.microsoft.com/office/drawing/2010/main" w="9525" cap="flat">
+              <a14:hiddenLine xmlns:a14="http://schemas.microsoft.com/office/drawing/2010/main" xmlns="" w="9525" cap="flat">
                 <a:solidFill>
                   <a:srgbClr val="3465A4"/>
                 </a:solidFill>
@@ -9262,7 +9262,7 @@
               </a14:hiddenLine>
             </a:ext>
             <a:ext uri="{AF507438-7753-43e0-B8FC-AC1667EBCBE1}">
-              <a14:hiddenEffects xmlns="" xmlns:a14="http://schemas.microsoft.com/office/drawing/2010/main">
+              <a14:hiddenEffects xmlns:a14="http://schemas.microsoft.com/office/drawing/2010/main" xmlns="">
                 <a:effectLst>
                   <a:outerShdw blurRad="63500" dist="38099" dir="2700000" algn="ctr" rotWithShape="0">
                     <a:schemeClr val="bg2">
@@ -9671,7 +9671,7 @@
           </a:ln>
           <a:extLst>
             <a:ext uri="{AF507438-7753-43e0-B8FC-AC1667EBCBE1}">
-              <a14:hiddenEffects xmlns="" xmlns:a14="http://schemas.microsoft.com/office/drawing/2010/main">
+              <a14:hiddenEffects xmlns:a14="http://schemas.microsoft.com/office/drawing/2010/main" xmlns="">
                 <a:effectLst>
                   <a:outerShdw blurRad="63500" dist="38099" dir="2700000" algn="ctr" rotWithShape="0">
                     <a:srgbClr val="000000">
@@ -9707,14 +9707,14 @@
           <a:effectLst/>
           <a:extLst>
             <a:ext uri="{909E8E84-426E-40dd-AFC4-6F175D3DCCD1}">
-              <a14:hiddenFill xmlns="" xmlns:a14="http://schemas.microsoft.com/office/drawing/2010/main">
+              <a14:hiddenFill xmlns:a14="http://schemas.microsoft.com/office/drawing/2010/main" xmlns="">
                 <a:solidFill>
                   <a:srgbClr val="FFFFFF"/>
                 </a:solidFill>
               </a14:hiddenFill>
             </a:ext>
             <a:ext uri="{91240B29-F687-4f45-9708-019B960494DF}">
-              <a14:hiddenLine xmlns="" xmlns:a14="http://schemas.microsoft.com/office/drawing/2010/main" w="9525" cap="flat">
+              <a14:hiddenLine xmlns:a14="http://schemas.microsoft.com/office/drawing/2010/main" xmlns="" w="9525" cap="flat">
                 <a:solidFill>
                   <a:srgbClr val="3465A4"/>
                 </a:solidFill>
@@ -9724,7 +9724,7 @@
               </a14:hiddenLine>
             </a:ext>
             <a:ext uri="{AF507438-7753-43e0-B8FC-AC1667EBCBE1}">
-              <a14:hiddenEffects xmlns="" xmlns:a14="http://schemas.microsoft.com/office/drawing/2010/main">
+              <a14:hiddenEffects xmlns:a14="http://schemas.microsoft.com/office/drawing/2010/main" xmlns="">
                 <a:effectLst>
                   <a:outerShdw blurRad="63500" dist="38099" dir="2700000" algn="ctr" rotWithShape="0">
                     <a:srgbClr val="000000">
@@ -9796,14 +9796,14 @@
         <p:spPr>
           <a:extLst>
             <a:ext uri="{909E8E84-426E-40dd-AFC4-6F175D3DCCD1}">
-              <a14:hiddenFill xmlns="" xmlns:a14="http://schemas.microsoft.com/office/drawing/2010/main">
+              <a14:hiddenFill xmlns:a14="http://schemas.microsoft.com/office/drawing/2010/main" xmlns="">
                 <a:solidFill>
                   <a:srgbClr val="FFFFFF"/>
                 </a:solidFill>
               </a14:hiddenFill>
             </a:ext>
             <a:ext uri="{91240B29-F687-4f45-9708-019B960494DF}">
-              <a14:hiddenLine xmlns="" xmlns:a14="http://schemas.microsoft.com/office/drawing/2010/main" w="9525" cap="flat">
+              <a14:hiddenLine xmlns:a14="http://schemas.microsoft.com/office/drawing/2010/main" xmlns="" w="9525" cap="flat">
                 <a:solidFill>
                   <a:srgbClr val="3465A4"/>
                 </a:solidFill>
@@ -9813,7 +9813,7 @@
               </a14:hiddenLine>
             </a:ext>
             <a:ext uri="{AF507438-7753-43e0-B8FC-AC1667EBCBE1}">
-              <a14:hiddenEffects xmlns="" xmlns:a14="http://schemas.microsoft.com/office/drawing/2010/main">
+              <a14:hiddenEffects xmlns:a14="http://schemas.microsoft.com/office/drawing/2010/main" xmlns="">
                 <a:effectLst>
                   <a:outerShdw blurRad="63500" dist="38099" dir="2700000" algn="ctr" rotWithShape="0">
                     <a:schemeClr val="bg2">
@@ -10222,7 +10222,7 @@
           </a:ln>
           <a:extLst>
             <a:ext uri="{AF507438-7753-43e0-B8FC-AC1667EBCBE1}">
-              <a14:hiddenEffects xmlns="" xmlns:a14="http://schemas.microsoft.com/office/drawing/2010/main">
+              <a14:hiddenEffects xmlns:a14="http://schemas.microsoft.com/office/drawing/2010/main" xmlns="">
                 <a:effectLst>
                   <a:outerShdw blurRad="63500" dist="38099" dir="2700000" algn="ctr" rotWithShape="0">
                     <a:srgbClr val="000000">
@@ -10258,14 +10258,14 @@
           <a:effectLst/>
           <a:extLst>
             <a:ext uri="{909E8E84-426E-40dd-AFC4-6F175D3DCCD1}">
-              <a14:hiddenFill xmlns="" xmlns:a14="http://schemas.microsoft.com/office/drawing/2010/main">
+              <a14:hiddenFill xmlns:a14="http://schemas.microsoft.com/office/drawing/2010/main" xmlns="">
                 <a:solidFill>
                   <a:srgbClr val="FFFFFF"/>
                 </a:solidFill>
               </a14:hiddenFill>
             </a:ext>
             <a:ext uri="{91240B29-F687-4f45-9708-019B960494DF}">
-              <a14:hiddenLine xmlns="" xmlns:a14="http://schemas.microsoft.com/office/drawing/2010/main" w="9525" cap="flat">
+              <a14:hiddenLine xmlns:a14="http://schemas.microsoft.com/office/drawing/2010/main" xmlns="" w="9525" cap="flat">
                 <a:solidFill>
                   <a:srgbClr val="3465A4"/>
                 </a:solidFill>
@@ -10275,7 +10275,7 @@
               </a14:hiddenLine>
             </a:ext>
             <a:ext uri="{AF507438-7753-43e0-B8FC-AC1667EBCBE1}">
-              <a14:hiddenEffects xmlns="" xmlns:a14="http://schemas.microsoft.com/office/drawing/2010/main">
+              <a14:hiddenEffects xmlns:a14="http://schemas.microsoft.com/office/drawing/2010/main" xmlns="">
                 <a:effectLst>
                   <a:outerShdw blurRad="63500" dist="38099" dir="2700000" algn="ctr" rotWithShape="0">
                     <a:srgbClr val="000000">
@@ -10347,14 +10347,14 @@
         <p:spPr>
           <a:extLst>
             <a:ext uri="{909E8E84-426E-40dd-AFC4-6F175D3DCCD1}">
-              <a14:hiddenFill xmlns="" xmlns:a14="http://schemas.microsoft.com/office/drawing/2010/main">
+              <a14:hiddenFill xmlns:a14="http://schemas.microsoft.com/office/drawing/2010/main" xmlns="">
                 <a:solidFill>
                   <a:srgbClr val="FFFFFF"/>
                 </a:solidFill>
               </a14:hiddenFill>
             </a:ext>
             <a:ext uri="{91240B29-F687-4f45-9708-019B960494DF}">
-              <a14:hiddenLine xmlns="" xmlns:a14="http://schemas.microsoft.com/office/drawing/2010/main" w="9525" cap="flat">
+              <a14:hiddenLine xmlns:a14="http://schemas.microsoft.com/office/drawing/2010/main" xmlns="" w="9525" cap="flat">
                 <a:solidFill>
                   <a:srgbClr val="3465A4"/>
                 </a:solidFill>
@@ -10364,7 +10364,7 @@
               </a14:hiddenLine>
             </a:ext>
             <a:ext uri="{AF507438-7753-43e0-B8FC-AC1667EBCBE1}">
-              <a14:hiddenEffects xmlns="" xmlns:a14="http://schemas.microsoft.com/office/drawing/2010/main">
+              <a14:hiddenEffects xmlns:a14="http://schemas.microsoft.com/office/drawing/2010/main" xmlns="">
                 <a:effectLst>
                   <a:outerShdw blurRad="63500" dist="38099" dir="2700000" algn="ctr" rotWithShape="0">
                     <a:schemeClr val="bg2">
@@ -10773,7 +10773,7 @@
           </a:ln>
           <a:extLst>
             <a:ext uri="{AF507438-7753-43e0-B8FC-AC1667EBCBE1}">
-              <a14:hiddenEffects xmlns="" xmlns:a14="http://schemas.microsoft.com/office/drawing/2010/main">
+              <a14:hiddenEffects xmlns:a14="http://schemas.microsoft.com/office/drawing/2010/main" xmlns="">
                 <a:effectLst>
                   <a:outerShdw blurRad="63500" dist="38099" dir="2700000" algn="ctr" rotWithShape="0">
                     <a:srgbClr val="000000">
@@ -10809,14 +10809,14 @@
           <a:effectLst/>
           <a:extLst>
             <a:ext uri="{909E8E84-426E-40dd-AFC4-6F175D3DCCD1}">
-              <a14:hiddenFill xmlns="" xmlns:a14="http://schemas.microsoft.com/office/drawing/2010/main">
+              <a14:hiddenFill xmlns:a14="http://schemas.microsoft.com/office/drawing/2010/main" xmlns="">
                 <a:solidFill>
                   <a:srgbClr val="FFFFFF"/>
                 </a:solidFill>
               </a14:hiddenFill>
             </a:ext>
             <a:ext uri="{91240B29-F687-4f45-9708-019B960494DF}">
-              <a14:hiddenLine xmlns="" xmlns:a14="http://schemas.microsoft.com/office/drawing/2010/main" w="9525" cap="flat">
+              <a14:hiddenLine xmlns:a14="http://schemas.microsoft.com/office/drawing/2010/main" xmlns="" w="9525" cap="flat">
                 <a:solidFill>
                   <a:srgbClr val="3465A4"/>
                 </a:solidFill>
@@ -10826,7 +10826,7 @@
               </a14:hiddenLine>
             </a:ext>
             <a:ext uri="{AF507438-7753-43e0-B8FC-AC1667EBCBE1}">
-              <a14:hiddenEffects xmlns="" xmlns:a14="http://schemas.microsoft.com/office/drawing/2010/main">
+              <a14:hiddenEffects xmlns:a14="http://schemas.microsoft.com/office/drawing/2010/main" xmlns="">
                 <a:effectLst>
                   <a:outerShdw blurRad="63500" dist="38099" dir="2700000" algn="ctr" rotWithShape="0">
                     <a:srgbClr val="000000">
@@ -10903,14 +10903,14 @@
         <p:spPr>
           <a:extLst>
             <a:ext uri="{909E8E84-426E-40dd-AFC4-6F175D3DCCD1}">
-              <a14:hiddenFill xmlns="" xmlns:a14="http://schemas.microsoft.com/office/drawing/2010/main">
+              <a14:hiddenFill xmlns:a14="http://schemas.microsoft.com/office/drawing/2010/main" xmlns="">
                 <a:solidFill>
                   <a:srgbClr val="FFFFFF"/>
                 </a:solidFill>
               </a14:hiddenFill>
             </a:ext>
             <a:ext uri="{91240B29-F687-4f45-9708-019B960494DF}">
-              <a14:hiddenLine xmlns="" xmlns:a14="http://schemas.microsoft.com/office/drawing/2010/main" w="9525" cap="flat">
+              <a14:hiddenLine xmlns:a14="http://schemas.microsoft.com/office/drawing/2010/main" xmlns="" w="9525" cap="flat">
                 <a:solidFill>
                   <a:srgbClr val="3465A4"/>
                 </a:solidFill>
@@ -10920,7 +10920,7 @@
               </a14:hiddenLine>
             </a:ext>
             <a:ext uri="{AF507438-7753-43e0-B8FC-AC1667EBCBE1}">
-              <a14:hiddenEffects xmlns="" xmlns:a14="http://schemas.microsoft.com/office/drawing/2010/main">
+              <a14:hiddenEffects xmlns:a14="http://schemas.microsoft.com/office/drawing/2010/main" xmlns="">
                 <a:effectLst>
                   <a:outerShdw blurRad="63500" dist="38099" dir="2700000" algn="ctr" rotWithShape="0">
                     <a:schemeClr val="bg2">
@@ -11329,7 +11329,7 @@
           </a:ln>
           <a:extLst>
             <a:ext uri="{AF507438-7753-43e0-B8FC-AC1667EBCBE1}">
-              <a14:hiddenEffects xmlns="" xmlns:a14="http://schemas.microsoft.com/office/drawing/2010/main">
+              <a14:hiddenEffects xmlns:a14="http://schemas.microsoft.com/office/drawing/2010/main" xmlns="">
                 <a:effectLst>
                   <a:outerShdw blurRad="63500" dist="38099" dir="2700000" algn="ctr" rotWithShape="0">
                     <a:srgbClr val="000000">
@@ -11365,14 +11365,14 @@
           <a:effectLst/>
           <a:extLst>
             <a:ext uri="{909E8E84-426E-40dd-AFC4-6F175D3DCCD1}">
-              <a14:hiddenFill xmlns="" xmlns:a14="http://schemas.microsoft.com/office/drawing/2010/main">
+              <a14:hiddenFill xmlns:a14="http://schemas.microsoft.com/office/drawing/2010/main" xmlns="">
                 <a:solidFill>
                   <a:srgbClr val="FFFFFF"/>
                 </a:solidFill>
               </a14:hiddenFill>
             </a:ext>
             <a:ext uri="{91240B29-F687-4f45-9708-019B960494DF}">
-              <a14:hiddenLine xmlns="" xmlns:a14="http://schemas.microsoft.com/office/drawing/2010/main" w="9525" cap="flat">
+              <a14:hiddenLine xmlns:a14="http://schemas.microsoft.com/office/drawing/2010/main" xmlns="" w="9525" cap="flat">
                 <a:solidFill>
                   <a:srgbClr val="3465A4"/>
                 </a:solidFill>
@@ -11382,7 +11382,7 @@
               </a14:hiddenLine>
             </a:ext>
             <a:ext uri="{AF507438-7753-43e0-B8FC-AC1667EBCBE1}">
-              <a14:hiddenEffects xmlns="" xmlns:a14="http://schemas.microsoft.com/office/drawing/2010/main">
+              <a14:hiddenEffects xmlns:a14="http://schemas.microsoft.com/office/drawing/2010/main" xmlns="">
                 <a:effectLst>
                   <a:outerShdw blurRad="63500" dist="38099" dir="2700000" algn="ctr" rotWithShape="0">
                     <a:srgbClr val="000000">
@@ -11454,14 +11454,14 @@
         <p:spPr>
           <a:extLst>
             <a:ext uri="{909E8E84-426E-40dd-AFC4-6F175D3DCCD1}">
-              <a14:hiddenFill xmlns="" xmlns:a14="http://schemas.microsoft.com/office/drawing/2010/main">
+              <a14:hiddenFill xmlns:a14="http://schemas.microsoft.com/office/drawing/2010/main" xmlns="">
                 <a:solidFill>
                   <a:srgbClr val="FFFFFF"/>
                 </a:solidFill>
               </a14:hiddenFill>
             </a:ext>
             <a:ext uri="{91240B29-F687-4f45-9708-019B960494DF}">
-              <a14:hiddenLine xmlns="" xmlns:a14="http://schemas.microsoft.com/office/drawing/2010/main" w="9525" cap="flat">
+              <a14:hiddenLine xmlns:a14="http://schemas.microsoft.com/office/drawing/2010/main" xmlns="" w="9525" cap="flat">
                 <a:solidFill>
                   <a:srgbClr val="3465A4"/>
                 </a:solidFill>
@@ -11471,7 +11471,7 @@
               </a14:hiddenLine>
             </a:ext>
             <a:ext uri="{AF507438-7753-43e0-B8FC-AC1667EBCBE1}">
-              <a14:hiddenEffects xmlns="" xmlns:a14="http://schemas.microsoft.com/office/drawing/2010/main">
+              <a14:hiddenEffects xmlns:a14="http://schemas.microsoft.com/office/drawing/2010/main" xmlns="">
                 <a:effectLst>
                   <a:outerShdw blurRad="63500" dist="38099" dir="2700000" algn="ctr" rotWithShape="0">
                     <a:schemeClr val="bg2">
@@ -11880,7 +11880,7 @@
           </a:ln>
           <a:extLst>
             <a:ext uri="{AF507438-7753-43e0-B8FC-AC1667EBCBE1}">
-              <a14:hiddenEffects xmlns="" xmlns:a14="http://schemas.microsoft.com/office/drawing/2010/main">
+              <a14:hiddenEffects xmlns:a14="http://schemas.microsoft.com/office/drawing/2010/main" xmlns="">
                 <a:effectLst>
                   <a:outerShdw blurRad="63500" dist="38099" dir="2700000" algn="ctr" rotWithShape="0">
                     <a:srgbClr val="000000">
@@ -11916,14 +11916,14 @@
           <a:effectLst/>
           <a:extLst>
             <a:ext uri="{909E8E84-426E-40dd-AFC4-6F175D3DCCD1}">
-              <a14:hiddenFill xmlns="" xmlns:a14="http://schemas.microsoft.com/office/drawing/2010/main">
+              <a14:hiddenFill xmlns:a14="http://schemas.microsoft.com/office/drawing/2010/main" xmlns="">
                 <a:solidFill>
                   <a:srgbClr val="FFFFFF"/>
                 </a:solidFill>
               </a14:hiddenFill>
             </a:ext>
             <a:ext uri="{91240B29-F687-4f45-9708-019B960494DF}">
-              <a14:hiddenLine xmlns="" xmlns:a14="http://schemas.microsoft.com/office/drawing/2010/main" w="9525" cap="flat">
+              <a14:hiddenLine xmlns:a14="http://schemas.microsoft.com/office/drawing/2010/main" xmlns="" w="9525" cap="flat">
                 <a:solidFill>
                   <a:srgbClr val="3465A4"/>
                 </a:solidFill>
@@ -11933,7 +11933,7 @@
               </a14:hiddenLine>
             </a:ext>
             <a:ext uri="{AF507438-7753-43e0-B8FC-AC1667EBCBE1}">
-              <a14:hiddenEffects xmlns="" xmlns:a14="http://schemas.microsoft.com/office/drawing/2010/main">
+              <a14:hiddenEffects xmlns:a14="http://schemas.microsoft.com/office/drawing/2010/main" xmlns="">
                 <a:effectLst>
                   <a:outerShdw blurRad="63500" dist="38099" dir="2700000" algn="ctr" rotWithShape="0">
                     <a:srgbClr val="000000">
@@ -12005,14 +12005,14 @@
         <p:spPr>
           <a:extLst>
             <a:ext uri="{909E8E84-426E-40dd-AFC4-6F175D3DCCD1}">
-              <a14:hiddenFill xmlns="" xmlns:a14="http://schemas.microsoft.com/office/drawing/2010/main">
+              <a14:hiddenFill xmlns:a14="http://schemas.microsoft.com/office/drawing/2010/main" xmlns="">
                 <a:solidFill>
                   <a:srgbClr val="FFFFFF"/>
                 </a:solidFill>
               </a14:hiddenFill>
             </a:ext>
             <a:ext uri="{91240B29-F687-4f45-9708-019B960494DF}">
-              <a14:hiddenLine xmlns="" xmlns:a14="http://schemas.microsoft.com/office/drawing/2010/main" w="9525" cap="flat">
+              <a14:hiddenLine xmlns:a14="http://schemas.microsoft.com/office/drawing/2010/main" xmlns="" w="9525" cap="flat">
                 <a:solidFill>
                   <a:srgbClr val="3465A4"/>
                 </a:solidFill>
@@ -12022,7 +12022,7 @@
               </a14:hiddenLine>
             </a:ext>
             <a:ext uri="{AF507438-7753-43e0-B8FC-AC1667EBCBE1}">
-              <a14:hiddenEffects xmlns="" xmlns:a14="http://schemas.microsoft.com/office/drawing/2010/main">
+              <a14:hiddenEffects xmlns:a14="http://schemas.microsoft.com/office/drawing/2010/main" xmlns="">
                 <a:effectLst>
                   <a:outerShdw blurRad="63500" dist="38099" dir="2700000" algn="ctr" rotWithShape="0">
                     <a:schemeClr val="bg2">
@@ -12431,7 +12431,7 @@
           </a:ln>
           <a:extLst>
             <a:ext uri="{AF507438-7753-43e0-B8FC-AC1667EBCBE1}">
-              <a14:hiddenEffects xmlns="" xmlns:a14="http://schemas.microsoft.com/office/drawing/2010/main">
+              <a14:hiddenEffects xmlns:a14="http://schemas.microsoft.com/office/drawing/2010/main" xmlns="">
                 <a:effectLst>
                   <a:outerShdw blurRad="63500" dist="38099" dir="2700000" algn="ctr" rotWithShape="0">
                     <a:srgbClr val="000000">
@@ -12467,14 +12467,14 @@
           <a:effectLst/>
           <a:extLst>
             <a:ext uri="{909E8E84-426E-40dd-AFC4-6F175D3DCCD1}">
-              <a14:hiddenFill xmlns="" xmlns:a14="http://schemas.microsoft.com/office/drawing/2010/main">
+              <a14:hiddenFill xmlns:a14="http://schemas.microsoft.com/office/drawing/2010/main" xmlns="">
                 <a:solidFill>
                   <a:srgbClr val="FFFFFF"/>
                 </a:solidFill>
               </a14:hiddenFill>
             </a:ext>
             <a:ext uri="{91240B29-F687-4f45-9708-019B960494DF}">
-              <a14:hiddenLine xmlns="" xmlns:a14="http://schemas.microsoft.com/office/drawing/2010/main" w="9525" cap="flat">
+              <a14:hiddenLine xmlns:a14="http://schemas.microsoft.com/office/drawing/2010/main" xmlns="" w="9525" cap="flat">
                 <a:solidFill>
                   <a:srgbClr val="3465A4"/>
                 </a:solidFill>
@@ -12484,7 +12484,7 @@
               </a14:hiddenLine>
             </a:ext>
             <a:ext uri="{AF507438-7753-43e0-B8FC-AC1667EBCBE1}">
-              <a14:hiddenEffects xmlns="" xmlns:a14="http://schemas.microsoft.com/office/drawing/2010/main">
+              <a14:hiddenEffects xmlns:a14="http://schemas.microsoft.com/office/drawing/2010/main" xmlns="">
                 <a:effectLst>
                   <a:outerShdw blurRad="63500" dist="38099" dir="2700000" algn="ctr" rotWithShape="0">
                     <a:srgbClr val="000000">
@@ -12556,10 +12556,9 @@
           <a:lstStyle/>
           <a:p>
             <a:r>
-              <a:rPr lang="en-US" smtClean="0"/>
+              <a:rPr lang="en-US"/>
               <a:t>Click to edit Master title style</a:t>
             </a:r>
-            <a:endParaRPr lang="en-US"/>
           </a:p>
         </p:txBody>
       </p:sp>
@@ -12621,10 +12620,9 @@
           </a:lstStyle>
           <a:p>
             <a:r>
-              <a:rPr lang="en-US" smtClean="0"/>
+              <a:rPr lang="en-US"/>
               <a:t>Click to edit Master subtitle style</a:t>
             </a:r>
-            <a:endParaRPr lang="en-US"/>
           </a:p>
         </p:txBody>
       </p:sp>
@@ -12704,10 +12702,9 @@
           <a:lstStyle/>
           <a:p>
             <a:r>
-              <a:rPr lang="en-US" smtClean="0"/>
+              <a:rPr lang="en-US"/>
               <a:t>Click to edit Master title style</a:t>
             </a:r>
-            <a:endParaRPr lang="en-US"/>
           </a:p>
         </p:txBody>
       </p:sp>
@@ -12728,38 +12725,37 @@
           <a:p>
             <a:pPr lvl="0"/>
             <a:r>
-              <a:rPr lang="en-US" smtClean="0"/>
+              <a:rPr lang="en-US"/>
               <a:t>Click to edit Master text styles</a:t>
             </a:r>
           </a:p>
           <a:p>
             <a:pPr lvl="1"/>
             <a:r>
-              <a:rPr lang="en-US" smtClean="0"/>
+              <a:rPr lang="en-US"/>
               <a:t>Second level</a:t>
             </a:r>
           </a:p>
           <a:p>
             <a:pPr lvl="2"/>
             <a:r>
-              <a:rPr lang="en-US" smtClean="0"/>
+              <a:rPr lang="en-US"/>
               <a:t>Third level</a:t>
             </a:r>
           </a:p>
           <a:p>
             <a:pPr lvl="3"/>
             <a:r>
-              <a:rPr lang="en-US" smtClean="0"/>
+              <a:rPr lang="en-US"/>
               <a:t>Fourth level</a:t>
             </a:r>
           </a:p>
           <a:p>
             <a:pPr lvl="4"/>
             <a:r>
-              <a:rPr lang="en-US" smtClean="0"/>
+              <a:rPr lang="en-US"/>
               <a:t>Fifth level</a:t>
             </a:r>
-            <a:endParaRPr lang="en-US"/>
           </a:p>
         </p:txBody>
       </p:sp>
@@ -12844,10 +12840,9 @@
           <a:lstStyle/>
           <a:p>
             <a:r>
-              <a:rPr lang="en-US" smtClean="0"/>
+              <a:rPr lang="en-US"/>
               <a:t>Click to edit Master title style</a:t>
             </a:r>
-            <a:endParaRPr lang="en-US"/>
           </a:p>
         </p:txBody>
       </p:sp>
@@ -12873,38 +12868,37 @@
           <a:p>
             <a:pPr lvl="0"/>
             <a:r>
-              <a:rPr lang="en-US" smtClean="0"/>
+              <a:rPr lang="en-US"/>
               <a:t>Click to edit Master text styles</a:t>
             </a:r>
           </a:p>
           <a:p>
             <a:pPr lvl="1"/>
             <a:r>
-              <a:rPr lang="en-US" smtClean="0"/>
+              <a:rPr lang="en-US"/>
               <a:t>Second level</a:t>
             </a:r>
           </a:p>
           <a:p>
             <a:pPr lvl="2"/>
             <a:r>
-              <a:rPr lang="en-US" smtClean="0"/>
+              <a:rPr lang="en-US"/>
               <a:t>Third level</a:t>
             </a:r>
           </a:p>
           <a:p>
             <a:pPr lvl="3"/>
             <a:r>
-              <a:rPr lang="en-US" smtClean="0"/>
+              <a:rPr lang="en-US"/>
               <a:t>Fourth level</a:t>
             </a:r>
           </a:p>
           <a:p>
             <a:pPr lvl="4"/>
             <a:r>
-              <a:rPr lang="en-US" smtClean="0"/>
+              <a:rPr lang="en-US"/>
               <a:t>Fifth level</a:t>
             </a:r>
-            <a:endParaRPr lang="en-US"/>
           </a:p>
         </p:txBody>
       </p:sp>
@@ -12989,10 +12983,9 @@
           <a:lstStyle/>
           <a:p>
             <a:r>
-              <a:rPr lang="en-US" smtClean="0"/>
+              <a:rPr lang="en-US"/>
               <a:t>Click to edit Master title style</a:t>
             </a:r>
-            <a:endParaRPr lang="en-US"/>
           </a:p>
         </p:txBody>
       </p:sp>
@@ -13072,10 +13065,9 @@
           <a:lstStyle/>
           <a:p>
             <a:r>
-              <a:rPr lang="en-US" smtClean="0"/>
+              <a:rPr lang="en-US"/>
               <a:t>Click to edit Master title style</a:t>
             </a:r>
-            <a:endParaRPr lang="en-US"/>
           </a:p>
         </p:txBody>
       </p:sp>
@@ -13096,38 +13088,37 @@
           <a:p>
             <a:pPr lvl="0"/>
             <a:r>
-              <a:rPr lang="en-US" smtClean="0"/>
+              <a:rPr lang="en-US"/>
               <a:t>Click to edit Master text styles</a:t>
             </a:r>
           </a:p>
           <a:p>
             <a:pPr lvl="1"/>
             <a:r>
-              <a:rPr lang="en-US" smtClean="0"/>
+              <a:rPr lang="en-US"/>
               <a:t>Second level</a:t>
             </a:r>
           </a:p>
           <a:p>
             <a:pPr lvl="2"/>
             <a:r>
-              <a:rPr lang="en-US" smtClean="0"/>
+              <a:rPr lang="en-US"/>
               <a:t>Third level</a:t>
             </a:r>
           </a:p>
           <a:p>
             <a:pPr lvl="3"/>
             <a:r>
-              <a:rPr lang="en-US" smtClean="0"/>
+              <a:rPr lang="en-US"/>
               <a:t>Fourth level</a:t>
             </a:r>
           </a:p>
           <a:p>
             <a:pPr lvl="4"/>
             <a:r>
-              <a:rPr lang="en-US" smtClean="0"/>
+              <a:rPr lang="en-US"/>
               <a:t>Fifth level</a:t>
             </a:r>
-            <a:endParaRPr lang="en-US"/>
           </a:p>
         </p:txBody>
       </p:sp>
@@ -13216,10 +13207,9 @@
           </a:lstStyle>
           <a:p>
             <a:r>
-              <a:rPr lang="en-US" smtClean="0"/>
+              <a:rPr lang="en-US"/>
               <a:t>Click to edit Master title style</a:t>
             </a:r>
-            <a:endParaRPr lang="en-US"/>
           </a:p>
         </p:txBody>
       </p:sp>
@@ -13282,7 +13272,7 @@
           <a:p>
             <a:pPr lvl="0"/>
             <a:r>
-              <a:rPr lang="en-US" smtClean="0"/>
+              <a:rPr lang="en-US"/>
               <a:t>Click to edit Master text styles</a:t>
             </a:r>
           </a:p>
@@ -13364,10 +13354,9 @@
           <a:lstStyle/>
           <a:p>
             <a:r>
-              <a:rPr lang="en-US" smtClean="0"/>
+              <a:rPr lang="en-US"/>
               <a:t>Click to edit Master title style</a:t>
             </a:r>
-            <a:endParaRPr lang="en-US"/>
           </a:p>
         </p:txBody>
       </p:sp>
@@ -13421,38 +13410,37 @@
           <a:p>
             <a:pPr lvl="0"/>
             <a:r>
-              <a:rPr lang="en-US" smtClean="0"/>
+              <a:rPr lang="en-US"/>
               <a:t>Click to edit Master text styles</a:t>
             </a:r>
           </a:p>
           <a:p>
             <a:pPr lvl="1"/>
             <a:r>
-              <a:rPr lang="en-US" smtClean="0"/>
+              <a:rPr lang="en-US"/>
               <a:t>Second level</a:t>
             </a:r>
           </a:p>
           <a:p>
             <a:pPr lvl="2"/>
             <a:r>
-              <a:rPr lang="en-US" smtClean="0"/>
+              <a:rPr lang="en-US"/>
               <a:t>Third level</a:t>
             </a:r>
           </a:p>
           <a:p>
             <a:pPr lvl="3"/>
             <a:r>
-              <a:rPr lang="en-US" smtClean="0"/>
+              <a:rPr lang="en-US"/>
               <a:t>Fourth level</a:t>
             </a:r>
           </a:p>
           <a:p>
             <a:pPr lvl="4"/>
             <a:r>
-              <a:rPr lang="en-US" smtClean="0"/>
+              <a:rPr lang="en-US"/>
               <a:t>Fifth level</a:t>
             </a:r>
-            <a:endParaRPr lang="en-US"/>
           </a:p>
         </p:txBody>
       </p:sp>
@@ -13506,38 +13494,37 @@
           <a:p>
             <a:pPr lvl="0"/>
             <a:r>
-              <a:rPr lang="en-US" smtClean="0"/>
+              <a:rPr lang="en-US"/>
               <a:t>Click to edit Master text styles</a:t>
             </a:r>
           </a:p>
           <a:p>
             <a:pPr lvl="1"/>
             <a:r>
-              <a:rPr lang="en-US" smtClean="0"/>
+              <a:rPr lang="en-US"/>
               <a:t>Second level</a:t>
             </a:r>
           </a:p>
           <a:p>
             <a:pPr lvl="2"/>
             <a:r>
-              <a:rPr lang="en-US" smtClean="0"/>
+              <a:rPr lang="en-US"/>
               <a:t>Third level</a:t>
             </a:r>
           </a:p>
           <a:p>
             <a:pPr lvl="3"/>
             <a:r>
-              <a:rPr lang="en-US" smtClean="0"/>
+              <a:rPr lang="en-US"/>
               <a:t>Fourth level</a:t>
             </a:r>
           </a:p>
           <a:p>
             <a:pPr lvl="4"/>
             <a:r>
-              <a:rPr lang="en-US" smtClean="0"/>
+              <a:rPr lang="en-US"/>
               <a:t>Fifth level</a:t>
             </a:r>
-            <a:endParaRPr lang="en-US"/>
           </a:p>
         </p:txBody>
       </p:sp>
@@ -13626,10 +13613,9 @@
           </a:lstStyle>
           <a:p>
             <a:r>
-              <a:rPr lang="en-US" smtClean="0"/>
+              <a:rPr lang="en-US"/>
               <a:t>Click to edit Master title style</a:t>
             </a:r>
-            <a:endParaRPr lang="en-US"/>
           </a:p>
         </p:txBody>
       </p:sp>
@@ -13692,7 +13678,7 @@
           <a:p>
             <a:pPr lvl="0"/>
             <a:r>
-              <a:rPr lang="en-US" smtClean="0"/>
+              <a:rPr lang="en-US"/>
               <a:t>Click to edit Master text styles</a:t>
             </a:r>
           </a:p>
@@ -13748,38 +13734,37 @@
           <a:p>
             <a:pPr lvl="0"/>
             <a:r>
-              <a:rPr lang="en-US" smtClean="0"/>
+              <a:rPr lang="en-US"/>
               <a:t>Click to edit Master text styles</a:t>
             </a:r>
           </a:p>
           <a:p>
             <a:pPr lvl="1"/>
             <a:r>
-              <a:rPr lang="en-US" smtClean="0"/>
+              <a:rPr lang="en-US"/>
               <a:t>Second level</a:t>
             </a:r>
           </a:p>
           <a:p>
             <a:pPr lvl="2"/>
             <a:r>
-              <a:rPr lang="en-US" smtClean="0"/>
+              <a:rPr lang="en-US"/>
               <a:t>Third level</a:t>
             </a:r>
           </a:p>
           <a:p>
             <a:pPr lvl="3"/>
             <a:r>
-              <a:rPr lang="en-US" smtClean="0"/>
+              <a:rPr lang="en-US"/>
               <a:t>Fourth level</a:t>
             </a:r>
           </a:p>
           <a:p>
             <a:pPr lvl="4"/>
             <a:r>
-              <a:rPr lang="en-US" smtClean="0"/>
+              <a:rPr lang="en-US"/>
               <a:t>Fifth level</a:t>
             </a:r>
-            <a:endParaRPr lang="en-US"/>
           </a:p>
         </p:txBody>
       </p:sp>
@@ -13842,7 +13827,7 @@
           <a:p>
             <a:pPr lvl="0"/>
             <a:r>
-              <a:rPr lang="en-US" smtClean="0"/>
+              <a:rPr lang="en-US"/>
               <a:t>Click to edit Master text styles</a:t>
             </a:r>
           </a:p>
@@ -13898,38 +13883,37 @@
           <a:p>
             <a:pPr lvl="0"/>
             <a:r>
-              <a:rPr lang="en-US" smtClean="0"/>
+              <a:rPr lang="en-US"/>
               <a:t>Click to edit Master text styles</a:t>
             </a:r>
           </a:p>
           <a:p>
             <a:pPr lvl="1"/>
             <a:r>
-              <a:rPr lang="en-US" smtClean="0"/>
+              <a:rPr lang="en-US"/>
               <a:t>Second level</a:t>
             </a:r>
           </a:p>
           <a:p>
             <a:pPr lvl="2"/>
             <a:r>
-              <a:rPr lang="en-US" smtClean="0"/>
+              <a:rPr lang="en-US"/>
               <a:t>Third level</a:t>
             </a:r>
           </a:p>
           <a:p>
             <a:pPr lvl="3"/>
             <a:r>
-              <a:rPr lang="en-US" smtClean="0"/>
+              <a:rPr lang="en-US"/>
               <a:t>Fourth level</a:t>
             </a:r>
           </a:p>
           <a:p>
             <a:pPr lvl="4"/>
             <a:r>
-              <a:rPr lang="en-US" smtClean="0"/>
+              <a:rPr lang="en-US"/>
               <a:t>Fifth level</a:t>
             </a:r>
-            <a:endParaRPr lang="en-US"/>
           </a:p>
         </p:txBody>
       </p:sp>
@@ -14009,10 +13993,9 @@
           <a:lstStyle/>
           <a:p>
             <a:r>
-              <a:rPr lang="en-US" smtClean="0"/>
+              <a:rPr lang="en-US"/>
               <a:t>Click to edit Master title style</a:t>
             </a:r>
-            <a:endParaRPr lang="en-US"/>
           </a:p>
         </p:txBody>
       </p:sp>
@@ -14161,10 +14144,9 @@
           </a:lstStyle>
           <a:p>
             <a:r>
-              <a:rPr lang="en-US" smtClean="0"/>
+              <a:rPr lang="en-US"/>
               <a:t>Click to edit Master title style</a:t>
             </a:r>
-            <a:endParaRPr lang="en-US"/>
           </a:p>
         </p:txBody>
       </p:sp>
@@ -14218,38 +14200,37 @@
           <a:p>
             <a:pPr lvl="0"/>
             <a:r>
-              <a:rPr lang="en-US" smtClean="0"/>
+              <a:rPr lang="en-US"/>
               <a:t>Click to edit Master text styles</a:t>
             </a:r>
           </a:p>
           <a:p>
             <a:pPr lvl="1"/>
             <a:r>
-              <a:rPr lang="en-US" smtClean="0"/>
+              <a:rPr lang="en-US"/>
               <a:t>Second level</a:t>
             </a:r>
           </a:p>
           <a:p>
             <a:pPr lvl="2"/>
             <a:r>
-              <a:rPr lang="en-US" smtClean="0"/>
+              <a:rPr lang="en-US"/>
               <a:t>Third level</a:t>
             </a:r>
           </a:p>
           <a:p>
             <a:pPr lvl="3"/>
             <a:r>
-              <a:rPr lang="en-US" smtClean="0"/>
+              <a:rPr lang="en-US"/>
               <a:t>Fourth level</a:t>
             </a:r>
           </a:p>
           <a:p>
             <a:pPr lvl="4"/>
             <a:r>
-              <a:rPr lang="en-US" smtClean="0"/>
+              <a:rPr lang="en-US"/>
               <a:t>Fifth level</a:t>
             </a:r>
-            <a:endParaRPr lang="en-US"/>
           </a:p>
         </p:txBody>
       </p:sp>
@@ -14312,7 +14293,7 @@
           <a:p>
             <a:pPr lvl="0"/>
             <a:r>
-              <a:rPr lang="en-US" smtClean="0"/>
+              <a:rPr lang="en-US"/>
               <a:t>Click to edit Master text styles</a:t>
             </a:r>
           </a:p>
@@ -14403,10 +14384,9 @@
           </a:lstStyle>
           <a:p>
             <a:r>
-              <a:rPr lang="en-US" smtClean="0"/>
+              <a:rPr lang="en-US"/>
               <a:t>Click to edit Master title style</a:t>
             </a:r>
-            <a:endParaRPr lang="en-US"/>
           </a:p>
         </p:txBody>
       </p:sp>
@@ -14468,7 +14448,7 @@
           </a:lstStyle>
           <a:p>
             <a:pPr lvl="0"/>
-            <a:endParaRPr lang="en-US" noProof="0" smtClean="0"/>
+            <a:endParaRPr lang="en-US" noProof="0"/>
           </a:p>
         </p:txBody>
       </p:sp>
@@ -14531,7 +14511,7 @@
           <a:p>
             <a:pPr lvl="0"/>
             <a:r>
-              <a:rPr lang="en-US" smtClean="0"/>
+              <a:rPr lang="en-US"/>
               <a:t>Click to edit Master text styles</a:t>
             </a:r>
           </a:p>
@@ -14637,7 +14617,7 @@
           <a:effectLst/>
           <a:extLst>
             <a:ext uri="{AF507438-7753-43e0-B8FC-AC1667EBCBE1}">
-              <a14:hiddenEffects xmlns="" xmlns:a14="http://schemas.microsoft.com/office/drawing/2010/main">
+              <a14:hiddenEffects xmlns:a14="http://schemas.microsoft.com/office/drawing/2010/main" xmlns="">
                 <a:effectLst>
                   <a:outerShdw blurRad="63500" dist="38099" dir="2700000" algn="ctr" rotWithShape="0">
                     <a:srgbClr val="000000">
@@ -14687,17 +14667,17 @@
           <a:effectLst/>
           <a:extLst>
             <a:ext uri="{FAA26D3D-D897-4be2-8F04-BA451C77F1D7}">
-              <ma14:placeholderFlag xmlns:ma14="http://schemas.microsoft.com/office/mac/drawingml/2011/main" val="1"/>
+              <ma14:placeholderFlag xmlns:ma14="http://schemas.microsoft.com/office/mac/drawingml/2011/main" xmlns="" val="1"/>
             </a:ext>
             <a:ext uri="{909E8E84-426E-40dd-AFC4-6F175D3DCCD1}">
-              <a14:hiddenFill xmlns="" xmlns:a14="http://schemas.microsoft.com/office/drawing/2010/main">
+              <a14:hiddenFill xmlns:a14="http://schemas.microsoft.com/office/drawing/2010/main" xmlns="">
                 <a:solidFill>
                   <a:srgbClr val="FFFFFF"/>
                 </a:solidFill>
               </a14:hiddenFill>
             </a:ext>
             <a:ext uri="{91240B29-F687-4f45-9708-019B960494DF}">
-              <a14:hiddenLine xmlns="" xmlns:a14="http://schemas.microsoft.com/office/drawing/2010/main" w="9525" cap="flat">
+              <a14:hiddenLine xmlns:a14="http://schemas.microsoft.com/office/drawing/2010/main" xmlns="" w="9525" cap="flat">
                 <a:solidFill>
                   <a:srgbClr val="3465A4"/>
                 </a:solidFill>
@@ -14707,7 +14687,7 @@
               </a14:hiddenLine>
             </a:ext>
             <a:ext uri="{AF507438-7753-43e0-B8FC-AC1667EBCBE1}">
-              <a14:hiddenEffects xmlns="" xmlns:a14="http://schemas.microsoft.com/office/drawing/2010/main">
+              <a14:hiddenEffects xmlns:a14="http://schemas.microsoft.com/office/drawing/2010/main" xmlns="">
                 <a:effectLst>
                   <a:outerShdw blurRad="63500" dist="38099" dir="2700000" algn="ctr" rotWithShape="0">
                     <a:schemeClr val="bg2">
@@ -14760,17 +14740,17 @@
           <a:effectLst/>
           <a:extLst>
             <a:ext uri="{FAA26D3D-D897-4be2-8F04-BA451C77F1D7}">
-              <ma14:placeholderFlag xmlns:ma14="http://schemas.microsoft.com/office/mac/drawingml/2011/main" val="1"/>
+              <ma14:placeholderFlag xmlns:ma14="http://schemas.microsoft.com/office/mac/drawingml/2011/main" xmlns="" val="1"/>
             </a:ext>
             <a:ext uri="{909E8E84-426E-40dd-AFC4-6F175D3DCCD1}">
-              <a14:hiddenFill xmlns="" xmlns:a14="http://schemas.microsoft.com/office/drawing/2010/main">
+              <a14:hiddenFill xmlns:a14="http://schemas.microsoft.com/office/drawing/2010/main" xmlns="">
                 <a:solidFill>
                   <a:srgbClr val="FFFFFF"/>
                 </a:solidFill>
               </a14:hiddenFill>
             </a:ext>
             <a:ext uri="{91240B29-F687-4f45-9708-019B960494DF}">
-              <a14:hiddenLine xmlns="" xmlns:a14="http://schemas.microsoft.com/office/drawing/2010/main" w="9525" cap="flat">
+              <a14:hiddenLine xmlns:a14="http://schemas.microsoft.com/office/drawing/2010/main" xmlns="" w="9525" cap="flat">
                 <a:solidFill>
                   <a:srgbClr val="3465A4"/>
                 </a:solidFill>
@@ -14780,7 +14760,7 @@
               </a14:hiddenLine>
             </a:ext>
             <a:ext uri="{AF507438-7753-43e0-B8FC-AC1667EBCBE1}">
-              <a14:hiddenEffects xmlns="" xmlns:a14="http://schemas.microsoft.com/office/drawing/2010/main">
+              <a14:hiddenEffects xmlns:a14="http://schemas.microsoft.com/office/drawing/2010/main" xmlns="">
                 <a:effectLst>
                   <a:outerShdw blurRad="63500" dist="38099" dir="2700000" algn="ctr" rotWithShape="0">
                     <a:schemeClr val="bg2">
@@ -14873,14 +14853,14 @@
           <a:effectLst/>
           <a:extLst>
             <a:ext uri="{909E8E84-426E-40dd-AFC4-6F175D3DCCD1}">
-              <a14:hiddenFill xmlns="" xmlns:a14="http://schemas.microsoft.com/office/drawing/2010/main">
+              <a14:hiddenFill xmlns:a14="http://schemas.microsoft.com/office/drawing/2010/main" xmlns="">
                 <a:solidFill>
                   <a:srgbClr val="FFFFFF"/>
                 </a:solidFill>
               </a14:hiddenFill>
             </a:ext>
             <a:ext uri="{91240B29-F687-4f45-9708-019B960494DF}">
-              <a14:hiddenLine xmlns="" xmlns:a14="http://schemas.microsoft.com/office/drawing/2010/main" w="9525" cap="flat">
+              <a14:hiddenLine xmlns:a14="http://schemas.microsoft.com/office/drawing/2010/main" xmlns="" w="9525" cap="flat">
                 <a:solidFill>
                   <a:srgbClr val="3465A4"/>
                 </a:solidFill>
@@ -14890,7 +14870,7 @@
               </a14:hiddenLine>
             </a:ext>
             <a:ext uri="{AF507438-7753-43e0-B8FC-AC1667EBCBE1}">
-              <a14:hiddenEffects xmlns="" xmlns:a14="http://schemas.microsoft.com/office/drawing/2010/main">
+              <a14:hiddenEffects xmlns:a14="http://schemas.microsoft.com/office/drawing/2010/main" xmlns="">
                 <a:effectLst>
                   <a:outerShdw blurRad="63500" dist="38099" dir="2700000" algn="ctr" rotWithShape="0">
                     <a:srgbClr val="000000">
@@ -14940,17 +14920,17 @@
           <a:effectLst/>
           <a:extLst>
             <a:ext uri="{FAA26D3D-D897-4be2-8F04-BA451C77F1D7}">
-              <ma14:placeholderFlag xmlns:ma14="http://schemas.microsoft.com/office/mac/drawingml/2011/main" val="1"/>
+              <ma14:placeholderFlag xmlns:ma14="http://schemas.microsoft.com/office/mac/drawingml/2011/main" xmlns="" val="1"/>
             </a:ext>
             <a:ext uri="{909E8E84-426E-40dd-AFC4-6F175D3DCCD1}">
-              <a14:hiddenFill xmlns="" xmlns:a14="http://schemas.microsoft.com/office/drawing/2010/main">
+              <a14:hiddenFill xmlns:a14="http://schemas.microsoft.com/office/drawing/2010/main" xmlns="">
                 <a:solidFill>
                   <a:srgbClr val="FFFFFF"/>
                 </a:solidFill>
               </a14:hiddenFill>
             </a:ext>
             <a:ext uri="{91240B29-F687-4f45-9708-019B960494DF}">
-              <a14:hiddenLine xmlns="" xmlns:a14="http://schemas.microsoft.com/office/drawing/2010/main" w="9525" cap="flat">
+              <a14:hiddenLine xmlns:a14="http://schemas.microsoft.com/office/drawing/2010/main" xmlns="" w="9525" cap="flat">
                 <a:solidFill>
                   <a:srgbClr val="3465A4"/>
                 </a:solidFill>
@@ -14960,7 +14940,7 @@
               </a14:hiddenLine>
             </a:ext>
             <a:ext uri="{AF507438-7753-43e0-B8FC-AC1667EBCBE1}">
-              <a14:hiddenEffects xmlns="" xmlns:a14="http://schemas.microsoft.com/office/drawing/2010/main">
+              <a14:hiddenEffects xmlns:a14="http://schemas.microsoft.com/office/drawing/2010/main" xmlns="">
                 <a:effectLst>
                   <a:outerShdw blurRad="63500" dist="38099" dir="2700000" algn="ctr" rotWithShape="0">
                     <a:schemeClr val="bg2">
@@ -15059,7 +15039,7 @@
           <a:effectLst/>
           <a:extLst>
             <a:ext uri="{909E8E84-426E-40dd-AFC4-6F175D3DCCD1}">
-              <a14:hiddenFill xmlns="" xmlns:a14="http://schemas.microsoft.com/office/drawing/2010/main">
+              <a14:hiddenFill xmlns:a14="http://schemas.microsoft.com/office/drawing/2010/main" xmlns="">
                 <a:blipFill dpi="0" rotWithShape="0">
                   <a:blip xmlns:r="http://schemas.openxmlformats.org/officeDocument/2006/relationships"/>
                   <a:srcRect/>
@@ -15070,7 +15050,7 @@
               </a14:hiddenFill>
             </a:ext>
             <a:ext uri="{91240B29-F687-4f45-9708-019B960494DF}">
-              <a14:hiddenLine xmlns="" xmlns:a14="http://schemas.microsoft.com/office/drawing/2010/main" w="9525" cap="flat">
+              <a14:hiddenLine xmlns:a14="http://schemas.microsoft.com/office/drawing/2010/main" xmlns="" w="9525" cap="flat">
                 <a:solidFill>
                   <a:srgbClr val="3465A4"/>
                 </a:solidFill>
@@ -15080,7 +15060,7 @@
               </a14:hiddenLine>
             </a:ext>
             <a:ext uri="{AF507438-7753-43e0-B8FC-AC1667EBCBE1}">
-              <a14:hiddenEffects xmlns="" xmlns:a14="http://schemas.microsoft.com/office/drawing/2010/main">
+              <a14:hiddenEffects xmlns:a14="http://schemas.microsoft.com/office/drawing/2010/main" xmlns="">
                 <a:effectLst>
                   <a:outerShdw blurRad="63500" dist="38099" dir="2700000" algn="ctr" rotWithShape="0">
                     <a:srgbClr val="000000">
@@ -15116,14 +15096,14 @@
           <a:effectLst/>
           <a:extLst>
             <a:ext uri="{909E8E84-426E-40dd-AFC4-6F175D3DCCD1}">
-              <a14:hiddenFill xmlns="" xmlns:a14="http://schemas.microsoft.com/office/drawing/2010/main">
+              <a14:hiddenFill xmlns:a14="http://schemas.microsoft.com/office/drawing/2010/main" xmlns="">
                 <a:solidFill>
                   <a:srgbClr val="FFFFFF"/>
                 </a:solidFill>
               </a14:hiddenFill>
             </a:ext>
             <a:ext uri="{91240B29-F687-4f45-9708-019B960494DF}">
-              <a14:hiddenLine xmlns="" xmlns:a14="http://schemas.microsoft.com/office/drawing/2010/main" w="9525" cap="flat">
+              <a14:hiddenLine xmlns:a14="http://schemas.microsoft.com/office/drawing/2010/main" xmlns="" w="9525" cap="flat">
                 <a:solidFill>
                   <a:srgbClr val="3465A4"/>
                 </a:solidFill>
@@ -15133,7 +15113,7 @@
               </a14:hiddenLine>
             </a:ext>
             <a:ext uri="{AF507438-7753-43e0-B8FC-AC1667EBCBE1}">
-              <a14:hiddenEffects xmlns="" xmlns:a14="http://schemas.microsoft.com/office/drawing/2010/main">
+              <a14:hiddenEffects xmlns:a14="http://schemas.microsoft.com/office/drawing/2010/main" xmlns="">
                 <a:effectLst>
                   <a:outerShdw blurRad="63500" dist="38099" dir="2700000" algn="ctr" rotWithShape="0">
                     <a:srgbClr val="000000">
@@ -15789,7 +15769,7 @@
               <a:defRPr/>
             </a:pPr>
             <a:r>
-              <a:rPr lang="en-GB" dirty="0" smtClean="0"/>
+              <a:rPr lang="en-GB" dirty="0"/>
               <a:t>Network Time Protocol (NTP)</a:t>
             </a:r>
           </a:p>
@@ -15964,13 +15944,8 @@
             </a:r>
             <a:r>
               <a:rPr lang="en-GB" altLang="x-none" dirty="0"/>
-              <a:t> </a:t>
+              <a:t> 2018</a:t>
             </a:r>
-            <a:r>
-              <a:rPr lang="en-GB" altLang="x-none" dirty="0" smtClean="0"/>
-              <a:t>2017</a:t>
-            </a:r>
-            <a:endParaRPr lang="en-GB" altLang="x-none" dirty="0"/>
           </a:p>
           <a:p>
             <a:pPr marL="215900" indent="-215900" algn="ctr" eaLnBrk="1">
@@ -16041,16 +16016,8 @@
               </a:tabLst>
             </a:pPr>
             <a:r>
-              <a:rPr lang="en-GB" altLang="x-none" sz="2400" dirty="0" smtClean="0"/>
-              <a:t>(</a:t>
-            </a:r>
-            <a:r>
-              <a:rPr lang="en-GB" altLang="x-none" sz="2400" dirty="0" err="1" smtClean="0"/>
-              <a:t>Ayitey</a:t>
-            </a:r>
-            <a:r>
-              <a:rPr lang="en-GB" altLang="x-none" sz="2400" dirty="0" smtClean="0"/>
-              <a:t> Bulley)</a:t>
+              <a:rPr lang="en-GB" altLang="x-none" sz="2400" dirty="0"/>
+              <a:t>(Michuki Mwangi)</a:t>
             </a:r>
             <a:r>
               <a:rPr lang="ar-SA" altLang="x-none" sz="2400" dirty="0">
@@ -16092,6 +16059,24 @@
                 <a:tab pos="9015413" algn="l"/>
               </a:tabLst>
             </a:pPr>
+            <a:r>
+              <a:rPr lang="en-US" altLang="x-none" sz="2400" dirty="0">
+                <a:latin typeface="DejaVu Sans" charset="0"/>
+              </a:rPr>
+              <a:t>Original slides by </a:t>
+            </a:r>
+            <a:r>
+              <a:rPr lang="en-US" altLang="x-none" sz="2400" dirty="0" err="1">
+                <a:latin typeface="DejaVu Sans" charset="0"/>
+              </a:rPr>
+              <a:t>Ayitey</a:t>
+            </a:r>
+            <a:r>
+              <a:rPr lang="en-US" altLang="x-none" sz="2400">
+                <a:latin typeface="DejaVu Sans" charset="0"/>
+              </a:rPr>
+              <a:t> Bulley</a:t>
+            </a:r>
             <a:endParaRPr lang="ar-SA" altLang="x-none" sz="2400" dirty="0">
               <a:latin typeface="DejaVu Sans" charset="0"/>
             </a:endParaRPr>
@@ -16184,14 +16169,14 @@
           <a:effectLst/>
           <a:extLst>
             <a:ext uri="{909E8E84-426E-40dd-AFC4-6F175D3DCCD1}">
-              <a14:hiddenFill xmlns="" xmlns:a14="http://schemas.microsoft.com/office/drawing/2010/main">
+              <a14:hiddenFill xmlns:a14="http://schemas.microsoft.com/office/drawing/2010/main" xmlns="">
                 <a:solidFill>
                   <a:srgbClr val="FFFFFF"/>
                 </a:solidFill>
               </a14:hiddenFill>
             </a:ext>
             <a:ext uri="{91240B29-F687-4f45-9708-019B960494DF}">
-              <a14:hiddenLine xmlns="" xmlns:a14="http://schemas.microsoft.com/office/drawing/2010/main" w="9525" cap="flat">
+              <a14:hiddenLine xmlns:a14="http://schemas.microsoft.com/office/drawing/2010/main" xmlns="" w="9525" cap="flat">
                 <a:solidFill>
                   <a:srgbClr val="3465A4"/>
                 </a:solidFill>
@@ -16201,7 +16186,7 @@
               </a14:hiddenLine>
             </a:ext>
             <a:ext uri="{AF507438-7753-43e0-B8FC-AC1667EBCBE1}">
-              <a14:hiddenEffects xmlns="" xmlns:a14="http://schemas.microsoft.com/office/drawing/2010/main">
+              <a14:hiddenEffects xmlns:a14="http://schemas.microsoft.com/office/drawing/2010/main" xmlns="">
                 <a:effectLst>
                   <a:outerShdw blurRad="63500" dist="38099" dir="2700000" algn="ctr" rotWithShape="0">
                     <a:srgbClr val="000000">
@@ -16582,7 +16567,7 @@
               <a:defRPr/>
             </a:pPr>
             <a:r>
-              <a:rPr lang="en-US" sz="4400" b="1" dirty="0" smtClean="0">
+              <a:rPr lang="en-US" sz="4400" b="1" dirty="0">
                 <a:latin typeface="Trebuchet MS" charset="0"/>
               </a:rPr>
               <a:t>Step 2: NTP Server Configuration </a:t>
@@ -16613,14 +16598,14 @@
           <a:effectLst/>
           <a:extLst>
             <a:ext uri="{909E8E84-426E-40dd-AFC4-6F175D3DCCD1}">
-              <a14:hiddenFill xmlns="" xmlns:a14="http://schemas.microsoft.com/office/drawing/2010/main">
+              <a14:hiddenFill xmlns:a14="http://schemas.microsoft.com/office/drawing/2010/main" xmlns="">
                 <a:solidFill>
                   <a:srgbClr val="FFFFFF"/>
                 </a:solidFill>
               </a14:hiddenFill>
             </a:ext>
             <a:ext uri="{91240B29-F687-4f45-9708-019B960494DF}">
-              <a14:hiddenLine xmlns="" xmlns:a14="http://schemas.microsoft.com/office/drawing/2010/main" w="9525" cap="flat">
+              <a14:hiddenLine xmlns:a14="http://schemas.microsoft.com/office/drawing/2010/main" xmlns="" w="9525" cap="flat">
                 <a:solidFill>
                   <a:srgbClr val="3465A4"/>
                 </a:solidFill>
@@ -16630,7 +16615,7 @@
               </a14:hiddenLine>
             </a:ext>
             <a:ext uri="{AF507438-7753-43e0-B8FC-AC1667EBCBE1}">
-              <a14:hiddenEffects xmlns="" xmlns:a14="http://schemas.microsoft.com/office/drawing/2010/main">
+              <a14:hiddenEffects xmlns:a14="http://schemas.microsoft.com/office/drawing/2010/main" xmlns="">
                 <a:effectLst>
                   <a:outerShdw blurRad="63500" dist="38099" dir="2700000" algn="ctr" rotWithShape="0">
                     <a:srgbClr val="000000">
@@ -17006,7 +16991,7 @@
               <a:buChar char=""/>
             </a:pPr>
             <a:r>
-              <a:rPr lang="en-US" altLang="x-none" sz="2800" dirty="0" err="1" smtClean="0">
+              <a:rPr lang="en-US" altLang="x-none" sz="2800" dirty="0" err="1">
                 <a:solidFill>
                   <a:srgbClr val="000000"/>
                 </a:solidFill>
@@ -17016,7 +17001,7 @@
               <a:t>Debian</a:t>
             </a:r>
             <a:r>
-              <a:rPr lang="en-US" altLang="x-none" sz="2800" dirty="0" smtClean="0">
+              <a:rPr lang="en-US" altLang="x-none" sz="2800" dirty="0">
                 <a:solidFill>
                   <a:srgbClr val="000000"/>
                 </a:solidFill>
@@ -17064,7 +17049,7 @@
               <a:buFont typeface="Wingdings" charset="2"/>
               <a:buChar char=""/>
             </a:pPr>
-            <a:endParaRPr lang="en-US" altLang="x-none" sz="2800" dirty="0" smtClean="0">
+            <a:endParaRPr lang="en-US" altLang="x-none" sz="2800" dirty="0">
               <a:solidFill>
                 <a:srgbClr val="000000"/>
               </a:solidFill>
@@ -17087,7 +17072,7 @@
               <a:buFont typeface="Wingdings" charset="2"/>
               <a:buChar char=""/>
             </a:pPr>
-            <a:endParaRPr lang="en-US" altLang="x-none" sz="2800" dirty="0" smtClean="0">
+            <a:endParaRPr lang="en-US" altLang="x-none" sz="2800" dirty="0">
               <a:solidFill>
                 <a:srgbClr val="000000"/>
               </a:solidFill>
@@ -17118,20 +17103,10 @@
                 <a:ea typeface="Arial" charset="0"/>
                 <a:cs typeface="Arial" charset="0"/>
               </a:rPr>
-              <a:t>n</a:t>
+              <a:t>ntp.org</a:t>
             </a:r>
             <a:r>
-              <a:rPr lang="en-US" altLang="x-none" sz="2800" dirty="0" err="1" smtClean="0">
-                <a:solidFill>
-                  <a:srgbClr val="000000"/>
-                </a:solidFill>
-                <a:ea typeface="Arial" charset="0"/>
-                <a:cs typeface="Arial" charset="0"/>
-              </a:rPr>
-              <a:t>tp.org</a:t>
-            </a:r>
-            <a:r>
-              <a:rPr lang="en-US" altLang="x-none" sz="2800" dirty="0" smtClean="0">
+              <a:rPr lang="en-US" altLang="x-none" sz="2800" dirty="0">
                 <a:solidFill>
                   <a:srgbClr val="000000"/>
                 </a:solidFill>
@@ -17156,7 +17131,7 @@
               <a:buFont typeface="Wingdings" charset="2"/>
               <a:buChar char=""/>
             </a:pPr>
-            <a:endParaRPr lang="en-US" altLang="x-none" sz="2800" dirty="0" smtClean="0">
+            <a:endParaRPr lang="en-US" altLang="x-none" sz="2800" dirty="0">
               <a:solidFill>
                 <a:srgbClr val="000000"/>
               </a:solidFill>
@@ -17179,7 +17154,7 @@
               <a:buFont typeface="Wingdings" charset="2"/>
               <a:buChar char=""/>
             </a:pPr>
-            <a:endParaRPr lang="en-US" altLang="x-none" sz="2800" dirty="0" smtClean="0">
+            <a:endParaRPr lang="en-US" altLang="x-none" sz="2800" dirty="0">
               <a:solidFill>
                 <a:srgbClr val="000000"/>
               </a:solidFill>
@@ -17202,7 +17177,7 @@
               <a:buFont typeface="Wingdings" charset="2"/>
               <a:buChar char=""/>
             </a:pPr>
-            <a:endParaRPr lang="en-US" altLang="x-none" sz="2800" dirty="0" smtClean="0">
+            <a:endParaRPr lang="en-US" altLang="x-none" sz="2800" dirty="0">
               <a:solidFill>
                 <a:srgbClr val="000000"/>
               </a:solidFill>
@@ -17226,7 +17201,7 @@
               <a:buChar char=""/>
             </a:pPr>
             <a:r>
-              <a:rPr lang="en-US" altLang="x-none" sz="2800" dirty="0" smtClean="0">
+              <a:rPr lang="en-US" altLang="x-none" sz="2800" dirty="0">
                 <a:solidFill>
                   <a:srgbClr val="000000"/>
                 </a:solidFill>
@@ -17250,7 +17225,7 @@
               <a:buSzPct val="45000"/>
             </a:pPr>
             <a:r>
-              <a:rPr lang="en-US" altLang="x-none" dirty="0" smtClean="0">
+              <a:rPr lang="en-US" altLang="x-none" dirty="0">
                 <a:solidFill>
                   <a:srgbClr val="000000"/>
                 </a:solidFill>
@@ -17260,7 +17235,7 @@
               <a:t>http://</a:t>
             </a:r>
             <a:r>
-              <a:rPr lang="en-US" altLang="x-none" dirty="0" err="1" smtClean="0">
+              <a:rPr lang="en-US" altLang="x-none" dirty="0" err="1">
                 <a:solidFill>
                   <a:srgbClr val="000000"/>
                 </a:solidFill>
@@ -17270,7 +17245,7 @@
               <a:t>tf.nist.gov</a:t>
             </a:r>
             <a:r>
-              <a:rPr lang="en-US" altLang="x-none" dirty="0" smtClean="0">
+              <a:rPr lang="en-US" altLang="x-none" dirty="0">
                 <a:solidFill>
                   <a:srgbClr val="000000"/>
                 </a:solidFill>
@@ -17280,7 +17255,7 @@
               <a:t>/</a:t>
             </a:r>
             <a:r>
-              <a:rPr lang="en-US" altLang="x-none" dirty="0" err="1" smtClean="0">
+              <a:rPr lang="en-US" altLang="x-none" dirty="0" err="1">
                 <a:solidFill>
                   <a:srgbClr val="000000"/>
                 </a:solidFill>
@@ -17290,7 +17265,7 @@
               <a:t>tf-cgi</a:t>
             </a:r>
             <a:r>
-              <a:rPr lang="en-US" altLang="x-none" dirty="0" smtClean="0">
+              <a:rPr lang="en-US" altLang="x-none" dirty="0">
                 <a:solidFill>
                   <a:srgbClr val="000000"/>
                 </a:solidFill>
@@ -17300,7 +17275,7 @@
               <a:t>/</a:t>
             </a:r>
             <a:r>
-              <a:rPr lang="en-US" altLang="x-none" dirty="0" err="1" smtClean="0">
+              <a:rPr lang="en-US" altLang="x-none" dirty="0" err="1">
                 <a:solidFill>
                   <a:srgbClr val="000000"/>
                 </a:solidFill>
@@ -17309,7 +17284,7 @@
               </a:rPr>
               <a:t>servers.cgi</a:t>
             </a:r>
-            <a:endParaRPr lang="en-US" altLang="x-none" dirty="0" smtClean="0">
+            <a:endParaRPr lang="en-US" altLang="x-none" dirty="0">
               <a:solidFill>
                 <a:srgbClr val="000000"/>
               </a:solidFill>
@@ -17451,7 +17426,7 @@
               <a:t>server 3.debian.pool.ntp.org </a:t>
             </a:r>
             <a:r>
-              <a:rPr lang="en-US" dirty="0" err="1" smtClean="0">
+              <a:rPr lang="en-US" dirty="0" err="1">
                 <a:solidFill>
                   <a:schemeClr val="tx1"/>
                 </a:solidFill>
@@ -17497,7 +17472,7 @@
           <a:lstStyle/>
           <a:p>
             <a:r>
-              <a:rPr lang="en-US" dirty="0" smtClean="0">
+              <a:rPr lang="en-US" dirty="0">
                 <a:solidFill>
                   <a:schemeClr val="tx1"/>
                 </a:solidFill>
@@ -17508,7 +17483,7 @@
               <a:t>server 0.pool.ntp.org </a:t>
             </a:r>
             <a:r>
-              <a:rPr lang="en-US" dirty="0" err="1" smtClean="0">
+              <a:rPr lang="en-US" dirty="0" err="1">
                 <a:solidFill>
                   <a:schemeClr val="tx1"/>
                 </a:solidFill>
@@ -17518,7 +17493,7 @@
               </a:rPr>
               <a:t>iburst</a:t>
             </a:r>
-            <a:endParaRPr lang="en-US" dirty="0" smtClean="0">
+            <a:endParaRPr lang="en-US" dirty="0">
               <a:solidFill>
                 <a:schemeClr val="tx1"/>
               </a:solidFill>
@@ -17529,7 +17504,7 @@
           </a:p>
           <a:p>
             <a:r>
-              <a:rPr lang="en-US" dirty="0" smtClean="0">
+              <a:rPr lang="en-US" dirty="0">
                 <a:solidFill>
                   <a:schemeClr val="tx1"/>
                 </a:solidFill>
@@ -17540,7 +17515,7 @@
               <a:t>server 1.pool.ntp.org </a:t>
             </a:r>
             <a:r>
-              <a:rPr lang="en-US" dirty="0" err="1" smtClean="0">
+              <a:rPr lang="en-US" dirty="0" err="1">
                 <a:solidFill>
                   <a:schemeClr val="tx1"/>
                 </a:solidFill>
@@ -17550,7 +17525,7 @@
               </a:rPr>
               <a:t>iburst</a:t>
             </a:r>
-            <a:endParaRPr lang="en-US" dirty="0" smtClean="0">
+            <a:endParaRPr lang="en-US" dirty="0">
               <a:solidFill>
                 <a:schemeClr val="tx1"/>
               </a:solidFill>
@@ -17561,7 +17536,7 @@
           </a:p>
           <a:p>
             <a:r>
-              <a:rPr lang="en-US" dirty="0" smtClean="0">
+              <a:rPr lang="en-US" dirty="0">
                 <a:solidFill>
                   <a:schemeClr val="tx1"/>
                 </a:solidFill>
@@ -17572,7 +17547,7 @@
               <a:t>server 2.pool.ntp.org </a:t>
             </a:r>
             <a:r>
-              <a:rPr lang="en-US" dirty="0" err="1" smtClean="0">
+              <a:rPr lang="en-US" dirty="0" err="1">
                 <a:solidFill>
                   <a:schemeClr val="tx1"/>
                 </a:solidFill>
@@ -17582,7 +17557,7 @@
               </a:rPr>
               <a:t>iburst</a:t>
             </a:r>
-            <a:endParaRPr lang="en-US" dirty="0" smtClean="0">
+            <a:endParaRPr lang="en-US" dirty="0">
               <a:solidFill>
                 <a:schemeClr val="tx1"/>
               </a:solidFill>
@@ -17593,7 +17568,7 @@
           </a:p>
           <a:p>
             <a:r>
-              <a:rPr lang="en-US" dirty="0" smtClean="0">
+              <a:rPr lang="en-US" dirty="0">
                 <a:solidFill>
                   <a:schemeClr val="tx1"/>
                 </a:solidFill>
@@ -17604,7 +17579,7 @@
               <a:t>server 3.pool.ntp.org </a:t>
             </a:r>
             <a:r>
-              <a:rPr lang="en-US" dirty="0" err="1" smtClean="0">
+              <a:rPr lang="en-US" dirty="0" err="1">
                 <a:solidFill>
                   <a:schemeClr val="tx1"/>
                 </a:solidFill>
@@ -17614,7 +17589,7 @@
               </a:rPr>
               <a:t>iburst</a:t>
             </a:r>
-            <a:endParaRPr lang="en-US" dirty="0" smtClean="0">
+            <a:endParaRPr lang="en-US" dirty="0">
               <a:solidFill>
                 <a:schemeClr val="tx1"/>
               </a:solidFill>
@@ -17716,14 +17691,14 @@
           <a:effectLst/>
           <a:extLst>
             <a:ext uri="{909E8E84-426E-40dd-AFC4-6F175D3DCCD1}">
-              <a14:hiddenFill xmlns="" xmlns:a14="http://schemas.microsoft.com/office/drawing/2010/main">
+              <a14:hiddenFill xmlns:a14="http://schemas.microsoft.com/office/drawing/2010/main" xmlns="">
                 <a:solidFill>
                   <a:srgbClr val="FFFFFF"/>
                 </a:solidFill>
               </a14:hiddenFill>
             </a:ext>
             <a:ext uri="{91240B29-F687-4f45-9708-019B960494DF}">
-              <a14:hiddenLine xmlns="" xmlns:a14="http://schemas.microsoft.com/office/drawing/2010/main" w="9525" cap="flat">
+              <a14:hiddenLine xmlns:a14="http://schemas.microsoft.com/office/drawing/2010/main" xmlns="" w="9525" cap="flat">
                 <a:solidFill>
                   <a:srgbClr val="3465A4"/>
                 </a:solidFill>
@@ -17733,7 +17708,7 @@
               </a14:hiddenLine>
             </a:ext>
             <a:ext uri="{AF507438-7753-43e0-B8FC-AC1667EBCBE1}">
-              <a14:hiddenEffects xmlns="" xmlns:a14="http://schemas.microsoft.com/office/drawing/2010/main">
+              <a14:hiddenEffects xmlns:a14="http://schemas.microsoft.com/office/drawing/2010/main" xmlns="">
                 <a:effectLst>
                   <a:outerShdw blurRad="63500" dist="38099" dir="2700000" algn="ctr" rotWithShape="0">
                     <a:srgbClr val="000000">
@@ -18117,19 +18092,7 @@
               <a:rPr lang="en-US" sz="4400" b="1" dirty="0">
                 <a:latin typeface="Trebuchet MS" charset="0"/>
               </a:rPr>
-              <a:t>Step 3: </a:t>
-            </a:r>
-            <a:r>
-              <a:rPr lang="en-US" sz="4400" b="1" dirty="0" smtClean="0">
-                <a:latin typeface="Trebuchet MS" charset="0"/>
-              </a:rPr>
-              <a:t>Configure NTP </a:t>
-            </a:r>
-            <a:r>
-              <a:rPr lang="en-US" sz="4400" b="1" dirty="0">
-                <a:latin typeface="Trebuchet MS" charset="0"/>
-              </a:rPr>
-              <a:t>Restrictions</a:t>
+              <a:t>Step 3: Configure NTP Restrictions</a:t>
             </a:r>
           </a:p>
         </p:txBody>
@@ -18157,14 +18120,14 @@
           <a:effectLst/>
           <a:extLst>
             <a:ext uri="{909E8E84-426E-40dd-AFC4-6F175D3DCCD1}">
-              <a14:hiddenFill xmlns="" xmlns:a14="http://schemas.microsoft.com/office/drawing/2010/main">
+              <a14:hiddenFill xmlns:a14="http://schemas.microsoft.com/office/drawing/2010/main" xmlns="">
                 <a:solidFill>
                   <a:srgbClr val="FFFFFF"/>
                 </a:solidFill>
               </a14:hiddenFill>
             </a:ext>
             <a:ext uri="{91240B29-F687-4f45-9708-019B960494DF}">
-              <a14:hiddenLine xmlns="" xmlns:a14="http://schemas.microsoft.com/office/drawing/2010/main" w="9525" cap="flat">
+              <a14:hiddenLine xmlns:a14="http://schemas.microsoft.com/office/drawing/2010/main" xmlns="" w="9525" cap="flat">
                 <a:solidFill>
                   <a:srgbClr val="3465A4"/>
                 </a:solidFill>
@@ -18174,7 +18137,7 @@
               </a14:hiddenLine>
             </a:ext>
             <a:ext uri="{AF507438-7753-43e0-B8FC-AC1667EBCBE1}">
-              <a14:hiddenEffects xmlns="" xmlns:a14="http://schemas.microsoft.com/office/drawing/2010/main">
+              <a14:hiddenEffects xmlns:a14="http://schemas.microsoft.com/office/drawing/2010/main" xmlns="">
                 <a:effectLst>
                   <a:outerShdw blurRad="63500" dist="38099" dir="2700000" algn="ctr" rotWithShape="0">
                     <a:srgbClr val="000000">
@@ -18560,23 +18523,12 @@
               <a:defRPr/>
             </a:pPr>
             <a:r>
-              <a:rPr lang="en-US" sz="2800" dirty="0" smtClean="0">
-                <a:ea typeface="Arial" charset="0"/>
-                <a:cs typeface="Arial" charset="0"/>
-              </a:rPr>
-              <a:t>NTP restrictions </a:t>
-            </a:r>
-            <a:r>
               <a:rPr lang="en-US" sz="2800" dirty="0">
                 <a:ea typeface="Arial" charset="0"/>
                 <a:cs typeface="Arial" charset="0"/>
               </a:rPr>
-              <a:t>are used to allow or dis-allow hosts to interact with the NTP server. </a:t>
+              <a:t>NTP restrictions are used to allow or dis-allow hosts to interact with the NTP server. </a:t>
             </a:r>
-            <a:endParaRPr lang="en-US" sz="2800" dirty="0" smtClean="0">
-              <a:ea typeface="Arial" charset="0"/>
-              <a:cs typeface="Arial" charset="0"/>
-            </a:endParaRPr>
           </a:p>
           <a:p>
             <a:pPr>
@@ -18595,25 +18547,11 @@
               <a:defRPr/>
             </a:pPr>
             <a:r>
-              <a:rPr lang="en-US" sz="2800" dirty="0" smtClean="0">
-                <a:ea typeface="Arial" charset="0"/>
-                <a:cs typeface="Arial" charset="0"/>
-              </a:rPr>
-              <a:t>The </a:t>
-            </a:r>
-            <a:r>
               <a:rPr lang="en-US" sz="2800" dirty="0">
                 <a:ea typeface="Arial" charset="0"/>
                 <a:cs typeface="Arial" charset="0"/>
               </a:rPr>
-              <a:t>default for NTP is serve time to anyone but do not allow configuration on both IPv4 and IPv6 connections</a:t>
-            </a:r>
-            <a:r>
-              <a:rPr lang="en-US" sz="2800" dirty="0" smtClean="0">
-                <a:ea typeface="Arial" charset="0"/>
-                <a:cs typeface="Arial" charset="0"/>
-              </a:rPr>
-              <a:t>.</a:t>
+              <a:t>The default for NTP is serve time to anyone but do not allow configuration on both IPv4 and IPv6 connections.</a:t>
             </a:r>
           </a:p>
           <a:p>
@@ -18632,7 +18570,7 @@
               <a:buChar char=""/>
               <a:defRPr/>
             </a:pPr>
-            <a:endParaRPr lang="en-US" sz="2800" dirty="0" smtClean="0">
+            <a:endParaRPr lang="en-US" sz="2800" dirty="0">
               <a:ea typeface="Arial" charset="0"/>
               <a:cs typeface="Arial" charset="0"/>
             </a:endParaRPr>
@@ -18674,7 +18612,7 @@
               <a:buChar char=""/>
               <a:defRPr/>
             </a:pPr>
-            <a:endParaRPr lang="en-US" sz="2800" dirty="0" smtClean="0">
+            <a:endParaRPr lang="en-US" sz="2800" dirty="0">
               <a:ea typeface="Arial" charset="0"/>
               <a:cs typeface="Arial" charset="0"/>
             </a:endParaRPr>
@@ -18714,18 +18652,7 @@
                 <a:ea typeface="Courier" charset="0"/>
                 <a:cs typeface="Courier" charset="0"/>
               </a:rPr>
-              <a:t># By default, exchange time with everybody, but </a:t>
-            </a:r>
-            <a:r>
-              <a:rPr lang="en-US" sz="2000" dirty="0" smtClean="0">
-                <a:solidFill>
-                  <a:schemeClr val="tx1"/>
-                </a:solidFill>
-                <a:latin typeface="Courier" charset="0"/>
-                <a:ea typeface="Courier" charset="0"/>
-                <a:cs typeface="Courier" charset="0"/>
-              </a:rPr>
-              <a:t>don't</a:t>
+              <a:t># By default, exchange time with everybody, but don't</a:t>
             </a:r>
           </a:p>
           <a:p>
@@ -18738,29 +18665,7 @@
                 <a:ea typeface="Courier" charset="0"/>
                 <a:cs typeface="Courier" charset="0"/>
               </a:rPr>
-              <a:t>#</a:t>
-            </a:r>
-            <a:r>
-              <a:rPr lang="en-US" sz="2000" dirty="0" smtClean="0">
-                <a:solidFill>
-                  <a:schemeClr val="tx1"/>
-                </a:solidFill>
-                <a:latin typeface="Courier" charset="0"/>
-                <a:ea typeface="Courier" charset="0"/>
-                <a:cs typeface="Courier" charset="0"/>
-              </a:rPr>
-              <a:t> </a:t>
-            </a:r>
-            <a:r>
-              <a:rPr lang="en-US" sz="2000" dirty="0">
-                <a:solidFill>
-                  <a:schemeClr val="tx1"/>
-                </a:solidFill>
-                <a:latin typeface="Courier" charset="0"/>
-                <a:ea typeface="Courier" charset="0"/>
-                <a:cs typeface="Courier" charset="0"/>
-              </a:rPr>
-              <a:t>allow configuration.</a:t>
+              <a:t># allow configuration.</a:t>
             </a:r>
           </a:p>
           <a:p>
@@ -19091,14 +18996,14 @@
           <a:effectLst/>
           <a:extLst>
             <a:ext uri="{909E8E84-426E-40dd-AFC4-6F175D3DCCD1}">
-              <a14:hiddenFill xmlns="" xmlns:a14="http://schemas.microsoft.com/office/drawing/2010/main">
+              <a14:hiddenFill xmlns:a14="http://schemas.microsoft.com/office/drawing/2010/main" xmlns="">
                 <a:solidFill>
                   <a:srgbClr val="FFFFFF"/>
                 </a:solidFill>
               </a14:hiddenFill>
             </a:ext>
             <a:ext uri="{91240B29-F687-4f45-9708-019B960494DF}">
-              <a14:hiddenLine xmlns="" xmlns:a14="http://schemas.microsoft.com/office/drawing/2010/main" w="9525" cap="flat">
+              <a14:hiddenLine xmlns:a14="http://schemas.microsoft.com/office/drawing/2010/main" xmlns="" w="9525" cap="flat">
                 <a:solidFill>
                   <a:srgbClr val="3465A4"/>
                 </a:solidFill>
@@ -19108,7 +19013,7 @@
               </a14:hiddenLine>
             </a:ext>
             <a:ext uri="{AF507438-7753-43e0-B8FC-AC1667EBCBE1}">
-              <a14:hiddenEffects xmlns="" xmlns:a14="http://schemas.microsoft.com/office/drawing/2010/main">
+              <a14:hiddenEffects xmlns:a14="http://schemas.microsoft.com/office/drawing/2010/main" xmlns="">
                 <a:effectLst>
                   <a:outerShdw blurRad="63500" dist="38099" dir="2700000" algn="ctr" rotWithShape="0">
                     <a:srgbClr val="000000">
@@ -19492,19 +19397,7 @@
               <a:rPr lang="en-US" sz="4400" b="1" dirty="0">
                 <a:latin typeface="Trebuchet MS" charset="0"/>
               </a:rPr>
-              <a:t>Step 3: </a:t>
-            </a:r>
-            <a:r>
-              <a:rPr lang="en-US" sz="4400" b="1" dirty="0" smtClean="0">
-                <a:latin typeface="Trebuchet MS" charset="0"/>
-              </a:rPr>
-              <a:t>Configure NTP </a:t>
-            </a:r>
-            <a:r>
-              <a:rPr lang="en-US" sz="4400" b="1" dirty="0">
-                <a:latin typeface="Trebuchet MS" charset="0"/>
-              </a:rPr>
-              <a:t>Restrictions</a:t>
+              <a:t>Step 3: Configure NTP Restrictions</a:t>
             </a:r>
           </a:p>
         </p:txBody>
@@ -19532,14 +19425,14 @@
           <a:effectLst/>
           <a:extLst>
             <a:ext uri="{909E8E84-426E-40dd-AFC4-6F175D3DCCD1}">
-              <a14:hiddenFill xmlns="" xmlns:a14="http://schemas.microsoft.com/office/drawing/2010/main">
+              <a14:hiddenFill xmlns:a14="http://schemas.microsoft.com/office/drawing/2010/main" xmlns="">
                 <a:solidFill>
                   <a:srgbClr val="FFFFFF"/>
                 </a:solidFill>
               </a14:hiddenFill>
             </a:ext>
             <a:ext uri="{91240B29-F687-4f45-9708-019B960494DF}">
-              <a14:hiddenLine xmlns="" xmlns:a14="http://schemas.microsoft.com/office/drawing/2010/main" w="9525" cap="flat">
+              <a14:hiddenLine xmlns:a14="http://schemas.microsoft.com/office/drawing/2010/main" xmlns="" w="9525" cap="flat">
                 <a:solidFill>
                   <a:srgbClr val="3465A4"/>
                 </a:solidFill>
@@ -19549,7 +19442,7 @@
               </a14:hiddenLine>
             </a:ext>
             <a:ext uri="{AF507438-7753-43e0-B8FC-AC1667EBCBE1}">
-              <a14:hiddenEffects xmlns="" xmlns:a14="http://schemas.microsoft.com/office/drawing/2010/main">
+              <a14:hiddenEffects xmlns:a14="http://schemas.microsoft.com/office/drawing/2010/main" xmlns="">
                 <a:effectLst>
                   <a:outerShdw blurRad="63500" dist="38099" dir="2700000" algn="ctr" rotWithShape="0">
                     <a:srgbClr val="000000">
@@ -19939,14 +19832,7 @@
                 <a:ea typeface="Arial" charset="0"/>
                 <a:cs typeface="Arial" charset="0"/>
               </a:rPr>
-              <a:t>Now restrict who is allowed to query the server for time and what else they are allowed to do with the NTP </a:t>
-            </a:r>
-            <a:r>
-              <a:rPr lang="en-US" sz="2800" dirty="0" smtClean="0">
-                <a:ea typeface="Arial" charset="0"/>
-                <a:cs typeface="Arial" charset="0"/>
-              </a:rPr>
-              <a:t>server.</a:t>
+              <a:t>Now restrict who is allowed to query the server for time and what else they are allowed to do with the NTP server.</a:t>
             </a:r>
           </a:p>
           <a:p>
@@ -19986,7 +19872,7 @@
               <a:buChar char=""/>
               <a:defRPr/>
             </a:pPr>
-            <a:endParaRPr lang="en-US" sz="2800" dirty="0" smtClean="0">
+            <a:endParaRPr lang="en-US" sz="2800" dirty="0">
               <a:ea typeface="Arial" charset="0"/>
               <a:cs typeface="Arial" charset="0"/>
             </a:endParaRPr>
@@ -20029,21 +19915,21 @@
               <a:defRPr/>
             </a:pPr>
             <a:r>
-              <a:rPr lang="en-US" sz="2800" dirty="0" smtClean="0">
+              <a:rPr lang="en-US" sz="2800" dirty="0">
                 <a:ea typeface="Arial" charset="0"/>
                 <a:cs typeface="Arial" charset="0"/>
               </a:rPr>
               <a:t>We can also restrict the server from answering </a:t>
             </a:r>
             <a:r>
-              <a:rPr lang="en-US" sz="2800" dirty="0" err="1" smtClean="0">
+              <a:rPr lang="en-US" sz="2800" dirty="0" err="1">
                 <a:ea typeface="Arial" charset="0"/>
                 <a:cs typeface="Arial" charset="0"/>
               </a:rPr>
               <a:t>ntp</a:t>
             </a:r>
             <a:r>
-              <a:rPr lang="en-US" sz="2800" dirty="0" smtClean="0">
+              <a:rPr lang="en-US" sz="2800" dirty="0">
                 <a:ea typeface="Arial" charset="0"/>
                 <a:cs typeface="Arial" charset="0"/>
               </a:rPr>
@@ -20066,7 +19952,7 @@
               <a:buChar char=""/>
               <a:defRPr/>
             </a:pPr>
-            <a:endParaRPr lang="en-US" sz="2800" dirty="0" smtClean="0">
+            <a:endParaRPr lang="en-US" sz="2800" dirty="0">
               <a:ea typeface="Arial" charset="0"/>
               <a:cs typeface="Arial" charset="0"/>
             </a:endParaRPr>
@@ -20119,7 +20005,7 @@
           <a:lstStyle/>
           <a:p>
             <a:r>
-              <a:rPr lang="en-US" sz="2000" dirty="0" smtClean="0">
+              <a:rPr lang="en-US" sz="2000" dirty="0">
                 <a:solidFill>
                   <a:schemeClr val="tx1"/>
                 </a:solidFill>
@@ -20130,7 +20016,7 @@
               <a:t>restrict 196.200.219.0 mask 255.255.255.0 limited </a:t>
             </a:r>
             <a:r>
-              <a:rPr lang="en-US" sz="2000" dirty="0" err="1" smtClean="0">
+              <a:rPr lang="en-US" sz="2000" dirty="0" err="1">
                 <a:solidFill>
                   <a:schemeClr val="tx1"/>
                 </a:solidFill>
@@ -20141,7 +20027,7 @@
               <a:t>kod</a:t>
             </a:r>
             <a:r>
-              <a:rPr lang="en-US" sz="2000" dirty="0" smtClean="0">
+              <a:rPr lang="en-US" sz="2000" dirty="0">
                 <a:solidFill>
                   <a:schemeClr val="tx1"/>
                 </a:solidFill>
@@ -20218,7 +20104,7 @@
               <a:t> </a:t>
             </a:r>
             <a:r>
-              <a:rPr lang="en-US" sz="2000" dirty="0" err="1" smtClean="0">
+              <a:rPr lang="en-US" sz="2000" dirty="0" err="1">
                 <a:solidFill>
                   <a:schemeClr val="tx1"/>
                 </a:solidFill>
@@ -20228,7 +20114,7 @@
               </a:rPr>
               <a:t>noquery</a:t>
             </a:r>
-            <a:endParaRPr lang="en-US" sz="2000" dirty="0" smtClean="0">
+            <a:endParaRPr lang="en-US" sz="2000" dirty="0">
               <a:solidFill>
                 <a:schemeClr val="tx1"/>
               </a:solidFill>
@@ -20247,32 +20133,10 @@
                 <a:ea typeface="Courier" charset="0"/>
                 <a:cs typeface="Courier" charset="0"/>
               </a:rPr>
-              <a:t>restrict </a:t>
+              <a:t>restrict 2001:43f8:0220:219:: mask </a:t>
             </a:r>
             <a:r>
-              <a:rPr lang="en-US" sz="2000" dirty="0" smtClean="0">
-                <a:solidFill>
-                  <a:schemeClr val="tx1"/>
-                </a:solidFill>
-                <a:latin typeface="Courier" charset="0"/>
-                <a:ea typeface="Courier" charset="0"/>
-                <a:cs typeface="Courier" charset="0"/>
-              </a:rPr>
-              <a:t>2001:43f8:0220:219:: </a:t>
-            </a:r>
-            <a:r>
-              <a:rPr lang="en-US" sz="2000" dirty="0">
-                <a:solidFill>
-                  <a:schemeClr val="tx1"/>
-                </a:solidFill>
-                <a:latin typeface="Courier" charset="0"/>
-                <a:ea typeface="Courier" charset="0"/>
-                <a:cs typeface="Courier" charset="0"/>
-              </a:rPr>
-              <a:t>mask </a:t>
-            </a:r>
-            <a:r>
-              <a:rPr lang="en-US" sz="2000" dirty="0" err="1" smtClean="0">
+              <a:rPr lang="en-US" sz="2000" dirty="0" err="1">
                 <a:solidFill>
                   <a:schemeClr val="tx1"/>
                 </a:solidFill>
@@ -20283,7 +20147,7 @@
               <a:t>ffff:ffff:ffff:ffff</a:t>
             </a:r>
             <a:r>
-              <a:rPr lang="en-US" sz="2000" dirty="0" smtClean="0">
+              <a:rPr lang="en-US" sz="2000" dirty="0">
                 <a:solidFill>
                   <a:schemeClr val="tx1"/>
                 </a:solidFill>
@@ -20294,7 +20158,7 @@
               <a:t>:: limited </a:t>
             </a:r>
             <a:r>
-              <a:rPr lang="en-US" sz="2000" dirty="0" err="1" smtClean="0">
+              <a:rPr lang="en-US" sz="2000" dirty="0" err="1">
                 <a:solidFill>
                   <a:schemeClr val="tx1"/>
                 </a:solidFill>
@@ -20305,7 +20169,7 @@
               <a:t>kod</a:t>
             </a:r>
             <a:r>
-              <a:rPr lang="en-US" sz="2000" dirty="0" smtClean="0">
+              <a:rPr lang="en-US" sz="2000" dirty="0">
                 <a:solidFill>
                   <a:schemeClr val="tx1"/>
                 </a:solidFill>
@@ -20316,7 +20180,7 @@
               <a:t> </a:t>
             </a:r>
             <a:r>
-              <a:rPr lang="en-US" sz="2000" dirty="0" err="1" smtClean="0">
+              <a:rPr lang="en-US" sz="2000" dirty="0" err="1">
                 <a:solidFill>
                   <a:schemeClr val="tx1"/>
                 </a:solidFill>
@@ -20327,7 +20191,7 @@
               <a:t>notrap</a:t>
             </a:r>
             <a:r>
-              <a:rPr lang="en-US" sz="2000" dirty="0" smtClean="0">
+              <a:rPr lang="en-US" sz="2000" dirty="0">
                 <a:solidFill>
                   <a:schemeClr val="tx1"/>
                 </a:solidFill>
@@ -20338,7 +20202,7 @@
               <a:t> </a:t>
             </a:r>
             <a:r>
-              <a:rPr lang="en-US" sz="2000" dirty="0" err="1" smtClean="0">
+              <a:rPr lang="en-US" sz="2000" dirty="0" err="1">
                 <a:solidFill>
                   <a:schemeClr val="tx1"/>
                 </a:solidFill>
@@ -20349,7 +20213,7 @@
               <a:t>nomodify</a:t>
             </a:r>
             <a:r>
-              <a:rPr lang="en-US" sz="2000" dirty="0" smtClean="0">
+              <a:rPr lang="en-US" sz="2000" dirty="0">
                 <a:solidFill>
                   <a:schemeClr val="tx1"/>
                 </a:solidFill>
@@ -20360,7 +20224,7 @@
               <a:t> </a:t>
             </a:r>
             <a:r>
-              <a:rPr lang="en-US" sz="2000" dirty="0" err="1" smtClean="0">
+              <a:rPr lang="en-US" sz="2000" dirty="0" err="1">
                 <a:solidFill>
                   <a:schemeClr val="tx1"/>
                 </a:solidFill>
@@ -20371,7 +20235,7 @@
               <a:t>nopeer</a:t>
             </a:r>
             <a:r>
-              <a:rPr lang="en-US" sz="2000" dirty="0" smtClean="0">
+              <a:rPr lang="en-US" sz="2000" dirty="0">
                 <a:solidFill>
                   <a:schemeClr val="tx1"/>
                 </a:solidFill>
@@ -20382,7 +20246,7 @@
               <a:t> </a:t>
             </a:r>
             <a:r>
-              <a:rPr lang="en-US" sz="2000" dirty="0" err="1" smtClean="0">
+              <a:rPr lang="en-US" sz="2000" dirty="0" err="1">
                 <a:solidFill>
                   <a:schemeClr val="tx1"/>
                 </a:solidFill>
@@ -20438,7 +20302,7 @@
           <a:lstStyle/>
           <a:p>
             <a:r>
-              <a:rPr lang="en-US" sz="2000" dirty="0" smtClean="0">
+              <a:rPr lang="en-US" sz="2000" dirty="0">
                 <a:solidFill>
                   <a:schemeClr val="tx1"/>
                 </a:solidFill>
@@ -20451,7 +20315,7 @@
           </a:p>
           <a:p>
             <a:r>
-              <a:rPr lang="en-US" sz="2000" dirty="0" smtClean="0">
+              <a:rPr lang="en-US" sz="2000" dirty="0">
                 <a:solidFill>
                   <a:schemeClr val="tx1"/>
                 </a:solidFill>
@@ -20464,7 +20328,7 @@
           </a:p>
           <a:p>
             <a:r>
-              <a:rPr lang="en-US" sz="2000" dirty="0" smtClean="0">
+              <a:rPr lang="en-US" sz="2000" dirty="0">
                 <a:solidFill>
                   <a:schemeClr val="tx1"/>
                 </a:solidFill>
@@ -20474,14 +20338,6 @@
               </a:rPr>
               <a:t>restrict -6 default ignore </a:t>
             </a:r>
-            <a:endParaRPr lang="en-US" sz="2000" dirty="0">
-              <a:solidFill>
-                <a:schemeClr val="tx1"/>
-              </a:solidFill>
-              <a:latin typeface="Courier" charset="0"/>
-              <a:ea typeface="Courier" charset="0"/>
-              <a:cs typeface="Courier" charset="0"/>
-            </a:endParaRPr>
           </a:p>
         </p:txBody>
       </p:sp>
@@ -20576,14 +20432,14 @@
           <a:effectLst/>
           <a:extLst>
             <a:ext uri="{909E8E84-426E-40dd-AFC4-6F175D3DCCD1}">
-              <a14:hiddenFill xmlns="" xmlns:a14="http://schemas.microsoft.com/office/drawing/2010/main">
+              <a14:hiddenFill xmlns:a14="http://schemas.microsoft.com/office/drawing/2010/main" xmlns="">
                 <a:solidFill>
                   <a:srgbClr val="FFFFFF"/>
                 </a:solidFill>
               </a14:hiddenFill>
             </a:ext>
             <a:ext uri="{91240B29-F687-4f45-9708-019B960494DF}">
-              <a14:hiddenLine xmlns="" xmlns:a14="http://schemas.microsoft.com/office/drawing/2010/main" w="9525" cap="flat">
+              <a14:hiddenLine xmlns:a14="http://schemas.microsoft.com/office/drawing/2010/main" xmlns="" w="9525" cap="flat">
                 <a:solidFill>
                   <a:srgbClr val="3465A4"/>
                 </a:solidFill>
@@ -20593,7 +20449,7 @@
               </a14:hiddenLine>
             </a:ext>
             <a:ext uri="{AF507438-7753-43e0-B8FC-AC1667EBCBE1}">
-              <a14:hiddenEffects xmlns="" xmlns:a14="http://schemas.microsoft.com/office/drawing/2010/main">
+              <a14:hiddenEffects xmlns:a14="http://schemas.microsoft.com/office/drawing/2010/main" xmlns="">
                 <a:effectLst>
                   <a:outerShdw blurRad="63500" dist="38099" dir="2700000" algn="ctr" rotWithShape="0">
                     <a:srgbClr val="000000">
@@ -20977,19 +20833,7 @@
               <a:rPr lang="en-US" sz="4400" b="1" dirty="0">
                 <a:latin typeface="Trebuchet MS" charset="0"/>
               </a:rPr>
-              <a:t>Step 3: </a:t>
-            </a:r>
-            <a:r>
-              <a:rPr lang="en-US" sz="4400" b="1" dirty="0" smtClean="0">
-                <a:latin typeface="Trebuchet MS" charset="0"/>
-              </a:rPr>
-              <a:t>Configure NTP </a:t>
-            </a:r>
-            <a:r>
-              <a:rPr lang="en-US" sz="4400" b="1" dirty="0">
-                <a:latin typeface="Trebuchet MS" charset="0"/>
-              </a:rPr>
-              <a:t>Restrictions</a:t>
+              <a:t>Step 3: Configure NTP Restrictions</a:t>
             </a:r>
           </a:p>
         </p:txBody>
@@ -21017,14 +20861,14 @@
           <a:effectLst/>
           <a:extLst>
             <a:ext uri="{909E8E84-426E-40dd-AFC4-6F175D3DCCD1}">
-              <a14:hiddenFill xmlns="" xmlns:a14="http://schemas.microsoft.com/office/drawing/2010/main">
+              <a14:hiddenFill xmlns:a14="http://schemas.microsoft.com/office/drawing/2010/main" xmlns="">
                 <a:solidFill>
                   <a:srgbClr val="FFFFFF"/>
                 </a:solidFill>
               </a14:hiddenFill>
             </a:ext>
             <a:ext uri="{91240B29-F687-4f45-9708-019B960494DF}">
-              <a14:hiddenLine xmlns="" xmlns:a14="http://schemas.microsoft.com/office/drawing/2010/main" w="9525" cap="flat">
+              <a14:hiddenLine xmlns:a14="http://schemas.microsoft.com/office/drawing/2010/main" xmlns="" w="9525" cap="flat">
                 <a:solidFill>
                   <a:srgbClr val="3465A4"/>
                 </a:solidFill>
@@ -21034,7 +20878,7 @@
               </a14:hiddenLine>
             </a:ext>
             <a:ext uri="{AF507438-7753-43e0-B8FC-AC1667EBCBE1}">
-              <a14:hiddenEffects xmlns="" xmlns:a14="http://schemas.microsoft.com/office/drawing/2010/main">
+              <a14:hiddenEffects xmlns:a14="http://schemas.microsoft.com/office/drawing/2010/main" xmlns="">
                 <a:effectLst>
                   <a:outerShdw blurRad="63500" dist="38099" dir="2700000" algn="ctr" rotWithShape="0">
                     <a:srgbClr val="000000">
@@ -21420,7 +21264,7 @@
               <a:defRPr/>
             </a:pPr>
             <a:r>
-              <a:rPr lang="en-US" sz="2800" dirty="0" smtClean="0">
+              <a:rPr lang="en-US" sz="2800" dirty="0">
                 <a:ea typeface="Arial" charset="0"/>
                 <a:cs typeface="Arial" charset="0"/>
               </a:rPr>
@@ -21464,7 +21308,7 @@
               <a:buChar char=""/>
               <a:defRPr/>
             </a:pPr>
-            <a:endParaRPr lang="en-US" sz="2800" dirty="0" smtClean="0">
+            <a:endParaRPr lang="en-US" sz="2800" dirty="0">
               <a:ea typeface="Arial" charset="0"/>
               <a:cs typeface="Arial" charset="0"/>
             </a:endParaRPr>
@@ -21507,21 +21351,21 @@
               <a:defRPr/>
             </a:pPr>
             <a:r>
-              <a:rPr lang="en-US" sz="2800" dirty="0" smtClean="0">
+              <a:rPr lang="en-US" sz="2800" dirty="0">
                 <a:ea typeface="Arial" charset="0"/>
                 <a:cs typeface="Arial" charset="0"/>
               </a:rPr>
               <a:t>We can also restrict the server from answering </a:t>
             </a:r>
             <a:r>
-              <a:rPr lang="en-US" sz="2800" dirty="0" err="1" smtClean="0">
+              <a:rPr lang="en-US" sz="2800" dirty="0" err="1">
                 <a:ea typeface="Arial" charset="0"/>
                 <a:cs typeface="Arial" charset="0"/>
               </a:rPr>
               <a:t>ntp</a:t>
             </a:r>
             <a:r>
-              <a:rPr lang="en-US" sz="2800" dirty="0" smtClean="0">
+              <a:rPr lang="en-US" sz="2800" dirty="0">
                 <a:ea typeface="Arial" charset="0"/>
                 <a:cs typeface="Arial" charset="0"/>
               </a:rPr>
@@ -21544,7 +21388,7 @@
               <a:buChar char=""/>
               <a:defRPr/>
             </a:pPr>
-            <a:endParaRPr lang="en-US" sz="2800" dirty="0" smtClean="0">
+            <a:endParaRPr lang="en-US" sz="2800" dirty="0">
               <a:ea typeface="Arial" charset="0"/>
               <a:cs typeface="Arial" charset="0"/>
             </a:endParaRPr>
@@ -21597,7 +21441,7 @@
           <a:lstStyle/>
           <a:p>
             <a:r>
-              <a:rPr lang="en-US" sz="2000" dirty="0" smtClean="0">
+              <a:rPr lang="en-US" sz="2000" dirty="0">
                 <a:solidFill>
                   <a:schemeClr val="tx1"/>
                 </a:solidFill>
@@ -21608,7 +21452,7 @@
               <a:t>restrict 196.200.219.0 mask 255.255.255.0 limited </a:t>
             </a:r>
             <a:r>
-              <a:rPr lang="en-US" sz="2000" dirty="0" err="1" smtClean="0">
+              <a:rPr lang="en-US" sz="2000" dirty="0" err="1">
                 <a:solidFill>
                   <a:schemeClr val="tx1"/>
                 </a:solidFill>
@@ -21619,7 +21463,7 @@
               <a:t>kod</a:t>
             </a:r>
             <a:r>
-              <a:rPr lang="en-US" sz="2000" dirty="0" smtClean="0">
+              <a:rPr lang="en-US" sz="2000" dirty="0">
                 <a:solidFill>
                   <a:schemeClr val="tx1"/>
                 </a:solidFill>
@@ -21696,7 +21540,7 @@
               <a:t> </a:t>
             </a:r>
             <a:r>
-              <a:rPr lang="en-US" sz="2000" dirty="0" err="1" smtClean="0">
+              <a:rPr lang="en-US" sz="2000" dirty="0" err="1">
                 <a:solidFill>
                   <a:schemeClr val="tx1"/>
                 </a:solidFill>
@@ -21706,7 +21550,7 @@
               </a:rPr>
               <a:t>noquery</a:t>
             </a:r>
-            <a:endParaRPr lang="en-US" sz="2000" dirty="0" smtClean="0">
+            <a:endParaRPr lang="en-US" sz="2000" dirty="0">
               <a:solidFill>
                 <a:schemeClr val="tx1"/>
               </a:solidFill>
@@ -21725,32 +21569,10 @@
                 <a:ea typeface="Courier" charset="0"/>
                 <a:cs typeface="Courier" charset="0"/>
               </a:rPr>
-              <a:t>restrict </a:t>
+              <a:t>restrict 2001:43f8:0220:219:: mask </a:t>
             </a:r>
             <a:r>
-              <a:rPr lang="en-US" sz="2000" dirty="0" smtClean="0">
-                <a:solidFill>
-                  <a:schemeClr val="tx1"/>
-                </a:solidFill>
-                <a:latin typeface="Courier" charset="0"/>
-                <a:ea typeface="Courier" charset="0"/>
-                <a:cs typeface="Courier" charset="0"/>
-              </a:rPr>
-              <a:t>2001:43f8:0220:219:: </a:t>
-            </a:r>
-            <a:r>
-              <a:rPr lang="en-US" sz="2000" dirty="0">
-                <a:solidFill>
-                  <a:schemeClr val="tx1"/>
-                </a:solidFill>
-                <a:latin typeface="Courier" charset="0"/>
-                <a:ea typeface="Courier" charset="0"/>
-                <a:cs typeface="Courier" charset="0"/>
-              </a:rPr>
-              <a:t>mask </a:t>
-            </a:r>
-            <a:r>
-              <a:rPr lang="en-US" sz="2000" dirty="0" err="1" smtClean="0">
+              <a:rPr lang="en-US" sz="2000" dirty="0" err="1">
                 <a:solidFill>
                   <a:schemeClr val="tx1"/>
                 </a:solidFill>
@@ -21761,7 +21583,7 @@
               <a:t>ffff:ffff:ffff:ffff</a:t>
             </a:r>
             <a:r>
-              <a:rPr lang="en-US" sz="2000" dirty="0" smtClean="0">
+              <a:rPr lang="en-US" sz="2000" dirty="0">
                 <a:solidFill>
                   <a:schemeClr val="tx1"/>
                 </a:solidFill>
@@ -21772,7 +21594,7 @@
               <a:t>:: limited </a:t>
             </a:r>
             <a:r>
-              <a:rPr lang="en-US" sz="2000" dirty="0" err="1" smtClean="0">
+              <a:rPr lang="en-US" sz="2000" dirty="0" err="1">
                 <a:solidFill>
                   <a:schemeClr val="tx1"/>
                 </a:solidFill>
@@ -21783,7 +21605,7 @@
               <a:t>kod</a:t>
             </a:r>
             <a:r>
-              <a:rPr lang="en-US" sz="2000" dirty="0" smtClean="0">
+              <a:rPr lang="en-US" sz="2000" dirty="0">
                 <a:solidFill>
                   <a:schemeClr val="tx1"/>
                 </a:solidFill>
@@ -21794,7 +21616,7 @@
               <a:t> </a:t>
             </a:r>
             <a:r>
-              <a:rPr lang="en-US" sz="2000" dirty="0" err="1" smtClean="0">
+              <a:rPr lang="en-US" sz="2000" dirty="0" err="1">
                 <a:solidFill>
                   <a:schemeClr val="tx1"/>
                 </a:solidFill>
@@ -21805,7 +21627,7 @@
               <a:t>notrap</a:t>
             </a:r>
             <a:r>
-              <a:rPr lang="en-US" sz="2000" dirty="0" smtClean="0">
+              <a:rPr lang="en-US" sz="2000" dirty="0">
                 <a:solidFill>
                   <a:schemeClr val="tx1"/>
                 </a:solidFill>
@@ -21816,7 +21638,7 @@
               <a:t> </a:t>
             </a:r>
             <a:r>
-              <a:rPr lang="en-US" sz="2000" dirty="0" err="1" smtClean="0">
+              <a:rPr lang="en-US" sz="2000" dirty="0" err="1">
                 <a:solidFill>
                   <a:schemeClr val="tx1"/>
                 </a:solidFill>
@@ -21827,7 +21649,7 @@
               <a:t>nomodify</a:t>
             </a:r>
             <a:r>
-              <a:rPr lang="en-US" sz="2000" dirty="0" smtClean="0">
+              <a:rPr lang="en-US" sz="2000" dirty="0">
                 <a:solidFill>
                   <a:schemeClr val="tx1"/>
                 </a:solidFill>
@@ -21838,7 +21660,7 @@
               <a:t> </a:t>
             </a:r>
             <a:r>
-              <a:rPr lang="en-US" sz="2000" dirty="0" err="1" smtClean="0">
+              <a:rPr lang="en-US" sz="2000" dirty="0" err="1">
                 <a:solidFill>
                   <a:schemeClr val="tx1"/>
                 </a:solidFill>
@@ -21849,7 +21671,7 @@
               <a:t>nopeer</a:t>
             </a:r>
             <a:r>
-              <a:rPr lang="en-US" sz="2000" dirty="0" smtClean="0">
+              <a:rPr lang="en-US" sz="2000" dirty="0">
                 <a:solidFill>
                   <a:schemeClr val="tx1"/>
                 </a:solidFill>
@@ -21860,7 +21682,7 @@
               <a:t> </a:t>
             </a:r>
             <a:r>
-              <a:rPr lang="en-US" sz="2000" dirty="0" err="1" smtClean="0">
+              <a:rPr lang="en-US" sz="2000" dirty="0" err="1">
                 <a:solidFill>
                   <a:schemeClr val="tx1"/>
                 </a:solidFill>
@@ -21916,7 +21738,7 @@
           <a:lstStyle/>
           <a:p>
             <a:r>
-              <a:rPr lang="en-US" sz="2000" dirty="0" smtClean="0">
+              <a:rPr lang="en-US" sz="2000" dirty="0">
                 <a:solidFill>
                   <a:schemeClr val="tx1"/>
                 </a:solidFill>
@@ -21929,7 +21751,7 @@
           </a:p>
           <a:p>
             <a:r>
-              <a:rPr lang="en-US" sz="2000" dirty="0" smtClean="0">
+              <a:rPr lang="en-US" sz="2000" dirty="0">
                 <a:solidFill>
                   <a:schemeClr val="tx1"/>
                 </a:solidFill>
@@ -21942,7 +21764,7 @@
           </a:p>
           <a:p>
             <a:r>
-              <a:rPr lang="en-US" sz="2000" dirty="0" smtClean="0">
+              <a:rPr lang="en-US" sz="2000" dirty="0">
                 <a:solidFill>
                   <a:schemeClr val="tx1"/>
                 </a:solidFill>
@@ -21952,14 +21774,6 @@
               </a:rPr>
               <a:t>restrict -6 default ignore </a:t>
             </a:r>
-            <a:endParaRPr lang="en-US" sz="2000" dirty="0">
-              <a:solidFill>
-                <a:schemeClr val="tx1"/>
-              </a:solidFill>
-              <a:latin typeface="Courier" charset="0"/>
-              <a:ea typeface="Courier" charset="0"/>
-              <a:cs typeface="Courier" charset="0"/>
-            </a:endParaRPr>
           </a:p>
         </p:txBody>
       </p:sp>
@@ -22054,14 +21868,14 @@
           <a:effectLst/>
           <a:extLst>
             <a:ext uri="{909E8E84-426E-40dd-AFC4-6F175D3DCCD1}">
-              <a14:hiddenFill xmlns="" xmlns:a14="http://schemas.microsoft.com/office/drawing/2010/main">
+              <a14:hiddenFill xmlns:a14="http://schemas.microsoft.com/office/drawing/2010/main" xmlns="">
                 <a:solidFill>
                   <a:srgbClr val="FFFFFF"/>
                 </a:solidFill>
               </a14:hiddenFill>
             </a:ext>
             <a:ext uri="{91240B29-F687-4f45-9708-019B960494DF}">
-              <a14:hiddenLine xmlns="" xmlns:a14="http://schemas.microsoft.com/office/drawing/2010/main" w="9525" cap="flat">
+              <a14:hiddenLine xmlns:a14="http://schemas.microsoft.com/office/drawing/2010/main" xmlns="" w="9525" cap="flat">
                 <a:solidFill>
                   <a:srgbClr val="3465A4"/>
                 </a:solidFill>
@@ -22071,7 +21885,7 @@
               </a14:hiddenLine>
             </a:ext>
             <a:ext uri="{AF507438-7753-43e0-B8FC-AC1667EBCBE1}">
-              <a14:hiddenEffects xmlns="" xmlns:a14="http://schemas.microsoft.com/office/drawing/2010/main">
+              <a14:hiddenEffects xmlns:a14="http://schemas.microsoft.com/office/drawing/2010/main" xmlns="">
                 <a:effectLst>
                   <a:outerShdw blurRad="63500" dist="38099" dir="2700000" algn="ctr" rotWithShape="0">
                     <a:srgbClr val="000000">
@@ -22455,19 +22269,7 @@
               <a:rPr lang="en-US" sz="4400" b="1" dirty="0">
                 <a:latin typeface="Trebuchet MS" charset="0"/>
               </a:rPr>
-              <a:t>Step 3: </a:t>
-            </a:r>
-            <a:r>
-              <a:rPr lang="en-US" sz="4400" b="1" dirty="0" smtClean="0">
-                <a:latin typeface="Trebuchet MS" charset="0"/>
-              </a:rPr>
-              <a:t>Configure NTP </a:t>
-            </a:r>
-            <a:r>
-              <a:rPr lang="en-US" sz="4400" b="1" dirty="0">
-                <a:latin typeface="Trebuchet MS" charset="0"/>
-              </a:rPr>
-              <a:t>Restrictions</a:t>
+              <a:t>Step 3: Configure NTP Restrictions</a:t>
             </a:r>
           </a:p>
         </p:txBody>
@@ -22495,14 +22297,14 @@
           <a:effectLst/>
           <a:extLst>
             <a:ext uri="{909E8E84-426E-40dd-AFC4-6F175D3DCCD1}">
-              <a14:hiddenFill xmlns="" xmlns:a14="http://schemas.microsoft.com/office/drawing/2010/main">
+              <a14:hiddenFill xmlns:a14="http://schemas.microsoft.com/office/drawing/2010/main" xmlns="">
                 <a:solidFill>
                   <a:srgbClr val="FFFFFF"/>
                 </a:solidFill>
               </a14:hiddenFill>
             </a:ext>
             <a:ext uri="{91240B29-F687-4f45-9708-019B960494DF}">
-              <a14:hiddenLine xmlns="" xmlns:a14="http://schemas.microsoft.com/office/drawing/2010/main" w="9525" cap="flat">
+              <a14:hiddenLine xmlns:a14="http://schemas.microsoft.com/office/drawing/2010/main" xmlns="" w="9525" cap="flat">
                 <a:solidFill>
                   <a:srgbClr val="3465A4"/>
                 </a:solidFill>
@@ -22512,7 +22314,7 @@
               </a14:hiddenLine>
             </a:ext>
             <a:ext uri="{AF507438-7753-43e0-B8FC-AC1667EBCBE1}">
-              <a14:hiddenEffects xmlns="" xmlns:a14="http://schemas.microsoft.com/office/drawing/2010/main">
+              <a14:hiddenEffects xmlns:a14="http://schemas.microsoft.com/office/drawing/2010/main" xmlns="">
                 <a:effectLst>
                   <a:outerShdw blurRad="63500" dist="38099" dir="2700000" algn="ctr" rotWithShape="0">
                     <a:srgbClr val="000000">
@@ -22903,15 +22705,7 @@
                 <a:ea typeface="Courier" charset="0"/>
                 <a:cs typeface="Courier" charset="0"/>
               </a:rPr>
-              <a:t>l</a:t>
-            </a:r>
-            <a:r>
-              <a:rPr lang="en-US" sz="2000" b="1" dirty="0" smtClean="0">
-                <a:latin typeface="Courier" charset="0"/>
-                <a:ea typeface="Courier" charset="0"/>
-                <a:cs typeface="Courier" charset="0"/>
-              </a:rPr>
-              <a:t>imited</a:t>
+              <a:t>limited</a:t>
             </a:r>
             <a:r>
               <a:rPr lang="en-US" sz="2000" b="1" dirty="0"/>
@@ -22939,7 +22733,7 @@
               <a:defRPr/>
             </a:pPr>
             <a:r>
-              <a:rPr lang="en-US" sz="2000" b="1" dirty="0" err="1" smtClean="0">
+              <a:rPr lang="en-US" sz="2000" b="1" dirty="0" err="1">
                 <a:latin typeface="Courier" charset="0"/>
                 <a:ea typeface="Courier" charset="0"/>
                 <a:cs typeface="Courier" charset="0"/>
@@ -22947,12 +22741,12 @@
               <a:t>kod</a:t>
             </a:r>
             <a:r>
-              <a:rPr lang="en-US" sz="2000" b="1" dirty="0" smtClean="0"/>
+              <a:rPr lang="en-US" sz="2000" b="1" dirty="0"/>
               <a:t>: </a:t>
             </a:r>
             <a:r>
               <a:rPr lang="en-US" sz="2000" dirty="0"/>
-              <a:t>Kiss of Death. If a host violates the limit of packets to the server, the server will respond with s </a:t>
+              <a:t>Kiss of Death. If a host violates the limit of packets to the server, the server will respond with </a:t>
             </a:r>
             <a:r>
               <a:rPr lang="en-US" sz="2000" dirty="0" err="1"/>
@@ -22980,7 +22774,7 @@
               <a:defRPr/>
             </a:pPr>
             <a:r>
-              <a:rPr lang="en-US" sz="2000" b="1" dirty="0" err="1" smtClean="0">
+              <a:rPr lang="en-US" sz="2000" b="1" dirty="0" err="1">
                 <a:latin typeface="Courier" charset="0"/>
                 <a:ea typeface="Courier" charset="0"/>
                 <a:cs typeface="Courier" charset="0"/>
@@ -23013,7 +22807,7 @@
               <a:defRPr/>
             </a:pPr>
             <a:r>
-              <a:rPr lang="en-US" sz="2000" b="1" dirty="0" err="1" smtClean="0">
+              <a:rPr lang="en-US" sz="2000" b="1" dirty="0" err="1">
                 <a:latin typeface="Courier" charset="0"/>
                 <a:ea typeface="Courier" charset="0"/>
                 <a:cs typeface="Courier" charset="0"/>
@@ -23062,7 +22856,7 @@
               <a:defRPr/>
             </a:pPr>
             <a:r>
-              <a:rPr lang="en-US" sz="2000" b="1" dirty="0" err="1" smtClean="0">
+              <a:rPr lang="en-US" sz="2000" b="1" dirty="0" err="1">
                 <a:latin typeface="Courier" charset="0"/>
                 <a:ea typeface="Courier" charset="0"/>
                 <a:cs typeface="Courier" charset="0"/>
@@ -23110,7 +22904,7 @@
               <a:buChar char=""/>
               <a:defRPr/>
             </a:pPr>
-            <a:endParaRPr lang="en-US" sz="3200" dirty="0" smtClean="0"/>
+            <a:endParaRPr lang="en-US" sz="3200" dirty="0"/>
           </a:p>
           <a:p>
             <a:pPr>
@@ -23225,14 +23019,14 @@
           <a:effectLst/>
           <a:extLst>
             <a:ext uri="{909E8E84-426E-40dd-AFC4-6F175D3DCCD1}">
-              <a14:hiddenFill xmlns="" xmlns:a14="http://schemas.microsoft.com/office/drawing/2010/main">
+              <a14:hiddenFill xmlns:a14="http://schemas.microsoft.com/office/drawing/2010/main" xmlns="">
                 <a:solidFill>
                   <a:srgbClr val="FFFFFF"/>
                 </a:solidFill>
               </a14:hiddenFill>
             </a:ext>
             <a:ext uri="{91240B29-F687-4f45-9708-019B960494DF}">
-              <a14:hiddenLine xmlns="" xmlns:a14="http://schemas.microsoft.com/office/drawing/2010/main" w="9525" cap="flat">
+              <a14:hiddenLine xmlns:a14="http://schemas.microsoft.com/office/drawing/2010/main" xmlns="" w="9525" cap="flat">
                 <a:solidFill>
                   <a:srgbClr val="3465A4"/>
                 </a:solidFill>
@@ -23242,7 +23036,7 @@
               </a14:hiddenLine>
             </a:ext>
             <a:ext uri="{AF507438-7753-43e0-B8FC-AC1667EBCBE1}">
-              <a14:hiddenEffects xmlns="" xmlns:a14="http://schemas.microsoft.com/office/drawing/2010/main">
+              <a14:hiddenEffects xmlns:a14="http://schemas.microsoft.com/office/drawing/2010/main" xmlns="">
                 <a:effectLst>
                   <a:outerShdw blurRad="63500" dist="38099" dir="2700000" algn="ctr" rotWithShape="0">
                     <a:srgbClr val="000000">
@@ -23623,7 +23417,7 @@
               <a:defRPr/>
             </a:pPr>
             <a:r>
-              <a:rPr lang="en-GB" sz="4400" b="1" dirty="0" smtClean="0">
+              <a:rPr lang="en-GB" sz="4400" b="1" dirty="0">
                 <a:latin typeface="Trebuchet MS" charset="0"/>
               </a:rPr>
               <a:t>Step 4: Starting NTP</a:t>
@@ -23654,14 +23448,14 @@
           <a:effectLst/>
           <a:extLst>
             <a:ext uri="{909E8E84-426E-40dd-AFC4-6F175D3DCCD1}">
-              <a14:hiddenFill xmlns="" xmlns:a14="http://schemas.microsoft.com/office/drawing/2010/main">
+              <a14:hiddenFill xmlns:a14="http://schemas.microsoft.com/office/drawing/2010/main" xmlns="">
                 <a:solidFill>
                   <a:srgbClr val="FFFFFF"/>
                 </a:solidFill>
               </a14:hiddenFill>
             </a:ext>
             <a:ext uri="{91240B29-F687-4f45-9708-019B960494DF}">
-              <a14:hiddenLine xmlns="" xmlns:a14="http://schemas.microsoft.com/office/drawing/2010/main" w="9525" cap="flat">
+              <a14:hiddenLine xmlns:a14="http://schemas.microsoft.com/office/drawing/2010/main" xmlns="" w="9525" cap="flat">
                 <a:solidFill>
                   <a:srgbClr val="3465A4"/>
                 </a:solidFill>
@@ -23671,7 +23465,7 @@
               </a14:hiddenLine>
             </a:ext>
             <a:ext uri="{AF507438-7753-43e0-B8FC-AC1667EBCBE1}">
-              <a14:hiddenEffects xmlns="" xmlns:a14="http://schemas.microsoft.com/office/drawing/2010/main">
+              <a14:hiddenEffects xmlns:a14="http://schemas.microsoft.com/office/drawing/2010/main" xmlns="">
                 <a:effectLst>
                   <a:outerShdw blurRad="63500" dist="38099" dir="2700000" algn="ctr" rotWithShape="0">
                     <a:srgbClr val="000000">
@@ -24175,7 +23969,7 @@
               <a:t>/</a:t>
             </a:r>
             <a:r>
-              <a:rPr lang="en-GB" altLang="x-none" sz="2700" dirty="0" err="1" smtClean="0">
+              <a:rPr lang="en-GB" altLang="x-none" sz="2700" dirty="0" err="1">
                 <a:solidFill>
                   <a:srgbClr val="000000"/>
                 </a:solidFill>
@@ -24184,7 +23978,7 @@
               <a:t>etc</a:t>
             </a:r>
             <a:r>
-              <a:rPr lang="en-GB" altLang="x-none" sz="2700" dirty="0" smtClean="0">
+              <a:rPr lang="en-GB" altLang="x-none" sz="2700" dirty="0">
                 <a:solidFill>
                   <a:srgbClr val="000000"/>
                 </a:solidFill>
@@ -24193,7 +23987,7 @@
               <a:t>/</a:t>
             </a:r>
             <a:r>
-              <a:rPr lang="en-GB" altLang="x-none" sz="2700" dirty="0" err="1" smtClean="0">
+              <a:rPr lang="en-GB" altLang="x-none" sz="2700" dirty="0" err="1">
                 <a:solidFill>
                   <a:srgbClr val="000000"/>
                 </a:solidFill>
@@ -24202,7 +23996,7 @@
               <a:t>init.d</a:t>
             </a:r>
             <a:r>
-              <a:rPr lang="en-GB" altLang="x-none" sz="2700" dirty="0" smtClean="0">
+              <a:rPr lang="en-GB" altLang="x-none" sz="2700" dirty="0">
                 <a:solidFill>
                   <a:srgbClr val="000000"/>
                 </a:solidFill>
@@ -24211,7 +24005,7 @@
               <a:t>/</a:t>
             </a:r>
             <a:r>
-              <a:rPr lang="en-GB" altLang="x-none" sz="2700" dirty="0" err="1" smtClean="0">
+              <a:rPr lang="en-GB" altLang="x-none" sz="2700" dirty="0" err="1">
                 <a:solidFill>
                   <a:srgbClr val="000000"/>
                 </a:solidFill>
@@ -24269,7 +24063,7 @@
               <a:t> to </a:t>
             </a:r>
             <a:r>
-              <a:rPr lang="en-GB" altLang="x-none" sz="2700" b="1" dirty="0" err="1" smtClean="0">
+              <a:rPr lang="en-GB" altLang="x-none" sz="2700" b="1" dirty="0" err="1">
                 <a:solidFill>
                   <a:srgbClr val="000000"/>
                 </a:solidFill>
@@ -24278,7 +24072,7 @@
               <a:t>startup</a:t>
             </a:r>
             <a:r>
-              <a:rPr lang="en-GB" altLang="x-none" sz="2700" b="1" dirty="0" smtClean="0">
+              <a:rPr lang="en-GB" altLang="x-none" sz="2700" b="1" dirty="0">
                 <a:solidFill>
                   <a:srgbClr val="000000"/>
                 </a:solidFill>
@@ -24287,7 +24081,7 @@
               <a:t> i.e. </a:t>
             </a:r>
             <a:r>
-              <a:rPr lang="en-GB" altLang="x-none" sz="2700" b="1" dirty="0" err="1" smtClean="0">
+              <a:rPr lang="en-GB" altLang="x-none" sz="2700" b="1" dirty="0" err="1">
                 <a:solidFill>
                   <a:srgbClr val="000000"/>
                 </a:solidFill>
@@ -24296,7 +24090,7 @@
               <a:t>ntp</a:t>
             </a:r>
             <a:r>
-              <a:rPr lang="en-GB" altLang="x-none" sz="2700" b="1" dirty="0" smtClean="0">
+              <a:rPr lang="en-GB" altLang="x-none" sz="2700" b="1" dirty="0">
                 <a:solidFill>
                   <a:srgbClr val="000000"/>
                 </a:solidFill>
@@ -24304,6 +24098,22 @@
               </a:rPr>
               <a:t> to start up on boot</a:t>
             </a:r>
+          </a:p>
+          <a:p>
+            <a:pPr eaLnBrk="1">
+              <a:lnSpc>
+                <a:spcPct val="77000"/>
+              </a:lnSpc>
+              <a:spcAft>
+                <a:spcPts val="1413"/>
+              </a:spcAft>
+              <a:buClr>
+                <a:srgbClr val="FF6309"/>
+              </a:buClr>
+              <a:buSzPct val="45000"/>
+              <a:buFont typeface="Wingdings" charset="2"/>
+              <a:buChar char=""/>
+            </a:pPr>
             <a:endParaRPr lang="en-GB" altLang="x-none" sz="2700" b="1" dirty="0">
               <a:solidFill>
                 <a:srgbClr val="000000"/>
@@ -24326,30 +24136,8 @@
               <a:buFont typeface="Wingdings" charset="2"/>
               <a:buChar char=""/>
             </a:pPr>
-            <a:endParaRPr lang="en-GB" altLang="x-none" sz="2700" b="1" dirty="0" smtClean="0">
-              <a:solidFill>
-                <a:srgbClr val="000000"/>
-              </a:solidFill>
-              <a:latin typeface="Trebuchet MS" charset="0"/>
-            </a:endParaRPr>
-          </a:p>
-          <a:p>
-            <a:pPr eaLnBrk="1">
-              <a:lnSpc>
-                <a:spcPct val="77000"/>
-              </a:lnSpc>
-              <a:spcAft>
-                <a:spcPts val="1413"/>
-              </a:spcAft>
-              <a:buClr>
-                <a:srgbClr val="FF6309"/>
-              </a:buClr>
-              <a:buSzPct val="45000"/>
-              <a:buFont typeface="Wingdings" charset="2"/>
-              <a:buChar char=""/>
-            </a:pPr>
             <a:r>
-              <a:rPr lang="en-GB" altLang="x-none" sz="2700" b="1" dirty="0" smtClean="0">
+              <a:rPr lang="en-GB" altLang="x-none" sz="2700" b="1" dirty="0">
                 <a:solidFill>
                   <a:srgbClr val="000000"/>
                 </a:solidFill>
@@ -24366,15 +24154,6 @@
               </a:rPr>
               <a:t>ntp</a:t>
             </a:r>
-            <a:r>
-              <a:rPr lang="en-GB" altLang="x-none" dirty="0">
-                <a:solidFill>
-                  <a:srgbClr val="000000"/>
-                </a:solidFill>
-                <a:latin typeface="Courier New" charset="0"/>
-              </a:rPr>
-              <a:t/>
-            </a:r>
             <a:br>
               <a:rPr lang="en-GB" altLang="x-none" dirty="0">
                 <a:solidFill>
@@ -24383,7 +24162,7 @@
                 <a:latin typeface="Courier New" charset="0"/>
               </a:rPr>
             </a:br>
-            <a:endParaRPr lang="en-GB" altLang="x-none" dirty="0" smtClean="0">
+            <a:endParaRPr lang="en-GB" altLang="x-none" dirty="0">
               <a:solidFill>
                 <a:srgbClr val="000000"/>
               </a:solidFill>
@@ -24428,7 +24207,7 @@
               <a:buChar char=""/>
             </a:pPr>
             <a:r>
-              <a:rPr lang="en-GB" altLang="x-none" sz="2700" b="1" dirty="0" smtClean="0">
+              <a:rPr lang="en-GB" altLang="x-none" sz="2700" b="1" dirty="0">
                 <a:solidFill>
                   <a:srgbClr val="000000"/>
                 </a:solidFill>
@@ -24437,7 +24216,7 @@
               <a:t>To Restart </a:t>
             </a:r>
             <a:r>
-              <a:rPr lang="en-GB" altLang="x-none" sz="2700" b="1" dirty="0" err="1" smtClean="0">
+              <a:rPr lang="en-GB" altLang="x-none" sz="2700" b="1" dirty="0" err="1">
                 <a:solidFill>
                   <a:srgbClr val="000000"/>
                 </a:solidFill>
@@ -24479,7 +24258,7 @@
           <a:lstStyle/>
           <a:p>
             <a:r>
-              <a:rPr lang="en-US" dirty="0" smtClean="0">
+              <a:rPr lang="en-US" dirty="0">
                 <a:latin typeface="Courier" charset="0"/>
                 <a:ea typeface="Courier" charset="0"/>
                 <a:cs typeface="Courier" charset="0"/>
@@ -24487,7 +24266,7 @@
               <a:t>$ </a:t>
             </a:r>
             <a:r>
-              <a:rPr lang="en-US" dirty="0" err="1" smtClean="0">
+              <a:rPr lang="en-US" dirty="0" err="1">
                 <a:latin typeface="Courier" charset="0"/>
                 <a:ea typeface="Courier" charset="0"/>
                 <a:cs typeface="Courier" charset="0"/>
@@ -24495,7 +24274,7 @@
               <a:t>sudo</a:t>
             </a:r>
             <a:r>
-              <a:rPr lang="en-US" dirty="0" smtClean="0">
+              <a:rPr lang="en-US" dirty="0">
                 <a:latin typeface="Courier" charset="0"/>
                 <a:ea typeface="Courier" charset="0"/>
                 <a:cs typeface="Courier" charset="0"/>
@@ -24503,7 +24282,7 @@
               <a:t> update-</a:t>
             </a:r>
             <a:r>
-              <a:rPr lang="en-US" dirty="0" err="1" smtClean="0">
+              <a:rPr lang="en-US" dirty="0" err="1">
                 <a:latin typeface="Courier" charset="0"/>
                 <a:ea typeface="Courier" charset="0"/>
                 <a:cs typeface="Courier" charset="0"/>
@@ -24511,7 +24290,7 @@
               <a:t>rc.d</a:t>
             </a:r>
             <a:r>
-              <a:rPr lang="en-US" dirty="0" smtClean="0">
+              <a:rPr lang="en-US" dirty="0">
                 <a:latin typeface="Courier" charset="0"/>
                 <a:ea typeface="Courier" charset="0"/>
                 <a:cs typeface="Courier" charset="0"/>
@@ -24519,7 +24298,7 @@
               <a:t> </a:t>
             </a:r>
             <a:r>
-              <a:rPr lang="en-US" dirty="0" err="1" smtClean="0">
+              <a:rPr lang="en-US" dirty="0" err="1">
                 <a:latin typeface="Courier" charset="0"/>
                 <a:ea typeface="Courier" charset="0"/>
                 <a:cs typeface="Courier" charset="0"/>
@@ -24527,7 +24306,7 @@
               <a:t>ntp</a:t>
             </a:r>
             <a:r>
-              <a:rPr lang="en-US" dirty="0" smtClean="0">
+              <a:rPr lang="en-US" dirty="0">
                 <a:latin typeface="Courier" charset="0"/>
                 <a:ea typeface="Courier" charset="0"/>
                 <a:cs typeface="Courier" charset="0"/>
@@ -24562,7 +24341,7 @@
           <a:lstStyle/>
           <a:p>
             <a:r>
-              <a:rPr lang="en-US" dirty="0" smtClean="0">
+              <a:rPr lang="en-US" dirty="0">
                 <a:latin typeface="Courier" charset="0"/>
                 <a:ea typeface="Courier" charset="0"/>
                 <a:cs typeface="Courier" charset="0"/>
@@ -24570,7 +24349,7 @@
               <a:t>$ </a:t>
             </a:r>
             <a:r>
-              <a:rPr lang="en-US" dirty="0" err="1" smtClean="0">
+              <a:rPr lang="en-US" dirty="0" err="1">
                 <a:latin typeface="Courier" charset="0"/>
                 <a:ea typeface="Courier" charset="0"/>
                 <a:cs typeface="Courier" charset="0"/>
@@ -24578,7 +24357,7 @@
               <a:t>sudo</a:t>
             </a:r>
             <a:r>
-              <a:rPr lang="en-US" dirty="0" smtClean="0">
+              <a:rPr lang="en-US" dirty="0">
                 <a:latin typeface="Courier" charset="0"/>
                 <a:ea typeface="Courier" charset="0"/>
                 <a:cs typeface="Courier" charset="0"/>
@@ -24586,7 +24365,7 @@
               <a:t> service </a:t>
             </a:r>
             <a:r>
-              <a:rPr lang="en-US" dirty="0" err="1" smtClean="0">
+              <a:rPr lang="en-US" dirty="0" err="1">
                 <a:latin typeface="Courier" charset="0"/>
                 <a:ea typeface="Courier" charset="0"/>
                 <a:cs typeface="Courier" charset="0"/>
@@ -24594,7 +24373,7 @@
               <a:t>ntp</a:t>
             </a:r>
             <a:r>
-              <a:rPr lang="en-US" dirty="0" smtClean="0">
+              <a:rPr lang="en-US" dirty="0">
                 <a:latin typeface="Courier" charset="0"/>
                 <a:ea typeface="Courier" charset="0"/>
                 <a:cs typeface="Courier" charset="0"/>
@@ -24629,7 +24408,7 @@
           <a:lstStyle/>
           <a:p>
             <a:r>
-              <a:rPr lang="en-US" dirty="0" smtClean="0">
+              <a:rPr lang="en-US" dirty="0">
                 <a:latin typeface="Courier" charset="0"/>
                 <a:ea typeface="Courier" charset="0"/>
                 <a:cs typeface="Courier" charset="0"/>
@@ -24637,7 +24416,7 @@
               <a:t>$ </a:t>
             </a:r>
             <a:r>
-              <a:rPr lang="en-US" dirty="0" err="1" smtClean="0">
+              <a:rPr lang="en-US" dirty="0" err="1">
                 <a:latin typeface="Courier" charset="0"/>
                 <a:ea typeface="Courier" charset="0"/>
                 <a:cs typeface="Courier" charset="0"/>
@@ -24645,7 +24424,7 @@
               <a:t>sudo</a:t>
             </a:r>
             <a:r>
-              <a:rPr lang="en-US" dirty="0" smtClean="0">
+              <a:rPr lang="en-US" dirty="0">
                 <a:latin typeface="Courier" charset="0"/>
                 <a:ea typeface="Courier" charset="0"/>
                 <a:cs typeface="Courier" charset="0"/>
@@ -24653,7 +24432,7 @@
               <a:t> service </a:t>
             </a:r>
             <a:r>
-              <a:rPr lang="en-US" dirty="0" err="1" smtClean="0">
+              <a:rPr lang="en-US" dirty="0" err="1">
                 <a:latin typeface="Courier" charset="0"/>
                 <a:ea typeface="Courier" charset="0"/>
                 <a:cs typeface="Courier" charset="0"/>
@@ -24661,7 +24440,7 @@
               <a:t>ntp</a:t>
             </a:r>
             <a:r>
-              <a:rPr lang="en-US" dirty="0" smtClean="0">
+              <a:rPr lang="en-US" dirty="0">
                 <a:latin typeface="Courier" charset="0"/>
                 <a:ea typeface="Courier" charset="0"/>
                 <a:cs typeface="Courier" charset="0"/>
@@ -24757,14 +24536,14 @@
           <a:effectLst/>
           <a:extLst>
             <a:ext uri="{909E8E84-426E-40dd-AFC4-6F175D3DCCD1}">
-              <a14:hiddenFill xmlns="" xmlns:a14="http://schemas.microsoft.com/office/drawing/2010/main">
+              <a14:hiddenFill xmlns:a14="http://schemas.microsoft.com/office/drawing/2010/main" xmlns="">
                 <a:solidFill>
                   <a:srgbClr val="FFFFFF"/>
                 </a:solidFill>
               </a14:hiddenFill>
             </a:ext>
             <a:ext uri="{91240B29-F687-4f45-9708-019B960494DF}">
-              <a14:hiddenLine xmlns="" xmlns:a14="http://schemas.microsoft.com/office/drawing/2010/main" w="9525" cap="flat">
+              <a14:hiddenLine xmlns:a14="http://schemas.microsoft.com/office/drawing/2010/main" xmlns="" w="9525" cap="flat">
                 <a:solidFill>
                   <a:srgbClr val="3465A4"/>
                 </a:solidFill>
@@ -24774,7 +24553,7 @@
               </a14:hiddenLine>
             </a:ext>
             <a:ext uri="{AF507438-7753-43e0-B8FC-AC1667EBCBE1}">
-              <a14:hiddenEffects xmlns="" xmlns:a14="http://schemas.microsoft.com/office/drawing/2010/main">
+              <a14:hiddenEffects xmlns:a14="http://schemas.microsoft.com/office/drawing/2010/main" xmlns="">
                 <a:effectLst>
                   <a:outerShdw blurRad="63500" dist="38099" dir="2700000" algn="ctr" rotWithShape="0">
                     <a:srgbClr val="000000">
@@ -25155,7 +24934,7 @@
               <a:defRPr/>
             </a:pPr>
             <a:r>
-              <a:rPr lang="en-GB" sz="4400" b="1" dirty="0" smtClean="0">
+              <a:rPr lang="en-GB" sz="4400" b="1" dirty="0">
                 <a:latin typeface="Trebuchet MS" charset="0"/>
               </a:rPr>
               <a:t>Step 5: Start NTP!</a:t>
@@ -25186,14 +24965,14 @@
           <a:effectLst/>
           <a:extLst>
             <a:ext uri="{909E8E84-426E-40dd-AFC4-6F175D3DCCD1}">
-              <a14:hiddenFill xmlns="" xmlns:a14="http://schemas.microsoft.com/office/drawing/2010/main">
+              <a14:hiddenFill xmlns:a14="http://schemas.microsoft.com/office/drawing/2010/main" xmlns="">
                 <a:solidFill>
                   <a:srgbClr val="FFFFFF"/>
                 </a:solidFill>
               </a14:hiddenFill>
             </a:ext>
             <a:ext uri="{91240B29-F687-4f45-9708-019B960494DF}">
-              <a14:hiddenLine xmlns="" xmlns:a14="http://schemas.microsoft.com/office/drawing/2010/main" w="9525" cap="flat">
+              <a14:hiddenLine xmlns:a14="http://schemas.microsoft.com/office/drawing/2010/main" xmlns="" w="9525" cap="flat">
                 <a:solidFill>
                   <a:srgbClr val="3465A4"/>
                 </a:solidFill>
@@ -25203,7 +24982,7 @@
               </a14:hiddenLine>
             </a:ext>
             <a:ext uri="{AF507438-7753-43e0-B8FC-AC1667EBCBE1}">
-              <a14:hiddenEffects xmlns="" xmlns:a14="http://schemas.microsoft.com/office/drawing/2010/main">
+              <a14:hiddenEffects xmlns:a14="http://schemas.microsoft.com/office/drawing/2010/main" xmlns="">
                 <a:effectLst>
                   <a:outerShdw blurRad="63500" dist="38099" dir="2700000" algn="ctr" rotWithShape="0">
                     <a:srgbClr val="000000">
@@ -25589,7 +25368,7 @@
               <a:defRPr/>
             </a:pPr>
             <a:r>
-              <a:rPr lang="en-GB" sz="3200" dirty="0" smtClean="0">
+              <a:rPr lang="en-GB" sz="3200" dirty="0">
                 <a:latin typeface="Courier" charset="0"/>
                 <a:ea typeface="Courier" charset="0"/>
                 <a:cs typeface="Courier" charset="0"/>
@@ -25597,7 +25376,7 @@
               <a:t>$ </a:t>
             </a:r>
             <a:r>
-              <a:rPr lang="en-GB" sz="3200" dirty="0" err="1" smtClean="0">
+              <a:rPr lang="en-GB" sz="3200" dirty="0" err="1">
                 <a:latin typeface="Courier" charset="0"/>
                 <a:ea typeface="Courier" charset="0"/>
                 <a:cs typeface="Courier" charset="0"/>
@@ -25605,7 +25384,7 @@
               <a:t>sudo</a:t>
             </a:r>
             <a:r>
-              <a:rPr lang="en-GB" sz="3200" dirty="0" smtClean="0">
+              <a:rPr lang="en-GB" sz="3200" dirty="0">
                 <a:latin typeface="Courier" charset="0"/>
                 <a:ea typeface="Courier" charset="0"/>
                 <a:cs typeface="Courier" charset="0"/>
@@ -25613,7 +25392,7 @@
               <a:t> /</a:t>
             </a:r>
             <a:r>
-              <a:rPr lang="en-GB" sz="3200" dirty="0" err="1" smtClean="0">
+              <a:rPr lang="en-GB" sz="3200" dirty="0" err="1">
                 <a:latin typeface="Courier" charset="0"/>
                 <a:ea typeface="Courier" charset="0"/>
                 <a:cs typeface="Courier" charset="0"/>
@@ -25621,7 +25400,7 @@
               <a:t>etc</a:t>
             </a:r>
             <a:r>
-              <a:rPr lang="en-GB" sz="3200" dirty="0" smtClean="0">
+              <a:rPr lang="en-GB" sz="3200" dirty="0">
                 <a:latin typeface="Courier" charset="0"/>
                 <a:ea typeface="Courier" charset="0"/>
                 <a:cs typeface="Courier" charset="0"/>
@@ -25629,7 +25408,7 @@
               <a:t>/</a:t>
             </a:r>
             <a:r>
-              <a:rPr lang="en-GB" sz="3200" dirty="0" err="1" smtClean="0">
+              <a:rPr lang="en-GB" sz="3200" dirty="0" err="1">
                 <a:latin typeface="Courier" charset="0"/>
                 <a:ea typeface="Courier" charset="0"/>
                 <a:cs typeface="Courier" charset="0"/>
@@ -25637,7 +25416,7 @@
               <a:t>init.d</a:t>
             </a:r>
             <a:r>
-              <a:rPr lang="en-GB" sz="3200" dirty="0" smtClean="0">
+              <a:rPr lang="en-GB" sz="3200" dirty="0">
                 <a:latin typeface="Courier" charset="0"/>
                 <a:ea typeface="Courier" charset="0"/>
                 <a:cs typeface="Courier" charset="0"/>
@@ -25645,7 +25424,7 @@
               <a:t>/</a:t>
             </a:r>
             <a:r>
-              <a:rPr lang="en-GB" sz="3200" dirty="0" err="1" smtClean="0">
+              <a:rPr lang="en-GB" sz="3200" dirty="0" err="1">
                 <a:latin typeface="Courier" charset="0"/>
                 <a:ea typeface="Courier" charset="0"/>
                 <a:cs typeface="Courier" charset="0"/>
@@ -25653,7 +25432,7 @@
               <a:t>ntp</a:t>
             </a:r>
             <a:r>
-              <a:rPr lang="en-GB" sz="3200" dirty="0" smtClean="0">
+              <a:rPr lang="en-GB" sz="3200" dirty="0">
                 <a:latin typeface="Courier" charset="0"/>
                 <a:ea typeface="Courier" charset="0"/>
                 <a:cs typeface="Courier" charset="0"/>
@@ -25678,7 +25457,7 @@
               <a:defRPr/>
             </a:pPr>
             <a:r>
-              <a:rPr lang="en-GB" sz="3200" dirty="0" smtClean="0">
+              <a:rPr lang="en-GB" sz="3200" dirty="0">
                 <a:latin typeface="Courier" charset="0"/>
                 <a:ea typeface="Courier" charset="0"/>
                 <a:cs typeface="Courier" charset="0"/>
@@ -25703,7 +25482,7 @@
               <a:defRPr/>
             </a:pPr>
             <a:r>
-              <a:rPr lang="en-GB" sz="3200" dirty="0" smtClean="0">
+              <a:rPr lang="en-GB" sz="3200" dirty="0">
                 <a:latin typeface="Courier" charset="0"/>
                 <a:ea typeface="Courier" charset="0"/>
                 <a:cs typeface="Courier" charset="0"/>
@@ -25711,7 +25490,7 @@
               <a:t>$ </a:t>
             </a:r>
             <a:r>
-              <a:rPr lang="en-GB" sz="3200" dirty="0" err="1" smtClean="0">
+              <a:rPr lang="en-GB" sz="3200" dirty="0" err="1">
                 <a:latin typeface="Courier" charset="0"/>
                 <a:ea typeface="Courier" charset="0"/>
                 <a:cs typeface="Courier" charset="0"/>
@@ -25719,7 +25498,7 @@
               <a:t>sudo</a:t>
             </a:r>
             <a:r>
-              <a:rPr lang="en-GB" sz="3200" dirty="0" smtClean="0">
+              <a:rPr lang="en-GB" sz="3200" dirty="0">
                 <a:latin typeface="Courier" charset="0"/>
                 <a:ea typeface="Courier" charset="0"/>
                 <a:cs typeface="Courier" charset="0"/>
@@ -25727,7 +25506,7 @@
               <a:t> service </a:t>
             </a:r>
             <a:r>
-              <a:rPr lang="en-GB" sz="3200" dirty="0" err="1" smtClean="0">
+              <a:rPr lang="en-GB" sz="3200" dirty="0" err="1">
                 <a:latin typeface="Courier" charset="0"/>
                 <a:ea typeface="Courier" charset="0"/>
                 <a:cs typeface="Courier" charset="0"/>
@@ -25735,7 +25514,7 @@
               <a:t>ntp</a:t>
             </a:r>
             <a:r>
-              <a:rPr lang="en-GB" sz="3200" dirty="0" smtClean="0">
+              <a:rPr lang="en-GB" sz="3200" dirty="0">
                 <a:latin typeface="Courier" charset="0"/>
                 <a:ea typeface="Courier" charset="0"/>
                 <a:cs typeface="Courier" charset="0"/>
@@ -25760,42 +25539,42 @@
               <a:defRPr/>
             </a:pPr>
             <a:r>
-              <a:rPr lang="en-GB" sz="3200" dirty="0" smtClean="0">
+              <a:rPr lang="en-GB" sz="3200" dirty="0">
                 <a:latin typeface="Trebuchet MS" charset="0"/>
               </a:rPr>
               <a:t>Check that your server is synchronized with the </a:t>
             </a:r>
             <a:r>
-              <a:rPr lang="en-GB" sz="3200" dirty="0" err="1" smtClean="0">
+              <a:rPr lang="en-GB" sz="3200" dirty="0" err="1">
                 <a:latin typeface="Trebuchet MS" charset="0"/>
               </a:rPr>
               <a:t>ntp</a:t>
             </a:r>
             <a:r>
-              <a:rPr lang="en-GB" sz="3200" dirty="0" smtClean="0">
+              <a:rPr lang="en-GB" sz="3200" dirty="0">
                 <a:latin typeface="Trebuchet MS" charset="0"/>
               </a:rPr>
               <a:t> servers listed in /</a:t>
             </a:r>
             <a:r>
-              <a:rPr lang="en-GB" sz="3200" dirty="0" err="1" smtClean="0">
+              <a:rPr lang="en-GB" sz="3200" dirty="0" err="1">
                 <a:latin typeface="Trebuchet MS" charset="0"/>
               </a:rPr>
               <a:t>etc</a:t>
             </a:r>
             <a:r>
-              <a:rPr lang="en-GB" sz="3200" dirty="0" smtClean="0">
+              <a:rPr lang="en-GB" sz="3200" dirty="0">
                 <a:latin typeface="Trebuchet MS" charset="0"/>
               </a:rPr>
               <a:t>/</a:t>
             </a:r>
             <a:r>
-              <a:rPr lang="en-GB" sz="3200" dirty="0" err="1" smtClean="0">
+              <a:rPr lang="en-GB" sz="3200" dirty="0" err="1">
                 <a:latin typeface="Trebuchet MS" charset="0"/>
               </a:rPr>
               <a:t>ntp.conf</a:t>
             </a:r>
-            <a:endParaRPr lang="en-GB" sz="3200" dirty="0" smtClean="0">
+            <a:endParaRPr lang="en-GB" sz="3200" dirty="0">
               <a:latin typeface="Trebuchet MS" charset="0"/>
             </a:endParaRPr>
           </a:p>
@@ -25816,7 +25595,7 @@
               <a:defRPr/>
             </a:pPr>
             <a:r>
-              <a:rPr lang="en-GB" sz="3200" dirty="0" smtClean="0">
+              <a:rPr lang="en-GB" sz="3200" dirty="0">
                 <a:latin typeface="Courier" charset="0"/>
                 <a:ea typeface="Courier" charset="0"/>
                 <a:cs typeface="Courier" charset="0"/>
@@ -25824,7 +25603,7 @@
               <a:t>$ </a:t>
             </a:r>
             <a:r>
-              <a:rPr lang="en-GB" sz="3200" dirty="0" err="1" smtClean="0">
+              <a:rPr lang="en-GB" sz="3200" dirty="0" err="1">
                 <a:latin typeface="Courier" charset="0"/>
                 <a:ea typeface="Courier" charset="0"/>
                 <a:cs typeface="Courier" charset="0"/>
@@ -25832,7 +25611,7 @@
               <a:t>sudo</a:t>
             </a:r>
             <a:r>
-              <a:rPr lang="en-GB" sz="3200" dirty="0" smtClean="0">
+              <a:rPr lang="en-GB" sz="3200" dirty="0">
                 <a:latin typeface="Courier" charset="0"/>
                 <a:ea typeface="Courier" charset="0"/>
                 <a:cs typeface="Courier" charset="0"/>
@@ -25840,7 +25619,7 @@
               <a:t> </a:t>
             </a:r>
             <a:r>
-              <a:rPr lang="en-GB" sz="3200" dirty="0" err="1" smtClean="0">
+              <a:rPr lang="en-GB" sz="3200" dirty="0" err="1">
                 <a:latin typeface="Courier" charset="0"/>
                 <a:ea typeface="Courier" charset="0"/>
                 <a:cs typeface="Courier" charset="0"/>
@@ -25848,7 +25627,7 @@
               <a:t>ntpq</a:t>
             </a:r>
             <a:r>
-              <a:rPr lang="en-GB" sz="3200" dirty="0" smtClean="0">
+              <a:rPr lang="en-GB" sz="3200" dirty="0">
                 <a:latin typeface="Courier" charset="0"/>
                 <a:ea typeface="Courier" charset="0"/>
                 <a:cs typeface="Courier" charset="0"/>
@@ -25856,7 +25635,7 @@
               <a:t> -</a:t>
             </a:r>
             <a:r>
-              <a:rPr lang="en-GB" sz="3200" dirty="0" err="1" smtClean="0">
+              <a:rPr lang="en-GB" sz="3200" dirty="0" err="1">
                 <a:latin typeface="Courier" charset="0"/>
                 <a:ea typeface="Courier" charset="0"/>
                 <a:cs typeface="Courier" charset="0"/>
@@ -25896,7 +25675,7 @@
           <a:lstStyle/>
           <a:p>
             <a:r>
-              <a:rPr lang="is-IS" sz="1600" smtClean="0">
+              <a:rPr lang="is-IS" sz="1600">
                 <a:latin typeface="Courier" charset="0"/>
                 <a:ea typeface="Courier" charset="0"/>
                 <a:cs typeface="Courier" charset="0"/>
@@ -26070,14 +25849,14 @@
           <a:effectLst/>
           <a:extLst>
             <a:ext uri="{909E8E84-426E-40dd-AFC4-6F175D3DCCD1}">
-              <a14:hiddenFill xmlns="" xmlns:a14="http://schemas.microsoft.com/office/drawing/2010/main">
+              <a14:hiddenFill xmlns:a14="http://schemas.microsoft.com/office/drawing/2010/main" xmlns="">
                 <a:solidFill>
                   <a:srgbClr val="FFFFFF"/>
                 </a:solidFill>
               </a14:hiddenFill>
             </a:ext>
             <a:ext uri="{91240B29-F687-4f45-9708-019B960494DF}">
-              <a14:hiddenLine xmlns="" xmlns:a14="http://schemas.microsoft.com/office/drawing/2010/main" w="9525" cap="flat">
+              <a14:hiddenLine xmlns:a14="http://schemas.microsoft.com/office/drawing/2010/main" xmlns="" w="9525" cap="flat">
                 <a:solidFill>
                   <a:srgbClr val="3465A4"/>
                 </a:solidFill>
@@ -26087,7 +25866,7 @@
               </a14:hiddenLine>
             </a:ext>
             <a:ext uri="{AF507438-7753-43e0-B8FC-AC1667EBCBE1}">
-              <a14:hiddenEffects xmlns="" xmlns:a14="http://schemas.microsoft.com/office/drawing/2010/main">
+              <a14:hiddenEffects xmlns:a14="http://schemas.microsoft.com/office/drawing/2010/main" xmlns="">
                 <a:effectLst>
                   <a:outerShdw blurRad="63500" dist="38099" dir="2700000" algn="ctr" rotWithShape="0">
                     <a:srgbClr val="000000">
@@ -26468,7 +26247,7 @@
               <a:defRPr/>
             </a:pPr>
             <a:r>
-              <a:rPr lang="en-US" sz="4400" b="1" dirty="0" smtClean="0">
+              <a:rPr lang="en-US" sz="4400" b="1" dirty="0">
                 <a:latin typeface="Trebuchet MS" charset="0"/>
               </a:rPr>
               <a:t>NTP Exercises</a:t>
@@ -26499,14 +26278,14 @@
           <a:effectLst/>
           <a:extLst>
             <a:ext uri="{909E8E84-426E-40dd-AFC4-6F175D3DCCD1}">
-              <a14:hiddenFill xmlns="" xmlns:a14="http://schemas.microsoft.com/office/drawing/2010/main">
+              <a14:hiddenFill xmlns:a14="http://schemas.microsoft.com/office/drawing/2010/main" xmlns="">
                 <a:solidFill>
                   <a:srgbClr val="FFFFFF"/>
                 </a:solidFill>
               </a14:hiddenFill>
             </a:ext>
             <a:ext uri="{91240B29-F687-4f45-9708-019B960494DF}">
-              <a14:hiddenLine xmlns="" xmlns:a14="http://schemas.microsoft.com/office/drawing/2010/main" w="9525" cap="flat">
+              <a14:hiddenLine xmlns:a14="http://schemas.microsoft.com/office/drawing/2010/main" xmlns="" w="9525" cap="flat">
                 <a:solidFill>
                   <a:srgbClr val="3465A4"/>
                 </a:solidFill>
@@ -26516,7 +26295,7 @@
               </a14:hiddenLine>
             </a:ext>
             <a:ext uri="{AF507438-7753-43e0-B8FC-AC1667EBCBE1}">
-              <a14:hiddenEffects xmlns="" xmlns:a14="http://schemas.microsoft.com/office/drawing/2010/main">
+              <a14:hiddenEffects xmlns:a14="http://schemas.microsoft.com/office/drawing/2010/main" xmlns="">
                 <a:effectLst>
                   <a:outerShdw blurRad="63500" dist="38099" dir="2700000" algn="ctr" rotWithShape="0">
                     <a:srgbClr val="000000">
@@ -26627,14 +26406,14 @@
           <a:effectLst/>
           <a:extLst>
             <a:ext uri="{909E8E84-426E-40dd-AFC4-6F175D3DCCD1}">
-              <a14:hiddenFill xmlns="" xmlns:a14="http://schemas.microsoft.com/office/drawing/2010/main">
+              <a14:hiddenFill xmlns:a14="http://schemas.microsoft.com/office/drawing/2010/main" xmlns="">
                 <a:solidFill>
                   <a:srgbClr val="FFFFFF"/>
                 </a:solidFill>
               </a14:hiddenFill>
             </a:ext>
             <a:ext uri="{91240B29-F687-4f45-9708-019B960494DF}">
-              <a14:hiddenLine xmlns="" xmlns:a14="http://schemas.microsoft.com/office/drawing/2010/main" w="9525" cap="flat">
+              <a14:hiddenLine xmlns:a14="http://schemas.microsoft.com/office/drawing/2010/main" xmlns="" w="9525" cap="flat">
                 <a:solidFill>
                   <a:srgbClr val="3465A4"/>
                 </a:solidFill>
@@ -26644,7 +26423,7 @@
               </a14:hiddenLine>
             </a:ext>
             <a:ext uri="{AF507438-7753-43e0-B8FC-AC1667EBCBE1}">
-              <a14:hiddenEffects xmlns="" xmlns:a14="http://schemas.microsoft.com/office/drawing/2010/main">
+              <a14:hiddenEffects xmlns:a14="http://schemas.microsoft.com/office/drawing/2010/main" xmlns="">
                 <a:effectLst>
                   <a:outerShdw blurRad="63500" dist="38099" dir="2700000" algn="ctr" rotWithShape="0">
                     <a:srgbClr val="000000">
@@ -27025,7 +26804,7 @@
               <a:defRPr/>
             </a:pPr>
             <a:r>
-              <a:rPr lang="en-GB" sz="4400" b="1" dirty="0" smtClean="0">
+              <a:rPr lang="en-GB" sz="4400" b="1" dirty="0">
                 <a:latin typeface="Trebuchet MS" charset="0"/>
               </a:rPr>
               <a:t>About NTP</a:t>
@@ -27056,14 +26835,14 @@
           <a:effectLst/>
           <a:extLst>
             <a:ext uri="{909E8E84-426E-40dd-AFC4-6F175D3DCCD1}">
-              <a14:hiddenFill xmlns="" xmlns:a14="http://schemas.microsoft.com/office/drawing/2010/main">
+              <a14:hiddenFill xmlns:a14="http://schemas.microsoft.com/office/drawing/2010/main" xmlns="">
                 <a:solidFill>
                   <a:srgbClr val="FFFFFF"/>
                 </a:solidFill>
               </a14:hiddenFill>
             </a:ext>
             <a:ext uri="{91240B29-F687-4f45-9708-019B960494DF}">
-              <a14:hiddenLine xmlns="" xmlns:a14="http://schemas.microsoft.com/office/drawing/2010/main" w="9525" cap="flat">
+              <a14:hiddenLine xmlns:a14="http://schemas.microsoft.com/office/drawing/2010/main" xmlns="" w="9525" cap="flat">
                 <a:solidFill>
                   <a:srgbClr val="3465A4"/>
                 </a:solidFill>
@@ -27073,7 +26852,7 @@
               </a14:hiddenLine>
             </a:ext>
             <a:ext uri="{AF507438-7753-43e0-B8FC-AC1667EBCBE1}">
-              <a14:hiddenEffects xmlns="" xmlns:a14="http://schemas.microsoft.com/office/drawing/2010/main">
+              <a14:hiddenEffects xmlns:a14="http://schemas.microsoft.com/office/drawing/2010/main" xmlns="">
                 <a:effectLst>
                   <a:outerShdw blurRad="63500" dist="38099" dir="2700000" algn="ctr" rotWithShape="0">
                     <a:srgbClr val="000000">
@@ -27459,7 +27238,7 @@
               <a:defRPr/>
             </a:pPr>
             <a:r>
-              <a:rPr lang="en-GB" sz="3200" dirty="0" smtClean="0">
+              <a:rPr lang="en-GB" sz="3200" dirty="0">
                 <a:latin typeface="Trebuchet MS" charset="0"/>
               </a:rPr>
               <a:t>Network Time Protocol project</a:t>
@@ -27482,18 +27261,18 @@
               <a:defRPr/>
             </a:pPr>
             <a:r>
-              <a:rPr lang="en-GB" sz="3200" dirty="0" smtClean="0">
+              <a:rPr lang="en-GB" sz="3200" dirty="0">
                 <a:latin typeface="Trebuchet MS" charset="0"/>
               </a:rPr>
               <a:t>http://</a:t>
             </a:r>
             <a:r>
-              <a:rPr lang="en-GB" sz="3200" dirty="0" err="1" smtClean="0">
+              <a:rPr lang="en-GB" sz="3200" dirty="0" err="1">
                 <a:latin typeface="Trebuchet MS" charset="0"/>
               </a:rPr>
               <a:t>ntp.org</a:t>
             </a:r>
-            <a:endParaRPr lang="en-GB" sz="3200" dirty="0" smtClean="0">
+            <a:endParaRPr lang="en-GB" sz="3200" dirty="0">
               <a:latin typeface="Trebuchet MS" charset="0"/>
             </a:endParaRPr>
           </a:p>
@@ -27517,13 +27296,7 @@
               <a:rPr lang="en-GB" sz="3200" dirty="0">
                 <a:latin typeface="Trebuchet MS" charset="0"/>
               </a:rPr>
-              <a:t>NTP is a protocol designed to synchronize the clocks of computers over a network</a:t>
-            </a:r>
-            <a:r>
-              <a:rPr lang="en-GB" sz="3200" dirty="0" smtClean="0">
-                <a:latin typeface="Trebuchet MS" charset="0"/>
-              </a:rPr>
-              <a:t>.</a:t>
+              <a:t>NTP is a protocol designed to synchronize the clocks of computers over a network.</a:t>
             </a:r>
           </a:p>
         </p:txBody>
@@ -27614,14 +27387,14 @@
           <a:effectLst/>
           <a:extLst>
             <a:ext uri="{909E8E84-426E-40dd-AFC4-6F175D3DCCD1}">
-              <a14:hiddenFill xmlns="" xmlns:a14="http://schemas.microsoft.com/office/drawing/2010/main">
+              <a14:hiddenFill xmlns:a14="http://schemas.microsoft.com/office/drawing/2010/main" xmlns="">
                 <a:solidFill>
                   <a:srgbClr val="FFFFFF"/>
                 </a:solidFill>
               </a14:hiddenFill>
             </a:ext>
             <a:ext uri="{91240B29-F687-4f45-9708-019B960494DF}">
-              <a14:hiddenLine xmlns="" xmlns:a14="http://schemas.microsoft.com/office/drawing/2010/main" w="9525" cap="flat">
+              <a14:hiddenLine xmlns:a14="http://schemas.microsoft.com/office/drawing/2010/main" xmlns="" w="9525" cap="flat">
                 <a:solidFill>
                   <a:srgbClr val="3465A4"/>
                 </a:solidFill>
@@ -27631,7 +27404,7 @@
               </a14:hiddenLine>
             </a:ext>
             <a:ext uri="{AF507438-7753-43e0-B8FC-AC1667EBCBE1}">
-              <a14:hiddenEffects xmlns="" xmlns:a14="http://schemas.microsoft.com/office/drawing/2010/main">
+              <a14:hiddenEffects xmlns:a14="http://schemas.microsoft.com/office/drawing/2010/main" xmlns="">
                 <a:effectLst>
                   <a:outerShdw blurRad="63500" dist="38099" dir="2700000" algn="ctr" rotWithShape="0">
                     <a:srgbClr val="000000">
@@ -28012,7 +27785,7 @@
               <a:defRPr/>
             </a:pPr>
             <a:r>
-              <a:rPr lang="en-GB" sz="4400" b="1" dirty="0" smtClean="0">
+              <a:rPr lang="en-GB" sz="4400" b="1" dirty="0">
                 <a:latin typeface="Trebuchet MS" charset="0"/>
               </a:rPr>
               <a:t>About NTP</a:t>
@@ -28043,14 +27816,14 @@
           <a:effectLst/>
           <a:extLst>
             <a:ext uri="{909E8E84-426E-40dd-AFC4-6F175D3DCCD1}">
-              <a14:hiddenFill xmlns="" xmlns:a14="http://schemas.microsoft.com/office/drawing/2010/main">
+              <a14:hiddenFill xmlns:a14="http://schemas.microsoft.com/office/drawing/2010/main" xmlns="">
                 <a:solidFill>
                   <a:srgbClr val="FFFFFF"/>
                 </a:solidFill>
               </a14:hiddenFill>
             </a:ext>
             <a:ext uri="{91240B29-F687-4f45-9708-019B960494DF}">
-              <a14:hiddenLine xmlns="" xmlns:a14="http://schemas.microsoft.com/office/drawing/2010/main" w="9525" cap="flat">
+              <a14:hiddenLine xmlns:a14="http://schemas.microsoft.com/office/drawing/2010/main" xmlns="" w="9525" cap="flat">
                 <a:solidFill>
                   <a:srgbClr val="3465A4"/>
                 </a:solidFill>
@@ -28060,7 +27833,7 @@
               </a14:hiddenLine>
             </a:ext>
             <a:ext uri="{AF507438-7753-43e0-B8FC-AC1667EBCBE1}">
-              <a14:hiddenEffects xmlns="" xmlns:a14="http://schemas.microsoft.com/office/drawing/2010/main">
+              <a14:hiddenEffects xmlns:a14="http://schemas.microsoft.com/office/drawing/2010/main" xmlns="">
                 <a:effectLst>
                   <a:outerShdw blurRad="63500" dist="38099" dir="2700000" algn="ctr" rotWithShape="0">
                     <a:srgbClr val="000000">
@@ -28446,20 +28219,8 @@
               <a:defRPr/>
             </a:pPr>
             <a:r>
-              <a:rPr lang="en-GB" sz="3200" dirty="0" smtClean="0"/>
-              <a:t>NTP </a:t>
-            </a:r>
-            <a:r>
               <a:rPr lang="en-GB" sz="3200" dirty="0"/>
-              <a:t>version 4, a significant revision of the previous NTP standard, is the current development version. </a:t>
-            </a:r>
-            <a:r>
-              <a:rPr lang="en-GB" sz="3200" dirty="0" smtClean="0"/>
-              <a:t>It </a:t>
-            </a:r>
-            <a:r>
-              <a:rPr lang="en-GB" sz="3200" dirty="0"/>
-              <a:t>is formalized by </a:t>
+              <a:t>NTP version 4, a significant revision of the previous NTP standard, is the current development version. It is formalized by </a:t>
             </a:r>
             <a:r>
               <a:rPr lang="en-GB" sz="3200" dirty="0">
@@ -28469,11 +28230,7 @@
             </a:r>
             <a:r>
               <a:rPr lang="en-GB" sz="3200" dirty="0"/>
-              <a:t> released by the IETF</a:t>
-            </a:r>
-            <a:r>
-              <a:rPr lang="en-GB" sz="3200" dirty="0" smtClean="0"/>
-              <a:t>.</a:t>
+              <a:t> released by the IETF.</a:t>
             </a:r>
           </a:p>
           <a:p>
@@ -28577,17 +28334,8 @@
               <a:rPr lang="en-GB" sz="1600" dirty="0">
                 <a:latin typeface="Trebuchet MS" charset="0"/>
               </a:rPr>
-              <a:t>RFC 5908: Network Time Protocol (NTP) Server Option for </a:t>
+              <a:t>RFC 5908: Network Time Protocol (NTP) Server Option for DHCPv6</a:t>
             </a:r>
-            <a:r>
-              <a:rPr lang="en-GB" sz="1600" dirty="0" smtClean="0">
-                <a:latin typeface="Trebuchet MS" charset="0"/>
-              </a:rPr>
-              <a:t>DHCPv6</a:t>
-            </a:r>
-            <a:endParaRPr lang="en-GB" sz="1600" dirty="0">
-              <a:latin typeface="Trebuchet MS" charset="0"/>
-            </a:endParaRPr>
           </a:p>
         </p:txBody>
       </p:sp>
@@ -28682,14 +28430,14 @@
           <a:effectLst/>
           <a:extLst>
             <a:ext uri="{909E8E84-426E-40dd-AFC4-6F175D3DCCD1}">
-              <a14:hiddenFill xmlns="" xmlns:a14="http://schemas.microsoft.com/office/drawing/2010/main">
+              <a14:hiddenFill xmlns:a14="http://schemas.microsoft.com/office/drawing/2010/main" xmlns="">
                 <a:solidFill>
                   <a:srgbClr val="FFFFFF"/>
                 </a:solidFill>
               </a14:hiddenFill>
             </a:ext>
             <a:ext uri="{91240B29-F687-4f45-9708-019B960494DF}">
-              <a14:hiddenLine xmlns="" xmlns:a14="http://schemas.microsoft.com/office/drawing/2010/main" w="9525" cap="flat">
+              <a14:hiddenLine xmlns:a14="http://schemas.microsoft.com/office/drawing/2010/main" xmlns="" w="9525" cap="flat">
                 <a:solidFill>
                   <a:srgbClr val="3465A4"/>
                 </a:solidFill>
@@ -28699,7 +28447,7 @@
               </a14:hiddenLine>
             </a:ext>
             <a:ext uri="{AF507438-7753-43e0-B8FC-AC1667EBCBE1}">
-              <a14:hiddenEffects xmlns="" xmlns:a14="http://schemas.microsoft.com/office/drawing/2010/main">
+              <a14:hiddenEffects xmlns:a14="http://schemas.microsoft.com/office/drawing/2010/main" xmlns="">
                 <a:effectLst>
                   <a:outerShdw blurRad="63500" dist="38099" dir="2700000" algn="ctr" rotWithShape="0">
                     <a:srgbClr val="000000">
@@ -29080,7 +28828,7 @@
               <a:defRPr/>
             </a:pPr>
             <a:r>
-              <a:rPr lang="en-US" sz="4400" b="1" dirty="0" smtClean="0">
+              <a:rPr lang="en-US" sz="4400" b="1" dirty="0">
                 <a:latin typeface="Trebuchet MS" charset="0"/>
               </a:rPr>
               <a:t>NTP and Time Synchronization</a:t>
@@ -29111,14 +28859,14 @@
           <a:effectLst/>
           <a:extLst>
             <a:ext uri="{909E8E84-426E-40dd-AFC4-6F175D3DCCD1}">
-              <a14:hiddenFill xmlns="" xmlns:a14="http://schemas.microsoft.com/office/drawing/2010/main">
+              <a14:hiddenFill xmlns:a14="http://schemas.microsoft.com/office/drawing/2010/main" xmlns="">
                 <a:solidFill>
                   <a:srgbClr val="FFFFFF"/>
                 </a:solidFill>
               </a14:hiddenFill>
             </a:ext>
             <a:ext uri="{91240B29-F687-4f45-9708-019B960494DF}">
-              <a14:hiddenLine xmlns="" xmlns:a14="http://schemas.microsoft.com/office/drawing/2010/main" w="9525" cap="flat">
+              <a14:hiddenLine xmlns:a14="http://schemas.microsoft.com/office/drawing/2010/main" xmlns="" w="9525" cap="flat">
                 <a:solidFill>
                   <a:srgbClr val="3465A4"/>
                 </a:solidFill>
@@ -29128,7 +28876,7 @@
               </a14:hiddenLine>
             </a:ext>
             <a:ext uri="{AF507438-7753-43e0-B8FC-AC1667EBCBE1}">
-              <a14:hiddenEffects xmlns="" xmlns:a14="http://schemas.microsoft.com/office/drawing/2010/main">
+              <a14:hiddenEffects xmlns:a14="http://schemas.microsoft.com/office/drawing/2010/main" xmlns="">
                 <a:effectLst>
                   <a:outerShdw blurRad="63500" dist="38099" dir="2700000" algn="ctr" rotWithShape="0">
                     <a:srgbClr val="000000">
@@ -29515,19 +29263,7 @@
             </a:pPr>
             <a:r>
               <a:rPr lang="en-US" dirty="0"/>
-              <a:t>Network Time Protocol (NTP) </a:t>
-            </a:r>
-            <a:r>
-              <a:rPr lang="en-US" dirty="0" smtClean="0"/>
-              <a:t>is used by organizations to </a:t>
-            </a:r>
-            <a:r>
-              <a:rPr lang="en-US" dirty="0"/>
-              <a:t>synchronize the clocks of all </a:t>
-            </a:r>
-            <a:r>
-              <a:rPr lang="en-US" dirty="0" smtClean="0"/>
-              <a:t>its systems. </a:t>
+              <a:t>Network Time Protocol (NTP) is used by organizations to synchronize the clocks of all its systems. </a:t>
             </a:r>
           </a:p>
           <a:p>
@@ -29547,16 +29283,8 @@
               <a:defRPr/>
             </a:pPr>
             <a:r>
-              <a:rPr lang="en-US" dirty="0" smtClean="0"/>
-              <a:t>Time </a:t>
-            </a:r>
-            <a:r>
               <a:rPr lang="en-US" dirty="0"/>
-              <a:t>synchronization is important for many </a:t>
-            </a:r>
-            <a:r>
-              <a:rPr lang="en-US" dirty="0" smtClean="0"/>
-              <a:t>reasons:</a:t>
+              <a:t>Time synchronization is important for many reasons:</a:t>
             </a:r>
           </a:p>
           <a:p>
@@ -29577,19 +29305,7 @@
             </a:pPr>
             <a:r>
               <a:rPr lang="en-US" dirty="0"/>
-              <a:t>A</a:t>
-            </a:r>
-            <a:r>
-              <a:rPr lang="en-US" dirty="0" smtClean="0"/>
-              <a:t>pplication </a:t>
-            </a:r>
-            <a:r>
-              <a:rPr lang="en-US" dirty="0"/>
-              <a:t>time </a:t>
-            </a:r>
-            <a:r>
-              <a:rPr lang="en-US" dirty="0" smtClean="0"/>
-              <a:t>stamps</a:t>
+              <a:t>Application time stamps</a:t>
             </a:r>
           </a:p>
           <a:p>
@@ -29609,7 +29325,7 @@
               <a:defRPr/>
             </a:pPr>
             <a:r>
-              <a:rPr lang="en-US" dirty="0" smtClean="0"/>
+              <a:rPr lang="en-US" dirty="0"/>
               <a:t>Time stamps for log entries and audit trails. </a:t>
             </a:r>
           </a:p>
@@ -29631,23 +29347,7 @@
             </a:pPr>
             <a:r>
               <a:rPr lang="en-US" dirty="0"/>
-              <a:t>NTP provides an easy way to ensure that all systems will maintain the </a:t>
-            </a:r>
-            <a:r>
-              <a:rPr lang="en-US" dirty="0" smtClean="0"/>
-              <a:t>same time. This can significantly simplify </a:t>
-            </a:r>
-            <a:r>
-              <a:rPr lang="en-US" dirty="0"/>
-              <a:t>the burden on </a:t>
-            </a:r>
-            <a:r>
-              <a:rPr lang="en-US" dirty="0" smtClean="0"/>
-              <a:t>system administrators and tech </a:t>
-            </a:r>
-            <a:r>
-              <a:rPr lang="en-US" dirty="0"/>
-              <a:t>support.</a:t>
+              <a:t>NTP provides an easy way to ensure that all systems will maintain the same time. This can significantly simplify the burden on system administrators and tech support.</a:t>
             </a:r>
           </a:p>
           <a:p>
@@ -29667,18 +29367,10 @@
               <a:defRPr/>
             </a:pPr>
             <a:r>
-              <a:rPr lang="en-US" dirty="0" smtClean="0"/>
-              <a:t>When </a:t>
+              <a:rPr lang="en-US" dirty="0"/>
+              <a:t>When an organization’s systems all maintain different clock times, it becomes very difficult from a troubleshooting standpoint to determine when and under what conditions a particular event might be occurring.</a:t>
             </a:r>
-            <a:r>
-              <a:rPr lang="en-US" dirty="0"/>
-              <a:t>an organization’s systems all maintain different clock times, it becomes very difficult from a troubleshooting standpoint to determine when and under what conditions a particular event might be </a:t>
-            </a:r>
-            <a:r>
-              <a:rPr lang="en-US" dirty="0" smtClean="0"/>
-              <a:t>occurring.</a:t>
-            </a:r>
-            <a:endParaRPr lang="en-US" dirty="0" smtClean="0">
+            <a:endParaRPr lang="en-US" dirty="0">
               <a:latin typeface="Trebuchet MS" charset="0"/>
             </a:endParaRPr>
           </a:p>
@@ -29770,14 +29462,14 @@
           <a:effectLst/>
           <a:extLst>
             <a:ext uri="{909E8E84-426E-40dd-AFC4-6F175D3DCCD1}">
-              <a14:hiddenFill xmlns="" xmlns:a14="http://schemas.microsoft.com/office/drawing/2010/main">
+              <a14:hiddenFill xmlns:a14="http://schemas.microsoft.com/office/drawing/2010/main" xmlns="">
                 <a:solidFill>
                   <a:srgbClr val="FFFFFF"/>
                 </a:solidFill>
               </a14:hiddenFill>
             </a:ext>
             <a:ext uri="{91240B29-F687-4f45-9708-019B960494DF}">
-              <a14:hiddenLine xmlns="" xmlns:a14="http://schemas.microsoft.com/office/drawing/2010/main" w="9525" cap="flat">
+              <a14:hiddenLine xmlns:a14="http://schemas.microsoft.com/office/drawing/2010/main" xmlns="" w="9525" cap="flat">
                 <a:solidFill>
                   <a:srgbClr val="3465A4"/>
                 </a:solidFill>
@@ -29787,7 +29479,7 @@
               </a14:hiddenLine>
             </a:ext>
             <a:ext uri="{AF507438-7753-43e0-B8FC-AC1667EBCBE1}">
-              <a14:hiddenEffects xmlns="" xmlns:a14="http://schemas.microsoft.com/office/drawing/2010/main">
+              <a14:hiddenEffects xmlns:a14="http://schemas.microsoft.com/office/drawing/2010/main" xmlns="">
                 <a:effectLst>
                   <a:outerShdw blurRad="63500" dist="38099" dir="2700000" algn="ctr" rotWithShape="0">
                     <a:srgbClr val="000000">
@@ -30168,7 +29860,7 @@
               <a:defRPr/>
             </a:pPr>
             <a:r>
-              <a:rPr lang="en-US" sz="4400" b="1" dirty="0" smtClean="0">
+              <a:rPr lang="en-US" sz="4400" b="1" dirty="0">
                 <a:latin typeface="Trebuchet MS" charset="0"/>
               </a:rPr>
               <a:t>How NTP Works</a:t>
@@ -30199,14 +29891,14 @@
           <a:effectLst/>
           <a:extLst>
             <a:ext uri="{909E8E84-426E-40dd-AFC4-6F175D3DCCD1}">
-              <a14:hiddenFill xmlns="" xmlns:a14="http://schemas.microsoft.com/office/drawing/2010/main">
+              <a14:hiddenFill xmlns:a14="http://schemas.microsoft.com/office/drawing/2010/main" xmlns="">
                 <a:solidFill>
                   <a:srgbClr val="FFFFFF"/>
                 </a:solidFill>
               </a14:hiddenFill>
             </a:ext>
             <a:ext uri="{91240B29-F687-4f45-9708-019B960494DF}">
-              <a14:hiddenLine xmlns="" xmlns:a14="http://schemas.microsoft.com/office/drawing/2010/main" w="9525" cap="flat">
+              <a14:hiddenLine xmlns:a14="http://schemas.microsoft.com/office/drawing/2010/main" xmlns="" w="9525" cap="flat">
                 <a:solidFill>
                   <a:srgbClr val="3465A4"/>
                 </a:solidFill>
@@ -30216,7 +29908,7 @@
               </a14:hiddenLine>
             </a:ext>
             <a:ext uri="{AF507438-7753-43e0-B8FC-AC1667EBCBE1}">
-              <a14:hiddenEffects xmlns="" xmlns:a14="http://schemas.microsoft.com/office/drawing/2010/main">
+              <a14:hiddenEffects xmlns:a14="http://schemas.microsoft.com/office/drawing/2010/main" xmlns="">
                 <a:effectLst>
                   <a:outerShdw blurRad="63500" dist="38099" dir="2700000" algn="ctr" rotWithShape="0">
                     <a:srgbClr val="000000">
@@ -30605,7 +30297,6 @@
               <a:rPr lang="en-US" sz="2800" dirty="0"/>
               <a:t>NTP works on the premise of synchronization with reference clocks, also known as ‘stratum 0‘ servers. </a:t>
             </a:r>
-            <a:endParaRPr lang="en-US" sz="2800" dirty="0" smtClean="0"/>
           </a:p>
           <a:p>
             <a:pPr>
@@ -30624,14 +30315,9 @@
               <a:defRPr/>
             </a:pPr>
             <a:r>
-              <a:rPr lang="en-US" sz="2800" dirty="0" smtClean="0"/>
-              <a:t>All </a:t>
+              <a:rPr lang="en-US" sz="2800" dirty="0"/>
+              <a:t>All other NTP servers then become a lower level strata server based upon how far they are from a reference server. </a:t>
             </a:r>
-            <a:r>
-              <a:rPr lang="en-US" sz="2800" dirty="0"/>
-              <a:t>other NTP servers then become a lower level strata server based upon how far they are from a reference server. </a:t>
-            </a:r>
-            <a:endParaRPr lang="en-US" sz="2800" dirty="0" smtClean="0"/>
           </a:p>
           <a:p>
             <a:pPr>
@@ -30650,14 +30336,9 @@
               <a:defRPr/>
             </a:pPr>
             <a:r>
-              <a:rPr lang="en-US" sz="2800" dirty="0" smtClean="0"/>
-              <a:t>The </a:t>
+              <a:rPr lang="en-US" sz="2800" dirty="0"/>
+              <a:t>The start of the NTP chain is a stratum 1 server which is always directly connected to a stratum 0 reference clock. </a:t>
             </a:r>
-            <a:r>
-              <a:rPr lang="en-US" sz="2800" dirty="0"/>
-              <a:t>start of the NTP chain is a stratum 1 server which is always directly connected to a stratum 0 reference clock. </a:t>
-            </a:r>
-            <a:endParaRPr lang="en-US" sz="2800" dirty="0" smtClean="0"/>
           </a:p>
           <a:p>
             <a:pPr>
@@ -30676,14 +30357,9 @@
               <a:defRPr/>
             </a:pPr>
             <a:r>
-              <a:rPr lang="en-US" sz="2800" dirty="0" smtClean="0"/>
-              <a:t>From </a:t>
+              <a:rPr lang="en-US" sz="2800" dirty="0"/>
+              <a:t>From here, lower level strata servers are connected via a network connection to a higher strata level server. </a:t>
             </a:r>
-            <a:r>
-              <a:rPr lang="en-US" sz="2800" dirty="0"/>
-              <a:t>here, lower level strata servers are connected via a network connection to a higher strata level server. </a:t>
-            </a:r>
-            <a:endParaRPr lang="en-US" sz="2800" dirty="0" smtClean="0"/>
           </a:p>
         </p:txBody>
       </p:sp>
@@ -30773,14 +30449,14 @@
           <a:effectLst/>
           <a:extLst>
             <a:ext uri="{909E8E84-426E-40dd-AFC4-6F175D3DCCD1}">
-              <a14:hiddenFill xmlns="" xmlns:a14="http://schemas.microsoft.com/office/drawing/2010/main">
+              <a14:hiddenFill xmlns:a14="http://schemas.microsoft.com/office/drawing/2010/main" xmlns="">
                 <a:solidFill>
                   <a:srgbClr val="FFFFFF"/>
                 </a:solidFill>
               </a14:hiddenFill>
             </a:ext>
             <a:ext uri="{91240B29-F687-4f45-9708-019B960494DF}">
-              <a14:hiddenLine xmlns="" xmlns:a14="http://schemas.microsoft.com/office/drawing/2010/main" w="9525" cap="flat">
+              <a14:hiddenLine xmlns:a14="http://schemas.microsoft.com/office/drawing/2010/main" xmlns="" w="9525" cap="flat">
                 <a:solidFill>
                   <a:srgbClr val="3465A4"/>
                 </a:solidFill>
@@ -30790,7 +30466,7 @@
               </a14:hiddenLine>
             </a:ext>
             <a:ext uri="{AF507438-7753-43e0-B8FC-AC1667EBCBE1}">
-              <a14:hiddenEffects xmlns="" xmlns:a14="http://schemas.microsoft.com/office/drawing/2010/main">
+              <a14:hiddenEffects xmlns:a14="http://schemas.microsoft.com/office/drawing/2010/main" xmlns="">
                 <a:effectLst>
                   <a:outerShdw blurRad="63500" dist="38099" dir="2700000" algn="ctr" rotWithShape="0">
                     <a:srgbClr val="000000">
@@ -31171,7 +30847,7 @@
               <a:defRPr/>
             </a:pPr>
             <a:r>
-              <a:rPr lang="en-US" sz="4400" b="1" dirty="0" smtClean="0">
+              <a:rPr lang="en-US" sz="4400" b="1" dirty="0">
                 <a:latin typeface="Trebuchet MS" charset="0"/>
               </a:rPr>
               <a:t>How NTP Works</a:t>
@@ -31202,14 +30878,14 @@
           <a:effectLst/>
           <a:extLst>
             <a:ext uri="{909E8E84-426E-40dd-AFC4-6F175D3DCCD1}">
-              <a14:hiddenFill xmlns="" xmlns:a14="http://schemas.microsoft.com/office/drawing/2010/main">
+              <a14:hiddenFill xmlns:a14="http://schemas.microsoft.com/office/drawing/2010/main" xmlns="">
                 <a:solidFill>
                   <a:srgbClr val="FFFFFF"/>
                 </a:solidFill>
               </a14:hiddenFill>
             </a:ext>
             <a:ext uri="{91240B29-F687-4f45-9708-019B960494DF}">
-              <a14:hiddenLine xmlns="" xmlns:a14="http://schemas.microsoft.com/office/drawing/2010/main" w="9525" cap="flat">
+              <a14:hiddenLine xmlns:a14="http://schemas.microsoft.com/office/drawing/2010/main" xmlns="" w="9525" cap="flat">
                 <a:solidFill>
                   <a:srgbClr val="3465A4"/>
                 </a:solidFill>
@@ -31219,7 +30895,7 @@
               </a14:hiddenLine>
             </a:ext>
             <a:ext uri="{AF507438-7753-43e0-B8FC-AC1667EBCBE1}">
-              <a14:hiddenEffects xmlns="" xmlns:a14="http://schemas.microsoft.com/office/drawing/2010/main">
+              <a14:hiddenEffects xmlns:a14="http://schemas.microsoft.com/office/drawing/2010/main" xmlns="">
                 <a:effectLst>
                   <a:outerShdw blurRad="63500" dist="38099" dir="2700000" algn="ctr" rotWithShape="0">
                     <a:srgbClr val="000000">
@@ -31609,7 +31285,7 @@
               <a:defRPr/>
             </a:pPr>
             <a:r>
-              <a:rPr lang="en-US" sz="2800" dirty="0" smtClean="0"/>
+              <a:rPr lang="en-US" sz="2800" dirty="0"/>
               <a:t>Stratum 0</a:t>
             </a:r>
           </a:p>
@@ -31662,14 +31338,14 @@
           <a:effectLst/>
           <a:extLst>
             <a:ext uri="{909E8E84-426E-40dd-AFC4-6F175D3DCCD1}">
-              <a14:hiddenFill xmlns="" xmlns:a14="http://schemas.microsoft.com/office/drawing/2010/main">
+              <a14:hiddenFill xmlns:a14="http://schemas.microsoft.com/office/drawing/2010/main" xmlns="">
                 <a:solidFill>
                   <a:srgbClr val="FFFFFF"/>
                 </a:solidFill>
               </a14:hiddenFill>
             </a:ext>
             <a:ext uri="{91240B29-F687-4f45-9708-019B960494DF}">
-              <a14:hiddenLine xmlns="" xmlns:a14="http://schemas.microsoft.com/office/drawing/2010/main" w="9525" cap="flat">
+              <a14:hiddenLine xmlns:a14="http://schemas.microsoft.com/office/drawing/2010/main" xmlns="" w="9525" cap="flat">
                 <a:solidFill>
                   <a:srgbClr val="3465A4"/>
                 </a:solidFill>
@@ -31679,7 +31355,7 @@
               </a14:hiddenLine>
             </a:ext>
             <a:ext uri="{AF507438-7753-43e0-B8FC-AC1667EBCBE1}">
-              <a14:hiddenEffects xmlns="" xmlns:a14="http://schemas.microsoft.com/office/drawing/2010/main">
+              <a14:hiddenEffects xmlns:a14="http://schemas.microsoft.com/office/drawing/2010/main" xmlns="">
                 <a:effectLst>
                   <a:outerShdw blurRad="63500" dist="38099" dir="2700000" algn="ctr" rotWithShape="0">
                     <a:srgbClr val="000000">
@@ -32069,7 +31745,7 @@
               <a:defRPr/>
             </a:pPr>
             <a:r>
-              <a:rPr lang="en-US" sz="2800" dirty="0" smtClean="0"/>
+              <a:rPr lang="en-US" sz="2800" dirty="0"/>
               <a:t>Stratum 1</a:t>
             </a:r>
           </a:p>
@@ -32098,14 +31774,14 @@
           <a:effectLst/>
           <a:extLst>
             <a:ext uri="{909E8E84-426E-40dd-AFC4-6F175D3DCCD1}">
-              <a14:hiddenFill xmlns="" xmlns:a14="http://schemas.microsoft.com/office/drawing/2010/main">
+              <a14:hiddenFill xmlns:a14="http://schemas.microsoft.com/office/drawing/2010/main" xmlns="">
                 <a:solidFill>
                   <a:srgbClr val="FFFFFF"/>
                 </a:solidFill>
               </a14:hiddenFill>
             </a:ext>
             <a:ext uri="{91240B29-F687-4f45-9708-019B960494DF}">
-              <a14:hiddenLine xmlns="" xmlns:a14="http://schemas.microsoft.com/office/drawing/2010/main" w="9525" cap="flat">
+              <a14:hiddenLine xmlns:a14="http://schemas.microsoft.com/office/drawing/2010/main" xmlns="" w="9525" cap="flat">
                 <a:solidFill>
                   <a:srgbClr val="3465A4"/>
                 </a:solidFill>
@@ -32115,7 +31791,7 @@
               </a14:hiddenLine>
             </a:ext>
             <a:ext uri="{AF507438-7753-43e0-B8FC-AC1667EBCBE1}">
-              <a14:hiddenEffects xmlns="" xmlns:a14="http://schemas.microsoft.com/office/drawing/2010/main">
+              <a14:hiddenEffects xmlns:a14="http://schemas.microsoft.com/office/drawing/2010/main" xmlns="">
                 <a:effectLst>
                   <a:outerShdw blurRad="63500" dist="38099" dir="2700000" algn="ctr" rotWithShape="0">
                     <a:srgbClr val="000000">
@@ -32505,7 +32181,7 @@
               <a:defRPr/>
             </a:pPr>
             <a:r>
-              <a:rPr lang="en-US" sz="2800" dirty="0" smtClean="0"/>
+              <a:rPr lang="en-US" sz="2800" dirty="0"/>
               <a:t>Stratum 2</a:t>
             </a:r>
           </a:p>
@@ -32534,14 +32210,14 @@
           <a:effectLst/>
           <a:extLst>
             <a:ext uri="{909E8E84-426E-40dd-AFC4-6F175D3DCCD1}">
-              <a14:hiddenFill xmlns="" xmlns:a14="http://schemas.microsoft.com/office/drawing/2010/main">
+              <a14:hiddenFill xmlns:a14="http://schemas.microsoft.com/office/drawing/2010/main" xmlns="">
                 <a:solidFill>
                   <a:srgbClr val="FFFFFF"/>
                 </a:solidFill>
               </a14:hiddenFill>
             </a:ext>
             <a:ext uri="{91240B29-F687-4f45-9708-019B960494DF}">
-              <a14:hiddenLine xmlns="" xmlns:a14="http://schemas.microsoft.com/office/drawing/2010/main" w="9525" cap="flat">
+              <a14:hiddenLine xmlns:a14="http://schemas.microsoft.com/office/drawing/2010/main" xmlns="" w="9525" cap="flat">
                 <a:solidFill>
                   <a:srgbClr val="3465A4"/>
                 </a:solidFill>
@@ -32551,7 +32227,7 @@
               </a14:hiddenLine>
             </a:ext>
             <a:ext uri="{AF507438-7753-43e0-B8FC-AC1667EBCBE1}">
-              <a14:hiddenEffects xmlns="" xmlns:a14="http://schemas.microsoft.com/office/drawing/2010/main">
+              <a14:hiddenEffects xmlns:a14="http://schemas.microsoft.com/office/drawing/2010/main" xmlns="">
                 <a:effectLst>
                   <a:outerShdw blurRad="63500" dist="38099" dir="2700000" algn="ctr" rotWithShape="0">
                     <a:srgbClr val="000000">
@@ -32941,7 +32617,7 @@
               <a:defRPr/>
             </a:pPr>
             <a:r>
-              <a:rPr lang="en-US" sz="2800" dirty="0" smtClean="0"/>
+              <a:rPr lang="en-US" sz="2800" dirty="0"/>
               <a:t>Stratum 3</a:t>
             </a:r>
           </a:p>
@@ -32970,14 +32646,14 @@
           <a:effectLst/>
           <a:extLst>
             <a:ext uri="{909E8E84-426E-40dd-AFC4-6F175D3DCCD1}">
-              <a14:hiddenFill xmlns="" xmlns:a14="http://schemas.microsoft.com/office/drawing/2010/main">
+              <a14:hiddenFill xmlns:a14="http://schemas.microsoft.com/office/drawing/2010/main" xmlns="">
                 <a:solidFill>
                   <a:srgbClr val="FFFFFF"/>
                 </a:solidFill>
               </a14:hiddenFill>
             </a:ext>
             <a:ext uri="{91240B29-F687-4f45-9708-019B960494DF}">
-              <a14:hiddenLine xmlns="" xmlns:a14="http://schemas.microsoft.com/office/drawing/2010/main" w="9525" cap="flat">
+              <a14:hiddenLine xmlns:a14="http://schemas.microsoft.com/office/drawing/2010/main" xmlns="" w="9525" cap="flat">
                 <a:solidFill>
                   <a:srgbClr val="3465A4"/>
                 </a:solidFill>
@@ -32987,7 +32663,7 @@
               </a14:hiddenLine>
             </a:ext>
             <a:ext uri="{AF507438-7753-43e0-B8FC-AC1667EBCBE1}">
-              <a14:hiddenEffects xmlns="" xmlns:a14="http://schemas.microsoft.com/office/drawing/2010/main">
+              <a14:hiddenEffects xmlns:a14="http://schemas.microsoft.com/office/drawing/2010/main" xmlns="">
                 <a:effectLst>
                   <a:outerShdw blurRad="63500" dist="38099" dir="2700000" algn="ctr" rotWithShape="0">
                     <a:srgbClr val="000000">
@@ -33377,10 +33053,10 @@
               <a:defRPr/>
             </a:pPr>
             <a:r>
-              <a:rPr lang="en-US" sz="2800" smtClean="0"/>
+              <a:rPr lang="en-US" sz="2800"/>
               <a:t>GPS/CDMA</a:t>
             </a:r>
-            <a:endParaRPr lang="en-US" sz="2800" dirty="0" smtClean="0"/>
+            <a:endParaRPr lang="en-US" sz="2800" dirty="0"/>
           </a:p>
         </p:txBody>
       </p:sp>
@@ -33481,7 +33157,7 @@
           <a:effectLst/>
           <a:extLst>
             <a:ext uri="{AF507438-7753-43e0-B8FC-AC1667EBCBE1}">
-              <a14:hiddenEffects xmlns="" xmlns:a14="http://schemas.microsoft.com/office/drawing/2010/main">
+              <a14:hiddenEffects xmlns:a14="http://schemas.microsoft.com/office/drawing/2010/main" xmlns="">
                 <a:effectLst>
                   <a:outerShdw blurRad="63500" dist="38099" dir="2700000" algn="ctr" rotWithShape="0">
                     <a:schemeClr val="bg2">
@@ -33557,14 +33233,14 @@
           <a:effectLst/>
           <a:extLst>
             <a:ext uri="{909E8E84-426E-40dd-AFC4-6F175D3DCCD1}">
-              <a14:hiddenFill xmlns="" xmlns:a14="http://schemas.microsoft.com/office/drawing/2010/main">
+              <a14:hiddenFill xmlns:a14="http://schemas.microsoft.com/office/drawing/2010/main" xmlns="">
                 <a:solidFill>
                   <a:srgbClr val="FFFFFF"/>
                 </a:solidFill>
               </a14:hiddenFill>
             </a:ext>
             <a:ext uri="{91240B29-F687-4f45-9708-019B960494DF}">
-              <a14:hiddenLine xmlns="" xmlns:a14="http://schemas.microsoft.com/office/drawing/2010/main" w="9525" cap="flat">
+              <a14:hiddenLine xmlns:a14="http://schemas.microsoft.com/office/drawing/2010/main" xmlns="" w="9525" cap="flat">
                 <a:solidFill>
                   <a:srgbClr val="3465A4"/>
                 </a:solidFill>
@@ -33574,7 +33250,7 @@
               </a14:hiddenLine>
             </a:ext>
             <a:ext uri="{AF507438-7753-43e0-B8FC-AC1667EBCBE1}">
-              <a14:hiddenEffects xmlns="" xmlns:a14="http://schemas.microsoft.com/office/drawing/2010/main">
+              <a14:hiddenEffects xmlns:a14="http://schemas.microsoft.com/office/drawing/2010/main" xmlns="">
                 <a:effectLst>
                   <a:outerShdw blurRad="63500" dist="38099" dir="2700000" algn="ctr" rotWithShape="0">
                     <a:srgbClr val="000000">
@@ -33955,7 +33631,7 @@
               <a:defRPr/>
             </a:pPr>
             <a:r>
-              <a:rPr lang="en-US" sz="4400" b="1" dirty="0" smtClean="0">
+              <a:rPr lang="en-US" sz="4400" b="1" dirty="0">
                 <a:latin typeface="Trebuchet MS" charset="0"/>
               </a:rPr>
               <a:t>Internal NTP Architecture</a:t>
@@ -33992,7 +33668,7 @@
           <a:effectLst/>
           <a:extLst>
             <a:ext uri="{AF507438-7753-43e0-B8FC-AC1667EBCBE1}">
-              <a14:hiddenEffects xmlns="" xmlns:a14="http://schemas.microsoft.com/office/drawing/2010/main">
+              <a14:hiddenEffects xmlns:a14="http://schemas.microsoft.com/office/drawing/2010/main" xmlns="">
                 <a:effectLst>
                   <a:outerShdw blurRad="63500" dist="38099" dir="2700000" algn="ctr" rotWithShape="0">
                     <a:schemeClr val="bg2">
@@ -34074,7 +33750,7 @@
           <a:effectLst/>
           <a:extLst>
             <a:ext uri="{AF507438-7753-43e0-B8FC-AC1667EBCBE1}">
-              <a14:hiddenEffects xmlns="" xmlns:a14="http://schemas.microsoft.com/office/drawing/2010/main">
+              <a14:hiddenEffects xmlns:a14="http://schemas.microsoft.com/office/drawing/2010/main" xmlns="">
                 <a:effectLst>
                   <a:outerShdw blurRad="63500" dist="38099" dir="2700000" algn="ctr" rotWithShape="0">
                     <a:schemeClr val="bg2">
@@ -34156,7 +33832,7 @@
           <a:effectLst/>
           <a:extLst>
             <a:ext uri="{AF507438-7753-43e0-B8FC-AC1667EBCBE1}">
-              <a14:hiddenEffects xmlns="" xmlns:a14="http://schemas.microsoft.com/office/drawing/2010/main">
+              <a14:hiddenEffects xmlns:a14="http://schemas.microsoft.com/office/drawing/2010/main" xmlns="">
                 <a:effectLst>
                   <a:outerShdw blurRad="63500" dist="38099" dir="2700000" algn="ctr" rotWithShape="0">
                     <a:schemeClr val="bg2">
@@ -34238,7 +33914,7 @@
           <a:effectLst/>
           <a:extLst>
             <a:ext uri="{AF507438-7753-43e0-B8FC-AC1667EBCBE1}">
-              <a14:hiddenEffects xmlns="" xmlns:a14="http://schemas.microsoft.com/office/drawing/2010/main">
+              <a14:hiddenEffects xmlns:a14="http://schemas.microsoft.com/office/drawing/2010/main" xmlns="">
                 <a:effectLst>
                   <a:outerShdw blurRad="63500" dist="38099" dir="2700000" algn="ctr" rotWithShape="0">
                     <a:schemeClr val="bg2">
@@ -34320,7 +33996,7 @@
           <a:effectLst/>
           <a:extLst>
             <a:ext uri="{AF507438-7753-43e0-B8FC-AC1667EBCBE1}">
-              <a14:hiddenEffects xmlns="" xmlns:a14="http://schemas.microsoft.com/office/drawing/2010/main">
+              <a14:hiddenEffects xmlns:a14="http://schemas.microsoft.com/office/drawing/2010/main" xmlns="">
                 <a:effectLst>
                   <a:outerShdw blurRad="63500" dist="38099" dir="2700000" algn="ctr" rotWithShape="0">
                     <a:schemeClr val="bg2">
@@ -34402,7 +34078,7 @@
           <a:effectLst/>
           <a:extLst>
             <a:ext uri="{AF507438-7753-43e0-B8FC-AC1667EBCBE1}">
-              <a14:hiddenEffects xmlns="" xmlns:a14="http://schemas.microsoft.com/office/drawing/2010/main">
+              <a14:hiddenEffects xmlns:a14="http://schemas.microsoft.com/office/drawing/2010/main" xmlns="">
                 <a:effectLst>
                   <a:outerShdw blurRad="63500" dist="38099" dir="2700000" algn="ctr" rotWithShape="0">
                     <a:schemeClr val="bg2">
@@ -34484,7 +34160,7 @@
           <a:effectLst/>
           <a:extLst>
             <a:ext uri="{AF507438-7753-43e0-B8FC-AC1667EBCBE1}">
-              <a14:hiddenEffects xmlns="" xmlns:a14="http://schemas.microsoft.com/office/drawing/2010/main">
+              <a14:hiddenEffects xmlns:a14="http://schemas.microsoft.com/office/drawing/2010/main" xmlns="">
                 <a:effectLst>
                   <a:outerShdw blurRad="63500" dist="38099" dir="2700000" algn="ctr" rotWithShape="0">
                     <a:schemeClr val="bg2">
@@ -34526,7 +34202,7 @@
           <a:effectLst/>
           <a:extLst>
             <a:ext uri="{AF507438-7753-43e0-B8FC-AC1667EBCBE1}">
-              <a14:hiddenEffects xmlns="" xmlns:a14="http://schemas.microsoft.com/office/drawing/2010/main">
+              <a14:hiddenEffects xmlns:a14="http://schemas.microsoft.com/office/drawing/2010/main" xmlns="">
                 <a:effectLst>
                   <a:outerShdw blurRad="63500" dist="38099" dir="2700000" algn="ctr" rotWithShape="0">
                     <a:schemeClr val="bg2">
@@ -34568,7 +34244,7 @@
           <a:effectLst/>
           <a:extLst>
             <a:ext uri="{AF507438-7753-43e0-B8FC-AC1667EBCBE1}">
-              <a14:hiddenEffects xmlns="" xmlns:a14="http://schemas.microsoft.com/office/drawing/2010/main">
+              <a14:hiddenEffects xmlns:a14="http://schemas.microsoft.com/office/drawing/2010/main" xmlns="">
                 <a:effectLst>
                   <a:outerShdw blurRad="63500" dist="38099" dir="2700000" algn="ctr" rotWithShape="0">
                     <a:schemeClr val="bg2">
@@ -34610,7 +34286,7 @@
           <a:effectLst/>
           <a:extLst>
             <a:ext uri="{AF507438-7753-43e0-B8FC-AC1667EBCBE1}">
-              <a14:hiddenEffects xmlns="" xmlns:a14="http://schemas.microsoft.com/office/drawing/2010/main">
+              <a14:hiddenEffects xmlns:a14="http://schemas.microsoft.com/office/drawing/2010/main" xmlns="">
                 <a:effectLst>
                   <a:outerShdw blurRad="63500" dist="38099" dir="2700000" algn="ctr" rotWithShape="0">
                     <a:schemeClr val="bg2">
@@ -34652,7 +34328,7 @@
           <a:effectLst/>
           <a:extLst>
             <a:ext uri="{AF507438-7753-43e0-B8FC-AC1667EBCBE1}">
-              <a14:hiddenEffects xmlns="" xmlns:a14="http://schemas.microsoft.com/office/drawing/2010/main">
+              <a14:hiddenEffects xmlns:a14="http://schemas.microsoft.com/office/drawing/2010/main" xmlns="">
                 <a:effectLst>
                   <a:outerShdw blurRad="63500" dist="38099" dir="2700000" algn="ctr" rotWithShape="0">
                     <a:schemeClr val="bg2">
@@ -34694,7 +34370,7 @@
           <a:effectLst/>
           <a:extLst>
             <a:ext uri="{AF507438-7753-43e0-B8FC-AC1667EBCBE1}">
-              <a14:hiddenEffects xmlns="" xmlns:a14="http://schemas.microsoft.com/office/drawing/2010/main">
+              <a14:hiddenEffects xmlns:a14="http://schemas.microsoft.com/office/drawing/2010/main" xmlns="">
                 <a:effectLst>
                   <a:outerShdw blurRad="63500" dist="38099" dir="2700000" algn="ctr" rotWithShape="0">
                     <a:schemeClr val="bg2">
@@ -34730,18 +34406,13 @@
           <a:lstStyle/>
           <a:p>
             <a:r>
-              <a:rPr lang="en-US" b="1" smtClean="0">
+              <a:rPr lang="en-US" b="1">
                 <a:solidFill>
                   <a:schemeClr val="tx1"/>
                 </a:solidFill>
               </a:rPr>
               <a:t>NTP 1</a:t>
             </a:r>
-            <a:endParaRPr lang="en-US" b="1">
-              <a:solidFill>
-                <a:schemeClr val="tx1"/>
-              </a:solidFill>
-            </a:endParaRPr>
           </a:p>
         </p:txBody>
       </p:sp>
@@ -34768,18 +34439,13 @@
           <a:lstStyle/>
           <a:p>
             <a:r>
-              <a:rPr lang="en-US" b="1" dirty="0" smtClean="0">
+              <a:rPr lang="en-US" b="1" dirty="0">
                 <a:solidFill>
                   <a:schemeClr val="tx1"/>
                 </a:solidFill>
               </a:rPr>
               <a:t>NTP 2</a:t>
             </a:r>
-            <a:endParaRPr lang="en-US" b="1" dirty="0">
-              <a:solidFill>
-                <a:schemeClr val="tx1"/>
-              </a:solidFill>
-            </a:endParaRPr>
           </a:p>
         </p:txBody>
       </p:sp>
@@ -34806,18 +34472,13 @@
           <a:lstStyle/>
           <a:p>
             <a:r>
-              <a:rPr lang="en-US" b="1" smtClean="0">
+              <a:rPr lang="en-US" b="1">
                 <a:solidFill>
                   <a:schemeClr val="tx1"/>
                 </a:solidFill>
               </a:rPr>
               <a:t>NTP 3</a:t>
             </a:r>
-            <a:endParaRPr lang="en-US" b="1">
-              <a:solidFill>
-                <a:schemeClr val="tx1"/>
-              </a:solidFill>
-            </a:endParaRPr>
           </a:p>
         </p:txBody>
       </p:sp>
@@ -34844,18 +34505,13 @@
           <a:lstStyle/>
           <a:p>
             <a:r>
-              <a:rPr lang="en-US" b="1" dirty="0" smtClean="0">
+              <a:rPr lang="en-US" b="1" dirty="0">
                 <a:solidFill>
                   <a:schemeClr val="tx1"/>
                 </a:solidFill>
               </a:rPr>
               <a:t>Internet</a:t>
             </a:r>
-            <a:endParaRPr lang="en-US" b="1" dirty="0">
-              <a:solidFill>
-                <a:schemeClr val="tx1"/>
-              </a:solidFill>
-            </a:endParaRPr>
           </a:p>
         </p:txBody>
       </p:sp>
@@ -34888,7 +34544,7 @@
           <a:effectLst/>
           <a:extLst>
             <a:ext uri="{AF507438-7753-43e0-B8FC-AC1667EBCBE1}">
-              <a14:hiddenEffects xmlns="" xmlns:a14="http://schemas.microsoft.com/office/drawing/2010/main">
+              <a14:hiddenEffects xmlns:a14="http://schemas.microsoft.com/office/drawing/2010/main" xmlns="">
                 <a:effectLst>
                   <a:outerShdw blurRad="63500" dist="38099" dir="2700000" algn="ctr" rotWithShape="0">
                     <a:schemeClr val="bg2">
@@ -34970,7 +34626,7 @@
           <a:effectLst/>
           <a:extLst>
             <a:ext uri="{AF507438-7753-43e0-B8FC-AC1667EBCBE1}">
-              <a14:hiddenEffects xmlns="" xmlns:a14="http://schemas.microsoft.com/office/drawing/2010/main">
+              <a14:hiddenEffects xmlns:a14="http://schemas.microsoft.com/office/drawing/2010/main" xmlns="">
                 <a:effectLst>
                   <a:outerShdw blurRad="63500" dist="38099" dir="2700000" algn="ctr" rotWithShape="0">
                     <a:schemeClr val="bg2">
@@ -35052,7 +34708,7 @@
           <a:effectLst/>
           <a:extLst>
             <a:ext uri="{AF507438-7753-43e0-B8FC-AC1667EBCBE1}">
-              <a14:hiddenEffects xmlns="" xmlns:a14="http://schemas.microsoft.com/office/drawing/2010/main">
+              <a14:hiddenEffects xmlns:a14="http://schemas.microsoft.com/office/drawing/2010/main" xmlns="">
                 <a:effectLst>
                   <a:outerShdw blurRad="63500" dist="38099" dir="2700000" algn="ctr" rotWithShape="0">
                     <a:schemeClr val="bg2">
@@ -35134,7 +34790,7 @@
           <a:effectLst/>
           <a:extLst>
             <a:ext uri="{AF507438-7753-43e0-B8FC-AC1667EBCBE1}">
-              <a14:hiddenEffects xmlns="" xmlns:a14="http://schemas.microsoft.com/office/drawing/2010/main">
+              <a14:hiddenEffects xmlns:a14="http://schemas.microsoft.com/office/drawing/2010/main" xmlns="">
                 <a:effectLst>
                   <a:outerShdw blurRad="63500" dist="38099" dir="2700000" algn="ctr" rotWithShape="0">
                     <a:schemeClr val="bg2">
@@ -35216,7 +34872,7 @@
           <a:effectLst/>
           <a:extLst>
             <a:ext uri="{AF507438-7753-43e0-B8FC-AC1667EBCBE1}">
-              <a14:hiddenEffects xmlns="" xmlns:a14="http://schemas.microsoft.com/office/drawing/2010/main">
+              <a14:hiddenEffects xmlns:a14="http://schemas.microsoft.com/office/drawing/2010/main" xmlns="">
                 <a:effectLst>
                   <a:outerShdw blurRad="63500" dist="38099" dir="2700000" algn="ctr" rotWithShape="0">
                     <a:schemeClr val="bg2">
@@ -35298,7 +34954,7 @@
           <a:effectLst/>
           <a:extLst>
             <a:ext uri="{AF507438-7753-43e0-B8FC-AC1667EBCBE1}">
-              <a14:hiddenEffects xmlns="" xmlns:a14="http://schemas.microsoft.com/office/drawing/2010/main">
+              <a14:hiddenEffects xmlns:a14="http://schemas.microsoft.com/office/drawing/2010/main" xmlns="">
                 <a:effectLst>
                   <a:outerShdw blurRad="63500" dist="38099" dir="2700000" algn="ctr" rotWithShape="0">
                     <a:schemeClr val="bg2">
@@ -35380,7 +35036,7 @@
           <a:effectLst/>
           <a:extLst>
             <a:ext uri="{AF507438-7753-43e0-B8FC-AC1667EBCBE1}">
-              <a14:hiddenEffects xmlns="" xmlns:a14="http://schemas.microsoft.com/office/drawing/2010/main">
+              <a14:hiddenEffects xmlns:a14="http://schemas.microsoft.com/office/drawing/2010/main" xmlns="">
                 <a:effectLst>
                   <a:outerShdw blurRad="63500" dist="38099" dir="2700000" algn="ctr" rotWithShape="0">
                     <a:schemeClr val="bg2">
@@ -35422,7 +35078,7 @@
           <a:effectLst/>
           <a:extLst>
             <a:ext uri="{AF507438-7753-43e0-B8FC-AC1667EBCBE1}">
-              <a14:hiddenEffects xmlns="" xmlns:a14="http://schemas.microsoft.com/office/drawing/2010/main">
+              <a14:hiddenEffects xmlns:a14="http://schemas.microsoft.com/office/drawing/2010/main" xmlns="">
                 <a:effectLst>
                   <a:outerShdw blurRad="63500" dist="38099" dir="2700000" algn="ctr" rotWithShape="0">
                     <a:schemeClr val="bg2">
@@ -35464,7 +35120,7 @@
           <a:effectLst/>
           <a:extLst>
             <a:ext uri="{AF507438-7753-43e0-B8FC-AC1667EBCBE1}">
-              <a14:hiddenEffects xmlns="" xmlns:a14="http://schemas.microsoft.com/office/drawing/2010/main">
+              <a14:hiddenEffects xmlns:a14="http://schemas.microsoft.com/office/drawing/2010/main" xmlns="">
                 <a:effectLst>
                   <a:outerShdw blurRad="63500" dist="38099" dir="2700000" algn="ctr" rotWithShape="0">
                     <a:schemeClr val="bg2">
@@ -35506,7 +35162,7 @@
           <a:effectLst/>
           <a:extLst>
             <a:ext uri="{AF507438-7753-43e0-B8FC-AC1667EBCBE1}">
-              <a14:hiddenEffects xmlns="" xmlns:a14="http://schemas.microsoft.com/office/drawing/2010/main">
+              <a14:hiddenEffects xmlns:a14="http://schemas.microsoft.com/office/drawing/2010/main" xmlns="">
                 <a:effectLst>
                   <a:outerShdw blurRad="63500" dist="38099" dir="2700000" algn="ctr" rotWithShape="0">
                     <a:schemeClr val="bg2">
@@ -35548,7 +35204,7 @@
           <a:effectLst/>
           <a:extLst>
             <a:ext uri="{AF507438-7753-43e0-B8FC-AC1667EBCBE1}">
-              <a14:hiddenEffects xmlns="" xmlns:a14="http://schemas.microsoft.com/office/drawing/2010/main">
+              <a14:hiddenEffects xmlns:a14="http://schemas.microsoft.com/office/drawing/2010/main" xmlns="">
                 <a:effectLst>
                   <a:outerShdw blurRad="63500" dist="38099" dir="2700000" algn="ctr" rotWithShape="0">
                     <a:schemeClr val="bg2">
@@ -35590,7 +35246,7 @@
           <a:effectLst/>
           <a:extLst>
             <a:ext uri="{AF507438-7753-43e0-B8FC-AC1667EBCBE1}">
-              <a14:hiddenEffects xmlns="" xmlns:a14="http://schemas.microsoft.com/office/drawing/2010/main">
+              <a14:hiddenEffects xmlns:a14="http://schemas.microsoft.com/office/drawing/2010/main" xmlns="">
                 <a:effectLst>
                   <a:outerShdw blurRad="63500" dist="38099" dir="2700000" algn="ctr" rotWithShape="0">
                     <a:schemeClr val="bg2">
@@ -35632,7 +35288,7 @@
           <a:effectLst/>
           <a:extLst>
             <a:ext uri="{AF507438-7753-43e0-B8FC-AC1667EBCBE1}">
-              <a14:hiddenEffects xmlns="" xmlns:a14="http://schemas.microsoft.com/office/drawing/2010/main">
+              <a14:hiddenEffects xmlns:a14="http://schemas.microsoft.com/office/drawing/2010/main" xmlns="">
                 <a:effectLst>
                   <a:outerShdw blurRad="63500" dist="38099" dir="2700000" algn="ctr" rotWithShape="0">
                     <a:schemeClr val="bg2">
@@ -35668,18 +35324,13 @@
           <a:lstStyle/>
           <a:p>
             <a:r>
-              <a:rPr lang="en-US" b="1" dirty="0" smtClean="0">
+              <a:rPr lang="en-US" b="1" dirty="0">
                 <a:solidFill>
                   <a:srgbClr val="C00000"/>
                 </a:solidFill>
               </a:rPr>
               <a:t>Strata 0/1 Servers</a:t>
             </a:r>
-            <a:endParaRPr lang="en-US" b="1" dirty="0">
-              <a:solidFill>
-                <a:srgbClr val="C00000"/>
-              </a:solidFill>
-            </a:endParaRPr>
           </a:p>
         </p:txBody>
       </p:sp>
@@ -35706,18 +35357,13 @@
           <a:lstStyle/>
           <a:p>
             <a:r>
-              <a:rPr lang="en-US" b="1" dirty="0" smtClean="0">
+              <a:rPr lang="en-US" b="1" dirty="0">
                 <a:solidFill>
                   <a:srgbClr val="C00000"/>
                 </a:solidFill>
               </a:rPr>
               <a:t>Stratum 2 Servers</a:t>
             </a:r>
-            <a:endParaRPr lang="en-US" b="1" dirty="0">
-              <a:solidFill>
-                <a:srgbClr val="C00000"/>
-              </a:solidFill>
-            </a:endParaRPr>
           </a:p>
         </p:txBody>
       </p:sp>
@@ -35750,7 +35396,7 @@
           <a:effectLst/>
           <a:extLst>
             <a:ext uri="{AF507438-7753-43e0-B8FC-AC1667EBCBE1}">
-              <a14:hiddenEffects xmlns="" xmlns:a14="http://schemas.microsoft.com/office/drawing/2010/main">
+              <a14:hiddenEffects xmlns:a14="http://schemas.microsoft.com/office/drawing/2010/main" xmlns="">
                 <a:effectLst>
                   <a:outerShdw blurRad="63500" dist="38099" dir="2700000" algn="ctr" rotWithShape="0">
                     <a:schemeClr val="bg2">
@@ -35792,7 +35438,7 @@
           <a:effectLst/>
           <a:extLst>
             <a:ext uri="{AF507438-7753-43e0-B8FC-AC1667EBCBE1}">
-              <a14:hiddenEffects xmlns="" xmlns:a14="http://schemas.microsoft.com/office/drawing/2010/main">
+              <a14:hiddenEffects xmlns:a14="http://schemas.microsoft.com/office/drawing/2010/main" xmlns="">
                 <a:effectLst>
                   <a:outerShdw blurRad="63500" dist="38099" dir="2700000" algn="ctr" rotWithShape="0">
                     <a:schemeClr val="bg2">
@@ -35834,7 +35480,7 @@
           <a:effectLst/>
           <a:extLst>
             <a:ext uri="{AF507438-7753-43e0-B8FC-AC1667EBCBE1}">
-              <a14:hiddenEffects xmlns="" xmlns:a14="http://schemas.microsoft.com/office/drawing/2010/main">
+              <a14:hiddenEffects xmlns:a14="http://schemas.microsoft.com/office/drawing/2010/main" xmlns="">
                 <a:effectLst>
                   <a:outerShdw blurRad="63500" dist="38099" dir="2700000" algn="ctr" rotWithShape="0">
                     <a:schemeClr val="bg2">
@@ -35870,7 +35516,7 @@
           <a:lstStyle/>
           <a:p>
             <a:r>
-              <a:rPr lang="en-US" b="1" smtClean="0">
+              <a:rPr lang="en-US" b="1">
                 <a:solidFill>
                   <a:srgbClr val="C00000"/>
                 </a:solidFill>
@@ -35917,7 +35563,7 @@
           <a:effectLst/>
           <a:extLst>
             <a:ext uri="{AF507438-7753-43e0-B8FC-AC1667EBCBE1}">
-              <a14:hiddenEffects xmlns="" xmlns:a14="http://schemas.microsoft.com/office/drawing/2010/main">
+              <a14:hiddenEffects xmlns:a14="http://schemas.microsoft.com/office/drawing/2010/main" xmlns="">
                 <a:effectLst>
                   <a:outerShdw blurRad="63500" dist="38099" dir="2700000" algn="ctr" rotWithShape="0">
                     <a:schemeClr val="bg2">
@@ -35962,7 +35608,7 @@
           <a:effectLst/>
           <a:extLst>
             <a:ext uri="{AF507438-7753-43e0-B8FC-AC1667EBCBE1}">
-              <a14:hiddenEffects xmlns="" xmlns:a14="http://schemas.microsoft.com/office/drawing/2010/main">
+              <a14:hiddenEffects xmlns:a14="http://schemas.microsoft.com/office/drawing/2010/main" xmlns="">
                 <a:effectLst>
                   <a:outerShdw blurRad="63500" dist="38099" dir="2700000" algn="ctr" rotWithShape="0">
                     <a:schemeClr val="bg2">
@@ -36061,14 +35707,14 @@
           <a:effectLst/>
           <a:extLst>
             <a:ext uri="{909E8E84-426E-40dd-AFC4-6F175D3DCCD1}">
-              <a14:hiddenFill xmlns="" xmlns:a14="http://schemas.microsoft.com/office/drawing/2010/main">
+              <a14:hiddenFill xmlns:a14="http://schemas.microsoft.com/office/drawing/2010/main" xmlns="">
                 <a:solidFill>
                   <a:srgbClr val="FFFFFF"/>
                 </a:solidFill>
               </a14:hiddenFill>
             </a:ext>
             <a:ext uri="{91240B29-F687-4f45-9708-019B960494DF}">
-              <a14:hiddenLine xmlns="" xmlns:a14="http://schemas.microsoft.com/office/drawing/2010/main" w="9525" cap="flat">
+              <a14:hiddenLine xmlns:a14="http://schemas.microsoft.com/office/drawing/2010/main" xmlns="" w="9525" cap="flat">
                 <a:solidFill>
                   <a:srgbClr val="3465A4"/>
                 </a:solidFill>
@@ -36078,7 +35724,7 @@
               </a14:hiddenLine>
             </a:ext>
             <a:ext uri="{AF507438-7753-43e0-B8FC-AC1667EBCBE1}">
-              <a14:hiddenEffects xmlns="" xmlns:a14="http://schemas.microsoft.com/office/drawing/2010/main">
+              <a14:hiddenEffects xmlns:a14="http://schemas.microsoft.com/office/drawing/2010/main" xmlns="">
                 <a:effectLst>
                   <a:outerShdw blurRad="63500" dist="38099" dir="2700000" algn="ctr" rotWithShape="0">
                     <a:srgbClr val="000000">
@@ -36459,7 +36105,7 @@
               <a:defRPr/>
             </a:pPr>
             <a:r>
-              <a:rPr lang="en-US" sz="4400" b="1" dirty="0" smtClean="0">
+              <a:rPr lang="en-US" sz="4400" b="1" dirty="0">
                 <a:latin typeface="Trebuchet MS" charset="0"/>
               </a:rPr>
               <a:t>Step 1: Installation of NTP Server</a:t>
@@ -36490,14 +36136,14 @@
           <a:effectLst/>
           <a:extLst>
             <a:ext uri="{909E8E84-426E-40dd-AFC4-6F175D3DCCD1}">
-              <a14:hiddenFill xmlns="" xmlns:a14="http://schemas.microsoft.com/office/drawing/2010/main">
+              <a14:hiddenFill xmlns:a14="http://schemas.microsoft.com/office/drawing/2010/main" xmlns="">
                 <a:solidFill>
                   <a:srgbClr val="FFFFFF"/>
                 </a:solidFill>
               </a14:hiddenFill>
             </a:ext>
             <a:ext uri="{91240B29-F687-4f45-9708-019B960494DF}">
-              <a14:hiddenLine xmlns="" xmlns:a14="http://schemas.microsoft.com/office/drawing/2010/main" w="9525" cap="flat">
+              <a14:hiddenLine xmlns:a14="http://schemas.microsoft.com/office/drawing/2010/main" xmlns="" w="9525" cap="flat">
                 <a:solidFill>
                   <a:srgbClr val="3465A4"/>
                 </a:solidFill>
@@ -36507,7 +36153,7 @@
               </a14:hiddenLine>
             </a:ext>
             <a:ext uri="{AF507438-7753-43e0-B8FC-AC1667EBCBE1}">
-              <a14:hiddenEffects xmlns="" xmlns:a14="http://schemas.microsoft.com/office/drawing/2010/main">
+              <a14:hiddenEffects xmlns:a14="http://schemas.microsoft.com/office/drawing/2010/main" xmlns="">
                 <a:effectLst>
                   <a:outerShdw blurRad="63500" dist="38099" dir="2700000" algn="ctr" rotWithShape="0">
                     <a:srgbClr val="000000">
@@ -36893,7 +36539,7 @@
               <a:defRPr/>
             </a:pPr>
             <a:r>
-              <a:rPr lang="en-US" sz="2800" dirty="0" smtClean="0">
+              <a:rPr lang="en-US" sz="2800" dirty="0">
                 <a:ea typeface="Arial" charset="0"/>
                 <a:cs typeface="Arial" charset="0"/>
               </a:rPr>
@@ -36916,7 +36562,7 @@
               <a:buChar char=""/>
               <a:defRPr/>
             </a:pPr>
-            <a:endParaRPr lang="en-US" sz="2800" dirty="0" smtClean="0">
+            <a:endParaRPr lang="en-US" sz="2800" dirty="0">
               <a:ea typeface="Arial" charset="0"/>
               <a:cs typeface="Arial" charset="0"/>
             </a:endParaRPr>
@@ -36938,7 +36584,7 @@
               <a:defRPr/>
             </a:pPr>
             <a:r>
-              <a:rPr lang="en-US" sz="2800" dirty="0" smtClean="0">
+              <a:rPr lang="en-US" sz="2800" dirty="0">
                 <a:ea typeface="Arial" charset="0"/>
                 <a:cs typeface="Arial" charset="0"/>
               </a:rPr>
@@ -36982,7 +36628,7 @@
               <a:buChar char=""/>
               <a:defRPr/>
             </a:pPr>
-            <a:endParaRPr lang="en-US" sz="2800" dirty="0" smtClean="0">
+            <a:endParaRPr lang="en-US" sz="2800" dirty="0">
               <a:ea typeface="Arial" charset="0"/>
               <a:cs typeface="Arial" charset="0"/>
             </a:endParaRPr>
@@ -37004,16 +36650,12 @@
               <a:defRPr/>
             </a:pPr>
             <a:r>
-              <a:rPr lang="en-US" sz="2800" dirty="0" smtClean="0">
+              <a:rPr lang="en-US" sz="2800" dirty="0">
                 <a:ea typeface="Arial" charset="0"/>
                 <a:cs typeface="Arial" charset="0"/>
               </a:rPr>
               <a:t>Update your system clock</a:t>
             </a:r>
-            <a:endParaRPr lang="en-US" sz="2800" dirty="0">
-              <a:ea typeface="Arial" charset="0"/>
-              <a:cs typeface="Arial" charset="0"/>
-            </a:endParaRPr>
           </a:p>
         </p:txBody>
       </p:sp>
@@ -37042,7 +36684,7 @@
           <a:lstStyle/>
           <a:p>
             <a:r>
-              <a:rPr lang="en-US" dirty="0" smtClean="0">
+              <a:rPr lang="en-US" dirty="0">
                 <a:solidFill>
                   <a:schemeClr val="tx1"/>
                 </a:solidFill>
@@ -37053,7 +36695,7 @@
               <a:t>$ </a:t>
             </a:r>
             <a:r>
-              <a:rPr lang="en-US" dirty="0" err="1" smtClean="0">
+              <a:rPr lang="en-US" dirty="0" err="1">
                 <a:solidFill>
                   <a:schemeClr val="tx1"/>
                 </a:solidFill>
@@ -37064,7 +36706,7 @@
               <a:t>sudo</a:t>
             </a:r>
             <a:r>
-              <a:rPr lang="en-US" dirty="0" smtClean="0">
+              <a:rPr lang="en-US" dirty="0">
                 <a:solidFill>
                   <a:schemeClr val="tx1"/>
                 </a:solidFill>
@@ -37075,7 +36717,7 @@
               <a:t> apt-get install </a:t>
             </a:r>
             <a:r>
-              <a:rPr lang="en-US" dirty="0" err="1" smtClean="0">
+              <a:rPr lang="en-US" dirty="0" err="1">
                 <a:solidFill>
                   <a:schemeClr val="tx1"/>
                 </a:solidFill>
@@ -37086,7 +36728,7 @@
               <a:t>ntp</a:t>
             </a:r>
             <a:r>
-              <a:rPr lang="en-US" dirty="0" smtClean="0">
+              <a:rPr lang="en-US" dirty="0">
                 <a:solidFill>
                   <a:schemeClr val="tx1"/>
                 </a:solidFill>
@@ -37097,7 +36739,7 @@
               <a:t> </a:t>
             </a:r>
             <a:r>
-              <a:rPr lang="en-US" dirty="0" err="1" smtClean="0">
+              <a:rPr lang="en-US" dirty="0" err="1">
                 <a:solidFill>
                   <a:schemeClr val="tx1"/>
                 </a:solidFill>
@@ -37143,7 +36785,7 @@
           <a:lstStyle/>
           <a:p>
             <a:r>
-              <a:rPr lang="en-US" dirty="0" smtClean="0">
+              <a:rPr lang="en-US" dirty="0">
                 <a:solidFill>
                   <a:schemeClr val="tx1"/>
                 </a:solidFill>
@@ -37154,7 +36796,7 @@
               <a:t>$ </a:t>
             </a:r>
             <a:r>
-              <a:rPr lang="en-US" dirty="0" err="1" smtClean="0">
+              <a:rPr lang="en-US" dirty="0" err="1">
                 <a:solidFill>
                   <a:schemeClr val="tx1"/>
                 </a:solidFill>
@@ -37165,7 +36807,7 @@
               <a:t>sudo</a:t>
             </a:r>
             <a:r>
-              <a:rPr lang="en-US" dirty="0" smtClean="0">
+              <a:rPr lang="en-US" dirty="0">
                 <a:solidFill>
                   <a:schemeClr val="tx1"/>
                 </a:solidFill>
@@ -37176,7 +36818,7 @@
               <a:t> </a:t>
             </a:r>
             <a:r>
-              <a:rPr lang="en-US" dirty="0" err="1" smtClean="0">
+              <a:rPr lang="en-US" dirty="0" err="1">
                 <a:solidFill>
                   <a:schemeClr val="tx1"/>
                 </a:solidFill>
@@ -37187,7 +36829,7 @@
               <a:t>dpkg</a:t>
             </a:r>
             <a:r>
-              <a:rPr lang="en-US" dirty="0" smtClean="0">
+              <a:rPr lang="en-US" dirty="0">
                 <a:solidFill>
                   <a:schemeClr val="tx1"/>
                 </a:solidFill>
@@ -37198,7 +36840,7 @@
               <a:t> --get-selections </a:t>
             </a:r>
             <a:r>
-              <a:rPr lang="en-US" dirty="0" err="1" smtClean="0">
+              <a:rPr lang="en-US" dirty="0" err="1">
                 <a:solidFill>
                   <a:schemeClr val="tx1"/>
                 </a:solidFill>
@@ -37208,7 +36850,7 @@
               </a:rPr>
               <a:t>ntp</a:t>
             </a:r>
-            <a:endParaRPr lang="en-US" dirty="0" smtClean="0">
+            <a:endParaRPr lang="en-US" dirty="0">
               <a:solidFill>
                 <a:schemeClr val="tx1"/>
               </a:solidFill>
@@ -37244,7 +36886,7 @@
           <a:lstStyle/>
           <a:p>
             <a:r>
-              <a:rPr lang="en-US" dirty="0" smtClean="0">
+              <a:rPr lang="en-US" dirty="0">
                 <a:solidFill>
                   <a:schemeClr val="tx1"/>
                 </a:solidFill>
@@ -37255,7 +36897,7 @@
               <a:t>$ </a:t>
             </a:r>
             <a:r>
-              <a:rPr lang="en-US" dirty="0" err="1" smtClean="0">
+              <a:rPr lang="en-US" dirty="0" err="1">
                 <a:solidFill>
                   <a:schemeClr val="tx1"/>
                 </a:solidFill>
@@ -37266,7 +36908,7 @@
               <a:t>sudo</a:t>
             </a:r>
             <a:r>
-              <a:rPr lang="en-US" dirty="0" smtClean="0">
+              <a:rPr lang="en-US" dirty="0">
                 <a:solidFill>
                   <a:schemeClr val="tx1"/>
                 </a:solidFill>
@@ -37277,7 +36919,7 @@
               <a:t> </a:t>
             </a:r>
             <a:r>
-              <a:rPr lang="en-US" dirty="0" err="1" smtClean="0">
+              <a:rPr lang="en-US" dirty="0" err="1">
                 <a:solidFill>
                   <a:schemeClr val="tx1"/>
                 </a:solidFill>
@@ -37288,7 +36930,7 @@
               <a:t>dpkg</a:t>
             </a:r>
             <a:r>
-              <a:rPr lang="en-US" dirty="0" smtClean="0">
+              <a:rPr lang="en-US" dirty="0">
                 <a:solidFill>
                   <a:schemeClr val="tx1"/>
                 </a:solidFill>
@@ -37299,7 +36941,7 @@
               <a:t> -s </a:t>
             </a:r>
             <a:r>
-              <a:rPr lang="en-US" dirty="0" err="1" smtClean="0">
+              <a:rPr lang="en-US" dirty="0" err="1">
                 <a:solidFill>
                   <a:schemeClr val="tx1"/>
                 </a:solidFill>
@@ -37309,7 +36951,7 @@
               </a:rPr>
               <a:t>ntp</a:t>
             </a:r>
-            <a:endParaRPr lang="en-US" dirty="0" smtClean="0">
+            <a:endParaRPr lang="en-US" dirty="0">
               <a:solidFill>
                 <a:schemeClr val="tx1"/>
               </a:solidFill>
@@ -37345,7 +36987,7 @@
           <a:lstStyle/>
           <a:p>
             <a:r>
-              <a:rPr lang="en-US" dirty="0" smtClean="0">
+              <a:rPr lang="en-US" dirty="0">
                 <a:solidFill>
                   <a:schemeClr val="tx1"/>
                 </a:solidFill>
@@ -37356,7 +36998,7 @@
               <a:t>$ </a:t>
             </a:r>
             <a:r>
-              <a:rPr lang="en-US" dirty="0" err="1" smtClean="0">
+              <a:rPr lang="en-US" dirty="0" err="1">
                 <a:solidFill>
                   <a:schemeClr val="tx1"/>
                 </a:solidFill>
@@ -37367,7 +37009,7 @@
               <a:t>sudo</a:t>
             </a:r>
             <a:r>
-              <a:rPr lang="en-US" dirty="0" smtClean="0">
+              <a:rPr lang="en-US" dirty="0">
                 <a:solidFill>
                   <a:schemeClr val="tx1"/>
                 </a:solidFill>
@@ -37378,7 +37020,7 @@
               <a:t> </a:t>
             </a:r>
             <a:r>
-              <a:rPr lang="en-US" dirty="0" err="1" smtClean="0">
+              <a:rPr lang="en-US" dirty="0" err="1">
                 <a:solidFill>
                   <a:schemeClr val="tx1"/>
                 </a:solidFill>
@@ -37389,7 +37031,7 @@
               <a:t>ntpdate</a:t>
             </a:r>
             <a:r>
-              <a:rPr lang="en-US" dirty="0" smtClean="0">
+              <a:rPr lang="en-US" dirty="0">
                 <a:solidFill>
                   <a:schemeClr val="tx1"/>
                 </a:solidFill>
@@ -37397,7 +37039,7 @@
                 <a:ea typeface="Courier" charset="0"/>
                 <a:cs typeface="Courier" charset="0"/>
               </a:rPr>
-              <a:t> 0.pool.ntp.org</a:t>
+              <a:t> –u 0.pool.ntp.org</a:t>
             </a:r>
           </a:p>
         </p:txBody>
@@ -37488,14 +37130,14 @@
           <a:effectLst/>
           <a:extLst>
             <a:ext uri="{909E8E84-426E-40dd-AFC4-6F175D3DCCD1}">
-              <a14:hiddenFill xmlns="" xmlns:a14="http://schemas.microsoft.com/office/drawing/2010/main">
+              <a14:hiddenFill xmlns:a14="http://schemas.microsoft.com/office/drawing/2010/main" xmlns="">
                 <a:solidFill>
                   <a:srgbClr val="FFFFFF"/>
                 </a:solidFill>
               </a14:hiddenFill>
             </a:ext>
             <a:ext uri="{91240B29-F687-4f45-9708-019B960494DF}">
-              <a14:hiddenLine xmlns="" xmlns:a14="http://schemas.microsoft.com/office/drawing/2010/main" w="9525" cap="flat">
+              <a14:hiddenLine xmlns:a14="http://schemas.microsoft.com/office/drawing/2010/main" xmlns="" w="9525" cap="flat">
                 <a:solidFill>
                   <a:srgbClr val="3465A4"/>
                 </a:solidFill>
@@ -37505,7 +37147,7 @@
               </a14:hiddenLine>
             </a:ext>
             <a:ext uri="{AF507438-7753-43e0-B8FC-AC1667EBCBE1}">
-              <a14:hiddenEffects xmlns="" xmlns:a14="http://schemas.microsoft.com/office/drawing/2010/main">
+              <a14:hiddenEffects xmlns:a14="http://schemas.microsoft.com/office/drawing/2010/main" xmlns="">
                 <a:effectLst>
                   <a:outerShdw blurRad="63500" dist="38099" dir="2700000" algn="ctr" rotWithShape="0">
                     <a:srgbClr val="000000">
@@ -37886,7 +37528,7 @@
               <a:defRPr/>
             </a:pPr>
             <a:r>
-              <a:rPr lang="en-US" sz="4400" b="1" dirty="0" smtClean="0">
+              <a:rPr lang="en-US" sz="4400" b="1" dirty="0">
                 <a:latin typeface="Trebuchet MS" charset="0"/>
               </a:rPr>
               <a:t>Step 2: NTP Server Configuration </a:t>
@@ -37917,14 +37559,14 @@
           <a:effectLst/>
           <a:extLst>
             <a:ext uri="{909E8E84-426E-40dd-AFC4-6F175D3DCCD1}">
-              <a14:hiddenFill xmlns="" xmlns:a14="http://schemas.microsoft.com/office/drawing/2010/main">
+              <a14:hiddenFill xmlns:a14="http://schemas.microsoft.com/office/drawing/2010/main" xmlns="">
                 <a:solidFill>
                   <a:srgbClr val="FFFFFF"/>
                 </a:solidFill>
               </a14:hiddenFill>
             </a:ext>
             <a:ext uri="{91240B29-F687-4f45-9708-019B960494DF}">
-              <a14:hiddenLine xmlns="" xmlns:a14="http://schemas.microsoft.com/office/drawing/2010/main" w="9525" cap="flat">
+              <a14:hiddenLine xmlns:a14="http://schemas.microsoft.com/office/drawing/2010/main" xmlns="" w="9525" cap="flat">
                 <a:solidFill>
                   <a:srgbClr val="3465A4"/>
                 </a:solidFill>
@@ -37934,7 +37576,7 @@
               </a14:hiddenLine>
             </a:ext>
             <a:ext uri="{AF507438-7753-43e0-B8FC-AC1667EBCBE1}">
-              <a14:hiddenEffects xmlns="" xmlns:a14="http://schemas.microsoft.com/office/drawing/2010/main">
+              <a14:hiddenEffects xmlns:a14="http://schemas.microsoft.com/office/drawing/2010/main" xmlns="">
                 <a:effectLst>
                   <a:outerShdw blurRad="63500" dist="38099" dir="2700000" algn="ctr" rotWithShape="0">
                     <a:srgbClr val="000000">
@@ -38310,7 +37952,7 @@
               <a:buChar char=""/>
             </a:pPr>
             <a:r>
-              <a:rPr lang="en-US" altLang="x-none" sz="2800" dirty="0" smtClean="0">
+              <a:rPr lang="en-US" altLang="x-none" sz="2800" dirty="0">
                 <a:solidFill>
                   <a:srgbClr val="000000"/>
                 </a:solidFill>
@@ -38336,7 +37978,7 @@
               <a:buChar char=""/>
             </a:pPr>
             <a:r>
-              <a:rPr lang="en-US" altLang="x-none" sz="2800" dirty="0" smtClean="0">
+              <a:rPr lang="en-US" altLang="x-none" sz="2800" dirty="0">
                 <a:solidFill>
                   <a:srgbClr val="000000"/>
                 </a:solidFill>
@@ -38346,7 +37988,7 @@
               <a:t>The configuration file for NTP is stored at </a:t>
             </a:r>
             <a:r>
-              <a:rPr lang="en-US" altLang="x-none" sz="2800" dirty="0" smtClean="0">
+              <a:rPr lang="en-US" altLang="x-none" sz="2800" dirty="0">
                 <a:solidFill>
                   <a:srgbClr val="000000"/>
                 </a:solidFill>
@@ -38357,7 +37999,7 @@
               <a:t>‘/</a:t>
             </a:r>
             <a:r>
-              <a:rPr lang="en-US" altLang="x-none" sz="2800" dirty="0" err="1" smtClean="0">
+              <a:rPr lang="en-US" altLang="x-none" sz="2800" dirty="0" err="1">
                 <a:solidFill>
                   <a:srgbClr val="000000"/>
                 </a:solidFill>
@@ -38368,7 +38010,7 @@
               <a:t>etc</a:t>
             </a:r>
             <a:r>
-              <a:rPr lang="en-US" altLang="x-none" sz="2800" dirty="0" smtClean="0">
+              <a:rPr lang="en-US" altLang="x-none" sz="2800" dirty="0">
                 <a:solidFill>
                   <a:srgbClr val="000000"/>
                 </a:solidFill>
@@ -38379,7 +38021,7 @@
               <a:t>/</a:t>
             </a:r>
             <a:r>
-              <a:rPr lang="en-US" altLang="x-none" sz="2800" dirty="0" err="1" smtClean="0">
+              <a:rPr lang="en-US" altLang="x-none" sz="2800" dirty="0" err="1">
                 <a:solidFill>
                   <a:srgbClr val="000000"/>
                 </a:solidFill>
@@ -38390,7 +38032,7 @@
               <a:t>ntp.conf</a:t>
             </a:r>
             <a:r>
-              <a:rPr lang="en-US" altLang="x-none" sz="2800" dirty="0" smtClean="0">
+              <a:rPr lang="en-US" altLang="x-none" sz="2800" dirty="0">
                 <a:solidFill>
                   <a:srgbClr val="000000"/>
                 </a:solidFill>
@@ -38416,7 +38058,7 @@
               <a:buChar char=""/>
             </a:pPr>
             <a:r>
-              <a:rPr lang="en-US" altLang="x-none" sz="2800" dirty="0" smtClean="0">
+              <a:rPr lang="en-US" altLang="x-none" sz="2800" dirty="0">
                 <a:solidFill>
                   <a:srgbClr val="000000"/>
                 </a:solidFill>
@@ -38442,7 +38084,7 @@
               <a:buChar char=""/>
             </a:pPr>
             <a:r>
-              <a:rPr lang="en-US" altLang="x-none" sz="2800" dirty="0" err="1" smtClean="0">
+              <a:rPr lang="en-US" altLang="x-none" sz="2800" dirty="0" err="1">
                 <a:solidFill>
                   <a:srgbClr val="000000"/>
                 </a:solidFill>
@@ -38452,7 +38094,7 @@
               <a:t>Debian</a:t>
             </a:r>
             <a:r>
-              <a:rPr lang="en-US" altLang="x-none" sz="2800" dirty="0" smtClean="0">
+              <a:rPr lang="en-US" altLang="x-none" sz="2800" dirty="0">
                 <a:solidFill>
                   <a:srgbClr val="000000"/>
                 </a:solidFill>
@@ -38485,20 +38127,10 @@
                 <a:ea typeface="Arial" charset="0"/>
                 <a:cs typeface="Arial" charset="0"/>
               </a:rPr>
-              <a:t>n</a:t>
+              <a:t>ntp.org</a:t>
             </a:r>
             <a:r>
-              <a:rPr lang="en-US" altLang="x-none" sz="2800" dirty="0" err="1" smtClean="0">
-                <a:solidFill>
-                  <a:srgbClr val="000000"/>
-                </a:solidFill>
-                <a:ea typeface="Arial" charset="0"/>
-                <a:cs typeface="Arial" charset="0"/>
-              </a:rPr>
-              <a:t>tp.org</a:t>
-            </a:r>
-            <a:r>
-              <a:rPr lang="en-US" altLang="x-none" sz="2800" dirty="0" smtClean="0">
+              <a:rPr lang="en-US" altLang="x-none" sz="2800" dirty="0">
                 <a:solidFill>
                   <a:srgbClr val="000000"/>
                 </a:solidFill>
@@ -38524,7 +38156,7 @@
               <a:buChar char=""/>
             </a:pPr>
             <a:r>
-              <a:rPr lang="en-US" altLang="x-none" sz="2800" dirty="0" smtClean="0">
+              <a:rPr lang="en-US" altLang="x-none" sz="2800" dirty="0">
                 <a:solidFill>
                   <a:srgbClr val="000000"/>
                 </a:solidFill>
@@ -38550,7 +38182,7 @@
               <a:buChar char=""/>
             </a:pPr>
             <a:r>
-              <a:rPr lang="en-US" altLang="x-none" sz="2800" dirty="0" smtClean="0">
+              <a:rPr lang="en-US" altLang="x-none" sz="2800" dirty="0">
                 <a:solidFill>
                   <a:srgbClr val="000000"/>
                 </a:solidFill>
@@ -38559,13 +38191,6 @@
               </a:rPr>
               <a:t>NIST’s servers in a round robin fashion (suggested method by NIST).</a:t>
             </a:r>
-            <a:endParaRPr lang="en-US" altLang="x-none" sz="2800" dirty="0">
-              <a:solidFill>
-                <a:srgbClr val="000000"/>
-              </a:solidFill>
-              <a:ea typeface="Arial" charset="0"/>
-              <a:cs typeface="Arial" charset="0"/>
-            </a:endParaRPr>
           </a:p>
         </p:txBody>
       </p:sp>
@@ -38851,7 +38476,7 @@
         <a:effectLst/>
         <a:extLst>
           <a:ext uri="{AF507438-7753-43e0-B8FC-AC1667EBCBE1}">
-            <a14:hiddenEffects xmlns="" xmlns:a14="http://schemas.microsoft.com/office/drawing/2010/main">
+            <a14:hiddenEffects xmlns:a14="http://schemas.microsoft.com/office/drawing/2010/main" xmlns="">
               <a:effectLst>
                 <a:outerShdw blurRad="63500" dist="38099" dir="2700000" algn="ctr" rotWithShape="0">
                   <a:schemeClr val="bg2">
@@ -38930,7 +38555,7 @@
         <a:effectLst/>
         <a:extLst>
           <a:ext uri="{AF507438-7753-43e0-B8FC-AC1667EBCBE1}">
-            <a14:hiddenEffects xmlns="" xmlns:a14="http://schemas.microsoft.com/office/drawing/2010/main">
+            <a14:hiddenEffects xmlns:a14="http://schemas.microsoft.com/office/drawing/2010/main" xmlns="">
               <a:effectLst>
                 <a:outerShdw blurRad="63500" dist="38099" dir="2700000" algn="ctr" rotWithShape="0">
                   <a:schemeClr val="bg2">

--- a/ntp/ntp-service.pptx
+++ b/ntp/ntp-service.pptx
@@ -5,7 +5,7 @@
     <p:sldMasterId id="2147483648" r:id="rId1"/>
   </p:sldMasterIdLst>
   <p:notesMasterIdLst>
-    <p:notesMasterId r:id="rId19"/>
+    <p:notesMasterId r:id="rId21"/>
   </p:notesMasterIdLst>
   <p:sldIdLst>
     <p:sldId id="256" r:id="rId2"/>
@@ -15,16 +15,18 @@
     <p:sldId id="267" r:id="rId6"/>
     <p:sldId id="277" r:id="rId7"/>
     <p:sldId id="268" r:id="rId8"/>
-    <p:sldId id="269" r:id="rId9"/>
-    <p:sldId id="264" r:id="rId10"/>
-    <p:sldId id="278" r:id="rId11"/>
-    <p:sldId id="265" r:id="rId12"/>
-    <p:sldId id="279" r:id="rId13"/>
-    <p:sldId id="281" r:id="rId14"/>
-    <p:sldId id="280" r:id="rId15"/>
-    <p:sldId id="262" r:id="rId16"/>
-    <p:sldId id="270" r:id="rId17"/>
-    <p:sldId id="272" r:id="rId18"/>
+    <p:sldId id="282" r:id="rId9"/>
+    <p:sldId id="283" r:id="rId10"/>
+    <p:sldId id="269" r:id="rId11"/>
+    <p:sldId id="264" r:id="rId12"/>
+    <p:sldId id="278" r:id="rId13"/>
+    <p:sldId id="265" r:id="rId14"/>
+    <p:sldId id="279" r:id="rId15"/>
+    <p:sldId id="281" r:id="rId16"/>
+    <p:sldId id="280" r:id="rId17"/>
+    <p:sldId id="262" r:id="rId18"/>
+    <p:sldId id="270" r:id="rId19"/>
+    <p:sldId id="272" r:id="rId20"/>
   </p:sldIdLst>
   <p:sldSz cx="10080625" cy="7559675"/>
   <p:notesSz cx="7772400" cy="10058400"/>
@@ -2373,7 +2375,7 @@
                 <a:latin typeface="Times New Roman" charset="0"/>
               </a:rPr>
               <a:pPr eaLnBrk="1"/>
-              <a:t>10</a:t>
+              <a:t>12</a:t>
             </a:fld>
             <a:endParaRPr lang="en-GB" altLang="x-none" sz="1400">
               <a:solidFill>
@@ -2929,7 +2931,7 @@
                 <a:latin typeface="Times New Roman" charset="0"/>
               </a:rPr>
               <a:pPr eaLnBrk="1"/>
-              <a:t>11</a:t>
+              <a:t>13</a:t>
             </a:fld>
             <a:endParaRPr lang="en-GB" altLang="x-none" sz="1400">
               <a:solidFill>
@@ -3480,7 +3482,7 @@
                 <a:latin typeface="Times New Roman" charset="0"/>
               </a:rPr>
               <a:pPr eaLnBrk="1"/>
-              <a:t>12</a:t>
+              <a:t>14</a:t>
             </a:fld>
             <a:endParaRPr lang="en-GB" altLang="x-none" sz="1400">
               <a:solidFill>
@@ -4036,7 +4038,7 @@
                 <a:latin typeface="Times New Roman" charset="0"/>
               </a:rPr>
               <a:pPr eaLnBrk="1"/>
-              <a:t>13</a:t>
+              <a:t>15</a:t>
             </a:fld>
             <a:endParaRPr lang="en-GB" altLang="x-none" sz="1400">
               <a:solidFill>
@@ -4592,7 +4594,7 @@
                 <a:latin typeface="Times New Roman" charset="0"/>
               </a:rPr>
               <a:pPr eaLnBrk="1"/>
-              <a:t>14</a:t>
+              <a:t>16</a:t>
             </a:fld>
             <a:endParaRPr lang="en-GB" altLang="x-none" sz="1400">
               <a:solidFill>
@@ -5148,7 +5150,7 @@
                 <a:latin typeface="Times New Roman" charset="0"/>
               </a:rPr>
               <a:pPr eaLnBrk="1"/>
-              <a:t>15</a:t>
+              <a:t>17</a:t>
             </a:fld>
             <a:endParaRPr lang="en-GB" altLang="x-none" sz="1400">
               <a:solidFill>
@@ -5579,7 +5581,7 @@
                 <a:buFontTx/>
                 <a:buNone/>
               </a:pPr>
-              <a:t>15</a:t>
+              <a:t>17</a:t>
             </a:fld>
             <a:endParaRPr lang="en-GB" altLang="x-none" sz="1400">
               <a:solidFill>
@@ -6130,7 +6132,7 @@
                 <a:latin typeface="Times New Roman" charset="0"/>
               </a:rPr>
               <a:pPr eaLnBrk="1"/>
-              <a:t>16</a:t>
+              <a:t>18</a:t>
             </a:fld>
             <a:endParaRPr lang="en-GB" altLang="x-none" sz="1400">
               <a:solidFill>
@@ -6561,7 +6563,7 @@
                 <a:buFontTx/>
                 <a:buNone/>
               </a:pPr>
-              <a:t>16</a:t>
+              <a:t>18</a:t>
             </a:fld>
             <a:endParaRPr lang="en-GB" altLang="x-none" sz="1400">
               <a:solidFill>
@@ -7112,7 +7114,7 @@
                 <a:latin typeface="Times New Roman" charset="0"/>
               </a:rPr>
               <a:pPr eaLnBrk="1"/>
-              <a:t>17</a:t>
+              <a:t>19</a:t>
             </a:fld>
             <a:endParaRPr lang="en-GB" altLang="x-none" sz="1400">
               <a:solidFill>
@@ -11841,7 +11843,7 @@
                 <a:latin typeface="Times New Roman" charset="0"/>
               </a:rPr>
               <a:pPr eaLnBrk="1"/>
-              <a:t>8</a:t>
+              <a:t>10</a:t>
             </a:fld>
             <a:endParaRPr lang="en-GB" altLang="x-none" sz="1400">
               <a:solidFill>
@@ -12392,7 +12394,7 @@
                 <a:latin typeface="Times New Roman" charset="0"/>
               </a:rPr>
               <a:pPr eaLnBrk="1"/>
-              <a:t>9</a:t>
+              <a:t>11</a:t>
             </a:fld>
             <a:endParaRPr lang="en-GB" altLang="x-none" sz="1400">
               <a:solidFill>
@@ -16072,7 +16074,7 @@
               <a:t>Ayitey</a:t>
             </a:r>
             <a:r>
-              <a:rPr lang="en-US" altLang="x-none" sz="2400">
+              <a:rPr lang="en-US" altLang="x-none" sz="2400" dirty="0">
                 <a:latin typeface="DejaVu Sans" charset="0"/>
               </a:rPr>
               <a:t> Bulley</a:t>
@@ -16120,6 +16122,2579 @@
 </file>
 
 <file path=ppt/slides/slide10.xml><?xml version="1.0" encoding="utf-8"?>
+<p:sld xmlns:a="http://schemas.openxmlformats.org/drawingml/2006/main" xmlns:r="http://schemas.openxmlformats.org/officeDocument/2006/relationships" xmlns:p="http://schemas.openxmlformats.org/presentationml/2006/main">
+  <p:cSld>
+    <p:bg>
+      <p:bgPr>
+        <a:blipFill dpi="0" rotWithShape="0">
+          <a:blip r:embed="rId3"/>
+          <a:srcRect/>
+          <a:tile tx="0" ty="0" sx="100000" sy="100000" flip="none" algn="tl"/>
+        </a:blipFill>
+        <a:effectLst/>
+      </p:bgPr>
+    </p:bg>
+    <p:spTree>
+      <p:nvGrpSpPr>
+        <p:cNvPr id="1" name=""/>
+        <p:cNvGrpSpPr/>
+        <p:nvPr/>
+      </p:nvGrpSpPr>
+      <p:grpSpPr>
+        <a:xfrm>
+          <a:off x="0" y="0"/>
+          <a:ext cx="0" cy="0"/>
+          <a:chOff x="0" y="0"/>
+          <a:chExt cx="0" cy="0"/>
+        </a:xfrm>
+      </p:grpSpPr>
+      <p:sp>
+        <p:nvSpPr>
+          <p:cNvPr id="16385" name="Text Box 1"/>
+          <p:cNvSpPr txBox="1">
+            <a:spLocks noChangeArrowheads="1"/>
+          </p:cNvSpPr>
+          <p:nvPr/>
+        </p:nvSpPr>
+        <p:spPr bwMode="auto">
+          <a:xfrm>
+            <a:off x="468313" y="0"/>
+            <a:ext cx="9070975" cy="1260475"/>
+          </a:xfrm>
+          <a:prstGeom prst="rect">
+            <a:avLst/>
+          </a:prstGeom>
+          <a:noFill/>
+          <a:ln>
+            <a:noFill/>
+          </a:ln>
+          <a:effectLst/>
+          <a:extLst>
+            <a:ext uri="{909E8E84-426E-40dd-AFC4-6F175D3DCCD1}">
+              <a14:hiddenFill xmlns:a14="http://schemas.microsoft.com/office/drawing/2010/main" xmlns="">
+                <a:solidFill>
+                  <a:srgbClr val="FFFFFF"/>
+                </a:solidFill>
+              </a14:hiddenFill>
+            </a:ext>
+            <a:ext uri="{91240B29-F687-4f45-9708-019B960494DF}">
+              <a14:hiddenLine xmlns:a14="http://schemas.microsoft.com/office/drawing/2010/main" xmlns="" w="9525" cap="flat">
+                <a:solidFill>
+                  <a:srgbClr val="3465A4"/>
+                </a:solidFill>
+                <a:round/>
+                <a:headEnd/>
+                <a:tailEnd/>
+              </a14:hiddenLine>
+            </a:ext>
+            <a:ext uri="{AF507438-7753-43e0-B8FC-AC1667EBCBE1}">
+              <a14:hiddenEffects xmlns:a14="http://schemas.microsoft.com/office/drawing/2010/main" xmlns="">
+                <a:effectLst>
+                  <a:outerShdw blurRad="63500" dist="38099" dir="2700000" algn="ctr" rotWithShape="0">
+                    <a:srgbClr val="000000">
+                      <a:alpha val="74998"/>
+                    </a:srgbClr>
+                  </a:outerShdw>
+                </a:effectLst>
+              </a14:hiddenEffects>
+            </a:ext>
+          </a:extLst>
+        </p:spPr>
+        <p:txBody>
+          <a:bodyPr lIns="0" tIns="0" rIns="0" bIns="0" anchor="ctr"/>
+          <a:lstStyle>
+            <a:lvl1pPr>
+              <a:tabLst>
+                <a:tab pos="0" algn="l"/>
+                <a:tab pos="457200" algn="l"/>
+                <a:tab pos="914400" algn="l"/>
+                <a:tab pos="1371600" algn="l"/>
+                <a:tab pos="1828800" algn="l"/>
+                <a:tab pos="2286000" algn="l"/>
+                <a:tab pos="2743200" algn="l"/>
+                <a:tab pos="3200400" algn="l"/>
+                <a:tab pos="3657600" algn="l"/>
+                <a:tab pos="4114800" algn="l"/>
+                <a:tab pos="4572000" algn="l"/>
+                <a:tab pos="5029200" algn="l"/>
+                <a:tab pos="5486400" algn="l"/>
+                <a:tab pos="5943600" algn="l"/>
+                <a:tab pos="6400800" algn="l"/>
+                <a:tab pos="6858000" algn="l"/>
+                <a:tab pos="7315200" algn="l"/>
+                <a:tab pos="7772400" algn="l"/>
+                <a:tab pos="8229600" algn="l"/>
+                <a:tab pos="8686800" algn="l"/>
+                <a:tab pos="9144000" algn="l"/>
+              </a:tabLst>
+              <a:defRPr sz="2400">
+                <a:solidFill>
+                  <a:srgbClr val="000000"/>
+                </a:solidFill>
+                <a:latin typeface="Arial" charset="0"/>
+                <a:ea typeface="ＭＳ Ｐゴシック" charset="0"/>
+                <a:cs typeface="DejaVu Sans" charset="0"/>
+              </a:defRPr>
+            </a:lvl1pPr>
+            <a:lvl2pPr>
+              <a:tabLst>
+                <a:tab pos="0" algn="l"/>
+                <a:tab pos="457200" algn="l"/>
+                <a:tab pos="914400" algn="l"/>
+                <a:tab pos="1371600" algn="l"/>
+                <a:tab pos="1828800" algn="l"/>
+                <a:tab pos="2286000" algn="l"/>
+                <a:tab pos="2743200" algn="l"/>
+                <a:tab pos="3200400" algn="l"/>
+                <a:tab pos="3657600" algn="l"/>
+                <a:tab pos="4114800" algn="l"/>
+                <a:tab pos="4572000" algn="l"/>
+                <a:tab pos="5029200" algn="l"/>
+                <a:tab pos="5486400" algn="l"/>
+                <a:tab pos="5943600" algn="l"/>
+                <a:tab pos="6400800" algn="l"/>
+                <a:tab pos="6858000" algn="l"/>
+                <a:tab pos="7315200" algn="l"/>
+                <a:tab pos="7772400" algn="l"/>
+                <a:tab pos="8229600" algn="l"/>
+                <a:tab pos="8686800" algn="l"/>
+                <a:tab pos="9144000" algn="l"/>
+              </a:tabLst>
+              <a:defRPr sz="2400">
+                <a:solidFill>
+                  <a:srgbClr val="000000"/>
+                </a:solidFill>
+                <a:latin typeface="Arial" charset="0"/>
+                <a:ea typeface="ＭＳ Ｐゴシック" charset="0"/>
+                <a:cs typeface="DejaVu Sans" charset="0"/>
+              </a:defRPr>
+            </a:lvl2pPr>
+            <a:lvl3pPr>
+              <a:tabLst>
+                <a:tab pos="0" algn="l"/>
+                <a:tab pos="457200" algn="l"/>
+                <a:tab pos="914400" algn="l"/>
+                <a:tab pos="1371600" algn="l"/>
+                <a:tab pos="1828800" algn="l"/>
+                <a:tab pos="2286000" algn="l"/>
+                <a:tab pos="2743200" algn="l"/>
+                <a:tab pos="3200400" algn="l"/>
+                <a:tab pos="3657600" algn="l"/>
+                <a:tab pos="4114800" algn="l"/>
+                <a:tab pos="4572000" algn="l"/>
+                <a:tab pos="5029200" algn="l"/>
+                <a:tab pos="5486400" algn="l"/>
+                <a:tab pos="5943600" algn="l"/>
+                <a:tab pos="6400800" algn="l"/>
+                <a:tab pos="6858000" algn="l"/>
+                <a:tab pos="7315200" algn="l"/>
+                <a:tab pos="7772400" algn="l"/>
+                <a:tab pos="8229600" algn="l"/>
+                <a:tab pos="8686800" algn="l"/>
+                <a:tab pos="9144000" algn="l"/>
+              </a:tabLst>
+              <a:defRPr sz="2400">
+                <a:solidFill>
+                  <a:srgbClr val="000000"/>
+                </a:solidFill>
+                <a:latin typeface="Arial" charset="0"/>
+                <a:ea typeface="ＭＳ Ｐゴシック" charset="0"/>
+                <a:cs typeface="DejaVu Sans" charset="0"/>
+              </a:defRPr>
+            </a:lvl3pPr>
+            <a:lvl4pPr>
+              <a:tabLst>
+                <a:tab pos="0" algn="l"/>
+                <a:tab pos="457200" algn="l"/>
+                <a:tab pos="914400" algn="l"/>
+                <a:tab pos="1371600" algn="l"/>
+                <a:tab pos="1828800" algn="l"/>
+                <a:tab pos="2286000" algn="l"/>
+                <a:tab pos="2743200" algn="l"/>
+                <a:tab pos="3200400" algn="l"/>
+                <a:tab pos="3657600" algn="l"/>
+                <a:tab pos="4114800" algn="l"/>
+                <a:tab pos="4572000" algn="l"/>
+                <a:tab pos="5029200" algn="l"/>
+                <a:tab pos="5486400" algn="l"/>
+                <a:tab pos="5943600" algn="l"/>
+                <a:tab pos="6400800" algn="l"/>
+                <a:tab pos="6858000" algn="l"/>
+                <a:tab pos="7315200" algn="l"/>
+                <a:tab pos="7772400" algn="l"/>
+                <a:tab pos="8229600" algn="l"/>
+                <a:tab pos="8686800" algn="l"/>
+                <a:tab pos="9144000" algn="l"/>
+              </a:tabLst>
+              <a:defRPr sz="2400">
+                <a:solidFill>
+                  <a:srgbClr val="000000"/>
+                </a:solidFill>
+                <a:latin typeface="Arial" charset="0"/>
+                <a:ea typeface="ＭＳ Ｐゴシック" charset="0"/>
+                <a:cs typeface="DejaVu Sans" charset="0"/>
+              </a:defRPr>
+            </a:lvl4pPr>
+            <a:lvl5pPr>
+              <a:tabLst>
+                <a:tab pos="0" algn="l"/>
+                <a:tab pos="457200" algn="l"/>
+                <a:tab pos="914400" algn="l"/>
+                <a:tab pos="1371600" algn="l"/>
+                <a:tab pos="1828800" algn="l"/>
+                <a:tab pos="2286000" algn="l"/>
+                <a:tab pos="2743200" algn="l"/>
+                <a:tab pos="3200400" algn="l"/>
+                <a:tab pos="3657600" algn="l"/>
+                <a:tab pos="4114800" algn="l"/>
+                <a:tab pos="4572000" algn="l"/>
+                <a:tab pos="5029200" algn="l"/>
+                <a:tab pos="5486400" algn="l"/>
+                <a:tab pos="5943600" algn="l"/>
+                <a:tab pos="6400800" algn="l"/>
+                <a:tab pos="6858000" algn="l"/>
+                <a:tab pos="7315200" algn="l"/>
+                <a:tab pos="7772400" algn="l"/>
+                <a:tab pos="8229600" algn="l"/>
+                <a:tab pos="8686800" algn="l"/>
+                <a:tab pos="9144000" algn="l"/>
+              </a:tabLst>
+              <a:defRPr sz="2400">
+                <a:solidFill>
+                  <a:srgbClr val="000000"/>
+                </a:solidFill>
+                <a:latin typeface="Arial" charset="0"/>
+                <a:ea typeface="ＭＳ Ｐゴシック" charset="0"/>
+                <a:cs typeface="DejaVu Sans" charset="0"/>
+              </a:defRPr>
+            </a:lvl5pPr>
+            <a:lvl6pPr marL="2514600" indent="-228600" fontAlgn="base" hangingPunct="0">
+              <a:lnSpc>
+                <a:spcPct val="96000"/>
+              </a:lnSpc>
+              <a:spcBef>
+                <a:spcPct val="0"/>
+              </a:spcBef>
+              <a:spcAft>
+                <a:spcPct val="0"/>
+              </a:spcAft>
+              <a:buClr>
+                <a:srgbClr val="000000"/>
+              </a:buClr>
+              <a:buSzPct val="100000"/>
+              <a:buFont typeface="Times New Roman" charset="0"/>
+              <a:tabLst>
+                <a:tab pos="0" algn="l"/>
+                <a:tab pos="457200" algn="l"/>
+                <a:tab pos="914400" algn="l"/>
+                <a:tab pos="1371600" algn="l"/>
+                <a:tab pos="1828800" algn="l"/>
+                <a:tab pos="2286000" algn="l"/>
+                <a:tab pos="2743200" algn="l"/>
+                <a:tab pos="3200400" algn="l"/>
+                <a:tab pos="3657600" algn="l"/>
+                <a:tab pos="4114800" algn="l"/>
+                <a:tab pos="4572000" algn="l"/>
+                <a:tab pos="5029200" algn="l"/>
+                <a:tab pos="5486400" algn="l"/>
+                <a:tab pos="5943600" algn="l"/>
+                <a:tab pos="6400800" algn="l"/>
+                <a:tab pos="6858000" algn="l"/>
+                <a:tab pos="7315200" algn="l"/>
+                <a:tab pos="7772400" algn="l"/>
+                <a:tab pos="8229600" algn="l"/>
+                <a:tab pos="8686800" algn="l"/>
+                <a:tab pos="9144000" algn="l"/>
+              </a:tabLst>
+              <a:defRPr sz="2400">
+                <a:solidFill>
+                  <a:srgbClr val="000000"/>
+                </a:solidFill>
+                <a:latin typeface="Arial" charset="0"/>
+                <a:ea typeface="ＭＳ Ｐゴシック" charset="0"/>
+                <a:cs typeface="DejaVu Sans" charset="0"/>
+              </a:defRPr>
+            </a:lvl6pPr>
+            <a:lvl7pPr marL="2971800" indent="-228600" fontAlgn="base" hangingPunct="0">
+              <a:lnSpc>
+                <a:spcPct val="96000"/>
+              </a:lnSpc>
+              <a:spcBef>
+                <a:spcPct val="0"/>
+              </a:spcBef>
+              <a:spcAft>
+                <a:spcPct val="0"/>
+              </a:spcAft>
+              <a:buClr>
+                <a:srgbClr val="000000"/>
+              </a:buClr>
+              <a:buSzPct val="100000"/>
+              <a:buFont typeface="Times New Roman" charset="0"/>
+              <a:tabLst>
+                <a:tab pos="0" algn="l"/>
+                <a:tab pos="457200" algn="l"/>
+                <a:tab pos="914400" algn="l"/>
+                <a:tab pos="1371600" algn="l"/>
+                <a:tab pos="1828800" algn="l"/>
+                <a:tab pos="2286000" algn="l"/>
+                <a:tab pos="2743200" algn="l"/>
+                <a:tab pos="3200400" algn="l"/>
+                <a:tab pos="3657600" algn="l"/>
+                <a:tab pos="4114800" algn="l"/>
+                <a:tab pos="4572000" algn="l"/>
+                <a:tab pos="5029200" algn="l"/>
+                <a:tab pos="5486400" algn="l"/>
+                <a:tab pos="5943600" algn="l"/>
+                <a:tab pos="6400800" algn="l"/>
+                <a:tab pos="6858000" algn="l"/>
+                <a:tab pos="7315200" algn="l"/>
+                <a:tab pos="7772400" algn="l"/>
+                <a:tab pos="8229600" algn="l"/>
+                <a:tab pos="8686800" algn="l"/>
+                <a:tab pos="9144000" algn="l"/>
+              </a:tabLst>
+              <a:defRPr sz="2400">
+                <a:solidFill>
+                  <a:srgbClr val="000000"/>
+                </a:solidFill>
+                <a:latin typeface="Arial" charset="0"/>
+                <a:ea typeface="ＭＳ Ｐゴシック" charset="0"/>
+                <a:cs typeface="DejaVu Sans" charset="0"/>
+              </a:defRPr>
+            </a:lvl7pPr>
+            <a:lvl8pPr marL="3429000" indent="-228600" fontAlgn="base" hangingPunct="0">
+              <a:lnSpc>
+                <a:spcPct val="96000"/>
+              </a:lnSpc>
+              <a:spcBef>
+                <a:spcPct val="0"/>
+              </a:spcBef>
+              <a:spcAft>
+                <a:spcPct val="0"/>
+              </a:spcAft>
+              <a:buClr>
+                <a:srgbClr val="000000"/>
+              </a:buClr>
+              <a:buSzPct val="100000"/>
+              <a:buFont typeface="Times New Roman" charset="0"/>
+              <a:tabLst>
+                <a:tab pos="0" algn="l"/>
+                <a:tab pos="457200" algn="l"/>
+                <a:tab pos="914400" algn="l"/>
+                <a:tab pos="1371600" algn="l"/>
+                <a:tab pos="1828800" algn="l"/>
+                <a:tab pos="2286000" algn="l"/>
+                <a:tab pos="2743200" algn="l"/>
+                <a:tab pos="3200400" algn="l"/>
+                <a:tab pos="3657600" algn="l"/>
+                <a:tab pos="4114800" algn="l"/>
+                <a:tab pos="4572000" algn="l"/>
+                <a:tab pos="5029200" algn="l"/>
+                <a:tab pos="5486400" algn="l"/>
+                <a:tab pos="5943600" algn="l"/>
+                <a:tab pos="6400800" algn="l"/>
+                <a:tab pos="6858000" algn="l"/>
+                <a:tab pos="7315200" algn="l"/>
+                <a:tab pos="7772400" algn="l"/>
+                <a:tab pos="8229600" algn="l"/>
+                <a:tab pos="8686800" algn="l"/>
+                <a:tab pos="9144000" algn="l"/>
+              </a:tabLst>
+              <a:defRPr sz="2400">
+                <a:solidFill>
+                  <a:srgbClr val="000000"/>
+                </a:solidFill>
+                <a:latin typeface="Arial" charset="0"/>
+                <a:ea typeface="ＭＳ Ｐゴシック" charset="0"/>
+                <a:cs typeface="DejaVu Sans" charset="0"/>
+              </a:defRPr>
+            </a:lvl8pPr>
+            <a:lvl9pPr marL="3886200" indent="-228600" fontAlgn="base" hangingPunct="0">
+              <a:lnSpc>
+                <a:spcPct val="96000"/>
+              </a:lnSpc>
+              <a:spcBef>
+                <a:spcPct val="0"/>
+              </a:spcBef>
+              <a:spcAft>
+                <a:spcPct val="0"/>
+              </a:spcAft>
+              <a:buClr>
+                <a:srgbClr val="000000"/>
+              </a:buClr>
+              <a:buSzPct val="100000"/>
+              <a:buFont typeface="Times New Roman" charset="0"/>
+              <a:tabLst>
+                <a:tab pos="0" algn="l"/>
+                <a:tab pos="457200" algn="l"/>
+                <a:tab pos="914400" algn="l"/>
+                <a:tab pos="1371600" algn="l"/>
+                <a:tab pos="1828800" algn="l"/>
+                <a:tab pos="2286000" algn="l"/>
+                <a:tab pos="2743200" algn="l"/>
+                <a:tab pos="3200400" algn="l"/>
+                <a:tab pos="3657600" algn="l"/>
+                <a:tab pos="4114800" algn="l"/>
+                <a:tab pos="4572000" algn="l"/>
+                <a:tab pos="5029200" algn="l"/>
+                <a:tab pos="5486400" algn="l"/>
+                <a:tab pos="5943600" algn="l"/>
+                <a:tab pos="6400800" algn="l"/>
+                <a:tab pos="6858000" algn="l"/>
+                <a:tab pos="7315200" algn="l"/>
+                <a:tab pos="7772400" algn="l"/>
+                <a:tab pos="8229600" algn="l"/>
+                <a:tab pos="8686800" algn="l"/>
+                <a:tab pos="9144000" algn="l"/>
+              </a:tabLst>
+              <a:defRPr sz="2400">
+                <a:solidFill>
+                  <a:srgbClr val="000000"/>
+                </a:solidFill>
+                <a:latin typeface="Arial" charset="0"/>
+                <a:ea typeface="ＭＳ Ｐゴシック" charset="0"/>
+                <a:cs typeface="DejaVu Sans" charset="0"/>
+              </a:defRPr>
+            </a:lvl9pPr>
+          </a:lstStyle>
+          <a:p>
+            <a:pPr>
+              <a:lnSpc>
+                <a:spcPct val="97000"/>
+              </a:lnSpc>
+              <a:buClrTx/>
+              <a:buSzPct val="45000"/>
+              <a:buFontTx/>
+              <a:buNone/>
+              <a:defRPr/>
+            </a:pPr>
+            <a:r>
+              <a:rPr lang="en-US" sz="4400" b="1" dirty="0">
+                <a:latin typeface="Trebuchet MS" charset="0"/>
+              </a:rPr>
+              <a:t>Step 1: Installation of NTP Server</a:t>
+            </a:r>
+          </a:p>
+        </p:txBody>
+      </p:sp>
+      <p:sp>
+        <p:nvSpPr>
+          <p:cNvPr id="16386" name="Text Box 2"/>
+          <p:cNvSpPr txBox="1">
+            <a:spLocks noChangeArrowheads="1"/>
+          </p:cNvSpPr>
+          <p:nvPr/>
+        </p:nvSpPr>
+        <p:spPr bwMode="auto">
+          <a:xfrm>
+            <a:off x="503238" y="1768475"/>
+            <a:ext cx="9070975" cy="4987925"/>
+          </a:xfrm>
+          <a:prstGeom prst="rect">
+            <a:avLst/>
+          </a:prstGeom>
+          <a:noFill/>
+          <a:ln>
+            <a:noFill/>
+          </a:ln>
+          <a:effectLst/>
+          <a:extLst>
+            <a:ext uri="{909E8E84-426E-40dd-AFC4-6F175D3DCCD1}">
+              <a14:hiddenFill xmlns:a14="http://schemas.microsoft.com/office/drawing/2010/main" xmlns="">
+                <a:solidFill>
+                  <a:srgbClr val="FFFFFF"/>
+                </a:solidFill>
+              </a14:hiddenFill>
+            </a:ext>
+            <a:ext uri="{91240B29-F687-4f45-9708-019B960494DF}">
+              <a14:hiddenLine xmlns:a14="http://schemas.microsoft.com/office/drawing/2010/main" xmlns="" w="9525" cap="flat">
+                <a:solidFill>
+                  <a:srgbClr val="3465A4"/>
+                </a:solidFill>
+                <a:round/>
+                <a:headEnd/>
+                <a:tailEnd/>
+              </a14:hiddenLine>
+            </a:ext>
+            <a:ext uri="{AF507438-7753-43e0-B8FC-AC1667EBCBE1}">
+              <a14:hiddenEffects xmlns:a14="http://schemas.microsoft.com/office/drawing/2010/main" xmlns="">
+                <a:effectLst>
+                  <a:outerShdw blurRad="63500" dist="38099" dir="2700000" algn="ctr" rotWithShape="0">
+                    <a:srgbClr val="000000">
+                      <a:alpha val="74998"/>
+                    </a:srgbClr>
+                  </a:outerShdw>
+                </a:effectLst>
+              </a14:hiddenEffects>
+            </a:ext>
+          </a:extLst>
+        </p:spPr>
+        <p:txBody>
+          <a:bodyPr lIns="0" tIns="0" rIns="0" bIns="0"/>
+          <a:lstStyle>
+            <a:lvl1pPr marL="428625" indent="-323850">
+              <a:tabLst>
+                <a:tab pos="428625" algn="l"/>
+                <a:tab pos="885825" algn="l"/>
+                <a:tab pos="1343025" algn="l"/>
+                <a:tab pos="1800225" algn="l"/>
+                <a:tab pos="2257425" algn="l"/>
+                <a:tab pos="2714625" algn="l"/>
+                <a:tab pos="3171825" algn="l"/>
+                <a:tab pos="3629025" algn="l"/>
+                <a:tab pos="4086225" algn="l"/>
+                <a:tab pos="4543425" algn="l"/>
+                <a:tab pos="5000625" algn="l"/>
+                <a:tab pos="5457825" algn="l"/>
+                <a:tab pos="5915025" algn="l"/>
+                <a:tab pos="6372225" algn="l"/>
+                <a:tab pos="6829425" algn="l"/>
+                <a:tab pos="7286625" algn="l"/>
+                <a:tab pos="7743825" algn="l"/>
+                <a:tab pos="8201025" algn="l"/>
+                <a:tab pos="8658225" algn="l"/>
+                <a:tab pos="9115425" algn="l"/>
+                <a:tab pos="9572625" algn="l"/>
+              </a:tabLst>
+              <a:defRPr sz="2400">
+                <a:solidFill>
+                  <a:srgbClr val="000000"/>
+                </a:solidFill>
+                <a:latin typeface="Arial" charset="0"/>
+                <a:ea typeface="ＭＳ Ｐゴシック" charset="0"/>
+                <a:cs typeface="DejaVu Sans" charset="0"/>
+              </a:defRPr>
+            </a:lvl1pPr>
+            <a:lvl2pPr marL="863600" indent="-284163">
+              <a:tabLst>
+                <a:tab pos="428625" algn="l"/>
+                <a:tab pos="885825" algn="l"/>
+                <a:tab pos="1343025" algn="l"/>
+                <a:tab pos="1800225" algn="l"/>
+                <a:tab pos="2257425" algn="l"/>
+                <a:tab pos="2714625" algn="l"/>
+                <a:tab pos="3171825" algn="l"/>
+                <a:tab pos="3629025" algn="l"/>
+                <a:tab pos="4086225" algn="l"/>
+                <a:tab pos="4543425" algn="l"/>
+                <a:tab pos="5000625" algn="l"/>
+                <a:tab pos="5457825" algn="l"/>
+                <a:tab pos="5915025" algn="l"/>
+                <a:tab pos="6372225" algn="l"/>
+                <a:tab pos="6829425" algn="l"/>
+                <a:tab pos="7286625" algn="l"/>
+                <a:tab pos="7743825" algn="l"/>
+                <a:tab pos="8201025" algn="l"/>
+                <a:tab pos="8658225" algn="l"/>
+                <a:tab pos="9115425" algn="l"/>
+                <a:tab pos="9572625" algn="l"/>
+              </a:tabLst>
+              <a:defRPr sz="2400">
+                <a:solidFill>
+                  <a:srgbClr val="000000"/>
+                </a:solidFill>
+                <a:latin typeface="Arial" charset="0"/>
+                <a:ea typeface="ＭＳ Ｐゴシック" charset="0"/>
+                <a:cs typeface="DejaVu Sans" charset="0"/>
+              </a:defRPr>
+            </a:lvl2pPr>
+            <a:lvl3pPr>
+              <a:tabLst>
+                <a:tab pos="428625" algn="l"/>
+                <a:tab pos="885825" algn="l"/>
+                <a:tab pos="1343025" algn="l"/>
+                <a:tab pos="1800225" algn="l"/>
+                <a:tab pos="2257425" algn="l"/>
+                <a:tab pos="2714625" algn="l"/>
+                <a:tab pos="3171825" algn="l"/>
+                <a:tab pos="3629025" algn="l"/>
+                <a:tab pos="4086225" algn="l"/>
+                <a:tab pos="4543425" algn="l"/>
+                <a:tab pos="5000625" algn="l"/>
+                <a:tab pos="5457825" algn="l"/>
+                <a:tab pos="5915025" algn="l"/>
+                <a:tab pos="6372225" algn="l"/>
+                <a:tab pos="6829425" algn="l"/>
+                <a:tab pos="7286625" algn="l"/>
+                <a:tab pos="7743825" algn="l"/>
+                <a:tab pos="8201025" algn="l"/>
+                <a:tab pos="8658225" algn="l"/>
+                <a:tab pos="9115425" algn="l"/>
+                <a:tab pos="9572625" algn="l"/>
+              </a:tabLst>
+              <a:defRPr sz="2400">
+                <a:solidFill>
+                  <a:srgbClr val="000000"/>
+                </a:solidFill>
+                <a:latin typeface="Arial" charset="0"/>
+                <a:ea typeface="ＭＳ Ｐゴシック" charset="0"/>
+                <a:cs typeface="DejaVu Sans" charset="0"/>
+              </a:defRPr>
+            </a:lvl3pPr>
+            <a:lvl4pPr>
+              <a:tabLst>
+                <a:tab pos="428625" algn="l"/>
+                <a:tab pos="885825" algn="l"/>
+                <a:tab pos="1343025" algn="l"/>
+                <a:tab pos="1800225" algn="l"/>
+                <a:tab pos="2257425" algn="l"/>
+                <a:tab pos="2714625" algn="l"/>
+                <a:tab pos="3171825" algn="l"/>
+                <a:tab pos="3629025" algn="l"/>
+                <a:tab pos="4086225" algn="l"/>
+                <a:tab pos="4543425" algn="l"/>
+                <a:tab pos="5000625" algn="l"/>
+                <a:tab pos="5457825" algn="l"/>
+                <a:tab pos="5915025" algn="l"/>
+                <a:tab pos="6372225" algn="l"/>
+                <a:tab pos="6829425" algn="l"/>
+                <a:tab pos="7286625" algn="l"/>
+                <a:tab pos="7743825" algn="l"/>
+                <a:tab pos="8201025" algn="l"/>
+                <a:tab pos="8658225" algn="l"/>
+                <a:tab pos="9115425" algn="l"/>
+                <a:tab pos="9572625" algn="l"/>
+              </a:tabLst>
+              <a:defRPr sz="2400">
+                <a:solidFill>
+                  <a:srgbClr val="000000"/>
+                </a:solidFill>
+                <a:latin typeface="Arial" charset="0"/>
+                <a:ea typeface="ＭＳ Ｐゴシック" charset="0"/>
+                <a:cs typeface="DejaVu Sans" charset="0"/>
+              </a:defRPr>
+            </a:lvl4pPr>
+            <a:lvl5pPr>
+              <a:tabLst>
+                <a:tab pos="428625" algn="l"/>
+                <a:tab pos="885825" algn="l"/>
+                <a:tab pos="1343025" algn="l"/>
+                <a:tab pos="1800225" algn="l"/>
+                <a:tab pos="2257425" algn="l"/>
+                <a:tab pos="2714625" algn="l"/>
+                <a:tab pos="3171825" algn="l"/>
+                <a:tab pos="3629025" algn="l"/>
+                <a:tab pos="4086225" algn="l"/>
+                <a:tab pos="4543425" algn="l"/>
+                <a:tab pos="5000625" algn="l"/>
+                <a:tab pos="5457825" algn="l"/>
+                <a:tab pos="5915025" algn="l"/>
+                <a:tab pos="6372225" algn="l"/>
+                <a:tab pos="6829425" algn="l"/>
+                <a:tab pos="7286625" algn="l"/>
+                <a:tab pos="7743825" algn="l"/>
+                <a:tab pos="8201025" algn="l"/>
+                <a:tab pos="8658225" algn="l"/>
+                <a:tab pos="9115425" algn="l"/>
+                <a:tab pos="9572625" algn="l"/>
+              </a:tabLst>
+              <a:defRPr sz="2400">
+                <a:solidFill>
+                  <a:srgbClr val="000000"/>
+                </a:solidFill>
+                <a:latin typeface="Arial" charset="0"/>
+                <a:ea typeface="ＭＳ Ｐゴシック" charset="0"/>
+                <a:cs typeface="DejaVu Sans" charset="0"/>
+              </a:defRPr>
+            </a:lvl5pPr>
+            <a:lvl6pPr marL="2514600" indent="-228600" fontAlgn="base" hangingPunct="0">
+              <a:lnSpc>
+                <a:spcPct val="96000"/>
+              </a:lnSpc>
+              <a:spcBef>
+                <a:spcPct val="0"/>
+              </a:spcBef>
+              <a:spcAft>
+                <a:spcPct val="0"/>
+              </a:spcAft>
+              <a:buClr>
+                <a:srgbClr val="000000"/>
+              </a:buClr>
+              <a:buSzPct val="100000"/>
+              <a:buFont typeface="Times New Roman" charset="0"/>
+              <a:tabLst>
+                <a:tab pos="428625" algn="l"/>
+                <a:tab pos="885825" algn="l"/>
+                <a:tab pos="1343025" algn="l"/>
+                <a:tab pos="1800225" algn="l"/>
+                <a:tab pos="2257425" algn="l"/>
+                <a:tab pos="2714625" algn="l"/>
+                <a:tab pos="3171825" algn="l"/>
+                <a:tab pos="3629025" algn="l"/>
+                <a:tab pos="4086225" algn="l"/>
+                <a:tab pos="4543425" algn="l"/>
+                <a:tab pos="5000625" algn="l"/>
+                <a:tab pos="5457825" algn="l"/>
+                <a:tab pos="5915025" algn="l"/>
+                <a:tab pos="6372225" algn="l"/>
+                <a:tab pos="6829425" algn="l"/>
+                <a:tab pos="7286625" algn="l"/>
+                <a:tab pos="7743825" algn="l"/>
+                <a:tab pos="8201025" algn="l"/>
+                <a:tab pos="8658225" algn="l"/>
+                <a:tab pos="9115425" algn="l"/>
+                <a:tab pos="9572625" algn="l"/>
+              </a:tabLst>
+              <a:defRPr sz="2400">
+                <a:solidFill>
+                  <a:srgbClr val="000000"/>
+                </a:solidFill>
+                <a:latin typeface="Arial" charset="0"/>
+                <a:ea typeface="ＭＳ Ｐゴシック" charset="0"/>
+                <a:cs typeface="DejaVu Sans" charset="0"/>
+              </a:defRPr>
+            </a:lvl6pPr>
+            <a:lvl7pPr marL="2971800" indent="-228600" fontAlgn="base" hangingPunct="0">
+              <a:lnSpc>
+                <a:spcPct val="96000"/>
+              </a:lnSpc>
+              <a:spcBef>
+                <a:spcPct val="0"/>
+              </a:spcBef>
+              <a:spcAft>
+                <a:spcPct val="0"/>
+              </a:spcAft>
+              <a:buClr>
+                <a:srgbClr val="000000"/>
+              </a:buClr>
+              <a:buSzPct val="100000"/>
+              <a:buFont typeface="Times New Roman" charset="0"/>
+              <a:tabLst>
+                <a:tab pos="428625" algn="l"/>
+                <a:tab pos="885825" algn="l"/>
+                <a:tab pos="1343025" algn="l"/>
+                <a:tab pos="1800225" algn="l"/>
+                <a:tab pos="2257425" algn="l"/>
+                <a:tab pos="2714625" algn="l"/>
+                <a:tab pos="3171825" algn="l"/>
+                <a:tab pos="3629025" algn="l"/>
+                <a:tab pos="4086225" algn="l"/>
+                <a:tab pos="4543425" algn="l"/>
+                <a:tab pos="5000625" algn="l"/>
+                <a:tab pos="5457825" algn="l"/>
+                <a:tab pos="5915025" algn="l"/>
+                <a:tab pos="6372225" algn="l"/>
+                <a:tab pos="6829425" algn="l"/>
+                <a:tab pos="7286625" algn="l"/>
+                <a:tab pos="7743825" algn="l"/>
+                <a:tab pos="8201025" algn="l"/>
+                <a:tab pos="8658225" algn="l"/>
+                <a:tab pos="9115425" algn="l"/>
+                <a:tab pos="9572625" algn="l"/>
+              </a:tabLst>
+              <a:defRPr sz="2400">
+                <a:solidFill>
+                  <a:srgbClr val="000000"/>
+                </a:solidFill>
+                <a:latin typeface="Arial" charset="0"/>
+                <a:ea typeface="ＭＳ Ｐゴシック" charset="0"/>
+                <a:cs typeface="DejaVu Sans" charset="0"/>
+              </a:defRPr>
+            </a:lvl7pPr>
+            <a:lvl8pPr marL="3429000" indent="-228600" fontAlgn="base" hangingPunct="0">
+              <a:lnSpc>
+                <a:spcPct val="96000"/>
+              </a:lnSpc>
+              <a:spcBef>
+                <a:spcPct val="0"/>
+              </a:spcBef>
+              <a:spcAft>
+                <a:spcPct val="0"/>
+              </a:spcAft>
+              <a:buClr>
+                <a:srgbClr val="000000"/>
+              </a:buClr>
+              <a:buSzPct val="100000"/>
+              <a:buFont typeface="Times New Roman" charset="0"/>
+              <a:tabLst>
+                <a:tab pos="428625" algn="l"/>
+                <a:tab pos="885825" algn="l"/>
+                <a:tab pos="1343025" algn="l"/>
+                <a:tab pos="1800225" algn="l"/>
+                <a:tab pos="2257425" algn="l"/>
+                <a:tab pos="2714625" algn="l"/>
+                <a:tab pos="3171825" algn="l"/>
+                <a:tab pos="3629025" algn="l"/>
+                <a:tab pos="4086225" algn="l"/>
+                <a:tab pos="4543425" algn="l"/>
+                <a:tab pos="5000625" algn="l"/>
+                <a:tab pos="5457825" algn="l"/>
+                <a:tab pos="5915025" algn="l"/>
+                <a:tab pos="6372225" algn="l"/>
+                <a:tab pos="6829425" algn="l"/>
+                <a:tab pos="7286625" algn="l"/>
+                <a:tab pos="7743825" algn="l"/>
+                <a:tab pos="8201025" algn="l"/>
+                <a:tab pos="8658225" algn="l"/>
+                <a:tab pos="9115425" algn="l"/>
+                <a:tab pos="9572625" algn="l"/>
+              </a:tabLst>
+              <a:defRPr sz="2400">
+                <a:solidFill>
+                  <a:srgbClr val="000000"/>
+                </a:solidFill>
+                <a:latin typeface="Arial" charset="0"/>
+                <a:ea typeface="ＭＳ Ｐゴシック" charset="0"/>
+                <a:cs typeface="DejaVu Sans" charset="0"/>
+              </a:defRPr>
+            </a:lvl8pPr>
+            <a:lvl9pPr marL="3886200" indent="-228600" fontAlgn="base" hangingPunct="0">
+              <a:lnSpc>
+                <a:spcPct val="96000"/>
+              </a:lnSpc>
+              <a:spcBef>
+                <a:spcPct val="0"/>
+              </a:spcBef>
+              <a:spcAft>
+                <a:spcPct val="0"/>
+              </a:spcAft>
+              <a:buClr>
+                <a:srgbClr val="000000"/>
+              </a:buClr>
+              <a:buSzPct val="100000"/>
+              <a:buFont typeface="Times New Roman" charset="0"/>
+              <a:tabLst>
+                <a:tab pos="428625" algn="l"/>
+                <a:tab pos="885825" algn="l"/>
+                <a:tab pos="1343025" algn="l"/>
+                <a:tab pos="1800225" algn="l"/>
+                <a:tab pos="2257425" algn="l"/>
+                <a:tab pos="2714625" algn="l"/>
+                <a:tab pos="3171825" algn="l"/>
+                <a:tab pos="3629025" algn="l"/>
+                <a:tab pos="4086225" algn="l"/>
+                <a:tab pos="4543425" algn="l"/>
+                <a:tab pos="5000625" algn="l"/>
+                <a:tab pos="5457825" algn="l"/>
+                <a:tab pos="5915025" algn="l"/>
+                <a:tab pos="6372225" algn="l"/>
+                <a:tab pos="6829425" algn="l"/>
+                <a:tab pos="7286625" algn="l"/>
+                <a:tab pos="7743825" algn="l"/>
+                <a:tab pos="8201025" algn="l"/>
+                <a:tab pos="8658225" algn="l"/>
+                <a:tab pos="9115425" algn="l"/>
+                <a:tab pos="9572625" algn="l"/>
+              </a:tabLst>
+              <a:defRPr sz="2400">
+                <a:solidFill>
+                  <a:srgbClr val="000000"/>
+                </a:solidFill>
+                <a:latin typeface="Arial" charset="0"/>
+                <a:ea typeface="ＭＳ Ｐゴシック" charset="0"/>
+                <a:cs typeface="DejaVu Sans" charset="0"/>
+              </a:defRPr>
+            </a:lvl9pPr>
+          </a:lstStyle>
+          <a:p>
+            <a:pPr>
+              <a:lnSpc>
+                <a:spcPct val="97000"/>
+              </a:lnSpc>
+              <a:spcAft>
+                <a:spcPts val="1413"/>
+              </a:spcAft>
+              <a:buClr>
+                <a:srgbClr val="FF6309"/>
+              </a:buClr>
+              <a:buSzPct val="45000"/>
+              <a:buFont typeface="Wingdings" charset="0"/>
+              <a:buChar char=""/>
+              <a:defRPr/>
+            </a:pPr>
+            <a:r>
+              <a:rPr lang="en-US" sz="2800" dirty="0">
+                <a:ea typeface="Arial" charset="0"/>
+                <a:cs typeface="Arial" charset="0"/>
+              </a:rPr>
+              <a:t>The first step to setting up an internal NTP structure is to install the NTP server software. </a:t>
+            </a:r>
+          </a:p>
+          <a:p>
+            <a:pPr>
+              <a:lnSpc>
+                <a:spcPct val="97000"/>
+              </a:lnSpc>
+              <a:spcAft>
+                <a:spcPts val="1413"/>
+              </a:spcAft>
+              <a:buClr>
+                <a:srgbClr val="FF6309"/>
+              </a:buClr>
+              <a:buSzPct val="45000"/>
+              <a:buFont typeface="Wingdings" charset="0"/>
+              <a:buChar char=""/>
+              <a:defRPr/>
+            </a:pPr>
+            <a:endParaRPr lang="en-US" sz="2800" dirty="0">
+              <a:ea typeface="Arial" charset="0"/>
+              <a:cs typeface="Arial" charset="0"/>
+            </a:endParaRPr>
+          </a:p>
+          <a:p>
+            <a:pPr>
+              <a:lnSpc>
+                <a:spcPct val="97000"/>
+              </a:lnSpc>
+              <a:spcAft>
+                <a:spcPts val="1413"/>
+              </a:spcAft>
+              <a:buClr>
+                <a:srgbClr val="FF6309"/>
+              </a:buClr>
+              <a:buSzPct val="45000"/>
+              <a:buFont typeface="Wingdings" charset="0"/>
+              <a:buChar char=""/>
+              <a:defRPr/>
+            </a:pPr>
+            <a:r>
+              <a:rPr lang="en-US" sz="2800" dirty="0">
+                <a:ea typeface="Arial" charset="0"/>
+                <a:cs typeface="Arial" charset="0"/>
+              </a:rPr>
+              <a:t>Check if the software is installed.</a:t>
+            </a:r>
+          </a:p>
+          <a:p>
+            <a:pPr>
+              <a:lnSpc>
+                <a:spcPct val="97000"/>
+              </a:lnSpc>
+              <a:spcAft>
+                <a:spcPts val="1413"/>
+              </a:spcAft>
+              <a:buClr>
+                <a:srgbClr val="FF6309"/>
+              </a:buClr>
+              <a:buSzPct val="45000"/>
+              <a:buFont typeface="Wingdings" charset="0"/>
+              <a:buChar char=""/>
+              <a:defRPr/>
+            </a:pPr>
+            <a:endParaRPr lang="en-US" sz="2800" dirty="0">
+              <a:ea typeface="Arial" charset="0"/>
+              <a:cs typeface="Arial" charset="0"/>
+            </a:endParaRPr>
+          </a:p>
+          <a:p>
+            <a:pPr>
+              <a:lnSpc>
+                <a:spcPct val="97000"/>
+              </a:lnSpc>
+              <a:spcAft>
+                <a:spcPts val="1413"/>
+              </a:spcAft>
+              <a:buClr>
+                <a:srgbClr val="FF6309"/>
+              </a:buClr>
+              <a:buSzPct val="45000"/>
+              <a:buFont typeface="Wingdings" charset="0"/>
+              <a:buChar char=""/>
+              <a:defRPr/>
+            </a:pPr>
+            <a:endParaRPr lang="en-US" sz="2800" dirty="0">
+              <a:ea typeface="Arial" charset="0"/>
+              <a:cs typeface="Arial" charset="0"/>
+            </a:endParaRPr>
+          </a:p>
+          <a:p>
+            <a:pPr>
+              <a:lnSpc>
+                <a:spcPct val="97000"/>
+              </a:lnSpc>
+              <a:spcAft>
+                <a:spcPts val="1413"/>
+              </a:spcAft>
+              <a:buClr>
+                <a:srgbClr val="FF6309"/>
+              </a:buClr>
+              <a:buSzPct val="45000"/>
+              <a:buFont typeface="Wingdings" charset="0"/>
+              <a:buChar char=""/>
+              <a:defRPr/>
+            </a:pPr>
+            <a:r>
+              <a:rPr lang="en-US" sz="2800" dirty="0">
+                <a:ea typeface="Arial" charset="0"/>
+                <a:cs typeface="Arial" charset="0"/>
+              </a:rPr>
+              <a:t>Update your system clock</a:t>
+            </a:r>
+          </a:p>
+        </p:txBody>
+      </p:sp>
+      <p:sp>
+        <p:nvSpPr>
+          <p:cNvPr id="2" name="TextBox 1"/>
+          <p:cNvSpPr txBox="1"/>
+          <p:nvPr/>
+        </p:nvSpPr>
+        <p:spPr>
+          <a:xfrm>
+            <a:off x="925512" y="2789237"/>
+            <a:ext cx="8613776" cy="446917"/>
+          </a:xfrm>
+          <a:prstGeom prst="rect">
+            <a:avLst/>
+          </a:prstGeom>
+          <a:solidFill>
+            <a:schemeClr val="bg2"/>
+          </a:solidFill>
+        </p:spPr>
+        <p:txBody>
+          <a:bodyPr wrap="square" rtlCol="0">
+            <a:spAutoFit/>
+          </a:bodyPr>
+          <a:lstStyle/>
+          <a:p>
+            <a:r>
+              <a:rPr lang="en-US" dirty="0">
+                <a:solidFill>
+                  <a:schemeClr val="tx1"/>
+                </a:solidFill>
+                <a:latin typeface="Courier" charset="0"/>
+                <a:ea typeface="Courier" charset="0"/>
+                <a:cs typeface="Courier" charset="0"/>
+              </a:rPr>
+              <a:t>$ </a:t>
+            </a:r>
+            <a:r>
+              <a:rPr lang="en-US" dirty="0" err="1">
+                <a:solidFill>
+                  <a:schemeClr val="tx1"/>
+                </a:solidFill>
+                <a:latin typeface="Courier" charset="0"/>
+                <a:ea typeface="Courier" charset="0"/>
+                <a:cs typeface="Courier" charset="0"/>
+              </a:rPr>
+              <a:t>sudo</a:t>
+            </a:r>
+            <a:r>
+              <a:rPr lang="en-US" dirty="0">
+                <a:solidFill>
+                  <a:schemeClr val="tx1"/>
+                </a:solidFill>
+                <a:latin typeface="Courier" charset="0"/>
+                <a:ea typeface="Courier" charset="0"/>
+                <a:cs typeface="Courier" charset="0"/>
+              </a:rPr>
+              <a:t> apt-get install </a:t>
+            </a:r>
+            <a:r>
+              <a:rPr lang="en-US" dirty="0" err="1">
+                <a:solidFill>
+                  <a:schemeClr val="tx1"/>
+                </a:solidFill>
+                <a:latin typeface="Courier" charset="0"/>
+                <a:ea typeface="Courier" charset="0"/>
+                <a:cs typeface="Courier" charset="0"/>
+              </a:rPr>
+              <a:t>ntp</a:t>
+            </a:r>
+            <a:r>
+              <a:rPr lang="en-US" dirty="0">
+                <a:solidFill>
+                  <a:schemeClr val="tx1"/>
+                </a:solidFill>
+                <a:latin typeface="Courier" charset="0"/>
+                <a:ea typeface="Courier" charset="0"/>
+                <a:cs typeface="Courier" charset="0"/>
+              </a:rPr>
+              <a:t> </a:t>
+            </a:r>
+            <a:r>
+              <a:rPr lang="en-US" dirty="0" err="1">
+                <a:solidFill>
+                  <a:schemeClr val="tx1"/>
+                </a:solidFill>
+                <a:latin typeface="Courier" charset="0"/>
+                <a:ea typeface="Courier" charset="0"/>
+                <a:cs typeface="Courier" charset="0"/>
+              </a:rPr>
+              <a:t>ntpdate</a:t>
+            </a:r>
+            <a:endParaRPr lang="en-US" dirty="0">
+              <a:solidFill>
+                <a:schemeClr val="tx1"/>
+              </a:solidFill>
+              <a:latin typeface="Courier" charset="0"/>
+              <a:ea typeface="Courier" charset="0"/>
+              <a:cs typeface="Courier" charset="0"/>
+            </a:endParaRPr>
+          </a:p>
+        </p:txBody>
+      </p:sp>
+      <p:sp>
+        <p:nvSpPr>
+          <p:cNvPr id="5" name="TextBox 4"/>
+          <p:cNvSpPr txBox="1"/>
+          <p:nvPr/>
+        </p:nvSpPr>
+        <p:spPr>
+          <a:xfrm>
+            <a:off x="925512" y="3856037"/>
+            <a:ext cx="8613776" cy="446917"/>
+          </a:xfrm>
+          <a:prstGeom prst="rect">
+            <a:avLst/>
+          </a:prstGeom>
+          <a:solidFill>
+            <a:schemeClr val="bg2"/>
+          </a:solidFill>
+        </p:spPr>
+        <p:txBody>
+          <a:bodyPr wrap="square" rtlCol="0">
+            <a:spAutoFit/>
+          </a:bodyPr>
+          <a:lstStyle/>
+          <a:p>
+            <a:r>
+              <a:rPr lang="en-US" dirty="0">
+                <a:solidFill>
+                  <a:schemeClr val="tx1"/>
+                </a:solidFill>
+                <a:latin typeface="Courier" charset="0"/>
+                <a:ea typeface="Courier" charset="0"/>
+                <a:cs typeface="Courier" charset="0"/>
+              </a:rPr>
+              <a:t>$ </a:t>
+            </a:r>
+            <a:r>
+              <a:rPr lang="en-US" dirty="0" err="1">
+                <a:solidFill>
+                  <a:schemeClr val="tx1"/>
+                </a:solidFill>
+                <a:latin typeface="Courier" charset="0"/>
+                <a:ea typeface="Courier" charset="0"/>
+                <a:cs typeface="Courier" charset="0"/>
+              </a:rPr>
+              <a:t>sudo</a:t>
+            </a:r>
+            <a:r>
+              <a:rPr lang="en-US" dirty="0">
+                <a:solidFill>
+                  <a:schemeClr val="tx1"/>
+                </a:solidFill>
+                <a:latin typeface="Courier" charset="0"/>
+                <a:ea typeface="Courier" charset="0"/>
+                <a:cs typeface="Courier" charset="0"/>
+              </a:rPr>
+              <a:t> </a:t>
+            </a:r>
+            <a:r>
+              <a:rPr lang="en-US" dirty="0" err="1">
+                <a:solidFill>
+                  <a:schemeClr val="tx1"/>
+                </a:solidFill>
+                <a:latin typeface="Courier" charset="0"/>
+                <a:ea typeface="Courier" charset="0"/>
+                <a:cs typeface="Courier" charset="0"/>
+              </a:rPr>
+              <a:t>dpkg</a:t>
+            </a:r>
+            <a:r>
+              <a:rPr lang="en-US" dirty="0">
+                <a:solidFill>
+                  <a:schemeClr val="tx1"/>
+                </a:solidFill>
+                <a:latin typeface="Courier" charset="0"/>
+                <a:ea typeface="Courier" charset="0"/>
+                <a:cs typeface="Courier" charset="0"/>
+              </a:rPr>
+              <a:t> --get-selections </a:t>
+            </a:r>
+            <a:r>
+              <a:rPr lang="en-US" dirty="0" err="1">
+                <a:solidFill>
+                  <a:schemeClr val="tx1"/>
+                </a:solidFill>
+                <a:latin typeface="Courier" charset="0"/>
+                <a:ea typeface="Courier" charset="0"/>
+                <a:cs typeface="Courier" charset="0"/>
+              </a:rPr>
+              <a:t>ntp</a:t>
+            </a:r>
+            <a:endParaRPr lang="en-US" dirty="0">
+              <a:solidFill>
+                <a:schemeClr val="tx1"/>
+              </a:solidFill>
+              <a:latin typeface="Courier" charset="0"/>
+              <a:ea typeface="Courier" charset="0"/>
+              <a:cs typeface="Courier" charset="0"/>
+            </a:endParaRPr>
+          </a:p>
+        </p:txBody>
+      </p:sp>
+      <p:sp>
+        <p:nvSpPr>
+          <p:cNvPr id="6" name="TextBox 5"/>
+          <p:cNvSpPr txBox="1"/>
+          <p:nvPr/>
+        </p:nvSpPr>
+        <p:spPr>
+          <a:xfrm>
+            <a:off x="925512" y="4531554"/>
+            <a:ext cx="8613776" cy="446917"/>
+          </a:xfrm>
+          <a:prstGeom prst="rect">
+            <a:avLst/>
+          </a:prstGeom>
+          <a:solidFill>
+            <a:schemeClr val="bg2"/>
+          </a:solidFill>
+        </p:spPr>
+        <p:txBody>
+          <a:bodyPr wrap="square" rtlCol="0">
+            <a:spAutoFit/>
+          </a:bodyPr>
+          <a:lstStyle/>
+          <a:p>
+            <a:r>
+              <a:rPr lang="en-US" dirty="0">
+                <a:solidFill>
+                  <a:schemeClr val="tx1"/>
+                </a:solidFill>
+                <a:latin typeface="Courier" charset="0"/>
+                <a:ea typeface="Courier" charset="0"/>
+                <a:cs typeface="Courier" charset="0"/>
+              </a:rPr>
+              <a:t>$ </a:t>
+            </a:r>
+            <a:r>
+              <a:rPr lang="en-US" dirty="0" err="1">
+                <a:solidFill>
+                  <a:schemeClr val="tx1"/>
+                </a:solidFill>
+                <a:latin typeface="Courier" charset="0"/>
+                <a:ea typeface="Courier" charset="0"/>
+                <a:cs typeface="Courier" charset="0"/>
+              </a:rPr>
+              <a:t>sudo</a:t>
+            </a:r>
+            <a:r>
+              <a:rPr lang="en-US" dirty="0">
+                <a:solidFill>
+                  <a:schemeClr val="tx1"/>
+                </a:solidFill>
+                <a:latin typeface="Courier" charset="0"/>
+                <a:ea typeface="Courier" charset="0"/>
+                <a:cs typeface="Courier" charset="0"/>
+              </a:rPr>
+              <a:t> </a:t>
+            </a:r>
+            <a:r>
+              <a:rPr lang="en-US" dirty="0" err="1">
+                <a:solidFill>
+                  <a:schemeClr val="tx1"/>
+                </a:solidFill>
+                <a:latin typeface="Courier" charset="0"/>
+                <a:ea typeface="Courier" charset="0"/>
+                <a:cs typeface="Courier" charset="0"/>
+              </a:rPr>
+              <a:t>dpkg</a:t>
+            </a:r>
+            <a:r>
+              <a:rPr lang="en-US" dirty="0">
+                <a:solidFill>
+                  <a:schemeClr val="tx1"/>
+                </a:solidFill>
+                <a:latin typeface="Courier" charset="0"/>
+                <a:ea typeface="Courier" charset="0"/>
+                <a:cs typeface="Courier" charset="0"/>
+              </a:rPr>
+              <a:t> -s </a:t>
+            </a:r>
+            <a:r>
+              <a:rPr lang="en-US" dirty="0" err="1">
+                <a:solidFill>
+                  <a:schemeClr val="tx1"/>
+                </a:solidFill>
+                <a:latin typeface="Courier" charset="0"/>
+                <a:ea typeface="Courier" charset="0"/>
+                <a:cs typeface="Courier" charset="0"/>
+              </a:rPr>
+              <a:t>ntp</a:t>
+            </a:r>
+            <a:endParaRPr lang="en-US" dirty="0">
+              <a:solidFill>
+                <a:schemeClr val="tx1"/>
+              </a:solidFill>
+              <a:latin typeface="Courier" charset="0"/>
+              <a:ea typeface="Courier" charset="0"/>
+              <a:cs typeface="Courier" charset="0"/>
+            </a:endParaRPr>
+          </a:p>
+        </p:txBody>
+      </p:sp>
+      <p:sp>
+        <p:nvSpPr>
+          <p:cNvPr id="7" name="TextBox 6"/>
+          <p:cNvSpPr txBox="1"/>
+          <p:nvPr/>
+        </p:nvSpPr>
+        <p:spPr>
+          <a:xfrm>
+            <a:off x="925512" y="5643977"/>
+            <a:ext cx="8613776" cy="446917"/>
+          </a:xfrm>
+          <a:prstGeom prst="rect">
+            <a:avLst/>
+          </a:prstGeom>
+          <a:solidFill>
+            <a:schemeClr val="bg2"/>
+          </a:solidFill>
+        </p:spPr>
+        <p:txBody>
+          <a:bodyPr wrap="square" rtlCol="0">
+            <a:spAutoFit/>
+          </a:bodyPr>
+          <a:lstStyle/>
+          <a:p>
+            <a:r>
+              <a:rPr lang="en-US" dirty="0">
+                <a:solidFill>
+                  <a:schemeClr val="tx1"/>
+                </a:solidFill>
+                <a:latin typeface="Courier" charset="0"/>
+                <a:ea typeface="Courier" charset="0"/>
+                <a:cs typeface="Courier" charset="0"/>
+              </a:rPr>
+              <a:t>$ </a:t>
+            </a:r>
+            <a:r>
+              <a:rPr lang="en-US" dirty="0" err="1">
+                <a:solidFill>
+                  <a:schemeClr val="tx1"/>
+                </a:solidFill>
+                <a:latin typeface="Courier" charset="0"/>
+                <a:ea typeface="Courier" charset="0"/>
+                <a:cs typeface="Courier" charset="0"/>
+              </a:rPr>
+              <a:t>sudo</a:t>
+            </a:r>
+            <a:r>
+              <a:rPr lang="en-US" dirty="0">
+                <a:solidFill>
+                  <a:schemeClr val="tx1"/>
+                </a:solidFill>
+                <a:latin typeface="Courier" charset="0"/>
+                <a:ea typeface="Courier" charset="0"/>
+                <a:cs typeface="Courier" charset="0"/>
+              </a:rPr>
+              <a:t> </a:t>
+            </a:r>
+            <a:r>
+              <a:rPr lang="en-US" dirty="0" err="1">
+                <a:solidFill>
+                  <a:schemeClr val="tx1"/>
+                </a:solidFill>
+                <a:latin typeface="Courier" charset="0"/>
+                <a:ea typeface="Courier" charset="0"/>
+                <a:cs typeface="Courier" charset="0"/>
+              </a:rPr>
+              <a:t>ntpdate</a:t>
+            </a:r>
+            <a:r>
+              <a:rPr lang="en-US" dirty="0">
+                <a:solidFill>
+                  <a:schemeClr val="tx1"/>
+                </a:solidFill>
+                <a:latin typeface="Courier" charset="0"/>
+                <a:ea typeface="Courier" charset="0"/>
+                <a:cs typeface="Courier" charset="0"/>
+              </a:rPr>
+              <a:t> –u 0.pool.ntp.org</a:t>
+            </a:r>
+          </a:p>
+        </p:txBody>
+      </p:sp>
+    </p:spTree>
+  </p:cSld>
+  <p:clrMapOvr>
+    <a:masterClrMapping/>
+  </p:clrMapOvr>
+  <p:transition spd="med"/>
+  <p:timing>
+    <p:tnLst>
+      <p:par>
+        <p:cTn id="1" dur="indefinite" restart="never" nodeType="tmRoot">
+          <p:childTnLst>
+            <p:seq concurrent="1" nextAc="seek">
+              <p:cTn id="2" dur="0" nodeType="mainSeq"/>
+              <p:prevCondLst>
+                <p:cond evt="onPrev" delay="0">
+                  <p:tgtEl>
+                    <p:sldTgt/>
+                  </p:tgtEl>
+                </p:cond>
+              </p:prevCondLst>
+              <p:nextCondLst>
+                <p:cond evt="onNext" delay="0">
+                  <p:tgtEl>
+                    <p:sldTgt/>
+                  </p:tgtEl>
+                </p:cond>
+              </p:nextCondLst>
+            </p:seq>
+          </p:childTnLst>
+        </p:cTn>
+      </p:par>
+    </p:tnLst>
+  </p:timing>
+</p:sld>
+</file>
+
+<file path=ppt/slides/slide11.xml><?xml version="1.0" encoding="utf-8"?>
+<p:sld xmlns:a="http://schemas.openxmlformats.org/drawingml/2006/main" xmlns:r="http://schemas.openxmlformats.org/officeDocument/2006/relationships" xmlns:p="http://schemas.openxmlformats.org/presentationml/2006/main">
+  <p:cSld>
+    <p:bg>
+      <p:bgPr>
+        <a:blipFill dpi="0" rotWithShape="0">
+          <a:blip r:embed="rId3"/>
+          <a:srcRect/>
+          <a:tile tx="0" ty="0" sx="100000" sy="100000" flip="none" algn="tl"/>
+        </a:blipFill>
+        <a:effectLst/>
+      </p:bgPr>
+    </p:bg>
+    <p:spTree>
+      <p:nvGrpSpPr>
+        <p:cNvPr id="1" name=""/>
+        <p:cNvGrpSpPr/>
+        <p:nvPr/>
+      </p:nvGrpSpPr>
+      <p:grpSpPr>
+        <a:xfrm>
+          <a:off x="0" y="0"/>
+          <a:ext cx="0" cy="0"/>
+          <a:chOff x="0" y="0"/>
+          <a:chExt cx="0" cy="0"/>
+        </a:xfrm>
+      </p:grpSpPr>
+      <p:sp>
+        <p:nvSpPr>
+          <p:cNvPr id="11265" name="Text Box 1"/>
+          <p:cNvSpPr txBox="1">
+            <a:spLocks noChangeArrowheads="1"/>
+          </p:cNvSpPr>
+          <p:nvPr/>
+        </p:nvSpPr>
+        <p:spPr bwMode="auto">
+          <a:xfrm>
+            <a:off x="503238" y="0"/>
+            <a:ext cx="9070975" cy="1260475"/>
+          </a:xfrm>
+          <a:prstGeom prst="rect">
+            <a:avLst/>
+          </a:prstGeom>
+          <a:noFill/>
+          <a:ln>
+            <a:noFill/>
+          </a:ln>
+          <a:effectLst/>
+          <a:extLst>
+            <a:ext uri="{909E8E84-426E-40dd-AFC4-6F175D3DCCD1}">
+              <a14:hiddenFill xmlns:a14="http://schemas.microsoft.com/office/drawing/2010/main" xmlns="">
+                <a:solidFill>
+                  <a:srgbClr val="FFFFFF"/>
+                </a:solidFill>
+              </a14:hiddenFill>
+            </a:ext>
+            <a:ext uri="{91240B29-F687-4f45-9708-019B960494DF}">
+              <a14:hiddenLine xmlns:a14="http://schemas.microsoft.com/office/drawing/2010/main" xmlns="" w="9525" cap="flat">
+                <a:solidFill>
+                  <a:srgbClr val="3465A4"/>
+                </a:solidFill>
+                <a:round/>
+                <a:headEnd/>
+                <a:tailEnd/>
+              </a14:hiddenLine>
+            </a:ext>
+            <a:ext uri="{AF507438-7753-43e0-B8FC-AC1667EBCBE1}">
+              <a14:hiddenEffects xmlns:a14="http://schemas.microsoft.com/office/drawing/2010/main" xmlns="">
+                <a:effectLst>
+                  <a:outerShdw blurRad="63500" dist="38099" dir="2700000" algn="ctr" rotWithShape="0">
+                    <a:srgbClr val="000000">
+                      <a:alpha val="74998"/>
+                    </a:srgbClr>
+                  </a:outerShdw>
+                </a:effectLst>
+              </a14:hiddenEffects>
+            </a:ext>
+          </a:extLst>
+        </p:spPr>
+        <p:txBody>
+          <a:bodyPr lIns="0" tIns="0" rIns="0" bIns="0" anchor="ctr"/>
+          <a:lstStyle>
+            <a:lvl1pPr>
+              <a:tabLst>
+                <a:tab pos="0" algn="l"/>
+                <a:tab pos="457200" algn="l"/>
+                <a:tab pos="914400" algn="l"/>
+                <a:tab pos="1371600" algn="l"/>
+                <a:tab pos="1828800" algn="l"/>
+                <a:tab pos="2286000" algn="l"/>
+                <a:tab pos="2743200" algn="l"/>
+                <a:tab pos="3200400" algn="l"/>
+                <a:tab pos="3657600" algn="l"/>
+                <a:tab pos="4114800" algn="l"/>
+                <a:tab pos="4572000" algn="l"/>
+                <a:tab pos="5029200" algn="l"/>
+                <a:tab pos="5486400" algn="l"/>
+                <a:tab pos="5943600" algn="l"/>
+                <a:tab pos="6400800" algn="l"/>
+                <a:tab pos="6858000" algn="l"/>
+                <a:tab pos="7315200" algn="l"/>
+                <a:tab pos="7772400" algn="l"/>
+                <a:tab pos="8229600" algn="l"/>
+                <a:tab pos="8686800" algn="l"/>
+                <a:tab pos="9144000" algn="l"/>
+              </a:tabLst>
+              <a:defRPr sz="2400">
+                <a:solidFill>
+                  <a:srgbClr val="000000"/>
+                </a:solidFill>
+                <a:latin typeface="Arial" charset="0"/>
+                <a:ea typeface="ＭＳ Ｐゴシック" charset="0"/>
+                <a:cs typeface="DejaVu Sans" charset="0"/>
+              </a:defRPr>
+            </a:lvl1pPr>
+            <a:lvl2pPr>
+              <a:tabLst>
+                <a:tab pos="0" algn="l"/>
+                <a:tab pos="457200" algn="l"/>
+                <a:tab pos="914400" algn="l"/>
+                <a:tab pos="1371600" algn="l"/>
+                <a:tab pos="1828800" algn="l"/>
+                <a:tab pos="2286000" algn="l"/>
+                <a:tab pos="2743200" algn="l"/>
+                <a:tab pos="3200400" algn="l"/>
+                <a:tab pos="3657600" algn="l"/>
+                <a:tab pos="4114800" algn="l"/>
+                <a:tab pos="4572000" algn="l"/>
+                <a:tab pos="5029200" algn="l"/>
+                <a:tab pos="5486400" algn="l"/>
+                <a:tab pos="5943600" algn="l"/>
+                <a:tab pos="6400800" algn="l"/>
+                <a:tab pos="6858000" algn="l"/>
+                <a:tab pos="7315200" algn="l"/>
+                <a:tab pos="7772400" algn="l"/>
+                <a:tab pos="8229600" algn="l"/>
+                <a:tab pos="8686800" algn="l"/>
+                <a:tab pos="9144000" algn="l"/>
+              </a:tabLst>
+              <a:defRPr sz="2400">
+                <a:solidFill>
+                  <a:srgbClr val="000000"/>
+                </a:solidFill>
+                <a:latin typeface="Arial" charset="0"/>
+                <a:ea typeface="ＭＳ Ｐゴシック" charset="0"/>
+                <a:cs typeface="DejaVu Sans" charset="0"/>
+              </a:defRPr>
+            </a:lvl2pPr>
+            <a:lvl3pPr>
+              <a:tabLst>
+                <a:tab pos="0" algn="l"/>
+                <a:tab pos="457200" algn="l"/>
+                <a:tab pos="914400" algn="l"/>
+                <a:tab pos="1371600" algn="l"/>
+                <a:tab pos="1828800" algn="l"/>
+                <a:tab pos="2286000" algn="l"/>
+                <a:tab pos="2743200" algn="l"/>
+                <a:tab pos="3200400" algn="l"/>
+                <a:tab pos="3657600" algn="l"/>
+                <a:tab pos="4114800" algn="l"/>
+                <a:tab pos="4572000" algn="l"/>
+                <a:tab pos="5029200" algn="l"/>
+                <a:tab pos="5486400" algn="l"/>
+                <a:tab pos="5943600" algn="l"/>
+                <a:tab pos="6400800" algn="l"/>
+                <a:tab pos="6858000" algn="l"/>
+                <a:tab pos="7315200" algn="l"/>
+                <a:tab pos="7772400" algn="l"/>
+                <a:tab pos="8229600" algn="l"/>
+                <a:tab pos="8686800" algn="l"/>
+                <a:tab pos="9144000" algn="l"/>
+              </a:tabLst>
+              <a:defRPr sz="2400">
+                <a:solidFill>
+                  <a:srgbClr val="000000"/>
+                </a:solidFill>
+                <a:latin typeface="Arial" charset="0"/>
+                <a:ea typeface="ＭＳ Ｐゴシック" charset="0"/>
+                <a:cs typeface="DejaVu Sans" charset="0"/>
+              </a:defRPr>
+            </a:lvl3pPr>
+            <a:lvl4pPr>
+              <a:tabLst>
+                <a:tab pos="0" algn="l"/>
+                <a:tab pos="457200" algn="l"/>
+                <a:tab pos="914400" algn="l"/>
+                <a:tab pos="1371600" algn="l"/>
+                <a:tab pos="1828800" algn="l"/>
+                <a:tab pos="2286000" algn="l"/>
+                <a:tab pos="2743200" algn="l"/>
+                <a:tab pos="3200400" algn="l"/>
+                <a:tab pos="3657600" algn="l"/>
+                <a:tab pos="4114800" algn="l"/>
+                <a:tab pos="4572000" algn="l"/>
+                <a:tab pos="5029200" algn="l"/>
+                <a:tab pos="5486400" algn="l"/>
+                <a:tab pos="5943600" algn="l"/>
+                <a:tab pos="6400800" algn="l"/>
+                <a:tab pos="6858000" algn="l"/>
+                <a:tab pos="7315200" algn="l"/>
+                <a:tab pos="7772400" algn="l"/>
+                <a:tab pos="8229600" algn="l"/>
+                <a:tab pos="8686800" algn="l"/>
+                <a:tab pos="9144000" algn="l"/>
+              </a:tabLst>
+              <a:defRPr sz="2400">
+                <a:solidFill>
+                  <a:srgbClr val="000000"/>
+                </a:solidFill>
+                <a:latin typeface="Arial" charset="0"/>
+                <a:ea typeface="ＭＳ Ｐゴシック" charset="0"/>
+                <a:cs typeface="DejaVu Sans" charset="0"/>
+              </a:defRPr>
+            </a:lvl4pPr>
+            <a:lvl5pPr>
+              <a:tabLst>
+                <a:tab pos="0" algn="l"/>
+                <a:tab pos="457200" algn="l"/>
+                <a:tab pos="914400" algn="l"/>
+                <a:tab pos="1371600" algn="l"/>
+                <a:tab pos="1828800" algn="l"/>
+                <a:tab pos="2286000" algn="l"/>
+                <a:tab pos="2743200" algn="l"/>
+                <a:tab pos="3200400" algn="l"/>
+                <a:tab pos="3657600" algn="l"/>
+                <a:tab pos="4114800" algn="l"/>
+                <a:tab pos="4572000" algn="l"/>
+                <a:tab pos="5029200" algn="l"/>
+                <a:tab pos="5486400" algn="l"/>
+                <a:tab pos="5943600" algn="l"/>
+                <a:tab pos="6400800" algn="l"/>
+                <a:tab pos="6858000" algn="l"/>
+                <a:tab pos="7315200" algn="l"/>
+                <a:tab pos="7772400" algn="l"/>
+                <a:tab pos="8229600" algn="l"/>
+                <a:tab pos="8686800" algn="l"/>
+                <a:tab pos="9144000" algn="l"/>
+              </a:tabLst>
+              <a:defRPr sz="2400">
+                <a:solidFill>
+                  <a:srgbClr val="000000"/>
+                </a:solidFill>
+                <a:latin typeface="Arial" charset="0"/>
+                <a:ea typeface="ＭＳ Ｐゴシック" charset="0"/>
+                <a:cs typeface="DejaVu Sans" charset="0"/>
+              </a:defRPr>
+            </a:lvl5pPr>
+            <a:lvl6pPr marL="2514600" indent="-228600" fontAlgn="base" hangingPunct="0">
+              <a:lnSpc>
+                <a:spcPct val="96000"/>
+              </a:lnSpc>
+              <a:spcBef>
+                <a:spcPct val="0"/>
+              </a:spcBef>
+              <a:spcAft>
+                <a:spcPct val="0"/>
+              </a:spcAft>
+              <a:buClr>
+                <a:srgbClr val="000000"/>
+              </a:buClr>
+              <a:buSzPct val="100000"/>
+              <a:buFont typeface="Times New Roman" charset="0"/>
+              <a:tabLst>
+                <a:tab pos="0" algn="l"/>
+                <a:tab pos="457200" algn="l"/>
+                <a:tab pos="914400" algn="l"/>
+                <a:tab pos="1371600" algn="l"/>
+                <a:tab pos="1828800" algn="l"/>
+                <a:tab pos="2286000" algn="l"/>
+                <a:tab pos="2743200" algn="l"/>
+                <a:tab pos="3200400" algn="l"/>
+                <a:tab pos="3657600" algn="l"/>
+                <a:tab pos="4114800" algn="l"/>
+                <a:tab pos="4572000" algn="l"/>
+                <a:tab pos="5029200" algn="l"/>
+                <a:tab pos="5486400" algn="l"/>
+                <a:tab pos="5943600" algn="l"/>
+                <a:tab pos="6400800" algn="l"/>
+                <a:tab pos="6858000" algn="l"/>
+                <a:tab pos="7315200" algn="l"/>
+                <a:tab pos="7772400" algn="l"/>
+                <a:tab pos="8229600" algn="l"/>
+                <a:tab pos="8686800" algn="l"/>
+                <a:tab pos="9144000" algn="l"/>
+              </a:tabLst>
+              <a:defRPr sz="2400">
+                <a:solidFill>
+                  <a:srgbClr val="000000"/>
+                </a:solidFill>
+                <a:latin typeface="Arial" charset="0"/>
+                <a:ea typeface="ＭＳ Ｐゴシック" charset="0"/>
+                <a:cs typeface="DejaVu Sans" charset="0"/>
+              </a:defRPr>
+            </a:lvl6pPr>
+            <a:lvl7pPr marL="2971800" indent="-228600" fontAlgn="base" hangingPunct="0">
+              <a:lnSpc>
+                <a:spcPct val="96000"/>
+              </a:lnSpc>
+              <a:spcBef>
+                <a:spcPct val="0"/>
+              </a:spcBef>
+              <a:spcAft>
+                <a:spcPct val="0"/>
+              </a:spcAft>
+              <a:buClr>
+                <a:srgbClr val="000000"/>
+              </a:buClr>
+              <a:buSzPct val="100000"/>
+              <a:buFont typeface="Times New Roman" charset="0"/>
+              <a:tabLst>
+                <a:tab pos="0" algn="l"/>
+                <a:tab pos="457200" algn="l"/>
+                <a:tab pos="914400" algn="l"/>
+                <a:tab pos="1371600" algn="l"/>
+                <a:tab pos="1828800" algn="l"/>
+                <a:tab pos="2286000" algn="l"/>
+                <a:tab pos="2743200" algn="l"/>
+                <a:tab pos="3200400" algn="l"/>
+                <a:tab pos="3657600" algn="l"/>
+                <a:tab pos="4114800" algn="l"/>
+                <a:tab pos="4572000" algn="l"/>
+                <a:tab pos="5029200" algn="l"/>
+                <a:tab pos="5486400" algn="l"/>
+                <a:tab pos="5943600" algn="l"/>
+                <a:tab pos="6400800" algn="l"/>
+                <a:tab pos="6858000" algn="l"/>
+                <a:tab pos="7315200" algn="l"/>
+                <a:tab pos="7772400" algn="l"/>
+                <a:tab pos="8229600" algn="l"/>
+                <a:tab pos="8686800" algn="l"/>
+                <a:tab pos="9144000" algn="l"/>
+              </a:tabLst>
+              <a:defRPr sz="2400">
+                <a:solidFill>
+                  <a:srgbClr val="000000"/>
+                </a:solidFill>
+                <a:latin typeface="Arial" charset="0"/>
+                <a:ea typeface="ＭＳ Ｐゴシック" charset="0"/>
+                <a:cs typeface="DejaVu Sans" charset="0"/>
+              </a:defRPr>
+            </a:lvl7pPr>
+            <a:lvl8pPr marL="3429000" indent="-228600" fontAlgn="base" hangingPunct="0">
+              <a:lnSpc>
+                <a:spcPct val="96000"/>
+              </a:lnSpc>
+              <a:spcBef>
+                <a:spcPct val="0"/>
+              </a:spcBef>
+              <a:spcAft>
+                <a:spcPct val="0"/>
+              </a:spcAft>
+              <a:buClr>
+                <a:srgbClr val="000000"/>
+              </a:buClr>
+              <a:buSzPct val="100000"/>
+              <a:buFont typeface="Times New Roman" charset="0"/>
+              <a:tabLst>
+                <a:tab pos="0" algn="l"/>
+                <a:tab pos="457200" algn="l"/>
+                <a:tab pos="914400" algn="l"/>
+                <a:tab pos="1371600" algn="l"/>
+                <a:tab pos="1828800" algn="l"/>
+                <a:tab pos="2286000" algn="l"/>
+                <a:tab pos="2743200" algn="l"/>
+                <a:tab pos="3200400" algn="l"/>
+                <a:tab pos="3657600" algn="l"/>
+                <a:tab pos="4114800" algn="l"/>
+                <a:tab pos="4572000" algn="l"/>
+                <a:tab pos="5029200" algn="l"/>
+                <a:tab pos="5486400" algn="l"/>
+                <a:tab pos="5943600" algn="l"/>
+                <a:tab pos="6400800" algn="l"/>
+                <a:tab pos="6858000" algn="l"/>
+                <a:tab pos="7315200" algn="l"/>
+                <a:tab pos="7772400" algn="l"/>
+                <a:tab pos="8229600" algn="l"/>
+                <a:tab pos="8686800" algn="l"/>
+                <a:tab pos="9144000" algn="l"/>
+              </a:tabLst>
+              <a:defRPr sz="2400">
+                <a:solidFill>
+                  <a:srgbClr val="000000"/>
+                </a:solidFill>
+                <a:latin typeface="Arial" charset="0"/>
+                <a:ea typeface="ＭＳ Ｐゴシック" charset="0"/>
+                <a:cs typeface="DejaVu Sans" charset="0"/>
+              </a:defRPr>
+            </a:lvl8pPr>
+            <a:lvl9pPr marL="3886200" indent="-228600" fontAlgn="base" hangingPunct="0">
+              <a:lnSpc>
+                <a:spcPct val="96000"/>
+              </a:lnSpc>
+              <a:spcBef>
+                <a:spcPct val="0"/>
+              </a:spcBef>
+              <a:spcAft>
+                <a:spcPct val="0"/>
+              </a:spcAft>
+              <a:buClr>
+                <a:srgbClr val="000000"/>
+              </a:buClr>
+              <a:buSzPct val="100000"/>
+              <a:buFont typeface="Times New Roman" charset="0"/>
+              <a:tabLst>
+                <a:tab pos="0" algn="l"/>
+                <a:tab pos="457200" algn="l"/>
+                <a:tab pos="914400" algn="l"/>
+                <a:tab pos="1371600" algn="l"/>
+                <a:tab pos="1828800" algn="l"/>
+                <a:tab pos="2286000" algn="l"/>
+                <a:tab pos="2743200" algn="l"/>
+                <a:tab pos="3200400" algn="l"/>
+                <a:tab pos="3657600" algn="l"/>
+                <a:tab pos="4114800" algn="l"/>
+                <a:tab pos="4572000" algn="l"/>
+                <a:tab pos="5029200" algn="l"/>
+                <a:tab pos="5486400" algn="l"/>
+                <a:tab pos="5943600" algn="l"/>
+                <a:tab pos="6400800" algn="l"/>
+                <a:tab pos="6858000" algn="l"/>
+                <a:tab pos="7315200" algn="l"/>
+                <a:tab pos="7772400" algn="l"/>
+                <a:tab pos="8229600" algn="l"/>
+                <a:tab pos="8686800" algn="l"/>
+                <a:tab pos="9144000" algn="l"/>
+              </a:tabLst>
+              <a:defRPr sz="2400">
+                <a:solidFill>
+                  <a:srgbClr val="000000"/>
+                </a:solidFill>
+                <a:latin typeface="Arial" charset="0"/>
+                <a:ea typeface="ＭＳ Ｐゴシック" charset="0"/>
+                <a:cs typeface="DejaVu Sans" charset="0"/>
+              </a:defRPr>
+            </a:lvl9pPr>
+          </a:lstStyle>
+          <a:p>
+            <a:pPr>
+              <a:lnSpc>
+                <a:spcPct val="97000"/>
+              </a:lnSpc>
+              <a:buClrTx/>
+              <a:buSzPct val="45000"/>
+              <a:buFontTx/>
+              <a:buNone/>
+              <a:defRPr/>
+            </a:pPr>
+            <a:r>
+              <a:rPr lang="en-US" sz="4400" b="1" dirty="0">
+                <a:latin typeface="Trebuchet MS" charset="0"/>
+              </a:rPr>
+              <a:t>Step 2: NTP Server Configuration </a:t>
+            </a:r>
+          </a:p>
+        </p:txBody>
+      </p:sp>
+      <p:sp>
+        <p:nvSpPr>
+          <p:cNvPr id="11266" name="Text Box 2"/>
+          <p:cNvSpPr txBox="1">
+            <a:spLocks noChangeArrowheads="1"/>
+          </p:cNvSpPr>
+          <p:nvPr/>
+        </p:nvSpPr>
+        <p:spPr bwMode="auto">
+          <a:xfrm>
+            <a:off x="503238" y="1403350"/>
+            <a:ext cx="9070975" cy="5638800"/>
+          </a:xfrm>
+          <a:prstGeom prst="rect">
+            <a:avLst/>
+          </a:prstGeom>
+          <a:noFill/>
+          <a:ln>
+            <a:noFill/>
+          </a:ln>
+          <a:effectLst/>
+          <a:extLst>
+            <a:ext uri="{909E8E84-426E-40dd-AFC4-6F175D3DCCD1}">
+              <a14:hiddenFill xmlns:a14="http://schemas.microsoft.com/office/drawing/2010/main" xmlns="">
+                <a:solidFill>
+                  <a:srgbClr val="FFFFFF"/>
+                </a:solidFill>
+              </a14:hiddenFill>
+            </a:ext>
+            <a:ext uri="{91240B29-F687-4f45-9708-019B960494DF}">
+              <a14:hiddenLine xmlns:a14="http://schemas.microsoft.com/office/drawing/2010/main" xmlns="" w="9525" cap="flat">
+                <a:solidFill>
+                  <a:srgbClr val="3465A4"/>
+                </a:solidFill>
+                <a:round/>
+                <a:headEnd/>
+                <a:tailEnd/>
+              </a14:hiddenLine>
+            </a:ext>
+            <a:ext uri="{AF507438-7753-43e0-B8FC-AC1667EBCBE1}">
+              <a14:hiddenEffects xmlns:a14="http://schemas.microsoft.com/office/drawing/2010/main" xmlns="">
+                <a:effectLst>
+                  <a:outerShdw blurRad="63500" dist="38099" dir="2700000" algn="ctr" rotWithShape="0">
+                    <a:srgbClr val="000000">
+                      <a:alpha val="74998"/>
+                    </a:srgbClr>
+                  </a:outerShdw>
+                </a:effectLst>
+              </a14:hiddenEffects>
+            </a:ext>
+          </a:extLst>
+        </p:spPr>
+        <p:txBody>
+          <a:bodyPr lIns="0" tIns="0" rIns="0" bIns="0"/>
+          <a:lstStyle>
+            <a:lvl1pPr marL="428625" indent="-323850" eaLnBrk="0">
+              <a:tabLst>
+                <a:tab pos="428625" algn="l"/>
+                <a:tab pos="885825" algn="l"/>
+                <a:tab pos="1343025" algn="l"/>
+                <a:tab pos="1800225" algn="l"/>
+                <a:tab pos="2257425" algn="l"/>
+                <a:tab pos="2714625" algn="l"/>
+                <a:tab pos="3171825" algn="l"/>
+                <a:tab pos="3629025" algn="l"/>
+                <a:tab pos="4086225" algn="l"/>
+                <a:tab pos="4543425" algn="l"/>
+                <a:tab pos="5000625" algn="l"/>
+                <a:tab pos="5457825" algn="l"/>
+                <a:tab pos="5915025" algn="l"/>
+                <a:tab pos="6372225" algn="l"/>
+                <a:tab pos="6829425" algn="l"/>
+                <a:tab pos="7286625" algn="l"/>
+                <a:tab pos="7743825" algn="l"/>
+                <a:tab pos="8201025" algn="l"/>
+                <a:tab pos="8658225" algn="l"/>
+                <a:tab pos="9115425" algn="l"/>
+                <a:tab pos="9572625" algn="l"/>
+              </a:tabLst>
+              <a:defRPr sz="2400">
+                <a:solidFill>
+                  <a:schemeClr val="bg1"/>
+                </a:solidFill>
+                <a:latin typeface="Arial" charset="0"/>
+                <a:ea typeface="ＭＳ Ｐゴシック" charset="-128"/>
+              </a:defRPr>
+            </a:lvl1pPr>
+            <a:lvl2pPr eaLnBrk="0">
+              <a:tabLst>
+                <a:tab pos="428625" algn="l"/>
+                <a:tab pos="885825" algn="l"/>
+                <a:tab pos="1343025" algn="l"/>
+                <a:tab pos="1800225" algn="l"/>
+                <a:tab pos="2257425" algn="l"/>
+                <a:tab pos="2714625" algn="l"/>
+                <a:tab pos="3171825" algn="l"/>
+                <a:tab pos="3629025" algn="l"/>
+                <a:tab pos="4086225" algn="l"/>
+                <a:tab pos="4543425" algn="l"/>
+                <a:tab pos="5000625" algn="l"/>
+                <a:tab pos="5457825" algn="l"/>
+                <a:tab pos="5915025" algn="l"/>
+                <a:tab pos="6372225" algn="l"/>
+                <a:tab pos="6829425" algn="l"/>
+                <a:tab pos="7286625" algn="l"/>
+                <a:tab pos="7743825" algn="l"/>
+                <a:tab pos="8201025" algn="l"/>
+                <a:tab pos="8658225" algn="l"/>
+                <a:tab pos="9115425" algn="l"/>
+                <a:tab pos="9572625" algn="l"/>
+              </a:tabLst>
+              <a:defRPr sz="2400">
+                <a:solidFill>
+                  <a:schemeClr val="bg1"/>
+                </a:solidFill>
+                <a:latin typeface="Arial" charset="0"/>
+                <a:ea typeface="ＭＳ Ｐゴシック" charset="-128"/>
+              </a:defRPr>
+            </a:lvl2pPr>
+            <a:lvl3pPr eaLnBrk="0">
+              <a:tabLst>
+                <a:tab pos="428625" algn="l"/>
+                <a:tab pos="885825" algn="l"/>
+                <a:tab pos="1343025" algn="l"/>
+                <a:tab pos="1800225" algn="l"/>
+                <a:tab pos="2257425" algn="l"/>
+                <a:tab pos="2714625" algn="l"/>
+                <a:tab pos="3171825" algn="l"/>
+                <a:tab pos="3629025" algn="l"/>
+                <a:tab pos="4086225" algn="l"/>
+                <a:tab pos="4543425" algn="l"/>
+                <a:tab pos="5000625" algn="l"/>
+                <a:tab pos="5457825" algn="l"/>
+                <a:tab pos="5915025" algn="l"/>
+                <a:tab pos="6372225" algn="l"/>
+                <a:tab pos="6829425" algn="l"/>
+                <a:tab pos="7286625" algn="l"/>
+                <a:tab pos="7743825" algn="l"/>
+                <a:tab pos="8201025" algn="l"/>
+                <a:tab pos="8658225" algn="l"/>
+                <a:tab pos="9115425" algn="l"/>
+                <a:tab pos="9572625" algn="l"/>
+              </a:tabLst>
+              <a:defRPr sz="2400">
+                <a:solidFill>
+                  <a:schemeClr val="bg1"/>
+                </a:solidFill>
+                <a:latin typeface="Arial" charset="0"/>
+                <a:ea typeface="ＭＳ Ｐゴシック" charset="-128"/>
+              </a:defRPr>
+            </a:lvl3pPr>
+            <a:lvl4pPr eaLnBrk="0">
+              <a:tabLst>
+                <a:tab pos="428625" algn="l"/>
+                <a:tab pos="885825" algn="l"/>
+                <a:tab pos="1343025" algn="l"/>
+                <a:tab pos="1800225" algn="l"/>
+                <a:tab pos="2257425" algn="l"/>
+                <a:tab pos="2714625" algn="l"/>
+                <a:tab pos="3171825" algn="l"/>
+                <a:tab pos="3629025" algn="l"/>
+                <a:tab pos="4086225" algn="l"/>
+                <a:tab pos="4543425" algn="l"/>
+                <a:tab pos="5000625" algn="l"/>
+                <a:tab pos="5457825" algn="l"/>
+                <a:tab pos="5915025" algn="l"/>
+                <a:tab pos="6372225" algn="l"/>
+                <a:tab pos="6829425" algn="l"/>
+                <a:tab pos="7286625" algn="l"/>
+                <a:tab pos="7743825" algn="l"/>
+                <a:tab pos="8201025" algn="l"/>
+                <a:tab pos="8658225" algn="l"/>
+                <a:tab pos="9115425" algn="l"/>
+                <a:tab pos="9572625" algn="l"/>
+              </a:tabLst>
+              <a:defRPr sz="2400">
+                <a:solidFill>
+                  <a:schemeClr val="bg1"/>
+                </a:solidFill>
+                <a:latin typeface="Arial" charset="0"/>
+                <a:ea typeface="ＭＳ Ｐゴシック" charset="-128"/>
+              </a:defRPr>
+            </a:lvl4pPr>
+            <a:lvl5pPr eaLnBrk="0">
+              <a:tabLst>
+                <a:tab pos="428625" algn="l"/>
+                <a:tab pos="885825" algn="l"/>
+                <a:tab pos="1343025" algn="l"/>
+                <a:tab pos="1800225" algn="l"/>
+                <a:tab pos="2257425" algn="l"/>
+                <a:tab pos="2714625" algn="l"/>
+                <a:tab pos="3171825" algn="l"/>
+                <a:tab pos="3629025" algn="l"/>
+                <a:tab pos="4086225" algn="l"/>
+                <a:tab pos="4543425" algn="l"/>
+                <a:tab pos="5000625" algn="l"/>
+                <a:tab pos="5457825" algn="l"/>
+                <a:tab pos="5915025" algn="l"/>
+                <a:tab pos="6372225" algn="l"/>
+                <a:tab pos="6829425" algn="l"/>
+                <a:tab pos="7286625" algn="l"/>
+                <a:tab pos="7743825" algn="l"/>
+                <a:tab pos="8201025" algn="l"/>
+                <a:tab pos="8658225" algn="l"/>
+                <a:tab pos="9115425" algn="l"/>
+                <a:tab pos="9572625" algn="l"/>
+              </a:tabLst>
+              <a:defRPr sz="2400">
+                <a:solidFill>
+                  <a:schemeClr val="bg1"/>
+                </a:solidFill>
+                <a:latin typeface="Arial" charset="0"/>
+                <a:ea typeface="ＭＳ Ｐゴシック" charset="-128"/>
+              </a:defRPr>
+            </a:lvl5pPr>
+            <a:lvl6pPr marL="2514600" indent="-228600" defTabSz="457200" eaLnBrk="0" fontAlgn="base" hangingPunct="0">
+              <a:lnSpc>
+                <a:spcPct val="96000"/>
+              </a:lnSpc>
+              <a:spcBef>
+                <a:spcPct val="0"/>
+              </a:spcBef>
+              <a:spcAft>
+                <a:spcPct val="0"/>
+              </a:spcAft>
+              <a:buClr>
+                <a:srgbClr val="000000"/>
+              </a:buClr>
+              <a:buSzPct val="100000"/>
+              <a:buFont typeface="Times New Roman" charset="0"/>
+              <a:tabLst>
+                <a:tab pos="428625" algn="l"/>
+                <a:tab pos="885825" algn="l"/>
+                <a:tab pos="1343025" algn="l"/>
+                <a:tab pos="1800225" algn="l"/>
+                <a:tab pos="2257425" algn="l"/>
+                <a:tab pos="2714625" algn="l"/>
+                <a:tab pos="3171825" algn="l"/>
+                <a:tab pos="3629025" algn="l"/>
+                <a:tab pos="4086225" algn="l"/>
+                <a:tab pos="4543425" algn="l"/>
+                <a:tab pos="5000625" algn="l"/>
+                <a:tab pos="5457825" algn="l"/>
+                <a:tab pos="5915025" algn="l"/>
+                <a:tab pos="6372225" algn="l"/>
+                <a:tab pos="6829425" algn="l"/>
+                <a:tab pos="7286625" algn="l"/>
+                <a:tab pos="7743825" algn="l"/>
+                <a:tab pos="8201025" algn="l"/>
+                <a:tab pos="8658225" algn="l"/>
+                <a:tab pos="9115425" algn="l"/>
+                <a:tab pos="9572625" algn="l"/>
+              </a:tabLst>
+              <a:defRPr sz="2400">
+                <a:solidFill>
+                  <a:schemeClr val="bg1"/>
+                </a:solidFill>
+                <a:latin typeface="Arial" charset="0"/>
+                <a:ea typeface="ＭＳ Ｐゴシック" charset="-128"/>
+              </a:defRPr>
+            </a:lvl6pPr>
+            <a:lvl7pPr marL="2971800" indent="-228600" defTabSz="457200" eaLnBrk="0" fontAlgn="base" hangingPunct="0">
+              <a:lnSpc>
+                <a:spcPct val="96000"/>
+              </a:lnSpc>
+              <a:spcBef>
+                <a:spcPct val="0"/>
+              </a:spcBef>
+              <a:spcAft>
+                <a:spcPct val="0"/>
+              </a:spcAft>
+              <a:buClr>
+                <a:srgbClr val="000000"/>
+              </a:buClr>
+              <a:buSzPct val="100000"/>
+              <a:buFont typeface="Times New Roman" charset="0"/>
+              <a:tabLst>
+                <a:tab pos="428625" algn="l"/>
+                <a:tab pos="885825" algn="l"/>
+                <a:tab pos="1343025" algn="l"/>
+                <a:tab pos="1800225" algn="l"/>
+                <a:tab pos="2257425" algn="l"/>
+                <a:tab pos="2714625" algn="l"/>
+                <a:tab pos="3171825" algn="l"/>
+                <a:tab pos="3629025" algn="l"/>
+                <a:tab pos="4086225" algn="l"/>
+                <a:tab pos="4543425" algn="l"/>
+                <a:tab pos="5000625" algn="l"/>
+                <a:tab pos="5457825" algn="l"/>
+                <a:tab pos="5915025" algn="l"/>
+                <a:tab pos="6372225" algn="l"/>
+                <a:tab pos="6829425" algn="l"/>
+                <a:tab pos="7286625" algn="l"/>
+                <a:tab pos="7743825" algn="l"/>
+                <a:tab pos="8201025" algn="l"/>
+                <a:tab pos="8658225" algn="l"/>
+                <a:tab pos="9115425" algn="l"/>
+                <a:tab pos="9572625" algn="l"/>
+              </a:tabLst>
+              <a:defRPr sz="2400">
+                <a:solidFill>
+                  <a:schemeClr val="bg1"/>
+                </a:solidFill>
+                <a:latin typeface="Arial" charset="0"/>
+                <a:ea typeface="ＭＳ Ｐゴシック" charset="-128"/>
+              </a:defRPr>
+            </a:lvl7pPr>
+            <a:lvl8pPr marL="3429000" indent="-228600" defTabSz="457200" eaLnBrk="0" fontAlgn="base" hangingPunct="0">
+              <a:lnSpc>
+                <a:spcPct val="96000"/>
+              </a:lnSpc>
+              <a:spcBef>
+                <a:spcPct val="0"/>
+              </a:spcBef>
+              <a:spcAft>
+                <a:spcPct val="0"/>
+              </a:spcAft>
+              <a:buClr>
+                <a:srgbClr val="000000"/>
+              </a:buClr>
+              <a:buSzPct val="100000"/>
+              <a:buFont typeface="Times New Roman" charset="0"/>
+              <a:tabLst>
+                <a:tab pos="428625" algn="l"/>
+                <a:tab pos="885825" algn="l"/>
+                <a:tab pos="1343025" algn="l"/>
+                <a:tab pos="1800225" algn="l"/>
+                <a:tab pos="2257425" algn="l"/>
+                <a:tab pos="2714625" algn="l"/>
+                <a:tab pos="3171825" algn="l"/>
+                <a:tab pos="3629025" algn="l"/>
+                <a:tab pos="4086225" algn="l"/>
+                <a:tab pos="4543425" algn="l"/>
+                <a:tab pos="5000625" algn="l"/>
+                <a:tab pos="5457825" algn="l"/>
+                <a:tab pos="5915025" algn="l"/>
+                <a:tab pos="6372225" algn="l"/>
+                <a:tab pos="6829425" algn="l"/>
+                <a:tab pos="7286625" algn="l"/>
+                <a:tab pos="7743825" algn="l"/>
+                <a:tab pos="8201025" algn="l"/>
+                <a:tab pos="8658225" algn="l"/>
+                <a:tab pos="9115425" algn="l"/>
+                <a:tab pos="9572625" algn="l"/>
+              </a:tabLst>
+              <a:defRPr sz="2400">
+                <a:solidFill>
+                  <a:schemeClr val="bg1"/>
+                </a:solidFill>
+                <a:latin typeface="Arial" charset="0"/>
+                <a:ea typeface="ＭＳ Ｐゴシック" charset="-128"/>
+              </a:defRPr>
+            </a:lvl8pPr>
+            <a:lvl9pPr marL="3886200" indent="-228600" defTabSz="457200" eaLnBrk="0" fontAlgn="base" hangingPunct="0">
+              <a:lnSpc>
+                <a:spcPct val="96000"/>
+              </a:lnSpc>
+              <a:spcBef>
+                <a:spcPct val="0"/>
+              </a:spcBef>
+              <a:spcAft>
+                <a:spcPct val="0"/>
+              </a:spcAft>
+              <a:buClr>
+                <a:srgbClr val="000000"/>
+              </a:buClr>
+              <a:buSzPct val="100000"/>
+              <a:buFont typeface="Times New Roman" charset="0"/>
+              <a:tabLst>
+                <a:tab pos="428625" algn="l"/>
+                <a:tab pos="885825" algn="l"/>
+                <a:tab pos="1343025" algn="l"/>
+                <a:tab pos="1800225" algn="l"/>
+                <a:tab pos="2257425" algn="l"/>
+                <a:tab pos="2714625" algn="l"/>
+                <a:tab pos="3171825" algn="l"/>
+                <a:tab pos="3629025" algn="l"/>
+                <a:tab pos="4086225" algn="l"/>
+                <a:tab pos="4543425" algn="l"/>
+                <a:tab pos="5000625" algn="l"/>
+                <a:tab pos="5457825" algn="l"/>
+                <a:tab pos="5915025" algn="l"/>
+                <a:tab pos="6372225" algn="l"/>
+                <a:tab pos="6829425" algn="l"/>
+                <a:tab pos="7286625" algn="l"/>
+                <a:tab pos="7743825" algn="l"/>
+                <a:tab pos="8201025" algn="l"/>
+                <a:tab pos="8658225" algn="l"/>
+                <a:tab pos="9115425" algn="l"/>
+                <a:tab pos="9572625" algn="l"/>
+              </a:tabLst>
+              <a:defRPr sz="2400">
+                <a:solidFill>
+                  <a:schemeClr val="bg1"/>
+                </a:solidFill>
+                <a:latin typeface="Arial" charset="0"/>
+                <a:ea typeface="ＭＳ Ｐゴシック" charset="-128"/>
+              </a:defRPr>
+            </a:lvl9pPr>
+          </a:lstStyle>
+          <a:p>
+            <a:pPr eaLnBrk="1">
+              <a:lnSpc>
+                <a:spcPct val="77000"/>
+              </a:lnSpc>
+              <a:spcAft>
+                <a:spcPts val="1413"/>
+              </a:spcAft>
+              <a:buClr>
+                <a:srgbClr val="FF6309"/>
+              </a:buClr>
+              <a:buSzPct val="45000"/>
+              <a:buFont typeface="Wingdings" charset="2"/>
+              <a:buChar char=""/>
+            </a:pPr>
+            <a:r>
+              <a:rPr lang="en-US" altLang="x-none" sz="2800" dirty="0">
+                <a:solidFill>
+                  <a:srgbClr val="000000"/>
+                </a:solidFill>
+                <a:ea typeface="Arial" charset="0"/>
+                <a:cs typeface="Arial" charset="0"/>
+              </a:rPr>
+              <a:t>Once NTP is installed, we can now configure our NTP server to synchronize with higher stratum servers. </a:t>
+            </a:r>
+          </a:p>
+          <a:p>
+            <a:pPr eaLnBrk="1">
+              <a:lnSpc>
+                <a:spcPct val="77000"/>
+              </a:lnSpc>
+              <a:spcAft>
+                <a:spcPts val="1413"/>
+              </a:spcAft>
+              <a:buClr>
+                <a:srgbClr val="FF6309"/>
+              </a:buClr>
+              <a:buSzPct val="45000"/>
+              <a:buFont typeface="Wingdings" charset="2"/>
+              <a:buChar char=""/>
+            </a:pPr>
+            <a:r>
+              <a:rPr lang="en-US" altLang="x-none" sz="2800" dirty="0">
+                <a:solidFill>
+                  <a:srgbClr val="000000"/>
+                </a:solidFill>
+                <a:ea typeface="Arial" charset="0"/>
+                <a:cs typeface="Arial" charset="0"/>
+              </a:rPr>
+              <a:t>The configuration file for NTP is stored at </a:t>
+            </a:r>
+            <a:r>
+              <a:rPr lang="en-US" altLang="x-none" sz="2800" dirty="0">
+                <a:solidFill>
+                  <a:srgbClr val="000000"/>
+                </a:solidFill>
+                <a:latin typeface="Courier" charset="0"/>
+                <a:ea typeface="Courier" charset="0"/>
+                <a:cs typeface="Courier" charset="0"/>
+              </a:rPr>
+              <a:t>‘/</a:t>
+            </a:r>
+            <a:r>
+              <a:rPr lang="en-US" altLang="x-none" sz="2800" dirty="0" err="1">
+                <a:solidFill>
+                  <a:srgbClr val="000000"/>
+                </a:solidFill>
+                <a:latin typeface="Courier" charset="0"/>
+                <a:ea typeface="Courier" charset="0"/>
+                <a:cs typeface="Courier" charset="0"/>
+              </a:rPr>
+              <a:t>etc</a:t>
+            </a:r>
+            <a:r>
+              <a:rPr lang="en-US" altLang="x-none" sz="2800" dirty="0">
+                <a:solidFill>
+                  <a:srgbClr val="000000"/>
+                </a:solidFill>
+                <a:latin typeface="Courier" charset="0"/>
+                <a:ea typeface="Courier" charset="0"/>
+                <a:cs typeface="Courier" charset="0"/>
+              </a:rPr>
+              <a:t>/</a:t>
+            </a:r>
+            <a:r>
+              <a:rPr lang="en-US" altLang="x-none" sz="2800" dirty="0" err="1">
+                <a:solidFill>
+                  <a:srgbClr val="000000"/>
+                </a:solidFill>
+                <a:latin typeface="Courier" charset="0"/>
+                <a:ea typeface="Courier" charset="0"/>
+                <a:cs typeface="Courier" charset="0"/>
+              </a:rPr>
+              <a:t>ntp.conf</a:t>
+            </a:r>
+            <a:r>
+              <a:rPr lang="en-US" altLang="x-none" sz="2800" dirty="0">
+                <a:solidFill>
+                  <a:srgbClr val="000000"/>
+                </a:solidFill>
+                <a:ea typeface="Arial" charset="0"/>
+                <a:cs typeface="Arial" charset="0"/>
+              </a:rPr>
+              <a:t>’ and can be modified with any text editor.</a:t>
+            </a:r>
+          </a:p>
+          <a:p>
+            <a:pPr eaLnBrk="1">
+              <a:lnSpc>
+                <a:spcPct val="77000"/>
+              </a:lnSpc>
+              <a:spcAft>
+                <a:spcPts val="1413"/>
+              </a:spcAft>
+              <a:buClr>
+                <a:srgbClr val="FF6309"/>
+              </a:buClr>
+              <a:buSzPct val="45000"/>
+              <a:buFont typeface="Wingdings" charset="2"/>
+              <a:buChar char=""/>
+            </a:pPr>
+            <a:r>
+              <a:rPr lang="en-US" altLang="x-none" sz="2800" dirty="0">
+                <a:solidFill>
+                  <a:srgbClr val="000000"/>
+                </a:solidFill>
+                <a:ea typeface="Arial" charset="0"/>
+                <a:cs typeface="Arial" charset="0"/>
+              </a:rPr>
+              <a:t>To start the configuration process, the higher level servers need to be configured. You can use the:</a:t>
+            </a:r>
+          </a:p>
+          <a:p>
+            <a:pPr lvl="1" eaLnBrk="1">
+              <a:lnSpc>
+                <a:spcPct val="77000"/>
+              </a:lnSpc>
+              <a:spcAft>
+                <a:spcPts val="1413"/>
+              </a:spcAft>
+              <a:buClr>
+                <a:srgbClr val="FF6309"/>
+              </a:buClr>
+              <a:buSzPct val="45000"/>
+              <a:buFont typeface="Wingdings" charset="2"/>
+              <a:buChar char=""/>
+            </a:pPr>
+            <a:r>
+              <a:rPr lang="en-US" altLang="x-none" sz="2800" dirty="0" err="1">
+                <a:solidFill>
+                  <a:srgbClr val="000000"/>
+                </a:solidFill>
+                <a:ea typeface="Arial" charset="0"/>
+                <a:cs typeface="Arial" charset="0"/>
+              </a:rPr>
+              <a:t>Debian</a:t>
+            </a:r>
+            <a:r>
+              <a:rPr lang="en-US" altLang="x-none" sz="2800" dirty="0">
+                <a:solidFill>
+                  <a:srgbClr val="000000"/>
+                </a:solidFill>
+                <a:ea typeface="Arial" charset="0"/>
+                <a:cs typeface="Arial" charset="0"/>
+              </a:rPr>
+              <a:t> default NTP pool servers in the configuration file. </a:t>
+            </a:r>
+          </a:p>
+          <a:p>
+            <a:pPr lvl="1" eaLnBrk="1">
+              <a:lnSpc>
+                <a:spcPct val="77000"/>
+              </a:lnSpc>
+              <a:spcAft>
+                <a:spcPts val="1413"/>
+              </a:spcAft>
+              <a:buClr>
+                <a:srgbClr val="FF6309"/>
+              </a:buClr>
+              <a:buSzPct val="45000"/>
+              <a:buFont typeface="Wingdings" charset="2"/>
+              <a:buChar char=""/>
+            </a:pPr>
+            <a:r>
+              <a:rPr lang="en-US" altLang="x-none" sz="2800" dirty="0" err="1">
+                <a:solidFill>
+                  <a:srgbClr val="000000"/>
+                </a:solidFill>
+                <a:ea typeface="Arial" charset="0"/>
+                <a:cs typeface="Arial" charset="0"/>
+              </a:rPr>
+              <a:t>ntp.org</a:t>
+            </a:r>
+            <a:r>
+              <a:rPr lang="en-US" altLang="x-none" sz="2800" dirty="0">
+                <a:solidFill>
+                  <a:srgbClr val="000000"/>
+                </a:solidFill>
+                <a:ea typeface="Arial" charset="0"/>
+                <a:cs typeface="Arial" charset="0"/>
+              </a:rPr>
+              <a:t> pool servers</a:t>
+            </a:r>
+          </a:p>
+          <a:p>
+            <a:pPr lvl="1" eaLnBrk="1">
+              <a:lnSpc>
+                <a:spcPct val="77000"/>
+              </a:lnSpc>
+              <a:spcAft>
+                <a:spcPts val="1413"/>
+              </a:spcAft>
+              <a:buClr>
+                <a:srgbClr val="FF6309"/>
+              </a:buClr>
+              <a:buSzPct val="45000"/>
+              <a:buFont typeface="Wingdings" charset="2"/>
+              <a:buChar char=""/>
+            </a:pPr>
+            <a:r>
+              <a:rPr lang="en-US" altLang="x-none" sz="2800" dirty="0">
+                <a:solidFill>
+                  <a:srgbClr val="000000"/>
+                </a:solidFill>
+                <a:ea typeface="Arial" charset="0"/>
+                <a:cs typeface="Arial" charset="0"/>
+              </a:rPr>
+              <a:t>List of NTP servers from NIST to specify certain servers. </a:t>
+            </a:r>
+          </a:p>
+          <a:p>
+            <a:pPr lvl="1" eaLnBrk="1">
+              <a:lnSpc>
+                <a:spcPct val="77000"/>
+              </a:lnSpc>
+              <a:spcAft>
+                <a:spcPts val="1413"/>
+              </a:spcAft>
+              <a:buClr>
+                <a:srgbClr val="FF6309"/>
+              </a:buClr>
+              <a:buSzPct val="45000"/>
+              <a:buFont typeface="Wingdings" charset="2"/>
+              <a:buChar char=""/>
+            </a:pPr>
+            <a:r>
+              <a:rPr lang="en-US" altLang="x-none" sz="2800" dirty="0">
+                <a:solidFill>
+                  <a:srgbClr val="000000"/>
+                </a:solidFill>
+                <a:ea typeface="Arial" charset="0"/>
+                <a:cs typeface="Arial" charset="0"/>
+              </a:rPr>
+              <a:t>NIST’s servers in a round robin fashion (suggested method by NIST).</a:t>
+            </a:r>
+          </a:p>
+        </p:txBody>
+      </p:sp>
+    </p:spTree>
+  </p:cSld>
+  <p:clrMapOvr>
+    <a:masterClrMapping/>
+  </p:clrMapOvr>
+  <p:transition spd="med"/>
+  <p:timing>
+    <p:tnLst>
+      <p:par>
+        <p:cTn id="1" dur="indefinite" restart="never" nodeType="tmRoot">
+          <p:childTnLst>
+            <p:seq concurrent="1" nextAc="seek">
+              <p:cTn id="2" dur="0" nodeType="mainSeq"/>
+              <p:prevCondLst>
+                <p:cond evt="onPrev" delay="0">
+                  <p:tgtEl>
+                    <p:sldTgt/>
+                  </p:tgtEl>
+                </p:cond>
+              </p:prevCondLst>
+              <p:nextCondLst>
+                <p:cond evt="onNext" delay="0">
+                  <p:tgtEl>
+                    <p:sldTgt/>
+                  </p:tgtEl>
+                </p:cond>
+              </p:nextCondLst>
+            </p:seq>
+          </p:childTnLst>
+        </p:cTn>
+      </p:par>
+    </p:tnLst>
+  </p:timing>
+</p:sld>
+</file>
+
+<file path=ppt/slides/slide12.xml><?xml version="1.0" encoding="utf-8"?>
 <p:sld xmlns:a="http://schemas.openxmlformats.org/drawingml/2006/main" xmlns:r="http://schemas.openxmlformats.org/officeDocument/2006/relationships" xmlns:p="http://schemas.openxmlformats.org/presentationml/2006/main">
   <p:cSld>
     <p:bg>
@@ -17641,7 +20216,7 @@
 </p:sld>
 </file>
 
-<file path=ppt/slides/slide11.xml><?xml version="1.0" encoding="utf-8"?>
+<file path=ppt/slides/slide13.xml><?xml version="1.0" encoding="utf-8"?>
 <p:sld xmlns:a="http://schemas.openxmlformats.org/drawingml/2006/main" xmlns:r="http://schemas.openxmlformats.org/officeDocument/2006/relationships" xmlns:p="http://schemas.openxmlformats.org/presentationml/2006/main">
   <p:cSld>
     <p:bg>
@@ -18946,7 +21521,7 @@
 </p:sld>
 </file>
 
-<file path=ppt/slides/slide12.xml><?xml version="1.0" encoding="utf-8"?>
+<file path=ppt/slides/slide14.xml><?xml version="1.0" encoding="utf-8"?>
 <p:sld xmlns:a="http://schemas.openxmlformats.org/drawingml/2006/main" xmlns:r="http://schemas.openxmlformats.org/officeDocument/2006/relationships" xmlns:p="http://schemas.openxmlformats.org/presentationml/2006/main">
   <p:cSld>
     <p:bg>
@@ -20382,7 +22957,7 @@
 </p:sld>
 </file>
 
-<file path=ppt/slides/slide13.xml><?xml version="1.0" encoding="utf-8"?>
+<file path=ppt/slides/slide15.xml><?xml version="1.0" encoding="utf-8"?>
 <p:sld xmlns:a="http://schemas.openxmlformats.org/drawingml/2006/main" xmlns:r="http://schemas.openxmlformats.org/officeDocument/2006/relationships" xmlns:p="http://schemas.openxmlformats.org/presentationml/2006/main">
   <p:cSld>
     <p:bg>
@@ -21818,7 +24393,7 @@
 </p:sld>
 </file>
 
-<file path=ppt/slides/slide14.xml><?xml version="1.0" encoding="utf-8"?>
+<file path=ppt/slides/slide16.xml><?xml version="1.0" encoding="utf-8"?>
 <p:sld xmlns:a="http://schemas.openxmlformats.org/drawingml/2006/main" xmlns:r="http://schemas.openxmlformats.org/officeDocument/2006/relationships" xmlns:p="http://schemas.openxmlformats.org/presentationml/2006/main">
   <p:cSld>
     <p:bg>
@@ -22969,7 +25544,7 @@
 </p:sld>
 </file>
 
-<file path=ppt/slides/slide15.xml><?xml version="1.0" encoding="utf-8"?>
+<file path=ppt/slides/slide17.xml><?xml version="1.0" encoding="utf-8"?>
 <p:sld xmlns:a="http://schemas.openxmlformats.org/drawingml/2006/main" xmlns:r="http://schemas.openxmlformats.org/officeDocument/2006/relationships" xmlns:p="http://schemas.openxmlformats.org/presentationml/2006/main">
   <p:cSld>
     <p:bg>
@@ -24486,7 +27061,7 @@
 </p:sld>
 </file>
 
-<file path=ppt/slides/slide16.xml><?xml version="1.0" encoding="utf-8"?>
+<file path=ppt/slides/slide18.xml><?xml version="1.0" encoding="utf-8"?>
 <p:sld xmlns:a="http://schemas.openxmlformats.org/drawingml/2006/main" xmlns:r="http://schemas.openxmlformats.org/officeDocument/2006/relationships" xmlns:p="http://schemas.openxmlformats.org/presentationml/2006/main">
   <p:cSld>
     <p:bg>
@@ -25799,7 +28374,7 @@
 </p:sld>
 </file>
 
-<file path=ppt/slides/slide17.xml><?xml version="1.0" encoding="utf-8"?>
+<file path=ppt/slides/slide19.xml><?xml version="1.0" encoding="utf-8"?>
 <p:sld xmlns:a="http://schemas.openxmlformats.org/drawingml/2006/main" xmlns:r="http://schemas.openxmlformats.org/officeDocument/2006/relationships" xmlns:p="http://schemas.openxmlformats.org/presentationml/2006/main">
   <p:cSld>
     <p:bg>
@@ -35660,16 +38235,6 @@
 <file path=ppt/slides/slide8.xml><?xml version="1.0" encoding="utf-8"?>
 <p:sld xmlns:a="http://schemas.openxmlformats.org/drawingml/2006/main" xmlns:r="http://schemas.openxmlformats.org/officeDocument/2006/relationships" xmlns:p="http://schemas.openxmlformats.org/presentationml/2006/main">
   <p:cSld>
-    <p:bg>
-      <p:bgPr>
-        <a:blipFill dpi="0" rotWithShape="0">
-          <a:blip r:embed="rId3"/>
-          <a:srcRect/>
-          <a:tile tx="0" ty="0" sx="100000" sy="100000" flip="none" algn="tl"/>
-        </a:blipFill>
-        <a:effectLst/>
-      </p:bgPr>
-    </p:bg>
     <p:spTree>
       <p:nvGrpSpPr>
         <p:cNvPr id="1" name=""/>
@@ -35686,1413 +38251,130 @@
       </p:grpSpPr>
       <p:sp>
         <p:nvSpPr>
-          <p:cNvPr id="16385" name="Text Box 1"/>
-          <p:cNvSpPr txBox="1">
-            <a:spLocks noChangeArrowheads="1"/>
+          <p:cNvPr id="2" name="Title 1">
+            <a:extLst>
+              <a:ext uri="{FF2B5EF4-FFF2-40B4-BE49-F238E27FC236}">
+                <a16:creationId xmlns:a16="http://schemas.microsoft.com/office/drawing/2014/main" id="{0020C3EF-142F-0D49-A48C-44B9FAE56124}"/>
+              </a:ext>
+            </a:extLst>
+          </p:cNvPr>
+          <p:cNvSpPr>
+            <a:spLocks noGrp="1"/>
           </p:cNvSpPr>
-          <p:nvPr/>
+          <p:nvPr>
+            <p:ph type="title"/>
+          </p:nvPr>
         </p:nvSpPr>
-        <p:spPr bwMode="auto">
-          <a:xfrm>
-            <a:off x="468313" y="0"/>
-            <a:ext cx="9070975" cy="1260475"/>
-          </a:xfrm>
-          <a:prstGeom prst="rect">
-            <a:avLst/>
-          </a:prstGeom>
-          <a:noFill/>
-          <a:ln>
-            <a:noFill/>
-          </a:ln>
-          <a:effectLst/>
-          <a:extLst>
-            <a:ext uri="{909E8E84-426E-40dd-AFC4-6F175D3DCCD1}">
-              <a14:hiddenFill xmlns:a14="http://schemas.microsoft.com/office/drawing/2010/main" xmlns="">
-                <a:solidFill>
-                  <a:srgbClr val="FFFFFF"/>
-                </a:solidFill>
-              </a14:hiddenFill>
-            </a:ext>
-            <a:ext uri="{91240B29-F687-4f45-9708-019B960494DF}">
-              <a14:hiddenLine xmlns:a14="http://schemas.microsoft.com/office/drawing/2010/main" xmlns="" w="9525" cap="flat">
-                <a:solidFill>
-                  <a:srgbClr val="3465A4"/>
-                </a:solidFill>
-                <a:round/>
-                <a:headEnd/>
-                <a:tailEnd/>
-              </a14:hiddenLine>
-            </a:ext>
-            <a:ext uri="{AF507438-7753-43e0-B8FC-AC1667EBCBE1}">
-              <a14:hiddenEffects xmlns:a14="http://schemas.microsoft.com/office/drawing/2010/main" xmlns="">
-                <a:effectLst>
-                  <a:outerShdw blurRad="63500" dist="38099" dir="2700000" algn="ctr" rotWithShape="0">
-                    <a:srgbClr val="000000">
-                      <a:alpha val="74998"/>
-                    </a:srgbClr>
-                  </a:outerShdw>
-                </a:effectLst>
-              </a14:hiddenEffects>
-            </a:ext>
-          </a:extLst>
-        </p:spPr>
+        <p:spPr/>
         <p:txBody>
-          <a:bodyPr lIns="0" tIns="0" rIns="0" bIns="0" anchor="ctr"/>
-          <a:lstStyle>
-            <a:lvl1pPr>
-              <a:tabLst>
-                <a:tab pos="0" algn="l"/>
-                <a:tab pos="457200" algn="l"/>
-                <a:tab pos="914400" algn="l"/>
-                <a:tab pos="1371600" algn="l"/>
-                <a:tab pos="1828800" algn="l"/>
-                <a:tab pos="2286000" algn="l"/>
-                <a:tab pos="2743200" algn="l"/>
-                <a:tab pos="3200400" algn="l"/>
-                <a:tab pos="3657600" algn="l"/>
-                <a:tab pos="4114800" algn="l"/>
-                <a:tab pos="4572000" algn="l"/>
-                <a:tab pos="5029200" algn="l"/>
-                <a:tab pos="5486400" algn="l"/>
-                <a:tab pos="5943600" algn="l"/>
-                <a:tab pos="6400800" algn="l"/>
-                <a:tab pos="6858000" algn="l"/>
-                <a:tab pos="7315200" algn="l"/>
-                <a:tab pos="7772400" algn="l"/>
-                <a:tab pos="8229600" algn="l"/>
-                <a:tab pos="8686800" algn="l"/>
-                <a:tab pos="9144000" algn="l"/>
-              </a:tabLst>
-              <a:defRPr sz="2400">
-                <a:solidFill>
-                  <a:srgbClr val="000000"/>
-                </a:solidFill>
-                <a:latin typeface="Arial" charset="0"/>
-                <a:ea typeface="ＭＳ Ｐゴシック" charset="0"/>
-                <a:cs typeface="DejaVu Sans" charset="0"/>
-              </a:defRPr>
-            </a:lvl1pPr>
-            <a:lvl2pPr>
-              <a:tabLst>
-                <a:tab pos="0" algn="l"/>
-                <a:tab pos="457200" algn="l"/>
-                <a:tab pos="914400" algn="l"/>
-                <a:tab pos="1371600" algn="l"/>
-                <a:tab pos="1828800" algn="l"/>
-                <a:tab pos="2286000" algn="l"/>
-                <a:tab pos="2743200" algn="l"/>
-                <a:tab pos="3200400" algn="l"/>
-                <a:tab pos="3657600" algn="l"/>
-                <a:tab pos="4114800" algn="l"/>
-                <a:tab pos="4572000" algn="l"/>
-                <a:tab pos="5029200" algn="l"/>
-                <a:tab pos="5486400" algn="l"/>
-                <a:tab pos="5943600" algn="l"/>
-                <a:tab pos="6400800" algn="l"/>
-                <a:tab pos="6858000" algn="l"/>
-                <a:tab pos="7315200" algn="l"/>
-                <a:tab pos="7772400" algn="l"/>
-                <a:tab pos="8229600" algn="l"/>
-                <a:tab pos="8686800" algn="l"/>
-                <a:tab pos="9144000" algn="l"/>
-              </a:tabLst>
-              <a:defRPr sz="2400">
-                <a:solidFill>
-                  <a:srgbClr val="000000"/>
-                </a:solidFill>
-                <a:latin typeface="Arial" charset="0"/>
-                <a:ea typeface="ＭＳ Ｐゴシック" charset="0"/>
-                <a:cs typeface="DejaVu Sans" charset="0"/>
-              </a:defRPr>
-            </a:lvl2pPr>
-            <a:lvl3pPr>
-              <a:tabLst>
-                <a:tab pos="0" algn="l"/>
-                <a:tab pos="457200" algn="l"/>
-                <a:tab pos="914400" algn="l"/>
-                <a:tab pos="1371600" algn="l"/>
-                <a:tab pos="1828800" algn="l"/>
-                <a:tab pos="2286000" algn="l"/>
-                <a:tab pos="2743200" algn="l"/>
-                <a:tab pos="3200400" algn="l"/>
-                <a:tab pos="3657600" algn="l"/>
-                <a:tab pos="4114800" algn="l"/>
-                <a:tab pos="4572000" algn="l"/>
-                <a:tab pos="5029200" algn="l"/>
-                <a:tab pos="5486400" algn="l"/>
-                <a:tab pos="5943600" algn="l"/>
-                <a:tab pos="6400800" algn="l"/>
-                <a:tab pos="6858000" algn="l"/>
-                <a:tab pos="7315200" algn="l"/>
-                <a:tab pos="7772400" algn="l"/>
-                <a:tab pos="8229600" algn="l"/>
-                <a:tab pos="8686800" algn="l"/>
-                <a:tab pos="9144000" algn="l"/>
-              </a:tabLst>
-              <a:defRPr sz="2400">
-                <a:solidFill>
-                  <a:srgbClr val="000000"/>
-                </a:solidFill>
-                <a:latin typeface="Arial" charset="0"/>
-                <a:ea typeface="ＭＳ Ｐゴシック" charset="0"/>
-                <a:cs typeface="DejaVu Sans" charset="0"/>
-              </a:defRPr>
-            </a:lvl3pPr>
-            <a:lvl4pPr>
-              <a:tabLst>
-                <a:tab pos="0" algn="l"/>
-                <a:tab pos="457200" algn="l"/>
-                <a:tab pos="914400" algn="l"/>
-                <a:tab pos="1371600" algn="l"/>
-                <a:tab pos="1828800" algn="l"/>
-                <a:tab pos="2286000" algn="l"/>
-                <a:tab pos="2743200" algn="l"/>
-                <a:tab pos="3200400" algn="l"/>
-                <a:tab pos="3657600" algn="l"/>
-                <a:tab pos="4114800" algn="l"/>
-                <a:tab pos="4572000" algn="l"/>
-                <a:tab pos="5029200" algn="l"/>
-                <a:tab pos="5486400" algn="l"/>
-                <a:tab pos="5943600" algn="l"/>
-                <a:tab pos="6400800" algn="l"/>
-                <a:tab pos="6858000" algn="l"/>
-                <a:tab pos="7315200" algn="l"/>
-                <a:tab pos="7772400" algn="l"/>
-                <a:tab pos="8229600" algn="l"/>
-                <a:tab pos="8686800" algn="l"/>
-                <a:tab pos="9144000" algn="l"/>
-              </a:tabLst>
-              <a:defRPr sz="2400">
-                <a:solidFill>
-                  <a:srgbClr val="000000"/>
-                </a:solidFill>
-                <a:latin typeface="Arial" charset="0"/>
-                <a:ea typeface="ＭＳ Ｐゴシック" charset="0"/>
-                <a:cs typeface="DejaVu Sans" charset="0"/>
-              </a:defRPr>
-            </a:lvl4pPr>
-            <a:lvl5pPr>
-              <a:tabLst>
-                <a:tab pos="0" algn="l"/>
-                <a:tab pos="457200" algn="l"/>
-                <a:tab pos="914400" algn="l"/>
-                <a:tab pos="1371600" algn="l"/>
-                <a:tab pos="1828800" algn="l"/>
-                <a:tab pos="2286000" algn="l"/>
-                <a:tab pos="2743200" algn="l"/>
-                <a:tab pos="3200400" algn="l"/>
-                <a:tab pos="3657600" algn="l"/>
-                <a:tab pos="4114800" algn="l"/>
-                <a:tab pos="4572000" algn="l"/>
-                <a:tab pos="5029200" algn="l"/>
-                <a:tab pos="5486400" algn="l"/>
-                <a:tab pos="5943600" algn="l"/>
-                <a:tab pos="6400800" algn="l"/>
-                <a:tab pos="6858000" algn="l"/>
-                <a:tab pos="7315200" algn="l"/>
-                <a:tab pos="7772400" algn="l"/>
-                <a:tab pos="8229600" algn="l"/>
-                <a:tab pos="8686800" algn="l"/>
-                <a:tab pos="9144000" algn="l"/>
-              </a:tabLst>
-              <a:defRPr sz="2400">
-                <a:solidFill>
-                  <a:srgbClr val="000000"/>
-                </a:solidFill>
-                <a:latin typeface="Arial" charset="0"/>
-                <a:ea typeface="ＭＳ Ｐゴシック" charset="0"/>
-                <a:cs typeface="DejaVu Sans" charset="0"/>
-              </a:defRPr>
-            </a:lvl5pPr>
-            <a:lvl6pPr marL="2514600" indent="-228600" fontAlgn="base" hangingPunct="0">
-              <a:lnSpc>
-                <a:spcPct val="96000"/>
-              </a:lnSpc>
-              <a:spcBef>
-                <a:spcPct val="0"/>
-              </a:spcBef>
-              <a:spcAft>
-                <a:spcPct val="0"/>
-              </a:spcAft>
-              <a:buClr>
-                <a:srgbClr val="000000"/>
-              </a:buClr>
-              <a:buSzPct val="100000"/>
-              <a:buFont typeface="Times New Roman" charset="0"/>
-              <a:tabLst>
-                <a:tab pos="0" algn="l"/>
-                <a:tab pos="457200" algn="l"/>
-                <a:tab pos="914400" algn="l"/>
-                <a:tab pos="1371600" algn="l"/>
-                <a:tab pos="1828800" algn="l"/>
-                <a:tab pos="2286000" algn="l"/>
-                <a:tab pos="2743200" algn="l"/>
-                <a:tab pos="3200400" algn="l"/>
-                <a:tab pos="3657600" algn="l"/>
-                <a:tab pos="4114800" algn="l"/>
-                <a:tab pos="4572000" algn="l"/>
-                <a:tab pos="5029200" algn="l"/>
-                <a:tab pos="5486400" algn="l"/>
-                <a:tab pos="5943600" algn="l"/>
-                <a:tab pos="6400800" algn="l"/>
-                <a:tab pos="6858000" algn="l"/>
-                <a:tab pos="7315200" algn="l"/>
-                <a:tab pos="7772400" algn="l"/>
-                <a:tab pos="8229600" algn="l"/>
-                <a:tab pos="8686800" algn="l"/>
-                <a:tab pos="9144000" algn="l"/>
-              </a:tabLst>
-              <a:defRPr sz="2400">
-                <a:solidFill>
-                  <a:srgbClr val="000000"/>
-                </a:solidFill>
-                <a:latin typeface="Arial" charset="0"/>
-                <a:ea typeface="ＭＳ Ｐゴシック" charset="0"/>
-                <a:cs typeface="DejaVu Sans" charset="0"/>
-              </a:defRPr>
-            </a:lvl6pPr>
-            <a:lvl7pPr marL="2971800" indent="-228600" fontAlgn="base" hangingPunct="0">
-              <a:lnSpc>
-                <a:spcPct val="96000"/>
-              </a:lnSpc>
-              <a:spcBef>
-                <a:spcPct val="0"/>
-              </a:spcBef>
-              <a:spcAft>
-                <a:spcPct val="0"/>
-              </a:spcAft>
-              <a:buClr>
-                <a:srgbClr val="000000"/>
-              </a:buClr>
-              <a:buSzPct val="100000"/>
-              <a:buFont typeface="Times New Roman" charset="0"/>
-              <a:tabLst>
-                <a:tab pos="0" algn="l"/>
-                <a:tab pos="457200" algn="l"/>
-                <a:tab pos="914400" algn="l"/>
-                <a:tab pos="1371600" algn="l"/>
-                <a:tab pos="1828800" algn="l"/>
-                <a:tab pos="2286000" algn="l"/>
-                <a:tab pos="2743200" algn="l"/>
-                <a:tab pos="3200400" algn="l"/>
-                <a:tab pos="3657600" algn="l"/>
-                <a:tab pos="4114800" algn="l"/>
-                <a:tab pos="4572000" algn="l"/>
-                <a:tab pos="5029200" algn="l"/>
-                <a:tab pos="5486400" algn="l"/>
-                <a:tab pos="5943600" algn="l"/>
-                <a:tab pos="6400800" algn="l"/>
-                <a:tab pos="6858000" algn="l"/>
-                <a:tab pos="7315200" algn="l"/>
-                <a:tab pos="7772400" algn="l"/>
-                <a:tab pos="8229600" algn="l"/>
-                <a:tab pos="8686800" algn="l"/>
-                <a:tab pos="9144000" algn="l"/>
-              </a:tabLst>
-              <a:defRPr sz="2400">
-                <a:solidFill>
-                  <a:srgbClr val="000000"/>
-                </a:solidFill>
-                <a:latin typeface="Arial" charset="0"/>
-                <a:ea typeface="ＭＳ Ｐゴシック" charset="0"/>
-                <a:cs typeface="DejaVu Sans" charset="0"/>
-              </a:defRPr>
-            </a:lvl7pPr>
-            <a:lvl8pPr marL="3429000" indent="-228600" fontAlgn="base" hangingPunct="0">
-              <a:lnSpc>
-                <a:spcPct val="96000"/>
-              </a:lnSpc>
-              <a:spcBef>
-                <a:spcPct val="0"/>
-              </a:spcBef>
-              <a:spcAft>
-                <a:spcPct val="0"/>
-              </a:spcAft>
-              <a:buClr>
-                <a:srgbClr val="000000"/>
-              </a:buClr>
-              <a:buSzPct val="100000"/>
-              <a:buFont typeface="Times New Roman" charset="0"/>
-              <a:tabLst>
-                <a:tab pos="0" algn="l"/>
-                <a:tab pos="457200" algn="l"/>
-                <a:tab pos="914400" algn="l"/>
-                <a:tab pos="1371600" algn="l"/>
-                <a:tab pos="1828800" algn="l"/>
-                <a:tab pos="2286000" algn="l"/>
-                <a:tab pos="2743200" algn="l"/>
-                <a:tab pos="3200400" algn="l"/>
-                <a:tab pos="3657600" algn="l"/>
-                <a:tab pos="4114800" algn="l"/>
-                <a:tab pos="4572000" algn="l"/>
-                <a:tab pos="5029200" algn="l"/>
-                <a:tab pos="5486400" algn="l"/>
-                <a:tab pos="5943600" algn="l"/>
-                <a:tab pos="6400800" algn="l"/>
-                <a:tab pos="6858000" algn="l"/>
-                <a:tab pos="7315200" algn="l"/>
-                <a:tab pos="7772400" algn="l"/>
-                <a:tab pos="8229600" algn="l"/>
-                <a:tab pos="8686800" algn="l"/>
-                <a:tab pos="9144000" algn="l"/>
-              </a:tabLst>
-              <a:defRPr sz="2400">
-                <a:solidFill>
-                  <a:srgbClr val="000000"/>
-                </a:solidFill>
-                <a:latin typeface="Arial" charset="0"/>
-                <a:ea typeface="ＭＳ Ｐゴシック" charset="0"/>
-                <a:cs typeface="DejaVu Sans" charset="0"/>
-              </a:defRPr>
-            </a:lvl8pPr>
-            <a:lvl9pPr marL="3886200" indent="-228600" fontAlgn="base" hangingPunct="0">
-              <a:lnSpc>
-                <a:spcPct val="96000"/>
-              </a:lnSpc>
-              <a:spcBef>
-                <a:spcPct val="0"/>
-              </a:spcBef>
-              <a:spcAft>
-                <a:spcPct val="0"/>
-              </a:spcAft>
-              <a:buClr>
-                <a:srgbClr val="000000"/>
-              </a:buClr>
-              <a:buSzPct val="100000"/>
-              <a:buFont typeface="Times New Roman" charset="0"/>
-              <a:tabLst>
-                <a:tab pos="0" algn="l"/>
-                <a:tab pos="457200" algn="l"/>
-                <a:tab pos="914400" algn="l"/>
-                <a:tab pos="1371600" algn="l"/>
-                <a:tab pos="1828800" algn="l"/>
-                <a:tab pos="2286000" algn="l"/>
-                <a:tab pos="2743200" algn="l"/>
-                <a:tab pos="3200400" algn="l"/>
-                <a:tab pos="3657600" algn="l"/>
-                <a:tab pos="4114800" algn="l"/>
-                <a:tab pos="4572000" algn="l"/>
-                <a:tab pos="5029200" algn="l"/>
-                <a:tab pos="5486400" algn="l"/>
-                <a:tab pos="5943600" algn="l"/>
-                <a:tab pos="6400800" algn="l"/>
-                <a:tab pos="6858000" algn="l"/>
-                <a:tab pos="7315200" algn="l"/>
-                <a:tab pos="7772400" algn="l"/>
-                <a:tab pos="8229600" algn="l"/>
-                <a:tab pos="8686800" algn="l"/>
-                <a:tab pos="9144000" algn="l"/>
-              </a:tabLst>
-              <a:defRPr sz="2400">
-                <a:solidFill>
-                  <a:srgbClr val="000000"/>
-                </a:solidFill>
-                <a:latin typeface="Arial" charset="0"/>
-                <a:ea typeface="ＭＳ Ｐゴシック" charset="0"/>
-                <a:cs typeface="DejaVu Sans" charset="0"/>
-              </a:defRPr>
-            </a:lvl9pPr>
-          </a:lstStyle>
+          <a:bodyPr/>
+          <a:lstStyle/>
           <a:p>
-            <a:pPr>
-              <a:lnSpc>
-                <a:spcPct val="97000"/>
-              </a:lnSpc>
-              <a:buClrTx/>
-              <a:buSzPct val="45000"/>
-              <a:buFontTx/>
-              <a:buNone/>
-              <a:defRPr/>
-            </a:pPr>
-            <a:r>
-              <a:rPr lang="en-US" sz="4400" b="1" dirty="0">
-                <a:latin typeface="Trebuchet MS" charset="0"/>
-              </a:rPr>
-              <a:t>Step 1: Installation of NTP Server</a:t>
+            <a:r>
+              <a:rPr lang="en-US" dirty="0"/>
+              <a:t>Stratum 0 time Sources</a:t>
             </a:r>
           </a:p>
         </p:txBody>
       </p:sp>
       <p:sp>
         <p:nvSpPr>
-          <p:cNvPr id="16386" name="Text Box 2"/>
-          <p:cNvSpPr txBox="1">
-            <a:spLocks noChangeArrowheads="1"/>
+          <p:cNvPr id="3" name="Content Placeholder 2">
+            <a:extLst>
+              <a:ext uri="{FF2B5EF4-FFF2-40B4-BE49-F238E27FC236}">
+                <a16:creationId xmlns:a16="http://schemas.microsoft.com/office/drawing/2014/main" id="{01FDC1A9-AB09-344E-B98A-54DDBD21B7E8}"/>
+              </a:ext>
+            </a:extLst>
+          </p:cNvPr>
+          <p:cNvSpPr>
+            <a:spLocks noGrp="1"/>
           </p:cNvSpPr>
-          <p:nvPr/>
+          <p:nvPr>
+            <p:ph idx="1"/>
+          </p:nvPr>
         </p:nvSpPr>
-        <p:spPr bwMode="auto">
-          <a:xfrm>
-            <a:off x="503238" y="1768475"/>
-            <a:ext cx="9070975" cy="4987925"/>
-          </a:xfrm>
-          <a:prstGeom prst="rect">
-            <a:avLst/>
-          </a:prstGeom>
-          <a:noFill/>
-          <a:ln>
-            <a:noFill/>
-          </a:ln>
-          <a:effectLst/>
-          <a:extLst>
-            <a:ext uri="{909E8E84-426E-40dd-AFC4-6F175D3DCCD1}">
-              <a14:hiddenFill xmlns:a14="http://schemas.microsoft.com/office/drawing/2010/main" xmlns="">
-                <a:solidFill>
-                  <a:srgbClr val="FFFFFF"/>
-                </a:solidFill>
-              </a14:hiddenFill>
-            </a:ext>
-            <a:ext uri="{91240B29-F687-4f45-9708-019B960494DF}">
-              <a14:hiddenLine xmlns:a14="http://schemas.microsoft.com/office/drawing/2010/main" xmlns="" w="9525" cap="flat">
-                <a:solidFill>
-                  <a:srgbClr val="3465A4"/>
-                </a:solidFill>
-                <a:round/>
-                <a:headEnd/>
-                <a:tailEnd/>
-              </a14:hiddenLine>
-            </a:ext>
-            <a:ext uri="{AF507438-7753-43e0-B8FC-AC1667EBCBE1}">
-              <a14:hiddenEffects xmlns:a14="http://schemas.microsoft.com/office/drawing/2010/main" xmlns="">
-                <a:effectLst>
-                  <a:outerShdw blurRad="63500" dist="38099" dir="2700000" algn="ctr" rotWithShape="0">
-                    <a:srgbClr val="000000">
-                      <a:alpha val="74998"/>
-                    </a:srgbClr>
-                  </a:outerShdw>
-                </a:effectLst>
-              </a14:hiddenEffects>
-            </a:ext>
-          </a:extLst>
-        </p:spPr>
+        <p:spPr/>
         <p:txBody>
-          <a:bodyPr lIns="0" tIns="0" rIns="0" bIns="0"/>
-          <a:lstStyle>
-            <a:lvl1pPr marL="428625" indent="-323850">
-              <a:tabLst>
-                <a:tab pos="428625" algn="l"/>
-                <a:tab pos="885825" algn="l"/>
-                <a:tab pos="1343025" algn="l"/>
-                <a:tab pos="1800225" algn="l"/>
-                <a:tab pos="2257425" algn="l"/>
-                <a:tab pos="2714625" algn="l"/>
-                <a:tab pos="3171825" algn="l"/>
-                <a:tab pos="3629025" algn="l"/>
-                <a:tab pos="4086225" algn="l"/>
-                <a:tab pos="4543425" algn="l"/>
-                <a:tab pos="5000625" algn="l"/>
-                <a:tab pos="5457825" algn="l"/>
-                <a:tab pos="5915025" algn="l"/>
-                <a:tab pos="6372225" algn="l"/>
-                <a:tab pos="6829425" algn="l"/>
-                <a:tab pos="7286625" algn="l"/>
-                <a:tab pos="7743825" algn="l"/>
-                <a:tab pos="8201025" algn="l"/>
-                <a:tab pos="8658225" algn="l"/>
-                <a:tab pos="9115425" algn="l"/>
-                <a:tab pos="9572625" algn="l"/>
-              </a:tabLst>
-              <a:defRPr sz="2400">
-                <a:solidFill>
-                  <a:srgbClr val="000000"/>
-                </a:solidFill>
-                <a:latin typeface="Arial" charset="0"/>
-                <a:ea typeface="ＭＳ Ｐゴシック" charset="0"/>
-                <a:cs typeface="DejaVu Sans" charset="0"/>
-              </a:defRPr>
-            </a:lvl1pPr>
-            <a:lvl2pPr marL="863600" indent="-284163">
-              <a:tabLst>
-                <a:tab pos="428625" algn="l"/>
-                <a:tab pos="885825" algn="l"/>
-                <a:tab pos="1343025" algn="l"/>
-                <a:tab pos="1800225" algn="l"/>
-                <a:tab pos="2257425" algn="l"/>
-                <a:tab pos="2714625" algn="l"/>
-                <a:tab pos="3171825" algn="l"/>
-                <a:tab pos="3629025" algn="l"/>
-                <a:tab pos="4086225" algn="l"/>
-                <a:tab pos="4543425" algn="l"/>
-                <a:tab pos="5000625" algn="l"/>
-                <a:tab pos="5457825" algn="l"/>
-                <a:tab pos="5915025" algn="l"/>
-                <a:tab pos="6372225" algn="l"/>
-                <a:tab pos="6829425" algn="l"/>
-                <a:tab pos="7286625" algn="l"/>
-                <a:tab pos="7743825" algn="l"/>
-                <a:tab pos="8201025" algn="l"/>
-                <a:tab pos="8658225" algn="l"/>
-                <a:tab pos="9115425" algn="l"/>
-                <a:tab pos="9572625" algn="l"/>
-              </a:tabLst>
-              <a:defRPr sz="2400">
-                <a:solidFill>
-                  <a:srgbClr val="000000"/>
-                </a:solidFill>
-                <a:latin typeface="Arial" charset="0"/>
-                <a:ea typeface="ＭＳ Ｐゴシック" charset="0"/>
-                <a:cs typeface="DejaVu Sans" charset="0"/>
-              </a:defRPr>
-            </a:lvl2pPr>
-            <a:lvl3pPr>
-              <a:tabLst>
-                <a:tab pos="428625" algn="l"/>
-                <a:tab pos="885825" algn="l"/>
-                <a:tab pos="1343025" algn="l"/>
-                <a:tab pos="1800225" algn="l"/>
-                <a:tab pos="2257425" algn="l"/>
-                <a:tab pos="2714625" algn="l"/>
-                <a:tab pos="3171825" algn="l"/>
-                <a:tab pos="3629025" algn="l"/>
-                <a:tab pos="4086225" algn="l"/>
-                <a:tab pos="4543425" algn="l"/>
-                <a:tab pos="5000625" algn="l"/>
-                <a:tab pos="5457825" algn="l"/>
-                <a:tab pos="5915025" algn="l"/>
-                <a:tab pos="6372225" algn="l"/>
-                <a:tab pos="6829425" algn="l"/>
-                <a:tab pos="7286625" algn="l"/>
-                <a:tab pos="7743825" algn="l"/>
-                <a:tab pos="8201025" algn="l"/>
-                <a:tab pos="8658225" algn="l"/>
-                <a:tab pos="9115425" algn="l"/>
-                <a:tab pos="9572625" algn="l"/>
-              </a:tabLst>
-              <a:defRPr sz="2400">
-                <a:solidFill>
-                  <a:srgbClr val="000000"/>
-                </a:solidFill>
-                <a:latin typeface="Arial" charset="0"/>
-                <a:ea typeface="ＭＳ Ｐゴシック" charset="0"/>
-                <a:cs typeface="DejaVu Sans" charset="0"/>
-              </a:defRPr>
-            </a:lvl3pPr>
-            <a:lvl4pPr>
-              <a:tabLst>
-                <a:tab pos="428625" algn="l"/>
-                <a:tab pos="885825" algn="l"/>
-                <a:tab pos="1343025" algn="l"/>
-                <a:tab pos="1800225" algn="l"/>
-                <a:tab pos="2257425" algn="l"/>
-                <a:tab pos="2714625" algn="l"/>
-                <a:tab pos="3171825" algn="l"/>
-                <a:tab pos="3629025" algn="l"/>
-                <a:tab pos="4086225" algn="l"/>
-                <a:tab pos="4543425" algn="l"/>
-                <a:tab pos="5000625" algn="l"/>
-                <a:tab pos="5457825" algn="l"/>
-                <a:tab pos="5915025" algn="l"/>
-                <a:tab pos="6372225" algn="l"/>
-                <a:tab pos="6829425" algn="l"/>
-                <a:tab pos="7286625" algn="l"/>
-                <a:tab pos="7743825" algn="l"/>
-                <a:tab pos="8201025" algn="l"/>
-                <a:tab pos="8658225" algn="l"/>
-                <a:tab pos="9115425" algn="l"/>
-                <a:tab pos="9572625" algn="l"/>
-              </a:tabLst>
-              <a:defRPr sz="2400">
-                <a:solidFill>
-                  <a:srgbClr val="000000"/>
-                </a:solidFill>
-                <a:latin typeface="Arial" charset="0"/>
-                <a:ea typeface="ＭＳ Ｐゴシック" charset="0"/>
-                <a:cs typeface="DejaVu Sans" charset="0"/>
-              </a:defRPr>
-            </a:lvl4pPr>
-            <a:lvl5pPr>
-              <a:tabLst>
-                <a:tab pos="428625" algn="l"/>
-                <a:tab pos="885825" algn="l"/>
-                <a:tab pos="1343025" algn="l"/>
-                <a:tab pos="1800225" algn="l"/>
-                <a:tab pos="2257425" algn="l"/>
-                <a:tab pos="2714625" algn="l"/>
-                <a:tab pos="3171825" algn="l"/>
-                <a:tab pos="3629025" algn="l"/>
-                <a:tab pos="4086225" algn="l"/>
-                <a:tab pos="4543425" algn="l"/>
-                <a:tab pos="5000625" algn="l"/>
-                <a:tab pos="5457825" algn="l"/>
-                <a:tab pos="5915025" algn="l"/>
-                <a:tab pos="6372225" algn="l"/>
-                <a:tab pos="6829425" algn="l"/>
-                <a:tab pos="7286625" algn="l"/>
-                <a:tab pos="7743825" algn="l"/>
-                <a:tab pos="8201025" algn="l"/>
-                <a:tab pos="8658225" algn="l"/>
-                <a:tab pos="9115425" algn="l"/>
-                <a:tab pos="9572625" algn="l"/>
-              </a:tabLst>
-              <a:defRPr sz="2400">
-                <a:solidFill>
-                  <a:srgbClr val="000000"/>
-                </a:solidFill>
-                <a:latin typeface="Arial" charset="0"/>
-                <a:ea typeface="ＭＳ Ｐゴシック" charset="0"/>
-                <a:cs typeface="DejaVu Sans" charset="0"/>
-              </a:defRPr>
-            </a:lvl5pPr>
-            <a:lvl6pPr marL="2514600" indent="-228600" fontAlgn="base" hangingPunct="0">
-              <a:lnSpc>
-                <a:spcPct val="96000"/>
-              </a:lnSpc>
-              <a:spcBef>
-                <a:spcPct val="0"/>
-              </a:spcBef>
-              <a:spcAft>
-                <a:spcPct val="0"/>
-              </a:spcAft>
-              <a:buClr>
-                <a:srgbClr val="000000"/>
-              </a:buClr>
-              <a:buSzPct val="100000"/>
-              <a:buFont typeface="Times New Roman" charset="0"/>
-              <a:tabLst>
-                <a:tab pos="428625" algn="l"/>
-                <a:tab pos="885825" algn="l"/>
-                <a:tab pos="1343025" algn="l"/>
-                <a:tab pos="1800225" algn="l"/>
-                <a:tab pos="2257425" algn="l"/>
-                <a:tab pos="2714625" algn="l"/>
-                <a:tab pos="3171825" algn="l"/>
-                <a:tab pos="3629025" algn="l"/>
-                <a:tab pos="4086225" algn="l"/>
-                <a:tab pos="4543425" algn="l"/>
-                <a:tab pos="5000625" algn="l"/>
-                <a:tab pos="5457825" algn="l"/>
-                <a:tab pos="5915025" algn="l"/>
-                <a:tab pos="6372225" algn="l"/>
-                <a:tab pos="6829425" algn="l"/>
-                <a:tab pos="7286625" algn="l"/>
-                <a:tab pos="7743825" algn="l"/>
-                <a:tab pos="8201025" algn="l"/>
-                <a:tab pos="8658225" algn="l"/>
-                <a:tab pos="9115425" algn="l"/>
-                <a:tab pos="9572625" algn="l"/>
-              </a:tabLst>
-              <a:defRPr sz="2400">
-                <a:solidFill>
-                  <a:srgbClr val="000000"/>
-                </a:solidFill>
-                <a:latin typeface="Arial" charset="0"/>
-                <a:ea typeface="ＭＳ Ｐゴシック" charset="0"/>
-                <a:cs typeface="DejaVu Sans" charset="0"/>
-              </a:defRPr>
-            </a:lvl6pPr>
-            <a:lvl7pPr marL="2971800" indent="-228600" fontAlgn="base" hangingPunct="0">
-              <a:lnSpc>
-                <a:spcPct val="96000"/>
-              </a:lnSpc>
-              <a:spcBef>
-                <a:spcPct val="0"/>
-              </a:spcBef>
-              <a:spcAft>
-                <a:spcPct val="0"/>
-              </a:spcAft>
-              <a:buClr>
-                <a:srgbClr val="000000"/>
-              </a:buClr>
-              <a:buSzPct val="100000"/>
-              <a:buFont typeface="Times New Roman" charset="0"/>
-              <a:tabLst>
-                <a:tab pos="428625" algn="l"/>
-                <a:tab pos="885825" algn="l"/>
-                <a:tab pos="1343025" algn="l"/>
-                <a:tab pos="1800225" algn="l"/>
-                <a:tab pos="2257425" algn="l"/>
-                <a:tab pos="2714625" algn="l"/>
-                <a:tab pos="3171825" algn="l"/>
-                <a:tab pos="3629025" algn="l"/>
-                <a:tab pos="4086225" algn="l"/>
-                <a:tab pos="4543425" algn="l"/>
-                <a:tab pos="5000625" algn="l"/>
-                <a:tab pos="5457825" algn="l"/>
-                <a:tab pos="5915025" algn="l"/>
-                <a:tab pos="6372225" algn="l"/>
-                <a:tab pos="6829425" algn="l"/>
-                <a:tab pos="7286625" algn="l"/>
-                <a:tab pos="7743825" algn="l"/>
-                <a:tab pos="8201025" algn="l"/>
-                <a:tab pos="8658225" algn="l"/>
-                <a:tab pos="9115425" algn="l"/>
-                <a:tab pos="9572625" algn="l"/>
-              </a:tabLst>
-              <a:defRPr sz="2400">
-                <a:solidFill>
-                  <a:srgbClr val="000000"/>
-                </a:solidFill>
-                <a:latin typeface="Arial" charset="0"/>
-                <a:ea typeface="ＭＳ Ｐゴシック" charset="0"/>
-                <a:cs typeface="DejaVu Sans" charset="0"/>
-              </a:defRPr>
-            </a:lvl7pPr>
-            <a:lvl8pPr marL="3429000" indent="-228600" fontAlgn="base" hangingPunct="0">
-              <a:lnSpc>
-                <a:spcPct val="96000"/>
-              </a:lnSpc>
-              <a:spcBef>
-                <a:spcPct val="0"/>
-              </a:spcBef>
-              <a:spcAft>
-                <a:spcPct val="0"/>
-              </a:spcAft>
-              <a:buClr>
-                <a:srgbClr val="000000"/>
-              </a:buClr>
-              <a:buSzPct val="100000"/>
-              <a:buFont typeface="Times New Roman" charset="0"/>
-              <a:tabLst>
-                <a:tab pos="428625" algn="l"/>
-                <a:tab pos="885825" algn="l"/>
-                <a:tab pos="1343025" algn="l"/>
-                <a:tab pos="1800225" algn="l"/>
-                <a:tab pos="2257425" algn="l"/>
-                <a:tab pos="2714625" algn="l"/>
-                <a:tab pos="3171825" algn="l"/>
-                <a:tab pos="3629025" algn="l"/>
-                <a:tab pos="4086225" algn="l"/>
-                <a:tab pos="4543425" algn="l"/>
-                <a:tab pos="5000625" algn="l"/>
-                <a:tab pos="5457825" algn="l"/>
-                <a:tab pos="5915025" algn="l"/>
-                <a:tab pos="6372225" algn="l"/>
-                <a:tab pos="6829425" algn="l"/>
-                <a:tab pos="7286625" algn="l"/>
-                <a:tab pos="7743825" algn="l"/>
-                <a:tab pos="8201025" algn="l"/>
-                <a:tab pos="8658225" algn="l"/>
-                <a:tab pos="9115425" algn="l"/>
-                <a:tab pos="9572625" algn="l"/>
-              </a:tabLst>
-              <a:defRPr sz="2400">
-                <a:solidFill>
-                  <a:srgbClr val="000000"/>
-                </a:solidFill>
-                <a:latin typeface="Arial" charset="0"/>
-                <a:ea typeface="ＭＳ Ｐゴシック" charset="0"/>
-                <a:cs typeface="DejaVu Sans" charset="0"/>
-              </a:defRPr>
-            </a:lvl8pPr>
-            <a:lvl9pPr marL="3886200" indent="-228600" fontAlgn="base" hangingPunct="0">
-              <a:lnSpc>
-                <a:spcPct val="96000"/>
-              </a:lnSpc>
-              <a:spcBef>
-                <a:spcPct val="0"/>
-              </a:spcBef>
-              <a:spcAft>
-                <a:spcPct val="0"/>
-              </a:spcAft>
-              <a:buClr>
-                <a:srgbClr val="000000"/>
-              </a:buClr>
-              <a:buSzPct val="100000"/>
-              <a:buFont typeface="Times New Roman" charset="0"/>
-              <a:tabLst>
-                <a:tab pos="428625" algn="l"/>
-                <a:tab pos="885825" algn="l"/>
-                <a:tab pos="1343025" algn="l"/>
-                <a:tab pos="1800225" algn="l"/>
-                <a:tab pos="2257425" algn="l"/>
-                <a:tab pos="2714625" algn="l"/>
-                <a:tab pos="3171825" algn="l"/>
-                <a:tab pos="3629025" algn="l"/>
-                <a:tab pos="4086225" algn="l"/>
-                <a:tab pos="4543425" algn="l"/>
-                <a:tab pos="5000625" algn="l"/>
-                <a:tab pos="5457825" algn="l"/>
-                <a:tab pos="5915025" algn="l"/>
-                <a:tab pos="6372225" algn="l"/>
-                <a:tab pos="6829425" algn="l"/>
-                <a:tab pos="7286625" algn="l"/>
-                <a:tab pos="7743825" algn="l"/>
-                <a:tab pos="8201025" algn="l"/>
-                <a:tab pos="8658225" algn="l"/>
-                <a:tab pos="9115425" algn="l"/>
-                <a:tab pos="9572625" algn="l"/>
-              </a:tabLst>
-              <a:defRPr sz="2400">
-                <a:solidFill>
-                  <a:srgbClr val="000000"/>
-                </a:solidFill>
-                <a:latin typeface="Arial" charset="0"/>
-                <a:ea typeface="ＭＳ Ｐゴシック" charset="0"/>
-                <a:cs typeface="DejaVu Sans" charset="0"/>
-              </a:defRPr>
-            </a:lvl9pPr>
-          </a:lstStyle>
+          <a:bodyPr/>
+          <a:lstStyle/>
           <a:p>
-            <a:pPr>
-              <a:lnSpc>
-                <a:spcPct val="97000"/>
-              </a:lnSpc>
-              <a:spcAft>
-                <a:spcPts val="1413"/>
-              </a:spcAft>
-              <a:buClr>
-                <a:srgbClr val="FF6309"/>
-              </a:buClr>
-              <a:buSzPct val="45000"/>
-              <a:buFont typeface="Wingdings" charset="0"/>
-              <a:buChar char=""/>
-              <a:defRPr/>
+            <a:pPr marL="457200" indent="-457200">
+              <a:buFont typeface="Arial" panose="020B0604020202020204" pitchFamily="34" charset="0"/>
+              <a:buChar char="•"/>
             </a:pPr>
             <a:r>
-              <a:rPr lang="en-US" sz="2800" dirty="0">
-                <a:ea typeface="Arial" charset="0"/>
-                <a:cs typeface="Arial" charset="0"/>
-              </a:rPr>
-              <a:t>The first step to setting up an internal NTP structure is to install the NTP server software. </a:t>
+              <a:rPr lang="en-US" dirty="0"/>
+              <a:t>Stratum 1 NTP servers use Stratum 0 time sources</a:t>
             </a:r>
           </a:p>
           <a:p>
-            <a:pPr>
-              <a:lnSpc>
-                <a:spcPct val="97000"/>
-              </a:lnSpc>
-              <a:spcAft>
-                <a:spcPts val="1413"/>
-              </a:spcAft>
-              <a:buClr>
-                <a:srgbClr val="FF6309"/>
-              </a:buClr>
-              <a:buSzPct val="45000"/>
-              <a:buFont typeface="Wingdings" charset="0"/>
-              <a:buChar char=""/>
-              <a:defRPr/>
+            <a:pPr marL="457200" indent="-457200">
+              <a:buFont typeface="Arial" panose="020B0604020202020204" pitchFamily="34" charset="0"/>
+              <a:buChar char="•"/>
             </a:pPr>
-            <a:endParaRPr lang="en-US" sz="2800" dirty="0">
-              <a:ea typeface="Arial" charset="0"/>
-              <a:cs typeface="Arial" charset="0"/>
-            </a:endParaRPr>
+            <a:r>
+              <a:rPr lang="en-US" dirty="0"/>
+              <a:t>Stratum 0 are high precision timekeeping devices also known as reference clocks</a:t>
+            </a:r>
           </a:p>
           <a:p>
-            <a:pPr>
-              <a:lnSpc>
-                <a:spcPct val="97000"/>
-              </a:lnSpc>
-              <a:spcAft>
-                <a:spcPts val="1413"/>
-              </a:spcAft>
-              <a:buClr>
-                <a:srgbClr val="FF6309"/>
-              </a:buClr>
-              <a:buSzPct val="45000"/>
-              <a:buFont typeface="Wingdings" charset="0"/>
-              <a:buChar char=""/>
-              <a:defRPr/>
+            <a:pPr marL="457200" indent="-457200">
+              <a:buFont typeface="Arial" panose="020B0604020202020204" pitchFamily="34" charset="0"/>
+              <a:buChar char="•"/>
             </a:pPr>
             <a:r>
-              <a:rPr lang="en-US" sz="2800" dirty="0">
-                <a:ea typeface="Arial" charset="0"/>
-                <a:cs typeface="Arial" charset="0"/>
-              </a:rPr>
-              <a:t>Check if the software is installed.</a:t>
+              <a:rPr lang="en-US" dirty="0"/>
+              <a:t>The Stratum 0 time transmission sources include;</a:t>
             </a:r>
           </a:p>
           <a:p>
-            <a:pPr>
-              <a:lnSpc>
-                <a:spcPct val="97000"/>
-              </a:lnSpc>
-              <a:spcAft>
-                <a:spcPts val="1413"/>
-              </a:spcAft>
-              <a:buClr>
-                <a:srgbClr val="FF6309"/>
-              </a:buClr>
-              <a:buSzPct val="45000"/>
-              <a:buFont typeface="Wingdings" charset="0"/>
-              <a:buChar char=""/>
-              <a:defRPr/>
+            <a:pPr marL="857250" lvl="1" indent="-457200">
+              <a:buFont typeface="Arial" panose="020B0604020202020204" pitchFamily="34" charset="0"/>
+              <a:buChar char="•"/>
             </a:pPr>
-            <a:endParaRPr lang="en-US" sz="2800" dirty="0">
-              <a:ea typeface="Arial" charset="0"/>
-              <a:cs typeface="Arial" charset="0"/>
-            </a:endParaRPr>
+            <a:r>
+              <a:rPr lang="en-US" dirty="0"/>
+              <a:t>Atomic clocks</a:t>
+            </a:r>
           </a:p>
           <a:p>
-            <a:pPr>
-              <a:lnSpc>
-                <a:spcPct val="97000"/>
-              </a:lnSpc>
-              <a:spcAft>
-                <a:spcPts val="1413"/>
-              </a:spcAft>
-              <a:buClr>
-                <a:srgbClr val="FF6309"/>
-              </a:buClr>
-              <a:buSzPct val="45000"/>
-              <a:buFont typeface="Wingdings" charset="0"/>
-              <a:buChar char=""/>
-              <a:defRPr/>
+            <a:pPr marL="857250" lvl="1" indent="-457200">
+              <a:buFont typeface="Arial" panose="020B0604020202020204" pitchFamily="34" charset="0"/>
+              <a:buChar char="•"/>
             </a:pPr>
-            <a:endParaRPr lang="en-US" sz="2800" dirty="0">
-              <a:ea typeface="Arial" charset="0"/>
-              <a:cs typeface="Arial" charset="0"/>
-            </a:endParaRPr>
+            <a:r>
+              <a:rPr lang="en-US" dirty="0"/>
+              <a:t>Radio clocks</a:t>
+            </a:r>
           </a:p>
           <a:p>
-            <a:pPr>
-              <a:lnSpc>
-                <a:spcPct val="97000"/>
-              </a:lnSpc>
-              <a:spcAft>
-                <a:spcPts val="1413"/>
-              </a:spcAft>
-              <a:buClr>
-                <a:srgbClr val="FF6309"/>
-              </a:buClr>
-              <a:buSzPct val="45000"/>
-              <a:buFont typeface="Wingdings" charset="0"/>
-              <a:buChar char=""/>
-              <a:defRPr/>
+            <a:pPr marL="857250" lvl="1" indent="-457200">
+              <a:buFont typeface="Arial" panose="020B0604020202020204" pitchFamily="34" charset="0"/>
+              <a:buChar char="•"/>
             </a:pPr>
             <a:r>
-              <a:rPr lang="en-US" sz="2800" dirty="0">
-                <a:ea typeface="Arial" charset="0"/>
-                <a:cs typeface="Arial" charset="0"/>
-              </a:rPr>
-              <a:t>Update your system clock</a:t>
-            </a:r>
-          </a:p>
-        </p:txBody>
-      </p:sp>
-      <p:sp>
-        <p:nvSpPr>
-          <p:cNvPr id="2" name="TextBox 1"/>
-          <p:cNvSpPr txBox="1"/>
-          <p:nvPr/>
-        </p:nvSpPr>
-        <p:spPr>
-          <a:xfrm>
-            <a:off x="925512" y="2789237"/>
-            <a:ext cx="8613776" cy="446917"/>
-          </a:xfrm>
-          <a:prstGeom prst="rect">
-            <a:avLst/>
-          </a:prstGeom>
-          <a:solidFill>
-            <a:schemeClr val="bg2"/>
-          </a:solidFill>
-        </p:spPr>
-        <p:txBody>
-          <a:bodyPr wrap="square" rtlCol="0">
-            <a:spAutoFit/>
-          </a:bodyPr>
-          <a:lstStyle/>
-          <a:p>
-            <a:r>
-              <a:rPr lang="en-US" dirty="0">
-                <a:solidFill>
-                  <a:schemeClr val="tx1"/>
-                </a:solidFill>
-                <a:latin typeface="Courier" charset="0"/>
-                <a:ea typeface="Courier" charset="0"/>
-                <a:cs typeface="Courier" charset="0"/>
-              </a:rPr>
-              <a:t>$ </a:t>
-            </a:r>
-            <a:r>
-              <a:rPr lang="en-US" dirty="0" err="1">
-                <a:solidFill>
-                  <a:schemeClr val="tx1"/>
-                </a:solidFill>
-                <a:latin typeface="Courier" charset="0"/>
-                <a:ea typeface="Courier" charset="0"/>
-                <a:cs typeface="Courier" charset="0"/>
-              </a:rPr>
-              <a:t>sudo</a:t>
-            </a:r>
-            <a:r>
-              <a:rPr lang="en-US" dirty="0">
-                <a:solidFill>
-                  <a:schemeClr val="tx1"/>
-                </a:solidFill>
-                <a:latin typeface="Courier" charset="0"/>
-                <a:ea typeface="Courier" charset="0"/>
-                <a:cs typeface="Courier" charset="0"/>
-              </a:rPr>
-              <a:t> apt-get install </a:t>
-            </a:r>
-            <a:r>
-              <a:rPr lang="en-US" dirty="0" err="1">
-                <a:solidFill>
-                  <a:schemeClr val="tx1"/>
-                </a:solidFill>
-                <a:latin typeface="Courier" charset="0"/>
-                <a:ea typeface="Courier" charset="0"/>
-                <a:cs typeface="Courier" charset="0"/>
-              </a:rPr>
-              <a:t>ntp</a:t>
-            </a:r>
-            <a:r>
-              <a:rPr lang="en-US" dirty="0">
-                <a:solidFill>
-                  <a:schemeClr val="tx1"/>
-                </a:solidFill>
-                <a:latin typeface="Courier" charset="0"/>
-                <a:ea typeface="Courier" charset="0"/>
-                <a:cs typeface="Courier" charset="0"/>
-              </a:rPr>
-              <a:t> </a:t>
-            </a:r>
-            <a:r>
-              <a:rPr lang="en-US" dirty="0" err="1">
-                <a:solidFill>
-                  <a:schemeClr val="tx1"/>
-                </a:solidFill>
-                <a:latin typeface="Courier" charset="0"/>
-                <a:ea typeface="Courier" charset="0"/>
-                <a:cs typeface="Courier" charset="0"/>
-              </a:rPr>
-              <a:t>ntpdate</a:t>
-            </a:r>
-            <a:endParaRPr lang="en-US" dirty="0">
-              <a:solidFill>
-                <a:schemeClr val="tx1"/>
-              </a:solidFill>
-              <a:latin typeface="Courier" charset="0"/>
-              <a:ea typeface="Courier" charset="0"/>
-              <a:cs typeface="Courier" charset="0"/>
-            </a:endParaRPr>
-          </a:p>
-        </p:txBody>
-      </p:sp>
-      <p:sp>
-        <p:nvSpPr>
-          <p:cNvPr id="5" name="TextBox 4"/>
-          <p:cNvSpPr txBox="1"/>
-          <p:nvPr/>
-        </p:nvSpPr>
-        <p:spPr>
-          <a:xfrm>
-            <a:off x="925512" y="3856037"/>
-            <a:ext cx="8613776" cy="446917"/>
-          </a:xfrm>
-          <a:prstGeom prst="rect">
-            <a:avLst/>
-          </a:prstGeom>
-          <a:solidFill>
-            <a:schemeClr val="bg2"/>
-          </a:solidFill>
-        </p:spPr>
-        <p:txBody>
-          <a:bodyPr wrap="square" rtlCol="0">
-            <a:spAutoFit/>
-          </a:bodyPr>
-          <a:lstStyle/>
-          <a:p>
-            <a:r>
-              <a:rPr lang="en-US" dirty="0">
-                <a:solidFill>
-                  <a:schemeClr val="tx1"/>
-                </a:solidFill>
-                <a:latin typeface="Courier" charset="0"/>
-                <a:ea typeface="Courier" charset="0"/>
-                <a:cs typeface="Courier" charset="0"/>
-              </a:rPr>
-              <a:t>$ </a:t>
-            </a:r>
-            <a:r>
-              <a:rPr lang="en-US" dirty="0" err="1">
-                <a:solidFill>
-                  <a:schemeClr val="tx1"/>
-                </a:solidFill>
-                <a:latin typeface="Courier" charset="0"/>
-                <a:ea typeface="Courier" charset="0"/>
-                <a:cs typeface="Courier" charset="0"/>
-              </a:rPr>
-              <a:t>sudo</a:t>
-            </a:r>
-            <a:r>
-              <a:rPr lang="en-US" dirty="0">
-                <a:solidFill>
-                  <a:schemeClr val="tx1"/>
-                </a:solidFill>
-                <a:latin typeface="Courier" charset="0"/>
-                <a:ea typeface="Courier" charset="0"/>
-                <a:cs typeface="Courier" charset="0"/>
-              </a:rPr>
-              <a:t> </a:t>
-            </a:r>
-            <a:r>
-              <a:rPr lang="en-US" dirty="0" err="1">
-                <a:solidFill>
-                  <a:schemeClr val="tx1"/>
-                </a:solidFill>
-                <a:latin typeface="Courier" charset="0"/>
-                <a:ea typeface="Courier" charset="0"/>
-                <a:cs typeface="Courier" charset="0"/>
-              </a:rPr>
-              <a:t>dpkg</a:t>
-            </a:r>
-            <a:r>
-              <a:rPr lang="en-US" dirty="0">
-                <a:solidFill>
-                  <a:schemeClr val="tx1"/>
-                </a:solidFill>
-                <a:latin typeface="Courier" charset="0"/>
-                <a:ea typeface="Courier" charset="0"/>
-                <a:cs typeface="Courier" charset="0"/>
-              </a:rPr>
-              <a:t> --get-selections </a:t>
-            </a:r>
-            <a:r>
-              <a:rPr lang="en-US" dirty="0" err="1">
-                <a:solidFill>
-                  <a:schemeClr val="tx1"/>
-                </a:solidFill>
-                <a:latin typeface="Courier" charset="0"/>
-                <a:ea typeface="Courier" charset="0"/>
-                <a:cs typeface="Courier" charset="0"/>
-              </a:rPr>
-              <a:t>ntp</a:t>
-            </a:r>
-            <a:endParaRPr lang="en-US" dirty="0">
-              <a:solidFill>
-                <a:schemeClr val="tx1"/>
-              </a:solidFill>
-              <a:latin typeface="Courier" charset="0"/>
-              <a:ea typeface="Courier" charset="0"/>
-              <a:cs typeface="Courier" charset="0"/>
-            </a:endParaRPr>
-          </a:p>
-        </p:txBody>
-      </p:sp>
-      <p:sp>
-        <p:nvSpPr>
-          <p:cNvPr id="6" name="TextBox 5"/>
-          <p:cNvSpPr txBox="1"/>
-          <p:nvPr/>
-        </p:nvSpPr>
-        <p:spPr>
-          <a:xfrm>
-            <a:off x="925512" y="4531554"/>
-            <a:ext cx="8613776" cy="446917"/>
-          </a:xfrm>
-          <a:prstGeom prst="rect">
-            <a:avLst/>
-          </a:prstGeom>
-          <a:solidFill>
-            <a:schemeClr val="bg2"/>
-          </a:solidFill>
-        </p:spPr>
-        <p:txBody>
-          <a:bodyPr wrap="square" rtlCol="0">
-            <a:spAutoFit/>
-          </a:bodyPr>
-          <a:lstStyle/>
-          <a:p>
-            <a:r>
-              <a:rPr lang="en-US" dirty="0">
-                <a:solidFill>
-                  <a:schemeClr val="tx1"/>
-                </a:solidFill>
-                <a:latin typeface="Courier" charset="0"/>
-                <a:ea typeface="Courier" charset="0"/>
-                <a:cs typeface="Courier" charset="0"/>
-              </a:rPr>
-              <a:t>$ </a:t>
-            </a:r>
-            <a:r>
-              <a:rPr lang="en-US" dirty="0" err="1">
-                <a:solidFill>
-                  <a:schemeClr val="tx1"/>
-                </a:solidFill>
-                <a:latin typeface="Courier" charset="0"/>
-                <a:ea typeface="Courier" charset="0"/>
-                <a:cs typeface="Courier" charset="0"/>
-              </a:rPr>
-              <a:t>sudo</a:t>
-            </a:r>
-            <a:r>
-              <a:rPr lang="en-US" dirty="0">
-                <a:solidFill>
-                  <a:schemeClr val="tx1"/>
-                </a:solidFill>
-                <a:latin typeface="Courier" charset="0"/>
-                <a:ea typeface="Courier" charset="0"/>
-                <a:cs typeface="Courier" charset="0"/>
-              </a:rPr>
-              <a:t> </a:t>
-            </a:r>
-            <a:r>
-              <a:rPr lang="en-US" dirty="0" err="1">
-                <a:solidFill>
-                  <a:schemeClr val="tx1"/>
-                </a:solidFill>
-                <a:latin typeface="Courier" charset="0"/>
-                <a:ea typeface="Courier" charset="0"/>
-                <a:cs typeface="Courier" charset="0"/>
-              </a:rPr>
-              <a:t>dpkg</a:t>
-            </a:r>
-            <a:r>
-              <a:rPr lang="en-US" dirty="0">
-                <a:solidFill>
-                  <a:schemeClr val="tx1"/>
-                </a:solidFill>
-                <a:latin typeface="Courier" charset="0"/>
-                <a:ea typeface="Courier" charset="0"/>
-                <a:cs typeface="Courier" charset="0"/>
-              </a:rPr>
-              <a:t> -s </a:t>
-            </a:r>
-            <a:r>
-              <a:rPr lang="en-US" dirty="0" err="1">
-                <a:solidFill>
-                  <a:schemeClr val="tx1"/>
-                </a:solidFill>
-                <a:latin typeface="Courier" charset="0"/>
-                <a:ea typeface="Courier" charset="0"/>
-                <a:cs typeface="Courier" charset="0"/>
-              </a:rPr>
-              <a:t>ntp</a:t>
-            </a:r>
-            <a:endParaRPr lang="en-US" dirty="0">
-              <a:solidFill>
-                <a:schemeClr val="tx1"/>
-              </a:solidFill>
-              <a:latin typeface="Courier" charset="0"/>
-              <a:ea typeface="Courier" charset="0"/>
-              <a:cs typeface="Courier" charset="0"/>
-            </a:endParaRPr>
-          </a:p>
-        </p:txBody>
-      </p:sp>
-      <p:sp>
-        <p:nvSpPr>
-          <p:cNvPr id="7" name="TextBox 6"/>
-          <p:cNvSpPr txBox="1"/>
-          <p:nvPr/>
-        </p:nvSpPr>
-        <p:spPr>
-          <a:xfrm>
-            <a:off x="925512" y="5643977"/>
-            <a:ext cx="8613776" cy="446917"/>
-          </a:xfrm>
-          <a:prstGeom prst="rect">
-            <a:avLst/>
-          </a:prstGeom>
-          <a:solidFill>
-            <a:schemeClr val="bg2"/>
-          </a:solidFill>
-        </p:spPr>
-        <p:txBody>
-          <a:bodyPr wrap="square" rtlCol="0">
-            <a:spAutoFit/>
-          </a:bodyPr>
-          <a:lstStyle/>
-          <a:p>
-            <a:r>
-              <a:rPr lang="en-US" dirty="0">
-                <a:solidFill>
-                  <a:schemeClr val="tx1"/>
-                </a:solidFill>
-                <a:latin typeface="Courier" charset="0"/>
-                <a:ea typeface="Courier" charset="0"/>
-                <a:cs typeface="Courier" charset="0"/>
-              </a:rPr>
-              <a:t>$ </a:t>
-            </a:r>
-            <a:r>
-              <a:rPr lang="en-US" dirty="0" err="1">
-                <a:solidFill>
-                  <a:schemeClr val="tx1"/>
-                </a:solidFill>
-                <a:latin typeface="Courier" charset="0"/>
-                <a:ea typeface="Courier" charset="0"/>
-                <a:cs typeface="Courier" charset="0"/>
-              </a:rPr>
-              <a:t>sudo</a:t>
-            </a:r>
-            <a:r>
-              <a:rPr lang="en-US" dirty="0">
-                <a:solidFill>
-                  <a:schemeClr val="tx1"/>
-                </a:solidFill>
-                <a:latin typeface="Courier" charset="0"/>
-                <a:ea typeface="Courier" charset="0"/>
-                <a:cs typeface="Courier" charset="0"/>
-              </a:rPr>
-              <a:t> </a:t>
-            </a:r>
-            <a:r>
-              <a:rPr lang="en-US" dirty="0" err="1">
-                <a:solidFill>
-                  <a:schemeClr val="tx1"/>
-                </a:solidFill>
-                <a:latin typeface="Courier" charset="0"/>
-                <a:ea typeface="Courier" charset="0"/>
-                <a:cs typeface="Courier" charset="0"/>
-              </a:rPr>
-              <a:t>ntpdate</a:t>
-            </a:r>
-            <a:r>
-              <a:rPr lang="en-US" dirty="0">
-                <a:solidFill>
-                  <a:schemeClr val="tx1"/>
-                </a:solidFill>
-                <a:latin typeface="Courier" charset="0"/>
-                <a:ea typeface="Courier" charset="0"/>
-                <a:cs typeface="Courier" charset="0"/>
-              </a:rPr>
-              <a:t> –u 0.pool.ntp.org</a:t>
+              <a:rPr lang="en-US" dirty="0"/>
+              <a:t>Global Positioning System (GPS)</a:t>
             </a:r>
           </a:p>
         </p:txBody>
       </p:sp>
     </p:spTree>
+    <p:extLst>
+      <p:ext uri="{BB962C8B-B14F-4D97-AF65-F5344CB8AC3E}">
+        <p14:creationId xmlns:p14="http://schemas.microsoft.com/office/powerpoint/2010/main" val="4236787934"/>
+      </p:ext>
+    </p:extLst>
   </p:cSld>
   <p:clrMapOvr>
     <a:masterClrMapping/>
   </p:clrMapOvr>
-  <p:transition spd="med"/>
-  <p:timing>
-    <p:tnLst>
-      <p:par>
-        <p:cTn id="1" dur="indefinite" restart="never" nodeType="tmRoot">
-          <p:childTnLst>
-            <p:seq concurrent="1" nextAc="seek">
-              <p:cTn id="2" dur="0" nodeType="mainSeq"/>
-              <p:prevCondLst>
-                <p:cond evt="onPrev" delay="0">
-                  <p:tgtEl>
-                    <p:sldTgt/>
-                  </p:tgtEl>
-                </p:cond>
-              </p:prevCondLst>
-              <p:nextCondLst>
-                <p:cond evt="onNext" delay="0">
-                  <p:tgtEl>
-                    <p:sldTgt/>
-                  </p:tgtEl>
-                </p:cond>
-              </p:nextCondLst>
-            </p:seq>
-          </p:childTnLst>
-        </p:cTn>
-      </p:par>
-    </p:tnLst>
-  </p:timing>
 </p:sld>
 </file>
 
 <file path=ppt/slides/slide9.xml><?xml version="1.0" encoding="utf-8"?>
 <p:sld xmlns:a="http://schemas.openxmlformats.org/drawingml/2006/main" xmlns:r="http://schemas.openxmlformats.org/officeDocument/2006/relationships" xmlns:p="http://schemas.openxmlformats.org/presentationml/2006/main">
   <p:cSld>
-    <p:bg>
-      <p:bgPr>
-        <a:blipFill dpi="0" rotWithShape="0">
-          <a:blip r:embed="rId3"/>
-          <a:srcRect/>
-          <a:tile tx="0" ty="0" sx="100000" sy="100000" flip="none" algn="tl"/>
-        </a:blipFill>
-        <a:effectLst/>
-      </p:bgPr>
-    </p:bg>
     <p:spTree>
       <p:nvGrpSpPr>
         <p:cNvPr id="1" name=""/>
@@ -37109,1124 +38391,211 @@
       </p:grpSpPr>
       <p:sp>
         <p:nvSpPr>
-          <p:cNvPr id="11265" name="Text Box 1"/>
-          <p:cNvSpPr txBox="1">
-            <a:spLocks noChangeArrowheads="1"/>
+          <p:cNvPr id="2" name="Title 1">
+            <a:extLst>
+              <a:ext uri="{FF2B5EF4-FFF2-40B4-BE49-F238E27FC236}">
+                <a16:creationId xmlns:a16="http://schemas.microsoft.com/office/drawing/2014/main" id="{69049221-F9AC-504B-AFCB-26B52AE262A6}"/>
+              </a:ext>
+            </a:extLst>
+          </p:cNvPr>
+          <p:cNvSpPr>
+            <a:spLocks noGrp="1"/>
           </p:cNvSpPr>
-          <p:nvPr/>
+          <p:nvPr>
+            <p:ph type="title"/>
+          </p:nvPr>
         </p:nvSpPr>
-        <p:spPr bwMode="auto">
-          <a:xfrm>
-            <a:off x="503238" y="0"/>
-            <a:ext cx="9070975" cy="1260475"/>
-          </a:xfrm>
-          <a:prstGeom prst="rect">
-            <a:avLst/>
-          </a:prstGeom>
-          <a:noFill/>
-          <a:ln>
-            <a:noFill/>
-          </a:ln>
-          <a:effectLst/>
-          <a:extLst>
-            <a:ext uri="{909E8E84-426E-40dd-AFC4-6F175D3DCCD1}">
-              <a14:hiddenFill xmlns:a14="http://schemas.microsoft.com/office/drawing/2010/main" xmlns="">
-                <a:solidFill>
-                  <a:srgbClr val="FFFFFF"/>
-                </a:solidFill>
-              </a14:hiddenFill>
-            </a:ext>
-            <a:ext uri="{91240B29-F687-4f45-9708-019B960494DF}">
-              <a14:hiddenLine xmlns:a14="http://schemas.microsoft.com/office/drawing/2010/main" xmlns="" w="9525" cap="flat">
-                <a:solidFill>
-                  <a:srgbClr val="3465A4"/>
-                </a:solidFill>
-                <a:round/>
-                <a:headEnd/>
-                <a:tailEnd/>
-              </a14:hiddenLine>
-            </a:ext>
-            <a:ext uri="{AF507438-7753-43e0-B8FC-AC1667EBCBE1}">
-              <a14:hiddenEffects xmlns:a14="http://schemas.microsoft.com/office/drawing/2010/main" xmlns="">
-                <a:effectLst>
-                  <a:outerShdw blurRad="63500" dist="38099" dir="2700000" algn="ctr" rotWithShape="0">
-                    <a:srgbClr val="000000">
-                      <a:alpha val="74998"/>
-                    </a:srgbClr>
-                  </a:outerShdw>
-                </a:effectLst>
-              </a14:hiddenEffects>
-            </a:ext>
-          </a:extLst>
-        </p:spPr>
+        <p:spPr/>
         <p:txBody>
-          <a:bodyPr lIns="0" tIns="0" rIns="0" bIns="0" anchor="ctr"/>
-          <a:lstStyle>
-            <a:lvl1pPr>
-              <a:tabLst>
-                <a:tab pos="0" algn="l"/>
-                <a:tab pos="457200" algn="l"/>
-                <a:tab pos="914400" algn="l"/>
-                <a:tab pos="1371600" algn="l"/>
-                <a:tab pos="1828800" algn="l"/>
-                <a:tab pos="2286000" algn="l"/>
-                <a:tab pos="2743200" algn="l"/>
-                <a:tab pos="3200400" algn="l"/>
-                <a:tab pos="3657600" algn="l"/>
-                <a:tab pos="4114800" algn="l"/>
-                <a:tab pos="4572000" algn="l"/>
-                <a:tab pos="5029200" algn="l"/>
-                <a:tab pos="5486400" algn="l"/>
-                <a:tab pos="5943600" algn="l"/>
-                <a:tab pos="6400800" algn="l"/>
-                <a:tab pos="6858000" algn="l"/>
-                <a:tab pos="7315200" algn="l"/>
-                <a:tab pos="7772400" algn="l"/>
-                <a:tab pos="8229600" algn="l"/>
-                <a:tab pos="8686800" algn="l"/>
-                <a:tab pos="9144000" algn="l"/>
-              </a:tabLst>
-              <a:defRPr sz="2400">
-                <a:solidFill>
-                  <a:srgbClr val="000000"/>
-                </a:solidFill>
-                <a:latin typeface="Arial" charset="0"/>
-                <a:ea typeface="ＭＳ Ｐゴシック" charset="0"/>
-                <a:cs typeface="DejaVu Sans" charset="0"/>
-              </a:defRPr>
-            </a:lvl1pPr>
-            <a:lvl2pPr>
-              <a:tabLst>
-                <a:tab pos="0" algn="l"/>
-                <a:tab pos="457200" algn="l"/>
-                <a:tab pos="914400" algn="l"/>
-                <a:tab pos="1371600" algn="l"/>
-                <a:tab pos="1828800" algn="l"/>
-                <a:tab pos="2286000" algn="l"/>
-                <a:tab pos="2743200" algn="l"/>
-                <a:tab pos="3200400" algn="l"/>
-                <a:tab pos="3657600" algn="l"/>
-                <a:tab pos="4114800" algn="l"/>
-                <a:tab pos="4572000" algn="l"/>
-                <a:tab pos="5029200" algn="l"/>
-                <a:tab pos="5486400" algn="l"/>
-                <a:tab pos="5943600" algn="l"/>
-                <a:tab pos="6400800" algn="l"/>
-                <a:tab pos="6858000" algn="l"/>
-                <a:tab pos="7315200" algn="l"/>
-                <a:tab pos="7772400" algn="l"/>
-                <a:tab pos="8229600" algn="l"/>
-                <a:tab pos="8686800" algn="l"/>
-                <a:tab pos="9144000" algn="l"/>
-              </a:tabLst>
-              <a:defRPr sz="2400">
-                <a:solidFill>
-                  <a:srgbClr val="000000"/>
-                </a:solidFill>
-                <a:latin typeface="Arial" charset="0"/>
-                <a:ea typeface="ＭＳ Ｐゴシック" charset="0"/>
-                <a:cs typeface="DejaVu Sans" charset="0"/>
-              </a:defRPr>
-            </a:lvl2pPr>
-            <a:lvl3pPr>
-              <a:tabLst>
-                <a:tab pos="0" algn="l"/>
-                <a:tab pos="457200" algn="l"/>
-                <a:tab pos="914400" algn="l"/>
-                <a:tab pos="1371600" algn="l"/>
-                <a:tab pos="1828800" algn="l"/>
-                <a:tab pos="2286000" algn="l"/>
-                <a:tab pos="2743200" algn="l"/>
-                <a:tab pos="3200400" algn="l"/>
-                <a:tab pos="3657600" algn="l"/>
-                <a:tab pos="4114800" algn="l"/>
-                <a:tab pos="4572000" algn="l"/>
-                <a:tab pos="5029200" algn="l"/>
-                <a:tab pos="5486400" algn="l"/>
-                <a:tab pos="5943600" algn="l"/>
-                <a:tab pos="6400800" algn="l"/>
-                <a:tab pos="6858000" algn="l"/>
-                <a:tab pos="7315200" algn="l"/>
-                <a:tab pos="7772400" algn="l"/>
-                <a:tab pos="8229600" algn="l"/>
-                <a:tab pos="8686800" algn="l"/>
-                <a:tab pos="9144000" algn="l"/>
-              </a:tabLst>
-              <a:defRPr sz="2400">
-                <a:solidFill>
-                  <a:srgbClr val="000000"/>
-                </a:solidFill>
-                <a:latin typeface="Arial" charset="0"/>
-                <a:ea typeface="ＭＳ Ｐゴシック" charset="0"/>
-                <a:cs typeface="DejaVu Sans" charset="0"/>
-              </a:defRPr>
-            </a:lvl3pPr>
-            <a:lvl4pPr>
-              <a:tabLst>
-                <a:tab pos="0" algn="l"/>
-                <a:tab pos="457200" algn="l"/>
-                <a:tab pos="914400" algn="l"/>
-                <a:tab pos="1371600" algn="l"/>
-                <a:tab pos="1828800" algn="l"/>
-                <a:tab pos="2286000" algn="l"/>
-                <a:tab pos="2743200" algn="l"/>
-                <a:tab pos="3200400" algn="l"/>
-                <a:tab pos="3657600" algn="l"/>
-                <a:tab pos="4114800" algn="l"/>
-                <a:tab pos="4572000" algn="l"/>
-                <a:tab pos="5029200" algn="l"/>
-                <a:tab pos="5486400" algn="l"/>
-                <a:tab pos="5943600" algn="l"/>
-                <a:tab pos="6400800" algn="l"/>
-                <a:tab pos="6858000" algn="l"/>
-                <a:tab pos="7315200" algn="l"/>
-                <a:tab pos="7772400" algn="l"/>
-                <a:tab pos="8229600" algn="l"/>
-                <a:tab pos="8686800" algn="l"/>
-                <a:tab pos="9144000" algn="l"/>
-              </a:tabLst>
-              <a:defRPr sz="2400">
-                <a:solidFill>
-                  <a:srgbClr val="000000"/>
-                </a:solidFill>
-                <a:latin typeface="Arial" charset="0"/>
-                <a:ea typeface="ＭＳ Ｐゴシック" charset="0"/>
-                <a:cs typeface="DejaVu Sans" charset="0"/>
-              </a:defRPr>
-            </a:lvl4pPr>
-            <a:lvl5pPr>
-              <a:tabLst>
-                <a:tab pos="0" algn="l"/>
-                <a:tab pos="457200" algn="l"/>
-                <a:tab pos="914400" algn="l"/>
-                <a:tab pos="1371600" algn="l"/>
-                <a:tab pos="1828800" algn="l"/>
-                <a:tab pos="2286000" algn="l"/>
-                <a:tab pos="2743200" algn="l"/>
-                <a:tab pos="3200400" algn="l"/>
-                <a:tab pos="3657600" algn="l"/>
-                <a:tab pos="4114800" algn="l"/>
-                <a:tab pos="4572000" algn="l"/>
-                <a:tab pos="5029200" algn="l"/>
-                <a:tab pos="5486400" algn="l"/>
-                <a:tab pos="5943600" algn="l"/>
-                <a:tab pos="6400800" algn="l"/>
-                <a:tab pos="6858000" algn="l"/>
-                <a:tab pos="7315200" algn="l"/>
-                <a:tab pos="7772400" algn="l"/>
-                <a:tab pos="8229600" algn="l"/>
-                <a:tab pos="8686800" algn="l"/>
-                <a:tab pos="9144000" algn="l"/>
-              </a:tabLst>
-              <a:defRPr sz="2400">
-                <a:solidFill>
-                  <a:srgbClr val="000000"/>
-                </a:solidFill>
-                <a:latin typeface="Arial" charset="0"/>
-                <a:ea typeface="ＭＳ Ｐゴシック" charset="0"/>
-                <a:cs typeface="DejaVu Sans" charset="0"/>
-              </a:defRPr>
-            </a:lvl5pPr>
-            <a:lvl6pPr marL="2514600" indent="-228600" fontAlgn="base" hangingPunct="0">
-              <a:lnSpc>
-                <a:spcPct val="96000"/>
-              </a:lnSpc>
-              <a:spcBef>
-                <a:spcPct val="0"/>
-              </a:spcBef>
-              <a:spcAft>
-                <a:spcPct val="0"/>
-              </a:spcAft>
-              <a:buClr>
-                <a:srgbClr val="000000"/>
-              </a:buClr>
-              <a:buSzPct val="100000"/>
-              <a:buFont typeface="Times New Roman" charset="0"/>
-              <a:tabLst>
-                <a:tab pos="0" algn="l"/>
-                <a:tab pos="457200" algn="l"/>
-                <a:tab pos="914400" algn="l"/>
-                <a:tab pos="1371600" algn="l"/>
-                <a:tab pos="1828800" algn="l"/>
-                <a:tab pos="2286000" algn="l"/>
-                <a:tab pos="2743200" algn="l"/>
-                <a:tab pos="3200400" algn="l"/>
-                <a:tab pos="3657600" algn="l"/>
-                <a:tab pos="4114800" algn="l"/>
-                <a:tab pos="4572000" algn="l"/>
-                <a:tab pos="5029200" algn="l"/>
-                <a:tab pos="5486400" algn="l"/>
-                <a:tab pos="5943600" algn="l"/>
-                <a:tab pos="6400800" algn="l"/>
-                <a:tab pos="6858000" algn="l"/>
-                <a:tab pos="7315200" algn="l"/>
-                <a:tab pos="7772400" algn="l"/>
-                <a:tab pos="8229600" algn="l"/>
-                <a:tab pos="8686800" algn="l"/>
-                <a:tab pos="9144000" algn="l"/>
-              </a:tabLst>
-              <a:defRPr sz="2400">
-                <a:solidFill>
-                  <a:srgbClr val="000000"/>
-                </a:solidFill>
-                <a:latin typeface="Arial" charset="0"/>
-                <a:ea typeface="ＭＳ Ｐゴシック" charset="0"/>
-                <a:cs typeface="DejaVu Sans" charset="0"/>
-              </a:defRPr>
-            </a:lvl6pPr>
-            <a:lvl7pPr marL="2971800" indent="-228600" fontAlgn="base" hangingPunct="0">
-              <a:lnSpc>
-                <a:spcPct val="96000"/>
-              </a:lnSpc>
-              <a:spcBef>
-                <a:spcPct val="0"/>
-              </a:spcBef>
-              <a:spcAft>
-                <a:spcPct val="0"/>
-              </a:spcAft>
-              <a:buClr>
-                <a:srgbClr val="000000"/>
-              </a:buClr>
-              <a:buSzPct val="100000"/>
-              <a:buFont typeface="Times New Roman" charset="0"/>
-              <a:tabLst>
-                <a:tab pos="0" algn="l"/>
-                <a:tab pos="457200" algn="l"/>
-                <a:tab pos="914400" algn="l"/>
-                <a:tab pos="1371600" algn="l"/>
-                <a:tab pos="1828800" algn="l"/>
-                <a:tab pos="2286000" algn="l"/>
-                <a:tab pos="2743200" algn="l"/>
-                <a:tab pos="3200400" algn="l"/>
-                <a:tab pos="3657600" algn="l"/>
-                <a:tab pos="4114800" algn="l"/>
-                <a:tab pos="4572000" algn="l"/>
-                <a:tab pos="5029200" algn="l"/>
-                <a:tab pos="5486400" algn="l"/>
-                <a:tab pos="5943600" algn="l"/>
-                <a:tab pos="6400800" algn="l"/>
-                <a:tab pos="6858000" algn="l"/>
-                <a:tab pos="7315200" algn="l"/>
-                <a:tab pos="7772400" algn="l"/>
-                <a:tab pos="8229600" algn="l"/>
-                <a:tab pos="8686800" algn="l"/>
-                <a:tab pos="9144000" algn="l"/>
-              </a:tabLst>
-              <a:defRPr sz="2400">
-                <a:solidFill>
-                  <a:srgbClr val="000000"/>
-                </a:solidFill>
-                <a:latin typeface="Arial" charset="0"/>
-                <a:ea typeface="ＭＳ Ｐゴシック" charset="0"/>
-                <a:cs typeface="DejaVu Sans" charset="0"/>
-              </a:defRPr>
-            </a:lvl7pPr>
-            <a:lvl8pPr marL="3429000" indent="-228600" fontAlgn="base" hangingPunct="0">
-              <a:lnSpc>
-                <a:spcPct val="96000"/>
-              </a:lnSpc>
-              <a:spcBef>
-                <a:spcPct val="0"/>
-              </a:spcBef>
-              <a:spcAft>
-                <a:spcPct val="0"/>
-              </a:spcAft>
-              <a:buClr>
-                <a:srgbClr val="000000"/>
-              </a:buClr>
-              <a:buSzPct val="100000"/>
-              <a:buFont typeface="Times New Roman" charset="0"/>
-              <a:tabLst>
-                <a:tab pos="0" algn="l"/>
-                <a:tab pos="457200" algn="l"/>
-                <a:tab pos="914400" algn="l"/>
-                <a:tab pos="1371600" algn="l"/>
-                <a:tab pos="1828800" algn="l"/>
-                <a:tab pos="2286000" algn="l"/>
-                <a:tab pos="2743200" algn="l"/>
-                <a:tab pos="3200400" algn="l"/>
-                <a:tab pos="3657600" algn="l"/>
-                <a:tab pos="4114800" algn="l"/>
-                <a:tab pos="4572000" algn="l"/>
-                <a:tab pos="5029200" algn="l"/>
-                <a:tab pos="5486400" algn="l"/>
-                <a:tab pos="5943600" algn="l"/>
-                <a:tab pos="6400800" algn="l"/>
-                <a:tab pos="6858000" algn="l"/>
-                <a:tab pos="7315200" algn="l"/>
-                <a:tab pos="7772400" algn="l"/>
-                <a:tab pos="8229600" algn="l"/>
-                <a:tab pos="8686800" algn="l"/>
-                <a:tab pos="9144000" algn="l"/>
-              </a:tabLst>
-              <a:defRPr sz="2400">
-                <a:solidFill>
-                  <a:srgbClr val="000000"/>
-                </a:solidFill>
-                <a:latin typeface="Arial" charset="0"/>
-                <a:ea typeface="ＭＳ Ｐゴシック" charset="0"/>
-                <a:cs typeface="DejaVu Sans" charset="0"/>
-              </a:defRPr>
-            </a:lvl8pPr>
-            <a:lvl9pPr marL="3886200" indent="-228600" fontAlgn="base" hangingPunct="0">
-              <a:lnSpc>
-                <a:spcPct val="96000"/>
-              </a:lnSpc>
-              <a:spcBef>
-                <a:spcPct val="0"/>
-              </a:spcBef>
-              <a:spcAft>
-                <a:spcPct val="0"/>
-              </a:spcAft>
-              <a:buClr>
-                <a:srgbClr val="000000"/>
-              </a:buClr>
-              <a:buSzPct val="100000"/>
-              <a:buFont typeface="Times New Roman" charset="0"/>
-              <a:tabLst>
-                <a:tab pos="0" algn="l"/>
-                <a:tab pos="457200" algn="l"/>
-                <a:tab pos="914400" algn="l"/>
-                <a:tab pos="1371600" algn="l"/>
-                <a:tab pos="1828800" algn="l"/>
-                <a:tab pos="2286000" algn="l"/>
-                <a:tab pos="2743200" algn="l"/>
-                <a:tab pos="3200400" algn="l"/>
-                <a:tab pos="3657600" algn="l"/>
-                <a:tab pos="4114800" algn="l"/>
-                <a:tab pos="4572000" algn="l"/>
-                <a:tab pos="5029200" algn="l"/>
-                <a:tab pos="5486400" algn="l"/>
-                <a:tab pos="5943600" algn="l"/>
-                <a:tab pos="6400800" algn="l"/>
-                <a:tab pos="6858000" algn="l"/>
-                <a:tab pos="7315200" algn="l"/>
-                <a:tab pos="7772400" algn="l"/>
-                <a:tab pos="8229600" algn="l"/>
-                <a:tab pos="8686800" algn="l"/>
-                <a:tab pos="9144000" algn="l"/>
-              </a:tabLst>
-              <a:defRPr sz="2400">
-                <a:solidFill>
-                  <a:srgbClr val="000000"/>
-                </a:solidFill>
-                <a:latin typeface="Arial" charset="0"/>
-                <a:ea typeface="ＭＳ Ｐゴシック" charset="0"/>
-                <a:cs typeface="DejaVu Sans" charset="0"/>
-              </a:defRPr>
-            </a:lvl9pPr>
-          </a:lstStyle>
+          <a:bodyPr/>
+          <a:lstStyle/>
           <a:p>
-            <a:pPr>
-              <a:lnSpc>
-                <a:spcPct val="97000"/>
-              </a:lnSpc>
-              <a:buClrTx/>
-              <a:buSzPct val="45000"/>
-              <a:buFontTx/>
-              <a:buNone/>
-              <a:defRPr/>
-            </a:pPr>
-            <a:r>
-              <a:rPr lang="en-US" sz="4400" b="1" dirty="0">
-                <a:latin typeface="Trebuchet MS" charset="0"/>
-              </a:rPr>
-              <a:t>Step 2: NTP Server Configuration </a:t>
+            <a:r>
+              <a:rPr lang="en-US" dirty="0"/>
+              <a:t>Building a Stratum 1 NTP Service</a:t>
             </a:r>
           </a:p>
         </p:txBody>
       </p:sp>
       <p:sp>
         <p:nvSpPr>
-          <p:cNvPr id="11266" name="Text Box 2"/>
-          <p:cNvSpPr txBox="1">
-            <a:spLocks noChangeArrowheads="1"/>
+          <p:cNvPr id="3" name="Content Placeholder 2">
+            <a:extLst>
+              <a:ext uri="{FF2B5EF4-FFF2-40B4-BE49-F238E27FC236}">
+                <a16:creationId xmlns:a16="http://schemas.microsoft.com/office/drawing/2014/main" id="{49AD7813-B3FF-C64C-B30B-8EF80C6DD26E}"/>
+              </a:ext>
+            </a:extLst>
+          </p:cNvPr>
+          <p:cNvSpPr>
+            <a:spLocks noGrp="1"/>
           </p:cNvSpPr>
-          <p:nvPr/>
+          <p:nvPr>
+            <p:ph idx="1"/>
+          </p:nvPr>
         </p:nvSpPr>
-        <p:spPr bwMode="auto">
+        <p:spPr>
           <a:xfrm>
-            <a:off x="503238" y="1403350"/>
-            <a:ext cx="9070975" cy="5638800"/>
+            <a:off x="503238" y="1768475"/>
+            <a:ext cx="9067800" cy="5287962"/>
           </a:xfrm>
-          <a:prstGeom prst="rect">
-            <a:avLst/>
-          </a:prstGeom>
-          <a:noFill/>
-          <a:ln>
-            <a:noFill/>
-          </a:ln>
-          <a:effectLst/>
-          <a:extLst>
-            <a:ext uri="{909E8E84-426E-40dd-AFC4-6F175D3DCCD1}">
-              <a14:hiddenFill xmlns:a14="http://schemas.microsoft.com/office/drawing/2010/main" xmlns="">
-                <a:solidFill>
-                  <a:srgbClr val="FFFFFF"/>
-                </a:solidFill>
-              </a14:hiddenFill>
-            </a:ext>
-            <a:ext uri="{91240B29-F687-4f45-9708-019B960494DF}">
-              <a14:hiddenLine xmlns:a14="http://schemas.microsoft.com/office/drawing/2010/main" xmlns="" w="9525" cap="flat">
-                <a:solidFill>
-                  <a:srgbClr val="3465A4"/>
-                </a:solidFill>
-                <a:round/>
-                <a:headEnd/>
-                <a:tailEnd/>
-              </a14:hiddenLine>
-            </a:ext>
-            <a:ext uri="{AF507438-7753-43e0-B8FC-AC1667EBCBE1}">
-              <a14:hiddenEffects xmlns:a14="http://schemas.microsoft.com/office/drawing/2010/main" xmlns="">
-                <a:effectLst>
-                  <a:outerShdw blurRad="63500" dist="38099" dir="2700000" algn="ctr" rotWithShape="0">
-                    <a:srgbClr val="000000">
-                      <a:alpha val="74998"/>
-                    </a:srgbClr>
-                  </a:outerShdw>
-                </a:effectLst>
-              </a14:hiddenEffects>
-            </a:ext>
-          </a:extLst>
         </p:spPr>
         <p:txBody>
-          <a:bodyPr lIns="0" tIns="0" rIns="0" bIns="0"/>
-          <a:lstStyle>
-            <a:lvl1pPr marL="428625" indent="-323850" eaLnBrk="0">
-              <a:tabLst>
-                <a:tab pos="428625" algn="l"/>
-                <a:tab pos="885825" algn="l"/>
-                <a:tab pos="1343025" algn="l"/>
-                <a:tab pos="1800225" algn="l"/>
-                <a:tab pos="2257425" algn="l"/>
-                <a:tab pos="2714625" algn="l"/>
-                <a:tab pos="3171825" algn="l"/>
-                <a:tab pos="3629025" algn="l"/>
-                <a:tab pos="4086225" algn="l"/>
-                <a:tab pos="4543425" algn="l"/>
-                <a:tab pos="5000625" algn="l"/>
-                <a:tab pos="5457825" algn="l"/>
-                <a:tab pos="5915025" algn="l"/>
-                <a:tab pos="6372225" algn="l"/>
-                <a:tab pos="6829425" algn="l"/>
-                <a:tab pos="7286625" algn="l"/>
-                <a:tab pos="7743825" algn="l"/>
-                <a:tab pos="8201025" algn="l"/>
-                <a:tab pos="8658225" algn="l"/>
-                <a:tab pos="9115425" algn="l"/>
-                <a:tab pos="9572625" algn="l"/>
-              </a:tabLst>
-              <a:defRPr sz="2400">
-                <a:solidFill>
-                  <a:schemeClr val="bg1"/>
-                </a:solidFill>
-                <a:latin typeface="Arial" charset="0"/>
-                <a:ea typeface="ＭＳ Ｐゴシック" charset="-128"/>
-              </a:defRPr>
-            </a:lvl1pPr>
-            <a:lvl2pPr eaLnBrk="0">
-              <a:tabLst>
-                <a:tab pos="428625" algn="l"/>
-                <a:tab pos="885825" algn="l"/>
-                <a:tab pos="1343025" algn="l"/>
-                <a:tab pos="1800225" algn="l"/>
-                <a:tab pos="2257425" algn="l"/>
-                <a:tab pos="2714625" algn="l"/>
-                <a:tab pos="3171825" algn="l"/>
-                <a:tab pos="3629025" algn="l"/>
-                <a:tab pos="4086225" algn="l"/>
-                <a:tab pos="4543425" algn="l"/>
-                <a:tab pos="5000625" algn="l"/>
-                <a:tab pos="5457825" algn="l"/>
-                <a:tab pos="5915025" algn="l"/>
-                <a:tab pos="6372225" algn="l"/>
-                <a:tab pos="6829425" algn="l"/>
-                <a:tab pos="7286625" algn="l"/>
-                <a:tab pos="7743825" algn="l"/>
-                <a:tab pos="8201025" algn="l"/>
-                <a:tab pos="8658225" algn="l"/>
-                <a:tab pos="9115425" algn="l"/>
-                <a:tab pos="9572625" algn="l"/>
-              </a:tabLst>
-              <a:defRPr sz="2400">
-                <a:solidFill>
-                  <a:schemeClr val="bg1"/>
-                </a:solidFill>
-                <a:latin typeface="Arial" charset="0"/>
-                <a:ea typeface="ＭＳ Ｐゴシック" charset="-128"/>
-              </a:defRPr>
-            </a:lvl2pPr>
-            <a:lvl3pPr eaLnBrk="0">
-              <a:tabLst>
-                <a:tab pos="428625" algn="l"/>
-                <a:tab pos="885825" algn="l"/>
-                <a:tab pos="1343025" algn="l"/>
-                <a:tab pos="1800225" algn="l"/>
-                <a:tab pos="2257425" algn="l"/>
-                <a:tab pos="2714625" algn="l"/>
-                <a:tab pos="3171825" algn="l"/>
-                <a:tab pos="3629025" algn="l"/>
-                <a:tab pos="4086225" algn="l"/>
-                <a:tab pos="4543425" algn="l"/>
-                <a:tab pos="5000625" algn="l"/>
-                <a:tab pos="5457825" algn="l"/>
-                <a:tab pos="5915025" algn="l"/>
-                <a:tab pos="6372225" algn="l"/>
-                <a:tab pos="6829425" algn="l"/>
-                <a:tab pos="7286625" algn="l"/>
-                <a:tab pos="7743825" algn="l"/>
-                <a:tab pos="8201025" algn="l"/>
-                <a:tab pos="8658225" algn="l"/>
-                <a:tab pos="9115425" algn="l"/>
-                <a:tab pos="9572625" algn="l"/>
-              </a:tabLst>
-              <a:defRPr sz="2400">
-                <a:solidFill>
-                  <a:schemeClr val="bg1"/>
-                </a:solidFill>
-                <a:latin typeface="Arial" charset="0"/>
-                <a:ea typeface="ＭＳ Ｐゴシック" charset="-128"/>
-              </a:defRPr>
-            </a:lvl3pPr>
-            <a:lvl4pPr eaLnBrk="0">
-              <a:tabLst>
-                <a:tab pos="428625" algn="l"/>
-                <a:tab pos="885825" algn="l"/>
-                <a:tab pos="1343025" algn="l"/>
-                <a:tab pos="1800225" algn="l"/>
-                <a:tab pos="2257425" algn="l"/>
-                <a:tab pos="2714625" algn="l"/>
-                <a:tab pos="3171825" algn="l"/>
-                <a:tab pos="3629025" algn="l"/>
-                <a:tab pos="4086225" algn="l"/>
-                <a:tab pos="4543425" algn="l"/>
-                <a:tab pos="5000625" algn="l"/>
-                <a:tab pos="5457825" algn="l"/>
-                <a:tab pos="5915025" algn="l"/>
-                <a:tab pos="6372225" algn="l"/>
-                <a:tab pos="6829425" algn="l"/>
-                <a:tab pos="7286625" algn="l"/>
-                <a:tab pos="7743825" algn="l"/>
-                <a:tab pos="8201025" algn="l"/>
-                <a:tab pos="8658225" algn="l"/>
-                <a:tab pos="9115425" algn="l"/>
-                <a:tab pos="9572625" algn="l"/>
-              </a:tabLst>
-              <a:defRPr sz="2400">
-                <a:solidFill>
-                  <a:schemeClr val="bg1"/>
-                </a:solidFill>
-                <a:latin typeface="Arial" charset="0"/>
-                <a:ea typeface="ＭＳ Ｐゴシック" charset="-128"/>
-              </a:defRPr>
-            </a:lvl4pPr>
-            <a:lvl5pPr eaLnBrk="0">
-              <a:tabLst>
-                <a:tab pos="428625" algn="l"/>
-                <a:tab pos="885825" algn="l"/>
-                <a:tab pos="1343025" algn="l"/>
-                <a:tab pos="1800225" algn="l"/>
-                <a:tab pos="2257425" algn="l"/>
-                <a:tab pos="2714625" algn="l"/>
-                <a:tab pos="3171825" algn="l"/>
-                <a:tab pos="3629025" algn="l"/>
-                <a:tab pos="4086225" algn="l"/>
-                <a:tab pos="4543425" algn="l"/>
-                <a:tab pos="5000625" algn="l"/>
-                <a:tab pos="5457825" algn="l"/>
-                <a:tab pos="5915025" algn="l"/>
-                <a:tab pos="6372225" algn="l"/>
-                <a:tab pos="6829425" algn="l"/>
-                <a:tab pos="7286625" algn="l"/>
-                <a:tab pos="7743825" algn="l"/>
-                <a:tab pos="8201025" algn="l"/>
-                <a:tab pos="8658225" algn="l"/>
-                <a:tab pos="9115425" algn="l"/>
-                <a:tab pos="9572625" algn="l"/>
-              </a:tabLst>
-              <a:defRPr sz="2400">
-                <a:solidFill>
-                  <a:schemeClr val="bg1"/>
-                </a:solidFill>
-                <a:latin typeface="Arial" charset="0"/>
-                <a:ea typeface="ＭＳ Ｐゴシック" charset="-128"/>
-              </a:defRPr>
-            </a:lvl5pPr>
-            <a:lvl6pPr marL="2514600" indent="-228600" defTabSz="457200" eaLnBrk="0" fontAlgn="base" hangingPunct="0">
-              <a:lnSpc>
-                <a:spcPct val="96000"/>
-              </a:lnSpc>
-              <a:spcBef>
-                <a:spcPct val="0"/>
-              </a:spcBef>
-              <a:spcAft>
-                <a:spcPct val="0"/>
-              </a:spcAft>
-              <a:buClr>
-                <a:srgbClr val="000000"/>
-              </a:buClr>
-              <a:buSzPct val="100000"/>
-              <a:buFont typeface="Times New Roman" charset="0"/>
-              <a:tabLst>
-                <a:tab pos="428625" algn="l"/>
-                <a:tab pos="885825" algn="l"/>
-                <a:tab pos="1343025" algn="l"/>
-                <a:tab pos="1800225" algn="l"/>
-                <a:tab pos="2257425" algn="l"/>
-                <a:tab pos="2714625" algn="l"/>
-                <a:tab pos="3171825" algn="l"/>
-                <a:tab pos="3629025" algn="l"/>
-                <a:tab pos="4086225" algn="l"/>
-                <a:tab pos="4543425" algn="l"/>
-                <a:tab pos="5000625" algn="l"/>
-                <a:tab pos="5457825" algn="l"/>
-                <a:tab pos="5915025" algn="l"/>
-                <a:tab pos="6372225" algn="l"/>
-                <a:tab pos="6829425" algn="l"/>
-                <a:tab pos="7286625" algn="l"/>
-                <a:tab pos="7743825" algn="l"/>
-                <a:tab pos="8201025" algn="l"/>
-                <a:tab pos="8658225" algn="l"/>
-                <a:tab pos="9115425" algn="l"/>
-                <a:tab pos="9572625" algn="l"/>
-              </a:tabLst>
-              <a:defRPr sz="2400">
-                <a:solidFill>
-                  <a:schemeClr val="bg1"/>
-                </a:solidFill>
-                <a:latin typeface="Arial" charset="0"/>
-                <a:ea typeface="ＭＳ Ｐゴシック" charset="-128"/>
-              </a:defRPr>
-            </a:lvl6pPr>
-            <a:lvl7pPr marL="2971800" indent="-228600" defTabSz="457200" eaLnBrk="0" fontAlgn="base" hangingPunct="0">
-              <a:lnSpc>
-                <a:spcPct val="96000"/>
-              </a:lnSpc>
-              <a:spcBef>
-                <a:spcPct val="0"/>
-              </a:spcBef>
-              <a:spcAft>
-                <a:spcPct val="0"/>
-              </a:spcAft>
-              <a:buClr>
-                <a:srgbClr val="000000"/>
-              </a:buClr>
-              <a:buSzPct val="100000"/>
-              <a:buFont typeface="Times New Roman" charset="0"/>
-              <a:tabLst>
-                <a:tab pos="428625" algn="l"/>
-                <a:tab pos="885825" algn="l"/>
-                <a:tab pos="1343025" algn="l"/>
-                <a:tab pos="1800225" algn="l"/>
-                <a:tab pos="2257425" algn="l"/>
-                <a:tab pos="2714625" algn="l"/>
-                <a:tab pos="3171825" algn="l"/>
-                <a:tab pos="3629025" algn="l"/>
-                <a:tab pos="4086225" algn="l"/>
-                <a:tab pos="4543425" algn="l"/>
-                <a:tab pos="5000625" algn="l"/>
-                <a:tab pos="5457825" algn="l"/>
-                <a:tab pos="5915025" algn="l"/>
-                <a:tab pos="6372225" algn="l"/>
-                <a:tab pos="6829425" algn="l"/>
-                <a:tab pos="7286625" algn="l"/>
-                <a:tab pos="7743825" algn="l"/>
-                <a:tab pos="8201025" algn="l"/>
-                <a:tab pos="8658225" algn="l"/>
-                <a:tab pos="9115425" algn="l"/>
-                <a:tab pos="9572625" algn="l"/>
-              </a:tabLst>
-              <a:defRPr sz="2400">
-                <a:solidFill>
-                  <a:schemeClr val="bg1"/>
-                </a:solidFill>
-                <a:latin typeface="Arial" charset="0"/>
-                <a:ea typeface="ＭＳ Ｐゴシック" charset="-128"/>
-              </a:defRPr>
-            </a:lvl7pPr>
-            <a:lvl8pPr marL="3429000" indent="-228600" defTabSz="457200" eaLnBrk="0" fontAlgn="base" hangingPunct="0">
-              <a:lnSpc>
-                <a:spcPct val="96000"/>
-              </a:lnSpc>
-              <a:spcBef>
-                <a:spcPct val="0"/>
-              </a:spcBef>
-              <a:spcAft>
-                <a:spcPct val="0"/>
-              </a:spcAft>
-              <a:buClr>
-                <a:srgbClr val="000000"/>
-              </a:buClr>
-              <a:buSzPct val="100000"/>
-              <a:buFont typeface="Times New Roman" charset="0"/>
-              <a:tabLst>
-                <a:tab pos="428625" algn="l"/>
-                <a:tab pos="885825" algn="l"/>
-                <a:tab pos="1343025" algn="l"/>
-                <a:tab pos="1800225" algn="l"/>
-                <a:tab pos="2257425" algn="l"/>
-                <a:tab pos="2714625" algn="l"/>
-                <a:tab pos="3171825" algn="l"/>
-                <a:tab pos="3629025" algn="l"/>
-                <a:tab pos="4086225" algn="l"/>
-                <a:tab pos="4543425" algn="l"/>
-                <a:tab pos="5000625" algn="l"/>
-                <a:tab pos="5457825" algn="l"/>
-                <a:tab pos="5915025" algn="l"/>
-                <a:tab pos="6372225" algn="l"/>
-                <a:tab pos="6829425" algn="l"/>
-                <a:tab pos="7286625" algn="l"/>
-                <a:tab pos="7743825" algn="l"/>
-                <a:tab pos="8201025" algn="l"/>
-                <a:tab pos="8658225" algn="l"/>
-                <a:tab pos="9115425" algn="l"/>
-                <a:tab pos="9572625" algn="l"/>
-              </a:tabLst>
-              <a:defRPr sz="2400">
-                <a:solidFill>
-                  <a:schemeClr val="bg1"/>
-                </a:solidFill>
-                <a:latin typeface="Arial" charset="0"/>
-                <a:ea typeface="ＭＳ Ｐゴシック" charset="-128"/>
-              </a:defRPr>
-            </a:lvl8pPr>
-            <a:lvl9pPr marL="3886200" indent="-228600" defTabSz="457200" eaLnBrk="0" fontAlgn="base" hangingPunct="0">
-              <a:lnSpc>
-                <a:spcPct val="96000"/>
-              </a:lnSpc>
-              <a:spcBef>
-                <a:spcPct val="0"/>
-              </a:spcBef>
-              <a:spcAft>
-                <a:spcPct val="0"/>
-              </a:spcAft>
-              <a:buClr>
-                <a:srgbClr val="000000"/>
-              </a:buClr>
-              <a:buSzPct val="100000"/>
-              <a:buFont typeface="Times New Roman" charset="0"/>
-              <a:tabLst>
-                <a:tab pos="428625" algn="l"/>
-                <a:tab pos="885825" algn="l"/>
-                <a:tab pos="1343025" algn="l"/>
-                <a:tab pos="1800225" algn="l"/>
-                <a:tab pos="2257425" algn="l"/>
-                <a:tab pos="2714625" algn="l"/>
-                <a:tab pos="3171825" algn="l"/>
-                <a:tab pos="3629025" algn="l"/>
-                <a:tab pos="4086225" algn="l"/>
-                <a:tab pos="4543425" algn="l"/>
-                <a:tab pos="5000625" algn="l"/>
-                <a:tab pos="5457825" algn="l"/>
-                <a:tab pos="5915025" algn="l"/>
-                <a:tab pos="6372225" algn="l"/>
-                <a:tab pos="6829425" algn="l"/>
-                <a:tab pos="7286625" algn="l"/>
-                <a:tab pos="7743825" algn="l"/>
-                <a:tab pos="8201025" algn="l"/>
-                <a:tab pos="8658225" algn="l"/>
-                <a:tab pos="9115425" algn="l"/>
-                <a:tab pos="9572625" algn="l"/>
-              </a:tabLst>
-              <a:defRPr sz="2400">
-                <a:solidFill>
-                  <a:schemeClr val="bg1"/>
-                </a:solidFill>
-                <a:latin typeface="Arial" charset="0"/>
-                <a:ea typeface="ＭＳ Ｐゴシック" charset="-128"/>
-              </a:defRPr>
-            </a:lvl9pPr>
-          </a:lstStyle>
+          <a:bodyPr>
+            <a:normAutofit fontScale="92500" lnSpcReduction="10000"/>
+          </a:bodyPr>
+          <a:lstStyle/>
           <a:p>
-            <a:pPr eaLnBrk="1">
-              <a:lnSpc>
-                <a:spcPct val="77000"/>
-              </a:lnSpc>
-              <a:spcAft>
-                <a:spcPts val="1413"/>
-              </a:spcAft>
-              <a:buClr>
-                <a:srgbClr val="FF6309"/>
-              </a:buClr>
-              <a:buSzPct val="45000"/>
-              <a:buFont typeface="Wingdings" charset="2"/>
-              <a:buChar char=""/>
+            <a:pPr marL="457200" indent="-457200">
+              <a:buFont typeface="Arial" panose="020B0604020202020204" pitchFamily="34" charset="0"/>
+              <a:buChar char="•"/>
             </a:pPr>
             <a:r>
-              <a:rPr lang="en-US" altLang="x-none" sz="2800" dirty="0">
-                <a:solidFill>
-                  <a:srgbClr val="000000"/>
-                </a:solidFill>
-                <a:ea typeface="Arial" charset="0"/>
-                <a:cs typeface="Arial" charset="0"/>
-              </a:rPr>
-              <a:t>Once NTP is installed, we can now configure our NTP server to synchronize with higher stratum servers. </a:t>
+              <a:rPr lang="en-US" dirty="0"/>
+              <a:t>Commercial approach</a:t>
             </a:r>
           </a:p>
           <a:p>
-            <a:pPr eaLnBrk="1">
-              <a:lnSpc>
-                <a:spcPct val="77000"/>
-              </a:lnSpc>
-              <a:spcAft>
-                <a:spcPts val="1413"/>
-              </a:spcAft>
-              <a:buClr>
-                <a:srgbClr val="FF6309"/>
-              </a:buClr>
-              <a:buSzPct val="45000"/>
-              <a:buFont typeface="Wingdings" charset="2"/>
-              <a:buChar char=""/>
+            <a:pPr marL="857250" lvl="1" indent="-457200">
+              <a:buFont typeface="Arial" panose="020B0604020202020204" pitchFamily="34" charset="0"/>
+              <a:buChar char="•"/>
             </a:pPr>
             <a:r>
-              <a:rPr lang="en-US" altLang="x-none" sz="2800" dirty="0">
-                <a:solidFill>
-                  <a:srgbClr val="000000"/>
-                </a:solidFill>
-                <a:ea typeface="Arial" charset="0"/>
-                <a:cs typeface="Arial" charset="0"/>
-              </a:rPr>
-              <a:t>The configuration file for NTP is stored at </a:t>
-            </a:r>
-            <a:r>
-              <a:rPr lang="en-US" altLang="x-none" sz="2800" dirty="0">
-                <a:solidFill>
-                  <a:srgbClr val="000000"/>
-                </a:solidFill>
-                <a:latin typeface="Courier" charset="0"/>
-                <a:ea typeface="Courier" charset="0"/>
-                <a:cs typeface="Courier" charset="0"/>
-              </a:rPr>
-              <a:t>‘/</a:t>
-            </a:r>
-            <a:r>
-              <a:rPr lang="en-US" altLang="x-none" sz="2800" dirty="0" err="1">
-                <a:solidFill>
-                  <a:srgbClr val="000000"/>
-                </a:solidFill>
-                <a:latin typeface="Courier" charset="0"/>
-                <a:ea typeface="Courier" charset="0"/>
-                <a:cs typeface="Courier" charset="0"/>
-              </a:rPr>
-              <a:t>etc</a:t>
-            </a:r>
-            <a:r>
-              <a:rPr lang="en-US" altLang="x-none" sz="2800" dirty="0">
-                <a:solidFill>
-                  <a:srgbClr val="000000"/>
-                </a:solidFill>
-                <a:latin typeface="Courier" charset="0"/>
-                <a:ea typeface="Courier" charset="0"/>
-                <a:cs typeface="Courier" charset="0"/>
-              </a:rPr>
-              <a:t>/</a:t>
-            </a:r>
-            <a:r>
-              <a:rPr lang="en-US" altLang="x-none" sz="2800" dirty="0" err="1">
-                <a:solidFill>
-                  <a:srgbClr val="000000"/>
-                </a:solidFill>
-                <a:latin typeface="Courier" charset="0"/>
-                <a:ea typeface="Courier" charset="0"/>
-                <a:cs typeface="Courier" charset="0"/>
-              </a:rPr>
-              <a:t>ntp.conf</a:t>
-            </a:r>
-            <a:r>
-              <a:rPr lang="en-US" altLang="x-none" sz="2800" dirty="0">
-                <a:solidFill>
-                  <a:srgbClr val="000000"/>
-                </a:solidFill>
-                <a:ea typeface="Arial" charset="0"/>
-                <a:cs typeface="Arial" charset="0"/>
-              </a:rPr>
-              <a:t>’ and can be modified with any text editor.</a:t>
+              <a:rPr lang="en-US" dirty="0"/>
+              <a:t>Costs lots of $$$</a:t>
             </a:r>
           </a:p>
           <a:p>
-            <a:pPr eaLnBrk="1">
-              <a:lnSpc>
-                <a:spcPct val="77000"/>
-              </a:lnSpc>
-              <a:spcAft>
-                <a:spcPts val="1413"/>
-              </a:spcAft>
-              <a:buClr>
-                <a:srgbClr val="FF6309"/>
-              </a:buClr>
-              <a:buSzPct val="45000"/>
-              <a:buFont typeface="Wingdings" charset="2"/>
-              <a:buChar char=""/>
+            <a:pPr marL="857250" lvl="1" indent="-457200">
+              <a:buFont typeface="Arial" panose="020B0604020202020204" pitchFamily="34" charset="0"/>
+              <a:buChar char="•"/>
             </a:pPr>
             <a:r>
-              <a:rPr lang="en-US" altLang="x-none" sz="2800" dirty="0">
-                <a:solidFill>
-                  <a:srgbClr val="000000"/>
-                </a:solidFill>
-                <a:ea typeface="Arial" charset="0"/>
-                <a:cs typeface="Arial" charset="0"/>
-              </a:rPr>
-              <a:t>To start the configuration process, the higher level servers need to be configured. You can use the:</a:t>
+              <a:rPr lang="en-US" dirty="0"/>
+              <a:t>Plug N Play box on the network</a:t>
             </a:r>
           </a:p>
           <a:p>
-            <a:pPr lvl="1" eaLnBrk="1">
-              <a:lnSpc>
-                <a:spcPct val="77000"/>
-              </a:lnSpc>
-              <a:spcAft>
-                <a:spcPts val="1413"/>
-              </a:spcAft>
-              <a:buClr>
-                <a:srgbClr val="FF6309"/>
-              </a:buClr>
-              <a:buSzPct val="45000"/>
-              <a:buFont typeface="Wingdings" charset="2"/>
-              <a:buChar char=""/>
+            <a:pPr marL="457200" indent="-457200">
+              <a:buFont typeface="Arial" panose="020B0604020202020204" pitchFamily="34" charset="0"/>
+              <a:buChar char="•"/>
             </a:pPr>
             <a:r>
-              <a:rPr lang="en-US" altLang="x-none" sz="2800" dirty="0" err="1">
-                <a:solidFill>
-                  <a:srgbClr val="000000"/>
-                </a:solidFill>
-                <a:ea typeface="Arial" charset="0"/>
-                <a:cs typeface="Arial" charset="0"/>
-              </a:rPr>
-              <a:t>Debian</a:t>
-            </a:r>
-            <a:r>
-              <a:rPr lang="en-US" altLang="x-none" sz="2800" dirty="0">
-                <a:solidFill>
-                  <a:srgbClr val="000000"/>
-                </a:solidFill>
-                <a:ea typeface="Arial" charset="0"/>
-                <a:cs typeface="Arial" charset="0"/>
-              </a:rPr>
-              <a:t> default NTP pool servers in the configuration file. </a:t>
+              <a:rPr lang="en-US" dirty="0"/>
+              <a:t>DIY + Open Source approach</a:t>
             </a:r>
           </a:p>
           <a:p>
-            <a:pPr lvl="1" eaLnBrk="1">
-              <a:lnSpc>
-                <a:spcPct val="77000"/>
-              </a:lnSpc>
-              <a:spcAft>
-                <a:spcPts val="1413"/>
-              </a:spcAft>
-              <a:buClr>
-                <a:srgbClr val="FF6309"/>
-              </a:buClr>
-              <a:buSzPct val="45000"/>
-              <a:buFont typeface="Wingdings" charset="2"/>
-              <a:buChar char=""/>
+            <a:pPr marL="857250" lvl="1" indent="-457200">
+              <a:buFont typeface="Arial" panose="020B0604020202020204" pitchFamily="34" charset="0"/>
+              <a:buChar char="•"/>
             </a:pPr>
             <a:r>
-              <a:rPr lang="en-US" altLang="x-none" sz="2800" dirty="0" err="1">
-                <a:solidFill>
-                  <a:srgbClr val="000000"/>
-                </a:solidFill>
-                <a:ea typeface="Arial" charset="0"/>
-                <a:cs typeface="Arial" charset="0"/>
+              <a:rPr lang="en-US" dirty="0"/>
+              <a:t>Costs less in $ and more of time </a:t>
+            </a:r>
+            <a:r>
+              <a:rPr lang="en-US" dirty="0">
+                <a:sym typeface="Wingdings" pitchFamily="2" charset="2"/>
               </a:rPr>
-              <a:t>ntp.org</a:t>
-            </a:r>
-            <a:r>
-              <a:rPr lang="en-US" altLang="x-none" sz="2800" dirty="0">
-                <a:solidFill>
-                  <a:srgbClr val="000000"/>
-                </a:solidFill>
-                <a:ea typeface="Arial" charset="0"/>
-                <a:cs typeface="Arial" charset="0"/>
-              </a:rPr>
-              <a:t> pool servers</a:t>
-            </a:r>
+              <a:t></a:t>
+            </a:r>
+            <a:endParaRPr lang="en-US" dirty="0"/>
           </a:p>
           <a:p>
-            <a:pPr lvl="1" eaLnBrk="1">
-              <a:lnSpc>
-                <a:spcPct val="77000"/>
-              </a:lnSpc>
-              <a:spcAft>
-                <a:spcPts val="1413"/>
-              </a:spcAft>
-              <a:buClr>
-                <a:srgbClr val="FF6309"/>
-              </a:buClr>
-              <a:buSzPct val="45000"/>
-              <a:buFont typeface="Wingdings" charset="2"/>
-              <a:buChar char=""/>
+            <a:pPr marL="857250" lvl="1" indent="-457200">
+              <a:buFont typeface="Arial" panose="020B0604020202020204" pitchFamily="34" charset="0"/>
+              <a:buChar char="•"/>
             </a:pPr>
             <a:r>
-              <a:rPr lang="en-US" altLang="x-none" sz="2800" dirty="0">
-                <a:solidFill>
-                  <a:srgbClr val="000000"/>
-                </a:solidFill>
-                <a:ea typeface="Arial" charset="0"/>
-                <a:cs typeface="Arial" charset="0"/>
-              </a:rPr>
-              <a:t>List of NTP servers from NIST to specify certain servers. </a:t>
+              <a:rPr lang="en-US" dirty="0"/>
+              <a:t>Fun building </a:t>
+            </a:r>
+            <a:r>
+              <a:rPr lang="en-US" dirty="0" err="1"/>
+              <a:t>execise</a:t>
+            </a:r>
+            <a:r>
+              <a:rPr lang="en-US" dirty="0"/>
+              <a:t> + experience</a:t>
             </a:r>
           </a:p>
           <a:p>
-            <a:pPr lvl="1" eaLnBrk="1">
-              <a:lnSpc>
-                <a:spcPct val="77000"/>
-              </a:lnSpc>
-              <a:spcAft>
-                <a:spcPts val="1413"/>
-              </a:spcAft>
-              <a:buClr>
-                <a:srgbClr val="FF6309"/>
-              </a:buClr>
-              <a:buSzPct val="45000"/>
-              <a:buFont typeface="Wingdings" charset="2"/>
-              <a:buChar char=""/>
+            <a:pPr marL="857250" lvl="1" indent="-457200">
+              <a:buFont typeface="Arial" panose="020B0604020202020204" pitchFamily="34" charset="0"/>
+              <a:buChar char="•"/>
             </a:pPr>
             <a:r>
-              <a:rPr lang="en-US" altLang="x-none" sz="2800" dirty="0">
-                <a:solidFill>
-                  <a:srgbClr val="000000"/>
-                </a:solidFill>
-                <a:ea typeface="Arial" charset="0"/>
-                <a:cs typeface="Arial" charset="0"/>
+              <a:rPr lang="en-US" dirty="0"/>
+              <a:t>There are a number of </a:t>
+            </a:r>
+            <a:r>
+              <a:rPr lang="en-US" dirty="0" err="1"/>
+              <a:t>Howto’s</a:t>
+            </a:r>
+            <a:r>
+              <a:rPr lang="en-US" dirty="0"/>
+              <a:t> using </a:t>
+            </a:r>
+            <a:r>
+              <a:rPr lang="en-US" dirty="0" err="1"/>
+              <a:t>RaspberryPi</a:t>
+            </a:r>
+            <a:r>
+              <a:rPr lang="en-US" dirty="0"/>
+              <a:t> (GIY) </a:t>
+            </a:r>
+          </a:p>
+          <a:p>
+            <a:pPr marL="857250" lvl="1" indent="-457200">
+              <a:buFont typeface="Arial" panose="020B0604020202020204" pitchFamily="34" charset="0"/>
+              <a:buChar char="•"/>
+            </a:pPr>
+            <a:r>
+              <a:rPr lang="en-US" dirty="0" err="1"/>
+              <a:t>SdNOG</a:t>
+            </a:r>
+            <a:r>
+              <a:rPr lang="en-US" dirty="0"/>
+              <a:t> 3 presentation on building a cheap stratum 1 </a:t>
+            </a:r>
+            <a:r>
+              <a:rPr lang="en-US" dirty="0" err="1"/>
+              <a:t>ntp</a:t>
+            </a:r>
+            <a:r>
+              <a:rPr lang="en-US" dirty="0"/>
+              <a:t> service - </a:t>
+            </a:r>
+            <a:r>
+              <a:rPr lang="en-US" dirty="0">
+                <a:hlinkClick r:id="rId2"/>
               </a:rPr>
-              <a:t>NIST’s servers in a round robin fashion (suggested method by NIST).</a:t>
-            </a:r>
+              <a:t>https://drive.google.com/file/d/12JXTXS6is06fXZyCEiGRc-tuko6RBfrf/view</a:t>
+            </a:r>
+            <a:r>
+              <a:rPr lang="en-US" dirty="0"/>
+              <a:t> </a:t>
+            </a:r>
+          </a:p>
+          <a:p>
+            <a:pPr marL="857250" lvl="1" indent="-457200">
+              <a:buFont typeface="Arial" panose="020B0604020202020204" pitchFamily="34" charset="0"/>
+              <a:buChar char="•"/>
+            </a:pPr>
+            <a:endParaRPr lang="en-US" dirty="0"/>
           </a:p>
         </p:txBody>
       </p:sp>
     </p:spTree>
+    <p:extLst>
+      <p:ext uri="{BB962C8B-B14F-4D97-AF65-F5344CB8AC3E}">
+        <p14:creationId xmlns:p14="http://schemas.microsoft.com/office/powerpoint/2010/main" val="2633885475"/>
+      </p:ext>
+    </p:extLst>
   </p:cSld>
   <p:clrMapOvr>
     <a:masterClrMapping/>
   </p:clrMapOvr>
-  <p:transition spd="med"/>
-  <p:timing>
-    <p:tnLst>
-      <p:par>
-        <p:cTn id="1" dur="indefinite" restart="never" nodeType="tmRoot">
-          <p:childTnLst>
-            <p:seq concurrent="1" nextAc="seek">
-              <p:cTn id="2" dur="0" nodeType="mainSeq"/>
-              <p:prevCondLst>
-                <p:cond evt="onPrev" delay="0">
-                  <p:tgtEl>
-                    <p:sldTgt/>
-                  </p:tgtEl>
-                </p:cond>
-              </p:prevCondLst>
-              <p:nextCondLst>
-                <p:cond evt="onNext" delay="0">
-                  <p:tgtEl>
-                    <p:sldTgt/>
-                  </p:tgtEl>
-                </p:cond>
-              </p:nextCondLst>
-            </p:seq>
-          </p:childTnLst>
-        </p:cTn>
-      </p:par>
-    </p:tnLst>
-  </p:timing>
 </p:sld>
 </file>
 

--- a/ntp/ntp-service.pptx
+++ b/ntp/ntp-service.pptx
@@ -5,7 +5,7 @@
     <p:sldMasterId id="2147483648" r:id="rId1"/>
   </p:sldMasterIdLst>
   <p:notesMasterIdLst>
-    <p:notesMasterId r:id="rId21"/>
+    <p:notesMasterId r:id="rId22"/>
   </p:notesMasterIdLst>
   <p:sldIdLst>
     <p:sldId id="256" r:id="rId2"/>
@@ -17,16 +17,17 @@
     <p:sldId id="268" r:id="rId8"/>
     <p:sldId id="282" r:id="rId9"/>
     <p:sldId id="283" r:id="rId10"/>
-    <p:sldId id="269" r:id="rId11"/>
-    <p:sldId id="264" r:id="rId12"/>
-    <p:sldId id="278" r:id="rId13"/>
-    <p:sldId id="265" r:id="rId14"/>
-    <p:sldId id="279" r:id="rId15"/>
-    <p:sldId id="281" r:id="rId16"/>
-    <p:sldId id="280" r:id="rId17"/>
-    <p:sldId id="262" r:id="rId18"/>
-    <p:sldId id="270" r:id="rId19"/>
-    <p:sldId id="272" r:id="rId20"/>
+    <p:sldId id="284" r:id="rId11"/>
+    <p:sldId id="269" r:id="rId12"/>
+    <p:sldId id="264" r:id="rId13"/>
+    <p:sldId id="278" r:id="rId14"/>
+    <p:sldId id="265" r:id="rId15"/>
+    <p:sldId id="279" r:id="rId16"/>
+    <p:sldId id="281" r:id="rId17"/>
+    <p:sldId id="280" r:id="rId18"/>
+    <p:sldId id="262" r:id="rId19"/>
+    <p:sldId id="270" r:id="rId20"/>
+    <p:sldId id="272" r:id="rId21"/>
   </p:sldIdLst>
   <p:sldSz cx="10080625" cy="7559675"/>
   <p:notesSz cx="7772400" cy="10058400"/>
@@ -2375,7 +2376,7 @@
                 <a:latin typeface="Times New Roman" charset="0"/>
               </a:rPr>
               <a:pPr eaLnBrk="1"/>
-              <a:t>12</a:t>
+              <a:t>13</a:t>
             </a:fld>
             <a:endParaRPr lang="en-GB" altLang="x-none" sz="1400">
               <a:solidFill>
@@ -2931,7 +2932,7 @@
                 <a:latin typeface="Times New Roman" charset="0"/>
               </a:rPr>
               <a:pPr eaLnBrk="1"/>
-              <a:t>13</a:t>
+              <a:t>14</a:t>
             </a:fld>
             <a:endParaRPr lang="en-GB" altLang="x-none" sz="1400">
               <a:solidFill>
@@ -3482,7 +3483,7 @@
                 <a:latin typeface="Times New Roman" charset="0"/>
               </a:rPr>
               <a:pPr eaLnBrk="1"/>
-              <a:t>14</a:t>
+              <a:t>15</a:t>
             </a:fld>
             <a:endParaRPr lang="en-GB" altLang="x-none" sz="1400">
               <a:solidFill>
@@ -4038,7 +4039,7 @@
                 <a:latin typeface="Times New Roman" charset="0"/>
               </a:rPr>
               <a:pPr eaLnBrk="1"/>
-              <a:t>15</a:t>
+              <a:t>16</a:t>
             </a:fld>
             <a:endParaRPr lang="en-GB" altLang="x-none" sz="1400">
               <a:solidFill>
@@ -4594,7 +4595,7 @@
                 <a:latin typeface="Times New Roman" charset="0"/>
               </a:rPr>
               <a:pPr eaLnBrk="1"/>
-              <a:t>16</a:t>
+              <a:t>17</a:t>
             </a:fld>
             <a:endParaRPr lang="en-GB" altLang="x-none" sz="1400">
               <a:solidFill>
@@ -5150,7 +5151,7 @@
                 <a:latin typeface="Times New Roman" charset="0"/>
               </a:rPr>
               <a:pPr eaLnBrk="1"/>
-              <a:t>17</a:t>
+              <a:t>18</a:t>
             </a:fld>
             <a:endParaRPr lang="en-GB" altLang="x-none" sz="1400">
               <a:solidFill>
@@ -5581,7 +5582,7 @@
                 <a:buFontTx/>
                 <a:buNone/>
               </a:pPr>
-              <a:t>17</a:t>
+              <a:t>18</a:t>
             </a:fld>
             <a:endParaRPr lang="en-GB" altLang="x-none" sz="1400">
               <a:solidFill>
@@ -6132,7 +6133,7 @@
                 <a:latin typeface="Times New Roman" charset="0"/>
               </a:rPr>
               <a:pPr eaLnBrk="1"/>
-              <a:t>18</a:t>
+              <a:t>19</a:t>
             </a:fld>
             <a:endParaRPr lang="en-GB" altLang="x-none" sz="1400">
               <a:solidFill>
@@ -6563,7 +6564,7 @@
                 <a:buFontTx/>
                 <a:buNone/>
               </a:pPr>
-              <a:t>18</a:t>
+              <a:t>19</a:t>
             </a:fld>
             <a:endParaRPr lang="en-GB" altLang="x-none" sz="1400">
               <a:solidFill>
@@ -7114,7 +7115,7 @@
                 <a:latin typeface="Times New Roman" charset="0"/>
               </a:rPr>
               <a:pPr eaLnBrk="1"/>
-              <a:t>19</a:t>
+              <a:t>20</a:t>
             </a:fld>
             <a:endParaRPr lang="en-GB" altLang="x-none" sz="1400">
               <a:solidFill>
@@ -11843,7 +11844,7 @@
                 <a:latin typeface="Times New Roman" charset="0"/>
               </a:rPr>
               <a:pPr eaLnBrk="1"/>
-              <a:t>10</a:t>
+              <a:t>11</a:t>
             </a:fld>
             <a:endParaRPr lang="en-GB" altLang="x-none" sz="1400">
               <a:solidFill>
@@ -12394,7 +12395,7 @@
                 <a:latin typeface="Times New Roman" charset="0"/>
               </a:rPr>
               <a:pPr eaLnBrk="1"/>
-              <a:t>11</a:t>
+              <a:t>12</a:t>
             </a:fld>
             <a:endParaRPr lang="en-GB" altLang="x-none" sz="1400">
               <a:solidFill>
@@ -16124,6 +16125,97 @@
 <file path=ppt/slides/slide10.xml><?xml version="1.0" encoding="utf-8"?>
 <p:sld xmlns:a="http://schemas.openxmlformats.org/drawingml/2006/main" xmlns:r="http://schemas.openxmlformats.org/officeDocument/2006/relationships" xmlns:p="http://schemas.openxmlformats.org/presentationml/2006/main">
   <p:cSld>
+    <p:spTree>
+      <p:nvGrpSpPr>
+        <p:cNvPr id="1" name=""/>
+        <p:cNvGrpSpPr/>
+        <p:nvPr/>
+      </p:nvGrpSpPr>
+      <p:grpSpPr>
+        <a:xfrm>
+          <a:off x="0" y="0"/>
+          <a:ext cx="0" cy="0"/>
+          <a:chOff x="0" y="0"/>
+          <a:chExt cx="0" cy="0"/>
+        </a:xfrm>
+      </p:grpSpPr>
+      <p:sp>
+        <p:nvSpPr>
+          <p:cNvPr id="4" name="Title 3">
+            <a:extLst>
+              <a:ext uri="{FF2B5EF4-FFF2-40B4-BE49-F238E27FC236}">
+                <a16:creationId xmlns:a16="http://schemas.microsoft.com/office/drawing/2014/main" id="{06561ADB-588E-C640-B77D-F8BD229E8B5B}"/>
+              </a:ext>
+            </a:extLst>
+          </p:cNvPr>
+          <p:cNvSpPr>
+            <a:spLocks noGrp="1"/>
+          </p:cNvSpPr>
+          <p:nvPr>
+            <p:ph type="title"/>
+          </p:nvPr>
+        </p:nvSpPr>
+        <p:spPr/>
+        <p:txBody>
+          <a:bodyPr/>
+          <a:lstStyle/>
+          <a:p>
+            <a:r>
+              <a:rPr lang="en-US" dirty="0"/>
+              <a:t>building a stratum 2 </a:t>
+            </a:r>
+            <a:r>
+              <a:rPr lang="en-US" dirty="0" err="1"/>
+              <a:t>ntp</a:t>
+            </a:r>
+            <a:r>
+              <a:rPr lang="en-US" dirty="0"/>
+              <a:t> server</a:t>
+            </a:r>
+          </a:p>
+        </p:txBody>
+      </p:sp>
+      <p:sp>
+        <p:nvSpPr>
+          <p:cNvPr id="5" name="Text Placeholder 4">
+            <a:extLst>
+              <a:ext uri="{FF2B5EF4-FFF2-40B4-BE49-F238E27FC236}">
+                <a16:creationId xmlns:a16="http://schemas.microsoft.com/office/drawing/2014/main" id="{2E6014B3-F3FC-E041-AD0C-8605D5DB0965}"/>
+              </a:ext>
+            </a:extLst>
+          </p:cNvPr>
+          <p:cNvSpPr>
+            <a:spLocks noGrp="1"/>
+          </p:cNvSpPr>
+          <p:nvPr>
+            <p:ph type="body" idx="1"/>
+          </p:nvPr>
+        </p:nvSpPr>
+        <p:spPr/>
+        <p:txBody>
+          <a:bodyPr/>
+          <a:lstStyle/>
+          <a:p>
+            <a:endParaRPr lang="en-US" dirty="0"/>
+          </a:p>
+        </p:txBody>
+      </p:sp>
+    </p:spTree>
+    <p:extLst>
+      <p:ext uri="{BB962C8B-B14F-4D97-AF65-F5344CB8AC3E}">
+        <p14:creationId xmlns:p14="http://schemas.microsoft.com/office/powerpoint/2010/main" val="111637255"/>
+      </p:ext>
+    </p:extLst>
+  </p:cSld>
+  <p:clrMapOvr>
+    <a:masterClrMapping/>
+  </p:clrMapOvr>
+</p:sld>
+</file>
+
+<file path=ppt/slides/slide11.xml><?xml version="1.0" encoding="utf-8"?>
+<p:sld xmlns:a="http://schemas.openxmlformats.org/drawingml/2006/main" xmlns:r="http://schemas.openxmlformats.org/officeDocument/2006/relationships" xmlns:p="http://schemas.openxmlformats.org/presentationml/2006/main">
+  <p:cSld>
     <p:bg>
       <p:bgPr>
         <a:blipFill dpi="0" rotWithShape="0">
@@ -17504,1156 +17596,6 @@
                 <a:cs typeface="Courier" charset="0"/>
               </a:rPr>
               <a:t> –u 0.pool.ntp.org</a:t>
-            </a:r>
-          </a:p>
-        </p:txBody>
-      </p:sp>
-    </p:spTree>
-  </p:cSld>
-  <p:clrMapOvr>
-    <a:masterClrMapping/>
-  </p:clrMapOvr>
-  <p:transition spd="med"/>
-  <p:timing>
-    <p:tnLst>
-      <p:par>
-        <p:cTn id="1" dur="indefinite" restart="never" nodeType="tmRoot">
-          <p:childTnLst>
-            <p:seq concurrent="1" nextAc="seek">
-              <p:cTn id="2" dur="0" nodeType="mainSeq"/>
-              <p:prevCondLst>
-                <p:cond evt="onPrev" delay="0">
-                  <p:tgtEl>
-                    <p:sldTgt/>
-                  </p:tgtEl>
-                </p:cond>
-              </p:prevCondLst>
-              <p:nextCondLst>
-                <p:cond evt="onNext" delay="0">
-                  <p:tgtEl>
-                    <p:sldTgt/>
-                  </p:tgtEl>
-                </p:cond>
-              </p:nextCondLst>
-            </p:seq>
-          </p:childTnLst>
-        </p:cTn>
-      </p:par>
-    </p:tnLst>
-  </p:timing>
-</p:sld>
-</file>
-
-<file path=ppt/slides/slide11.xml><?xml version="1.0" encoding="utf-8"?>
-<p:sld xmlns:a="http://schemas.openxmlformats.org/drawingml/2006/main" xmlns:r="http://schemas.openxmlformats.org/officeDocument/2006/relationships" xmlns:p="http://schemas.openxmlformats.org/presentationml/2006/main">
-  <p:cSld>
-    <p:bg>
-      <p:bgPr>
-        <a:blipFill dpi="0" rotWithShape="0">
-          <a:blip r:embed="rId3"/>
-          <a:srcRect/>
-          <a:tile tx="0" ty="0" sx="100000" sy="100000" flip="none" algn="tl"/>
-        </a:blipFill>
-        <a:effectLst/>
-      </p:bgPr>
-    </p:bg>
-    <p:spTree>
-      <p:nvGrpSpPr>
-        <p:cNvPr id="1" name=""/>
-        <p:cNvGrpSpPr/>
-        <p:nvPr/>
-      </p:nvGrpSpPr>
-      <p:grpSpPr>
-        <a:xfrm>
-          <a:off x="0" y="0"/>
-          <a:ext cx="0" cy="0"/>
-          <a:chOff x="0" y="0"/>
-          <a:chExt cx="0" cy="0"/>
-        </a:xfrm>
-      </p:grpSpPr>
-      <p:sp>
-        <p:nvSpPr>
-          <p:cNvPr id="11265" name="Text Box 1"/>
-          <p:cNvSpPr txBox="1">
-            <a:spLocks noChangeArrowheads="1"/>
-          </p:cNvSpPr>
-          <p:nvPr/>
-        </p:nvSpPr>
-        <p:spPr bwMode="auto">
-          <a:xfrm>
-            <a:off x="503238" y="0"/>
-            <a:ext cx="9070975" cy="1260475"/>
-          </a:xfrm>
-          <a:prstGeom prst="rect">
-            <a:avLst/>
-          </a:prstGeom>
-          <a:noFill/>
-          <a:ln>
-            <a:noFill/>
-          </a:ln>
-          <a:effectLst/>
-          <a:extLst>
-            <a:ext uri="{909E8E84-426E-40dd-AFC4-6F175D3DCCD1}">
-              <a14:hiddenFill xmlns:a14="http://schemas.microsoft.com/office/drawing/2010/main" xmlns="">
-                <a:solidFill>
-                  <a:srgbClr val="FFFFFF"/>
-                </a:solidFill>
-              </a14:hiddenFill>
-            </a:ext>
-            <a:ext uri="{91240B29-F687-4f45-9708-019B960494DF}">
-              <a14:hiddenLine xmlns:a14="http://schemas.microsoft.com/office/drawing/2010/main" xmlns="" w="9525" cap="flat">
-                <a:solidFill>
-                  <a:srgbClr val="3465A4"/>
-                </a:solidFill>
-                <a:round/>
-                <a:headEnd/>
-                <a:tailEnd/>
-              </a14:hiddenLine>
-            </a:ext>
-            <a:ext uri="{AF507438-7753-43e0-B8FC-AC1667EBCBE1}">
-              <a14:hiddenEffects xmlns:a14="http://schemas.microsoft.com/office/drawing/2010/main" xmlns="">
-                <a:effectLst>
-                  <a:outerShdw blurRad="63500" dist="38099" dir="2700000" algn="ctr" rotWithShape="0">
-                    <a:srgbClr val="000000">
-                      <a:alpha val="74998"/>
-                    </a:srgbClr>
-                  </a:outerShdw>
-                </a:effectLst>
-              </a14:hiddenEffects>
-            </a:ext>
-          </a:extLst>
-        </p:spPr>
-        <p:txBody>
-          <a:bodyPr lIns="0" tIns="0" rIns="0" bIns="0" anchor="ctr"/>
-          <a:lstStyle>
-            <a:lvl1pPr>
-              <a:tabLst>
-                <a:tab pos="0" algn="l"/>
-                <a:tab pos="457200" algn="l"/>
-                <a:tab pos="914400" algn="l"/>
-                <a:tab pos="1371600" algn="l"/>
-                <a:tab pos="1828800" algn="l"/>
-                <a:tab pos="2286000" algn="l"/>
-                <a:tab pos="2743200" algn="l"/>
-                <a:tab pos="3200400" algn="l"/>
-                <a:tab pos="3657600" algn="l"/>
-                <a:tab pos="4114800" algn="l"/>
-                <a:tab pos="4572000" algn="l"/>
-                <a:tab pos="5029200" algn="l"/>
-                <a:tab pos="5486400" algn="l"/>
-                <a:tab pos="5943600" algn="l"/>
-                <a:tab pos="6400800" algn="l"/>
-                <a:tab pos="6858000" algn="l"/>
-                <a:tab pos="7315200" algn="l"/>
-                <a:tab pos="7772400" algn="l"/>
-                <a:tab pos="8229600" algn="l"/>
-                <a:tab pos="8686800" algn="l"/>
-                <a:tab pos="9144000" algn="l"/>
-              </a:tabLst>
-              <a:defRPr sz="2400">
-                <a:solidFill>
-                  <a:srgbClr val="000000"/>
-                </a:solidFill>
-                <a:latin typeface="Arial" charset="0"/>
-                <a:ea typeface="ＭＳ Ｐゴシック" charset="0"/>
-                <a:cs typeface="DejaVu Sans" charset="0"/>
-              </a:defRPr>
-            </a:lvl1pPr>
-            <a:lvl2pPr>
-              <a:tabLst>
-                <a:tab pos="0" algn="l"/>
-                <a:tab pos="457200" algn="l"/>
-                <a:tab pos="914400" algn="l"/>
-                <a:tab pos="1371600" algn="l"/>
-                <a:tab pos="1828800" algn="l"/>
-                <a:tab pos="2286000" algn="l"/>
-                <a:tab pos="2743200" algn="l"/>
-                <a:tab pos="3200400" algn="l"/>
-                <a:tab pos="3657600" algn="l"/>
-                <a:tab pos="4114800" algn="l"/>
-                <a:tab pos="4572000" algn="l"/>
-                <a:tab pos="5029200" algn="l"/>
-                <a:tab pos="5486400" algn="l"/>
-                <a:tab pos="5943600" algn="l"/>
-                <a:tab pos="6400800" algn="l"/>
-                <a:tab pos="6858000" algn="l"/>
-                <a:tab pos="7315200" algn="l"/>
-                <a:tab pos="7772400" algn="l"/>
-                <a:tab pos="8229600" algn="l"/>
-                <a:tab pos="8686800" algn="l"/>
-                <a:tab pos="9144000" algn="l"/>
-              </a:tabLst>
-              <a:defRPr sz="2400">
-                <a:solidFill>
-                  <a:srgbClr val="000000"/>
-                </a:solidFill>
-                <a:latin typeface="Arial" charset="0"/>
-                <a:ea typeface="ＭＳ Ｐゴシック" charset="0"/>
-                <a:cs typeface="DejaVu Sans" charset="0"/>
-              </a:defRPr>
-            </a:lvl2pPr>
-            <a:lvl3pPr>
-              <a:tabLst>
-                <a:tab pos="0" algn="l"/>
-                <a:tab pos="457200" algn="l"/>
-                <a:tab pos="914400" algn="l"/>
-                <a:tab pos="1371600" algn="l"/>
-                <a:tab pos="1828800" algn="l"/>
-                <a:tab pos="2286000" algn="l"/>
-                <a:tab pos="2743200" algn="l"/>
-                <a:tab pos="3200400" algn="l"/>
-                <a:tab pos="3657600" algn="l"/>
-                <a:tab pos="4114800" algn="l"/>
-                <a:tab pos="4572000" algn="l"/>
-                <a:tab pos="5029200" algn="l"/>
-                <a:tab pos="5486400" algn="l"/>
-                <a:tab pos="5943600" algn="l"/>
-                <a:tab pos="6400800" algn="l"/>
-                <a:tab pos="6858000" algn="l"/>
-                <a:tab pos="7315200" algn="l"/>
-                <a:tab pos="7772400" algn="l"/>
-                <a:tab pos="8229600" algn="l"/>
-                <a:tab pos="8686800" algn="l"/>
-                <a:tab pos="9144000" algn="l"/>
-              </a:tabLst>
-              <a:defRPr sz="2400">
-                <a:solidFill>
-                  <a:srgbClr val="000000"/>
-                </a:solidFill>
-                <a:latin typeface="Arial" charset="0"/>
-                <a:ea typeface="ＭＳ Ｐゴシック" charset="0"/>
-                <a:cs typeface="DejaVu Sans" charset="0"/>
-              </a:defRPr>
-            </a:lvl3pPr>
-            <a:lvl4pPr>
-              <a:tabLst>
-                <a:tab pos="0" algn="l"/>
-                <a:tab pos="457200" algn="l"/>
-                <a:tab pos="914400" algn="l"/>
-                <a:tab pos="1371600" algn="l"/>
-                <a:tab pos="1828800" algn="l"/>
-                <a:tab pos="2286000" algn="l"/>
-                <a:tab pos="2743200" algn="l"/>
-                <a:tab pos="3200400" algn="l"/>
-                <a:tab pos="3657600" algn="l"/>
-                <a:tab pos="4114800" algn="l"/>
-                <a:tab pos="4572000" algn="l"/>
-                <a:tab pos="5029200" algn="l"/>
-                <a:tab pos="5486400" algn="l"/>
-                <a:tab pos="5943600" algn="l"/>
-                <a:tab pos="6400800" algn="l"/>
-                <a:tab pos="6858000" algn="l"/>
-                <a:tab pos="7315200" algn="l"/>
-                <a:tab pos="7772400" algn="l"/>
-                <a:tab pos="8229600" algn="l"/>
-                <a:tab pos="8686800" algn="l"/>
-                <a:tab pos="9144000" algn="l"/>
-              </a:tabLst>
-              <a:defRPr sz="2400">
-                <a:solidFill>
-                  <a:srgbClr val="000000"/>
-                </a:solidFill>
-                <a:latin typeface="Arial" charset="0"/>
-                <a:ea typeface="ＭＳ Ｐゴシック" charset="0"/>
-                <a:cs typeface="DejaVu Sans" charset="0"/>
-              </a:defRPr>
-            </a:lvl4pPr>
-            <a:lvl5pPr>
-              <a:tabLst>
-                <a:tab pos="0" algn="l"/>
-                <a:tab pos="457200" algn="l"/>
-                <a:tab pos="914400" algn="l"/>
-                <a:tab pos="1371600" algn="l"/>
-                <a:tab pos="1828800" algn="l"/>
-                <a:tab pos="2286000" algn="l"/>
-                <a:tab pos="2743200" algn="l"/>
-                <a:tab pos="3200400" algn="l"/>
-                <a:tab pos="3657600" algn="l"/>
-                <a:tab pos="4114800" algn="l"/>
-                <a:tab pos="4572000" algn="l"/>
-                <a:tab pos="5029200" algn="l"/>
-                <a:tab pos="5486400" algn="l"/>
-                <a:tab pos="5943600" algn="l"/>
-                <a:tab pos="6400800" algn="l"/>
-                <a:tab pos="6858000" algn="l"/>
-                <a:tab pos="7315200" algn="l"/>
-                <a:tab pos="7772400" algn="l"/>
-                <a:tab pos="8229600" algn="l"/>
-                <a:tab pos="8686800" algn="l"/>
-                <a:tab pos="9144000" algn="l"/>
-              </a:tabLst>
-              <a:defRPr sz="2400">
-                <a:solidFill>
-                  <a:srgbClr val="000000"/>
-                </a:solidFill>
-                <a:latin typeface="Arial" charset="0"/>
-                <a:ea typeface="ＭＳ Ｐゴシック" charset="0"/>
-                <a:cs typeface="DejaVu Sans" charset="0"/>
-              </a:defRPr>
-            </a:lvl5pPr>
-            <a:lvl6pPr marL="2514600" indent="-228600" fontAlgn="base" hangingPunct="0">
-              <a:lnSpc>
-                <a:spcPct val="96000"/>
-              </a:lnSpc>
-              <a:spcBef>
-                <a:spcPct val="0"/>
-              </a:spcBef>
-              <a:spcAft>
-                <a:spcPct val="0"/>
-              </a:spcAft>
-              <a:buClr>
-                <a:srgbClr val="000000"/>
-              </a:buClr>
-              <a:buSzPct val="100000"/>
-              <a:buFont typeface="Times New Roman" charset="0"/>
-              <a:tabLst>
-                <a:tab pos="0" algn="l"/>
-                <a:tab pos="457200" algn="l"/>
-                <a:tab pos="914400" algn="l"/>
-                <a:tab pos="1371600" algn="l"/>
-                <a:tab pos="1828800" algn="l"/>
-                <a:tab pos="2286000" algn="l"/>
-                <a:tab pos="2743200" algn="l"/>
-                <a:tab pos="3200400" algn="l"/>
-                <a:tab pos="3657600" algn="l"/>
-                <a:tab pos="4114800" algn="l"/>
-                <a:tab pos="4572000" algn="l"/>
-                <a:tab pos="5029200" algn="l"/>
-                <a:tab pos="5486400" algn="l"/>
-                <a:tab pos="5943600" algn="l"/>
-                <a:tab pos="6400800" algn="l"/>
-                <a:tab pos="6858000" algn="l"/>
-                <a:tab pos="7315200" algn="l"/>
-                <a:tab pos="7772400" algn="l"/>
-                <a:tab pos="8229600" algn="l"/>
-                <a:tab pos="8686800" algn="l"/>
-                <a:tab pos="9144000" algn="l"/>
-              </a:tabLst>
-              <a:defRPr sz="2400">
-                <a:solidFill>
-                  <a:srgbClr val="000000"/>
-                </a:solidFill>
-                <a:latin typeface="Arial" charset="0"/>
-                <a:ea typeface="ＭＳ Ｐゴシック" charset="0"/>
-                <a:cs typeface="DejaVu Sans" charset="0"/>
-              </a:defRPr>
-            </a:lvl6pPr>
-            <a:lvl7pPr marL="2971800" indent="-228600" fontAlgn="base" hangingPunct="0">
-              <a:lnSpc>
-                <a:spcPct val="96000"/>
-              </a:lnSpc>
-              <a:spcBef>
-                <a:spcPct val="0"/>
-              </a:spcBef>
-              <a:spcAft>
-                <a:spcPct val="0"/>
-              </a:spcAft>
-              <a:buClr>
-                <a:srgbClr val="000000"/>
-              </a:buClr>
-              <a:buSzPct val="100000"/>
-              <a:buFont typeface="Times New Roman" charset="0"/>
-              <a:tabLst>
-                <a:tab pos="0" algn="l"/>
-                <a:tab pos="457200" algn="l"/>
-                <a:tab pos="914400" algn="l"/>
-                <a:tab pos="1371600" algn="l"/>
-                <a:tab pos="1828800" algn="l"/>
-                <a:tab pos="2286000" algn="l"/>
-                <a:tab pos="2743200" algn="l"/>
-                <a:tab pos="3200400" algn="l"/>
-                <a:tab pos="3657600" algn="l"/>
-                <a:tab pos="4114800" algn="l"/>
-                <a:tab pos="4572000" algn="l"/>
-                <a:tab pos="5029200" algn="l"/>
-                <a:tab pos="5486400" algn="l"/>
-                <a:tab pos="5943600" algn="l"/>
-                <a:tab pos="6400800" algn="l"/>
-                <a:tab pos="6858000" algn="l"/>
-                <a:tab pos="7315200" algn="l"/>
-                <a:tab pos="7772400" algn="l"/>
-                <a:tab pos="8229600" algn="l"/>
-                <a:tab pos="8686800" algn="l"/>
-                <a:tab pos="9144000" algn="l"/>
-              </a:tabLst>
-              <a:defRPr sz="2400">
-                <a:solidFill>
-                  <a:srgbClr val="000000"/>
-                </a:solidFill>
-                <a:latin typeface="Arial" charset="0"/>
-                <a:ea typeface="ＭＳ Ｐゴシック" charset="0"/>
-                <a:cs typeface="DejaVu Sans" charset="0"/>
-              </a:defRPr>
-            </a:lvl7pPr>
-            <a:lvl8pPr marL="3429000" indent="-228600" fontAlgn="base" hangingPunct="0">
-              <a:lnSpc>
-                <a:spcPct val="96000"/>
-              </a:lnSpc>
-              <a:spcBef>
-                <a:spcPct val="0"/>
-              </a:spcBef>
-              <a:spcAft>
-                <a:spcPct val="0"/>
-              </a:spcAft>
-              <a:buClr>
-                <a:srgbClr val="000000"/>
-              </a:buClr>
-              <a:buSzPct val="100000"/>
-              <a:buFont typeface="Times New Roman" charset="0"/>
-              <a:tabLst>
-                <a:tab pos="0" algn="l"/>
-                <a:tab pos="457200" algn="l"/>
-                <a:tab pos="914400" algn="l"/>
-                <a:tab pos="1371600" algn="l"/>
-                <a:tab pos="1828800" algn="l"/>
-                <a:tab pos="2286000" algn="l"/>
-                <a:tab pos="2743200" algn="l"/>
-                <a:tab pos="3200400" algn="l"/>
-                <a:tab pos="3657600" algn="l"/>
-                <a:tab pos="4114800" algn="l"/>
-                <a:tab pos="4572000" algn="l"/>
-                <a:tab pos="5029200" algn="l"/>
-                <a:tab pos="5486400" algn="l"/>
-                <a:tab pos="5943600" algn="l"/>
-                <a:tab pos="6400800" algn="l"/>
-                <a:tab pos="6858000" algn="l"/>
-                <a:tab pos="7315200" algn="l"/>
-                <a:tab pos="7772400" algn="l"/>
-                <a:tab pos="8229600" algn="l"/>
-                <a:tab pos="8686800" algn="l"/>
-                <a:tab pos="9144000" algn="l"/>
-              </a:tabLst>
-              <a:defRPr sz="2400">
-                <a:solidFill>
-                  <a:srgbClr val="000000"/>
-                </a:solidFill>
-                <a:latin typeface="Arial" charset="0"/>
-                <a:ea typeface="ＭＳ Ｐゴシック" charset="0"/>
-                <a:cs typeface="DejaVu Sans" charset="0"/>
-              </a:defRPr>
-            </a:lvl8pPr>
-            <a:lvl9pPr marL="3886200" indent="-228600" fontAlgn="base" hangingPunct="0">
-              <a:lnSpc>
-                <a:spcPct val="96000"/>
-              </a:lnSpc>
-              <a:spcBef>
-                <a:spcPct val="0"/>
-              </a:spcBef>
-              <a:spcAft>
-                <a:spcPct val="0"/>
-              </a:spcAft>
-              <a:buClr>
-                <a:srgbClr val="000000"/>
-              </a:buClr>
-              <a:buSzPct val="100000"/>
-              <a:buFont typeface="Times New Roman" charset="0"/>
-              <a:tabLst>
-                <a:tab pos="0" algn="l"/>
-                <a:tab pos="457200" algn="l"/>
-                <a:tab pos="914400" algn="l"/>
-                <a:tab pos="1371600" algn="l"/>
-                <a:tab pos="1828800" algn="l"/>
-                <a:tab pos="2286000" algn="l"/>
-                <a:tab pos="2743200" algn="l"/>
-                <a:tab pos="3200400" algn="l"/>
-                <a:tab pos="3657600" algn="l"/>
-                <a:tab pos="4114800" algn="l"/>
-                <a:tab pos="4572000" algn="l"/>
-                <a:tab pos="5029200" algn="l"/>
-                <a:tab pos="5486400" algn="l"/>
-                <a:tab pos="5943600" algn="l"/>
-                <a:tab pos="6400800" algn="l"/>
-                <a:tab pos="6858000" algn="l"/>
-                <a:tab pos="7315200" algn="l"/>
-                <a:tab pos="7772400" algn="l"/>
-                <a:tab pos="8229600" algn="l"/>
-                <a:tab pos="8686800" algn="l"/>
-                <a:tab pos="9144000" algn="l"/>
-              </a:tabLst>
-              <a:defRPr sz="2400">
-                <a:solidFill>
-                  <a:srgbClr val="000000"/>
-                </a:solidFill>
-                <a:latin typeface="Arial" charset="0"/>
-                <a:ea typeface="ＭＳ Ｐゴシック" charset="0"/>
-                <a:cs typeface="DejaVu Sans" charset="0"/>
-              </a:defRPr>
-            </a:lvl9pPr>
-          </a:lstStyle>
-          <a:p>
-            <a:pPr>
-              <a:lnSpc>
-                <a:spcPct val="97000"/>
-              </a:lnSpc>
-              <a:buClrTx/>
-              <a:buSzPct val="45000"/>
-              <a:buFontTx/>
-              <a:buNone/>
-              <a:defRPr/>
-            </a:pPr>
-            <a:r>
-              <a:rPr lang="en-US" sz="4400" b="1" dirty="0">
-                <a:latin typeface="Trebuchet MS" charset="0"/>
-              </a:rPr>
-              <a:t>Step 2: NTP Server Configuration </a:t>
-            </a:r>
-          </a:p>
-        </p:txBody>
-      </p:sp>
-      <p:sp>
-        <p:nvSpPr>
-          <p:cNvPr id="11266" name="Text Box 2"/>
-          <p:cNvSpPr txBox="1">
-            <a:spLocks noChangeArrowheads="1"/>
-          </p:cNvSpPr>
-          <p:nvPr/>
-        </p:nvSpPr>
-        <p:spPr bwMode="auto">
-          <a:xfrm>
-            <a:off x="503238" y="1403350"/>
-            <a:ext cx="9070975" cy="5638800"/>
-          </a:xfrm>
-          <a:prstGeom prst="rect">
-            <a:avLst/>
-          </a:prstGeom>
-          <a:noFill/>
-          <a:ln>
-            <a:noFill/>
-          </a:ln>
-          <a:effectLst/>
-          <a:extLst>
-            <a:ext uri="{909E8E84-426E-40dd-AFC4-6F175D3DCCD1}">
-              <a14:hiddenFill xmlns:a14="http://schemas.microsoft.com/office/drawing/2010/main" xmlns="">
-                <a:solidFill>
-                  <a:srgbClr val="FFFFFF"/>
-                </a:solidFill>
-              </a14:hiddenFill>
-            </a:ext>
-            <a:ext uri="{91240B29-F687-4f45-9708-019B960494DF}">
-              <a14:hiddenLine xmlns:a14="http://schemas.microsoft.com/office/drawing/2010/main" xmlns="" w="9525" cap="flat">
-                <a:solidFill>
-                  <a:srgbClr val="3465A4"/>
-                </a:solidFill>
-                <a:round/>
-                <a:headEnd/>
-                <a:tailEnd/>
-              </a14:hiddenLine>
-            </a:ext>
-            <a:ext uri="{AF507438-7753-43e0-B8FC-AC1667EBCBE1}">
-              <a14:hiddenEffects xmlns:a14="http://schemas.microsoft.com/office/drawing/2010/main" xmlns="">
-                <a:effectLst>
-                  <a:outerShdw blurRad="63500" dist="38099" dir="2700000" algn="ctr" rotWithShape="0">
-                    <a:srgbClr val="000000">
-                      <a:alpha val="74998"/>
-                    </a:srgbClr>
-                  </a:outerShdw>
-                </a:effectLst>
-              </a14:hiddenEffects>
-            </a:ext>
-          </a:extLst>
-        </p:spPr>
-        <p:txBody>
-          <a:bodyPr lIns="0" tIns="0" rIns="0" bIns="0"/>
-          <a:lstStyle>
-            <a:lvl1pPr marL="428625" indent="-323850" eaLnBrk="0">
-              <a:tabLst>
-                <a:tab pos="428625" algn="l"/>
-                <a:tab pos="885825" algn="l"/>
-                <a:tab pos="1343025" algn="l"/>
-                <a:tab pos="1800225" algn="l"/>
-                <a:tab pos="2257425" algn="l"/>
-                <a:tab pos="2714625" algn="l"/>
-                <a:tab pos="3171825" algn="l"/>
-                <a:tab pos="3629025" algn="l"/>
-                <a:tab pos="4086225" algn="l"/>
-                <a:tab pos="4543425" algn="l"/>
-                <a:tab pos="5000625" algn="l"/>
-                <a:tab pos="5457825" algn="l"/>
-                <a:tab pos="5915025" algn="l"/>
-                <a:tab pos="6372225" algn="l"/>
-                <a:tab pos="6829425" algn="l"/>
-                <a:tab pos="7286625" algn="l"/>
-                <a:tab pos="7743825" algn="l"/>
-                <a:tab pos="8201025" algn="l"/>
-                <a:tab pos="8658225" algn="l"/>
-                <a:tab pos="9115425" algn="l"/>
-                <a:tab pos="9572625" algn="l"/>
-              </a:tabLst>
-              <a:defRPr sz="2400">
-                <a:solidFill>
-                  <a:schemeClr val="bg1"/>
-                </a:solidFill>
-                <a:latin typeface="Arial" charset="0"/>
-                <a:ea typeface="ＭＳ Ｐゴシック" charset="-128"/>
-              </a:defRPr>
-            </a:lvl1pPr>
-            <a:lvl2pPr eaLnBrk="0">
-              <a:tabLst>
-                <a:tab pos="428625" algn="l"/>
-                <a:tab pos="885825" algn="l"/>
-                <a:tab pos="1343025" algn="l"/>
-                <a:tab pos="1800225" algn="l"/>
-                <a:tab pos="2257425" algn="l"/>
-                <a:tab pos="2714625" algn="l"/>
-                <a:tab pos="3171825" algn="l"/>
-                <a:tab pos="3629025" algn="l"/>
-                <a:tab pos="4086225" algn="l"/>
-                <a:tab pos="4543425" algn="l"/>
-                <a:tab pos="5000625" algn="l"/>
-                <a:tab pos="5457825" algn="l"/>
-                <a:tab pos="5915025" algn="l"/>
-                <a:tab pos="6372225" algn="l"/>
-                <a:tab pos="6829425" algn="l"/>
-                <a:tab pos="7286625" algn="l"/>
-                <a:tab pos="7743825" algn="l"/>
-                <a:tab pos="8201025" algn="l"/>
-                <a:tab pos="8658225" algn="l"/>
-                <a:tab pos="9115425" algn="l"/>
-                <a:tab pos="9572625" algn="l"/>
-              </a:tabLst>
-              <a:defRPr sz="2400">
-                <a:solidFill>
-                  <a:schemeClr val="bg1"/>
-                </a:solidFill>
-                <a:latin typeface="Arial" charset="0"/>
-                <a:ea typeface="ＭＳ Ｐゴシック" charset="-128"/>
-              </a:defRPr>
-            </a:lvl2pPr>
-            <a:lvl3pPr eaLnBrk="0">
-              <a:tabLst>
-                <a:tab pos="428625" algn="l"/>
-                <a:tab pos="885825" algn="l"/>
-                <a:tab pos="1343025" algn="l"/>
-                <a:tab pos="1800225" algn="l"/>
-                <a:tab pos="2257425" algn="l"/>
-                <a:tab pos="2714625" algn="l"/>
-                <a:tab pos="3171825" algn="l"/>
-                <a:tab pos="3629025" algn="l"/>
-                <a:tab pos="4086225" algn="l"/>
-                <a:tab pos="4543425" algn="l"/>
-                <a:tab pos="5000625" algn="l"/>
-                <a:tab pos="5457825" algn="l"/>
-                <a:tab pos="5915025" algn="l"/>
-                <a:tab pos="6372225" algn="l"/>
-                <a:tab pos="6829425" algn="l"/>
-                <a:tab pos="7286625" algn="l"/>
-                <a:tab pos="7743825" algn="l"/>
-                <a:tab pos="8201025" algn="l"/>
-                <a:tab pos="8658225" algn="l"/>
-                <a:tab pos="9115425" algn="l"/>
-                <a:tab pos="9572625" algn="l"/>
-              </a:tabLst>
-              <a:defRPr sz="2400">
-                <a:solidFill>
-                  <a:schemeClr val="bg1"/>
-                </a:solidFill>
-                <a:latin typeface="Arial" charset="0"/>
-                <a:ea typeface="ＭＳ Ｐゴシック" charset="-128"/>
-              </a:defRPr>
-            </a:lvl3pPr>
-            <a:lvl4pPr eaLnBrk="0">
-              <a:tabLst>
-                <a:tab pos="428625" algn="l"/>
-                <a:tab pos="885825" algn="l"/>
-                <a:tab pos="1343025" algn="l"/>
-                <a:tab pos="1800225" algn="l"/>
-                <a:tab pos="2257425" algn="l"/>
-                <a:tab pos="2714625" algn="l"/>
-                <a:tab pos="3171825" algn="l"/>
-                <a:tab pos="3629025" algn="l"/>
-                <a:tab pos="4086225" algn="l"/>
-                <a:tab pos="4543425" algn="l"/>
-                <a:tab pos="5000625" algn="l"/>
-                <a:tab pos="5457825" algn="l"/>
-                <a:tab pos="5915025" algn="l"/>
-                <a:tab pos="6372225" algn="l"/>
-                <a:tab pos="6829425" algn="l"/>
-                <a:tab pos="7286625" algn="l"/>
-                <a:tab pos="7743825" algn="l"/>
-                <a:tab pos="8201025" algn="l"/>
-                <a:tab pos="8658225" algn="l"/>
-                <a:tab pos="9115425" algn="l"/>
-                <a:tab pos="9572625" algn="l"/>
-              </a:tabLst>
-              <a:defRPr sz="2400">
-                <a:solidFill>
-                  <a:schemeClr val="bg1"/>
-                </a:solidFill>
-                <a:latin typeface="Arial" charset="0"/>
-                <a:ea typeface="ＭＳ Ｐゴシック" charset="-128"/>
-              </a:defRPr>
-            </a:lvl4pPr>
-            <a:lvl5pPr eaLnBrk="0">
-              <a:tabLst>
-                <a:tab pos="428625" algn="l"/>
-                <a:tab pos="885825" algn="l"/>
-                <a:tab pos="1343025" algn="l"/>
-                <a:tab pos="1800225" algn="l"/>
-                <a:tab pos="2257425" algn="l"/>
-                <a:tab pos="2714625" algn="l"/>
-                <a:tab pos="3171825" algn="l"/>
-                <a:tab pos="3629025" algn="l"/>
-                <a:tab pos="4086225" algn="l"/>
-                <a:tab pos="4543425" algn="l"/>
-                <a:tab pos="5000625" algn="l"/>
-                <a:tab pos="5457825" algn="l"/>
-                <a:tab pos="5915025" algn="l"/>
-                <a:tab pos="6372225" algn="l"/>
-                <a:tab pos="6829425" algn="l"/>
-                <a:tab pos="7286625" algn="l"/>
-                <a:tab pos="7743825" algn="l"/>
-                <a:tab pos="8201025" algn="l"/>
-                <a:tab pos="8658225" algn="l"/>
-                <a:tab pos="9115425" algn="l"/>
-                <a:tab pos="9572625" algn="l"/>
-              </a:tabLst>
-              <a:defRPr sz="2400">
-                <a:solidFill>
-                  <a:schemeClr val="bg1"/>
-                </a:solidFill>
-                <a:latin typeface="Arial" charset="0"/>
-                <a:ea typeface="ＭＳ Ｐゴシック" charset="-128"/>
-              </a:defRPr>
-            </a:lvl5pPr>
-            <a:lvl6pPr marL="2514600" indent="-228600" defTabSz="457200" eaLnBrk="0" fontAlgn="base" hangingPunct="0">
-              <a:lnSpc>
-                <a:spcPct val="96000"/>
-              </a:lnSpc>
-              <a:spcBef>
-                <a:spcPct val="0"/>
-              </a:spcBef>
-              <a:spcAft>
-                <a:spcPct val="0"/>
-              </a:spcAft>
-              <a:buClr>
-                <a:srgbClr val="000000"/>
-              </a:buClr>
-              <a:buSzPct val="100000"/>
-              <a:buFont typeface="Times New Roman" charset="0"/>
-              <a:tabLst>
-                <a:tab pos="428625" algn="l"/>
-                <a:tab pos="885825" algn="l"/>
-                <a:tab pos="1343025" algn="l"/>
-                <a:tab pos="1800225" algn="l"/>
-                <a:tab pos="2257425" algn="l"/>
-                <a:tab pos="2714625" algn="l"/>
-                <a:tab pos="3171825" algn="l"/>
-                <a:tab pos="3629025" algn="l"/>
-                <a:tab pos="4086225" algn="l"/>
-                <a:tab pos="4543425" algn="l"/>
-                <a:tab pos="5000625" algn="l"/>
-                <a:tab pos="5457825" algn="l"/>
-                <a:tab pos="5915025" algn="l"/>
-                <a:tab pos="6372225" algn="l"/>
-                <a:tab pos="6829425" algn="l"/>
-                <a:tab pos="7286625" algn="l"/>
-                <a:tab pos="7743825" algn="l"/>
-                <a:tab pos="8201025" algn="l"/>
-                <a:tab pos="8658225" algn="l"/>
-                <a:tab pos="9115425" algn="l"/>
-                <a:tab pos="9572625" algn="l"/>
-              </a:tabLst>
-              <a:defRPr sz="2400">
-                <a:solidFill>
-                  <a:schemeClr val="bg1"/>
-                </a:solidFill>
-                <a:latin typeface="Arial" charset="0"/>
-                <a:ea typeface="ＭＳ Ｐゴシック" charset="-128"/>
-              </a:defRPr>
-            </a:lvl6pPr>
-            <a:lvl7pPr marL="2971800" indent="-228600" defTabSz="457200" eaLnBrk="0" fontAlgn="base" hangingPunct="0">
-              <a:lnSpc>
-                <a:spcPct val="96000"/>
-              </a:lnSpc>
-              <a:spcBef>
-                <a:spcPct val="0"/>
-              </a:spcBef>
-              <a:spcAft>
-                <a:spcPct val="0"/>
-              </a:spcAft>
-              <a:buClr>
-                <a:srgbClr val="000000"/>
-              </a:buClr>
-              <a:buSzPct val="100000"/>
-              <a:buFont typeface="Times New Roman" charset="0"/>
-              <a:tabLst>
-                <a:tab pos="428625" algn="l"/>
-                <a:tab pos="885825" algn="l"/>
-                <a:tab pos="1343025" algn="l"/>
-                <a:tab pos="1800225" algn="l"/>
-                <a:tab pos="2257425" algn="l"/>
-                <a:tab pos="2714625" algn="l"/>
-                <a:tab pos="3171825" algn="l"/>
-                <a:tab pos="3629025" algn="l"/>
-                <a:tab pos="4086225" algn="l"/>
-                <a:tab pos="4543425" algn="l"/>
-                <a:tab pos="5000625" algn="l"/>
-                <a:tab pos="5457825" algn="l"/>
-                <a:tab pos="5915025" algn="l"/>
-                <a:tab pos="6372225" algn="l"/>
-                <a:tab pos="6829425" algn="l"/>
-                <a:tab pos="7286625" algn="l"/>
-                <a:tab pos="7743825" algn="l"/>
-                <a:tab pos="8201025" algn="l"/>
-                <a:tab pos="8658225" algn="l"/>
-                <a:tab pos="9115425" algn="l"/>
-                <a:tab pos="9572625" algn="l"/>
-              </a:tabLst>
-              <a:defRPr sz="2400">
-                <a:solidFill>
-                  <a:schemeClr val="bg1"/>
-                </a:solidFill>
-                <a:latin typeface="Arial" charset="0"/>
-                <a:ea typeface="ＭＳ Ｐゴシック" charset="-128"/>
-              </a:defRPr>
-            </a:lvl7pPr>
-            <a:lvl8pPr marL="3429000" indent="-228600" defTabSz="457200" eaLnBrk="0" fontAlgn="base" hangingPunct="0">
-              <a:lnSpc>
-                <a:spcPct val="96000"/>
-              </a:lnSpc>
-              <a:spcBef>
-                <a:spcPct val="0"/>
-              </a:spcBef>
-              <a:spcAft>
-                <a:spcPct val="0"/>
-              </a:spcAft>
-              <a:buClr>
-                <a:srgbClr val="000000"/>
-              </a:buClr>
-              <a:buSzPct val="100000"/>
-              <a:buFont typeface="Times New Roman" charset="0"/>
-              <a:tabLst>
-                <a:tab pos="428625" algn="l"/>
-                <a:tab pos="885825" algn="l"/>
-                <a:tab pos="1343025" algn="l"/>
-                <a:tab pos="1800225" algn="l"/>
-                <a:tab pos="2257425" algn="l"/>
-                <a:tab pos="2714625" algn="l"/>
-                <a:tab pos="3171825" algn="l"/>
-                <a:tab pos="3629025" algn="l"/>
-                <a:tab pos="4086225" algn="l"/>
-                <a:tab pos="4543425" algn="l"/>
-                <a:tab pos="5000625" algn="l"/>
-                <a:tab pos="5457825" algn="l"/>
-                <a:tab pos="5915025" algn="l"/>
-                <a:tab pos="6372225" algn="l"/>
-                <a:tab pos="6829425" algn="l"/>
-                <a:tab pos="7286625" algn="l"/>
-                <a:tab pos="7743825" algn="l"/>
-                <a:tab pos="8201025" algn="l"/>
-                <a:tab pos="8658225" algn="l"/>
-                <a:tab pos="9115425" algn="l"/>
-                <a:tab pos="9572625" algn="l"/>
-              </a:tabLst>
-              <a:defRPr sz="2400">
-                <a:solidFill>
-                  <a:schemeClr val="bg1"/>
-                </a:solidFill>
-                <a:latin typeface="Arial" charset="0"/>
-                <a:ea typeface="ＭＳ Ｐゴシック" charset="-128"/>
-              </a:defRPr>
-            </a:lvl8pPr>
-            <a:lvl9pPr marL="3886200" indent="-228600" defTabSz="457200" eaLnBrk="0" fontAlgn="base" hangingPunct="0">
-              <a:lnSpc>
-                <a:spcPct val="96000"/>
-              </a:lnSpc>
-              <a:spcBef>
-                <a:spcPct val="0"/>
-              </a:spcBef>
-              <a:spcAft>
-                <a:spcPct val="0"/>
-              </a:spcAft>
-              <a:buClr>
-                <a:srgbClr val="000000"/>
-              </a:buClr>
-              <a:buSzPct val="100000"/>
-              <a:buFont typeface="Times New Roman" charset="0"/>
-              <a:tabLst>
-                <a:tab pos="428625" algn="l"/>
-                <a:tab pos="885825" algn="l"/>
-                <a:tab pos="1343025" algn="l"/>
-                <a:tab pos="1800225" algn="l"/>
-                <a:tab pos="2257425" algn="l"/>
-                <a:tab pos="2714625" algn="l"/>
-                <a:tab pos="3171825" algn="l"/>
-                <a:tab pos="3629025" algn="l"/>
-                <a:tab pos="4086225" algn="l"/>
-                <a:tab pos="4543425" algn="l"/>
-                <a:tab pos="5000625" algn="l"/>
-                <a:tab pos="5457825" algn="l"/>
-                <a:tab pos="5915025" algn="l"/>
-                <a:tab pos="6372225" algn="l"/>
-                <a:tab pos="6829425" algn="l"/>
-                <a:tab pos="7286625" algn="l"/>
-                <a:tab pos="7743825" algn="l"/>
-                <a:tab pos="8201025" algn="l"/>
-                <a:tab pos="8658225" algn="l"/>
-                <a:tab pos="9115425" algn="l"/>
-                <a:tab pos="9572625" algn="l"/>
-              </a:tabLst>
-              <a:defRPr sz="2400">
-                <a:solidFill>
-                  <a:schemeClr val="bg1"/>
-                </a:solidFill>
-                <a:latin typeface="Arial" charset="0"/>
-                <a:ea typeface="ＭＳ Ｐゴシック" charset="-128"/>
-              </a:defRPr>
-            </a:lvl9pPr>
-          </a:lstStyle>
-          <a:p>
-            <a:pPr eaLnBrk="1">
-              <a:lnSpc>
-                <a:spcPct val="77000"/>
-              </a:lnSpc>
-              <a:spcAft>
-                <a:spcPts val="1413"/>
-              </a:spcAft>
-              <a:buClr>
-                <a:srgbClr val="FF6309"/>
-              </a:buClr>
-              <a:buSzPct val="45000"/>
-              <a:buFont typeface="Wingdings" charset="2"/>
-              <a:buChar char=""/>
-            </a:pPr>
-            <a:r>
-              <a:rPr lang="en-US" altLang="x-none" sz="2800" dirty="0">
-                <a:solidFill>
-                  <a:srgbClr val="000000"/>
-                </a:solidFill>
-                <a:ea typeface="Arial" charset="0"/>
-                <a:cs typeface="Arial" charset="0"/>
-              </a:rPr>
-              <a:t>Once NTP is installed, we can now configure our NTP server to synchronize with higher stratum servers. </a:t>
-            </a:r>
-          </a:p>
-          <a:p>
-            <a:pPr eaLnBrk="1">
-              <a:lnSpc>
-                <a:spcPct val="77000"/>
-              </a:lnSpc>
-              <a:spcAft>
-                <a:spcPts val="1413"/>
-              </a:spcAft>
-              <a:buClr>
-                <a:srgbClr val="FF6309"/>
-              </a:buClr>
-              <a:buSzPct val="45000"/>
-              <a:buFont typeface="Wingdings" charset="2"/>
-              <a:buChar char=""/>
-            </a:pPr>
-            <a:r>
-              <a:rPr lang="en-US" altLang="x-none" sz="2800" dirty="0">
-                <a:solidFill>
-                  <a:srgbClr val="000000"/>
-                </a:solidFill>
-                <a:ea typeface="Arial" charset="0"/>
-                <a:cs typeface="Arial" charset="0"/>
-              </a:rPr>
-              <a:t>The configuration file for NTP is stored at </a:t>
-            </a:r>
-            <a:r>
-              <a:rPr lang="en-US" altLang="x-none" sz="2800" dirty="0">
-                <a:solidFill>
-                  <a:srgbClr val="000000"/>
-                </a:solidFill>
-                <a:latin typeface="Courier" charset="0"/>
-                <a:ea typeface="Courier" charset="0"/>
-                <a:cs typeface="Courier" charset="0"/>
-              </a:rPr>
-              <a:t>‘/</a:t>
-            </a:r>
-            <a:r>
-              <a:rPr lang="en-US" altLang="x-none" sz="2800" dirty="0" err="1">
-                <a:solidFill>
-                  <a:srgbClr val="000000"/>
-                </a:solidFill>
-                <a:latin typeface="Courier" charset="0"/>
-                <a:ea typeface="Courier" charset="0"/>
-                <a:cs typeface="Courier" charset="0"/>
-              </a:rPr>
-              <a:t>etc</a:t>
-            </a:r>
-            <a:r>
-              <a:rPr lang="en-US" altLang="x-none" sz="2800" dirty="0">
-                <a:solidFill>
-                  <a:srgbClr val="000000"/>
-                </a:solidFill>
-                <a:latin typeface="Courier" charset="0"/>
-                <a:ea typeface="Courier" charset="0"/>
-                <a:cs typeface="Courier" charset="0"/>
-              </a:rPr>
-              <a:t>/</a:t>
-            </a:r>
-            <a:r>
-              <a:rPr lang="en-US" altLang="x-none" sz="2800" dirty="0" err="1">
-                <a:solidFill>
-                  <a:srgbClr val="000000"/>
-                </a:solidFill>
-                <a:latin typeface="Courier" charset="0"/>
-                <a:ea typeface="Courier" charset="0"/>
-                <a:cs typeface="Courier" charset="0"/>
-              </a:rPr>
-              <a:t>ntp.conf</a:t>
-            </a:r>
-            <a:r>
-              <a:rPr lang="en-US" altLang="x-none" sz="2800" dirty="0">
-                <a:solidFill>
-                  <a:srgbClr val="000000"/>
-                </a:solidFill>
-                <a:ea typeface="Arial" charset="0"/>
-                <a:cs typeface="Arial" charset="0"/>
-              </a:rPr>
-              <a:t>’ and can be modified with any text editor.</a:t>
-            </a:r>
-          </a:p>
-          <a:p>
-            <a:pPr eaLnBrk="1">
-              <a:lnSpc>
-                <a:spcPct val="77000"/>
-              </a:lnSpc>
-              <a:spcAft>
-                <a:spcPts val="1413"/>
-              </a:spcAft>
-              <a:buClr>
-                <a:srgbClr val="FF6309"/>
-              </a:buClr>
-              <a:buSzPct val="45000"/>
-              <a:buFont typeface="Wingdings" charset="2"/>
-              <a:buChar char=""/>
-            </a:pPr>
-            <a:r>
-              <a:rPr lang="en-US" altLang="x-none" sz="2800" dirty="0">
-                <a:solidFill>
-                  <a:srgbClr val="000000"/>
-                </a:solidFill>
-                <a:ea typeface="Arial" charset="0"/>
-                <a:cs typeface="Arial" charset="0"/>
-              </a:rPr>
-              <a:t>To start the configuration process, the higher level servers need to be configured. You can use the:</a:t>
-            </a:r>
-          </a:p>
-          <a:p>
-            <a:pPr lvl="1" eaLnBrk="1">
-              <a:lnSpc>
-                <a:spcPct val="77000"/>
-              </a:lnSpc>
-              <a:spcAft>
-                <a:spcPts val="1413"/>
-              </a:spcAft>
-              <a:buClr>
-                <a:srgbClr val="FF6309"/>
-              </a:buClr>
-              <a:buSzPct val="45000"/>
-              <a:buFont typeface="Wingdings" charset="2"/>
-              <a:buChar char=""/>
-            </a:pPr>
-            <a:r>
-              <a:rPr lang="en-US" altLang="x-none" sz="2800" dirty="0" err="1">
-                <a:solidFill>
-                  <a:srgbClr val="000000"/>
-                </a:solidFill>
-                <a:ea typeface="Arial" charset="0"/>
-                <a:cs typeface="Arial" charset="0"/>
-              </a:rPr>
-              <a:t>Debian</a:t>
-            </a:r>
-            <a:r>
-              <a:rPr lang="en-US" altLang="x-none" sz="2800" dirty="0">
-                <a:solidFill>
-                  <a:srgbClr val="000000"/>
-                </a:solidFill>
-                <a:ea typeface="Arial" charset="0"/>
-                <a:cs typeface="Arial" charset="0"/>
-              </a:rPr>
-              <a:t> default NTP pool servers in the configuration file. </a:t>
-            </a:r>
-          </a:p>
-          <a:p>
-            <a:pPr lvl="1" eaLnBrk="1">
-              <a:lnSpc>
-                <a:spcPct val="77000"/>
-              </a:lnSpc>
-              <a:spcAft>
-                <a:spcPts val="1413"/>
-              </a:spcAft>
-              <a:buClr>
-                <a:srgbClr val="FF6309"/>
-              </a:buClr>
-              <a:buSzPct val="45000"/>
-              <a:buFont typeface="Wingdings" charset="2"/>
-              <a:buChar char=""/>
-            </a:pPr>
-            <a:r>
-              <a:rPr lang="en-US" altLang="x-none" sz="2800" dirty="0" err="1">
-                <a:solidFill>
-                  <a:srgbClr val="000000"/>
-                </a:solidFill>
-                <a:ea typeface="Arial" charset="0"/>
-                <a:cs typeface="Arial" charset="0"/>
-              </a:rPr>
-              <a:t>ntp.org</a:t>
-            </a:r>
-            <a:r>
-              <a:rPr lang="en-US" altLang="x-none" sz="2800" dirty="0">
-                <a:solidFill>
-                  <a:srgbClr val="000000"/>
-                </a:solidFill>
-                <a:ea typeface="Arial" charset="0"/>
-                <a:cs typeface="Arial" charset="0"/>
-              </a:rPr>
-              <a:t> pool servers</a:t>
-            </a:r>
-          </a:p>
-          <a:p>
-            <a:pPr lvl="1" eaLnBrk="1">
-              <a:lnSpc>
-                <a:spcPct val="77000"/>
-              </a:lnSpc>
-              <a:spcAft>
-                <a:spcPts val="1413"/>
-              </a:spcAft>
-              <a:buClr>
-                <a:srgbClr val="FF6309"/>
-              </a:buClr>
-              <a:buSzPct val="45000"/>
-              <a:buFont typeface="Wingdings" charset="2"/>
-              <a:buChar char=""/>
-            </a:pPr>
-            <a:r>
-              <a:rPr lang="en-US" altLang="x-none" sz="2800" dirty="0">
-                <a:solidFill>
-                  <a:srgbClr val="000000"/>
-                </a:solidFill>
-                <a:ea typeface="Arial" charset="0"/>
-                <a:cs typeface="Arial" charset="0"/>
-              </a:rPr>
-              <a:t>List of NTP servers from NIST to specify certain servers. </a:t>
-            </a:r>
-          </a:p>
-          <a:p>
-            <a:pPr lvl="1" eaLnBrk="1">
-              <a:lnSpc>
-                <a:spcPct val="77000"/>
-              </a:lnSpc>
-              <a:spcAft>
-                <a:spcPts val="1413"/>
-              </a:spcAft>
-              <a:buClr>
-                <a:srgbClr val="FF6309"/>
-              </a:buClr>
-              <a:buSzPct val="45000"/>
-              <a:buFont typeface="Wingdings" charset="2"/>
-              <a:buChar char=""/>
-            </a:pPr>
-            <a:r>
-              <a:rPr lang="en-US" altLang="x-none" sz="2800" dirty="0">
-                <a:solidFill>
-                  <a:srgbClr val="000000"/>
-                </a:solidFill>
-                <a:ea typeface="Arial" charset="0"/>
-                <a:cs typeface="Arial" charset="0"/>
-              </a:rPr>
-              <a:t>NIST’s servers in a round robin fashion (suggested method by NIST).</a:t>
             </a:r>
           </a:p>
         </p:txBody>
@@ -19566,6 +18508,1156 @@
               <a:buChar char=""/>
             </a:pPr>
             <a:r>
+              <a:rPr lang="en-US" altLang="x-none" sz="2800" dirty="0">
+                <a:solidFill>
+                  <a:srgbClr val="000000"/>
+                </a:solidFill>
+                <a:ea typeface="Arial" charset="0"/>
+                <a:cs typeface="Arial" charset="0"/>
+              </a:rPr>
+              <a:t>Once NTP is installed, we can now configure our NTP server to synchronize with higher stratum servers. </a:t>
+            </a:r>
+          </a:p>
+          <a:p>
+            <a:pPr eaLnBrk="1">
+              <a:lnSpc>
+                <a:spcPct val="77000"/>
+              </a:lnSpc>
+              <a:spcAft>
+                <a:spcPts val="1413"/>
+              </a:spcAft>
+              <a:buClr>
+                <a:srgbClr val="FF6309"/>
+              </a:buClr>
+              <a:buSzPct val="45000"/>
+              <a:buFont typeface="Wingdings" charset="2"/>
+              <a:buChar char=""/>
+            </a:pPr>
+            <a:r>
+              <a:rPr lang="en-US" altLang="x-none" sz="2800" dirty="0">
+                <a:solidFill>
+                  <a:srgbClr val="000000"/>
+                </a:solidFill>
+                <a:ea typeface="Arial" charset="0"/>
+                <a:cs typeface="Arial" charset="0"/>
+              </a:rPr>
+              <a:t>The configuration file for NTP is stored at </a:t>
+            </a:r>
+            <a:r>
+              <a:rPr lang="en-US" altLang="x-none" sz="2800" dirty="0">
+                <a:solidFill>
+                  <a:srgbClr val="000000"/>
+                </a:solidFill>
+                <a:latin typeface="Courier" charset="0"/>
+                <a:ea typeface="Courier" charset="0"/>
+                <a:cs typeface="Courier" charset="0"/>
+              </a:rPr>
+              <a:t>‘/</a:t>
+            </a:r>
+            <a:r>
+              <a:rPr lang="en-US" altLang="x-none" sz="2800" dirty="0" err="1">
+                <a:solidFill>
+                  <a:srgbClr val="000000"/>
+                </a:solidFill>
+                <a:latin typeface="Courier" charset="0"/>
+                <a:ea typeface="Courier" charset="0"/>
+                <a:cs typeface="Courier" charset="0"/>
+              </a:rPr>
+              <a:t>etc</a:t>
+            </a:r>
+            <a:r>
+              <a:rPr lang="en-US" altLang="x-none" sz="2800" dirty="0">
+                <a:solidFill>
+                  <a:srgbClr val="000000"/>
+                </a:solidFill>
+                <a:latin typeface="Courier" charset="0"/>
+                <a:ea typeface="Courier" charset="0"/>
+                <a:cs typeface="Courier" charset="0"/>
+              </a:rPr>
+              <a:t>/</a:t>
+            </a:r>
+            <a:r>
+              <a:rPr lang="en-US" altLang="x-none" sz="2800" dirty="0" err="1">
+                <a:solidFill>
+                  <a:srgbClr val="000000"/>
+                </a:solidFill>
+                <a:latin typeface="Courier" charset="0"/>
+                <a:ea typeface="Courier" charset="0"/>
+                <a:cs typeface="Courier" charset="0"/>
+              </a:rPr>
+              <a:t>ntp.conf</a:t>
+            </a:r>
+            <a:r>
+              <a:rPr lang="en-US" altLang="x-none" sz="2800" dirty="0">
+                <a:solidFill>
+                  <a:srgbClr val="000000"/>
+                </a:solidFill>
+                <a:ea typeface="Arial" charset="0"/>
+                <a:cs typeface="Arial" charset="0"/>
+              </a:rPr>
+              <a:t>’ and can be modified with any text editor.</a:t>
+            </a:r>
+          </a:p>
+          <a:p>
+            <a:pPr eaLnBrk="1">
+              <a:lnSpc>
+                <a:spcPct val="77000"/>
+              </a:lnSpc>
+              <a:spcAft>
+                <a:spcPts val="1413"/>
+              </a:spcAft>
+              <a:buClr>
+                <a:srgbClr val="FF6309"/>
+              </a:buClr>
+              <a:buSzPct val="45000"/>
+              <a:buFont typeface="Wingdings" charset="2"/>
+              <a:buChar char=""/>
+            </a:pPr>
+            <a:r>
+              <a:rPr lang="en-US" altLang="x-none" sz="2800" dirty="0">
+                <a:solidFill>
+                  <a:srgbClr val="000000"/>
+                </a:solidFill>
+                <a:ea typeface="Arial" charset="0"/>
+                <a:cs typeface="Arial" charset="0"/>
+              </a:rPr>
+              <a:t>To start the configuration process, the higher level servers need to be configured. You can use the:</a:t>
+            </a:r>
+          </a:p>
+          <a:p>
+            <a:pPr lvl="1" eaLnBrk="1">
+              <a:lnSpc>
+                <a:spcPct val="77000"/>
+              </a:lnSpc>
+              <a:spcAft>
+                <a:spcPts val="1413"/>
+              </a:spcAft>
+              <a:buClr>
+                <a:srgbClr val="FF6309"/>
+              </a:buClr>
+              <a:buSzPct val="45000"/>
+              <a:buFont typeface="Wingdings" charset="2"/>
+              <a:buChar char=""/>
+            </a:pPr>
+            <a:r>
+              <a:rPr lang="en-US" altLang="x-none" sz="2800" dirty="0" err="1">
+                <a:solidFill>
+                  <a:srgbClr val="000000"/>
+                </a:solidFill>
+                <a:ea typeface="Arial" charset="0"/>
+                <a:cs typeface="Arial" charset="0"/>
+              </a:rPr>
+              <a:t>Debian</a:t>
+            </a:r>
+            <a:r>
+              <a:rPr lang="en-US" altLang="x-none" sz="2800" dirty="0">
+                <a:solidFill>
+                  <a:srgbClr val="000000"/>
+                </a:solidFill>
+                <a:ea typeface="Arial" charset="0"/>
+                <a:cs typeface="Arial" charset="0"/>
+              </a:rPr>
+              <a:t> default NTP pool servers in the configuration file. </a:t>
+            </a:r>
+          </a:p>
+          <a:p>
+            <a:pPr lvl="1" eaLnBrk="1">
+              <a:lnSpc>
+                <a:spcPct val="77000"/>
+              </a:lnSpc>
+              <a:spcAft>
+                <a:spcPts val="1413"/>
+              </a:spcAft>
+              <a:buClr>
+                <a:srgbClr val="FF6309"/>
+              </a:buClr>
+              <a:buSzPct val="45000"/>
+              <a:buFont typeface="Wingdings" charset="2"/>
+              <a:buChar char=""/>
+            </a:pPr>
+            <a:r>
+              <a:rPr lang="en-US" altLang="x-none" sz="2800" dirty="0" err="1">
+                <a:solidFill>
+                  <a:srgbClr val="000000"/>
+                </a:solidFill>
+                <a:ea typeface="Arial" charset="0"/>
+                <a:cs typeface="Arial" charset="0"/>
+              </a:rPr>
+              <a:t>ntp.org</a:t>
+            </a:r>
+            <a:r>
+              <a:rPr lang="en-US" altLang="x-none" sz="2800" dirty="0">
+                <a:solidFill>
+                  <a:srgbClr val="000000"/>
+                </a:solidFill>
+                <a:ea typeface="Arial" charset="0"/>
+                <a:cs typeface="Arial" charset="0"/>
+              </a:rPr>
+              <a:t> pool servers</a:t>
+            </a:r>
+          </a:p>
+          <a:p>
+            <a:pPr lvl="1" eaLnBrk="1">
+              <a:lnSpc>
+                <a:spcPct val="77000"/>
+              </a:lnSpc>
+              <a:spcAft>
+                <a:spcPts val="1413"/>
+              </a:spcAft>
+              <a:buClr>
+                <a:srgbClr val="FF6309"/>
+              </a:buClr>
+              <a:buSzPct val="45000"/>
+              <a:buFont typeface="Wingdings" charset="2"/>
+              <a:buChar char=""/>
+            </a:pPr>
+            <a:r>
+              <a:rPr lang="en-US" altLang="x-none" sz="2800" dirty="0">
+                <a:solidFill>
+                  <a:srgbClr val="000000"/>
+                </a:solidFill>
+                <a:ea typeface="Arial" charset="0"/>
+                <a:cs typeface="Arial" charset="0"/>
+              </a:rPr>
+              <a:t>List of NTP servers from NIST to specify certain servers. </a:t>
+            </a:r>
+          </a:p>
+          <a:p>
+            <a:pPr lvl="1" eaLnBrk="1">
+              <a:lnSpc>
+                <a:spcPct val="77000"/>
+              </a:lnSpc>
+              <a:spcAft>
+                <a:spcPts val="1413"/>
+              </a:spcAft>
+              <a:buClr>
+                <a:srgbClr val="FF6309"/>
+              </a:buClr>
+              <a:buSzPct val="45000"/>
+              <a:buFont typeface="Wingdings" charset="2"/>
+              <a:buChar char=""/>
+            </a:pPr>
+            <a:r>
+              <a:rPr lang="en-US" altLang="x-none" sz="2800" dirty="0">
+                <a:solidFill>
+                  <a:srgbClr val="000000"/>
+                </a:solidFill>
+                <a:ea typeface="Arial" charset="0"/>
+                <a:cs typeface="Arial" charset="0"/>
+              </a:rPr>
+              <a:t>NIST’s servers in a round robin fashion (suggested method by NIST).</a:t>
+            </a:r>
+          </a:p>
+        </p:txBody>
+      </p:sp>
+    </p:spTree>
+  </p:cSld>
+  <p:clrMapOvr>
+    <a:masterClrMapping/>
+  </p:clrMapOvr>
+  <p:transition spd="med"/>
+  <p:timing>
+    <p:tnLst>
+      <p:par>
+        <p:cTn id="1" dur="indefinite" restart="never" nodeType="tmRoot">
+          <p:childTnLst>
+            <p:seq concurrent="1" nextAc="seek">
+              <p:cTn id="2" dur="0" nodeType="mainSeq"/>
+              <p:prevCondLst>
+                <p:cond evt="onPrev" delay="0">
+                  <p:tgtEl>
+                    <p:sldTgt/>
+                  </p:tgtEl>
+                </p:cond>
+              </p:prevCondLst>
+              <p:nextCondLst>
+                <p:cond evt="onNext" delay="0">
+                  <p:tgtEl>
+                    <p:sldTgt/>
+                  </p:tgtEl>
+                </p:cond>
+              </p:nextCondLst>
+            </p:seq>
+          </p:childTnLst>
+        </p:cTn>
+      </p:par>
+    </p:tnLst>
+  </p:timing>
+</p:sld>
+</file>
+
+<file path=ppt/slides/slide13.xml><?xml version="1.0" encoding="utf-8"?>
+<p:sld xmlns:a="http://schemas.openxmlformats.org/drawingml/2006/main" xmlns:r="http://schemas.openxmlformats.org/officeDocument/2006/relationships" xmlns:p="http://schemas.openxmlformats.org/presentationml/2006/main">
+  <p:cSld>
+    <p:bg>
+      <p:bgPr>
+        <a:blipFill dpi="0" rotWithShape="0">
+          <a:blip r:embed="rId3"/>
+          <a:srcRect/>
+          <a:tile tx="0" ty="0" sx="100000" sy="100000" flip="none" algn="tl"/>
+        </a:blipFill>
+        <a:effectLst/>
+      </p:bgPr>
+    </p:bg>
+    <p:spTree>
+      <p:nvGrpSpPr>
+        <p:cNvPr id="1" name=""/>
+        <p:cNvGrpSpPr/>
+        <p:nvPr/>
+      </p:nvGrpSpPr>
+      <p:grpSpPr>
+        <a:xfrm>
+          <a:off x="0" y="0"/>
+          <a:ext cx="0" cy="0"/>
+          <a:chOff x="0" y="0"/>
+          <a:chExt cx="0" cy="0"/>
+        </a:xfrm>
+      </p:grpSpPr>
+      <p:sp>
+        <p:nvSpPr>
+          <p:cNvPr id="11265" name="Text Box 1"/>
+          <p:cNvSpPr txBox="1">
+            <a:spLocks noChangeArrowheads="1"/>
+          </p:cNvSpPr>
+          <p:nvPr/>
+        </p:nvSpPr>
+        <p:spPr bwMode="auto">
+          <a:xfrm>
+            <a:off x="503238" y="0"/>
+            <a:ext cx="9070975" cy="1260475"/>
+          </a:xfrm>
+          <a:prstGeom prst="rect">
+            <a:avLst/>
+          </a:prstGeom>
+          <a:noFill/>
+          <a:ln>
+            <a:noFill/>
+          </a:ln>
+          <a:effectLst/>
+          <a:extLst>
+            <a:ext uri="{909E8E84-426E-40dd-AFC4-6F175D3DCCD1}">
+              <a14:hiddenFill xmlns:a14="http://schemas.microsoft.com/office/drawing/2010/main" xmlns="">
+                <a:solidFill>
+                  <a:srgbClr val="FFFFFF"/>
+                </a:solidFill>
+              </a14:hiddenFill>
+            </a:ext>
+            <a:ext uri="{91240B29-F687-4f45-9708-019B960494DF}">
+              <a14:hiddenLine xmlns:a14="http://schemas.microsoft.com/office/drawing/2010/main" xmlns="" w="9525" cap="flat">
+                <a:solidFill>
+                  <a:srgbClr val="3465A4"/>
+                </a:solidFill>
+                <a:round/>
+                <a:headEnd/>
+                <a:tailEnd/>
+              </a14:hiddenLine>
+            </a:ext>
+            <a:ext uri="{AF507438-7753-43e0-B8FC-AC1667EBCBE1}">
+              <a14:hiddenEffects xmlns:a14="http://schemas.microsoft.com/office/drawing/2010/main" xmlns="">
+                <a:effectLst>
+                  <a:outerShdw blurRad="63500" dist="38099" dir="2700000" algn="ctr" rotWithShape="0">
+                    <a:srgbClr val="000000">
+                      <a:alpha val="74998"/>
+                    </a:srgbClr>
+                  </a:outerShdw>
+                </a:effectLst>
+              </a14:hiddenEffects>
+            </a:ext>
+          </a:extLst>
+        </p:spPr>
+        <p:txBody>
+          <a:bodyPr lIns="0" tIns="0" rIns="0" bIns="0" anchor="ctr"/>
+          <a:lstStyle>
+            <a:lvl1pPr>
+              <a:tabLst>
+                <a:tab pos="0" algn="l"/>
+                <a:tab pos="457200" algn="l"/>
+                <a:tab pos="914400" algn="l"/>
+                <a:tab pos="1371600" algn="l"/>
+                <a:tab pos="1828800" algn="l"/>
+                <a:tab pos="2286000" algn="l"/>
+                <a:tab pos="2743200" algn="l"/>
+                <a:tab pos="3200400" algn="l"/>
+                <a:tab pos="3657600" algn="l"/>
+                <a:tab pos="4114800" algn="l"/>
+                <a:tab pos="4572000" algn="l"/>
+                <a:tab pos="5029200" algn="l"/>
+                <a:tab pos="5486400" algn="l"/>
+                <a:tab pos="5943600" algn="l"/>
+                <a:tab pos="6400800" algn="l"/>
+                <a:tab pos="6858000" algn="l"/>
+                <a:tab pos="7315200" algn="l"/>
+                <a:tab pos="7772400" algn="l"/>
+                <a:tab pos="8229600" algn="l"/>
+                <a:tab pos="8686800" algn="l"/>
+                <a:tab pos="9144000" algn="l"/>
+              </a:tabLst>
+              <a:defRPr sz="2400">
+                <a:solidFill>
+                  <a:srgbClr val="000000"/>
+                </a:solidFill>
+                <a:latin typeface="Arial" charset="0"/>
+                <a:ea typeface="ＭＳ Ｐゴシック" charset="0"/>
+                <a:cs typeface="DejaVu Sans" charset="0"/>
+              </a:defRPr>
+            </a:lvl1pPr>
+            <a:lvl2pPr>
+              <a:tabLst>
+                <a:tab pos="0" algn="l"/>
+                <a:tab pos="457200" algn="l"/>
+                <a:tab pos="914400" algn="l"/>
+                <a:tab pos="1371600" algn="l"/>
+                <a:tab pos="1828800" algn="l"/>
+                <a:tab pos="2286000" algn="l"/>
+                <a:tab pos="2743200" algn="l"/>
+                <a:tab pos="3200400" algn="l"/>
+                <a:tab pos="3657600" algn="l"/>
+                <a:tab pos="4114800" algn="l"/>
+                <a:tab pos="4572000" algn="l"/>
+                <a:tab pos="5029200" algn="l"/>
+                <a:tab pos="5486400" algn="l"/>
+                <a:tab pos="5943600" algn="l"/>
+                <a:tab pos="6400800" algn="l"/>
+                <a:tab pos="6858000" algn="l"/>
+                <a:tab pos="7315200" algn="l"/>
+                <a:tab pos="7772400" algn="l"/>
+                <a:tab pos="8229600" algn="l"/>
+                <a:tab pos="8686800" algn="l"/>
+                <a:tab pos="9144000" algn="l"/>
+              </a:tabLst>
+              <a:defRPr sz="2400">
+                <a:solidFill>
+                  <a:srgbClr val="000000"/>
+                </a:solidFill>
+                <a:latin typeface="Arial" charset="0"/>
+                <a:ea typeface="ＭＳ Ｐゴシック" charset="0"/>
+                <a:cs typeface="DejaVu Sans" charset="0"/>
+              </a:defRPr>
+            </a:lvl2pPr>
+            <a:lvl3pPr>
+              <a:tabLst>
+                <a:tab pos="0" algn="l"/>
+                <a:tab pos="457200" algn="l"/>
+                <a:tab pos="914400" algn="l"/>
+                <a:tab pos="1371600" algn="l"/>
+                <a:tab pos="1828800" algn="l"/>
+                <a:tab pos="2286000" algn="l"/>
+                <a:tab pos="2743200" algn="l"/>
+                <a:tab pos="3200400" algn="l"/>
+                <a:tab pos="3657600" algn="l"/>
+                <a:tab pos="4114800" algn="l"/>
+                <a:tab pos="4572000" algn="l"/>
+                <a:tab pos="5029200" algn="l"/>
+                <a:tab pos="5486400" algn="l"/>
+                <a:tab pos="5943600" algn="l"/>
+                <a:tab pos="6400800" algn="l"/>
+                <a:tab pos="6858000" algn="l"/>
+                <a:tab pos="7315200" algn="l"/>
+                <a:tab pos="7772400" algn="l"/>
+                <a:tab pos="8229600" algn="l"/>
+                <a:tab pos="8686800" algn="l"/>
+                <a:tab pos="9144000" algn="l"/>
+              </a:tabLst>
+              <a:defRPr sz="2400">
+                <a:solidFill>
+                  <a:srgbClr val="000000"/>
+                </a:solidFill>
+                <a:latin typeface="Arial" charset="0"/>
+                <a:ea typeface="ＭＳ Ｐゴシック" charset="0"/>
+                <a:cs typeface="DejaVu Sans" charset="0"/>
+              </a:defRPr>
+            </a:lvl3pPr>
+            <a:lvl4pPr>
+              <a:tabLst>
+                <a:tab pos="0" algn="l"/>
+                <a:tab pos="457200" algn="l"/>
+                <a:tab pos="914400" algn="l"/>
+                <a:tab pos="1371600" algn="l"/>
+                <a:tab pos="1828800" algn="l"/>
+                <a:tab pos="2286000" algn="l"/>
+                <a:tab pos="2743200" algn="l"/>
+                <a:tab pos="3200400" algn="l"/>
+                <a:tab pos="3657600" algn="l"/>
+                <a:tab pos="4114800" algn="l"/>
+                <a:tab pos="4572000" algn="l"/>
+                <a:tab pos="5029200" algn="l"/>
+                <a:tab pos="5486400" algn="l"/>
+                <a:tab pos="5943600" algn="l"/>
+                <a:tab pos="6400800" algn="l"/>
+                <a:tab pos="6858000" algn="l"/>
+                <a:tab pos="7315200" algn="l"/>
+                <a:tab pos="7772400" algn="l"/>
+                <a:tab pos="8229600" algn="l"/>
+                <a:tab pos="8686800" algn="l"/>
+                <a:tab pos="9144000" algn="l"/>
+              </a:tabLst>
+              <a:defRPr sz="2400">
+                <a:solidFill>
+                  <a:srgbClr val="000000"/>
+                </a:solidFill>
+                <a:latin typeface="Arial" charset="0"/>
+                <a:ea typeface="ＭＳ Ｐゴシック" charset="0"/>
+                <a:cs typeface="DejaVu Sans" charset="0"/>
+              </a:defRPr>
+            </a:lvl4pPr>
+            <a:lvl5pPr>
+              <a:tabLst>
+                <a:tab pos="0" algn="l"/>
+                <a:tab pos="457200" algn="l"/>
+                <a:tab pos="914400" algn="l"/>
+                <a:tab pos="1371600" algn="l"/>
+                <a:tab pos="1828800" algn="l"/>
+                <a:tab pos="2286000" algn="l"/>
+                <a:tab pos="2743200" algn="l"/>
+                <a:tab pos="3200400" algn="l"/>
+                <a:tab pos="3657600" algn="l"/>
+                <a:tab pos="4114800" algn="l"/>
+                <a:tab pos="4572000" algn="l"/>
+                <a:tab pos="5029200" algn="l"/>
+                <a:tab pos="5486400" algn="l"/>
+                <a:tab pos="5943600" algn="l"/>
+                <a:tab pos="6400800" algn="l"/>
+                <a:tab pos="6858000" algn="l"/>
+                <a:tab pos="7315200" algn="l"/>
+                <a:tab pos="7772400" algn="l"/>
+                <a:tab pos="8229600" algn="l"/>
+                <a:tab pos="8686800" algn="l"/>
+                <a:tab pos="9144000" algn="l"/>
+              </a:tabLst>
+              <a:defRPr sz="2400">
+                <a:solidFill>
+                  <a:srgbClr val="000000"/>
+                </a:solidFill>
+                <a:latin typeface="Arial" charset="0"/>
+                <a:ea typeface="ＭＳ Ｐゴシック" charset="0"/>
+                <a:cs typeface="DejaVu Sans" charset="0"/>
+              </a:defRPr>
+            </a:lvl5pPr>
+            <a:lvl6pPr marL="2514600" indent="-228600" fontAlgn="base" hangingPunct="0">
+              <a:lnSpc>
+                <a:spcPct val="96000"/>
+              </a:lnSpc>
+              <a:spcBef>
+                <a:spcPct val="0"/>
+              </a:spcBef>
+              <a:spcAft>
+                <a:spcPct val="0"/>
+              </a:spcAft>
+              <a:buClr>
+                <a:srgbClr val="000000"/>
+              </a:buClr>
+              <a:buSzPct val="100000"/>
+              <a:buFont typeface="Times New Roman" charset="0"/>
+              <a:tabLst>
+                <a:tab pos="0" algn="l"/>
+                <a:tab pos="457200" algn="l"/>
+                <a:tab pos="914400" algn="l"/>
+                <a:tab pos="1371600" algn="l"/>
+                <a:tab pos="1828800" algn="l"/>
+                <a:tab pos="2286000" algn="l"/>
+                <a:tab pos="2743200" algn="l"/>
+                <a:tab pos="3200400" algn="l"/>
+                <a:tab pos="3657600" algn="l"/>
+                <a:tab pos="4114800" algn="l"/>
+                <a:tab pos="4572000" algn="l"/>
+                <a:tab pos="5029200" algn="l"/>
+                <a:tab pos="5486400" algn="l"/>
+                <a:tab pos="5943600" algn="l"/>
+                <a:tab pos="6400800" algn="l"/>
+                <a:tab pos="6858000" algn="l"/>
+                <a:tab pos="7315200" algn="l"/>
+                <a:tab pos="7772400" algn="l"/>
+                <a:tab pos="8229600" algn="l"/>
+                <a:tab pos="8686800" algn="l"/>
+                <a:tab pos="9144000" algn="l"/>
+              </a:tabLst>
+              <a:defRPr sz="2400">
+                <a:solidFill>
+                  <a:srgbClr val="000000"/>
+                </a:solidFill>
+                <a:latin typeface="Arial" charset="0"/>
+                <a:ea typeface="ＭＳ Ｐゴシック" charset="0"/>
+                <a:cs typeface="DejaVu Sans" charset="0"/>
+              </a:defRPr>
+            </a:lvl6pPr>
+            <a:lvl7pPr marL="2971800" indent="-228600" fontAlgn="base" hangingPunct="0">
+              <a:lnSpc>
+                <a:spcPct val="96000"/>
+              </a:lnSpc>
+              <a:spcBef>
+                <a:spcPct val="0"/>
+              </a:spcBef>
+              <a:spcAft>
+                <a:spcPct val="0"/>
+              </a:spcAft>
+              <a:buClr>
+                <a:srgbClr val="000000"/>
+              </a:buClr>
+              <a:buSzPct val="100000"/>
+              <a:buFont typeface="Times New Roman" charset="0"/>
+              <a:tabLst>
+                <a:tab pos="0" algn="l"/>
+                <a:tab pos="457200" algn="l"/>
+                <a:tab pos="914400" algn="l"/>
+                <a:tab pos="1371600" algn="l"/>
+                <a:tab pos="1828800" algn="l"/>
+                <a:tab pos="2286000" algn="l"/>
+                <a:tab pos="2743200" algn="l"/>
+                <a:tab pos="3200400" algn="l"/>
+                <a:tab pos="3657600" algn="l"/>
+                <a:tab pos="4114800" algn="l"/>
+                <a:tab pos="4572000" algn="l"/>
+                <a:tab pos="5029200" algn="l"/>
+                <a:tab pos="5486400" algn="l"/>
+                <a:tab pos="5943600" algn="l"/>
+                <a:tab pos="6400800" algn="l"/>
+                <a:tab pos="6858000" algn="l"/>
+                <a:tab pos="7315200" algn="l"/>
+                <a:tab pos="7772400" algn="l"/>
+                <a:tab pos="8229600" algn="l"/>
+                <a:tab pos="8686800" algn="l"/>
+                <a:tab pos="9144000" algn="l"/>
+              </a:tabLst>
+              <a:defRPr sz="2400">
+                <a:solidFill>
+                  <a:srgbClr val="000000"/>
+                </a:solidFill>
+                <a:latin typeface="Arial" charset="0"/>
+                <a:ea typeface="ＭＳ Ｐゴシック" charset="0"/>
+                <a:cs typeface="DejaVu Sans" charset="0"/>
+              </a:defRPr>
+            </a:lvl7pPr>
+            <a:lvl8pPr marL="3429000" indent="-228600" fontAlgn="base" hangingPunct="0">
+              <a:lnSpc>
+                <a:spcPct val="96000"/>
+              </a:lnSpc>
+              <a:spcBef>
+                <a:spcPct val="0"/>
+              </a:spcBef>
+              <a:spcAft>
+                <a:spcPct val="0"/>
+              </a:spcAft>
+              <a:buClr>
+                <a:srgbClr val="000000"/>
+              </a:buClr>
+              <a:buSzPct val="100000"/>
+              <a:buFont typeface="Times New Roman" charset="0"/>
+              <a:tabLst>
+                <a:tab pos="0" algn="l"/>
+                <a:tab pos="457200" algn="l"/>
+                <a:tab pos="914400" algn="l"/>
+                <a:tab pos="1371600" algn="l"/>
+                <a:tab pos="1828800" algn="l"/>
+                <a:tab pos="2286000" algn="l"/>
+                <a:tab pos="2743200" algn="l"/>
+                <a:tab pos="3200400" algn="l"/>
+                <a:tab pos="3657600" algn="l"/>
+                <a:tab pos="4114800" algn="l"/>
+                <a:tab pos="4572000" algn="l"/>
+                <a:tab pos="5029200" algn="l"/>
+                <a:tab pos="5486400" algn="l"/>
+                <a:tab pos="5943600" algn="l"/>
+                <a:tab pos="6400800" algn="l"/>
+                <a:tab pos="6858000" algn="l"/>
+                <a:tab pos="7315200" algn="l"/>
+                <a:tab pos="7772400" algn="l"/>
+                <a:tab pos="8229600" algn="l"/>
+                <a:tab pos="8686800" algn="l"/>
+                <a:tab pos="9144000" algn="l"/>
+              </a:tabLst>
+              <a:defRPr sz="2400">
+                <a:solidFill>
+                  <a:srgbClr val="000000"/>
+                </a:solidFill>
+                <a:latin typeface="Arial" charset="0"/>
+                <a:ea typeface="ＭＳ Ｐゴシック" charset="0"/>
+                <a:cs typeface="DejaVu Sans" charset="0"/>
+              </a:defRPr>
+            </a:lvl8pPr>
+            <a:lvl9pPr marL="3886200" indent="-228600" fontAlgn="base" hangingPunct="0">
+              <a:lnSpc>
+                <a:spcPct val="96000"/>
+              </a:lnSpc>
+              <a:spcBef>
+                <a:spcPct val="0"/>
+              </a:spcBef>
+              <a:spcAft>
+                <a:spcPct val="0"/>
+              </a:spcAft>
+              <a:buClr>
+                <a:srgbClr val="000000"/>
+              </a:buClr>
+              <a:buSzPct val="100000"/>
+              <a:buFont typeface="Times New Roman" charset="0"/>
+              <a:tabLst>
+                <a:tab pos="0" algn="l"/>
+                <a:tab pos="457200" algn="l"/>
+                <a:tab pos="914400" algn="l"/>
+                <a:tab pos="1371600" algn="l"/>
+                <a:tab pos="1828800" algn="l"/>
+                <a:tab pos="2286000" algn="l"/>
+                <a:tab pos="2743200" algn="l"/>
+                <a:tab pos="3200400" algn="l"/>
+                <a:tab pos="3657600" algn="l"/>
+                <a:tab pos="4114800" algn="l"/>
+                <a:tab pos="4572000" algn="l"/>
+                <a:tab pos="5029200" algn="l"/>
+                <a:tab pos="5486400" algn="l"/>
+                <a:tab pos="5943600" algn="l"/>
+                <a:tab pos="6400800" algn="l"/>
+                <a:tab pos="6858000" algn="l"/>
+                <a:tab pos="7315200" algn="l"/>
+                <a:tab pos="7772400" algn="l"/>
+                <a:tab pos="8229600" algn="l"/>
+                <a:tab pos="8686800" algn="l"/>
+                <a:tab pos="9144000" algn="l"/>
+              </a:tabLst>
+              <a:defRPr sz="2400">
+                <a:solidFill>
+                  <a:srgbClr val="000000"/>
+                </a:solidFill>
+                <a:latin typeface="Arial" charset="0"/>
+                <a:ea typeface="ＭＳ Ｐゴシック" charset="0"/>
+                <a:cs typeface="DejaVu Sans" charset="0"/>
+              </a:defRPr>
+            </a:lvl9pPr>
+          </a:lstStyle>
+          <a:p>
+            <a:pPr>
+              <a:lnSpc>
+                <a:spcPct val="97000"/>
+              </a:lnSpc>
+              <a:buClrTx/>
+              <a:buSzPct val="45000"/>
+              <a:buFontTx/>
+              <a:buNone/>
+              <a:defRPr/>
+            </a:pPr>
+            <a:r>
+              <a:rPr lang="en-US" sz="4400" b="1" dirty="0">
+                <a:latin typeface="Trebuchet MS" charset="0"/>
+              </a:rPr>
+              <a:t>Step 2: NTP Server Configuration </a:t>
+            </a:r>
+          </a:p>
+        </p:txBody>
+      </p:sp>
+      <p:sp>
+        <p:nvSpPr>
+          <p:cNvPr id="11266" name="Text Box 2"/>
+          <p:cNvSpPr txBox="1">
+            <a:spLocks noChangeArrowheads="1"/>
+          </p:cNvSpPr>
+          <p:nvPr/>
+        </p:nvSpPr>
+        <p:spPr bwMode="auto">
+          <a:xfrm>
+            <a:off x="503238" y="1403350"/>
+            <a:ext cx="9070975" cy="5638800"/>
+          </a:xfrm>
+          <a:prstGeom prst="rect">
+            <a:avLst/>
+          </a:prstGeom>
+          <a:noFill/>
+          <a:ln>
+            <a:noFill/>
+          </a:ln>
+          <a:effectLst/>
+          <a:extLst>
+            <a:ext uri="{909E8E84-426E-40dd-AFC4-6F175D3DCCD1}">
+              <a14:hiddenFill xmlns:a14="http://schemas.microsoft.com/office/drawing/2010/main" xmlns="">
+                <a:solidFill>
+                  <a:srgbClr val="FFFFFF"/>
+                </a:solidFill>
+              </a14:hiddenFill>
+            </a:ext>
+            <a:ext uri="{91240B29-F687-4f45-9708-019B960494DF}">
+              <a14:hiddenLine xmlns:a14="http://schemas.microsoft.com/office/drawing/2010/main" xmlns="" w="9525" cap="flat">
+                <a:solidFill>
+                  <a:srgbClr val="3465A4"/>
+                </a:solidFill>
+                <a:round/>
+                <a:headEnd/>
+                <a:tailEnd/>
+              </a14:hiddenLine>
+            </a:ext>
+            <a:ext uri="{AF507438-7753-43e0-B8FC-AC1667EBCBE1}">
+              <a14:hiddenEffects xmlns:a14="http://schemas.microsoft.com/office/drawing/2010/main" xmlns="">
+                <a:effectLst>
+                  <a:outerShdw blurRad="63500" dist="38099" dir="2700000" algn="ctr" rotWithShape="0">
+                    <a:srgbClr val="000000">
+                      <a:alpha val="74998"/>
+                    </a:srgbClr>
+                  </a:outerShdw>
+                </a:effectLst>
+              </a14:hiddenEffects>
+            </a:ext>
+          </a:extLst>
+        </p:spPr>
+        <p:txBody>
+          <a:bodyPr lIns="0" tIns="0" rIns="0" bIns="0"/>
+          <a:lstStyle>
+            <a:lvl1pPr marL="428625" indent="-323850" eaLnBrk="0">
+              <a:tabLst>
+                <a:tab pos="428625" algn="l"/>
+                <a:tab pos="885825" algn="l"/>
+                <a:tab pos="1343025" algn="l"/>
+                <a:tab pos="1800225" algn="l"/>
+                <a:tab pos="2257425" algn="l"/>
+                <a:tab pos="2714625" algn="l"/>
+                <a:tab pos="3171825" algn="l"/>
+                <a:tab pos="3629025" algn="l"/>
+                <a:tab pos="4086225" algn="l"/>
+                <a:tab pos="4543425" algn="l"/>
+                <a:tab pos="5000625" algn="l"/>
+                <a:tab pos="5457825" algn="l"/>
+                <a:tab pos="5915025" algn="l"/>
+                <a:tab pos="6372225" algn="l"/>
+                <a:tab pos="6829425" algn="l"/>
+                <a:tab pos="7286625" algn="l"/>
+                <a:tab pos="7743825" algn="l"/>
+                <a:tab pos="8201025" algn="l"/>
+                <a:tab pos="8658225" algn="l"/>
+                <a:tab pos="9115425" algn="l"/>
+                <a:tab pos="9572625" algn="l"/>
+              </a:tabLst>
+              <a:defRPr sz="2400">
+                <a:solidFill>
+                  <a:schemeClr val="bg1"/>
+                </a:solidFill>
+                <a:latin typeface="Arial" charset="0"/>
+                <a:ea typeface="ＭＳ Ｐゴシック" charset="-128"/>
+              </a:defRPr>
+            </a:lvl1pPr>
+            <a:lvl2pPr eaLnBrk="0">
+              <a:tabLst>
+                <a:tab pos="428625" algn="l"/>
+                <a:tab pos="885825" algn="l"/>
+                <a:tab pos="1343025" algn="l"/>
+                <a:tab pos="1800225" algn="l"/>
+                <a:tab pos="2257425" algn="l"/>
+                <a:tab pos="2714625" algn="l"/>
+                <a:tab pos="3171825" algn="l"/>
+                <a:tab pos="3629025" algn="l"/>
+                <a:tab pos="4086225" algn="l"/>
+                <a:tab pos="4543425" algn="l"/>
+                <a:tab pos="5000625" algn="l"/>
+                <a:tab pos="5457825" algn="l"/>
+                <a:tab pos="5915025" algn="l"/>
+                <a:tab pos="6372225" algn="l"/>
+                <a:tab pos="6829425" algn="l"/>
+                <a:tab pos="7286625" algn="l"/>
+                <a:tab pos="7743825" algn="l"/>
+                <a:tab pos="8201025" algn="l"/>
+                <a:tab pos="8658225" algn="l"/>
+                <a:tab pos="9115425" algn="l"/>
+                <a:tab pos="9572625" algn="l"/>
+              </a:tabLst>
+              <a:defRPr sz="2400">
+                <a:solidFill>
+                  <a:schemeClr val="bg1"/>
+                </a:solidFill>
+                <a:latin typeface="Arial" charset="0"/>
+                <a:ea typeface="ＭＳ Ｐゴシック" charset="-128"/>
+              </a:defRPr>
+            </a:lvl2pPr>
+            <a:lvl3pPr eaLnBrk="0">
+              <a:tabLst>
+                <a:tab pos="428625" algn="l"/>
+                <a:tab pos="885825" algn="l"/>
+                <a:tab pos="1343025" algn="l"/>
+                <a:tab pos="1800225" algn="l"/>
+                <a:tab pos="2257425" algn="l"/>
+                <a:tab pos="2714625" algn="l"/>
+                <a:tab pos="3171825" algn="l"/>
+                <a:tab pos="3629025" algn="l"/>
+                <a:tab pos="4086225" algn="l"/>
+                <a:tab pos="4543425" algn="l"/>
+                <a:tab pos="5000625" algn="l"/>
+                <a:tab pos="5457825" algn="l"/>
+                <a:tab pos="5915025" algn="l"/>
+                <a:tab pos="6372225" algn="l"/>
+                <a:tab pos="6829425" algn="l"/>
+                <a:tab pos="7286625" algn="l"/>
+                <a:tab pos="7743825" algn="l"/>
+                <a:tab pos="8201025" algn="l"/>
+                <a:tab pos="8658225" algn="l"/>
+                <a:tab pos="9115425" algn="l"/>
+                <a:tab pos="9572625" algn="l"/>
+              </a:tabLst>
+              <a:defRPr sz="2400">
+                <a:solidFill>
+                  <a:schemeClr val="bg1"/>
+                </a:solidFill>
+                <a:latin typeface="Arial" charset="0"/>
+                <a:ea typeface="ＭＳ Ｐゴシック" charset="-128"/>
+              </a:defRPr>
+            </a:lvl3pPr>
+            <a:lvl4pPr eaLnBrk="0">
+              <a:tabLst>
+                <a:tab pos="428625" algn="l"/>
+                <a:tab pos="885825" algn="l"/>
+                <a:tab pos="1343025" algn="l"/>
+                <a:tab pos="1800225" algn="l"/>
+                <a:tab pos="2257425" algn="l"/>
+                <a:tab pos="2714625" algn="l"/>
+                <a:tab pos="3171825" algn="l"/>
+                <a:tab pos="3629025" algn="l"/>
+                <a:tab pos="4086225" algn="l"/>
+                <a:tab pos="4543425" algn="l"/>
+                <a:tab pos="5000625" algn="l"/>
+                <a:tab pos="5457825" algn="l"/>
+                <a:tab pos="5915025" algn="l"/>
+                <a:tab pos="6372225" algn="l"/>
+                <a:tab pos="6829425" algn="l"/>
+                <a:tab pos="7286625" algn="l"/>
+                <a:tab pos="7743825" algn="l"/>
+                <a:tab pos="8201025" algn="l"/>
+                <a:tab pos="8658225" algn="l"/>
+                <a:tab pos="9115425" algn="l"/>
+                <a:tab pos="9572625" algn="l"/>
+              </a:tabLst>
+              <a:defRPr sz="2400">
+                <a:solidFill>
+                  <a:schemeClr val="bg1"/>
+                </a:solidFill>
+                <a:latin typeface="Arial" charset="0"/>
+                <a:ea typeface="ＭＳ Ｐゴシック" charset="-128"/>
+              </a:defRPr>
+            </a:lvl4pPr>
+            <a:lvl5pPr eaLnBrk="0">
+              <a:tabLst>
+                <a:tab pos="428625" algn="l"/>
+                <a:tab pos="885825" algn="l"/>
+                <a:tab pos="1343025" algn="l"/>
+                <a:tab pos="1800225" algn="l"/>
+                <a:tab pos="2257425" algn="l"/>
+                <a:tab pos="2714625" algn="l"/>
+                <a:tab pos="3171825" algn="l"/>
+                <a:tab pos="3629025" algn="l"/>
+                <a:tab pos="4086225" algn="l"/>
+                <a:tab pos="4543425" algn="l"/>
+                <a:tab pos="5000625" algn="l"/>
+                <a:tab pos="5457825" algn="l"/>
+                <a:tab pos="5915025" algn="l"/>
+                <a:tab pos="6372225" algn="l"/>
+                <a:tab pos="6829425" algn="l"/>
+                <a:tab pos="7286625" algn="l"/>
+                <a:tab pos="7743825" algn="l"/>
+                <a:tab pos="8201025" algn="l"/>
+                <a:tab pos="8658225" algn="l"/>
+                <a:tab pos="9115425" algn="l"/>
+                <a:tab pos="9572625" algn="l"/>
+              </a:tabLst>
+              <a:defRPr sz="2400">
+                <a:solidFill>
+                  <a:schemeClr val="bg1"/>
+                </a:solidFill>
+                <a:latin typeface="Arial" charset="0"/>
+                <a:ea typeface="ＭＳ Ｐゴシック" charset="-128"/>
+              </a:defRPr>
+            </a:lvl5pPr>
+            <a:lvl6pPr marL="2514600" indent="-228600" defTabSz="457200" eaLnBrk="0" fontAlgn="base" hangingPunct="0">
+              <a:lnSpc>
+                <a:spcPct val="96000"/>
+              </a:lnSpc>
+              <a:spcBef>
+                <a:spcPct val="0"/>
+              </a:spcBef>
+              <a:spcAft>
+                <a:spcPct val="0"/>
+              </a:spcAft>
+              <a:buClr>
+                <a:srgbClr val="000000"/>
+              </a:buClr>
+              <a:buSzPct val="100000"/>
+              <a:buFont typeface="Times New Roman" charset="0"/>
+              <a:tabLst>
+                <a:tab pos="428625" algn="l"/>
+                <a:tab pos="885825" algn="l"/>
+                <a:tab pos="1343025" algn="l"/>
+                <a:tab pos="1800225" algn="l"/>
+                <a:tab pos="2257425" algn="l"/>
+                <a:tab pos="2714625" algn="l"/>
+                <a:tab pos="3171825" algn="l"/>
+                <a:tab pos="3629025" algn="l"/>
+                <a:tab pos="4086225" algn="l"/>
+                <a:tab pos="4543425" algn="l"/>
+                <a:tab pos="5000625" algn="l"/>
+                <a:tab pos="5457825" algn="l"/>
+                <a:tab pos="5915025" algn="l"/>
+                <a:tab pos="6372225" algn="l"/>
+                <a:tab pos="6829425" algn="l"/>
+                <a:tab pos="7286625" algn="l"/>
+                <a:tab pos="7743825" algn="l"/>
+                <a:tab pos="8201025" algn="l"/>
+                <a:tab pos="8658225" algn="l"/>
+                <a:tab pos="9115425" algn="l"/>
+                <a:tab pos="9572625" algn="l"/>
+              </a:tabLst>
+              <a:defRPr sz="2400">
+                <a:solidFill>
+                  <a:schemeClr val="bg1"/>
+                </a:solidFill>
+                <a:latin typeface="Arial" charset="0"/>
+                <a:ea typeface="ＭＳ Ｐゴシック" charset="-128"/>
+              </a:defRPr>
+            </a:lvl6pPr>
+            <a:lvl7pPr marL="2971800" indent="-228600" defTabSz="457200" eaLnBrk="0" fontAlgn="base" hangingPunct="0">
+              <a:lnSpc>
+                <a:spcPct val="96000"/>
+              </a:lnSpc>
+              <a:spcBef>
+                <a:spcPct val="0"/>
+              </a:spcBef>
+              <a:spcAft>
+                <a:spcPct val="0"/>
+              </a:spcAft>
+              <a:buClr>
+                <a:srgbClr val="000000"/>
+              </a:buClr>
+              <a:buSzPct val="100000"/>
+              <a:buFont typeface="Times New Roman" charset="0"/>
+              <a:tabLst>
+                <a:tab pos="428625" algn="l"/>
+                <a:tab pos="885825" algn="l"/>
+                <a:tab pos="1343025" algn="l"/>
+                <a:tab pos="1800225" algn="l"/>
+                <a:tab pos="2257425" algn="l"/>
+                <a:tab pos="2714625" algn="l"/>
+                <a:tab pos="3171825" algn="l"/>
+                <a:tab pos="3629025" algn="l"/>
+                <a:tab pos="4086225" algn="l"/>
+                <a:tab pos="4543425" algn="l"/>
+                <a:tab pos="5000625" algn="l"/>
+                <a:tab pos="5457825" algn="l"/>
+                <a:tab pos="5915025" algn="l"/>
+                <a:tab pos="6372225" algn="l"/>
+                <a:tab pos="6829425" algn="l"/>
+                <a:tab pos="7286625" algn="l"/>
+                <a:tab pos="7743825" algn="l"/>
+                <a:tab pos="8201025" algn="l"/>
+                <a:tab pos="8658225" algn="l"/>
+                <a:tab pos="9115425" algn="l"/>
+                <a:tab pos="9572625" algn="l"/>
+              </a:tabLst>
+              <a:defRPr sz="2400">
+                <a:solidFill>
+                  <a:schemeClr val="bg1"/>
+                </a:solidFill>
+                <a:latin typeface="Arial" charset="0"/>
+                <a:ea typeface="ＭＳ Ｐゴシック" charset="-128"/>
+              </a:defRPr>
+            </a:lvl7pPr>
+            <a:lvl8pPr marL="3429000" indent="-228600" defTabSz="457200" eaLnBrk="0" fontAlgn="base" hangingPunct="0">
+              <a:lnSpc>
+                <a:spcPct val="96000"/>
+              </a:lnSpc>
+              <a:spcBef>
+                <a:spcPct val="0"/>
+              </a:spcBef>
+              <a:spcAft>
+                <a:spcPct val="0"/>
+              </a:spcAft>
+              <a:buClr>
+                <a:srgbClr val="000000"/>
+              </a:buClr>
+              <a:buSzPct val="100000"/>
+              <a:buFont typeface="Times New Roman" charset="0"/>
+              <a:tabLst>
+                <a:tab pos="428625" algn="l"/>
+                <a:tab pos="885825" algn="l"/>
+                <a:tab pos="1343025" algn="l"/>
+                <a:tab pos="1800225" algn="l"/>
+                <a:tab pos="2257425" algn="l"/>
+                <a:tab pos="2714625" algn="l"/>
+                <a:tab pos="3171825" algn="l"/>
+                <a:tab pos="3629025" algn="l"/>
+                <a:tab pos="4086225" algn="l"/>
+                <a:tab pos="4543425" algn="l"/>
+                <a:tab pos="5000625" algn="l"/>
+                <a:tab pos="5457825" algn="l"/>
+                <a:tab pos="5915025" algn="l"/>
+                <a:tab pos="6372225" algn="l"/>
+                <a:tab pos="6829425" algn="l"/>
+                <a:tab pos="7286625" algn="l"/>
+                <a:tab pos="7743825" algn="l"/>
+                <a:tab pos="8201025" algn="l"/>
+                <a:tab pos="8658225" algn="l"/>
+                <a:tab pos="9115425" algn="l"/>
+                <a:tab pos="9572625" algn="l"/>
+              </a:tabLst>
+              <a:defRPr sz="2400">
+                <a:solidFill>
+                  <a:schemeClr val="bg1"/>
+                </a:solidFill>
+                <a:latin typeface="Arial" charset="0"/>
+                <a:ea typeface="ＭＳ Ｐゴシック" charset="-128"/>
+              </a:defRPr>
+            </a:lvl8pPr>
+            <a:lvl9pPr marL="3886200" indent="-228600" defTabSz="457200" eaLnBrk="0" fontAlgn="base" hangingPunct="0">
+              <a:lnSpc>
+                <a:spcPct val="96000"/>
+              </a:lnSpc>
+              <a:spcBef>
+                <a:spcPct val="0"/>
+              </a:spcBef>
+              <a:spcAft>
+                <a:spcPct val="0"/>
+              </a:spcAft>
+              <a:buClr>
+                <a:srgbClr val="000000"/>
+              </a:buClr>
+              <a:buSzPct val="100000"/>
+              <a:buFont typeface="Times New Roman" charset="0"/>
+              <a:tabLst>
+                <a:tab pos="428625" algn="l"/>
+                <a:tab pos="885825" algn="l"/>
+                <a:tab pos="1343025" algn="l"/>
+                <a:tab pos="1800225" algn="l"/>
+                <a:tab pos="2257425" algn="l"/>
+                <a:tab pos="2714625" algn="l"/>
+                <a:tab pos="3171825" algn="l"/>
+                <a:tab pos="3629025" algn="l"/>
+                <a:tab pos="4086225" algn="l"/>
+                <a:tab pos="4543425" algn="l"/>
+                <a:tab pos="5000625" algn="l"/>
+                <a:tab pos="5457825" algn="l"/>
+                <a:tab pos="5915025" algn="l"/>
+                <a:tab pos="6372225" algn="l"/>
+                <a:tab pos="6829425" algn="l"/>
+                <a:tab pos="7286625" algn="l"/>
+                <a:tab pos="7743825" algn="l"/>
+                <a:tab pos="8201025" algn="l"/>
+                <a:tab pos="8658225" algn="l"/>
+                <a:tab pos="9115425" algn="l"/>
+                <a:tab pos="9572625" algn="l"/>
+              </a:tabLst>
+              <a:defRPr sz="2400">
+                <a:solidFill>
+                  <a:schemeClr val="bg1"/>
+                </a:solidFill>
+                <a:latin typeface="Arial" charset="0"/>
+                <a:ea typeface="ＭＳ Ｐゴシック" charset="-128"/>
+              </a:defRPr>
+            </a:lvl9pPr>
+          </a:lstStyle>
+          <a:p>
+            <a:pPr eaLnBrk="1">
+              <a:lnSpc>
+                <a:spcPct val="77000"/>
+              </a:lnSpc>
+              <a:spcAft>
+                <a:spcPts val="1413"/>
+              </a:spcAft>
+              <a:buClr>
+                <a:srgbClr val="FF6309"/>
+              </a:buClr>
+              <a:buSzPct val="45000"/>
+              <a:buFont typeface="Wingdings" charset="2"/>
+              <a:buChar char=""/>
+            </a:pPr>
+            <a:r>
               <a:rPr lang="en-US" altLang="x-none" sz="2800" dirty="0" err="1">
                 <a:solidFill>
                   <a:srgbClr val="000000"/>
@@ -20216,7 +20308,7 @@
 </p:sld>
 </file>
 
-<file path=ppt/slides/slide13.xml><?xml version="1.0" encoding="utf-8"?>
+<file path=ppt/slides/slide14.xml><?xml version="1.0" encoding="utf-8"?>
 <p:sld xmlns:a="http://schemas.openxmlformats.org/drawingml/2006/main" xmlns:r="http://schemas.openxmlformats.org/officeDocument/2006/relationships" xmlns:p="http://schemas.openxmlformats.org/presentationml/2006/main">
   <p:cSld>
     <p:bg>
@@ -21521,7 +21613,7 @@
 </p:sld>
 </file>
 
-<file path=ppt/slides/slide14.xml><?xml version="1.0" encoding="utf-8"?>
+<file path=ppt/slides/slide15.xml><?xml version="1.0" encoding="utf-8"?>
 <p:sld xmlns:a="http://schemas.openxmlformats.org/drawingml/2006/main" xmlns:r="http://schemas.openxmlformats.org/officeDocument/2006/relationships" xmlns:p="http://schemas.openxmlformats.org/presentationml/2006/main">
   <p:cSld>
     <p:bg>
@@ -22920,1442 +23012,6 @@
     <p:extLst>
       <p:ext uri="{BB962C8B-B14F-4D97-AF65-F5344CB8AC3E}">
         <p14:creationId xmlns:p14="http://schemas.microsoft.com/office/powerpoint/2010/main" val="1718818717"/>
-      </p:ext>
-    </p:extLst>
-  </p:cSld>
-  <p:clrMapOvr>
-    <a:masterClrMapping/>
-  </p:clrMapOvr>
-  <p:transition spd="med"/>
-  <p:timing>
-    <p:tnLst>
-      <p:par>
-        <p:cTn id="1" dur="indefinite" restart="never" nodeType="tmRoot">
-          <p:childTnLst>
-            <p:seq concurrent="1" nextAc="seek">
-              <p:cTn id="2" dur="0" nodeType="mainSeq"/>
-              <p:prevCondLst>
-                <p:cond evt="onPrev" delay="0">
-                  <p:tgtEl>
-                    <p:sldTgt/>
-                  </p:tgtEl>
-                </p:cond>
-              </p:prevCondLst>
-              <p:nextCondLst>
-                <p:cond evt="onNext" delay="0">
-                  <p:tgtEl>
-                    <p:sldTgt/>
-                  </p:tgtEl>
-                </p:cond>
-              </p:nextCondLst>
-            </p:seq>
-          </p:childTnLst>
-        </p:cTn>
-      </p:par>
-    </p:tnLst>
-  </p:timing>
-</p:sld>
-</file>
-
-<file path=ppt/slides/slide15.xml><?xml version="1.0" encoding="utf-8"?>
-<p:sld xmlns:a="http://schemas.openxmlformats.org/drawingml/2006/main" xmlns:r="http://schemas.openxmlformats.org/officeDocument/2006/relationships" xmlns:p="http://schemas.openxmlformats.org/presentationml/2006/main">
-  <p:cSld>
-    <p:bg>
-      <p:bgPr>
-        <a:blipFill dpi="0" rotWithShape="0">
-          <a:blip r:embed="rId3"/>
-          <a:srcRect/>
-          <a:tile tx="0" ty="0" sx="100000" sy="100000" flip="none" algn="tl"/>
-        </a:blipFill>
-        <a:effectLst/>
-      </p:bgPr>
-    </p:bg>
-    <p:spTree>
-      <p:nvGrpSpPr>
-        <p:cNvPr id="1" name=""/>
-        <p:cNvGrpSpPr/>
-        <p:nvPr/>
-      </p:nvGrpSpPr>
-      <p:grpSpPr>
-        <a:xfrm>
-          <a:off x="0" y="0"/>
-          <a:ext cx="0" cy="0"/>
-          <a:chOff x="0" y="0"/>
-          <a:chExt cx="0" cy="0"/>
-        </a:xfrm>
-      </p:grpSpPr>
-      <p:sp>
-        <p:nvSpPr>
-          <p:cNvPr id="12289" name="Text Box 1"/>
-          <p:cNvSpPr txBox="1">
-            <a:spLocks noChangeArrowheads="1"/>
-          </p:cNvSpPr>
-          <p:nvPr/>
-        </p:nvSpPr>
-        <p:spPr bwMode="auto">
-          <a:xfrm>
-            <a:off x="468313" y="0"/>
-            <a:ext cx="9070975" cy="1260475"/>
-          </a:xfrm>
-          <a:prstGeom prst="rect">
-            <a:avLst/>
-          </a:prstGeom>
-          <a:noFill/>
-          <a:ln>
-            <a:noFill/>
-          </a:ln>
-          <a:effectLst/>
-          <a:extLst>
-            <a:ext uri="{909E8E84-426E-40dd-AFC4-6F175D3DCCD1}">
-              <a14:hiddenFill xmlns:a14="http://schemas.microsoft.com/office/drawing/2010/main" xmlns="">
-                <a:solidFill>
-                  <a:srgbClr val="FFFFFF"/>
-                </a:solidFill>
-              </a14:hiddenFill>
-            </a:ext>
-            <a:ext uri="{91240B29-F687-4f45-9708-019B960494DF}">
-              <a14:hiddenLine xmlns:a14="http://schemas.microsoft.com/office/drawing/2010/main" xmlns="" w="9525" cap="flat">
-                <a:solidFill>
-                  <a:srgbClr val="3465A4"/>
-                </a:solidFill>
-                <a:round/>
-                <a:headEnd/>
-                <a:tailEnd/>
-              </a14:hiddenLine>
-            </a:ext>
-            <a:ext uri="{AF507438-7753-43e0-B8FC-AC1667EBCBE1}">
-              <a14:hiddenEffects xmlns:a14="http://schemas.microsoft.com/office/drawing/2010/main" xmlns="">
-                <a:effectLst>
-                  <a:outerShdw blurRad="63500" dist="38099" dir="2700000" algn="ctr" rotWithShape="0">
-                    <a:srgbClr val="000000">
-                      <a:alpha val="74998"/>
-                    </a:srgbClr>
-                  </a:outerShdw>
-                </a:effectLst>
-              </a14:hiddenEffects>
-            </a:ext>
-          </a:extLst>
-        </p:spPr>
-        <p:txBody>
-          <a:bodyPr lIns="0" tIns="0" rIns="0" bIns="0" anchor="ctr"/>
-          <a:lstStyle>
-            <a:lvl1pPr>
-              <a:tabLst>
-                <a:tab pos="0" algn="l"/>
-                <a:tab pos="457200" algn="l"/>
-                <a:tab pos="914400" algn="l"/>
-                <a:tab pos="1371600" algn="l"/>
-                <a:tab pos="1828800" algn="l"/>
-                <a:tab pos="2286000" algn="l"/>
-                <a:tab pos="2743200" algn="l"/>
-                <a:tab pos="3200400" algn="l"/>
-                <a:tab pos="3657600" algn="l"/>
-                <a:tab pos="4114800" algn="l"/>
-                <a:tab pos="4572000" algn="l"/>
-                <a:tab pos="5029200" algn="l"/>
-                <a:tab pos="5486400" algn="l"/>
-                <a:tab pos="5943600" algn="l"/>
-                <a:tab pos="6400800" algn="l"/>
-                <a:tab pos="6858000" algn="l"/>
-                <a:tab pos="7315200" algn="l"/>
-                <a:tab pos="7772400" algn="l"/>
-                <a:tab pos="8229600" algn="l"/>
-                <a:tab pos="8686800" algn="l"/>
-                <a:tab pos="9144000" algn="l"/>
-              </a:tabLst>
-              <a:defRPr sz="2400">
-                <a:solidFill>
-                  <a:srgbClr val="000000"/>
-                </a:solidFill>
-                <a:latin typeface="Arial" charset="0"/>
-                <a:ea typeface="ＭＳ Ｐゴシック" charset="0"/>
-                <a:cs typeface="DejaVu Sans" charset="0"/>
-              </a:defRPr>
-            </a:lvl1pPr>
-            <a:lvl2pPr>
-              <a:tabLst>
-                <a:tab pos="0" algn="l"/>
-                <a:tab pos="457200" algn="l"/>
-                <a:tab pos="914400" algn="l"/>
-                <a:tab pos="1371600" algn="l"/>
-                <a:tab pos="1828800" algn="l"/>
-                <a:tab pos="2286000" algn="l"/>
-                <a:tab pos="2743200" algn="l"/>
-                <a:tab pos="3200400" algn="l"/>
-                <a:tab pos="3657600" algn="l"/>
-                <a:tab pos="4114800" algn="l"/>
-                <a:tab pos="4572000" algn="l"/>
-                <a:tab pos="5029200" algn="l"/>
-                <a:tab pos="5486400" algn="l"/>
-                <a:tab pos="5943600" algn="l"/>
-                <a:tab pos="6400800" algn="l"/>
-                <a:tab pos="6858000" algn="l"/>
-                <a:tab pos="7315200" algn="l"/>
-                <a:tab pos="7772400" algn="l"/>
-                <a:tab pos="8229600" algn="l"/>
-                <a:tab pos="8686800" algn="l"/>
-                <a:tab pos="9144000" algn="l"/>
-              </a:tabLst>
-              <a:defRPr sz="2400">
-                <a:solidFill>
-                  <a:srgbClr val="000000"/>
-                </a:solidFill>
-                <a:latin typeface="Arial" charset="0"/>
-                <a:ea typeface="ＭＳ Ｐゴシック" charset="0"/>
-                <a:cs typeface="DejaVu Sans" charset="0"/>
-              </a:defRPr>
-            </a:lvl2pPr>
-            <a:lvl3pPr>
-              <a:tabLst>
-                <a:tab pos="0" algn="l"/>
-                <a:tab pos="457200" algn="l"/>
-                <a:tab pos="914400" algn="l"/>
-                <a:tab pos="1371600" algn="l"/>
-                <a:tab pos="1828800" algn="l"/>
-                <a:tab pos="2286000" algn="l"/>
-                <a:tab pos="2743200" algn="l"/>
-                <a:tab pos="3200400" algn="l"/>
-                <a:tab pos="3657600" algn="l"/>
-                <a:tab pos="4114800" algn="l"/>
-                <a:tab pos="4572000" algn="l"/>
-                <a:tab pos="5029200" algn="l"/>
-                <a:tab pos="5486400" algn="l"/>
-                <a:tab pos="5943600" algn="l"/>
-                <a:tab pos="6400800" algn="l"/>
-                <a:tab pos="6858000" algn="l"/>
-                <a:tab pos="7315200" algn="l"/>
-                <a:tab pos="7772400" algn="l"/>
-                <a:tab pos="8229600" algn="l"/>
-                <a:tab pos="8686800" algn="l"/>
-                <a:tab pos="9144000" algn="l"/>
-              </a:tabLst>
-              <a:defRPr sz="2400">
-                <a:solidFill>
-                  <a:srgbClr val="000000"/>
-                </a:solidFill>
-                <a:latin typeface="Arial" charset="0"/>
-                <a:ea typeface="ＭＳ Ｐゴシック" charset="0"/>
-                <a:cs typeface="DejaVu Sans" charset="0"/>
-              </a:defRPr>
-            </a:lvl3pPr>
-            <a:lvl4pPr>
-              <a:tabLst>
-                <a:tab pos="0" algn="l"/>
-                <a:tab pos="457200" algn="l"/>
-                <a:tab pos="914400" algn="l"/>
-                <a:tab pos="1371600" algn="l"/>
-                <a:tab pos="1828800" algn="l"/>
-                <a:tab pos="2286000" algn="l"/>
-                <a:tab pos="2743200" algn="l"/>
-                <a:tab pos="3200400" algn="l"/>
-                <a:tab pos="3657600" algn="l"/>
-                <a:tab pos="4114800" algn="l"/>
-                <a:tab pos="4572000" algn="l"/>
-                <a:tab pos="5029200" algn="l"/>
-                <a:tab pos="5486400" algn="l"/>
-                <a:tab pos="5943600" algn="l"/>
-                <a:tab pos="6400800" algn="l"/>
-                <a:tab pos="6858000" algn="l"/>
-                <a:tab pos="7315200" algn="l"/>
-                <a:tab pos="7772400" algn="l"/>
-                <a:tab pos="8229600" algn="l"/>
-                <a:tab pos="8686800" algn="l"/>
-                <a:tab pos="9144000" algn="l"/>
-              </a:tabLst>
-              <a:defRPr sz="2400">
-                <a:solidFill>
-                  <a:srgbClr val="000000"/>
-                </a:solidFill>
-                <a:latin typeface="Arial" charset="0"/>
-                <a:ea typeface="ＭＳ Ｐゴシック" charset="0"/>
-                <a:cs typeface="DejaVu Sans" charset="0"/>
-              </a:defRPr>
-            </a:lvl4pPr>
-            <a:lvl5pPr>
-              <a:tabLst>
-                <a:tab pos="0" algn="l"/>
-                <a:tab pos="457200" algn="l"/>
-                <a:tab pos="914400" algn="l"/>
-                <a:tab pos="1371600" algn="l"/>
-                <a:tab pos="1828800" algn="l"/>
-                <a:tab pos="2286000" algn="l"/>
-                <a:tab pos="2743200" algn="l"/>
-                <a:tab pos="3200400" algn="l"/>
-                <a:tab pos="3657600" algn="l"/>
-                <a:tab pos="4114800" algn="l"/>
-                <a:tab pos="4572000" algn="l"/>
-                <a:tab pos="5029200" algn="l"/>
-                <a:tab pos="5486400" algn="l"/>
-                <a:tab pos="5943600" algn="l"/>
-                <a:tab pos="6400800" algn="l"/>
-                <a:tab pos="6858000" algn="l"/>
-                <a:tab pos="7315200" algn="l"/>
-                <a:tab pos="7772400" algn="l"/>
-                <a:tab pos="8229600" algn="l"/>
-                <a:tab pos="8686800" algn="l"/>
-                <a:tab pos="9144000" algn="l"/>
-              </a:tabLst>
-              <a:defRPr sz="2400">
-                <a:solidFill>
-                  <a:srgbClr val="000000"/>
-                </a:solidFill>
-                <a:latin typeface="Arial" charset="0"/>
-                <a:ea typeface="ＭＳ Ｐゴシック" charset="0"/>
-                <a:cs typeface="DejaVu Sans" charset="0"/>
-              </a:defRPr>
-            </a:lvl5pPr>
-            <a:lvl6pPr marL="2514600" indent="-228600" fontAlgn="base" hangingPunct="0">
-              <a:lnSpc>
-                <a:spcPct val="96000"/>
-              </a:lnSpc>
-              <a:spcBef>
-                <a:spcPct val="0"/>
-              </a:spcBef>
-              <a:spcAft>
-                <a:spcPct val="0"/>
-              </a:spcAft>
-              <a:buClr>
-                <a:srgbClr val="000000"/>
-              </a:buClr>
-              <a:buSzPct val="100000"/>
-              <a:buFont typeface="Times New Roman" charset="0"/>
-              <a:tabLst>
-                <a:tab pos="0" algn="l"/>
-                <a:tab pos="457200" algn="l"/>
-                <a:tab pos="914400" algn="l"/>
-                <a:tab pos="1371600" algn="l"/>
-                <a:tab pos="1828800" algn="l"/>
-                <a:tab pos="2286000" algn="l"/>
-                <a:tab pos="2743200" algn="l"/>
-                <a:tab pos="3200400" algn="l"/>
-                <a:tab pos="3657600" algn="l"/>
-                <a:tab pos="4114800" algn="l"/>
-                <a:tab pos="4572000" algn="l"/>
-                <a:tab pos="5029200" algn="l"/>
-                <a:tab pos="5486400" algn="l"/>
-                <a:tab pos="5943600" algn="l"/>
-                <a:tab pos="6400800" algn="l"/>
-                <a:tab pos="6858000" algn="l"/>
-                <a:tab pos="7315200" algn="l"/>
-                <a:tab pos="7772400" algn="l"/>
-                <a:tab pos="8229600" algn="l"/>
-                <a:tab pos="8686800" algn="l"/>
-                <a:tab pos="9144000" algn="l"/>
-              </a:tabLst>
-              <a:defRPr sz="2400">
-                <a:solidFill>
-                  <a:srgbClr val="000000"/>
-                </a:solidFill>
-                <a:latin typeface="Arial" charset="0"/>
-                <a:ea typeface="ＭＳ Ｐゴシック" charset="0"/>
-                <a:cs typeface="DejaVu Sans" charset="0"/>
-              </a:defRPr>
-            </a:lvl6pPr>
-            <a:lvl7pPr marL="2971800" indent="-228600" fontAlgn="base" hangingPunct="0">
-              <a:lnSpc>
-                <a:spcPct val="96000"/>
-              </a:lnSpc>
-              <a:spcBef>
-                <a:spcPct val="0"/>
-              </a:spcBef>
-              <a:spcAft>
-                <a:spcPct val="0"/>
-              </a:spcAft>
-              <a:buClr>
-                <a:srgbClr val="000000"/>
-              </a:buClr>
-              <a:buSzPct val="100000"/>
-              <a:buFont typeface="Times New Roman" charset="0"/>
-              <a:tabLst>
-                <a:tab pos="0" algn="l"/>
-                <a:tab pos="457200" algn="l"/>
-                <a:tab pos="914400" algn="l"/>
-                <a:tab pos="1371600" algn="l"/>
-                <a:tab pos="1828800" algn="l"/>
-                <a:tab pos="2286000" algn="l"/>
-                <a:tab pos="2743200" algn="l"/>
-                <a:tab pos="3200400" algn="l"/>
-                <a:tab pos="3657600" algn="l"/>
-                <a:tab pos="4114800" algn="l"/>
-                <a:tab pos="4572000" algn="l"/>
-                <a:tab pos="5029200" algn="l"/>
-                <a:tab pos="5486400" algn="l"/>
-                <a:tab pos="5943600" algn="l"/>
-                <a:tab pos="6400800" algn="l"/>
-                <a:tab pos="6858000" algn="l"/>
-                <a:tab pos="7315200" algn="l"/>
-                <a:tab pos="7772400" algn="l"/>
-                <a:tab pos="8229600" algn="l"/>
-                <a:tab pos="8686800" algn="l"/>
-                <a:tab pos="9144000" algn="l"/>
-              </a:tabLst>
-              <a:defRPr sz="2400">
-                <a:solidFill>
-                  <a:srgbClr val="000000"/>
-                </a:solidFill>
-                <a:latin typeface="Arial" charset="0"/>
-                <a:ea typeface="ＭＳ Ｐゴシック" charset="0"/>
-                <a:cs typeface="DejaVu Sans" charset="0"/>
-              </a:defRPr>
-            </a:lvl7pPr>
-            <a:lvl8pPr marL="3429000" indent="-228600" fontAlgn="base" hangingPunct="0">
-              <a:lnSpc>
-                <a:spcPct val="96000"/>
-              </a:lnSpc>
-              <a:spcBef>
-                <a:spcPct val="0"/>
-              </a:spcBef>
-              <a:spcAft>
-                <a:spcPct val="0"/>
-              </a:spcAft>
-              <a:buClr>
-                <a:srgbClr val="000000"/>
-              </a:buClr>
-              <a:buSzPct val="100000"/>
-              <a:buFont typeface="Times New Roman" charset="0"/>
-              <a:tabLst>
-                <a:tab pos="0" algn="l"/>
-                <a:tab pos="457200" algn="l"/>
-                <a:tab pos="914400" algn="l"/>
-                <a:tab pos="1371600" algn="l"/>
-                <a:tab pos="1828800" algn="l"/>
-                <a:tab pos="2286000" algn="l"/>
-                <a:tab pos="2743200" algn="l"/>
-                <a:tab pos="3200400" algn="l"/>
-                <a:tab pos="3657600" algn="l"/>
-                <a:tab pos="4114800" algn="l"/>
-                <a:tab pos="4572000" algn="l"/>
-                <a:tab pos="5029200" algn="l"/>
-                <a:tab pos="5486400" algn="l"/>
-                <a:tab pos="5943600" algn="l"/>
-                <a:tab pos="6400800" algn="l"/>
-                <a:tab pos="6858000" algn="l"/>
-                <a:tab pos="7315200" algn="l"/>
-                <a:tab pos="7772400" algn="l"/>
-                <a:tab pos="8229600" algn="l"/>
-                <a:tab pos="8686800" algn="l"/>
-                <a:tab pos="9144000" algn="l"/>
-              </a:tabLst>
-              <a:defRPr sz="2400">
-                <a:solidFill>
-                  <a:srgbClr val="000000"/>
-                </a:solidFill>
-                <a:latin typeface="Arial" charset="0"/>
-                <a:ea typeface="ＭＳ Ｐゴシック" charset="0"/>
-                <a:cs typeface="DejaVu Sans" charset="0"/>
-              </a:defRPr>
-            </a:lvl8pPr>
-            <a:lvl9pPr marL="3886200" indent="-228600" fontAlgn="base" hangingPunct="0">
-              <a:lnSpc>
-                <a:spcPct val="96000"/>
-              </a:lnSpc>
-              <a:spcBef>
-                <a:spcPct val="0"/>
-              </a:spcBef>
-              <a:spcAft>
-                <a:spcPct val="0"/>
-              </a:spcAft>
-              <a:buClr>
-                <a:srgbClr val="000000"/>
-              </a:buClr>
-              <a:buSzPct val="100000"/>
-              <a:buFont typeface="Times New Roman" charset="0"/>
-              <a:tabLst>
-                <a:tab pos="0" algn="l"/>
-                <a:tab pos="457200" algn="l"/>
-                <a:tab pos="914400" algn="l"/>
-                <a:tab pos="1371600" algn="l"/>
-                <a:tab pos="1828800" algn="l"/>
-                <a:tab pos="2286000" algn="l"/>
-                <a:tab pos="2743200" algn="l"/>
-                <a:tab pos="3200400" algn="l"/>
-                <a:tab pos="3657600" algn="l"/>
-                <a:tab pos="4114800" algn="l"/>
-                <a:tab pos="4572000" algn="l"/>
-                <a:tab pos="5029200" algn="l"/>
-                <a:tab pos="5486400" algn="l"/>
-                <a:tab pos="5943600" algn="l"/>
-                <a:tab pos="6400800" algn="l"/>
-                <a:tab pos="6858000" algn="l"/>
-                <a:tab pos="7315200" algn="l"/>
-                <a:tab pos="7772400" algn="l"/>
-                <a:tab pos="8229600" algn="l"/>
-                <a:tab pos="8686800" algn="l"/>
-                <a:tab pos="9144000" algn="l"/>
-              </a:tabLst>
-              <a:defRPr sz="2400">
-                <a:solidFill>
-                  <a:srgbClr val="000000"/>
-                </a:solidFill>
-                <a:latin typeface="Arial" charset="0"/>
-                <a:ea typeface="ＭＳ Ｐゴシック" charset="0"/>
-                <a:cs typeface="DejaVu Sans" charset="0"/>
-              </a:defRPr>
-            </a:lvl9pPr>
-          </a:lstStyle>
-          <a:p>
-            <a:pPr>
-              <a:lnSpc>
-                <a:spcPct val="97000"/>
-              </a:lnSpc>
-              <a:buClrTx/>
-              <a:buSzPct val="45000"/>
-              <a:buFontTx/>
-              <a:buNone/>
-              <a:defRPr/>
-            </a:pPr>
-            <a:r>
-              <a:rPr lang="en-US" sz="4400" b="1" dirty="0">
-                <a:latin typeface="Trebuchet MS" charset="0"/>
-              </a:rPr>
-              <a:t>Step 3: Configure NTP Restrictions</a:t>
-            </a:r>
-          </a:p>
-        </p:txBody>
-      </p:sp>
-      <p:sp>
-        <p:nvSpPr>
-          <p:cNvPr id="12290" name="Text Box 2"/>
-          <p:cNvSpPr txBox="1">
-            <a:spLocks noChangeArrowheads="1"/>
-          </p:cNvSpPr>
-          <p:nvPr/>
-        </p:nvSpPr>
-        <p:spPr bwMode="auto">
-          <a:xfrm>
-            <a:off x="503238" y="1768475"/>
-            <a:ext cx="9070975" cy="4987925"/>
-          </a:xfrm>
-          <a:prstGeom prst="rect">
-            <a:avLst/>
-          </a:prstGeom>
-          <a:noFill/>
-          <a:ln>
-            <a:noFill/>
-          </a:ln>
-          <a:effectLst/>
-          <a:extLst>
-            <a:ext uri="{909E8E84-426E-40dd-AFC4-6F175D3DCCD1}">
-              <a14:hiddenFill xmlns:a14="http://schemas.microsoft.com/office/drawing/2010/main" xmlns="">
-                <a:solidFill>
-                  <a:srgbClr val="FFFFFF"/>
-                </a:solidFill>
-              </a14:hiddenFill>
-            </a:ext>
-            <a:ext uri="{91240B29-F687-4f45-9708-019B960494DF}">
-              <a14:hiddenLine xmlns:a14="http://schemas.microsoft.com/office/drawing/2010/main" xmlns="" w="9525" cap="flat">
-                <a:solidFill>
-                  <a:srgbClr val="3465A4"/>
-                </a:solidFill>
-                <a:round/>
-                <a:headEnd/>
-                <a:tailEnd/>
-              </a14:hiddenLine>
-            </a:ext>
-            <a:ext uri="{AF507438-7753-43e0-B8FC-AC1667EBCBE1}">
-              <a14:hiddenEffects xmlns:a14="http://schemas.microsoft.com/office/drawing/2010/main" xmlns="">
-                <a:effectLst>
-                  <a:outerShdw blurRad="63500" dist="38099" dir="2700000" algn="ctr" rotWithShape="0">
-                    <a:srgbClr val="000000">
-                      <a:alpha val="74998"/>
-                    </a:srgbClr>
-                  </a:outerShdw>
-                </a:effectLst>
-              </a14:hiddenEffects>
-            </a:ext>
-          </a:extLst>
-        </p:spPr>
-        <p:txBody>
-          <a:bodyPr lIns="0" tIns="0" rIns="0" bIns="0"/>
-          <a:lstStyle>
-            <a:lvl1pPr marL="428625" indent="-323850">
-              <a:tabLst>
-                <a:tab pos="428625" algn="l"/>
-                <a:tab pos="885825" algn="l"/>
-                <a:tab pos="1343025" algn="l"/>
-                <a:tab pos="1800225" algn="l"/>
-                <a:tab pos="2257425" algn="l"/>
-                <a:tab pos="2714625" algn="l"/>
-                <a:tab pos="3171825" algn="l"/>
-                <a:tab pos="3629025" algn="l"/>
-                <a:tab pos="4086225" algn="l"/>
-                <a:tab pos="4543425" algn="l"/>
-                <a:tab pos="5000625" algn="l"/>
-                <a:tab pos="5457825" algn="l"/>
-                <a:tab pos="5915025" algn="l"/>
-                <a:tab pos="6372225" algn="l"/>
-                <a:tab pos="6829425" algn="l"/>
-                <a:tab pos="7286625" algn="l"/>
-                <a:tab pos="7743825" algn="l"/>
-                <a:tab pos="8201025" algn="l"/>
-                <a:tab pos="8658225" algn="l"/>
-                <a:tab pos="9115425" algn="l"/>
-                <a:tab pos="9572625" algn="l"/>
-              </a:tabLst>
-              <a:defRPr sz="2400">
-                <a:solidFill>
-                  <a:srgbClr val="000000"/>
-                </a:solidFill>
-                <a:latin typeface="Arial" charset="0"/>
-                <a:ea typeface="ＭＳ Ｐゴシック" charset="0"/>
-                <a:cs typeface="DejaVu Sans" charset="0"/>
-              </a:defRPr>
-            </a:lvl1pPr>
-            <a:lvl2pPr>
-              <a:tabLst>
-                <a:tab pos="428625" algn="l"/>
-                <a:tab pos="885825" algn="l"/>
-                <a:tab pos="1343025" algn="l"/>
-                <a:tab pos="1800225" algn="l"/>
-                <a:tab pos="2257425" algn="l"/>
-                <a:tab pos="2714625" algn="l"/>
-                <a:tab pos="3171825" algn="l"/>
-                <a:tab pos="3629025" algn="l"/>
-                <a:tab pos="4086225" algn="l"/>
-                <a:tab pos="4543425" algn="l"/>
-                <a:tab pos="5000625" algn="l"/>
-                <a:tab pos="5457825" algn="l"/>
-                <a:tab pos="5915025" algn="l"/>
-                <a:tab pos="6372225" algn="l"/>
-                <a:tab pos="6829425" algn="l"/>
-                <a:tab pos="7286625" algn="l"/>
-                <a:tab pos="7743825" algn="l"/>
-                <a:tab pos="8201025" algn="l"/>
-                <a:tab pos="8658225" algn="l"/>
-                <a:tab pos="9115425" algn="l"/>
-                <a:tab pos="9572625" algn="l"/>
-              </a:tabLst>
-              <a:defRPr sz="2400">
-                <a:solidFill>
-                  <a:srgbClr val="000000"/>
-                </a:solidFill>
-                <a:latin typeface="Arial" charset="0"/>
-                <a:ea typeface="ＭＳ Ｐゴシック" charset="0"/>
-                <a:cs typeface="DejaVu Sans" charset="0"/>
-              </a:defRPr>
-            </a:lvl2pPr>
-            <a:lvl3pPr>
-              <a:tabLst>
-                <a:tab pos="428625" algn="l"/>
-                <a:tab pos="885825" algn="l"/>
-                <a:tab pos="1343025" algn="l"/>
-                <a:tab pos="1800225" algn="l"/>
-                <a:tab pos="2257425" algn="l"/>
-                <a:tab pos="2714625" algn="l"/>
-                <a:tab pos="3171825" algn="l"/>
-                <a:tab pos="3629025" algn="l"/>
-                <a:tab pos="4086225" algn="l"/>
-                <a:tab pos="4543425" algn="l"/>
-                <a:tab pos="5000625" algn="l"/>
-                <a:tab pos="5457825" algn="l"/>
-                <a:tab pos="5915025" algn="l"/>
-                <a:tab pos="6372225" algn="l"/>
-                <a:tab pos="6829425" algn="l"/>
-                <a:tab pos="7286625" algn="l"/>
-                <a:tab pos="7743825" algn="l"/>
-                <a:tab pos="8201025" algn="l"/>
-                <a:tab pos="8658225" algn="l"/>
-                <a:tab pos="9115425" algn="l"/>
-                <a:tab pos="9572625" algn="l"/>
-              </a:tabLst>
-              <a:defRPr sz="2400">
-                <a:solidFill>
-                  <a:srgbClr val="000000"/>
-                </a:solidFill>
-                <a:latin typeface="Arial" charset="0"/>
-                <a:ea typeface="ＭＳ Ｐゴシック" charset="0"/>
-                <a:cs typeface="DejaVu Sans" charset="0"/>
-              </a:defRPr>
-            </a:lvl3pPr>
-            <a:lvl4pPr>
-              <a:tabLst>
-                <a:tab pos="428625" algn="l"/>
-                <a:tab pos="885825" algn="l"/>
-                <a:tab pos="1343025" algn="l"/>
-                <a:tab pos="1800225" algn="l"/>
-                <a:tab pos="2257425" algn="l"/>
-                <a:tab pos="2714625" algn="l"/>
-                <a:tab pos="3171825" algn="l"/>
-                <a:tab pos="3629025" algn="l"/>
-                <a:tab pos="4086225" algn="l"/>
-                <a:tab pos="4543425" algn="l"/>
-                <a:tab pos="5000625" algn="l"/>
-                <a:tab pos="5457825" algn="l"/>
-                <a:tab pos="5915025" algn="l"/>
-                <a:tab pos="6372225" algn="l"/>
-                <a:tab pos="6829425" algn="l"/>
-                <a:tab pos="7286625" algn="l"/>
-                <a:tab pos="7743825" algn="l"/>
-                <a:tab pos="8201025" algn="l"/>
-                <a:tab pos="8658225" algn="l"/>
-                <a:tab pos="9115425" algn="l"/>
-                <a:tab pos="9572625" algn="l"/>
-              </a:tabLst>
-              <a:defRPr sz="2400">
-                <a:solidFill>
-                  <a:srgbClr val="000000"/>
-                </a:solidFill>
-                <a:latin typeface="Arial" charset="0"/>
-                <a:ea typeface="ＭＳ Ｐゴシック" charset="0"/>
-                <a:cs typeface="DejaVu Sans" charset="0"/>
-              </a:defRPr>
-            </a:lvl4pPr>
-            <a:lvl5pPr>
-              <a:tabLst>
-                <a:tab pos="428625" algn="l"/>
-                <a:tab pos="885825" algn="l"/>
-                <a:tab pos="1343025" algn="l"/>
-                <a:tab pos="1800225" algn="l"/>
-                <a:tab pos="2257425" algn="l"/>
-                <a:tab pos="2714625" algn="l"/>
-                <a:tab pos="3171825" algn="l"/>
-                <a:tab pos="3629025" algn="l"/>
-                <a:tab pos="4086225" algn="l"/>
-                <a:tab pos="4543425" algn="l"/>
-                <a:tab pos="5000625" algn="l"/>
-                <a:tab pos="5457825" algn="l"/>
-                <a:tab pos="5915025" algn="l"/>
-                <a:tab pos="6372225" algn="l"/>
-                <a:tab pos="6829425" algn="l"/>
-                <a:tab pos="7286625" algn="l"/>
-                <a:tab pos="7743825" algn="l"/>
-                <a:tab pos="8201025" algn="l"/>
-                <a:tab pos="8658225" algn="l"/>
-                <a:tab pos="9115425" algn="l"/>
-                <a:tab pos="9572625" algn="l"/>
-              </a:tabLst>
-              <a:defRPr sz="2400">
-                <a:solidFill>
-                  <a:srgbClr val="000000"/>
-                </a:solidFill>
-                <a:latin typeface="Arial" charset="0"/>
-                <a:ea typeface="ＭＳ Ｐゴシック" charset="0"/>
-                <a:cs typeface="DejaVu Sans" charset="0"/>
-              </a:defRPr>
-            </a:lvl5pPr>
-            <a:lvl6pPr marL="2514600" indent="-228600" fontAlgn="base" hangingPunct="0">
-              <a:lnSpc>
-                <a:spcPct val="96000"/>
-              </a:lnSpc>
-              <a:spcBef>
-                <a:spcPct val="0"/>
-              </a:spcBef>
-              <a:spcAft>
-                <a:spcPct val="0"/>
-              </a:spcAft>
-              <a:buClr>
-                <a:srgbClr val="000000"/>
-              </a:buClr>
-              <a:buSzPct val="100000"/>
-              <a:buFont typeface="Times New Roman" charset="0"/>
-              <a:tabLst>
-                <a:tab pos="428625" algn="l"/>
-                <a:tab pos="885825" algn="l"/>
-                <a:tab pos="1343025" algn="l"/>
-                <a:tab pos="1800225" algn="l"/>
-                <a:tab pos="2257425" algn="l"/>
-                <a:tab pos="2714625" algn="l"/>
-                <a:tab pos="3171825" algn="l"/>
-                <a:tab pos="3629025" algn="l"/>
-                <a:tab pos="4086225" algn="l"/>
-                <a:tab pos="4543425" algn="l"/>
-                <a:tab pos="5000625" algn="l"/>
-                <a:tab pos="5457825" algn="l"/>
-                <a:tab pos="5915025" algn="l"/>
-                <a:tab pos="6372225" algn="l"/>
-                <a:tab pos="6829425" algn="l"/>
-                <a:tab pos="7286625" algn="l"/>
-                <a:tab pos="7743825" algn="l"/>
-                <a:tab pos="8201025" algn="l"/>
-                <a:tab pos="8658225" algn="l"/>
-                <a:tab pos="9115425" algn="l"/>
-                <a:tab pos="9572625" algn="l"/>
-              </a:tabLst>
-              <a:defRPr sz="2400">
-                <a:solidFill>
-                  <a:srgbClr val="000000"/>
-                </a:solidFill>
-                <a:latin typeface="Arial" charset="0"/>
-                <a:ea typeface="ＭＳ Ｐゴシック" charset="0"/>
-                <a:cs typeface="DejaVu Sans" charset="0"/>
-              </a:defRPr>
-            </a:lvl6pPr>
-            <a:lvl7pPr marL="2971800" indent="-228600" fontAlgn="base" hangingPunct="0">
-              <a:lnSpc>
-                <a:spcPct val="96000"/>
-              </a:lnSpc>
-              <a:spcBef>
-                <a:spcPct val="0"/>
-              </a:spcBef>
-              <a:spcAft>
-                <a:spcPct val="0"/>
-              </a:spcAft>
-              <a:buClr>
-                <a:srgbClr val="000000"/>
-              </a:buClr>
-              <a:buSzPct val="100000"/>
-              <a:buFont typeface="Times New Roman" charset="0"/>
-              <a:tabLst>
-                <a:tab pos="428625" algn="l"/>
-                <a:tab pos="885825" algn="l"/>
-                <a:tab pos="1343025" algn="l"/>
-                <a:tab pos="1800225" algn="l"/>
-                <a:tab pos="2257425" algn="l"/>
-                <a:tab pos="2714625" algn="l"/>
-                <a:tab pos="3171825" algn="l"/>
-                <a:tab pos="3629025" algn="l"/>
-                <a:tab pos="4086225" algn="l"/>
-                <a:tab pos="4543425" algn="l"/>
-                <a:tab pos="5000625" algn="l"/>
-                <a:tab pos="5457825" algn="l"/>
-                <a:tab pos="5915025" algn="l"/>
-                <a:tab pos="6372225" algn="l"/>
-                <a:tab pos="6829425" algn="l"/>
-                <a:tab pos="7286625" algn="l"/>
-                <a:tab pos="7743825" algn="l"/>
-                <a:tab pos="8201025" algn="l"/>
-                <a:tab pos="8658225" algn="l"/>
-                <a:tab pos="9115425" algn="l"/>
-                <a:tab pos="9572625" algn="l"/>
-              </a:tabLst>
-              <a:defRPr sz="2400">
-                <a:solidFill>
-                  <a:srgbClr val="000000"/>
-                </a:solidFill>
-                <a:latin typeface="Arial" charset="0"/>
-                <a:ea typeface="ＭＳ Ｐゴシック" charset="0"/>
-                <a:cs typeface="DejaVu Sans" charset="0"/>
-              </a:defRPr>
-            </a:lvl7pPr>
-            <a:lvl8pPr marL="3429000" indent="-228600" fontAlgn="base" hangingPunct="0">
-              <a:lnSpc>
-                <a:spcPct val="96000"/>
-              </a:lnSpc>
-              <a:spcBef>
-                <a:spcPct val="0"/>
-              </a:spcBef>
-              <a:spcAft>
-                <a:spcPct val="0"/>
-              </a:spcAft>
-              <a:buClr>
-                <a:srgbClr val="000000"/>
-              </a:buClr>
-              <a:buSzPct val="100000"/>
-              <a:buFont typeface="Times New Roman" charset="0"/>
-              <a:tabLst>
-                <a:tab pos="428625" algn="l"/>
-                <a:tab pos="885825" algn="l"/>
-                <a:tab pos="1343025" algn="l"/>
-                <a:tab pos="1800225" algn="l"/>
-                <a:tab pos="2257425" algn="l"/>
-                <a:tab pos="2714625" algn="l"/>
-                <a:tab pos="3171825" algn="l"/>
-                <a:tab pos="3629025" algn="l"/>
-                <a:tab pos="4086225" algn="l"/>
-                <a:tab pos="4543425" algn="l"/>
-                <a:tab pos="5000625" algn="l"/>
-                <a:tab pos="5457825" algn="l"/>
-                <a:tab pos="5915025" algn="l"/>
-                <a:tab pos="6372225" algn="l"/>
-                <a:tab pos="6829425" algn="l"/>
-                <a:tab pos="7286625" algn="l"/>
-                <a:tab pos="7743825" algn="l"/>
-                <a:tab pos="8201025" algn="l"/>
-                <a:tab pos="8658225" algn="l"/>
-                <a:tab pos="9115425" algn="l"/>
-                <a:tab pos="9572625" algn="l"/>
-              </a:tabLst>
-              <a:defRPr sz="2400">
-                <a:solidFill>
-                  <a:srgbClr val="000000"/>
-                </a:solidFill>
-                <a:latin typeface="Arial" charset="0"/>
-                <a:ea typeface="ＭＳ Ｐゴシック" charset="0"/>
-                <a:cs typeface="DejaVu Sans" charset="0"/>
-              </a:defRPr>
-            </a:lvl8pPr>
-            <a:lvl9pPr marL="3886200" indent="-228600" fontAlgn="base" hangingPunct="0">
-              <a:lnSpc>
-                <a:spcPct val="96000"/>
-              </a:lnSpc>
-              <a:spcBef>
-                <a:spcPct val="0"/>
-              </a:spcBef>
-              <a:spcAft>
-                <a:spcPct val="0"/>
-              </a:spcAft>
-              <a:buClr>
-                <a:srgbClr val="000000"/>
-              </a:buClr>
-              <a:buSzPct val="100000"/>
-              <a:buFont typeface="Times New Roman" charset="0"/>
-              <a:tabLst>
-                <a:tab pos="428625" algn="l"/>
-                <a:tab pos="885825" algn="l"/>
-                <a:tab pos="1343025" algn="l"/>
-                <a:tab pos="1800225" algn="l"/>
-                <a:tab pos="2257425" algn="l"/>
-                <a:tab pos="2714625" algn="l"/>
-                <a:tab pos="3171825" algn="l"/>
-                <a:tab pos="3629025" algn="l"/>
-                <a:tab pos="4086225" algn="l"/>
-                <a:tab pos="4543425" algn="l"/>
-                <a:tab pos="5000625" algn="l"/>
-                <a:tab pos="5457825" algn="l"/>
-                <a:tab pos="5915025" algn="l"/>
-                <a:tab pos="6372225" algn="l"/>
-                <a:tab pos="6829425" algn="l"/>
-                <a:tab pos="7286625" algn="l"/>
-                <a:tab pos="7743825" algn="l"/>
-                <a:tab pos="8201025" algn="l"/>
-                <a:tab pos="8658225" algn="l"/>
-                <a:tab pos="9115425" algn="l"/>
-                <a:tab pos="9572625" algn="l"/>
-              </a:tabLst>
-              <a:defRPr sz="2400">
-                <a:solidFill>
-                  <a:srgbClr val="000000"/>
-                </a:solidFill>
-                <a:latin typeface="Arial" charset="0"/>
-                <a:ea typeface="ＭＳ Ｐゴシック" charset="0"/>
-                <a:cs typeface="DejaVu Sans" charset="0"/>
-              </a:defRPr>
-            </a:lvl9pPr>
-          </a:lstStyle>
-          <a:p>
-            <a:pPr>
-              <a:lnSpc>
-                <a:spcPct val="97000"/>
-              </a:lnSpc>
-              <a:spcAft>
-                <a:spcPts val="1413"/>
-              </a:spcAft>
-              <a:buClr>
-                <a:srgbClr val="FF6309"/>
-              </a:buClr>
-              <a:buSzPct val="45000"/>
-              <a:buFont typeface="Wingdings" charset="0"/>
-              <a:buChar char=""/>
-              <a:defRPr/>
-            </a:pPr>
-            <a:r>
-              <a:rPr lang="en-US" sz="2800" dirty="0">
-                <a:ea typeface="Arial" charset="0"/>
-                <a:cs typeface="Arial" charset="0"/>
-              </a:rPr>
-              <a:t>Configure the server to unrestricted access to local users</a:t>
-            </a:r>
-          </a:p>
-          <a:p>
-            <a:pPr>
-              <a:lnSpc>
-                <a:spcPct val="97000"/>
-              </a:lnSpc>
-              <a:spcAft>
-                <a:spcPts val="1413"/>
-              </a:spcAft>
-              <a:buClr>
-                <a:srgbClr val="FF6309"/>
-              </a:buClr>
-              <a:buSzPct val="45000"/>
-              <a:buFont typeface="Wingdings" charset="0"/>
-              <a:buChar char=""/>
-              <a:defRPr/>
-            </a:pPr>
-            <a:endParaRPr lang="en-US" sz="2800" dirty="0">
-              <a:ea typeface="Arial" charset="0"/>
-              <a:cs typeface="Arial" charset="0"/>
-            </a:endParaRPr>
-          </a:p>
-          <a:p>
-            <a:pPr>
-              <a:lnSpc>
-                <a:spcPct val="97000"/>
-              </a:lnSpc>
-              <a:spcAft>
-                <a:spcPts val="1413"/>
-              </a:spcAft>
-              <a:buClr>
-                <a:srgbClr val="FF6309"/>
-              </a:buClr>
-              <a:buSzPct val="45000"/>
-              <a:buFont typeface="Wingdings" charset="0"/>
-              <a:buChar char=""/>
-              <a:defRPr/>
-            </a:pPr>
-            <a:endParaRPr lang="en-US" sz="2800" dirty="0">
-              <a:ea typeface="Arial" charset="0"/>
-              <a:cs typeface="Arial" charset="0"/>
-            </a:endParaRPr>
-          </a:p>
-          <a:p>
-            <a:pPr>
-              <a:lnSpc>
-                <a:spcPct val="97000"/>
-              </a:lnSpc>
-              <a:spcAft>
-                <a:spcPts val="1413"/>
-              </a:spcAft>
-              <a:buClr>
-                <a:srgbClr val="FF6309"/>
-              </a:buClr>
-              <a:buSzPct val="45000"/>
-              <a:buFont typeface="Wingdings" charset="0"/>
-              <a:buChar char=""/>
-              <a:defRPr/>
-            </a:pPr>
-            <a:endParaRPr lang="en-US" sz="2800" dirty="0">
-              <a:ea typeface="Arial" charset="0"/>
-              <a:cs typeface="Arial" charset="0"/>
-            </a:endParaRPr>
-          </a:p>
-          <a:p>
-            <a:pPr>
-              <a:lnSpc>
-                <a:spcPct val="97000"/>
-              </a:lnSpc>
-              <a:spcAft>
-                <a:spcPts val="1413"/>
-              </a:spcAft>
-              <a:buClr>
-                <a:srgbClr val="FF6309"/>
-              </a:buClr>
-              <a:buSzPct val="45000"/>
-              <a:buFont typeface="Wingdings" charset="0"/>
-              <a:buChar char=""/>
-              <a:defRPr/>
-            </a:pPr>
-            <a:r>
-              <a:rPr lang="en-US" sz="2800" dirty="0">
-                <a:ea typeface="Arial" charset="0"/>
-                <a:cs typeface="Arial" charset="0"/>
-              </a:rPr>
-              <a:t>We can also restrict the server from answering </a:t>
-            </a:r>
-            <a:r>
-              <a:rPr lang="en-US" sz="2800" dirty="0" err="1">
-                <a:ea typeface="Arial" charset="0"/>
-                <a:cs typeface="Arial" charset="0"/>
-              </a:rPr>
-              <a:t>ntp</a:t>
-            </a:r>
-            <a:r>
-              <a:rPr lang="en-US" sz="2800" dirty="0">
-                <a:ea typeface="Arial" charset="0"/>
-                <a:cs typeface="Arial" charset="0"/>
-              </a:rPr>
-              <a:t> queries</a:t>
-            </a:r>
-          </a:p>
-          <a:p>
-            <a:pPr>
-              <a:lnSpc>
-                <a:spcPct val="97000"/>
-              </a:lnSpc>
-              <a:spcAft>
-                <a:spcPts val="1413"/>
-              </a:spcAft>
-              <a:buClr>
-                <a:srgbClr val="FF6309"/>
-              </a:buClr>
-              <a:buSzPct val="45000"/>
-              <a:buFont typeface="Wingdings" charset="0"/>
-              <a:buChar char=""/>
-              <a:defRPr/>
-            </a:pPr>
-            <a:endParaRPr lang="en-US" sz="2800" dirty="0">
-              <a:ea typeface="Arial" charset="0"/>
-              <a:cs typeface="Arial" charset="0"/>
-            </a:endParaRPr>
-          </a:p>
-          <a:p>
-            <a:pPr>
-              <a:lnSpc>
-                <a:spcPct val="97000"/>
-              </a:lnSpc>
-              <a:spcAft>
-                <a:spcPts val="1413"/>
-              </a:spcAft>
-              <a:buClr>
-                <a:srgbClr val="FF6309"/>
-              </a:buClr>
-              <a:buSzPct val="45000"/>
-              <a:buFont typeface="Wingdings" charset="0"/>
-              <a:buChar char=""/>
-              <a:defRPr/>
-            </a:pPr>
-            <a:endParaRPr lang="en-US" sz="2800" dirty="0">
-              <a:ea typeface="Arial" charset="0"/>
-              <a:cs typeface="Arial" charset="0"/>
-            </a:endParaRPr>
-          </a:p>
-        </p:txBody>
-      </p:sp>
-      <p:sp>
-        <p:nvSpPr>
-          <p:cNvPr id="4" name="TextBox 3"/>
-          <p:cNvSpPr txBox="1"/>
-          <p:nvPr/>
-        </p:nvSpPr>
-        <p:spPr>
-          <a:xfrm>
-            <a:off x="863599" y="2636837"/>
-            <a:ext cx="8648701" cy="1865126"/>
-          </a:xfrm>
-          <a:prstGeom prst="rect">
-            <a:avLst/>
-          </a:prstGeom>
-          <a:solidFill>
-            <a:schemeClr val="bg2"/>
-          </a:solidFill>
-        </p:spPr>
-        <p:txBody>
-          <a:bodyPr wrap="square" rtlCol="0">
-            <a:spAutoFit/>
-          </a:bodyPr>
-          <a:lstStyle/>
-          <a:p>
-            <a:r>
-              <a:rPr lang="en-US" sz="2000" dirty="0">
-                <a:solidFill>
-                  <a:schemeClr val="tx1"/>
-                </a:solidFill>
-                <a:latin typeface="Courier" charset="0"/>
-                <a:ea typeface="Courier" charset="0"/>
-                <a:cs typeface="Courier" charset="0"/>
-              </a:rPr>
-              <a:t>restrict 196.200.219.0 mask 255.255.255.0 limited </a:t>
-            </a:r>
-            <a:r>
-              <a:rPr lang="en-US" sz="2000" dirty="0" err="1">
-                <a:solidFill>
-                  <a:schemeClr val="tx1"/>
-                </a:solidFill>
-                <a:latin typeface="Courier" charset="0"/>
-                <a:ea typeface="Courier" charset="0"/>
-                <a:cs typeface="Courier" charset="0"/>
-              </a:rPr>
-              <a:t>kod</a:t>
-            </a:r>
-            <a:r>
-              <a:rPr lang="en-US" sz="2000" dirty="0">
-                <a:solidFill>
-                  <a:schemeClr val="tx1"/>
-                </a:solidFill>
-                <a:latin typeface="Courier" charset="0"/>
-                <a:ea typeface="Courier" charset="0"/>
-                <a:cs typeface="Courier" charset="0"/>
-              </a:rPr>
-              <a:t> </a:t>
-            </a:r>
-            <a:r>
-              <a:rPr lang="en-US" sz="2000" dirty="0" err="1">
-                <a:solidFill>
-                  <a:schemeClr val="tx1"/>
-                </a:solidFill>
-                <a:latin typeface="Courier" charset="0"/>
-                <a:ea typeface="Courier" charset="0"/>
-                <a:cs typeface="Courier" charset="0"/>
-              </a:rPr>
-              <a:t>notrap</a:t>
-            </a:r>
-            <a:r>
-              <a:rPr lang="en-US" sz="2000" dirty="0">
-                <a:solidFill>
-                  <a:schemeClr val="tx1"/>
-                </a:solidFill>
-                <a:latin typeface="Courier" charset="0"/>
-                <a:ea typeface="Courier" charset="0"/>
-                <a:cs typeface="Courier" charset="0"/>
-              </a:rPr>
-              <a:t> </a:t>
-            </a:r>
-            <a:r>
-              <a:rPr lang="en-US" sz="2000" dirty="0" err="1">
-                <a:solidFill>
-                  <a:schemeClr val="tx1"/>
-                </a:solidFill>
-                <a:latin typeface="Courier" charset="0"/>
-                <a:ea typeface="Courier" charset="0"/>
-                <a:cs typeface="Courier" charset="0"/>
-              </a:rPr>
-              <a:t>nomodify</a:t>
-            </a:r>
-            <a:r>
-              <a:rPr lang="en-US" sz="2000" dirty="0">
-                <a:solidFill>
-                  <a:schemeClr val="tx1"/>
-                </a:solidFill>
-                <a:latin typeface="Courier" charset="0"/>
-                <a:ea typeface="Courier" charset="0"/>
-                <a:cs typeface="Courier" charset="0"/>
-              </a:rPr>
-              <a:t> </a:t>
-            </a:r>
-            <a:r>
-              <a:rPr lang="en-US" sz="2000" dirty="0" err="1">
-                <a:solidFill>
-                  <a:schemeClr val="tx1"/>
-                </a:solidFill>
-                <a:latin typeface="Courier" charset="0"/>
-                <a:ea typeface="Courier" charset="0"/>
-                <a:cs typeface="Courier" charset="0"/>
-              </a:rPr>
-              <a:t>nopeer</a:t>
-            </a:r>
-            <a:r>
-              <a:rPr lang="en-US" sz="2000" dirty="0">
-                <a:solidFill>
-                  <a:schemeClr val="tx1"/>
-                </a:solidFill>
-                <a:latin typeface="Courier" charset="0"/>
-                <a:ea typeface="Courier" charset="0"/>
-                <a:cs typeface="Courier" charset="0"/>
-              </a:rPr>
-              <a:t> </a:t>
-            </a:r>
-            <a:r>
-              <a:rPr lang="en-US" sz="2000" dirty="0" err="1">
-                <a:solidFill>
-                  <a:schemeClr val="tx1"/>
-                </a:solidFill>
-                <a:latin typeface="Courier" charset="0"/>
-                <a:ea typeface="Courier" charset="0"/>
-                <a:cs typeface="Courier" charset="0"/>
-              </a:rPr>
-              <a:t>noquery</a:t>
-            </a:r>
-            <a:endParaRPr lang="en-US" sz="2000" dirty="0">
-              <a:solidFill>
-                <a:schemeClr val="tx1"/>
-              </a:solidFill>
-              <a:latin typeface="Courier" charset="0"/>
-              <a:ea typeface="Courier" charset="0"/>
-              <a:cs typeface="Courier" charset="0"/>
-            </a:endParaRPr>
-          </a:p>
-          <a:p>
-            <a:r>
-              <a:rPr lang="en-US" sz="2000" dirty="0">
-                <a:solidFill>
-                  <a:schemeClr val="tx1"/>
-                </a:solidFill>
-                <a:latin typeface="Courier" charset="0"/>
-                <a:ea typeface="Courier" charset="0"/>
-                <a:cs typeface="Courier" charset="0"/>
-              </a:rPr>
-              <a:t>restrict 2001:43f8:0220:219:: mask </a:t>
-            </a:r>
-            <a:r>
-              <a:rPr lang="en-US" sz="2000" dirty="0" err="1">
-                <a:solidFill>
-                  <a:schemeClr val="tx1"/>
-                </a:solidFill>
-                <a:latin typeface="Courier" charset="0"/>
-                <a:ea typeface="Courier" charset="0"/>
-                <a:cs typeface="Courier" charset="0"/>
-              </a:rPr>
-              <a:t>ffff:ffff:ffff:ffff</a:t>
-            </a:r>
-            <a:r>
-              <a:rPr lang="en-US" sz="2000" dirty="0">
-                <a:solidFill>
-                  <a:schemeClr val="tx1"/>
-                </a:solidFill>
-                <a:latin typeface="Courier" charset="0"/>
-                <a:ea typeface="Courier" charset="0"/>
-                <a:cs typeface="Courier" charset="0"/>
-              </a:rPr>
-              <a:t>:: limited </a:t>
-            </a:r>
-            <a:r>
-              <a:rPr lang="en-US" sz="2000" dirty="0" err="1">
-                <a:solidFill>
-                  <a:schemeClr val="tx1"/>
-                </a:solidFill>
-                <a:latin typeface="Courier" charset="0"/>
-                <a:ea typeface="Courier" charset="0"/>
-                <a:cs typeface="Courier" charset="0"/>
-              </a:rPr>
-              <a:t>kod</a:t>
-            </a:r>
-            <a:r>
-              <a:rPr lang="en-US" sz="2000" dirty="0">
-                <a:solidFill>
-                  <a:schemeClr val="tx1"/>
-                </a:solidFill>
-                <a:latin typeface="Courier" charset="0"/>
-                <a:ea typeface="Courier" charset="0"/>
-                <a:cs typeface="Courier" charset="0"/>
-              </a:rPr>
-              <a:t> </a:t>
-            </a:r>
-            <a:r>
-              <a:rPr lang="en-US" sz="2000" dirty="0" err="1">
-                <a:solidFill>
-                  <a:schemeClr val="tx1"/>
-                </a:solidFill>
-                <a:latin typeface="Courier" charset="0"/>
-                <a:ea typeface="Courier" charset="0"/>
-                <a:cs typeface="Courier" charset="0"/>
-              </a:rPr>
-              <a:t>notrap</a:t>
-            </a:r>
-            <a:r>
-              <a:rPr lang="en-US" sz="2000" dirty="0">
-                <a:solidFill>
-                  <a:schemeClr val="tx1"/>
-                </a:solidFill>
-                <a:latin typeface="Courier" charset="0"/>
-                <a:ea typeface="Courier" charset="0"/>
-                <a:cs typeface="Courier" charset="0"/>
-              </a:rPr>
-              <a:t> </a:t>
-            </a:r>
-            <a:r>
-              <a:rPr lang="en-US" sz="2000" dirty="0" err="1">
-                <a:solidFill>
-                  <a:schemeClr val="tx1"/>
-                </a:solidFill>
-                <a:latin typeface="Courier" charset="0"/>
-                <a:ea typeface="Courier" charset="0"/>
-                <a:cs typeface="Courier" charset="0"/>
-              </a:rPr>
-              <a:t>nomodify</a:t>
-            </a:r>
-            <a:r>
-              <a:rPr lang="en-US" sz="2000" dirty="0">
-                <a:solidFill>
-                  <a:schemeClr val="tx1"/>
-                </a:solidFill>
-                <a:latin typeface="Courier" charset="0"/>
-                <a:ea typeface="Courier" charset="0"/>
-                <a:cs typeface="Courier" charset="0"/>
-              </a:rPr>
-              <a:t> </a:t>
-            </a:r>
-            <a:r>
-              <a:rPr lang="en-US" sz="2000" dirty="0" err="1">
-                <a:solidFill>
-                  <a:schemeClr val="tx1"/>
-                </a:solidFill>
-                <a:latin typeface="Courier" charset="0"/>
-                <a:ea typeface="Courier" charset="0"/>
-                <a:cs typeface="Courier" charset="0"/>
-              </a:rPr>
-              <a:t>nopeer</a:t>
-            </a:r>
-            <a:r>
-              <a:rPr lang="en-US" sz="2000" dirty="0">
-                <a:solidFill>
-                  <a:schemeClr val="tx1"/>
-                </a:solidFill>
-                <a:latin typeface="Courier" charset="0"/>
-                <a:ea typeface="Courier" charset="0"/>
-                <a:cs typeface="Courier" charset="0"/>
-              </a:rPr>
-              <a:t> </a:t>
-            </a:r>
-            <a:r>
-              <a:rPr lang="en-US" sz="2000" dirty="0" err="1">
-                <a:solidFill>
-                  <a:schemeClr val="tx1"/>
-                </a:solidFill>
-                <a:latin typeface="Courier" charset="0"/>
-                <a:ea typeface="Courier" charset="0"/>
-                <a:cs typeface="Courier" charset="0"/>
-              </a:rPr>
-              <a:t>noquery</a:t>
-            </a:r>
-            <a:endParaRPr lang="en-US" sz="2000" dirty="0">
-              <a:solidFill>
-                <a:schemeClr val="tx1"/>
-              </a:solidFill>
-              <a:latin typeface="Courier" charset="0"/>
-              <a:ea typeface="Courier" charset="0"/>
-              <a:cs typeface="Courier" charset="0"/>
-            </a:endParaRPr>
-          </a:p>
-          <a:p>
-            <a:endParaRPr lang="en-US" sz="2000" dirty="0">
-              <a:solidFill>
-                <a:schemeClr val="tx1"/>
-              </a:solidFill>
-              <a:latin typeface="Courier" charset="0"/>
-              <a:ea typeface="Courier" charset="0"/>
-              <a:cs typeface="Courier" charset="0"/>
-            </a:endParaRPr>
-          </a:p>
-        </p:txBody>
-      </p:sp>
-      <p:sp>
-        <p:nvSpPr>
-          <p:cNvPr id="6" name="TextBox 5"/>
-          <p:cNvSpPr txBox="1"/>
-          <p:nvPr/>
-        </p:nvSpPr>
-        <p:spPr>
-          <a:xfrm>
-            <a:off x="887411" y="5608637"/>
-            <a:ext cx="8648701" cy="978729"/>
-          </a:xfrm>
-          <a:prstGeom prst="rect">
-            <a:avLst/>
-          </a:prstGeom>
-          <a:solidFill>
-            <a:schemeClr val="bg2"/>
-          </a:solidFill>
-        </p:spPr>
-        <p:txBody>
-          <a:bodyPr wrap="square" rtlCol="0">
-            <a:spAutoFit/>
-          </a:bodyPr>
-          <a:lstStyle/>
-          <a:p>
-            <a:r>
-              <a:rPr lang="en-US" sz="2000" dirty="0">
-                <a:solidFill>
-                  <a:schemeClr val="tx1"/>
-                </a:solidFill>
-                <a:latin typeface="Courier" charset="0"/>
-                <a:ea typeface="Courier" charset="0"/>
-                <a:cs typeface="Courier" charset="0"/>
-              </a:rPr>
-              <a:t># By default don’t answer anything</a:t>
-            </a:r>
-          </a:p>
-          <a:p>
-            <a:r>
-              <a:rPr lang="en-US" sz="2000" dirty="0">
-                <a:solidFill>
-                  <a:schemeClr val="tx1"/>
-                </a:solidFill>
-                <a:latin typeface="Courier" charset="0"/>
-                <a:ea typeface="Courier" charset="0"/>
-                <a:cs typeface="Courier" charset="0"/>
-              </a:rPr>
-              <a:t>restrict default ignore</a:t>
-            </a:r>
-          </a:p>
-          <a:p>
-            <a:r>
-              <a:rPr lang="en-US" sz="2000" dirty="0">
-                <a:solidFill>
-                  <a:schemeClr val="tx1"/>
-                </a:solidFill>
-                <a:latin typeface="Courier" charset="0"/>
-                <a:ea typeface="Courier" charset="0"/>
-                <a:cs typeface="Courier" charset="0"/>
-              </a:rPr>
-              <a:t>restrict -6 default ignore </a:t>
-            </a:r>
-          </a:p>
-        </p:txBody>
-      </p:sp>
-    </p:spTree>
-    <p:extLst>
-      <p:ext uri="{BB962C8B-B14F-4D97-AF65-F5344CB8AC3E}">
-        <p14:creationId xmlns:p14="http://schemas.microsoft.com/office/powerpoint/2010/main" val="1693148533"/>
       </p:ext>
     </p:extLst>
   </p:cSld>
@@ -25275,6 +23931,1442 @@
               <a:defRPr/>
             </a:pPr>
             <a:r>
+              <a:rPr lang="en-US" sz="2800" dirty="0">
+                <a:ea typeface="Arial" charset="0"/>
+                <a:cs typeface="Arial" charset="0"/>
+              </a:rPr>
+              <a:t>Configure the server to unrestricted access to local users</a:t>
+            </a:r>
+          </a:p>
+          <a:p>
+            <a:pPr>
+              <a:lnSpc>
+                <a:spcPct val="97000"/>
+              </a:lnSpc>
+              <a:spcAft>
+                <a:spcPts val="1413"/>
+              </a:spcAft>
+              <a:buClr>
+                <a:srgbClr val="FF6309"/>
+              </a:buClr>
+              <a:buSzPct val="45000"/>
+              <a:buFont typeface="Wingdings" charset="0"/>
+              <a:buChar char=""/>
+              <a:defRPr/>
+            </a:pPr>
+            <a:endParaRPr lang="en-US" sz="2800" dirty="0">
+              <a:ea typeface="Arial" charset="0"/>
+              <a:cs typeface="Arial" charset="0"/>
+            </a:endParaRPr>
+          </a:p>
+          <a:p>
+            <a:pPr>
+              <a:lnSpc>
+                <a:spcPct val="97000"/>
+              </a:lnSpc>
+              <a:spcAft>
+                <a:spcPts val="1413"/>
+              </a:spcAft>
+              <a:buClr>
+                <a:srgbClr val="FF6309"/>
+              </a:buClr>
+              <a:buSzPct val="45000"/>
+              <a:buFont typeface="Wingdings" charset="0"/>
+              <a:buChar char=""/>
+              <a:defRPr/>
+            </a:pPr>
+            <a:endParaRPr lang="en-US" sz="2800" dirty="0">
+              <a:ea typeface="Arial" charset="0"/>
+              <a:cs typeface="Arial" charset="0"/>
+            </a:endParaRPr>
+          </a:p>
+          <a:p>
+            <a:pPr>
+              <a:lnSpc>
+                <a:spcPct val="97000"/>
+              </a:lnSpc>
+              <a:spcAft>
+                <a:spcPts val="1413"/>
+              </a:spcAft>
+              <a:buClr>
+                <a:srgbClr val="FF6309"/>
+              </a:buClr>
+              <a:buSzPct val="45000"/>
+              <a:buFont typeface="Wingdings" charset="0"/>
+              <a:buChar char=""/>
+              <a:defRPr/>
+            </a:pPr>
+            <a:endParaRPr lang="en-US" sz="2800" dirty="0">
+              <a:ea typeface="Arial" charset="0"/>
+              <a:cs typeface="Arial" charset="0"/>
+            </a:endParaRPr>
+          </a:p>
+          <a:p>
+            <a:pPr>
+              <a:lnSpc>
+                <a:spcPct val="97000"/>
+              </a:lnSpc>
+              <a:spcAft>
+                <a:spcPts val="1413"/>
+              </a:spcAft>
+              <a:buClr>
+                <a:srgbClr val="FF6309"/>
+              </a:buClr>
+              <a:buSzPct val="45000"/>
+              <a:buFont typeface="Wingdings" charset="0"/>
+              <a:buChar char=""/>
+              <a:defRPr/>
+            </a:pPr>
+            <a:r>
+              <a:rPr lang="en-US" sz="2800" dirty="0">
+                <a:ea typeface="Arial" charset="0"/>
+                <a:cs typeface="Arial" charset="0"/>
+              </a:rPr>
+              <a:t>We can also restrict the server from answering </a:t>
+            </a:r>
+            <a:r>
+              <a:rPr lang="en-US" sz="2800" dirty="0" err="1">
+                <a:ea typeface="Arial" charset="0"/>
+                <a:cs typeface="Arial" charset="0"/>
+              </a:rPr>
+              <a:t>ntp</a:t>
+            </a:r>
+            <a:r>
+              <a:rPr lang="en-US" sz="2800" dirty="0">
+                <a:ea typeface="Arial" charset="0"/>
+                <a:cs typeface="Arial" charset="0"/>
+              </a:rPr>
+              <a:t> queries</a:t>
+            </a:r>
+          </a:p>
+          <a:p>
+            <a:pPr>
+              <a:lnSpc>
+                <a:spcPct val="97000"/>
+              </a:lnSpc>
+              <a:spcAft>
+                <a:spcPts val="1413"/>
+              </a:spcAft>
+              <a:buClr>
+                <a:srgbClr val="FF6309"/>
+              </a:buClr>
+              <a:buSzPct val="45000"/>
+              <a:buFont typeface="Wingdings" charset="0"/>
+              <a:buChar char=""/>
+              <a:defRPr/>
+            </a:pPr>
+            <a:endParaRPr lang="en-US" sz="2800" dirty="0">
+              <a:ea typeface="Arial" charset="0"/>
+              <a:cs typeface="Arial" charset="0"/>
+            </a:endParaRPr>
+          </a:p>
+          <a:p>
+            <a:pPr>
+              <a:lnSpc>
+                <a:spcPct val="97000"/>
+              </a:lnSpc>
+              <a:spcAft>
+                <a:spcPts val="1413"/>
+              </a:spcAft>
+              <a:buClr>
+                <a:srgbClr val="FF6309"/>
+              </a:buClr>
+              <a:buSzPct val="45000"/>
+              <a:buFont typeface="Wingdings" charset="0"/>
+              <a:buChar char=""/>
+              <a:defRPr/>
+            </a:pPr>
+            <a:endParaRPr lang="en-US" sz="2800" dirty="0">
+              <a:ea typeface="Arial" charset="0"/>
+              <a:cs typeface="Arial" charset="0"/>
+            </a:endParaRPr>
+          </a:p>
+        </p:txBody>
+      </p:sp>
+      <p:sp>
+        <p:nvSpPr>
+          <p:cNvPr id="4" name="TextBox 3"/>
+          <p:cNvSpPr txBox="1"/>
+          <p:nvPr/>
+        </p:nvSpPr>
+        <p:spPr>
+          <a:xfrm>
+            <a:off x="863599" y="2636837"/>
+            <a:ext cx="8648701" cy="1865126"/>
+          </a:xfrm>
+          <a:prstGeom prst="rect">
+            <a:avLst/>
+          </a:prstGeom>
+          <a:solidFill>
+            <a:schemeClr val="bg2"/>
+          </a:solidFill>
+        </p:spPr>
+        <p:txBody>
+          <a:bodyPr wrap="square" rtlCol="0">
+            <a:spAutoFit/>
+          </a:bodyPr>
+          <a:lstStyle/>
+          <a:p>
+            <a:r>
+              <a:rPr lang="en-US" sz="2000" dirty="0">
+                <a:solidFill>
+                  <a:schemeClr val="tx1"/>
+                </a:solidFill>
+                <a:latin typeface="Courier" charset="0"/>
+                <a:ea typeface="Courier" charset="0"/>
+                <a:cs typeface="Courier" charset="0"/>
+              </a:rPr>
+              <a:t>restrict 196.200.219.0 mask 255.255.255.0 limited </a:t>
+            </a:r>
+            <a:r>
+              <a:rPr lang="en-US" sz="2000" dirty="0" err="1">
+                <a:solidFill>
+                  <a:schemeClr val="tx1"/>
+                </a:solidFill>
+                <a:latin typeface="Courier" charset="0"/>
+                <a:ea typeface="Courier" charset="0"/>
+                <a:cs typeface="Courier" charset="0"/>
+              </a:rPr>
+              <a:t>kod</a:t>
+            </a:r>
+            <a:r>
+              <a:rPr lang="en-US" sz="2000" dirty="0">
+                <a:solidFill>
+                  <a:schemeClr val="tx1"/>
+                </a:solidFill>
+                <a:latin typeface="Courier" charset="0"/>
+                <a:ea typeface="Courier" charset="0"/>
+                <a:cs typeface="Courier" charset="0"/>
+              </a:rPr>
+              <a:t> </a:t>
+            </a:r>
+            <a:r>
+              <a:rPr lang="en-US" sz="2000" dirty="0" err="1">
+                <a:solidFill>
+                  <a:schemeClr val="tx1"/>
+                </a:solidFill>
+                <a:latin typeface="Courier" charset="0"/>
+                <a:ea typeface="Courier" charset="0"/>
+                <a:cs typeface="Courier" charset="0"/>
+              </a:rPr>
+              <a:t>notrap</a:t>
+            </a:r>
+            <a:r>
+              <a:rPr lang="en-US" sz="2000" dirty="0">
+                <a:solidFill>
+                  <a:schemeClr val="tx1"/>
+                </a:solidFill>
+                <a:latin typeface="Courier" charset="0"/>
+                <a:ea typeface="Courier" charset="0"/>
+                <a:cs typeface="Courier" charset="0"/>
+              </a:rPr>
+              <a:t> </a:t>
+            </a:r>
+            <a:r>
+              <a:rPr lang="en-US" sz="2000" dirty="0" err="1">
+                <a:solidFill>
+                  <a:schemeClr val="tx1"/>
+                </a:solidFill>
+                <a:latin typeface="Courier" charset="0"/>
+                <a:ea typeface="Courier" charset="0"/>
+                <a:cs typeface="Courier" charset="0"/>
+              </a:rPr>
+              <a:t>nomodify</a:t>
+            </a:r>
+            <a:r>
+              <a:rPr lang="en-US" sz="2000" dirty="0">
+                <a:solidFill>
+                  <a:schemeClr val="tx1"/>
+                </a:solidFill>
+                <a:latin typeface="Courier" charset="0"/>
+                <a:ea typeface="Courier" charset="0"/>
+                <a:cs typeface="Courier" charset="0"/>
+              </a:rPr>
+              <a:t> </a:t>
+            </a:r>
+            <a:r>
+              <a:rPr lang="en-US" sz="2000" dirty="0" err="1">
+                <a:solidFill>
+                  <a:schemeClr val="tx1"/>
+                </a:solidFill>
+                <a:latin typeface="Courier" charset="0"/>
+                <a:ea typeface="Courier" charset="0"/>
+                <a:cs typeface="Courier" charset="0"/>
+              </a:rPr>
+              <a:t>nopeer</a:t>
+            </a:r>
+            <a:r>
+              <a:rPr lang="en-US" sz="2000" dirty="0">
+                <a:solidFill>
+                  <a:schemeClr val="tx1"/>
+                </a:solidFill>
+                <a:latin typeface="Courier" charset="0"/>
+                <a:ea typeface="Courier" charset="0"/>
+                <a:cs typeface="Courier" charset="0"/>
+              </a:rPr>
+              <a:t> </a:t>
+            </a:r>
+            <a:r>
+              <a:rPr lang="en-US" sz="2000" dirty="0" err="1">
+                <a:solidFill>
+                  <a:schemeClr val="tx1"/>
+                </a:solidFill>
+                <a:latin typeface="Courier" charset="0"/>
+                <a:ea typeface="Courier" charset="0"/>
+                <a:cs typeface="Courier" charset="0"/>
+              </a:rPr>
+              <a:t>noquery</a:t>
+            </a:r>
+            <a:endParaRPr lang="en-US" sz="2000" dirty="0">
+              <a:solidFill>
+                <a:schemeClr val="tx1"/>
+              </a:solidFill>
+              <a:latin typeface="Courier" charset="0"/>
+              <a:ea typeface="Courier" charset="0"/>
+              <a:cs typeface="Courier" charset="0"/>
+            </a:endParaRPr>
+          </a:p>
+          <a:p>
+            <a:r>
+              <a:rPr lang="en-US" sz="2000" dirty="0">
+                <a:solidFill>
+                  <a:schemeClr val="tx1"/>
+                </a:solidFill>
+                <a:latin typeface="Courier" charset="0"/>
+                <a:ea typeface="Courier" charset="0"/>
+                <a:cs typeface="Courier" charset="0"/>
+              </a:rPr>
+              <a:t>restrict 2001:43f8:0220:219:: mask </a:t>
+            </a:r>
+            <a:r>
+              <a:rPr lang="en-US" sz="2000" dirty="0" err="1">
+                <a:solidFill>
+                  <a:schemeClr val="tx1"/>
+                </a:solidFill>
+                <a:latin typeface="Courier" charset="0"/>
+                <a:ea typeface="Courier" charset="0"/>
+                <a:cs typeface="Courier" charset="0"/>
+              </a:rPr>
+              <a:t>ffff:ffff:ffff:ffff</a:t>
+            </a:r>
+            <a:r>
+              <a:rPr lang="en-US" sz="2000" dirty="0">
+                <a:solidFill>
+                  <a:schemeClr val="tx1"/>
+                </a:solidFill>
+                <a:latin typeface="Courier" charset="0"/>
+                <a:ea typeface="Courier" charset="0"/>
+                <a:cs typeface="Courier" charset="0"/>
+              </a:rPr>
+              <a:t>:: limited </a:t>
+            </a:r>
+            <a:r>
+              <a:rPr lang="en-US" sz="2000" dirty="0" err="1">
+                <a:solidFill>
+                  <a:schemeClr val="tx1"/>
+                </a:solidFill>
+                <a:latin typeface="Courier" charset="0"/>
+                <a:ea typeface="Courier" charset="0"/>
+                <a:cs typeface="Courier" charset="0"/>
+              </a:rPr>
+              <a:t>kod</a:t>
+            </a:r>
+            <a:r>
+              <a:rPr lang="en-US" sz="2000" dirty="0">
+                <a:solidFill>
+                  <a:schemeClr val="tx1"/>
+                </a:solidFill>
+                <a:latin typeface="Courier" charset="0"/>
+                <a:ea typeface="Courier" charset="0"/>
+                <a:cs typeface="Courier" charset="0"/>
+              </a:rPr>
+              <a:t> </a:t>
+            </a:r>
+            <a:r>
+              <a:rPr lang="en-US" sz="2000" dirty="0" err="1">
+                <a:solidFill>
+                  <a:schemeClr val="tx1"/>
+                </a:solidFill>
+                <a:latin typeface="Courier" charset="0"/>
+                <a:ea typeface="Courier" charset="0"/>
+                <a:cs typeface="Courier" charset="0"/>
+              </a:rPr>
+              <a:t>notrap</a:t>
+            </a:r>
+            <a:r>
+              <a:rPr lang="en-US" sz="2000" dirty="0">
+                <a:solidFill>
+                  <a:schemeClr val="tx1"/>
+                </a:solidFill>
+                <a:latin typeface="Courier" charset="0"/>
+                <a:ea typeface="Courier" charset="0"/>
+                <a:cs typeface="Courier" charset="0"/>
+              </a:rPr>
+              <a:t> </a:t>
+            </a:r>
+            <a:r>
+              <a:rPr lang="en-US" sz="2000" dirty="0" err="1">
+                <a:solidFill>
+                  <a:schemeClr val="tx1"/>
+                </a:solidFill>
+                <a:latin typeface="Courier" charset="0"/>
+                <a:ea typeface="Courier" charset="0"/>
+                <a:cs typeface="Courier" charset="0"/>
+              </a:rPr>
+              <a:t>nomodify</a:t>
+            </a:r>
+            <a:r>
+              <a:rPr lang="en-US" sz="2000" dirty="0">
+                <a:solidFill>
+                  <a:schemeClr val="tx1"/>
+                </a:solidFill>
+                <a:latin typeface="Courier" charset="0"/>
+                <a:ea typeface="Courier" charset="0"/>
+                <a:cs typeface="Courier" charset="0"/>
+              </a:rPr>
+              <a:t> </a:t>
+            </a:r>
+            <a:r>
+              <a:rPr lang="en-US" sz="2000" dirty="0" err="1">
+                <a:solidFill>
+                  <a:schemeClr val="tx1"/>
+                </a:solidFill>
+                <a:latin typeface="Courier" charset="0"/>
+                <a:ea typeface="Courier" charset="0"/>
+                <a:cs typeface="Courier" charset="0"/>
+              </a:rPr>
+              <a:t>nopeer</a:t>
+            </a:r>
+            <a:r>
+              <a:rPr lang="en-US" sz="2000" dirty="0">
+                <a:solidFill>
+                  <a:schemeClr val="tx1"/>
+                </a:solidFill>
+                <a:latin typeface="Courier" charset="0"/>
+                <a:ea typeface="Courier" charset="0"/>
+                <a:cs typeface="Courier" charset="0"/>
+              </a:rPr>
+              <a:t> </a:t>
+            </a:r>
+            <a:r>
+              <a:rPr lang="en-US" sz="2000" dirty="0" err="1">
+                <a:solidFill>
+                  <a:schemeClr val="tx1"/>
+                </a:solidFill>
+                <a:latin typeface="Courier" charset="0"/>
+                <a:ea typeface="Courier" charset="0"/>
+                <a:cs typeface="Courier" charset="0"/>
+              </a:rPr>
+              <a:t>noquery</a:t>
+            </a:r>
+            <a:endParaRPr lang="en-US" sz="2000" dirty="0">
+              <a:solidFill>
+                <a:schemeClr val="tx1"/>
+              </a:solidFill>
+              <a:latin typeface="Courier" charset="0"/>
+              <a:ea typeface="Courier" charset="0"/>
+              <a:cs typeface="Courier" charset="0"/>
+            </a:endParaRPr>
+          </a:p>
+          <a:p>
+            <a:endParaRPr lang="en-US" sz="2000" dirty="0">
+              <a:solidFill>
+                <a:schemeClr val="tx1"/>
+              </a:solidFill>
+              <a:latin typeface="Courier" charset="0"/>
+              <a:ea typeface="Courier" charset="0"/>
+              <a:cs typeface="Courier" charset="0"/>
+            </a:endParaRPr>
+          </a:p>
+        </p:txBody>
+      </p:sp>
+      <p:sp>
+        <p:nvSpPr>
+          <p:cNvPr id="6" name="TextBox 5"/>
+          <p:cNvSpPr txBox="1"/>
+          <p:nvPr/>
+        </p:nvSpPr>
+        <p:spPr>
+          <a:xfrm>
+            <a:off x="887411" y="5608637"/>
+            <a:ext cx="8648701" cy="978729"/>
+          </a:xfrm>
+          <a:prstGeom prst="rect">
+            <a:avLst/>
+          </a:prstGeom>
+          <a:solidFill>
+            <a:schemeClr val="bg2"/>
+          </a:solidFill>
+        </p:spPr>
+        <p:txBody>
+          <a:bodyPr wrap="square" rtlCol="0">
+            <a:spAutoFit/>
+          </a:bodyPr>
+          <a:lstStyle/>
+          <a:p>
+            <a:r>
+              <a:rPr lang="en-US" sz="2000" dirty="0">
+                <a:solidFill>
+                  <a:schemeClr val="tx1"/>
+                </a:solidFill>
+                <a:latin typeface="Courier" charset="0"/>
+                <a:ea typeface="Courier" charset="0"/>
+                <a:cs typeface="Courier" charset="0"/>
+              </a:rPr>
+              <a:t># By default don’t answer anything</a:t>
+            </a:r>
+          </a:p>
+          <a:p>
+            <a:r>
+              <a:rPr lang="en-US" sz="2000" dirty="0">
+                <a:solidFill>
+                  <a:schemeClr val="tx1"/>
+                </a:solidFill>
+                <a:latin typeface="Courier" charset="0"/>
+                <a:ea typeface="Courier" charset="0"/>
+                <a:cs typeface="Courier" charset="0"/>
+              </a:rPr>
+              <a:t>restrict default ignore</a:t>
+            </a:r>
+          </a:p>
+          <a:p>
+            <a:r>
+              <a:rPr lang="en-US" sz="2000" dirty="0">
+                <a:solidFill>
+                  <a:schemeClr val="tx1"/>
+                </a:solidFill>
+                <a:latin typeface="Courier" charset="0"/>
+                <a:ea typeface="Courier" charset="0"/>
+                <a:cs typeface="Courier" charset="0"/>
+              </a:rPr>
+              <a:t>restrict -6 default ignore </a:t>
+            </a:r>
+          </a:p>
+        </p:txBody>
+      </p:sp>
+    </p:spTree>
+    <p:extLst>
+      <p:ext uri="{BB962C8B-B14F-4D97-AF65-F5344CB8AC3E}">
+        <p14:creationId xmlns:p14="http://schemas.microsoft.com/office/powerpoint/2010/main" val="1693148533"/>
+      </p:ext>
+    </p:extLst>
+  </p:cSld>
+  <p:clrMapOvr>
+    <a:masterClrMapping/>
+  </p:clrMapOvr>
+  <p:transition spd="med"/>
+  <p:timing>
+    <p:tnLst>
+      <p:par>
+        <p:cTn id="1" dur="indefinite" restart="never" nodeType="tmRoot">
+          <p:childTnLst>
+            <p:seq concurrent="1" nextAc="seek">
+              <p:cTn id="2" dur="0" nodeType="mainSeq"/>
+              <p:prevCondLst>
+                <p:cond evt="onPrev" delay="0">
+                  <p:tgtEl>
+                    <p:sldTgt/>
+                  </p:tgtEl>
+                </p:cond>
+              </p:prevCondLst>
+              <p:nextCondLst>
+                <p:cond evt="onNext" delay="0">
+                  <p:tgtEl>
+                    <p:sldTgt/>
+                  </p:tgtEl>
+                </p:cond>
+              </p:nextCondLst>
+            </p:seq>
+          </p:childTnLst>
+        </p:cTn>
+      </p:par>
+    </p:tnLst>
+  </p:timing>
+</p:sld>
+</file>
+
+<file path=ppt/slides/slide17.xml><?xml version="1.0" encoding="utf-8"?>
+<p:sld xmlns:a="http://schemas.openxmlformats.org/drawingml/2006/main" xmlns:r="http://schemas.openxmlformats.org/officeDocument/2006/relationships" xmlns:p="http://schemas.openxmlformats.org/presentationml/2006/main">
+  <p:cSld>
+    <p:bg>
+      <p:bgPr>
+        <a:blipFill dpi="0" rotWithShape="0">
+          <a:blip r:embed="rId3"/>
+          <a:srcRect/>
+          <a:tile tx="0" ty="0" sx="100000" sy="100000" flip="none" algn="tl"/>
+        </a:blipFill>
+        <a:effectLst/>
+      </p:bgPr>
+    </p:bg>
+    <p:spTree>
+      <p:nvGrpSpPr>
+        <p:cNvPr id="1" name=""/>
+        <p:cNvGrpSpPr/>
+        <p:nvPr/>
+      </p:nvGrpSpPr>
+      <p:grpSpPr>
+        <a:xfrm>
+          <a:off x="0" y="0"/>
+          <a:ext cx="0" cy="0"/>
+          <a:chOff x="0" y="0"/>
+          <a:chExt cx="0" cy="0"/>
+        </a:xfrm>
+      </p:grpSpPr>
+      <p:sp>
+        <p:nvSpPr>
+          <p:cNvPr id="12289" name="Text Box 1"/>
+          <p:cNvSpPr txBox="1">
+            <a:spLocks noChangeArrowheads="1"/>
+          </p:cNvSpPr>
+          <p:nvPr/>
+        </p:nvSpPr>
+        <p:spPr bwMode="auto">
+          <a:xfrm>
+            <a:off x="468313" y="0"/>
+            <a:ext cx="9070975" cy="1260475"/>
+          </a:xfrm>
+          <a:prstGeom prst="rect">
+            <a:avLst/>
+          </a:prstGeom>
+          <a:noFill/>
+          <a:ln>
+            <a:noFill/>
+          </a:ln>
+          <a:effectLst/>
+          <a:extLst>
+            <a:ext uri="{909E8E84-426E-40dd-AFC4-6F175D3DCCD1}">
+              <a14:hiddenFill xmlns:a14="http://schemas.microsoft.com/office/drawing/2010/main" xmlns="">
+                <a:solidFill>
+                  <a:srgbClr val="FFFFFF"/>
+                </a:solidFill>
+              </a14:hiddenFill>
+            </a:ext>
+            <a:ext uri="{91240B29-F687-4f45-9708-019B960494DF}">
+              <a14:hiddenLine xmlns:a14="http://schemas.microsoft.com/office/drawing/2010/main" xmlns="" w="9525" cap="flat">
+                <a:solidFill>
+                  <a:srgbClr val="3465A4"/>
+                </a:solidFill>
+                <a:round/>
+                <a:headEnd/>
+                <a:tailEnd/>
+              </a14:hiddenLine>
+            </a:ext>
+            <a:ext uri="{AF507438-7753-43e0-B8FC-AC1667EBCBE1}">
+              <a14:hiddenEffects xmlns:a14="http://schemas.microsoft.com/office/drawing/2010/main" xmlns="">
+                <a:effectLst>
+                  <a:outerShdw blurRad="63500" dist="38099" dir="2700000" algn="ctr" rotWithShape="0">
+                    <a:srgbClr val="000000">
+                      <a:alpha val="74998"/>
+                    </a:srgbClr>
+                  </a:outerShdw>
+                </a:effectLst>
+              </a14:hiddenEffects>
+            </a:ext>
+          </a:extLst>
+        </p:spPr>
+        <p:txBody>
+          <a:bodyPr lIns="0" tIns="0" rIns="0" bIns="0" anchor="ctr"/>
+          <a:lstStyle>
+            <a:lvl1pPr>
+              <a:tabLst>
+                <a:tab pos="0" algn="l"/>
+                <a:tab pos="457200" algn="l"/>
+                <a:tab pos="914400" algn="l"/>
+                <a:tab pos="1371600" algn="l"/>
+                <a:tab pos="1828800" algn="l"/>
+                <a:tab pos="2286000" algn="l"/>
+                <a:tab pos="2743200" algn="l"/>
+                <a:tab pos="3200400" algn="l"/>
+                <a:tab pos="3657600" algn="l"/>
+                <a:tab pos="4114800" algn="l"/>
+                <a:tab pos="4572000" algn="l"/>
+                <a:tab pos="5029200" algn="l"/>
+                <a:tab pos="5486400" algn="l"/>
+                <a:tab pos="5943600" algn="l"/>
+                <a:tab pos="6400800" algn="l"/>
+                <a:tab pos="6858000" algn="l"/>
+                <a:tab pos="7315200" algn="l"/>
+                <a:tab pos="7772400" algn="l"/>
+                <a:tab pos="8229600" algn="l"/>
+                <a:tab pos="8686800" algn="l"/>
+                <a:tab pos="9144000" algn="l"/>
+              </a:tabLst>
+              <a:defRPr sz="2400">
+                <a:solidFill>
+                  <a:srgbClr val="000000"/>
+                </a:solidFill>
+                <a:latin typeface="Arial" charset="0"/>
+                <a:ea typeface="ＭＳ Ｐゴシック" charset="0"/>
+                <a:cs typeface="DejaVu Sans" charset="0"/>
+              </a:defRPr>
+            </a:lvl1pPr>
+            <a:lvl2pPr>
+              <a:tabLst>
+                <a:tab pos="0" algn="l"/>
+                <a:tab pos="457200" algn="l"/>
+                <a:tab pos="914400" algn="l"/>
+                <a:tab pos="1371600" algn="l"/>
+                <a:tab pos="1828800" algn="l"/>
+                <a:tab pos="2286000" algn="l"/>
+                <a:tab pos="2743200" algn="l"/>
+                <a:tab pos="3200400" algn="l"/>
+                <a:tab pos="3657600" algn="l"/>
+                <a:tab pos="4114800" algn="l"/>
+                <a:tab pos="4572000" algn="l"/>
+                <a:tab pos="5029200" algn="l"/>
+                <a:tab pos="5486400" algn="l"/>
+                <a:tab pos="5943600" algn="l"/>
+                <a:tab pos="6400800" algn="l"/>
+                <a:tab pos="6858000" algn="l"/>
+                <a:tab pos="7315200" algn="l"/>
+                <a:tab pos="7772400" algn="l"/>
+                <a:tab pos="8229600" algn="l"/>
+                <a:tab pos="8686800" algn="l"/>
+                <a:tab pos="9144000" algn="l"/>
+              </a:tabLst>
+              <a:defRPr sz="2400">
+                <a:solidFill>
+                  <a:srgbClr val="000000"/>
+                </a:solidFill>
+                <a:latin typeface="Arial" charset="0"/>
+                <a:ea typeface="ＭＳ Ｐゴシック" charset="0"/>
+                <a:cs typeface="DejaVu Sans" charset="0"/>
+              </a:defRPr>
+            </a:lvl2pPr>
+            <a:lvl3pPr>
+              <a:tabLst>
+                <a:tab pos="0" algn="l"/>
+                <a:tab pos="457200" algn="l"/>
+                <a:tab pos="914400" algn="l"/>
+                <a:tab pos="1371600" algn="l"/>
+                <a:tab pos="1828800" algn="l"/>
+                <a:tab pos="2286000" algn="l"/>
+                <a:tab pos="2743200" algn="l"/>
+                <a:tab pos="3200400" algn="l"/>
+                <a:tab pos="3657600" algn="l"/>
+                <a:tab pos="4114800" algn="l"/>
+                <a:tab pos="4572000" algn="l"/>
+                <a:tab pos="5029200" algn="l"/>
+                <a:tab pos="5486400" algn="l"/>
+                <a:tab pos="5943600" algn="l"/>
+                <a:tab pos="6400800" algn="l"/>
+                <a:tab pos="6858000" algn="l"/>
+                <a:tab pos="7315200" algn="l"/>
+                <a:tab pos="7772400" algn="l"/>
+                <a:tab pos="8229600" algn="l"/>
+                <a:tab pos="8686800" algn="l"/>
+                <a:tab pos="9144000" algn="l"/>
+              </a:tabLst>
+              <a:defRPr sz="2400">
+                <a:solidFill>
+                  <a:srgbClr val="000000"/>
+                </a:solidFill>
+                <a:latin typeface="Arial" charset="0"/>
+                <a:ea typeface="ＭＳ Ｐゴシック" charset="0"/>
+                <a:cs typeface="DejaVu Sans" charset="0"/>
+              </a:defRPr>
+            </a:lvl3pPr>
+            <a:lvl4pPr>
+              <a:tabLst>
+                <a:tab pos="0" algn="l"/>
+                <a:tab pos="457200" algn="l"/>
+                <a:tab pos="914400" algn="l"/>
+                <a:tab pos="1371600" algn="l"/>
+                <a:tab pos="1828800" algn="l"/>
+                <a:tab pos="2286000" algn="l"/>
+                <a:tab pos="2743200" algn="l"/>
+                <a:tab pos="3200400" algn="l"/>
+                <a:tab pos="3657600" algn="l"/>
+                <a:tab pos="4114800" algn="l"/>
+                <a:tab pos="4572000" algn="l"/>
+                <a:tab pos="5029200" algn="l"/>
+                <a:tab pos="5486400" algn="l"/>
+                <a:tab pos="5943600" algn="l"/>
+                <a:tab pos="6400800" algn="l"/>
+                <a:tab pos="6858000" algn="l"/>
+                <a:tab pos="7315200" algn="l"/>
+                <a:tab pos="7772400" algn="l"/>
+                <a:tab pos="8229600" algn="l"/>
+                <a:tab pos="8686800" algn="l"/>
+                <a:tab pos="9144000" algn="l"/>
+              </a:tabLst>
+              <a:defRPr sz="2400">
+                <a:solidFill>
+                  <a:srgbClr val="000000"/>
+                </a:solidFill>
+                <a:latin typeface="Arial" charset="0"/>
+                <a:ea typeface="ＭＳ Ｐゴシック" charset="0"/>
+                <a:cs typeface="DejaVu Sans" charset="0"/>
+              </a:defRPr>
+            </a:lvl4pPr>
+            <a:lvl5pPr>
+              <a:tabLst>
+                <a:tab pos="0" algn="l"/>
+                <a:tab pos="457200" algn="l"/>
+                <a:tab pos="914400" algn="l"/>
+                <a:tab pos="1371600" algn="l"/>
+                <a:tab pos="1828800" algn="l"/>
+                <a:tab pos="2286000" algn="l"/>
+                <a:tab pos="2743200" algn="l"/>
+                <a:tab pos="3200400" algn="l"/>
+                <a:tab pos="3657600" algn="l"/>
+                <a:tab pos="4114800" algn="l"/>
+                <a:tab pos="4572000" algn="l"/>
+                <a:tab pos="5029200" algn="l"/>
+                <a:tab pos="5486400" algn="l"/>
+                <a:tab pos="5943600" algn="l"/>
+                <a:tab pos="6400800" algn="l"/>
+                <a:tab pos="6858000" algn="l"/>
+                <a:tab pos="7315200" algn="l"/>
+                <a:tab pos="7772400" algn="l"/>
+                <a:tab pos="8229600" algn="l"/>
+                <a:tab pos="8686800" algn="l"/>
+                <a:tab pos="9144000" algn="l"/>
+              </a:tabLst>
+              <a:defRPr sz="2400">
+                <a:solidFill>
+                  <a:srgbClr val="000000"/>
+                </a:solidFill>
+                <a:latin typeface="Arial" charset="0"/>
+                <a:ea typeface="ＭＳ Ｐゴシック" charset="0"/>
+                <a:cs typeface="DejaVu Sans" charset="0"/>
+              </a:defRPr>
+            </a:lvl5pPr>
+            <a:lvl6pPr marL="2514600" indent="-228600" fontAlgn="base" hangingPunct="0">
+              <a:lnSpc>
+                <a:spcPct val="96000"/>
+              </a:lnSpc>
+              <a:spcBef>
+                <a:spcPct val="0"/>
+              </a:spcBef>
+              <a:spcAft>
+                <a:spcPct val="0"/>
+              </a:spcAft>
+              <a:buClr>
+                <a:srgbClr val="000000"/>
+              </a:buClr>
+              <a:buSzPct val="100000"/>
+              <a:buFont typeface="Times New Roman" charset="0"/>
+              <a:tabLst>
+                <a:tab pos="0" algn="l"/>
+                <a:tab pos="457200" algn="l"/>
+                <a:tab pos="914400" algn="l"/>
+                <a:tab pos="1371600" algn="l"/>
+                <a:tab pos="1828800" algn="l"/>
+                <a:tab pos="2286000" algn="l"/>
+                <a:tab pos="2743200" algn="l"/>
+                <a:tab pos="3200400" algn="l"/>
+                <a:tab pos="3657600" algn="l"/>
+                <a:tab pos="4114800" algn="l"/>
+                <a:tab pos="4572000" algn="l"/>
+                <a:tab pos="5029200" algn="l"/>
+                <a:tab pos="5486400" algn="l"/>
+                <a:tab pos="5943600" algn="l"/>
+                <a:tab pos="6400800" algn="l"/>
+                <a:tab pos="6858000" algn="l"/>
+                <a:tab pos="7315200" algn="l"/>
+                <a:tab pos="7772400" algn="l"/>
+                <a:tab pos="8229600" algn="l"/>
+                <a:tab pos="8686800" algn="l"/>
+                <a:tab pos="9144000" algn="l"/>
+              </a:tabLst>
+              <a:defRPr sz="2400">
+                <a:solidFill>
+                  <a:srgbClr val="000000"/>
+                </a:solidFill>
+                <a:latin typeface="Arial" charset="0"/>
+                <a:ea typeface="ＭＳ Ｐゴシック" charset="0"/>
+                <a:cs typeface="DejaVu Sans" charset="0"/>
+              </a:defRPr>
+            </a:lvl6pPr>
+            <a:lvl7pPr marL="2971800" indent="-228600" fontAlgn="base" hangingPunct="0">
+              <a:lnSpc>
+                <a:spcPct val="96000"/>
+              </a:lnSpc>
+              <a:spcBef>
+                <a:spcPct val="0"/>
+              </a:spcBef>
+              <a:spcAft>
+                <a:spcPct val="0"/>
+              </a:spcAft>
+              <a:buClr>
+                <a:srgbClr val="000000"/>
+              </a:buClr>
+              <a:buSzPct val="100000"/>
+              <a:buFont typeface="Times New Roman" charset="0"/>
+              <a:tabLst>
+                <a:tab pos="0" algn="l"/>
+                <a:tab pos="457200" algn="l"/>
+                <a:tab pos="914400" algn="l"/>
+                <a:tab pos="1371600" algn="l"/>
+                <a:tab pos="1828800" algn="l"/>
+                <a:tab pos="2286000" algn="l"/>
+                <a:tab pos="2743200" algn="l"/>
+                <a:tab pos="3200400" algn="l"/>
+                <a:tab pos="3657600" algn="l"/>
+                <a:tab pos="4114800" algn="l"/>
+                <a:tab pos="4572000" algn="l"/>
+                <a:tab pos="5029200" algn="l"/>
+                <a:tab pos="5486400" algn="l"/>
+                <a:tab pos="5943600" algn="l"/>
+                <a:tab pos="6400800" algn="l"/>
+                <a:tab pos="6858000" algn="l"/>
+                <a:tab pos="7315200" algn="l"/>
+                <a:tab pos="7772400" algn="l"/>
+                <a:tab pos="8229600" algn="l"/>
+                <a:tab pos="8686800" algn="l"/>
+                <a:tab pos="9144000" algn="l"/>
+              </a:tabLst>
+              <a:defRPr sz="2400">
+                <a:solidFill>
+                  <a:srgbClr val="000000"/>
+                </a:solidFill>
+                <a:latin typeface="Arial" charset="0"/>
+                <a:ea typeface="ＭＳ Ｐゴシック" charset="0"/>
+                <a:cs typeface="DejaVu Sans" charset="0"/>
+              </a:defRPr>
+            </a:lvl7pPr>
+            <a:lvl8pPr marL="3429000" indent="-228600" fontAlgn="base" hangingPunct="0">
+              <a:lnSpc>
+                <a:spcPct val="96000"/>
+              </a:lnSpc>
+              <a:spcBef>
+                <a:spcPct val="0"/>
+              </a:spcBef>
+              <a:spcAft>
+                <a:spcPct val="0"/>
+              </a:spcAft>
+              <a:buClr>
+                <a:srgbClr val="000000"/>
+              </a:buClr>
+              <a:buSzPct val="100000"/>
+              <a:buFont typeface="Times New Roman" charset="0"/>
+              <a:tabLst>
+                <a:tab pos="0" algn="l"/>
+                <a:tab pos="457200" algn="l"/>
+                <a:tab pos="914400" algn="l"/>
+                <a:tab pos="1371600" algn="l"/>
+                <a:tab pos="1828800" algn="l"/>
+                <a:tab pos="2286000" algn="l"/>
+                <a:tab pos="2743200" algn="l"/>
+                <a:tab pos="3200400" algn="l"/>
+                <a:tab pos="3657600" algn="l"/>
+                <a:tab pos="4114800" algn="l"/>
+                <a:tab pos="4572000" algn="l"/>
+                <a:tab pos="5029200" algn="l"/>
+                <a:tab pos="5486400" algn="l"/>
+                <a:tab pos="5943600" algn="l"/>
+                <a:tab pos="6400800" algn="l"/>
+                <a:tab pos="6858000" algn="l"/>
+                <a:tab pos="7315200" algn="l"/>
+                <a:tab pos="7772400" algn="l"/>
+                <a:tab pos="8229600" algn="l"/>
+                <a:tab pos="8686800" algn="l"/>
+                <a:tab pos="9144000" algn="l"/>
+              </a:tabLst>
+              <a:defRPr sz="2400">
+                <a:solidFill>
+                  <a:srgbClr val="000000"/>
+                </a:solidFill>
+                <a:latin typeface="Arial" charset="0"/>
+                <a:ea typeface="ＭＳ Ｐゴシック" charset="0"/>
+                <a:cs typeface="DejaVu Sans" charset="0"/>
+              </a:defRPr>
+            </a:lvl8pPr>
+            <a:lvl9pPr marL="3886200" indent="-228600" fontAlgn="base" hangingPunct="0">
+              <a:lnSpc>
+                <a:spcPct val="96000"/>
+              </a:lnSpc>
+              <a:spcBef>
+                <a:spcPct val="0"/>
+              </a:spcBef>
+              <a:spcAft>
+                <a:spcPct val="0"/>
+              </a:spcAft>
+              <a:buClr>
+                <a:srgbClr val="000000"/>
+              </a:buClr>
+              <a:buSzPct val="100000"/>
+              <a:buFont typeface="Times New Roman" charset="0"/>
+              <a:tabLst>
+                <a:tab pos="0" algn="l"/>
+                <a:tab pos="457200" algn="l"/>
+                <a:tab pos="914400" algn="l"/>
+                <a:tab pos="1371600" algn="l"/>
+                <a:tab pos="1828800" algn="l"/>
+                <a:tab pos="2286000" algn="l"/>
+                <a:tab pos="2743200" algn="l"/>
+                <a:tab pos="3200400" algn="l"/>
+                <a:tab pos="3657600" algn="l"/>
+                <a:tab pos="4114800" algn="l"/>
+                <a:tab pos="4572000" algn="l"/>
+                <a:tab pos="5029200" algn="l"/>
+                <a:tab pos="5486400" algn="l"/>
+                <a:tab pos="5943600" algn="l"/>
+                <a:tab pos="6400800" algn="l"/>
+                <a:tab pos="6858000" algn="l"/>
+                <a:tab pos="7315200" algn="l"/>
+                <a:tab pos="7772400" algn="l"/>
+                <a:tab pos="8229600" algn="l"/>
+                <a:tab pos="8686800" algn="l"/>
+                <a:tab pos="9144000" algn="l"/>
+              </a:tabLst>
+              <a:defRPr sz="2400">
+                <a:solidFill>
+                  <a:srgbClr val="000000"/>
+                </a:solidFill>
+                <a:latin typeface="Arial" charset="0"/>
+                <a:ea typeface="ＭＳ Ｐゴシック" charset="0"/>
+                <a:cs typeface="DejaVu Sans" charset="0"/>
+              </a:defRPr>
+            </a:lvl9pPr>
+          </a:lstStyle>
+          <a:p>
+            <a:pPr>
+              <a:lnSpc>
+                <a:spcPct val="97000"/>
+              </a:lnSpc>
+              <a:buClrTx/>
+              <a:buSzPct val="45000"/>
+              <a:buFontTx/>
+              <a:buNone/>
+              <a:defRPr/>
+            </a:pPr>
+            <a:r>
+              <a:rPr lang="en-US" sz="4400" b="1" dirty="0">
+                <a:latin typeface="Trebuchet MS" charset="0"/>
+              </a:rPr>
+              <a:t>Step 3: Configure NTP Restrictions</a:t>
+            </a:r>
+          </a:p>
+        </p:txBody>
+      </p:sp>
+      <p:sp>
+        <p:nvSpPr>
+          <p:cNvPr id="12290" name="Text Box 2"/>
+          <p:cNvSpPr txBox="1">
+            <a:spLocks noChangeArrowheads="1"/>
+          </p:cNvSpPr>
+          <p:nvPr/>
+        </p:nvSpPr>
+        <p:spPr bwMode="auto">
+          <a:xfrm>
+            <a:off x="503238" y="1768475"/>
+            <a:ext cx="9070975" cy="4987925"/>
+          </a:xfrm>
+          <a:prstGeom prst="rect">
+            <a:avLst/>
+          </a:prstGeom>
+          <a:noFill/>
+          <a:ln>
+            <a:noFill/>
+          </a:ln>
+          <a:effectLst/>
+          <a:extLst>
+            <a:ext uri="{909E8E84-426E-40dd-AFC4-6F175D3DCCD1}">
+              <a14:hiddenFill xmlns:a14="http://schemas.microsoft.com/office/drawing/2010/main" xmlns="">
+                <a:solidFill>
+                  <a:srgbClr val="FFFFFF"/>
+                </a:solidFill>
+              </a14:hiddenFill>
+            </a:ext>
+            <a:ext uri="{91240B29-F687-4f45-9708-019B960494DF}">
+              <a14:hiddenLine xmlns:a14="http://schemas.microsoft.com/office/drawing/2010/main" xmlns="" w="9525" cap="flat">
+                <a:solidFill>
+                  <a:srgbClr val="3465A4"/>
+                </a:solidFill>
+                <a:round/>
+                <a:headEnd/>
+                <a:tailEnd/>
+              </a14:hiddenLine>
+            </a:ext>
+            <a:ext uri="{AF507438-7753-43e0-B8FC-AC1667EBCBE1}">
+              <a14:hiddenEffects xmlns:a14="http://schemas.microsoft.com/office/drawing/2010/main" xmlns="">
+                <a:effectLst>
+                  <a:outerShdw blurRad="63500" dist="38099" dir="2700000" algn="ctr" rotWithShape="0">
+                    <a:srgbClr val="000000">
+                      <a:alpha val="74998"/>
+                    </a:srgbClr>
+                  </a:outerShdw>
+                </a:effectLst>
+              </a14:hiddenEffects>
+            </a:ext>
+          </a:extLst>
+        </p:spPr>
+        <p:txBody>
+          <a:bodyPr lIns="0" tIns="0" rIns="0" bIns="0"/>
+          <a:lstStyle>
+            <a:lvl1pPr marL="428625" indent="-323850">
+              <a:tabLst>
+                <a:tab pos="428625" algn="l"/>
+                <a:tab pos="885825" algn="l"/>
+                <a:tab pos="1343025" algn="l"/>
+                <a:tab pos="1800225" algn="l"/>
+                <a:tab pos="2257425" algn="l"/>
+                <a:tab pos="2714625" algn="l"/>
+                <a:tab pos="3171825" algn="l"/>
+                <a:tab pos="3629025" algn="l"/>
+                <a:tab pos="4086225" algn="l"/>
+                <a:tab pos="4543425" algn="l"/>
+                <a:tab pos="5000625" algn="l"/>
+                <a:tab pos="5457825" algn="l"/>
+                <a:tab pos="5915025" algn="l"/>
+                <a:tab pos="6372225" algn="l"/>
+                <a:tab pos="6829425" algn="l"/>
+                <a:tab pos="7286625" algn="l"/>
+                <a:tab pos="7743825" algn="l"/>
+                <a:tab pos="8201025" algn="l"/>
+                <a:tab pos="8658225" algn="l"/>
+                <a:tab pos="9115425" algn="l"/>
+                <a:tab pos="9572625" algn="l"/>
+              </a:tabLst>
+              <a:defRPr sz="2400">
+                <a:solidFill>
+                  <a:srgbClr val="000000"/>
+                </a:solidFill>
+                <a:latin typeface="Arial" charset="0"/>
+                <a:ea typeface="ＭＳ Ｐゴシック" charset="0"/>
+                <a:cs typeface="DejaVu Sans" charset="0"/>
+              </a:defRPr>
+            </a:lvl1pPr>
+            <a:lvl2pPr>
+              <a:tabLst>
+                <a:tab pos="428625" algn="l"/>
+                <a:tab pos="885825" algn="l"/>
+                <a:tab pos="1343025" algn="l"/>
+                <a:tab pos="1800225" algn="l"/>
+                <a:tab pos="2257425" algn="l"/>
+                <a:tab pos="2714625" algn="l"/>
+                <a:tab pos="3171825" algn="l"/>
+                <a:tab pos="3629025" algn="l"/>
+                <a:tab pos="4086225" algn="l"/>
+                <a:tab pos="4543425" algn="l"/>
+                <a:tab pos="5000625" algn="l"/>
+                <a:tab pos="5457825" algn="l"/>
+                <a:tab pos="5915025" algn="l"/>
+                <a:tab pos="6372225" algn="l"/>
+                <a:tab pos="6829425" algn="l"/>
+                <a:tab pos="7286625" algn="l"/>
+                <a:tab pos="7743825" algn="l"/>
+                <a:tab pos="8201025" algn="l"/>
+                <a:tab pos="8658225" algn="l"/>
+                <a:tab pos="9115425" algn="l"/>
+                <a:tab pos="9572625" algn="l"/>
+              </a:tabLst>
+              <a:defRPr sz="2400">
+                <a:solidFill>
+                  <a:srgbClr val="000000"/>
+                </a:solidFill>
+                <a:latin typeface="Arial" charset="0"/>
+                <a:ea typeface="ＭＳ Ｐゴシック" charset="0"/>
+                <a:cs typeface="DejaVu Sans" charset="0"/>
+              </a:defRPr>
+            </a:lvl2pPr>
+            <a:lvl3pPr>
+              <a:tabLst>
+                <a:tab pos="428625" algn="l"/>
+                <a:tab pos="885825" algn="l"/>
+                <a:tab pos="1343025" algn="l"/>
+                <a:tab pos="1800225" algn="l"/>
+                <a:tab pos="2257425" algn="l"/>
+                <a:tab pos="2714625" algn="l"/>
+                <a:tab pos="3171825" algn="l"/>
+                <a:tab pos="3629025" algn="l"/>
+                <a:tab pos="4086225" algn="l"/>
+                <a:tab pos="4543425" algn="l"/>
+                <a:tab pos="5000625" algn="l"/>
+                <a:tab pos="5457825" algn="l"/>
+                <a:tab pos="5915025" algn="l"/>
+                <a:tab pos="6372225" algn="l"/>
+                <a:tab pos="6829425" algn="l"/>
+                <a:tab pos="7286625" algn="l"/>
+                <a:tab pos="7743825" algn="l"/>
+                <a:tab pos="8201025" algn="l"/>
+                <a:tab pos="8658225" algn="l"/>
+                <a:tab pos="9115425" algn="l"/>
+                <a:tab pos="9572625" algn="l"/>
+              </a:tabLst>
+              <a:defRPr sz="2400">
+                <a:solidFill>
+                  <a:srgbClr val="000000"/>
+                </a:solidFill>
+                <a:latin typeface="Arial" charset="0"/>
+                <a:ea typeface="ＭＳ Ｐゴシック" charset="0"/>
+                <a:cs typeface="DejaVu Sans" charset="0"/>
+              </a:defRPr>
+            </a:lvl3pPr>
+            <a:lvl4pPr>
+              <a:tabLst>
+                <a:tab pos="428625" algn="l"/>
+                <a:tab pos="885825" algn="l"/>
+                <a:tab pos="1343025" algn="l"/>
+                <a:tab pos="1800225" algn="l"/>
+                <a:tab pos="2257425" algn="l"/>
+                <a:tab pos="2714625" algn="l"/>
+                <a:tab pos="3171825" algn="l"/>
+                <a:tab pos="3629025" algn="l"/>
+                <a:tab pos="4086225" algn="l"/>
+                <a:tab pos="4543425" algn="l"/>
+                <a:tab pos="5000625" algn="l"/>
+                <a:tab pos="5457825" algn="l"/>
+                <a:tab pos="5915025" algn="l"/>
+                <a:tab pos="6372225" algn="l"/>
+                <a:tab pos="6829425" algn="l"/>
+                <a:tab pos="7286625" algn="l"/>
+                <a:tab pos="7743825" algn="l"/>
+                <a:tab pos="8201025" algn="l"/>
+                <a:tab pos="8658225" algn="l"/>
+                <a:tab pos="9115425" algn="l"/>
+                <a:tab pos="9572625" algn="l"/>
+              </a:tabLst>
+              <a:defRPr sz="2400">
+                <a:solidFill>
+                  <a:srgbClr val="000000"/>
+                </a:solidFill>
+                <a:latin typeface="Arial" charset="0"/>
+                <a:ea typeface="ＭＳ Ｐゴシック" charset="0"/>
+                <a:cs typeface="DejaVu Sans" charset="0"/>
+              </a:defRPr>
+            </a:lvl4pPr>
+            <a:lvl5pPr>
+              <a:tabLst>
+                <a:tab pos="428625" algn="l"/>
+                <a:tab pos="885825" algn="l"/>
+                <a:tab pos="1343025" algn="l"/>
+                <a:tab pos="1800225" algn="l"/>
+                <a:tab pos="2257425" algn="l"/>
+                <a:tab pos="2714625" algn="l"/>
+                <a:tab pos="3171825" algn="l"/>
+                <a:tab pos="3629025" algn="l"/>
+                <a:tab pos="4086225" algn="l"/>
+                <a:tab pos="4543425" algn="l"/>
+                <a:tab pos="5000625" algn="l"/>
+                <a:tab pos="5457825" algn="l"/>
+                <a:tab pos="5915025" algn="l"/>
+                <a:tab pos="6372225" algn="l"/>
+                <a:tab pos="6829425" algn="l"/>
+                <a:tab pos="7286625" algn="l"/>
+                <a:tab pos="7743825" algn="l"/>
+                <a:tab pos="8201025" algn="l"/>
+                <a:tab pos="8658225" algn="l"/>
+                <a:tab pos="9115425" algn="l"/>
+                <a:tab pos="9572625" algn="l"/>
+              </a:tabLst>
+              <a:defRPr sz="2400">
+                <a:solidFill>
+                  <a:srgbClr val="000000"/>
+                </a:solidFill>
+                <a:latin typeface="Arial" charset="0"/>
+                <a:ea typeface="ＭＳ Ｐゴシック" charset="0"/>
+                <a:cs typeface="DejaVu Sans" charset="0"/>
+              </a:defRPr>
+            </a:lvl5pPr>
+            <a:lvl6pPr marL="2514600" indent="-228600" fontAlgn="base" hangingPunct="0">
+              <a:lnSpc>
+                <a:spcPct val="96000"/>
+              </a:lnSpc>
+              <a:spcBef>
+                <a:spcPct val="0"/>
+              </a:spcBef>
+              <a:spcAft>
+                <a:spcPct val="0"/>
+              </a:spcAft>
+              <a:buClr>
+                <a:srgbClr val="000000"/>
+              </a:buClr>
+              <a:buSzPct val="100000"/>
+              <a:buFont typeface="Times New Roman" charset="0"/>
+              <a:tabLst>
+                <a:tab pos="428625" algn="l"/>
+                <a:tab pos="885825" algn="l"/>
+                <a:tab pos="1343025" algn="l"/>
+                <a:tab pos="1800225" algn="l"/>
+                <a:tab pos="2257425" algn="l"/>
+                <a:tab pos="2714625" algn="l"/>
+                <a:tab pos="3171825" algn="l"/>
+                <a:tab pos="3629025" algn="l"/>
+                <a:tab pos="4086225" algn="l"/>
+                <a:tab pos="4543425" algn="l"/>
+                <a:tab pos="5000625" algn="l"/>
+                <a:tab pos="5457825" algn="l"/>
+                <a:tab pos="5915025" algn="l"/>
+                <a:tab pos="6372225" algn="l"/>
+                <a:tab pos="6829425" algn="l"/>
+                <a:tab pos="7286625" algn="l"/>
+                <a:tab pos="7743825" algn="l"/>
+                <a:tab pos="8201025" algn="l"/>
+                <a:tab pos="8658225" algn="l"/>
+                <a:tab pos="9115425" algn="l"/>
+                <a:tab pos="9572625" algn="l"/>
+              </a:tabLst>
+              <a:defRPr sz="2400">
+                <a:solidFill>
+                  <a:srgbClr val="000000"/>
+                </a:solidFill>
+                <a:latin typeface="Arial" charset="0"/>
+                <a:ea typeface="ＭＳ Ｐゴシック" charset="0"/>
+                <a:cs typeface="DejaVu Sans" charset="0"/>
+              </a:defRPr>
+            </a:lvl6pPr>
+            <a:lvl7pPr marL="2971800" indent="-228600" fontAlgn="base" hangingPunct="0">
+              <a:lnSpc>
+                <a:spcPct val="96000"/>
+              </a:lnSpc>
+              <a:spcBef>
+                <a:spcPct val="0"/>
+              </a:spcBef>
+              <a:spcAft>
+                <a:spcPct val="0"/>
+              </a:spcAft>
+              <a:buClr>
+                <a:srgbClr val="000000"/>
+              </a:buClr>
+              <a:buSzPct val="100000"/>
+              <a:buFont typeface="Times New Roman" charset="0"/>
+              <a:tabLst>
+                <a:tab pos="428625" algn="l"/>
+                <a:tab pos="885825" algn="l"/>
+                <a:tab pos="1343025" algn="l"/>
+                <a:tab pos="1800225" algn="l"/>
+                <a:tab pos="2257425" algn="l"/>
+                <a:tab pos="2714625" algn="l"/>
+                <a:tab pos="3171825" algn="l"/>
+                <a:tab pos="3629025" algn="l"/>
+                <a:tab pos="4086225" algn="l"/>
+                <a:tab pos="4543425" algn="l"/>
+                <a:tab pos="5000625" algn="l"/>
+                <a:tab pos="5457825" algn="l"/>
+                <a:tab pos="5915025" algn="l"/>
+                <a:tab pos="6372225" algn="l"/>
+                <a:tab pos="6829425" algn="l"/>
+                <a:tab pos="7286625" algn="l"/>
+                <a:tab pos="7743825" algn="l"/>
+                <a:tab pos="8201025" algn="l"/>
+                <a:tab pos="8658225" algn="l"/>
+                <a:tab pos="9115425" algn="l"/>
+                <a:tab pos="9572625" algn="l"/>
+              </a:tabLst>
+              <a:defRPr sz="2400">
+                <a:solidFill>
+                  <a:srgbClr val="000000"/>
+                </a:solidFill>
+                <a:latin typeface="Arial" charset="0"/>
+                <a:ea typeface="ＭＳ Ｐゴシック" charset="0"/>
+                <a:cs typeface="DejaVu Sans" charset="0"/>
+              </a:defRPr>
+            </a:lvl7pPr>
+            <a:lvl8pPr marL="3429000" indent="-228600" fontAlgn="base" hangingPunct="0">
+              <a:lnSpc>
+                <a:spcPct val="96000"/>
+              </a:lnSpc>
+              <a:spcBef>
+                <a:spcPct val="0"/>
+              </a:spcBef>
+              <a:spcAft>
+                <a:spcPct val="0"/>
+              </a:spcAft>
+              <a:buClr>
+                <a:srgbClr val="000000"/>
+              </a:buClr>
+              <a:buSzPct val="100000"/>
+              <a:buFont typeface="Times New Roman" charset="0"/>
+              <a:tabLst>
+                <a:tab pos="428625" algn="l"/>
+                <a:tab pos="885825" algn="l"/>
+                <a:tab pos="1343025" algn="l"/>
+                <a:tab pos="1800225" algn="l"/>
+                <a:tab pos="2257425" algn="l"/>
+                <a:tab pos="2714625" algn="l"/>
+                <a:tab pos="3171825" algn="l"/>
+                <a:tab pos="3629025" algn="l"/>
+                <a:tab pos="4086225" algn="l"/>
+                <a:tab pos="4543425" algn="l"/>
+                <a:tab pos="5000625" algn="l"/>
+                <a:tab pos="5457825" algn="l"/>
+                <a:tab pos="5915025" algn="l"/>
+                <a:tab pos="6372225" algn="l"/>
+                <a:tab pos="6829425" algn="l"/>
+                <a:tab pos="7286625" algn="l"/>
+                <a:tab pos="7743825" algn="l"/>
+                <a:tab pos="8201025" algn="l"/>
+                <a:tab pos="8658225" algn="l"/>
+                <a:tab pos="9115425" algn="l"/>
+                <a:tab pos="9572625" algn="l"/>
+              </a:tabLst>
+              <a:defRPr sz="2400">
+                <a:solidFill>
+                  <a:srgbClr val="000000"/>
+                </a:solidFill>
+                <a:latin typeface="Arial" charset="0"/>
+                <a:ea typeface="ＭＳ Ｐゴシック" charset="0"/>
+                <a:cs typeface="DejaVu Sans" charset="0"/>
+              </a:defRPr>
+            </a:lvl8pPr>
+            <a:lvl9pPr marL="3886200" indent="-228600" fontAlgn="base" hangingPunct="0">
+              <a:lnSpc>
+                <a:spcPct val="96000"/>
+              </a:lnSpc>
+              <a:spcBef>
+                <a:spcPct val="0"/>
+              </a:spcBef>
+              <a:spcAft>
+                <a:spcPct val="0"/>
+              </a:spcAft>
+              <a:buClr>
+                <a:srgbClr val="000000"/>
+              </a:buClr>
+              <a:buSzPct val="100000"/>
+              <a:buFont typeface="Times New Roman" charset="0"/>
+              <a:tabLst>
+                <a:tab pos="428625" algn="l"/>
+                <a:tab pos="885825" algn="l"/>
+                <a:tab pos="1343025" algn="l"/>
+                <a:tab pos="1800225" algn="l"/>
+                <a:tab pos="2257425" algn="l"/>
+                <a:tab pos="2714625" algn="l"/>
+                <a:tab pos="3171825" algn="l"/>
+                <a:tab pos="3629025" algn="l"/>
+                <a:tab pos="4086225" algn="l"/>
+                <a:tab pos="4543425" algn="l"/>
+                <a:tab pos="5000625" algn="l"/>
+                <a:tab pos="5457825" algn="l"/>
+                <a:tab pos="5915025" algn="l"/>
+                <a:tab pos="6372225" algn="l"/>
+                <a:tab pos="6829425" algn="l"/>
+                <a:tab pos="7286625" algn="l"/>
+                <a:tab pos="7743825" algn="l"/>
+                <a:tab pos="8201025" algn="l"/>
+                <a:tab pos="8658225" algn="l"/>
+                <a:tab pos="9115425" algn="l"/>
+                <a:tab pos="9572625" algn="l"/>
+              </a:tabLst>
+              <a:defRPr sz="2400">
+                <a:solidFill>
+                  <a:srgbClr val="000000"/>
+                </a:solidFill>
+                <a:latin typeface="Arial" charset="0"/>
+                <a:ea typeface="ＭＳ Ｐゴシック" charset="0"/>
+                <a:cs typeface="DejaVu Sans" charset="0"/>
+              </a:defRPr>
+            </a:lvl9pPr>
+          </a:lstStyle>
+          <a:p>
+            <a:pPr>
+              <a:lnSpc>
+                <a:spcPct val="97000"/>
+              </a:lnSpc>
+              <a:spcAft>
+                <a:spcPts val="1413"/>
+              </a:spcAft>
+              <a:buClr>
+                <a:srgbClr val="FF6309"/>
+              </a:buClr>
+              <a:buSzPct val="45000"/>
+              <a:buFont typeface="Wingdings" charset="0"/>
+              <a:buChar char=""/>
+              <a:defRPr/>
+            </a:pPr>
+            <a:r>
               <a:rPr lang="en-US" sz="2000" b="1" dirty="0">
                 <a:latin typeface="Courier" charset="0"/>
                 <a:ea typeface="Courier" charset="0"/>
@@ -25544,7 +25636,7 @@
 </p:sld>
 </file>
 
-<file path=ppt/slides/slide17.xml><?xml version="1.0" encoding="utf-8"?>
+<file path=ppt/slides/slide18.xml><?xml version="1.0" encoding="utf-8"?>
 <p:sld xmlns:a="http://schemas.openxmlformats.org/drawingml/2006/main" xmlns:r="http://schemas.openxmlformats.org/officeDocument/2006/relationships" xmlns:p="http://schemas.openxmlformats.org/presentationml/2006/main">
   <p:cSld>
     <p:bg>
@@ -27021,1319 +27113,6 @@
                 <a:cs typeface="Courier" charset="0"/>
               </a:rPr>
               <a:t> restart</a:t>
-            </a:r>
-          </a:p>
-        </p:txBody>
-      </p:sp>
-    </p:spTree>
-  </p:cSld>
-  <p:clrMapOvr>
-    <a:masterClrMapping/>
-  </p:clrMapOvr>
-  <p:transition spd="med"/>
-  <p:timing>
-    <p:tnLst>
-      <p:par>
-        <p:cTn id="1" dur="indefinite" restart="never" nodeType="tmRoot">
-          <p:childTnLst>
-            <p:seq concurrent="1" nextAc="seek">
-              <p:cTn id="2" dur="0" nodeType="mainSeq"/>
-              <p:prevCondLst>
-                <p:cond evt="onPrev" delay="0">
-                  <p:tgtEl>
-                    <p:sldTgt/>
-                  </p:tgtEl>
-                </p:cond>
-              </p:prevCondLst>
-              <p:nextCondLst>
-                <p:cond evt="onNext" delay="0">
-                  <p:tgtEl>
-                    <p:sldTgt/>
-                  </p:tgtEl>
-                </p:cond>
-              </p:nextCondLst>
-            </p:seq>
-          </p:childTnLst>
-        </p:cTn>
-      </p:par>
-    </p:tnLst>
-  </p:timing>
-</p:sld>
-</file>
-
-<file path=ppt/slides/slide18.xml><?xml version="1.0" encoding="utf-8"?>
-<p:sld xmlns:a="http://schemas.openxmlformats.org/drawingml/2006/main" xmlns:r="http://schemas.openxmlformats.org/officeDocument/2006/relationships" xmlns:p="http://schemas.openxmlformats.org/presentationml/2006/main">
-  <p:cSld>
-    <p:bg>
-      <p:bgPr>
-        <a:blipFill dpi="0" rotWithShape="0">
-          <a:blip r:embed="rId3"/>
-          <a:srcRect/>
-          <a:tile tx="0" ty="0" sx="100000" sy="100000" flip="none" algn="tl"/>
-        </a:blipFill>
-        <a:effectLst/>
-      </p:bgPr>
-    </p:bg>
-    <p:spTree>
-      <p:nvGrpSpPr>
-        <p:cNvPr id="1" name=""/>
-        <p:cNvGrpSpPr/>
-        <p:nvPr/>
-      </p:nvGrpSpPr>
-      <p:grpSpPr>
-        <a:xfrm>
-          <a:off x="0" y="0"/>
-          <a:ext cx="0" cy="0"/>
-          <a:chOff x="0" y="0"/>
-          <a:chExt cx="0" cy="0"/>
-        </a:xfrm>
-      </p:grpSpPr>
-      <p:sp>
-        <p:nvSpPr>
-          <p:cNvPr id="17409" name="Text Box 1"/>
-          <p:cNvSpPr txBox="1">
-            <a:spLocks noChangeArrowheads="1"/>
-          </p:cNvSpPr>
-          <p:nvPr/>
-        </p:nvSpPr>
-        <p:spPr bwMode="auto">
-          <a:xfrm>
-            <a:off x="468313" y="0"/>
-            <a:ext cx="9072562" cy="1263650"/>
-          </a:xfrm>
-          <a:prstGeom prst="rect">
-            <a:avLst/>
-          </a:prstGeom>
-          <a:noFill/>
-          <a:ln>
-            <a:noFill/>
-          </a:ln>
-          <a:effectLst/>
-          <a:extLst>
-            <a:ext uri="{909E8E84-426E-40dd-AFC4-6F175D3DCCD1}">
-              <a14:hiddenFill xmlns:a14="http://schemas.microsoft.com/office/drawing/2010/main" xmlns="">
-                <a:solidFill>
-                  <a:srgbClr val="FFFFFF"/>
-                </a:solidFill>
-              </a14:hiddenFill>
-            </a:ext>
-            <a:ext uri="{91240B29-F687-4f45-9708-019B960494DF}">
-              <a14:hiddenLine xmlns:a14="http://schemas.microsoft.com/office/drawing/2010/main" xmlns="" w="9525" cap="flat">
-                <a:solidFill>
-                  <a:srgbClr val="3465A4"/>
-                </a:solidFill>
-                <a:round/>
-                <a:headEnd/>
-                <a:tailEnd/>
-              </a14:hiddenLine>
-            </a:ext>
-            <a:ext uri="{AF507438-7753-43e0-B8FC-AC1667EBCBE1}">
-              <a14:hiddenEffects xmlns:a14="http://schemas.microsoft.com/office/drawing/2010/main" xmlns="">
-                <a:effectLst>
-                  <a:outerShdw blurRad="63500" dist="38099" dir="2700000" algn="ctr" rotWithShape="0">
-                    <a:srgbClr val="000000">
-                      <a:alpha val="74998"/>
-                    </a:srgbClr>
-                  </a:outerShdw>
-                </a:effectLst>
-              </a14:hiddenEffects>
-            </a:ext>
-          </a:extLst>
-        </p:spPr>
-        <p:txBody>
-          <a:bodyPr lIns="0" tIns="0" rIns="0" bIns="0" anchor="ctr"/>
-          <a:lstStyle>
-            <a:lvl1pPr>
-              <a:tabLst>
-                <a:tab pos="0" algn="l"/>
-                <a:tab pos="457200" algn="l"/>
-                <a:tab pos="914400" algn="l"/>
-                <a:tab pos="1371600" algn="l"/>
-                <a:tab pos="1828800" algn="l"/>
-                <a:tab pos="2286000" algn="l"/>
-                <a:tab pos="2743200" algn="l"/>
-                <a:tab pos="3200400" algn="l"/>
-                <a:tab pos="3657600" algn="l"/>
-                <a:tab pos="4114800" algn="l"/>
-                <a:tab pos="4572000" algn="l"/>
-                <a:tab pos="5029200" algn="l"/>
-                <a:tab pos="5486400" algn="l"/>
-                <a:tab pos="5943600" algn="l"/>
-                <a:tab pos="6400800" algn="l"/>
-                <a:tab pos="6858000" algn="l"/>
-                <a:tab pos="7315200" algn="l"/>
-                <a:tab pos="7772400" algn="l"/>
-                <a:tab pos="8229600" algn="l"/>
-                <a:tab pos="8686800" algn="l"/>
-                <a:tab pos="9144000" algn="l"/>
-              </a:tabLst>
-              <a:defRPr sz="2400">
-                <a:solidFill>
-                  <a:srgbClr val="000000"/>
-                </a:solidFill>
-                <a:latin typeface="Arial" charset="0"/>
-                <a:ea typeface="ＭＳ Ｐゴシック" charset="0"/>
-                <a:cs typeface="DejaVu Sans" charset="0"/>
-              </a:defRPr>
-            </a:lvl1pPr>
-            <a:lvl2pPr>
-              <a:tabLst>
-                <a:tab pos="0" algn="l"/>
-                <a:tab pos="457200" algn="l"/>
-                <a:tab pos="914400" algn="l"/>
-                <a:tab pos="1371600" algn="l"/>
-                <a:tab pos="1828800" algn="l"/>
-                <a:tab pos="2286000" algn="l"/>
-                <a:tab pos="2743200" algn="l"/>
-                <a:tab pos="3200400" algn="l"/>
-                <a:tab pos="3657600" algn="l"/>
-                <a:tab pos="4114800" algn="l"/>
-                <a:tab pos="4572000" algn="l"/>
-                <a:tab pos="5029200" algn="l"/>
-                <a:tab pos="5486400" algn="l"/>
-                <a:tab pos="5943600" algn="l"/>
-                <a:tab pos="6400800" algn="l"/>
-                <a:tab pos="6858000" algn="l"/>
-                <a:tab pos="7315200" algn="l"/>
-                <a:tab pos="7772400" algn="l"/>
-                <a:tab pos="8229600" algn="l"/>
-                <a:tab pos="8686800" algn="l"/>
-                <a:tab pos="9144000" algn="l"/>
-              </a:tabLst>
-              <a:defRPr sz="2400">
-                <a:solidFill>
-                  <a:srgbClr val="000000"/>
-                </a:solidFill>
-                <a:latin typeface="Arial" charset="0"/>
-                <a:ea typeface="ＭＳ Ｐゴシック" charset="0"/>
-                <a:cs typeface="DejaVu Sans" charset="0"/>
-              </a:defRPr>
-            </a:lvl2pPr>
-            <a:lvl3pPr>
-              <a:tabLst>
-                <a:tab pos="0" algn="l"/>
-                <a:tab pos="457200" algn="l"/>
-                <a:tab pos="914400" algn="l"/>
-                <a:tab pos="1371600" algn="l"/>
-                <a:tab pos="1828800" algn="l"/>
-                <a:tab pos="2286000" algn="l"/>
-                <a:tab pos="2743200" algn="l"/>
-                <a:tab pos="3200400" algn="l"/>
-                <a:tab pos="3657600" algn="l"/>
-                <a:tab pos="4114800" algn="l"/>
-                <a:tab pos="4572000" algn="l"/>
-                <a:tab pos="5029200" algn="l"/>
-                <a:tab pos="5486400" algn="l"/>
-                <a:tab pos="5943600" algn="l"/>
-                <a:tab pos="6400800" algn="l"/>
-                <a:tab pos="6858000" algn="l"/>
-                <a:tab pos="7315200" algn="l"/>
-                <a:tab pos="7772400" algn="l"/>
-                <a:tab pos="8229600" algn="l"/>
-                <a:tab pos="8686800" algn="l"/>
-                <a:tab pos="9144000" algn="l"/>
-              </a:tabLst>
-              <a:defRPr sz="2400">
-                <a:solidFill>
-                  <a:srgbClr val="000000"/>
-                </a:solidFill>
-                <a:latin typeface="Arial" charset="0"/>
-                <a:ea typeface="ＭＳ Ｐゴシック" charset="0"/>
-                <a:cs typeface="DejaVu Sans" charset="0"/>
-              </a:defRPr>
-            </a:lvl3pPr>
-            <a:lvl4pPr>
-              <a:tabLst>
-                <a:tab pos="0" algn="l"/>
-                <a:tab pos="457200" algn="l"/>
-                <a:tab pos="914400" algn="l"/>
-                <a:tab pos="1371600" algn="l"/>
-                <a:tab pos="1828800" algn="l"/>
-                <a:tab pos="2286000" algn="l"/>
-                <a:tab pos="2743200" algn="l"/>
-                <a:tab pos="3200400" algn="l"/>
-                <a:tab pos="3657600" algn="l"/>
-                <a:tab pos="4114800" algn="l"/>
-                <a:tab pos="4572000" algn="l"/>
-                <a:tab pos="5029200" algn="l"/>
-                <a:tab pos="5486400" algn="l"/>
-                <a:tab pos="5943600" algn="l"/>
-                <a:tab pos="6400800" algn="l"/>
-                <a:tab pos="6858000" algn="l"/>
-                <a:tab pos="7315200" algn="l"/>
-                <a:tab pos="7772400" algn="l"/>
-                <a:tab pos="8229600" algn="l"/>
-                <a:tab pos="8686800" algn="l"/>
-                <a:tab pos="9144000" algn="l"/>
-              </a:tabLst>
-              <a:defRPr sz="2400">
-                <a:solidFill>
-                  <a:srgbClr val="000000"/>
-                </a:solidFill>
-                <a:latin typeface="Arial" charset="0"/>
-                <a:ea typeface="ＭＳ Ｐゴシック" charset="0"/>
-                <a:cs typeface="DejaVu Sans" charset="0"/>
-              </a:defRPr>
-            </a:lvl4pPr>
-            <a:lvl5pPr>
-              <a:tabLst>
-                <a:tab pos="0" algn="l"/>
-                <a:tab pos="457200" algn="l"/>
-                <a:tab pos="914400" algn="l"/>
-                <a:tab pos="1371600" algn="l"/>
-                <a:tab pos="1828800" algn="l"/>
-                <a:tab pos="2286000" algn="l"/>
-                <a:tab pos="2743200" algn="l"/>
-                <a:tab pos="3200400" algn="l"/>
-                <a:tab pos="3657600" algn="l"/>
-                <a:tab pos="4114800" algn="l"/>
-                <a:tab pos="4572000" algn="l"/>
-                <a:tab pos="5029200" algn="l"/>
-                <a:tab pos="5486400" algn="l"/>
-                <a:tab pos="5943600" algn="l"/>
-                <a:tab pos="6400800" algn="l"/>
-                <a:tab pos="6858000" algn="l"/>
-                <a:tab pos="7315200" algn="l"/>
-                <a:tab pos="7772400" algn="l"/>
-                <a:tab pos="8229600" algn="l"/>
-                <a:tab pos="8686800" algn="l"/>
-                <a:tab pos="9144000" algn="l"/>
-              </a:tabLst>
-              <a:defRPr sz="2400">
-                <a:solidFill>
-                  <a:srgbClr val="000000"/>
-                </a:solidFill>
-                <a:latin typeface="Arial" charset="0"/>
-                <a:ea typeface="ＭＳ Ｐゴシック" charset="0"/>
-                <a:cs typeface="DejaVu Sans" charset="0"/>
-              </a:defRPr>
-            </a:lvl5pPr>
-            <a:lvl6pPr marL="2514600" indent="-228600" fontAlgn="base" hangingPunct="0">
-              <a:lnSpc>
-                <a:spcPct val="96000"/>
-              </a:lnSpc>
-              <a:spcBef>
-                <a:spcPct val="0"/>
-              </a:spcBef>
-              <a:spcAft>
-                <a:spcPct val="0"/>
-              </a:spcAft>
-              <a:buClr>
-                <a:srgbClr val="000000"/>
-              </a:buClr>
-              <a:buSzPct val="100000"/>
-              <a:buFont typeface="Times New Roman" charset="0"/>
-              <a:tabLst>
-                <a:tab pos="0" algn="l"/>
-                <a:tab pos="457200" algn="l"/>
-                <a:tab pos="914400" algn="l"/>
-                <a:tab pos="1371600" algn="l"/>
-                <a:tab pos="1828800" algn="l"/>
-                <a:tab pos="2286000" algn="l"/>
-                <a:tab pos="2743200" algn="l"/>
-                <a:tab pos="3200400" algn="l"/>
-                <a:tab pos="3657600" algn="l"/>
-                <a:tab pos="4114800" algn="l"/>
-                <a:tab pos="4572000" algn="l"/>
-                <a:tab pos="5029200" algn="l"/>
-                <a:tab pos="5486400" algn="l"/>
-                <a:tab pos="5943600" algn="l"/>
-                <a:tab pos="6400800" algn="l"/>
-                <a:tab pos="6858000" algn="l"/>
-                <a:tab pos="7315200" algn="l"/>
-                <a:tab pos="7772400" algn="l"/>
-                <a:tab pos="8229600" algn="l"/>
-                <a:tab pos="8686800" algn="l"/>
-                <a:tab pos="9144000" algn="l"/>
-              </a:tabLst>
-              <a:defRPr sz="2400">
-                <a:solidFill>
-                  <a:srgbClr val="000000"/>
-                </a:solidFill>
-                <a:latin typeface="Arial" charset="0"/>
-                <a:ea typeface="ＭＳ Ｐゴシック" charset="0"/>
-                <a:cs typeface="DejaVu Sans" charset="0"/>
-              </a:defRPr>
-            </a:lvl6pPr>
-            <a:lvl7pPr marL="2971800" indent="-228600" fontAlgn="base" hangingPunct="0">
-              <a:lnSpc>
-                <a:spcPct val="96000"/>
-              </a:lnSpc>
-              <a:spcBef>
-                <a:spcPct val="0"/>
-              </a:spcBef>
-              <a:spcAft>
-                <a:spcPct val="0"/>
-              </a:spcAft>
-              <a:buClr>
-                <a:srgbClr val="000000"/>
-              </a:buClr>
-              <a:buSzPct val="100000"/>
-              <a:buFont typeface="Times New Roman" charset="0"/>
-              <a:tabLst>
-                <a:tab pos="0" algn="l"/>
-                <a:tab pos="457200" algn="l"/>
-                <a:tab pos="914400" algn="l"/>
-                <a:tab pos="1371600" algn="l"/>
-                <a:tab pos="1828800" algn="l"/>
-                <a:tab pos="2286000" algn="l"/>
-                <a:tab pos="2743200" algn="l"/>
-                <a:tab pos="3200400" algn="l"/>
-                <a:tab pos="3657600" algn="l"/>
-                <a:tab pos="4114800" algn="l"/>
-                <a:tab pos="4572000" algn="l"/>
-                <a:tab pos="5029200" algn="l"/>
-                <a:tab pos="5486400" algn="l"/>
-                <a:tab pos="5943600" algn="l"/>
-                <a:tab pos="6400800" algn="l"/>
-                <a:tab pos="6858000" algn="l"/>
-                <a:tab pos="7315200" algn="l"/>
-                <a:tab pos="7772400" algn="l"/>
-                <a:tab pos="8229600" algn="l"/>
-                <a:tab pos="8686800" algn="l"/>
-                <a:tab pos="9144000" algn="l"/>
-              </a:tabLst>
-              <a:defRPr sz="2400">
-                <a:solidFill>
-                  <a:srgbClr val="000000"/>
-                </a:solidFill>
-                <a:latin typeface="Arial" charset="0"/>
-                <a:ea typeface="ＭＳ Ｐゴシック" charset="0"/>
-                <a:cs typeface="DejaVu Sans" charset="0"/>
-              </a:defRPr>
-            </a:lvl7pPr>
-            <a:lvl8pPr marL="3429000" indent="-228600" fontAlgn="base" hangingPunct="0">
-              <a:lnSpc>
-                <a:spcPct val="96000"/>
-              </a:lnSpc>
-              <a:spcBef>
-                <a:spcPct val="0"/>
-              </a:spcBef>
-              <a:spcAft>
-                <a:spcPct val="0"/>
-              </a:spcAft>
-              <a:buClr>
-                <a:srgbClr val="000000"/>
-              </a:buClr>
-              <a:buSzPct val="100000"/>
-              <a:buFont typeface="Times New Roman" charset="0"/>
-              <a:tabLst>
-                <a:tab pos="0" algn="l"/>
-                <a:tab pos="457200" algn="l"/>
-                <a:tab pos="914400" algn="l"/>
-                <a:tab pos="1371600" algn="l"/>
-                <a:tab pos="1828800" algn="l"/>
-                <a:tab pos="2286000" algn="l"/>
-                <a:tab pos="2743200" algn="l"/>
-                <a:tab pos="3200400" algn="l"/>
-                <a:tab pos="3657600" algn="l"/>
-                <a:tab pos="4114800" algn="l"/>
-                <a:tab pos="4572000" algn="l"/>
-                <a:tab pos="5029200" algn="l"/>
-                <a:tab pos="5486400" algn="l"/>
-                <a:tab pos="5943600" algn="l"/>
-                <a:tab pos="6400800" algn="l"/>
-                <a:tab pos="6858000" algn="l"/>
-                <a:tab pos="7315200" algn="l"/>
-                <a:tab pos="7772400" algn="l"/>
-                <a:tab pos="8229600" algn="l"/>
-                <a:tab pos="8686800" algn="l"/>
-                <a:tab pos="9144000" algn="l"/>
-              </a:tabLst>
-              <a:defRPr sz="2400">
-                <a:solidFill>
-                  <a:srgbClr val="000000"/>
-                </a:solidFill>
-                <a:latin typeface="Arial" charset="0"/>
-                <a:ea typeface="ＭＳ Ｐゴシック" charset="0"/>
-                <a:cs typeface="DejaVu Sans" charset="0"/>
-              </a:defRPr>
-            </a:lvl8pPr>
-            <a:lvl9pPr marL="3886200" indent="-228600" fontAlgn="base" hangingPunct="0">
-              <a:lnSpc>
-                <a:spcPct val="96000"/>
-              </a:lnSpc>
-              <a:spcBef>
-                <a:spcPct val="0"/>
-              </a:spcBef>
-              <a:spcAft>
-                <a:spcPct val="0"/>
-              </a:spcAft>
-              <a:buClr>
-                <a:srgbClr val="000000"/>
-              </a:buClr>
-              <a:buSzPct val="100000"/>
-              <a:buFont typeface="Times New Roman" charset="0"/>
-              <a:tabLst>
-                <a:tab pos="0" algn="l"/>
-                <a:tab pos="457200" algn="l"/>
-                <a:tab pos="914400" algn="l"/>
-                <a:tab pos="1371600" algn="l"/>
-                <a:tab pos="1828800" algn="l"/>
-                <a:tab pos="2286000" algn="l"/>
-                <a:tab pos="2743200" algn="l"/>
-                <a:tab pos="3200400" algn="l"/>
-                <a:tab pos="3657600" algn="l"/>
-                <a:tab pos="4114800" algn="l"/>
-                <a:tab pos="4572000" algn="l"/>
-                <a:tab pos="5029200" algn="l"/>
-                <a:tab pos="5486400" algn="l"/>
-                <a:tab pos="5943600" algn="l"/>
-                <a:tab pos="6400800" algn="l"/>
-                <a:tab pos="6858000" algn="l"/>
-                <a:tab pos="7315200" algn="l"/>
-                <a:tab pos="7772400" algn="l"/>
-                <a:tab pos="8229600" algn="l"/>
-                <a:tab pos="8686800" algn="l"/>
-                <a:tab pos="9144000" algn="l"/>
-              </a:tabLst>
-              <a:defRPr sz="2400">
-                <a:solidFill>
-                  <a:srgbClr val="000000"/>
-                </a:solidFill>
-                <a:latin typeface="Arial" charset="0"/>
-                <a:ea typeface="ＭＳ Ｐゴシック" charset="0"/>
-                <a:cs typeface="DejaVu Sans" charset="0"/>
-              </a:defRPr>
-            </a:lvl9pPr>
-          </a:lstStyle>
-          <a:p>
-            <a:pPr>
-              <a:lnSpc>
-                <a:spcPct val="97000"/>
-              </a:lnSpc>
-              <a:buClrTx/>
-              <a:buSzPct val="45000"/>
-              <a:buFontTx/>
-              <a:buNone/>
-              <a:defRPr/>
-            </a:pPr>
-            <a:r>
-              <a:rPr lang="en-GB" sz="4400" b="1" dirty="0">
-                <a:latin typeface="Trebuchet MS" charset="0"/>
-              </a:rPr>
-              <a:t>Step 5: Start NTP!</a:t>
-            </a:r>
-          </a:p>
-        </p:txBody>
-      </p:sp>
-      <p:sp>
-        <p:nvSpPr>
-          <p:cNvPr id="17410" name="Text Box 2"/>
-          <p:cNvSpPr txBox="1">
-            <a:spLocks noChangeArrowheads="1"/>
-          </p:cNvSpPr>
-          <p:nvPr/>
-        </p:nvSpPr>
-        <p:spPr bwMode="auto">
-          <a:xfrm>
-            <a:off x="503238" y="1768475"/>
-            <a:ext cx="9072562" cy="4989513"/>
-          </a:xfrm>
-          <a:prstGeom prst="rect">
-            <a:avLst/>
-          </a:prstGeom>
-          <a:noFill/>
-          <a:ln>
-            <a:noFill/>
-          </a:ln>
-          <a:effectLst/>
-          <a:extLst>
-            <a:ext uri="{909E8E84-426E-40dd-AFC4-6F175D3DCCD1}">
-              <a14:hiddenFill xmlns:a14="http://schemas.microsoft.com/office/drawing/2010/main" xmlns="">
-                <a:solidFill>
-                  <a:srgbClr val="FFFFFF"/>
-                </a:solidFill>
-              </a14:hiddenFill>
-            </a:ext>
-            <a:ext uri="{91240B29-F687-4f45-9708-019B960494DF}">
-              <a14:hiddenLine xmlns:a14="http://schemas.microsoft.com/office/drawing/2010/main" xmlns="" w="9525" cap="flat">
-                <a:solidFill>
-                  <a:srgbClr val="3465A4"/>
-                </a:solidFill>
-                <a:round/>
-                <a:headEnd/>
-                <a:tailEnd/>
-              </a14:hiddenLine>
-            </a:ext>
-            <a:ext uri="{AF507438-7753-43e0-B8FC-AC1667EBCBE1}">
-              <a14:hiddenEffects xmlns:a14="http://schemas.microsoft.com/office/drawing/2010/main" xmlns="">
-                <a:effectLst>
-                  <a:outerShdw blurRad="63500" dist="38099" dir="2700000" algn="ctr" rotWithShape="0">
-                    <a:srgbClr val="000000">
-                      <a:alpha val="74998"/>
-                    </a:srgbClr>
-                  </a:outerShdw>
-                </a:effectLst>
-              </a14:hiddenEffects>
-            </a:ext>
-          </a:extLst>
-        </p:spPr>
-        <p:txBody>
-          <a:bodyPr lIns="0" tIns="0" rIns="0" bIns="0"/>
-          <a:lstStyle>
-            <a:lvl1pPr marL="428625" indent="-323850">
-              <a:tabLst>
-                <a:tab pos="428625" algn="l"/>
-                <a:tab pos="885825" algn="l"/>
-                <a:tab pos="1343025" algn="l"/>
-                <a:tab pos="1800225" algn="l"/>
-                <a:tab pos="2257425" algn="l"/>
-                <a:tab pos="2714625" algn="l"/>
-                <a:tab pos="3171825" algn="l"/>
-                <a:tab pos="3629025" algn="l"/>
-                <a:tab pos="4086225" algn="l"/>
-                <a:tab pos="4543425" algn="l"/>
-                <a:tab pos="5000625" algn="l"/>
-                <a:tab pos="5457825" algn="l"/>
-                <a:tab pos="5915025" algn="l"/>
-                <a:tab pos="6372225" algn="l"/>
-                <a:tab pos="6829425" algn="l"/>
-                <a:tab pos="7286625" algn="l"/>
-                <a:tab pos="7743825" algn="l"/>
-                <a:tab pos="8201025" algn="l"/>
-                <a:tab pos="8658225" algn="l"/>
-                <a:tab pos="9115425" algn="l"/>
-                <a:tab pos="9572625" algn="l"/>
-              </a:tabLst>
-              <a:defRPr sz="2400">
-                <a:solidFill>
-                  <a:srgbClr val="000000"/>
-                </a:solidFill>
-                <a:latin typeface="Arial" charset="0"/>
-                <a:ea typeface="ＭＳ Ｐゴシック" charset="0"/>
-                <a:cs typeface="DejaVu Sans" charset="0"/>
-              </a:defRPr>
-            </a:lvl1pPr>
-            <a:lvl2pPr>
-              <a:tabLst>
-                <a:tab pos="428625" algn="l"/>
-                <a:tab pos="885825" algn="l"/>
-                <a:tab pos="1343025" algn="l"/>
-                <a:tab pos="1800225" algn="l"/>
-                <a:tab pos="2257425" algn="l"/>
-                <a:tab pos="2714625" algn="l"/>
-                <a:tab pos="3171825" algn="l"/>
-                <a:tab pos="3629025" algn="l"/>
-                <a:tab pos="4086225" algn="l"/>
-                <a:tab pos="4543425" algn="l"/>
-                <a:tab pos="5000625" algn="l"/>
-                <a:tab pos="5457825" algn="l"/>
-                <a:tab pos="5915025" algn="l"/>
-                <a:tab pos="6372225" algn="l"/>
-                <a:tab pos="6829425" algn="l"/>
-                <a:tab pos="7286625" algn="l"/>
-                <a:tab pos="7743825" algn="l"/>
-                <a:tab pos="8201025" algn="l"/>
-                <a:tab pos="8658225" algn="l"/>
-                <a:tab pos="9115425" algn="l"/>
-                <a:tab pos="9572625" algn="l"/>
-              </a:tabLst>
-              <a:defRPr sz="2400">
-                <a:solidFill>
-                  <a:srgbClr val="000000"/>
-                </a:solidFill>
-                <a:latin typeface="Arial" charset="0"/>
-                <a:ea typeface="ＭＳ Ｐゴシック" charset="0"/>
-                <a:cs typeface="DejaVu Sans" charset="0"/>
-              </a:defRPr>
-            </a:lvl2pPr>
-            <a:lvl3pPr>
-              <a:tabLst>
-                <a:tab pos="428625" algn="l"/>
-                <a:tab pos="885825" algn="l"/>
-                <a:tab pos="1343025" algn="l"/>
-                <a:tab pos="1800225" algn="l"/>
-                <a:tab pos="2257425" algn="l"/>
-                <a:tab pos="2714625" algn="l"/>
-                <a:tab pos="3171825" algn="l"/>
-                <a:tab pos="3629025" algn="l"/>
-                <a:tab pos="4086225" algn="l"/>
-                <a:tab pos="4543425" algn="l"/>
-                <a:tab pos="5000625" algn="l"/>
-                <a:tab pos="5457825" algn="l"/>
-                <a:tab pos="5915025" algn="l"/>
-                <a:tab pos="6372225" algn="l"/>
-                <a:tab pos="6829425" algn="l"/>
-                <a:tab pos="7286625" algn="l"/>
-                <a:tab pos="7743825" algn="l"/>
-                <a:tab pos="8201025" algn="l"/>
-                <a:tab pos="8658225" algn="l"/>
-                <a:tab pos="9115425" algn="l"/>
-                <a:tab pos="9572625" algn="l"/>
-              </a:tabLst>
-              <a:defRPr sz="2400">
-                <a:solidFill>
-                  <a:srgbClr val="000000"/>
-                </a:solidFill>
-                <a:latin typeface="Arial" charset="0"/>
-                <a:ea typeface="ＭＳ Ｐゴシック" charset="0"/>
-                <a:cs typeface="DejaVu Sans" charset="0"/>
-              </a:defRPr>
-            </a:lvl3pPr>
-            <a:lvl4pPr>
-              <a:tabLst>
-                <a:tab pos="428625" algn="l"/>
-                <a:tab pos="885825" algn="l"/>
-                <a:tab pos="1343025" algn="l"/>
-                <a:tab pos="1800225" algn="l"/>
-                <a:tab pos="2257425" algn="l"/>
-                <a:tab pos="2714625" algn="l"/>
-                <a:tab pos="3171825" algn="l"/>
-                <a:tab pos="3629025" algn="l"/>
-                <a:tab pos="4086225" algn="l"/>
-                <a:tab pos="4543425" algn="l"/>
-                <a:tab pos="5000625" algn="l"/>
-                <a:tab pos="5457825" algn="l"/>
-                <a:tab pos="5915025" algn="l"/>
-                <a:tab pos="6372225" algn="l"/>
-                <a:tab pos="6829425" algn="l"/>
-                <a:tab pos="7286625" algn="l"/>
-                <a:tab pos="7743825" algn="l"/>
-                <a:tab pos="8201025" algn="l"/>
-                <a:tab pos="8658225" algn="l"/>
-                <a:tab pos="9115425" algn="l"/>
-                <a:tab pos="9572625" algn="l"/>
-              </a:tabLst>
-              <a:defRPr sz="2400">
-                <a:solidFill>
-                  <a:srgbClr val="000000"/>
-                </a:solidFill>
-                <a:latin typeface="Arial" charset="0"/>
-                <a:ea typeface="ＭＳ Ｐゴシック" charset="0"/>
-                <a:cs typeface="DejaVu Sans" charset="0"/>
-              </a:defRPr>
-            </a:lvl4pPr>
-            <a:lvl5pPr>
-              <a:tabLst>
-                <a:tab pos="428625" algn="l"/>
-                <a:tab pos="885825" algn="l"/>
-                <a:tab pos="1343025" algn="l"/>
-                <a:tab pos="1800225" algn="l"/>
-                <a:tab pos="2257425" algn="l"/>
-                <a:tab pos="2714625" algn="l"/>
-                <a:tab pos="3171825" algn="l"/>
-                <a:tab pos="3629025" algn="l"/>
-                <a:tab pos="4086225" algn="l"/>
-                <a:tab pos="4543425" algn="l"/>
-                <a:tab pos="5000625" algn="l"/>
-                <a:tab pos="5457825" algn="l"/>
-                <a:tab pos="5915025" algn="l"/>
-                <a:tab pos="6372225" algn="l"/>
-                <a:tab pos="6829425" algn="l"/>
-                <a:tab pos="7286625" algn="l"/>
-                <a:tab pos="7743825" algn="l"/>
-                <a:tab pos="8201025" algn="l"/>
-                <a:tab pos="8658225" algn="l"/>
-                <a:tab pos="9115425" algn="l"/>
-                <a:tab pos="9572625" algn="l"/>
-              </a:tabLst>
-              <a:defRPr sz="2400">
-                <a:solidFill>
-                  <a:srgbClr val="000000"/>
-                </a:solidFill>
-                <a:latin typeface="Arial" charset="0"/>
-                <a:ea typeface="ＭＳ Ｐゴシック" charset="0"/>
-                <a:cs typeface="DejaVu Sans" charset="0"/>
-              </a:defRPr>
-            </a:lvl5pPr>
-            <a:lvl6pPr marL="2514600" indent="-228600" fontAlgn="base" hangingPunct="0">
-              <a:lnSpc>
-                <a:spcPct val="96000"/>
-              </a:lnSpc>
-              <a:spcBef>
-                <a:spcPct val="0"/>
-              </a:spcBef>
-              <a:spcAft>
-                <a:spcPct val="0"/>
-              </a:spcAft>
-              <a:buClr>
-                <a:srgbClr val="000000"/>
-              </a:buClr>
-              <a:buSzPct val="100000"/>
-              <a:buFont typeface="Times New Roman" charset="0"/>
-              <a:tabLst>
-                <a:tab pos="428625" algn="l"/>
-                <a:tab pos="885825" algn="l"/>
-                <a:tab pos="1343025" algn="l"/>
-                <a:tab pos="1800225" algn="l"/>
-                <a:tab pos="2257425" algn="l"/>
-                <a:tab pos="2714625" algn="l"/>
-                <a:tab pos="3171825" algn="l"/>
-                <a:tab pos="3629025" algn="l"/>
-                <a:tab pos="4086225" algn="l"/>
-                <a:tab pos="4543425" algn="l"/>
-                <a:tab pos="5000625" algn="l"/>
-                <a:tab pos="5457825" algn="l"/>
-                <a:tab pos="5915025" algn="l"/>
-                <a:tab pos="6372225" algn="l"/>
-                <a:tab pos="6829425" algn="l"/>
-                <a:tab pos="7286625" algn="l"/>
-                <a:tab pos="7743825" algn="l"/>
-                <a:tab pos="8201025" algn="l"/>
-                <a:tab pos="8658225" algn="l"/>
-                <a:tab pos="9115425" algn="l"/>
-                <a:tab pos="9572625" algn="l"/>
-              </a:tabLst>
-              <a:defRPr sz="2400">
-                <a:solidFill>
-                  <a:srgbClr val="000000"/>
-                </a:solidFill>
-                <a:latin typeface="Arial" charset="0"/>
-                <a:ea typeface="ＭＳ Ｐゴシック" charset="0"/>
-                <a:cs typeface="DejaVu Sans" charset="0"/>
-              </a:defRPr>
-            </a:lvl6pPr>
-            <a:lvl7pPr marL="2971800" indent="-228600" fontAlgn="base" hangingPunct="0">
-              <a:lnSpc>
-                <a:spcPct val="96000"/>
-              </a:lnSpc>
-              <a:spcBef>
-                <a:spcPct val="0"/>
-              </a:spcBef>
-              <a:spcAft>
-                <a:spcPct val="0"/>
-              </a:spcAft>
-              <a:buClr>
-                <a:srgbClr val="000000"/>
-              </a:buClr>
-              <a:buSzPct val="100000"/>
-              <a:buFont typeface="Times New Roman" charset="0"/>
-              <a:tabLst>
-                <a:tab pos="428625" algn="l"/>
-                <a:tab pos="885825" algn="l"/>
-                <a:tab pos="1343025" algn="l"/>
-                <a:tab pos="1800225" algn="l"/>
-                <a:tab pos="2257425" algn="l"/>
-                <a:tab pos="2714625" algn="l"/>
-                <a:tab pos="3171825" algn="l"/>
-                <a:tab pos="3629025" algn="l"/>
-                <a:tab pos="4086225" algn="l"/>
-                <a:tab pos="4543425" algn="l"/>
-                <a:tab pos="5000625" algn="l"/>
-                <a:tab pos="5457825" algn="l"/>
-                <a:tab pos="5915025" algn="l"/>
-                <a:tab pos="6372225" algn="l"/>
-                <a:tab pos="6829425" algn="l"/>
-                <a:tab pos="7286625" algn="l"/>
-                <a:tab pos="7743825" algn="l"/>
-                <a:tab pos="8201025" algn="l"/>
-                <a:tab pos="8658225" algn="l"/>
-                <a:tab pos="9115425" algn="l"/>
-                <a:tab pos="9572625" algn="l"/>
-              </a:tabLst>
-              <a:defRPr sz="2400">
-                <a:solidFill>
-                  <a:srgbClr val="000000"/>
-                </a:solidFill>
-                <a:latin typeface="Arial" charset="0"/>
-                <a:ea typeface="ＭＳ Ｐゴシック" charset="0"/>
-                <a:cs typeface="DejaVu Sans" charset="0"/>
-              </a:defRPr>
-            </a:lvl7pPr>
-            <a:lvl8pPr marL="3429000" indent="-228600" fontAlgn="base" hangingPunct="0">
-              <a:lnSpc>
-                <a:spcPct val="96000"/>
-              </a:lnSpc>
-              <a:spcBef>
-                <a:spcPct val="0"/>
-              </a:spcBef>
-              <a:spcAft>
-                <a:spcPct val="0"/>
-              </a:spcAft>
-              <a:buClr>
-                <a:srgbClr val="000000"/>
-              </a:buClr>
-              <a:buSzPct val="100000"/>
-              <a:buFont typeface="Times New Roman" charset="0"/>
-              <a:tabLst>
-                <a:tab pos="428625" algn="l"/>
-                <a:tab pos="885825" algn="l"/>
-                <a:tab pos="1343025" algn="l"/>
-                <a:tab pos="1800225" algn="l"/>
-                <a:tab pos="2257425" algn="l"/>
-                <a:tab pos="2714625" algn="l"/>
-                <a:tab pos="3171825" algn="l"/>
-                <a:tab pos="3629025" algn="l"/>
-                <a:tab pos="4086225" algn="l"/>
-                <a:tab pos="4543425" algn="l"/>
-                <a:tab pos="5000625" algn="l"/>
-                <a:tab pos="5457825" algn="l"/>
-                <a:tab pos="5915025" algn="l"/>
-                <a:tab pos="6372225" algn="l"/>
-                <a:tab pos="6829425" algn="l"/>
-                <a:tab pos="7286625" algn="l"/>
-                <a:tab pos="7743825" algn="l"/>
-                <a:tab pos="8201025" algn="l"/>
-                <a:tab pos="8658225" algn="l"/>
-                <a:tab pos="9115425" algn="l"/>
-                <a:tab pos="9572625" algn="l"/>
-              </a:tabLst>
-              <a:defRPr sz="2400">
-                <a:solidFill>
-                  <a:srgbClr val="000000"/>
-                </a:solidFill>
-                <a:latin typeface="Arial" charset="0"/>
-                <a:ea typeface="ＭＳ Ｐゴシック" charset="0"/>
-                <a:cs typeface="DejaVu Sans" charset="0"/>
-              </a:defRPr>
-            </a:lvl8pPr>
-            <a:lvl9pPr marL="3886200" indent="-228600" fontAlgn="base" hangingPunct="0">
-              <a:lnSpc>
-                <a:spcPct val="96000"/>
-              </a:lnSpc>
-              <a:spcBef>
-                <a:spcPct val="0"/>
-              </a:spcBef>
-              <a:spcAft>
-                <a:spcPct val="0"/>
-              </a:spcAft>
-              <a:buClr>
-                <a:srgbClr val="000000"/>
-              </a:buClr>
-              <a:buSzPct val="100000"/>
-              <a:buFont typeface="Times New Roman" charset="0"/>
-              <a:tabLst>
-                <a:tab pos="428625" algn="l"/>
-                <a:tab pos="885825" algn="l"/>
-                <a:tab pos="1343025" algn="l"/>
-                <a:tab pos="1800225" algn="l"/>
-                <a:tab pos="2257425" algn="l"/>
-                <a:tab pos="2714625" algn="l"/>
-                <a:tab pos="3171825" algn="l"/>
-                <a:tab pos="3629025" algn="l"/>
-                <a:tab pos="4086225" algn="l"/>
-                <a:tab pos="4543425" algn="l"/>
-                <a:tab pos="5000625" algn="l"/>
-                <a:tab pos="5457825" algn="l"/>
-                <a:tab pos="5915025" algn="l"/>
-                <a:tab pos="6372225" algn="l"/>
-                <a:tab pos="6829425" algn="l"/>
-                <a:tab pos="7286625" algn="l"/>
-                <a:tab pos="7743825" algn="l"/>
-                <a:tab pos="8201025" algn="l"/>
-                <a:tab pos="8658225" algn="l"/>
-                <a:tab pos="9115425" algn="l"/>
-                <a:tab pos="9572625" algn="l"/>
-              </a:tabLst>
-              <a:defRPr sz="2400">
-                <a:solidFill>
-                  <a:srgbClr val="000000"/>
-                </a:solidFill>
-                <a:latin typeface="Arial" charset="0"/>
-                <a:ea typeface="ＭＳ Ｐゴシック" charset="0"/>
-                <a:cs typeface="DejaVu Sans" charset="0"/>
-              </a:defRPr>
-            </a:lvl9pPr>
-          </a:lstStyle>
-          <a:p>
-            <a:pPr>
-              <a:lnSpc>
-                <a:spcPct val="83000"/>
-              </a:lnSpc>
-              <a:spcAft>
-                <a:spcPts val="1413"/>
-              </a:spcAft>
-              <a:buClr>
-                <a:srgbClr val="FF6309"/>
-              </a:buClr>
-              <a:buSzPct val="45000"/>
-              <a:buFont typeface="Wingdings" charset="0"/>
-              <a:buChar char=""/>
-              <a:defRPr/>
-            </a:pPr>
-            <a:r>
-              <a:rPr lang="en-GB" sz="3200" dirty="0">
-                <a:latin typeface="Courier" charset="0"/>
-                <a:ea typeface="Courier" charset="0"/>
-                <a:cs typeface="Courier" charset="0"/>
-              </a:rPr>
-              <a:t>$ </a:t>
-            </a:r>
-            <a:r>
-              <a:rPr lang="en-GB" sz="3200" dirty="0" err="1">
-                <a:latin typeface="Courier" charset="0"/>
-                <a:ea typeface="Courier" charset="0"/>
-                <a:cs typeface="Courier" charset="0"/>
-              </a:rPr>
-              <a:t>sudo</a:t>
-            </a:r>
-            <a:r>
-              <a:rPr lang="en-GB" sz="3200" dirty="0">
-                <a:latin typeface="Courier" charset="0"/>
-                <a:ea typeface="Courier" charset="0"/>
-                <a:cs typeface="Courier" charset="0"/>
-              </a:rPr>
-              <a:t> /</a:t>
-            </a:r>
-            <a:r>
-              <a:rPr lang="en-GB" sz="3200" dirty="0" err="1">
-                <a:latin typeface="Courier" charset="0"/>
-                <a:ea typeface="Courier" charset="0"/>
-                <a:cs typeface="Courier" charset="0"/>
-              </a:rPr>
-              <a:t>etc</a:t>
-            </a:r>
-            <a:r>
-              <a:rPr lang="en-GB" sz="3200" dirty="0">
-                <a:latin typeface="Courier" charset="0"/>
-                <a:ea typeface="Courier" charset="0"/>
-                <a:cs typeface="Courier" charset="0"/>
-              </a:rPr>
-              <a:t>/</a:t>
-            </a:r>
-            <a:r>
-              <a:rPr lang="en-GB" sz="3200" dirty="0" err="1">
-                <a:latin typeface="Courier" charset="0"/>
-                <a:ea typeface="Courier" charset="0"/>
-                <a:cs typeface="Courier" charset="0"/>
-              </a:rPr>
-              <a:t>init.d</a:t>
-            </a:r>
-            <a:r>
-              <a:rPr lang="en-GB" sz="3200" dirty="0">
-                <a:latin typeface="Courier" charset="0"/>
-                <a:ea typeface="Courier" charset="0"/>
-                <a:cs typeface="Courier" charset="0"/>
-              </a:rPr>
-              <a:t>/</a:t>
-            </a:r>
-            <a:r>
-              <a:rPr lang="en-GB" sz="3200" dirty="0" err="1">
-                <a:latin typeface="Courier" charset="0"/>
-                <a:ea typeface="Courier" charset="0"/>
-                <a:cs typeface="Courier" charset="0"/>
-              </a:rPr>
-              <a:t>ntp</a:t>
-            </a:r>
-            <a:r>
-              <a:rPr lang="en-GB" sz="3200" dirty="0">
-                <a:latin typeface="Courier" charset="0"/>
-                <a:ea typeface="Courier" charset="0"/>
-                <a:cs typeface="Courier" charset="0"/>
-              </a:rPr>
-              <a:t> start</a:t>
-            </a:r>
-          </a:p>
-          <a:p>
-            <a:pPr>
-              <a:lnSpc>
-                <a:spcPct val="83000"/>
-              </a:lnSpc>
-              <a:spcAft>
-                <a:spcPts val="1413"/>
-              </a:spcAft>
-              <a:buClr>
-                <a:srgbClr val="FF6309"/>
-              </a:buClr>
-              <a:buSzPct val="45000"/>
-              <a:buFont typeface="Wingdings" charset="0"/>
-              <a:buChar char=""/>
-              <a:defRPr/>
-            </a:pPr>
-            <a:r>
-              <a:rPr lang="en-GB" sz="3200" dirty="0">
-                <a:latin typeface="Courier" charset="0"/>
-                <a:ea typeface="Courier" charset="0"/>
-                <a:cs typeface="Courier" charset="0"/>
-              </a:rPr>
-              <a:t>Or</a:t>
-            </a:r>
-          </a:p>
-          <a:p>
-            <a:pPr>
-              <a:lnSpc>
-                <a:spcPct val="83000"/>
-              </a:lnSpc>
-              <a:spcAft>
-                <a:spcPts val="1413"/>
-              </a:spcAft>
-              <a:buClr>
-                <a:srgbClr val="FF6309"/>
-              </a:buClr>
-              <a:buSzPct val="45000"/>
-              <a:buFont typeface="Wingdings" charset="0"/>
-              <a:buChar char=""/>
-              <a:defRPr/>
-            </a:pPr>
-            <a:r>
-              <a:rPr lang="en-GB" sz="3200" dirty="0">
-                <a:latin typeface="Courier" charset="0"/>
-                <a:ea typeface="Courier" charset="0"/>
-                <a:cs typeface="Courier" charset="0"/>
-              </a:rPr>
-              <a:t>$ </a:t>
-            </a:r>
-            <a:r>
-              <a:rPr lang="en-GB" sz="3200" dirty="0" err="1">
-                <a:latin typeface="Courier" charset="0"/>
-                <a:ea typeface="Courier" charset="0"/>
-                <a:cs typeface="Courier" charset="0"/>
-              </a:rPr>
-              <a:t>sudo</a:t>
-            </a:r>
-            <a:r>
-              <a:rPr lang="en-GB" sz="3200" dirty="0">
-                <a:latin typeface="Courier" charset="0"/>
-                <a:ea typeface="Courier" charset="0"/>
-                <a:cs typeface="Courier" charset="0"/>
-              </a:rPr>
-              <a:t> service </a:t>
-            </a:r>
-            <a:r>
-              <a:rPr lang="en-GB" sz="3200" dirty="0" err="1">
-                <a:latin typeface="Courier" charset="0"/>
-                <a:ea typeface="Courier" charset="0"/>
-                <a:cs typeface="Courier" charset="0"/>
-              </a:rPr>
-              <a:t>ntp</a:t>
-            </a:r>
-            <a:r>
-              <a:rPr lang="en-GB" sz="3200" dirty="0">
-                <a:latin typeface="Courier" charset="0"/>
-                <a:ea typeface="Courier" charset="0"/>
-                <a:cs typeface="Courier" charset="0"/>
-              </a:rPr>
-              <a:t> start</a:t>
-            </a:r>
-          </a:p>
-          <a:p>
-            <a:pPr>
-              <a:lnSpc>
-                <a:spcPct val="97000"/>
-              </a:lnSpc>
-              <a:spcAft>
-                <a:spcPts val="1413"/>
-              </a:spcAft>
-              <a:buClr>
-                <a:srgbClr val="FF6309"/>
-              </a:buClr>
-              <a:buSzPct val="45000"/>
-              <a:buFont typeface="Wingdings" charset="0"/>
-              <a:buChar char=""/>
-              <a:defRPr/>
-            </a:pPr>
-            <a:r>
-              <a:rPr lang="en-GB" sz="3200" dirty="0">
-                <a:latin typeface="Trebuchet MS" charset="0"/>
-              </a:rPr>
-              <a:t>Check that your server is synchronized with the </a:t>
-            </a:r>
-            <a:r>
-              <a:rPr lang="en-GB" sz="3200" dirty="0" err="1">
-                <a:latin typeface="Trebuchet MS" charset="0"/>
-              </a:rPr>
-              <a:t>ntp</a:t>
-            </a:r>
-            <a:r>
-              <a:rPr lang="en-GB" sz="3200" dirty="0">
-                <a:latin typeface="Trebuchet MS" charset="0"/>
-              </a:rPr>
-              <a:t> servers listed in /</a:t>
-            </a:r>
-            <a:r>
-              <a:rPr lang="en-GB" sz="3200" dirty="0" err="1">
-                <a:latin typeface="Trebuchet MS" charset="0"/>
-              </a:rPr>
-              <a:t>etc</a:t>
-            </a:r>
-            <a:r>
-              <a:rPr lang="en-GB" sz="3200" dirty="0">
-                <a:latin typeface="Trebuchet MS" charset="0"/>
-              </a:rPr>
-              <a:t>/</a:t>
-            </a:r>
-            <a:r>
-              <a:rPr lang="en-GB" sz="3200" dirty="0" err="1">
-                <a:latin typeface="Trebuchet MS" charset="0"/>
-              </a:rPr>
-              <a:t>ntp.conf</a:t>
-            </a:r>
-            <a:endParaRPr lang="en-GB" sz="3200" dirty="0">
-              <a:latin typeface="Trebuchet MS" charset="0"/>
-            </a:endParaRPr>
-          </a:p>
-          <a:p>
-            <a:pPr>
-              <a:lnSpc>
-                <a:spcPct val="97000"/>
-              </a:lnSpc>
-              <a:spcAft>
-                <a:spcPts val="1413"/>
-              </a:spcAft>
-              <a:buClr>
-                <a:srgbClr val="FF6309"/>
-              </a:buClr>
-              <a:buSzPct val="45000"/>
-              <a:buFont typeface="Wingdings" charset="0"/>
-              <a:buChar char=""/>
-              <a:defRPr/>
-            </a:pPr>
-            <a:r>
-              <a:rPr lang="en-GB" sz="3200" dirty="0">
-                <a:latin typeface="Courier" charset="0"/>
-                <a:ea typeface="Courier" charset="0"/>
-                <a:cs typeface="Courier" charset="0"/>
-              </a:rPr>
-              <a:t>$ </a:t>
-            </a:r>
-            <a:r>
-              <a:rPr lang="en-GB" sz="3200" dirty="0" err="1">
-                <a:latin typeface="Courier" charset="0"/>
-                <a:ea typeface="Courier" charset="0"/>
-                <a:cs typeface="Courier" charset="0"/>
-              </a:rPr>
-              <a:t>sudo</a:t>
-            </a:r>
-            <a:r>
-              <a:rPr lang="en-GB" sz="3200" dirty="0">
-                <a:latin typeface="Courier" charset="0"/>
-                <a:ea typeface="Courier" charset="0"/>
-                <a:cs typeface="Courier" charset="0"/>
-              </a:rPr>
-              <a:t> </a:t>
-            </a:r>
-            <a:r>
-              <a:rPr lang="en-GB" sz="3200" dirty="0" err="1">
-                <a:latin typeface="Courier" charset="0"/>
-                <a:ea typeface="Courier" charset="0"/>
-                <a:cs typeface="Courier" charset="0"/>
-              </a:rPr>
-              <a:t>ntpq</a:t>
-            </a:r>
-            <a:r>
-              <a:rPr lang="en-GB" sz="3200" dirty="0">
-                <a:latin typeface="Courier" charset="0"/>
-                <a:ea typeface="Courier" charset="0"/>
-                <a:cs typeface="Courier" charset="0"/>
-              </a:rPr>
-              <a:t> -</a:t>
-            </a:r>
-            <a:r>
-              <a:rPr lang="en-GB" sz="3200" dirty="0" err="1">
-                <a:latin typeface="Courier" charset="0"/>
-                <a:ea typeface="Courier" charset="0"/>
-                <a:cs typeface="Courier" charset="0"/>
-              </a:rPr>
-              <a:t>pn</a:t>
-            </a:r>
-            <a:endParaRPr lang="en-GB" sz="3200" dirty="0">
-              <a:latin typeface="Courier" charset="0"/>
-              <a:ea typeface="Courier" charset="0"/>
-              <a:cs typeface="Courier" charset="0"/>
-            </a:endParaRPr>
-          </a:p>
-        </p:txBody>
-      </p:sp>
-      <p:sp>
-        <p:nvSpPr>
-          <p:cNvPr id="4" name="TextBox 3"/>
-          <p:cNvSpPr txBox="1"/>
-          <p:nvPr/>
-        </p:nvSpPr>
-        <p:spPr>
-          <a:xfrm>
-            <a:off x="1" y="5227637"/>
-            <a:ext cx="10080624" cy="1983107"/>
-          </a:xfrm>
-          <a:prstGeom prst="rect">
-            <a:avLst/>
-          </a:prstGeom>
-          <a:solidFill>
-            <a:schemeClr val="bg2"/>
-          </a:solidFill>
-        </p:spPr>
-        <p:txBody>
-          <a:bodyPr wrap="square" rtlCol="0">
-            <a:spAutoFit/>
-          </a:bodyPr>
-          <a:lstStyle/>
-          <a:p>
-            <a:r>
-              <a:rPr lang="is-IS" sz="1600">
-                <a:latin typeface="Courier" charset="0"/>
-                <a:ea typeface="Courier" charset="0"/>
-                <a:cs typeface="Courier" charset="0"/>
-              </a:rPr>
-              <a:t>$ sudo ntpq </a:t>
-            </a:r>
-            <a:r>
-              <a:rPr lang="is-IS" sz="1600" dirty="0">
-                <a:latin typeface="Courier" charset="0"/>
-                <a:ea typeface="Courier" charset="0"/>
-                <a:cs typeface="Courier" charset="0"/>
-              </a:rPr>
-              <a:t>-p</a:t>
-            </a:r>
-          </a:p>
-          <a:p>
-            <a:r>
-              <a:rPr lang="is-IS" sz="1600" dirty="0">
-                <a:latin typeface="Courier" charset="0"/>
-                <a:ea typeface="Courier" charset="0"/>
-                <a:cs typeface="Courier" charset="0"/>
-              </a:rPr>
-              <a:t>     remote           refid      st t when poll reach   delay   offset  jitter</a:t>
-            </a:r>
-          </a:p>
-          <a:p>
-            <a:r>
-              <a:rPr lang="is-IS" sz="1600" dirty="0">
-                <a:latin typeface="Courier" charset="0"/>
-                <a:ea typeface="Courier" charset="0"/>
-                <a:cs typeface="Courier" charset="0"/>
-              </a:rPr>
-              <a:t>==============================================================================</a:t>
-            </a:r>
-          </a:p>
-          <a:p>
-            <a:r>
-              <a:rPr lang="is-IS" sz="1600" dirty="0">
-                <a:latin typeface="Courier" charset="0"/>
-                <a:ea typeface="Courier" charset="0"/>
-                <a:cs typeface="Courier" charset="0"/>
-              </a:rPr>
-              <a:t>*riditt.de       131.188.3.221    2 u   27   64    1  183.792    0.439   0.079</a:t>
-            </a:r>
-          </a:p>
-          <a:p>
-            <a:r>
-              <a:rPr lang="is-IS" sz="1600" dirty="0">
-                <a:latin typeface="Courier" charset="0"/>
-                <a:ea typeface="Courier" charset="0"/>
-                <a:cs typeface="Courier" charset="0"/>
-              </a:rPr>
-              <a:t> lofn.fancube.co .INIT.          16 u    -   64    0    0.000    0.000   0.000</a:t>
-            </a:r>
-          </a:p>
-          <a:p>
-            <a:r>
-              <a:rPr lang="is-IS" sz="1600" dirty="0">
-                <a:latin typeface="Courier" charset="0"/>
-                <a:ea typeface="Courier" charset="0"/>
-                <a:cs typeface="Courier" charset="0"/>
-              </a:rPr>
-              <a:t> service1-eth3.d 228.143.95.23    2 u   28   64    1  200.457   -1.965   0.035</a:t>
-            </a:r>
-          </a:p>
-          <a:p>
-            <a:r>
-              <a:rPr lang="is-IS" sz="1600" dirty="0">
-                <a:latin typeface="Courier" charset="0"/>
-                <a:ea typeface="Courier" charset="0"/>
-                <a:cs typeface="Courier" charset="0"/>
-              </a:rPr>
-              <a:t> makaki.miuku.ne 218.186.3.36     2 u   28   64    1  377.207   -7.893   0.169</a:t>
-            </a:r>
-          </a:p>
-          <a:p>
-            <a:r>
-              <a:rPr lang="is-IS" sz="1600" dirty="0">
-                <a:latin typeface="Courier" charset="0"/>
-                <a:ea typeface="Courier" charset="0"/>
-                <a:cs typeface="Courier" charset="0"/>
-              </a:rPr>
-              <a:t> noc.mtg.afnog.o 45.222.43.250    3 u   27   64    1    0.284    1.810   0.040</a:t>
             </a:r>
           </a:p>
         </p:txBody>
@@ -28403,7 +27182,7 @@
       </p:grpSpPr>
       <p:sp>
         <p:nvSpPr>
-          <p:cNvPr id="19457" name="Text Box 1"/>
+          <p:cNvPr id="17409" name="Text Box 1"/>
           <p:cNvSpPr txBox="1">
             <a:spLocks noChangeArrowheads="1"/>
           </p:cNvSpPr>
@@ -28411,8 +27190,8 @@
         </p:nvSpPr>
         <p:spPr bwMode="auto">
           <a:xfrm>
-            <a:off x="755650" y="2347913"/>
-            <a:ext cx="8569325" cy="1620837"/>
+            <a:off x="468313" y="0"/>
+            <a:ext cx="9072562" cy="1263650"/>
           </a:xfrm>
           <a:prstGeom prst="rect">
             <a:avLst/>
@@ -28456,29 +27235,29 @@
         <p:txBody>
           <a:bodyPr lIns="0" tIns="0" rIns="0" bIns="0" anchor="ctr"/>
           <a:lstStyle>
-            <a:lvl1pPr marL="342900" indent="-339725">
-              <a:tabLst>
-                <a:tab pos="342900" algn="l"/>
-                <a:tab pos="800100" algn="l"/>
-                <a:tab pos="1257300" algn="l"/>
-                <a:tab pos="1714500" algn="l"/>
-                <a:tab pos="2171700" algn="l"/>
-                <a:tab pos="2628900" algn="l"/>
-                <a:tab pos="3086100" algn="l"/>
-                <a:tab pos="3543300" algn="l"/>
-                <a:tab pos="4000500" algn="l"/>
-                <a:tab pos="4457700" algn="l"/>
-                <a:tab pos="4914900" algn="l"/>
-                <a:tab pos="5372100" algn="l"/>
-                <a:tab pos="5829300" algn="l"/>
-                <a:tab pos="6286500" algn="l"/>
-                <a:tab pos="6743700" algn="l"/>
-                <a:tab pos="7200900" algn="l"/>
-                <a:tab pos="7658100" algn="l"/>
-                <a:tab pos="8115300" algn="l"/>
-                <a:tab pos="8572500" algn="l"/>
-                <a:tab pos="9029700" algn="l"/>
-                <a:tab pos="9486900" algn="l"/>
+            <a:lvl1pPr>
+              <a:tabLst>
+                <a:tab pos="0" algn="l"/>
+                <a:tab pos="457200" algn="l"/>
+                <a:tab pos="914400" algn="l"/>
+                <a:tab pos="1371600" algn="l"/>
+                <a:tab pos="1828800" algn="l"/>
+                <a:tab pos="2286000" algn="l"/>
+                <a:tab pos="2743200" algn="l"/>
+                <a:tab pos="3200400" algn="l"/>
+                <a:tab pos="3657600" algn="l"/>
+                <a:tab pos="4114800" algn="l"/>
+                <a:tab pos="4572000" algn="l"/>
+                <a:tab pos="5029200" algn="l"/>
+                <a:tab pos="5486400" algn="l"/>
+                <a:tab pos="5943600" algn="l"/>
+                <a:tab pos="6400800" algn="l"/>
+                <a:tab pos="6858000" algn="l"/>
+                <a:tab pos="7315200" algn="l"/>
+                <a:tab pos="7772400" algn="l"/>
+                <a:tab pos="8229600" algn="l"/>
+                <a:tab pos="8686800" algn="l"/>
+                <a:tab pos="9144000" algn="l"/>
               </a:tabLst>
               <a:defRPr sz="2400">
                 <a:solidFill>
@@ -28491,27 +27270,27 @@
             </a:lvl1pPr>
             <a:lvl2pPr>
               <a:tabLst>
-                <a:tab pos="342900" algn="l"/>
-                <a:tab pos="800100" algn="l"/>
-                <a:tab pos="1257300" algn="l"/>
-                <a:tab pos="1714500" algn="l"/>
-                <a:tab pos="2171700" algn="l"/>
-                <a:tab pos="2628900" algn="l"/>
-                <a:tab pos="3086100" algn="l"/>
-                <a:tab pos="3543300" algn="l"/>
-                <a:tab pos="4000500" algn="l"/>
-                <a:tab pos="4457700" algn="l"/>
-                <a:tab pos="4914900" algn="l"/>
-                <a:tab pos="5372100" algn="l"/>
-                <a:tab pos="5829300" algn="l"/>
-                <a:tab pos="6286500" algn="l"/>
-                <a:tab pos="6743700" algn="l"/>
-                <a:tab pos="7200900" algn="l"/>
-                <a:tab pos="7658100" algn="l"/>
-                <a:tab pos="8115300" algn="l"/>
-                <a:tab pos="8572500" algn="l"/>
-                <a:tab pos="9029700" algn="l"/>
-                <a:tab pos="9486900" algn="l"/>
+                <a:tab pos="0" algn="l"/>
+                <a:tab pos="457200" algn="l"/>
+                <a:tab pos="914400" algn="l"/>
+                <a:tab pos="1371600" algn="l"/>
+                <a:tab pos="1828800" algn="l"/>
+                <a:tab pos="2286000" algn="l"/>
+                <a:tab pos="2743200" algn="l"/>
+                <a:tab pos="3200400" algn="l"/>
+                <a:tab pos="3657600" algn="l"/>
+                <a:tab pos="4114800" algn="l"/>
+                <a:tab pos="4572000" algn="l"/>
+                <a:tab pos="5029200" algn="l"/>
+                <a:tab pos="5486400" algn="l"/>
+                <a:tab pos="5943600" algn="l"/>
+                <a:tab pos="6400800" algn="l"/>
+                <a:tab pos="6858000" algn="l"/>
+                <a:tab pos="7315200" algn="l"/>
+                <a:tab pos="7772400" algn="l"/>
+                <a:tab pos="8229600" algn="l"/>
+                <a:tab pos="8686800" algn="l"/>
+                <a:tab pos="9144000" algn="l"/>
               </a:tabLst>
               <a:defRPr sz="2400">
                 <a:solidFill>
@@ -28524,27 +27303,27 @@
             </a:lvl2pPr>
             <a:lvl3pPr>
               <a:tabLst>
-                <a:tab pos="342900" algn="l"/>
-                <a:tab pos="800100" algn="l"/>
-                <a:tab pos="1257300" algn="l"/>
-                <a:tab pos="1714500" algn="l"/>
-                <a:tab pos="2171700" algn="l"/>
-                <a:tab pos="2628900" algn="l"/>
-                <a:tab pos="3086100" algn="l"/>
-                <a:tab pos="3543300" algn="l"/>
-                <a:tab pos="4000500" algn="l"/>
-                <a:tab pos="4457700" algn="l"/>
-                <a:tab pos="4914900" algn="l"/>
-                <a:tab pos="5372100" algn="l"/>
-                <a:tab pos="5829300" algn="l"/>
-                <a:tab pos="6286500" algn="l"/>
-                <a:tab pos="6743700" algn="l"/>
-                <a:tab pos="7200900" algn="l"/>
-                <a:tab pos="7658100" algn="l"/>
-                <a:tab pos="8115300" algn="l"/>
-                <a:tab pos="8572500" algn="l"/>
-                <a:tab pos="9029700" algn="l"/>
-                <a:tab pos="9486900" algn="l"/>
+                <a:tab pos="0" algn="l"/>
+                <a:tab pos="457200" algn="l"/>
+                <a:tab pos="914400" algn="l"/>
+                <a:tab pos="1371600" algn="l"/>
+                <a:tab pos="1828800" algn="l"/>
+                <a:tab pos="2286000" algn="l"/>
+                <a:tab pos="2743200" algn="l"/>
+                <a:tab pos="3200400" algn="l"/>
+                <a:tab pos="3657600" algn="l"/>
+                <a:tab pos="4114800" algn="l"/>
+                <a:tab pos="4572000" algn="l"/>
+                <a:tab pos="5029200" algn="l"/>
+                <a:tab pos="5486400" algn="l"/>
+                <a:tab pos="5943600" algn="l"/>
+                <a:tab pos="6400800" algn="l"/>
+                <a:tab pos="6858000" algn="l"/>
+                <a:tab pos="7315200" algn="l"/>
+                <a:tab pos="7772400" algn="l"/>
+                <a:tab pos="8229600" algn="l"/>
+                <a:tab pos="8686800" algn="l"/>
+                <a:tab pos="9144000" algn="l"/>
               </a:tabLst>
               <a:defRPr sz="2400">
                 <a:solidFill>
@@ -28557,27 +27336,27 @@
             </a:lvl3pPr>
             <a:lvl4pPr>
               <a:tabLst>
-                <a:tab pos="342900" algn="l"/>
-                <a:tab pos="800100" algn="l"/>
-                <a:tab pos="1257300" algn="l"/>
-                <a:tab pos="1714500" algn="l"/>
-                <a:tab pos="2171700" algn="l"/>
-                <a:tab pos="2628900" algn="l"/>
-                <a:tab pos="3086100" algn="l"/>
-                <a:tab pos="3543300" algn="l"/>
-                <a:tab pos="4000500" algn="l"/>
-                <a:tab pos="4457700" algn="l"/>
-                <a:tab pos="4914900" algn="l"/>
-                <a:tab pos="5372100" algn="l"/>
-                <a:tab pos="5829300" algn="l"/>
-                <a:tab pos="6286500" algn="l"/>
-                <a:tab pos="6743700" algn="l"/>
-                <a:tab pos="7200900" algn="l"/>
-                <a:tab pos="7658100" algn="l"/>
-                <a:tab pos="8115300" algn="l"/>
-                <a:tab pos="8572500" algn="l"/>
-                <a:tab pos="9029700" algn="l"/>
-                <a:tab pos="9486900" algn="l"/>
+                <a:tab pos="0" algn="l"/>
+                <a:tab pos="457200" algn="l"/>
+                <a:tab pos="914400" algn="l"/>
+                <a:tab pos="1371600" algn="l"/>
+                <a:tab pos="1828800" algn="l"/>
+                <a:tab pos="2286000" algn="l"/>
+                <a:tab pos="2743200" algn="l"/>
+                <a:tab pos="3200400" algn="l"/>
+                <a:tab pos="3657600" algn="l"/>
+                <a:tab pos="4114800" algn="l"/>
+                <a:tab pos="4572000" algn="l"/>
+                <a:tab pos="5029200" algn="l"/>
+                <a:tab pos="5486400" algn="l"/>
+                <a:tab pos="5943600" algn="l"/>
+                <a:tab pos="6400800" algn="l"/>
+                <a:tab pos="6858000" algn="l"/>
+                <a:tab pos="7315200" algn="l"/>
+                <a:tab pos="7772400" algn="l"/>
+                <a:tab pos="8229600" algn="l"/>
+                <a:tab pos="8686800" algn="l"/>
+                <a:tab pos="9144000" algn="l"/>
               </a:tabLst>
               <a:defRPr sz="2400">
                 <a:solidFill>
@@ -28590,27 +27369,27 @@
             </a:lvl4pPr>
             <a:lvl5pPr>
               <a:tabLst>
-                <a:tab pos="342900" algn="l"/>
-                <a:tab pos="800100" algn="l"/>
-                <a:tab pos="1257300" algn="l"/>
-                <a:tab pos="1714500" algn="l"/>
-                <a:tab pos="2171700" algn="l"/>
-                <a:tab pos="2628900" algn="l"/>
-                <a:tab pos="3086100" algn="l"/>
-                <a:tab pos="3543300" algn="l"/>
-                <a:tab pos="4000500" algn="l"/>
-                <a:tab pos="4457700" algn="l"/>
-                <a:tab pos="4914900" algn="l"/>
-                <a:tab pos="5372100" algn="l"/>
-                <a:tab pos="5829300" algn="l"/>
-                <a:tab pos="6286500" algn="l"/>
-                <a:tab pos="6743700" algn="l"/>
-                <a:tab pos="7200900" algn="l"/>
-                <a:tab pos="7658100" algn="l"/>
-                <a:tab pos="8115300" algn="l"/>
-                <a:tab pos="8572500" algn="l"/>
-                <a:tab pos="9029700" algn="l"/>
-                <a:tab pos="9486900" algn="l"/>
+                <a:tab pos="0" algn="l"/>
+                <a:tab pos="457200" algn="l"/>
+                <a:tab pos="914400" algn="l"/>
+                <a:tab pos="1371600" algn="l"/>
+                <a:tab pos="1828800" algn="l"/>
+                <a:tab pos="2286000" algn="l"/>
+                <a:tab pos="2743200" algn="l"/>
+                <a:tab pos="3200400" algn="l"/>
+                <a:tab pos="3657600" algn="l"/>
+                <a:tab pos="4114800" algn="l"/>
+                <a:tab pos="4572000" algn="l"/>
+                <a:tab pos="5029200" algn="l"/>
+                <a:tab pos="5486400" algn="l"/>
+                <a:tab pos="5943600" algn="l"/>
+                <a:tab pos="6400800" algn="l"/>
+                <a:tab pos="6858000" algn="l"/>
+                <a:tab pos="7315200" algn="l"/>
+                <a:tab pos="7772400" algn="l"/>
+                <a:tab pos="8229600" algn="l"/>
+                <a:tab pos="8686800" algn="l"/>
+                <a:tab pos="9144000" algn="l"/>
               </a:tabLst>
               <a:defRPr sz="2400">
                 <a:solidFill>
@@ -28637,27 +27416,27 @@
               <a:buSzPct val="100000"/>
               <a:buFont typeface="Times New Roman" charset="0"/>
               <a:tabLst>
-                <a:tab pos="342900" algn="l"/>
-                <a:tab pos="800100" algn="l"/>
-                <a:tab pos="1257300" algn="l"/>
-                <a:tab pos="1714500" algn="l"/>
-                <a:tab pos="2171700" algn="l"/>
-                <a:tab pos="2628900" algn="l"/>
-                <a:tab pos="3086100" algn="l"/>
-                <a:tab pos="3543300" algn="l"/>
-                <a:tab pos="4000500" algn="l"/>
-                <a:tab pos="4457700" algn="l"/>
-                <a:tab pos="4914900" algn="l"/>
-                <a:tab pos="5372100" algn="l"/>
-                <a:tab pos="5829300" algn="l"/>
-                <a:tab pos="6286500" algn="l"/>
-                <a:tab pos="6743700" algn="l"/>
-                <a:tab pos="7200900" algn="l"/>
-                <a:tab pos="7658100" algn="l"/>
-                <a:tab pos="8115300" algn="l"/>
-                <a:tab pos="8572500" algn="l"/>
-                <a:tab pos="9029700" algn="l"/>
-                <a:tab pos="9486900" algn="l"/>
+                <a:tab pos="0" algn="l"/>
+                <a:tab pos="457200" algn="l"/>
+                <a:tab pos="914400" algn="l"/>
+                <a:tab pos="1371600" algn="l"/>
+                <a:tab pos="1828800" algn="l"/>
+                <a:tab pos="2286000" algn="l"/>
+                <a:tab pos="2743200" algn="l"/>
+                <a:tab pos="3200400" algn="l"/>
+                <a:tab pos="3657600" algn="l"/>
+                <a:tab pos="4114800" algn="l"/>
+                <a:tab pos="4572000" algn="l"/>
+                <a:tab pos="5029200" algn="l"/>
+                <a:tab pos="5486400" algn="l"/>
+                <a:tab pos="5943600" algn="l"/>
+                <a:tab pos="6400800" algn="l"/>
+                <a:tab pos="6858000" algn="l"/>
+                <a:tab pos="7315200" algn="l"/>
+                <a:tab pos="7772400" algn="l"/>
+                <a:tab pos="8229600" algn="l"/>
+                <a:tab pos="8686800" algn="l"/>
+                <a:tab pos="9144000" algn="l"/>
               </a:tabLst>
               <a:defRPr sz="2400">
                 <a:solidFill>
@@ -28684,27 +27463,27 @@
               <a:buSzPct val="100000"/>
               <a:buFont typeface="Times New Roman" charset="0"/>
               <a:tabLst>
-                <a:tab pos="342900" algn="l"/>
-                <a:tab pos="800100" algn="l"/>
-                <a:tab pos="1257300" algn="l"/>
-                <a:tab pos="1714500" algn="l"/>
-                <a:tab pos="2171700" algn="l"/>
-                <a:tab pos="2628900" algn="l"/>
-                <a:tab pos="3086100" algn="l"/>
-                <a:tab pos="3543300" algn="l"/>
-                <a:tab pos="4000500" algn="l"/>
-                <a:tab pos="4457700" algn="l"/>
-                <a:tab pos="4914900" algn="l"/>
-                <a:tab pos="5372100" algn="l"/>
-                <a:tab pos="5829300" algn="l"/>
-                <a:tab pos="6286500" algn="l"/>
-                <a:tab pos="6743700" algn="l"/>
-                <a:tab pos="7200900" algn="l"/>
-                <a:tab pos="7658100" algn="l"/>
-                <a:tab pos="8115300" algn="l"/>
-                <a:tab pos="8572500" algn="l"/>
-                <a:tab pos="9029700" algn="l"/>
-                <a:tab pos="9486900" algn="l"/>
+                <a:tab pos="0" algn="l"/>
+                <a:tab pos="457200" algn="l"/>
+                <a:tab pos="914400" algn="l"/>
+                <a:tab pos="1371600" algn="l"/>
+                <a:tab pos="1828800" algn="l"/>
+                <a:tab pos="2286000" algn="l"/>
+                <a:tab pos="2743200" algn="l"/>
+                <a:tab pos="3200400" algn="l"/>
+                <a:tab pos="3657600" algn="l"/>
+                <a:tab pos="4114800" algn="l"/>
+                <a:tab pos="4572000" algn="l"/>
+                <a:tab pos="5029200" algn="l"/>
+                <a:tab pos="5486400" algn="l"/>
+                <a:tab pos="5943600" algn="l"/>
+                <a:tab pos="6400800" algn="l"/>
+                <a:tab pos="6858000" algn="l"/>
+                <a:tab pos="7315200" algn="l"/>
+                <a:tab pos="7772400" algn="l"/>
+                <a:tab pos="8229600" algn="l"/>
+                <a:tab pos="8686800" algn="l"/>
+                <a:tab pos="9144000" algn="l"/>
               </a:tabLst>
               <a:defRPr sz="2400">
                 <a:solidFill>
@@ -28731,27 +27510,27 @@
               <a:buSzPct val="100000"/>
               <a:buFont typeface="Times New Roman" charset="0"/>
               <a:tabLst>
-                <a:tab pos="342900" algn="l"/>
-                <a:tab pos="800100" algn="l"/>
-                <a:tab pos="1257300" algn="l"/>
-                <a:tab pos="1714500" algn="l"/>
-                <a:tab pos="2171700" algn="l"/>
-                <a:tab pos="2628900" algn="l"/>
-                <a:tab pos="3086100" algn="l"/>
-                <a:tab pos="3543300" algn="l"/>
-                <a:tab pos="4000500" algn="l"/>
-                <a:tab pos="4457700" algn="l"/>
-                <a:tab pos="4914900" algn="l"/>
-                <a:tab pos="5372100" algn="l"/>
-                <a:tab pos="5829300" algn="l"/>
-                <a:tab pos="6286500" algn="l"/>
-                <a:tab pos="6743700" algn="l"/>
-                <a:tab pos="7200900" algn="l"/>
-                <a:tab pos="7658100" algn="l"/>
-                <a:tab pos="8115300" algn="l"/>
-                <a:tab pos="8572500" algn="l"/>
-                <a:tab pos="9029700" algn="l"/>
-                <a:tab pos="9486900" algn="l"/>
+                <a:tab pos="0" algn="l"/>
+                <a:tab pos="457200" algn="l"/>
+                <a:tab pos="914400" algn="l"/>
+                <a:tab pos="1371600" algn="l"/>
+                <a:tab pos="1828800" algn="l"/>
+                <a:tab pos="2286000" algn="l"/>
+                <a:tab pos="2743200" algn="l"/>
+                <a:tab pos="3200400" algn="l"/>
+                <a:tab pos="3657600" algn="l"/>
+                <a:tab pos="4114800" algn="l"/>
+                <a:tab pos="4572000" algn="l"/>
+                <a:tab pos="5029200" algn="l"/>
+                <a:tab pos="5486400" algn="l"/>
+                <a:tab pos="5943600" algn="l"/>
+                <a:tab pos="6400800" algn="l"/>
+                <a:tab pos="6858000" algn="l"/>
+                <a:tab pos="7315200" algn="l"/>
+                <a:tab pos="7772400" algn="l"/>
+                <a:tab pos="8229600" algn="l"/>
+                <a:tab pos="8686800" algn="l"/>
+                <a:tab pos="9144000" algn="l"/>
               </a:tabLst>
               <a:defRPr sz="2400">
                 <a:solidFill>
@@ -28778,27 +27557,27 @@
               <a:buSzPct val="100000"/>
               <a:buFont typeface="Times New Roman" charset="0"/>
               <a:tabLst>
-                <a:tab pos="342900" algn="l"/>
-                <a:tab pos="800100" algn="l"/>
-                <a:tab pos="1257300" algn="l"/>
-                <a:tab pos="1714500" algn="l"/>
-                <a:tab pos="2171700" algn="l"/>
-                <a:tab pos="2628900" algn="l"/>
-                <a:tab pos="3086100" algn="l"/>
-                <a:tab pos="3543300" algn="l"/>
-                <a:tab pos="4000500" algn="l"/>
-                <a:tab pos="4457700" algn="l"/>
-                <a:tab pos="4914900" algn="l"/>
-                <a:tab pos="5372100" algn="l"/>
-                <a:tab pos="5829300" algn="l"/>
-                <a:tab pos="6286500" algn="l"/>
-                <a:tab pos="6743700" algn="l"/>
-                <a:tab pos="7200900" algn="l"/>
-                <a:tab pos="7658100" algn="l"/>
-                <a:tab pos="8115300" algn="l"/>
-                <a:tab pos="8572500" algn="l"/>
-                <a:tab pos="9029700" algn="l"/>
-                <a:tab pos="9486900" algn="l"/>
+                <a:tab pos="0" algn="l"/>
+                <a:tab pos="457200" algn="l"/>
+                <a:tab pos="914400" algn="l"/>
+                <a:tab pos="1371600" algn="l"/>
+                <a:tab pos="1828800" algn="l"/>
+                <a:tab pos="2286000" algn="l"/>
+                <a:tab pos="2743200" algn="l"/>
+                <a:tab pos="3200400" algn="l"/>
+                <a:tab pos="3657600" algn="l"/>
+                <a:tab pos="4114800" algn="l"/>
+                <a:tab pos="4572000" algn="l"/>
+                <a:tab pos="5029200" algn="l"/>
+                <a:tab pos="5486400" algn="l"/>
+                <a:tab pos="5943600" algn="l"/>
+                <a:tab pos="6400800" algn="l"/>
+                <a:tab pos="6858000" algn="l"/>
+                <a:tab pos="7315200" algn="l"/>
+                <a:tab pos="7772400" algn="l"/>
+                <a:tab pos="8229600" algn="l"/>
+                <a:tab pos="8686800" algn="l"/>
+                <a:tab pos="9144000" algn="l"/>
               </a:tabLst>
               <a:defRPr sz="2400">
                 <a:solidFill>
@@ -28811,7 +27590,7 @@
             </a:lvl9pPr>
           </a:lstStyle>
           <a:p>
-            <a:pPr algn="ctr">
+            <a:pPr>
               <a:lnSpc>
                 <a:spcPct val="97000"/>
               </a:lnSpc>
@@ -28822,17 +27601,17 @@
               <a:defRPr/>
             </a:pPr>
             <a:r>
-              <a:rPr lang="en-US" sz="4400" b="1" dirty="0">
+              <a:rPr lang="en-GB" sz="4400" b="1" dirty="0">
                 <a:latin typeface="Trebuchet MS" charset="0"/>
               </a:rPr>
-              <a:t>NTP Exercises</a:t>
+              <a:t>Step 5: Start NTP!</a:t>
             </a:r>
           </a:p>
         </p:txBody>
       </p:sp>
       <p:sp>
         <p:nvSpPr>
-          <p:cNvPr id="19458" name="Text Box 2"/>
+          <p:cNvPr id="17410" name="Text Box 2"/>
           <p:cNvSpPr txBox="1">
             <a:spLocks noChangeArrowheads="1"/>
           </p:cNvSpPr>
@@ -28840,8 +27619,8 @@
         </p:nvSpPr>
         <p:spPr bwMode="auto">
           <a:xfrm>
-            <a:off x="1512888" y="4160837"/>
-            <a:ext cx="7056437" cy="1931988"/>
+            <a:off x="503238" y="1768475"/>
+            <a:ext cx="9072562" cy="4989513"/>
           </a:xfrm>
           <a:prstGeom prst="rect">
             <a:avLst/>
@@ -28883,15 +27662,771 @@
           </a:extLst>
         </p:spPr>
         <p:txBody>
-          <a:bodyPr wrap="none" anchor="ctr"/>
+          <a:bodyPr lIns="0" tIns="0" rIns="0" bIns="0"/>
+          <a:lstStyle>
+            <a:lvl1pPr marL="428625" indent="-323850">
+              <a:tabLst>
+                <a:tab pos="428625" algn="l"/>
+                <a:tab pos="885825" algn="l"/>
+                <a:tab pos="1343025" algn="l"/>
+                <a:tab pos="1800225" algn="l"/>
+                <a:tab pos="2257425" algn="l"/>
+                <a:tab pos="2714625" algn="l"/>
+                <a:tab pos="3171825" algn="l"/>
+                <a:tab pos="3629025" algn="l"/>
+                <a:tab pos="4086225" algn="l"/>
+                <a:tab pos="4543425" algn="l"/>
+                <a:tab pos="5000625" algn="l"/>
+                <a:tab pos="5457825" algn="l"/>
+                <a:tab pos="5915025" algn="l"/>
+                <a:tab pos="6372225" algn="l"/>
+                <a:tab pos="6829425" algn="l"/>
+                <a:tab pos="7286625" algn="l"/>
+                <a:tab pos="7743825" algn="l"/>
+                <a:tab pos="8201025" algn="l"/>
+                <a:tab pos="8658225" algn="l"/>
+                <a:tab pos="9115425" algn="l"/>
+                <a:tab pos="9572625" algn="l"/>
+              </a:tabLst>
+              <a:defRPr sz="2400">
+                <a:solidFill>
+                  <a:srgbClr val="000000"/>
+                </a:solidFill>
+                <a:latin typeface="Arial" charset="0"/>
+                <a:ea typeface="ＭＳ Ｐゴシック" charset="0"/>
+                <a:cs typeface="DejaVu Sans" charset="0"/>
+              </a:defRPr>
+            </a:lvl1pPr>
+            <a:lvl2pPr>
+              <a:tabLst>
+                <a:tab pos="428625" algn="l"/>
+                <a:tab pos="885825" algn="l"/>
+                <a:tab pos="1343025" algn="l"/>
+                <a:tab pos="1800225" algn="l"/>
+                <a:tab pos="2257425" algn="l"/>
+                <a:tab pos="2714625" algn="l"/>
+                <a:tab pos="3171825" algn="l"/>
+                <a:tab pos="3629025" algn="l"/>
+                <a:tab pos="4086225" algn="l"/>
+                <a:tab pos="4543425" algn="l"/>
+                <a:tab pos="5000625" algn="l"/>
+                <a:tab pos="5457825" algn="l"/>
+                <a:tab pos="5915025" algn="l"/>
+                <a:tab pos="6372225" algn="l"/>
+                <a:tab pos="6829425" algn="l"/>
+                <a:tab pos="7286625" algn="l"/>
+                <a:tab pos="7743825" algn="l"/>
+                <a:tab pos="8201025" algn="l"/>
+                <a:tab pos="8658225" algn="l"/>
+                <a:tab pos="9115425" algn="l"/>
+                <a:tab pos="9572625" algn="l"/>
+              </a:tabLst>
+              <a:defRPr sz="2400">
+                <a:solidFill>
+                  <a:srgbClr val="000000"/>
+                </a:solidFill>
+                <a:latin typeface="Arial" charset="0"/>
+                <a:ea typeface="ＭＳ Ｐゴシック" charset="0"/>
+                <a:cs typeface="DejaVu Sans" charset="0"/>
+              </a:defRPr>
+            </a:lvl2pPr>
+            <a:lvl3pPr>
+              <a:tabLst>
+                <a:tab pos="428625" algn="l"/>
+                <a:tab pos="885825" algn="l"/>
+                <a:tab pos="1343025" algn="l"/>
+                <a:tab pos="1800225" algn="l"/>
+                <a:tab pos="2257425" algn="l"/>
+                <a:tab pos="2714625" algn="l"/>
+                <a:tab pos="3171825" algn="l"/>
+                <a:tab pos="3629025" algn="l"/>
+                <a:tab pos="4086225" algn="l"/>
+                <a:tab pos="4543425" algn="l"/>
+                <a:tab pos="5000625" algn="l"/>
+                <a:tab pos="5457825" algn="l"/>
+                <a:tab pos="5915025" algn="l"/>
+                <a:tab pos="6372225" algn="l"/>
+                <a:tab pos="6829425" algn="l"/>
+                <a:tab pos="7286625" algn="l"/>
+                <a:tab pos="7743825" algn="l"/>
+                <a:tab pos="8201025" algn="l"/>
+                <a:tab pos="8658225" algn="l"/>
+                <a:tab pos="9115425" algn="l"/>
+                <a:tab pos="9572625" algn="l"/>
+              </a:tabLst>
+              <a:defRPr sz="2400">
+                <a:solidFill>
+                  <a:srgbClr val="000000"/>
+                </a:solidFill>
+                <a:latin typeface="Arial" charset="0"/>
+                <a:ea typeface="ＭＳ Ｐゴシック" charset="0"/>
+                <a:cs typeface="DejaVu Sans" charset="0"/>
+              </a:defRPr>
+            </a:lvl3pPr>
+            <a:lvl4pPr>
+              <a:tabLst>
+                <a:tab pos="428625" algn="l"/>
+                <a:tab pos="885825" algn="l"/>
+                <a:tab pos="1343025" algn="l"/>
+                <a:tab pos="1800225" algn="l"/>
+                <a:tab pos="2257425" algn="l"/>
+                <a:tab pos="2714625" algn="l"/>
+                <a:tab pos="3171825" algn="l"/>
+                <a:tab pos="3629025" algn="l"/>
+                <a:tab pos="4086225" algn="l"/>
+                <a:tab pos="4543425" algn="l"/>
+                <a:tab pos="5000625" algn="l"/>
+                <a:tab pos="5457825" algn="l"/>
+                <a:tab pos="5915025" algn="l"/>
+                <a:tab pos="6372225" algn="l"/>
+                <a:tab pos="6829425" algn="l"/>
+                <a:tab pos="7286625" algn="l"/>
+                <a:tab pos="7743825" algn="l"/>
+                <a:tab pos="8201025" algn="l"/>
+                <a:tab pos="8658225" algn="l"/>
+                <a:tab pos="9115425" algn="l"/>
+                <a:tab pos="9572625" algn="l"/>
+              </a:tabLst>
+              <a:defRPr sz="2400">
+                <a:solidFill>
+                  <a:srgbClr val="000000"/>
+                </a:solidFill>
+                <a:latin typeface="Arial" charset="0"/>
+                <a:ea typeface="ＭＳ Ｐゴシック" charset="0"/>
+                <a:cs typeface="DejaVu Sans" charset="0"/>
+              </a:defRPr>
+            </a:lvl4pPr>
+            <a:lvl5pPr>
+              <a:tabLst>
+                <a:tab pos="428625" algn="l"/>
+                <a:tab pos="885825" algn="l"/>
+                <a:tab pos="1343025" algn="l"/>
+                <a:tab pos="1800225" algn="l"/>
+                <a:tab pos="2257425" algn="l"/>
+                <a:tab pos="2714625" algn="l"/>
+                <a:tab pos="3171825" algn="l"/>
+                <a:tab pos="3629025" algn="l"/>
+                <a:tab pos="4086225" algn="l"/>
+                <a:tab pos="4543425" algn="l"/>
+                <a:tab pos="5000625" algn="l"/>
+                <a:tab pos="5457825" algn="l"/>
+                <a:tab pos="5915025" algn="l"/>
+                <a:tab pos="6372225" algn="l"/>
+                <a:tab pos="6829425" algn="l"/>
+                <a:tab pos="7286625" algn="l"/>
+                <a:tab pos="7743825" algn="l"/>
+                <a:tab pos="8201025" algn="l"/>
+                <a:tab pos="8658225" algn="l"/>
+                <a:tab pos="9115425" algn="l"/>
+                <a:tab pos="9572625" algn="l"/>
+              </a:tabLst>
+              <a:defRPr sz="2400">
+                <a:solidFill>
+                  <a:srgbClr val="000000"/>
+                </a:solidFill>
+                <a:latin typeface="Arial" charset="0"/>
+                <a:ea typeface="ＭＳ Ｐゴシック" charset="0"/>
+                <a:cs typeface="DejaVu Sans" charset="0"/>
+              </a:defRPr>
+            </a:lvl5pPr>
+            <a:lvl6pPr marL="2514600" indent="-228600" fontAlgn="base" hangingPunct="0">
+              <a:lnSpc>
+                <a:spcPct val="96000"/>
+              </a:lnSpc>
+              <a:spcBef>
+                <a:spcPct val="0"/>
+              </a:spcBef>
+              <a:spcAft>
+                <a:spcPct val="0"/>
+              </a:spcAft>
+              <a:buClr>
+                <a:srgbClr val="000000"/>
+              </a:buClr>
+              <a:buSzPct val="100000"/>
+              <a:buFont typeface="Times New Roman" charset="0"/>
+              <a:tabLst>
+                <a:tab pos="428625" algn="l"/>
+                <a:tab pos="885825" algn="l"/>
+                <a:tab pos="1343025" algn="l"/>
+                <a:tab pos="1800225" algn="l"/>
+                <a:tab pos="2257425" algn="l"/>
+                <a:tab pos="2714625" algn="l"/>
+                <a:tab pos="3171825" algn="l"/>
+                <a:tab pos="3629025" algn="l"/>
+                <a:tab pos="4086225" algn="l"/>
+                <a:tab pos="4543425" algn="l"/>
+                <a:tab pos="5000625" algn="l"/>
+                <a:tab pos="5457825" algn="l"/>
+                <a:tab pos="5915025" algn="l"/>
+                <a:tab pos="6372225" algn="l"/>
+                <a:tab pos="6829425" algn="l"/>
+                <a:tab pos="7286625" algn="l"/>
+                <a:tab pos="7743825" algn="l"/>
+                <a:tab pos="8201025" algn="l"/>
+                <a:tab pos="8658225" algn="l"/>
+                <a:tab pos="9115425" algn="l"/>
+                <a:tab pos="9572625" algn="l"/>
+              </a:tabLst>
+              <a:defRPr sz="2400">
+                <a:solidFill>
+                  <a:srgbClr val="000000"/>
+                </a:solidFill>
+                <a:latin typeface="Arial" charset="0"/>
+                <a:ea typeface="ＭＳ Ｐゴシック" charset="0"/>
+                <a:cs typeface="DejaVu Sans" charset="0"/>
+              </a:defRPr>
+            </a:lvl6pPr>
+            <a:lvl7pPr marL="2971800" indent="-228600" fontAlgn="base" hangingPunct="0">
+              <a:lnSpc>
+                <a:spcPct val="96000"/>
+              </a:lnSpc>
+              <a:spcBef>
+                <a:spcPct val="0"/>
+              </a:spcBef>
+              <a:spcAft>
+                <a:spcPct val="0"/>
+              </a:spcAft>
+              <a:buClr>
+                <a:srgbClr val="000000"/>
+              </a:buClr>
+              <a:buSzPct val="100000"/>
+              <a:buFont typeface="Times New Roman" charset="0"/>
+              <a:tabLst>
+                <a:tab pos="428625" algn="l"/>
+                <a:tab pos="885825" algn="l"/>
+                <a:tab pos="1343025" algn="l"/>
+                <a:tab pos="1800225" algn="l"/>
+                <a:tab pos="2257425" algn="l"/>
+                <a:tab pos="2714625" algn="l"/>
+                <a:tab pos="3171825" algn="l"/>
+                <a:tab pos="3629025" algn="l"/>
+                <a:tab pos="4086225" algn="l"/>
+                <a:tab pos="4543425" algn="l"/>
+                <a:tab pos="5000625" algn="l"/>
+                <a:tab pos="5457825" algn="l"/>
+                <a:tab pos="5915025" algn="l"/>
+                <a:tab pos="6372225" algn="l"/>
+                <a:tab pos="6829425" algn="l"/>
+                <a:tab pos="7286625" algn="l"/>
+                <a:tab pos="7743825" algn="l"/>
+                <a:tab pos="8201025" algn="l"/>
+                <a:tab pos="8658225" algn="l"/>
+                <a:tab pos="9115425" algn="l"/>
+                <a:tab pos="9572625" algn="l"/>
+              </a:tabLst>
+              <a:defRPr sz="2400">
+                <a:solidFill>
+                  <a:srgbClr val="000000"/>
+                </a:solidFill>
+                <a:latin typeface="Arial" charset="0"/>
+                <a:ea typeface="ＭＳ Ｐゴシック" charset="0"/>
+                <a:cs typeface="DejaVu Sans" charset="0"/>
+              </a:defRPr>
+            </a:lvl7pPr>
+            <a:lvl8pPr marL="3429000" indent="-228600" fontAlgn="base" hangingPunct="0">
+              <a:lnSpc>
+                <a:spcPct val="96000"/>
+              </a:lnSpc>
+              <a:spcBef>
+                <a:spcPct val="0"/>
+              </a:spcBef>
+              <a:spcAft>
+                <a:spcPct val="0"/>
+              </a:spcAft>
+              <a:buClr>
+                <a:srgbClr val="000000"/>
+              </a:buClr>
+              <a:buSzPct val="100000"/>
+              <a:buFont typeface="Times New Roman" charset="0"/>
+              <a:tabLst>
+                <a:tab pos="428625" algn="l"/>
+                <a:tab pos="885825" algn="l"/>
+                <a:tab pos="1343025" algn="l"/>
+                <a:tab pos="1800225" algn="l"/>
+                <a:tab pos="2257425" algn="l"/>
+                <a:tab pos="2714625" algn="l"/>
+                <a:tab pos="3171825" algn="l"/>
+                <a:tab pos="3629025" algn="l"/>
+                <a:tab pos="4086225" algn="l"/>
+                <a:tab pos="4543425" algn="l"/>
+                <a:tab pos="5000625" algn="l"/>
+                <a:tab pos="5457825" algn="l"/>
+                <a:tab pos="5915025" algn="l"/>
+                <a:tab pos="6372225" algn="l"/>
+                <a:tab pos="6829425" algn="l"/>
+                <a:tab pos="7286625" algn="l"/>
+                <a:tab pos="7743825" algn="l"/>
+                <a:tab pos="8201025" algn="l"/>
+                <a:tab pos="8658225" algn="l"/>
+                <a:tab pos="9115425" algn="l"/>
+                <a:tab pos="9572625" algn="l"/>
+              </a:tabLst>
+              <a:defRPr sz="2400">
+                <a:solidFill>
+                  <a:srgbClr val="000000"/>
+                </a:solidFill>
+                <a:latin typeface="Arial" charset="0"/>
+                <a:ea typeface="ＭＳ Ｐゴシック" charset="0"/>
+                <a:cs typeface="DejaVu Sans" charset="0"/>
+              </a:defRPr>
+            </a:lvl8pPr>
+            <a:lvl9pPr marL="3886200" indent="-228600" fontAlgn="base" hangingPunct="0">
+              <a:lnSpc>
+                <a:spcPct val="96000"/>
+              </a:lnSpc>
+              <a:spcBef>
+                <a:spcPct val="0"/>
+              </a:spcBef>
+              <a:spcAft>
+                <a:spcPct val="0"/>
+              </a:spcAft>
+              <a:buClr>
+                <a:srgbClr val="000000"/>
+              </a:buClr>
+              <a:buSzPct val="100000"/>
+              <a:buFont typeface="Times New Roman" charset="0"/>
+              <a:tabLst>
+                <a:tab pos="428625" algn="l"/>
+                <a:tab pos="885825" algn="l"/>
+                <a:tab pos="1343025" algn="l"/>
+                <a:tab pos="1800225" algn="l"/>
+                <a:tab pos="2257425" algn="l"/>
+                <a:tab pos="2714625" algn="l"/>
+                <a:tab pos="3171825" algn="l"/>
+                <a:tab pos="3629025" algn="l"/>
+                <a:tab pos="4086225" algn="l"/>
+                <a:tab pos="4543425" algn="l"/>
+                <a:tab pos="5000625" algn="l"/>
+                <a:tab pos="5457825" algn="l"/>
+                <a:tab pos="5915025" algn="l"/>
+                <a:tab pos="6372225" algn="l"/>
+                <a:tab pos="6829425" algn="l"/>
+                <a:tab pos="7286625" algn="l"/>
+                <a:tab pos="7743825" algn="l"/>
+                <a:tab pos="8201025" algn="l"/>
+                <a:tab pos="8658225" algn="l"/>
+                <a:tab pos="9115425" algn="l"/>
+                <a:tab pos="9572625" algn="l"/>
+              </a:tabLst>
+              <a:defRPr sz="2400">
+                <a:solidFill>
+                  <a:srgbClr val="000000"/>
+                </a:solidFill>
+                <a:latin typeface="Arial" charset="0"/>
+                <a:ea typeface="ＭＳ Ｐゴシック" charset="0"/>
+                <a:cs typeface="DejaVu Sans" charset="0"/>
+              </a:defRPr>
+            </a:lvl9pPr>
+          </a:lstStyle>
+          <a:p>
+            <a:pPr>
+              <a:lnSpc>
+                <a:spcPct val="83000"/>
+              </a:lnSpc>
+              <a:spcAft>
+                <a:spcPts val="1413"/>
+              </a:spcAft>
+              <a:buClr>
+                <a:srgbClr val="FF6309"/>
+              </a:buClr>
+              <a:buSzPct val="45000"/>
+              <a:buFont typeface="Wingdings" charset="0"/>
+              <a:buChar char=""/>
+              <a:defRPr/>
+            </a:pPr>
+            <a:r>
+              <a:rPr lang="en-GB" sz="3200" dirty="0">
+                <a:latin typeface="Courier" charset="0"/>
+                <a:ea typeface="Courier" charset="0"/>
+                <a:cs typeface="Courier" charset="0"/>
+              </a:rPr>
+              <a:t>$ </a:t>
+            </a:r>
+            <a:r>
+              <a:rPr lang="en-GB" sz="3200" dirty="0" err="1">
+                <a:latin typeface="Courier" charset="0"/>
+                <a:ea typeface="Courier" charset="0"/>
+                <a:cs typeface="Courier" charset="0"/>
+              </a:rPr>
+              <a:t>sudo</a:t>
+            </a:r>
+            <a:r>
+              <a:rPr lang="en-GB" sz="3200" dirty="0">
+                <a:latin typeface="Courier" charset="0"/>
+                <a:ea typeface="Courier" charset="0"/>
+                <a:cs typeface="Courier" charset="0"/>
+              </a:rPr>
+              <a:t> /</a:t>
+            </a:r>
+            <a:r>
+              <a:rPr lang="en-GB" sz="3200" dirty="0" err="1">
+                <a:latin typeface="Courier" charset="0"/>
+                <a:ea typeface="Courier" charset="0"/>
+                <a:cs typeface="Courier" charset="0"/>
+              </a:rPr>
+              <a:t>etc</a:t>
+            </a:r>
+            <a:r>
+              <a:rPr lang="en-GB" sz="3200" dirty="0">
+                <a:latin typeface="Courier" charset="0"/>
+                <a:ea typeface="Courier" charset="0"/>
+                <a:cs typeface="Courier" charset="0"/>
+              </a:rPr>
+              <a:t>/</a:t>
+            </a:r>
+            <a:r>
+              <a:rPr lang="en-GB" sz="3200" dirty="0" err="1">
+                <a:latin typeface="Courier" charset="0"/>
+                <a:ea typeface="Courier" charset="0"/>
+                <a:cs typeface="Courier" charset="0"/>
+              </a:rPr>
+              <a:t>init.d</a:t>
+            </a:r>
+            <a:r>
+              <a:rPr lang="en-GB" sz="3200" dirty="0">
+                <a:latin typeface="Courier" charset="0"/>
+                <a:ea typeface="Courier" charset="0"/>
+                <a:cs typeface="Courier" charset="0"/>
+              </a:rPr>
+              <a:t>/</a:t>
+            </a:r>
+            <a:r>
+              <a:rPr lang="en-GB" sz="3200" dirty="0" err="1">
+                <a:latin typeface="Courier" charset="0"/>
+                <a:ea typeface="Courier" charset="0"/>
+                <a:cs typeface="Courier" charset="0"/>
+              </a:rPr>
+              <a:t>ntp</a:t>
+            </a:r>
+            <a:r>
+              <a:rPr lang="en-GB" sz="3200" dirty="0">
+                <a:latin typeface="Courier" charset="0"/>
+                <a:ea typeface="Courier" charset="0"/>
+                <a:cs typeface="Courier" charset="0"/>
+              </a:rPr>
+              <a:t> start</a:t>
+            </a:r>
+          </a:p>
+          <a:p>
+            <a:pPr>
+              <a:lnSpc>
+                <a:spcPct val="83000"/>
+              </a:lnSpc>
+              <a:spcAft>
+                <a:spcPts val="1413"/>
+              </a:spcAft>
+              <a:buClr>
+                <a:srgbClr val="FF6309"/>
+              </a:buClr>
+              <a:buSzPct val="45000"/>
+              <a:buFont typeface="Wingdings" charset="0"/>
+              <a:buChar char=""/>
+              <a:defRPr/>
+            </a:pPr>
+            <a:r>
+              <a:rPr lang="en-GB" sz="3200" dirty="0">
+                <a:latin typeface="Courier" charset="0"/>
+                <a:ea typeface="Courier" charset="0"/>
+                <a:cs typeface="Courier" charset="0"/>
+              </a:rPr>
+              <a:t>Or</a:t>
+            </a:r>
+          </a:p>
+          <a:p>
+            <a:pPr>
+              <a:lnSpc>
+                <a:spcPct val="83000"/>
+              </a:lnSpc>
+              <a:spcAft>
+                <a:spcPts val="1413"/>
+              </a:spcAft>
+              <a:buClr>
+                <a:srgbClr val="FF6309"/>
+              </a:buClr>
+              <a:buSzPct val="45000"/>
+              <a:buFont typeface="Wingdings" charset="0"/>
+              <a:buChar char=""/>
+              <a:defRPr/>
+            </a:pPr>
+            <a:r>
+              <a:rPr lang="en-GB" sz="3200" dirty="0">
+                <a:latin typeface="Courier" charset="0"/>
+                <a:ea typeface="Courier" charset="0"/>
+                <a:cs typeface="Courier" charset="0"/>
+              </a:rPr>
+              <a:t>$ </a:t>
+            </a:r>
+            <a:r>
+              <a:rPr lang="en-GB" sz="3200" dirty="0" err="1">
+                <a:latin typeface="Courier" charset="0"/>
+                <a:ea typeface="Courier" charset="0"/>
+                <a:cs typeface="Courier" charset="0"/>
+              </a:rPr>
+              <a:t>sudo</a:t>
+            </a:r>
+            <a:r>
+              <a:rPr lang="en-GB" sz="3200" dirty="0">
+                <a:latin typeface="Courier" charset="0"/>
+                <a:ea typeface="Courier" charset="0"/>
+                <a:cs typeface="Courier" charset="0"/>
+              </a:rPr>
+              <a:t> service </a:t>
+            </a:r>
+            <a:r>
+              <a:rPr lang="en-GB" sz="3200" dirty="0" err="1">
+                <a:latin typeface="Courier" charset="0"/>
+                <a:ea typeface="Courier" charset="0"/>
+                <a:cs typeface="Courier" charset="0"/>
+              </a:rPr>
+              <a:t>ntp</a:t>
+            </a:r>
+            <a:r>
+              <a:rPr lang="en-GB" sz="3200" dirty="0">
+                <a:latin typeface="Courier" charset="0"/>
+                <a:ea typeface="Courier" charset="0"/>
+                <a:cs typeface="Courier" charset="0"/>
+              </a:rPr>
+              <a:t> start</a:t>
+            </a:r>
+          </a:p>
+          <a:p>
+            <a:pPr>
+              <a:lnSpc>
+                <a:spcPct val="97000"/>
+              </a:lnSpc>
+              <a:spcAft>
+                <a:spcPts val="1413"/>
+              </a:spcAft>
+              <a:buClr>
+                <a:srgbClr val="FF6309"/>
+              </a:buClr>
+              <a:buSzPct val="45000"/>
+              <a:buFont typeface="Wingdings" charset="0"/>
+              <a:buChar char=""/>
+              <a:defRPr/>
+            </a:pPr>
+            <a:r>
+              <a:rPr lang="en-GB" sz="3200" dirty="0">
+                <a:latin typeface="Trebuchet MS" charset="0"/>
+              </a:rPr>
+              <a:t>Check that your server is synchronized with the </a:t>
+            </a:r>
+            <a:r>
+              <a:rPr lang="en-GB" sz="3200" dirty="0" err="1">
+                <a:latin typeface="Trebuchet MS" charset="0"/>
+              </a:rPr>
+              <a:t>ntp</a:t>
+            </a:r>
+            <a:r>
+              <a:rPr lang="en-GB" sz="3200" dirty="0">
+                <a:latin typeface="Trebuchet MS" charset="0"/>
+              </a:rPr>
+              <a:t> servers listed in /</a:t>
+            </a:r>
+            <a:r>
+              <a:rPr lang="en-GB" sz="3200" dirty="0" err="1">
+                <a:latin typeface="Trebuchet MS" charset="0"/>
+              </a:rPr>
+              <a:t>etc</a:t>
+            </a:r>
+            <a:r>
+              <a:rPr lang="en-GB" sz="3200" dirty="0">
+                <a:latin typeface="Trebuchet MS" charset="0"/>
+              </a:rPr>
+              <a:t>/</a:t>
+            </a:r>
+            <a:r>
+              <a:rPr lang="en-GB" sz="3200" dirty="0" err="1">
+                <a:latin typeface="Trebuchet MS" charset="0"/>
+              </a:rPr>
+              <a:t>ntp.conf</a:t>
+            </a:r>
+            <a:endParaRPr lang="en-GB" sz="3200" dirty="0">
+              <a:latin typeface="Trebuchet MS" charset="0"/>
+            </a:endParaRPr>
+          </a:p>
+          <a:p>
+            <a:pPr>
+              <a:lnSpc>
+                <a:spcPct val="97000"/>
+              </a:lnSpc>
+              <a:spcAft>
+                <a:spcPts val="1413"/>
+              </a:spcAft>
+              <a:buClr>
+                <a:srgbClr val="FF6309"/>
+              </a:buClr>
+              <a:buSzPct val="45000"/>
+              <a:buFont typeface="Wingdings" charset="0"/>
+              <a:buChar char=""/>
+              <a:defRPr/>
+            </a:pPr>
+            <a:r>
+              <a:rPr lang="en-GB" sz="3200" dirty="0">
+                <a:latin typeface="Courier" charset="0"/>
+                <a:ea typeface="Courier" charset="0"/>
+                <a:cs typeface="Courier" charset="0"/>
+              </a:rPr>
+              <a:t>$ </a:t>
+            </a:r>
+            <a:r>
+              <a:rPr lang="en-GB" sz="3200" dirty="0" err="1">
+                <a:latin typeface="Courier" charset="0"/>
+                <a:ea typeface="Courier" charset="0"/>
+                <a:cs typeface="Courier" charset="0"/>
+              </a:rPr>
+              <a:t>sudo</a:t>
+            </a:r>
+            <a:r>
+              <a:rPr lang="en-GB" sz="3200" dirty="0">
+                <a:latin typeface="Courier" charset="0"/>
+                <a:ea typeface="Courier" charset="0"/>
+                <a:cs typeface="Courier" charset="0"/>
+              </a:rPr>
+              <a:t> </a:t>
+            </a:r>
+            <a:r>
+              <a:rPr lang="en-GB" sz="3200" dirty="0" err="1">
+                <a:latin typeface="Courier" charset="0"/>
+                <a:ea typeface="Courier" charset="0"/>
+                <a:cs typeface="Courier" charset="0"/>
+              </a:rPr>
+              <a:t>ntpq</a:t>
+            </a:r>
+            <a:r>
+              <a:rPr lang="en-GB" sz="3200" dirty="0">
+                <a:latin typeface="Courier" charset="0"/>
+                <a:ea typeface="Courier" charset="0"/>
+                <a:cs typeface="Courier" charset="0"/>
+              </a:rPr>
+              <a:t> -</a:t>
+            </a:r>
+            <a:r>
+              <a:rPr lang="en-GB" sz="3200" dirty="0" err="1">
+                <a:latin typeface="Courier" charset="0"/>
+                <a:ea typeface="Courier" charset="0"/>
+                <a:cs typeface="Courier" charset="0"/>
+              </a:rPr>
+              <a:t>pn</a:t>
+            </a:r>
+            <a:endParaRPr lang="en-GB" sz="3200" dirty="0">
+              <a:latin typeface="Courier" charset="0"/>
+              <a:ea typeface="Courier" charset="0"/>
+              <a:cs typeface="Courier" charset="0"/>
+            </a:endParaRPr>
+          </a:p>
+        </p:txBody>
+      </p:sp>
+      <p:sp>
+        <p:nvSpPr>
+          <p:cNvPr id="4" name="TextBox 3"/>
+          <p:cNvSpPr txBox="1"/>
+          <p:nvPr/>
+        </p:nvSpPr>
+        <p:spPr>
+          <a:xfrm>
+            <a:off x="1" y="5227637"/>
+            <a:ext cx="10080624" cy="1983107"/>
+          </a:xfrm>
+          <a:prstGeom prst="rect">
+            <a:avLst/>
+          </a:prstGeom>
+          <a:solidFill>
+            <a:schemeClr val="bg2"/>
+          </a:solidFill>
+        </p:spPr>
+        <p:txBody>
+          <a:bodyPr wrap="square" rtlCol="0">
+            <a:spAutoFit/>
+          </a:bodyPr>
           <a:lstStyle/>
           <a:p>
-            <a:pPr>
-              <a:defRPr/>
-            </a:pPr>
-            <a:endParaRPr lang="en-US">
-              <a:ea typeface="ＭＳ Ｐゴシック" charset="0"/>
-            </a:endParaRPr>
+            <a:r>
+              <a:rPr lang="is-IS" sz="1600">
+                <a:latin typeface="Courier" charset="0"/>
+                <a:ea typeface="Courier" charset="0"/>
+                <a:cs typeface="Courier" charset="0"/>
+              </a:rPr>
+              <a:t>$ sudo ntpq </a:t>
+            </a:r>
+            <a:r>
+              <a:rPr lang="is-IS" sz="1600" dirty="0">
+                <a:latin typeface="Courier" charset="0"/>
+                <a:ea typeface="Courier" charset="0"/>
+                <a:cs typeface="Courier" charset="0"/>
+              </a:rPr>
+              <a:t>-p</a:t>
+            </a:r>
+          </a:p>
+          <a:p>
+            <a:r>
+              <a:rPr lang="is-IS" sz="1600" dirty="0">
+                <a:latin typeface="Courier" charset="0"/>
+                <a:ea typeface="Courier" charset="0"/>
+                <a:cs typeface="Courier" charset="0"/>
+              </a:rPr>
+              <a:t>     remote           refid      st t when poll reach   delay   offset  jitter</a:t>
+            </a:r>
+          </a:p>
+          <a:p>
+            <a:r>
+              <a:rPr lang="is-IS" sz="1600" dirty="0">
+                <a:latin typeface="Courier" charset="0"/>
+                <a:ea typeface="Courier" charset="0"/>
+                <a:cs typeface="Courier" charset="0"/>
+              </a:rPr>
+              <a:t>==============================================================================</a:t>
+            </a:r>
+          </a:p>
+          <a:p>
+            <a:r>
+              <a:rPr lang="is-IS" sz="1600" dirty="0">
+                <a:latin typeface="Courier" charset="0"/>
+                <a:ea typeface="Courier" charset="0"/>
+                <a:cs typeface="Courier" charset="0"/>
+              </a:rPr>
+              <a:t>*riditt.de       131.188.3.221    2 u   27   64    1  183.792    0.439   0.079</a:t>
+            </a:r>
+          </a:p>
+          <a:p>
+            <a:r>
+              <a:rPr lang="is-IS" sz="1600" dirty="0">
+                <a:latin typeface="Courier" charset="0"/>
+                <a:ea typeface="Courier" charset="0"/>
+                <a:cs typeface="Courier" charset="0"/>
+              </a:rPr>
+              <a:t> lofn.fancube.co .INIT.          16 u    -   64    0    0.000    0.000   0.000</a:t>
+            </a:r>
+          </a:p>
+          <a:p>
+            <a:r>
+              <a:rPr lang="is-IS" sz="1600" dirty="0">
+                <a:latin typeface="Courier" charset="0"/>
+                <a:ea typeface="Courier" charset="0"/>
+                <a:cs typeface="Courier" charset="0"/>
+              </a:rPr>
+              <a:t> service1-eth3.d 228.143.95.23    2 u   28   64    1  200.457   -1.965   0.035</a:t>
+            </a:r>
+          </a:p>
+          <a:p>
+            <a:r>
+              <a:rPr lang="is-IS" sz="1600" dirty="0">
+                <a:latin typeface="Courier" charset="0"/>
+                <a:ea typeface="Courier" charset="0"/>
+                <a:cs typeface="Courier" charset="0"/>
+              </a:rPr>
+              <a:t> makaki.miuku.ne 218.186.3.36     2 u   28   64    1  377.207   -7.893   0.169</a:t>
+            </a:r>
+          </a:p>
+          <a:p>
+            <a:r>
+              <a:rPr lang="is-IS" sz="1600" dirty="0">
+                <a:latin typeface="Courier" charset="0"/>
+                <a:ea typeface="Courier" charset="0"/>
+                <a:cs typeface="Courier" charset="0"/>
+              </a:rPr>
+              <a:t> noc.mtg.afnog.o 45.222.43.250    3 u   27   64    1    0.284    1.810   0.040</a:t>
+            </a:r>
           </a:p>
         </p:txBody>
       </p:sp>
@@ -29873,6 +29408,563 @@
               </a:rPr>
               <a:t>NTP is a protocol designed to synchronize the clocks of computers over a network.</a:t>
             </a:r>
+          </a:p>
+        </p:txBody>
+      </p:sp>
+    </p:spTree>
+  </p:cSld>
+  <p:clrMapOvr>
+    <a:masterClrMapping/>
+  </p:clrMapOvr>
+  <p:transition spd="med"/>
+  <p:timing>
+    <p:tnLst>
+      <p:par>
+        <p:cTn id="1" dur="indefinite" restart="never" nodeType="tmRoot">
+          <p:childTnLst>
+            <p:seq concurrent="1" nextAc="seek">
+              <p:cTn id="2" dur="0" nodeType="mainSeq"/>
+              <p:prevCondLst>
+                <p:cond evt="onPrev" delay="0">
+                  <p:tgtEl>
+                    <p:sldTgt/>
+                  </p:tgtEl>
+                </p:cond>
+              </p:prevCondLst>
+              <p:nextCondLst>
+                <p:cond evt="onNext" delay="0">
+                  <p:tgtEl>
+                    <p:sldTgt/>
+                  </p:tgtEl>
+                </p:cond>
+              </p:nextCondLst>
+            </p:seq>
+          </p:childTnLst>
+        </p:cTn>
+      </p:par>
+    </p:tnLst>
+  </p:timing>
+</p:sld>
+</file>
+
+<file path=ppt/slides/slide20.xml><?xml version="1.0" encoding="utf-8"?>
+<p:sld xmlns:a="http://schemas.openxmlformats.org/drawingml/2006/main" xmlns:r="http://schemas.openxmlformats.org/officeDocument/2006/relationships" xmlns:p="http://schemas.openxmlformats.org/presentationml/2006/main">
+  <p:cSld>
+    <p:bg>
+      <p:bgPr>
+        <a:blipFill dpi="0" rotWithShape="0">
+          <a:blip r:embed="rId3"/>
+          <a:srcRect/>
+          <a:tile tx="0" ty="0" sx="100000" sy="100000" flip="none" algn="tl"/>
+        </a:blipFill>
+        <a:effectLst/>
+      </p:bgPr>
+    </p:bg>
+    <p:spTree>
+      <p:nvGrpSpPr>
+        <p:cNvPr id="1" name=""/>
+        <p:cNvGrpSpPr/>
+        <p:nvPr/>
+      </p:nvGrpSpPr>
+      <p:grpSpPr>
+        <a:xfrm>
+          <a:off x="0" y="0"/>
+          <a:ext cx="0" cy="0"/>
+          <a:chOff x="0" y="0"/>
+          <a:chExt cx="0" cy="0"/>
+        </a:xfrm>
+      </p:grpSpPr>
+      <p:sp>
+        <p:nvSpPr>
+          <p:cNvPr id="19457" name="Text Box 1"/>
+          <p:cNvSpPr txBox="1">
+            <a:spLocks noChangeArrowheads="1"/>
+          </p:cNvSpPr>
+          <p:nvPr/>
+        </p:nvSpPr>
+        <p:spPr bwMode="auto">
+          <a:xfrm>
+            <a:off x="755650" y="2347913"/>
+            <a:ext cx="8569325" cy="1620837"/>
+          </a:xfrm>
+          <a:prstGeom prst="rect">
+            <a:avLst/>
+          </a:prstGeom>
+          <a:noFill/>
+          <a:ln>
+            <a:noFill/>
+          </a:ln>
+          <a:effectLst/>
+          <a:extLst>
+            <a:ext uri="{909E8E84-426E-40dd-AFC4-6F175D3DCCD1}">
+              <a14:hiddenFill xmlns:a14="http://schemas.microsoft.com/office/drawing/2010/main" xmlns="">
+                <a:solidFill>
+                  <a:srgbClr val="FFFFFF"/>
+                </a:solidFill>
+              </a14:hiddenFill>
+            </a:ext>
+            <a:ext uri="{91240B29-F687-4f45-9708-019B960494DF}">
+              <a14:hiddenLine xmlns:a14="http://schemas.microsoft.com/office/drawing/2010/main" xmlns="" w="9525" cap="flat">
+                <a:solidFill>
+                  <a:srgbClr val="3465A4"/>
+                </a:solidFill>
+                <a:round/>
+                <a:headEnd/>
+                <a:tailEnd/>
+              </a14:hiddenLine>
+            </a:ext>
+            <a:ext uri="{AF507438-7753-43e0-B8FC-AC1667EBCBE1}">
+              <a14:hiddenEffects xmlns:a14="http://schemas.microsoft.com/office/drawing/2010/main" xmlns="">
+                <a:effectLst>
+                  <a:outerShdw blurRad="63500" dist="38099" dir="2700000" algn="ctr" rotWithShape="0">
+                    <a:srgbClr val="000000">
+                      <a:alpha val="74998"/>
+                    </a:srgbClr>
+                  </a:outerShdw>
+                </a:effectLst>
+              </a14:hiddenEffects>
+            </a:ext>
+          </a:extLst>
+        </p:spPr>
+        <p:txBody>
+          <a:bodyPr lIns="0" tIns="0" rIns="0" bIns="0" anchor="ctr"/>
+          <a:lstStyle>
+            <a:lvl1pPr marL="342900" indent="-339725">
+              <a:tabLst>
+                <a:tab pos="342900" algn="l"/>
+                <a:tab pos="800100" algn="l"/>
+                <a:tab pos="1257300" algn="l"/>
+                <a:tab pos="1714500" algn="l"/>
+                <a:tab pos="2171700" algn="l"/>
+                <a:tab pos="2628900" algn="l"/>
+                <a:tab pos="3086100" algn="l"/>
+                <a:tab pos="3543300" algn="l"/>
+                <a:tab pos="4000500" algn="l"/>
+                <a:tab pos="4457700" algn="l"/>
+                <a:tab pos="4914900" algn="l"/>
+                <a:tab pos="5372100" algn="l"/>
+                <a:tab pos="5829300" algn="l"/>
+                <a:tab pos="6286500" algn="l"/>
+                <a:tab pos="6743700" algn="l"/>
+                <a:tab pos="7200900" algn="l"/>
+                <a:tab pos="7658100" algn="l"/>
+                <a:tab pos="8115300" algn="l"/>
+                <a:tab pos="8572500" algn="l"/>
+                <a:tab pos="9029700" algn="l"/>
+                <a:tab pos="9486900" algn="l"/>
+              </a:tabLst>
+              <a:defRPr sz="2400">
+                <a:solidFill>
+                  <a:srgbClr val="000000"/>
+                </a:solidFill>
+                <a:latin typeface="Arial" charset="0"/>
+                <a:ea typeface="ＭＳ Ｐゴシック" charset="0"/>
+                <a:cs typeface="DejaVu Sans" charset="0"/>
+              </a:defRPr>
+            </a:lvl1pPr>
+            <a:lvl2pPr>
+              <a:tabLst>
+                <a:tab pos="342900" algn="l"/>
+                <a:tab pos="800100" algn="l"/>
+                <a:tab pos="1257300" algn="l"/>
+                <a:tab pos="1714500" algn="l"/>
+                <a:tab pos="2171700" algn="l"/>
+                <a:tab pos="2628900" algn="l"/>
+                <a:tab pos="3086100" algn="l"/>
+                <a:tab pos="3543300" algn="l"/>
+                <a:tab pos="4000500" algn="l"/>
+                <a:tab pos="4457700" algn="l"/>
+                <a:tab pos="4914900" algn="l"/>
+                <a:tab pos="5372100" algn="l"/>
+                <a:tab pos="5829300" algn="l"/>
+                <a:tab pos="6286500" algn="l"/>
+                <a:tab pos="6743700" algn="l"/>
+                <a:tab pos="7200900" algn="l"/>
+                <a:tab pos="7658100" algn="l"/>
+                <a:tab pos="8115300" algn="l"/>
+                <a:tab pos="8572500" algn="l"/>
+                <a:tab pos="9029700" algn="l"/>
+                <a:tab pos="9486900" algn="l"/>
+              </a:tabLst>
+              <a:defRPr sz="2400">
+                <a:solidFill>
+                  <a:srgbClr val="000000"/>
+                </a:solidFill>
+                <a:latin typeface="Arial" charset="0"/>
+                <a:ea typeface="ＭＳ Ｐゴシック" charset="0"/>
+                <a:cs typeface="DejaVu Sans" charset="0"/>
+              </a:defRPr>
+            </a:lvl2pPr>
+            <a:lvl3pPr>
+              <a:tabLst>
+                <a:tab pos="342900" algn="l"/>
+                <a:tab pos="800100" algn="l"/>
+                <a:tab pos="1257300" algn="l"/>
+                <a:tab pos="1714500" algn="l"/>
+                <a:tab pos="2171700" algn="l"/>
+                <a:tab pos="2628900" algn="l"/>
+                <a:tab pos="3086100" algn="l"/>
+                <a:tab pos="3543300" algn="l"/>
+                <a:tab pos="4000500" algn="l"/>
+                <a:tab pos="4457700" algn="l"/>
+                <a:tab pos="4914900" algn="l"/>
+                <a:tab pos="5372100" algn="l"/>
+                <a:tab pos="5829300" algn="l"/>
+                <a:tab pos="6286500" algn="l"/>
+                <a:tab pos="6743700" algn="l"/>
+                <a:tab pos="7200900" algn="l"/>
+                <a:tab pos="7658100" algn="l"/>
+                <a:tab pos="8115300" algn="l"/>
+                <a:tab pos="8572500" algn="l"/>
+                <a:tab pos="9029700" algn="l"/>
+                <a:tab pos="9486900" algn="l"/>
+              </a:tabLst>
+              <a:defRPr sz="2400">
+                <a:solidFill>
+                  <a:srgbClr val="000000"/>
+                </a:solidFill>
+                <a:latin typeface="Arial" charset="0"/>
+                <a:ea typeface="ＭＳ Ｐゴシック" charset="0"/>
+                <a:cs typeface="DejaVu Sans" charset="0"/>
+              </a:defRPr>
+            </a:lvl3pPr>
+            <a:lvl4pPr>
+              <a:tabLst>
+                <a:tab pos="342900" algn="l"/>
+                <a:tab pos="800100" algn="l"/>
+                <a:tab pos="1257300" algn="l"/>
+                <a:tab pos="1714500" algn="l"/>
+                <a:tab pos="2171700" algn="l"/>
+                <a:tab pos="2628900" algn="l"/>
+                <a:tab pos="3086100" algn="l"/>
+                <a:tab pos="3543300" algn="l"/>
+                <a:tab pos="4000500" algn="l"/>
+                <a:tab pos="4457700" algn="l"/>
+                <a:tab pos="4914900" algn="l"/>
+                <a:tab pos="5372100" algn="l"/>
+                <a:tab pos="5829300" algn="l"/>
+                <a:tab pos="6286500" algn="l"/>
+                <a:tab pos="6743700" algn="l"/>
+                <a:tab pos="7200900" algn="l"/>
+                <a:tab pos="7658100" algn="l"/>
+                <a:tab pos="8115300" algn="l"/>
+                <a:tab pos="8572500" algn="l"/>
+                <a:tab pos="9029700" algn="l"/>
+                <a:tab pos="9486900" algn="l"/>
+              </a:tabLst>
+              <a:defRPr sz="2400">
+                <a:solidFill>
+                  <a:srgbClr val="000000"/>
+                </a:solidFill>
+                <a:latin typeface="Arial" charset="0"/>
+                <a:ea typeface="ＭＳ Ｐゴシック" charset="0"/>
+                <a:cs typeface="DejaVu Sans" charset="0"/>
+              </a:defRPr>
+            </a:lvl4pPr>
+            <a:lvl5pPr>
+              <a:tabLst>
+                <a:tab pos="342900" algn="l"/>
+                <a:tab pos="800100" algn="l"/>
+                <a:tab pos="1257300" algn="l"/>
+                <a:tab pos="1714500" algn="l"/>
+                <a:tab pos="2171700" algn="l"/>
+                <a:tab pos="2628900" algn="l"/>
+                <a:tab pos="3086100" algn="l"/>
+                <a:tab pos="3543300" algn="l"/>
+                <a:tab pos="4000500" algn="l"/>
+                <a:tab pos="4457700" algn="l"/>
+                <a:tab pos="4914900" algn="l"/>
+                <a:tab pos="5372100" algn="l"/>
+                <a:tab pos="5829300" algn="l"/>
+                <a:tab pos="6286500" algn="l"/>
+                <a:tab pos="6743700" algn="l"/>
+                <a:tab pos="7200900" algn="l"/>
+                <a:tab pos="7658100" algn="l"/>
+                <a:tab pos="8115300" algn="l"/>
+                <a:tab pos="8572500" algn="l"/>
+                <a:tab pos="9029700" algn="l"/>
+                <a:tab pos="9486900" algn="l"/>
+              </a:tabLst>
+              <a:defRPr sz="2400">
+                <a:solidFill>
+                  <a:srgbClr val="000000"/>
+                </a:solidFill>
+                <a:latin typeface="Arial" charset="0"/>
+                <a:ea typeface="ＭＳ Ｐゴシック" charset="0"/>
+                <a:cs typeface="DejaVu Sans" charset="0"/>
+              </a:defRPr>
+            </a:lvl5pPr>
+            <a:lvl6pPr marL="2514600" indent="-228600" fontAlgn="base" hangingPunct="0">
+              <a:lnSpc>
+                <a:spcPct val="96000"/>
+              </a:lnSpc>
+              <a:spcBef>
+                <a:spcPct val="0"/>
+              </a:spcBef>
+              <a:spcAft>
+                <a:spcPct val="0"/>
+              </a:spcAft>
+              <a:buClr>
+                <a:srgbClr val="000000"/>
+              </a:buClr>
+              <a:buSzPct val="100000"/>
+              <a:buFont typeface="Times New Roman" charset="0"/>
+              <a:tabLst>
+                <a:tab pos="342900" algn="l"/>
+                <a:tab pos="800100" algn="l"/>
+                <a:tab pos="1257300" algn="l"/>
+                <a:tab pos="1714500" algn="l"/>
+                <a:tab pos="2171700" algn="l"/>
+                <a:tab pos="2628900" algn="l"/>
+                <a:tab pos="3086100" algn="l"/>
+                <a:tab pos="3543300" algn="l"/>
+                <a:tab pos="4000500" algn="l"/>
+                <a:tab pos="4457700" algn="l"/>
+                <a:tab pos="4914900" algn="l"/>
+                <a:tab pos="5372100" algn="l"/>
+                <a:tab pos="5829300" algn="l"/>
+                <a:tab pos="6286500" algn="l"/>
+                <a:tab pos="6743700" algn="l"/>
+                <a:tab pos="7200900" algn="l"/>
+                <a:tab pos="7658100" algn="l"/>
+                <a:tab pos="8115300" algn="l"/>
+                <a:tab pos="8572500" algn="l"/>
+                <a:tab pos="9029700" algn="l"/>
+                <a:tab pos="9486900" algn="l"/>
+              </a:tabLst>
+              <a:defRPr sz="2400">
+                <a:solidFill>
+                  <a:srgbClr val="000000"/>
+                </a:solidFill>
+                <a:latin typeface="Arial" charset="0"/>
+                <a:ea typeface="ＭＳ Ｐゴシック" charset="0"/>
+                <a:cs typeface="DejaVu Sans" charset="0"/>
+              </a:defRPr>
+            </a:lvl6pPr>
+            <a:lvl7pPr marL="2971800" indent="-228600" fontAlgn="base" hangingPunct="0">
+              <a:lnSpc>
+                <a:spcPct val="96000"/>
+              </a:lnSpc>
+              <a:spcBef>
+                <a:spcPct val="0"/>
+              </a:spcBef>
+              <a:spcAft>
+                <a:spcPct val="0"/>
+              </a:spcAft>
+              <a:buClr>
+                <a:srgbClr val="000000"/>
+              </a:buClr>
+              <a:buSzPct val="100000"/>
+              <a:buFont typeface="Times New Roman" charset="0"/>
+              <a:tabLst>
+                <a:tab pos="342900" algn="l"/>
+                <a:tab pos="800100" algn="l"/>
+                <a:tab pos="1257300" algn="l"/>
+                <a:tab pos="1714500" algn="l"/>
+                <a:tab pos="2171700" algn="l"/>
+                <a:tab pos="2628900" algn="l"/>
+                <a:tab pos="3086100" algn="l"/>
+                <a:tab pos="3543300" algn="l"/>
+                <a:tab pos="4000500" algn="l"/>
+                <a:tab pos="4457700" algn="l"/>
+                <a:tab pos="4914900" algn="l"/>
+                <a:tab pos="5372100" algn="l"/>
+                <a:tab pos="5829300" algn="l"/>
+                <a:tab pos="6286500" algn="l"/>
+                <a:tab pos="6743700" algn="l"/>
+                <a:tab pos="7200900" algn="l"/>
+                <a:tab pos="7658100" algn="l"/>
+                <a:tab pos="8115300" algn="l"/>
+                <a:tab pos="8572500" algn="l"/>
+                <a:tab pos="9029700" algn="l"/>
+                <a:tab pos="9486900" algn="l"/>
+              </a:tabLst>
+              <a:defRPr sz="2400">
+                <a:solidFill>
+                  <a:srgbClr val="000000"/>
+                </a:solidFill>
+                <a:latin typeface="Arial" charset="0"/>
+                <a:ea typeface="ＭＳ Ｐゴシック" charset="0"/>
+                <a:cs typeface="DejaVu Sans" charset="0"/>
+              </a:defRPr>
+            </a:lvl7pPr>
+            <a:lvl8pPr marL="3429000" indent="-228600" fontAlgn="base" hangingPunct="0">
+              <a:lnSpc>
+                <a:spcPct val="96000"/>
+              </a:lnSpc>
+              <a:spcBef>
+                <a:spcPct val="0"/>
+              </a:spcBef>
+              <a:spcAft>
+                <a:spcPct val="0"/>
+              </a:spcAft>
+              <a:buClr>
+                <a:srgbClr val="000000"/>
+              </a:buClr>
+              <a:buSzPct val="100000"/>
+              <a:buFont typeface="Times New Roman" charset="0"/>
+              <a:tabLst>
+                <a:tab pos="342900" algn="l"/>
+                <a:tab pos="800100" algn="l"/>
+                <a:tab pos="1257300" algn="l"/>
+                <a:tab pos="1714500" algn="l"/>
+                <a:tab pos="2171700" algn="l"/>
+                <a:tab pos="2628900" algn="l"/>
+                <a:tab pos="3086100" algn="l"/>
+                <a:tab pos="3543300" algn="l"/>
+                <a:tab pos="4000500" algn="l"/>
+                <a:tab pos="4457700" algn="l"/>
+                <a:tab pos="4914900" algn="l"/>
+                <a:tab pos="5372100" algn="l"/>
+                <a:tab pos="5829300" algn="l"/>
+                <a:tab pos="6286500" algn="l"/>
+                <a:tab pos="6743700" algn="l"/>
+                <a:tab pos="7200900" algn="l"/>
+                <a:tab pos="7658100" algn="l"/>
+                <a:tab pos="8115300" algn="l"/>
+                <a:tab pos="8572500" algn="l"/>
+                <a:tab pos="9029700" algn="l"/>
+                <a:tab pos="9486900" algn="l"/>
+              </a:tabLst>
+              <a:defRPr sz="2400">
+                <a:solidFill>
+                  <a:srgbClr val="000000"/>
+                </a:solidFill>
+                <a:latin typeface="Arial" charset="0"/>
+                <a:ea typeface="ＭＳ Ｐゴシック" charset="0"/>
+                <a:cs typeface="DejaVu Sans" charset="0"/>
+              </a:defRPr>
+            </a:lvl8pPr>
+            <a:lvl9pPr marL="3886200" indent="-228600" fontAlgn="base" hangingPunct="0">
+              <a:lnSpc>
+                <a:spcPct val="96000"/>
+              </a:lnSpc>
+              <a:spcBef>
+                <a:spcPct val="0"/>
+              </a:spcBef>
+              <a:spcAft>
+                <a:spcPct val="0"/>
+              </a:spcAft>
+              <a:buClr>
+                <a:srgbClr val="000000"/>
+              </a:buClr>
+              <a:buSzPct val="100000"/>
+              <a:buFont typeface="Times New Roman" charset="0"/>
+              <a:tabLst>
+                <a:tab pos="342900" algn="l"/>
+                <a:tab pos="800100" algn="l"/>
+                <a:tab pos="1257300" algn="l"/>
+                <a:tab pos="1714500" algn="l"/>
+                <a:tab pos="2171700" algn="l"/>
+                <a:tab pos="2628900" algn="l"/>
+                <a:tab pos="3086100" algn="l"/>
+                <a:tab pos="3543300" algn="l"/>
+                <a:tab pos="4000500" algn="l"/>
+                <a:tab pos="4457700" algn="l"/>
+                <a:tab pos="4914900" algn="l"/>
+                <a:tab pos="5372100" algn="l"/>
+                <a:tab pos="5829300" algn="l"/>
+                <a:tab pos="6286500" algn="l"/>
+                <a:tab pos="6743700" algn="l"/>
+                <a:tab pos="7200900" algn="l"/>
+                <a:tab pos="7658100" algn="l"/>
+                <a:tab pos="8115300" algn="l"/>
+                <a:tab pos="8572500" algn="l"/>
+                <a:tab pos="9029700" algn="l"/>
+                <a:tab pos="9486900" algn="l"/>
+              </a:tabLst>
+              <a:defRPr sz="2400">
+                <a:solidFill>
+                  <a:srgbClr val="000000"/>
+                </a:solidFill>
+                <a:latin typeface="Arial" charset="0"/>
+                <a:ea typeface="ＭＳ Ｐゴシック" charset="0"/>
+                <a:cs typeface="DejaVu Sans" charset="0"/>
+              </a:defRPr>
+            </a:lvl9pPr>
+          </a:lstStyle>
+          <a:p>
+            <a:pPr algn="ctr">
+              <a:lnSpc>
+                <a:spcPct val="97000"/>
+              </a:lnSpc>
+              <a:buClrTx/>
+              <a:buSzPct val="45000"/>
+              <a:buFontTx/>
+              <a:buNone/>
+              <a:defRPr/>
+            </a:pPr>
+            <a:r>
+              <a:rPr lang="en-US" sz="4400" b="1" dirty="0">
+                <a:latin typeface="Trebuchet MS" charset="0"/>
+              </a:rPr>
+              <a:t>NTP Exercises</a:t>
+            </a:r>
+          </a:p>
+        </p:txBody>
+      </p:sp>
+      <p:sp>
+        <p:nvSpPr>
+          <p:cNvPr id="19458" name="Text Box 2"/>
+          <p:cNvSpPr txBox="1">
+            <a:spLocks noChangeArrowheads="1"/>
+          </p:cNvSpPr>
+          <p:nvPr/>
+        </p:nvSpPr>
+        <p:spPr bwMode="auto">
+          <a:xfrm>
+            <a:off x="1512888" y="4160837"/>
+            <a:ext cx="7056437" cy="1931988"/>
+          </a:xfrm>
+          <a:prstGeom prst="rect">
+            <a:avLst/>
+          </a:prstGeom>
+          <a:noFill/>
+          <a:ln>
+            <a:noFill/>
+          </a:ln>
+          <a:effectLst/>
+          <a:extLst>
+            <a:ext uri="{909E8E84-426E-40dd-AFC4-6F175D3DCCD1}">
+              <a14:hiddenFill xmlns:a14="http://schemas.microsoft.com/office/drawing/2010/main" xmlns="">
+                <a:solidFill>
+                  <a:srgbClr val="FFFFFF"/>
+                </a:solidFill>
+              </a14:hiddenFill>
+            </a:ext>
+            <a:ext uri="{91240B29-F687-4f45-9708-019B960494DF}">
+              <a14:hiddenLine xmlns:a14="http://schemas.microsoft.com/office/drawing/2010/main" xmlns="" w="9525" cap="flat">
+                <a:solidFill>
+                  <a:srgbClr val="3465A4"/>
+                </a:solidFill>
+                <a:round/>
+                <a:headEnd/>
+                <a:tailEnd/>
+              </a14:hiddenLine>
+            </a:ext>
+            <a:ext uri="{AF507438-7753-43e0-B8FC-AC1667EBCBE1}">
+              <a14:hiddenEffects xmlns:a14="http://schemas.microsoft.com/office/drawing/2010/main" xmlns="">
+                <a:effectLst>
+                  <a:outerShdw blurRad="63500" dist="38099" dir="2700000" algn="ctr" rotWithShape="0">
+                    <a:srgbClr val="000000">
+                      <a:alpha val="74998"/>
+                    </a:srgbClr>
+                  </a:outerShdw>
+                </a:effectLst>
+              </a14:hiddenEffects>
+            </a:ext>
+          </a:extLst>
+        </p:spPr>
+        <p:txBody>
+          <a:bodyPr wrap="none" anchor="ctr"/>
+          <a:lstStyle/>
+          <a:p>
+            <a:pPr>
+              <a:defRPr/>
+            </a:pPr>
+            <a:endParaRPr lang="en-US">
+              <a:ea typeface="ＭＳ Ｐゴシック" charset="0"/>
+            </a:endParaRPr>
           </a:p>
         </p:txBody>
       </p:sp>

--- a/ntp/ntp-service.pptx
+++ b/ntp/ntp-service.pptx
@@ -16125,6 +16125,18 @@
 <file path=ppt/slides/slide10.xml><?xml version="1.0" encoding="utf-8"?>
 <p:sld xmlns:a="http://schemas.openxmlformats.org/drawingml/2006/main" xmlns:r="http://schemas.openxmlformats.org/officeDocument/2006/relationships" xmlns:p="http://schemas.openxmlformats.org/presentationml/2006/main">
   <p:cSld>
+    <p:bg>
+      <p:bgPr>
+        <a:solidFill>
+          <a:schemeClr val="bg2">
+            <a:lumMod val="40000"/>
+            <a:lumOff val="60000"/>
+            <a:alpha val="0"/>
+          </a:schemeClr>
+        </a:solidFill>
+        <a:effectLst/>
+      </p:bgPr>
+    </p:bg>
     <p:spTree>
       <p:nvGrpSpPr>
         <p:cNvPr id="1" name=""/>
@@ -16139,6 +16151,36 @@
           <a:chExt cx="0" cy="0"/>
         </a:xfrm>
       </p:grpSpPr>
+      <p:pic>
+        <p:nvPicPr>
+          <p:cNvPr id="7" name="Picture 6">
+            <a:extLst>
+              <a:ext uri="{FF2B5EF4-FFF2-40B4-BE49-F238E27FC236}">
+                <a16:creationId xmlns:a16="http://schemas.microsoft.com/office/drawing/2014/main" id="{CCEC8FE9-16F1-7741-9565-B1020A4805B8}"/>
+              </a:ext>
+            </a:extLst>
+          </p:cNvPr>
+          <p:cNvPicPr>
+            <a:picLocks noChangeAspect="1"/>
+          </p:cNvPicPr>
+          <p:nvPr/>
+        </p:nvPicPr>
+        <p:blipFill>
+          <a:blip r:embed="rId2"/>
+          <a:stretch>
+            <a:fillRect/>
+          </a:stretch>
+        </p:blipFill>
+        <p:spPr>
+          <a:xfrm>
+            <a:off x="125023" y="655637"/>
+            <a:ext cx="9792089" cy="5767943"/>
+          </a:xfrm>
+          <a:prstGeom prst="rect">
+            <a:avLst/>
+          </a:prstGeom>
+        </p:spPr>
+      </p:pic>
       <p:sp>
         <p:nvSpPr>
           <p:cNvPr id="4" name="Title 3">
@@ -16155,7 +16197,12 @@
             <p:ph type="title"/>
           </p:nvPr>
         </p:nvSpPr>
-        <p:spPr/>
+        <p:spPr>
+          <a:xfrm>
+            <a:off x="773112" y="5630862"/>
+            <a:ext cx="8567738" cy="1501775"/>
+          </a:xfrm>
+        </p:spPr>
         <p:txBody>
           <a:bodyPr/>
           <a:lstStyle/>

--- a/ntp/ntp-service.pptx
+++ b/ntp/ntp-service.pptx
@@ -5,7 +5,7 @@
     <p:sldMasterId id="2147483648" r:id="rId1"/>
   </p:sldMasterIdLst>
   <p:notesMasterIdLst>
-    <p:notesMasterId r:id="rId22"/>
+    <p:notesMasterId r:id="rId27"/>
   </p:notesMasterIdLst>
   <p:sldIdLst>
     <p:sldId id="256" r:id="rId2"/>
@@ -27,7 +27,12 @@
     <p:sldId id="280" r:id="rId18"/>
     <p:sldId id="262" r:id="rId19"/>
     <p:sldId id="270" r:id="rId20"/>
-    <p:sldId id="272" r:id="rId21"/>
+    <p:sldId id="286" r:id="rId21"/>
+    <p:sldId id="285" r:id="rId22"/>
+    <p:sldId id="289" r:id="rId23"/>
+    <p:sldId id="287" r:id="rId24"/>
+    <p:sldId id="288" r:id="rId25"/>
+    <p:sldId id="272" r:id="rId26"/>
   </p:sldIdLst>
   <p:sldSz cx="10080625" cy="7559675"/>
   <p:notesSz cx="7772400" cy="10058400"/>
@@ -281,7 +286,7 @@
           <a:effectLst/>
           <a:extLst>
             <a:ext uri="{91240B29-F687-4f45-9708-019B960494DF}">
-              <a14:hiddenLine xmlns:a14="http://schemas.microsoft.com/office/drawing/2010/main" xmlns="" w="9360" cap="sq">
+              <a14:hiddenLine xmlns="" xmlns:a14="http://schemas.microsoft.com/office/drawing/2010/main" w="9360" cap="sq">
                 <a:solidFill>
                   <a:srgbClr val="000000"/>
                 </a:solidFill>
@@ -291,7 +296,7 @@
               </a14:hiddenLine>
             </a:ext>
             <a:ext uri="{AF507438-7753-43e0-B8FC-AC1667EBCBE1}">
-              <a14:hiddenEffects xmlns:a14="http://schemas.microsoft.com/office/drawing/2010/main" xmlns="">
+              <a14:hiddenEffects xmlns="" xmlns:a14="http://schemas.microsoft.com/office/drawing/2010/main">
                 <a:effectLst>
                   <a:outerShdw blurRad="63500" dist="38099" dir="2700000" algn="ctr" rotWithShape="0">
                     <a:srgbClr val="000000">
@@ -344,7 +349,7 @@
           <a:effectLst/>
           <a:extLst>
             <a:ext uri="{91240B29-F687-4f45-9708-019B960494DF}">
-              <a14:hiddenLine xmlns:a14="http://schemas.microsoft.com/office/drawing/2010/main" xmlns="" w="9525" cap="flat">
+              <a14:hiddenLine xmlns="" xmlns:a14="http://schemas.microsoft.com/office/drawing/2010/main" w="9525" cap="flat">
                 <a:solidFill>
                   <a:srgbClr val="3465A4"/>
                 </a:solidFill>
@@ -354,7 +359,7 @@
               </a14:hiddenLine>
             </a:ext>
             <a:ext uri="{AF507438-7753-43e0-B8FC-AC1667EBCBE1}">
-              <a14:hiddenEffects xmlns:a14="http://schemas.microsoft.com/office/drawing/2010/main" xmlns="">
+              <a14:hiddenEffects xmlns="" xmlns:a14="http://schemas.microsoft.com/office/drawing/2010/main">
                 <a:effectLst>
                   <a:outerShdw blurRad="63500" dist="38099" dir="2700000" algn="ctr" rotWithShape="0">
                     <a:srgbClr val="000000">
@@ -405,17 +410,17 @@
           <a:effectLst/>
           <a:extLst>
             <a:ext uri="{FAA26D3D-D897-4be2-8F04-BA451C77F1D7}">
-              <ma14:placeholderFlag xmlns:ma14="http://schemas.microsoft.com/office/mac/drawingml/2011/main" xmlns="" val="1"/>
+              <ma14:placeholderFlag xmlns="" xmlns:ma14="http://schemas.microsoft.com/office/mac/drawingml/2011/main" val="1"/>
             </a:ext>
             <a:ext uri="{909E8E84-426E-40dd-AFC4-6F175D3DCCD1}">
-              <a14:hiddenFill xmlns:a14="http://schemas.microsoft.com/office/drawing/2010/main" xmlns="">
+              <a14:hiddenFill xmlns="" xmlns:a14="http://schemas.microsoft.com/office/drawing/2010/main">
                 <a:solidFill>
                   <a:srgbClr val="FFFFFF"/>
                 </a:solidFill>
               </a14:hiddenFill>
             </a:ext>
             <a:ext uri="{91240B29-F687-4f45-9708-019B960494DF}">
-              <a14:hiddenLine xmlns:a14="http://schemas.microsoft.com/office/drawing/2010/main" xmlns="" w="9525" cap="flat">
+              <a14:hiddenLine xmlns="" xmlns:a14="http://schemas.microsoft.com/office/drawing/2010/main" w="9525" cap="flat">
                 <a:solidFill>
                   <a:srgbClr val="3465A4"/>
                 </a:solidFill>
@@ -425,7 +430,7 @@
               </a14:hiddenLine>
             </a:ext>
             <a:ext uri="{AF507438-7753-43e0-B8FC-AC1667EBCBE1}">
-              <a14:hiddenEffects xmlns:a14="http://schemas.microsoft.com/office/drawing/2010/main" xmlns="">
+              <a14:hiddenEffects xmlns="" xmlns:a14="http://schemas.microsoft.com/office/drawing/2010/main">
                 <a:effectLst>
                   <a:outerShdw blurRad="63500" dist="38099" dir="2700000" algn="ctr" rotWithShape="0">
                     <a:schemeClr val="bg2">
@@ -463,17 +468,17 @@
           <a:effectLst/>
           <a:extLst>
             <a:ext uri="{FAA26D3D-D897-4be2-8F04-BA451C77F1D7}">
-              <ma14:placeholderFlag xmlns:ma14="http://schemas.microsoft.com/office/mac/drawingml/2011/main" xmlns="" val="1"/>
+              <ma14:placeholderFlag xmlns="" xmlns:ma14="http://schemas.microsoft.com/office/mac/drawingml/2011/main" val="1"/>
             </a:ext>
             <a:ext uri="{909E8E84-426E-40dd-AFC4-6F175D3DCCD1}">
-              <a14:hiddenFill xmlns:a14="http://schemas.microsoft.com/office/drawing/2010/main" xmlns="">
+              <a14:hiddenFill xmlns="" xmlns:a14="http://schemas.microsoft.com/office/drawing/2010/main">
                 <a:solidFill>
                   <a:srgbClr val="FFFFFF"/>
                 </a:solidFill>
               </a14:hiddenFill>
             </a:ext>
             <a:ext uri="{91240B29-F687-4f45-9708-019B960494DF}">
-              <a14:hiddenLine xmlns:a14="http://schemas.microsoft.com/office/drawing/2010/main" xmlns="" w="9525" cap="flat">
+              <a14:hiddenLine xmlns="" xmlns:a14="http://schemas.microsoft.com/office/drawing/2010/main" w="9525" cap="flat">
                 <a:solidFill>
                   <a:srgbClr val="3465A4"/>
                 </a:solidFill>
@@ -483,7 +488,7 @@
               </a14:hiddenLine>
             </a:ext>
             <a:ext uri="{AF507438-7753-43e0-B8FC-AC1667EBCBE1}">
-              <a14:hiddenEffects xmlns:a14="http://schemas.microsoft.com/office/drawing/2010/main" xmlns="">
+              <a14:hiddenEffects xmlns="" xmlns:a14="http://schemas.microsoft.com/office/drawing/2010/main">
                 <a:effectLst>
                   <a:outerShdw blurRad="63500" dist="38099" dir="2700000" algn="ctr" rotWithShape="0">
                     <a:schemeClr val="bg2">
@@ -531,14 +536,14 @@
           <a:effectLst/>
           <a:extLst>
             <a:ext uri="{909E8E84-426E-40dd-AFC4-6F175D3DCCD1}">
-              <a14:hiddenFill xmlns:a14="http://schemas.microsoft.com/office/drawing/2010/main" xmlns="">
+              <a14:hiddenFill xmlns="" xmlns:a14="http://schemas.microsoft.com/office/drawing/2010/main">
                 <a:solidFill>
                   <a:srgbClr val="FFFFFF"/>
                 </a:solidFill>
               </a14:hiddenFill>
             </a:ext>
             <a:ext uri="{91240B29-F687-4f45-9708-019B960494DF}">
-              <a14:hiddenLine xmlns:a14="http://schemas.microsoft.com/office/drawing/2010/main" xmlns="" w="9525" cap="flat">
+              <a14:hiddenLine xmlns="" xmlns:a14="http://schemas.microsoft.com/office/drawing/2010/main" w="9525" cap="flat">
                 <a:solidFill>
                   <a:srgbClr val="3465A4"/>
                 </a:solidFill>
@@ -548,7 +553,7 @@
               </a14:hiddenLine>
             </a:ext>
             <a:ext uri="{AF507438-7753-43e0-B8FC-AC1667EBCBE1}">
-              <a14:hiddenEffects xmlns:a14="http://schemas.microsoft.com/office/drawing/2010/main" xmlns="">
+              <a14:hiddenEffects xmlns="" xmlns:a14="http://schemas.microsoft.com/office/drawing/2010/main">
                 <a:effectLst>
                   <a:outerShdw blurRad="63500" dist="38099" dir="2700000" algn="ctr" rotWithShape="0">
                     <a:srgbClr val="000000">
@@ -597,14 +602,14 @@
           <a:effectLst/>
           <a:extLst>
             <a:ext uri="{909E8E84-426E-40dd-AFC4-6F175D3DCCD1}">
-              <a14:hiddenFill xmlns:a14="http://schemas.microsoft.com/office/drawing/2010/main" xmlns="">
+              <a14:hiddenFill xmlns="" xmlns:a14="http://schemas.microsoft.com/office/drawing/2010/main">
                 <a:solidFill>
                   <a:srgbClr val="FFFFFF"/>
                 </a:solidFill>
               </a14:hiddenFill>
             </a:ext>
             <a:ext uri="{91240B29-F687-4f45-9708-019B960494DF}">
-              <a14:hiddenLine xmlns:a14="http://schemas.microsoft.com/office/drawing/2010/main" xmlns="" w="9525" cap="flat">
+              <a14:hiddenLine xmlns="" xmlns:a14="http://schemas.microsoft.com/office/drawing/2010/main" w="9525" cap="flat">
                 <a:solidFill>
                   <a:srgbClr val="3465A4"/>
                 </a:solidFill>
@@ -614,7 +619,7 @@
               </a14:hiddenLine>
             </a:ext>
             <a:ext uri="{AF507438-7753-43e0-B8FC-AC1667EBCBE1}">
-              <a14:hiddenEffects xmlns:a14="http://schemas.microsoft.com/office/drawing/2010/main" xmlns="">
+              <a14:hiddenEffects xmlns="" xmlns:a14="http://schemas.microsoft.com/office/drawing/2010/main">
                 <a:effectLst>
                   <a:outerShdw blurRad="63500" dist="38099" dir="2700000" algn="ctr" rotWithShape="0">
                     <a:srgbClr val="000000">
@@ -663,14 +668,14 @@
           <a:effectLst/>
           <a:extLst>
             <a:ext uri="{909E8E84-426E-40dd-AFC4-6F175D3DCCD1}">
-              <a14:hiddenFill xmlns:a14="http://schemas.microsoft.com/office/drawing/2010/main" xmlns="">
+              <a14:hiddenFill xmlns="" xmlns:a14="http://schemas.microsoft.com/office/drawing/2010/main">
                 <a:solidFill>
                   <a:srgbClr val="FFFFFF"/>
                 </a:solidFill>
               </a14:hiddenFill>
             </a:ext>
             <a:ext uri="{91240B29-F687-4f45-9708-019B960494DF}">
-              <a14:hiddenLine xmlns:a14="http://schemas.microsoft.com/office/drawing/2010/main" xmlns="" w="9525" cap="flat">
+              <a14:hiddenLine xmlns="" xmlns:a14="http://schemas.microsoft.com/office/drawing/2010/main" w="9525" cap="flat">
                 <a:solidFill>
                   <a:srgbClr val="3465A4"/>
                 </a:solidFill>
@@ -680,7 +685,7 @@
               </a14:hiddenLine>
             </a:ext>
             <a:ext uri="{AF507438-7753-43e0-B8FC-AC1667EBCBE1}">
-              <a14:hiddenEffects xmlns:a14="http://schemas.microsoft.com/office/drawing/2010/main" xmlns="">
+              <a14:hiddenEffects xmlns="" xmlns:a14="http://schemas.microsoft.com/office/drawing/2010/main">
                 <a:effectLst>
                   <a:outerShdw blurRad="63500" dist="38099" dir="2700000" algn="ctr" rotWithShape="0">
                     <a:srgbClr val="000000">
@@ -731,17 +736,17 @@
           <a:effectLst/>
           <a:extLst>
             <a:ext uri="{FAA26D3D-D897-4be2-8F04-BA451C77F1D7}">
-              <ma14:placeholderFlag xmlns:ma14="http://schemas.microsoft.com/office/mac/drawingml/2011/main" xmlns="" val="1"/>
+              <ma14:placeholderFlag xmlns="" xmlns:ma14="http://schemas.microsoft.com/office/mac/drawingml/2011/main" val="1"/>
             </a:ext>
             <a:ext uri="{909E8E84-426E-40dd-AFC4-6F175D3DCCD1}">
-              <a14:hiddenFill xmlns:a14="http://schemas.microsoft.com/office/drawing/2010/main" xmlns="">
+              <a14:hiddenFill xmlns="" xmlns:a14="http://schemas.microsoft.com/office/drawing/2010/main">
                 <a:solidFill>
                   <a:srgbClr val="FFFFFF"/>
                 </a:solidFill>
               </a14:hiddenFill>
             </a:ext>
             <a:ext uri="{91240B29-F687-4f45-9708-019B960494DF}">
-              <a14:hiddenLine xmlns:a14="http://schemas.microsoft.com/office/drawing/2010/main" xmlns="" w="9525" cap="flat">
+              <a14:hiddenLine xmlns="" xmlns:a14="http://schemas.microsoft.com/office/drawing/2010/main" w="9525" cap="flat">
                 <a:solidFill>
                   <a:srgbClr val="3465A4"/>
                 </a:solidFill>
@@ -751,7 +756,7 @@
               </a14:hiddenLine>
             </a:ext>
             <a:ext uri="{AF507438-7753-43e0-B8FC-AC1667EBCBE1}">
-              <a14:hiddenEffects xmlns:a14="http://schemas.microsoft.com/office/drawing/2010/main" xmlns="">
+              <a14:hiddenEffects xmlns="" xmlns:a14="http://schemas.microsoft.com/office/drawing/2010/main">
                 <a:effectLst>
                   <a:outerShdw blurRad="63500" dist="38099" dir="2700000" algn="ctr" rotWithShape="0">
                     <a:schemeClr val="bg2">
@@ -1007,14 +1012,14 @@
         <p:spPr>
           <a:extLst>
             <a:ext uri="{909E8E84-426E-40dd-AFC4-6F175D3DCCD1}">
-              <a14:hiddenFill xmlns:a14="http://schemas.microsoft.com/office/drawing/2010/main" xmlns="">
+              <a14:hiddenFill xmlns="" xmlns:a14="http://schemas.microsoft.com/office/drawing/2010/main">
                 <a:solidFill>
                   <a:srgbClr val="FFFFFF"/>
                 </a:solidFill>
               </a14:hiddenFill>
             </a:ext>
             <a:ext uri="{91240B29-F687-4f45-9708-019B960494DF}">
-              <a14:hiddenLine xmlns:a14="http://schemas.microsoft.com/office/drawing/2010/main" xmlns="" w="9525" cap="flat">
+              <a14:hiddenLine xmlns="" xmlns:a14="http://schemas.microsoft.com/office/drawing/2010/main" w="9525" cap="flat">
                 <a:solidFill>
                   <a:srgbClr val="3465A4"/>
                 </a:solidFill>
@@ -1024,7 +1029,7 @@
               </a14:hiddenLine>
             </a:ext>
             <a:ext uri="{AF507438-7753-43e0-B8FC-AC1667EBCBE1}">
-              <a14:hiddenEffects xmlns:a14="http://schemas.microsoft.com/office/drawing/2010/main" xmlns="">
+              <a14:hiddenEffects xmlns="" xmlns:a14="http://schemas.microsoft.com/office/drawing/2010/main">
                 <a:effectLst>
                   <a:outerShdw blurRad="63500" dist="38099" dir="2700000" algn="ctr" rotWithShape="0">
                     <a:schemeClr val="bg2">
@@ -1428,14 +1433,14 @@
           <a:effectLst/>
           <a:extLst>
             <a:ext uri="{909E8E84-426E-40dd-AFC4-6F175D3DCCD1}">
-              <a14:hiddenFill xmlns:a14="http://schemas.microsoft.com/office/drawing/2010/main" xmlns="">
+              <a14:hiddenFill xmlns="" xmlns:a14="http://schemas.microsoft.com/office/drawing/2010/main">
                 <a:solidFill>
                   <a:srgbClr val="FFFFFF"/>
                 </a:solidFill>
               </a14:hiddenFill>
             </a:ext>
             <a:ext uri="{91240B29-F687-4f45-9708-019B960494DF}">
-              <a14:hiddenLine xmlns:a14="http://schemas.microsoft.com/office/drawing/2010/main" xmlns="" w="9525" cap="flat">
+              <a14:hiddenLine xmlns="" xmlns:a14="http://schemas.microsoft.com/office/drawing/2010/main" w="9525" cap="flat">
                 <a:solidFill>
                   <a:srgbClr val="3465A4"/>
                 </a:solidFill>
@@ -1445,7 +1450,7 @@
               </a14:hiddenLine>
             </a:ext>
             <a:ext uri="{AF507438-7753-43e0-B8FC-AC1667EBCBE1}">
-              <a14:hiddenEffects xmlns:a14="http://schemas.microsoft.com/office/drawing/2010/main" xmlns="">
+              <a14:hiddenEffects xmlns="" xmlns:a14="http://schemas.microsoft.com/office/drawing/2010/main">
                 <a:effectLst>
                   <a:outerShdw blurRad="63500" dist="38099" dir="2700000" algn="ctr" rotWithShape="0">
                     <a:srgbClr val="000000">
@@ -1864,7 +1869,7 @@
           </a:ln>
           <a:extLst>
             <a:ext uri="{AF507438-7753-43e0-B8FC-AC1667EBCBE1}">
-              <a14:hiddenEffects xmlns:a14="http://schemas.microsoft.com/office/drawing/2010/main" xmlns="">
+              <a14:hiddenEffects xmlns="" xmlns:a14="http://schemas.microsoft.com/office/drawing/2010/main">
                 <a:effectLst>
                   <a:outerShdw blurRad="63500" dist="38099" dir="2700000" algn="ctr" rotWithShape="0">
                     <a:srgbClr val="000000">
@@ -1900,14 +1905,14 @@
           <a:effectLst/>
           <a:extLst>
             <a:ext uri="{909E8E84-426E-40dd-AFC4-6F175D3DCCD1}">
-              <a14:hiddenFill xmlns:a14="http://schemas.microsoft.com/office/drawing/2010/main" xmlns="">
+              <a14:hiddenFill xmlns="" xmlns:a14="http://schemas.microsoft.com/office/drawing/2010/main">
                 <a:solidFill>
                   <a:srgbClr val="FFFFFF"/>
                 </a:solidFill>
               </a14:hiddenFill>
             </a:ext>
             <a:ext uri="{91240B29-F687-4f45-9708-019B960494DF}">
-              <a14:hiddenLine xmlns:a14="http://schemas.microsoft.com/office/drawing/2010/main" xmlns="" w="9525" cap="flat">
+              <a14:hiddenLine xmlns="" xmlns:a14="http://schemas.microsoft.com/office/drawing/2010/main" w="9525" cap="flat">
                 <a:solidFill>
                   <a:srgbClr val="3465A4"/>
                 </a:solidFill>
@@ -1917,7 +1922,7 @@
               </a14:hiddenLine>
             </a:ext>
             <a:ext uri="{AF507438-7753-43e0-B8FC-AC1667EBCBE1}">
-              <a14:hiddenEffects xmlns:a14="http://schemas.microsoft.com/office/drawing/2010/main" xmlns="">
+              <a14:hiddenEffects xmlns="" xmlns:a14="http://schemas.microsoft.com/office/drawing/2010/main">
                 <a:effectLst>
                   <a:outerShdw blurRad="63500" dist="38099" dir="2700000" algn="ctr" rotWithShape="0">
                     <a:srgbClr val="000000">
@@ -1989,14 +1994,14 @@
         <p:spPr>
           <a:extLst>
             <a:ext uri="{909E8E84-426E-40dd-AFC4-6F175D3DCCD1}">
-              <a14:hiddenFill xmlns:a14="http://schemas.microsoft.com/office/drawing/2010/main" xmlns="">
+              <a14:hiddenFill xmlns="" xmlns:a14="http://schemas.microsoft.com/office/drawing/2010/main">
                 <a:solidFill>
                   <a:srgbClr val="FFFFFF"/>
                 </a:solidFill>
               </a14:hiddenFill>
             </a:ext>
             <a:ext uri="{91240B29-F687-4f45-9708-019B960494DF}">
-              <a14:hiddenLine xmlns:a14="http://schemas.microsoft.com/office/drawing/2010/main" xmlns="" w="9525" cap="flat">
+              <a14:hiddenLine xmlns="" xmlns:a14="http://schemas.microsoft.com/office/drawing/2010/main" w="9525" cap="flat">
                 <a:solidFill>
                   <a:srgbClr val="3465A4"/>
                 </a:solidFill>
@@ -2006,7 +2011,7 @@
               </a14:hiddenLine>
             </a:ext>
             <a:ext uri="{AF507438-7753-43e0-B8FC-AC1667EBCBE1}">
-              <a14:hiddenEffects xmlns:a14="http://schemas.microsoft.com/office/drawing/2010/main" xmlns="">
+              <a14:hiddenEffects xmlns="" xmlns:a14="http://schemas.microsoft.com/office/drawing/2010/main">
                 <a:effectLst>
                   <a:outerShdw blurRad="63500" dist="38099" dir="2700000" algn="ctr" rotWithShape="0">
                     <a:schemeClr val="bg2">
@@ -2415,7 +2420,7 @@
           </a:ln>
           <a:extLst>
             <a:ext uri="{AF507438-7753-43e0-B8FC-AC1667EBCBE1}">
-              <a14:hiddenEffects xmlns:a14="http://schemas.microsoft.com/office/drawing/2010/main" xmlns="">
+              <a14:hiddenEffects xmlns="" xmlns:a14="http://schemas.microsoft.com/office/drawing/2010/main">
                 <a:effectLst>
                   <a:outerShdw blurRad="63500" dist="38099" dir="2700000" algn="ctr" rotWithShape="0">
                     <a:srgbClr val="000000">
@@ -2451,14 +2456,14 @@
           <a:effectLst/>
           <a:extLst>
             <a:ext uri="{909E8E84-426E-40dd-AFC4-6F175D3DCCD1}">
-              <a14:hiddenFill xmlns:a14="http://schemas.microsoft.com/office/drawing/2010/main" xmlns="">
+              <a14:hiddenFill xmlns="" xmlns:a14="http://schemas.microsoft.com/office/drawing/2010/main">
                 <a:solidFill>
                   <a:srgbClr val="FFFFFF"/>
                 </a:solidFill>
               </a14:hiddenFill>
             </a:ext>
             <a:ext uri="{91240B29-F687-4f45-9708-019B960494DF}">
-              <a14:hiddenLine xmlns:a14="http://schemas.microsoft.com/office/drawing/2010/main" xmlns="" w="9525" cap="flat">
+              <a14:hiddenLine xmlns="" xmlns:a14="http://schemas.microsoft.com/office/drawing/2010/main" w="9525" cap="flat">
                 <a:solidFill>
                   <a:srgbClr val="3465A4"/>
                 </a:solidFill>
@@ -2468,7 +2473,7 @@
               </a14:hiddenLine>
             </a:ext>
             <a:ext uri="{AF507438-7753-43e0-B8FC-AC1667EBCBE1}">
-              <a14:hiddenEffects xmlns:a14="http://schemas.microsoft.com/office/drawing/2010/main" xmlns="">
+              <a14:hiddenEffects xmlns="" xmlns:a14="http://schemas.microsoft.com/office/drawing/2010/main">
                 <a:effectLst>
                   <a:outerShdw blurRad="63500" dist="38099" dir="2700000" algn="ctr" rotWithShape="0">
                     <a:srgbClr val="000000">
@@ -2545,14 +2550,14 @@
         <p:spPr>
           <a:extLst>
             <a:ext uri="{909E8E84-426E-40dd-AFC4-6F175D3DCCD1}">
-              <a14:hiddenFill xmlns:a14="http://schemas.microsoft.com/office/drawing/2010/main" xmlns="">
+              <a14:hiddenFill xmlns="" xmlns:a14="http://schemas.microsoft.com/office/drawing/2010/main">
                 <a:solidFill>
                   <a:srgbClr val="FFFFFF"/>
                 </a:solidFill>
               </a14:hiddenFill>
             </a:ext>
             <a:ext uri="{91240B29-F687-4f45-9708-019B960494DF}">
-              <a14:hiddenLine xmlns:a14="http://schemas.microsoft.com/office/drawing/2010/main" xmlns="" w="9525" cap="flat">
+              <a14:hiddenLine xmlns="" xmlns:a14="http://schemas.microsoft.com/office/drawing/2010/main" w="9525" cap="flat">
                 <a:solidFill>
                   <a:srgbClr val="3465A4"/>
                 </a:solidFill>
@@ -2562,7 +2567,7 @@
               </a14:hiddenLine>
             </a:ext>
             <a:ext uri="{AF507438-7753-43e0-B8FC-AC1667EBCBE1}">
-              <a14:hiddenEffects xmlns:a14="http://schemas.microsoft.com/office/drawing/2010/main" xmlns="">
+              <a14:hiddenEffects xmlns="" xmlns:a14="http://schemas.microsoft.com/office/drawing/2010/main">
                 <a:effectLst>
                   <a:outerShdw blurRad="63500" dist="38099" dir="2700000" algn="ctr" rotWithShape="0">
                     <a:schemeClr val="bg2">
@@ -2971,7 +2976,7 @@
           </a:ln>
           <a:extLst>
             <a:ext uri="{AF507438-7753-43e0-B8FC-AC1667EBCBE1}">
-              <a14:hiddenEffects xmlns:a14="http://schemas.microsoft.com/office/drawing/2010/main" xmlns="">
+              <a14:hiddenEffects xmlns="" xmlns:a14="http://schemas.microsoft.com/office/drawing/2010/main">
                 <a:effectLst>
                   <a:outerShdw blurRad="63500" dist="38099" dir="2700000" algn="ctr" rotWithShape="0">
                     <a:srgbClr val="000000">
@@ -3007,14 +3012,14 @@
           <a:effectLst/>
           <a:extLst>
             <a:ext uri="{909E8E84-426E-40dd-AFC4-6F175D3DCCD1}">
-              <a14:hiddenFill xmlns:a14="http://schemas.microsoft.com/office/drawing/2010/main" xmlns="">
+              <a14:hiddenFill xmlns="" xmlns:a14="http://schemas.microsoft.com/office/drawing/2010/main">
                 <a:solidFill>
                   <a:srgbClr val="FFFFFF"/>
                 </a:solidFill>
               </a14:hiddenFill>
             </a:ext>
             <a:ext uri="{91240B29-F687-4f45-9708-019B960494DF}">
-              <a14:hiddenLine xmlns:a14="http://schemas.microsoft.com/office/drawing/2010/main" xmlns="" w="9525" cap="flat">
+              <a14:hiddenLine xmlns="" xmlns:a14="http://schemas.microsoft.com/office/drawing/2010/main" w="9525" cap="flat">
                 <a:solidFill>
                   <a:srgbClr val="3465A4"/>
                 </a:solidFill>
@@ -3024,7 +3029,7 @@
               </a14:hiddenLine>
             </a:ext>
             <a:ext uri="{AF507438-7753-43e0-B8FC-AC1667EBCBE1}">
-              <a14:hiddenEffects xmlns:a14="http://schemas.microsoft.com/office/drawing/2010/main" xmlns="">
+              <a14:hiddenEffects xmlns="" xmlns:a14="http://schemas.microsoft.com/office/drawing/2010/main">
                 <a:effectLst>
                   <a:outerShdw blurRad="63500" dist="38099" dir="2700000" algn="ctr" rotWithShape="0">
                     <a:srgbClr val="000000">
@@ -3096,14 +3101,14 @@
         <p:spPr>
           <a:extLst>
             <a:ext uri="{909E8E84-426E-40dd-AFC4-6F175D3DCCD1}">
-              <a14:hiddenFill xmlns:a14="http://schemas.microsoft.com/office/drawing/2010/main" xmlns="">
+              <a14:hiddenFill xmlns="" xmlns:a14="http://schemas.microsoft.com/office/drawing/2010/main">
                 <a:solidFill>
                   <a:srgbClr val="FFFFFF"/>
                 </a:solidFill>
               </a14:hiddenFill>
             </a:ext>
             <a:ext uri="{91240B29-F687-4f45-9708-019B960494DF}">
-              <a14:hiddenLine xmlns:a14="http://schemas.microsoft.com/office/drawing/2010/main" xmlns="" w="9525" cap="flat">
+              <a14:hiddenLine xmlns="" xmlns:a14="http://schemas.microsoft.com/office/drawing/2010/main" w="9525" cap="flat">
                 <a:solidFill>
                   <a:srgbClr val="3465A4"/>
                 </a:solidFill>
@@ -3113,7 +3118,7 @@
               </a14:hiddenLine>
             </a:ext>
             <a:ext uri="{AF507438-7753-43e0-B8FC-AC1667EBCBE1}">
-              <a14:hiddenEffects xmlns:a14="http://schemas.microsoft.com/office/drawing/2010/main" xmlns="">
+              <a14:hiddenEffects xmlns="" xmlns:a14="http://schemas.microsoft.com/office/drawing/2010/main">
                 <a:effectLst>
                   <a:outerShdw blurRad="63500" dist="38099" dir="2700000" algn="ctr" rotWithShape="0">
                     <a:schemeClr val="bg2">
@@ -3522,7 +3527,7 @@
           </a:ln>
           <a:extLst>
             <a:ext uri="{AF507438-7753-43e0-B8FC-AC1667EBCBE1}">
-              <a14:hiddenEffects xmlns:a14="http://schemas.microsoft.com/office/drawing/2010/main" xmlns="">
+              <a14:hiddenEffects xmlns="" xmlns:a14="http://schemas.microsoft.com/office/drawing/2010/main">
                 <a:effectLst>
                   <a:outerShdw blurRad="63500" dist="38099" dir="2700000" algn="ctr" rotWithShape="0">
                     <a:srgbClr val="000000">
@@ -3558,14 +3563,14 @@
           <a:effectLst/>
           <a:extLst>
             <a:ext uri="{909E8E84-426E-40dd-AFC4-6F175D3DCCD1}">
-              <a14:hiddenFill xmlns:a14="http://schemas.microsoft.com/office/drawing/2010/main" xmlns="">
+              <a14:hiddenFill xmlns="" xmlns:a14="http://schemas.microsoft.com/office/drawing/2010/main">
                 <a:solidFill>
                   <a:srgbClr val="FFFFFF"/>
                 </a:solidFill>
               </a14:hiddenFill>
             </a:ext>
             <a:ext uri="{91240B29-F687-4f45-9708-019B960494DF}">
-              <a14:hiddenLine xmlns:a14="http://schemas.microsoft.com/office/drawing/2010/main" xmlns="" w="9525" cap="flat">
+              <a14:hiddenLine xmlns="" xmlns:a14="http://schemas.microsoft.com/office/drawing/2010/main" w="9525" cap="flat">
                 <a:solidFill>
                   <a:srgbClr val="3465A4"/>
                 </a:solidFill>
@@ -3575,7 +3580,7 @@
               </a14:hiddenLine>
             </a:ext>
             <a:ext uri="{AF507438-7753-43e0-B8FC-AC1667EBCBE1}">
-              <a14:hiddenEffects xmlns:a14="http://schemas.microsoft.com/office/drawing/2010/main" xmlns="">
+              <a14:hiddenEffects xmlns="" xmlns:a14="http://schemas.microsoft.com/office/drawing/2010/main">
                 <a:effectLst>
                   <a:outerShdw blurRad="63500" dist="38099" dir="2700000" algn="ctr" rotWithShape="0">
                     <a:srgbClr val="000000">
@@ -3652,14 +3657,14 @@
         <p:spPr>
           <a:extLst>
             <a:ext uri="{909E8E84-426E-40dd-AFC4-6F175D3DCCD1}">
-              <a14:hiddenFill xmlns:a14="http://schemas.microsoft.com/office/drawing/2010/main" xmlns="">
+              <a14:hiddenFill xmlns="" xmlns:a14="http://schemas.microsoft.com/office/drawing/2010/main">
                 <a:solidFill>
                   <a:srgbClr val="FFFFFF"/>
                 </a:solidFill>
               </a14:hiddenFill>
             </a:ext>
             <a:ext uri="{91240B29-F687-4f45-9708-019B960494DF}">
-              <a14:hiddenLine xmlns:a14="http://schemas.microsoft.com/office/drawing/2010/main" xmlns="" w="9525" cap="flat">
+              <a14:hiddenLine xmlns="" xmlns:a14="http://schemas.microsoft.com/office/drawing/2010/main" w="9525" cap="flat">
                 <a:solidFill>
                   <a:srgbClr val="3465A4"/>
                 </a:solidFill>
@@ -3669,7 +3674,7 @@
               </a14:hiddenLine>
             </a:ext>
             <a:ext uri="{AF507438-7753-43e0-B8FC-AC1667EBCBE1}">
-              <a14:hiddenEffects xmlns:a14="http://schemas.microsoft.com/office/drawing/2010/main" xmlns="">
+              <a14:hiddenEffects xmlns="" xmlns:a14="http://schemas.microsoft.com/office/drawing/2010/main">
                 <a:effectLst>
                   <a:outerShdw blurRad="63500" dist="38099" dir="2700000" algn="ctr" rotWithShape="0">
                     <a:schemeClr val="bg2">
@@ -4078,7 +4083,7 @@
           </a:ln>
           <a:extLst>
             <a:ext uri="{AF507438-7753-43e0-B8FC-AC1667EBCBE1}">
-              <a14:hiddenEffects xmlns:a14="http://schemas.microsoft.com/office/drawing/2010/main" xmlns="">
+              <a14:hiddenEffects xmlns="" xmlns:a14="http://schemas.microsoft.com/office/drawing/2010/main">
                 <a:effectLst>
                   <a:outerShdw blurRad="63500" dist="38099" dir="2700000" algn="ctr" rotWithShape="0">
                     <a:srgbClr val="000000">
@@ -4114,14 +4119,14 @@
           <a:effectLst/>
           <a:extLst>
             <a:ext uri="{909E8E84-426E-40dd-AFC4-6F175D3DCCD1}">
-              <a14:hiddenFill xmlns:a14="http://schemas.microsoft.com/office/drawing/2010/main" xmlns="">
+              <a14:hiddenFill xmlns="" xmlns:a14="http://schemas.microsoft.com/office/drawing/2010/main">
                 <a:solidFill>
                   <a:srgbClr val="FFFFFF"/>
                 </a:solidFill>
               </a14:hiddenFill>
             </a:ext>
             <a:ext uri="{91240B29-F687-4f45-9708-019B960494DF}">
-              <a14:hiddenLine xmlns:a14="http://schemas.microsoft.com/office/drawing/2010/main" xmlns="" w="9525" cap="flat">
+              <a14:hiddenLine xmlns="" xmlns:a14="http://schemas.microsoft.com/office/drawing/2010/main" w="9525" cap="flat">
                 <a:solidFill>
                   <a:srgbClr val="3465A4"/>
                 </a:solidFill>
@@ -4131,7 +4136,7 @@
               </a14:hiddenLine>
             </a:ext>
             <a:ext uri="{AF507438-7753-43e0-B8FC-AC1667EBCBE1}">
-              <a14:hiddenEffects xmlns:a14="http://schemas.microsoft.com/office/drawing/2010/main" xmlns="">
+              <a14:hiddenEffects xmlns="" xmlns:a14="http://schemas.microsoft.com/office/drawing/2010/main">
                 <a:effectLst>
                   <a:outerShdw blurRad="63500" dist="38099" dir="2700000" algn="ctr" rotWithShape="0">
                     <a:srgbClr val="000000">
@@ -4208,14 +4213,14 @@
         <p:spPr>
           <a:extLst>
             <a:ext uri="{909E8E84-426E-40dd-AFC4-6F175D3DCCD1}">
-              <a14:hiddenFill xmlns:a14="http://schemas.microsoft.com/office/drawing/2010/main" xmlns="">
+              <a14:hiddenFill xmlns="" xmlns:a14="http://schemas.microsoft.com/office/drawing/2010/main">
                 <a:solidFill>
                   <a:srgbClr val="FFFFFF"/>
                 </a:solidFill>
               </a14:hiddenFill>
             </a:ext>
             <a:ext uri="{91240B29-F687-4f45-9708-019B960494DF}">
-              <a14:hiddenLine xmlns:a14="http://schemas.microsoft.com/office/drawing/2010/main" xmlns="" w="9525" cap="flat">
+              <a14:hiddenLine xmlns="" xmlns:a14="http://schemas.microsoft.com/office/drawing/2010/main" w="9525" cap="flat">
                 <a:solidFill>
                   <a:srgbClr val="3465A4"/>
                 </a:solidFill>
@@ -4225,7 +4230,7 @@
               </a14:hiddenLine>
             </a:ext>
             <a:ext uri="{AF507438-7753-43e0-B8FC-AC1667EBCBE1}">
-              <a14:hiddenEffects xmlns:a14="http://schemas.microsoft.com/office/drawing/2010/main" xmlns="">
+              <a14:hiddenEffects xmlns="" xmlns:a14="http://schemas.microsoft.com/office/drawing/2010/main">
                 <a:effectLst>
                   <a:outerShdw blurRad="63500" dist="38099" dir="2700000" algn="ctr" rotWithShape="0">
                     <a:schemeClr val="bg2">
@@ -4634,7 +4639,7 @@
           </a:ln>
           <a:extLst>
             <a:ext uri="{AF507438-7753-43e0-B8FC-AC1667EBCBE1}">
-              <a14:hiddenEffects xmlns:a14="http://schemas.microsoft.com/office/drawing/2010/main" xmlns="">
+              <a14:hiddenEffects xmlns="" xmlns:a14="http://schemas.microsoft.com/office/drawing/2010/main">
                 <a:effectLst>
                   <a:outerShdw blurRad="63500" dist="38099" dir="2700000" algn="ctr" rotWithShape="0">
                     <a:srgbClr val="000000">
@@ -4670,14 +4675,14 @@
           <a:effectLst/>
           <a:extLst>
             <a:ext uri="{909E8E84-426E-40dd-AFC4-6F175D3DCCD1}">
-              <a14:hiddenFill xmlns:a14="http://schemas.microsoft.com/office/drawing/2010/main" xmlns="">
+              <a14:hiddenFill xmlns="" xmlns:a14="http://schemas.microsoft.com/office/drawing/2010/main">
                 <a:solidFill>
                   <a:srgbClr val="FFFFFF"/>
                 </a:solidFill>
               </a14:hiddenFill>
             </a:ext>
             <a:ext uri="{91240B29-F687-4f45-9708-019B960494DF}">
-              <a14:hiddenLine xmlns:a14="http://schemas.microsoft.com/office/drawing/2010/main" xmlns="" w="9525" cap="flat">
+              <a14:hiddenLine xmlns="" xmlns:a14="http://schemas.microsoft.com/office/drawing/2010/main" w="9525" cap="flat">
                 <a:solidFill>
                   <a:srgbClr val="3465A4"/>
                 </a:solidFill>
@@ -4687,7 +4692,7 @@
               </a14:hiddenLine>
             </a:ext>
             <a:ext uri="{AF507438-7753-43e0-B8FC-AC1667EBCBE1}">
-              <a14:hiddenEffects xmlns:a14="http://schemas.microsoft.com/office/drawing/2010/main" xmlns="">
+              <a14:hiddenEffects xmlns="" xmlns:a14="http://schemas.microsoft.com/office/drawing/2010/main">
                 <a:effectLst>
                   <a:outerShdw blurRad="63500" dist="38099" dir="2700000" algn="ctr" rotWithShape="0">
                     <a:srgbClr val="000000">
@@ -4764,14 +4769,14 @@
         <p:spPr>
           <a:extLst>
             <a:ext uri="{909E8E84-426E-40dd-AFC4-6F175D3DCCD1}">
-              <a14:hiddenFill xmlns:a14="http://schemas.microsoft.com/office/drawing/2010/main" xmlns="">
+              <a14:hiddenFill xmlns="" xmlns:a14="http://schemas.microsoft.com/office/drawing/2010/main">
                 <a:solidFill>
                   <a:srgbClr val="FFFFFF"/>
                 </a:solidFill>
               </a14:hiddenFill>
             </a:ext>
             <a:ext uri="{91240B29-F687-4f45-9708-019B960494DF}">
-              <a14:hiddenLine xmlns:a14="http://schemas.microsoft.com/office/drawing/2010/main" xmlns="" w="9525" cap="flat">
+              <a14:hiddenLine xmlns="" xmlns:a14="http://schemas.microsoft.com/office/drawing/2010/main" w="9525" cap="flat">
                 <a:solidFill>
                   <a:srgbClr val="3465A4"/>
                 </a:solidFill>
@@ -4781,7 +4786,7 @@
               </a14:hiddenLine>
             </a:ext>
             <a:ext uri="{AF507438-7753-43e0-B8FC-AC1667EBCBE1}">
-              <a14:hiddenEffects xmlns:a14="http://schemas.microsoft.com/office/drawing/2010/main" xmlns="">
+              <a14:hiddenEffects xmlns="" xmlns:a14="http://schemas.microsoft.com/office/drawing/2010/main">
                 <a:effectLst>
                   <a:outerShdw blurRad="63500" dist="38099" dir="2700000" algn="ctr" rotWithShape="0">
                     <a:schemeClr val="bg2">
@@ -5185,14 +5190,14 @@
           <a:effectLst/>
           <a:extLst>
             <a:ext uri="{909E8E84-426E-40dd-AFC4-6F175D3DCCD1}">
-              <a14:hiddenFill xmlns:a14="http://schemas.microsoft.com/office/drawing/2010/main" xmlns="">
+              <a14:hiddenFill xmlns="" xmlns:a14="http://schemas.microsoft.com/office/drawing/2010/main">
                 <a:solidFill>
                   <a:srgbClr val="FFFFFF"/>
                 </a:solidFill>
               </a14:hiddenFill>
             </a:ext>
             <a:ext uri="{91240B29-F687-4f45-9708-019B960494DF}">
-              <a14:hiddenLine xmlns:a14="http://schemas.microsoft.com/office/drawing/2010/main" xmlns="" w="9525" cap="flat">
+              <a14:hiddenLine xmlns="" xmlns:a14="http://schemas.microsoft.com/office/drawing/2010/main" w="9525" cap="flat">
                 <a:solidFill>
                   <a:srgbClr val="3465A4"/>
                 </a:solidFill>
@@ -5202,7 +5207,7 @@
               </a14:hiddenLine>
             </a:ext>
             <a:ext uri="{AF507438-7753-43e0-B8FC-AC1667EBCBE1}">
-              <a14:hiddenEffects xmlns:a14="http://schemas.microsoft.com/office/drawing/2010/main" xmlns="">
+              <a14:hiddenEffects xmlns="" xmlns:a14="http://schemas.microsoft.com/office/drawing/2010/main">
                 <a:effectLst>
                   <a:outerShdw blurRad="63500" dist="38099" dir="2700000" algn="ctr" rotWithShape="0">
                     <a:srgbClr val="000000">
@@ -5621,7 +5626,7 @@
           </a:ln>
           <a:extLst>
             <a:ext uri="{AF507438-7753-43e0-B8FC-AC1667EBCBE1}">
-              <a14:hiddenEffects xmlns:a14="http://schemas.microsoft.com/office/drawing/2010/main" xmlns="">
+              <a14:hiddenEffects xmlns="" xmlns:a14="http://schemas.microsoft.com/office/drawing/2010/main">
                 <a:effectLst>
                   <a:outerShdw blurRad="63500" dist="38099" dir="2700000" algn="ctr" rotWithShape="0">
                     <a:srgbClr val="000000">
@@ -5657,14 +5662,14 @@
           <a:effectLst/>
           <a:extLst>
             <a:ext uri="{909E8E84-426E-40dd-AFC4-6F175D3DCCD1}">
-              <a14:hiddenFill xmlns:a14="http://schemas.microsoft.com/office/drawing/2010/main" xmlns="">
+              <a14:hiddenFill xmlns="" xmlns:a14="http://schemas.microsoft.com/office/drawing/2010/main">
                 <a:solidFill>
                   <a:srgbClr val="FFFFFF"/>
                 </a:solidFill>
               </a14:hiddenFill>
             </a:ext>
             <a:ext uri="{91240B29-F687-4f45-9708-019B960494DF}">
-              <a14:hiddenLine xmlns:a14="http://schemas.microsoft.com/office/drawing/2010/main" xmlns="" w="9525" cap="flat">
+              <a14:hiddenLine xmlns="" xmlns:a14="http://schemas.microsoft.com/office/drawing/2010/main" w="9525" cap="flat">
                 <a:solidFill>
                   <a:srgbClr val="3465A4"/>
                 </a:solidFill>
@@ -5674,7 +5679,7 @@
               </a14:hiddenLine>
             </a:ext>
             <a:ext uri="{AF507438-7753-43e0-B8FC-AC1667EBCBE1}">
-              <a14:hiddenEffects xmlns:a14="http://schemas.microsoft.com/office/drawing/2010/main" xmlns="">
+              <a14:hiddenEffects xmlns="" xmlns:a14="http://schemas.microsoft.com/office/drawing/2010/main">
                 <a:effectLst>
                   <a:outerShdw blurRad="63500" dist="38099" dir="2700000" algn="ctr" rotWithShape="0">
                     <a:srgbClr val="000000">
@@ -5746,14 +5751,14 @@
         <p:spPr>
           <a:extLst>
             <a:ext uri="{909E8E84-426E-40dd-AFC4-6F175D3DCCD1}">
-              <a14:hiddenFill xmlns:a14="http://schemas.microsoft.com/office/drawing/2010/main" xmlns="">
+              <a14:hiddenFill xmlns="" xmlns:a14="http://schemas.microsoft.com/office/drawing/2010/main">
                 <a:solidFill>
                   <a:srgbClr val="FFFFFF"/>
                 </a:solidFill>
               </a14:hiddenFill>
             </a:ext>
             <a:ext uri="{91240B29-F687-4f45-9708-019B960494DF}">
-              <a14:hiddenLine xmlns:a14="http://schemas.microsoft.com/office/drawing/2010/main" xmlns="" w="9525" cap="flat">
+              <a14:hiddenLine xmlns="" xmlns:a14="http://schemas.microsoft.com/office/drawing/2010/main" w="9525" cap="flat">
                 <a:solidFill>
                   <a:srgbClr val="3465A4"/>
                 </a:solidFill>
@@ -5763,7 +5768,7 @@
               </a14:hiddenLine>
             </a:ext>
             <a:ext uri="{AF507438-7753-43e0-B8FC-AC1667EBCBE1}">
-              <a14:hiddenEffects xmlns:a14="http://schemas.microsoft.com/office/drawing/2010/main" xmlns="">
+              <a14:hiddenEffects xmlns="" xmlns:a14="http://schemas.microsoft.com/office/drawing/2010/main">
                 <a:effectLst>
                   <a:outerShdw blurRad="63500" dist="38099" dir="2700000" algn="ctr" rotWithShape="0">
                     <a:schemeClr val="bg2">
@@ -6167,14 +6172,14 @@
           <a:effectLst/>
           <a:extLst>
             <a:ext uri="{909E8E84-426E-40dd-AFC4-6F175D3DCCD1}">
-              <a14:hiddenFill xmlns:a14="http://schemas.microsoft.com/office/drawing/2010/main" xmlns="">
+              <a14:hiddenFill xmlns="" xmlns:a14="http://schemas.microsoft.com/office/drawing/2010/main">
                 <a:solidFill>
                   <a:srgbClr val="FFFFFF"/>
                 </a:solidFill>
               </a14:hiddenFill>
             </a:ext>
             <a:ext uri="{91240B29-F687-4f45-9708-019B960494DF}">
-              <a14:hiddenLine xmlns:a14="http://schemas.microsoft.com/office/drawing/2010/main" xmlns="" w="9525" cap="flat">
+              <a14:hiddenLine xmlns="" xmlns:a14="http://schemas.microsoft.com/office/drawing/2010/main" w="9525" cap="flat">
                 <a:solidFill>
                   <a:srgbClr val="3465A4"/>
                 </a:solidFill>
@@ -6184,7 +6189,7 @@
               </a14:hiddenLine>
             </a:ext>
             <a:ext uri="{AF507438-7753-43e0-B8FC-AC1667EBCBE1}">
-              <a14:hiddenEffects xmlns:a14="http://schemas.microsoft.com/office/drawing/2010/main" xmlns="">
+              <a14:hiddenEffects xmlns="" xmlns:a14="http://schemas.microsoft.com/office/drawing/2010/main">
                 <a:effectLst>
                   <a:outerShdw blurRad="63500" dist="38099" dir="2700000" algn="ctr" rotWithShape="0">
                     <a:srgbClr val="000000">
@@ -6603,7 +6608,7 @@
           </a:ln>
           <a:extLst>
             <a:ext uri="{AF507438-7753-43e0-B8FC-AC1667EBCBE1}">
-              <a14:hiddenEffects xmlns:a14="http://schemas.microsoft.com/office/drawing/2010/main" xmlns="">
+              <a14:hiddenEffects xmlns="" xmlns:a14="http://schemas.microsoft.com/office/drawing/2010/main">
                 <a:effectLst>
                   <a:outerShdw blurRad="63500" dist="38099" dir="2700000" algn="ctr" rotWithShape="0">
                     <a:srgbClr val="000000">
@@ -6639,14 +6644,14 @@
           <a:effectLst/>
           <a:extLst>
             <a:ext uri="{909E8E84-426E-40dd-AFC4-6F175D3DCCD1}">
-              <a14:hiddenFill xmlns:a14="http://schemas.microsoft.com/office/drawing/2010/main" xmlns="">
+              <a14:hiddenFill xmlns="" xmlns:a14="http://schemas.microsoft.com/office/drawing/2010/main">
                 <a:solidFill>
                   <a:srgbClr val="FFFFFF"/>
                 </a:solidFill>
               </a14:hiddenFill>
             </a:ext>
             <a:ext uri="{91240B29-F687-4f45-9708-019B960494DF}">
-              <a14:hiddenLine xmlns:a14="http://schemas.microsoft.com/office/drawing/2010/main" xmlns="" w="9525" cap="flat">
+              <a14:hiddenLine xmlns="" xmlns:a14="http://schemas.microsoft.com/office/drawing/2010/main" w="9525" cap="flat">
                 <a:solidFill>
                   <a:srgbClr val="3465A4"/>
                 </a:solidFill>
@@ -6656,7 +6661,7 @@
               </a14:hiddenLine>
             </a:ext>
             <a:ext uri="{AF507438-7753-43e0-B8FC-AC1667EBCBE1}">
-              <a14:hiddenEffects xmlns:a14="http://schemas.microsoft.com/office/drawing/2010/main" xmlns="">
+              <a14:hiddenEffects xmlns="" xmlns:a14="http://schemas.microsoft.com/office/drawing/2010/main">
                 <a:effectLst>
                   <a:outerShdw blurRad="63500" dist="38099" dir="2700000" algn="ctr" rotWithShape="0">
                     <a:srgbClr val="000000">
@@ -6728,14 +6733,14 @@
         <p:spPr>
           <a:extLst>
             <a:ext uri="{909E8E84-426E-40dd-AFC4-6F175D3DCCD1}">
-              <a14:hiddenFill xmlns:a14="http://schemas.microsoft.com/office/drawing/2010/main" xmlns="">
+              <a14:hiddenFill xmlns="" xmlns:a14="http://schemas.microsoft.com/office/drawing/2010/main">
                 <a:solidFill>
                   <a:srgbClr val="FFFFFF"/>
                 </a:solidFill>
               </a14:hiddenFill>
             </a:ext>
             <a:ext uri="{91240B29-F687-4f45-9708-019B960494DF}">
-              <a14:hiddenLine xmlns:a14="http://schemas.microsoft.com/office/drawing/2010/main" xmlns="" w="9525" cap="flat">
+              <a14:hiddenLine xmlns="" xmlns:a14="http://schemas.microsoft.com/office/drawing/2010/main" w="9525" cap="flat">
                 <a:solidFill>
                   <a:srgbClr val="3465A4"/>
                 </a:solidFill>
@@ -6745,7 +6750,7 @@
               </a14:hiddenLine>
             </a:ext>
             <a:ext uri="{AF507438-7753-43e0-B8FC-AC1667EBCBE1}">
-              <a14:hiddenEffects xmlns:a14="http://schemas.microsoft.com/office/drawing/2010/main" xmlns="">
+              <a14:hiddenEffects xmlns="" xmlns:a14="http://schemas.microsoft.com/office/drawing/2010/main">
                 <a:effectLst>
                   <a:outerShdw blurRad="63500" dist="38099" dir="2700000" algn="ctr" rotWithShape="0">
                     <a:schemeClr val="bg2">
@@ -7115,7 +7120,7 @@
                 <a:latin typeface="Times New Roman" charset="0"/>
               </a:rPr>
               <a:pPr eaLnBrk="1"/>
-              <a:t>20</a:t>
+              <a:t>25</a:t>
             </a:fld>
             <a:endParaRPr lang="en-GB" altLang="x-none" sz="1400">
               <a:solidFill>
@@ -7154,7 +7159,7 @@
           </a:ln>
           <a:extLst>
             <a:ext uri="{AF507438-7753-43e0-B8FC-AC1667EBCBE1}">
-              <a14:hiddenEffects xmlns:a14="http://schemas.microsoft.com/office/drawing/2010/main" xmlns="">
+              <a14:hiddenEffects xmlns="" xmlns:a14="http://schemas.microsoft.com/office/drawing/2010/main">
                 <a:effectLst>
                   <a:outerShdw blurRad="63500" dist="38099" dir="2700000" algn="ctr" rotWithShape="0">
                     <a:srgbClr val="000000">
@@ -7190,14 +7195,14 @@
           <a:effectLst/>
           <a:extLst>
             <a:ext uri="{909E8E84-426E-40dd-AFC4-6F175D3DCCD1}">
-              <a14:hiddenFill xmlns:a14="http://schemas.microsoft.com/office/drawing/2010/main" xmlns="">
+              <a14:hiddenFill xmlns="" xmlns:a14="http://schemas.microsoft.com/office/drawing/2010/main">
                 <a:solidFill>
                   <a:srgbClr val="FFFFFF"/>
                 </a:solidFill>
               </a14:hiddenFill>
             </a:ext>
             <a:ext uri="{91240B29-F687-4f45-9708-019B960494DF}">
-              <a14:hiddenLine xmlns:a14="http://schemas.microsoft.com/office/drawing/2010/main" xmlns="" w="9525" cap="flat">
+              <a14:hiddenLine xmlns="" xmlns:a14="http://schemas.microsoft.com/office/drawing/2010/main" w="9525" cap="flat">
                 <a:solidFill>
                   <a:srgbClr val="3465A4"/>
                 </a:solidFill>
@@ -7207,7 +7212,7 @@
               </a14:hiddenLine>
             </a:ext>
             <a:ext uri="{AF507438-7753-43e0-B8FC-AC1667EBCBE1}">
-              <a14:hiddenEffects xmlns:a14="http://schemas.microsoft.com/office/drawing/2010/main" xmlns="">
+              <a14:hiddenEffects xmlns="" xmlns:a14="http://schemas.microsoft.com/office/drawing/2010/main">
                 <a:effectLst>
                   <a:outerShdw blurRad="63500" dist="38099" dir="2700000" algn="ctr" rotWithShape="0">
                     <a:srgbClr val="000000">
@@ -7279,14 +7284,14 @@
         <p:spPr>
           <a:extLst>
             <a:ext uri="{909E8E84-426E-40dd-AFC4-6F175D3DCCD1}">
-              <a14:hiddenFill xmlns:a14="http://schemas.microsoft.com/office/drawing/2010/main" xmlns="">
+              <a14:hiddenFill xmlns="" xmlns:a14="http://schemas.microsoft.com/office/drawing/2010/main">
                 <a:solidFill>
                   <a:srgbClr val="FFFFFF"/>
                 </a:solidFill>
               </a14:hiddenFill>
             </a:ext>
             <a:ext uri="{91240B29-F687-4f45-9708-019B960494DF}">
-              <a14:hiddenLine xmlns:a14="http://schemas.microsoft.com/office/drawing/2010/main" xmlns="" w="9525" cap="flat">
+              <a14:hiddenLine xmlns="" xmlns:a14="http://schemas.microsoft.com/office/drawing/2010/main" w="9525" cap="flat">
                 <a:solidFill>
                   <a:srgbClr val="3465A4"/>
                 </a:solidFill>
@@ -7296,7 +7301,7 @@
               </a14:hiddenLine>
             </a:ext>
             <a:ext uri="{AF507438-7753-43e0-B8FC-AC1667EBCBE1}">
-              <a14:hiddenEffects xmlns:a14="http://schemas.microsoft.com/office/drawing/2010/main" xmlns="">
+              <a14:hiddenEffects xmlns="" xmlns:a14="http://schemas.microsoft.com/office/drawing/2010/main">
                 <a:effectLst>
                   <a:outerShdw blurRad="63500" dist="38099" dir="2700000" algn="ctr" rotWithShape="0">
                     <a:schemeClr val="bg2">
@@ -7700,14 +7705,14 @@
           <a:effectLst/>
           <a:extLst>
             <a:ext uri="{909E8E84-426E-40dd-AFC4-6F175D3DCCD1}">
-              <a14:hiddenFill xmlns:a14="http://schemas.microsoft.com/office/drawing/2010/main" xmlns="">
+              <a14:hiddenFill xmlns="" xmlns:a14="http://schemas.microsoft.com/office/drawing/2010/main">
                 <a:solidFill>
                   <a:srgbClr val="FFFFFF"/>
                 </a:solidFill>
               </a14:hiddenFill>
             </a:ext>
             <a:ext uri="{91240B29-F687-4f45-9708-019B960494DF}">
-              <a14:hiddenLine xmlns:a14="http://schemas.microsoft.com/office/drawing/2010/main" xmlns="" w="9525" cap="flat">
+              <a14:hiddenLine xmlns="" xmlns:a14="http://schemas.microsoft.com/office/drawing/2010/main" w="9525" cap="flat">
                 <a:solidFill>
                   <a:srgbClr val="3465A4"/>
                 </a:solidFill>
@@ -7717,7 +7722,7 @@
               </a14:hiddenLine>
             </a:ext>
             <a:ext uri="{AF507438-7753-43e0-B8FC-AC1667EBCBE1}">
-              <a14:hiddenEffects xmlns:a14="http://schemas.microsoft.com/office/drawing/2010/main" xmlns="">
+              <a14:hiddenEffects xmlns="" xmlns:a14="http://schemas.microsoft.com/office/drawing/2010/main">
                 <a:effectLst>
                   <a:outerShdw blurRad="63500" dist="38099" dir="2700000" algn="ctr" rotWithShape="0">
                     <a:srgbClr val="000000">
@@ -8136,7 +8141,7 @@
           </a:ln>
           <a:extLst>
             <a:ext uri="{AF507438-7753-43e0-B8FC-AC1667EBCBE1}">
-              <a14:hiddenEffects xmlns:a14="http://schemas.microsoft.com/office/drawing/2010/main" xmlns="">
+              <a14:hiddenEffects xmlns="" xmlns:a14="http://schemas.microsoft.com/office/drawing/2010/main">
                 <a:effectLst>
                   <a:outerShdw blurRad="63500" dist="38099" dir="2700000" algn="ctr" rotWithShape="0">
                     <a:srgbClr val="000000">
@@ -8172,14 +8177,14 @@
           <a:effectLst/>
           <a:extLst>
             <a:ext uri="{909E8E84-426E-40dd-AFC4-6F175D3DCCD1}">
-              <a14:hiddenFill xmlns:a14="http://schemas.microsoft.com/office/drawing/2010/main" xmlns="">
+              <a14:hiddenFill xmlns="" xmlns:a14="http://schemas.microsoft.com/office/drawing/2010/main">
                 <a:solidFill>
                   <a:srgbClr val="FFFFFF"/>
                 </a:solidFill>
               </a14:hiddenFill>
             </a:ext>
             <a:ext uri="{91240B29-F687-4f45-9708-019B960494DF}">
-              <a14:hiddenLine xmlns:a14="http://schemas.microsoft.com/office/drawing/2010/main" xmlns="" w="9525" cap="flat">
+              <a14:hiddenLine xmlns="" xmlns:a14="http://schemas.microsoft.com/office/drawing/2010/main" w="9525" cap="flat">
                 <a:solidFill>
                   <a:srgbClr val="3465A4"/>
                 </a:solidFill>
@@ -8189,7 +8194,7 @@
               </a14:hiddenLine>
             </a:ext>
             <a:ext uri="{AF507438-7753-43e0-B8FC-AC1667EBCBE1}">
-              <a14:hiddenEffects xmlns:a14="http://schemas.microsoft.com/office/drawing/2010/main" xmlns="">
+              <a14:hiddenEffects xmlns="" xmlns:a14="http://schemas.microsoft.com/office/drawing/2010/main">
                 <a:effectLst>
                   <a:outerShdw blurRad="63500" dist="38099" dir="2700000" algn="ctr" rotWithShape="0">
                     <a:srgbClr val="000000">
@@ -8261,14 +8266,14 @@
         <p:spPr>
           <a:extLst>
             <a:ext uri="{909E8E84-426E-40dd-AFC4-6F175D3DCCD1}">
-              <a14:hiddenFill xmlns:a14="http://schemas.microsoft.com/office/drawing/2010/main" xmlns="">
+              <a14:hiddenFill xmlns="" xmlns:a14="http://schemas.microsoft.com/office/drawing/2010/main">
                 <a:solidFill>
                   <a:srgbClr val="FFFFFF"/>
                 </a:solidFill>
               </a14:hiddenFill>
             </a:ext>
             <a:ext uri="{91240B29-F687-4f45-9708-019B960494DF}">
-              <a14:hiddenLine xmlns:a14="http://schemas.microsoft.com/office/drawing/2010/main" xmlns="" w="9525" cap="flat">
+              <a14:hiddenLine xmlns="" xmlns:a14="http://schemas.microsoft.com/office/drawing/2010/main" w="9525" cap="flat">
                 <a:solidFill>
                   <a:srgbClr val="3465A4"/>
                 </a:solidFill>
@@ -8278,7 +8283,7 @@
               </a14:hiddenLine>
             </a:ext>
             <a:ext uri="{AF507438-7753-43e0-B8FC-AC1667EBCBE1}">
-              <a14:hiddenEffects xmlns:a14="http://schemas.microsoft.com/office/drawing/2010/main" xmlns="">
+              <a14:hiddenEffects xmlns="" xmlns:a14="http://schemas.microsoft.com/office/drawing/2010/main">
                 <a:effectLst>
                   <a:outerShdw blurRad="63500" dist="38099" dir="2700000" algn="ctr" rotWithShape="0">
                     <a:schemeClr val="bg2">
@@ -8682,14 +8687,14 @@
           <a:effectLst/>
           <a:extLst>
             <a:ext uri="{909E8E84-426E-40dd-AFC4-6F175D3DCCD1}">
-              <a14:hiddenFill xmlns:a14="http://schemas.microsoft.com/office/drawing/2010/main" xmlns="">
+              <a14:hiddenFill xmlns="" xmlns:a14="http://schemas.microsoft.com/office/drawing/2010/main">
                 <a:solidFill>
                   <a:srgbClr val="FFFFFF"/>
                 </a:solidFill>
               </a14:hiddenFill>
             </a:ext>
             <a:ext uri="{91240B29-F687-4f45-9708-019B960494DF}">
-              <a14:hiddenLine xmlns:a14="http://schemas.microsoft.com/office/drawing/2010/main" xmlns="" w="9525" cap="flat">
+              <a14:hiddenLine xmlns="" xmlns:a14="http://schemas.microsoft.com/office/drawing/2010/main" w="9525" cap="flat">
                 <a:solidFill>
                   <a:srgbClr val="3465A4"/>
                 </a:solidFill>
@@ -8699,7 +8704,7 @@
               </a14:hiddenLine>
             </a:ext>
             <a:ext uri="{AF507438-7753-43e0-B8FC-AC1667EBCBE1}">
-              <a14:hiddenEffects xmlns:a14="http://schemas.microsoft.com/office/drawing/2010/main" xmlns="">
+              <a14:hiddenEffects xmlns="" xmlns:a14="http://schemas.microsoft.com/office/drawing/2010/main">
                 <a:effectLst>
                   <a:outerShdw blurRad="63500" dist="38099" dir="2700000" algn="ctr" rotWithShape="0">
                     <a:srgbClr val="000000">
@@ -9118,7 +9123,7 @@
           </a:ln>
           <a:extLst>
             <a:ext uri="{AF507438-7753-43e0-B8FC-AC1667EBCBE1}">
-              <a14:hiddenEffects xmlns:a14="http://schemas.microsoft.com/office/drawing/2010/main" xmlns="">
+              <a14:hiddenEffects xmlns="" xmlns:a14="http://schemas.microsoft.com/office/drawing/2010/main">
                 <a:effectLst>
                   <a:outerShdw blurRad="63500" dist="38099" dir="2700000" algn="ctr" rotWithShape="0">
                     <a:srgbClr val="000000">
@@ -9154,14 +9159,14 @@
           <a:effectLst/>
           <a:extLst>
             <a:ext uri="{909E8E84-426E-40dd-AFC4-6F175D3DCCD1}">
-              <a14:hiddenFill xmlns:a14="http://schemas.microsoft.com/office/drawing/2010/main" xmlns="">
+              <a14:hiddenFill xmlns="" xmlns:a14="http://schemas.microsoft.com/office/drawing/2010/main">
                 <a:solidFill>
                   <a:srgbClr val="FFFFFF"/>
                 </a:solidFill>
               </a14:hiddenFill>
             </a:ext>
             <a:ext uri="{91240B29-F687-4f45-9708-019B960494DF}">
-              <a14:hiddenLine xmlns:a14="http://schemas.microsoft.com/office/drawing/2010/main" xmlns="" w="9525" cap="flat">
+              <a14:hiddenLine xmlns="" xmlns:a14="http://schemas.microsoft.com/office/drawing/2010/main" w="9525" cap="flat">
                 <a:solidFill>
                   <a:srgbClr val="3465A4"/>
                 </a:solidFill>
@@ -9171,7 +9176,7 @@
               </a14:hiddenLine>
             </a:ext>
             <a:ext uri="{AF507438-7753-43e0-B8FC-AC1667EBCBE1}">
-              <a14:hiddenEffects xmlns:a14="http://schemas.microsoft.com/office/drawing/2010/main" xmlns="">
+              <a14:hiddenEffects xmlns="" xmlns:a14="http://schemas.microsoft.com/office/drawing/2010/main">
                 <a:effectLst>
                   <a:outerShdw blurRad="63500" dist="38099" dir="2700000" algn="ctr" rotWithShape="0">
                     <a:srgbClr val="000000">
@@ -9248,14 +9253,14 @@
         <p:spPr>
           <a:extLst>
             <a:ext uri="{909E8E84-426E-40dd-AFC4-6F175D3DCCD1}">
-              <a14:hiddenFill xmlns:a14="http://schemas.microsoft.com/office/drawing/2010/main" xmlns="">
+              <a14:hiddenFill xmlns="" xmlns:a14="http://schemas.microsoft.com/office/drawing/2010/main">
                 <a:solidFill>
                   <a:srgbClr val="FFFFFF"/>
                 </a:solidFill>
               </a14:hiddenFill>
             </a:ext>
             <a:ext uri="{91240B29-F687-4f45-9708-019B960494DF}">
-              <a14:hiddenLine xmlns:a14="http://schemas.microsoft.com/office/drawing/2010/main" xmlns="" w="9525" cap="flat">
+              <a14:hiddenLine xmlns="" xmlns:a14="http://schemas.microsoft.com/office/drawing/2010/main" w="9525" cap="flat">
                 <a:solidFill>
                   <a:srgbClr val="3465A4"/>
                 </a:solidFill>
@@ -9265,7 +9270,7 @@
               </a14:hiddenLine>
             </a:ext>
             <a:ext uri="{AF507438-7753-43e0-B8FC-AC1667EBCBE1}">
-              <a14:hiddenEffects xmlns:a14="http://schemas.microsoft.com/office/drawing/2010/main" xmlns="">
+              <a14:hiddenEffects xmlns="" xmlns:a14="http://schemas.microsoft.com/office/drawing/2010/main">
                 <a:effectLst>
                   <a:outerShdw blurRad="63500" dist="38099" dir="2700000" algn="ctr" rotWithShape="0">
                     <a:schemeClr val="bg2">
@@ -9674,7 +9679,7 @@
           </a:ln>
           <a:extLst>
             <a:ext uri="{AF507438-7753-43e0-B8FC-AC1667EBCBE1}">
-              <a14:hiddenEffects xmlns:a14="http://schemas.microsoft.com/office/drawing/2010/main" xmlns="">
+              <a14:hiddenEffects xmlns="" xmlns:a14="http://schemas.microsoft.com/office/drawing/2010/main">
                 <a:effectLst>
                   <a:outerShdw blurRad="63500" dist="38099" dir="2700000" algn="ctr" rotWithShape="0">
                     <a:srgbClr val="000000">
@@ -9710,14 +9715,14 @@
           <a:effectLst/>
           <a:extLst>
             <a:ext uri="{909E8E84-426E-40dd-AFC4-6F175D3DCCD1}">
-              <a14:hiddenFill xmlns:a14="http://schemas.microsoft.com/office/drawing/2010/main" xmlns="">
+              <a14:hiddenFill xmlns="" xmlns:a14="http://schemas.microsoft.com/office/drawing/2010/main">
                 <a:solidFill>
                   <a:srgbClr val="FFFFFF"/>
                 </a:solidFill>
               </a14:hiddenFill>
             </a:ext>
             <a:ext uri="{91240B29-F687-4f45-9708-019B960494DF}">
-              <a14:hiddenLine xmlns:a14="http://schemas.microsoft.com/office/drawing/2010/main" xmlns="" w="9525" cap="flat">
+              <a14:hiddenLine xmlns="" xmlns:a14="http://schemas.microsoft.com/office/drawing/2010/main" w="9525" cap="flat">
                 <a:solidFill>
                   <a:srgbClr val="3465A4"/>
                 </a:solidFill>
@@ -9727,7 +9732,7 @@
               </a14:hiddenLine>
             </a:ext>
             <a:ext uri="{AF507438-7753-43e0-B8FC-AC1667EBCBE1}">
-              <a14:hiddenEffects xmlns:a14="http://schemas.microsoft.com/office/drawing/2010/main" xmlns="">
+              <a14:hiddenEffects xmlns="" xmlns:a14="http://schemas.microsoft.com/office/drawing/2010/main">
                 <a:effectLst>
                   <a:outerShdw blurRad="63500" dist="38099" dir="2700000" algn="ctr" rotWithShape="0">
                     <a:srgbClr val="000000">
@@ -9799,14 +9804,14 @@
         <p:spPr>
           <a:extLst>
             <a:ext uri="{909E8E84-426E-40dd-AFC4-6F175D3DCCD1}">
-              <a14:hiddenFill xmlns:a14="http://schemas.microsoft.com/office/drawing/2010/main" xmlns="">
+              <a14:hiddenFill xmlns="" xmlns:a14="http://schemas.microsoft.com/office/drawing/2010/main">
                 <a:solidFill>
                   <a:srgbClr val="FFFFFF"/>
                 </a:solidFill>
               </a14:hiddenFill>
             </a:ext>
             <a:ext uri="{91240B29-F687-4f45-9708-019B960494DF}">
-              <a14:hiddenLine xmlns:a14="http://schemas.microsoft.com/office/drawing/2010/main" xmlns="" w="9525" cap="flat">
+              <a14:hiddenLine xmlns="" xmlns:a14="http://schemas.microsoft.com/office/drawing/2010/main" w="9525" cap="flat">
                 <a:solidFill>
                   <a:srgbClr val="3465A4"/>
                 </a:solidFill>
@@ -9816,7 +9821,7 @@
               </a14:hiddenLine>
             </a:ext>
             <a:ext uri="{AF507438-7753-43e0-B8FC-AC1667EBCBE1}">
-              <a14:hiddenEffects xmlns:a14="http://schemas.microsoft.com/office/drawing/2010/main" xmlns="">
+              <a14:hiddenEffects xmlns="" xmlns:a14="http://schemas.microsoft.com/office/drawing/2010/main">
                 <a:effectLst>
                   <a:outerShdw blurRad="63500" dist="38099" dir="2700000" algn="ctr" rotWithShape="0">
                     <a:schemeClr val="bg2">
@@ -10225,7 +10230,7 @@
           </a:ln>
           <a:extLst>
             <a:ext uri="{AF507438-7753-43e0-B8FC-AC1667EBCBE1}">
-              <a14:hiddenEffects xmlns:a14="http://schemas.microsoft.com/office/drawing/2010/main" xmlns="">
+              <a14:hiddenEffects xmlns="" xmlns:a14="http://schemas.microsoft.com/office/drawing/2010/main">
                 <a:effectLst>
                   <a:outerShdw blurRad="63500" dist="38099" dir="2700000" algn="ctr" rotWithShape="0">
                     <a:srgbClr val="000000">
@@ -10261,14 +10266,14 @@
           <a:effectLst/>
           <a:extLst>
             <a:ext uri="{909E8E84-426E-40dd-AFC4-6F175D3DCCD1}">
-              <a14:hiddenFill xmlns:a14="http://schemas.microsoft.com/office/drawing/2010/main" xmlns="">
+              <a14:hiddenFill xmlns="" xmlns:a14="http://schemas.microsoft.com/office/drawing/2010/main">
                 <a:solidFill>
                   <a:srgbClr val="FFFFFF"/>
                 </a:solidFill>
               </a14:hiddenFill>
             </a:ext>
             <a:ext uri="{91240B29-F687-4f45-9708-019B960494DF}">
-              <a14:hiddenLine xmlns:a14="http://schemas.microsoft.com/office/drawing/2010/main" xmlns="" w="9525" cap="flat">
+              <a14:hiddenLine xmlns="" xmlns:a14="http://schemas.microsoft.com/office/drawing/2010/main" w="9525" cap="flat">
                 <a:solidFill>
                   <a:srgbClr val="3465A4"/>
                 </a:solidFill>
@@ -10278,7 +10283,7 @@
               </a14:hiddenLine>
             </a:ext>
             <a:ext uri="{AF507438-7753-43e0-B8FC-AC1667EBCBE1}">
-              <a14:hiddenEffects xmlns:a14="http://schemas.microsoft.com/office/drawing/2010/main" xmlns="">
+              <a14:hiddenEffects xmlns="" xmlns:a14="http://schemas.microsoft.com/office/drawing/2010/main">
                 <a:effectLst>
                   <a:outerShdw blurRad="63500" dist="38099" dir="2700000" algn="ctr" rotWithShape="0">
                     <a:srgbClr val="000000">
@@ -10350,14 +10355,14 @@
         <p:spPr>
           <a:extLst>
             <a:ext uri="{909E8E84-426E-40dd-AFC4-6F175D3DCCD1}">
-              <a14:hiddenFill xmlns:a14="http://schemas.microsoft.com/office/drawing/2010/main" xmlns="">
+              <a14:hiddenFill xmlns="" xmlns:a14="http://schemas.microsoft.com/office/drawing/2010/main">
                 <a:solidFill>
                   <a:srgbClr val="FFFFFF"/>
                 </a:solidFill>
               </a14:hiddenFill>
             </a:ext>
             <a:ext uri="{91240B29-F687-4f45-9708-019B960494DF}">
-              <a14:hiddenLine xmlns:a14="http://schemas.microsoft.com/office/drawing/2010/main" xmlns="" w="9525" cap="flat">
+              <a14:hiddenLine xmlns="" xmlns:a14="http://schemas.microsoft.com/office/drawing/2010/main" w="9525" cap="flat">
                 <a:solidFill>
                   <a:srgbClr val="3465A4"/>
                 </a:solidFill>
@@ -10367,7 +10372,7 @@
               </a14:hiddenLine>
             </a:ext>
             <a:ext uri="{AF507438-7753-43e0-B8FC-AC1667EBCBE1}">
-              <a14:hiddenEffects xmlns:a14="http://schemas.microsoft.com/office/drawing/2010/main" xmlns="">
+              <a14:hiddenEffects xmlns="" xmlns:a14="http://schemas.microsoft.com/office/drawing/2010/main">
                 <a:effectLst>
                   <a:outerShdw blurRad="63500" dist="38099" dir="2700000" algn="ctr" rotWithShape="0">
                     <a:schemeClr val="bg2">
@@ -10776,7 +10781,7 @@
           </a:ln>
           <a:extLst>
             <a:ext uri="{AF507438-7753-43e0-B8FC-AC1667EBCBE1}">
-              <a14:hiddenEffects xmlns:a14="http://schemas.microsoft.com/office/drawing/2010/main" xmlns="">
+              <a14:hiddenEffects xmlns="" xmlns:a14="http://schemas.microsoft.com/office/drawing/2010/main">
                 <a:effectLst>
                   <a:outerShdw blurRad="63500" dist="38099" dir="2700000" algn="ctr" rotWithShape="0">
                     <a:srgbClr val="000000">
@@ -10812,14 +10817,14 @@
           <a:effectLst/>
           <a:extLst>
             <a:ext uri="{909E8E84-426E-40dd-AFC4-6F175D3DCCD1}">
-              <a14:hiddenFill xmlns:a14="http://schemas.microsoft.com/office/drawing/2010/main" xmlns="">
+              <a14:hiddenFill xmlns="" xmlns:a14="http://schemas.microsoft.com/office/drawing/2010/main">
                 <a:solidFill>
                   <a:srgbClr val="FFFFFF"/>
                 </a:solidFill>
               </a14:hiddenFill>
             </a:ext>
             <a:ext uri="{91240B29-F687-4f45-9708-019B960494DF}">
-              <a14:hiddenLine xmlns:a14="http://schemas.microsoft.com/office/drawing/2010/main" xmlns="" w="9525" cap="flat">
+              <a14:hiddenLine xmlns="" xmlns:a14="http://schemas.microsoft.com/office/drawing/2010/main" w="9525" cap="flat">
                 <a:solidFill>
                   <a:srgbClr val="3465A4"/>
                 </a:solidFill>
@@ -10829,7 +10834,7 @@
               </a14:hiddenLine>
             </a:ext>
             <a:ext uri="{AF507438-7753-43e0-B8FC-AC1667EBCBE1}">
-              <a14:hiddenEffects xmlns:a14="http://schemas.microsoft.com/office/drawing/2010/main" xmlns="">
+              <a14:hiddenEffects xmlns="" xmlns:a14="http://schemas.microsoft.com/office/drawing/2010/main">
                 <a:effectLst>
                   <a:outerShdw blurRad="63500" dist="38099" dir="2700000" algn="ctr" rotWithShape="0">
                     <a:srgbClr val="000000">
@@ -10906,14 +10911,14 @@
         <p:spPr>
           <a:extLst>
             <a:ext uri="{909E8E84-426E-40dd-AFC4-6F175D3DCCD1}">
-              <a14:hiddenFill xmlns:a14="http://schemas.microsoft.com/office/drawing/2010/main" xmlns="">
+              <a14:hiddenFill xmlns="" xmlns:a14="http://schemas.microsoft.com/office/drawing/2010/main">
                 <a:solidFill>
                   <a:srgbClr val="FFFFFF"/>
                 </a:solidFill>
               </a14:hiddenFill>
             </a:ext>
             <a:ext uri="{91240B29-F687-4f45-9708-019B960494DF}">
-              <a14:hiddenLine xmlns:a14="http://schemas.microsoft.com/office/drawing/2010/main" xmlns="" w="9525" cap="flat">
+              <a14:hiddenLine xmlns="" xmlns:a14="http://schemas.microsoft.com/office/drawing/2010/main" w="9525" cap="flat">
                 <a:solidFill>
                   <a:srgbClr val="3465A4"/>
                 </a:solidFill>
@@ -10923,7 +10928,7 @@
               </a14:hiddenLine>
             </a:ext>
             <a:ext uri="{AF507438-7753-43e0-B8FC-AC1667EBCBE1}">
-              <a14:hiddenEffects xmlns:a14="http://schemas.microsoft.com/office/drawing/2010/main" xmlns="">
+              <a14:hiddenEffects xmlns="" xmlns:a14="http://schemas.microsoft.com/office/drawing/2010/main">
                 <a:effectLst>
                   <a:outerShdw blurRad="63500" dist="38099" dir="2700000" algn="ctr" rotWithShape="0">
                     <a:schemeClr val="bg2">
@@ -11332,7 +11337,7 @@
           </a:ln>
           <a:extLst>
             <a:ext uri="{AF507438-7753-43e0-B8FC-AC1667EBCBE1}">
-              <a14:hiddenEffects xmlns:a14="http://schemas.microsoft.com/office/drawing/2010/main" xmlns="">
+              <a14:hiddenEffects xmlns="" xmlns:a14="http://schemas.microsoft.com/office/drawing/2010/main">
                 <a:effectLst>
                   <a:outerShdw blurRad="63500" dist="38099" dir="2700000" algn="ctr" rotWithShape="0">
                     <a:srgbClr val="000000">
@@ -11368,14 +11373,14 @@
           <a:effectLst/>
           <a:extLst>
             <a:ext uri="{909E8E84-426E-40dd-AFC4-6F175D3DCCD1}">
-              <a14:hiddenFill xmlns:a14="http://schemas.microsoft.com/office/drawing/2010/main" xmlns="">
+              <a14:hiddenFill xmlns="" xmlns:a14="http://schemas.microsoft.com/office/drawing/2010/main">
                 <a:solidFill>
                   <a:srgbClr val="FFFFFF"/>
                 </a:solidFill>
               </a14:hiddenFill>
             </a:ext>
             <a:ext uri="{91240B29-F687-4f45-9708-019B960494DF}">
-              <a14:hiddenLine xmlns:a14="http://schemas.microsoft.com/office/drawing/2010/main" xmlns="" w="9525" cap="flat">
+              <a14:hiddenLine xmlns="" xmlns:a14="http://schemas.microsoft.com/office/drawing/2010/main" w="9525" cap="flat">
                 <a:solidFill>
                   <a:srgbClr val="3465A4"/>
                 </a:solidFill>
@@ -11385,7 +11390,7 @@
               </a14:hiddenLine>
             </a:ext>
             <a:ext uri="{AF507438-7753-43e0-B8FC-AC1667EBCBE1}">
-              <a14:hiddenEffects xmlns:a14="http://schemas.microsoft.com/office/drawing/2010/main" xmlns="">
+              <a14:hiddenEffects xmlns="" xmlns:a14="http://schemas.microsoft.com/office/drawing/2010/main">
                 <a:effectLst>
                   <a:outerShdw blurRad="63500" dist="38099" dir="2700000" algn="ctr" rotWithShape="0">
                     <a:srgbClr val="000000">
@@ -11457,14 +11462,14 @@
         <p:spPr>
           <a:extLst>
             <a:ext uri="{909E8E84-426E-40dd-AFC4-6F175D3DCCD1}">
-              <a14:hiddenFill xmlns:a14="http://schemas.microsoft.com/office/drawing/2010/main" xmlns="">
+              <a14:hiddenFill xmlns="" xmlns:a14="http://schemas.microsoft.com/office/drawing/2010/main">
                 <a:solidFill>
                   <a:srgbClr val="FFFFFF"/>
                 </a:solidFill>
               </a14:hiddenFill>
             </a:ext>
             <a:ext uri="{91240B29-F687-4f45-9708-019B960494DF}">
-              <a14:hiddenLine xmlns:a14="http://schemas.microsoft.com/office/drawing/2010/main" xmlns="" w="9525" cap="flat">
+              <a14:hiddenLine xmlns="" xmlns:a14="http://schemas.microsoft.com/office/drawing/2010/main" w="9525" cap="flat">
                 <a:solidFill>
                   <a:srgbClr val="3465A4"/>
                 </a:solidFill>
@@ -11474,7 +11479,7 @@
               </a14:hiddenLine>
             </a:ext>
             <a:ext uri="{AF507438-7753-43e0-B8FC-AC1667EBCBE1}">
-              <a14:hiddenEffects xmlns:a14="http://schemas.microsoft.com/office/drawing/2010/main" xmlns="">
+              <a14:hiddenEffects xmlns="" xmlns:a14="http://schemas.microsoft.com/office/drawing/2010/main">
                 <a:effectLst>
                   <a:outerShdw blurRad="63500" dist="38099" dir="2700000" algn="ctr" rotWithShape="0">
                     <a:schemeClr val="bg2">
@@ -11883,7 +11888,7 @@
           </a:ln>
           <a:extLst>
             <a:ext uri="{AF507438-7753-43e0-B8FC-AC1667EBCBE1}">
-              <a14:hiddenEffects xmlns:a14="http://schemas.microsoft.com/office/drawing/2010/main" xmlns="">
+              <a14:hiddenEffects xmlns="" xmlns:a14="http://schemas.microsoft.com/office/drawing/2010/main">
                 <a:effectLst>
                   <a:outerShdw blurRad="63500" dist="38099" dir="2700000" algn="ctr" rotWithShape="0">
                     <a:srgbClr val="000000">
@@ -11919,14 +11924,14 @@
           <a:effectLst/>
           <a:extLst>
             <a:ext uri="{909E8E84-426E-40dd-AFC4-6F175D3DCCD1}">
-              <a14:hiddenFill xmlns:a14="http://schemas.microsoft.com/office/drawing/2010/main" xmlns="">
+              <a14:hiddenFill xmlns="" xmlns:a14="http://schemas.microsoft.com/office/drawing/2010/main">
                 <a:solidFill>
                   <a:srgbClr val="FFFFFF"/>
                 </a:solidFill>
               </a14:hiddenFill>
             </a:ext>
             <a:ext uri="{91240B29-F687-4f45-9708-019B960494DF}">
-              <a14:hiddenLine xmlns:a14="http://schemas.microsoft.com/office/drawing/2010/main" xmlns="" w="9525" cap="flat">
+              <a14:hiddenLine xmlns="" xmlns:a14="http://schemas.microsoft.com/office/drawing/2010/main" w="9525" cap="flat">
                 <a:solidFill>
                   <a:srgbClr val="3465A4"/>
                 </a:solidFill>
@@ -11936,7 +11941,7 @@
               </a14:hiddenLine>
             </a:ext>
             <a:ext uri="{AF507438-7753-43e0-B8FC-AC1667EBCBE1}">
-              <a14:hiddenEffects xmlns:a14="http://schemas.microsoft.com/office/drawing/2010/main" xmlns="">
+              <a14:hiddenEffects xmlns="" xmlns:a14="http://schemas.microsoft.com/office/drawing/2010/main">
                 <a:effectLst>
                   <a:outerShdw blurRad="63500" dist="38099" dir="2700000" algn="ctr" rotWithShape="0">
                     <a:srgbClr val="000000">
@@ -12008,14 +12013,14 @@
         <p:spPr>
           <a:extLst>
             <a:ext uri="{909E8E84-426E-40dd-AFC4-6F175D3DCCD1}">
-              <a14:hiddenFill xmlns:a14="http://schemas.microsoft.com/office/drawing/2010/main" xmlns="">
+              <a14:hiddenFill xmlns="" xmlns:a14="http://schemas.microsoft.com/office/drawing/2010/main">
                 <a:solidFill>
                   <a:srgbClr val="FFFFFF"/>
                 </a:solidFill>
               </a14:hiddenFill>
             </a:ext>
             <a:ext uri="{91240B29-F687-4f45-9708-019B960494DF}">
-              <a14:hiddenLine xmlns:a14="http://schemas.microsoft.com/office/drawing/2010/main" xmlns="" w="9525" cap="flat">
+              <a14:hiddenLine xmlns="" xmlns:a14="http://schemas.microsoft.com/office/drawing/2010/main" w="9525" cap="flat">
                 <a:solidFill>
                   <a:srgbClr val="3465A4"/>
                 </a:solidFill>
@@ -12025,7 +12030,7 @@
               </a14:hiddenLine>
             </a:ext>
             <a:ext uri="{AF507438-7753-43e0-B8FC-AC1667EBCBE1}">
-              <a14:hiddenEffects xmlns:a14="http://schemas.microsoft.com/office/drawing/2010/main" xmlns="">
+              <a14:hiddenEffects xmlns="" xmlns:a14="http://schemas.microsoft.com/office/drawing/2010/main">
                 <a:effectLst>
                   <a:outerShdw blurRad="63500" dist="38099" dir="2700000" algn="ctr" rotWithShape="0">
                     <a:schemeClr val="bg2">
@@ -12434,7 +12439,7 @@
           </a:ln>
           <a:extLst>
             <a:ext uri="{AF507438-7753-43e0-B8FC-AC1667EBCBE1}">
-              <a14:hiddenEffects xmlns:a14="http://schemas.microsoft.com/office/drawing/2010/main" xmlns="">
+              <a14:hiddenEffects xmlns="" xmlns:a14="http://schemas.microsoft.com/office/drawing/2010/main">
                 <a:effectLst>
                   <a:outerShdw blurRad="63500" dist="38099" dir="2700000" algn="ctr" rotWithShape="0">
                     <a:srgbClr val="000000">
@@ -12470,14 +12475,14 @@
           <a:effectLst/>
           <a:extLst>
             <a:ext uri="{909E8E84-426E-40dd-AFC4-6F175D3DCCD1}">
-              <a14:hiddenFill xmlns:a14="http://schemas.microsoft.com/office/drawing/2010/main" xmlns="">
+              <a14:hiddenFill xmlns="" xmlns:a14="http://schemas.microsoft.com/office/drawing/2010/main">
                 <a:solidFill>
                   <a:srgbClr val="FFFFFF"/>
                 </a:solidFill>
               </a14:hiddenFill>
             </a:ext>
             <a:ext uri="{91240B29-F687-4f45-9708-019B960494DF}">
-              <a14:hiddenLine xmlns:a14="http://schemas.microsoft.com/office/drawing/2010/main" xmlns="" w="9525" cap="flat">
+              <a14:hiddenLine xmlns="" xmlns:a14="http://schemas.microsoft.com/office/drawing/2010/main" w="9525" cap="flat">
                 <a:solidFill>
                   <a:srgbClr val="3465A4"/>
                 </a:solidFill>
@@ -12487,7 +12492,7 @@
               </a14:hiddenLine>
             </a:ext>
             <a:ext uri="{AF507438-7753-43e0-B8FC-AC1667EBCBE1}">
-              <a14:hiddenEffects xmlns:a14="http://schemas.microsoft.com/office/drawing/2010/main" xmlns="">
+              <a14:hiddenEffects xmlns="" xmlns:a14="http://schemas.microsoft.com/office/drawing/2010/main">
                 <a:effectLst>
                   <a:outerShdw blurRad="63500" dist="38099" dir="2700000" algn="ctr" rotWithShape="0">
                     <a:srgbClr val="000000">
@@ -14620,7 +14625,7 @@
           <a:effectLst/>
           <a:extLst>
             <a:ext uri="{AF507438-7753-43e0-B8FC-AC1667EBCBE1}">
-              <a14:hiddenEffects xmlns:a14="http://schemas.microsoft.com/office/drawing/2010/main" xmlns="">
+              <a14:hiddenEffects xmlns="" xmlns:a14="http://schemas.microsoft.com/office/drawing/2010/main">
                 <a:effectLst>
                   <a:outerShdw blurRad="63500" dist="38099" dir="2700000" algn="ctr" rotWithShape="0">
                     <a:srgbClr val="000000">
@@ -14670,17 +14675,17 @@
           <a:effectLst/>
           <a:extLst>
             <a:ext uri="{FAA26D3D-D897-4be2-8F04-BA451C77F1D7}">
-              <ma14:placeholderFlag xmlns:ma14="http://schemas.microsoft.com/office/mac/drawingml/2011/main" xmlns="" val="1"/>
+              <ma14:placeholderFlag xmlns="" xmlns:ma14="http://schemas.microsoft.com/office/mac/drawingml/2011/main" val="1"/>
             </a:ext>
             <a:ext uri="{909E8E84-426E-40dd-AFC4-6F175D3DCCD1}">
-              <a14:hiddenFill xmlns:a14="http://schemas.microsoft.com/office/drawing/2010/main" xmlns="">
+              <a14:hiddenFill xmlns="" xmlns:a14="http://schemas.microsoft.com/office/drawing/2010/main">
                 <a:solidFill>
                   <a:srgbClr val="FFFFFF"/>
                 </a:solidFill>
               </a14:hiddenFill>
             </a:ext>
             <a:ext uri="{91240B29-F687-4f45-9708-019B960494DF}">
-              <a14:hiddenLine xmlns:a14="http://schemas.microsoft.com/office/drawing/2010/main" xmlns="" w="9525" cap="flat">
+              <a14:hiddenLine xmlns="" xmlns:a14="http://schemas.microsoft.com/office/drawing/2010/main" w="9525" cap="flat">
                 <a:solidFill>
                   <a:srgbClr val="3465A4"/>
                 </a:solidFill>
@@ -14690,7 +14695,7 @@
               </a14:hiddenLine>
             </a:ext>
             <a:ext uri="{AF507438-7753-43e0-B8FC-AC1667EBCBE1}">
-              <a14:hiddenEffects xmlns:a14="http://schemas.microsoft.com/office/drawing/2010/main" xmlns="">
+              <a14:hiddenEffects xmlns="" xmlns:a14="http://schemas.microsoft.com/office/drawing/2010/main">
                 <a:effectLst>
                   <a:outerShdw blurRad="63500" dist="38099" dir="2700000" algn="ctr" rotWithShape="0">
                     <a:schemeClr val="bg2">
@@ -14743,17 +14748,17 @@
           <a:effectLst/>
           <a:extLst>
             <a:ext uri="{FAA26D3D-D897-4be2-8F04-BA451C77F1D7}">
-              <ma14:placeholderFlag xmlns:ma14="http://schemas.microsoft.com/office/mac/drawingml/2011/main" xmlns="" val="1"/>
+              <ma14:placeholderFlag xmlns="" xmlns:ma14="http://schemas.microsoft.com/office/mac/drawingml/2011/main" val="1"/>
             </a:ext>
             <a:ext uri="{909E8E84-426E-40dd-AFC4-6F175D3DCCD1}">
-              <a14:hiddenFill xmlns:a14="http://schemas.microsoft.com/office/drawing/2010/main" xmlns="">
+              <a14:hiddenFill xmlns="" xmlns:a14="http://schemas.microsoft.com/office/drawing/2010/main">
                 <a:solidFill>
                   <a:srgbClr val="FFFFFF"/>
                 </a:solidFill>
               </a14:hiddenFill>
             </a:ext>
             <a:ext uri="{91240B29-F687-4f45-9708-019B960494DF}">
-              <a14:hiddenLine xmlns:a14="http://schemas.microsoft.com/office/drawing/2010/main" xmlns="" w="9525" cap="flat">
+              <a14:hiddenLine xmlns="" xmlns:a14="http://schemas.microsoft.com/office/drawing/2010/main" w="9525" cap="flat">
                 <a:solidFill>
                   <a:srgbClr val="3465A4"/>
                 </a:solidFill>
@@ -14763,7 +14768,7 @@
               </a14:hiddenLine>
             </a:ext>
             <a:ext uri="{AF507438-7753-43e0-B8FC-AC1667EBCBE1}">
-              <a14:hiddenEffects xmlns:a14="http://schemas.microsoft.com/office/drawing/2010/main" xmlns="">
+              <a14:hiddenEffects xmlns="" xmlns:a14="http://schemas.microsoft.com/office/drawing/2010/main">
                 <a:effectLst>
                   <a:outerShdw blurRad="63500" dist="38099" dir="2700000" algn="ctr" rotWithShape="0">
                     <a:schemeClr val="bg2">
@@ -14856,14 +14861,14 @@
           <a:effectLst/>
           <a:extLst>
             <a:ext uri="{909E8E84-426E-40dd-AFC4-6F175D3DCCD1}">
-              <a14:hiddenFill xmlns:a14="http://schemas.microsoft.com/office/drawing/2010/main" xmlns="">
+              <a14:hiddenFill xmlns="" xmlns:a14="http://schemas.microsoft.com/office/drawing/2010/main">
                 <a:solidFill>
                   <a:srgbClr val="FFFFFF"/>
                 </a:solidFill>
               </a14:hiddenFill>
             </a:ext>
             <a:ext uri="{91240B29-F687-4f45-9708-019B960494DF}">
-              <a14:hiddenLine xmlns:a14="http://schemas.microsoft.com/office/drawing/2010/main" xmlns="" w="9525" cap="flat">
+              <a14:hiddenLine xmlns="" xmlns:a14="http://schemas.microsoft.com/office/drawing/2010/main" w="9525" cap="flat">
                 <a:solidFill>
                   <a:srgbClr val="3465A4"/>
                 </a:solidFill>
@@ -14873,7 +14878,7 @@
               </a14:hiddenLine>
             </a:ext>
             <a:ext uri="{AF507438-7753-43e0-B8FC-AC1667EBCBE1}">
-              <a14:hiddenEffects xmlns:a14="http://schemas.microsoft.com/office/drawing/2010/main" xmlns="">
+              <a14:hiddenEffects xmlns="" xmlns:a14="http://schemas.microsoft.com/office/drawing/2010/main">
                 <a:effectLst>
                   <a:outerShdw blurRad="63500" dist="38099" dir="2700000" algn="ctr" rotWithShape="0">
                     <a:srgbClr val="000000">
@@ -14923,17 +14928,17 @@
           <a:effectLst/>
           <a:extLst>
             <a:ext uri="{FAA26D3D-D897-4be2-8F04-BA451C77F1D7}">
-              <ma14:placeholderFlag xmlns:ma14="http://schemas.microsoft.com/office/mac/drawingml/2011/main" xmlns="" val="1"/>
+              <ma14:placeholderFlag xmlns="" xmlns:ma14="http://schemas.microsoft.com/office/mac/drawingml/2011/main" val="1"/>
             </a:ext>
             <a:ext uri="{909E8E84-426E-40dd-AFC4-6F175D3DCCD1}">
-              <a14:hiddenFill xmlns:a14="http://schemas.microsoft.com/office/drawing/2010/main" xmlns="">
+              <a14:hiddenFill xmlns="" xmlns:a14="http://schemas.microsoft.com/office/drawing/2010/main">
                 <a:solidFill>
                   <a:srgbClr val="FFFFFF"/>
                 </a:solidFill>
               </a14:hiddenFill>
             </a:ext>
             <a:ext uri="{91240B29-F687-4f45-9708-019B960494DF}">
-              <a14:hiddenLine xmlns:a14="http://schemas.microsoft.com/office/drawing/2010/main" xmlns="" w="9525" cap="flat">
+              <a14:hiddenLine xmlns="" xmlns:a14="http://schemas.microsoft.com/office/drawing/2010/main" w="9525" cap="flat">
                 <a:solidFill>
                   <a:srgbClr val="3465A4"/>
                 </a:solidFill>
@@ -14943,7 +14948,7 @@
               </a14:hiddenLine>
             </a:ext>
             <a:ext uri="{AF507438-7753-43e0-B8FC-AC1667EBCBE1}">
-              <a14:hiddenEffects xmlns:a14="http://schemas.microsoft.com/office/drawing/2010/main" xmlns="">
+              <a14:hiddenEffects xmlns="" xmlns:a14="http://schemas.microsoft.com/office/drawing/2010/main">
                 <a:effectLst>
                   <a:outerShdw blurRad="63500" dist="38099" dir="2700000" algn="ctr" rotWithShape="0">
                     <a:schemeClr val="bg2">
@@ -15042,7 +15047,7 @@
           <a:effectLst/>
           <a:extLst>
             <a:ext uri="{909E8E84-426E-40dd-AFC4-6F175D3DCCD1}">
-              <a14:hiddenFill xmlns:a14="http://schemas.microsoft.com/office/drawing/2010/main" xmlns="">
+              <a14:hiddenFill xmlns="" xmlns:a14="http://schemas.microsoft.com/office/drawing/2010/main">
                 <a:blipFill dpi="0" rotWithShape="0">
                   <a:blip xmlns:r="http://schemas.openxmlformats.org/officeDocument/2006/relationships"/>
                   <a:srcRect/>
@@ -15053,7 +15058,7 @@
               </a14:hiddenFill>
             </a:ext>
             <a:ext uri="{91240B29-F687-4f45-9708-019B960494DF}">
-              <a14:hiddenLine xmlns:a14="http://schemas.microsoft.com/office/drawing/2010/main" xmlns="" w="9525" cap="flat">
+              <a14:hiddenLine xmlns="" xmlns:a14="http://schemas.microsoft.com/office/drawing/2010/main" w="9525" cap="flat">
                 <a:solidFill>
                   <a:srgbClr val="3465A4"/>
                 </a:solidFill>
@@ -15063,7 +15068,7 @@
               </a14:hiddenLine>
             </a:ext>
             <a:ext uri="{AF507438-7753-43e0-B8FC-AC1667EBCBE1}">
-              <a14:hiddenEffects xmlns:a14="http://schemas.microsoft.com/office/drawing/2010/main" xmlns="">
+              <a14:hiddenEffects xmlns="" xmlns:a14="http://schemas.microsoft.com/office/drawing/2010/main">
                 <a:effectLst>
                   <a:outerShdw blurRad="63500" dist="38099" dir="2700000" algn="ctr" rotWithShape="0">
                     <a:srgbClr val="000000">
@@ -15099,14 +15104,14 @@
           <a:effectLst/>
           <a:extLst>
             <a:ext uri="{909E8E84-426E-40dd-AFC4-6F175D3DCCD1}">
-              <a14:hiddenFill xmlns:a14="http://schemas.microsoft.com/office/drawing/2010/main" xmlns="">
+              <a14:hiddenFill xmlns="" xmlns:a14="http://schemas.microsoft.com/office/drawing/2010/main">
                 <a:solidFill>
                   <a:srgbClr val="FFFFFF"/>
                 </a:solidFill>
               </a14:hiddenFill>
             </a:ext>
             <a:ext uri="{91240B29-F687-4f45-9708-019B960494DF}">
-              <a14:hiddenLine xmlns:a14="http://schemas.microsoft.com/office/drawing/2010/main" xmlns="" w="9525" cap="flat">
+              <a14:hiddenLine xmlns="" xmlns:a14="http://schemas.microsoft.com/office/drawing/2010/main" w="9525" cap="flat">
                 <a:solidFill>
                   <a:srgbClr val="3465A4"/>
                 </a:solidFill>
@@ -15116,7 +15121,7 @@
               </a14:hiddenLine>
             </a:ext>
             <a:ext uri="{AF507438-7753-43e0-B8FC-AC1667EBCBE1}">
-              <a14:hiddenEffects xmlns:a14="http://schemas.microsoft.com/office/drawing/2010/main" xmlns="">
+              <a14:hiddenEffects xmlns="" xmlns:a14="http://schemas.microsoft.com/office/drawing/2010/main">
                 <a:effectLst>
                   <a:outerShdw blurRad="63500" dist="38099" dir="2700000" algn="ctr" rotWithShape="0">
                     <a:srgbClr val="000000">
@@ -15947,7 +15952,7 @@
             </a:r>
             <a:r>
               <a:rPr lang="en-GB" altLang="x-none" dirty="0"/>
-              <a:t> 2018</a:t>
+              <a:t> 2019</a:t>
             </a:r>
           </a:p>
           <a:p>
@@ -16310,14 +16315,14 @@
           <a:effectLst/>
           <a:extLst>
             <a:ext uri="{909E8E84-426E-40dd-AFC4-6F175D3DCCD1}">
-              <a14:hiddenFill xmlns:a14="http://schemas.microsoft.com/office/drawing/2010/main" xmlns="">
+              <a14:hiddenFill xmlns="" xmlns:a14="http://schemas.microsoft.com/office/drawing/2010/main">
                 <a:solidFill>
                   <a:srgbClr val="FFFFFF"/>
                 </a:solidFill>
               </a14:hiddenFill>
             </a:ext>
             <a:ext uri="{91240B29-F687-4f45-9708-019B960494DF}">
-              <a14:hiddenLine xmlns:a14="http://schemas.microsoft.com/office/drawing/2010/main" xmlns="" w="9525" cap="flat">
+              <a14:hiddenLine xmlns="" xmlns:a14="http://schemas.microsoft.com/office/drawing/2010/main" w="9525" cap="flat">
                 <a:solidFill>
                   <a:srgbClr val="3465A4"/>
                 </a:solidFill>
@@ -16327,7 +16332,7 @@
               </a14:hiddenLine>
             </a:ext>
             <a:ext uri="{AF507438-7753-43e0-B8FC-AC1667EBCBE1}">
-              <a14:hiddenEffects xmlns:a14="http://schemas.microsoft.com/office/drawing/2010/main" xmlns="">
+              <a14:hiddenEffects xmlns="" xmlns:a14="http://schemas.microsoft.com/office/drawing/2010/main">
                 <a:effectLst>
                   <a:outerShdw blurRad="63500" dist="38099" dir="2700000" algn="ctr" rotWithShape="0">
                     <a:srgbClr val="000000">
@@ -16739,14 +16744,14 @@
           <a:effectLst/>
           <a:extLst>
             <a:ext uri="{909E8E84-426E-40dd-AFC4-6F175D3DCCD1}">
-              <a14:hiddenFill xmlns:a14="http://schemas.microsoft.com/office/drawing/2010/main" xmlns="">
+              <a14:hiddenFill xmlns="" xmlns:a14="http://schemas.microsoft.com/office/drawing/2010/main">
                 <a:solidFill>
                   <a:srgbClr val="FFFFFF"/>
                 </a:solidFill>
               </a14:hiddenFill>
             </a:ext>
             <a:ext uri="{91240B29-F687-4f45-9708-019B960494DF}">
-              <a14:hiddenLine xmlns:a14="http://schemas.microsoft.com/office/drawing/2010/main" xmlns="" w="9525" cap="flat">
+              <a14:hiddenLine xmlns="" xmlns:a14="http://schemas.microsoft.com/office/drawing/2010/main" w="9525" cap="flat">
                 <a:solidFill>
                   <a:srgbClr val="3465A4"/>
                 </a:solidFill>
@@ -16756,7 +16761,7 @@
               </a14:hiddenLine>
             </a:ext>
             <a:ext uri="{AF507438-7753-43e0-B8FC-AC1667EBCBE1}">
-              <a14:hiddenEffects xmlns:a14="http://schemas.microsoft.com/office/drawing/2010/main" xmlns="">
+              <a14:hiddenEffects xmlns="" xmlns:a14="http://schemas.microsoft.com/office/drawing/2010/main">
                 <a:effectLst>
                   <a:outerShdw blurRad="63500" dist="38099" dir="2700000" algn="ctr" rotWithShape="0">
                     <a:srgbClr val="000000">
@@ -17236,30 +17241,6 @@
               <a:cs typeface="Arial" charset="0"/>
             </a:endParaRPr>
           </a:p>
-          <a:p>
-            <a:pPr>
-              <a:lnSpc>
-                <a:spcPct val="97000"/>
-              </a:lnSpc>
-              <a:spcAft>
-                <a:spcPts val="1413"/>
-              </a:spcAft>
-              <a:buClr>
-                <a:srgbClr val="FF6309"/>
-              </a:buClr>
-              <a:buSzPct val="45000"/>
-              <a:buFont typeface="Wingdings" charset="0"/>
-              <a:buChar char=""/>
-              <a:defRPr/>
-            </a:pPr>
-            <a:r>
-              <a:rPr lang="en-US" sz="2800" dirty="0">
-                <a:ea typeface="Arial" charset="0"/>
-                <a:cs typeface="Arial" charset="0"/>
-              </a:rPr>
-              <a:t>Update your system clock</a:t>
-            </a:r>
-          </a:p>
         </p:txBody>
       </p:sp>
       <p:sp>
@@ -17562,88 +17543,6 @@
               <a:ea typeface="Courier" charset="0"/>
               <a:cs typeface="Courier" charset="0"/>
             </a:endParaRPr>
-          </a:p>
-        </p:txBody>
-      </p:sp>
-      <p:sp>
-        <p:nvSpPr>
-          <p:cNvPr id="7" name="TextBox 6"/>
-          <p:cNvSpPr txBox="1"/>
-          <p:nvPr/>
-        </p:nvSpPr>
-        <p:spPr>
-          <a:xfrm>
-            <a:off x="925512" y="5643977"/>
-            <a:ext cx="8613776" cy="446917"/>
-          </a:xfrm>
-          <a:prstGeom prst="rect">
-            <a:avLst/>
-          </a:prstGeom>
-          <a:solidFill>
-            <a:schemeClr val="bg2"/>
-          </a:solidFill>
-        </p:spPr>
-        <p:txBody>
-          <a:bodyPr wrap="square" rtlCol="0">
-            <a:spAutoFit/>
-          </a:bodyPr>
-          <a:lstStyle/>
-          <a:p>
-            <a:r>
-              <a:rPr lang="en-US" dirty="0">
-                <a:solidFill>
-                  <a:schemeClr val="tx1"/>
-                </a:solidFill>
-                <a:latin typeface="Courier" charset="0"/>
-                <a:ea typeface="Courier" charset="0"/>
-                <a:cs typeface="Courier" charset="0"/>
-              </a:rPr>
-              <a:t>$ </a:t>
-            </a:r>
-            <a:r>
-              <a:rPr lang="en-US" dirty="0" err="1">
-                <a:solidFill>
-                  <a:schemeClr val="tx1"/>
-                </a:solidFill>
-                <a:latin typeface="Courier" charset="0"/>
-                <a:ea typeface="Courier" charset="0"/>
-                <a:cs typeface="Courier" charset="0"/>
-              </a:rPr>
-              <a:t>sudo</a:t>
-            </a:r>
-            <a:r>
-              <a:rPr lang="en-US" dirty="0">
-                <a:solidFill>
-                  <a:schemeClr val="tx1"/>
-                </a:solidFill>
-                <a:latin typeface="Courier" charset="0"/>
-                <a:ea typeface="Courier" charset="0"/>
-                <a:cs typeface="Courier" charset="0"/>
-              </a:rPr>
-              <a:t> </a:t>
-            </a:r>
-            <a:r>
-              <a:rPr lang="en-US" dirty="0" err="1">
-                <a:solidFill>
-                  <a:schemeClr val="tx1"/>
-                </a:solidFill>
-                <a:latin typeface="Courier" charset="0"/>
-                <a:ea typeface="Courier" charset="0"/>
-                <a:cs typeface="Courier" charset="0"/>
-              </a:rPr>
-              <a:t>ntpdate</a:t>
-            </a:r>
-            <a:r>
-              <a:rPr lang="en-US" dirty="0">
-                <a:solidFill>
-                  <a:schemeClr val="tx1"/>
-                </a:solidFill>
-                <a:latin typeface="Courier" charset="0"/>
-                <a:ea typeface="Courier" charset="0"/>
-                <a:cs typeface="Courier" charset="0"/>
-              </a:rPr>
-              <a:t> –u 0.pool.ntp.org</a:t>
-            </a:r>
           </a:p>
         </p:txBody>
       </p:sp>
@@ -17733,14 +17632,14 @@
           <a:effectLst/>
           <a:extLst>
             <a:ext uri="{909E8E84-426E-40dd-AFC4-6F175D3DCCD1}">
-              <a14:hiddenFill xmlns:a14="http://schemas.microsoft.com/office/drawing/2010/main" xmlns="">
+              <a14:hiddenFill xmlns="" xmlns:a14="http://schemas.microsoft.com/office/drawing/2010/main">
                 <a:solidFill>
                   <a:srgbClr val="FFFFFF"/>
                 </a:solidFill>
               </a14:hiddenFill>
             </a:ext>
             <a:ext uri="{91240B29-F687-4f45-9708-019B960494DF}">
-              <a14:hiddenLine xmlns:a14="http://schemas.microsoft.com/office/drawing/2010/main" xmlns="" w="9525" cap="flat">
+              <a14:hiddenLine xmlns="" xmlns:a14="http://schemas.microsoft.com/office/drawing/2010/main" w="9525" cap="flat">
                 <a:solidFill>
                   <a:srgbClr val="3465A4"/>
                 </a:solidFill>
@@ -17750,7 +17649,7 @@
               </a14:hiddenLine>
             </a:ext>
             <a:ext uri="{AF507438-7753-43e0-B8FC-AC1667EBCBE1}">
-              <a14:hiddenEffects xmlns:a14="http://schemas.microsoft.com/office/drawing/2010/main" xmlns="">
+              <a14:hiddenEffects xmlns="" xmlns:a14="http://schemas.microsoft.com/office/drawing/2010/main">
                 <a:effectLst>
                   <a:outerShdw blurRad="63500" dist="38099" dir="2700000" algn="ctr" rotWithShape="0">
                     <a:srgbClr val="000000">
@@ -18162,14 +18061,14 @@
           <a:effectLst/>
           <a:extLst>
             <a:ext uri="{909E8E84-426E-40dd-AFC4-6F175D3DCCD1}">
-              <a14:hiddenFill xmlns:a14="http://schemas.microsoft.com/office/drawing/2010/main" xmlns="">
+              <a14:hiddenFill xmlns="" xmlns:a14="http://schemas.microsoft.com/office/drawing/2010/main">
                 <a:solidFill>
                   <a:srgbClr val="FFFFFF"/>
                 </a:solidFill>
               </a14:hiddenFill>
             </a:ext>
             <a:ext uri="{91240B29-F687-4f45-9708-019B960494DF}">
-              <a14:hiddenLine xmlns:a14="http://schemas.microsoft.com/office/drawing/2010/main" xmlns="" w="9525" cap="flat">
+              <a14:hiddenLine xmlns="" xmlns:a14="http://schemas.microsoft.com/office/drawing/2010/main" w="9525" cap="flat">
                 <a:solidFill>
                   <a:srgbClr val="3465A4"/>
                 </a:solidFill>
@@ -18179,7 +18078,7 @@
               </a14:hiddenLine>
             </a:ext>
             <a:ext uri="{AF507438-7753-43e0-B8FC-AC1667EBCBE1}">
-              <a14:hiddenEffects xmlns:a14="http://schemas.microsoft.com/office/drawing/2010/main" xmlns="">
+              <a14:hiddenEffects xmlns="" xmlns:a14="http://schemas.microsoft.com/office/drawing/2010/main">
                 <a:effectLst>
                   <a:outerShdw blurRad="63500" dist="38099" dir="2700000" algn="ctr" rotWithShape="0">
                     <a:srgbClr val="000000">
@@ -18883,14 +18782,14 @@
           <a:effectLst/>
           <a:extLst>
             <a:ext uri="{909E8E84-426E-40dd-AFC4-6F175D3DCCD1}">
-              <a14:hiddenFill xmlns:a14="http://schemas.microsoft.com/office/drawing/2010/main" xmlns="">
+              <a14:hiddenFill xmlns="" xmlns:a14="http://schemas.microsoft.com/office/drawing/2010/main">
                 <a:solidFill>
                   <a:srgbClr val="FFFFFF"/>
                 </a:solidFill>
               </a14:hiddenFill>
             </a:ext>
             <a:ext uri="{91240B29-F687-4f45-9708-019B960494DF}">
-              <a14:hiddenLine xmlns:a14="http://schemas.microsoft.com/office/drawing/2010/main" xmlns="" w="9525" cap="flat">
+              <a14:hiddenLine xmlns="" xmlns:a14="http://schemas.microsoft.com/office/drawing/2010/main" w="9525" cap="flat">
                 <a:solidFill>
                   <a:srgbClr val="3465A4"/>
                 </a:solidFill>
@@ -18900,7 +18799,7 @@
               </a14:hiddenLine>
             </a:ext>
             <a:ext uri="{AF507438-7753-43e0-B8FC-AC1667EBCBE1}">
-              <a14:hiddenEffects xmlns:a14="http://schemas.microsoft.com/office/drawing/2010/main" xmlns="">
+              <a14:hiddenEffects xmlns="" xmlns:a14="http://schemas.microsoft.com/office/drawing/2010/main">
                 <a:effectLst>
                   <a:outerShdw blurRad="63500" dist="38099" dir="2700000" algn="ctr" rotWithShape="0">
                     <a:srgbClr val="000000">
@@ -19312,14 +19211,14 @@
           <a:effectLst/>
           <a:extLst>
             <a:ext uri="{909E8E84-426E-40dd-AFC4-6F175D3DCCD1}">
-              <a14:hiddenFill xmlns:a14="http://schemas.microsoft.com/office/drawing/2010/main" xmlns="">
+              <a14:hiddenFill xmlns="" xmlns:a14="http://schemas.microsoft.com/office/drawing/2010/main">
                 <a:solidFill>
                   <a:srgbClr val="FFFFFF"/>
                 </a:solidFill>
               </a14:hiddenFill>
             </a:ext>
             <a:ext uri="{91240B29-F687-4f45-9708-019B960494DF}">
-              <a14:hiddenLine xmlns:a14="http://schemas.microsoft.com/office/drawing/2010/main" xmlns="" w="9525" cap="flat">
+              <a14:hiddenLine xmlns="" xmlns:a14="http://schemas.microsoft.com/office/drawing/2010/main" w="9525" cap="flat">
                 <a:solidFill>
                   <a:srgbClr val="3465A4"/>
                 </a:solidFill>
@@ -19329,7 +19228,7 @@
               </a14:hiddenLine>
             </a:ext>
             <a:ext uri="{AF507438-7753-43e0-B8FC-AC1667EBCBE1}">
-              <a14:hiddenEffects xmlns:a14="http://schemas.microsoft.com/office/drawing/2010/main" xmlns="">
+              <a14:hiddenEffects xmlns="" xmlns:a14="http://schemas.microsoft.com/office/drawing/2010/main">
                 <a:effectLst>
                   <a:outerShdw blurRad="63500" dist="38099" dir="2700000" algn="ctr" rotWithShape="0">
                     <a:srgbClr val="000000">
@@ -20405,14 +20304,14 @@
           <a:effectLst/>
           <a:extLst>
             <a:ext uri="{909E8E84-426E-40dd-AFC4-6F175D3DCCD1}">
-              <a14:hiddenFill xmlns:a14="http://schemas.microsoft.com/office/drawing/2010/main" xmlns="">
+              <a14:hiddenFill xmlns="" xmlns:a14="http://schemas.microsoft.com/office/drawing/2010/main">
                 <a:solidFill>
                   <a:srgbClr val="FFFFFF"/>
                 </a:solidFill>
               </a14:hiddenFill>
             </a:ext>
             <a:ext uri="{91240B29-F687-4f45-9708-019B960494DF}">
-              <a14:hiddenLine xmlns:a14="http://schemas.microsoft.com/office/drawing/2010/main" xmlns="" w="9525" cap="flat">
+              <a14:hiddenLine xmlns="" xmlns:a14="http://schemas.microsoft.com/office/drawing/2010/main" w="9525" cap="flat">
                 <a:solidFill>
                   <a:srgbClr val="3465A4"/>
                 </a:solidFill>
@@ -20422,7 +20321,7 @@
               </a14:hiddenLine>
             </a:ext>
             <a:ext uri="{AF507438-7753-43e0-B8FC-AC1667EBCBE1}">
-              <a14:hiddenEffects xmlns:a14="http://schemas.microsoft.com/office/drawing/2010/main" xmlns="">
+              <a14:hiddenEffects xmlns="" xmlns:a14="http://schemas.microsoft.com/office/drawing/2010/main">
                 <a:effectLst>
                   <a:outerShdw blurRad="63500" dist="38099" dir="2700000" algn="ctr" rotWithShape="0">
                     <a:srgbClr val="000000">
@@ -20834,14 +20733,14 @@
           <a:effectLst/>
           <a:extLst>
             <a:ext uri="{909E8E84-426E-40dd-AFC4-6F175D3DCCD1}">
-              <a14:hiddenFill xmlns:a14="http://schemas.microsoft.com/office/drawing/2010/main" xmlns="">
+              <a14:hiddenFill xmlns="" xmlns:a14="http://schemas.microsoft.com/office/drawing/2010/main">
                 <a:solidFill>
                   <a:srgbClr val="FFFFFF"/>
                 </a:solidFill>
               </a14:hiddenFill>
             </a:ext>
             <a:ext uri="{91240B29-F687-4f45-9708-019B960494DF}">
-              <a14:hiddenLine xmlns:a14="http://schemas.microsoft.com/office/drawing/2010/main" xmlns="" w="9525" cap="flat">
+              <a14:hiddenLine xmlns="" xmlns:a14="http://schemas.microsoft.com/office/drawing/2010/main" w="9525" cap="flat">
                 <a:solidFill>
                   <a:srgbClr val="3465A4"/>
                 </a:solidFill>
@@ -20851,7 +20750,7 @@
               </a14:hiddenLine>
             </a:ext>
             <a:ext uri="{AF507438-7753-43e0-B8FC-AC1667EBCBE1}">
-              <a14:hiddenEffects xmlns:a14="http://schemas.microsoft.com/office/drawing/2010/main" xmlns="">
+              <a14:hiddenEffects xmlns="" xmlns:a14="http://schemas.microsoft.com/office/drawing/2010/main">
                 <a:effectLst>
                   <a:outerShdw blurRad="63500" dist="38099" dir="2700000" algn="ctr" rotWithShape="0">
                     <a:srgbClr val="000000">
@@ -21710,14 +21609,14 @@
           <a:effectLst/>
           <a:extLst>
             <a:ext uri="{909E8E84-426E-40dd-AFC4-6F175D3DCCD1}">
-              <a14:hiddenFill xmlns:a14="http://schemas.microsoft.com/office/drawing/2010/main" xmlns="">
+              <a14:hiddenFill xmlns="" xmlns:a14="http://schemas.microsoft.com/office/drawing/2010/main">
                 <a:solidFill>
                   <a:srgbClr val="FFFFFF"/>
                 </a:solidFill>
               </a14:hiddenFill>
             </a:ext>
             <a:ext uri="{91240B29-F687-4f45-9708-019B960494DF}">
-              <a14:hiddenLine xmlns:a14="http://schemas.microsoft.com/office/drawing/2010/main" xmlns="" w="9525" cap="flat">
+              <a14:hiddenLine xmlns="" xmlns:a14="http://schemas.microsoft.com/office/drawing/2010/main" w="9525" cap="flat">
                 <a:solidFill>
                   <a:srgbClr val="3465A4"/>
                 </a:solidFill>
@@ -21727,7 +21626,7 @@
               </a14:hiddenLine>
             </a:ext>
             <a:ext uri="{AF507438-7753-43e0-B8FC-AC1667EBCBE1}">
-              <a14:hiddenEffects xmlns:a14="http://schemas.microsoft.com/office/drawing/2010/main" xmlns="">
+              <a14:hiddenEffects xmlns="" xmlns:a14="http://schemas.microsoft.com/office/drawing/2010/main">
                 <a:effectLst>
                   <a:outerShdw blurRad="63500" dist="38099" dir="2700000" algn="ctr" rotWithShape="0">
                     <a:srgbClr val="000000">
@@ -22139,14 +22038,14 @@
           <a:effectLst/>
           <a:extLst>
             <a:ext uri="{909E8E84-426E-40dd-AFC4-6F175D3DCCD1}">
-              <a14:hiddenFill xmlns:a14="http://schemas.microsoft.com/office/drawing/2010/main" xmlns="">
+              <a14:hiddenFill xmlns="" xmlns:a14="http://schemas.microsoft.com/office/drawing/2010/main">
                 <a:solidFill>
                   <a:srgbClr val="FFFFFF"/>
                 </a:solidFill>
               </a14:hiddenFill>
             </a:ext>
             <a:ext uri="{91240B29-F687-4f45-9708-019B960494DF}">
-              <a14:hiddenLine xmlns:a14="http://schemas.microsoft.com/office/drawing/2010/main" xmlns="" w="9525" cap="flat">
+              <a14:hiddenLine xmlns="" xmlns:a14="http://schemas.microsoft.com/office/drawing/2010/main" w="9525" cap="flat">
                 <a:solidFill>
                   <a:srgbClr val="3465A4"/>
                 </a:solidFill>
@@ -22156,7 +22055,7 @@
               </a14:hiddenLine>
             </a:ext>
             <a:ext uri="{AF507438-7753-43e0-B8FC-AC1667EBCBE1}">
-              <a14:hiddenEffects xmlns:a14="http://schemas.microsoft.com/office/drawing/2010/main" xmlns="">
+              <a14:hiddenEffects xmlns="" xmlns:a14="http://schemas.microsoft.com/office/drawing/2010/main">
                 <a:effectLst>
                   <a:outerShdw blurRad="63500" dist="38099" dir="2700000" algn="ctr" rotWithShape="0">
                     <a:srgbClr val="000000">
@@ -23146,14 +23045,14 @@
           <a:effectLst/>
           <a:extLst>
             <a:ext uri="{909E8E84-426E-40dd-AFC4-6F175D3DCCD1}">
-              <a14:hiddenFill xmlns:a14="http://schemas.microsoft.com/office/drawing/2010/main" xmlns="">
+              <a14:hiddenFill xmlns="" xmlns:a14="http://schemas.microsoft.com/office/drawing/2010/main">
                 <a:solidFill>
                   <a:srgbClr val="FFFFFF"/>
                 </a:solidFill>
               </a14:hiddenFill>
             </a:ext>
             <a:ext uri="{91240B29-F687-4f45-9708-019B960494DF}">
-              <a14:hiddenLine xmlns:a14="http://schemas.microsoft.com/office/drawing/2010/main" xmlns="" w="9525" cap="flat">
+              <a14:hiddenLine xmlns="" xmlns:a14="http://schemas.microsoft.com/office/drawing/2010/main" w="9525" cap="flat">
                 <a:solidFill>
                   <a:srgbClr val="3465A4"/>
                 </a:solidFill>
@@ -23163,7 +23062,7 @@
               </a14:hiddenLine>
             </a:ext>
             <a:ext uri="{AF507438-7753-43e0-B8FC-AC1667EBCBE1}">
-              <a14:hiddenEffects xmlns:a14="http://schemas.microsoft.com/office/drawing/2010/main" xmlns="">
+              <a14:hiddenEffects xmlns="" xmlns:a14="http://schemas.microsoft.com/office/drawing/2010/main">
                 <a:effectLst>
                   <a:outerShdw blurRad="63500" dist="38099" dir="2700000" algn="ctr" rotWithShape="0">
                     <a:srgbClr val="000000">
@@ -23575,14 +23474,14 @@
           <a:effectLst/>
           <a:extLst>
             <a:ext uri="{909E8E84-426E-40dd-AFC4-6F175D3DCCD1}">
-              <a14:hiddenFill xmlns:a14="http://schemas.microsoft.com/office/drawing/2010/main" xmlns="">
+              <a14:hiddenFill xmlns="" xmlns:a14="http://schemas.microsoft.com/office/drawing/2010/main">
                 <a:solidFill>
                   <a:srgbClr val="FFFFFF"/>
                 </a:solidFill>
               </a14:hiddenFill>
             </a:ext>
             <a:ext uri="{91240B29-F687-4f45-9708-019B960494DF}">
-              <a14:hiddenLine xmlns:a14="http://schemas.microsoft.com/office/drawing/2010/main" xmlns="" w="9525" cap="flat">
+              <a14:hiddenLine xmlns="" xmlns:a14="http://schemas.microsoft.com/office/drawing/2010/main" w="9525" cap="flat">
                 <a:solidFill>
                   <a:srgbClr val="3465A4"/>
                 </a:solidFill>
@@ -23592,7 +23491,7 @@
               </a14:hiddenLine>
             </a:ext>
             <a:ext uri="{AF507438-7753-43e0-B8FC-AC1667EBCBE1}">
-              <a14:hiddenEffects xmlns:a14="http://schemas.microsoft.com/office/drawing/2010/main" xmlns="">
+              <a14:hiddenEffects xmlns="" xmlns:a14="http://schemas.microsoft.com/office/drawing/2010/main">
                 <a:effectLst>
                   <a:outerShdw blurRad="63500" dist="38099" dir="2700000" algn="ctr" rotWithShape="0">
                     <a:srgbClr val="000000">
@@ -24582,14 +24481,14 @@
           <a:effectLst/>
           <a:extLst>
             <a:ext uri="{909E8E84-426E-40dd-AFC4-6F175D3DCCD1}">
-              <a14:hiddenFill xmlns:a14="http://schemas.microsoft.com/office/drawing/2010/main" xmlns="">
+              <a14:hiddenFill xmlns="" xmlns:a14="http://schemas.microsoft.com/office/drawing/2010/main">
                 <a:solidFill>
                   <a:srgbClr val="FFFFFF"/>
                 </a:solidFill>
               </a14:hiddenFill>
             </a:ext>
             <a:ext uri="{91240B29-F687-4f45-9708-019B960494DF}">
-              <a14:hiddenLine xmlns:a14="http://schemas.microsoft.com/office/drawing/2010/main" xmlns="" w="9525" cap="flat">
+              <a14:hiddenLine xmlns="" xmlns:a14="http://schemas.microsoft.com/office/drawing/2010/main" w="9525" cap="flat">
                 <a:solidFill>
                   <a:srgbClr val="3465A4"/>
                 </a:solidFill>
@@ -24599,7 +24498,7 @@
               </a14:hiddenLine>
             </a:ext>
             <a:ext uri="{AF507438-7753-43e0-B8FC-AC1667EBCBE1}">
-              <a14:hiddenEffects xmlns:a14="http://schemas.microsoft.com/office/drawing/2010/main" xmlns="">
+              <a14:hiddenEffects xmlns="" xmlns:a14="http://schemas.microsoft.com/office/drawing/2010/main">
                 <a:effectLst>
                   <a:outerShdw blurRad="63500" dist="38099" dir="2700000" algn="ctr" rotWithShape="0">
                     <a:srgbClr val="000000">
@@ -25011,14 +24910,14 @@
           <a:effectLst/>
           <a:extLst>
             <a:ext uri="{909E8E84-426E-40dd-AFC4-6F175D3DCCD1}">
-              <a14:hiddenFill xmlns:a14="http://schemas.microsoft.com/office/drawing/2010/main" xmlns="">
+              <a14:hiddenFill xmlns="" xmlns:a14="http://schemas.microsoft.com/office/drawing/2010/main">
                 <a:solidFill>
                   <a:srgbClr val="FFFFFF"/>
                 </a:solidFill>
               </a14:hiddenFill>
             </a:ext>
             <a:ext uri="{91240B29-F687-4f45-9708-019B960494DF}">
-              <a14:hiddenLine xmlns:a14="http://schemas.microsoft.com/office/drawing/2010/main" xmlns="" w="9525" cap="flat">
+              <a14:hiddenLine xmlns="" xmlns:a14="http://schemas.microsoft.com/office/drawing/2010/main" w="9525" cap="flat">
                 <a:solidFill>
                   <a:srgbClr val="3465A4"/>
                 </a:solidFill>
@@ -25028,7 +24927,7 @@
               </a14:hiddenLine>
             </a:ext>
             <a:ext uri="{AF507438-7753-43e0-B8FC-AC1667EBCBE1}">
-              <a14:hiddenEffects xmlns:a14="http://schemas.microsoft.com/office/drawing/2010/main" xmlns="">
+              <a14:hiddenEffects xmlns="" xmlns:a14="http://schemas.microsoft.com/office/drawing/2010/main">
                 <a:effectLst>
                   <a:outerShdw blurRad="63500" dist="38099" dir="2700000" algn="ctr" rotWithShape="0">
                     <a:srgbClr val="000000">
@@ -25733,14 +25632,14 @@
           <a:effectLst/>
           <a:extLst>
             <a:ext uri="{909E8E84-426E-40dd-AFC4-6F175D3DCCD1}">
-              <a14:hiddenFill xmlns:a14="http://schemas.microsoft.com/office/drawing/2010/main" xmlns="">
+              <a14:hiddenFill xmlns="" xmlns:a14="http://schemas.microsoft.com/office/drawing/2010/main">
                 <a:solidFill>
                   <a:srgbClr val="FFFFFF"/>
                 </a:solidFill>
               </a14:hiddenFill>
             </a:ext>
             <a:ext uri="{91240B29-F687-4f45-9708-019B960494DF}">
-              <a14:hiddenLine xmlns:a14="http://schemas.microsoft.com/office/drawing/2010/main" xmlns="" w="9525" cap="flat">
+              <a14:hiddenLine xmlns="" xmlns:a14="http://schemas.microsoft.com/office/drawing/2010/main" w="9525" cap="flat">
                 <a:solidFill>
                   <a:srgbClr val="3465A4"/>
                 </a:solidFill>
@@ -25750,7 +25649,7 @@
               </a14:hiddenLine>
             </a:ext>
             <a:ext uri="{AF507438-7753-43e0-B8FC-AC1667EBCBE1}">
-              <a14:hiddenEffects xmlns:a14="http://schemas.microsoft.com/office/drawing/2010/main" xmlns="">
+              <a14:hiddenEffects xmlns="" xmlns:a14="http://schemas.microsoft.com/office/drawing/2010/main">
                 <a:effectLst>
                   <a:outerShdw blurRad="63500" dist="38099" dir="2700000" algn="ctr" rotWithShape="0">
                     <a:srgbClr val="000000">
@@ -26162,14 +26061,14 @@
           <a:effectLst/>
           <a:extLst>
             <a:ext uri="{909E8E84-426E-40dd-AFC4-6F175D3DCCD1}">
-              <a14:hiddenFill xmlns:a14="http://schemas.microsoft.com/office/drawing/2010/main" xmlns="">
+              <a14:hiddenFill xmlns="" xmlns:a14="http://schemas.microsoft.com/office/drawing/2010/main">
                 <a:solidFill>
                   <a:srgbClr val="FFFFFF"/>
                 </a:solidFill>
               </a14:hiddenFill>
             </a:ext>
             <a:ext uri="{91240B29-F687-4f45-9708-019B960494DF}">
-              <a14:hiddenLine xmlns:a14="http://schemas.microsoft.com/office/drawing/2010/main" xmlns="" w="9525" cap="flat">
+              <a14:hiddenLine xmlns="" xmlns:a14="http://schemas.microsoft.com/office/drawing/2010/main" w="9525" cap="flat">
                 <a:solidFill>
                   <a:srgbClr val="3465A4"/>
                 </a:solidFill>
@@ -26179,7 +26078,7 @@
               </a14:hiddenLine>
             </a:ext>
             <a:ext uri="{AF507438-7753-43e0-B8FC-AC1667EBCBE1}">
-              <a14:hiddenEffects xmlns:a14="http://schemas.microsoft.com/office/drawing/2010/main" xmlns="">
+              <a14:hiddenEffects xmlns="" xmlns:a14="http://schemas.microsoft.com/office/drawing/2010/main">
                 <a:effectLst>
                   <a:outerShdw blurRad="63500" dist="38099" dir="2700000" algn="ctr" rotWithShape="0">
                     <a:srgbClr val="000000">
@@ -27250,14 +27149,14 @@
           <a:effectLst/>
           <a:extLst>
             <a:ext uri="{909E8E84-426E-40dd-AFC4-6F175D3DCCD1}">
-              <a14:hiddenFill xmlns:a14="http://schemas.microsoft.com/office/drawing/2010/main" xmlns="">
+              <a14:hiddenFill xmlns="" xmlns:a14="http://schemas.microsoft.com/office/drawing/2010/main">
                 <a:solidFill>
                   <a:srgbClr val="FFFFFF"/>
                 </a:solidFill>
               </a14:hiddenFill>
             </a:ext>
             <a:ext uri="{91240B29-F687-4f45-9708-019B960494DF}">
-              <a14:hiddenLine xmlns:a14="http://schemas.microsoft.com/office/drawing/2010/main" xmlns="" w="9525" cap="flat">
+              <a14:hiddenLine xmlns="" xmlns:a14="http://schemas.microsoft.com/office/drawing/2010/main" w="9525" cap="flat">
                 <a:solidFill>
                   <a:srgbClr val="3465A4"/>
                 </a:solidFill>
@@ -27267,7 +27166,7 @@
               </a14:hiddenLine>
             </a:ext>
             <a:ext uri="{AF507438-7753-43e0-B8FC-AC1667EBCBE1}">
-              <a14:hiddenEffects xmlns:a14="http://schemas.microsoft.com/office/drawing/2010/main" xmlns="">
+              <a14:hiddenEffects xmlns="" xmlns:a14="http://schemas.microsoft.com/office/drawing/2010/main">
                 <a:effectLst>
                   <a:outerShdw blurRad="63500" dist="38099" dir="2700000" algn="ctr" rotWithShape="0">
                     <a:srgbClr val="000000">
@@ -27679,14 +27578,14 @@
           <a:effectLst/>
           <a:extLst>
             <a:ext uri="{909E8E84-426E-40dd-AFC4-6F175D3DCCD1}">
-              <a14:hiddenFill xmlns:a14="http://schemas.microsoft.com/office/drawing/2010/main" xmlns="">
+              <a14:hiddenFill xmlns="" xmlns:a14="http://schemas.microsoft.com/office/drawing/2010/main">
                 <a:solidFill>
                   <a:srgbClr val="FFFFFF"/>
                 </a:solidFill>
               </a14:hiddenFill>
             </a:ext>
             <a:ext uri="{91240B29-F687-4f45-9708-019B960494DF}">
-              <a14:hiddenLine xmlns:a14="http://schemas.microsoft.com/office/drawing/2010/main" xmlns="" w="9525" cap="flat">
+              <a14:hiddenLine xmlns="" xmlns:a14="http://schemas.microsoft.com/office/drawing/2010/main" w="9525" cap="flat">
                 <a:solidFill>
                   <a:srgbClr val="3465A4"/>
                 </a:solidFill>
@@ -27696,7 +27595,7 @@
               </a14:hiddenLine>
             </a:ext>
             <a:ext uri="{AF507438-7753-43e0-B8FC-AC1667EBCBE1}">
-              <a14:hiddenEffects xmlns:a14="http://schemas.microsoft.com/office/drawing/2010/main" xmlns="">
+              <a14:hiddenEffects xmlns="" xmlns:a14="http://schemas.microsoft.com/office/drawing/2010/main">
                 <a:effectLst>
                   <a:outerShdw blurRad="63500" dist="38099" dir="2700000" algn="ctr" rotWithShape="0">
                     <a:srgbClr val="000000">
@@ -28563,14 +28462,14 @@
           <a:effectLst/>
           <a:extLst>
             <a:ext uri="{909E8E84-426E-40dd-AFC4-6F175D3DCCD1}">
-              <a14:hiddenFill xmlns:a14="http://schemas.microsoft.com/office/drawing/2010/main" xmlns="">
+              <a14:hiddenFill xmlns="" xmlns:a14="http://schemas.microsoft.com/office/drawing/2010/main">
                 <a:solidFill>
                   <a:srgbClr val="FFFFFF"/>
                 </a:solidFill>
               </a14:hiddenFill>
             </a:ext>
             <a:ext uri="{91240B29-F687-4f45-9708-019B960494DF}">
-              <a14:hiddenLine xmlns:a14="http://schemas.microsoft.com/office/drawing/2010/main" xmlns="" w="9525" cap="flat">
+              <a14:hiddenLine xmlns="" xmlns:a14="http://schemas.microsoft.com/office/drawing/2010/main" w="9525" cap="flat">
                 <a:solidFill>
                   <a:srgbClr val="3465A4"/>
                 </a:solidFill>
@@ -28580,7 +28479,7 @@
               </a14:hiddenLine>
             </a:ext>
             <a:ext uri="{AF507438-7753-43e0-B8FC-AC1667EBCBE1}">
-              <a14:hiddenEffects xmlns:a14="http://schemas.microsoft.com/office/drawing/2010/main" xmlns="">
+              <a14:hiddenEffects xmlns="" xmlns:a14="http://schemas.microsoft.com/office/drawing/2010/main">
                 <a:effectLst>
                   <a:outerShdw blurRad="63500" dist="38099" dir="2700000" algn="ctr" rotWithShape="0">
                     <a:srgbClr val="000000">
@@ -28992,14 +28891,14 @@
           <a:effectLst/>
           <a:extLst>
             <a:ext uri="{909E8E84-426E-40dd-AFC4-6F175D3DCCD1}">
-              <a14:hiddenFill xmlns:a14="http://schemas.microsoft.com/office/drawing/2010/main" xmlns="">
+              <a14:hiddenFill xmlns="" xmlns:a14="http://schemas.microsoft.com/office/drawing/2010/main">
                 <a:solidFill>
                   <a:srgbClr val="FFFFFF"/>
                 </a:solidFill>
               </a14:hiddenFill>
             </a:ext>
             <a:ext uri="{91240B29-F687-4f45-9708-019B960494DF}">
-              <a14:hiddenLine xmlns:a14="http://schemas.microsoft.com/office/drawing/2010/main" xmlns="" w="9525" cap="flat">
+              <a14:hiddenLine xmlns="" xmlns:a14="http://schemas.microsoft.com/office/drawing/2010/main" w="9525" cap="flat">
                 <a:solidFill>
                   <a:srgbClr val="3465A4"/>
                 </a:solidFill>
@@ -29009,7 +28908,7 @@
               </a14:hiddenLine>
             </a:ext>
             <a:ext uri="{AF507438-7753-43e0-B8FC-AC1667EBCBE1}">
-              <a14:hiddenEffects xmlns:a14="http://schemas.microsoft.com/office/drawing/2010/main" xmlns="">
+              <a14:hiddenEffects xmlns="" xmlns:a14="http://schemas.microsoft.com/office/drawing/2010/main">
                 <a:effectLst>
                   <a:outerShdw blurRad="63500" dist="38099" dir="2700000" algn="ctr" rotWithShape="0">
                     <a:srgbClr val="000000">
@@ -29495,6 +29394,1261 @@
 </file>
 
 <file path=ppt/slides/slide20.xml><?xml version="1.0" encoding="utf-8"?>
+<p:sld xmlns:a="http://schemas.openxmlformats.org/drawingml/2006/main" xmlns:r="http://schemas.openxmlformats.org/officeDocument/2006/relationships" xmlns:p="http://schemas.openxmlformats.org/presentationml/2006/main">
+  <p:cSld>
+    <p:spTree>
+      <p:nvGrpSpPr>
+        <p:cNvPr id="1" name=""/>
+        <p:cNvGrpSpPr/>
+        <p:nvPr/>
+      </p:nvGrpSpPr>
+      <p:grpSpPr>
+        <a:xfrm>
+          <a:off x="0" y="0"/>
+          <a:ext cx="0" cy="0"/>
+          <a:chOff x="0" y="0"/>
+          <a:chExt cx="0" cy="0"/>
+        </a:xfrm>
+      </p:grpSpPr>
+      <p:sp>
+        <p:nvSpPr>
+          <p:cNvPr id="4" name="Title 3">
+            <a:extLst>
+              <a:ext uri="{FF2B5EF4-FFF2-40B4-BE49-F238E27FC236}">
+                <a16:creationId xmlns:a16="http://schemas.microsoft.com/office/drawing/2014/main" id="{FCF35A12-02BD-6349-8D6B-4A5C24E2F4DE}"/>
+              </a:ext>
+            </a:extLst>
+          </p:cNvPr>
+          <p:cNvSpPr>
+            <a:spLocks noGrp="1"/>
+          </p:cNvSpPr>
+          <p:nvPr>
+            <p:ph type="title"/>
+          </p:nvPr>
+        </p:nvSpPr>
+        <p:spPr/>
+        <p:txBody>
+          <a:bodyPr/>
+          <a:lstStyle/>
+          <a:p>
+            <a:r>
+              <a:rPr lang="en-US" dirty="0"/>
+              <a:t>NTP Client configuration</a:t>
+            </a:r>
+          </a:p>
+        </p:txBody>
+      </p:sp>
+      <p:sp>
+        <p:nvSpPr>
+          <p:cNvPr id="5" name="Text Placeholder 4">
+            <a:extLst>
+              <a:ext uri="{FF2B5EF4-FFF2-40B4-BE49-F238E27FC236}">
+                <a16:creationId xmlns:a16="http://schemas.microsoft.com/office/drawing/2014/main" id="{C89F17BA-A7AF-CB46-BB44-E3AEACC34F74}"/>
+              </a:ext>
+            </a:extLst>
+          </p:cNvPr>
+          <p:cNvSpPr>
+            <a:spLocks noGrp="1"/>
+          </p:cNvSpPr>
+          <p:nvPr>
+            <p:ph type="body" idx="1"/>
+          </p:nvPr>
+        </p:nvSpPr>
+        <p:spPr/>
+        <p:txBody>
+          <a:bodyPr/>
+          <a:lstStyle/>
+          <a:p>
+            <a:endParaRPr lang="en-US" dirty="0"/>
+          </a:p>
+        </p:txBody>
+      </p:sp>
+    </p:spTree>
+    <p:extLst>
+      <p:ext uri="{BB962C8B-B14F-4D97-AF65-F5344CB8AC3E}">
+        <p14:creationId xmlns:p14="http://schemas.microsoft.com/office/powerpoint/2010/main" val="274767775"/>
+      </p:ext>
+    </p:extLst>
+  </p:cSld>
+  <p:clrMapOvr>
+    <a:masterClrMapping/>
+  </p:clrMapOvr>
+</p:sld>
+</file>
+
+<file path=ppt/slides/slide21.xml><?xml version="1.0" encoding="utf-8"?>
+<p:sld xmlns:a="http://schemas.openxmlformats.org/drawingml/2006/main" xmlns:r="http://schemas.openxmlformats.org/officeDocument/2006/relationships" xmlns:p="http://schemas.openxmlformats.org/presentationml/2006/main">
+  <p:cSld>
+    <p:spTree>
+      <p:nvGrpSpPr>
+        <p:cNvPr id="1" name=""/>
+        <p:cNvGrpSpPr/>
+        <p:nvPr/>
+      </p:nvGrpSpPr>
+      <p:grpSpPr>
+        <a:xfrm>
+          <a:off x="0" y="0"/>
+          <a:ext cx="0" cy="0"/>
+          <a:chOff x="0" y="0"/>
+          <a:chExt cx="0" cy="0"/>
+        </a:xfrm>
+      </p:grpSpPr>
+      <p:sp>
+        <p:nvSpPr>
+          <p:cNvPr id="2" name="Title 1">
+            <a:extLst>
+              <a:ext uri="{FF2B5EF4-FFF2-40B4-BE49-F238E27FC236}">
+                <a16:creationId xmlns:a16="http://schemas.microsoft.com/office/drawing/2014/main" id="{4A91EE99-F3D1-B048-99C1-0941B3217986}"/>
+              </a:ext>
+            </a:extLst>
+          </p:cNvPr>
+          <p:cNvSpPr>
+            <a:spLocks noGrp="1"/>
+          </p:cNvSpPr>
+          <p:nvPr>
+            <p:ph type="title"/>
+          </p:nvPr>
+        </p:nvSpPr>
+        <p:spPr/>
+        <p:txBody>
+          <a:bodyPr/>
+          <a:lstStyle/>
+          <a:p>
+            <a:r>
+              <a:rPr lang="en-US" dirty="0" err="1"/>
+              <a:t>Ntpdate</a:t>
+            </a:r>
+            <a:r>
+              <a:rPr lang="en-US" dirty="0"/>
+              <a:t> </a:t>
+            </a:r>
+          </a:p>
+        </p:txBody>
+      </p:sp>
+      <p:sp>
+        <p:nvSpPr>
+          <p:cNvPr id="3" name="Content Placeholder 2">
+            <a:extLst>
+              <a:ext uri="{FF2B5EF4-FFF2-40B4-BE49-F238E27FC236}">
+                <a16:creationId xmlns:a16="http://schemas.microsoft.com/office/drawing/2014/main" id="{FB8A5CC4-82BE-6542-9134-D8EEE20FA385}"/>
+              </a:ext>
+            </a:extLst>
+          </p:cNvPr>
+          <p:cNvSpPr>
+            <a:spLocks noGrp="1"/>
+          </p:cNvSpPr>
+          <p:nvPr>
+            <p:ph idx="1"/>
+          </p:nvPr>
+        </p:nvSpPr>
+        <p:spPr/>
+        <p:txBody>
+          <a:bodyPr/>
+          <a:lstStyle/>
+          <a:p>
+            <a:pPr marL="457200" indent="-457200">
+              <a:buFont typeface="Arial" panose="020B0604020202020204" pitchFamily="34" charset="0"/>
+              <a:buChar char="•"/>
+            </a:pPr>
+            <a:r>
+              <a:rPr lang="en-US" dirty="0"/>
+              <a:t>On many </a:t>
+            </a:r>
+            <a:r>
+              <a:rPr lang="en-US" dirty="0" err="1"/>
+              <a:t>linux</a:t>
+            </a:r>
+            <a:r>
+              <a:rPr lang="en-US" dirty="0"/>
+              <a:t>/</a:t>
+            </a:r>
+            <a:r>
+              <a:rPr lang="en-US" dirty="0" err="1"/>
+              <a:t>unix</a:t>
+            </a:r>
+            <a:r>
+              <a:rPr lang="en-US" dirty="0"/>
+              <a:t> systems </a:t>
+            </a:r>
+            <a:r>
+              <a:rPr lang="en-US" b="1" dirty="0" err="1"/>
+              <a:t>ntpdate</a:t>
+            </a:r>
+            <a:r>
+              <a:rPr lang="en-US" dirty="0"/>
+              <a:t> is the client that is used to sync time on the local host from strata servers</a:t>
+            </a:r>
+          </a:p>
+          <a:p>
+            <a:pPr marL="457200" indent="-457200">
+              <a:buFont typeface="Arial" panose="020B0604020202020204" pitchFamily="34" charset="0"/>
+              <a:buChar char="•"/>
+            </a:pPr>
+            <a:r>
+              <a:rPr lang="en-US" dirty="0" err="1"/>
+              <a:t>ntp</a:t>
+            </a:r>
+            <a:r>
+              <a:rPr lang="en-US" dirty="0"/>
+              <a:t> server daemon (</a:t>
+            </a:r>
+            <a:r>
+              <a:rPr lang="en-US" b="1" dirty="0" err="1"/>
+              <a:t>ntpd</a:t>
+            </a:r>
+            <a:r>
+              <a:rPr lang="en-US" dirty="0"/>
+              <a:t>) also an (</a:t>
+            </a:r>
+            <a:r>
+              <a:rPr lang="en-US" b="1" dirty="0"/>
+              <a:t>-q)</a:t>
+            </a:r>
+            <a:r>
+              <a:rPr lang="en-US" dirty="0"/>
+              <a:t> option that sync the time on the local host</a:t>
+            </a:r>
+          </a:p>
+          <a:p>
+            <a:pPr marL="457200" indent="-457200">
+              <a:buFont typeface="Arial" panose="020B0604020202020204" pitchFamily="34" charset="0"/>
+              <a:buChar char="•"/>
+            </a:pPr>
+            <a:r>
+              <a:rPr lang="en-US" dirty="0"/>
+              <a:t>The plan is to retire the </a:t>
+            </a:r>
+            <a:r>
+              <a:rPr lang="en-US" dirty="0" err="1"/>
+              <a:t>ntpdate</a:t>
+            </a:r>
+            <a:r>
+              <a:rPr lang="en-US" dirty="0"/>
+              <a:t> (after a sufficient mourning period) with a script using </a:t>
+            </a:r>
+            <a:r>
+              <a:rPr lang="en-US" b="1" dirty="0" err="1"/>
+              <a:t>ntpd</a:t>
+            </a:r>
+            <a:r>
+              <a:rPr lang="en-US" b="1" dirty="0"/>
+              <a:t> -q</a:t>
+            </a:r>
+            <a:r>
+              <a:rPr lang="en-US" dirty="0"/>
+              <a:t> option </a:t>
+            </a:r>
+          </a:p>
+        </p:txBody>
+      </p:sp>
+    </p:spTree>
+    <p:extLst>
+      <p:ext uri="{BB962C8B-B14F-4D97-AF65-F5344CB8AC3E}">
+        <p14:creationId xmlns:p14="http://schemas.microsoft.com/office/powerpoint/2010/main" val="4009626233"/>
+      </p:ext>
+    </p:extLst>
+  </p:cSld>
+  <p:clrMapOvr>
+    <a:masterClrMapping/>
+  </p:clrMapOvr>
+</p:sld>
+</file>
+
+<file path=ppt/slides/slide22.xml><?xml version="1.0" encoding="utf-8"?>
+<p:sld xmlns:a="http://schemas.openxmlformats.org/drawingml/2006/main" xmlns:r="http://schemas.openxmlformats.org/officeDocument/2006/relationships" xmlns:p="http://schemas.openxmlformats.org/presentationml/2006/main">
+  <p:cSld>
+    <p:spTree>
+      <p:nvGrpSpPr>
+        <p:cNvPr id="1" name=""/>
+        <p:cNvGrpSpPr/>
+        <p:nvPr/>
+      </p:nvGrpSpPr>
+      <p:grpSpPr>
+        <a:xfrm>
+          <a:off x="0" y="0"/>
+          <a:ext cx="0" cy="0"/>
+          <a:chOff x="0" y="0"/>
+          <a:chExt cx="0" cy="0"/>
+        </a:xfrm>
+      </p:grpSpPr>
+      <p:sp>
+        <p:nvSpPr>
+          <p:cNvPr id="2" name="Title 1">
+            <a:extLst>
+              <a:ext uri="{FF2B5EF4-FFF2-40B4-BE49-F238E27FC236}">
+                <a16:creationId xmlns:a16="http://schemas.microsoft.com/office/drawing/2014/main" id="{8075144F-FD28-9641-AF0C-7EE2BFF43151}"/>
+              </a:ext>
+            </a:extLst>
+          </p:cNvPr>
+          <p:cNvSpPr>
+            <a:spLocks noGrp="1"/>
+          </p:cNvSpPr>
+          <p:nvPr>
+            <p:ph type="title"/>
+          </p:nvPr>
+        </p:nvSpPr>
+        <p:spPr/>
+        <p:txBody>
+          <a:bodyPr/>
+          <a:lstStyle/>
+          <a:p>
+            <a:r>
+              <a:rPr lang="en-US" dirty="0" err="1"/>
+              <a:t>Ntpdate</a:t>
+            </a:r>
+            <a:endParaRPr lang="en-US" dirty="0"/>
+          </a:p>
+        </p:txBody>
+      </p:sp>
+      <p:sp>
+        <p:nvSpPr>
+          <p:cNvPr id="3" name="Content Placeholder 2">
+            <a:extLst>
+              <a:ext uri="{FF2B5EF4-FFF2-40B4-BE49-F238E27FC236}">
+                <a16:creationId xmlns:a16="http://schemas.microsoft.com/office/drawing/2014/main" id="{E7CF5F52-55A1-8547-AD51-B47BDC51F33E}"/>
+              </a:ext>
+            </a:extLst>
+          </p:cNvPr>
+          <p:cNvSpPr>
+            <a:spLocks noGrp="1"/>
+          </p:cNvSpPr>
+          <p:nvPr>
+            <p:ph idx="1"/>
+          </p:nvPr>
+        </p:nvSpPr>
+        <p:spPr/>
+        <p:txBody>
+          <a:bodyPr/>
+          <a:lstStyle/>
+          <a:p>
+            <a:pPr marL="457200" indent="-457200">
+              <a:buFont typeface="Arial" panose="020B0604020202020204" pitchFamily="34" charset="0"/>
+              <a:buChar char="•"/>
+            </a:pPr>
+            <a:r>
+              <a:rPr lang="en-US" dirty="0">
+                <a:ea typeface="Arial" charset="0"/>
+                <a:cs typeface="Arial" charset="0"/>
+              </a:rPr>
+              <a:t>Install </a:t>
+            </a:r>
+            <a:r>
+              <a:rPr lang="en-US" dirty="0" err="1">
+                <a:ea typeface="Arial" charset="0"/>
+                <a:cs typeface="Arial" charset="0"/>
+              </a:rPr>
+              <a:t>ntpdate</a:t>
+            </a:r>
+            <a:r>
+              <a:rPr lang="en-US" dirty="0">
+                <a:ea typeface="Arial" charset="0"/>
+                <a:cs typeface="Arial" charset="0"/>
+              </a:rPr>
+              <a:t> </a:t>
+            </a:r>
+          </a:p>
+          <a:p>
+            <a:pPr marL="0" indent="0"/>
+            <a:endParaRPr lang="en-US" dirty="0">
+              <a:ea typeface="Arial" charset="0"/>
+              <a:cs typeface="Arial" charset="0"/>
+            </a:endParaRPr>
+          </a:p>
+          <a:p>
+            <a:pPr marL="457200" indent="-457200">
+              <a:buFont typeface="Arial" panose="020B0604020202020204" pitchFamily="34" charset="0"/>
+              <a:buChar char="•"/>
+            </a:pPr>
+            <a:r>
+              <a:rPr lang="en-US" dirty="0">
+                <a:ea typeface="Arial" charset="0"/>
+                <a:cs typeface="Arial" charset="0"/>
+              </a:rPr>
+              <a:t>Update your system clock</a:t>
+            </a:r>
+          </a:p>
+        </p:txBody>
+      </p:sp>
+      <p:sp>
+        <p:nvSpPr>
+          <p:cNvPr id="4" name="TextBox 3">
+            <a:extLst>
+              <a:ext uri="{FF2B5EF4-FFF2-40B4-BE49-F238E27FC236}">
+                <a16:creationId xmlns:a16="http://schemas.microsoft.com/office/drawing/2014/main" id="{488F4F87-D428-994D-B737-3BD3FCF683B7}"/>
+              </a:ext>
+            </a:extLst>
+          </p:cNvPr>
+          <p:cNvSpPr txBox="1"/>
+          <p:nvPr/>
+        </p:nvSpPr>
+        <p:spPr>
+          <a:xfrm>
+            <a:off x="476377" y="3826442"/>
+            <a:ext cx="8613776" cy="446917"/>
+          </a:xfrm>
+          <a:prstGeom prst="rect">
+            <a:avLst/>
+          </a:prstGeom>
+          <a:solidFill>
+            <a:schemeClr val="bg2"/>
+          </a:solidFill>
+        </p:spPr>
+        <p:txBody>
+          <a:bodyPr wrap="square" rtlCol="0">
+            <a:spAutoFit/>
+          </a:bodyPr>
+          <a:lstStyle/>
+          <a:p>
+            <a:r>
+              <a:rPr lang="en-US" dirty="0">
+                <a:solidFill>
+                  <a:schemeClr val="tx1"/>
+                </a:solidFill>
+                <a:latin typeface="Courier" charset="0"/>
+                <a:ea typeface="Courier" charset="0"/>
+                <a:cs typeface="Courier" charset="0"/>
+              </a:rPr>
+              <a:t>$ </a:t>
+            </a:r>
+            <a:r>
+              <a:rPr lang="en-US" dirty="0" err="1">
+                <a:solidFill>
+                  <a:schemeClr val="tx1"/>
+                </a:solidFill>
+                <a:latin typeface="Courier" charset="0"/>
+                <a:ea typeface="Courier" charset="0"/>
+                <a:cs typeface="Courier" charset="0"/>
+              </a:rPr>
+              <a:t>sudo</a:t>
+            </a:r>
+            <a:r>
+              <a:rPr lang="en-US" dirty="0">
+                <a:solidFill>
+                  <a:schemeClr val="tx1"/>
+                </a:solidFill>
+                <a:latin typeface="Courier" charset="0"/>
+                <a:ea typeface="Courier" charset="0"/>
+                <a:cs typeface="Courier" charset="0"/>
+              </a:rPr>
+              <a:t> </a:t>
+            </a:r>
+            <a:r>
+              <a:rPr lang="en-US" dirty="0" err="1">
+                <a:solidFill>
+                  <a:schemeClr val="tx1"/>
+                </a:solidFill>
+                <a:latin typeface="Courier" charset="0"/>
+                <a:ea typeface="Courier" charset="0"/>
+                <a:cs typeface="Courier" charset="0"/>
+              </a:rPr>
+              <a:t>ntpdate</a:t>
+            </a:r>
+            <a:r>
+              <a:rPr lang="en-US" dirty="0">
+                <a:solidFill>
+                  <a:schemeClr val="tx1"/>
+                </a:solidFill>
+                <a:latin typeface="Courier" charset="0"/>
+                <a:ea typeface="Courier" charset="0"/>
+                <a:cs typeface="Courier" charset="0"/>
+              </a:rPr>
+              <a:t> –u 0.pool.ntp.org</a:t>
+            </a:r>
+          </a:p>
+        </p:txBody>
+      </p:sp>
+      <p:sp>
+        <p:nvSpPr>
+          <p:cNvPr id="5" name="TextBox 4">
+            <a:extLst>
+              <a:ext uri="{FF2B5EF4-FFF2-40B4-BE49-F238E27FC236}">
+                <a16:creationId xmlns:a16="http://schemas.microsoft.com/office/drawing/2014/main" id="{366F2C08-71F6-B143-986F-43BAF9FF8DA8}"/>
+              </a:ext>
+            </a:extLst>
+          </p:cNvPr>
+          <p:cNvSpPr txBox="1"/>
+          <p:nvPr/>
+        </p:nvSpPr>
+        <p:spPr>
+          <a:xfrm>
+            <a:off x="468313" y="2350541"/>
+            <a:ext cx="8613776" cy="446917"/>
+          </a:xfrm>
+          <a:prstGeom prst="rect">
+            <a:avLst/>
+          </a:prstGeom>
+          <a:solidFill>
+            <a:schemeClr val="bg2"/>
+          </a:solidFill>
+        </p:spPr>
+        <p:txBody>
+          <a:bodyPr wrap="square" rtlCol="0">
+            <a:spAutoFit/>
+          </a:bodyPr>
+          <a:lstStyle/>
+          <a:p>
+            <a:r>
+              <a:rPr lang="en-US" dirty="0">
+                <a:solidFill>
+                  <a:schemeClr val="tx1"/>
+                </a:solidFill>
+                <a:latin typeface="Courier" charset="0"/>
+                <a:ea typeface="Courier" charset="0"/>
+                <a:cs typeface="Courier" charset="0"/>
+              </a:rPr>
+              <a:t>$ </a:t>
+            </a:r>
+            <a:r>
+              <a:rPr lang="en-US" dirty="0" err="1">
+                <a:solidFill>
+                  <a:schemeClr val="tx1"/>
+                </a:solidFill>
+                <a:latin typeface="Courier" charset="0"/>
+                <a:ea typeface="Courier" charset="0"/>
+                <a:cs typeface="Courier" charset="0"/>
+              </a:rPr>
+              <a:t>sudo</a:t>
+            </a:r>
+            <a:r>
+              <a:rPr lang="en-US" dirty="0">
+                <a:solidFill>
+                  <a:schemeClr val="tx1"/>
+                </a:solidFill>
+                <a:latin typeface="Courier" charset="0"/>
+                <a:ea typeface="Courier" charset="0"/>
+                <a:cs typeface="Courier" charset="0"/>
+              </a:rPr>
+              <a:t> apt-get install </a:t>
+            </a:r>
+            <a:r>
+              <a:rPr lang="en-US" dirty="0" err="1">
+                <a:solidFill>
+                  <a:schemeClr val="tx1"/>
+                </a:solidFill>
+                <a:latin typeface="Courier" charset="0"/>
+                <a:ea typeface="Courier" charset="0"/>
+                <a:cs typeface="Courier" charset="0"/>
+              </a:rPr>
+              <a:t>ntpdate</a:t>
+            </a:r>
+            <a:endParaRPr lang="en-US" dirty="0">
+              <a:solidFill>
+                <a:schemeClr val="tx1"/>
+              </a:solidFill>
+              <a:latin typeface="Courier" charset="0"/>
+              <a:ea typeface="Courier" charset="0"/>
+              <a:cs typeface="Courier" charset="0"/>
+            </a:endParaRPr>
+          </a:p>
+        </p:txBody>
+      </p:sp>
+    </p:spTree>
+    <p:extLst>
+      <p:ext uri="{BB962C8B-B14F-4D97-AF65-F5344CB8AC3E}">
+        <p14:creationId xmlns:p14="http://schemas.microsoft.com/office/powerpoint/2010/main" val="2127687722"/>
+      </p:ext>
+    </p:extLst>
+  </p:cSld>
+  <p:clrMapOvr>
+    <a:masterClrMapping/>
+  </p:clrMapOvr>
+</p:sld>
+</file>
+
+<file path=ppt/slides/slide23.xml><?xml version="1.0" encoding="utf-8"?>
+<p:sld xmlns:a="http://schemas.openxmlformats.org/drawingml/2006/main" xmlns:r="http://schemas.openxmlformats.org/officeDocument/2006/relationships" xmlns:p="http://schemas.openxmlformats.org/presentationml/2006/main">
+  <p:cSld>
+    <p:spTree>
+      <p:nvGrpSpPr>
+        <p:cNvPr id="1" name=""/>
+        <p:cNvGrpSpPr/>
+        <p:nvPr/>
+      </p:nvGrpSpPr>
+      <p:grpSpPr>
+        <a:xfrm>
+          <a:off x="0" y="0"/>
+          <a:ext cx="0" cy="0"/>
+          <a:chOff x="0" y="0"/>
+          <a:chExt cx="0" cy="0"/>
+        </a:xfrm>
+      </p:grpSpPr>
+      <p:sp>
+        <p:nvSpPr>
+          <p:cNvPr id="2" name="Title 1">
+            <a:extLst>
+              <a:ext uri="{FF2B5EF4-FFF2-40B4-BE49-F238E27FC236}">
+                <a16:creationId xmlns:a16="http://schemas.microsoft.com/office/drawing/2014/main" id="{B285CC9C-6C31-C049-8BAC-EB366CB04ACA}"/>
+              </a:ext>
+            </a:extLst>
+          </p:cNvPr>
+          <p:cNvSpPr>
+            <a:spLocks noGrp="1"/>
+          </p:cNvSpPr>
+          <p:nvPr>
+            <p:ph type="title"/>
+          </p:nvPr>
+        </p:nvSpPr>
+        <p:spPr/>
+        <p:txBody>
+          <a:bodyPr/>
+          <a:lstStyle/>
+          <a:p>
+            <a:r>
+              <a:rPr lang="en-US" dirty="0" err="1"/>
+              <a:t>Systemd-timesyncd</a:t>
+            </a:r>
+            <a:endParaRPr lang="en-US" dirty="0"/>
+          </a:p>
+        </p:txBody>
+      </p:sp>
+      <p:sp>
+        <p:nvSpPr>
+          <p:cNvPr id="3" name="Content Placeholder 2">
+            <a:extLst>
+              <a:ext uri="{FF2B5EF4-FFF2-40B4-BE49-F238E27FC236}">
+                <a16:creationId xmlns:a16="http://schemas.microsoft.com/office/drawing/2014/main" id="{BDBF5135-C04B-3D4C-9819-0A0A2E108C83}"/>
+              </a:ext>
+            </a:extLst>
+          </p:cNvPr>
+          <p:cNvSpPr>
+            <a:spLocks noGrp="1"/>
+          </p:cNvSpPr>
+          <p:nvPr>
+            <p:ph idx="1"/>
+          </p:nvPr>
+        </p:nvSpPr>
+        <p:spPr/>
+        <p:txBody>
+          <a:bodyPr>
+            <a:normAutofit fontScale="77500" lnSpcReduction="20000"/>
+          </a:bodyPr>
+          <a:lstStyle/>
+          <a:p>
+            <a:pPr marL="457200" indent="-457200">
+              <a:buFont typeface="Arial" panose="020B0604020202020204" pitchFamily="34" charset="0"/>
+              <a:buChar char="•"/>
+            </a:pPr>
+            <a:r>
+              <a:rPr lang="en-US" i="1" dirty="0" err="1"/>
+              <a:t>systemd-timesyncd</a:t>
+            </a:r>
+            <a:r>
+              <a:rPr lang="en-US" dirty="0"/>
+              <a:t> is a daemon that implements a simple SNTP client on Linux systems that us new </a:t>
+            </a:r>
+            <a:r>
+              <a:rPr lang="en-US" dirty="0" err="1"/>
+              <a:t>systemd</a:t>
+            </a:r>
+            <a:r>
+              <a:rPr lang="en-US" dirty="0"/>
+              <a:t> design   </a:t>
+            </a:r>
+          </a:p>
+          <a:p>
+            <a:pPr marL="457200" indent="-457200">
+              <a:buFont typeface="Arial" panose="020B0604020202020204" pitchFamily="34" charset="0"/>
+              <a:buChar char="•"/>
+            </a:pPr>
+            <a:r>
+              <a:rPr lang="en-US" i="1" dirty="0" err="1"/>
+              <a:t>systemd-timesyncd</a:t>
+            </a:r>
+            <a:r>
+              <a:rPr lang="en-US" dirty="0"/>
+              <a:t> will read the configuration file from /</a:t>
+            </a:r>
+            <a:r>
+              <a:rPr lang="en-US" dirty="0" err="1"/>
+              <a:t>etc</a:t>
+            </a:r>
+            <a:r>
+              <a:rPr lang="en-US" dirty="0"/>
+              <a:t>/</a:t>
+            </a:r>
+            <a:r>
+              <a:rPr lang="en-US" dirty="0" err="1"/>
+              <a:t>systemd</a:t>
+            </a:r>
+            <a:r>
+              <a:rPr lang="en-US" dirty="0"/>
+              <a:t>/</a:t>
+            </a:r>
+            <a:r>
+              <a:rPr lang="en-US" dirty="0" err="1"/>
+              <a:t>timesyncd.conf</a:t>
+            </a:r>
+            <a:r>
+              <a:rPr lang="en-US" dirty="0"/>
+              <a:t>, which looks like this:</a:t>
+            </a:r>
+          </a:p>
+          <a:p>
+            <a:pPr marL="457200" indent="-457200">
+              <a:buFont typeface="Arial" panose="020B0604020202020204" pitchFamily="34" charset="0"/>
+              <a:buChar char="•"/>
+            </a:pPr>
+            <a:endParaRPr lang="en-US" dirty="0"/>
+          </a:p>
+          <a:p>
+            <a:pPr marL="457200" indent="-457200">
+              <a:buFont typeface="Arial" panose="020B0604020202020204" pitchFamily="34" charset="0"/>
+              <a:buChar char="•"/>
+            </a:pPr>
+            <a:endParaRPr lang="en-US" dirty="0"/>
+          </a:p>
+          <a:p>
+            <a:pPr marL="457200" indent="-457200">
+              <a:buFont typeface="Arial" panose="020B0604020202020204" pitchFamily="34" charset="0"/>
+              <a:buChar char="•"/>
+            </a:pPr>
+            <a:endParaRPr lang="en-US" dirty="0"/>
+          </a:p>
+          <a:p>
+            <a:pPr marL="457200" indent="-457200">
+              <a:buFont typeface="Arial" panose="020B0604020202020204" pitchFamily="34" charset="0"/>
+              <a:buChar char="•"/>
+            </a:pPr>
+            <a:endParaRPr lang="en-US" dirty="0"/>
+          </a:p>
+          <a:p>
+            <a:pPr marL="457200" indent="-457200">
+              <a:buFont typeface="Arial" panose="020B0604020202020204" pitchFamily="34" charset="0"/>
+              <a:buChar char="•"/>
+            </a:pPr>
+            <a:r>
+              <a:rPr lang="en-US" dirty="0"/>
+              <a:t>To add time servers or change the provided ones, uncomment the relevant line and list their host name or IP separated by a space.</a:t>
+            </a:r>
+          </a:p>
+          <a:p>
+            <a:pPr marL="457200" indent="-457200">
+              <a:buFont typeface="Arial" panose="020B0604020202020204" pitchFamily="34" charset="0"/>
+              <a:buChar char="•"/>
+            </a:pPr>
+            <a:endParaRPr lang="en-US" dirty="0"/>
+          </a:p>
+        </p:txBody>
+      </p:sp>
+      <p:sp>
+        <p:nvSpPr>
+          <p:cNvPr id="4" name="TextBox 3">
+            <a:extLst>
+              <a:ext uri="{FF2B5EF4-FFF2-40B4-BE49-F238E27FC236}">
+                <a16:creationId xmlns:a16="http://schemas.microsoft.com/office/drawing/2014/main" id="{17059B29-956F-F548-974F-6E26D7B2988E}"/>
+              </a:ext>
+            </a:extLst>
+          </p:cNvPr>
+          <p:cNvSpPr txBox="1"/>
+          <p:nvPr/>
+        </p:nvSpPr>
+        <p:spPr>
+          <a:xfrm>
+            <a:off x="468313" y="3170237"/>
+            <a:ext cx="9102726" cy="1539973"/>
+          </a:xfrm>
+          <a:prstGeom prst="rect">
+            <a:avLst/>
+          </a:prstGeom>
+          <a:solidFill>
+            <a:schemeClr val="bg2"/>
+          </a:solidFill>
+        </p:spPr>
+        <p:txBody>
+          <a:bodyPr wrap="square" rtlCol="0">
+            <a:spAutoFit/>
+          </a:bodyPr>
+          <a:lstStyle/>
+          <a:p>
+            <a:r>
+              <a:rPr lang="en-US" sz="1800" dirty="0"/>
+              <a:t>[</a:t>
+            </a:r>
+            <a:r>
+              <a:rPr lang="en-US" sz="1600" dirty="0"/>
+              <a:t>Time] </a:t>
+            </a:r>
+          </a:p>
+          <a:p>
+            <a:r>
+              <a:rPr lang="en-US" sz="1600" dirty="0"/>
+              <a:t>#NTP= </a:t>
+            </a:r>
+          </a:p>
+          <a:p>
+            <a:r>
+              <a:rPr lang="en-US" sz="1600" dirty="0"/>
+              <a:t>#</a:t>
+            </a:r>
+            <a:r>
+              <a:rPr lang="en-US" sz="1600" dirty="0" err="1"/>
+              <a:t>FallbackNTP</a:t>
+            </a:r>
+            <a:r>
+              <a:rPr lang="en-US" sz="1600" dirty="0"/>
+              <a:t>=0.arch.pool.ntp.org 1.arch.pool.ntp.org 2.arch.pool.ntp.org 3.arch.pool.ntp.org </a:t>
+            </a:r>
+          </a:p>
+          <a:p>
+            <a:r>
+              <a:rPr lang="en-US" sz="1600" dirty="0"/>
+              <a:t>#</a:t>
+            </a:r>
+            <a:r>
+              <a:rPr lang="en-US" sz="1600" dirty="0" err="1"/>
+              <a:t>RootDistanceMaxSec</a:t>
+            </a:r>
+            <a:r>
+              <a:rPr lang="en-US" sz="1600" dirty="0"/>
+              <a:t>=5 </a:t>
+            </a:r>
+          </a:p>
+          <a:p>
+            <a:r>
+              <a:rPr lang="en-US" sz="1600" dirty="0"/>
+              <a:t>#</a:t>
+            </a:r>
+            <a:r>
+              <a:rPr lang="en-US" sz="1600" dirty="0" err="1"/>
+              <a:t>PollIntervalMinSec</a:t>
+            </a:r>
+            <a:r>
+              <a:rPr lang="en-US" sz="1600" dirty="0"/>
+              <a:t>=32 </a:t>
+            </a:r>
+          </a:p>
+          <a:p>
+            <a:r>
+              <a:rPr lang="en-US" sz="1600" dirty="0"/>
+              <a:t>#</a:t>
+            </a:r>
+            <a:r>
+              <a:rPr lang="en-US" sz="1600" dirty="0" err="1"/>
+              <a:t>PollIntervalMaxSec</a:t>
+            </a:r>
+            <a:r>
+              <a:rPr lang="en-US" sz="1600" dirty="0"/>
+              <a:t>=2048</a:t>
+            </a:r>
+            <a:endParaRPr lang="en-US" sz="1600" dirty="0">
+              <a:latin typeface="Courier" charset="0"/>
+              <a:ea typeface="Courier" charset="0"/>
+              <a:cs typeface="Courier" charset="0"/>
+            </a:endParaRPr>
+          </a:p>
+        </p:txBody>
+      </p:sp>
+    </p:spTree>
+    <p:extLst>
+      <p:ext uri="{BB962C8B-B14F-4D97-AF65-F5344CB8AC3E}">
+        <p14:creationId xmlns:p14="http://schemas.microsoft.com/office/powerpoint/2010/main" val="2252590735"/>
+      </p:ext>
+    </p:extLst>
+  </p:cSld>
+  <p:clrMapOvr>
+    <a:masterClrMapping/>
+  </p:clrMapOvr>
+</p:sld>
+</file>
+
+<file path=ppt/slides/slide24.xml><?xml version="1.0" encoding="utf-8"?>
+<p:sld xmlns:a="http://schemas.openxmlformats.org/drawingml/2006/main" xmlns:r="http://schemas.openxmlformats.org/officeDocument/2006/relationships" xmlns:p="http://schemas.openxmlformats.org/presentationml/2006/main">
+  <p:cSld>
+    <p:spTree>
+      <p:nvGrpSpPr>
+        <p:cNvPr id="1" name=""/>
+        <p:cNvGrpSpPr/>
+        <p:nvPr/>
+      </p:nvGrpSpPr>
+      <p:grpSpPr>
+        <a:xfrm>
+          <a:off x="0" y="0"/>
+          <a:ext cx="0" cy="0"/>
+          <a:chOff x="0" y="0"/>
+          <a:chExt cx="0" cy="0"/>
+        </a:xfrm>
+      </p:grpSpPr>
+      <p:sp>
+        <p:nvSpPr>
+          <p:cNvPr id="2" name="Title 1">
+            <a:extLst>
+              <a:ext uri="{FF2B5EF4-FFF2-40B4-BE49-F238E27FC236}">
+                <a16:creationId xmlns:a16="http://schemas.microsoft.com/office/drawing/2014/main" id="{B2D15390-DBEE-5746-BE97-EAB9D97D1892}"/>
+              </a:ext>
+            </a:extLst>
+          </p:cNvPr>
+          <p:cNvSpPr>
+            <a:spLocks noGrp="1"/>
+          </p:cNvSpPr>
+          <p:nvPr>
+            <p:ph type="title"/>
+          </p:nvPr>
+        </p:nvSpPr>
+        <p:spPr/>
+        <p:txBody>
+          <a:bodyPr/>
+          <a:lstStyle/>
+          <a:p>
+            <a:r>
+              <a:rPr lang="en-US" dirty="0" err="1"/>
+              <a:t>Systemd-timesyncd</a:t>
+            </a:r>
+            <a:endParaRPr lang="en-US" dirty="0"/>
+          </a:p>
+        </p:txBody>
+      </p:sp>
+      <p:sp>
+        <p:nvSpPr>
+          <p:cNvPr id="3" name="Content Placeholder 2">
+            <a:extLst>
+              <a:ext uri="{FF2B5EF4-FFF2-40B4-BE49-F238E27FC236}">
+                <a16:creationId xmlns:a16="http://schemas.microsoft.com/office/drawing/2014/main" id="{39591183-32BA-A04D-B850-691E27E75E72}"/>
+              </a:ext>
+            </a:extLst>
+          </p:cNvPr>
+          <p:cNvSpPr>
+            <a:spLocks noGrp="1"/>
+          </p:cNvSpPr>
+          <p:nvPr>
+            <p:ph idx="1"/>
+          </p:nvPr>
+        </p:nvSpPr>
+        <p:spPr>
+          <a:xfrm>
+            <a:off x="503238" y="1257300"/>
+            <a:ext cx="9067800" cy="5495925"/>
+          </a:xfrm>
+        </p:spPr>
+        <p:txBody>
+          <a:bodyPr/>
+          <a:lstStyle/>
+          <a:p>
+            <a:pPr marL="457200" indent="-457200">
+              <a:buFont typeface="Arial" panose="020B0604020202020204" pitchFamily="34" charset="0"/>
+              <a:buChar char="•"/>
+            </a:pPr>
+            <a:r>
+              <a:rPr lang="en-US" dirty="0"/>
+              <a:t>Enabling the Service</a:t>
+            </a:r>
+          </a:p>
+          <a:p>
+            <a:pPr marL="0" indent="0"/>
+            <a:endParaRPr lang="en-US" dirty="0"/>
+          </a:p>
+          <a:p>
+            <a:pPr marL="457200" indent="-457200">
+              <a:buFont typeface="Arial" panose="020B0604020202020204" pitchFamily="34" charset="0"/>
+              <a:buChar char="•"/>
+            </a:pPr>
+            <a:r>
+              <a:rPr lang="en-US" dirty="0"/>
+              <a:t>Or</a:t>
+            </a:r>
+          </a:p>
+          <a:p>
+            <a:pPr marL="457200" indent="-457200">
+              <a:buFont typeface="Arial" panose="020B0604020202020204" pitchFamily="34" charset="0"/>
+              <a:buChar char="•"/>
+            </a:pPr>
+            <a:r>
+              <a:rPr lang="en-US" dirty="0"/>
+              <a:t> To check the service status, use;</a:t>
+            </a:r>
+          </a:p>
+          <a:p>
+            <a:pPr marL="457200" indent="-457200">
+              <a:buFont typeface="Arial" panose="020B0604020202020204" pitchFamily="34" charset="0"/>
+              <a:buChar char="•"/>
+            </a:pPr>
+            <a:endParaRPr lang="en-US" dirty="0"/>
+          </a:p>
+          <a:p>
+            <a:pPr marL="0" indent="0"/>
+            <a:endParaRPr lang="en-US" dirty="0"/>
+          </a:p>
+          <a:p>
+            <a:pPr marL="457200" indent="-457200">
+              <a:buFont typeface="Arial" panose="020B0604020202020204" pitchFamily="34" charset="0"/>
+              <a:buChar char="•"/>
+            </a:pPr>
+            <a:r>
+              <a:rPr lang="en-US" dirty="0"/>
+              <a:t>To see verbose service information, use</a:t>
+            </a:r>
+          </a:p>
+          <a:p>
+            <a:pPr marL="457200" indent="-457200">
+              <a:buFont typeface="Arial" panose="020B0604020202020204" pitchFamily="34" charset="0"/>
+              <a:buChar char="•"/>
+            </a:pPr>
+            <a:endParaRPr lang="en-US" dirty="0"/>
+          </a:p>
+        </p:txBody>
+      </p:sp>
+      <p:sp>
+        <p:nvSpPr>
+          <p:cNvPr id="4" name="TextBox 3">
+            <a:extLst>
+              <a:ext uri="{FF2B5EF4-FFF2-40B4-BE49-F238E27FC236}">
+                <a16:creationId xmlns:a16="http://schemas.microsoft.com/office/drawing/2014/main" id="{96491121-9FBB-9842-A949-FBDEE10C090D}"/>
+              </a:ext>
+            </a:extLst>
+          </p:cNvPr>
+          <p:cNvSpPr txBox="1"/>
+          <p:nvPr/>
+        </p:nvSpPr>
+        <p:spPr>
+          <a:xfrm>
+            <a:off x="503238" y="1785551"/>
+            <a:ext cx="8648701" cy="1156086"/>
+          </a:xfrm>
+          <a:prstGeom prst="rect">
+            <a:avLst/>
+          </a:prstGeom>
+          <a:solidFill>
+            <a:schemeClr val="bg2"/>
+          </a:solidFill>
+        </p:spPr>
+        <p:txBody>
+          <a:bodyPr wrap="square" rtlCol="0">
+            <a:spAutoFit/>
+          </a:bodyPr>
+          <a:lstStyle/>
+          <a:p>
+            <a:r>
+              <a:rPr lang="en-US" dirty="0">
+                <a:latin typeface="Courier" charset="0"/>
+              </a:rPr>
+              <a:t>$ </a:t>
+            </a:r>
+            <a:r>
+              <a:rPr lang="en-US" dirty="0" err="1">
+                <a:latin typeface="Courier" charset="0"/>
+              </a:rPr>
+              <a:t>sudo</a:t>
+            </a:r>
+            <a:r>
+              <a:rPr lang="en-US" dirty="0">
+                <a:latin typeface="Courier" charset="0"/>
+              </a:rPr>
+              <a:t> </a:t>
+            </a:r>
+            <a:r>
+              <a:rPr lang="en-US" dirty="0" err="1"/>
+              <a:t>timedatectl</a:t>
+            </a:r>
+            <a:r>
+              <a:rPr lang="en-US" dirty="0"/>
+              <a:t> set-</a:t>
+            </a:r>
+            <a:r>
+              <a:rPr lang="en-US" dirty="0" err="1"/>
+              <a:t>ntp</a:t>
+            </a:r>
+            <a:r>
+              <a:rPr lang="en-US" dirty="0"/>
+              <a:t> true</a:t>
+            </a:r>
+            <a:endParaRPr lang="en-US" dirty="0">
+              <a:latin typeface="Courier" charset="0"/>
+              <a:ea typeface="Courier" charset="0"/>
+              <a:cs typeface="Courier" charset="0"/>
+            </a:endParaRPr>
+          </a:p>
+          <a:p>
+            <a:r>
+              <a:rPr lang="en-US" dirty="0">
+                <a:latin typeface="Courier" charset="0"/>
+                <a:ea typeface="Courier" charset="0"/>
+                <a:cs typeface="Courier" charset="0"/>
+              </a:rPr>
+              <a:t>OR </a:t>
+            </a:r>
+          </a:p>
+          <a:p>
+            <a:r>
+              <a:rPr lang="en-US" dirty="0"/>
+              <a:t>$ </a:t>
+            </a:r>
+            <a:r>
+              <a:rPr lang="en-US" dirty="0" err="1"/>
+              <a:t>sudo</a:t>
+            </a:r>
+            <a:r>
+              <a:rPr lang="en-US" dirty="0"/>
+              <a:t> </a:t>
+            </a:r>
+            <a:r>
+              <a:rPr lang="en-US" dirty="0" err="1"/>
+              <a:t>systemctl</a:t>
+            </a:r>
+            <a:r>
+              <a:rPr lang="en-US" dirty="0"/>
+              <a:t> start </a:t>
+            </a:r>
+            <a:r>
+              <a:rPr lang="en-US" dirty="0" err="1"/>
+              <a:t>systemd-timesyncd</a:t>
+            </a:r>
+            <a:endParaRPr lang="en-US" dirty="0"/>
+          </a:p>
+        </p:txBody>
+      </p:sp>
+      <p:sp>
+        <p:nvSpPr>
+          <p:cNvPr id="5" name="TextBox 4">
+            <a:extLst>
+              <a:ext uri="{FF2B5EF4-FFF2-40B4-BE49-F238E27FC236}">
+                <a16:creationId xmlns:a16="http://schemas.microsoft.com/office/drawing/2014/main" id="{392824B2-2DCC-8D49-A130-28EF7E88FD4A}"/>
+              </a:ext>
+            </a:extLst>
+          </p:cNvPr>
+          <p:cNvSpPr txBox="1"/>
+          <p:nvPr/>
+        </p:nvSpPr>
+        <p:spPr>
+          <a:xfrm>
+            <a:off x="503238" y="3691345"/>
+            <a:ext cx="8648701" cy="1156086"/>
+          </a:xfrm>
+          <a:prstGeom prst="rect">
+            <a:avLst/>
+          </a:prstGeom>
+          <a:solidFill>
+            <a:schemeClr val="bg2"/>
+          </a:solidFill>
+        </p:spPr>
+        <p:txBody>
+          <a:bodyPr wrap="square" rtlCol="0">
+            <a:spAutoFit/>
+          </a:bodyPr>
+          <a:lstStyle/>
+          <a:p>
+            <a:r>
+              <a:rPr lang="en-US" dirty="0"/>
+              <a:t>$ </a:t>
+            </a:r>
+            <a:r>
+              <a:rPr lang="en-US" dirty="0" err="1"/>
+              <a:t>timedatectl</a:t>
+            </a:r>
+            <a:r>
+              <a:rPr lang="en-US" dirty="0"/>
+              <a:t> status</a:t>
+            </a:r>
+          </a:p>
+          <a:p>
+            <a:r>
+              <a:rPr lang="en-US" dirty="0">
+                <a:latin typeface="Courier" charset="0"/>
+                <a:ea typeface="Courier" charset="0"/>
+                <a:cs typeface="Courier" charset="0"/>
+              </a:rPr>
+              <a:t>OR</a:t>
+            </a:r>
+          </a:p>
+          <a:p>
+            <a:r>
+              <a:rPr lang="en-US" dirty="0"/>
+              <a:t>$ </a:t>
+            </a:r>
+            <a:r>
+              <a:rPr lang="en-US" dirty="0" err="1"/>
+              <a:t>sudo</a:t>
+            </a:r>
+            <a:r>
+              <a:rPr lang="en-US" dirty="0"/>
+              <a:t> </a:t>
+            </a:r>
+            <a:r>
+              <a:rPr lang="en-US" dirty="0" err="1"/>
+              <a:t>systemctl</a:t>
+            </a:r>
+            <a:r>
+              <a:rPr lang="en-US" dirty="0"/>
+              <a:t> status </a:t>
+            </a:r>
+            <a:r>
+              <a:rPr lang="en-US" dirty="0" err="1"/>
+              <a:t>systemd-timesyncd</a:t>
+            </a:r>
+            <a:endParaRPr lang="en-US" dirty="0"/>
+          </a:p>
+        </p:txBody>
+      </p:sp>
+      <p:sp>
+        <p:nvSpPr>
+          <p:cNvPr id="6" name="TextBox 5">
+            <a:extLst>
+              <a:ext uri="{FF2B5EF4-FFF2-40B4-BE49-F238E27FC236}">
+                <a16:creationId xmlns:a16="http://schemas.microsoft.com/office/drawing/2014/main" id="{CCDBC7B5-EAC6-D94E-8433-571D2162A4C0}"/>
+              </a:ext>
+            </a:extLst>
+          </p:cNvPr>
+          <p:cNvSpPr txBox="1"/>
+          <p:nvPr/>
+        </p:nvSpPr>
+        <p:spPr>
+          <a:xfrm>
+            <a:off x="468313" y="5654158"/>
+            <a:ext cx="8683626" cy="450573"/>
+          </a:xfrm>
+          <a:prstGeom prst="rect">
+            <a:avLst/>
+          </a:prstGeom>
+          <a:solidFill>
+            <a:schemeClr val="bg2"/>
+          </a:solidFill>
+        </p:spPr>
+        <p:txBody>
+          <a:bodyPr wrap="square" rtlCol="0">
+            <a:spAutoFit/>
+          </a:bodyPr>
+          <a:lstStyle/>
+          <a:p>
+            <a:r>
+              <a:rPr lang="en-US" dirty="0"/>
+              <a:t>$ </a:t>
+            </a:r>
+            <a:r>
+              <a:rPr lang="en-US" dirty="0" err="1"/>
+              <a:t>timedatectl</a:t>
+            </a:r>
+            <a:r>
+              <a:rPr lang="en-US" dirty="0"/>
+              <a:t> </a:t>
+            </a:r>
+            <a:r>
+              <a:rPr lang="en-US" dirty="0" err="1"/>
+              <a:t>timesync</a:t>
+            </a:r>
+            <a:r>
+              <a:rPr lang="en-US" dirty="0"/>
+              <a:t>-status</a:t>
+            </a:r>
+            <a:endParaRPr lang="en-US" dirty="0">
+              <a:latin typeface="Courier" charset="0"/>
+              <a:ea typeface="Courier" charset="0"/>
+              <a:cs typeface="Courier" charset="0"/>
+            </a:endParaRPr>
+          </a:p>
+        </p:txBody>
+      </p:sp>
+    </p:spTree>
+    <p:extLst>
+      <p:ext uri="{BB962C8B-B14F-4D97-AF65-F5344CB8AC3E}">
+        <p14:creationId xmlns:p14="http://schemas.microsoft.com/office/powerpoint/2010/main" val="3499500226"/>
+      </p:ext>
+    </p:extLst>
+  </p:cSld>
+  <p:clrMapOvr>
+    <a:masterClrMapping/>
+  </p:clrMapOvr>
+</p:sld>
+</file>
+
+<file path=ppt/slides/slide25.xml><?xml version="1.0" encoding="utf-8"?>
 <p:sld xmlns:a="http://schemas.openxmlformats.org/drawingml/2006/main" xmlns:r="http://schemas.openxmlformats.org/officeDocument/2006/relationships" xmlns:p="http://schemas.openxmlformats.org/presentationml/2006/main">
   <p:cSld>
     <p:bg>
@@ -29544,14 +30698,14 @@
           <a:effectLst/>
           <a:extLst>
             <a:ext uri="{909E8E84-426E-40dd-AFC4-6F175D3DCCD1}">
-              <a14:hiddenFill xmlns:a14="http://schemas.microsoft.com/office/drawing/2010/main" xmlns="">
+              <a14:hiddenFill xmlns="" xmlns:a14="http://schemas.microsoft.com/office/drawing/2010/main">
                 <a:solidFill>
                   <a:srgbClr val="FFFFFF"/>
                 </a:solidFill>
               </a14:hiddenFill>
             </a:ext>
             <a:ext uri="{91240B29-F687-4f45-9708-019B960494DF}">
-              <a14:hiddenLine xmlns:a14="http://schemas.microsoft.com/office/drawing/2010/main" xmlns="" w="9525" cap="flat">
+              <a14:hiddenLine xmlns="" xmlns:a14="http://schemas.microsoft.com/office/drawing/2010/main" w="9525" cap="flat">
                 <a:solidFill>
                   <a:srgbClr val="3465A4"/>
                 </a:solidFill>
@@ -29561,7 +30715,7 @@
               </a14:hiddenLine>
             </a:ext>
             <a:ext uri="{AF507438-7753-43e0-B8FC-AC1667EBCBE1}">
-              <a14:hiddenEffects xmlns:a14="http://schemas.microsoft.com/office/drawing/2010/main" xmlns="">
+              <a14:hiddenEffects xmlns="" xmlns:a14="http://schemas.microsoft.com/office/drawing/2010/main">
                 <a:effectLst>
                   <a:outerShdw blurRad="63500" dist="38099" dir="2700000" algn="ctr" rotWithShape="0">
                     <a:srgbClr val="000000">
@@ -29973,14 +31127,14 @@
           <a:effectLst/>
           <a:extLst>
             <a:ext uri="{909E8E84-426E-40dd-AFC4-6F175D3DCCD1}">
-              <a14:hiddenFill xmlns:a14="http://schemas.microsoft.com/office/drawing/2010/main" xmlns="">
+              <a14:hiddenFill xmlns="" xmlns:a14="http://schemas.microsoft.com/office/drawing/2010/main">
                 <a:solidFill>
                   <a:srgbClr val="FFFFFF"/>
                 </a:solidFill>
               </a14:hiddenFill>
             </a:ext>
             <a:ext uri="{91240B29-F687-4f45-9708-019B960494DF}">
-              <a14:hiddenLine xmlns:a14="http://schemas.microsoft.com/office/drawing/2010/main" xmlns="" w="9525" cap="flat">
+              <a14:hiddenLine xmlns="" xmlns:a14="http://schemas.microsoft.com/office/drawing/2010/main" w="9525" cap="flat">
                 <a:solidFill>
                   <a:srgbClr val="3465A4"/>
                 </a:solidFill>
@@ -29990,7 +31144,7 @@
               </a14:hiddenLine>
             </a:ext>
             <a:ext uri="{AF507438-7753-43e0-B8FC-AC1667EBCBE1}">
-              <a14:hiddenEffects xmlns:a14="http://schemas.microsoft.com/office/drawing/2010/main" xmlns="">
+              <a14:hiddenEffects xmlns="" xmlns:a14="http://schemas.microsoft.com/office/drawing/2010/main">
                 <a:effectLst>
                   <a:outerShdw blurRad="63500" dist="38099" dir="2700000" algn="ctr" rotWithShape="0">
                     <a:srgbClr val="000000">
@@ -30101,14 +31255,14 @@
           <a:effectLst/>
           <a:extLst>
             <a:ext uri="{909E8E84-426E-40dd-AFC4-6F175D3DCCD1}">
-              <a14:hiddenFill xmlns:a14="http://schemas.microsoft.com/office/drawing/2010/main" xmlns="">
+              <a14:hiddenFill xmlns="" xmlns:a14="http://schemas.microsoft.com/office/drawing/2010/main">
                 <a:solidFill>
                   <a:srgbClr val="FFFFFF"/>
                 </a:solidFill>
               </a14:hiddenFill>
             </a:ext>
             <a:ext uri="{91240B29-F687-4f45-9708-019B960494DF}">
-              <a14:hiddenLine xmlns:a14="http://schemas.microsoft.com/office/drawing/2010/main" xmlns="" w="9525" cap="flat">
+              <a14:hiddenLine xmlns="" xmlns:a14="http://schemas.microsoft.com/office/drawing/2010/main" w="9525" cap="flat">
                 <a:solidFill>
                   <a:srgbClr val="3465A4"/>
                 </a:solidFill>
@@ -30118,7 +31272,7 @@
               </a14:hiddenLine>
             </a:ext>
             <a:ext uri="{AF507438-7753-43e0-B8FC-AC1667EBCBE1}">
-              <a14:hiddenEffects xmlns:a14="http://schemas.microsoft.com/office/drawing/2010/main" xmlns="">
+              <a14:hiddenEffects xmlns="" xmlns:a14="http://schemas.microsoft.com/office/drawing/2010/main">
                 <a:effectLst>
                   <a:outerShdw blurRad="63500" dist="38099" dir="2700000" algn="ctr" rotWithShape="0">
                     <a:srgbClr val="000000">
@@ -30530,14 +31684,14 @@
           <a:effectLst/>
           <a:extLst>
             <a:ext uri="{909E8E84-426E-40dd-AFC4-6F175D3DCCD1}">
-              <a14:hiddenFill xmlns:a14="http://schemas.microsoft.com/office/drawing/2010/main" xmlns="">
+              <a14:hiddenFill xmlns="" xmlns:a14="http://schemas.microsoft.com/office/drawing/2010/main">
                 <a:solidFill>
                   <a:srgbClr val="FFFFFF"/>
                 </a:solidFill>
               </a14:hiddenFill>
             </a:ext>
             <a:ext uri="{91240B29-F687-4f45-9708-019B960494DF}">
-              <a14:hiddenLine xmlns:a14="http://schemas.microsoft.com/office/drawing/2010/main" xmlns="" w="9525" cap="flat">
+              <a14:hiddenLine xmlns="" xmlns:a14="http://schemas.microsoft.com/office/drawing/2010/main" w="9525" cap="flat">
                 <a:solidFill>
                   <a:srgbClr val="3465A4"/>
                 </a:solidFill>
@@ -30547,7 +31701,7 @@
               </a14:hiddenLine>
             </a:ext>
             <a:ext uri="{AF507438-7753-43e0-B8FC-AC1667EBCBE1}">
-              <a14:hiddenEffects xmlns:a14="http://schemas.microsoft.com/office/drawing/2010/main" xmlns="">
+              <a14:hiddenEffects xmlns="" xmlns:a14="http://schemas.microsoft.com/office/drawing/2010/main">
                 <a:effectLst>
                   <a:outerShdw blurRad="63500" dist="38099" dir="2700000" algn="ctr" rotWithShape="0">
                     <a:srgbClr val="000000">
@@ -31144,14 +32298,14 @@
           <a:effectLst/>
           <a:extLst>
             <a:ext uri="{909E8E84-426E-40dd-AFC4-6F175D3DCCD1}">
-              <a14:hiddenFill xmlns:a14="http://schemas.microsoft.com/office/drawing/2010/main" xmlns="">
+              <a14:hiddenFill xmlns="" xmlns:a14="http://schemas.microsoft.com/office/drawing/2010/main">
                 <a:solidFill>
                   <a:srgbClr val="FFFFFF"/>
                 </a:solidFill>
               </a14:hiddenFill>
             </a:ext>
             <a:ext uri="{91240B29-F687-4f45-9708-019B960494DF}">
-              <a14:hiddenLine xmlns:a14="http://schemas.microsoft.com/office/drawing/2010/main" xmlns="" w="9525" cap="flat">
+              <a14:hiddenLine xmlns="" xmlns:a14="http://schemas.microsoft.com/office/drawing/2010/main" w="9525" cap="flat">
                 <a:solidFill>
                   <a:srgbClr val="3465A4"/>
                 </a:solidFill>
@@ -31161,7 +32315,7 @@
               </a14:hiddenLine>
             </a:ext>
             <a:ext uri="{AF507438-7753-43e0-B8FC-AC1667EBCBE1}">
-              <a14:hiddenEffects xmlns:a14="http://schemas.microsoft.com/office/drawing/2010/main" xmlns="">
+              <a14:hiddenEffects xmlns="" xmlns:a14="http://schemas.microsoft.com/office/drawing/2010/main">
                 <a:effectLst>
                   <a:outerShdw blurRad="63500" dist="38099" dir="2700000" algn="ctr" rotWithShape="0">
                     <a:srgbClr val="000000">
@@ -31573,14 +32727,14 @@
           <a:effectLst/>
           <a:extLst>
             <a:ext uri="{909E8E84-426E-40dd-AFC4-6F175D3DCCD1}">
-              <a14:hiddenFill xmlns:a14="http://schemas.microsoft.com/office/drawing/2010/main" xmlns="">
+              <a14:hiddenFill xmlns="" xmlns:a14="http://schemas.microsoft.com/office/drawing/2010/main">
                 <a:solidFill>
                   <a:srgbClr val="FFFFFF"/>
                 </a:solidFill>
               </a14:hiddenFill>
             </a:ext>
             <a:ext uri="{91240B29-F687-4f45-9708-019B960494DF}">
-              <a14:hiddenLine xmlns:a14="http://schemas.microsoft.com/office/drawing/2010/main" xmlns="" w="9525" cap="flat">
+              <a14:hiddenLine xmlns="" xmlns:a14="http://schemas.microsoft.com/office/drawing/2010/main" w="9525" cap="flat">
                 <a:solidFill>
                   <a:srgbClr val="3465A4"/>
                 </a:solidFill>
@@ -31590,7 +32744,7 @@
               </a14:hiddenLine>
             </a:ext>
             <a:ext uri="{AF507438-7753-43e0-B8FC-AC1667EBCBE1}">
-              <a14:hiddenEffects xmlns:a14="http://schemas.microsoft.com/office/drawing/2010/main" xmlns="">
+              <a14:hiddenEffects xmlns="" xmlns:a14="http://schemas.microsoft.com/office/drawing/2010/main">
                 <a:effectLst>
                   <a:outerShdw blurRad="63500" dist="38099" dir="2700000" algn="ctr" rotWithShape="0">
                     <a:srgbClr val="000000">
@@ -32176,14 +33330,14 @@
           <a:effectLst/>
           <a:extLst>
             <a:ext uri="{909E8E84-426E-40dd-AFC4-6F175D3DCCD1}">
-              <a14:hiddenFill xmlns:a14="http://schemas.microsoft.com/office/drawing/2010/main" xmlns="">
+              <a14:hiddenFill xmlns="" xmlns:a14="http://schemas.microsoft.com/office/drawing/2010/main">
                 <a:solidFill>
                   <a:srgbClr val="FFFFFF"/>
                 </a:solidFill>
               </a14:hiddenFill>
             </a:ext>
             <a:ext uri="{91240B29-F687-4f45-9708-019B960494DF}">
-              <a14:hiddenLine xmlns:a14="http://schemas.microsoft.com/office/drawing/2010/main" xmlns="" w="9525" cap="flat">
+              <a14:hiddenLine xmlns="" xmlns:a14="http://schemas.microsoft.com/office/drawing/2010/main" w="9525" cap="flat">
                 <a:solidFill>
                   <a:srgbClr val="3465A4"/>
                 </a:solidFill>
@@ -32193,7 +33347,7 @@
               </a14:hiddenLine>
             </a:ext>
             <a:ext uri="{AF507438-7753-43e0-B8FC-AC1667EBCBE1}">
-              <a14:hiddenEffects xmlns:a14="http://schemas.microsoft.com/office/drawing/2010/main" xmlns="">
+              <a14:hiddenEffects xmlns="" xmlns:a14="http://schemas.microsoft.com/office/drawing/2010/main">
                 <a:effectLst>
                   <a:outerShdw blurRad="63500" dist="38099" dir="2700000" algn="ctr" rotWithShape="0">
                     <a:srgbClr val="000000">
@@ -32605,14 +33759,14 @@
           <a:effectLst/>
           <a:extLst>
             <a:ext uri="{909E8E84-426E-40dd-AFC4-6F175D3DCCD1}">
-              <a14:hiddenFill xmlns:a14="http://schemas.microsoft.com/office/drawing/2010/main" xmlns="">
+              <a14:hiddenFill xmlns="" xmlns:a14="http://schemas.microsoft.com/office/drawing/2010/main">
                 <a:solidFill>
                   <a:srgbClr val="FFFFFF"/>
                 </a:solidFill>
               </a14:hiddenFill>
             </a:ext>
             <a:ext uri="{91240B29-F687-4f45-9708-019B960494DF}">
-              <a14:hiddenLine xmlns:a14="http://schemas.microsoft.com/office/drawing/2010/main" xmlns="" w="9525" cap="flat">
+              <a14:hiddenLine xmlns="" xmlns:a14="http://schemas.microsoft.com/office/drawing/2010/main" w="9525" cap="flat">
                 <a:solidFill>
                   <a:srgbClr val="3465A4"/>
                 </a:solidFill>
@@ -32622,7 +33776,7 @@
               </a14:hiddenLine>
             </a:ext>
             <a:ext uri="{AF507438-7753-43e0-B8FC-AC1667EBCBE1}">
-              <a14:hiddenEffects xmlns:a14="http://schemas.microsoft.com/office/drawing/2010/main" xmlns="">
+              <a14:hiddenEffects xmlns="" xmlns:a14="http://schemas.microsoft.com/office/drawing/2010/main">
                 <a:effectLst>
                   <a:outerShdw blurRad="63500" dist="38099" dir="2700000" algn="ctr" rotWithShape="0">
                     <a:srgbClr val="000000">
@@ -33163,14 +34317,14 @@
           <a:effectLst/>
           <a:extLst>
             <a:ext uri="{909E8E84-426E-40dd-AFC4-6F175D3DCCD1}">
-              <a14:hiddenFill xmlns:a14="http://schemas.microsoft.com/office/drawing/2010/main" xmlns="">
+              <a14:hiddenFill xmlns="" xmlns:a14="http://schemas.microsoft.com/office/drawing/2010/main">
                 <a:solidFill>
                   <a:srgbClr val="FFFFFF"/>
                 </a:solidFill>
               </a14:hiddenFill>
             </a:ext>
             <a:ext uri="{91240B29-F687-4f45-9708-019B960494DF}">
-              <a14:hiddenLine xmlns:a14="http://schemas.microsoft.com/office/drawing/2010/main" xmlns="" w="9525" cap="flat">
+              <a14:hiddenLine xmlns="" xmlns:a14="http://schemas.microsoft.com/office/drawing/2010/main" w="9525" cap="flat">
                 <a:solidFill>
                   <a:srgbClr val="3465A4"/>
                 </a:solidFill>
@@ -33180,7 +34334,7 @@
               </a14:hiddenLine>
             </a:ext>
             <a:ext uri="{AF507438-7753-43e0-B8FC-AC1667EBCBE1}">
-              <a14:hiddenEffects xmlns:a14="http://schemas.microsoft.com/office/drawing/2010/main" xmlns="">
+              <a14:hiddenEffects xmlns="" xmlns:a14="http://schemas.microsoft.com/office/drawing/2010/main">
                 <a:effectLst>
                   <a:outerShdw blurRad="63500" dist="38099" dir="2700000" algn="ctr" rotWithShape="0">
                     <a:srgbClr val="000000">
@@ -33592,14 +34746,14 @@
           <a:effectLst/>
           <a:extLst>
             <a:ext uri="{909E8E84-426E-40dd-AFC4-6F175D3DCCD1}">
-              <a14:hiddenFill xmlns:a14="http://schemas.microsoft.com/office/drawing/2010/main" xmlns="">
+              <a14:hiddenFill xmlns="" xmlns:a14="http://schemas.microsoft.com/office/drawing/2010/main">
                 <a:solidFill>
                   <a:srgbClr val="FFFFFF"/>
                 </a:solidFill>
               </a14:hiddenFill>
             </a:ext>
             <a:ext uri="{91240B29-F687-4f45-9708-019B960494DF}">
-              <a14:hiddenLine xmlns:a14="http://schemas.microsoft.com/office/drawing/2010/main" xmlns="" w="9525" cap="flat">
+              <a14:hiddenLine xmlns="" xmlns:a14="http://schemas.microsoft.com/office/drawing/2010/main" w="9525" cap="flat">
                 <a:solidFill>
                   <a:srgbClr val="3465A4"/>
                 </a:solidFill>
@@ -33609,7 +34763,7 @@
               </a14:hiddenLine>
             </a:ext>
             <a:ext uri="{AF507438-7753-43e0-B8FC-AC1667EBCBE1}">
-              <a14:hiddenEffects xmlns:a14="http://schemas.microsoft.com/office/drawing/2010/main" xmlns="">
+              <a14:hiddenEffects xmlns="" xmlns:a14="http://schemas.microsoft.com/office/drawing/2010/main">
                 <a:effectLst>
                   <a:outerShdw blurRad="63500" dist="38099" dir="2700000" algn="ctr" rotWithShape="0">
                     <a:srgbClr val="000000">
@@ -34052,14 +35206,14 @@
           <a:effectLst/>
           <a:extLst>
             <a:ext uri="{909E8E84-426E-40dd-AFC4-6F175D3DCCD1}">
-              <a14:hiddenFill xmlns:a14="http://schemas.microsoft.com/office/drawing/2010/main" xmlns="">
+              <a14:hiddenFill xmlns="" xmlns:a14="http://schemas.microsoft.com/office/drawing/2010/main">
                 <a:solidFill>
                   <a:srgbClr val="FFFFFF"/>
                 </a:solidFill>
               </a14:hiddenFill>
             </a:ext>
             <a:ext uri="{91240B29-F687-4f45-9708-019B960494DF}">
-              <a14:hiddenLine xmlns:a14="http://schemas.microsoft.com/office/drawing/2010/main" xmlns="" w="9525" cap="flat">
+              <a14:hiddenLine xmlns="" xmlns:a14="http://schemas.microsoft.com/office/drawing/2010/main" w="9525" cap="flat">
                 <a:solidFill>
                   <a:srgbClr val="3465A4"/>
                 </a:solidFill>
@@ -34069,7 +35223,7 @@
               </a14:hiddenLine>
             </a:ext>
             <a:ext uri="{AF507438-7753-43e0-B8FC-AC1667EBCBE1}">
-              <a14:hiddenEffects xmlns:a14="http://schemas.microsoft.com/office/drawing/2010/main" xmlns="">
+              <a14:hiddenEffects xmlns="" xmlns:a14="http://schemas.microsoft.com/office/drawing/2010/main">
                 <a:effectLst>
                   <a:outerShdw blurRad="63500" dist="38099" dir="2700000" algn="ctr" rotWithShape="0">
                     <a:srgbClr val="000000">
@@ -34488,14 +35642,14 @@
           <a:effectLst/>
           <a:extLst>
             <a:ext uri="{909E8E84-426E-40dd-AFC4-6F175D3DCCD1}">
-              <a14:hiddenFill xmlns:a14="http://schemas.microsoft.com/office/drawing/2010/main" xmlns="">
+              <a14:hiddenFill xmlns="" xmlns:a14="http://schemas.microsoft.com/office/drawing/2010/main">
                 <a:solidFill>
                   <a:srgbClr val="FFFFFF"/>
                 </a:solidFill>
               </a14:hiddenFill>
             </a:ext>
             <a:ext uri="{91240B29-F687-4f45-9708-019B960494DF}">
-              <a14:hiddenLine xmlns:a14="http://schemas.microsoft.com/office/drawing/2010/main" xmlns="" w="9525" cap="flat">
+              <a14:hiddenLine xmlns="" xmlns:a14="http://schemas.microsoft.com/office/drawing/2010/main" w="9525" cap="flat">
                 <a:solidFill>
                   <a:srgbClr val="3465A4"/>
                 </a:solidFill>
@@ -34505,7 +35659,7 @@
               </a14:hiddenLine>
             </a:ext>
             <a:ext uri="{AF507438-7753-43e0-B8FC-AC1667EBCBE1}">
-              <a14:hiddenEffects xmlns:a14="http://schemas.microsoft.com/office/drawing/2010/main" xmlns="">
+              <a14:hiddenEffects xmlns="" xmlns:a14="http://schemas.microsoft.com/office/drawing/2010/main">
                 <a:effectLst>
                   <a:outerShdw blurRad="63500" dist="38099" dir="2700000" algn="ctr" rotWithShape="0">
                     <a:srgbClr val="000000">
@@ -34924,14 +36078,14 @@
           <a:effectLst/>
           <a:extLst>
             <a:ext uri="{909E8E84-426E-40dd-AFC4-6F175D3DCCD1}">
-              <a14:hiddenFill xmlns:a14="http://schemas.microsoft.com/office/drawing/2010/main" xmlns="">
+              <a14:hiddenFill xmlns="" xmlns:a14="http://schemas.microsoft.com/office/drawing/2010/main">
                 <a:solidFill>
                   <a:srgbClr val="FFFFFF"/>
                 </a:solidFill>
               </a14:hiddenFill>
             </a:ext>
             <a:ext uri="{91240B29-F687-4f45-9708-019B960494DF}">
-              <a14:hiddenLine xmlns:a14="http://schemas.microsoft.com/office/drawing/2010/main" xmlns="" w="9525" cap="flat">
+              <a14:hiddenLine xmlns="" xmlns:a14="http://schemas.microsoft.com/office/drawing/2010/main" w="9525" cap="flat">
                 <a:solidFill>
                   <a:srgbClr val="3465A4"/>
                 </a:solidFill>
@@ -34941,7 +36095,7 @@
               </a14:hiddenLine>
             </a:ext>
             <a:ext uri="{AF507438-7753-43e0-B8FC-AC1667EBCBE1}">
-              <a14:hiddenEffects xmlns:a14="http://schemas.microsoft.com/office/drawing/2010/main" xmlns="">
+              <a14:hiddenEffects xmlns="" xmlns:a14="http://schemas.microsoft.com/office/drawing/2010/main">
                 <a:effectLst>
                   <a:outerShdw blurRad="63500" dist="38099" dir="2700000" algn="ctr" rotWithShape="0">
                     <a:srgbClr val="000000">
@@ -35360,14 +36514,14 @@
           <a:effectLst/>
           <a:extLst>
             <a:ext uri="{909E8E84-426E-40dd-AFC4-6F175D3DCCD1}">
-              <a14:hiddenFill xmlns:a14="http://schemas.microsoft.com/office/drawing/2010/main" xmlns="">
+              <a14:hiddenFill xmlns="" xmlns:a14="http://schemas.microsoft.com/office/drawing/2010/main">
                 <a:solidFill>
                   <a:srgbClr val="FFFFFF"/>
                 </a:solidFill>
               </a14:hiddenFill>
             </a:ext>
             <a:ext uri="{91240B29-F687-4f45-9708-019B960494DF}">
-              <a14:hiddenLine xmlns:a14="http://schemas.microsoft.com/office/drawing/2010/main" xmlns="" w="9525" cap="flat">
+              <a14:hiddenLine xmlns="" xmlns:a14="http://schemas.microsoft.com/office/drawing/2010/main" w="9525" cap="flat">
                 <a:solidFill>
                   <a:srgbClr val="3465A4"/>
                 </a:solidFill>
@@ -35377,7 +36531,7 @@
               </a14:hiddenLine>
             </a:ext>
             <a:ext uri="{AF507438-7753-43e0-B8FC-AC1667EBCBE1}">
-              <a14:hiddenEffects xmlns:a14="http://schemas.microsoft.com/office/drawing/2010/main" xmlns="">
+              <a14:hiddenEffects xmlns="" xmlns:a14="http://schemas.microsoft.com/office/drawing/2010/main">
                 <a:effectLst>
                   <a:outerShdw blurRad="63500" dist="38099" dir="2700000" algn="ctr" rotWithShape="0">
                     <a:srgbClr val="000000">
@@ -35871,7 +37025,7 @@
           <a:effectLst/>
           <a:extLst>
             <a:ext uri="{AF507438-7753-43e0-B8FC-AC1667EBCBE1}">
-              <a14:hiddenEffects xmlns:a14="http://schemas.microsoft.com/office/drawing/2010/main" xmlns="">
+              <a14:hiddenEffects xmlns="" xmlns:a14="http://schemas.microsoft.com/office/drawing/2010/main">
                 <a:effectLst>
                   <a:outerShdw blurRad="63500" dist="38099" dir="2700000" algn="ctr" rotWithShape="0">
                     <a:schemeClr val="bg2">
@@ -35947,14 +37101,14 @@
           <a:effectLst/>
           <a:extLst>
             <a:ext uri="{909E8E84-426E-40dd-AFC4-6F175D3DCCD1}">
-              <a14:hiddenFill xmlns:a14="http://schemas.microsoft.com/office/drawing/2010/main" xmlns="">
+              <a14:hiddenFill xmlns="" xmlns:a14="http://schemas.microsoft.com/office/drawing/2010/main">
                 <a:solidFill>
                   <a:srgbClr val="FFFFFF"/>
                 </a:solidFill>
               </a14:hiddenFill>
             </a:ext>
             <a:ext uri="{91240B29-F687-4f45-9708-019B960494DF}">
-              <a14:hiddenLine xmlns:a14="http://schemas.microsoft.com/office/drawing/2010/main" xmlns="" w="9525" cap="flat">
+              <a14:hiddenLine xmlns="" xmlns:a14="http://schemas.microsoft.com/office/drawing/2010/main" w="9525" cap="flat">
                 <a:solidFill>
                   <a:srgbClr val="3465A4"/>
                 </a:solidFill>
@@ -35964,7 +37118,7 @@
               </a14:hiddenLine>
             </a:ext>
             <a:ext uri="{AF507438-7753-43e0-B8FC-AC1667EBCBE1}">
-              <a14:hiddenEffects xmlns:a14="http://schemas.microsoft.com/office/drawing/2010/main" xmlns="">
+              <a14:hiddenEffects xmlns="" xmlns:a14="http://schemas.microsoft.com/office/drawing/2010/main">
                 <a:effectLst>
                   <a:outerShdw blurRad="63500" dist="38099" dir="2700000" algn="ctr" rotWithShape="0">
                     <a:srgbClr val="000000">
@@ -36382,7 +37536,7 @@
           <a:effectLst/>
           <a:extLst>
             <a:ext uri="{AF507438-7753-43e0-B8FC-AC1667EBCBE1}">
-              <a14:hiddenEffects xmlns:a14="http://schemas.microsoft.com/office/drawing/2010/main" xmlns="">
+              <a14:hiddenEffects xmlns="" xmlns:a14="http://schemas.microsoft.com/office/drawing/2010/main">
                 <a:effectLst>
                   <a:outerShdw blurRad="63500" dist="38099" dir="2700000" algn="ctr" rotWithShape="0">
                     <a:schemeClr val="bg2">
@@ -36464,7 +37618,7 @@
           <a:effectLst/>
           <a:extLst>
             <a:ext uri="{AF507438-7753-43e0-B8FC-AC1667EBCBE1}">
-              <a14:hiddenEffects xmlns:a14="http://schemas.microsoft.com/office/drawing/2010/main" xmlns="">
+              <a14:hiddenEffects xmlns="" xmlns:a14="http://schemas.microsoft.com/office/drawing/2010/main">
                 <a:effectLst>
                   <a:outerShdw blurRad="63500" dist="38099" dir="2700000" algn="ctr" rotWithShape="0">
                     <a:schemeClr val="bg2">
@@ -36546,7 +37700,7 @@
           <a:effectLst/>
           <a:extLst>
             <a:ext uri="{AF507438-7753-43e0-B8FC-AC1667EBCBE1}">
-              <a14:hiddenEffects xmlns:a14="http://schemas.microsoft.com/office/drawing/2010/main" xmlns="">
+              <a14:hiddenEffects xmlns="" xmlns:a14="http://schemas.microsoft.com/office/drawing/2010/main">
                 <a:effectLst>
                   <a:outerShdw blurRad="63500" dist="38099" dir="2700000" algn="ctr" rotWithShape="0">
                     <a:schemeClr val="bg2">
@@ -36628,7 +37782,7 @@
           <a:effectLst/>
           <a:extLst>
             <a:ext uri="{AF507438-7753-43e0-B8FC-AC1667EBCBE1}">
-              <a14:hiddenEffects xmlns:a14="http://schemas.microsoft.com/office/drawing/2010/main" xmlns="">
+              <a14:hiddenEffects xmlns="" xmlns:a14="http://schemas.microsoft.com/office/drawing/2010/main">
                 <a:effectLst>
                   <a:outerShdw blurRad="63500" dist="38099" dir="2700000" algn="ctr" rotWithShape="0">
                     <a:schemeClr val="bg2">
@@ -36710,7 +37864,7 @@
           <a:effectLst/>
           <a:extLst>
             <a:ext uri="{AF507438-7753-43e0-B8FC-AC1667EBCBE1}">
-              <a14:hiddenEffects xmlns:a14="http://schemas.microsoft.com/office/drawing/2010/main" xmlns="">
+              <a14:hiddenEffects xmlns="" xmlns:a14="http://schemas.microsoft.com/office/drawing/2010/main">
                 <a:effectLst>
                   <a:outerShdw blurRad="63500" dist="38099" dir="2700000" algn="ctr" rotWithShape="0">
                     <a:schemeClr val="bg2">
@@ -36792,7 +37946,7 @@
           <a:effectLst/>
           <a:extLst>
             <a:ext uri="{AF507438-7753-43e0-B8FC-AC1667EBCBE1}">
-              <a14:hiddenEffects xmlns:a14="http://schemas.microsoft.com/office/drawing/2010/main" xmlns="">
+              <a14:hiddenEffects xmlns="" xmlns:a14="http://schemas.microsoft.com/office/drawing/2010/main">
                 <a:effectLst>
                   <a:outerShdw blurRad="63500" dist="38099" dir="2700000" algn="ctr" rotWithShape="0">
                     <a:schemeClr val="bg2">
@@ -36874,7 +38028,7 @@
           <a:effectLst/>
           <a:extLst>
             <a:ext uri="{AF507438-7753-43e0-B8FC-AC1667EBCBE1}">
-              <a14:hiddenEffects xmlns:a14="http://schemas.microsoft.com/office/drawing/2010/main" xmlns="">
+              <a14:hiddenEffects xmlns="" xmlns:a14="http://schemas.microsoft.com/office/drawing/2010/main">
                 <a:effectLst>
                   <a:outerShdw blurRad="63500" dist="38099" dir="2700000" algn="ctr" rotWithShape="0">
                     <a:schemeClr val="bg2">
@@ -36916,7 +38070,7 @@
           <a:effectLst/>
           <a:extLst>
             <a:ext uri="{AF507438-7753-43e0-B8FC-AC1667EBCBE1}">
-              <a14:hiddenEffects xmlns:a14="http://schemas.microsoft.com/office/drawing/2010/main" xmlns="">
+              <a14:hiddenEffects xmlns="" xmlns:a14="http://schemas.microsoft.com/office/drawing/2010/main">
                 <a:effectLst>
                   <a:outerShdw blurRad="63500" dist="38099" dir="2700000" algn="ctr" rotWithShape="0">
                     <a:schemeClr val="bg2">
@@ -36958,7 +38112,7 @@
           <a:effectLst/>
           <a:extLst>
             <a:ext uri="{AF507438-7753-43e0-B8FC-AC1667EBCBE1}">
-              <a14:hiddenEffects xmlns:a14="http://schemas.microsoft.com/office/drawing/2010/main" xmlns="">
+              <a14:hiddenEffects xmlns="" xmlns:a14="http://schemas.microsoft.com/office/drawing/2010/main">
                 <a:effectLst>
                   <a:outerShdw blurRad="63500" dist="38099" dir="2700000" algn="ctr" rotWithShape="0">
                     <a:schemeClr val="bg2">
@@ -37000,7 +38154,7 @@
           <a:effectLst/>
           <a:extLst>
             <a:ext uri="{AF507438-7753-43e0-B8FC-AC1667EBCBE1}">
-              <a14:hiddenEffects xmlns:a14="http://schemas.microsoft.com/office/drawing/2010/main" xmlns="">
+              <a14:hiddenEffects xmlns="" xmlns:a14="http://schemas.microsoft.com/office/drawing/2010/main">
                 <a:effectLst>
                   <a:outerShdw blurRad="63500" dist="38099" dir="2700000" algn="ctr" rotWithShape="0">
                     <a:schemeClr val="bg2">
@@ -37042,7 +38196,7 @@
           <a:effectLst/>
           <a:extLst>
             <a:ext uri="{AF507438-7753-43e0-B8FC-AC1667EBCBE1}">
-              <a14:hiddenEffects xmlns:a14="http://schemas.microsoft.com/office/drawing/2010/main" xmlns="">
+              <a14:hiddenEffects xmlns="" xmlns:a14="http://schemas.microsoft.com/office/drawing/2010/main">
                 <a:effectLst>
                   <a:outerShdw blurRad="63500" dist="38099" dir="2700000" algn="ctr" rotWithShape="0">
                     <a:schemeClr val="bg2">
@@ -37084,7 +38238,7 @@
           <a:effectLst/>
           <a:extLst>
             <a:ext uri="{AF507438-7753-43e0-B8FC-AC1667EBCBE1}">
-              <a14:hiddenEffects xmlns:a14="http://schemas.microsoft.com/office/drawing/2010/main" xmlns="">
+              <a14:hiddenEffects xmlns="" xmlns:a14="http://schemas.microsoft.com/office/drawing/2010/main">
                 <a:effectLst>
                   <a:outerShdw blurRad="63500" dist="38099" dir="2700000" algn="ctr" rotWithShape="0">
                     <a:schemeClr val="bg2">
@@ -37258,7 +38412,7 @@
           <a:effectLst/>
           <a:extLst>
             <a:ext uri="{AF507438-7753-43e0-B8FC-AC1667EBCBE1}">
-              <a14:hiddenEffects xmlns:a14="http://schemas.microsoft.com/office/drawing/2010/main" xmlns="">
+              <a14:hiddenEffects xmlns="" xmlns:a14="http://schemas.microsoft.com/office/drawing/2010/main">
                 <a:effectLst>
                   <a:outerShdw blurRad="63500" dist="38099" dir="2700000" algn="ctr" rotWithShape="0">
                     <a:schemeClr val="bg2">
@@ -37340,7 +38494,7 @@
           <a:effectLst/>
           <a:extLst>
             <a:ext uri="{AF507438-7753-43e0-B8FC-AC1667EBCBE1}">
-              <a14:hiddenEffects xmlns:a14="http://schemas.microsoft.com/office/drawing/2010/main" xmlns="">
+              <a14:hiddenEffects xmlns="" xmlns:a14="http://schemas.microsoft.com/office/drawing/2010/main">
                 <a:effectLst>
                   <a:outerShdw blurRad="63500" dist="38099" dir="2700000" algn="ctr" rotWithShape="0">
                     <a:schemeClr val="bg2">
@@ -37422,7 +38576,7 @@
           <a:effectLst/>
           <a:extLst>
             <a:ext uri="{AF507438-7753-43e0-B8FC-AC1667EBCBE1}">
-              <a14:hiddenEffects xmlns:a14="http://schemas.microsoft.com/office/drawing/2010/main" xmlns="">
+              <a14:hiddenEffects xmlns="" xmlns:a14="http://schemas.microsoft.com/office/drawing/2010/main">
                 <a:effectLst>
                   <a:outerShdw blurRad="63500" dist="38099" dir="2700000" algn="ctr" rotWithShape="0">
                     <a:schemeClr val="bg2">
@@ -37504,7 +38658,7 @@
           <a:effectLst/>
           <a:extLst>
             <a:ext uri="{AF507438-7753-43e0-B8FC-AC1667EBCBE1}">
-              <a14:hiddenEffects xmlns:a14="http://schemas.microsoft.com/office/drawing/2010/main" xmlns="">
+              <a14:hiddenEffects xmlns="" xmlns:a14="http://schemas.microsoft.com/office/drawing/2010/main">
                 <a:effectLst>
                   <a:outerShdw blurRad="63500" dist="38099" dir="2700000" algn="ctr" rotWithShape="0">
                     <a:schemeClr val="bg2">
@@ -37586,7 +38740,7 @@
           <a:effectLst/>
           <a:extLst>
             <a:ext uri="{AF507438-7753-43e0-B8FC-AC1667EBCBE1}">
-              <a14:hiddenEffects xmlns:a14="http://schemas.microsoft.com/office/drawing/2010/main" xmlns="">
+              <a14:hiddenEffects xmlns="" xmlns:a14="http://schemas.microsoft.com/office/drawing/2010/main">
                 <a:effectLst>
                   <a:outerShdw blurRad="63500" dist="38099" dir="2700000" algn="ctr" rotWithShape="0">
                     <a:schemeClr val="bg2">
@@ -37668,7 +38822,7 @@
           <a:effectLst/>
           <a:extLst>
             <a:ext uri="{AF507438-7753-43e0-B8FC-AC1667EBCBE1}">
-              <a14:hiddenEffects xmlns:a14="http://schemas.microsoft.com/office/drawing/2010/main" xmlns="">
+              <a14:hiddenEffects xmlns="" xmlns:a14="http://schemas.microsoft.com/office/drawing/2010/main">
                 <a:effectLst>
                   <a:outerShdw blurRad="63500" dist="38099" dir="2700000" algn="ctr" rotWithShape="0">
                     <a:schemeClr val="bg2">
@@ -37750,7 +38904,7 @@
           <a:effectLst/>
           <a:extLst>
             <a:ext uri="{AF507438-7753-43e0-B8FC-AC1667EBCBE1}">
-              <a14:hiddenEffects xmlns:a14="http://schemas.microsoft.com/office/drawing/2010/main" xmlns="">
+              <a14:hiddenEffects xmlns="" xmlns:a14="http://schemas.microsoft.com/office/drawing/2010/main">
                 <a:effectLst>
                   <a:outerShdw blurRad="63500" dist="38099" dir="2700000" algn="ctr" rotWithShape="0">
                     <a:schemeClr val="bg2">
@@ -37792,7 +38946,7 @@
           <a:effectLst/>
           <a:extLst>
             <a:ext uri="{AF507438-7753-43e0-B8FC-AC1667EBCBE1}">
-              <a14:hiddenEffects xmlns:a14="http://schemas.microsoft.com/office/drawing/2010/main" xmlns="">
+              <a14:hiddenEffects xmlns="" xmlns:a14="http://schemas.microsoft.com/office/drawing/2010/main">
                 <a:effectLst>
                   <a:outerShdw blurRad="63500" dist="38099" dir="2700000" algn="ctr" rotWithShape="0">
                     <a:schemeClr val="bg2">
@@ -37834,7 +38988,7 @@
           <a:effectLst/>
           <a:extLst>
             <a:ext uri="{AF507438-7753-43e0-B8FC-AC1667EBCBE1}">
-              <a14:hiddenEffects xmlns:a14="http://schemas.microsoft.com/office/drawing/2010/main" xmlns="">
+              <a14:hiddenEffects xmlns="" xmlns:a14="http://schemas.microsoft.com/office/drawing/2010/main">
                 <a:effectLst>
                   <a:outerShdw blurRad="63500" dist="38099" dir="2700000" algn="ctr" rotWithShape="0">
                     <a:schemeClr val="bg2">
@@ -37876,7 +39030,7 @@
           <a:effectLst/>
           <a:extLst>
             <a:ext uri="{AF507438-7753-43e0-B8FC-AC1667EBCBE1}">
-              <a14:hiddenEffects xmlns:a14="http://schemas.microsoft.com/office/drawing/2010/main" xmlns="">
+              <a14:hiddenEffects xmlns="" xmlns:a14="http://schemas.microsoft.com/office/drawing/2010/main">
                 <a:effectLst>
                   <a:outerShdw blurRad="63500" dist="38099" dir="2700000" algn="ctr" rotWithShape="0">
                     <a:schemeClr val="bg2">
@@ -37918,7 +39072,7 @@
           <a:effectLst/>
           <a:extLst>
             <a:ext uri="{AF507438-7753-43e0-B8FC-AC1667EBCBE1}">
-              <a14:hiddenEffects xmlns:a14="http://schemas.microsoft.com/office/drawing/2010/main" xmlns="">
+              <a14:hiddenEffects xmlns="" xmlns:a14="http://schemas.microsoft.com/office/drawing/2010/main">
                 <a:effectLst>
                   <a:outerShdw blurRad="63500" dist="38099" dir="2700000" algn="ctr" rotWithShape="0">
                     <a:schemeClr val="bg2">
@@ -37960,7 +39114,7 @@
           <a:effectLst/>
           <a:extLst>
             <a:ext uri="{AF507438-7753-43e0-B8FC-AC1667EBCBE1}">
-              <a14:hiddenEffects xmlns:a14="http://schemas.microsoft.com/office/drawing/2010/main" xmlns="">
+              <a14:hiddenEffects xmlns="" xmlns:a14="http://schemas.microsoft.com/office/drawing/2010/main">
                 <a:effectLst>
                   <a:outerShdw blurRad="63500" dist="38099" dir="2700000" algn="ctr" rotWithShape="0">
                     <a:schemeClr val="bg2">
@@ -38002,7 +39156,7 @@
           <a:effectLst/>
           <a:extLst>
             <a:ext uri="{AF507438-7753-43e0-B8FC-AC1667EBCBE1}">
-              <a14:hiddenEffects xmlns:a14="http://schemas.microsoft.com/office/drawing/2010/main" xmlns="">
+              <a14:hiddenEffects xmlns="" xmlns:a14="http://schemas.microsoft.com/office/drawing/2010/main">
                 <a:effectLst>
                   <a:outerShdw blurRad="63500" dist="38099" dir="2700000" algn="ctr" rotWithShape="0">
                     <a:schemeClr val="bg2">
@@ -38110,7 +39264,7 @@
           <a:effectLst/>
           <a:extLst>
             <a:ext uri="{AF507438-7753-43e0-B8FC-AC1667EBCBE1}">
-              <a14:hiddenEffects xmlns:a14="http://schemas.microsoft.com/office/drawing/2010/main" xmlns="">
+              <a14:hiddenEffects xmlns="" xmlns:a14="http://schemas.microsoft.com/office/drawing/2010/main">
                 <a:effectLst>
                   <a:outerShdw blurRad="63500" dist="38099" dir="2700000" algn="ctr" rotWithShape="0">
                     <a:schemeClr val="bg2">
@@ -38152,7 +39306,7 @@
           <a:effectLst/>
           <a:extLst>
             <a:ext uri="{AF507438-7753-43e0-B8FC-AC1667EBCBE1}">
-              <a14:hiddenEffects xmlns:a14="http://schemas.microsoft.com/office/drawing/2010/main" xmlns="">
+              <a14:hiddenEffects xmlns="" xmlns:a14="http://schemas.microsoft.com/office/drawing/2010/main">
                 <a:effectLst>
                   <a:outerShdw blurRad="63500" dist="38099" dir="2700000" algn="ctr" rotWithShape="0">
                     <a:schemeClr val="bg2">
@@ -38194,7 +39348,7 @@
           <a:effectLst/>
           <a:extLst>
             <a:ext uri="{AF507438-7753-43e0-B8FC-AC1667EBCBE1}">
-              <a14:hiddenEffects xmlns:a14="http://schemas.microsoft.com/office/drawing/2010/main" xmlns="">
+              <a14:hiddenEffects xmlns="" xmlns:a14="http://schemas.microsoft.com/office/drawing/2010/main">
                 <a:effectLst>
                   <a:outerShdw blurRad="63500" dist="38099" dir="2700000" algn="ctr" rotWithShape="0">
                     <a:schemeClr val="bg2">
@@ -38277,7 +39431,7 @@
           <a:effectLst/>
           <a:extLst>
             <a:ext uri="{AF507438-7753-43e0-B8FC-AC1667EBCBE1}">
-              <a14:hiddenEffects xmlns:a14="http://schemas.microsoft.com/office/drawing/2010/main" xmlns="">
+              <a14:hiddenEffects xmlns="" xmlns:a14="http://schemas.microsoft.com/office/drawing/2010/main">
                 <a:effectLst>
                   <a:outerShdw blurRad="63500" dist="38099" dir="2700000" algn="ctr" rotWithShape="0">
                     <a:schemeClr val="bg2">
@@ -38322,7 +39476,7 @@
           <a:effectLst/>
           <a:extLst>
             <a:ext uri="{AF507438-7753-43e0-B8FC-AC1667EBCBE1}">
-              <a14:hiddenEffects xmlns:a14="http://schemas.microsoft.com/office/drawing/2010/main" xmlns="">
+              <a14:hiddenEffects xmlns="" xmlns:a14="http://schemas.microsoft.com/office/drawing/2010/main">
                 <a:effectLst>
                   <a:outerShdw blurRad="63500" dist="38099" dir="2700000" algn="ctr" rotWithShape="0">
                     <a:schemeClr val="bg2">
@@ -38984,7 +40138,7 @@
         <a:effectLst/>
         <a:extLst>
           <a:ext uri="{AF507438-7753-43e0-B8FC-AC1667EBCBE1}">
-            <a14:hiddenEffects xmlns:a14="http://schemas.microsoft.com/office/drawing/2010/main" xmlns="">
+            <a14:hiddenEffects xmlns="" xmlns:a14="http://schemas.microsoft.com/office/drawing/2010/main">
               <a:effectLst>
                 <a:outerShdw blurRad="63500" dist="38099" dir="2700000" algn="ctr" rotWithShape="0">
                   <a:schemeClr val="bg2">
@@ -39063,7 +40217,7 @@
         <a:effectLst/>
         <a:extLst>
           <a:ext uri="{AF507438-7753-43e0-B8FC-AC1667EBCBE1}">
-            <a14:hiddenEffects xmlns:a14="http://schemas.microsoft.com/office/drawing/2010/main" xmlns="">
+            <a14:hiddenEffects xmlns="" xmlns:a14="http://schemas.microsoft.com/office/drawing/2010/main">
               <a:effectLst>
                 <a:outerShdw blurRad="63500" dist="38099" dir="2700000" algn="ctr" rotWithShape="0">
                   <a:schemeClr val="bg2">

--- a/ntp/ntp-service.pptx
+++ b/ntp/ntp-service.pptx
@@ -5,7 +5,7 @@
     <p:sldMasterId id="2147483648" r:id="rId1"/>
   </p:sldMasterIdLst>
   <p:notesMasterIdLst>
-    <p:notesMasterId r:id="rId27"/>
+    <p:notesMasterId r:id="rId26"/>
   </p:notesMasterIdLst>
   <p:sldIdLst>
     <p:sldId id="256" r:id="rId2"/>
@@ -23,16 +23,15 @@
     <p:sldId id="278" r:id="rId14"/>
     <p:sldId id="265" r:id="rId15"/>
     <p:sldId id="279" r:id="rId16"/>
-    <p:sldId id="281" r:id="rId17"/>
-    <p:sldId id="280" r:id="rId18"/>
-    <p:sldId id="262" r:id="rId19"/>
-    <p:sldId id="270" r:id="rId20"/>
-    <p:sldId id="286" r:id="rId21"/>
-    <p:sldId id="285" r:id="rId22"/>
-    <p:sldId id="289" r:id="rId23"/>
-    <p:sldId id="287" r:id="rId24"/>
-    <p:sldId id="288" r:id="rId25"/>
-    <p:sldId id="272" r:id="rId26"/>
+    <p:sldId id="280" r:id="rId17"/>
+    <p:sldId id="262" r:id="rId18"/>
+    <p:sldId id="270" r:id="rId19"/>
+    <p:sldId id="286" r:id="rId20"/>
+    <p:sldId id="285" r:id="rId21"/>
+    <p:sldId id="289" r:id="rId22"/>
+    <p:sldId id="287" r:id="rId23"/>
+    <p:sldId id="288" r:id="rId24"/>
+    <p:sldId id="272" r:id="rId25"/>
   </p:sldIdLst>
   <p:sldSz cx="10080625" cy="7559675"/>
   <p:notesSz cx="7772400" cy="10058400"/>
@@ -4165,7 +4164,7 @@
     </p:spTree>
     <p:extLst>
       <p:ext uri="{BB962C8B-B14F-4D97-AF65-F5344CB8AC3E}">
-        <p14:creationId xmlns:p14="http://schemas.microsoft.com/office/powerpoint/2010/main" val="441587734"/>
+        <p14:creationId xmlns:p14="http://schemas.microsoft.com/office/powerpoint/2010/main" val="434389555"/>
       </p:ext>
     </p:extLst>
   </p:cSld>
@@ -4176,562 +4175,6 @@
 </file>
 
 <file path=ppt/notesSlides/notesSlide14.xml><?xml version="1.0" encoding="utf-8"?>
-<p:notes xmlns:a="http://schemas.openxmlformats.org/drawingml/2006/main" xmlns:r="http://schemas.openxmlformats.org/officeDocument/2006/relationships" xmlns:p="http://schemas.openxmlformats.org/presentationml/2006/main">
-  <p:cSld>
-    <p:bg>
-      <p:bgPr>
-        <a:solidFill>
-          <a:srgbClr val="FFFFFF"/>
-        </a:solidFill>
-        <a:effectLst/>
-      </p:bgPr>
-    </p:bg>
-    <p:spTree>
-      <p:nvGrpSpPr>
-        <p:cNvPr id="1" name=""/>
-        <p:cNvGrpSpPr/>
-        <p:nvPr/>
-      </p:nvGrpSpPr>
-      <p:grpSpPr>
-        <a:xfrm>
-          <a:off x="0" y="0"/>
-          <a:ext cx="0" cy="0"/>
-          <a:chOff x="0" y="0"/>
-          <a:chExt cx="0" cy="0"/>
-        </a:xfrm>
-      </p:grpSpPr>
-      <p:sp>
-        <p:nvSpPr>
-          <p:cNvPr id="4" name="Rectangle 8"/>
-          <p:cNvSpPr>
-            <a:spLocks noGrp="1" noChangeArrowheads="1"/>
-          </p:cNvSpPr>
-          <p:nvPr>
-            <p:ph type="sldNum" sz="quarter"/>
-          </p:nvPr>
-        </p:nvSpPr>
-        <p:spPr>
-          <a:extLst>
-            <a:ext uri="{909E8E84-426E-40dd-AFC4-6F175D3DCCD1}">
-              <a14:hiddenFill xmlns="" xmlns:a14="http://schemas.microsoft.com/office/drawing/2010/main">
-                <a:solidFill>
-                  <a:srgbClr val="FFFFFF"/>
-                </a:solidFill>
-              </a14:hiddenFill>
-            </a:ext>
-            <a:ext uri="{91240B29-F687-4f45-9708-019B960494DF}">
-              <a14:hiddenLine xmlns="" xmlns:a14="http://schemas.microsoft.com/office/drawing/2010/main" w="9525" cap="flat">
-                <a:solidFill>
-                  <a:srgbClr val="3465A4"/>
-                </a:solidFill>
-                <a:round/>
-                <a:headEnd/>
-                <a:tailEnd/>
-              </a14:hiddenLine>
-            </a:ext>
-            <a:ext uri="{AF507438-7753-43e0-B8FC-AC1667EBCBE1}">
-              <a14:hiddenEffects xmlns="" xmlns:a14="http://schemas.microsoft.com/office/drawing/2010/main">
-                <a:effectLst>
-                  <a:outerShdw blurRad="63500" dist="38099" dir="2700000" algn="ctr" rotWithShape="0">
-                    <a:schemeClr val="bg2">
-                      <a:alpha val="74998"/>
-                    </a:schemeClr>
-                  </a:outerShdw>
-                </a:effectLst>
-              </a14:hiddenEffects>
-            </a:ext>
-          </a:extLst>
-        </p:spPr>
-        <p:txBody>
-          <a:bodyPr/>
-          <a:lstStyle>
-            <a:lvl1pPr eaLnBrk="0">
-              <a:tabLst>
-                <a:tab pos="0" algn="l"/>
-                <a:tab pos="457200" algn="l"/>
-                <a:tab pos="914400" algn="l"/>
-                <a:tab pos="1371600" algn="l"/>
-                <a:tab pos="1828800" algn="l"/>
-                <a:tab pos="2286000" algn="l"/>
-                <a:tab pos="2743200" algn="l"/>
-                <a:tab pos="3200400" algn="l"/>
-                <a:tab pos="3657600" algn="l"/>
-                <a:tab pos="4114800" algn="l"/>
-                <a:tab pos="4572000" algn="l"/>
-                <a:tab pos="5029200" algn="l"/>
-                <a:tab pos="5486400" algn="l"/>
-                <a:tab pos="5943600" algn="l"/>
-                <a:tab pos="6400800" algn="l"/>
-                <a:tab pos="6858000" algn="l"/>
-                <a:tab pos="7315200" algn="l"/>
-                <a:tab pos="7772400" algn="l"/>
-                <a:tab pos="8229600" algn="l"/>
-                <a:tab pos="8686800" algn="l"/>
-                <a:tab pos="9144000" algn="l"/>
-              </a:tabLst>
-              <a:defRPr sz="2400">
-                <a:solidFill>
-                  <a:schemeClr val="bg1"/>
-                </a:solidFill>
-                <a:latin typeface="Arial" charset="0"/>
-                <a:ea typeface="ＭＳ Ｐゴシック" charset="-128"/>
-              </a:defRPr>
-            </a:lvl1pPr>
-            <a:lvl2pPr eaLnBrk="0">
-              <a:tabLst>
-                <a:tab pos="0" algn="l"/>
-                <a:tab pos="457200" algn="l"/>
-                <a:tab pos="914400" algn="l"/>
-                <a:tab pos="1371600" algn="l"/>
-                <a:tab pos="1828800" algn="l"/>
-                <a:tab pos="2286000" algn="l"/>
-                <a:tab pos="2743200" algn="l"/>
-                <a:tab pos="3200400" algn="l"/>
-                <a:tab pos="3657600" algn="l"/>
-                <a:tab pos="4114800" algn="l"/>
-                <a:tab pos="4572000" algn="l"/>
-                <a:tab pos="5029200" algn="l"/>
-                <a:tab pos="5486400" algn="l"/>
-                <a:tab pos="5943600" algn="l"/>
-                <a:tab pos="6400800" algn="l"/>
-                <a:tab pos="6858000" algn="l"/>
-                <a:tab pos="7315200" algn="l"/>
-                <a:tab pos="7772400" algn="l"/>
-                <a:tab pos="8229600" algn="l"/>
-                <a:tab pos="8686800" algn="l"/>
-                <a:tab pos="9144000" algn="l"/>
-              </a:tabLst>
-              <a:defRPr sz="2400">
-                <a:solidFill>
-                  <a:schemeClr val="bg1"/>
-                </a:solidFill>
-                <a:latin typeface="Arial" charset="0"/>
-                <a:ea typeface="ＭＳ Ｐゴシック" charset="-128"/>
-              </a:defRPr>
-            </a:lvl2pPr>
-            <a:lvl3pPr eaLnBrk="0">
-              <a:tabLst>
-                <a:tab pos="0" algn="l"/>
-                <a:tab pos="457200" algn="l"/>
-                <a:tab pos="914400" algn="l"/>
-                <a:tab pos="1371600" algn="l"/>
-                <a:tab pos="1828800" algn="l"/>
-                <a:tab pos="2286000" algn="l"/>
-                <a:tab pos="2743200" algn="l"/>
-                <a:tab pos="3200400" algn="l"/>
-                <a:tab pos="3657600" algn="l"/>
-                <a:tab pos="4114800" algn="l"/>
-                <a:tab pos="4572000" algn="l"/>
-                <a:tab pos="5029200" algn="l"/>
-                <a:tab pos="5486400" algn="l"/>
-                <a:tab pos="5943600" algn="l"/>
-                <a:tab pos="6400800" algn="l"/>
-                <a:tab pos="6858000" algn="l"/>
-                <a:tab pos="7315200" algn="l"/>
-                <a:tab pos="7772400" algn="l"/>
-                <a:tab pos="8229600" algn="l"/>
-                <a:tab pos="8686800" algn="l"/>
-                <a:tab pos="9144000" algn="l"/>
-              </a:tabLst>
-              <a:defRPr sz="2400">
-                <a:solidFill>
-                  <a:schemeClr val="bg1"/>
-                </a:solidFill>
-                <a:latin typeface="Arial" charset="0"/>
-                <a:ea typeface="ＭＳ Ｐゴシック" charset="-128"/>
-              </a:defRPr>
-            </a:lvl3pPr>
-            <a:lvl4pPr eaLnBrk="0">
-              <a:tabLst>
-                <a:tab pos="0" algn="l"/>
-                <a:tab pos="457200" algn="l"/>
-                <a:tab pos="914400" algn="l"/>
-                <a:tab pos="1371600" algn="l"/>
-                <a:tab pos="1828800" algn="l"/>
-                <a:tab pos="2286000" algn="l"/>
-                <a:tab pos="2743200" algn="l"/>
-                <a:tab pos="3200400" algn="l"/>
-                <a:tab pos="3657600" algn="l"/>
-                <a:tab pos="4114800" algn="l"/>
-                <a:tab pos="4572000" algn="l"/>
-                <a:tab pos="5029200" algn="l"/>
-                <a:tab pos="5486400" algn="l"/>
-                <a:tab pos="5943600" algn="l"/>
-                <a:tab pos="6400800" algn="l"/>
-                <a:tab pos="6858000" algn="l"/>
-                <a:tab pos="7315200" algn="l"/>
-                <a:tab pos="7772400" algn="l"/>
-                <a:tab pos="8229600" algn="l"/>
-                <a:tab pos="8686800" algn="l"/>
-                <a:tab pos="9144000" algn="l"/>
-              </a:tabLst>
-              <a:defRPr sz="2400">
-                <a:solidFill>
-                  <a:schemeClr val="bg1"/>
-                </a:solidFill>
-                <a:latin typeface="Arial" charset="0"/>
-                <a:ea typeface="ＭＳ Ｐゴシック" charset="-128"/>
-              </a:defRPr>
-            </a:lvl4pPr>
-            <a:lvl5pPr eaLnBrk="0">
-              <a:tabLst>
-                <a:tab pos="0" algn="l"/>
-                <a:tab pos="457200" algn="l"/>
-                <a:tab pos="914400" algn="l"/>
-                <a:tab pos="1371600" algn="l"/>
-                <a:tab pos="1828800" algn="l"/>
-                <a:tab pos="2286000" algn="l"/>
-                <a:tab pos="2743200" algn="l"/>
-                <a:tab pos="3200400" algn="l"/>
-                <a:tab pos="3657600" algn="l"/>
-                <a:tab pos="4114800" algn="l"/>
-                <a:tab pos="4572000" algn="l"/>
-                <a:tab pos="5029200" algn="l"/>
-                <a:tab pos="5486400" algn="l"/>
-                <a:tab pos="5943600" algn="l"/>
-                <a:tab pos="6400800" algn="l"/>
-                <a:tab pos="6858000" algn="l"/>
-                <a:tab pos="7315200" algn="l"/>
-                <a:tab pos="7772400" algn="l"/>
-                <a:tab pos="8229600" algn="l"/>
-                <a:tab pos="8686800" algn="l"/>
-                <a:tab pos="9144000" algn="l"/>
-              </a:tabLst>
-              <a:defRPr sz="2400">
-                <a:solidFill>
-                  <a:schemeClr val="bg1"/>
-                </a:solidFill>
-                <a:latin typeface="Arial" charset="0"/>
-                <a:ea typeface="ＭＳ Ｐゴシック" charset="-128"/>
-              </a:defRPr>
-            </a:lvl5pPr>
-            <a:lvl6pPr marL="2514600" indent="-228600" defTabSz="457200" eaLnBrk="0" fontAlgn="base" hangingPunct="0">
-              <a:lnSpc>
-                <a:spcPct val="96000"/>
-              </a:lnSpc>
-              <a:spcBef>
-                <a:spcPct val="0"/>
-              </a:spcBef>
-              <a:spcAft>
-                <a:spcPct val="0"/>
-              </a:spcAft>
-              <a:buClr>
-                <a:srgbClr val="000000"/>
-              </a:buClr>
-              <a:buSzPct val="100000"/>
-              <a:buFont typeface="Times New Roman" charset="0"/>
-              <a:tabLst>
-                <a:tab pos="0" algn="l"/>
-                <a:tab pos="457200" algn="l"/>
-                <a:tab pos="914400" algn="l"/>
-                <a:tab pos="1371600" algn="l"/>
-                <a:tab pos="1828800" algn="l"/>
-                <a:tab pos="2286000" algn="l"/>
-                <a:tab pos="2743200" algn="l"/>
-                <a:tab pos="3200400" algn="l"/>
-                <a:tab pos="3657600" algn="l"/>
-                <a:tab pos="4114800" algn="l"/>
-                <a:tab pos="4572000" algn="l"/>
-                <a:tab pos="5029200" algn="l"/>
-                <a:tab pos="5486400" algn="l"/>
-                <a:tab pos="5943600" algn="l"/>
-                <a:tab pos="6400800" algn="l"/>
-                <a:tab pos="6858000" algn="l"/>
-                <a:tab pos="7315200" algn="l"/>
-                <a:tab pos="7772400" algn="l"/>
-                <a:tab pos="8229600" algn="l"/>
-                <a:tab pos="8686800" algn="l"/>
-                <a:tab pos="9144000" algn="l"/>
-              </a:tabLst>
-              <a:defRPr sz="2400">
-                <a:solidFill>
-                  <a:schemeClr val="bg1"/>
-                </a:solidFill>
-                <a:latin typeface="Arial" charset="0"/>
-                <a:ea typeface="ＭＳ Ｐゴシック" charset="-128"/>
-              </a:defRPr>
-            </a:lvl6pPr>
-            <a:lvl7pPr marL="2971800" indent="-228600" defTabSz="457200" eaLnBrk="0" fontAlgn="base" hangingPunct="0">
-              <a:lnSpc>
-                <a:spcPct val="96000"/>
-              </a:lnSpc>
-              <a:spcBef>
-                <a:spcPct val="0"/>
-              </a:spcBef>
-              <a:spcAft>
-                <a:spcPct val="0"/>
-              </a:spcAft>
-              <a:buClr>
-                <a:srgbClr val="000000"/>
-              </a:buClr>
-              <a:buSzPct val="100000"/>
-              <a:buFont typeface="Times New Roman" charset="0"/>
-              <a:tabLst>
-                <a:tab pos="0" algn="l"/>
-                <a:tab pos="457200" algn="l"/>
-                <a:tab pos="914400" algn="l"/>
-                <a:tab pos="1371600" algn="l"/>
-                <a:tab pos="1828800" algn="l"/>
-                <a:tab pos="2286000" algn="l"/>
-                <a:tab pos="2743200" algn="l"/>
-                <a:tab pos="3200400" algn="l"/>
-                <a:tab pos="3657600" algn="l"/>
-                <a:tab pos="4114800" algn="l"/>
-                <a:tab pos="4572000" algn="l"/>
-                <a:tab pos="5029200" algn="l"/>
-                <a:tab pos="5486400" algn="l"/>
-                <a:tab pos="5943600" algn="l"/>
-                <a:tab pos="6400800" algn="l"/>
-                <a:tab pos="6858000" algn="l"/>
-                <a:tab pos="7315200" algn="l"/>
-                <a:tab pos="7772400" algn="l"/>
-                <a:tab pos="8229600" algn="l"/>
-                <a:tab pos="8686800" algn="l"/>
-                <a:tab pos="9144000" algn="l"/>
-              </a:tabLst>
-              <a:defRPr sz="2400">
-                <a:solidFill>
-                  <a:schemeClr val="bg1"/>
-                </a:solidFill>
-                <a:latin typeface="Arial" charset="0"/>
-                <a:ea typeface="ＭＳ Ｐゴシック" charset="-128"/>
-              </a:defRPr>
-            </a:lvl7pPr>
-            <a:lvl8pPr marL="3429000" indent="-228600" defTabSz="457200" eaLnBrk="0" fontAlgn="base" hangingPunct="0">
-              <a:lnSpc>
-                <a:spcPct val="96000"/>
-              </a:lnSpc>
-              <a:spcBef>
-                <a:spcPct val="0"/>
-              </a:spcBef>
-              <a:spcAft>
-                <a:spcPct val="0"/>
-              </a:spcAft>
-              <a:buClr>
-                <a:srgbClr val="000000"/>
-              </a:buClr>
-              <a:buSzPct val="100000"/>
-              <a:buFont typeface="Times New Roman" charset="0"/>
-              <a:tabLst>
-                <a:tab pos="0" algn="l"/>
-                <a:tab pos="457200" algn="l"/>
-                <a:tab pos="914400" algn="l"/>
-                <a:tab pos="1371600" algn="l"/>
-                <a:tab pos="1828800" algn="l"/>
-                <a:tab pos="2286000" algn="l"/>
-                <a:tab pos="2743200" algn="l"/>
-                <a:tab pos="3200400" algn="l"/>
-                <a:tab pos="3657600" algn="l"/>
-                <a:tab pos="4114800" algn="l"/>
-                <a:tab pos="4572000" algn="l"/>
-                <a:tab pos="5029200" algn="l"/>
-                <a:tab pos="5486400" algn="l"/>
-                <a:tab pos="5943600" algn="l"/>
-                <a:tab pos="6400800" algn="l"/>
-                <a:tab pos="6858000" algn="l"/>
-                <a:tab pos="7315200" algn="l"/>
-                <a:tab pos="7772400" algn="l"/>
-                <a:tab pos="8229600" algn="l"/>
-                <a:tab pos="8686800" algn="l"/>
-                <a:tab pos="9144000" algn="l"/>
-              </a:tabLst>
-              <a:defRPr sz="2400">
-                <a:solidFill>
-                  <a:schemeClr val="bg1"/>
-                </a:solidFill>
-                <a:latin typeface="Arial" charset="0"/>
-                <a:ea typeface="ＭＳ Ｐゴシック" charset="-128"/>
-              </a:defRPr>
-            </a:lvl8pPr>
-            <a:lvl9pPr marL="3886200" indent="-228600" defTabSz="457200" eaLnBrk="0" fontAlgn="base" hangingPunct="0">
-              <a:lnSpc>
-                <a:spcPct val="96000"/>
-              </a:lnSpc>
-              <a:spcBef>
-                <a:spcPct val="0"/>
-              </a:spcBef>
-              <a:spcAft>
-                <a:spcPct val="0"/>
-              </a:spcAft>
-              <a:buClr>
-                <a:srgbClr val="000000"/>
-              </a:buClr>
-              <a:buSzPct val="100000"/>
-              <a:buFont typeface="Times New Roman" charset="0"/>
-              <a:tabLst>
-                <a:tab pos="0" algn="l"/>
-                <a:tab pos="457200" algn="l"/>
-                <a:tab pos="914400" algn="l"/>
-                <a:tab pos="1371600" algn="l"/>
-                <a:tab pos="1828800" algn="l"/>
-                <a:tab pos="2286000" algn="l"/>
-                <a:tab pos="2743200" algn="l"/>
-                <a:tab pos="3200400" algn="l"/>
-                <a:tab pos="3657600" algn="l"/>
-                <a:tab pos="4114800" algn="l"/>
-                <a:tab pos="4572000" algn="l"/>
-                <a:tab pos="5029200" algn="l"/>
-                <a:tab pos="5486400" algn="l"/>
-                <a:tab pos="5943600" algn="l"/>
-                <a:tab pos="6400800" algn="l"/>
-                <a:tab pos="6858000" algn="l"/>
-                <a:tab pos="7315200" algn="l"/>
-                <a:tab pos="7772400" algn="l"/>
-                <a:tab pos="8229600" algn="l"/>
-                <a:tab pos="8686800" algn="l"/>
-                <a:tab pos="9144000" algn="l"/>
-              </a:tabLst>
-              <a:defRPr sz="2400">
-                <a:solidFill>
-                  <a:schemeClr val="bg1"/>
-                </a:solidFill>
-                <a:latin typeface="Arial" charset="0"/>
-                <a:ea typeface="ＭＳ Ｐゴシック" charset="-128"/>
-              </a:defRPr>
-            </a:lvl9pPr>
-          </a:lstStyle>
-          <a:p>
-            <a:pPr eaLnBrk="1"/>
-            <a:fld id="{AF151737-B980-9E47-B951-95A3861A1A5F}" type="slidenum">
-              <a:rPr lang="en-GB" altLang="x-none" sz="1400">
-                <a:solidFill>
-                  <a:srgbClr val="000000"/>
-                </a:solidFill>
-                <a:latin typeface="Times New Roman" charset="0"/>
-              </a:rPr>
-              <a:pPr eaLnBrk="1"/>
-              <a:t>17</a:t>
-            </a:fld>
-            <a:endParaRPr lang="en-GB" altLang="x-none" sz="1400">
-              <a:solidFill>
-                <a:srgbClr val="000000"/>
-              </a:solidFill>
-              <a:latin typeface="Times New Roman" charset="0"/>
-            </a:endParaRPr>
-          </a:p>
-        </p:txBody>
-      </p:sp>
-      <p:sp>
-        <p:nvSpPr>
-          <p:cNvPr id="29697" name="Text Box 1"/>
-          <p:cNvSpPr txBox="1">
-            <a:spLocks noGrp="1" noRot="1" noChangeAspect="1" noChangeArrowheads="1"/>
-          </p:cNvSpPr>
-          <p:nvPr>
-            <p:ph type="sldImg"/>
-          </p:nvPr>
-        </p:nvSpPr>
-        <p:spPr>
-          <a:xfrm>
-            <a:off x="1371600" y="763588"/>
-            <a:ext cx="5027613" cy="3770312"/>
-          </a:xfrm>
-          <a:solidFill>
-            <a:srgbClr val="FFFFFF"/>
-          </a:solidFill>
-          <a:ln>
-            <a:solidFill>
-              <a:srgbClr val="000000"/>
-            </a:solidFill>
-            <a:miter lim="800000"/>
-            <a:headEnd/>
-            <a:tailEnd/>
-          </a:ln>
-          <a:extLst>
-            <a:ext uri="{AF507438-7753-43e0-B8FC-AC1667EBCBE1}">
-              <a14:hiddenEffects xmlns="" xmlns:a14="http://schemas.microsoft.com/office/drawing/2010/main">
-                <a:effectLst>
-                  <a:outerShdw blurRad="63500" dist="38099" dir="2700000" algn="ctr" rotWithShape="0">
-                    <a:srgbClr val="000000">
-                      <a:alpha val="74998"/>
-                    </a:srgbClr>
-                  </a:outerShdw>
-                </a:effectLst>
-              </a14:hiddenEffects>
-            </a:ext>
-          </a:extLst>
-        </p:spPr>
-      </p:sp>
-      <p:sp>
-        <p:nvSpPr>
-          <p:cNvPr id="29698" name="Text Box 2"/>
-          <p:cNvSpPr txBox="1">
-            <a:spLocks noChangeArrowheads="1"/>
-          </p:cNvSpPr>
-          <p:nvPr/>
-        </p:nvSpPr>
-        <p:spPr bwMode="auto">
-          <a:xfrm>
-            <a:off x="777875" y="4776788"/>
-            <a:ext cx="6216650" cy="4524375"/>
-          </a:xfrm>
-          <a:prstGeom prst="rect">
-            <a:avLst/>
-          </a:prstGeom>
-          <a:noFill/>
-          <a:ln>
-            <a:noFill/>
-          </a:ln>
-          <a:effectLst/>
-          <a:extLst>
-            <a:ext uri="{909E8E84-426E-40dd-AFC4-6F175D3DCCD1}">
-              <a14:hiddenFill xmlns="" xmlns:a14="http://schemas.microsoft.com/office/drawing/2010/main">
-                <a:solidFill>
-                  <a:srgbClr val="FFFFFF"/>
-                </a:solidFill>
-              </a14:hiddenFill>
-            </a:ext>
-            <a:ext uri="{91240B29-F687-4f45-9708-019B960494DF}">
-              <a14:hiddenLine xmlns="" xmlns:a14="http://schemas.microsoft.com/office/drawing/2010/main" w="9525" cap="flat">
-                <a:solidFill>
-                  <a:srgbClr val="3465A4"/>
-                </a:solidFill>
-                <a:round/>
-                <a:headEnd/>
-                <a:tailEnd/>
-              </a14:hiddenLine>
-            </a:ext>
-            <a:ext uri="{AF507438-7753-43e0-B8FC-AC1667EBCBE1}">
-              <a14:hiddenEffects xmlns="" xmlns:a14="http://schemas.microsoft.com/office/drawing/2010/main">
-                <a:effectLst>
-                  <a:outerShdw blurRad="63500" dist="38099" dir="2700000" algn="ctr" rotWithShape="0">
-                    <a:srgbClr val="000000">
-                      <a:alpha val="74998"/>
-                    </a:srgbClr>
-                  </a:outerShdw>
-                </a:effectLst>
-              </a14:hiddenEffects>
-            </a:ext>
-          </a:extLst>
-        </p:spPr>
-        <p:txBody>
-          <a:bodyPr wrap="none" anchor="ctr"/>
-          <a:lstStyle/>
-          <a:p>
-            <a:pPr>
-              <a:defRPr/>
-            </a:pPr>
-            <a:endParaRPr lang="en-US">
-              <a:ea typeface="ＭＳ Ｐゴシック" charset="0"/>
-              <a:cs typeface="DejaVu Sans" charset="0"/>
-            </a:endParaRPr>
-          </a:p>
-        </p:txBody>
-      </p:sp>
-    </p:spTree>
-    <p:extLst>
-      <p:ext uri="{BB962C8B-B14F-4D97-AF65-F5344CB8AC3E}">
-        <p14:creationId xmlns:p14="http://schemas.microsoft.com/office/powerpoint/2010/main" val="434389555"/>
-      </p:ext>
-    </p:extLst>
-  </p:cSld>
-  <p:clrMapOvr>
-    <a:masterClrMapping/>
-  </p:clrMapOvr>
-</p:notes>
-</file>
-
-<file path=ppt/notesSlides/notesSlide15.xml><?xml version="1.0" encoding="utf-8"?>
 <p:notes xmlns:a="http://schemas.openxmlformats.org/drawingml/2006/main" xmlns:r="http://schemas.openxmlformats.org/officeDocument/2006/relationships" xmlns:p="http://schemas.openxmlformats.org/presentationml/2006/main">
   <p:cSld>
     <p:bg>
@@ -5156,7 +4599,7 @@
                 <a:latin typeface="Times New Roman" charset="0"/>
               </a:rPr>
               <a:pPr eaLnBrk="1"/>
-              <a:t>18</a:t>
+              <a:t>17</a:t>
             </a:fld>
             <a:endParaRPr lang="en-GB" altLang="x-none" sz="1400">
               <a:solidFill>
@@ -5587,7 +5030,7 @@
                 <a:buFontTx/>
                 <a:buNone/>
               </a:pPr>
-              <a:t>18</a:t>
+              <a:t>17</a:t>
             </a:fld>
             <a:endParaRPr lang="en-GB" altLang="x-none" sz="1400">
               <a:solidFill>
@@ -5713,7 +5156,7 @@
 </p:notes>
 </file>
 
-<file path=ppt/notesSlides/notesSlide16.xml><?xml version="1.0" encoding="utf-8"?>
+<file path=ppt/notesSlides/notesSlide15.xml><?xml version="1.0" encoding="utf-8"?>
 <p:notes xmlns:a="http://schemas.openxmlformats.org/drawingml/2006/main" xmlns:r="http://schemas.openxmlformats.org/officeDocument/2006/relationships" xmlns:p="http://schemas.openxmlformats.org/presentationml/2006/main">
   <p:cSld>
     <p:bg>
@@ -6138,7 +5581,7 @@
                 <a:latin typeface="Times New Roman" charset="0"/>
               </a:rPr>
               <a:pPr eaLnBrk="1"/>
-              <a:t>19</a:t>
+              <a:t>18</a:t>
             </a:fld>
             <a:endParaRPr lang="en-GB" altLang="x-none" sz="1400">
               <a:solidFill>
@@ -6569,7 +6012,7 @@
                 <a:buFontTx/>
                 <a:buNone/>
               </a:pPr>
-              <a:t>19</a:t>
+              <a:t>18</a:t>
             </a:fld>
             <a:endParaRPr lang="en-GB" altLang="x-none" sz="1400">
               <a:solidFill>
@@ -6695,7 +6138,7 @@
 </p:notes>
 </file>
 
-<file path=ppt/notesSlides/notesSlide17.xml><?xml version="1.0" encoding="utf-8"?>
+<file path=ppt/notesSlides/notesSlide16.xml><?xml version="1.0" encoding="utf-8"?>
 <p:notes xmlns:a="http://schemas.openxmlformats.org/drawingml/2006/main" xmlns:r="http://schemas.openxmlformats.org/officeDocument/2006/relationships" xmlns:p="http://schemas.openxmlformats.org/presentationml/2006/main">
   <p:cSld>
     <p:bg>
@@ -7120,7 +6563,7 @@
                 <a:latin typeface="Times New Roman" charset="0"/>
               </a:rPr>
               <a:pPr eaLnBrk="1"/>
-              <a:t>25</a:t>
+              <a:t>24</a:t>
             </a:fld>
             <a:endParaRPr lang="en-GB" altLang="x-none" sz="1400">
               <a:solidFill>
@@ -17269,9 +16712,6 @@
           <a:p>
             <a:r>
               <a:rPr lang="en-US" dirty="0">
-                <a:solidFill>
-                  <a:schemeClr val="tx1"/>
-                </a:solidFill>
                 <a:latin typeface="Courier" charset="0"/>
                 <a:ea typeface="Courier" charset="0"/>
                 <a:cs typeface="Courier" charset="0"/>
@@ -17280,9 +16720,6 @@
             </a:r>
             <a:r>
               <a:rPr lang="en-US" dirty="0" err="1">
-                <a:solidFill>
-                  <a:schemeClr val="tx1"/>
-                </a:solidFill>
                 <a:latin typeface="Courier" charset="0"/>
                 <a:ea typeface="Courier" charset="0"/>
                 <a:cs typeface="Courier" charset="0"/>
@@ -17291,9 +16728,6 @@
             </a:r>
             <a:r>
               <a:rPr lang="en-US" dirty="0">
-                <a:solidFill>
-                  <a:schemeClr val="tx1"/>
-                </a:solidFill>
                 <a:latin typeface="Courier" charset="0"/>
                 <a:ea typeface="Courier" charset="0"/>
                 <a:cs typeface="Courier" charset="0"/>
@@ -17302,41 +16736,13 @@
             </a:r>
             <a:r>
               <a:rPr lang="en-US" dirty="0" err="1">
-                <a:solidFill>
-                  <a:schemeClr val="tx1"/>
-                </a:solidFill>
                 <a:latin typeface="Courier" charset="0"/>
                 <a:ea typeface="Courier" charset="0"/>
                 <a:cs typeface="Courier" charset="0"/>
               </a:rPr>
               <a:t>ntp</a:t>
             </a:r>
-            <a:r>
-              <a:rPr lang="en-US" dirty="0">
-                <a:solidFill>
-                  <a:schemeClr val="tx1"/>
-                </a:solidFill>
-                <a:latin typeface="Courier" charset="0"/>
-                <a:ea typeface="Courier" charset="0"/>
-                <a:cs typeface="Courier" charset="0"/>
-              </a:rPr>
-              <a:t> </a:t>
-            </a:r>
-            <a:r>
-              <a:rPr lang="en-US" dirty="0" err="1">
-                <a:solidFill>
-                  <a:schemeClr val="tx1"/>
-                </a:solidFill>
-                <a:latin typeface="Courier" charset="0"/>
-                <a:ea typeface="Courier" charset="0"/>
-                <a:cs typeface="Courier" charset="0"/>
-              </a:rPr>
-              <a:t>ntpdate</a:t>
-            </a:r>
             <a:endParaRPr lang="en-US" dirty="0">
-              <a:solidFill>
-                <a:schemeClr val="tx1"/>
-              </a:solidFill>
               <a:latin typeface="Courier" charset="0"/>
               <a:ea typeface="Courier" charset="0"/>
               <a:cs typeface="Courier" charset="0"/>
@@ -17369,79 +16775,30 @@
           <a:lstStyle/>
           <a:p>
             <a:r>
-              <a:rPr lang="en-US" dirty="0">
-                <a:solidFill>
-                  <a:schemeClr val="tx1"/>
-                </a:solidFill>
-                <a:latin typeface="Courier" charset="0"/>
-                <a:ea typeface="Courier" charset="0"/>
-                <a:cs typeface="Courier" charset="0"/>
-              </a:rPr>
+              <a:rPr lang="en-US" dirty="0"/>
               <a:t>$ </a:t>
             </a:r>
             <a:r>
-              <a:rPr lang="en-US" dirty="0" err="1">
-                <a:solidFill>
-                  <a:schemeClr val="tx1"/>
-                </a:solidFill>
-                <a:latin typeface="Courier" charset="0"/>
-                <a:ea typeface="Courier" charset="0"/>
-                <a:cs typeface="Courier" charset="0"/>
-              </a:rPr>
+              <a:rPr lang="en-US" dirty="0" err="1"/>
               <a:t>sudo</a:t>
             </a:r>
             <a:r>
-              <a:rPr lang="en-US" dirty="0">
-                <a:solidFill>
-                  <a:schemeClr val="tx1"/>
-                </a:solidFill>
-                <a:latin typeface="Courier" charset="0"/>
-                <a:ea typeface="Courier" charset="0"/>
-                <a:cs typeface="Courier" charset="0"/>
-              </a:rPr>
+              <a:rPr lang="en-US" dirty="0"/>
               <a:t> </a:t>
             </a:r>
             <a:r>
-              <a:rPr lang="en-US" dirty="0" err="1">
-                <a:solidFill>
-                  <a:schemeClr val="tx1"/>
-                </a:solidFill>
-                <a:latin typeface="Courier" charset="0"/>
-                <a:ea typeface="Courier" charset="0"/>
-                <a:cs typeface="Courier" charset="0"/>
-              </a:rPr>
+              <a:rPr lang="en-US" dirty="0" err="1"/>
               <a:t>dpkg</a:t>
             </a:r>
             <a:r>
-              <a:rPr lang="en-US" dirty="0">
-                <a:solidFill>
-                  <a:schemeClr val="tx1"/>
-                </a:solidFill>
-                <a:latin typeface="Courier" charset="0"/>
-                <a:ea typeface="Courier" charset="0"/>
-                <a:cs typeface="Courier" charset="0"/>
-              </a:rPr>
+              <a:rPr lang="en-US" dirty="0"/>
               <a:t> --get-selections </a:t>
             </a:r>
             <a:r>
-              <a:rPr lang="en-US" dirty="0" err="1">
-                <a:solidFill>
-                  <a:schemeClr val="tx1"/>
-                </a:solidFill>
-                <a:latin typeface="Courier" charset="0"/>
-                <a:ea typeface="Courier" charset="0"/>
-                <a:cs typeface="Courier" charset="0"/>
-              </a:rPr>
+              <a:rPr lang="en-US" dirty="0" err="1"/>
               <a:t>ntp</a:t>
             </a:r>
-            <a:endParaRPr lang="en-US" dirty="0">
-              <a:solidFill>
-                <a:schemeClr val="tx1"/>
-              </a:solidFill>
-              <a:latin typeface="Courier" charset="0"/>
-              <a:ea typeface="Courier" charset="0"/>
-              <a:cs typeface="Courier" charset="0"/>
-            </a:endParaRPr>
+            <a:endParaRPr lang="en-US" dirty="0"/>
           </a:p>
         </p:txBody>
       </p:sp>
@@ -17471,9 +16828,6 @@
           <a:p>
             <a:r>
               <a:rPr lang="en-US" dirty="0">
-                <a:solidFill>
-                  <a:schemeClr val="tx1"/>
-                </a:solidFill>
                 <a:latin typeface="Courier" charset="0"/>
                 <a:ea typeface="Courier" charset="0"/>
                 <a:cs typeface="Courier" charset="0"/>
@@ -17482,9 +16836,6 @@
             </a:r>
             <a:r>
               <a:rPr lang="en-US" dirty="0" err="1">
-                <a:solidFill>
-                  <a:schemeClr val="tx1"/>
-                </a:solidFill>
                 <a:latin typeface="Courier" charset="0"/>
                 <a:ea typeface="Courier" charset="0"/>
                 <a:cs typeface="Courier" charset="0"/>
@@ -17493,9 +16844,6 @@
             </a:r>
             <a:r>
               <a:rPr lang="en-US" dirty="0">
-                <a:solidFill>
-                  <a:schemeClr val="tx1"/>
-                </a:solidFill>
                 <a:latin typeface="Courier" charset="0"/>
                 <a:ea typeface="Courier" charset="0"/>
                 <a:cs typeface="Courier" charset="0"/>
@@ -17504,9 +16852,6 @@
             </a:r>
             <a:r>
               <a:rPr lang="en-US" dirty="0" err="1">
-                <a:solidFill>
-                  <a:schemeClr val="tx1"/>
-                </a:solidFill>
                 <a:latin typeface="Courier" charset="0"/>
                 <a:ea typeface="Courier" charset="0"/>
                 <a:cs typeface="Courier" charset="0"/>
@@ -17515,9 +16860,6 @@
             </a:r>
             <a:r>
               <a:rPr lang="en-US" dirty="0">
-                <a:solidFill>
-                  <a:schemeClr val="tx1"/>
-                </a:solidFill>
                 <a:latin typeface="Courier" charset="0"/>
                 <a:ea typeface="Courier" charset="0"/>
                 <a:cs typeface="Courier" charset="0"/>
@@ -17526,9 +16868,6 @@
             </a:r>
             <a:r>
               <a:rPr lang="en-US" dirty="0" err="1">
-                <a:solidFill>
-                  <a:schemeClr val="tx1"/>
-                </a:solidFill>
                 <a:latin typeface="Courier" charset="0"/>
                 <a:ea typeface="Courier" charset="0"/>
                 <a:cs typeface="Courier" charset="0"/>
@@ -17536,9 +16875,6 @@
               <a:t>ntp</a:t>
             </a:r>
             <a:endParaRPr lang="en-US" dirty="0">
-              <a:solidFill>
-                <a:schemeClr val="tx1"/>
-              </a:solidFill>
               <a:latin typeface="Courier" charset="0"/>
               <a:ea typeface="Courier" charset="0"/>
               <a:cs typeface="Courier" charset="0"/>
@@ -19933,9 +19269,6 @@
           <a:p>
             <a:r>
               <a:rPr lang="en-US" dirty="0">
-                <a:solidFill>
-                  <a:schemeClr val="tx1"/>
-                </a:solidFill>
                 <a:latin typeface="Courier" charset="0"/>
                 <a:ea typeface="Courier" charset="0"/>
                 <a:cs typeface="Courier" charset="0"/>
@@ -19944,9 +19277,6 @@
             </a:r>
             <a:r>
               <a:rPr lang="en-US" dirty="0" err="1">
-                <a:solidFill>
-                  <a:schemeClr val="tx1"/>
-                </a:solidFill>
                 <a:latin typeface="Courier" charset="0"/>
                 <a:ea typeface="Courier" charset="0"/>
                 <a:cs typeface="Courier" charset="0"/>
@@ -19954,9 +19284,6 @@
               <a:t>iburst</a:t>
             </a:r>
             <a:endParaRPr lang="en-US" dirty="0">
-              <a:solidFill>
-                <a:schemeClr val="tx1"/>
-              </a:solidFill>
               <a:latin typeface="Courier" charset="0"/>
               <a:ea typeface="Courier" charset="0"/>
               <a:cs typeface="Courier" charset="0"/>
@@ -19965,9 +19292,6 @@
           <a:p>
             <a:r>
               <a:rPr lang="en-US" dirty="0">
-                <a:solidFill>
-                  <a:schemeClr val="tx1"/>
-                </a:solidFill>
                 <a:latin typeface="Courier" charset="0"/>
                 <a:ea typeface="Courier" charset="0"/>
                 <a:cs typeface="Courier" charset="0"/>
@@ -19976,9 +19300,6 @@
             </a:r>
             <a:r>
               <a:rPr lang="en-US" dirty="0" err="1">
-                <a:solidFill>
-                  <a:schemeClr val="tx1"/>
-                </a:solidFill>
                 <a:latin typeface="Courier" charset="0"/>
                 <a:ea typeface="Courier" charset="0"/>
                 <a:cs typeface="Courier" charset="0"/>
@@ -19986,9 +19307,6 @@
               <a:t>iburst</a:t>
             </a:r>
             <a:endParaRPr lang="en-US" dirty="0">
-              <a:solidFill>
-                <a:schemeClr val="tx1"/>
-              </a:solidFill>
               <a:latin typeface="Courier" charset="0"/>
               <a:ea typeface="Courier" charset="0"/>
               <a:cs typeface="Courier" charset="0"/>
@@ -19997,9 +19315,6 @@
           <a:p>
             <a:r>
               <a:rPr lang="en-US" dirty="0">
-                <a:solidFill>
-                  <a:schemeClr val="tx1"/>
-                </a:solidFill>
                 <a:latin typeface="Courier" charset="0"/>
                 <a:ea typeface="Courier" charset="0"/>
                 <a:cs typeface="Courier" charset="0"/>
@@ -20008,9 +19323,6 @@
             </a:r>
             <a:r>
               <a:rPr lang="en-US" dirty="0" err="1">
-                <a:solidFill>
-                  <a:schemeClr val="tx1"/>
-                </a:solidFill>
                 <a:latin typeface="Courier" charset="0"/>
                 <a:ea typeface="Courier" charset="0"/>
                 <a:cs typeface="Courier" charset="0"/>
@@ -20018,9 +19330,6 @@
               <a:t>iburst</a:t>
             </a:r>
             <a:endParaRPr lang="en-US" dirty="0">
-              <a:solidFill>
-                <a:schemeClr val="tx1"/>
-              </a:solidFill>
               <a:latin typeface="Courier" charset="0"/>
               <a:ea typeface="Courier" charset="0"/>
               <a:cs typeface="Courier" charset="0"/>
@@ -20029,9 +19338,6 @@
           <a:p>
             <a:r>
               <a:rPr lang="en-US" dirty="0">
-                <a:solidFill>
-                  <a:schemeClr val="tx1"/>
-                </a:solidFill>
                 <a:latin typeface="Courier" charset="0"/>
                 <a:ea typeface="Courier" charset="0"/>
                 <a:cs typeface="Courier" charset="0"/>
@@ -20040,9 +19346,6 @@
             </a:r>
             <a:r>
               <a:rPr lang="en-US" dirty="0" err="1">
-                <a:solidFill>
-                  <a:schemeClr val="tx1"/>
-                </a:solidFill>
                 <a:latin typeface="Courier" charset="0"/>
                 <a:ea typeface="Courier" charset="0"/>
                 <a:cs typeface="Courier" charset="0"/>
@@ -20050,9 +19353,6 @@
               <a:t>iburst</a:t>
             </a:r>
             <a:endParaRPr lang="en-US" dirty="0">
-              <a:solidFill>
-                <a:schemeClr val="tx1"/>
-              </a:solidFill>
               <a:latin typeface="Courier" charset="0"/>
               <a:ea typeface="Courier" charset="0"/>
               <a:cs typeface="Courier" charset="0"/>
@@ -20086,9 +19386,6 @@
           <a:p>
             <a:r>
               <a:rPr lang="en-US" dirty="0">
-                <a:solidFill>
-                  <a:schemeClr val="tx1"/>
-                </a:solidFill>
                 <a:latin typeface="Courier" charset="0"/>
                 <a:ea typeface="Courier" charset="0"/>
                 <a:cs typeface="Courier" charset="0"/>
@@ -20097,9 +19394,6 @@
             </a:r>
             <a:r>
               <a:rPr lang="en-US" dirty="0" err="1">
-                <a:solidFill>
-                  <a:schemeClr val="tx1"/>
-                </a:solidFill>
                 <a:latin typeface="Courier" charset="0"/>
                 <a:ea typeface="Courier" charset="0"/>
                 <a:cs typeface="Courier" charset="0"/>
@@ -20107,9 +19401,6 @@
               <a:t>iburst</a:t>
             </a:r>
             <a:endParaRPr lang="en-US" dirty="0">
-              <a:solidFill>
-                <a:schemeClr val="tx1"/>
-              </a:solidFill>
               <a:latin typeface="Courier" charset="0"/>
               <a:ea typeface="Courier" charset="0"/>
               <a:cs typeface="Courier" charset="0"/>
@@ -20118,9 +19409,6 @@
           <a:p>
             <a:r>
               <a:rPr lang="en-US" dirty="0">
-                <a:solidFill>
-                  <a:schemeClr val="tx1"/>
-                </a:solidFill>
                 <a:latin typeface="Courier" charset="0"/>
                 <a:ea typeface="Courier" charset="0"/>
                 <a:cs typeface="Courier" charset="0"/>
@@ -20129,9 +19417,6 @@
             </a:r>
             <a:r>
               <a:rPr lang="en-US" dirty="0" err="1">
-                <a:solidFill>
-                  <a:schemeClr val="tx1"/>
-                </a:solidFill>
                 <a:latin typeface="Courier" charset="0"/>
                 <a:ea typeface="Courier" charset="0"/>
                 <a:cs typeface="Courier" charset="0"/>
@@ -20139,9 +19424,6 @@
               <a:t>iburst</a:t>
             </a:r>
             <a:endParaRPr lang="en-US" dirty="0">
-              <a:solidFill>
-                <a:schemeClr val="tx1"/>
-              </a:solidFill>
               <a:latin typeface="Courier" charset="0"/>
               <a:ea typeface="Courier" charset="0"/>
               <a:cs typeface="Courier" charset="0"/>
@@ -20150,9 +19432,6 @@
           <a:p>
             <a:r>
               <a:rPr lang="en-US" dirty="0">
-                <a:solidFill>
-                  <a:schemeClr val="tx1"/>
-                </a:solidFill>
                 <a:latin typeface="Courier" charset="0"/>
                 <a:ea typeface="Courier" charset="0"/>
                 <a:cs typeface="Courier" charset="0"/>
@@ -20161,9 +19440,6 @@
             </a:r>
             <a:r>
               <a:rPr lang="en-US" dirty="0" err="1">
-                <a:solidFill>
-                  <a:schemeClr val="tx1"/>
-                </a:solidFill>
                 <a:latin typeface="Courier" charset="0"/>
                 <a:ea typeface="Courier" charset="0"/>
                 <a:cs typeface="Courier" charset="0"/>
@@ -20171,9 +19447,6 @@
               <a:t>iburst</a:t>
             </a:r>
             <a:endParaRPr lang="en-US" dirty="0">
-              <a:solidFill>
-                <a:schemeClr val="tx1"/>
-              </a:solidFill>
               <a:latin typeface="Courier" charset="0"/>
               <a:ea typeface="Courier" charset="0"/>
               <a:cs typeface="Courier" charset="0"/>
@@ -20182,9 +19455,6 @@
           <a:p>
             <a:r>
               <a:rPr lang="en-US" dirty="0">
-                <a:solidFill>
-                  <a:schemeClr val="tx1"/>
-                </a:solidFill>
                 <a:latin typeface="Courier" charset="0"/>
                 <a:ea typeface="Courier" charset="0"/>
                 <a:cs typeface="Courier" charset="0"/>
@@ -20193,9 +19463,6 @@
             </a:r>
             <a:r>
               <a:rPr lang="en-US" dirty="0" err="1">
-                <a:solidFill>
-                  <a:schemeClr val="tx1"/>
-                </a:solidFill>
                 <a:latin typeface="Courier" charset="0"/>
                 <a:ea typeface="Courier" charset="0"/>
                 <a:cs typeface="Courier" charset="0"/>
@@ -20203,9 +19470,6 @@
               <a:t>iburst</a:t>
             </a:r>
             <a:endParaRPr lang="en-US" dirty="0">
-              <a:solidFill>
-                <a:schemeClr val="tx1"/>
-              </a:solidFill>
               <a:latin typeface="Courier" charset="0"/>
               <a:ea typeface="Courier" charset="0"/>
               <a:cs typeface="Courier" charset="0"/>
@@ -21258,9 +20522,6 @@
           <a:p>
             <a:r>
               <a:rPr lang="en-US" sz="2000" dirty="0">
-                <a:solidFill>
-                  <a:schemeClr val="tx1"/>
-                </a:solidFill>
                 <a:latin typeface="Courier" charset="0"/>
                 <a:ea typeface="Courier" charset="0"/>
                 <a:cs typeface="Courier" charset="0"/>
@@ -21271,9 +20532,6 @@
           <a:p>
             <a:r>
               <a:rPr lang="en-US" sz="2000" dirty="0">
-                <a:solidFill>
-                  <a:schemeClr val="tx1"/>
-                </a:solidFill>
                 <a:latin typeface="Courier" charset="0"/>
                 <a:ea typeface="Courier" charset="0"/>
                 <a:cs typeface="Courier" charset="0"/>
@@ -21284,9 +20542,6 @@
           <a:p>
             <a:r>
               <a:rPr lang="en-US" sz="2000" dirty="0">
-                <a:solidFill>
-                  <a:schemeClr val="tx1"/>
-                </a:solidFill>
                 <a:latin typeface="Courier" charset="0"/>
                 <a:ea typeface="Courier" charset="0"/>
                 <a:cs typeface="Courier" charset="0"/>
@@ -21295,9 +20550,6 @@
             </a:r>
             <a:r>
               <a:rPr lang="en-US" sz="2000" dirty="0" err="1">
-                <a:solidFill>
-                  <a:schemeClr val="tx1"/>
-                </a:solidFill>
                 <a:latin typeface="Courier" charset="0"/>
                 <a:ea typeface="Courier" charset="0"/>
                 <a:cs typeface="Courier" charset="0"/>
@@ -21306,9 +20558,6 @@
             </a:r>
             <a:r>
               <a:rPr lang="en-US" sz="2000" dirty="0">
-                <a:solidFill>
-                  <a:schemeClr val="tx1"/>
-                </a:solidFill>
                 <a:latin typeface="Courier" charset="0"/>
                 <a:ea typeface="Courier" charset="0"/>
                 <a:cs typeface="Courier" charset="0"/>
@@ -21317,9 +20566,6 @@
             </a:r>
             <a:r>
               <a:rPr lang="en-US" sz="2000" dirty="0" err="1">
-                <a:solidFill>
-                  <a:schemeClr val="tx1"/>
-                </a:solidFill>
                 <a:latin typeface="Courier" charset="0"/>
                 <a:ea typeface="Courier" charset="0"/>
                 <a:cs typeface="Courier" charset="0"/>
@@ -21328,9 +20574,6 @@
             </a:r>
             <a:r>
               <a:rPr lang="en-US" sz="2000" dirty="0">
-                <a:solidFill>
-                  <a:schemeClr val="tx1"/>
-                </a:solidFill>
                 <a:latin typeface="Courier" charset="0"/>
                 <a:ea typeface="Courier" charset="0"/>
                 <a:cs typeface="Courier" charset="0"/>
@@ -21339,9 +20582,6 @@
             </a:r>
             <a:r>
               <a:rPr lang="en-US" sz="2000" dirty="0" err="1">
-                <a:solidFill>
-                  <a:schemeClr val="tx1"/>
-                </a:solidFill>
                 <a:latin typeface="Courier" charset="0"/>
                 <a:ea typeface="Courier" charset="0"/>
                 <a:cs typeface="Courier" charset="0"/>
@@ -21350,9 +20590,6 @@
             </a:r>
             <a:r>
               <a:rPr lang="en-US" sz="2000" dirty="0">
-                <a:solidFill>
-                  <a:schemeClr val="tx1"/>
-                </a:solidFill>
                 <a:latin typeface="Courier" charset="0"/>
                 <a:ea typeface="Courier" charset="0"/>
                 <a:cs typeface="Courier" charset="0"/>
@@ -21361,9 +20598,6 @@
             </a:r>
             <a:r>
               <a:rPr lang="en-US" sz="2000" dirty="0" err="1">
-                <a:solidFill>
-                  <a:schemeClr val="tx1"/>
-                </a:solidFill>
                 <a:latin typeface="Courier" charset="0"/>
                 <a:ea typeface="Courier" charset="0"/>
                 <a:cs typeface="Courier" charset="0"/>
@@ -21372,9 +20606,6 @@
             </a:r>
             <a:r>
               <a:rPr lang="en-US" sz="2000" dirty="0">
-                <a:solidFill>
-                  <a:schemeClr val="tx1"/>
-                </a:solidFill>
                 <a:latin typeface="Courier" charset="0"/>
                 <a:ea typeface="Courier" charset="0"/>
                 <a:cs typeface="Courier" charset="0"/>
@@ -21383,9 +20614,6 @@
             </a:r>
             <a:r>
               <a:rPr lang="en-US" sz="2000" dirty="0" err="1">
-                <a:solidFill>
-                  <a:schemeClr val="tx1"/>
-                </a:solidFill>
                 <a:latin typeface="Courier" charset="0"/>
                 <a:ea typeface="Courier" charset="0"/>
                 <a:cs typeface="Courier" charset="0"/>
@@ -21393,9 +20621,6 @@
               <a:t>noquery</a:t>
             </a:r>
             <a:endParaRPr lang="en-US" sz="2000" dirty="0">
-              <a:solidFill>
-                <a:schemeClr val="tx1"/>
-              </a:solidFill>
               <a:latin typeface="Courier" charset="0"/>
               <a:ea typeface="Courier" charset="0"/>
               <a:cs typeface="Courier" charset="0"/>
@@ -21404,9 +20629,6 @@
           <a:p>
             <a:r>
               <a:rPr lang="en-US" sz="2000" dirty="0">
-                <a:solidFill>
-                  <a:schemeClr val="tx1"/>
-                </a:solidFill>
                 <a:latin typeface="Courier" charset="0"/>
                 <a:ea typeface="Courier" charset="0"/>
                 <a:cs typeface="Courier" charset="0"/>
@@ -21415,9 +20637,6 @@
             </a:r>
             <a:r>
               <a:rPr lang="en-US" sz="2000" dirty="0" err="1">
-                <a:solidFill>
-                  <a:schemeClr val="tx1"/>
-                </a:solidFill>
                 <a:latin typeface="Courier" charset="0"/>
                 <a:ea typeface="Courier" charset="0"/>
                 <a:cs typeface="Courier" charset="0"/>
@@ -21426,9 +20645,6 @@
             </a:r>
             <a:r>
               <a:rPr lang="en-US" sz="2000" dirty="0">
-                <a:solidFill>
-                  <a:schemeClr val="tx1"/>
-                </a:solidFill>
                 <a:latin typeface="Courier" charset="0"/>
                 <a:ea typeface="Courier" charset="0"/>
                 <a:cs typeface="Courier" charset="0"/>
@@ -21437,9 +20653,6 @@
             </a:r>
             <a:r>
               <a:rPr lang="en-US" sz="2000" dirty="0" err="1">
-                <a:solidFill>
-                  <a:schemeClr val="tx1"/>
-                </a:solidFill>
                 <a:latin typeface="Courier" charset="0"/>
                 <a:ea typeface="Courier" charset="0"/>
                 <a:cs typeface="Courier" charset="0"/>
@@ -21448,9 +20661,6 @@
             </a:r>
             <a:r>
               <a:rPr lang="en-US" sz="2000" dirty="0">
-                <a:solidFill>
-                  <a:schemeClr val="tx1"/>
-                </a:solidFill>
                 <a:latin typeface="Courier" charset="0"/>
                 <a:ea typeface="Courier" charset="0"/>
                 <a:cs typeface="Courier" charset="0"/>
@@ -21459,9 +20669,6 @@
             </a:r>
             <a:r>
               <a:rPr lang="en-US" sz="2000" dirty="0" err="1">
-                <a:solidFill>
-                  <a:schemeClr val="tx1"/>
-                </a:solidFill>
                 <a:latin typeface="Courier" charset="0"/>
                 <a:ea typeface="Courier" charset="0"/>
                 <a:cs typeface="Courier" charset="0"/>
@@ -21470,9 +20677,6 @@
             </a:r>
             <a:r>
               <a:rPr lang="en-US" sz="2000" dirty="0">
-                <a:solidFill>
-                  <a:schemeClr val="tx1"/>
-                </a:solidFill>
                 <a:latin typeface="Courier" charset="0"/>
                 <a:ea typeface="Courier" charset="0"/>
                 <a:cs typeface="Courier" charset="0"/>
@@ -21481,9 +20685,6 @@
             </a:r>
             <a:r>
               <a:rPr lang="en-US" sz="2000" dirty="0" err="1">
-                <a:solidFill>
-                  <a:schemeClr val="tx1"/>
-                </a:solidFill>
                 <a:latin typeface="Courier" charset="0"/>
                 <a:ea typeface="Courier" charset="0"/>
                 <a:cs typeface="Courier" charset="0"/>
@@ -21492,9 +20693,6 @@
             </a:r>
             <a:r>
               <a:rPr lang="en-US" sz="2000" dirty="0">
-                <a:solidFill>
-                  <a:schemeClr val="tx1"/>
-                </a:solidFill>
                 <a:latin typeface="Courier" charset="0"/>
                 <a:ea typeface="Courier" charset="0"/>
                 <a:cs typeface="Courier" charset="0"/>
@@ -21503,9 +20701,6 @@
             </a:r>
             <a:r>
               <a:rPr lang="en-US" sz="2000" dirty="0" err="1">
-                <a:solidFill>
-                  <a:schemeClr val="tx1"/>
-                </a:solidFill>
                 <a:latin typeface="Courier" charset="0"/>
                 <a:ea typeface="Courier" charset="0"/>
                 <a:cs typeface="Courier" charset="0"/>
@@ -21513,9 +20708,6 @@
               <a:t>noquer</a:t>
             </a:r>
             <a:endParaRPr lang="en-US" sz="2000" dirty="0">
-              <a:solidFill>
-                <a:schemeClr val="tx1"/>
-              </a:solidFill>
               <a:latin typeface="Courier" charset="0"/>
               <a:ea typeface="Courier" charset="0"/>
               <a:cs typeface="Courier" charset="0"/>
@@ -22619,9 +21811,6 @@
           <a:p>
             <a:r>
               <a:rPr lang="en-US" sz="2000" dirty="0">
-                <a:solidFill>
-                  <a:schemeClr val="tx1"/>
-                </a:solidFill>
                 <a:latin typeface="Courier" charset="0"/>
                 <a:ea typeface="Courier" charset="0"/>
                 <a:cs typeface="Courier" charset="0"/>
@@ -22630,9 +21819,6 @@
             </a:r>
             <a:r>
               <a:rPr lang="en-US" sz="2000" dirty="0" err="1">
-                <a:solidFill>
-                  <a:schemeClr val="tx1"/>
-                </a:solidFill>
                 <a:latin typeface="Courier" charset="0"/>
                 <a:ea typeface="Courier" charset="0"/>
                 <a:cs typeface="Courier" charset="0"/>
@@ -22641,9 +21827,6 @@
             </a:r>
             <a:r>
               <a:rPr lang="en-US" sz="2000" dirty="0">
-                <a:solidFill>
-                  <a:schemeClr val="tx1"/>
-                </a:solidFill>
                 <a:latin typeface="Courier" charset="0"/>
                 <a:ea typeface="Courier" charset="0"/>
                 <a:cs typeface="Courier" charset="0"/>
@@ -22652,9 +21835,6 @@
             </a:r>
             <a:r>
               <a:rPr lang="en-US" sz="2000" dirty="0" err="1">
-                <a:solidFill>
-                  <a:schemeClr val="tx1"/>
-                </a:solidFill>
                 <a:latin typeface="Courier" charset="0"/>
                 <a:ea typeface="Courier" charset="0"/>
                 <a:cs typeface="Courier" charset="0"/>
@@ -22663,9 +21843,6 @@
             </a:r>
             <a:r>
               <a:rPr lang="en-US" sz="2000" dirty="0">
-                <a:solidFill>
-                  <a:schemeClr val="tx1"/>
-                </a:solidFill>
                 <a:latin typeface="Courier" charset="0"/>
                 <a:ea typeface="Courier" charset="0"/>
                 <a:cs typeface="Courier" charset="0"/>
@@ -22674,9 +21851,6 @@
             </a:r>
             <a:r>
               <a:rPr lang="en-US" sz="2000" dirty="0" err="1">
-                <a:solidFill>
-                  <a:schemeClr val="tx1"/>
-                </a:solidFill>
                 <a:latin typeface="Courier" charset="0"/>
                 <a:ea typeface="Courier" charset="0"/>
                 <a:cs typeface="Courier" charset="0"/>
@@ -22685,9 +21859,6 @@
             </a:r>
             <a:r>
               <a:rPr lang="en-US" sz="2000" dirty="0">
-                <a:solidFill>
-                  <a:schemeClr val="tx1"/>
-                </a:solidFill>
                 <a:latin typeface="Courier" charset="0"/>
                 <a:ea typeface="Courier" charset="0"/>
                 <a:cs typeface="Courier" charset="0"/>
@@ -22696,9 +21867,6 @@
             </a:r>
             <a:r>
               <a:rPr lang="en-US" sz="2000" dirty="0" err="1">
-                <a:solidFill>
-                  <a:schemeClr val="tx1"/>
-                </a:solidFill>
                 <a:latin typeface="Courier" charset="0"/>
                 <a:ea typeface="Courier" charset="0"/>
                 <a:cs typeface="Courier" charset="0"/>
@@ -22707,9 +21875,6 @@
             </a:r>
             <a:r>
               <a:rPr lang="en-US" sz="2000" dirty="0">
-                <a:solidFill>
-                  <a:schemeClr val="tx1"/>
-                </a:solidFill>
                 <a:latin typeface="Courier" charset="0"/>
                 <a:ea typeface="Courier" charset="0"/>
                 <a:cs typeface="Courier" charset="0"/>
@@ -22718,9 +21883,6 @@
             </a:r>
             <a:r>
               <a:rPr lang="en-US" sz="2000" dirty="0" err="1">
-                <a:solidFill>
-                  <a:schemeClr val="tx1"/>
-                </a:solidFill>
                 <a:latin typeface="Courier" charset="0"/>
                 <a:ea typeface="Courier" charset="0"/>
                 <a:cs typeface="Courier" charset="0"/>
@@ -22728,9 +21890,6 @@
               <a:t>noquery</a:t>
             </a:r>
             <a:endParaRPr lang="en-US" sz="2000" dirty="0">
-              <a:solidFill>
-                <a:schemeClr val="tx1"/>
-              </a:solidFill>
               <a:latin typeface="Courier" charset="0"/>
               <a:ea typeface="Courier" charset="0"/>
               <a:cs typeface="Courier" charset="0"/>
@@ -22739,9 +21898,6 @@
           <a:p>
             <a:r>
               <a:rPr lang="en-US" sz="2000" dirty="0">
-                <a:solidFill>
-                  <a:schemeClr val="tx1"/>
-                </a:solidFill>
                 <a:latin typeface="Courier" charset="0"/>
                 <a:ea typeface="Courier" charset="0"/>
                 <a:cs typeface="Courier" charset="0"/>
@@ -22750,9 +21906,6 @@
             </a:r>
             <a:r>
               <a:rPr lang="en-US" sz="2000" dirty="0" err="1">
-                <a:solidFill>
-                  <a:schemeClr val="tx1"/>
-                </a:solidFill>
                 <a:latin typeface="Courier" charset="0"/>
                 <a:ea typeface="Courier" charset="0"/>
                 <a:cs typeface="Courier" charset="0"/>
@@ -22761,9 +21914,6 @@
             </a:r>
             <a:r>
               <a:rPr lang="en-US" sz="2000" dirty="0">
-                <a:solidFill>
-                  <a:schemeClr val="tx1"/>
-                </a:solidFill>
                 <a:latin typeface="Courier" charset="0"/>
                 <a:ea typeface="Courier" charset="0"/>
                 <a:cs typeface="Courier" charset="0"/>
@@ -22772,9 +21922,6 @@
             </a:r>
             <a:r>
               <a:rPr lang="en-US" sz="2000" dirty="0" err="1">
-                <a:solidFill>
-                  <a:schemeClr val="tx1"/>
-                </a:solidFill>
                 <a:latin typeface="Courier" charset="0"/>
                 <a:ea typeface="Courier" charset="0"/>
                 <a:cs typeface="Courier" charset="0"/>
@@ -22783,9 +21930,6 @@
             </a:r>
             <a:r>
               <a:rPr lang="en-US" sz="2000" dirty="0">
-                <a:solidFill>
-                  <a:schemeClr val="tx1"/>
-                </a:solidFill>
                 <a:latin typeface="Courier" charset="0"/>
                 <a:ea typeface="Courier" charset="0"/>
                 <a:cs typeface="Courier" charset="0"/>
@@ -22794,9 +21938,6 @@
             </a:r>
             <a:r>
               <a:rPr lang="en-US" sz="2000" dirty="0" err="1">
-                <a:solidFill>
-                  <a:schemeClr val="tx1"/>
-                </a:solidFill>
                 <a:latin typeface="Courier" charset="0"/>
                 <a:ea typeface="Courier" charset="0"/>
                 <a:cs typeface="Courier" charset="0"/>
@@ -22805,9 +21946,6 @@
             </a:r>
             <a:r>
               <a:rPr lang="en-US" sz="2000" dirty="0">
-                <a:solidFill>
-                  <a:schemeClr val="tx1"/>
-                </a:solidFill>
                 <a:latin typeface="Courier" charset="0"/>
                 <a:ea typeface="Courier" charset="0"/>
                 <a:cs typeface="Courier" charset="0"/>
@@ -22816,9 +21954,6 @@
             </a:r>
             <a:r>
               <a:rPr lang="en-US" sz="2000" dirty="0" err="1">
-                <a:solidFill>
-                  <a:schemeClr val="tx1"/>
-                </a:solidFill>
                 <a:latin typeface="Courier" charset="0"/>
                 <a:ea typeface="Courier" charset="0"/>
                 <a:cs typeface="Courier" charset="0"/>
@@ -22827,9 +21962,6 @@
             </a:r>
             <a:r>
               <a:rPr lang="en-US" sz="2000" dirty="0">
-                <a:solidFill>
-                  <a:schemeClr val="tx1"/>
-                </a:solidFill>
                 <a:latin typeface="Courier" charset="0"/>
                 <a:ea typeface="Courier" charset="0"/>
                 <a:cs typeface="Courier" charset="0"/>
@@ -22838,9 +21970,6 @@
             </a:r>
             <a:r>
               <a:rPr lang="en-US" sz="2000" dirty="0" err="1">
-                <a:solidFill>
-                  <a:schemeClr val="tx1"/>
-                </a:solidFill>
                 <a:latin typeface="Courier" charset="0"/>
                 <a:ea typeface="Courier" charset="0"/>
                 <a:cs typeface="Courier" charset="0"/>
@@ -22849,9 +21978,6 @@
             </a:r>
             <a:r>
               <a:rPr lang="en-US" sz="2000" dirty="0">
-                <a:solidFill>
-                  <a:schemeClr val="tx1"/>
-                </a:solidFill>
                 <a:latin typeface="Courier" charset="0"/>
                 <a:ea typeface="Courier" charset="0"/>
                 <a:cs typeface="Courier" charset="0"/>
@@ -22860,9 +21986,6 @@
             </a:r>
             <a:r>
               <a:rPr lang="en-US" sz="2000" dirty="0" err="1">
-                <a:solidFill>
-                  <a:schemeClr val="tx1"/>
-                </a:solidFill>
                 <a:latin typeface="Courier" charset="0"/>
                 <a:ea typeface="Courier" charset="0"/>
                 <a:cs typeface="Courier" charset="0"/>
@@ -22870,9 +21993,6 @@
               <a:t>noquery</a:t>
             </a:r>
             <a:endParaRPr lang="en-US" sz="2000" dirty="0">
-              <a:solidFill>
-                <a:schemeClr val="tx1"/>
-              </a:solidFill>
               <a:latin typeface="Courier" charset="0"/>
               <a:ea typeface="Courier" charset="0"/>
               <a:cs typeface="Courier" charset="0"/>
@@ -22916,9 +22036,6 @@
           <a:p>
             <a:r>
               <a:rPr lang="en-US" sz="2000" dirty="0">
-                <a:solidFill>
-                  <a:schemeClr val="tx1"/>
-                </a:solidFill>
                 <a:latin typeface="Courier" charset="0"/>
                 <a:ea typeface="Courier" charset="0"/>
                 <a:cs typeface="Courier" charset="0"/>
@@ -22929,9 +22046,6 @@
           <a:p>
             <a:r>
               <a:rPr lang="en-US" sz="2000" dirty="0">
-                <a:solidFill>
-                  <a:schemeClr val="tx1"/>
-                </a:solidFill>
                 <a:latin typeface="Courier" charset="0"/>
                 <a:ea typeface="Courier" charset="0"/>
                 <a:cs typeface="Courier" charset="0"/>
@@ -22942,9 +22056,6 @@
           <a:p>
             <a:r>
               <a:rPr lang="en-US" sz="2000" dirty="0">
-                <a:solidFill>
-                  <a:schemeClr val="tx1"/>
-                </a:solidFill>
                 <a:latin typeface="Courier" charset="0"/>
                 <a:ea typeface="Courier" charset="0"/>
                 <a:cs typeface="Courier" charset="0"/>
@@ -23877,1442 +22988,6 @@
               <a:defRPr/>
             </a:pPr>
             <a:r>
-              <a:rPr lang="en-US" sz="2800" dirty="0">
-                <a:ea typeface="Arial" charset="0"/>
-                <a:cs typeface="Arial" charset="0"/>
-              </a:rPr>
-              <a:t>Configure the server to unrestricted access to local users</a:t>
-            </a:r>
-          </a:p>
-          <a:p>
-            <a:pPr>
-              <a:lnSpc>
-                <a:spcPct val="97000"/>
-              </a:lnSpc>
-              <a:spcAft>
-                <a:spcPts val="1413"/>
-              </a:spcAft>
-              <a:buClr>
-                <a:srgbClr val="FF6309"/>
-              </a:buClr>
-              <a:buSzPct val="45000"/>
-              <a:buFont typeface="Wingdings" charset="0"/>
-              <a:buChar char=""/>
-              <a:defRPr/>
-            </a:pPr>
-            <a:endParaRPr lang="en-US" sz="2800" dirty="0">
-              <a:ea typeface="Arial" charset="0"/>
-              <a:cs typeface="Arial" charset="0"/>
-            </a:endParaRPr>
-          </a:p>
-          <a:p>
-            <a:pPr>
-              <a:lnSpc>
-                <a:spcPct val="97000"/>
-              </a:lnSpc>
-              <a:spcAft>
-                <a:spcPts val="1413"/>
-              </a:spcAft>
-              <a:buClr>
-                <a:srgbClr val="FF6309"/>
-              </a:buClr>
-              <a:buSzPct val="45000"/>
-              <a:buFont typeface="Wingdings" charset="0"/>
-              <a:buChar char=""/>
-              <a:defRPr/>
-            </a:pPr>
-            <a:endParaRPr lang="en-US" sz="2800" dirty="0">
-              <a:ea typeface="Arial" charset="0"/>
-              <a:cs typeface="Arial" charset="0"/>
-            </a:endParaRPr>
-          </a:p>
-          <a:p>
-            <a:pPr>
-              <a:lnSpc>
-                <a:spcPct val="97000"/>
-              </a:lnSpc>
-              <a:spcAft>
-                <a:spcPts val="1413"/>
-              </a:spcAft>
-              <a:buClr>
-                <a:srgbClr val="FF6309"/>
-              </a:buClr>
-              <a:buSzPct val="45000"/>
-              <a:buFont typeface="Wingdings" charset="0"/>
-              <a:buChar char=""/>
-              <a:defRPr/>
-            </a:pPr>
-            <a:endParaRPr lang="en-US" sz="2800" dirty="0">
-              <a:ea typeface="Arial" charset="0"/>
-              <a:cs typeface="Arial" charset="0"/>
-            </a:endParaRPr>
-          </a:p>
-          <a:p>
-            <a:pPr>
-              <a:lnSpc>
-                <a:spcPct val="97000"/>
-              </a:lnSpc>
-              <a:spcAft>
-                <a:spcPts val="1413"/>
-              </a:spcAft>
-              <a:buClr>
-                <a:srgbClr val="FF6309"/>
-              </a:buClr>
-              <a:buSzPct val="45000"/>
-              <a:buFont typeface="Wingdings" charset="0"/>
-              <a:buChar char=""/>
-              <a:defRPr/>
-            </a:pPr>
-            <a:r>
-              <a:rPr lang="en-US" sz="2800" dirty="0">
-                <a:ea typeface="Arial" charset="0"/>
-                <a:cs typeface="Arial" charset="0"/>
-              </a:rPr>
-              <a:t>We can also restrict the server from answering </a:t>
-            </a:r>
-            <a:r>
-              <a:rPr lang="en-US" sz="2800" dirty="0" err="1">
-                <a:ea typeface="Arial" charset="0"/>
-                <a:cs typeface="Arial" charset="0"/>
-              </a:rPr>
-              <a:t>ntp</a:t>
-            </a:r>
-            <a:r>
-              <a:rPr lang="en-US" sz="2800" dirty="0">
-                <a:ea typeface="Arial" charset="0"/>
-                <a:cs typeface="Arial" charset="0"/>
-              </a:rPr>
-              <a:t> queries</a:t>
-            </a:r>
-          </a:p>
-          <a:p>
-            <a:pPr>
-              <a:lnSpc>
-                <a:spcPct val="97000"/>
-              </a:lnSpc>
-              <a:spcAft>
-                <a:spcPts val="1413"/>
-              </a:spcAft>
-              <a:buClr>
-                <a:srgbClr val="FF6309"/>
-              </a:buClr>
-              <a:buSzPct val="45000"/>
-              <a:buFont typeface="Wingdings" charset="0"/>
-              <a:buChar char=""/>
-              <a:defRPr/>
-            </a:pPr>
-            <a:endParaRPr lang="en-US" sz="2800" dirty="0">
-              <a:ea typeface="Arial" charset="0"/>
-              <a:cs typeface="Arial" charset="0"/>
-            </a:endParaRPr>
-          </a:p>
-          <a:p>
-            <a:pPr>
-              <a:lnSpc>
-                <a:spcPct val="97000"/>
-              </a:lnSpc>
-              <a:spcAft>
-                <a:spcPts val="1413"/>
-              </a:spcAft>
-              <a:buClr>
-                <a:srgbClr val="FF6309"/>
-              </a:buClr>
-              <a:buSzPct val="45000"/>
-              <a:buFont typeface="Wingdings" charset="0"/>
-              <a:buChar char=""/>
-              <a:defRPr/>
-            </a:pPr>
-            <a:endParaRPr lang="en-US" sz="2800" dirty="0">
-              <a:ea typeface="Arial" charset="0"/>
-              <a:cs typeface="Arial" charset="0"/>
-            </a:endParaRPr>
-          </a:p>
-        </p:txBody>
-      </p:sp>
-      <p:sp>
-        <p:nvSpPr>
-          <p:cNvPr id="4" name="TextBox 3"/>
-          <p:cNvSpPr txBox="1"/>
-          <p:nvPr/>
-        </p:nvSpPr>
-        <p:spPr>
-          <a:xfrm>
-            <a:off x="863599" y="2636837"/>
-            <a:ext cx="8648701" cy="1865126"/>
-          </a:xfrm>
-          <a:prstGeom prst="rect">
-            <a:avLst/>
-          </a:prstGeom>
-          <a:solidFill>
-            <a:schemeClr val="bg2"/>
-          </a:solidFill>
-        </p:spPr>
-        <p:txBody>
-          <a:bodyPr wrap="square" rtlCol="0">
-            <a:spAutoFit/>
-          </a:bodyPr>
-          <a:lstStyle/>
-          <a:p>
-            <a:r>
-              <a:rPr lang="en-US" sz="2000" dirty="0">
-                <a:solidFill>
-                  <a:schemeClr val="tx1"/>
-                </a:solidFill>
-                <a:latin typeface="Courier" charset="0"/>
-                <a:ea typeface="Courier" charset="0"/>
-                <a:cs typeface="Courier" charset="0"/>
-              </a:rPr>
-              <a:t>restrict 196.200.219.0 mask 255.255.255.0 limited </a:t>
-            </a:r>
-            <a:r>
-              <a:rPr lang="en-US" sz="2000" dirty="0" err="1">
-                <a:solidFill>
-                  <a:schemeClr val="tx1"/>
-                </a:solidFill>
-                <a:latin typeface="Courier" charset="0"/>
-                <a:ea typeface="Courier" charset="0"/>
-                <a:cs typeface="Courier" charset="0"/>
-              </a:rPr>
-              <a:t>kod</a:t>
-            </a:r>
-            <a:r>
-              <a:rPr lang="en-US" sz="2000" dirty="0">
-                <a:solidFill>
-                  <a:schemeClr val="tx1"/>
-                </a:solidFill>
-                <a:latin typeface="Courier" charset="0"/>
-                <a:ea typeface="Courier" charset="0"/>
-                <a:cs typeface="Courier" charset="0"/>
-              </a:rPr>
-              <a:t> </a:t>
-            </a:r>
-            <a:r>
-              <a:rPr lang="en-US" sz="2000" dirty="0" err="1">
-                <a:solidFill>
-                  <a:schemeClr val="tx1"/>
-                </a:solidFill>
-                <a:latin typeface="Courier" charset="0"/>
-                <a:ea typeface="Courier" charset="0"/>
-                <a:cs typeface="Courier" charset="0"/>
-              </a:rPr>
-              <a:t>notrap</a:t>
-            </a:r>
-            <a:r>
-              <a:rPr lang="en-US" sz="2000" dirty="0">
-                <a:solidFill>
-                  <a:schemeClr val="tx1"/>
-                </a:solidFill>
-                <a:latin typeface="Courier" charset="0"/>
-                <a:ea typeface="Courier" charset="0"/>
-                <a:cs typeface="Courier" charset="0"/>
-              </a:rPr>
-              <a:t> </a:t>
-            </a:r>
-            <a:r>
-              <a:rPr lang="en-US" sz="2000" dirty="0" err="1">
-                <a:solidFill>
-                  <a:schemeClr val="tx1"/>
-                </a:solidFill>
-                <a:latin typeface="Courier" charset="0"/>
-                <a:ea typeface="Courier" charset="0"/>
-                <a:cs typeface="Courier" charset="0"/>
-              </a:rPr>
-              <a:t>nomodify</a:t>
-            </a:r>
-            <a:r>
-              <a:rPr lang="en-US" sz="2000" dirty="0">
-                <a:solidFill>
-                  <a:schemeClr val="tx1"/>
-                </a:solidFill>
-                <a:latin typeface="Courier" charset="0"/>
-                <a:ea typeface="Courier" charset="0"/>
-                <a:cs typeface="Courier" charset="0"/>
-              </a:rPr>
-              <a:t> </a:t>
-            </a:r>
-            <a:r>
-              <a:rPr lang="en-US" sz="2000" dirty="0" err="1">
-                <a:solidFill>
-                  <a:schemeClr val="tx1"/>
-                </a:solidFill>
-                <a:latin typeface="Courier" charset="0"/>
-                <a:ea typeface="Courier" charset="0"/>
-                <a:cs typeface="Courier" charset="0"/>
-              </a:rPr>
-              <a:t>nopeer</a:t>
-            </a:r>
-            <a:r>
-              <a:rPr lang="en-US" sz="2000" dirty="0">
-                <a:solidFill>
-                  <a:schemeClr val="tx1"/>
-                </a:solidFill>
-                <a:latin typeface="Courier" charset="0"/>
-                <a:ea typeface="Courier" charset="0"/>
-                <a:cs typeface="Courier" charset="0"/>
-              </a:rPr>
-              <a:t> </a:t>
-            </a:r>
-            <a:r>
-              <a:rPr lang="en-US" sz="2000" dirty="0" err="1">
-                <a:solidFill>
-                  <a:schemeClr val="tx1"/>
-                </a:solidFill>
-                <a:latin typeface="Courier" charset="0"/>
-                <a:ea typeface="Courier" charset="0"/>
-                <a:cs typeface="Courier" charset="0"/>
-              </a:rPr>
-              <a:t>noquery</a:t>
-            </a:r>
-            <a:endParaRPr lang="en-US" sz="2000" dirty="0">
-              <a:solidFill>
-                <a:schemeClr val="tx1"/>
-              </a:solidFill>
-              <a:latin typeface="Courier" charset="0"/>
-              <a:ea typeface="Courier" charset="0"/>
-              <a:cs typeface="Courier" charset="0"/>
-            </a:endParaRPr>
-          </a:p>
-          <a:p>
-            <a:r>
-              <a:rPr lang="en-US" sz="2000" dirty="0">
-                <a:solidFill>
-                  <a:schemeClr val="tx1"/>
-                </a:solidFill>
-                <a:latin typeface="Courier" charset="0"/>
-                <a:ea typeface="Courier" charset="0"/>
-                <a:cs typeface="Courier" charset="0"/>
-              </a:rPr>
-              <a:t>restrict 2001:43f8:0220:219:: mask </a:t>
-            </a:r>
-            <a:r>
-              <a:rPr lang="en-US" sz="2000" dirty="0" err="1">
-                <a:solidFill>
-                  <a:schemeClr val="tx1"/>
-                </a:solidFill>
-                <a:latin typeface="Courier" charset="0"/>
-                <a:ea typeface="Courier" charset="0"/>
-                <a:cs typeface="Courier" charset="0"/>
-              </a:rPr>
-              <a:t>ffff:ffff:ffff:ffff</a:t>
-            </a:r>
-            <a:r>
-              <a:rPr lang="en-US" sz="2000" dirty="0">
-                <a:solidFill>
-                  <a:schemeClr val="tx1"/>
-                </a:solidFill>
-                <a:latin typeface="Courier" charset="0"/>
-                <a:ea typeface="Courier" charset="0"/>
-                <a:cs typeface="Courier" charset="0"/>
-              </a:rPr>
-              <a:t>:: limited </a:t>
-            </a:r>
-            <a:r>
-              <a:rPr lang="en-US" sz="2000" dirty="0" err="1">
-                <a:solidFill>
-                  <a:schemeClr val="tx1"/>
-                </a:solidFill>
-                <a:latin typeface="Courier" charset="0"/>
-                <a:ea typeface="Courier" charset="0"/>
-                <a:cs typeface="Courier" charset="0"/>
-              </a:rPr>
-              <a:t>kod</a:t>
-            </a:r>
-            <a:r>
-              <a:rPr lang="en-US" sz="2000" dirty="0">
-                <a:solidFill>
-                  <a:schemeClr val="tx1"/>
-                </a:solidFill>
-                <a:latin typeface="Courier" charset="0"/>
-                <a:ea typeface="Courier" charset="0"/>
-                <a:cs typeface="Courier" charset="0"/>
-              </a:rPr>
-              <a:t> </a:t>
-            </a:r>
-            <a:r>
-              <a:rPr lang="en-US" sz="2000" dirty="0" err="1">
-                <a:solidFill>
-                  <a:schemeClr val="tx1"/>
-                </a:solidFill>
-                <a:latin typeface="Courier" charset="0"/>
-                <a:ea typeface="Courier" charset="0"/>
-                <a:cs typeface="Courier" charset="0"/>
-              </a:rPr>
-              <a:t>notrap</a:t>
-            </a:r>
-            <a:r>
-              <a:rPr lang="en-US" sz="2000" dirty="0">
-                <a:solidFill>
-                  <a:schemeClr val="tx1"/>
-                </a:solidFill>
-                <a:latin typeface="Courier" charset="0"/>
-                <a:ea typeface="Courier" charset="0"/>
-                <a:cs typeface="Courier" charset="0"/>
-              </a:rPr>
-              <a:t> </a:t>
-            </a:r>
-            <a:r>
-              <a:rPr lang="en-US" sz="2000" dirty="0" err="1">
-                <a:solidFill>
-                  <a:schemeClr val="tx1"/>
-                </a:solidFill>
-                <a:latin typeface="Courier" charset="0"/>
-                <a:ea typeface="Courier" charset="0"/>
-                <a:cs typeface="Courier" charset="0"/>
-              </a:rPr>
-              <a:t>nomodify</a:t>
-            </a:r>
-            <a:r>
-              <a:rPr lang="en-US" sz="2000" dirty="0">
-                <a:solidFill>
-                  <a:schemeClr val="tx1"/>
-                </a:solidFill>
-                <a:latin typeface="Courier" charset="0"/>
-                <a:ea typeface="Courier" charset="0"/>
-                <a:cs typeface="Courier" charset="0"/>
-              </a:rPr>
-              <a:t> </a:t>
-            </a:r>
-            <a:r>
-              <a:rPr lang="en-US" sz="2000" dirty="0" err="1">
-                <a:solidFill>
-                  <a:schemeClr val="tx1"/>
-                </a:solidFill>
-                <a:latin typeface="Courier" charset="0"/>
-                <a:ea typeface="Courier" charset="0"/>
-                <a:cs typeface="Courier" charset="0"/>
-              </a:rPr>
-              <a:t>nopeer</a:t>
-            </a:r>
-            <a:r>
-              <a:rPr lang="en-US" sz="2000" dirty="0">
-                <a:solidFill>
-                  <a:schemeClr val="tx1"/>
-                </a:solidFill>
-                <a:latin typeface="Courier" charset="0"/>
-                <a:ea typeface="Courier" charset="0"/>
-                <a:cs typeface="Courier" charset="0"/>
-              </a:rPr>
-              <a:t> </a:t>
-            </a:r>
-            <a:r>
-              <a:rPr lang="en-US" sz="2000" dirty="0" err="1">
-                <a:solidFill>
-                  <a:schemeClr val="tx1"/>
-                </a:solidFill>
-                <a:latin typeface="Courier" charset="0"/>
-                <a:ea typeface="Courier" charset="0"/>
-                <a:cs typeface="Courier" charset="0"/>
-              </a:rPr>
-              <a:t>noquery</a:t>
-            </a:r>
-            <a:endParaRPr lang="en-US" sz="2000" dirty="0">
-              <a:solidFill>
-                <a:schemeClr val="tx1"/>
-              </a:solidFill>
-              <a:latin typeface="Courier" charset="0"/>
-              <a:ea typeface="Courier" charset="0"/>
-              <a:cs typeface="Courier" charset="0"/>
-            </a:endParaRPr>
-          </a:p>
-          <a:p>
-            <a:endParaRPr lang="en-US" sz="2000" dirty="0">
-              <a:solidFill>
-                <a:schemeClr val="tx1"/>
-              </a:solidFill>
-              <a:latin typeface="Courier" charset="0"/>
-              <a:ea typeface="Courier" charset="0"/>
-              <a:cs typeface="Courier" charset="0"/>
-            </a:endParaRPr>
-          </a:p>
-        </p:txBody>
-      </p:sp>
-      <p:sp>
-        <p:nvSpPr>
-          <p:cNvPr id="6" name="TextBox 5"/>
-          <p:cNvSpPr txBox="1"/>
-          <p:nvPr/>
-        </p:nvSpPr>
-        <p:spPr>
-          <a:xfrm>
-            <a:off x="887411" y="5608637"/>
-            <a:ext cx="8648701" cy="978729"/>
-          </a:xfrm>
-          <a:prstGeom prst="rect">
-            <a:avLst/>
-          </a:prstGeom>
-          <a:solidFill>
-            <a:schemeClr val="bg2"/>
-          </a:solidFill>
-        </p:spPr>
-        <p:txBody>
-          <a:bodyPr wrap="square" rtlCol="0">
-            <a:spAutoFit/>
-          </a:bodyPr>
-          <a:lstStyle/>
-          <a:p>
-            <a:r>
-              <a:rPr lang="en-US" sz="2000" dirty="0">
-                <a:solidFill>
-                  <a:schemeClr val="tx1"/>
-                </a:solidFill>
-                <a:latin typeface="Courier" charset="0"/>
-                <a:ea typeface="Courier" charset="0"/>
-                <a:cs typeface="Courier" charset="0"/>
-              </a:rPr>
-              <a:t># By default don’t answer anything</a:t>
-            </a:r>
-          </a:p>
-          <a:p>
-            <a:r>
-              <a:rPr lang="en-US" sz="2000" dirty="0">
-                <a:solidFill>
-                  <a:schemeClr val="tx1"/>
-                </a:solidFill>
-                <a:latin typeface="Courier" charset="0"/>
-                <a:ea typeface="Courier" charset="0"/>
-                <a:cs typeface="Courier" charset="0"/>
-              </a:rPr>
-              <a:t>restrict default ignore</a:t>
-            </a:r>
-          </a:p>
-          <a:p>
-            <a:r>
-              <a:rPr lang="en-US" sz="2000" dirty="0">
-                <a:solidFill>
-                  <a:schemeClr val="tx1"/>
-                </a:solidFill>
-                <a:latin typeface="Courier" charset="0"/>
-                <a:ea typeface="Courier" charset="0"/>
-                <a:cs typeface="Courier" charset="0"/>
-              </a:rPr>
-              <a:t>restrict -6 default ignore </a:t>
-            </a:r>
-          </a:p>
-        </p:txBody>
-      </p:sp>
-    </p:spTree>
-    <p:extLst>
-      <p:ext uri="{BB962C8B-B14F-4D97-AF65-F5344CB8AC3E}">
-        <p14:creationId xmlns:p14="http://schemas.microsoft.com/office/powerpoint/2010/main" val="1693148533"/>
-      </p:ext>
-    </p:extLst>
-  </p:cSld>
-  <p:clrMapOvr>
-    <a:masterClrMapping/>
-  </p:clrMapOvr>
-  <p:transition spd="med"/>
-  <p:timing>
-    <p:tnLst>
-      <p:par>
-        <p:cTn id="1" dur="indefinite" restart="never" nodeType="tmRoot">
-          <p:childTnLst>
-            <p:seq concurrent="1" nextAc="seek">
-              <p:cTn id="2" dur="0" nodeType="mainSeq"/>
-              <p:prevCondLst>
-                <p:cond evt="onPrev" delay="0">
-                  <p:tgtEl>
-                    <p:sldTgt/>
-                  </p:tgtEl>
-                </p:cond>
-              </p:prevCondLst>
-              <p:nextCondLst>
-                <p:cond evt="onNext" delay="0">
-                  <p:tgtEl>
-                    <p:sldTgt/>
-                  </p:tgtEl>
-                </p:cond>
-              </p:nextCondLst>
-            </p:seq>
-          </p:childTnLst>
-        </p:cTn>
-      </p:par>
-    </p:tnLst>
-  </p:timing>
-</p:sld>
-</file>
-
-<file path=ppt/slides/slide17.xml><?xml version="1.0" encoding="utf-8"?>
-<p:sld xmlns:a="http://schemas.openxmlformats.org/drawingml/2006/main" xmlns:r="http://schemas.openxmlformats.org/officeDocument/2006/relationships" xmlns:p="http://schemas.openxmlformats.org/presentationml/2006/main">
-  <p:cSld>
-    <p:bg>
-      <p:bgPr>
-        <a:blipFill dpi="0" rotWithShape="0">
-          <a:blip r:embed="rId3"/>
-          <a:srcRect/>
-          <a:tile tx="0" ty="0" sx="100000" sy="100000" flip="none" algn="tl"/>
-        </a:blipFill>
-        <a:effectLst/>
-      </p:bgPr>
-    </p:bg>
-    <p:spTree>
-      <p:nvGrpSpPr>
-        <p:cNvPr id="1" name=""/>
-        <p:cNvGrpSpPr/>
-        <p:nvPr/>
-      </p:nvGrpSpPr>
-      <p:grpSpPr>
-        <a:xfrm>
-          <a:off x="0" y="0"/>
-          <a:ext cx="0" cy="0"/>
-          <a:chOff x="0" y="0"/>
-          <a:chExt cx="0" cy="0"/>
-        </a:xfrm>
-      </p:grpSpPr>
-      <p:sp>
-        <p:nvSpPr>
-          <p:cNvPr id="12289" name="Text Box 1"/>
-          <p:cNvSpPr txBox="1">
-            <a:spLocks noChangeArrowheads="1"/>
-          </p:cNvSpPr>
-          <p:nvPr/>
-        </p:nvSpPr>
-        <p:spPr bwMode="auto">
-          <a:xfrm>
-            <a:off x="468313" y="0"/>
-            <a:ext cx="9070975" cy="1260475"/>
-          </a:xfrm>
-          <a:prstGeom prst="rect">
-            <a:avLst/>
-          </a:prstGeom>
-          <a:noFill/>
-          <a:ln>
-            <a:noFill/>
-          </a:ln>
-          <a:effectLst/>
-          <a:extLst>
-            <a:ext uri="{909E8E84-426E-40dd-AFC4-6F175D3DCCD1}">
-              <a14:hiddenFill xmlns="" xmlns:a14="http://schemas.microsoft.com/office/drawing/2010/main">
-                <a:solidFill>
-                  <a:srgbClr val="FFFFFF"/>
-                </a:solidFill>
-              </a14:hiddenFill>
-            </a:ext>
-            <a:ext uri="{91240B29-F687-4f45-9708-019B960494DF}">
-              <a14:hiddenLine xmlns="" xmlns:a14="http://schemas.microsoft.com/office/drawing/2010/main" w="9525" cap="flat">
-                <a:solidFill>
-                  <a:srgbClr val="3465A4"/>
-                </a:solidFill>
-                <a:round/>
-                <a:headEnd/>
-                <a:tailEnd/>
-              </a14:hiddenLine>
-            </a:ext>
-            <a:ext uri="{AF507438-7753-43e0-B8FC-AC1667EBCBE1}">
-              <a14:hiddenEffects xmlns="" xmlns:a14="http://schemas.microsoft.com/office/drawing/2010/main">
-                <a:effectLst>
-                  <a:outerShdw blurRad="63500" dist="38099" dir="2700000" algn="ctr" rotWithShape="0">
-                    <a:srgbClr val="000000">
-                      <a:alpha val="74998"/>
-                    </a:srgbClr>
-                  </a:outerShdw>
-                </a:effectLst>
-              </a14:hiddenEffects>
-            </a:ext>
-          </a:extLst>
-        </p:spPr>
-        <p:txBody>
-          <a:bodyPr lIns="0" tIns="0" rIns="0" bIns="0" anchor="ctr"/>
-          <a:lstStyle>
-            <a:lvl1pPr>
-              <a:tabLst>
-                <a:tab pos="0" algn="l"/>
-                <a:tab pos="457200" algn="l"/>
-                <a:tab pos="914400" algn="l"/>
-                <a:tab pos="1371600" algn="l"/>
-                <a:tab pos="1828800" algn="l"/>
-                <a:tab pos="2286000" algn="l"/>
-                <a:tab pos="2743200" algn="l"/>
-                <a:tab pos="3200400" algn="l"/>
-                <a:tab pos="3657600" algn="l"/>
-                <a:tab pos="4114800" algn="l"/>
-                <a:tab pos="4572000" algn="l"/>
-                <a:tab pos="5029200" algn="l"/>
-                <a:tab pos="5486400" algn="l"/>
-                <a:tab pos="5943600" algn="l"/>
-                <a:tab pos="6400800" algn="l"/>
-                <a:tab pos="6858000" algn="l"/>
-                <a:tab pos="7315200" algn="l"/>
-                <a:tab pos="7772400" algn="l"/>
-                <a:tab pos="8229600" algn="l"/>
-                <a:tab pos="8686800" algn="l"/>
-                <a:tab pos="9144000" algn="l"/>
-              </a:tabLst>
-              <a:defRPr sz="2400">
-                <a:solidFill>
-                  <a:srgbClr val="000000"/>
-                </a:solidFill>
-                <a:latin typeface="Arial" charset="0"/>
-                <a:ea typeface="ＭＳ Ｐゴシック" charset="0"/>
-                <a:cs typeface="DejaVu Sans" charset="0"/>
-              </a:defRPr>
-            </a:lvl1pPr>
-            <a:lvl2pPr>
-              <a:tabLst>
-                <a:tab pos="0" algn="l"/>
-                <a:tab pos="457200" algn="l"/>
-                <a:tab pos="914400" algn="l"/>
-                <a:tab pos="1371600" algn="l"/>
-                <a:tab pos="1828800" algn="l"/>
-                <a:tab pos="2286000" algn="l"/>
-                <a:tab pos="2743200" algn="l"/>
-                <a:tab pos="3200400" algn="l"/>
-                <a:tab pos="3657600" algn="l"/>
-                <a:tab pos="4114800" algn="l"/>
-                <a:tab pos="4572000" algn="l"/>
-                <a:tab pos="5029200" algn="l"/>
-                <a:tab pos="5486400" algn="l"/>
-                <a:tab pos="5943600" algn="l"/>
-                <a:tab pos="6400800" algn="l"/>
-                <a:tab pos="6858000" algn="l"/>
-                <a:tab pos="7315200" algn="l"/>
-                <a:tab pos="7772400" algn="l"/>
-                <a:tab pos="8229600" algn="l"/>
-                <a:tab pos="8686800" algn="l"/>
-                <a:tab pos="9144000" algn="l"/>
-              </a:tabLst>
-              <a:defRPr sz="2400">
-                <a:solidFill>
-                  <a:srgbClr val="000000"/>
-                </a:solidFill>
-                <a:latin typeface="Arial" charset="0"/>
-                <a:ea typeface="ＭＳ Ｐゴシック" charset="0"/>
-                <a:cs typeface="DejaVu Sans" charset="0"/>
-              </a:defRPr>
-            </a:lvl2pPr>
-            <a:lvl3pPr>
-              <a:tabLst>
-                <a:tab pos="0" algn="l"/>
-                <a:tab pos="457200" algn="l"/>
-                <a:tab pos="914400" algn="l"/>
-                <a:tab pos="1371600" algn="l"/>
-                <a:tab pos="1828800" algn="l"/>
-                <a:tab pos="2286000" algn="l"/>
-                <a:tab pos="2743200" algn="l"/>
-                <a:tab pos="3200400" algn="l"/>
-                <a:tab pos="3657600" algn="l"/>
-                <a:tab pos="4114800" algn="l"/>
-                <a:tab pos="4572000" algn="l"/>
-                <a:tab pos="5029200" algn="l"/>
-                <a:tab pos="5486400" algn="l"/>
-                <a:tab pos="5943600" algn="l"/>
-                <a:tab pos="6400800" algn="l"/>
-                <a:tab pos="6858000" algn="l"/>
-                <a:tab pos="7315200" algn="l"/>
-                <a:tab pos="7772400" algn="l"/>
-                <a:tab pos="8229600" algn="l"/>
-                <a:tab pos="8686800" algn="l"/>
-                <a:tab pos="9144000" algn="l"/>
-              </a:tabLst>
-              <a:defRPr sz="2400">
-                <a:solidFill>
-                  <a:srgbClr val="000000"/>
-                </a:solidFill>
-                <a:latin typeface="Arial" charset="0"/>
-                <a:ea typeface="ＭＳ Ｐゴシック" charset="0"/>
-                <a:cs typeface="DejaVu Sans" charset="0"/>
-              </a:defRPr>
-            </a:lvl3pPr>
-            <a:lvl4pPr>
-              <a:tabLst>
-                <a:tab pos="0" algn="l"/>
-                <a:tab pos="457200" algn="l"/>
-                <a:tab pos="914400" algn="l"/>
-                <a:tab pos="1371600" algn="l"/>
-                <a:tab pos="1828800" algn="l"/>
-                <a:tab pos="2286000" algn="l"/>
-                <a:tab pos="2743200" algn="l"/>
-                <a:tab pos="3200400" algn="l"/>
-                <a:tab pos="3657600" algn="l"/>
-                <a:tab pos="4114800" algn="l"/>
-                <a:tab pos="4572000" algn="l"/>
-                <a:tab pos="5029200" algn="l"/>
-                <a:tab pos="5486400" algn="l"/>
-                <a:tab pos="5943600" algn="l"/>
-                <a:tab pos="6400800" algn="l"/>
-                <a:tab pos="6858000" algn="l"/>
-                <a:tab pos="7315200" algn="l"/>
-                <a:tab pos="7772400" algn="l"/>
-                <a:tab pos="8229600" algn="l"/>
-                <a:tab pos="8686800" algn="l"/>
-                <a:tab pos="9144000" algn="l"/>
-              </a:tabLst>
-              <a:defRPr sz="2400">
-                <a:solidFill>
-                  <a:srgbClr val="000000"/>
-                </a:solidFill>
-                <a:latin typeface="Arial" charset="0"/>
-                <a:ea typeface="ＭＳ Ｐゴシック" charset="0"/>
-                <a:cs typeface="DejaVu Sans" charset="0"/>
-              </a:defRPr>
-            </a:lvl4pPr>
-            <a:lvl5pPr>
-              <a:tabLst>
-                <a:tab pos="0" algn="l"/>
-                <a:tab pos="457200" algn="l"/>
-                <a:tab pos="914400" algn="l"/>
-                <a:tab pos="1371600" algn="l"/>
-                <a:tab pos="1828800" algn="l"/>
-                <a:tab pos="2286000" algn="l"/>
-                <a:tab pos="2743200" algn="l"/>
-                <a:tab pos="3200400" algn="l"/>
-                <a:tab pos="3657600" algn="l"/>
-                <a:tab pos="4114800" algn="l"/>
-                <a:tab pos="4572000" algn="l"/>
-                <a:tab pos="5029200" algn="l"/>
-                <a:tab pos="5486400" algn="l"/>
-                <a:tab pos="5943600" algn="l"/>
-                <a:tab pos="6400800" algn="l"/>
-                <a:tab pos="6858000" algn="l"/>
-                <a:tab pos="7315200" algn="l"/>
-                <a:tab pos="7772400" algn="l"/>
-                <a:tab pos="8229600" algn="l"/>
-                <a:tab pos="8686800" algn="l"/>
-                <a:tab pos="9144000" algn="l"/>
-              </a:tabLst>
-              <a:defRPr sz="2400">
-                <a:solidFill>
-                  <a:srgbClr val="000000"/>
-                </a:solidFill>
-                <a:latin typeface="Arial" charset="0"/>
-                <a:ea typeface="ＭＳ Ｐゴシック" charset="0"/>
-                <a:cs typeface="DejaVu Sans" charset="0"/>
-              </a:defRPr>
-            </a:lvl5pPr>
-            <a:lvl6pPr marL="2514600" indent="-228600" fontAlgn="base" hangingPunct="0">
-              <a:lnSpc>
-                <a:spcPct val="96000"/>
-              </a:lnSpc>
-              <a:spcBef>
-                <a:spcPct val="0"/>
-              </a:spcBef>
-              <a:spcAft>
-                <a:spcPct val="0"/>
-              </a:spcAft>
-              <a:buClr>
-                <a:srgbClr val="000000"/>
-              </a:buClr>
-              <a:buSzPct val="100000"/>
-              <a:buFont typeface="Times New Roman" charset="0"/>
-              <a:tabLst>
-                <a:tab pos="0" algn="l"/>
-                <a:tab pos="457200" algn="l"/>
-                <a:tab pos="914400" algn="l"/>
-                <a:tab pos="1371600" algn="l"/>
-                <a:tab pos="1828800" algn="l"/>
-                <a:tab pos="2286000" algn="l"/>
-                <a:tab pos="2743200" algn="l"/>
-                <a:tab pos="3200400" algn="l"/>
-                <a:tab pos="3657600" algn="l"/>
-                <a:tab pos="4114800" algn="l"/>
-                <a:tab pos="4572000" algn="l"/>
-                <a:tab pos="5029200" algn="l"/>
-                <a:tab pos="5486400" algn="l"/>
-                <a:tab pos="5943600" algn="l"/>
-                <a:tab pos="6400800" algn="l"/>
-                <a:tab pos="6858000" algn="l"/>
-                <a:tab pos="7315200" algn="l"/>
-                <a:tab pos="7772400" algn="l"/>
-                <a:tab pos="8229600" algn="l"/>
-                <a:tab pos="8686800" algn="l"/>
-                <a:tab pos="9144000" algn="l"/>
-              </a:tabLst>
-              <a:defRPr sz="2400">
-                <a:solidFill>
-                  <a:srgbClr val="000000"/>
-                </a:solidFill>
-                <a:latin typeface="Arial" charset="0"/>
-                <a:ea typeface="ＭＳ Ｐゴシック" charset="0"/>
-                <a:cs typeface="DejaVu Sans" charset="0"/>
-              </a:defRPr>
-            </a:lvl6pPr>
-            <a:lvl7pPr marL="2971800" indent="-228600" fontAlgn="base" hangingPunct="0">
-              <a:lnSpc>
-                <a:spcPct val="96000"/>
-              </a:lnSpc>
-              <a:spcBef>
-                <a:spcPct val="0"/>
-              </a:spcBef>
-              <a:spcAft>
-                <a:spcPct val="0"/>
-              </a:spcAft>
-              <a:buClr>
-                <a:srgbClr val="000000"/>
-              </a:buClr>
-              <a:buSzPct val="100000"/>
-              <a:buFont typeface="Times New Roman" charset="0"/>
-              <a:tabLst>
-                <a:tab pos="0" algn="l"/>
-                <a:tab pos="457200" algn="l"/>
-                <a:tab pos="914400" algn="l"/>
-                <a:tab pos="1371600" algn="l"/>
-                <a:tab pos="1828800" algn="l"/>
-                <a:tab pos="2286000" algn="l"/>
-                <a:tab pos="2743200" algn="l"/>
-                <a:tab pos="3200400" algn="l"/>
-                <a:tab pos="3657600" algn="l"/>
-                <a:tab pos="4114800" algn="l"/>
-                <a:tab pos="4572000" algn="l"/>
-                <a:tab pos="5029200" algn="l"/>
-                <a:tab pos="5486400" algn="l"/>
-                <a:tab pos="5943600" algn="l"/>
-                <a:tab pos="6400800" algn="l"/>
-                <a:tab pos="6858000" algn="l"/>
-                <a:tab pos="7315200" algn="l"/>
-                <a:tab pos="7772400" algn="l"/>
-                <a:tab pos="8229600" algn="l"/>
-                <a:tab pos="8686800" algn="l"/>
-                <a:tab pos="9144000" algn="l"/>
-              </a:tabLst>
-              <a:defRPr sz="2400">
-                <a:solidFill>
-                  <a:srgbClr val="000000"/>
-                </a:solidFill>
-                <a:latin typeface="Arial" charset="0"/>
-                <a:ea typeface="ＭＳ Ｐゴシック" charset="0"/>
-                <a:cs typeface="DejaVu Sans" charset="0"/>
-              </a:defRPr>
-            </a:lvl7pPr>
-            <a:lvl8pPr marL="3429000" indent="-228600" fontAlgn="base" hangingPunct="0">
-              <a:lnSpc>
-                <a:spcPct val="96000"/>
-              </a:lnSpc>
-              <a:spcBef>
-                <a:spcPct val="0"/>
-              </a:spcBef>
-              <a:spcAft>
-                <a:spcPct val="0"/>
-              </a:spcAft>
-              <a:buClr>
-                <a:srgbClr val="000000"/>
-              </a:buClr>
-              <a:buSzPct val="100000"/>
-              <a:buFont typeface="Times New Roman" charset="0"/>
-              <a:tabLst>
-                <a:tab pos="0" algn="l"/>
-                <a:tab pos="457200" algn="l"/>
-                <a:tab pos="914400" algn="l"/>
-                <a:tab pos="1371600" algn="l"/>
-                <a:tab pos="1828800" algn="l"/>
-                <a:tab pos="2286000" algn="l"/>
-                <a:tab pos="2743200" algn="l"/>
-                <a:tab pos="3200400" algn="l"/>
-                <a:tab pos="3657600" algn="l"/>
-                <a:tab pos="4114800" algn="l"/>
-                <a:tab pos="4572000" algn="l"/>
-                <a:tab pos="5029200" algn="l"/>
-                <a:tab pos="5486400" algn="l"/>
-                <a:tab pos="5943600" algn="l"/>
-                <a:tab pos="6400800" algn="l"/>
-                <a:tab pos="6858000" algn="l"/>
-                <a:tab pos="7315200" algn="l"/>
-                <a:tab pos="7772400" algn="l"/>
-                <a:tab pos="8229600" algn="l"/>
-                <a:tab pos="8686800" algn="l"/>
-                <a:tab pos="9144000" algn="l"/>
-              </a:tabLst>
-              <a:defRPr sz="2400">
-                <a:solidFill>
-                  <a:srgbClr val="000000"/>
-                </a:solidFill>
-                <a:latin typeface="Arial" charset="0"/>
-                <a:ea typeface="ＭＳ Ｐゴシック" charset="0"/>
-                <a:cs typeface="DejaVu Sans" charset="0"/>
-              </a:defRPr>
-            </a:lvl8pPr>
-            <a:lvl9pPr marL="3886200" indent="-228600" fontAlgn="base" hangingPunct="0">
-              <a:lnSpc>
-                <a:spcPct val="96000"/>
-              </a:lnSpc>
-              <a:spcBef>
-                <a:spcPct val="0"/>
-              </a:spcBef>
-              <a:spcAft>
-                <a:spcPct val="0"/>
-              </a:spcAft>
-              <a:buClr>
-                <a:srgbClr val="000000"/>
-              </a:buClr>
-              <a:buSzPct val="100000"/>
-              <a:buFont typeface="Times New Roman" charset="0"/>
-              <a:tabLst>
-                <a:tab pos="0" algn="l"/>
-                <a:tab pos="457200" algn="l"/>
-                <a:tab pos="914400" algn="l"/>
-                <a:tab pos="1371600" algn="l"/>
-                <a:tab pos="1828800" algn="l"/>
-                <a:tab pos="2286000" algn="l"/>
-                <a:tab pos="2743200" algn="l"/>
-                <a:tab pos="3200400" algn="l"/>
-                <a:tab pos="3657600" algn="l"/>
-                <a:tab pos="4114800" algn="l"/>
-                <a:tab pos="4572000" algn="l"/>
-                <a:tab pos="5029200" algn="l"/>
-                <a:tab pos="5486400" algn="l"/>
-                <a:tab pos="5943600" algn="l"/>
-                <a:tab pos="6400800" algn="l"/>
-                <a:tab pos="6858000" algn="l"/>
-                <a:tab pos="7315200" algn="l"/>
-                <a:tab pos="7772400" algn="l"/>
-                <a:tab pos="8229600" algn="l"/>
-                <a:tab pos="8686800" algn="l"/>
-                <a:tab pos="9144000" algn="l"/>
-              </a:tabLst>
-              <a:defRPr sz="2400">
-                <a:solidFill>
-                  <a:srgbClr val="000000"/>
-                </a:solidFill>
-                <a:latin typeface="Arial" charset="0"/>
-                <a:ea typeface="ＭＳ Ｐゴシック" charset="0"/>
-                <a:cs typeface="DejaVu Sans" charset="0"/>
-              </a:defRPr>
-            </a:lvl9pPr>
-          </a:lstStyle>
-          <a:p>
-            <a:pPr>
-              <a:lnSpc>
-                <a:spcPct val="97000"/>
-              </a:lnSpc>
-              <a:buClrTx/>
-              <a:buSzPct val="45000"/>
-              <a:buFontTx/>
-              <a:buNone/>
-              <a:defRPr/>
-            </a:pPr>
-            <a:r>
-              <a:rPr lang="en-US" sz="4400" b="1" dirty="0">
-                <a:latin typeface="Trebuchet MS" charset="0"/>
-              </a:rPr>
-              <a:t>Step 3: Configure NTP Restrictions</a:t>
-            </a:r>
-          </a:p>
-        </p:txBody>
-      </p:sp>
-      <p:sp>
-        <p:nvSpPr>
-          <p:cNvPr id="12290" name="Text Box 2"/>
-          <p:cNvSpPr txBox="1">
-            <a:spLocks noChangeArrowheads="1"/>
-          </p:cNvSpPr>
-          <p:nvPr/>
-        </p:nvSpPr>
-        <p:spPr bwMode="auto">
-          <a:xfrm>
-            <a:off x="503238" y="1768475"/>
-            <a:ext cx="9070975" cy="4987925"/>
-          </a:xfrm>
-          <a:prstGeom prst="rect">
-            <a:avLst/>
-          </a:prstGeom>
-          <a:noFill/>
-          <a:ln>
-            <a:noFill/>
-          </a:ln>
-          <a:effectLst/>
-          <a:extLst>
-            <a:ext uri="{909E8E84-426E-40dd-AFC4-6F175D3DCCD1}">
-              <a14:hiddenFill xmlns="" xmlns:a14="http://schemas.microsoft.com/office/drawing/2010/main">
-                <a:solidFill>
-                  <a:srgbClr val="FFFFFF"/>
-                </a:solidFill>
-              </a14:hiddenFill>
-            </a:ext>
-            <a:ext uri="{91240B29-F687-4f45-9708-019B960494DF}">
-              <a14:hiddenLine xmlns="" xmlns:a14="http://schemas.microsoft.com/office/drawing/2010/main" w="9525" cap="flat">
-                <a:solidFill>
-                  <a:srgbClr val="3465A4"/>
-                </a:solidFill>
-                <a:round/>
-                <a:headEnd/>
-                <a:tailEnd/>
-              </a14:hiddenLine>
-            </a:ext>
-            <a:ext uri="{AF507438-7753-43e0-B8FC-AC1667EBCBE1}">
-              <a14:hiddenEffects xmlns="" xmlns:a14="http://schemas.microsoft.com/office/drawing/2010/main">
-                <a:effectLst>
-                  <a:outerShdw blurRad="63500" dist="38099" dir="2700000" algn="ctr" rotWithShape="0">
-                    <a:srgbClr val="000000">
-                      <a:alpha val="74998"/>
-                    </a:srgbClr>
-                  </a:outerShdw>
-                </a:effectLst>
-              </a14:hiddenEffects>
-            </a:ext>
-          </a:extLst>
-        </p:spPr>
-        <p:txBody>
-          <a:bodyPr lIns="0" tIns="0" rIns="0" bIns="0"/>
-          <a:lstStyle>
-            <a:lvl1pPr marL="428625" indent="-323850">
-              <a:tabLst>
-                <a:tab pos="428625" algn="l"/>
-                <a:tab pos="885825" algn="l"/>
-                <a:tab pos="1343025" algn="l"/>
-                <a:tab pos="1800225" algn="l"/>
-                <a:tab pos="2257425" algn="l"/>
-                <a:tab pos="2714625" algn="l"/>
-                <a:tab pos="3171825" algn="l"/>
-                <a:tab pos="3629025" algn="l"/>
-                <a:tab pos="4086225" algn="l"/>
-                <a:tab pos="4543425" algn="l"/>
-                <a:tab pos="5000625" algn="l"/>
-                <a:tab pos="5457825" algn="l"/>
-                <a:tab pos="5915025" algn="l"/>
-                <a:tab pos="6372225" algn="l"/>
-                <a:tab pos="6829425" algn="l"/>
-                <a:tab pos="7286625" algn="l"/>
-                <a:tab pos="7743825" algn="l"/>
-                <a:tab pos="8201025" algn="l"/>
-                <a:tab pos="8658225" algn="l"/>
-                <a:tab pos="9115425" algn="l"/>
-                <a:tab pos="9572625" algn="l"/>
-              </a:tabLst>
-              <a:defRPr sz="2400">
-                <a:solidFill>
-                  <a:srgbClr val="000000"/>
-                </a:solidFill>
-                <a:latin typeface="Arial" charset="0"/>
-                <a:ea typeface="ＭＳ Ｐゴシック" charset="0"/>
-                <a:cs typeface="DejaVu Sans" charset="0"/>
-              </a:defRPr>
-            </a:lvl1pPr>
-            <a:lvl2pPr>
-              <a:tabLst>
-                <a:tab pos="428625" algn="l"/>
-                <a:tab pos="885825" algn="l"/>
-                <a:tab pos="1343025" algn="l"/>
-                <a:tab pos="1800225" algn="l"/>
-                <a:tab pos="2257425" algn="l"/>
-                <a:tab pos="2714625" algn="l"/>
-                <a:tab pos="3171825" algn="l"/>
-                <a:tab pos="3629025" algn="l"/>
-                <a:tab pos="4086225" algn="l"/>
-                <a:tab pos="4543425" algn="l"/>
-                <a:tab pos="5000625" algn="l"/>
-                <a:tab pos="5457825" algn="l"/>
-                <a:tab pos="5915025" algn="l"/>
-                <a:tab pos="6372225" algn="l"/>
-                <a:tab pos="6829425" algn="l"/>
-                <a:tab pos="7286625" algn="l"/>
-                <a:tab pos="7743825" algn="l"/>
-                <a:tab pos="8201025" algn="l"/>
-                <a:tab pos="8658225" algn="l"/>
-                <a:tab pos="9115425" algn="l"/>
-                <a:tab pos="9572625" algn="l"/>
-              </a:tabLst>
-              <a:defRPr sz="2400">
-                <a:solidFill>
-                  <a:srgbClr val="000000"/>
-                </a:solidFill>
-                <a:latin typeface="Arial" charset="0"/>
-                <a:ea typeface="ＭＳ Ｐゴシック" charset="0"/>
-                <a:cs typeface="DejaVu Sans" charset="0"/>
-              </a:defRPr>
-            </a:lvl2pPr>
-            <a:lvl3pPr>
-              <a:tabLst>
-                <a:tab pos="428625" algn="l"/>
-                <a:tab pos="885825" algn="l"/>
-                <a:tab pos="1343025" algn="l"/>
-                <a:tab pos="1800225" algn="l"/>
-                <a:tab pos="2257425" algn="l"/>
-                <a:tab pos="2714625" algn="l"/>
-                <a:tab pos="3171825" algn="l"/>
-                <a:tab pos="3629025" algn="l"/>
-                <a:tab pos="4086225" algn="l"/>
-                <a:tab pos="4543425" algn="l"/>
-                <a:tab pos="5000625" algn="l"/>
-                <a:tab pos="5457825" algn="l"/>
-                <a:tab pos="5915025" algn="l"/>
-                <a:tab pos="6372225" algn="l"/>
-                <a:tab pos="6829425" algn="l"/>
-                <a:tab pos="7286625" algn="l"/>
-                <a:tab pos="7743825" algn="l"/>
-                <a:tab pos="8201025" algn="l"/>
-                <a:tab pos="8658225" algn="l"/>
-                <a:tab pos="9115425" algn="l"/>
-                <a:tab pos="9572625" algn="l"/>
-              </a:tabLst>
-              <a:defRPr sz="2400">
-                <a:solidFill>
-                  <a:srgbClr val="000000"/>
-                </a:solidFill>
-                <a:latin typeface="Arial" charset="0"/>
-                <a:ea typeface="ＭＳ Ｐゴシック" charset="0"/>
-                <a:cs typeface="DejaVu Sans" charset="0"/>
-              </a:defRPr>
-            </a:lvl3pPr>
-            <a:lvl4pPr>
-              <a:tabLst>
-                <a:tab pos="428625" algn="l"/>
-                <a:tab pos="885825" algn="l"/>
-                <a:tab pos="1343025" algn="l"/>
-                <a:tab pos="1800225" algn="l"/>
-                <a:tab pos="2257425" algn="l"/>
-                <a:tab pos="2714625" algn="l"/>
-                <a:tab pos="3171825" algn="l"/>
-                <a:tab pos="3629025" algn="l"/>
-                <a:tab pos="4086225" algn="l"/>
-                <a:tab pos="4543425" algn="l"/>
-                <a:tab pos="5000625" algn="l"/>
-                <a:tab pos="5457825" algn="l"/>
-                <a:tab pos="5915025" algn="l"/>
-                <a:tab pos="6372225" algn="l"/>
-                <a:tab pos="6829425" algn="l"/>
-                <a:tab pos="7286625" algn="l"/>
-                <a:tab pos="7743825" algn="l"/>
-                <a:tab pos="8201025" algn="l"/>
-                <a:tab pos="8658225" algn="l"/>
-                <a:tab pos="9115425" algn="l"/>
-                <a:tab pos="9572625" algn="l"/>
-              </a:tabLst>
-              <a:defRPr sz="2400">
-                <a:solidFill>
-                  <a:srgbClr val="000000"/>
-                </a:solidFill>
-                <a:latin typeface="Arial" charset="0"/>
-                <a:ea typeface="ＭＳ Ｐゴシック" charset="0"/>
-                <a:cs typeface="DejaVu Sans" charset="0"/>
-              </a:defRPr>
-            </a:lvl4pPr>
-            <a:lvl5pPr>
-              <a:tabLst>
-                <a:tab pos="428625" algn="l"/>
-                <a:tab pos="885825" algn="l"/>
-                <a:tab pos="1343025" algn="l"/>
-                <a:tab pos="1800225" algn="l"/>
-                <a:tab pos="2257425" algn="l"/>
-                <a:tab pos="2714625" algn="l"/>
-                <a:tab pos="3171825" algn="l"/>
-                <a:tab pos="3629025" algn="l"/>
-                <a:tab pos="4086225" algn="l"/>
-                <a:tab pos="4543425" algn="l"/>
-                <a:tab pos="5000625" algn="l"/>
-                <a:tab pos="5457825" algn="l"/>
-                <a:tab pos="5915025" algn="l"/>
-                <a:tab pos="6372225" algn="l"/>
-                <a:tab pos="6829425" algn="l"/>
-                <a:tab pos="7286625" algn="l"/>
-                <a:tab pos="7743825" algn="l"/>
-                <a:tab pos="8201025" algn="l"/>
-                <a:tab pos="8658225" algn="l"/>
-                <a:tab pos="9115425" algn="l"/>
-                <a:tab pos="9572625" algn="l"/>
-              </a:tabLst>
-              <a:defRPr sz="2400">
-                <a:solidFill>
-                  <a:srgbClr val="000000"/>
-                </a:solidFill>
-                <a:latin typeface="Arial" charset="0"/>
-                <a:ea typeface="ＭＳ Ｐゴシック" charset="0"/>
-                <a:cs typeface="DejaVu Sans" charset="0"/>
-              </a:defRPr>
-            </a:lvl5pPr>
-            <a:lvl6pPr marL="2514600" indent="-228600" fontAlgn="base" hangingPunct="0">
-              <a:lnSpc>
-                <a:spcPct val="96000"/>
-              </a:lnSpc>
-              <a:spcBef>
-                <a:spcPct val="0"/>
-              </a:spcBef>
-              <a:spcAft>
-                <a:spcPct val="0"/>
-              </a:spcAft>
-              <a:buClr>
-                <a:srgbClr val="000000"/>
-              </a:buClr>
-              <a:buSzPct val="100000"/>
-              <a:buFont typeface="Times New Roman" charset="0"/>
-              <a:tabLst>
-                <a:tab pos="428625" algn="l"/>
-                <a:tab pos="885825" algn="l"/>
-                <a:tab pos="1343025" algn="l"/>
-                <a:tab pos="1800225" algn="l"/>
-                <a:tab pos="2257425" algn="l"/>
-                <a:tab pos="2714625" algn="l"/>
-                <a:tab pos="3171825" algn="l"/>
-                <a:tab pos="3629025" algn="l"/>
-                <a:tab pos="4086225" algn="l"/>
-                <a:tab pos="4543425" algn="l"/>
-                <a:tab pos="5000625" algn="l"/>
-                <a:tab pos="5457825" algn="l"/>
-                <a:tab pos="5915025" algn="l"/>
-                <a:tab pos="6372225" algn="l"/>
-                <a:tab pos="6829425" algn="l"/>
-                <a:tab pos="7286625" algn="l"/>
-                <a:tab pos="7743825" algn="l"/>
-                <a:tab pos="8201025" algn="l"/>
-                <a:tab pos="8658225" algn="l"/>
-                <a:tab pos="9115425" algn="l"/>
-                <a:tab pos="9572625" algn="l"/>
-              </a:tabLst>
-              <a:defRPr sz="2400">
-                <a:solidFill>
-                  <a:srgbClr val="000000"/>
-                </a:solidFill>
-                <a:latin typeface="Arial" charset="0"/>
-                <a:ea typeface="ＭＳ Ｐゴシック" charset="0"/>
-                <a:cs typeface="DejaVu Sans" charset="0"/>
-              </a:defRPr>
-            </a:lvl6pPr>
-            <a:lvl7pPr marL="2971800" indent="-228600" fontAlgn="base" hangingPunct="0">
-              <a:lnSpc>
-                <a:spcPct val="96000"/>
-              </a:lnSpc>
-              <a:spcBef>
-                <a:spcPct val="0"/>
-              </a:spcBef>
-              <a:spcAft>
-                <a:spcPct val="0"/>
-              </a:spcAft>
-              <a:buClr>
-                <a:srgbClr val="000000"/>
-              </a:buClr>
-              <a:buSzPct val="100000"/>
-              <a:buFont typeface="Times New Roman" charset="0"/>
-              <a:tabLst>
-                <a:tab pos="428625" algn="l"/>
-                <a:tab pos="885825" algn="l"/>
-                <a:tab pos="1343025" algn="l"/>
-                <a:tab pos="1800225" algn="l"/>
-                <a:tab pos="2257425" algn="l"/>
-                <a:tab pos="2714625" algn="l"/>
-                <a:tab pos="3171825" algn="l"/>
-                <a:tab pos="3629025" algn="l"/>
-                <a:tab pos="4086225" algn="l"/>
-                <a:tab pos="4543425" algn="l"/>
-                <a:tab pos="5000625" algn="l"/>
-                <a:tab pos="5457825" algn="l"/>
-                <a:tab pos="5915025" algn="l"/>
-                <a:tab pos="6372225" algn="l"/>
-                <a:tab pos="6829425" algn="l"/>
-                <a:tab pos="7286625" algn="l"/>
-                <a:tab pos="7743825" algn="l"/>
-                <a:tab pos="8201025" algn="l"/>
-                <a:tab pos="8658225" algn="l"/>
-                <a:tab pos="9115425" algn="l"/>
-                <a:tab pos="9572625" algn="l"/>
-              </a:tabLst>
-              <a:defRPr sz="2400">
-                <a:solidFill>
-                  <a:srgbClr val="000000"/>
-                </a:solidFill>
-                <a:latin typeface="Arial" charset="0"/>
-                <a:ea typeface="ＭＳ Ｐゴシック" charset="0"/>
-                <a:cs typeface="DejaVu Sans" charset="0"/>
-              </a:defRPr>
-            </a:lvl7pPr>
-            <a:lvl8pPr marL="3429000" indent="-228600" fontAlgn="base" hangingPunct="0">
-              <a:lnSpc>
-                <a:spcPct val="96000"/>
-              </a:lnSpc>
-              <a:spcBef>
-                <a:spcPct val="0"/>
-              </a:spcBef>
-              <a:spcAft>
-                <a:spcPct val="0"/>
-              </a:spcAft>
-              <a:buClr>
-                <a:srgbClr val="000000"/>
-              </a:buClr>
-              <a:buSzPct val="100000"/>
-              <a:buFont typeface="Times New Roman" charset="0"/>
-              <a:tabLst>
-                <a:tab pos="428625" algn="l"/>
-                <a:tab pos="885825" algn="l"/>
-                <a:tab pos="1343025" algn="l"/>
-                <a:tab pos="1800225" algn="l"/>
-                <a:tab pos="2257425" algn="l"/>
-                <a:tab pos="2714625" algn="l"/>
-                <a:tab pos="3171825" algn="l"/>
-                <a:tab pos="3629025" algn="l"/>
-                <a:tab pos="4086225" algn="l"/>
-                <a:tab pos="4543425" algn="l"/>
-                <a:tab pos="5000625" algn="l"/>
-                <a:tab pos="5457825" algn="l"/>
-                <a:tab pos="5915025" algn="l"/>
-                <a:tab pos="6372225" algn="l"/>
-                <a:tab pos="6829425" algn="l"/>
-                <a:tab pos="7286625" algn="l"/>
-                <a:tab pos="7743825" algn="l"/>
-                <a:tab pos="8201025" algn="l"/>
-                <a:tab pos="8658225" algn="l"/>
-                <a:tab pos="9115425" algn="l"/>
-                <a:tab pos="9572625" algn="l"/>
-              </a:tabLst>
-              <a:defRPr sz="2400">
-                <a:solidFill>
-                  <a:srgbClr val="000000"/>
-                </a:solidFill>
-                <a:latin typeface="Arial" charset="0"/>
-                <a:ea typeface="ＭＳ Ｐゴシック" charset="0"/>
-                <a:cs typeface="DejaVu Sans" charset="0"/>
-              </a:defRPr>
-            </a:lvl8pPr>
-            <a:lvl9pPr marL="3886200" indent="-228600" fontAlgn="base" hangingPunct="0">
-              <a:lnSpc>
-                <a:spcPct val="96000"/>
-              </a:lnSpc>
-              <a:spcBef>
-                <a:spcPct val="0"/>
-              </a:spcBef>
-              <a:spcAft>
-                <a:spcPct val="0"/>
-              </a:spcAft>
-              <a:buClr>
-                <a:srgbClr val="000000"/>
-              </a:buClr>
-              <a:buSzPct val="100000"/>
-              <a:buFont typeface="Times New Roman" charset="0"/>
-              <a:tabLst>
-                <a:tab pos="428625" algn="l"/>
-                <a:tab pos="885825" algn="l"/>
-                <a:tab pos="1343025" algn="l"/>
-                <a:tab pos="1800225" algn="l"/>
-                <a:tab pos="2257425" algn="l"/>
-                <a:tab pos="2714625" algn="l"/>
-                <a:tab pos="3171825" algn="l"/>
-                <a:tab pos="3629025" algn="l"/>
-                <a:tab pos="4086225" algn="l"/>
-                <a:tab pos="4543425" algn="l"/>
-                <a:tab pos="5000625" algn="l"/>
-                <a:tab pos="5457825" algn="l"/>
-                <a:tab pos="5915025" algn="l"/>
-                <a:tab pos="6372225" algn="l"/>
-                <a:tab pos="6829425" algn="l"/>
-                <a:tab pos="7286625" algn="l"/>
-                <a:tab pos="7743825" algn="l"/>
-                <a:tab pos="8201025" algn="l"/>
-                <a:tab pos="8658225" algn="l"/>
-                <a:tab pos="9115425" algn="l"/>
-                <a:tab pos="9572625" algn="l"/>
-              </a:tabLst>
-              <a:defRPr sz="2400">
-                <a:solidFill>
-                  <a:srgbClr val="000000"/>
-                </a:solidFill>
-                <a:latin typeface="Arial" charset="0"/>
-                <a:ea typeface="ＭＳ Ｐゴシック" charset="0"/>
-                <a:cs typeface="DejaVu Sans" charset="0"/>
-              </a:defRPr>
-            </a:lvl9pPr>
-          </a:lstStyle>
-          <a:p>
-            <a:pPr>
-              <a:lnSpc>
-                <a:spcPct val="97000"/>
-              </a:lnSpc>
-              <a:spcAft>
-                <a:spcPts val="1413"/>
-              </a:spcAft>
-              <a:buClr>
-                <a:srgbClr val="FF6309"/>
-              </a:buClr>
-              <a:buSzPct val="45000"/>
-              <a:buFont typeface="Wingdings" charset="0"/>
-              <a:buChar char=""/>
-              <a:defRPr/>
-            </a:pPr>
-            <a:r>
               <a:rPr lang="en-US" sz="2000" b="1" dirty="0">
                 <a:latin typeface="Courier" charset="0"/>
                 <a:ea typeface="Courier" charset="0"/>
@@ -25582,7 +23257,7 @@
 </p:sld>
 </file>
 
-<file path=ppt/slides/slide18.xml><?xml version="1.0" encoding="utf-8"?>
+<file path=ppt/slides/slide17.xml><?xml version="1.0" encoding="utf-8"?>
 <p:sld xmlns:a="http://schemas.openxmlformats.org/drawingml/2006/main" xmlns:r="http://schemas.openxmlformats.org/officeDocument/2006/relationships" xmlns:p="http://schemas.openxmlformats.org/presentationml/2006/main">
   <p:cSld>
     <p:bg>
@@ -26937,7 +24612,7 @@
         </p:nvSpPr>
         <p:spPr>
           <a:xfrm>
-            <a:off x="715167" y="4465637"/>
+            <a:off x="696912" y="4465637"/>
             <a:ext cx="8648701" cy="450573"/>
           </a:xfrm>
           <a:prstGeom prst="rect">
@@ -27099,7 +24774,7 @@
 </p:sld>
 </file>
 
-<file path=ppt/slides/slide19.xml><?xml version="1.0" encoding="utf-8"?>
+<file path=ppt/slides/slide18.xml><?xml version="1.0" encoding="utf-8"?>
 <p:sld xmlns:a="http://schemas.openxmlformats.org/drawingml/2006/main" xmlns:r="http://schemas.openxmlformats.org/officeDocument/2006/relationships" xmlns:p="http://schemas.openxmlformats.org/presentationml/2006/main">
   <p:cSld>
     <p:bg>
@@ -28409,6 +26084,89 @@
       </p:par>
     </p:tnLst>
   </p:timing>
+</p:sld>
+</file>
+
+<file path=ppt/slides/slide19.xml><?xml version="1.0" encoding="utf-8"?>
+<p:sld xmlns:a="http://schemas.openxmlformats.org/drawingml/2006/main" xmlns:r="http://schemas.openxmlformats.org/officeDocument/2006/relationships" xmlns:p="http://schemas.openxmlformats.org/presentationml/2006/main">
+  <p:cSld>
+    <p:spTree>
+      <p:nvGrpSpPr>
+        <p:cNvPr id="1" name=""/>
+        <p:cNvGrpSpPr/>
+        <p:nvPr/>
+      </p:nvGrpSpPr>
+      <p:grpSpPr>
+        <a:xfrm>
+          <a:off x="0" y="0"/>
+          <a:ext cx="0" cy="0"/>
+          <a:chOff x="0" y="0"/>
+          <a:chExt cx="0" cy="0"/>
+        </a:xfrm>
+      </p:grpSpPr>
+      <p:sp>
+        <p:nvSpPr>
+          <p:cNvPr id="4" name="Title 3">
+            <a:extLst>
+              <a:ext uri="{FF2B5EF4-FFF2-40B4-BE49-F238E27FC236}">
+                <a16:creationId xmlns:a16="http://schemas.microsoft.com/office/drawing/2014/main" id="{FCF35A12-02BD-6349-8D6B-4A5C24E2F4DE}"/>
+              </a:ext>
+            </a:extLst>
+          </p:cNvPr>
+          <p:cNvSpPr>
+            <a:spLocks noGrp="1"/>
+          </p:cNvSpPr>
+          <p:nvPr>
+            <p:ph type="title"/>
+          </p:nvPr>
+        </p:nvSpPr>
+        <p:spPr/>
+        <p:txBody>
+          <a:bodyPr/>
+          <a:lstStyle/>
+          <a:p>
+            <a:r>
+              <a:rPr lang="en-US" dirty="0"/>
+              <a:t>NTP Client configuration</a:t>
+            </a:r>
+          </a:p>
+        </p:txBody>
+      </p:sp>
+      <p:sp>
+        <p:nvSpPr>
+          <p:cNvPr id="5" name="Text Placeholder 4">
+            <a:extLst>
+              <a:ext uri="{FF2B5EF4-FFF2-40B4-BE49-F238E27FC236}">
+                <a16:creationId xmlns:a16="http://schemas.microsoft.com/office/drawing/2014/main" id="{C89F17BA-A7AF-CB46-BB44-E3AEACC34F74}"/>
+              </a:ext>
+            </a:extLst>
+          </p:cNvPr>
+          <p:cNvSpPr>
+            <a:spLocks noGrp="1"/>
+          </p:cNvSpPr>
+          <p:nvPr>
+            <p:ph type="body" idx="1"/>
+          </p:nvPr>
+        </p:nvSpPr>
+        <p:spPr/>
+        <p:txBody>
+          <a:bodyPr/>
+          <a:lstStyle/>
+          <a:p>
+            <a:endParaRPr lang="en-US" dirty="0"/>
+          </a:p>
+        </p:txBody>
+      </p:sp>
+    </p:spTree>
+    <p:extLst>
+      <p:ext uri="{BB962C8B-B14F-4D97-AF65-F5344CB8AC3E}">
+        <p14:creationId xmlns:p14="http://schemas.microsoft.com/office/powerpoint/2010/main" val="274767775"/>
+      </p:ext>
+    </p:extLst>
+  </p:cSld>
+  <p:clrMapOvr>
+    <a:masterClrMapping/>
+  </p:clrMapOvr>
 </p:sld>
 </file>
 
@@ -29412,89 +27170,6 @@
       </p:grpSpPr>
       <p:sp>
         <p:nvSpPr>
-          <p:cNvPr id="4" name="Title 3">
-            <a:extLst>
-              <a:ext uri="{FF2B5EF4-FFF2-40B4-BE49-F238E27FC236}">
-                <a16:creationId xmlns:a16="http://schemas.microsoft.com/office/drawing/2014/main" id="{FCF35A12-02BD-6349-8D6B-4A5C24E2F4DE}"/>
-              </a:ext>
-            </a:extLst>
-          </p:cNvPr>
-          <p:cNvSpPr>
-            <a:spLocks noGrp="1"/>
-          </p:cNvSpPr>
-          <p:nvPr>
-            <p:ph type="title"/>
-          </p:nvPr>
-        </p:nvSpPr>
-        <p:spPr/>
-        <p:txBody>
-          <a:bodyPr/>
-          <a:lstStyle/>
-          <a:p>
-            <a:r>
-              <a:rPr lang="en-US" dirty="0"/>
-              <a:t>NTP Client configuration</a:t>
-            </a:r>
-          </a:p>
-        </p:txBody>
-      </p:sp>
-      <p:sp>
-        <p:nvSpPr>
-          <p:cNvPr id="5" name="Text Placeholder 4">
-            <a:extLst>
-              <a:ext uri="{FF2B5EF4-FFF2-40B4-BE49-F238E27FC236}">
-                <a16:creationId xmlns:a16="http://schemas.microsoft.com/office/drawing/2014/main" id="{C89F17BA-A7AF-CB46-BB44-E3AEACC34F74}"/>
-              </a:ext>
-            </a:extLst>
-          </p:cNvPr>
-          <p:cNvSpPr>
-            <a:spLocks noGrp="1"/>
-          </p:cNvSpPr>
-          <p:nvPr>
-            <p:ph type="body" idx="1"/>
-          </p:nvPr>
-        </p:nvSpPr>
-        <p:spPr/>
-        <p:txBody>
-          <a:bodyPr/>
-          <a:lstStyle/>
-          <a:p>
-            <a:endParaRPr lang="en-US" dirty="0"/>
-          </a:p>
-        </p:txBody>
-      </p:sp>
-    </p:spTree>
-    <p:extLst>
-      <p:ext uri="{BB962C8B-B14F-4D97-AF65-F5344CB8AC3E}">
-        <p14:creationId xmlns:p14="http://schemas.microsoft.com/office/powerpoint/2010/main" val="274767775"/>
-      </p:ext>
-    </p:extLst>
-  </p:cSld>
-  <p:clrMapOvr>
-    <a:masterClrMapping/>
-  </p:clrMapOvr>
-</p:sld>
-</file>
-
-<file path=ppt/slides/slide21.xml><?xml version="1.0" encoding="utf-8"?>
-<p:sld xmlns:a="http://schemas.openxmlformats.org/drawingml/2006/main" xmlns:r="http://schemas.openxmlformats.org/officeDocument/2006/relationships" xmlns:p="http://schemas.openxmlformats.org/presentationml/2006/main">
-  <p:cSld>
-    <p:spTree>
-      <p:nvGrpSpPr>
-        <p:cNvPr id="1" name=""/>
-        <p:cNvGrpSpPr/>
-        <p:nvPr/>
-      </p:nvGrpSpPr>
-      <p:grpSpPr>
-        <a:xfrm>
-          <a:off x="0" y="0"/>
-          <a:ext cx="0" cy="0"/>
-          <a:chOff x="0" y="0"/>
-          <a:chExt cx="0" cy="0"/>
-        </a:xfrm>
-      </p:grpSpPr>
-      <p:sp>
-        <p:nvSpPr>
           <p:cNvPr id="2" name="Title 1">
             <a:extLst>
               <a:ext uri="{FF2B5EF4-FFF2-40B4-BE49-F238E27FC236}">
@@ -29515,12 +27190,16 @@
           <a:lstStyle/>
           <a:p>
             <a:r>
+              <a:rPr lang="en-US" dirty="0"/>
+              <a:t>Option 1 – </a:t>
+            </a:r>
+            <a:r>
               <a:rPr lang="en-US" dirty="0" err="1"/>
-              <a:t>Ntpdate</a:t>
+              <a:t>ntpdate</a:t>
             </a:r>
             <a:r>
               <a:rPr lang="en-US" dirty="0"/>
-              <a:t> </a:t>
+              <a:t> (retiring) </a:t>
             </a:r>
           </a:p>
         </p:txBody>
@@ -29543,7 +27222,9 @@
         </p:nvSpPr>
         <p:spPr/>
         <p:txBody>
-          <a:bodyPr/>
+          <a:bodyPr>
+            <a:normAutofit fontScale="92500" lnSpcReduction="20000"/>
+          </a:bodyPr>
           <a:lstStyle/>
           <a:p>
             <a:pPr marL="457200" indent="-457200">
@@ -29585,6 +27266,74 @@
               <a:buChar char="•"/>
             </a:pPr>
             <a:r>
+              <a:rPr lang="en-US" dirty="0"/>
+              <a:t>It has its own config file in </a:t>
+            </a:r>
+            <a:r>
+              <a:rPr lang="en-US" b="1" dirty="0"/>
+              <a:t>/</a:t>
+            </a:r>
+            <a:r>
+              <a:rPr lang="en-US" b="1" dirty="0" err="1"/>
+              <a:t>etc</a:t>
+            </a:r>
+            <a:r>
+              <a:rPr lang="en-US" b="1" dirty="0"/>
+              <a:t>/defaults/</a:t>
+            </a:r>
+            <a:r>
+              <a:rPr lang="en-US" b="1" dirty="0" err="1"/>
+              <a:t>ntpdate</a:t>
+            </a:r>
+            <a:r>
+              <a:rPr lang="en-US" b="1" dirty="0"/>
+              <a:t> </a:t>
+            </a:r>
+          </a:p>
+          <a:p>
+            <a:pPr marL="457200" indent="-457200">
+              <a:buFont typeface="Arial" panose="020B0604020202020204" pitchFamily="34" charset="0"/>
+              <a:buChar char="•"/>
+            </a:pPr>
+            <a:r>
+              <a:rPr lang="en-US" dirty="0"/>
+              <a:t>However by default refers/reads the </a:t>
+            </a:r>
+            <a:r>
+              <a:rPr lang="en-US" b="1" dirty="0" err="1"/>
+              <a:t>ntpd</a:t>
+            </a:r>
+            <a:r>
+              <a:rPr lang="en-US" dirty="0"/>
+              <a:t> config file </a:t>
+            </a:r>
+            <a:r>
+              <a:rPr lang="en-US" b="1" dirty="0"/>
+              <a:t>/</a:t>
+            </a:r>
+            <a:r>
+              <a:rPr lang="en-US" b="1" dirty="0" err="1"/>
+              <a:t>etc</a:t>
+            </a:r>
+            <a:r>
+              <a:rPr lang="en-US" b="1" dirty="0"/>
+              <a:t>/</a:t>
+            </a:r>
+            <a:r>
+              <a:rPr lang="en-US" b="1" dirty="0" err="1"/>
+              <a:t>ntp.conf</a:t>
+            </a:r>
+            <a:r>
+              <a:rPr lang="en-US" dirty="0"/>
+              <a:t> </a:t>
+            </a:r>
+          </a:p>
+          <a:p>
+            <a:pPr marL="457200" indent="-457200">
+              <a:buFont typeface="Arial" panose="020B0604020202020204" pitchFamily="34" charset="0"/>
+              <a:buChar char="•"/>
+            </a:pPr>
+            <a:r>
               <a:rPr lang="en-US" dirty="0" err="1"/>
               <a:t>ntp</a:t>
             </a:r>
@@ -29598,7 +27347,7 @@
             </a:r>
             <a:r>
               <a:rPr lang="en-US" dirty="0"/>
-              <a:t>) also an (</a:t>
+              <a:t>) also has an (</a:t>
             </a:r>
             <a:r>
               <a:rPr lang="en-US" b="1" dirty="0"/>
@@ -29606,7 +27355,15 @@
             </a:r>
             <a:r>
               <a:rPr lang="en-US" dirty="0"/>
-              <a:t> option that sync the time on the local host</a:t>
+              <a:t> option that is used as an </a:t>
+            </a:r>
+            <a:r>
+              <a:rPr lang="en-US" dirty="0" err="1"/>
+              <a:t>ntp</a:t>
+            </a:r>
+            <a:r>
+              <a:rPr lang="en-US" dirty="0"/>
+              <a:t> client </a:t>
             </a:r>
           </a:p>
           <a:p>
@@ -29654,7 +27411,7 @@
 </p:sld>
 </file>
 
-<file path=ppt/slides/slide22.xml><?xml version="1.0" encoding="utf-8"?>
+<file path=ppt/slides/slide21.xml><?xml version="1.0" encoding="utf-8"?>
 <p:sld xmlns:a="http://schemas.openxmlformats.org/drawingml/2006/main" xmlns:r="http://schemas.openxmlformats.org/officeDocument/2006/relationships" xmlns:p="http://schemas.openxmlformats.org/presentationml/2006/main">
   <p:cSld>
     <p:spTree>
@@ -29693,10 +27450,17 @@
           <a:lstStyle/>
           <a:p>
             <a:r>
+              <a:rPr lang="en-US" dirty="0"/>
+              <a:t>Configuring – </a:t>
+            </a:r>
+            <a:r>
               <a:rPr lang="en-US" dirty="0" err="1"/>
-              <a:t>Ntpdate</a:t>
-            </a:r>
-            <a:endParaRPr lang="en-US" dirty="0"/>
+              <a:t>ntpdate</a:t>
+            </a:r>
+            <a:r>
+              <a:rPr lang="en-US" dirty="0"/>
+              <a:t> (retiring)</a:t>
+            </a:r>
           </a:p>
         </p:txBody>
       </p:sp>
@@ -29766,6 +27530,67 @@
               </a:rPr>
               <a:t>Update your system clock</a:t>
             </a:r>
+          </a:p>
+          <a:p>
+            <a:pPr marL="457200" indent="-457200">
+              <a:buFont typeface="Arial" panose="020B0604020202020204" pitchFamily="34" charset="0"/>
+              <a:buChar char="•"/>
+            </a:pPr>
+            <a:endParaRPr lang="en-US" dirty="0">
+              <a:ea typeface="Arial" charset="0"/>
+              <a:cs typeface="Arial" charset="0"/>
+            </a:endParaRPr>
+          </a:p>
+          <a:p>
+            <a:pPr marL="457200" indent="-457200">
+              <a:buFont typeface="Arial" panose="020B0604020202020204" pitchFamily="34" charset="0"/>
+              <a:buChar char="•"/>
+            </a:pPr>
+            <a:r>
+              <a:rPr lang="en-US" dirty="0">
+                <a:ea typeface="Arial" charset="0"/>
+                <a:cs typeface="Arial" charset="0"/>
+              </a:rPr>
+              <a:t>Edit the file /</a:t>
+            </a:r>
+            <a:r>
+              <a:rPr lang="en-US" dirty="0" err="1">
+                <a:ea typeface="Arial" charset="0"/>
+                <a:cs typeface="Arial" charset="0"/>
+              </a:rPr>
+              <a:t>etc</a:t>
+            </a:r>
+            <a:r>
+              <a:rPr lang="en-US" dirty="0">
+                <a:ea typeface="Arial" charset="0"/>
+                <a:cs typeface="Arial" charset="0"/>
+              </a:rPr>
+              <a:t>/</a:t>
+            </a:r>
+            <a:r>
+              <a:rPr lang="en-US" dirty="0" err="1">
+                <a:ea typeface="Arial" charset="0"/>
+                <a:cs typeface="Arial" charset="0"/>
+              </a:rPr>
+              <a:t>ntp.conf</a:t>
+            </a:r>
+            <a:r>
+              <a:rPr lang="en-US" dirty="0">
+                <a:ea typeface="Arial" charset="0"/>
+                <a:cs typeface="Arial" charset="0"/>
+              </a:rPr>
+              <a:t> and provide the NTP server(s) to be used by the client</a:t>
+            </a:r>
+          </a:p>
+          <a:p>
+            <a:pPr marL="457200" indent="-457200">
+              <a:buFont typeface="Arial" panose="020B0604020202020204" pitchFamily="34" charset="0"/>
+              <a:buChar char="•"/>
+            </a:pPr>
+            <a:endParaRPr lang="en-US" dirty="0">
+              <a:ea typeface="Arial" charset="0"/>
+              <a:cs typeface="Arial" charset="0"/>
+            </a:endParaRPr>
           </a:p>
         </p:txBody>
       </p:sp>
@@ -29801,9 +27626,6 @@
           <a:p>
             <a:r>
               <a:rPr lang="en-US" dirty="0">
-                <a:solidFill>
-                  <a:schemeClr val="tx1"/>
-                </a:solidFill>
                 <a:latin typeface="Courier" charset="0"/>
                 <a:ea typeface="Courier" charset="0"/>
                 <a:cs typeface="Courier" charset="0"/>
@@ -29812,9 +27634,6 @@
             </a:r>
             <a:r>
               <a:rPr lang="en-US" dirty="0" err="1">
-                <a:solidFill>
-                  <a:schemeClr val="tx1"/>
-                </a:solidFill>
                 <a:latin typeface="Courier" charset="0"/>
                 <a:ea typeface="Courier" charset="0"/>
                 <a:cs typeface="Courier" charset="0"/>
@@ -29823,9 +27642,6 @@
             </a:r>
             <a:r>
               <a:rPr lang="en-US" dirty="0">
-                <a:solidFill>
-                  <a:schemeClr val="tx1"/>
-                </a:solidFill>
                 <a:latin typeface="Courier" charset="0"/>
                 <a:ea typeface="Courier" charset="0"/>
                 <a:cs typeface="Courier" charset="0"/>
@@ -29834,9 +27650,6 @@
             </a:r>
             <a:r>
               <a:rPr lang="en-US" dirty="0" err="1">
-                <a:solidFill>
-                  <a:schemeClr val="tx1"/>
-                </a:solidFill>
                 <a:latin typeface="Courier" charset="0"/>
                 <a:ea typeface="Courier" charset="0"/>
                 <a:cs typeface="Courier" charset="0"/>
@@ -29845,14 +27658,15 @@
             </a:r>
             <a:r>
               <a:rPr lang="en-US" dirty="0">
-                <a:solidFill>
-                  <a:schemeClr val="tx1"/>
-                </a:solidFill>
                 <a:latin typeface="Courier" charset="0"/>
                 <a:ea typeface="Courier" charset="0"/>
                 <a:cs typeface="Courier" charset="0"/>
               </a:rPr>
-              <a:t> –u 0.pool.ntp.org</a:t>
+              <a:t> </a:t>
+            </a:r>
+            <a:r>
+              <a:rPr lang="en-US" dirty="0"/>
+              <a:t>-v 0.africa.pool.ntp.or</a:t>
             </a:r>
           </a:p>
         </p:txBody>
@@ -29889,9 +27703,6 @@
           <a:p>
             <a:r>
               <a:rPr lang="en-US" dirty="0">
-                <a:solidFill>
-                  <a:schemeClr val="tx1"/>
-                </a:solidFill>
                 <a:latin typeface="Courier" charset="0"/>
                 <a:ea typeface="Courier" charset="0"/>
                 <a:cs typeface="Courier" charset="0"/>
@@ -29900,9 +27711,6 @@
             </a:r>
             <a:r>
               <a:rPr lang="en-US" dirty="0" err="1">
-                <a:solidFill>
-                  <a:schemeClr val="tx1"/>
-                </a:solidFill>
                 <a:latin typeface="Courier" charset="0"/>
                 <a:ea typeface="Courier" charset="0"/>
                 <a:cs typeface="Courier" charset="0"/>
@@ -29911,9 +27719,6 @@
             </a:r>
             <a:r>
               <a:rPr lang="en-US" dirty="0">
-                <a:solidFill>
-                  <a:schemeClr val="tx1"/>
-                </a:solidFill>
                 <a:latin typeface="Courier" charset="0"/>
                 <a:ea typeface="Courier" charset="0"/>
                 <a:cs typeface="Courier" charset="0"/>
@@ -29922,9 +27727,6 @@
             </a:r>
             <a:r>
               <a:rPr lang="en-US" dirty="0" err="1">
-                <a:solidFill>
-                  <a:schemeClr val="tx1"/>
-                </a:solidFill>
                 <a:latin typeface="Courier" charset="0"/>
                 <a:ea typeface="Courier" charset="0"/>
                 <a:cs typeface="Courier" charset="0"/>
@@ -29932,13 +27734,64 @@
               <a:t>ntpdate</a:t>
             </a:r>
             <a:endParaRPr lang="en-US" dirty="0">
-              <a:solidFill>
-                <a:schemeClr val="tx1"/>
-              </a:solidFill>
               <a:latin typeface="Courier" charset="0"/>
               <a:ea typeface="Courier" charset="0"/>
               <a:cs typeface="Courier" charset="0"/>
             </a:endParaRPr>
+          </a:p>
+        </p:txBody>
+      </p:sp>
+      <p:sp>
+        <p:nvSpPr>
+          <p:cNvPr id="6" name="TextBox 5">
+            <a:extLst>
+              <a:ext uri="{FF2B5EF4-FFF2-40B4-BE49-F238E27FC236}">
+                <a16:creationId xmlns:a16="http://schemas.microsoft.com/office/drawing/2014/main" id="{25A5EA55-D077-0442-A908-9952212FE408}"/>
+              </a:ext>
+            </a:extLst>
+          </p:cNvPr>
+          <p:cNvSpPr txBox="1"/>
+          <p:nvPr/>
+        </p:nvSpPr>
+        <p:spPr>
+          <a:xfrm>
+            <a:off x="487489" y="5458162"/>
+            <a:ext cx="8621840" cy="1156086"/>
+          </a:xfrm>
+          <a:prstGeom prst="rect">
+            <a:avLst/>
+          </a:prstGeom>
+          <a:solidFill>
+            <a:schemeClr val="bg2"/>
+          </a:solidFill>
+        </p:spPr>
+        <p:txBody>
+          <a:bodyPr wrap="square" rtlCol="0">
+            <a:spAutoFit/>
+          </a:bodyPr>
+          <a:lstStyle/>
+          <a:p>
+            <a:r>
+              <a:rPr lang="en-US" dirty="0"/>
+              <a:t># You do need to talk to an NTP server or two (or three).</a:t>
+            </a:r>
+          </a:p>
+          <a:p>
+            <a:r>
+              <a:rPr lang="en-US" dirty="0"/>
+              <a:t>#server </a:t>
+            </a:r>
+            <a:r>
+              <a:rPr lang="en-US" dirty="0" err="1"/>
+              <a:t>ntp.your-provider.example</a:t>
+            </a:r>
+            <a:endParaRPr lang="en-US" dirty="0"/>
+          </a:p>
+          <a:p>
+            <a:r>
+              <a:rPr lang="en-US" dirty="0"/>
+              <a:t>server ntp1.muli.afnog.nog-oc.org </a:t>
+            </a:r>
           </a:p>
         </p:txBody>
       </p:sp>
@@ -29955,7 +27808,7 @@
 </p:sld>
 </file>
 
-<file path=ppt/slides/slide23.xml><?xml version="1.0" encoding="utf-8"?>
+<file path=ppt/slides/slide22.xml><?xml version="1.0" encoding="utf-8"?>
 <p:sld xmlns:a="http://schemas.openxmlformats.org/drawingml/2006/main" xmlns:r="http://schemas.openxmlformats.org/officeDocument/2006/relationships" xmlns:p="http://schemas.openxmlformats.org/presentationml/2006/main">
   <p:cSld>
     <p:spTree>
@@ -29994,6 +27847,10 @@
           <a:lstStyle/>
           <a:p>
             <a:r>
+              <a:rPr lang="en-US" dirty="0"/>
+              <a:t>Option 2 - </a:t>
+            </a:r>
+            <a:r>
               <a:rPr lang="en-US" dirty="0" err="1"/>
               <a:t>Systemd-timesyncd</a:t>
             </a:r>
@@ -30017,7 +27874,12 @@
             <p:ph idx="1"/>
           </p:nvPr>
         </p:nvSpPr>
-        <p:spPr/>
+        <p:spPr>
+          <a:xfrm>
+            <a:off x="503238" y="1257300"/>
+            <a:ext cx="9067800" cy="4808537"/>
+          </a:xfrm>
+        </p:spPr>
         <p:txBody>
           <a:bodyPr>
             <a:normAutofit fontScale="77500" lnSpcReduction="20000"/>
@@ -30098,10 +27960,7 @@
             <a:endParaRPr lang="en-US" dirty="0"/>
           </a:p>
           <a:p>
-            <a:pPr marL="457200" indent="-457200">
-              <a:buFont typeface="Arial" panose="020B0604020202020204" pitchFamily="34" charset="0"/>
-              <a:buChar char="•"/>
-            </a:pPr>
+            <a:pPr marL="0" indent="0"/>
             <a:endParaRPr lang="en-US" dirty="0"/>
           </a:p>
           <a:p>
@@ -30109,7 +27968,10 @@
               <a:buFont typeface="Arial" panose="020B0604020202020204" pitchFamily="34" charset="0"/>
               <a:buChar char="•"/>
             </a:pPr>
-            <a:endParaRPr lang="en-US" dirty="0"/>
+            <a:r>
+              <a:rPr lang="en-US" dirty="0"/>
+              <a:t>To add time servers or change the provided ones, uncomment the relevant line and list their host name or IP separated by a space. </a:t>
+            </a:r>
           </a:p>
           <a:p>
             <a:pPr marL="457200" indent="-457200">
@@ -30118,14 +27980,23 @@
             </a:pPr>
             <a:r>
               <a:rPr lang="en-US" dirty="0"/>
-              <a:t>To add time servers or change the provided ones, uncomment the relevant line and list their host name or IP separated by a space.</a:t>
+              <a:t>Use 0.africa.pool.ntp.org 1.africa.pool.ntp.org  why ?</a:t>
             </a:r>
           </a:p>
           <a:p>
-            <a:pPr marL="457200" indent="-457200">
-              <a:buFont typeface="Arial" panose="020B0604020202020204" pitchFamily="34" charset="0"/>
-              <a:buChar char="•"/>
-            </a:pPr>
+            <a:pPr marL="0" indent="0"/>
+            <a:endParaRPr lang="en-US" dirty="0"/>
+          </a:p>
+          <a:p>
+            <a:pPr marL="0" indent="0"/>
+            <a:endParaRPr lang="en-US" dirty="0"/>
+          </a:p>
+          <a:p>
+            <a:pPr marL="0" indent="0"/>
+            <a:endParaRPr lang="en-US" dirty="0"/>
+          </a:p>
+          <a:p>
+            <a:pPr marL="0" indent="0"/>
             <a:endParaRPr lang="en-US" dirty="0"/>
           </a:p>
         </p:txBody>
@@ -30144,8 +28015,8 @@
         </p:nvSpPr>
         <p:spPr>
           <a:xfrm>
-            <a:off x="468313" y="3170237"/>
-            <a:ext cx="9102726" cy="1539973"/>
+            <a:off x="450850" y="2865437"/>
+            <a:ext cx="9102725" cy="1067280"/>
           </a:xfrm>
           <a:prstGeom prst="rect">
             <a:avLst/>
@@ -30186,21 +28057,54 @@
             </a:r>
             <a:r>
               <a:rPr lang="en-US" sz="1600" dirty="0"/>
-              <a:t>=0.arch.pool.ntp.org 1.arch.pool.ntp.org 2.arch.pool.ntp.org 3.arch.pool.ntp.org </a:t>
+              <a:t>=0.debian.pool.ntp.org 1.debian.pool.ntp.org 2.debian.pool.ntp.org 3.debian.pool.ntp.org </a:t>
+            </a:r>
+          </a:p>
+        </p:txBody>
+      </p:sp>
+      <p:sp>
+        <p:nvSpPr>
+          <p:cNvPr id="5" name="TextBox 4">
+            <a:extLst>
+              <a:ext uri="{FF2B5EF4-FFF2-40B4-BE49-F238E27FC236}">
+                <a16:creationId xmlns:a16="http://schemas.microsoft.com/office/drawing/2014/main" id="{575184BD-BC40-B44C-BA12-0E17EF567261}"/>
+              </a:ext>
+            </a:extLst>
+          </p:cNvPr>
+          <p:cNvSpPr txBox="1"/>
+          <p:nvPr/>
+        </p:nvSpPr>
+        <p:spPr>
+          <a:xfrm>
+            <a:off x="433388" y="5837237"/>
+            <a:ext cx="9102725" cy="1067280"/>
+          </a:xfrm>
+          <a:prstGeom prst="rect">
+            <a:avLst/>
+          </a:prstGeom>
+          <a:solidFill>
+            <a:schemeClr val="bg2"/>
+          </a:solidFill>
+        </p:spPr>
+        <p:txBody>
+          <a:bodyPr wrap="square" rtlCol="0">
+            <a:spAutoFit/>
+          </a:bodyPr>
+          <a:lstStyle/>
+          <a:p>
+            <a:r>
+              <a:rPr lang="en-US" sz="1800" dirty="0"/>
+              <a:t>[</a:t>
+            </a:r>
+            <a:r>
+              <a:rPr lang="en-US" sz="1600" dirty="0"/>
+              <a:t>Time] </a:t>
             </a:r>
           </a:p>
           <a:p>
             <a:r>
               <a:rPr lang="en-US" sz="1600" dirty="0"/>
-              <a:t>#</a:t>
-            </a:r>
-            <a:r>
-              <a:rPr lang="en-US" sz="1600" dirty="0" err="1"/>
-              <a:t>RootDistanceMaxSec</a:t>
-            </a:r>
-            <a:r>
-              <a:rPr lang="en-US" sz="1600" dirty="0"/>
-              <a:t>=5 </a:t>
+              <a:t>NTP= ntp1.muli.afnog.nog-oc.org </a:t>
             </a:r>
           </a:p>
           <a:p>
@@ -30210,31 +28114,12 @@
             </a:r>
             <a:r>
               <a:rPr lang="en-US" sz="1600" dirty="0" err="1"/>
-              <a:t>PollIntervalMinSec</a:t>
+              <a:t>FallbackNTP</a:t>
             </a:r>
             <a:r>
               <a:rPr lang="en-US" sz="1600" dirty="0"/>
-              <a:t>=32 </a:t>
-            </a:r>
-          </a:p>
-          <a:p>
-            <a:r>
-              <a:rPr lang="en-US" sz="1600" dirty="0"/>
-              <a:t>#</a:t>
-            </a:r>
-            <a:r>
-              <a:rPr lang="en-US" sz="1600" dirty="0" err="1"/>
-              <a:t>PollIntervalMaxSec</a:t>
-            </a:r>
-            <a:r>
-              <a:rPr lang="en-US" sz="1600" dirty="0"/>
-              <a:t>=2048</a:t>
-            </a:r>
-            <a:endParaRPr lang="en-US" sz="1600" dirty="0">
-              <a:latin typeface="Courier" charset="0"/>
-              <a:ea typeface="Courier" charset="0"/>
-              <a:cs typeface="Courier" charset="0"/>
-            </a:endParaRPr>
+              <a:t>=0.debian.pool.ntp.org 1.debian.pool.ntp.org 2.debian.pool.ntp.org 3.debian.pool.ntp.org </a:t>
+            </a:r>
           </a:p>
         </p:txBody>
       </p:sp>
@@ -30251,7 +28136,7 @@
 </p:sld>
 </file>
 
-<file path=ppt/slides/slide24.xml><?xml version="1.0" encoding="utf-8"?>
+<file path=ppt/slides/slide23.xml><?xml version="1.0" encoding="utf-8"?>
 <p:sld xmlns:a="http://schemas.openxmlformats.org/drawingml/2006/main" xmlns:r="http://schemas.openxmlformats.org/officeDocument/2006/relationships" xmlns:p="http://schemas.openxmlformats.org/presentationml/2006/main">
   <p:cSld>
     <p:spTree>
@@ -30290,6 +28175,10 @@
           <a:lstStyle/>
           <a:p>
             <a:r>
+              <a:rPr lang="en-US" dirty="0"/>
+              <a:t>Enabling </a:t>
+            </a:r>
+            <a:r>
               <a:rPr lang="en-US" dirty="0" err="1"/>
               <a:t>Systemd-timesyncd</a:t>
             </a:r>
@@ -30316,7 +28205,7 @@
         <p:spPr>
           <a:xfrm>
             <a:off x="503238" y="1257300"/>
-            <a:ext cx="9067800" cy="5495925"/>
+            <a:ext cx="9067800" cy="6103937"/>
           </a:xfrm>
         </p:spPr>
         <p:txBody>
@@ -30374,8 +28263,13 @@
             </a:pPr>
             <a:r>
               <a:rPr lang="en-US" dirty="0"/>
-              <a:t>To see verbose service information, use</a:t>
-            </a:r>
+              <a:t>Setting </a:t>
+            </a:r>
+            <a:r>
+              <a:rPr lang="en-US" dirty="0" err="1"/>
+              <a:t>Timezone</a:t>
+            </a:r>
+            <a:endParaRPr lang="en-US" dirty="0"/>
           </a:p>
           <a:p>
             <a:pPr marL="457200" indent="-457200">
@@ -30617,21 +28511,78 @@
             </a:r>
             <a:r>
               <a:rPr lang="en-US" dirty="0"/>
-              <a:t> </a:t>
+              <a:t> list-</a:t>
             </a:r>
             <a:r>
               <a:rPr lang="en-US" dirty="0" err="1"/>
-              <a:t>timesync</a:t>
-            </a:r>
-            <a:r>
-              <a:rPr lang="en-US" dirty="0"/>
-              <a:t>-status</a:t>
+              <a:t>timezones</a:t>
             </a:r>
             <a:endParaRPr lang="en-US" dirty="0">
               <a:latin typeface="Courier" charset="0"/>
               <a:ea typeface="Courier" charset="0"/>
               <a:cs typeface="Courier" charset="0"/>
             </a:endParaRPr>
+          </a:p>
+        </p:txBody>
+      </p:sp>
+      <p:sp>
+        <p:nvSpPr>
+          <p:cNvPr id="8" name="TextBox 7">
+            <a:extLst>
+              <a:ext uri="{FF2B5EF4-FFF2-40B4-BE49-F238E27FC236}">
+                <a16:creationId xmlns:a16="http://schemas.microsoft.com/office/drawing/2014/main" id="{4867E101-1ED4-DC41-A2EA-66834B96E37E}"/>
+              </a:ext>
+            </a:extLst>
+          </p:cNvPr>
+          <p:cNvSpPr txBox="1"/>
+          <p:nvPr/>
+        </p:nvSpPr>
+        <p:spPr>
+          <a:xfrm>
+            <a:off x="468313" y="6282410"/>
+            <a:ext cx="8683626" cy="450573"/>
+          </a:xfrm>
+          <a:prstGeom prst="rect">
+            <a:avLst/>
+          </a:prstGeom>
+          <a:solidFill>
+            <a:schemeClr val="bg2"/>
+          </a:solidFill>
+        </p:spPr>
+        <p:txBody>
+          <a:bodyPr wrap="square" rtlCol="0">
+            <a:spAutoFit/>
+          </a:bodyPr>
+          <a:lstStyle/>
+          <a:p>
+            <a:r>
+              <a:rPr lang="en-US" dirty="0"/>
+              <a:t>$ </a:t>
+            </a:r>
+            <a:r>
+              <a:rPr lang="en-US" dirty="0" err="1"/>
+              <a:t>sudo</a:t>
+            </a:r>
+            <a:r>
+              <a:rPr lang="en-US" dirty="0"/>
+              <a:t> </a:t>
+            </a:r>
+            <a:r>
+              <a:rPr lang="en-US" dirty="0" err="1"/>
+              <a:t>timedatectl</a:t>
+            </a:r>
+            <a:r>
+              <a:rPr lang="en-US" dirty="0"/>
+              <a:t> set-</a:t>
+            </a:r>
+            <a:r>
+              <a:rPr lang="en-US" dirty="0" err="1"/>
+              <a:t>timezone</a:t>
+            </a:r>
+            <a:r>
+              <a:rPr lang="en-US" dirty="0"/>
+              <a:t> Africa/Kampala</a:t>
+            </a:r>
           </a:p>
         </p:txBody>
       </p:sp>
@@ -30648,7 +28599,7 @@
 </p:sld>
 </file>
 
-<file path=ppt/slides/slide25.xml><?xml version="1.0" encoding="utf-8"?>
+<file path=ppt/slides/slide24.xml><?xml version="1.0" encoding="utf-8"?>
 <p:sld xmlns:a="http://schemas.openxmlformats.org/drawingml/2006/main" xmlns:r="http://schemas.openxmlformats.org/officeDocument/2006/relationships" xmlns:p="http://schemas.openxmlformats.org/presentationml/2006/main">
   <p:cSld>
     <p:bg>
@@ -39734,7 +37685,7 @@
         </p:spPr>
         <p:txBody>
           <a:bodyPr>
-            <a:normAutofit fontScale="92500" lnSpcReduction="10000"/>
+            <a:normAutofit fontScale="92500" lnSpcReduction="20000"/>
           </a:bodyPr>
           <a:lstStyle/>
           <a:p>
@@ -39835,7 +37786,7 @@
             </a:r>
             <a:r>
               <a:rPr lang="en-US" dirty="0"/>
-              <a:t> (GIY) </a:t>
+              <a:t> (GIYF) </a:t>
             </a:r>
           </a:p>
           <a:p>

--- a/ntp/ntp-service.pptx
+++ b/ntp/ntp-service.pptx
@@ -27199,7 +27199,7 @@
             </a:r>
             <a:r>
               <a:rPr lang="en-US" dirty="0"/>
-              <a:t> (retiring) </a:t>
+              <a:t> (legacy) </a:t>
             </a:r>
           </a:p>
         </p:txBody>
@@ -27459,8 +27459,13 @@
             </a:r>
             <a:r>
               <a:rPr lang="en-US" dirty="0"/>
-              <a:t> (retiring)</a:t>
-            </a:r>
+              <a:t> </a:t>
+            </a:r>
+            <a:r>
+              <a:rPr lang="en-US"/>
+              <a:t>(legacy)</a:t>
+            </a:r>
+            <a:endParaRPr lang="en-US" dirty="0"/>
           </a:p>
         </p:txBody>
       </p:sp>

--- a/ntp/ntp-service.pptx
+++ b/ntp/ntp-service.pptx
@@ -27459,13 +27459,8 @@
             </a:r>
             <a:r>
               <a:rPr lang="en-US" dirty="0"/>
-              <a:t> </a:t>
-            </a:r>
-            <a:r>
-              <a:rPr lang="en-US"/>
-              <a:t>(legacy)</a:t>
-            </a:r>
-            <a:endParaRPr lang="en-US" dirty="0"/>
+              <a:t> (legacy)</a:t>
+            </a:r>
           </a:p>
         </p:txBody>
       </p:sp>
@@ -27671,8 +27666,13 @@
             </a:r>
             <a:r>
               <a:rPr lang="en-US" dirty="0"/>
-              <a:t>-v 0.africa.pool.ntp.or</a:t>
-            </a:r>
+              <a:t>-v 0.africa.pool.ntp</a:t>
+            </a:r>
+            <a:r>
+              <a:rPr lang="en-US"/>
+              <a:t>.org</a:t>
+            </a:r>
+            <a:endParaRPr lang="en-US" dirty="0"/>
           </a:p>
         </p:txBody>
       </p:sp>
@@ -27985,7 +27985,15 @@
             </a:pPr>
             <a:r>
               <a:rPr lang="en-US" dirty="0"/>
-              <a:t>Use 0.africa.pool.ntp.org 1.africa.pool.ntp.org  why ?</a:t>
+              <a:t>Use servers closest to your region </a:t>
+            </a:r>
+            <a:r>
+              <a:rPr lang="en-US" dirty="0" err="1"/>
+              <a:t>i.e</a:t>
+            </a:r>
+            <a:r>
+              <a:rPr lang="en-US" dirty="0"/>
+              <a:t> 0.africa.pool.ntp.org 1.africa.pool.ntp.org - why ?</a:t>
             </a:r>
           </a:p>
           <a:p>
@@ -28081,7 +28089,7 @@
         </p:nvSpPr>
         <p:spPr>
           <a:xfrm>
-            <a:off x="433388" y="5837237"/>
+            <a:off x="433388" y="5913437"/>
             <a:ext cx="9102725" cy="1067280"/>
           </a:xfrm>
           <a:prstGeom prst="rect">
